--- a/draft-gandhi-mpls-ioam-sr-05.pptx
+++ b/draft-gandhi-mpls-ioam-sr-05.pptx
@@ -5,10 +5,10 @@
     <p:sldMasterId id="2147483648" r:id="rId1"/>
   </p:sldMasterIdLst>
   <p:notesMasterIdLst>
-    <p:notesMasterId r:id="rId19"/>
+    <p:notesMasterId r:id="rId24"/>
   </p:notesMasterIdLst>
   <p:handoutMasterIdLst>
-    <p:handoutMasterId r:id="rId20"/>
+    <p:handoutMasterId r:id="rId25"/>
   </p:handoutMasterIdLst>
   <p:sldIdLst>
     <p:sldId id="256" r:id="rId2"/>
@@ -26,8 +26,13 @@
     <p:sldId id="1661" r:id="rId14"/>
     <p:sldId id="303" r:id="rId15"/>
     <p:sldId id="1670" r:id="rId16"/>
-    <p:sldId id="1667" r:id="rId17"/>
-    <p:sldId id="1669" r:id="rId18"/>
+    <p:sldId id="1677" r:id="rId17"/>
+    <p:sldId id="1678" r:id="rId18"/>
+    <p:sldId id="1679" r:id="rId19"/>
+    <p:sldId id="1676" r:id="rId20"/>
+    <p:sldId id="1674" r:id="rId21"/>
+    <p:sldId id="1667" r:id="rId22"/>
+    <p:sldId id="1669" r:id="rId23"/>
   </p:sldIdLst>
   <p:sldSz cx="9144000" cy="5143500" type="screen16x9"/>
   <p:notesSz cx="6858000" cy="9144000"/>
@@ -1218,7 +1223,7 @@
               <a:pPr>
                 <a:defRPr/>
               </a:pPr>
-              <a:t>17</a:t>
+              <a:t>22</a:t>
             </a:fld>
             <a:endParaRPr lang="en-US" altLang="zh-CN"/>
           </a:p>
@@ -2107,7 +2112,7 @@
             </a:pPr>
             <a:r>
               <a:rPr lang="en-US" altLang="zh-CN" dirty="0"/>
-              <a:t>107</a:t>
+              <a:t>110</a:t>
             </a:r>
             <a:r>
               <a:rPr lang="en-US" altLang="zh-CN" baseline="30000" dirty="0"/>
@@ -2115,7 +2120,7 @@
             </a:r>
             <a:r>
               <a:rPr lang="en-US" altLang="zh-CN" dirty="0"/>
-              <a:t> IETF @ Vancouver</a:t>
+              <a:t> IETF Online</a:t>
             </a:r>
           </a:p>
         </p:txBody>
@@ -2331,7 +2336,7 @@
             </a:pPr>
             <a:r>
               <a:rPr lang="en-US" altLang="zh-CN" dirty="0"/>
-              <a:t>107</a:t>
+              <a:t>110</a:t>
             </a:r>
             <a:r>
               <a:rPr lang="en-US" altLang="zh-CN" baseline="30000" dirty="0"/>
@@ -2339,7 +2344,7 @@
             </a:r>
             <a:r>
               <a:rPr lang="en-US" altLang="zh-CN" dirty="0"/>
-              <a:t> IETF @ Vancouver</a:t>
+              <a:t> IETF Online</a:t>
             </a:r>
           </a:p>
         </p:txBody>
@@ -2565,7 +2570,7 @@
             </a:pPr>
             <a:r>
               <a:rPr lang="en-US" altLang="zh-CN" dirty="0"/>
-              <a:t>107</a:t>
+              <a:t>110</a:t>
             </a:r>
             <a:r>
               <a:rPr lang="en-US" altLang="zh-CN" baseline="30000" dirty="0"/>
@@ -2573,7 +2578,7 @@
             </a:r>
             <a:r>
               <a:rPr lang="en-US" altLang="zh-CN" dirty="0"/>
-              <a:t> IETF @ Vancouver</a:t>
+              <a:t> IETF Online</a:t>
             </a:r>
           </a:p>
         </p:txBody>
@@ -2789,7 +2794,7 @@
             </a:pPr>
             <a:r>
               <a:rPr lang="en-US" altLang="zh-CN" dirty="0"/>
-              <a:t>107</a:t>
+              <a:t>110</a:t>
             </a:r>
             <a:r>
               <a:rPr lang="en-US" altLang="zh-CN" baseline="30000" dirty="0"/>
@@ -2797,7 +2802,7 @@
             </a:r>
             <a:r>
               <a:rPr lang="en-US" altLang="zh-CN" dirty="0"/>
-              <a:t> IETF @ Vancouver</a:t>
+              <a:t> IETF Online</a:t>
             </a:r>
           </a:p>
         </p:txBody>
@@ -2988,7 +2993,7 @@
             </a:pPr>
             <a:r>
               <a:rPr lang="en-US" altLang="zh-CN" dirty="0"/>
-              <a:t>107</a:t>
+              <a:t>110</a:t>
             </a:r>
             <a:r>
               <a:rPr lang="en-US" altLang="zh-CN" baseline="30000" dirty="0"/>
@@ -2996,7 +3001,7 @@
             </a:r>
             <a:r>
               <a:rPr lang="en-US" altLang="zh-CN" dirty="0"/>
-              <a:t> IETF @ Vancouver</a:t>
+              <a:t> IETF Online</a:t>
             </a:r>
           </a:p>
         </p:txBody>
@@ -3277,7 +3282,7 @@
             </a:pPr>
             <a:r>
               <a:rPr lang="en-US" altLang="zh-CN" dirty="0"/>
-              <a:t>107</a:t>
+              <a:t>110</a:t>
             </a:r>
             <a:r>
               <a:rPr lang="en-US" altLang="zh-CN" baseline="30000" dirty="0"/>
@@ -3285,7 +3290,7 @@
             </a:r>
             <a:r>
               <a:rPr lang="en-US" altLang="zh-CN" dirty="0"/>
-              <a:t> IETF @ Vancouver</a:t>
+              <a:t> IETF Online</a:t>
             </a:r>
           </a:p>
         </p:txBody>
@@ -3700,7 +3705,7 @@
             </a:pPr>
             <a:r>
               <a:rPr lang="en-US" altLang="zh-CN" dirty="0"/>
-              <a:t>107</a:t>
+              <a:t>110</a:t>
             </a:r>
             <a:r>
               <a:rPr lang="en-US" altLang="zh-CN" baseline="30000" dirty="0"/>
@@ -3708,7 +3713,7 @@
             </a:r>
             <a:r>
               <a:rPr lang="en-US" altLang="zh-CN" dirty="0"/>
-              <a:t> IETF @ Vancouver</a:t>
+              <a:t> IETF Online</a:t>
             </a:r>
           </a:p>
         </p:txBody>
@@ -3821,7 +3826,7 @@
             </a:pPr>
             <a:r>
               <a:rPr lang="en-US" altLang="zh-CN" dirty="0"/>
-              <a:t>107</a:t>
+              <a:t>110</a:t>
             </a:r>
             <a:r>
               <a:rPr lang="en-US" altLang="zh-CN" baseline="30000" dirty="0"/>
@@ -3829,7 +3834,7 @@
             </a:r>
             <a:r>
               <a:rPr lang="en-US" altLang="zh-CN" dirty="0"/>
-              <a:t> IETF @ Vancouver</a:t>
+              <a:t> IETF Online</a:t>
             </a:r>
           </a:p>
         </p:txBody>
@@ -3920,7 +3925,7 @@
             </a:pPr>
             <a:r>
               <a:rPr lang="en-US" altLang="zh-CN" dirty="0"/>
-              <a:t>107</a:t>
+              <a:t>110</a:t>
             </a:r>
             <a:r>
               <a:rPr lang="en-US" altLang="zh-CN" baseline="30000" dirty="0"/>
@@ -3928,7 +3933,7 @@
             </a:r>
             <a:r>
               <a:rPr lang="en-US" altLang="zh-CN" dirty="0"/>
-              <a:t> IETF @ Vancouver</a:t>
+              <a:t> IETF Online</a:t>
             </a:r>
           </a:p>
         </p:txBody>
@@ -4199,7 +4204,7 @@
             </a:pPr>
             <a:r>
               <a:rPr lang="en-US" altLang="zh-CN" dirty="0"/>
-              <a:t>107</a:t>
+              <a:t>110</a:t>
             </a:r>
             <a:r>
               <a:rPr lang="en-US" altLang="zh-CN" baseline="30000" dirty="0"/>
@@ -4207,7 +4212,7 @@
             </a:r>
             <a:r>
               <a:rPr lang="en-US" altLang="zh-CN" dirty="0"/>
-              <a:t> IETF @ Vancouver</a:t>
+              <a:t> IETF Online</a:t>
             </a:r>
           </a:p>
         </p:txBody>
@@ -4456,7 +4461,7 @@
             </a:pPr>
             <a:r>
               <a:rPr lang="en-US" altLang="zh-CN" dirty="0"/>
-              <a:t>107</a:t>
+              <a:t>110</a:t>
             </a:r>
             <a:r>
               <a:rPr lang="en-US" altLang="zh-CN" baseline="30000" dirty="0"/>
@@ -4464,7 +4469,7 @@
             </a:r>
             <a:r>
               <a:rPr lang="en-US" altLang="zh-CN" dirty="0"/>
-              <a:t> IETF @ Vancouver</a:t>
+              <a:t> IETF Online</a:t>
             </a:r>
           </a:p>
         </p:txBody>
@@ -4697,7 +4702,7 @@
             </a:pPr>
             <a:r>
               <a:rPr lang="en-US" altLang="zh-CN" dirty="0"/>
-              <a:t>107</a:t>
+              <a:t>110</a:t>
             </a:r>
             <a:r>
               <a:rPr lang="en-US" altLang="zh-CN" baseline="30000" dirty="0"/>
@@ -4705,7 +4710,7 @@
             </a:r>
             <a:r>
               <a:rPr lang="en-US" altLang="zh-CN" dirty="0"/>
-              <a:t> IETF @ Vancouver</a:t>
+              <a:t> IETF Online</a:t>
             </a:r>
           </a:p>
         </p:txBody>
@@ -6143,7 +6148,7 @@
             </a:pPr>
             <a:r>
               <a:rPr lang="en-CA" sz="2000" dirty="0"/>
-              <a:t>Label assigned by IANA with value </a:t>
+              <a:t>Extension Label (15) and Label assigned by IANA with value </a:t>
             </a:r>
             <a:r>
               <a:rPr lang="en-CA" sz="2000" dirty="0">
@@ -6355,8 +6360,8 @@
         </p:nvSpPr>
         <p:spPr>
           <a:xfrm>
-            <a:off x="533399" y="857250"/>
-            <a:ext cx="7982607" cy="3543300"/>
+            <a:off x="580696" y="817444"/>
+            <a:ext cx="7982607" cy="3695700"/>
           </a:xfrm>
         </p:spPr>
         <p:txBody>
@@ -6365,7 +6370,7 @@
           <a:p>
             <a:pPr marL="457200" lvl="0" indent="-457200">
               <a:lnSpc>
-                <a:spcPts val="2640"/>
+                <a:spcPts val="2340"/>
               </a:lnSpc>
               <a:spcBef>
                 <a:spcPts val="600"/>
@@ -6374,22 +6379,22 @@
               <a:buAutoNum type="arabicPeriod"/>
             </a:pPr>
             <a:r>
-              <a:rPr lang="en-CA" sz="1800" dirty="0"/>
+              <a:rPr lang="en-CA" sz="1600" dirty="0"/>
               <a:t>The encapsulating node inserts a </a:t>
             </a:r>
             <a:r>
-              <a:rPr lang="en-CA" sz="1800" dirty="0" err="1"/>
+              <a:rPr lang="en-CA" sz="1600" dirty="0" err="1"/>
               <a:t>HbH</a:t>
             </a:r>
             <a:r>
-              <a:rPr lang="en-CA" sz="1800" dirty="0"/>
+              <a:rPr lang="en-CA" sz="1600" dirty="0"/>
               <a:t> Indicator Label and one or more IOAM data field(s) in the MPLS header.</a:t>
             </a:r>
           </a:p>
           <a:p>
             <a:pPr marL="457200" indent="-457200">
               <a:lnSpc>
-                <a:spcPts val="2640"/>
+                <a:spcPts val="2340"/>
               </a:lnSpc>
               <a:spcBef>
                 <a:spcPts val="600"/>
@@ -6398,7 +6403,7 @@
               <a:buAutoNum type="arabicPeriod"/>
             </a:pPr>
             <a:r>
-              <a:rPr lang="en-CA" sz="1800" dirty="0">
+              <a:rPr lang="en-CA" sz="1600" dirty="0">
                 <a:solidFill>
                   <a:srgbClr val="0070C0"/>
                 </a:solidFill>
@@ -6406,7 +6411,7 @@
               <a:t>The transit node processes </a:t>
             </a:r>
             <a:r>
-              <a:rPr lang="en-CA" sz="1800" dirty="0" err="1">
+              <a:rPr lang="en-CA" sz="1600" dirty="0" err="1">
                 <a:solidFill>
                   <a:srgbClr val="0070C0"/>
                 </a:solidFill>
@@ -6414,7 +6419,7 @@
               <a:t>HbH</a:t>
             </a:r>
             <a:r>
-              <a:rPr lang="en-CA" sz="1800" dirty="0">
+              <a:rPr lang="en-CA" sz="1600" dirty="0">
                 <a:solidFill>
                   <a:srgbClr val="0070C0"/>
                 </a:solidFill>
@@ -6425,7 +6430,7 @@
           <a:p>
             <a:pPr marL="457200" lvl="0" indent="-457200">
               <a:lnSpc>
-                <a:spcPts val="2640"/>
+                <a:spcPts val="2340"/>
               </a:lnSpc>
               <a:spcBef>
                 <a:spcPts val="600"/>
@@ -6434,22 +6439,14 @@
               <a:buAutoNum type="arabicPeriod"/>
             </a:pPr>
             <a:r>
-              <a:rPr lang="en-CA" sz="1800" dirty="0"/>
-              <a:t>The decapsulating node for </a:t>
-            </a:r>
-            <a:r>
-              <a:rPr lang="en-CA" sz="1800" dirty="0" err="1"/>
-              <a:t>HbH</a:t>
-            </a:r>
-            <a:r>
-              <a:rPr lang="en-CA" sz="1800" dirty="0"/>
-              <a:t> IOAM "forwards and punts the timestamped copy" of the data packet including IOAM data field(s). </a:t>
+              <a:rPr lang="en-CA" sz="1600" dirty="0"/>
+              <a:t>The decapsulating node "punts the timestamped copy" of the data packet including IOAM data field(s). </a:t>
             </a:r>
           </a:p>
           <a:p>
             <a:pPr marL="857250" lvl="1" indent="-457200">
               <a:lnSpc>
-                <a:spcPts val="2640"/>
+                <a:spcPts val="2340"/>
               </a:lnSpc>
               <a:spcBef>
                 <a:spcPts val="600"/>
@@ -6458,16 +6455,40 @@
               <a:buChar char="§"/>
             </a:pPr>
             <a:r>
-              <a:rPr lang="en-CA" sz="1800" dirty="0"/>
-              <a:t>The decapsulating node for </a:t>
-            </a:r>
-            <a:r>
-              <a:rPr lang="en-CA" sz="1800" dirty="0" err="1"/>
-              <a:t>HbH</a:t>
-            </a:r>
-            <a:r>
-              <a:rPr lang="en-CA" sz="1800" dirty="0"/>
-              <a:t> IOAM also pops the IOAM Indicator Label and the IOAM data field(s) from the MPLS header.</a:t>
+              <a:rPr lang="en-CA" sz="1600" dirty="0"/>
+              <a:t>The decapsulating node for E2E IOAM also pops the IOAM Indicator Label and the IOAM data field(s) from the MPLS header.</a:t>
+            </a:r>
+          </a:p>
+          <a:p>
+            <a:pPr marL="857250" lvl="1" indent="-457200">
+              <a:lnSpc>
+                <a:spcPts val="2340"/>
+              </a:lnSpc>
+              <a:spcBef>
+                <a:spcPts val="600"/>
+              </a:spcBef>
+              <a:buFont typeface="Wingdings" pitchFamily="2" charset="2"/>
+              <a:buChar char="§"/>
+            </a:pPr>
+            <a:r>
+              <a:rPr lang="en-CA" sz="1600" dirty="0"/>
+              <a:t>The decapsulating node processes IOAM data field(s).</a:t>
+            </a:r>
+          </a:p>
+          <a:p>
+            <a:pPr marL="857250" lvl="1" indent="-457200">
+              <a:lnSpc>
+                <a:spcPts val="2340"/>
+              </a:lnSpc>
+              <a:spcBef>
+                <a:spcPts val="600"/>
+              </a:spcBef>
+              <a:buFont typeface="Wingdings" pitchFamily="2" charset="2"/>
+              <a:buChar char="§"/>
+            </a:pPr>
+            <a:r>
+              <a:rPr lang="en-CA" sz="1600" dirty="0"/>
+              <a:t>The decapsulating node forwards the data packet downstream.</a:t>
             </a:r>
           </a:p>
         </p:txBody>
@@ -7310,7 +7331,7 @@
           <p:cNvPr id="2" name="Title 1">
             <a:extLst>
               <a:ext uri="{FF2B5EF4-FFF2-40B4-BE49-F238E27FC236}">
-                <a16:creationId xmlns:a16="http://schemas.microsoft.com/office/drawing/2014/main" id="{590D0125-5A9E-9D48-9391-85FBD0E608A2}"/>
+                <a16:creationId xmlns:a16="http://schemas.microsoft.com/office/drawing/2014/main" id="{16C5255E-BE42-5348-AC0F-6257873BBB61}"/>
               </a:ext>
             </a:extLst>
           </p:cNvPr>
@@ -7323,8 +7344,8 @@
         </p:nvSpPr>
         <p:spPr>
           <a:xfrm>
-            <a:off x="1066800" y="-17621"/>
-            <a:ext cx="8077200" cy="599270"/>
+            <a:off x="457200" y="0"/>
+            <a:ext cx="8229600" cy="857250"/>
           </a:xfrm>
         </p:spPr>
         <p:txBody>
@@ -7333,21 +7354,197 @@
           <a:p>
             <a:pPr algn="l"/>
             <a:r>
-              <a:rPr lang="en-CA" sz="2700" dirty="0">
+              <a:rPr lang="en-US" sz="3600" dirty="0">
                 <a:solidFill>
                   <a:srgbClr val="0070C0"/>
                 </a:solidFill>
                 <a:latin typeface="Calibri Light" panose="020F0302020204030204" pitchFamily="34" charset="0"/>
                 <a:cs typeface="Calibri Light" panose="020F0302020204030204" pitchFamily="34" charset="0"/>
               </a:rPr>
-              <a:t>IOAM Encapsulation Example with SR-MPLS Header</a:t>
-            </a:r>
-            <a:endParaRPr lang="en-US" sz="2700" dirty="0">
-              <a:solidFill>
-                <a:srgbClr val="0070C0"/>
-              </a:solidFill>
-              <a:latin typeface="Calibri Light" panose="020F0302020204030204" pitchFamily="34" charset="0"/>
-              <a:cs typeface="Calibri Light" panose="020F0302020204030204" pitchFamily="34" charset="0"/>
+              <a:t>Impact on Label Stack Size Imposed (MSD)</a:t>
+            </a:r>
+          </a:p>
+        </p:txBody>
+      </p:sp>
+      <p:sp>
+        <p:nvSpPr>
+          <p:cNvPr id="3" name="Content Placeholder 2">
+            <a:extLst>
+              <a:ext uri="{FF2B5EF4-FFF2-40B4-BE49-F238E27FC236}">
+                <a16:creationId xmlns:a16="http://schemas.microsoft.com/office/drawing/2014/main" id="{3943595A-2AF7-A141-B580-268FFA30C69C}"/>
+              </a:ext>
+            </a:extLst>
+          </p:cNvPr>
+          <p:cNvSpPr>
+            <a:spLocks noGrp="1"/>
+          </p:cNvSpPr>
+          <p:nvPr>
+            <p:ph idx="1"/>
+          </p:nvPr>
+        </p:nvSpPr>
+        <p:spPr>
+          <a:xfrm>
+            <a:off x="467008" y="1012105"/>
+            <a:ext cx="8229600" cy="3373636"/>
+          </a:xfrm>
+        </p:spPr>
+        <p:txBody>
+          <a:bodyPr/>
+          <a:lstStyle/>
+          <a:p>
+            <a:r>
+              <a:rPr lang="en-US" sz="1800" dirty="0">
+                <a:latin typeface="Arial" panose="020B0604020202020204" pitchFamily="34" charset="0"/>
+                <a:cs typeface="Arial" panose="020B0604020202020204" pitchFamily="34" charset="0"/>
+              </a:rPr>
+              <a:t>Available label stack size reduced</a:t>
+            </a:r>
+          </a:p>
+          <a:p>
+            <a:pPr lvl="1"/>
+            <a:r>
+              <a:rPr lang="en-US" sz="1800" dirty="0">
+                <a:latin typeface="Arial" panose="020B0604020202020204" pitchFamily="34" charset="0"/>
+                <a:cs typeface="Arial" panose="020B0604020202020204" pitchFamily="34" charset="0"/>
+              </a:rPr>
+              <a:t>Extension Label 15 </a:t>
+            </a:r>
+          </a:p>
+          <a:p>
+            <a:pPr lvl="1"/>
+            <a:r>
+              <a:rPr lang="en-US" sz="1800" dirty="0" err="1">
+                <a:latin typeface="Arial" panose="020B0604020202020204" pitchFamily="34" charset="0"/>
+                <a:cs typeface="Arial" panose="020B0604020202020204" pitchFamily="34" charset="0"/>
+              </a:rPr>
+              <a:t>HbH</a:t>
+            </a:r>
+            <a:r>
+              <a:rPr lang="en-US" sz="1800" dirty="0">
+                <a:latin typeface="Arial" panose="020B0604020202020204" pitchFamily="34" charset="0"/>
+                <a:cs typeface="Arial" panose="020B0604020202020204" pitchFamily="34" charset="0"/>
+              </a:rPr>
+              <a:t> IOAM Indicator SPL </a:t>
+            </a:r>
+          </a:p>
+          <a:p>
+            <a:r>
+              <a:rPr lang="en-US" sz="1800" dirty="0">
+                <a:latin typeface="Arial" panose="020B0604020202020204" pitchFamily="34" charset="0"/>
+                <a:cs typeface="Arial" panose="020B0604020202020204" pitchFamily="34" charset="0"/>
+              </a:rPr>
+              <a:t>May need to add entropy label due to ECMP path impact, further reducing available label stack size</a:t>
+            </a:r>
+          </a:p>
+          <a:p>
+            <a:pPr lvl="1"/>
+            <a:r>
+              <a:rPr lang="en-US" sz="1800" dirty="0">
+                <a:latin typeface="Arial" panose="020B0604020202020204" pitchFamily="34" charset="0"/>
+                <a:cs typeface="Arial" panose="020B0604020202020204" pitchFamily="34" charset="0"/>
+              </a:rPr>
+              <a:t>ELI </a:t>
+            </a:r>
+          </a:p>
+          <a:p>
+            <a:pPr lvl="1"/>
+            <a:r>
+              <a:rPr lang="en-US" sz="1800" dirty="0">
+                <a:latin typeface="Arial" panose="020B0604020202020204" pitchFamily="34" charset="0"/>
+                <a:cs typeface="Arial" panose="020B0604020202020204" pitchFamily="34" charset="0"/>
+              </a:rPr>
+              <a:t>Entropy Label</a:t>
+            </a:r>
+          </a:p>
+          <a:p>
+            <a:endParaRPr lang="en-US" sz="1800" dirty="0">
+              <a:latin typeface="Arial" panose="020B0604020202020204" pitchFamily="34" charset="0"/>
+              <a:cs typeface="Arial" panose="020B0604020202020204" pitchFamily="34" charset="0"/>
+            </a:endParaRPr>
+          </a:p>
+          <a:p>
+            <a:pPr>
+              <a:buFont typeface="Wingdings" pitchFamily="2" charset="2"/>
+              <a:buChar char="ü"/>
+            </a:pPr>
+            <a:r>
+              <a:rPr lang="en-US" sz="1800" dirty="0">
+                <a:latin typeface="Arial" panose="020B0604020202020204" pitchFamily="34" charset="0"/>
+                <a:cs typeface="Arial" panose="020B0604020202020204" pitchFamily="34" charset="0"/>
+              </a:rPr>
+              <a:t>This is true for all schemes using </a:t>
+            </a:r>
+            <a:r>
+              <a:rPr lang="en-US" sz="1800" dirty="0" err="1">
+                <a:latin typeface="Arial" panose="020B0604020202020204" pitchFamily="34" charset="0"/>
+                <a:cs typeface="Arial" panose="020B0604020202020204" pitchFamily="34" charset="0"/>
+              </a:rPr>
+              <a:t>eSPL</a:t>
+            </a:r>
+            <a:r>
+              <a:rPr lang="en-US" sz="1800" dirty="0">
+                <a:latin typeface="Arial" panose="020B0604020202020204" pitchFamily="34" charset="0"/>
+                <a:cs typeface="Arial" panose="020B0604020202020204" pitchFamily="34" charset="0"/>
+              </a:rPr>
+              <a:t>, e.g., </a:t>
+            </a:r>
+            <a:r>
+              <a:rPr lang="en-CA" sz="1800" dirty="0">
+                <a:latin typeface="Arial" panose="020B0604020202020204" pitchFamily="34" charset="0"/>
+                <a:cs typeface="Arial" panose="020B0604020202020204" pitchFamily="34" charset="0"/>
+              </a:rPr>
+              <a:t>draft-</a:t>
+            </a:r>
+            <a:r>
+              <a:rPr lang="en-CA" sz="1800" dirty="0" err="1">
+                <a:latin typeface="Arial" panose="020B0604020202020204" pitchFamily="34" charset="0"/>
+                <a:cs typeface="Arial" panose="020B0604020202020204" pitchFamily="34" charset="0"/>
+              </a:rPr>
+              <a:t>cheng</a:t>
+            </a:r>
+            <a:r>
+              <a:rPr lang="en-CA" sz="1800" dirty="0">
+                <a:latin typeface="Arial" panose="020B0604020202020204" pitchFamily="34" charset="0"/>
+                <a:cs typeface="Arial" panose="020B0604020202020204" pitchFamily="34" charset="0"/>
+              </a:rPr>
+              <a:t>-</a:t>
+            </a:r>
+            <a:r>
+              <a:rPr lang="en-CA" sz="1800" dirty="0" err="1">
+                <a:latin typeface="Arial" panose="020B0604020202020204" pitchFamily="34" charset="0"/>
+                <a:cs typeface="Arial" panose="020B0604020202020204" pitchFamily="34" charset="0"/>
+              </a:rPr>
+              <a:t>mpls</a:t>
+            </a:r>
+            <a:r>
+              <a:rPr lang="en-CA" sz="1800" dirty="0">
+                <a:latin typeface="Arial" panose="020B0604020202020204" pitchFamily="34" charset="0"/>
+                <a:cs typeface="Arial" panose="020B0604020202020204" pitchFamily="34" charset="0"/>
+              </a:rPr>
+              <a:t>-</a:t>
+            </a:r>
+            <a:r>
+              <a:rPr lang="en-CA" sz="1800" dirty="0" err="1">
+                <a:latin typeface="Arial" panose="020B0604020202020204" pitchFamily="34" charset="0"/>
+                <a:cs typeface="Arial" panose="020B0604020202020204" pitchFamily="34" charset="0"/>
+              </a:rPr>
+              <a:t>inband</a:t>
+            </a:r>
+            <a:r>
+              <a:rPr lang="en-CA" sz="1800" dirty="0">
+                <a:latin typeface="Arial" panose="020B0604020202020204" pitchFamily="34" charset="0"/>
+                <a:cs typeface="Arial" panose="020B0604020202020204" pitchFamily="34" charset="0"/>
+              </a:rPr>
+              <a:t>-pm-encapsulation</a:t>
+            </a:r>
+          </a:p>
+          <a:p>
+            <a:pPr marL="0" indent="0">
+              <a:buNone/>
+            </a:pPr>
+            <a:endParaRPr lang="en-US" sz="1800" dirty="0">
+              <a:latin typeface="Arial" panose="020B0604020202020204" pitchFamily="34" charset="0"/>
+              <a:cs typeface="Arial" panose="020B0604020202020204" pitchFamily="34" charset="0"/>
             </a:endParaRPr>
           </a:p>
         </p:txBody>
@@ -7357,7 +7554,7 @@
           <p:cNvPr id="4" name="Footer Placeholder 3">
             <a:extLst>
               <a:ext uri="{FF2B5EF4-FFF2-40B4-BE49-F238E27FC236}">
-                <a16:creationId xmlns:a16="http://schemas.microsoft.com/office/drawing/2014/main" id="{87713FCD-3B47-804D-B373-DAB61FB5FF59}"/>
+                <a16:creationId xmlns:a16="http://schemas.microsoft.com/office/drawing/2014/main" id="{CF70CC82-C055-3645-9254-87CEC1C49032}"/>
               </a:ext>
             </a:extLst>
           </p:cNvPr>
@@ -7370,7 +7567,7 @@
         </p:nvSpPr>
         <p:spPr>
           <a:xfrm>
-            <a:off x="3124200" y="4786312"/>
+            <a:off x="3124200" y="4760472"/>
             <a:ext cx="2895600" cy="357188"/>
           </a:xfrm>
         </p:spPr>
@@ -7378,16 +7575,19 @@
           <a:bodyPr/>
           <a:lstStyle/>
           <a:p>
-            <a:r>
-              <a:rPr lang="en-CA" dirty="0"/>
+            <a:pPr>
+              <a:defRPr/>
+            </a:pPr>
+            <a:r>
+              <a:rPr lang="en-US" altLang="zh-CN" dirty="0"/>
               <a:t>110</a:t>
             </a:r>
             <a:r>
-              <a:rPr lang="en-CA" baseline="30000" dirty="0"/>
+              <a:rPr lang="en-US" altLang="zh-CN" baseline="30000" dirty="0"/>
               <a:t>th</a:t>
             </a:r>
             <a:r>
-              <a:rPr lang="en-CA" dirty="0"/>
+              <a:rPr lang="en-US" altLang="zh-CN" dirty="0"/>
               <a:t> IETF Online</a:t>
             </a:r>
           </a:p>
@@ -7398,7 +7598,7 @@
           <p:cNvPr id="5" name="Slide Number Placeholder 4">
             <a:extLst>
               <a:ext uri="{FF2B5EF4-FFF2-40B4-BE49-F238E27FC236}">
-                <a16:creationId xmlns:a16="http://schemas.microsoft.com/office/drawing/2014/main" id="{1371408B-9195-EC4D-8131-A3F5CC0592D0}"/>
+                <a16:creationId xmlns:a16="http://schemas.microsoft.com/office/drawing/2014/main" id="{62DF7D69-BCF6-2D4A-A3F1-2D32C59355D3}"/>
               </a:ext>
             </a:extLst>
           </p:cNvPr>
@@ -7423,6 +7623,1482 @@
                 <a:defRPr/>
               </a:pPr>
               <a:t>16</a:t>
+            </a:fld>
+            <a:endParaRPr lang="en-US" altLang="zh-CN"/>
+          </a:p>
+        </p:txBody>
+      </p:sp>
+    </p:spTree>
+    <p:extLst>
+      <p:ext uri="{BB962C8B-B14F-4D97-AF65-F5344CB8AC3E}">
+        <p14:creationId xmlns:p14="http://schemas.microsoft.com/office/powerpoint/2010/main" val="1151529161"/>
+      </p:ext>
+    </p:extLst>
+  </p:cSld>
+  <p:clrMapOvr>
+    <a:masterClrMapping/>
+  </p:clrMapOvr>
+</p:sld>
+</file>
+
+<file path=ppt/slides/slide17.xml><?xml version="1.0" encoding="utf-8"?>
+<p:sld xmlns:a="http://schemas.openxmlformats.org/drawingml/2006/main" xmlns:r="http://schemas.openxmlformats.org/officeDocument/2006/relationships" xmlns:p="http://schemas.openxmlformats.org/presentationml/2006/main">
+  <p:cSld>
+    <p:spTree>
+      <p:nvGrpSpPr>
+        <p:cNvPr id="1" name=""/>
+        <p:cNvGrpSpPr/>
+        <p:nvPr/>
+      </p:nvGrpSpPr>
+      <p:grpSpPr>
+        <a:xfrm>
+          <a:off x="0" y="0"/>
+          <a:ext cx="0" cy="0"/>
+          <a:chOff x="0" y="0"/>
+          <a:chExt cx="0" cy="0"/>
+        </a:xfrm>
+      </p:grpSpPr>
+      <p:sp>
+        <p:nvSpPr>
+          <p:cNvPr id="2" name="Title 1">
+            <a:extLst>
+              <a:ext uri="{FF2B5EF4-FFF2-40B4-BE49-F238E27FC236}">
+                <a16:creationId xmlns:a16="http://schemas.microsoft.com/office/drawing/2014/main" id="{16C5255E-BE42-5348-AC0F-6257873BBB61}"/>
+              </a:ext>
+            </a:extLst>
+          </p:cNvPr>
+          <p:cNvSpPr>
+            <a:spLocks noGrp="1"/>
+          </p:cNvSpPr>
+          <p:nvPr>
+            <p:ph type="title"/>
+          </p:nvPr>
+        </p:nvSpPr>
+        <p:spPr>
+          <a:xfrm>
+            <a:off x="457200" y="0"/>
+            <a:ext cx="8229600" cy="857250"/>
+          </a:xfrm>
+        </p:spPr>
+        <p:txBody>
+          <a:bodyPr/>
+          <a:lstStyle/>
+          <a:p>
+            <a:pPr algn="l"/>
+            <a:r>
+              <a:rPr lang="en-US" sz="3600" dirty="0">
+                <a:solidFill>
+                  <a:srgbClr val="0070C0"/>
+                </a:solidFill>
+                <a:latin typeface="Calibri Light" panose="020F0302020204030204" pitchFamily="34" charset="0"/>
+                <a:cs typeface="Calibri Light" panose="020F0302020204030204" pitchFamily="34" charset="0"/>
+              </a:rPr>
+              <a:t>Transit Nodes Scan Deeper in MPLS Header</a:t>
+            </a:r>
+          </a:p>
+        </p:txBody>
+      </p:sp>
+      <p:sp>
+        <p:nvSpPr>
+          <p:cNvPr id="3" name="Content Placeholder 2">
+            <a:extLst>
+              <a:ext uri="{FF2B5EF4-FFF2-40B4-BE49-F238E27FC236}">
+                <a16:creationId xmlns:a16="http://schemas.microsoft.com/office/drawing/2014/main" id="{3943595A-2AF7-A141-B580-268FFA30C69C}"/>
+              </a:ext>
+            </a:extLst>
+          </p:cNvPr>
+          <p:cNvSpPr>
+            <a:spLocks noGrp="1"/>
+          </p:cNvSpPr>
+          <p:nvPr>
+            <p:ph idx="1"/>
+          </p:nvPr>
+        </p:nvSpPr>
+        <p:spPr>
+          <a:xfrm>
+            <a:off x="482851" y="971550"/>
+            <a:ext cx="8229600" cy="3373636"/>
+          </a:xfrm>
+        </p:spPr>
+        <p:txBody>
+          <a:bodyPr/>
+          <a:lstStyle/>
+          <a:p>
+            <a:r>
+              <a:rPr lang="en-US" sz="1800" dirty="0">
+                <a:latin typeface="Arial" panose="020B0604020202020204" pitchFamily="34" charset="0"/>
+                <a:cs typeface="Arial" panose="020B0604020202020204" pitchFamily="34" charset="0"/>
+              </a:rPr>
+              <a:t>Transit nodes need to scan deeper into the MPLS header.</a:t>
+            </a:r>
+          </a:p>
+          <a:p>
+            <a:endParaRPr lang="en-US" sz="1800" dirty="0">
+              <a:latin typeface="Arial" panose="020B0604020202020204" pitchFamily="34" charset="0"/>
+              <a:cs typeface="Arial" panose="020B0604020202020204" pitchFamily="34" charset="0"/>
+            </a:endParaRPr>
+          </a:p>
+          <a:p>
+            <a:endParaRPr lang="en-US" sz="1800" dirty="0">
+              <a:latin typeface="Arial" panose="020B0604020202020204" pitchFamily="34" charset="0"/>
+              <a:cs typeface="Arial" panose="020B0604020202020204" pitchFamily="34" charset="0"/>
+            </a:endParaRPr>
+          </a:p>
+          <a:p>
+            <a:pPr>
+              <a:buFont typeface="Wingdings" pitchFamily="2" charset="2"/>
+              <a:buChar char="ü"/>
+            </a:pPr>
+            <a:r>
+              <a:rPr lang="en-US" sz="1800" dirty="0">
+                <a:latin typeface="Arial" panose="020B0604020202020204" pitchFamily="34" charset="0"/>
+                <a:cs typeface="Arial" panose="020B0604020202020204" pitchFamily="34" charset="0"/>
+              </a:rPr>
+              <a:t>This is also true for ELI and EL today.</a:t>
+            </a:r>
+            <a:endParaRPr lang="en-CA" sz="1800" dirty="0">
+              <a:latin typeface="Arial" panose="020B0604020202020204" pitchFamily="34" charset="0"/>
+              <a:cs typeface="Arial" panose="020B0604020202020204" pitchFamily="34" charset="0"/>
+            </a:endParaRPr>
+          </a:p>
+          <a:p>
+            <a:pPr>
+              <a:buFont typeface="Wingdings" pitchFamily="2" charset="2"/>
+              <a:buChar char="ü"/>
+            </a:pPr>
+            <a:r>
+              <a:rPr lang="en-CA" sz="1800" dirty="0">
+                <a:latin typeface="Arial" panose="020B0604020202020204" pitchFamily="34" charset="0"/>
+                <a:cs typeface="Arial" panose="020B0604020202020204" pitchFamily="34" charset="0"/>
+              </a:rPr>
+              <a:t>Note that with any indicator scheme, the node will have to look deeper into the packet to find the IOAM data that needs to be processed.</a:t>
+            </a:r>
+          </a:p>
+          <a:p>
+            <a:endParaRPr lang="en-US" sz="1800" dirty="0">
+              <a:latin typeface="Arial" panose="020B0604020202020204" pitchFamily="34" charset="0"/>
+              <a:cs typeface="Arial" panose="020B0604020202020204" pitchFamily="34" charset="0"/>
+            </a:endParaRPr>
+          </a:p>
+        </p:txBody>
+      </p:sp>
+      <p:sp>
+        <p:nvSpPr>
+          <p:cNvPr id="4" name="Footer Placeholder 3">
+            <a:extLst>
+              <a:ext uri="{FF2B5EF4-FFF2-40B4-BE49-F238E27FC236}">
+                <a16:creationId xmlns:a16="http://schemas.microsoft.com/office/drawing/2014/main" id="{CF70CC82-C055-3645-9254-87CEC1C49032}"/>
+              </a:ext>
+            </a:extLst>
+          </p:cNvPr>
+          <p:cNvSpPr>
+            <a:spLocks noGrp="1"/>
+          </p:cNvSpPr>
+          <p:nvPr>
+            <p:ph type="ftr" sz="quarter" idx="11"/>
+          </p:nvPr>
+        </p:nvSpPr>
+        <p:spPr>
+          <a:xfrm>
+            <a:off x="3124200" y="4760472"/>
+            <a:ext cx="2895600" cy="357188"/>
+          </a:xfrm>
+        </p:spPr>
+        <p:txBody>
+          <a:bodyPr/>
+          <a:lstStyle/>
+          <a:p>
+            <a:pPr>
+              <a:defRPr/>
+            </a:pPr>
+            <a:r>
+              <a:rPr lang="en-US" altLang="zh-CN" dirty="0"/>
+              <a:t>110</a:t>
+            </a:r>
+            <a:r>
+              <a:rPr lang="en-US" altLang="zh-CN" baseline="30000" dirty="0"/>
+              <a:t>th</a:t>
+            </a:r>
+            <a:r>
+              <a:rPr lang="en-US" altLang="zh-CN" dirty="0"/>
+              <a:t> IETF Online</a:t>
+            </a:r>
+          </a:p>
+        </p:txBody>
+      </p:sp>
+      <p:sp>
+        <p:nvSpPr>
+          <p:cNvPr id="5" name="Slide Number Placeholder 4">
+            <a:extLst>
+              <a:ext uri="{FF2B5EF4-FFF2-40B4-BE49-F238E27FC236}">
+                <a16:creationId xmlns:a16="http://schemas.microsoft.com/office/drawing/2014/main" id="{62DF7D69-BCF6-2D4A-A3F1-2D32C59355D3}"/>
+              </a:ext>
+            </a:extLst>
+          </p:cNvPr>
+          <p:cNvSpPr>
+            <a:spLocks noGrp="1"/>
+          </p:cNvSpPr>
+          <p:nvPr>
+            <p:ph type="sldNum" sz="quarter" idx="12"/>
+          </p:nvPr>
+        </p:nvSpPr>
+        <p:spPr/>
+        <p:txBody>
+          <a:bodyPr/>
+          <a:lstStyle/>
+          <a:p>
+            <a:pPr>
+              <a:defRPr/>
+            </a:pPr>
+            <a:fld id="{BD6E0F59-1DD8-40FC-9C92-B6295CBA6CCA}" type="slidenum">
+              <a:rPr lang="en-US" altLang="zh-CN" smtClean="0"/>
+              <a:pPr>
+                <a:defRPr/>
+              </a:pPr>
+              <a:t>17</a:t>
+            </a:fld>
+            <a:endParaRPr lang="en-US" altLang="zh-CN"/>
+          </a:p>
+        </p:txBody>
+      </p:sp>
+    </p:spTree>
+    <p:extLst>
+      <p:ext uri="{BB962C8B-B14F-4D97-AF65-F5344CB8AC3E}">
+        <p14:creationId xmlns:p14="http://schemas.microsoft.com/office/powerpoint/2010/main" val="4096689609"/>
+      </p:ext>
+    </p:extLst>
+  </p:cSld>
+  <p:clrMapOvr>
+    <a:masterClrMapping/>
+  </p:clrMapOvr>
+</p:sld>
+</file>
+
+<file path=ppt/slides/slide18.xml><?xml version="1.0" encoding="utf-8"?>
+<p:sld xmlns:a="http://schemas.openxmlformats.org/drawingml/2006/main" xmlns:r="http://schemas.openxmlformats.org/officeDocument/2006/relationships" xmlns:p="http://schemas.openxmlformats.org/presentationml/2006/main">
+  <p:cSld>
+    <p:spTree>
+      <p:nvGrpSpPr>
+        <p:cNvPr id="1" name=""/>
+        <p:cNvGrpSpPr/>
+        <p:nvPr/>
+      </p:nvGrpSpPr>
+      <p:grpSpPr>
+        <a:xfrm>
+          <a:off x="0" y="0"/>
+          <a:ext cx="0" cy="0"/>
+          <a:chOff x="0" y="0"/>
+          <a:chExt cx="0" cy="0"/>
+        </a:xfrm>
+      </p:grpSpPr>
+      <p:sp>
+        <p:nvSpPr>
+          <p:cNvPr id="2" name="Title 1">
+            <a:extLst>
+              <a:ext uri="{FF2B5EF4-FFF2-40B4-BE49-F238E27FC236}">
+                <a16:creationId xmlns:a16="http://schemas.microsoft.com/office/drawing/2014/main" id="{16C5255E-BE42-5348-AC0F-6257873BBB61}"/>
+              </a:ext>
+            </a:extLst>
+          </p:cNvPr>
+          <p:cNvSpPr>
+            <a:spLocks noGrp="1"/>
+          </p:cNvSpPr>
+          <p:nvPr>
+            <p:ph type="title"/>
+          </p:nvPr>
+        </p:nvSpPr>
+        <p:spPr>
+          <a:xfrm>
+            <a:off x="457200" y="0"/>
+            <a:ext cx="8229600" cy="857250"/>
+          </a:xfrm>
+        </p:spPr>
+        <p:txBody>
+          <a:bodyPr/>
+          <a:lstStyle/>
+          <a:p>
+            <a:pPr algn="l"/>
+            <a:r>
+              <a:rPr lang="en-US" sz="3600" dirty="0">
+                <a:solidFill>
+                  <a:srgbClr val="0070C0"/>
+                </a:solidFill>
+                <a:latin typeface="Calibri Light" panose="020F0302020204030204" pitchFamily="34" charset="0"/>
+                <a:cs typeface="Calibri Light" panose="020F0302020204030204" pitchFamily="34" charset="0"/>
+              </a:rPr>
+              <a:t>Different FEC (SFL) for IOAM Packets</a:t>
+            </a:r>
+          </a:p>
+        </p:txBody>
+      </p:sp>
+      <p:sp>
+        <p:nvSpPr>
+          <p:cNvPr id="3" name="Content Placeholder 2">
+            <a:extLst>
+              <a:ext uri="{FF2B5EF4-FFF2-40B4-BE49-F238E27FC236}">
+                <a16:creationId xmlns:a16="http://schemas.microsoft.com/office/drawing/2014/main" id="{3943595A-2AF7-A141-B580-268FFA30C69C}"/>
+              </a:ext>
+            </a:extLst>
+          </p:cNvPr>
+          <p:cNvSpPr>
+            <a:spLocks noGrp="1"/>
+          </p:cNvSpPr>
+          <p:nvPr>
+            <p:ph idx="1"/>
+          </p:nvPr>
+        </p:nvSpPr>
+        <p:spPr>
+          <a:xfrm>
+            <a:off x="457200" y="1045490"/>
+            <a:ext cx="8229600" cy="3373636"/>
+          </a:xfrm>
+        </p:spPr>
+        <p:txBody>
+          <a:bodyPr/>
+          <a:lstStyle/>
+          <a:p>
+            <a:r>
+              <a:rPr lang="en-CA" sz="1600" dirty="0">
+                <a:solidFill>
+                  <a:srgbClr val="000000"/>
+                </a:solidFill>
+                <a:latin typeface="Arial" panose="020B0604020202020204" pitchFamily="34" charset="0"/>
+                <a:cs typeface="Arial" panose="020B0604020202020204" pitchFamily="34" charset="0"/>
+              </a:rPr>
+              <a:t>With a special FEC for IOAM packets and a "normal” FEC for data packets that don't carry IOAM info, it might mean that we drop the normal traffic while the </a:t>
+            </a:r>
+            <a:r>
+              <a:rPr lang="en-CA" sz="1600" dirty="0" err="1">
+                <a:solidFill>
+                  <a:srgbClr val="000000"/>
+                </a:solidFill>
+                <a:latin typeface="Arial" panose="020B0604020202020204" pitchFamily="34" charset="0"/>
+                <a:cs typeface="Arial" panose="020B0604020202020204" pitchFamily="34" charset="0"/>
+              </a:rPr>
+              <a:t>iOAM</a:t>
+            </a:r>
+            <a:r>
+              <a:rPr lang="en-CA" sz="1600" dirty="0">
+                <a:solidFill>
+                  <a:srgbClr val="000000"/>
+                </a:solidFill>
+                <a:latin typeface="Arial" panose="020B0604020202020204" pitchFamily="34" charset="0"/>
+                <a:cs typeface="Arial" panose="020B0604020202020204" pitchFamily="34" charset="0"/>
+              </a:rPr>
+              <a:t> traffic works.</a:t>
+            </a:r>
+          </a:p>
+          <a:p>
+            <a:endParaRPr lang="en-CA" sz="1600" dirty="0">
+              <a:solidFill>
+                <a:srgbClr val="000000"/>
+              </a:solidFill>
+              <a:latin typeface="Arial" panose="020B0604020202020204" pitchFamily="34" charset="0"/>
+              <a:cs typeface="Arial" panose="020B0604020202020204" pitchFamily="34" charset="0"/>
+            </a:endParaRPr>
+          </a:p>
+          <a:p>
+            <a:pPr>
+              <a:buFont typeface="Wingdings" pitchFamily="2" charset="2"/>
+              <a:buChar char="ü"/>
+            </a:pPr>
+            <a:r>
+              <a:rPr lang="en-CA" sz="1600" dirty="0">
+                <a:solidFill>
+                  <a:srgbClr val="000000"/>
+                </a:solidFill>
+                <a:latin typeface="Arial" panose="020B0604020202020204" pitchFamily="34" charset="0"/>
+                <a:cs typeface="Arial" panose="020B0604020202020204" pitchFamily="34" charset="0"/>
+              </a:rPr>
+              <a:t>This is indeed an issue with using SFL kind of approach. OAM reports the metrics of the LSP on which the normal traffic is not really flowing. The forwarding normal packets are not using the LSP used by the OAM, as there are two synonymous LSPs.</a:t>
+            </a:r>
+            <a:endParaRPr lang="en-US" sz="1600" dirty="0">
+              <a:latin typeface="Arial" panose="020B0604020202020204" pitchFamily="34" charset="0"/>
+              <a:cs typeface="Arial" panose="020B0604020202020204" pitchFamily="34" charset="0"/>
+            </a:endParaRPr>
+          </a:p>
+          <a:p>
+            <a:pPr lvl="1"/>
+            <a:endParaRPr lang="en-US" sz="1200" dirty="0">
+              <a:latin typeface="Arial" panose="020B0604020202020204" pitchFamily="34" charset="0"/>
+              <a:cs typeface="Arial" panose="020B0604020202020204" pitchFamily="34" charset="0"/>
+            </a:endParaRPr>
+          </a:p>
+          <a:p>
+            <a:endParaRPr lang="en-US" sz="1200" dirty="0">
+              <a:latin typeface="Arial" panose="020B0604020202020204" pitchFamily="34" charset="0"/>
+              <a:cs typeface="Arial" panose="020B0604020202020204" pitchFamily="34" charset="0"/>
+            </a:endParaRPr>
+          </a:p>
+        </p:txBody>
+      </p:sp>
+      <p:sp>
+        <p:nvSpPr>
+          <p:cNvPr id="4" name="Footer Placeholder 3">
+            <a:extLst>
+              <a:ext uri="{FF2B5EF4-FFF2-40B4-BE49-F238E27FC236}">
+                <a16:creationId xmlns:a16="http://schemas.microsoft.com/office/drawing/2014/main" id="{CF70CC82-C055-3645-9254-87CEC1C49032}"/>
+              </a:ext>
+            </a:extLst>
+          </p:cNvPr>
+          <p:cNvSpPr>
+            <a:spLocks noGrp="1"/>
+          </p:cNvSpPr>
+          <p:nvPr>
+            <p:ph type="ftr" sz="quarter" idx="11"/>
+          </p:nvPr>
+        </p:nvSpPr>
+        <p:spPr>
+          <a:xfrm>
+            <a:off x="3124200" y="4760472"/>
+            <a:ext cx="2895600" cy="357188"/>
+          </a:xfrm>
+        </p:spPr>
+        <p:txBody>
+          <a:bodyPr/>
+          <a:lstStyle/>
+          <a:p>
+            <a:pPr>
+              <a:defRPr/>
+            </a:pPr>
+            <a:r>
+              <a:rPr lang="en-US" altLang="zh-CN" dirty="0"/>
+              <a:t>110</a:t>
+            </a:r>
+            <a:r>
+              <a:rPr lang="en-US" altLang="zh-CN" baseline="30000" dirty="0"/>
+              <a:t>th</a:t>
+            </a:r>
+            <a:r>
+              <a:rPr lang="en-US" altLang="zh-CN" dirty="0"/>
+              <a:t> IETF Online</a:t>
+            </a:r>
+          </a:p>
+        </p:txBody>
+      </p:sp>
+      <p:sp>
+        <p:nvSpPr>
+          <p:cNvPr id="5" name="Slide Number Placeholder 4">
+            <a:extLst>
+              <a:ext uri="{FF2B5EF4-FFF2-40B4-BE49-F238E27FC236}">
+                <a16:creationId xmlns:a16="http://schemas.microsoft.com/office/drawing/2014/main" id="{62DF7D69-BCF6-2D4A-A3F1-2D32C59355D3}"/>
+              </a:ext>
+            </a:extLst>
+          </p:cNvPr>
+          <p:cNvSpPr>
+            <a:spLocks noGrp="1"/>
+          </p:cNvSpPr>
+          <p:nvPr>
+            <p:ph type="sldNum" sz="quarter" idx="12"/>
+          </p:nvPr>
+        </p:nvSpPr>
+        <p:spPr/>
+        <p:txBody>
+          <a:bodyPr/>
+          <a:lstStyle/>
+          <a:p>
+            <a:pPr>
+              <a:defRPr/>
+            </a:pPr>
+            <a:fld id="{BD6E0F59-1DD8-40FC-9C92-B6295CBA6CCA}" type="slidenum">
+              <a:rPr lang="en-US" altLang="zh-CN" smtClean="0"/>
+              <a:pPr>
+                <a:defRPr/>
+              </a:pPr>
+              <a:t>18</a:t>
+            </a:fld>
+            <a:endParaRPr lang="en-US" altLang="zh-CN"/>
+          </a:p>
+        </p:txBody>
+      </p:sp>
+    </p:spTree>
+    <p:extLst>
+      <p:ext uri="{BB962C8B-B14F-4D97-AF65-F5344CB8AC3E}">
+        <p14:creationId xmlns:p14="http://schemas.microsoft.com/office/powerpoint/2010/main" val="2453454227"/>
+      </p:ext>
+    </p:extLst>
+  </p:cSld>
+  <p:clrMapOvr>
+    <a:masterClrMapping/>
+  </p:clrMapOvr>
+</p:sld>
+</file>
+
+<file path=ppt/slides/slide19.xml><?xml version="1.0" encoding="utf-8"?>
+<p:sld xmlns:a="http://schemas.openxmlformats.org/drawingml/2006/main" xmlns:r="http://schemas.openxmlformats.org/officeDocument/2006/relationships" xmlns:p="http://schemas.openxmlformats.org/presentationml/2006/main">
+  <p:cSld>
+    <p:spTree>
+      <p:nvGrpSpPr>
+        <p:cNvPr id="1" name=""/>
+        <p:cNvGrpSpPr/>
+        <p:nvPr/>
+      </p:nvGrpSpPr>
+      <p:grpSpPr>
+        <a:xfrm>
+          <a:off x="0" y="0"/>
+          <a:ext cx="0" cy="0"/>
+          <a:chOff x="0" y="0"/>
+          <a:chExt cx="0" cy="0"/>
+        </a:xfrm>
+      </p:grpSpPr>
+      <p:sp>
+        <p:nvSpPr>
+          <p:cNvPr id="2" name="Title 1">
+            <a:extLst>
+              <a:ext uri="{FF2B5EF4-FFF2-40B4-BE49-F238E27FC236}">
+                <a16:creationId xmlns:a16="http://schemas.microsoft.com/office/drawing/2014/main" id="{16C5255E-BE42-5348-AC0F-6257873BBB61}"/>
+              </a:ext>
+            </a:extLst>
+          </p:cNvPr>
+          <p:cNvSpPr>
+            <a:spLocks noGrp="1"/>
+          </p:cNvSpPr>
+          <p:nvPr>
+            <p:ph type="title"/>
+          </p:nvPr>
+        </p:nvSpPr>
+        <p:spPr>
+          <a:xfrm>
+            <a:off x="457200" y="0"/>
+            <a:ext cx="8229600" cy="857250"/>
+          </a:xfrm>
+        </p:spPr>
+        <p:txBody>
+          <a:bodyPr/>
+          <a:lstStyle/>
+          <a:p>
+            <a:pPr algn="l"/>
+            <a:r>
+              <a:rPr lang="en-US" sz="3600" dirty="0">
+                <a:solidFill>
+                  <a:srgbClr val="0070C0"/>
+                </a:solidFill>
+                <a:latin typeface="Calibri Light" panose="020F0302020204030204" pitchFamily="34" charset="0"/>
+                <a:cs typeface="Calibri Light" panose="020F0302020204030204" pitchFamily="34" charset="0"/>
+              </a:rPr>
+              <a:t>IOAM Data After </a:t>
+            </a:r>
+            <a:r>
+              <a:rPr lang="en-US" sz="3600" dirty="0" err="1">
+                <a:solidFill>
+                  <a:srgbClr val="0070C0"/>
+                </a:solidFill>
+                <a:latin typeface="Calibri Light" panose="020F0302020204030204" pitchFamily="34" charset="0"/>
+                <a:cs typeface="Calibri Light" panose="020F0302020204030204" pitchFamily="34" charset="0"/>
+              </a:rPr>
+              <a:t>EoS</a:t>
+            </a:r>
+            <a:endParaRPr lang="en-US" sz="3600" dirty="0">
+              <a:solidFill>
+                <a:srgbClr val="0070C0"/>
+              </a:solidFill>
+              <a:latin typeface="Calibri Light" panose="020F0302020204030204" pitchFamily="34" charset="0"/>
+              <a:cs typeface="Calibri Light" panose="020F0302020204030204" pitchFamily="34" charset="0"/>
+            </a:endParaRPr>
+          </a:p>
+        </p:txBody>
+      </p:sp>
+      <p:sp>
+        <p:nvSpPr>
+          <p:cNvPr id="3" name="Content Placeholder 2">
+            <a:extLst>
+              <a:ext uri="{FF2B5EF4-FFF2-40B4-BE49-F238E27FC236}">
+                <a16:creationId xmlns:a16="http://schemas.microsoft.com/office/drawing/2014/main" id="{3943595A-2AF7-A141-B580-268FFA30C69C}"/>
+              </a:ext>
+            </a:extLst>
+          </p:cNvPr>
+          <p:cNvSpPr>
+            <a:spLocks noGrp="1"/>
+          </p:cNvSpPr>
+          <p:nvPr>
+            <p:ph idx="1"/>
+          </p:nvPr>
+        </p:nvSpPr>
+        <p:spPr>
+          <a:xfrm>
+            <a:off x="457200" y="895350"/>
+            <a:ext cx="8229600" cy="3373636"/>
+          </a:xfrm>
+        </p:spPr>
+        <p:txBody>
+          <a:bodyPr/>
+          <a:lstStyle/>
+          <a:p>
+            <a:r>
+              <a:rPr lang="en-CA" sz="1800" dirty="0"/>
+              <a:t>What if the LSP is carrying a PW or is </a:t>
+            </a:r>
+            <a:r>
+              <a:rPr lang="en-CA" sz="1800" dirty="0" err="1"/>
+              <a:t>DetNet</a:t>
+            </a:r>
+            <a:r>
+              <a:rPr lang="en-CA" sz="1800" dirty="0"/>
+              <a:t>? </a:t>
+            </a:r>
+          </a:p>
+          <a:p>
+            <a:r>
+              <a:rPr lang="en-CA" sz="1800" dirty="0"/>
+              <a:t>What if it is a MS-PW? </a:t>
+            </a:r>
+          </a:p>
+          <a:p>
+            <a:r>
+              <a:rPr lang="en-CA" sz="1800" dirty="0"/>
+              <a:t>In all these cases there is a CW immediately after </a:t>
+            </a:r>
+            <a:r>
+              <a:rPr lang="en-CA" sz="1800" dirty="0" err="1"/>
+              <a:t>EoS</a:t>
+            </a:r>
+            <a:r>
+              <a:rPr lang="en-CA" sz="1800" dirty="0"/>
+              <a:t>. </a:t>
+            </a:r>
+          </a:p>
+          <a:p>
+            <a:r>
+              <a:rPr lang="en-CA" sz="1800" dirty="0"/>
+              <a:t>Then there is the universal fragmentation idea that is floating about that also wants to follow </a:t>
+            </a:r>
+            <a:r>
+              <a:rPr lang="en-CA" sz="1800" dirty="0" err="1"/>
+              <a:t>BoS</a:t>
+            </a:r>
+            <a:r>
+              <a:rPr lang="en-CA" sz="1800" dirty="0"/>
+              <a:t>.</a:t>
+            </a:r>
+            <a:endParaRPr lang="en-US" sz="1800" dirty="0"/>
+          </a:p>
+        </p:txBody>
+      </p:sp>
+      <p:sp>
+        <p:nvSpPr>
+          <p:cNvPr id="4" name="Footer Placeholder 3">
+            <a:extLst>
+              <a:ext uri="{FF2B5EF4-FFF2-40B4-BE49-F238E27FC236}">
+                <a16:creationId xmlns:a16="http://schemas.microsoft.com/office/drawing/2014/main" id="{CF70CC82-C055-3645-9254-87CEC1C49032}"/>
+              </a:ext>
+            </a:extLst>
+          </p:cNvPr>
+          <p:cNvSpPr>
+            <a:spLocks noGrp="1"/>
+          </p:cNvSpPr>
+          <p:nvPr>
+            <p:ph type="ftr" sz="quarter" idx="11"/>
+          </p:nvPr>
+        </p:nvSpPr>
+        <p:spPr>
+          <a:xfrm>
+            <a:off x="3124200" y="4786312"/>
+            <a:ext cx="2895600" cy="357188"/>
+          </a:xfrm>
+        </p:spPr>
+        <p:txBody>
+          <a:bodyPr/>
+          <a:lstStyle/>
+          <a:p>
+            <a:pPr>
+              <a:defRPr/>
+            </a:pPr>
+            <a:r>
+              <a:rPr lang="en-US" altLang="zh-CN" dirty="0"/>
+              <a:t>110</a:t>
+            </a:r>
+            <a:r>
+              <a:rPr lang="en-US" altLang="zh-CN" baseline="30000" dirty="0"/>
+              <a:t>th</a:t>
+            </a:r>
+            <a:r>
+              <a:rPr lang="en-US" altLang="zh-CN" dirty="0"/>
+              <a:t> IETF Online</a:t>
+            </a:r>
+          </a:p>
+        </p:txBody>
+      </p:sp>
+      <p:sp>
+        <p:nvSpPr>
+          <p:cNvPr id="5" name="Slide Number Placeholder 4">
+            <a:extLst>
+              <a:ext uri="{FF2B5EF4-FFF2-40B4-BE49-F238E27FC236}">
+                <a16:creationId xmlns:a16="http://schemas.microsoft.com/office/drawing/2014/main" id="{62DF7D69-BCF6-2D4A-A3F1-2D32C59355D3}"/>
+              </a:ext>
+            </a:extLst>
+          </p:cNvPr>
+          <p:cNvSpPr>
+            <a:spLocks noGrp="1"/>
+          </p:cNvSpPr>
+          <p:nvPr>
+            <p:ph type="sldNum" sz="quarter" idx="12"/>
+          </p:nvPr>
+        </p:nvSpPr>
+        <p:spPr/>
+        <p:txBody>
+          <a:bodyPr/>
+          <a:lstStyle/>
+          <a:p>
+            <a:pPr>
+              <a:defRPr/>
+            </a:pPr>
+            <a:fld id="{BD6E0F59-1DD8-40FC-9C92-B6295CBA6CCA}" type="slidenum">
+              <a:rPr lang="en-US" altLang="zh-CN" smtClean="0"/>
+              <a:pPr>
+                <a:defRPr/>
+              </a:pPr>
+              <a:t>19</a:t>
+            </a:fld>
+            <a:endParaRPr lang="en-US" altLang="zh-CN"/>
+          </a:p>
+        </p:txBody>
+      </p:sp>
+    </p:spTree>
+    <p:extLst>
+      <p:ext uri="{BB962C8B-B14F-4D97-AF65-F5344CB8AC3E}">
+        <p14:creationId xmlns:p14="http://schemas.microsoft.com/office/powerpoint/2010/main" val="2484630727"/>
+      </p:ext>
+    </p:extLst>
+  </p:cSld>
+  <p:clrMapOvr>
+    <a:masterClrMapping/>
+  </p:clrMapOvr>
+</p:sld>
+</file>
+
+<file path=ppt/slides/slide2.xml><?xml version="1.0" encoding="utf-8"?>
+<p:sld xmlns:a="http://schemas.openxmlformats.org/drawingml/2006/main" xmlns:r="http://schemas.openxmlformats.org/officeDocument/2006/relationships" xmlns:p="http://schemas.openxmlformats.org/presentationml/2006/main">
+  <p:cSld>
+    <p:spTree>
+      <p:nvGrpSpPr>
+        <p:cNvPr id="1" name=""/>
+        <p:cNvGrpSpPr/>
+        <p:nvPr/>
+      </p:nvGrpSpPr>
+      <p:grpSpPr>
+        <a:xfrm>
+          <a:off x="0" y="0"/>
+          <a:ext cx="0" cy="0"/>
+          <a:chOff x="0" y="0"/>
+          <a:chExt cx="0" cy="0"/>
+        </a:xfrm>
+      </p:grpSpPr>
+      <p:sp>
+        <p:nvSpPr>
+          <p:cNvPr id="2" name="Title 1"/>
+          <p:cNvSpPr>
+            <a:spLocks noGrp="1"/>
+          </p:cNvSpPr>
+          <p:nvPr>
+            <p:ph type="title"/>
+          </p:nvPr>
+        </p:nvSpPr>
+        <p:spPr>
+          <a:xfrm>
+            <a:off x="457200" y="0"/>
+            <a:ext cx="8229600" cy="857250"/>
+          </a:xfrm>
+        </p:spPr>
+        <p:txBody>
+          <a:bodyPr/>
+          <a:lstStyle/>
+          <a:p>
+            <a:r>
+              <a:rPr lang="en-US" sz="3600" dirty="0">
+                <a:solidFill>
+                  <a:srgbClr val="0070C0"/>
+                </a:solidFill>
+                <a:latin typeface="Calibri Light" panose="020F0302020204030204" pitchFamily="34" charset="0"/>
+                <a:cs typeface="Calibri Light" panose="020F0302020204030204" pitchFamily="34" charset="0"/>
+              </a:rPr>
+              <a:t>Agenda</a:t>
+            </a:r>
+          </a:p>
+        </p:txBody>
+      </p:sp>
+      <p:sp>
+        <p:nvSpPr>
+          <p:cNvPr id="3" name="Content Placeholder 2"/>
+          <p:cNvSpPr>
+            <a:spLocks noGrp="1"/>
+          </p:cNvSpPr>
+          <p:nvPr>
+            <p:ph idx="1"/>
+          </p:nvPr>
+        </p:nvSpPr>
+        <p:spPr>
+          <a:xfrm>
+            <a:off x="685799" y="1009650"/>
+            <a:ext cx="7772401" cy="3124200"/>
+          </a:xfrm>
+        </p:spPr>
+        <p:txBody>
+          <a:bodyPr/>
+          <a:lstStyle/>
+          <a:p>
+            <a:r>
+              <a:rPr lang="en-US" sz="2400" dirty="0"/>
+              <a:t>Requirements and Scope</a:t>
+            </a:r>
+          </a:p>
+          <a:p>
+            <a:r>
+              <a:rPr lang="en-US" sz="2400" dirty="0"/>
+              <a:t>Summary</a:t>
+            </a:r>
+          </a:p>
+          <a:p>
+            <a:r>
+              <a:rPr lang="en-US" sz="2400" dirty="0"/>
+              <a:t>Next Steps</a:t>
+            </a:r>
+          </a:p>
+        </p:txBody>
+      </p:sp>
+      <p:sp>
+        <p:nvSpPr>
+          <p:cNvPr id="4" name="Footer Placeholder 3"/>
+          <p:cNvSpPr>
+            <a:spLocks noGrp="1"/>
+          </p:cNvSpPr>
+          <p:nvPr>
+            <p:ph type="ftr" sz="quarter" idx="11"/>
+          </p:nvPr>
+        </p:nvSpPr>
+        <p:spPr>
+          <a:xfrm>
+            <a:off x="3124200" y="4786312"/>
+            <a:ext cx="2895600" cy="357188"/>
+          </a:xfrm>
+        </p:spPr>
+        <p:txBody>
+          <a:bodyPr/>
+          <a:lstStyle/>
+          <a:p>
+            <a:r>
+              <a:rPr lang="en-CA" dirty="0"/>
+              <a:t>110</a:t>
+            </a:r>
+            <a:r>
+              <a:rPr lang="en-CA" baseline="30000" dirty="0"/>
+              <a:t>th</a:t>
+            </a:r>
+            <a:r>
+              <a:rPr lang="en-CA" dirty="0"/>
+              <a:t> IETF Online</a:t>
+            </a:r>
+          </a:p>
+        </p:txBody>
+      </p:sp>
+      <p:sp>
+        <p:nvSpPr>
+          <p:cNvPr id="5" name="Slide Number Placeholder 4"/>
+          <p:cNvSpPr>
+            <a:spLocks noGrp="1"/>
+          </p:cNvSpPr>
+          <p:nvPr>
+            <p:ph type="sldNum" sz="quarter" idx="12"/>
+          </p:nvPr>
+        </p:nvSpPr>
+        <p:spPr/>
+        <p:txBody>
+          <a:bodyPr/>
+          <a:lstStyle/>
+          <a:p>
+            <a:pPr>
+              <a:defRPr/>
+            </a:pPr>
+            <a:fld id="{BD6E0F59-1DD8-40FC-9C92-B6295CBA6CCA}" type="slidenum">
+              <a:rPr lang="en-US" altLang="zh-CN" smtClean="0"/>
+              <a:pPr>
+                <a:defRPr/>
+              </a:pPr>
+              <a:t>2</a:t>
+            </a:fld>
+            <a:endParaRPr lang="en-US" altLang="zh-CN"/>
+          </a:p>
+        </p:txBody>
+      </p:sp>
+    </p:spTree>
+    <p:extLst>
+      <p:ext uri="{BB962C8B-B14F-4D97-AF65-F5344CB8AC3E}">
+        <p14:creationId xmlns:p14="http://schemas.microsoft.com/office/powerpoint/2010/main" val="1157046242"/>
+      </p:ext>
+    </p:extLst>
+  </p:cSld>
+  <p:clrMapOvr>
+    <a:masterClrMapping/>
+  </p:clrMapOvr>
+</p:sld>
+</file>
+
+<file path=ppt/slides/slide20.xml><?xml version="1.0" encoding="utf-8"?>
+<p:sld xmlns:a="http://schemas.openxmlformats.org/drawingml/2006/main" xmlns:r="http://schemas.openxmlformats.org/officeDocument/2006/relationships" xmlns:p="http://schemas.openxmlformats.org/presentationml/2006/main">
+  <p:cSld>
+    <p:spTree>
+      <p:nvGrpSpPr>
+        <p:cNvPr id="1" name=""/>
+        <p:cNvGrpSpPr/>
+        <p:nvPr/>
+      </p:nvGrpSpPr>
+      <p:grpSpPr>
+        <a:xfrm>
+          <a:off x="0" y="0"/>
+          <a:ext cx="0" cy="0"/>
+          <a:chOff x="0" y="0"/>
+          <a:chExt cx="0" cy="0"/>
+        </a:xfrm>
+      </p:grpSpPr>
+      <p:sp>
+        <p:nvSpPr>
+          <p:cNvPr id="2" name="Title 1">
+            <a:extLst>
+              <a:ext uri="{FF2B5EF4-FFF2-40B4-BE49-F238E27FC236}">
+                <a16:creationId xmlns:a16="http://schemas.microsoft.com/office/drawing/2014/main" id="{590D0125-5A9E-9D48-9391-85FBD0E608A2}"/>
+              </a:ext>
+            </a:extLst>
+          </p:cNvPr>
+          <p:cNvSpPr>
+            <a:spLocks noGrp="1"/>
+          </p:cNvSpPr>
+          <p:nvPr>
+            <p:ph type="title"/>
+          </p:nvPr>
+        </p:nvSpPr>
+        <p:spPr>
+          <a:xfrm>
+            <a:off x="838200" y="102393"/>
+            <a:ext cx="7620000" cy="599270"/>
+          </a:xfrm>
+        </p:spPr>
+        <p:txBody>
+          <a:bodyPr/>
+          <a:lstStyle/>
+          <a:p>
+            <a:pPr algn="l"/>
+            <a:r>
+              <a:rPr lang="en-CA" sz="3200" dirty="0">
+                <a:solidFill>
+                  <a:srgbClr val="0070C0"/>
+                </a:solidFill>
+                <a:latin typeface="Calibri Light" panose="020F0302020204030204" pitchFamily="34" charset="0"/>
+                <a:cs typeface="Calibri Light" panose="020F0302020204030204" pitchFamily="34" charset="0"/>
+              </a:rPr>
+              <a:t>Example </a:t>
+            </a:r>
+            <a:r>
+              <a:rPr lang="en-CA" sz="3200" dirty="0" err="1">
+                <a:solidFill>
+                  <a:srgbClr val="0070C0"/>
+                </a:solidFill>
+                <a:latin typeface="Calibri Light" panose="020F0302020204030204" pitchFamily="34" charset="0"/>
+                <a:cs typeface="Calibri Light" panose="020F0302020204030204" pitchFamily="34" charset="0"/>
+              </a:rPr>
+              <a:t>HbH</a:t>
+            </a:r>
+            <a:r>
+              <a:rPr lang="en-CA" sz="3200" dirty="0">
+                <a:solidFill>
+                  <a:srgbClr val="0070C0"/>
+                </a:solidFill>
+                <a:latin typeface="Calibri Light" panose="020F0302020204030204" pitchFamily="34" charset="0"/>
+                <a:cs typeface="Calibri Light" panose="020F0302020204030204" pitchFamily="34" charset="0"/>
+              </a:rPr>
+              <a:t> IOAM Encapsulation Using SFL</a:t>
+            </a:r>
+            <a:endParaRPr lang="en-US" sz="3200" dirty="0">
+              <a:solidFill>
+                <a:srgbClr val="0070C0"/>
+              </a:solidFill>
+              <a:latin typeface="Calibri Light" panose="020F0302020204030204" pitchFamily="34" charset="0"/>
+              <a:cs typeface="Calibri Light" panose="020F0302020204030204" pitchFamily="34" charset="0"/>
+            </a:endParaRPr>
+          </a:p>
+        </p:txBody>
+      </p:sp>
+      <p:sp>
+        <p:nvSpPr>
+          <p:cNvPr id="4" name="Footer Placeholder 3">
+            <a:extLst>
+              <a:ext uri="{FF2B5EF4-FFF2-40B4-BE49-F238E27FC236}">
+                <a16:creationId xmlns:a16="http://schemas.microsoft.com/office/drawing/2014/main" id="{87713FCD-3B47-804D-B373-DAB61FB5FF59}"/>
+              </a:ext>
+            </a:extLst>
+          </p:cNvPr>
+          <p:cNvSpPr>
+            <a:spLocks noGrp="1"/>
+          </p:cNvSpPr>
+          <p:nvPr>
+            <p:ph type="ftr" sz="quarter" idx="11"/>
+          </p:nvPr>
+        </p:nvSpPr>
+        <p:spPr>
+          <a:xfrm>
+            <a:off x="3124200" y="4786312"/>
+            <a:ext cx="2895600" cy="357188"/>
+          </a:xfrm>
+        </p:spPr>
+        <p:txBody>
+          <a:bodyPr/>
+          <a:lstStyle/>
+          <a:p>
+            <a:r>
+              <a:rPr lang="en-CA" dirty="0"/>
+              <a:t>110</a:t>
+            </a:r>
+            <a:r>
+              <a:rPr lang="en-CA" baseline="30000" dirty="0"/>
+              <a:t>th</a:t>
+            </a:r>
+            <a:r>
+              <a:rPr lang="en-CA" dirty="0"/>
+              <a:t> IETF Online</a:t>
+            </a:r>
+          </a:p>
+        </p:txBody>
+      </p:sp>
+      <p:sp>
+        <p:nvSpPr>
+          <p:cNvPr id="5" name="Slide Number Placeholder 4">
+            <a:extLst>
+              <a:ext uri="{FF2B5EF4-FFF2-40B4-BE49-F238E27FC236}">
+                <a16:creationId xmlns:a16="http://schemas.microsoft.com/office/drawing/2014/main" id="{1371408B-9195-EC4D-8131-A3F5CC0592D0}"/>
+              </a:ext>
+            </a:extLst>
+          </p:cNvPr>
+          <p:cNvSpPr>
+            <a:spLocks noGrp="1"/>
+          </p:cNvSpPr>
+          <p:nvPr>
+            <p:ph type="sldNum" sz="quarter" idx="12"/>
+          </p:nvPr>
+        </p:nvSpPr>
+        <p:spPr/>
+        <p:txBody>
+          <a:bodyPr/>
+          <a:lstStyle/>
+          <a:p>
+            <a:pPr>
+              <a:defRPr/>
+            </a:pPr>
+            <a:fld id="{BD6E0F59-1DD8-40FC-9C92-B6295CBA6CCA}" type="slidenum">
+              <a:rPr lang="en-US" altLang="zh-CN" smtClean="0"/>
+              <a:pPr>
+                <a:defRPr/>
+              </a:pPr>
+              <a:t>20</a:t>
+            </a:fld>
+            <a:endParaRPr lang="en-US" altLang="zh-CN" dirty="0"/>
+          </a:p>
+        </p:txBody>
+      </p:sp>
+      <p:sp>
+        <p:nvSpPr>
+          <p:cNvPr id="6" name="Rectangle 5">
+            <a:extLst>
+              <a:ext uri="{FF2B5EF4-FFF2-40B4-BE49-F238E27FC236}">
+                <a16:creationId xmlns:a16="http://schemas.microsoft.com/office/drawing/2014/main" id="{1EED4007-3A19-0E4E-8496-6CECEEA363EB}"/>
+              </a:ext>
+            </a:extLst>
+          </p:cNvPr>
+          <p:cNvSpPr/>
+          <p:nvPr/>
+        </p:nvSpPr>
+        <p:spPr>
+          <a:xfrm>
+            <a:off x="1905000" y="897328"/>
+            <a:ext cx="5127092" cy="3693319"/>
+          </a:xfrm>
+          <a:prstGeom prst="rect">
+            <a:avLst/>
+          </a:prstGeom>
+          <a:solidFill>
+            <a:schemeClr val="accent6">
+              <a:lumMod val="20000"/>
+              <a:lumOff val="80000"/>
+            </a:schemeClr>
+          </a:solidFill>
+        </p:spPr>
+        <p:txBody>
+          <a:bodyPr wrap="square">
+            <a:spAutoFit/>
+          </a:bodyPr>
+          <a:lstStyle/>
+          <a:p>
+            <a:r>
+              <a:rPr lang="en-CA" sz="900" dirty="0">
+                <a:latin typeface="Courier" pitchFamily="2" charset="0"/>
+              </a:rPr>
+              <a:t>    0                   1                   2                   3</a:t>
+            </a:r>
+          </a:p>
+          <a:p>
+            <a:r>
+              <a:rPr lang="en-CA" sz="900" dirty="0">
+                <a:latin typeface="Courier" pitchFamily="2" charset="0"/>
+              </a:rPr>
+              <a:t>    0 1 2 3 4 5 6 7 8 9 0 1 2 3 4 5 6 7 8 9 0 1 2 3 4 5 6 7 8 9 0 1</a:t>
+            </a:r>
+          </a:p>
+          <a:p>
+            <a:r>
+              <a:rPr lang="en-CA" sz="900" dirty="0">
+                <a:latin typeface="Courier" pitchFamily="2" charset="0"/>
+              </a:rPr>
+              <a:t>   +-+-+-+-+-+-+-+-+-+-+-+-+-+-+-+-+-+-+-+-+-+-+-+-+-+-+-+-+-+-+-+-+</a:t>
+            </a:r>
+          </a:p>
+          <a:p>
+            <a:r>
+              <a:rPr lang="en-CA" sz="900" dirty="0">
+                <a:latin typeface="Courier" pitchFamily="2" charset="0"/>
+              </a:rPr>
+              <a:t>   |  Synonymous IOAM-Label(1)             | TC  |S|  TTL          |</a:t>
+            </a:r>
+          </a:p>
+          <a:p>
+            <a:r>
+              <a:rPr lang="en-CA" sz="900" dirty="0">
+                <a:latin typeface="Courier" pitchFamily="2" charset="0"/>
+              </a:rPr>
+              <a:t>   +-+-+-+-+-+-+-+-+-+-+-+-+-+-+-+-+-+-+-+-+-+-+-+-+-+-+-+-+-+-+-+-+</a:t>
+            </a:r>
+          </a:p>
+          <a:p>
+            <a:r>
+              <a:rPr lang="en-CA" sz="900" dirty="0">
+                <a:latin typeface="Courier" pitchFamily="2" charset="0"/>
+              </a:rPr>
+              <a:t>   .                                                               .</a:t>
+            </a:r>
+          </a:p>
+          <a:p>
+            <a:r>
+              <a:rPr lang="en-CA" sz="900" dirty="0">
+                <a:latin typeface="Courier" pitchFamily="2" charset="0"/>
+              </a:rPr>
+              <a:t>   +-+-+-+-+-+-+-+-+-+-+-+-+-+-+-+-+-+-+-+-+-+-+-+-+-+-+-+-+-+-+-+-+</a:t>
+            </a:r>
+          </a:p>
+          <a:p>
+            <a:r>
+              <a:rPr lang="en-CA" sz="900" dirty="0">
+                <a:latin typeface="Courier" pitchFamily="2" charset="0"/>
+              </a:rPr>
+              <a:t>   |  Synonymous IOAM-Label(n)             | TC  |S|  TTL          |</a:t>
+            </a:r>
+          </a:p>
+          <a:p>
+            <a:r>
+              <a:rPr lang="en-CA" sz="900" dirty="0">
+                <a:latin typeface="Courier" pitchFamily="2" charset="0"/>
+              </a:rPr>
+              <a:t>   +-+-+-+-+-+-+-+-+-+-+-+-+-+-+-+-+-+-+-+-+-+-+-+-+-+-+-+-+-+-+-+-+&lt;-+ </a:t>
+            </a:r>
+          </a:p>
+          <a:p>
+            <a:r>
+              <a:rPr lang="en-CA" sz="900" dirty="0">
+                <a:latin typeface="Courier" pitchFamily="2" charset="0"/>
+              </a:rPr>
+              <a:t>   |0 0 0 1|Version|  Reserved     | IOAM G-</a:t>
+            </a:r>
+            <a:r>
+              <a:rPr lang="en-CA" sz="900" dirty="0" err="1">
+                <a:latin typeface="Courier" pitchFamily="2" charset="0"/>
+              </a:rPr>
+              <a:t>ACh</a:t>
+            </a:r>
+            <a:r>
+              <a:rPr lang="en-CA" sz="900" dirty="0">
+                <a:latin typeface="Courier" pitchFamily="2" charset="0"/>
+              </a:rPr>
+              <a:t>                    |  | </a:t>
+            </a:r>
+          </a:p>
+          <a:p>
+            <a:r>
+              <a:rPr lang="en-CA" sz="900" dirty="0">
+                <a:latin typeface="Courier" pitchFamily="2" charset="0"/>
+              </a:rPr>
+              <a:t>   +-+-+-+-+-+-+-+-+-+-+-+-+-+-+-+-+-+-+-+-+-+-+-+-+-+-+-+-+-+-+-+-+  | </a:t>
+            </a:r>
+          </a:p>
+          <a:p>
+            <a:r>
+              <a:rPr lang="en-CA" sz="900" dirty="0">
+                <a:latin typeface="Courier" pitchFamily="2" charset="0"/>
+              </a:rPr>
+              <a:t>   | Reserved      | Block Number  | IOAM-OPT-Type |IOAM HDR Length|  |</a:t>
+            </a:r>
+          </a:p>
+          <a:p>
+            <a:r>
+              <a:rPr lang="en-CA" sz="900" dirty="0">
+                <a:latin typeface="Courier" pitchFamily="2" charset="0"/>
+              </a:rPr>
+              <a:t>   +-+-+-+-+-+-+-+-+-+-+-+-+-+-+-+-+-+-+-+-+-+-+-+-+-+-+-+-+-+-+-+-+  I</a:t>
+            </a:r>
+          </a:p>
+          <a:p>
+            <a:r>
+              <a:rPr lang="en-CA" sz="900" dirty="0">
+                <a:latin typeface="Courier" pitchFamily="2" charset="0"/>
+              </a:rPr>
+              <a:t>   |                                                               |  O</a:t>
+            </a:r>
+          </a:p>
+          <a:p>
+            <a:r>
+              <a:rPr lang="en-CA" sz="900" dirty="0">
+                <a:latin typeface="Courier" pitchFamily="2" charset="0"/>
+              </a:rPr>
+              <a:t>   |                                                               |  A</a:t>
+            </a:r>
+          </a:p>
+          <a:p>
+            <a:r>
+              <a:rPr lang="en-CA" sz="900" dirty="0">
+                <a:latin typeface="Courier" pitchFamily="2" charset="0"/>
+              </a:rPr>
+              <a:t>   ~                 IOAM Option and Data Space                    ~  M</a:t>
+            </a:r>
+          </a:p>
+          <a:p>
+            <a:r>
+              <a:rPr lang="en-CA" sz="900" dirty="0">
+                <a:latin typeface="Courier" pitchFamily="2" charset="0"/>
+              </a:rPr>
+              <a:t>   |                                                               |  |</a:t>
+            </a:r>
+          </a:p>
+          <a:p>
+            <a:r>
+              <a:rPr lang="en-CA" sz="900" dirty="0">
+                <a:latin typeface="Courier" pitchFamily="2" charset="0"/>
+              </a:rPr>
+              <a:t>   |                                                               |  |</a:t>
+            </a:r>
+          </a:p>
+          <a:p>
+            <a:r>
+              <a:rPr lang="en-CA" sz="900" dirty="0">
+                <a:latin typeface="Courier" pitchFamily="2" charset="0"/>
+              </a:rPr>
+              <a:t>   +-+-+-+-+-+-+-+-+-+-+-+-+-+-+-+-+-+-+-+-+-+-+-+-+-+-+-+-+-+-+-+-+&lt;-+</a:t>
+            </a:r>
+          </a:p>
+          <a:p>
+            <a:r>
+              <a:rPr lang="en-CA" sz="900" dirty="0">
+                <a:latin typeface="Courier" pitchFamily="2" charset="0"/>
+              </a:rPr>
+              <a:t>   |                                                               |</a:t>
+            </a:r>
+          </a:p>
+          <a:p>
+            <a:r>
+              <a:rPr lang="en-CA" sz="900" dirty="0">
+                <a:latin typeface="Courier" pitchFamily="2" charset="0"/>
+              </a:rPr>
+              <a:t>   |                                                               |</a:t>
+            </a:r>
+          </a:p>
+          <a:p>
+            <a:r>
+              <a:rPr lang="en-CA" sz="900" dirty="0">
+                <a:latin typeface="Courier" pitchFamily="2" charset="0"/>
+              </a:rPr>
+              <a:t>   ~                 Payload + Padding                             ~</a:t>
+            </a:r>
+          </a:p>
+          <a:p>
+            <a:r>
+              <a:rPr lang="en-CA" sz="900" dirty="0">
+                <a:latin typeface="Courier" pitchFamily="2" charset="0"/>
+              </a:rPr>
+              <a:t>   |                                                               |</a:t>
+            </a:r>
+          </a:p>
+          <a:p>
+            <a:r>
+              <a:rPr lang="en-CA" sz="900" dirty="0">
+                <a:latin typeface="Courier" pitchFamily="2" charset="0"/>
+              </a:rPr>
+              <a:t>   |                                                               |</a:t>
+            </a:r>
+          </a:p>
+          <a:p>
+            <a:r>
+              <a:rPr lang="en-CA" sz="900" dirty="0">
+                <a:latin typeface="Courier" pitchFamily="2" charset="0"/>
+              </a:rPr>
+              <a:t>   +-+-+-+-+-+-+-+-+-+-+-+-+-+-+-+-+-+-+-+-+-+-+-+-+-+-+-+-+-+-+-+-+ </a:t>
+            </a:r>
+          </a:p>
+          <a:p>
+            <a:r>
+              <a:rPr lang="en-CA" sz="900" dirty="0">
+                <a:latin typeface="Courier" pitchFamily="2" charset="0"/>
+              </a:rPr>
+              <a:t>         Figure: IOAM Encapsulation Example with SR-MPLS Header</a:t>
+            </a:r>
+            <a:endParaRPr lang="en-CA" sz="900" dirty="0">
+              <a:latin typeface="Courier" pitchFamily="2" charset="0"/>
+              <a:ea typeface="Calibri" panose="020F0502020204030204" pitchFamily="34" charset="0"/>
+              <a:cs typeface="Times New Roman" panose="02020603050405020304" pitchFamily="18" charset="0"/>
+            </a:endParaRPr>
+          </a:p>
+        </p:txBody>
+      </p:sp>
+    </p:spTree>
+    <p:extLst>
+      <p:ext uri="{BB962C8B-B14F-4D97-AF65-F5344CB8AC3E}">
+        <p14:creationId xmlns:p14="http://schemas.microsoft.com/office/powerpoint/2010/main" val="424863198"/>
+      </p:ext>
+    </p:extLst>
+  </p:cSld>
+  <p:clrMapOvr>
+    <a:masterClrMapping/>
+  </p:clrMapOvr>
+</p:sld>
+</file>
+
+<file path=ppt/slides/slide21.xml><?xml version="1.0" encoding="utf-8"?>
+<p:sld xmlns:a="http://schemas.openxmlformats.org/drawingml/2006/main" xmlns:r="http://schemas.openxmlformats.org/officeDocument/2006/relationships" xmlns:p="http://schemas.openxmlformats.org/presentationml/2006/main">
+  <p:cSld>
+    <p:spTree>
+      <p:nvGrpSpPr>
+        <p:cNvPr id="1" name=""/>
+        <p:cNvGrpSpPr/>
+        <p:nvPr/>
+      </p:nvGrpSpPr>
+      <p:grpSpPr>
+        <a:xfrm>
+          <a:off x="0" y="0"/>
+          <a:ext cx="0" cy="0"/>
+          <a:chOff x="0" y="0"/>
+          <a:chExt cx="0" cy="0"/>
+        </a:xfrm>
+      </p:grpSpPr>
+      <p:sp>
+        <p:nvSpPr>
+          <p:cNvPr id="2" name="Title 1">
+            <a:extLst>
+              <a:ext uri="{FF2B5EF4-FFF2-40B4-BE49-F238E27FC236}">
+                <a16:creationId xmlns:a16="http://schemas.microsoft.com/office/drawing/2014/main" id="{590D0125-5A9E-9D48-9391-85FBD0E608A2}"/>
+              </a:ext>
+            </a:extLst>
+          </p:cNvPr>
+          <p:cNvSpPr>
+            <a:spLocks noGrp="1"/>
+          </p:cNvSpPr>
+          <p:nvPr>
+            <p:ph type="title"/>
+          </p:nvPr>
+        </p:nvSpPr>
+        <p:spPr>
+          <a:xfrm>
+            <a:off x="1066800" y="-17621"/>
+            <a:ext cx="8077200" cy="599270"/>
+          </a:xfrm>
+        </p:spPr>
+        <p:txBody>
+          <a:bodyPr/>
+          <a:lstStyle/>
+          <a:p>
+            <a:pPr algn="l"/>
+            <a:r>
+              <a:rPr lang="en-CA" sz="2700" dirty="0">
+                <a:solidFill>
+                  <a:srgbClr val="0070C0"/>
+                </a:solidFill>
+                <a:latin typeface="Calibri Light" panose="020F0302020204030204" pitchFamily="34" charset="0"/>
+                <a:cs typeface="Calibri Light" panose="020F0302020204030204" pitchFamily="34" charset="0"/>
+              </a:rPr>
+              <a:t>IOAM Encapsulation Example with SR-MPLS Header</a:t>
+            </a:r>
+            <a:endParaRPr lang="en-US" sz="2700" dirty="0">
+              <a:solidFill>
+                <a:srgbClr val="0070C0"/>
+              </a:solidFill>
+              <a:latin typeface="Calibri Light" panose="020F0302020204030204" pitchFamily="34" charset="0"/>
+              <a:cs typeface="Calibri Light" panose="020F0302020204030204" pitchFamily="34" charset="0"/>
+            </a:endParaRPr>
+          </a:p>
+        </p:txBody>
+      </p:sp>
+      <p:sp>
+        <p:nvSpPr>
+          <p:cNvPr id="4" name="Footer Placeholder 3">
+            <a:extLst>
+              <a:ext uri="{FF2B5EF4-FFF2-40B4-BE49-F238E27FC236}">
+                <a16:creationId xmlns:a16="http://schemas.microsoft.com/office/drawing/2014/main" id="{87713FCD-3B47-804D-B373-DAB61FB5FF59}"/>
+              </a:ext>
+            </a:extLst>
+          </p:cNvPr>
+          <p:cNvSpPr>
+            <a:spLocks noGrp="1"/>
+          </p:cNvSpPr>
+          <p:nvPr>
+            <p:ph type="ftr" sz="quarter" idx="11"/>
+          </p:nvPr>
+        </p:nvSpPr>
+        <p:spPr>
+          <a:xfrm>
+            <a:off x="3124200" y="4786312"/>
+            <a:ext cx="2895600" cy="357188"/>
+          </a:xfrm>
+        </p:spPr>
+        <p:txBody>
+          <a:bodyPr/>
+          <a:lstStyle/>
+          <a:p>
+            <a:r>
+              <a:rPr lang="en-CA" dirty="0"/>
+              <a:t>110</a:t>
+            </a:r>
+            <a:r>
+              <a:rPr lang="en-CA" baseline="30000" dirty="0"/>
+              <a:t>th</a:t>
+            </a:r>
+            <a:r>
+              <a:rPr lang="en-CA" dirty="0"/>
+              <a:t> IETF Online</a:t>
+            </a:r>
+          </a:p>
+        </p:txBody>
+      </p:sp>
+      <p:sp>
+        <p:nvSpPr>
+          <p:cNvPr id="5" name="Slide Number Placeholder 4">
+            <a:extLst>
+              <a:ext uri="{FF2B5EF4-FFF2-40B4-BE49-F238E27FC236}">
+                <a16:creationId xmlns:a16="http://schemas.microsoft.com/office/drawing/2014/main" id="{1371408B-9195-EC4D-8131-A3F5CC0592D0}"/>
+              </a:ext>
+            </a:extLst>
+          </p:cNvPr>
+          <p:cNvSpPr>
+            <a:spLocks noGrp="1"/>
+          </p:cNvSpPr>
+          <p:nvPr>
+            <p:ph type="sldNum" sz="quarter" idx="12"/>
+          </p:nvPr>
+        </p:nvSpPr>
+        <p:spPr/>
+        <p:txBody>
+          <a:bodyPr/>
+          <a:lstStyle/>
+          <a:p>
+            <a:pPr>
+              <a:defRPr/>
+            </a:pPr>
+            <a:fld id="{BD6E0F59-1DD8-40FC-9C92-B6295CBA6CCA}" type="slidenum">
+              <a:rPr lang="en-US" altLang="zh-CN" smtClean="0"/>
+              <a:pPr>
+                <a:defRPr/>
+              </a:pPr>
+              <a:t>21</a:t>
             </a:fld>
             <a:endParaRPr lang="en-US" altLang="zh-CN" dirty="0"/>
           </a:p>
@@ -7788,7 +9464,7 @@
 </p:sld>
 </file>
 
-<file path=ppt/slides/slide17.xml><?xml version="1.0" encoding="utf-8"?>
+<file path=ppt/slides/slide22.xml><?xml version="1.0" encoding="utf-8"?>
 <p:sld xmlns:a="http://schemas.openxmlformats.org/drawingml/2006/main" xmlns:r="http://schemas.openxmlformats.org/officeDocument/2006/relationships" xmlns:p="http://schemas.openxmlformats.org/presentationml/2006/main">
   <p:cSld>
     <p:spTree>
@@ -8052,7 +9728,7 @@
               <a:pPr>
                 <a:defRPr/>
               </a:pPr>
-              <a:t>17</a:t>
+              <a:t>22</a:t>
             </a:fld>
             <a:endParaRPr lang="en-US" altLang="zh-CN"/>
           </a:p>
@@ -8062,172 +9738,6 @@
     <p:extLst>
       <p:ext uri="{BB962C8B-B14F-4D97-AF65-F5344CB8AC3E}">
         <p14:creationId xmlns:p14="http://schemas.microsoft.com/office/powerpoint/2010/main" val="2276685760"/>
-      </p:ext>
-    </p:extLst>
-  </p:cSld>
-  <p:clrMapOvr>
-    <a:masterClrMapping/>
-  </p:clrMapOvr>
-</p:sld>
-</file>
-
-<file path=ppt/slides/slide2.xml><?xml version="1.0" encoding="utf-8"?>
-<p:sld xmlns:a="http://schemas.openxmlformats.org/drawingml/2006/main" xmlns:r="http://schemas.openxmlformats.org/officeDocument/2006/relationships" xmlns:p="http://schemas.openxmlformats.org/presentationml/2006/main">
-  <p:cSld>
-    <p:spTree>
-      <p:nvGrpSpPr>
-        <p:cNvPr id="1" name=""/>
-        <p:cNvGrpSpPr/>
-        <p:nvPr/>
-      </p:nvGrpSpPr>
-      <p:grpSpPr>
-        <a:xfrm>
-          <a:off x="0" y="0"/>
-          <a:ext cx="0" cy="0"/>
-          <a:chOff x="0" y="0"/>
-          <a:chExt cx="0" cy="0"/>
-        </a:xfrm>
-      </p:grpSpPr>
-      <p:sp>
-        <p:nvSpPr>
-          <p:cNvPr id="2" name="Title 1"/>
-          <p:cNvSpPr>
-            <a:spLocks noGrp="1"/>
-          </p:cNvSpPr>
-          <p:nvPr>
-            <p:ph type="title"/>
-          </p:nvPr>
-        </p:nvSpPr>
-        <p:spPr>
-          <a:xfrm>
-            <a:off x="457200" y="0"/>
-            <a:ext cx="8229600" cy="857250"/>
-          </a:xfrm>
-        </p:spPr>
-        <p:txBody>
-          <a:bodyPr/>
-          <a:lstStyle/>
-          <a:p>
-            <a:r>
-              <a:rPr lang="en-US" sz="3600" dirty="0">
-                <a:solidFill>
-                  <a:srgbClr val="0070C0"/>
-                </a:solidFill>
-                <a:latin typeface="Calibri Light" panose="020F0302020204030204" pitchFamily="34" charset="0"/>
-                <a:cs typeface="Calibri Light" panose="020F0302020204030204" pitchFamily="34" charset="0"/>
-              </a:rPr>
-              <a:t>Agenda</a:t>
-            </a:r>
-          </a:p>
-        </p:txBody>
-      </p:sp>
-      <p:sp>
-        <p:nvSpPr>
-          <p:cNvPr id="3" name="Content Placeholder 2"/>
-          <p:cNvSpPr>
-            <a:spLocks noGrp="1"/>
-          </p:cNvSpPr>
-          <p:nvPr>
-            <p:ph idx="1"/>
-          </p:nvPr>
-        </p:nvSpPr>
-        <p:spPr>
-          <a:xfrm>
-            <a:off x="685799" y="1009650"/>
-            <a:ext cx="7772401" cy="3124200"/>
-          </a:xfrm>
-        </p:spPr>
-        <p:txBody>
-          <a:bodyPr/>
-          <a:lstStyle/>
-          <a:p>
-            <a:r>
-              <a:rPr lang="en-US" sz="2400" dirty="0"/>
-              <a:t>Requirements and Scope</a:t>
-            </a:r>
-          </a:p>
-          <a:p>
-            <a:r>
-              <a:rPr lang="en-US" sz="2400" dirty="0"/>
-              <a:t>Summary</a:t>
-            </a:r>
-          </a:p>
-          <a:p>
-            <a:r>
-              <a:rPr lang="en-US" sz="2400" dirty="0"/>
-              <a:t>Next Steps</a:t>
-            </a:r>
-          </a:p>
-        </p:txBody>
-      </p:sp>
-      <p:sp>
-        <p:nvSpPr>
-          <p:cNvPr id="4" name="Footer Placeholder 3"/>
-          <p:cNvSpPr>
-            <a:spLocks noGrp="1"/>
-          </p:cNvSpPr>
-          <p:nvPr>
-            <p:ph type="ftr" sz="quarter" idx="11"/>
-          </p:nvPr>
-        </p:nvSpPr>
-        <p:spPr>
-          <a:xfrm>
-            <a:off x="3124200" y="4786312"/>
-            <a:ext cx="2895600" cy="357188"/>
-          </a:xfrm>
-        </p:spPr>
-        <p:txBody>
-          <a:bodyPr/>
-          <a:lstStyle/>
-          <a:p>
-            <a:r>
-              <a:rPr lang="en-CA" dirty="0"/>
-              <a:t>110</a:t>
-            </a:r>
-            <a:r>
-              <a:rPr lang="en-CA" baseline="30000" dirty="0"/>
-              <a:t>th</a:t>
-            </a:r>
-            <a:r>
-              <a:rPr lang="en-CA" dirty="0"/>
-              <a:t> IETF Online</a:t>
-            </a:r>
-          </a:p>
-        </p:txBody>
-      </p:sp>
-      <p:sp>
-        <p:nvSpPr>
-          <p:cNvPr id="5" name="Slide Number Placeholder 4"/>
-          <p:cNvSpPr>
-            <a:spLocks noGrp="1"/>
-          </p:cNvSpPr>
-          <p:nvPr>
-            <p:ph type="sldNum" sz="quarter" idx="12"/>
-          </p:nvPr>
-        </p:nvSpPr>
-        <p:spPr/>
-        <p:txBody>
-          <a:bodyPr/>
-          <a:lstStyle/>
-          <a:p>
-            <a:pPr>
-              <a:defRPr/>
-            </a:pPr>
-            <a:fld id="{BD6E0F59-1DD8-40FC-9C92-B6295CBA6CCA}" type="slidenum">
-              <a:rPr lang="en-US" altLang="zh-CN" smtClean="0"/>
-              <a:pPr>
-                <a:defRPr/>
-              </a:pPr>
-              <a:t>2</a:t>
-            </a:fld>
-            <a:endParaRPr lang="en-US" altLang="zh-CN"/>
-          </a:p>
-        </p:txBody>
-      </p:sp>
-    </p:spTree>
-    <p:extLst>
-      <p:ext uri="{BB962C8B-B14F-4D97-AF65-F5344CB8AC3E}">
-        <p14:creationId xmlns:p14="http://schemas.microsoft.com/office/powerpoint/2010/main" val="1157046242"/>
       </p:ext>
     </p:extLst>
   </p:cSld>
@@ -9917,7 +11427,7 @@
             </a:pPr>
             <a:r>
               <a:rPr lang="en-CA" sz="2000" dirty="0"/>
-              <a:t>Label assigned by IANA with value </a:t>
+              <a:t>Extension Label (15) and Label assigned by IANA with value </a:t>
             </a:r>
             <a:r>
               <a:rPr lang="en-CA" sz="2000" dirty="0">
@@ -9991,7 +11501,7 @@
                   <a:srgbClr val="0070C0"/>
                 </a:solidFill>
               </a:rPr>
-              <a:t>Signaling mechanism used to convey the label to all encapsulating nodes (out of scope)</a:t>
+              <a:t>Signaling/advertisement extensions to convey the label to all encapsulating nodes (out of scope)</a:t>
             </a:r>
           </a:p>
         </p:txBody>
@@ -10145,7 +11655,7 @@
           <a:p>
             <a:pPr marL="457200" lvl="0" indent="-457200">
               <a:lnSpc>
-                <a:spcPts val="2640"/>
+                <a:spcPts val="2440"/>
               </a:lnSpc>
               <a:spcBef>
                 <a:spcPts val="600"/>
@@ -10161,7 +11671,7 @@
           <a:p>
             <a:pPr marL="457200" lvl="0" indent="-457200">
               <a:lnSpc>
-                <a:spcPts val="2640"/>
+                <a:spcPts val="2440"/>
               </a:lnSpc>
               <a:spcBef>
                 <a:spcPts val="600"/>
@@ -10171,13 +11681,13 @@
             </a:pPr>
             <a:r>
               <a:rPr lang="en-CA" sz="1800" dirty="0"/>
-              <a:t>The decapsulating node for E2E IOAM "forwards and punts the timestamped copy" of the data packet including IOAM data field(s). </a:t>
+              <a:t>The decapsulating node "punts the timestamped copy" of the data packet including IOAM data field(s). </a:t>
             </a:r>
           </a:p>
           <a:p>
             <a:pPr marL="857250" lvl="1" indent="-457200">
               <a:lnSpc>
-                <a:spcPts val="2640"/>
+                <a:spcPts val="2440"/>
               </a:lnSpc>
               <a:spcBef>
                 <a:spcPts val="600"/>
@@ -10188,6 +11698,38 @@
             <a:r>
               <a:rPr lang="en-CA" sz="1800" dirty="0"/>
               <a:t>The decapsulating node for E2E IOAM also pops the IOAM Indicator Label and the IOAM data field(s) from the MPLS header.</a:t>
+            </a:r>
+          </a:p>
+          <a:p>
+            <a:pPr marL="857250" lvl="1" indent="-457200">
+              <a:lnSpc>
+                <a:spcPts val="2440"/>
+              </a:lnSpc>
+              <a:spcBef>
+                <a:spcPts val="600"/>
+              </a:spcBef>
+              <a:buFont typeface="Wingdings" pitchFamily="2" charset="2"/>
+              <a:buChar char="§"/>
+            </a:pPr>
+            <a:r>
+              <a:rPr lang="en-CA" sz="1800" dirty="0"/>
+              <a:t>The decapsulating node processes IOAM data field(s).</a:t>
+            </a:r>
+          </a:p>
+          <a:p>
+            <a:pPr marL="857250" lvl="1" indent="-457200">
+              <a:lnSpc>
+                <a:spcPts val="2440"/>
+              </a:lnSpc>
+              <a:spcBef>
+                <a:spcPts val="600"/>
+              </a:spcBef>
+              <a:buFont typeface="Wingdings" pitchFamily="2" charset="2"/>
+              <a:buChar char="§"/>
+            </a:pPr>
+            <a:r>
+              <a:rPr lang="en-CA" sz="1800" dirty="0"/>
+              <a:t>The decapsulating node forwards the data packet downstream.</a:t>
             </a:r>
           </a:p>
         </p:txBody>

--- a/draft-gandhi-mpls-ioam-sr-05.pptx
+++ b/draft-gandhi-mpls-ioam-sr-05.pptx
@@ -6370,7 +6370,7 @@
           <a:p>
             <a:pPr marL="457200" lvl="0" indent="-457200">
               <a:lnSpc>
-                <a:spcPts val="2340"/>
+                <a:spcPts val="2140"/>
               </a:lnSpc>
               <a:spcBef>
                 <a:spcPts val="600"/>
@@ -6379,22 +6379,22 @@
               <a:buAutoNum type="arabicPeriod"/>
             </a:pPr>
             <a:r>
-              <a:rPr lang="en-CA" sz="1600" dirty="0"/>
+              <a:rPr lang="en-CA" sz="1400" dirty="0"/>
               <a:t>The encapsulating node inserts a </a:t>
             </a:r>
             <a:r>
-              <a:rPr lang="en-CA" sz="1600" dirty="0" err="1"/>
+              <a:rPr lang="en-CA" sz="1400" dirty="0" err="1"/>
               <a:t>HbH</a:t>
             </a:r>
             <a:r>
-              <a:rPr lang="en-CA" sz="1600" dirty="0"/>
+              <a:rPr lang="en-CA" sz="1400" dirty="0"/>
               <a:t> Indicator Label and one or more IOAM data field(s) in the MPLS header.</a:t>
             </a:r>
           </a:p>
           <a:p>
             <a:pPr marL="457200" indent="-457200">
               <a:lnSpc>
-                <a:spcPts val="2340"/>
+                <a:spcPts val="2140"/>
               </a:lnSpc>
               <a:spcBef>
                 <a:spcPts val="600"/>
@@ -6403,7 +6403,7 @@
               <a:buAutoNum type="arabicPeriod"/>
             </a:pPr>
             <a:r>
-              <a:rPr lang="en-CA" sz="1600" dirty="0">
+              <a:rPr lang="en-CA" sz="1400" dirty="0">
                 <a:solidFill>
                   <a:srgbClr val="0070C0"/>
                 </a:solidFill>
@@ -6411,7 +6411,7 @@
               <a:t>The transit node processes </a:t>
             </a:r>
             <a:r>
-              <a:rPr lang="en-CA" sz="1600" dirty="0" err="1">
+              <a:rPr lang="en-CA" sz="1400" dirty="0" err="1">
                 <a:solidFill>
                   <a:srgbClr val="0070C0"/>
                 </a:solidFill>
@@ -6419,7 +6419,7 @@
               <a:t>HbH</a:t>
             </a:r>
             <a:r>
-              <a:rPr lang="en-CA" sz="1600" dirty="0">
+              <a:rPr lang="en-CA" sz="1400" dirty="0">
                 <a:solidFill>
                   <a:srgbClr val="0070C0"/>
                 </a:solidFill>
@@ -6428,9 +6428,29 @@
             </a:r>
           </a:p>
           <a:p>
+            <a:pPr marL="857250" lvl="1" indent="-457200">
+              <a:lnSpc>
+                <a:spcPts val="2140"/>
+              </a:lnSpc>
+              <a:spcBef>
+                <a:spcPts val="600"/>
+              </a:spcBef>
+              <a:buFont typeface="+mj-lt"/>
+              <a:buAutoNum type="alphaLcPeriod"/>
+            </a:pPr>
+            <a:r>
+              <a:rPr lang="en-CA" sz="1400" dirty="0">
+                <a:solidFill>
+                  <a:srgbClr val="0070C0"/>
+                </a:solidFill>
+              </a:rPr>
+              <a:t>Transit node may punt the timestamped copy of the data packet for further IOAM processing</a:t>
+            </a:r>
+          </a:p>
+          <a:p>
             <a:pPr marL="457200" lvl="0" indent="-457200">
               <a:lnSpc>
-                <a:spcPts val="2340"/>
+                <a:spcPts val="2140"/>
               </a:lnSpc>
               <a:spcBef>
                 <a:spcPts val="600"/>
@@ -6439,55 +6459,55 @@
               <a:buAutoNum type="arabicPeriod"/>
             </a:pPr>
             <a:r>
-              <a:rPr lang="en-CA" sz="1600" dirty="0"/>
+              <a:rPr lang="en-CA" sz="1400" dirty="0"/>
               <a:t>The decapsulating node "punts the timestamped copy" of the data packet including IOAM data field(s). </a:t>
             </a:r>
           </a:p>
           <a:p>
             <a:pPr marL="857250" lvl="1" indent="-457200">
               <a:lnSpc>
-                <a:spcPts val="2340"/>
+                <a:spcPts val="2140"/>
               </a:lnSpc>
               <a:spcBef>
                 <a:spcPts val="600"/>
               </a:spcBef>
-              <a:buFont typeface="Wingdings" pitchFamily="2" charset="2"/>
-              <a:buChar char="§"/>
+              <a:buFont typeface="+mj-lt"/>
+              <a:buAutoNum type="alphaLcPeriod"/>
             </a:pPr>
             <a:r>
-              <a:rPr lang="en-CA" sz="1600" dirty="0"/>
+              <a:rPr lang="en-CA" sz="1400" dirty="0"/>
               <a:t>The decapsulating node for E2E IOAM also pops the IOAM Indicator Label and the IOAM data field(s) from the MPLS header.</a:t>
             </a:r>
           </a:p>
           <a:p>
             <a:pPr marL="857250" lvl="1" indent="-457200">
               <a:lnSpc>
-                <a:spcPts val="2340"/>
+                <a:spcPts val="2140"/>
               </a:lnSpc>
               <a:spcBef>
                 <a:spcPts val="600"/>
               </a:spcBef>
-              <a:buFont typeface="Wingdings" pitchFamily="2" charset="2"/>
-              <a:buChar char="§"/>
+              <a:buFont typeface="+mj-lt"/>
+              <a:buAutoNum type="alphaLcPeriod"/>
             </a:pPr>
             <a:r>
-              <a:rPr lang="en-CA" sz="1600" dirty="0"/>
+              <a:rPr lang="en-CA" sz="1400" dirty="0"/>
               <a:t>The decapsulating node processes IOAM data field(s).</a:t>
             </a:r>
           </a:p>
           <a:p>
             <a:pPr marL="857250" lvl="1" indent="-457200">
               <a:lnSpc>
-                <a:spcPts val="2340"/>
+                <a:spcPts val="2140"/>
               </a:lnSpc>
               <a:spcBef>
                 <a:spcPts val="600"/>
               </a:spcBef>
-              <a:buFont typeface="Wingdings" pitchFamily="2" charset="2"/>
-              <a:buChar char="§"/>
+              <a:buFont typeface="+mj-lt"/>
+              <a:buAutoNum type="alphaLcPeriod"/>
             </a:pPr>
             <a:r>
-              <a:rPr lang="en-CA" sz="1600" dirty="0"/>
+              <a:rPr lang="en-CA" sz="1400" dirty="0"/>
               <a:t>The decapsulating node forwards the data packet downstream.</a:t>
             </a:r>
           </a:p>
@@ -7393,7 +7413,7 @@
           <a:lstStyle/>
           <a:p>
             <a:r>
-              <a:rPr lang="en-US" sz="1800" dirty="0">
+              <a:rPr lang="en-US" sz="1600" dirty="0">
                 <a:latin typeface="Arial" panose="020B0604020202020204" pitchFamily="34" charset="0"/>
                 <a:cs typeface="Arial" panose="020B0604020202020204" pitchFamily="34" charset="0"/>
               </a:rPr>
@@ -7403,7 +7423,7 @@
           <a:p>
             <a:pPr lvl="1"/>
             <a:r>
-              <a:rPr lang="en-US" sz="1800" dirty="0">
+              <a:rPr lang="en-US" sz="1600" dirty="0">
                 <a:latin typeface="Arial" panose="020B0604020202020204" pitchFamily="34" charset="0"/>
                 <a:cs typeface="Arial" panose="020B0604020202020204" pitchFamily="34" charset="0"/>
               </a:rPr>
@@ -7413,14 +7433,14 @@
           <a:p>
             <a:pPr lvl="1"/>
             <a:r>
-              <a:rPr lang="en-US" sz="1800" dirty="0" err="1">
+              <a:rPr lang="en-US" sz="1600" dirty="0" err="1">
                 <a:latin typeface="Arial" panose="020B0604020202020204" pitchFamily="34" charset="0"/>
                 <a:cs typeface="Arial" panose="020B0604020202020204" pitchFamily="34" charset="0"/>
               </a:rPr>
               <a:t>HbH</a:t>
             </a:r>
             <a:r>
-              <a:rPr lang="en-US" sz="1800" dirty="0">
+              <a:rPr lang="en-US" sz="1600" dirty="0">
                 <a:latin typeface="Arial" panose="020B0604020202020204" pitchFamily="34" charset="0"/>
                 <a:cs typeface="Arial" panose="020B0604020202020204" pitchFamily="34" charset="0"/>
               </a:rPr>
@@ -7429,7 +7449,7 @@
           </a:p>
           <a:p>
             <a:r>
-              <a:rPr lang="en-US" sz="1800" dirty="0">
+              <a:rPr lang="en-US" sz="1600" dirty="0">
                 <a:latin typeface="Arial" panose="020B0604020202020204" pitchFamily="34" charset="0"/>
                 <a:cs typeface="Arial" panose="020B0604020202020204" pitchFamily="34" charset="0"/>
               </a:rPr>
@@ -7439,7 +7459,7 @@
           <a:p>
             <a:pPr lvl="1"/>
             <a:r>
-              <a:rPr lang="en-US" sz="1800" dirty="0">
+              <a:rPr lang="en-US" sz="1600" dirty="0">
                 <a:latin typeface="Arial" panose="020B0604020202020204" pitchFamily="34" charset="0"/>
                 <a:cs typeface="Arial" panose="020B0604020202020204" pitchFamily="34" charset="0"/>
               </a:rPr>
@@ -7449,7 +7469,7 @@
           <a:p>
             <a:pPr lvl="1"/>
             <a:r>
-              <a:rPr lang="en-US" sz="1800" dirty="0">
+              <a:rPr lang="en-US" sz="1600" dirty="0">
                 <a:latin typeface="Arial" panose="020B0604020202020204" pitchFamily="34" charset="0"/>
                 <a:cs typeface="Arial" panose="020B0604020202020204" pitchFamily="34" charset="0"/>
               </a:rPr>
@@ -7457,7 +7477,7 @@
             </a:r>
           </a:p>
           <a:p>
-            <a:endParaRPr lang="en-US" sz="1800" dirty="0">
+            <a:endParaRPr lang="en-US" sz="1600" dirty="0">
               <a:latin typeface="Arial" panose="020B0604020202020204" pitchFamily="34" charset="0"/>
               <a:cs typeface="Arial" panose="020B0604020202020204" pitchFamily="34" charset="0"/>
             </a:endParaRPr>
@@ -7468,70 +7488,70 @@
               <a:buChar char="ü"/>
             </a:pPr>
             <a:r>
-              <a:rPr lang="en-US" sz="1800" dirty="0">
+              <a:rPr lang="en-US" sz="1600" dirty="0">
                 <a:latin typeface="Arial" panose="020B0604020202020204" pitchFamily="34" charset="0"/>
                 <a:cs typeface="Arial" panose="020B0604020202020204" pitchFamily="34" charset="0"/>
               </a:rPr>
               <a:t>This is true for all schemes using </a:t>
             </a:r>
             <a:r>
-              <a:rPr lang="en-US" sz="1800" dirty="0" err="1">
+              <a:rPr lang="en-US" sz="1600" dirty="0" err="1">
                 <a:latin typeface="Arial" panose="020B0604020202020204" pitchFamily="34" charset="0"/>
                 <a:cs typeface="Arial" panose="020B0604020202020204" pitchFamily="34" charset="0"/>
               </a:rPr>
               <a:t>eSPL</a:t>
             </a:r>
             <a:r>
-              <a:rPr lang="en-US" sz="1800" dirty="0">
+              <a:rPr lang="en-US" sz="1600" dirty="0">
                 <a:latin typeface="Arial" panose="020B0604020202020204" pitchFamily="34" charset="0"/>
                 <a:cs typeface="Arial" panose="020B0604020202020204" pitchFamily="34" charset="0"/>
               </a:rPr>
               <a:t>, e.g., </a:t>
             </a:r>
             <a:r>
-              <a:rPr lang="en-CA" sz="1800" dirty="0">
+              <a:rPr lang="en-CA" sz="1600" i="1" dirty="0">
                 <a:latin typeface="Arial" panose="020B0604020202020204" pitchFamily="34" charset="0"/>
                 <a:cs typeface="Arial" panose="020B0604020202020204" pitchFamily="34" charset="0"/>
               </a:rPr>
               <a:t>draft-</a:t>
             </a:r>
             <a:r>
-              <a:rPr lang="en-CA" sz="1800" dirty="0" err="1">
+              <a:rPr lang="en-CA" sz="1600" i="1" dirty="0" err="1">
                 <a:latin typeface="Arial" panose="020B0604020202020204" pitchFamily="34" charset="0"/>
                 <a:cs typeface="Arial" panose="020B0604020202020204" pitchFamily="34" charset="0"/>
               </a:rPr>
               <a:t>cheng</a:t>
             </a:r>
             <a:r>
-              <a:rPr lang="en-CA" sz="1800" dirty="0">
+              <a:rPr lang="en-CA" sz="1600" i="1" dirty="0">
                 <a:latin typeface="Arial" panose="020B0604020202020204" pitchFamily="34" charset="0"/>
                 <a:cs typeface="Arial" panose="020B0604020202020204" pitchFamily="34" charset="0"/>
               </a:rPr>
               <a:t>-</a:t>
             </a:r>
             <a:r>
-              <a:rPr lang="en-CA" sz="1800" dirty="0" err="1">
+              <a:rPr lang="en-CA" sz="1600" i="1" dirty="0" err="1">
                 <a:latin typeface="Arial" panose="020B0604020202020204" pitchFamily="34" charset="0"/>
                 <a:cs typeface="Arial" panose="020B0604020202020204" pitchFamily="34" charset="0"/>
               </a:rPr>
               <a:t>mpls</a:t>
             </a:r>
             <a:r>
-              <a:rPr lang="en-CA" sz="1800" dirty="0">
+              <a:rPr lang="en-CA" sz="1600" i="1" dirty="0">
                 <a:latin typeface="Arial" panose="020B0604020202020204" pitchFamily="34" charset="0"/>
                 <a:cs typeface="Arial" panose="020B0604020202020204" pitchFamily="34" charset="0"/>
               </a:rPr>
               <a:t>-</a:t>
             </a:r>
             <a:r>
-              <a:rPr lang="en-CA" sz="1800" dirty="0" err="1">
+              <a:rPr lang="en-CA" sz="1600" i="1" dirty="0" err="1">
                 <a:latin typeface="Arial" panose="020B0604020202020204" pitchFamily="34" charset="0"/>
                 <a:cs typeface="Arial" panose="020B0604020202020204" pitchFamily="34" charset="0"/>
               </a:rPr>
               <a:t>inband</a:t>
             </a:r>
             <a:r>
-              <a:rPr lang="en-CA" sz="1800" dirty="0">
+              <a:rPr lang="en-CA" sz="1600" i="1" dirty="0">
                 <a:latin typeface="Arial" panose="020B0604020202020204" pitchFamily="34" charset="0"/>
                 <a:cs typeface="Arial" panose="020B0604020202020204" pitchFamily="34" charset="0"/>
               </a:rPr>
@@ -7542,7 +7562,7 @@
             <a:pPr marL="0" indent="0">
               <a:buNone/>
             </a:pPr>
-            <a:endParaRPr lang="en-US" sz="1800" dirty="0">
+            <a:endParaRPr lang="en-US" sz="1600" dirty="0">
               <a:latin typeface="Arial" panose="020B0604020202020204" pitchFamily="34" charset="0"/>
               <a:cs typeface="Arial" panose="020B0604020202020204" pitchFamily="34" charset="0"/>
             </a:endParaRPr>
@@ -7771,7 +7791,21 @@
                 <a:latin typeface="Arial" panose="020B0604020202020204" pitchFamily="34" charset="0"/>
                 <a:cs typeface="Arial" panose="020B0604020202020204" pitchFamily="34" charset="0"/>
               </a:rPr>
-              <a:t>Note that with any indicator scheme, the node will have to look deeper into the packet to find the IOAM data that needs to be processed.</a:t>
+              <a:t>Note that with any indicator scheme, the node will have to look past </a:t>
+            </a:r>
+            <a:r>
+              <a:rPr lang="en-CA" sz="1800" dirty="0" err="1">
+                <a:latin typeface="Arial" panose="020B0604020202020204" pitchFamily="34" charset="0"/>
+                <a:cs typeface="Arial" panose="020B0604020202020204" pitchFamily="34" charset="0"/>
+              </a:rPr>
+              <a:t>EoS</a:t>
+            </a:r>
+            <a:r>
+              <a:rPr lang="en-CA" sz="1800" dirty="0">
+                <a:latin typeface="Arial" panose="020B0604020202020204" pitchFamily="34" charset="0"/>
+                <a:cs typeface="Arial" panose="020B0604020202020204" pitchFamily="34" charset="0"/>
+              </a:rPr>
+              <a:t> into the packet to find the IOAM data that needs to be processed.</a:t>
             </a:r>
           </a:p>
           <a:p>
@@ -8225,52 +8259,85 @@
           <a:lstStyle/>
           <a:p>
             <a:r>
-              <a:rPr lang="en-CA" sz="1800" dirty="0"/>
+              <a:rPr lang="en-CA" sz="1600" dirty="0">
+                <a:latin typeface="Arial" panose="020B0604020202020204" pitchFamily="34" charset="0"/>
+                <a:cs typeface="Arial" panose="020B0604020202020204" pitchFamily="34" charset="0"/>
+              </a:rPr>
               <a:t>What if the LSP is carrying a PW or is </a:t>
             </a:r>
             <a:r>
-              <a:rPr lang="en-CA" sz="1800" dirty="0" err="1"/>
+              <a:rPr lang="en-CA" sz="1600" dirty="0" err="1">
+                <a:latin typeface="Arial" panose="020B0604020202020204" pitchFamily="34" charset="0"/>
+                <a:cs typeface="Arial" panose="020B0604020202020204" pitchFamily="34" charset="0"/>
+              </a:rPr>
               <a:t>DetNet</a:t>
             </a:r>
             <a:r>
-              <a:rPr lang="en-CA" sz="1800" dirty="0"/>
+              <a:rPr lang="en-CA" sz="1600" dirty="0">
+                <a:latin typeface="Arial" panose="020B0604020202020204" pitchFamily="34" charset="0"/>
+                <a:cs typeface="Arial" panose="020B0604020202020204" pitchFamily="34" charset="0"/>
+              </a:rPr>
               <a:t>? </a:t>
             </a:r>
           </a:p>
           <a:p>
             <a:r>
-              <a:rPr lang="en-CA" sz="1800" dirty="0"/>
+              <a:rPr lang="en-CA" sz="1600" dirty="0">
+                <a:latin typeface="Arial" panose="020B0604020202020204" pitchFamily="34" charset="0"/>
+                <a:cs typeface="Arial" panose="020B0604020202020204" pitchFamily="34" charset="0"/>
+              </a:rPr>
               <a:t>What if it is a MS-PW? </a:t>
             </a:r>
           </a:p>
           <a:p>
             <a:r>
-              <a:rPr lang="en-CA" sz="1800" dirty="0"/>
+              <a:rPr lang="en-CA" sz="1600" dirty="0">
+                <a:latin typeface="Arial" panose="020B0604020202020204" pitchFamily="34" charset="0"/>
+                <a:cs typeface="Arial" panose="020B0604020202020204" pitchFamily="34" charset="0"/>
+              </a:rPr>
               <a:t>In all these cases there is a CW immediately after </a:t>
             </a:r>
             <a:r>
-              <a:rPr lang="en-CA" sz="1800" dirty="0" err="1"/>
+              <a:rPr lang="en-CA" sz="1600" dirty="0" err="1">
+                <a:latin typeface="Arial" panose="020B0604020202020204" pitchFamily="34" charset="0"/>
+                <a:cs typeface="Arial" panose="020B0604020202020204" pitchFamily="34" charset="0"/>
+              </a:rPr>
               <a:t>EoS</a:t>
             </a:r>
             <a:r>
-              <a:rPr lang="en-CA" sz="1800" dirty="0"/>
+              <a:rPr lang="en-CA" sz="1600" dirty="0">
+                <a:latin typeface="Arial" panose="020B0604020202020204" pitchFamily="34" charset="0"/>
+                <a:cs typeface="Arial" panose="020B0604020202020204" pitchFamily="34" charset="0"/>
+              </a:rPr>
               <a:t>. </a:t>
             </a:r>
           </a:p>
           <a:p>
             <a:r>
-              <a:rPr lang="en-CA" sz="1800" dirty="0"/>
+              <a:rPr lang="en-CA" sz="1600" dirty="0">
+                <a:latin typeface="Arial" panose="020B0604020202020204" pitchFamily="34" charset="0"/>
+                <a:cs typeface="Arial" panose="020B0604020202020204" pitchFamily="34" charset="0"/>
+              </a:rPr>
               <a:t>Then there is the universal fragmentation idea that is floating about that also wants to follow </a:t>
             </a:r>
             <a:r>
-              <a:rPr lang="en-CA" sz="1800" dirty="0" err="1"/>
+              <a:rPr lang="en-CA" sz="1600" dirty="0" err="1">
+                <a:latin typeface="Arial" panose="020B0604020202020204" pitchFamily="34" charset="0"/>
+                <a:cs typeface="Arial" panose="020B0604020202020204" pitchFamily="34" charset="0"/>
+              </a:rPr>
               <a:t>BoS</a:t>
             </a:r>
             <a:r>
-              <a:rPr lang="en-CA" sz="1800" dirty="0"/>
+              <a:rPr lang="en-CA" sz="1600" dirty="0">
+                <a:latin typeface="Arial" panose="020B0604020202020204" pitchFamily="34" charset="0"/>
+                <a:cs typeface="Arial" panose="020B0604020202020204" pitchFamily="34" charset="0"/>
+              </a:rPr>
               <a:t>.</a:t>
             </a:r>
-            <a:endParaRPr lang="en-US" sz="1800" dirty="0"/>
+            <a:endParaRPr lang="en-US" sz="1600" dirty="0">
+              <a:latin typeface="Arial" panose="020B0604020202020204" pitchFamily="34" charset="0"/>
+              <a:cs typeface="Arial" panose="020B0604020202020204" pitchFamily="34" charset="0"/>
+            </a:endParaRPr>
           </a:p>
         </p:txBody>
       </p:sp>
@@ -11501,7 +11568,7 @@
                   <a:srgbClr val="0070C0"/>
                 </a:solidFill>
               </a:rPr>
-              <a:t>Signaling/advertisement extensions to convey the label to all encapsulating nodes (out of scope)</a:t>
+              <a:t>Signaling/advertisement extensions needed to convey the label to all encapsulating nodes (out of scope)</a:t>
             </a:r>
           </a:p>
         </p:txBody>
@@ -11692,8 +11759,8 @@
               <a:spcBef>
                 <a:spcPts val="600"/>
               </a:spcBef>
-              <a:buFont typeface="Wingdings" pitchFamily="2" charset="2"/>
-              <a:buChar char="§"/>
+              <a:buFont typeface="+mj-lt"/>
+              <a:buAutoNum type="alphaLcPeriod"/>
             </a:pPr>
             <a:r>
               <a:rPr lang="en-CA" sz="1800" dirty="0"/>
@@ -11708,8 +11775,8 @@
               <a:spcBef>
                 <a:spcPts val="600"/>
               </a:spcBef>
-              <a:buFont typeface="Wingdings" pitchFamily="2" charset="2"/>
-              <a:buChar char="§"/>
+              <a:buFont typeface="+mj-lt"/>
+              <a:buAutoNum type="alphaLcPeriod"/>
             </a:pPr>
             <a:r>
               <a:rPr lang="en-CA" sz="1800" dirty="0"/>
@@ -11724,8 +11791,8 @@
               <a:spcBef>
                 <a:spcPts val="600"/>
               </a:spcBef>
-              <a:buFont typeface="Wingdings" pitchFamily="2" charset="2"/>
-              <a:buChar char="§"/>
+              <a:buFont typeface="+mj-lt"/>
+              <a:buAutoNum type="alphaLcPeriod"/>
             </a:pPr>
             <a:r>
               <a:rPr lang="en-CA" sz="1800" dirty="0"/>

--- a/draft-gandhi-mpls-ioam-sr-05.pptx
+++ b/draft-gandhi-mpls-ioam-sr-05.pptx
@@ -23,15 +23,15 @@
     <p:sldId id="1673" r:id="rId11"/>
     <p:sldId id="320" r:id="rId12"/>
     <p:sldId id="1663" r:id="rId13"/>
-    <p:sldId id="1661" r:id="rId14"/>
-    <p:sldId id="303" r:id="rId15"/>
-    <p:sldId id="1670" r:id="rId16"/>
-    <p:sldId id="1677" r:id="rId17"/>
-    <p:sldId id="1678" r:id="rId18"/>
-    <p:sldId id="1679" r:id="rId19"/>
-    <p:sldId id="1676" r:id="rId20"/>
-    <p:sldId id="1674" r:id="rId21"/>
-    <p:sldId id="1667" r:id="rId22"/>
+    <p:sldId id="1667" r:id="rId14"/>
+    <p:sldId id="1661" r:id="rId15"/>
+    <p:sldId id="303" r:id="rId16"/>
+    <p:sldId id="1670" r:id="rId17"/>
+    <p:sldId id="1677" r:id="rId18"/>
+    <p:sldId id="1678" r:id="rId19"/>
+    <p:sldId id="1679" r:id="rId20"/>
+    <p:sldId id="1676" r:id="rId21"/>
+    <p:sldId id="1674" r:id="rId22"/>
     <p:sldId id="1669" r:id="rId23"/>
   </p:sldIdLst>
   <p:sldSz cx="9144000" cy="5143500" type="screen16x9"/>
@@ -265,7 +265,7 @@
           <a:p>
             <a:fld id="{E8FA3DB5-7722-3F4F-947D-12B203669AD7}" type="datetimeFigureOut">
               <a:rPr lang="en-US" smtClean="0"/>
-              <a:t>1/14/21</a:t>
+              <a:t>1/15/21</a:t>
             </a:fld>
             <a:endParaRPr lang="en-US"/>
           </a:p>
@@ -953,7 +953,7 @@
               <a:pPr>
                 <a:defRPr/>
               </a:pPr>
-              <a:t>13</a:t>
+              <a:t>14</a:t>
             </a:fld>
             <a:endParaRPr lang="en-US" altLang="zh-CN"/>
           </a:p>
@@ -1043,7 +1043,7 @@
               <a:pPr>
                 <a:defRPr/>
               </a:pPr>
-              <a:t>14</a:t>
+              <a:t>15</a:t>
             </a:fld>
             <a:endParaRPr lang="en-US" altLang="zh-CN"/>
           </a:p>
@@ -1133,7 +1133,7 @@
               <a:pPr>
                 <a:defRPr/>
               </a:pPr>
-              <a:t>15</a:t>
+              <a:t>16</a:t>
             </a:fld>
             <a:endParaRPr lang="en-US" altLang="zh-CN"/>
           </a:p>
@@ -5236,7 +5236,7 @@
         </p:nvSpPr>
         <p:spPr>
           <a:xfrm>
-            <a:off x="685800" y="2032880"/>
+            <a:off x="723900" y="2032880"/>
             <a:ext cx="7696200" cy="578643"/>
           </a:xfrm>
         </p:spPr>
@@ -6153,7 +6153,7 @@
             <a:r>
               <a:rPr lang="en-CA" sz="2000" dirty="0">
                 <a:solidFill>
-                  <a:schemeClr val="accent5"/>
+                  <a:srgbClr val="0070C0"/>
                 </a:solidFill>
               </a:rPr>
               <a:t>TBA2</a:t>
@@ -6609,7 +6609,13 @@
       </p:grpSpPr>
       <p:sp>
         <p:nvSpPr>
-          <p:cNvPr id="2" name="Title 1"/>
+          <p:cNvPr id="2" name="Title 1">
+            <a:extLst>
+              <a:ext uri="{FF2B5EF4-FFF2-40B4-BE49-F238E27FC236}">
+                <a16:creationId xmlns:a16="http://schemas.microsoft.com/office/drawing/2014/main" id="{590D0125-5A9E-9D48-9391-85FBD0E608A2}"/>
+              </a:ext>
+            </a:extLst>
+          </p:cNvPr>
           <p:cNvSpPr>
             <a:spLocks noGrp="1"/>
           </p:cNvSpPr>
@@ -6619,86 +6625,54 @@
         </p:nvSpPr>
         <p:spPr>
           <a:xfrm>
-            <a:off x="457200" y="38100"/>
-            <a:ext cx="8229600" cy="857250"/>
+            <a:off x="1066800" y="-17621"/>
+            <a:ext cx="8077200" cy="599270"/>
           </a:xfrm>
         </p:spPr>
         <p:txBody>
           <a:bodyPr/>
           <a:lstStyle/>
           <a:p>
-            <a:r>
-              <a:rPr lang="en-US" sz="3600" dirty="0">
+            <a:pPr algn="l"/>
+            <a:r>
+              <a:rPr lang="en-CA" sz="2700" dirty="0">
                 <a:solidFill>
                   <a:srgbClr val="0070C0"/>
                 </a:solidFill>
                 <a:latin typeface="Calibri Light" panose="020F0302020204030204" pitchFamily="34" charset="0"/>
                 <a:cs typeface="Calibri Light" panose="020F0302020204030204" pitchFamily="34" charset="0"/>
               </a:rPr>
-              <a:t>Next Steps</a:t>
-            </a:r>
-          </a:p>
-        </p:txBody>
-      </p:sp>
-      <p:sp>
-        <p:nvSpPr>
-          <p:cNvPr id="3" name="Content Placeholder 2"/>
+              <a:t>IOAM Encapsulation Example with SR-MPLS Header</a:t>
+            </a:r>
+            <a:endParaRPr lang="en-US" sz="2700" dirty="0">
+              <a:solidFill>
+                <a:srgbClr val="0070C0"/>
+              </a:solidFill>
+              <a:latin typeface="Calibri Light" panose="020F0302020204030204" pitchFamily="34" charset="0"/>
+              <a:cs typeface="Calibri Light" panose="020F0302020204030204" pitchFamily="34" charset="0"/>
+            </a:endParaRPr>
+          </a:p>
+        </p:txBody>
+      </p:sp>
+      <p:sp>
+        <p:nvSpPr>
+          <p:cNvPr id="4" name="Footer Placeholder 3">
+            <a:extLst>
+              <a:ext uri="{FF2B5EF4-FFF2-40B4-BE49-F238E27FC236}">
+                <a16:creationId xmlns:a16="http://schemas.microsoft.com/office/drawing/2014/main" id="{87713FCD-3B47-804D-B373-DAB61FB5FF59}"/>
+              </a:ext>
+            </a:extLst>
+          </p:cNvPr>
           <p:cNvSpPr>
             <a:spLocks noGrp="1"/>
           </p:cNvSpPr>
           <p:nvPr>
-            <p:ph idx="1"/>
+            <p:ph type="ftr" sz="quarter" idx="11"/>
           </p:nvPr>
         </p:nvSpPr>
         <p:spPr>
           <a:xfrm>
-            <a:off x="762000" y="1200150"/>
-            <a:ext cx="7772400" cy="2743200"/>
-          </a:xfrm>
-        </p:spPr>
-        <p:txBody>
-          <a:bodyPr/>
-          <a:lstStyle/>
-          <a:p>
-            <a:pPr lvl="0"/>
-            <a:r>
-              <a:rPr lang="en-US" sz="2400" dirty="0">
-                <a:latin typeface="Calibri" charset="0"/>
-                <a:ea typeface="Calibri" charset="0"/>
-                <a:cs typeface="Calibri" charset="0"/>
-              </a:rPr>
-              <a:t>Welcome your comments and suggestions</a:t>
-            </a:r>
-          </a:p>
-          <a:p>
-            <a:r>
-              <a:rPr lang="en-US" sz="2400" dirty="0"/>
-              <a:t>Requesting MPLS WG adoption</a:t>
-            </a:r>
-          </a:p>
-          <a:p>
-            <a:pPr lvl="0"/>
-            <a:endParaRPr lang="en-US" sz="2400" dirty="0">
-              <a:latin typeface="Calibri" charset="0"/>
-              <a:ea typeface="Calibri" charset="0"/>
-              <a:cs typeface="Calibri" charset="0"/>
-            </a:endParaRPr>
-          </a:p>
-        </p:txBody>
-      </p:sp>
-      <p:sp>
-        <p:nvSpPr>
-          <p:cNvPr id="4" name="Footer Placeholder 3"/>
-          <p:cNvSpPr>
-            <a:spLocks noGrp="1"/>
-          </p:cNvSpPr>
-          <p:nvPr>
-            <p:ph type="ftr" sz="quarter" idx="11"/>
-          </p:nvPr>
-        </p:nvSpPr>
-        <p:spPr>
-          <a:xfrm>
-            <a:off x="3124200" y="4787315"/>
+            <a:off x="3124200" y="4786312"/>
             <a:ext cx="2895600" cy="357188"/>
           </a:xfrm>
         </p:spPr>
@@ -6723,7 +6697,13 @@
       </p:sp>
       <p:sp>
         <p:nvSpPr>
-          <p:cNvPr id="5" name="Slide Number Placeholder 4"/>
+          <p:cNvPr id="5" name="Slide Number Placeholder 4">
+            <a:extLst>
+              <a:ext uri="{FF2B5EF4-FFF2-40B4-BE49-F238E27FC236}">
+                <a16:creationId xmlns:a16="http://schemas.microsoft.com/office/drawing/2014/main" id="{1371408B-9195-EC4D-8131-A3F5CC0592D0}"/>
+              </a:ext>
+            </a:extLst>
+          </p:cNvPr>
           <p:cNvSpPr>
             <a:spLocks noGrp="1"/>
           </p:cNvSpPr>
@@ -6745,6 +6725,526 @@
                 <a:defRPr/>
               </a:pPr>
               <a:t>13</a:t>
+            </a:fld>
+            <a:endParaRPr lang="en-US" altLang="zh-CN" dirty="0"/>
+          </a:p>
+        </p:txBody>
+      </p:sp>
+      <p:sp>
+        <p:nvSpPr>
+          <p:cNvPr id="6" name="Rectangle 5">
+            <a:extLst>
+              <a:ext uri="{FF2B5EF4-FFF2-40B4-BE49-F238E27FC236}">
+                <a16:creationId xmlns:a16="http://schemas.microsoft.com/office/drawing/2014/main" id="{1EED4007-3A19-0E4E-8496-6CECEEA363EB}"/>
+              </a:ext>
+            </a:extLst>
+          </p:cNvPr>
+          <p:cNvSpPr/>
+          <p:nvPr/>
+        </p:nvSpPr>
+        <p:spPr>
+          <a:xfrm>
+            <a:off x="2305050" y="508218"/>
+            <a:ext cx="4533900" cy="4278094"/>
+          </a:xfrm>
+          <a:prstGeom prst="rect">
+            <a:avLst/>
+          </a:prstGeom>
+          <a:solidFill>
+            <a:schemeClr val="accent6">
+              <a:lumMod val="20000"/>
+              <a:lumOff val="80000"/>
+            </a:schemeClr>
+          </a:solidFill>
+        </p:spPr>
+        <p:txBody>
+          <a:bodyPr wrap="square">
+            <a:spAutoFit/>
+          </a:bodyPr>
+          <a:lstStyle/>
+          <a:p>
+            <a:r>
+              <a:rPr lang="en-CA" sz="800" dirty="0">
+                <a:latin typeface="Courier" pitchFamily="2" charset="0"/>
+              </a:rPr>
+              <a:t>    0                   1                   2                   3</a:t>
+            </a:r>
+          </a:p>
+          <a:p>
+            <a:r>
+              <a:rPr lang="en-CA" sz="800" dirty="0">
+                <a:latin typeface="Courier" pitchFamily="2" charset="0"/>
+              </a:rPr>
+              <a:t>    0 1 2 3 4 5 6 7 8 9 0 1 2 3 4 5 6 7 8 9 0 1 2 3 4 5 6 7 8 9 0 1</a:t>
+            </a:r>
+          </a:p>
+          <a:p>
+            <a:r>
+              <a:rPr lang="en-CA" sz="800" dirty="0">
+                <a:latin typeface="Courier" pitchFamily="2" charset="0"/>
+              </a:rPr>
+              <a:t>   +-+-+-+-+-+-+-+-+-+-+-+-+-+-+-+-+-+-+-+-+-+-+-+-+-+-+-+-+-+-+-+-+</a:t>
+            </a:r>
+          </a:p>
+          <a:p>
+            <a:r>
+              <a:rPr lang="en-CA" sz="800" dirty="0">
+                <a:latin typeface="Courier" pitchFamily="2" charset="0"/>
+              </a:rPr>
+              <a:t>   |                Label(1)               | TC  |S|      TTL      |</a:t>
+            </a:r>
+          </a:p>
+          <a:p>
+            <a:r>
+              <a:rPr lang="en-CA" sz="800" dirty="0">
+                <a:latin typeface="Courier" pitchFamily="2" charset="0"/>
+              </a:rPr>
+              <a:t>   +-+-+-+-+-+-+-+-+-+-+-+-+-+-+-+-+-+-+-+-+-+-+-+-+-+-+-+-+-+-+-+-+</a:t>
+            </a:r>
+          </a:p>
+          <a:p>
+            <a:r>
+              <a:rPr lang="en-CA" sz="800" dirty="0">
+                <a:latin typeface="Courier" pitchFamily="2" charset="0"/>
+              </a:rPr>
+              <a:t>   .                                                               .</a:t>
+            </a:r>
+          </a:p>
+          <a:p>
+            <a:r>
+              <a:rPr lang="en-CA" sz="800" dirty="0">
+                <a:latin typeface="Courier" pitchFamily="2" charset="0"/>
+              </a:rPr>
+              <a:t>   .                                                               .</a:t>
+            </a:r>
+          </a:p>
+          <a:p>
+            <a:r>
+              <a:rPr lang="en-CA" sz="800" dirty="0">
+                <a:latin typeface="Courier" pitchFamily="2" charset="0"/>
+              </a:rPr>
+              <a:t>   .                                                               .</a:t>
+            </a:r>
+          </a:p>
+          <a:p>
+            <a:r>
+              <a:rPr lang="en-CA" sz="800" dirty="0">
+                <a:latin typeface="Courier" pitchFamily="2" charset="0"/>
+              </a:rPr>
+              <a:t>   +-+-+-+-+-+-+-+-+-+-+-+-+-+-+-+-+-+-+-+-+-+-+-+-+-+-+-+-+-+-+-+-+</a:t>
+            </a:r>
+          </a:p>
+          <a:p>
+            <a:r>
+              <a:rPr lang="en-CA" sz="800" dirty="0">
+                <a:latin typeface="Courier" pitchFamily="2" charset="0"/>
+              </a:rPr>
+              <a:t>   |                Label(n)               | TC  |S|      TTL      |</a:t>
+            </a:r>
+          </a:p>
+          <a:p>
+            <a:r>
+              <a:rPr lang="en-CA" sz="800" dirty="0">
+                <a:latin typeface="Courier" pitchFamily="2" charset="0"/>
+              </a:rPr>
+              <a:t>   +-+-+-+-+-+-+-+-+-+-+-+-+-+-+-+-+-+-+-+-+-+-+-+-+-+-+-+-+-+-+-+-+</a:t>
+            </a:r>
+          </a:p>
+          <a:p>
+            <a:r>
+              <a:rPr lang="en-CA" sz="800" b="1" dirty="0">
+                <a:latin typeface="Courier" pitchFamily="2" charset="0"/>
+              </a:rPr>
+              <a:t>   |                PSID                   | TC  |S|      TTL      | </a:t>
+            </a:r>
+          </a:p>
+          <a:p>
+            <a:r>
+              <a:rPr lang="en-CA" sz="800" dirty="0">
+                <a:latin typeface="Courier" pitchFamily="2" charset="0"/>
+              </a:rPr>
+              <a:t>   +-+-+-+-+-+-+-+-+-+-+-+-+-+-+-+-+-+-+-+-+-+-+-+-+-+-+-+-+-+-+-+-+</a:t>
+            </a:r>
+          </a:p>
+          <a:p>
+            <a:r>
+              <a:rPr lang="en-CA" sz="800" dirty="0">
+                <a:latin typeface="Courier" pitchFamily="2" charset="0"/>
+              </a:rPr>
+              <a:t>   |  </a:t>
+            </a:r>
+            <a:r>
+              <a:rPr lang="en-CA" sz="800" b="1" dirty="0">
+                <a:latin typeface="Courier" pitchFamily="2" charset="0"/>
+              </a:rPr>
+              <a:t>Extension Label (15)                 </a:t>
+            </a:r>
+            <a:r>
+              <a:rPr lang="en-CA" sz="800" dirty="0">
+                <a:latin typeface="Courier" pitchFamily="2" charset="0"/>
+              </a:rPr>
+              <a:t>| TC  |0|  TTL          |</a:t>
+            </a:r>
+          </a:p>
+          <a:p>
+            <a:r>
+              <a:rPr lang="en-CA" sz="800" dirty="0">
+                <a:latin typeface="Courier" pitchFamily="2" charset="0"/>
+              </a:rPr>
+              <a:t>   +-+-+-+-+-+-+-+-+-+-+-+-+-+-+-+-+-+-+-+-+-+-+-+-+-+-+-+-+-+-+-+-+</a:t>
+            </a:r>
+          </a:p>
+          <a:p>
+            <a:r>
+              <a:rPr lang="en-CA" sz="800" dirty="0">
+                <a:latin typeface="Courier" pitchFamily="2" charset="0"/>
+              </a:rPr>
+              <a:t>   |  </a:t>
+            </a:r>
+            <a:r>
+              <a:rPr lang="en-CA" sz="800" b="1" dirty="0">
+                <a:latin typeface="Courier" pitchFamily="2" charset="0"/>
+              </a:rPr>
+              <a:t>IOAM Indicator Label                 </a:t>
+            </a:r>
+            <a:r>
+              <a:rPr lang="en-CA" sz="800" dirty="0">
+                <a:latin typeface="Courier" pitchFamily="2" charset="0"/>
+              </a:rPr>
+              <a:t>| TC  |1|  TTL          |</a:t>
+            </a:r>
+          </a:p>
+          <a:p>
+            <a:r>
+              <a:rPr lang="en-CA" sz="800" dirty="0">
+                <a:latin typeface="Courier" pitchFamily="2" charset="0"/>
+              </a:rPr>
+              <a:t>   +-+-+-+-+-+-+-+-+-+-+-+-+-+-+-+-+-+-+-+-+-+-+-+-+-+-+-+-+-+-+-+-+&lt;-+ </a:t>
+            </a:r>
+          </a:p>
+          <a:p>
+            <a:r>
+              <a:rPr lang="en-CA" sz="800" dirty="0">
+                <a:latin typeface="Courier" pitchFamily="2" charset="0"/>
+              </a:rPr>
+              <a:t>   |0 0 0 1|Version|  Reserved     | IOAM G-</a:t>
+            </a:r>
+            <a:r>
+              <a:rPr lang="en-CA" sz="800" dirty="0" err="1">
+                <a:latin typeface="Courier" pitchFamily="2" charset="0"/>
+              </a:rPr>
+              <a:t>ACh</a:t>
+            </a:r>
+            <a:r>
+              <a:rPr lang="en-CA" sz="800" dirty="0">
+                <a:latin typeface="Courier" pitchFamily="2" charset="0"/>
+              </a:rPr>
+              <a:t>                    |  | </a:t>
+            </a:r>
+          </a:p>
+          <a:p>
+            <a:r>
+              <a:rPr lang="en-CA" sz="800" dirty="0">
+                <a:latin typeface="Courier" pitchFamily="2" charset="0"/>
+              </a:rPr>
+              <a:t>   +-+-+-+-+-+-+-+-+-+-+-+-+-+-+-+-+-+-+-+-+-+-+-+-+-+-+-+-+-+-+-+-+  | </a:t>
+            </a:r>
+          </a:p>
+          <a:p>
+            <a:r>
+              <a:rPr lang="en-CA" sz="800" dirty="0">
+                <a:latin typeface="Courier" pitchFamily="2" charset="0"/>
+              </a:rPr>
+              <a:t>   | Reserved      | Block Number  | IOAM-OPT-Type |IOAM HDR Length|  |</a:t>
+            </a:r>
+          </a:p>
+          <a:p>
+            <a:r>
+              <a:rPr lang="en-CA" sz="800" dirty="0">
+                <a:latin typeface="Courier" pitchFamily="2" charset="0"/>
+              </a:rPr>
+              <a:t>   +-+-+-+-+-+-+-+-+-+-+-+-+-+-+-+-+-+-+-+-+-+-+-+-+-+-+-+-+-+-+-+-+  I</a:t>
+            </a:r>
+          </a:p>
+          <a:p>
+            <a:r>
+              <a:rPr lang="en-CA" sz="800" dirty="0">
+                <a:latin typeface="Courier" pitchFamily="2" charset="0"/>
+              </a:rPr>
+              <a:t>   |                                                               |  O</a:t>
+            </a:r>
+          </a:p>
+          <a:p>
+            <a:r>
+              <a:rPr lang="en-CA" sz="800" dirty="0">
+                <a:latin typeface="Courier" pitchFamily="2" charset="0"/>
+              </a:rPr>
+              <a:t>   |                                                               |  A</a:t>
+            </a:r>
+          </a:p>
+          <a:p>
+            <a:r>
+              <a:rPr lang="en-CA" sz="800" dirty="0">
+                <a:latin typeface="Courier" pitchFamily="2" charset="0"/>
+              </a:rPr>
+              <a:t>   ~                 IOAM Option and Data Space                    ~  M</a:t>
+            </a:r>
+          </a:p>
+          <a:p>
+            <a:r>
+              <a:rPr lang="en-CA" sz="800" dirty="0">
+                <a:latin typeface="Courier" pitchFamily="2" charset="0"/>
+              </a:rPr>
+              <a:t>   |                                                               |  |</a:t>
+            </a:r>
+          </a:p>
+          <a:p>
+            <a:r>
+              <a:rPr lang="en-CA" sz="800" dirty="0">
+                <a:latin typeface="Courier" pitchFamily="2" charset="0"/>
+              </a:rPr>
+              <a:t>   |                                                               |  |</a:t>
+            </a:r>
+          </a:p>
+          <a:p>
+            <a:r>
+              <a:rPr lang="en-CA" sz="800" dirty="0">
+                <a:latin typeface="Courier" pitchFamily="2" charset="0"/>
+              </a:rPr>
+              <a:t>   +-+-+-+-+-+-+-+-+-+-+-+-+-+-+-+-+-+-+-+-+-+-+-+-+-+-+-+-+-+-+-+-+&lt;-+</a:t>
+            </a:r>
+          </a:p>
+          <a:p>
+            <a:r>
+              <a:rPr lang="en-CA" sz="800" dirty="0">
+                <a:latin typeface="Courier" pitchFamily="2" charset="0"/>
+              </a:rPr>
+              <a:t>   |                                                               |</a:t>
+            </a:r>
+          </a:p>
+          <a:p>
+            <a:r>
+              <a:rPr lang="en-CA" sz="800" dirty="0">
+                <a:latin typeface="Courier" pitchFamily="2" charset="0"/>
+              </a:rPr>
+              <a:t>   |                                                               |</a:t>
+            </a:r>
+          </a:p>
+          <a:p>
+            <a:r>
+              <a:rPr lang="en-CA" sz="800" dirty="0">
+                <a:latin typeface="Courier" pitchFamily="2" charset="0"/>
+              </a:rPr>
+              <a:t>   ~                 Payload + Padding                             ~</a:t>
+            </a:r>
+          </a:p>
+          <a:p>
+            <a:r>
+              <a:rPr lang="en-CA" sz="800" dirty="0">
+                <a:latin typeface="Courier" pitchFamily="2" charset="0"/>
+              </a:rPr>
+              <a:t>   |                                                               |</a:t>
+            </a:r>
+          </a:p>
+          <a:p>
+            <a:r>
+              <a:rPr lang="en-CA" sz="800" dirty="0">
+                <a:latin typeface="Courier" pitchFamily="2" charset="0"/>
+              </a:rPr>
+              <a:t>   |                                                               |</a:t>
+            </a:r>
+          </a:p>
+          <a:p>
+            <a:r>
+              <a:rPr lang="en-CA" sz="800" dirty="0">
+                <a:latin typeface="Courier" pitchFamily="2" charset="0"/>
+              </a:rPr>
+              <a:t>   +-+-+-+-+-+-+-+-+-+-+-+-+-+-+-+-+-+-+-+-+-+-+-+-+-+-+-+-+-+-+-+-+ </a:t>
+            </a:r>
+          </a:p>
+          <a:p>
+            <a:r>
+              <a:rPr lang="en-CA" sz="800" dirty="0">
+                <a:latin typeface="Courier" pitchFamily="2" charset="0"/>
+              </a:rPr>
+              <a:t>         Figure: IOAM Encapsulation Example with SR-MPLS Header</a:t>
+            </a:r>
+            <a:endParaRPr lang="en-CA" sz="800" dirty="0">
+              <a:latin typeface="Courier" pitchFamily="2" charset="0"/>
+              <a:ea typeface="Calibri" panose="020F0502020204030204" pitchFamily="34" charset="0"/>
+              <a:cs typeface="Times New Roman" panose="02020603050405020304" pitchFamily="18" charset="0"/>
+            </a:endParaRPr>
+          </a:p>
+        </p:txBody>
+      </p:sp>
+    </p:spTree>
+    <p:extLst>
+      <p:ext uri="{BB962C8B-B14F-4D97-AF65-F5344CB8AC3E}">
+        <p14:creationId xmlns:p14="http://schemas.microsoft.com/office/powerpoint/2010/main" val="166031106"/>
+      </p:ext>
+    </p:extLst>
+  </p:cSld>
+  <p:clrMapOvr>
+    <a:masterClrMapping/>
+  </p:clrMapOvr>
+</p:sld>
+</file>
+
+<file path=ppt/slides/slide14.xml><?xml version="1.0" encoding="utf-8"?>
+<p:sld xmlns:a="http://schemas.openxmlformats.org/drawingml/2006/main" xmlns:r="http://schemas.openxmlformats.org/officeDocument/2006/relationships" xmlns:p="http://schemas.openxmlformats.org/presentationml/2006/main">
+  <p:cSld>
+    <p:spTree>
+      <p:nvGrpSpPr>
+        <p:cNvPr id="1" name=""/>
+        <p:cNvGrpSpPr/>
+        <p:nvPr/>
+      </p:nvGrpSpPr>
+      <p:grpSpPr>
+        <a:xfrm>
+          <a:off x="0" y="0"/>
+          <a:ext cx="0" cy="0"/>
+          <a:chOff x="0" y="0"/>
+          <a:chExt cx="0" cy="0"/>
+        </a:xfrm>
+      </p:grpSpPr>
+      <p:sp>
+        <p:nvSpPr>
+          <p:cNvPr id="2" name="Title 1"/>
+          <p:cNvSpPr>
+            <a:spLocks noGrp="1"/>
+          </p:cNvSpPr>
+          <p:nvPr>
+            <p:ph type="title"/>
+          </p:nvPr>
+        </p:nvSpPr>
+        <p:spPr>
+          <a:xfrm>
+            <a:off x="457200" y="38100"/>
+            <a:ext cx="8229600" cy="857250"/>
+          </a:xfrm>
+        </p:spPr>
+        <p:txBody>
+          <a:bodyPr/>
+          <a:lstStyle/>
+          <a:p>
+            <a:r>
+              <a:rPr lang="en-US" sz="3600" dirty="0">
+                <a:solidFill>
+                  <a:srgbClr val="0070C0"/>
+                </a:solidFill>
+                <a:latin typeface="Calibri Light" panose="020F0302020204030204" pitchFamily="34" charset="0"/>
+                <a:cs typeface="Calibri Light" panose="020F0302020204030204" pitchFamily="34" charset="0"/>
+              </a:rPr>
+              <a:t>Next Steps</a:t>
+            </a:r>
+          </a:p>
+        </p:txBody>
+      </p:sp>
+      <p:sp>
+        <p:nvSpPr>
+          <p:cNvPr id="3" name="Content Placeholder 2"/>
+          <p:cNvSpPr>
+            <a:spLocks noGrp="1"/>
+          </p:cNvSpPr>
+          <p:nvPr>
+            <p:ph idx="1"/>
+          </p:nvPr>
+        </p:nvSpPr>
+        <p:spPr>
+          <a:xfrm>
+            <a:off x="762000" y="1200150"/>
+            <a:ext cx="7772400" cy="2743200"/>
+          </a:xfrm>
+        </p:spPr>
+        <p:txBody>
+          <a:bodyPr/>
+          <a:lstStyle/>
+          <a:p>
+            <a:pPr lvl="0"/>
+            <a:r>
+              <a:rPr lang="en-US" sz="2400" dirty="0">
+                <a:latin typeface="Calibri" charset="0"/>
+                <a:ea typeface="Calibri" charset="0"/>
+                <a:cs typeface="Calibri" charset="0"/>
+              </a:rPr>
+              <a:t>Welcome your comments and suggestions</a:t>
+            </a:r>
+          </a:p>
+          <a:p>
+            <a:r>
+              <a:rPr lang="en-US" sz="2400" dirty="0"/>
+              <a:t>Requesting MPLS WG adoption</a:t>
+            </a:r>
+          </a:p>
+          <a:p>
+            <a:pPr lvl="0"/>
+            <a:endParaRPr lang="en-US" sz="2400" dirty="0">
+              <a:latin typeface="Calibri" charset="0"/>
+              <a:ea typeface="Calibri" charset="0"/>
+              <a:cs typeface="Calibri" charset="0"/>
+            </a:endParaRPr>
+          </a:p>
+        </p:txBody>
+      </p:sp>
+      <p:sp>
+        <p:nvSpPr>
+          <p:cNvPr id="4" name="Footer Placeholder 3"/>
+          <p:cNvSpPr>
+            <a:spLocks noGrp="1"/>
+          </p:cNvSpPr>
+          <p:nvPr>
+            <p:ph type="ftr" sz="quarter" idx="11"/>
+          </p:nvPr>
+        </p:nvSpPr>
+        <p:spPr>
+          <a:xfrm>
+            <a:off x="3124200" y="4787315"/>
+            <a:ext cx="2895600" cy="357188"/>
+          </a:xfrm>
+        </p:spPr>
+        <p:txBody>
+          <a:bodyPr/>
+          <a:lstStyle/>
+          <a:p>
+            <a:r>
+              <a:rPr lang="en-CA" dirty="0"/>
+              <a:t>110</a:t>
+            </a:r>
+            <a:r>
+              <a:rPr lang="en-CA" baseline="30000" dirty="0"/>
+              <a:t>th</a:t>
+            </a:r>
+            <a:r>
+              <a:rPr lang="en-CA" dirty="0"/>
+              <a:t> IETF Online</a:t>
+            </a:r>
+          </a:p>
+        </p:txBody>
+      </p:sp>
+      <p:sp>
+        <p:nvSpPr>
+          <p:cNvPr id="5" name="Slide Number Placeholder 4"/>
+          <p:cNvSpPr>
+            <a:spLocks noGrp="1"/>
+          </p:cNvSpPr>
+          <p:nvPr>
+            <p:ph type="sldNum" sz="quarter" idx="12"/>
+          </p:nvPr>
+        </p:nvSpPr>
+        <p:spPr/>
+        <p:txBody>
+          <a:bodyPr/>
+          <a:lstStyle/>
+          <a:p>
+            <a:pPr>
+              <a:defRPr/>
+            </a:pPr>
+            <a:fld id="{BD6E0F59-1DD8-40FC-9C92-B6295CBA6CCA}" type="slidenum">
+              <a:rPr lang="en-US" altLang="zh-CN" smtClean="0"/>
+              <a:pPr>
+                <a:defRPr/>
+              </a:pPr>
+              <a:t>14</a:t>
             </a:fld>
             <a:endParaRPr lang="en-US" altLang="zh-CN"/>
           </a:p>
@@ -6763,7 +7263,7 @@
 </p:sld>
 </file>
 
-<file path=ppt/slides/slide14.xml><?xml version="1.0" encoding="utf-8"?>
+<file path=ppt/slides/slide15.xml><?xml version="1.0" encoding="utf-8"?>
 <p:sld xmlns:a="http://schemas.openxmlformats.org/drawingml/2006/main" xmlns:r="http://schemas.openxmlformats.org/officeDocument/2006/relationships" xmlns:p="http://schemas.openxmlformats.org/presentationml/2006/main">
   <p:cSld>
     <p:spTree>
@@ -7027,7 +7527,7 @@
               <a:pPr>
                 <a:defRPr/>
               </a:pPr>
-              <a:t>14</a:t>
+              <a:t>15</a:t>
             </a:fld>
             <a:endParaRPr lang="en-US" altLang="zh-CN"/>
           </a:p>
@@ -7046,7 +7546,7 @@
 </p:sld>
 </file>
 
-<file path=ppt/slides/slide15.xml><?xml version="1.0" encoding="utf-8"?>
+<file path=ppt/slides/slide16.xml><?xml version="1.0" encoding="utf-8"?>
 <p:sld xmlns:a="http://schemas.openxmlformats.org/drawingml/2006/main" xmlns:r="http://schemas.openxmlformats.org/officeDocument/2006/relationships" xmlns:p="http://schemas.openxmlformats.org/presentationml/2006/main">
   <p:cSld>
     <p:spTree>
@@ -7310,7 +7810,7 @@
               <a:pPr>
                 <a:defRPr/>
               </a:pPr>
-              <a:t>15</a:t>
+              <a:t>16</a:t>
             </a:fld>
             <a:endParaRPr lang="en-US" altLang="zh-CN"/>
           </a:p>
@@ -7320,338 +7820,6 @@
     <p:extLst>
       <p:ext uri="{BB962C8B-B14F-4D97-AF65-F5344CB8AC3E}">
         <p14:creationId xmlns:p14="http://schemas.microsoft.com/office/powerpoint/2010/main" val="1208650897"/>
-      </p:ext>
-    </p:extLst>
-  </p:cSld>
-  <p:clrMapOvr>
-    <a:masterClrMapping/>
-  </p:clrMapOvr>
-</p:sld>
-</file>
-
-<file path=ppt/slides/slide16.xml><?xml version="1.0" encoding="utf-8"?>
-<p:sld xmlns:a="http://schemas.openxmlformats.org/drawingml/2006/main" xmlns:r="http://schemas.openxmlformats.org/officeDocument/2006/relationships" xmlns:p="http://schemas.openxmlformats.org/presentationml/2006/main">
-  <p:cSld>
-    <p:spTree>
-      <p:nvGrpSpPr>
-        <p:cNvPr id="1" name=""/>
-        <p:cNvGrpSpPr/>
-        <p:nvPr/>
-      </p:nvGrpSpPr>
-      <p:grpSpPr>
-        <a:xfrm>
-          <a:off x="0" y="0"/>
-          <a:ext cx="0" cy="0"/>
-          <a:chOff x="0" y="0"/>
-          <a:chExt cx="0" cy="0"/>
-        </a:xfrm>
-      </p:grpSpPr>
-      <p:sp>
-        <p:nvSpPr>
-          <p:cNvPr id="2" name="Title 1">
-            <a:extLst>
-              <a:ext uri="{FF2B5EF4-FFF2-40B4-BE49-F238E27FC236}">
-                <a16:creationId xmlns:a16="http://schemas.microsoft.com/office/drawing/2014/main" id="{16C5255E-BE42-5348-AC0F-6257873BBB61}"/>
-              </a:ext>
-            </a:extLst>
-          </p:cNvPr>
-          <p:cNvSpPr>
-            <a:spLocks noGrp="1"/>
-          </p:cNvSpPr>
-          <p:nvPr>
-            <p:ph type="title"/>
-          </p:nvPr>
-        </p:nvSpPr>
-        <p:spPr>
-          <a:xfrm>
-            <a:off x="457200" y="0"/>
-            <a:ext cx="8229600" cy="857250"/>
-          </a:xfrm>
-        </p:spPr>
-        <p:txBody>
-          <a:bodyPr/>
-          <a:lstStyle/>
-          <a:p>
-            <a:pPr algn="l"/>
-            <a:r>
-              <a:rPr lang="en-US" sz="3600" dirty="0">
-                <a:solidFill>
-                  <a:srgbClr val="0070C0"/>
-                </a:solidFill>
-                <a:latin typeface="Calibri Light" panose="020F0302020204030204" pitchFamily="34" charset="0"/>
-                <a:cs typeface="Calibri Light" panose="020F0302020204030204" pitchFamily="34" charset="0"/>
-              </a:rPr>
-              <a:t>Impact on Label Stack Size Imposed (MSD)</a:t>
-            </a:r>
-          </a:p>
-        </p:txBody>
-      </p:sp>
-      <p:sp>
-        <p:nvSpPr>
-          <p:cNvPr id="3" name="Content Placeholder 2">
-            <a:extLst>
-              <a:ext uri="{FF2B5EF4-FFF2-40B4-BE49-F238E27FC236}">
-                <a16:creationId xmlns:a16="http://schemas.microsoft.com/office/drawing/2014/main" id="{3943595A-2AF7-A141-B580-268FFA30C69C}"/>
-              </a:ext>
-            </a:extLst>
-          </p:cNvPr>
-          <p:cNvSpPr>
-            <a:spLocks noGrp="1"/>
-          </p:cNvSpPr>
-          <p:nvPr>
-            <p:ph idx="1"/>
-          </p:nvPr>
-        </p:nvSpPr>
-        <p:spPr>
-          <a:xfrm>
-            <a:off x="467008" y="1012105"/>
-            <a:ext cx="8229600" cy="3373636"/>
-          </a:xfrm>
-        </p:spPr>
-        <p:txBody>
-          <a:bodyPr/>
-          <a:lstStyle/>
-          <a:p>
-            <a:r>
-              <a:rPr lang="en-US" sz="1600" dirty="0">
-                <a:latin typeface="Arial" panose="020B0604020202020204" pitchFamily="34" charset="0"/>
-                <a:cs typeface="Arial" panose="020B0604020202020204" pitchFamily="34" charset="0"/>
-              </a:rPr>
-              <a:t>Available label stack size reduced</a:t>
-            </a:r>
-          </a:p>
-          <a:p>
-            <a:pPr lvl="1"/>
-            <a:r>
-              <a:rPr lang="en-US" sz="1600" dirty="0">
-                <a:latin typeface="Arial" panose="020B0604020202020204" pitchFamily="34" charset="0"/>
-                <a:cs typeface="Arial" panose="020B0604020202020204" pitchFamily="34" charset="0"/>
-              </a:rPr>
-              <a:t>Extension Label 15 </a:t>
-            </a:r>
-          </a:p>
-          <a:p>
-            <a:pPr lvl="1"/>
-            <a:r>
-              <a:rPr lang="en-US" sz="1600" dirty="0" err="1">
-                <a:latin typeface="Arial" panose="020B0604020202020204" pitchFamily="34" charset="0"/>
-                <a:cs typeface="Arial" panose="020B0604020202020204" pitchFamily="34" charset="0"/>
-              </a:rPr>
-              <a:t>HbH</a:t>
-            </a:r>
-            <a:r>
-              <a:rPr lang="en-US" sz="1600" dirty="0">
-                <a:latin typeface="Arial" panose="020B0604020202020204" pitchFamily="34" charset="0"/>
-                <a:cs typeface="Arial" panose="020B0604020202020204" pitchFamily="34" charset="0"/>
-              </a:rPr>
-              <a:t> IOAM Indicator SPL </a:t>
-            </a:r>
-          </a:p>
-          <a:p>
-            <a:r>
-              <a:rPr lang="en-US" sz="1600" dirty="0">
-                <a:latin typeface="Arial" panose="020B0604020202020204" pitchFamily="34" charset="0"/>
-                <a:cs typeface="Arial" panose="020B0604020202020204" pitchFamily="34" charset="0"/>
-              </a:rPr>
-              <a:t>May need to add entropy label due to ECMP path impact, further reducing available label stack size</a:t>
-            </a:r>
-          </a:p>
-          <a:p>
-            <a:pPr lvl="1"/>
-            <a:r>
-              <a:rPr lang="en-US" sz="1600" dirty="0">
-                <a:latin typeface="Arial" panose="020B0604020202020204" pitchFamily="34" charset="0"/>
-                <a:cs typeface="Arial" panose="020B0604020202020204" pitchFamily="34" charset="0"/>
-              </a:rPr>
-              <a:t>ELI </a:t>
-            </a:r>
-          </a:p>
-          <a:p>
-            <a:pPr lvl="1"/>
-            <a:r>
-              <a:rPr lang="en-US" sz="1600" dirty="0">
-                <a:latin typeface="Arial" panose="020B0604020202020204" pitchFamily="34" charset="0"/>
-                <a:cs typeface="Arial" panose="020B0604020202020204" pitchFamily="34" charset="0"/>
-              </a:rPr>
-              <a:t>Entropy Label</a:t>
-            </a:r>
-          </a:p>
-          <a:p>
-            <a:endParaRPr lang="en-US" sz="1600" dirty="0">
-              <a:latin typeface="Arial" panose="020B0604020202020204" pitchFamily="34" charset="0"/>
-              <a:cs typeface="Arial" panose="020B0604020202020204" pitchFamily="34" charset="0"/>
-            </a:endParaRPr>
-          </a:p>
-          <a:p>
-            <a:pPr>
-              <a:buFont typeface="Wingdings" pitchFamily="2" charset="2"/>
-              <a:buChar char="ü"/>
-            </a:pPr>
-            <a:r>
-              <a:rPr lang="en-US" sz="1600" dirty="0">
-                <a:latin typeface="Arial" panose="020B0604020202020204" pitchFamily="34" charset="0"/>
-                <a:cs typeface="Arial" panose="020B0604020202020204" pitchFamily="34" charset="0"/>
-              </a:rPr>
-              <a:t>This is true for all schemes using </a:t>
-            </a:r>
-            <a:r>
-              <a:rPr lang="en-US" sz="1600" dirty="0" err="1">
-                <a:latin typeface="Arial" panose="020B0604020202020204" pitchFamily="34" charset="0"/>
-                <a:cs typeface="Arial" panose="020B0604020202020204" pitchFamily="34" charset="0"/>
-              </a:rPr>
-              <a:t>eSPL</a:t>
-            </a:r>
-            <a:r>
-              <a:rPr lang="en-US" sz="1600" dirty="0">
-                <a:latin typeface="Arial" panose="020B0604020202020204" pitchFamily="34" charset="0"/>
-                <a:cs typeface="Arial" panose="020B0604020202020204" pitchFamily="34" charset="0"/>
-              </a:rPr>
-              <a:t>, e.g., </a:t>
-            </a:r>
-            <a:r>
-              <a:rPr lang="en-CA" sz="1600" i="1" dirty="0">
-                <a:latin typeface="Arial" panose="020B0604020202020204" pitchFamily="34" charset="0"/>
-                <a:cs typeface="Arial" panose="020B0604020202020204" pitchFamily="34" charset="0"/>
-              </a:rPr>
-              <a:t>draft-</a:t>
-            </a:r>
-            <a:r>
-              <a:rPr lang="en-CA" sz="1600" i="1" dirty="0" err="1">
-                <a:latin typeface="Arial" panose="020B0604020202020204" pitchFamily="34" charset="0"/>
-                <a:cs typeface="Arial" panose="020B0604020202020204" pitchFamily="34" charset="0"/>
-              </a:rPr>
-              <a:t>cheng</a:t>
-            </a:r>
-            <a:r>
-              <a:rPr lang="en-CA" sz="1600" i="1" dirty="0">
-                <a:latin typeface="Arial" panose="020B0604020202020204" pitchFamily="34" charset="0"/>
-                <a:cs typeface="Arial" panose="020B0604020202020204" pitchFamily="34" charset="0"/>
-              </a:rPr>
-              <a:t>-</a:t>
-            </a:r>
-            <a:r>
-              <a:rPr lang="en-CA" sz="1600" i="1" dirty="0" err="1">
-                <a:latin typeface="Arial" panose="020B0604020202020204" pitchFamily="34" charset="0"/>
-                <a:cs typeface="Arial" panose="020B0604020202020204" pitchFamily="34" charset="0"/>
-              </a:rPr>
-              <a:t>mpls</a:t>
-            </a:r>
-            <a:r>
-              <a:rPr lang="en-CA" sz="1600" i="1" dirty="0">
-                <a:latin typeface="Arial" panose="020B0604020202020204" pitchFamily="34" charset="0"/>
-                <a:cs typeface="Arial" panose="020B0604020202020204" pitchFamily="34" charset="0"/>
-              </a:rPr>
-              <a:t>-</a:t>
-            </a:r>
-            <a:r>
-              <a:rPr lang="en-CA" sz="1600" i="1" dirty="0" err="1">
-                <a:latin typeface="Arial" panose="020B0604020202020204" pitchFamily="34" charset="0"/>
-                <a:cs typeface="Arial" panose="020B0604020202020204" pitchFamily="34" charset="0"/>
-              </a:rPr>
-              <a:t>inband</a:t>
-            </a:r>
-            <a:r>
-              <a:rPr lang="en-CA" sz="1600" i="1" dirty="0">
-                <a:latin typeface="Arial" panose="020B0604020202020204" pitchFamily="34" charset="0"/>
-                <a:cs typeface="Arial" panose="020B0604020202020204" pitchFamily="34" charset="0"/>
-              </a:rPr>
-              <a:t>-pm-encapsulation</a:t>
-            </a:r>
-          </a:p>
-          <a:p>
-            <a:pPr marL="0" indent="0">
-              <a:buNone/>
-            </a:pPr>
-            <a:endParaRPr lang="en-US" sz="1600" dirty="0">
-              <a:latin typeface="Arial" panose="020B0604020202020204" pitchFamily="34" charset="0"/>
-              <a:cs typeface="Arial" panose="020B0604020202020204" pitchFamily="34" charset="0"/>
-            </a:endParaRPr>
-          </a:p>
-        </p:txBody>
-      </p:sp>
-      <p:sp>
-        <p:nvSpPr>
-          <p:cNvPr id="4" name="Footer Placeholder 3">
-            <a:extLst>
-              <a:ext uri="{FF2B5EF4-FFF2-40B4-BE49-F238E27FC236}">
-                <a16:creationId xmlns:a16="http://schemas.microsoft.com/office/drawing/2014/main" id="{CF70CC82-C055-3645-9254-87CEC1C49032}"/>
-              </a:ext>
-            </a:extLst>
-          </p:cNvPr>
-          <p:cNvSpPr>
-            <a:spLocks noGrp="1"/>
-          </p:cNvSpPr>
-          <p:nvPr>
-            <p:ph type="ftr" sz="quarter" idx="11"/>
-          </p:nvPr>
-        </p:nvSpPr>
-        <p:spPr>
-          <a:xfrm>
-            <a:off x="3124200" y="4760472"/>
-            <a:ext cx="2895600" cy="357188"/>
-          </a:xfrm>
-        </p:spPr>
-        <p:txBody>
-          <a:bodyPr/>
-          <a:lstStyle/>
-          <a:p>
-            <a:pPr>
-              <a:defRPr/>
-            </a:pPr>
-            <a:r>
-              <a:rPr lang="en-US" altLang="zh-CN" dirty="0"/>
-              <a:t>110</a:t>
-            </a:r>
-            <a:r>
-              <a:rPr lang="en-US" altLang="zh-CN" baseline="30000" dirty="0"/>
-              <a:t>th</a:t>
-            </a:r>
-            <a:r>
-              <a:rPr lang="en-US" altLang="zh-CN" dirty="0"/>
-              <a:t> IETF Online</a:t>
-            </a:r>
-          </a:p>
-        </p:txBody>
-      </p:sp>
-      <p:sp>
-        <p:nvSpPr>
-          <p:cNvPr id="5" name="Slide Number Placeholder 4">
-            <a:extLst>
-              <a:ext uri="{FF2B5EF4-FFF2-40B4-BE49-F238E27FC236}">
-                <a16:creationId xmlns:a16="http://schemas.microsoft.com/office/drawing/2014/main" id="{62DF7D69-BCF6-2D4A-A3F1-2D32C59355D3}"/>
-              </a:ext>
-            </a:extLst>
-          </p:cNvPr>
-          <p:cNvSpPr>
-            <a:spLocks noGrp="1"/>
-          </p:cNvSpPr>
-          <p:nvPr>
-            <p:ph type="sldNum" sz="quarter" idx="12"/>
-          </p:nvPr>
-        </p:nvSpPr>
-        <p:spPr/>
-        <p:txBody>
-          <a:bodyPr/>
-          <a:lstStyle/>
-          <a:p>
-            <a:pPr>
-              <a:defRPr/>
-            </a:pPr>
-            <a:fld id="{BD6E0F59-1DD8-40FC-9C92-B6295CBA6CCA}" type="slidenum">
-              <a:rPr lang="en-US" altLang="zh-CN" smtClean="0"/>
-              <a:pPr>
-                <a:defRPr/>
-              </a:pPr>
-              <a:t>16</a:t>
-            </a:fld>
-            <a:endParaRPr lang="en-US" altLang="zh-CN"/>
-          </a:p>
-        </p:txBody>
-      </p:sp>
-    </p:spTree>
-    <p:extLst>
-      <p:ext uri="{BB962C8B-B14F-4D97-AF65-F5344CB8AC3E}">
-        <p14:creationId xmlns:p14="http://schemas.microsoft.com/office/powerpoint/2010/main" val="1151529161"/>
       </p:ext>
     </p:extLst>
   </p:cSld>
@@ -7696,8 +7864,8 @@
         </p:nvSpPr>
         <p:spPr>
           <a:xfrm>
-            <a:off x="457200" y="0"/>
-            <a:ext cx="8229600" cy="857250"/>
+            <a:off x="304800" y="25840"/>
+            <a:ext cx="8620408" cy="857250"/>
           </a:xfrm>
         </p:spPr>
         <p:txBody>
@@ -7706,14 +7874,14 @@
           <a:p>
             <a:pPr algn="l"/>
             <a:r>
-              <a:rPr lang="en-US" sz="3600" dirty="0">
+              <a:rPr lang="en-US" sz="3200" dirty="0">
                 <a:solidFill>
                   <a:srgbClr val="0070C0"/>
                 </a:solidFill>
                 <a:latin typeface="Calibri Light" panose="020F0302020204030204" pitchFamily="34" charset="0"/>
                 <a:cs typeface="Calibri Light" panose="020F0302020204030204" pitchFamily="34" charset="0"/>
               </a:rPr>
-              <a:t>Transit Nodes Scan Deeper in MPLS Header</a:t>
+              <a:t>Impact on Label Stack Size Imposed by Ingress</a:t>
             </a:r>
           </a:p>
         </p:txBody>
@@ -7736,8 +7904,8 @@
         </p:nvSpPr>
         <p:spPr>
           <a:xfrm>
-            <a:off x="482851" y="971550"/>
-            <a:ext cx="8229600" cy="3373636"/>
+            <a:off x="457200" y="944059"/>
+            <a:ext cx="8229600" cy="3671814"/>
           </a:xfrm>
         </p:spPr>
         <p:txBody>
@@ -7745,21 +7913,108 @@
           <a:lstStyle/>
           <a:p>
             <a:r>
-              <a:rPr lang="en-US" sz="1800" dirty="0">
+              <a:rPr lang="en-US" sz="1400" dirty="0">
                 <a:latin typeface="Arial" panose="020B0604020202020204" pitchFamily="34" charset="0"/>
                 <a:cs typeface="Arial" panose="020B0604020202020204" pitchFamily="34" charset="0"/>
               </a:rPr>
-              <a:t>Transit nodes need to scan deeper into the MPLS header.</a:t>
-            </a:r>
-          </a:p>
-          <a:p>
-            <a:endParaRPr lang="en-US" sz="1800" dirty="0">
-              <a:latin typeface="Arial" panose="020B0604020202020204" pitchFamily="34" charset="0"/>
-              <a:cs typeface="Arial" panose="020B0604020202020204" pitchFamily="34" charset="0"/>
-            </a:endParaRPr>
-          </a:p>
-          <a:p>
-            <a:endParaRPr lang="en-US" sz="1800" dirty="0">
+              <a:t>Applicable to both E2E and </a:t>
+            </a:r>
+            <a:r>
+              <a:rPr lang="en-US" sz="1400" dirty="0" err="1">
+                <a:latin typeface="Arial" panose="020B0604020202020204" pitchFamily="34" charset="0"/>
+                <a:cs typeface="Arial" panose="020B0604020202020204" pitchFamily="34" charset="0"/>
+              </a:rPr>
+              <a:t>HbH</a:t>
+            </a:r>
+            <a:r>
+              <a:rPr lang="en-US" sz="1400" dirty="0">
+                <a:latin typeface="Arial" panose="020B0604020202020204" pitchFamily="34" charset="0"/>
+                <a:cs typeface="Arial" panose="020B0604020202020204" pitchFamily="34" charset="0"/>
+              </a:rPr>
+              <a:t> cases</a:t>
+            </a:r>
+          </a:p>
+          <a:p>
+            <a:r>
+              <a:rPr lang="en-US" sz="1400" dirty="0">
+                <a:latin typeface="Arial" panose="020B0604020202020204" pitchFamily="34" charset="0"/>
+                <a:cs typeface="Arial" panose="020B0604020202020204" pitchFamily="34" charset="0"/>
+              </a:rPr>
+              <a:t>Available label stack size reduced for the LSP</a:t>
+            </a:r>
+          </a:p>
+          <a:p>
+            <a:pPr lvl="1"/>
+            <a:r>
+              <a:rPr lang="en-US" sz="1400" dirty="0">
+                <a:latin typeface="Arial" panose="020B0604020202020204" pitchFamily="34" charset="0"/>
+                <a:cs typeface="Arial" panose="020B0604020202020204" pitchFamily="34" charset="0"/>
+              </a:rPr>
+              <a:t>Extension Label 15 (when using </a:t>
+            </a:r>
+            <a:r>
+              <a:rPr lang="en-US" sz="1400" dirty="0" err="1">
+                <a:latin typeface="Arial" panose="020B0604020202020204" pitchFamily="34" charset="0"/>
+                <a:cs typeface="Arial" panose="020B0604020202020204" pitchFamily="34" charset="0"/>
+              </a:rPr>
+              <a:t>eSPL</a:t>
+            </a:r>
+            <a:r>
+              <a:rPr lang="en-US" sz="1400" dirty="0">
+                <a:latin typeface="Arial" panose="020B0604020202020204" pitchFamily="34" charset="0"/>
+                <a:cs typeface="Arial" panose="020B0604020202020204" pitchFamily="34" charset="0"/>
+              </a:rPr>
+              <a:t>)</a:t>
+            </a:r>
+          </a:p>
+          <a:p>
+            <a:pPr lvl="1"/>
+            <a:r>
+              <a:rPr lang="en-US" sz="1400" dirty="0" err="1">
+                <a:latin typeface="Arial" panose="020B0604020202020204" pitchFamily="34" charset="0"/>
+                <a:cs typeface="Arial" panose="020B0604020202020204" pitchFamily="34" charset="0"/>
+              </a:rPr>
+              <a:t>HbH</a:t>
+            </a:r>
+            <a:r>
+              <a:rPr lang="en-US" sz="1400" dirty="0">
+                <a:latin typeface="Arial" panose="020B0604020202020204" pitchFamily="34" charset="0"/>
+                <a:cs typeface="Arial" panose="020B0604020202020204" pitchFamily="34" charset="0"/>
+              </a:rPr>
+              <a:t> IOAM Indicator</a:t>
+            </a:r>
+          </a:p>
+          <a:p>
+            <a:r>
+              <a:rPr lang="en-US" sz="1400" dirty="0">
+                <a:latin typeface="Arial" panose="020B0604020202020204" pitchFamily="34" charset="0"/>
+                <a:cs typeface="Arial" panose="020B0604020202020204" pitchFamily="34" charset="0"/>
+              </a:rPr>
+              <a:t>May need to add entropy label due to ECMP impact, further reducing available label stack size for the LSP</a:t>
+            </a:r>
+          </a:p>
+          <a:p>
+            <a:pPr lvl="1"/>
+            <a:r>
+              <a:rPr lang="en-US" sz="1400" dirty="0">
+                <a:latin typeface="Arial" panose="020B0604020202020204" pitchFamily="34" charset="0"/>
+                <a:cs typeface="Arial" panose="020B0604020202020204" pitchFamily="34" charset="0"/>
+              </a:rPr>
+              <a:t>ELI </a:t>
+            </a:r>
+          </a:p>
+          <a:p>
+            <a:pPr lvl="1"/>
+            <a:r>
+              <a:rPr lang="en-US" sz="1400" dirty="0">
+                <a:latin typeface="Arial" panose="020B0604020202020204" pitchFamily="34" charset="0"/>
+                <a:cs typeface="Arial" panose="020B0604020202020204" pitchFamily="34" charset="0"/>
+              </a:rPr>
+              <a:t>Entropy Label</a:t>
+            </a:r>
+          </a:p>
+          <a:p>
+            <a:endParaRPr lang="en-US" sz="1400" dirty="0">
               <a:latin typeface="Arial" panose="020B0604020202020204" pitchFamily="34" charset="0"/>
               <a:cs typeface="Arial" panose="020B0604020202020204" pitchFamily="34" charset="0"/>
             </a:endParaRPr>
@@ -7770,46 +8025,111 @@
               <a:buChar char="ü"/>
             </a:pPr>
             <a:r>
-              <a:rPr lang="en-US" sz="1800" dirty="0">
+              <a:rPr lang="en-US" sz="1400" dirty="0">
                 <a:latin typeface="Arial" panose="020B0604020202020204" pitchFamily="34" charset="0"/>
                 <a:cs typeface="Arial" panose="020B0604020202020204" pitchFamily="34" charset="0"/>
               </a:rPr>
-              <a:t>This is also true for ELI and EL today.</a:t>
-            </a:r>
-            <a:endParaRPr lang="en-CA" sz="1800" dirty="0">
+              <a:t>This is true for all mechanisms using </a:t>
+            </a:r>
+            <a:r>
+              <a:rPr lang="en-US" sz="1400" dirty="0" err="1">
+                <a:latin typeface="Arial" panose="020B0604020202020204" pitchFamily="34" charset="0"/>
+                <a:cs typeface="Arial" panose="020B0604020202020204" pitchFamily="34" charset="0"/>
+              </a:rPr>
+              <a:t>eSPL</a:t>
+            </a:r>
+            <a:endParaRPr lang="en-US" sz="1400" dirty="0">
               <a:latin typeface="Arial" panose="020B0604020202020204" pitchFamily="34" charset="0"/>
               <a:cs typeface="Arial" panose="020B0604020202020204" pitchFamily="34" charset="0"/>
             </a:endParaRPr>
           </a:p>
           <a:p>
-            <a:pPr>
-              <a:buFont typeface="Wingdings" pitchFamily="2" charset="2"/>
-              <a:buChar char="ü"/>
+            <a:pPr lvl="1">
+              <a:buFont typeface="Arial" panose="020B0604020202020204" pitchFamily="34" charset="0"/>
+              <a:buChar char="•"/>
             </a:pPr>
             <a:r>
-              <a:rPr lang="en-CA" sz="1800" dirty="0">
+              <a:rPr lang="en-CA" sz="1400" i="1" dirty="0">
                 <a:latin typeface="Arial" panose="020B0604020202020204" pitchFamily="34" charset="0"/>
                 <a:cs typeface="Arial" panose="020B0604020202020204" pitchFamily="34" charset="0"/>
               </a:rPr>
-              <a:t>Note that with any indicator scheme, the node will have to look past </a:t>
-            </a:r>
-            <a:r>
-              <a:rPr lang="en-CA" sz="1800" dirty="0" err="1">
+              <a:t>https://</a:t>
+            </a:r>
+            <a:r>
+              <a:rPr lang="en-CA" sz="1400" i="1" dirty="0" err="1">
                 <a:latin typeface="Arial" panose="020B0604020202020204" pitchFamily="34" charset="0"/>
                 <a:cs typeface="Arial" panose="020B0604020202020204" pitchFamily="34" charset="0"/>
               </a:rPr>
-              <a:t>EoS</a:t>
-            </a:r>
-            <a:r>
-              <a:rPr lang="en-CA" sz="1800" dirty="0">
+              <a:t>tools.ietf.org</a:t>
+            </a:r>
+            <a:r>
+              <a:rPr lang="en-CA" sz="1400" i="1" dirty="0">
                 <a:latin typeface="Arial" panose="020B0604020202020204" pitchFamily="34" charset="0"/>
                 <a:cs typeface="Arial" panose="020B0604020202020204" pitchFamily="34" charset="0"/>
               </a:rPr>
-              <a:t> into the packet to find the IOAM data that needs to be processed.</a:t>
-            </a:r>
-          </a:p>
-          <a:p>
-            <a:endParaRPr lang="en-US" sz="1800" dirty="0">
+              <a:t>/html/rfc8595 </a:t>
+            </a:r>
+          </a:p>
+          <a:p>
+            <a:pPr lvl="1">
+              <a:buFont typeface="Arial" panose="020B0604020202020204" pitchFamily="34" charset="0"/>
+              <a:buChar char="•"/>
+            </a:pPr>
+            <a:r>
+              <a:rPr lang="en-CA" sz="1400" i="1" dirty="0">
+                <a:latin typeface="Arial" panose="020B0604020202020204" pitchFamily="34" charset="0"/>
+                <a:cs typeface="Arial" panose="020B0604020202020204" pitchFamily="34" charset="0"/>
+              </a:rPr>
+              <a:t>draft-</a:t>
+            </a:r>
+            <a:r>
+              <a:rPr lang="en-CA" sz="1400" i="1" dirty="0" err="1">
+                <a:latin typeface="Arial" panose="020B0604020202020204" pitchFamily="34" charset="0"/>
+                <a:cs typeface="Arial" panose="020B0604020202020204" pitchFamily="34" charset="0"/>
+              </a:rPr>
+              <a:t>cheng</a:t>
+            </a:r>
+            <a:r>
+              <a:rPr lang="en-CA" sz="1400" i="1" dirty="0">
+                <a:latin typeface="Arial" panose="020B0604020202020204" pitchFamily="34" charset="0"/>
+                <a:cs typeface="Arial" panose="020B0604020202020204" pitchFamily="34" charset="0"/>
+              </a:rPr>
+              <a:t>-</a:t>
+            </a:r>
+            <a:r>
+              <a:rPr lang="en-CA" sz="1400" i="1" dirty="0" err="1">
+                <a:latin typeface="Arial" panose="020B0604020202020204" pitchFamily="34" charset="0"/>
+                <a:cs typeface="Arial" panose="020B0604020202020204" pitchFamily="34" charset="0"/>
+              </a:rPr>
+              <a:t>mpls</a:t>
+            </a:r>
+            <a:r>
+              <a:rPr lang="en-CA" sz="1400" i="1" dirty="0">
+                <a:latin typeface="Arial" panose="020B0604020202020204" pitchFamily="34" charset="0"/>
+                <a:cs typeface="Arial" panose="020B0604020202020204" pitchFamily="34" charset="0"/>
+              </a:rPr>
+              <a:t>-</a:t>
+            </a:r>
+            <a:r>
+              <a:rPr lang="en-CA" sz="1400" i="1" dirty="0" err="1">
+                <a:latin typeface="Arial" panose="020B0604020202020204" pitchFamily="34" charset="0"/>
+                <a:cs typeface="Arial" panose="020B0604020202020204" pitchFamily="34" charset="0"/>
+              </a:rPr>
+              <a:t>inband</a:t>
+            </a:r>
+            <a:r>
+              <a:rPr lang="en-CA" sz="1400" i="1" dirty="0">
+                <a:latin typeface="Arial" panose="020B0604020202020204" pitchFamily="34" charset="0"/>
+                <a:cs typeface="Arial" panose="020B0604020202020204" pitchFamily="34" charset="0"/>
+              </a:rPr>
+              <a:t>-pm-encapsulation</a:t>
+            </a:r>
+          </a:p>
+          <a:p>
+            <a:pPr marL="0" indent="0">
+              <a:buNone/>
+            </a:pPr>
+            <a:endParaRPr lang="en-US" sz="1400" dirty="0">
               <a:latin typeface="Arial" panose="020B0604020202020204" pitchFamily="34" charset="0"/>
               <a:cs typeface="Arial" panose="020B0604020202020204" pitchFamily="34" charset="0"/>
             </a:endParaRPr>
@@ -7898,7 +8218,7 @@
     </p:spTree>
     <p:extLst>
       <p:ext uri="{BB962C8B-B14F-4D97-AF65-F5344CB8AC3E}">
-        <p14:creationId xmlns:p14="http://schemas.microsoft.com/office/powerpoint/2010/main" val="4096689609"/>
+        <p14:creationId xmlns:p14="http://schemas.microsoft.com/office/powerpoint/2010/main" val="1151529161"/>
       </p:ext>
     </p:extLst>
   </p:cSld>
@@ -7953,14 +8273,14 @@
           <a:p>
             <a:pPr algn="l"/>
             <a:r>
-              <a:rPr lang="en-US" sz="3600" dirty="0">
+              <a:rPr lang="en-US" sz="3200" dirty="0">
                 <a:solidFill>
                   <a:srgbClr val="0070C0"/>
                 </a:solidFill>
                 <a:latin typeface="Calibri Light" panose="020F0302020204030204" pitchFamily="34" charset="0"/>
                 <a:cs typeface="Calibri Light" panose="020F0302020204030204" pitchFamily="34" charset="0"/>
               </a:rPr>
-              <a:t>Different FEC (SFL) for IOAM Packets</a:t>
+              <a:t>Transit Nodes Scan Deeper in MPLS Header</a:t>
             </a:r>
           </a:p>
         </p:txBody>
@@ -7983,7 +8303,7 @@
         </p:nvSpPr>
         <p:spPr>
           <a:xfrm>
-            <a:off x="457200" y="1045490"/>
+            <a:off x="482851" y="971550"/>
             <a:ext cx="8229600" cy="3373636"/>
           </a:xfrm>
         </p:spPr>
@@ -7992,41 +8312,44 @@
           <a:lstStyle/>
           <a:p>
             <a:r>
-              <a:rPr lang="en-CA" sz="1600" dirty="0">
-                <a:solidFill>
-                  <a:srgbClr val="000000"/>
-                </a:solidFill>
+              <a:rPr lang="en-US" sz="1600" dirty="0">
                 <a:latin typeface="Arial" panose="020B0604020202020204" pitchFamily="34" charset="0"/>
                 <a:cs typeface="Arial" panose="020B0604020202020204" pitchFamily="34" charset="0"/>
               </a:rPr>
-              <a:t>With a special FEC for IOAM packets and a "normal” FEC for data packets that don't carry IOAM info, it might mean that we drop the normal traffic while the </a:t>
-            </a:r>
-            <a:r>
-              <a:rPr lang="en-CA" sz="1600" dirty="0" err="1">
-                <a:solidFill>
-                  <a:srgbClr val="000000"/>
-                </a:solidFill>
+              <a:t>Applicable to </a:t>
+            </a:r>
+            <a:r>
+              <a:rPr lang="en-US" sz="1600" dirty="0" err="1">
                 <a:latin typeface="Arial" panose="020B0604020202020204" pitchFamily="34" charset="0"/>
                 <a:cs typeface="Arial" panose="020B0604020202020204" pitchFamily="34" charset="0"/>
               </a:rPr>
-              <a:t>iOAM</a:t>
-            </a:r>
-            <a:r>
-              <a:rPr lang="en-CA" sz="1600" dirty="0">
-                <a:solidFill>
-                  <a:srgbClr val="000000"/>
-                </a:solidFill>
+              <a:t>HbH</a:t>
+            </a:r>
+            <a:r>
+              <a:rPr lang="en-US" sz="1600" dirty="0">
                 <a:latin typeface="Arial" panose="020B0604020202020204" pitchFamily="34" charset="0"/>
                 <a:cs typeface="Arial" panose="020B0604020202020204" pitchFamily="34" charset="0"/>
               </a:rPr>
-              <a:t> traffic works.</a:t>
-            </a:r>
-          </a:p>
-          <a:p>
-            <a:endParaRPr lang="en-CA" sz="1600" dirty="0">
-              <a:solidFill>
-                <a:srgbClr val="000000"/>
-              </a:solidFill>
+              <a:t> case</a:t>
+            </a:r>
+          </a:p>
+          <a:p>
+            <a:r>
+              <a:rPr lang="en-US" sz="1600" dirty="0">
+                <a:latin typeface="Arial" panose="020B0604020202020204" pitchFamily="34" charset="0"/>
+                <a:cs typeface="Arial" panose="020B0604020202020204" pitchFamily="34" charset="0"/>
+              </a:rPr>
+              <a:t>Transit nodes need to scan deeper into the MPLS header to find IOAM Indicator Label</a:t>
+            </a:r>
+          </a:p>
+          <a:p>
+            <a:endParaRPr lang="en-US" sz="1600" dirty="0">
+              <a:latin typeface="Arial" panose="020B0604020202020204" pitchFamily="34" charset="0"/>
+              <a:cs typeface="Arial" panose="020B0604020202020204" pitchFamily="34" charset="0"/>
+            </a:endParaRPr>
+          </a:p>
+          <a:p>
+            <a:endParaRPr lang="en-US" sz="1600" dirty="0">
               <a:latin typeface="Arial" panose="020B0604020202020204" pitchFamily="34" charset="0"/>
               <a:cs typeface="Arial" panose="020B0604020202020204" pitchFamily="34" charset="0"/>
             </a:endParaRPr>
@@ -8037,29 +8360,32 @@
               <a:buChar char="ü"/>
             </a:pPr>
             <a:r>
-              <a:rPr lang="en-CA" sz="1600" dirty="0">
-                <a:solidFill>
-                  <a:srgbClr val="000000"/>
-                </a:solidFill>
+              <a:rPr lang="en-US" sz="1600" dirty="0">
                 <a:latin typeface="Arial" panose="020B0604020202020204" pitchFamily="34" charset="0"/>
                 <a:cs typeface="Arial" panose="020B0604020202020204" pitchFamily="34" charset="0"/>
               </a:rPr>
-              <a:t>This is indeed an issue with using SFL kind of approach. OAM reports the metrics of the LSP on which the normal traffic is not really flowing. The forwarding normal packets are not using the LSP used by the OAM, as there are two synonymous LSPs.</a:t>
-            </a:r>
-            <a:endParaRPr lang="en-US" sz="1600" dirty="0">
+              <a:t>This is also true for ELI and EL today.</a:t>
+            </a:r>
+            <a:endParaRPr lang="en-CA" sz="1600" dirty="0">
               <a:latin typeface="Arial" panose="020B0604020202020204" pitchFamily="34" charset="0"/>
               <a:cs typeface="Arial" panose="020B0604020202020204" pitchFamily="34" charset="0"/>
             </a:endParaRPr>
           </a:p>
           <a:p>
-            <a:pPr lvl="1"/>
-            <a:endParaRPr lang="en-US" sz="1200" dirty="0">
-              <a:latin typeface="Arial" panose="020B0604020202020204" pitchFamily="34" charset="0"/>
-              <a:cs typeface="Arial" panose="020B0604020202020204" pitchFamily="34" charset="0"/>
-            </a:endParaRPr>
-          </a:p>
-          <a:p>
-            <a:endParaRPr lang="en-US" sz="1200" dirty="0">
+            <a:pPr>
+              <a:buFont typeface="Wingdings" pitchFamily="2" charset="2"/>
+              <a:buChar char="ü"/>
+            </a:pPr>
+            <a:r>
+              <a:rPr lang="en-CA" sz="1600" dirty="0">
+                <a:latin typeface="Arial" panose="020B0604020202020204" pitchFamily="34" charset="0"/>
+                <a:cs typeface="Arial" panose="020B0604020202020204" pitchFamily="34" charset="0"/>
+              </a:rPr>
+              <a:t>With any indicator scheme, the node will have to look past EOS into the packet to find the IOAM data that needs to be processed.</a:t>
+            </a:r>
+          </a:p>
+          <a:p>
+            <a:endParaRPr lang="en-US" sz="1600" dirty="0">
               <a:latin typeface="Arial" panose="020B0604020202020204" pitchFamily="34" charset="0"/>
               <a:cs typeface="Arial" panose="020B0604020202020204" pitchFamily="34" charset="0"/>
             </a:endParaRPr>
@@ -8148,7 +8474,7 @@
     </p:spTree>
     <p:extLst>
       <p:ext uri="{BB962C8B-B14F-4D97-AF65-F5344CB8AC3E}">
-        <p14:creationId xmlns:p14="http://schemas.microsoft.com/office/powerpoint/2010/main" val="2453454227"/>
+        <p14:creationId xmlns:p14="http://schemas.microsoft.com/office/powerpoint/2010/main" val="4096689609"/>
       </p:ext>
     </p:extLst>
   </p:cSld>
@@ -8203,32 +8529,15 @@
           <a:p>
             <a:pPr algn="l"/>
             <a:r>
-              <a:rPr lang="en-US" sz="3600" dirty="0">
+              <a:rPr lang="en-US" sz="3200" dirty="0">
                 <a:solidFill>
                   <a:srgbClr val="0070C0"/>
                 </a:solidFill>
                 <a:latin typeface="Calibri Light" panose="020F0302020204030204" pitchFamily="34" charset="0"/>
                 <a:cs typeface="Calibri Light" panose="020F0302020204030204" pitchFamily="34" charset="0"/>
               </a:rPr>
-              <a:t>IOAM Data After </a:t>
-            </a:r>
-            <a:r>
-              <a:rPr lang="en-US" sz="3600" dirty="0" err="1">
-                <a:solidFill>
-                  <a:srgbClr val="0070C0"/>
-                </a:solidFill>
-                <a:latin typeface="Calibri Light" panose="020F0302020204030204" pitchFamily="34" charset="0"/>
-                <a:cs typeface="Calibri Light" panose="020F0302020204030204" pitchFamily="34" charset="0"/>
-              </a:rPr>
-              <a:t>EoS</a:t>
-            </a:r>
-            <a:endParaRPr lang="en-US" sz="3600" dirty="0">
-              <a:solidFill>
-                <a:srgbClr val="0070C0"/>
-              </a:solidFill>
-              <a:latin typeface="Calibri Light" panose="020F0302020204030204" pitchFamily="34" charset="0"/>
-              <a:cs typeface="Calibri Light" panose="020F0302020204030204" pitchFamily="34" charset="0"/>
-            </a:endParaRPr>
+              <a:t>Different FEC (SFL) for IOAM Data Packets</a:t>
+            </a:r>
           </a:p>
         </p:txBody>
       </p:sp>
@@ -8250,7 +8559,7 @@
         </p:nvSpPr>
         <p:spPr>
           <a:xfrm>
-            <a:off x="457200" y="895350"/>
+            <a:off x="457200" y="1045490"/>
             <a:ext cx="8229600" cy="3373636"/>
           </a:xfrm>
         </p:spPr>
@@ -8260,81 +8569,85 @@
           <a:p>
             <a:r>
               <a:rPr lang="en-CA" sz="1600" dirty="0">
+                <a:solidFill>
+                  <a:srgbClr val="000000"/>
+                </a:solidFill>
                 <a:latin typeface="Arial" panose="020B0604020202020204" pitchFamily="34" charset="0"/>
                 <a:cs typeface="Arial" panose="020B0604020202020204" pitchFamily="34" charset="0"/>
               </a:rPr>
-              <a:t>What if the LSP is carrying a PW or is </a:t>
+              <a:t>Applicable to </a:t>
             </a:r>
             <a:r>
               <a:rPr lang="en-CA" sz="1600" dirty="0" err="1">
+                <a:solidFill>
+                  <a:srgbClr val="000000"/>
+                </a:solidFill>
                 <a:latin typeface="Arial" panose="020B0604020202020204" pitchFamily="34" charset="0"/>
                 <a:cs typeface="Arial" panose="020B0604020202020204" pitchFamily="34" charset="0"/>
               </a:rPr>
-              <a:t>DetNet</a:t>
+              <a:t>HbH</a:t>
             </a:r>
             <a:r>
               <a:rPr lang="en-CA" sz="1600" dirty="0">
+                <a:solidFill>
+                  <a:srgbClr val="000000"/>
+                </a:solidFill>
                 <a:latin typeface="Arial" panose="020B0604020202020204" pitchFamily="34" charset="0"/>
                 <a:cs typeface="Arial" panose="020B0604020202020204" pitchFamily="34" charset="0"/>
               </a:rPr>
-              <a:t>? </a:t>
+              <a:t> case</a:t>
             </a:r>
           </a:p>
           <a:p>
             <a:r>
               <a:rPr lang="en-CA" sz="1600" dirty="0">
+                <a:solidFill>
+                  <a:srgbClr val="000000"/>
+                </a:solidFill>
                 <a:latin typeface="Arial" panose="020B0604020202020204" pitchFamily="34" charset="0"/>
                 <a:cs typeface="Arial" panose="020B0604020202020204" pitchFamily="34" charset="0"/>
               </a:rPr>
-              <a:t>What if it is a MS-PW? </a:t>
-            </a:r>
-          </a:p>
-          <a:p>
+              <a:t>With a special FEC for IOAM packets and a "normal” FEC for data packets that don't carry IOAM info, a node might drop the normal traffic while the IOAM traffic flows.</a:t>
+            </a:r>
+          </a:p>
+          <a:p>
+            <a:endParaRPr lang="en-CA" sz="1600" dirty="0">
+              <a:solidFill>
+                <a:srgbClr val="000000"/>
+              </a:solidFill>
+              <a:latin typeface="Arial" panose="020B0604020202020204" pitchFamily="34" charset="0"/>
+              <a:cs typeface="Arial" panose="020B0604020202020204" pitchFamily="34" charset="0"/>
+            </a:endParaRPr>
+          </a:p>
+          <a:p>
+            <a:pPr>
+              <a:buFont typeface="Wingdings" pitchFamily="2" charset="2"/>
+              <a:buChar char="ü"/>
+            </a:pPr>
             <a:r>
               <a:rPr lang="en-CA" sz="1600" dirty="0">
+                <a:solidFill>
+                  <a:srgbClr val="000000"/>
+                </a:solidFill>
                 <a:latin typeface="Arial" panose="020B0604020202020204" pitchFamily="34" charset="0"/>
                 <a:cs typeface="Arial" panose="020B0604020202020204" pitchFamily="34" charset="0"/>
               </a:rPr>
-              <a:t>In all these cases there is a CW immediately after </a:t>
-            </a:r>
-            <a:r>
-              <a:rPr lang="en-CA" sz="1600" dirty="0" err="1">
-                <a:latin typeface="Arial" panose="020B0604020202020204" pitchFamily="34" charset="0"/>
-                <a:cs typeface="Arial" panose="020B0604020202020204" pitchFamily="34" charset="0"/>
-              </a:rPr>
-              <a:t>EoS</a:t>
-            </a:r>
-            <a:r>
-              <a:rPr lang="en-CA" sz="1600" dirty="0">
-                <a:latin typeface="Arial" panose="020B0604020202020204" pitchFamily="34" charset="0"/>
-                <a:cs typeface="Arial" panose="020B0604020202020204" pitchFamily="34" charset="0"/>
-              </a:rPr>
-              <a:t>. </a:t>
-            </a:r>
-          </a:p>
-          <a:p>
-            <a:r>
-              <a:rPr lang="en-CA" sz="1600" dirty="0">
-                <a:latin typeface="Arial" panose="020B0604020202020204" pitchFamily="34" charset="0"/>
-                <a:cs typeface="Arial" panose="020B0604020202020204" pitchFamily="34" charset="0"/>
-              </a:rPr>
-              <a:t>Then there is the universal fragmentation idea that is floating about that also wants to follow </a:t>
-            </a:r>
-            <a:r>
-              <a:rPr lang="en-CA" sz="1600" dirty="0" err="1">
-                <a:latin typeface="Arial" panose="020B0604020202020204" pitchFamily="34" charset="0"/>
-                <a:cs typeface="Arial" panose="020B0604020202020204" pitchFamily="34" charset="0"/>
-              </a:rPr>
-              <a:t>BoS</a:t>
-            </a:r>
-            <a:r>
-              <a:rPr lang="en-CA" sz="1600" dirty="0">
-                <a:latin typeface="Arial" panose="020B0604020202020204" pitchFamily="34" charset="0"/>
-                <a:cs typeface="Arial" panose="020B0604020202020204" pitchFamily="34" charset="0"/>
-              </a:rPr>
-              <a:t>.</a:t>
+              <a:t>This is indeed an issue with using SFL kind of approach. OAM reports the metrics of the LSP on which the normal traffic is not flowing. The forwarding normal packets are not using the LSP used by the OAM, as there are two synonymous LSPs.</a:t>
             </a:r>
             <a:endParaRPr lang="en-US" sz="1600" dirty="0">
+              <a:latin typeface="Arial" panose="020B0604020202020204" pitchFamily="34" charset="0"/>
+              <a:cs typeface="Arial" panose="020B0604020202020204" pitchFamily="34" charset="0"/>
+            </a:endParaRPr>
+          </a:p>
+          <a:p>
+            <a:pPr lvl="1"/>
+            <a:endParaRPr lang="en-US" sz="1200" dirty="0">
+              <a:latin typeface="Arial" panose="020B0604020202020204" pitchFamily="34" charset="0"/>
+              <a:cs typeface="Arial" panose="020B0604020202020204" pitchFamily="34" charset="0"/>
+            </a:endParaRPr>
+          </a:p>
+          <a:p>
+            <a:endParaRPr lang="en-US" sz="1200" dirty="0">
               <a:latin typeface="Arial" panose="020B0604020202020204" pitchFamily="34" charset="0"/>
               <a:cs typeface="Arial" panose="020B0604020202020204" pitchFamily="34" charset="0"/>
             </a:endParaRPr>
@@ -8359,7 +8672,7 @@
         </p:nvSpPr>
         <p:spPr>
           <a:xfrm>
-            <a:off x="3124200" y="4786312"/>
+            <a:off x="3124200" y="4760472"/>
             <a:ext cx="2895600" cy="357188"/>
           </a:xfrm>
         </p:spPr>
@@ -8423,7 +8736,7 @@
     </p:spTree>
     <p:extLst>
       <p:ext uri="{BB962C8B-B14F-4D97-AF65-F5344CB8AC3E}">
-        <p14:creationId xmlns:p14="http://schemas.microsoft.com/office/powerpoint/2010/main" val="2484630727"/>
+        <p14:creationId xmlns:p14="http://schemas.microsoft.com/office/powerpoint/2010/main" val="2453454227"/>
       </p:ext>
     </p:extLst>
   </p:cSld>
@@ -8621,7 +8934,7 @@
           <p:cNvPr id="2" name="Title 1">
             <a:extLst>
               <a:ext uri="{FF2B5EF4-FFF2-40B4-BE49-F238E27FC236}">
-                <a16:creationId xmlns:a16="http://schemas.microsoft.com/office/drawing/2014/main" id="{590D0125-5A9E-9D48-9391-85FBD0E608A2}"/>
+                <a16:creationId xmlns:a16="http://schemas.microsoft.com/office/drawing/2014/main" id="{16C5255E-BE42-5348-AC0F-6257873BBB61}"/>
               </a:ext>
             </a:extLst>
           </p:cNvPr>
@@ -8634,8 +8947,8 @@
         </p:nvSpPr>
         <p:spPr>
           <a:xfrm>
-            <a:off x="838200" y="102393"/>
-            <a:ext cx="7620000" cy="599270"/>
+            <a:off x="457200" y="0"/>
+            <a:ext cx="8229600" cy="857250"/>
           </a:xfrm>
         </p:spPr>
         <p:txBody>
@@ -8644,42 +8957,134 @@
           <a:p>
             <a:pPr algn="l"/>
             <a:r>
-              <a:rPr lang="en-CA" sz="3200" dirty="0">
+              <a:rPr lang="en-US" sz="3600" dirty="0">
                 <a:solidFill>
                   <a:srgbClr val="0070C0"/>
                 </a:solidFill>
                 <a:latin typeface="Calibri Light" panose="020F0302020204030204" pitchFamily="34" charset="0"/>
                 <a:cs typeface="Calibri Light" panose="020F0302020204030204" pitchFamily="34" charset="0"/>
               </a:rPr>
-              <a:t>Example </a:t>
-            </a:r>
-            <a:r>
-              <a:rPr lang="en-CA" sz="3200" dirty="0" err="1">
-                <a:solidFill>
-                  <a:srgbClr val="0070C0"/>
-                </a:solidFill>
-                <a:latin typeface="Calibri Light" panose="020F0302020204030204" pitchFamily="34" charset="0"/>
-                <a:cs typeface="Calibri Light" panose="020F0302020204030204" pitchFamily="34" charset="0"/>
+              <a:t>IOAM Data After EOS</a:t>
+            </a:r>
+          </a:p>
+        </p:txBody>
+      </p:sp>
+      <p:sp>
+        <p:nvSpPr>
+          <p:cNvPr id="3" name="Content Placeholder 2">
+            <a:extLst>
+              <a:ext uri="{FF2B5EF4-FFF2-40B4-BE49-F238E27FC236}">
+                <a16:creationId xmlns:a16="http://schemas.microsoft.com/office/drawing/2014/main" id="{3943595A-2AF7-A141-B580-268FFA30C69C}"/>
+              </a:ext>
+            </a:extLst>
+          </p:cNvPr>
+          <p:cNvSpPr>
+            <a:spLocks noGrp="1"/>
+          </p:cNvSpPr>
+          <p:nvPr>
+            <p:ph idx="1"/>
+          </p:nvPr>
+        </p:nvSpPr>
+        <p:spPr>
+          <a:xfrm>
+            <a:off x="457200" y="895350"/>
+            <a:ext cx="8229600" cy="3373636"/>
+          </a:xfrm>
+        </p:spPr>
+        <p:txBody>
+          <a:bodyPr/>
+          <a:lstStyle/>
+          <a:p>
+            <a:r>
+              <a:rPr lang="en-CA" sz="1600" dirty="0">
+                <a:latin typeface="Arial" panose="020B0604020202020204" pitchFamily="34" charset="0"/>
+                <a:cs typeface="Arial" panose="020B0604020202020204" pitchFamily="34" charset="0"/>
+              </a:rPr>
+              <a:t>Applicable to E2E and </a:t>
+            </a:r>
+            <a:r>
+              <a:rPr lang="en-CA" sz="1600" dirty="0" err="1">
+                <a:latin typeface="Arial" panose="020B0604020202020204" pitchFamily="34" charset="0"/>
+                <a:cs typeface="Arial" panose="020B0604020202020204" pitchFamily="34" charset="0"/>
               </a:rPr>
               <a:t>HbH</a:t>
             </a:r>
             <a:r>
-              <a:rPr lang="en-CA" sz="3200" dirty="0">
-                <a:solidFill>
-                  <a:srgbClr val="0070C0"/>
-                </a:solidFill>
-                <a:latin typeface="Calibri Light" panose="020F0302020204030204" pitchFamily="34" charset="0"/>
-                <a:cs typeface="Calibri Light" panose="020F0302020204030204" pitchFamily="34" charset="0"/>
-              </a:rPr>
-              <a:t> IOAM Encapsulation Using SFL</a:t>
-            </a:r>
-            <a:endParaRPr lang="en-US" sz="3200" dirty="0">
-              <a:solidFill>
-                <a:srgbClr val="0070C0"/>
-              </a:solidFill>
-              <a:latin typeface="Calibri Light" panose="020F0302020204030204" pitchFamily="34" charset="0"/>
-              <a:cs typeface="Calibri Light" panose="020F0302020204030204" pitchFamily="34" charset="0"/>
+              <a:rPr lang="en-CA" sz="1600" dirty="0">
+                <a:latin typeface="Arial" panose="020B0604020202020204" pitchFamily="34" charset="0"/>
+                <a:cs typeface="Arial" panose="020B0604020202020204" pitchFamily="34" charset="0"/>
+              </a:rPr>
+              <a:t> cases</a:t>
+            </a:r>
+          </a:p>
+          <a:p>
+            <a:r>
+              <a:rPr lang="en-CA" sz="1600" dirty="0">
+                <a:latin typeface="Arial" panose="020B0604020202020204" pitchFamily="34" charset="0"/>
+                <a:cs typeface="Arial" panose="020B0604020202020204" pitchFamily="34" charset="0"/>
+              </a:rPr>
+              <a:t>What if the LSP is carrying a PW or is </a:t>
+            </a:r>
+            <a:r>
+              <a:rPr lang="en-CA" sz="1600" dirty="0" err="1">
+                <a:latin typeface="Arial" panose="020B0604020202020204" pitchFamily="34" charset="0"/>
+                <a:cs typeface="Arial" panose="020B0604020202020204" pitchFamily="34" charset="0"/>
+              </a:rPr>
+              <a:t>DetNet</a:t>
+            </a:r>
+            <a:r>
+              <a:rPr lang="en-CA" sz="1600" dirty="0">
+                <a:latin typeface="Arial" panose="020B0604020202020204" pitchFamily="34" charset="0"/>
+                <a:cs typeface="Arial" panose="020B0604020202020204" pitchFamily="34" charset="0"/>
+              </a:rPr>
+              <a:t>? </a:t>
+            </a:r>
+          </a:p>
+          <a:p>
+            <a:r>
+              <a:rPr lang="en-CA" sz="1600" dirty="0">
+                <a:latin typeface="Arial" panose="020B0604020202020204" pitchFamily="34" charset="0"/>
+                <a:cs typeface="Arial" panose="020B0604020202020204" pitchFamily="34" charset="0"/>
+              </a:rPr>
+              <a:t>What if it is a MS-PW? </a:t>
+            </a:r>
+          </a:p>
+          <a:p>
+            <a:r>
+              <a:rPr lang="en-CA" sz="1600" dirty="0">
+                <a:latin typeface="Arial" panose="020B0604020202020204" pitchFamily="34" charset="0"/>
+                <a:cs typeface="Arial" panose="020B0604020202020204" pitchFamily="34" charset="0"/>
+              </a:rPr>
+              <a:t>In all these cases there is a CW immediately after EOS. </a:t>
+            </a:r>
+          </a:p>
+          <a:p>
+            <a:r>
+              <a:rPr lang="en-CA" sz="1600" dirty="0">
+                <a:latin typeface="Arial" panose="020B0604020202020204" pitchFamily="34" charset="0"/>
+                <a:cs typeface="Arial" panose="020B0604020202020204" pitchFamily="34" charset="0"/>
+              </a:rPr>
+              <a:t>Then there is the universal fragmentation idea that is floating about that also wants to follow EOS.</a:t>
+            </a:r>
+          </a:p>
+          <a:p>
+            <a:endParaRPr lang="en-CA" sz="1600" dirty="0">
+              <a:latin typeface="Arial" panose="020B0604020202020204" pitchFamily="34" charset="0"/>
+              <a:cs typeface="Arial" panose="020B0604020202020204" pitchFamily="34" charset="0"/>
             </a:endParaRPr>
+          </a:p>
+          <a:p>
+            <a:pPr>
+              <a:buFont typeface="Wingdings" pitchFamily="2" charset="2"/>
+              <a:buChar char="ü"/>
+            </a:pPr>
+            <a:r>
+              <a:rPr lang="en-US" sz="1600" dirty="0">
+                <a:latin typeface="Arial" panose="020B0604020202020204" pitchFamily="34" charset="0"/>
+                <a:cs typeface="Arial" panose="020B0604020202020204" pitchFamily="34" charset="0"/>
+              </a:rPr>
+              <a:t>This is a generic issue applicable to all G-ACH mechanisms used for data traffic. </a:t>
+            </a:r>
           </a:p>
         </p:txBody>
       </p:sp>
@@ -8688,7 +9093,7 @@
           <p:cNvPr id="4" name="Footer Placeholder 3">
             <a:extLst>
               <a:ext uri="{FF2B5EF4-FFF2-40B4-BE49-F238E27FC236}">
-                <a16:creationId xmlns:a16="http://schemas.microsoft.com/office/drawing/2014/main" id="{87713FCD-3B47-804D-B373-DAB61FB5FF59}"/>
+                <a16:creationId xmlns:a16="http://schemas.microsoft.com/office/drawing/2014/main" id="{CF70CC82-C055-3645-9254-87CEC1C49032}"/>
               </a:ext>
             </a:extLst>
           </p:cNvPr>
@@ -8709,16 +9114,19 @@
           <a:bodyPr/>
           <a:lstStyle/>
           <a:p>
-            <a:r>
-              <a:rPr lang="en-CA" dirty="0"/>
+            <a:pPr>
+              <a:defRPr/>
+            </a:pPr>
+            <a:r>
+              <a:rPr lang="en-US" altLang="zh-CN" dirty="0"/>
               <a:t>110</a:t>
             </a:r>
             <a:r>
-              <a:rPr lang="en-CA" baseline="30000" dirty="0"/>
+              <a:rPr lang="en-US" altLang="zh-CN" baseline="30000" dirty="0"/>
               <a:t>th</a:t>
             </a:r>
             <a:r>
-              <a:rPr lang="en-CA" dirty="0"/>
+              <a:rPr lang="en-US" altLang="zh-CN" dirty="0"/>
               <a:t> IETF Online</a:t>
             </a:r>
           </a:p>
@@ -8729,7 +9137,7 @@
           <p:cNvPr id="5" name="Slide Number Placeholder 4">
             <a:extLst>
               <a:ext uri="{FF2B5EF4-FFF2-40B4-BE49-F238E27FC236}">
-                <a16:creationId xmlns:a16="http://schemas.microsoft.com/office/drawing/2014/main" id="{1371408B-9195-EC4D-8131-A3F5CC0592D0}"/>
+                <a16:creationId xmlns:a16="http://schemas.microsoft.com/office/drawing/2014/main" id="{62DF7D69-BCF6-2D4A-A3F1-2D32C59355D3}"/>
               </a:ext>
             </a:extLst>
           </p:cNvPr>
@@ -8755,273 +9163,14 @@
               </a:pPr>
               <a:t>20</a:t>
             </a:fld>
-            <a:endParaRPr lang="en-US" altLang="zh-CN" dirty="0"/>
-          </a:p>
-        </p:txBody>
-      </p:sp>
-      <p:sp>
-        <p:nvSpPr>
-          <p:cNvPr id="6" name="Rectangle 5">
-            <a:extLst>
-              <a:ext uri="{FF2B5EF4-FFF2-40B4-BE49-F238E27FC236}">
-                <a16:creationId xmlns:a16="http://schemas.microsoft.com/office/drawing/2014/main" id="{1EED4007-3A19-0E4E-8496-6CECEEA363EB}"/>
-              </a:ext>
-            </a:extLst>
-          </p:cNvPr>
-          <p:cNvSpPr/>
-          <p:nvPr/>
-        </p:nvSpPr>
-        <p:spPr>
-          <a:xfrm>
-            <a:off x="1905000" y="897328"/>
-            <a:ext cx="5127092" cy="3693319"/>
-          </a:xfrm>
-          <a:prstGeom prst="rect">
-            <a:avLst/>
-          </a:prstGeom>
-          <a:solidFill>
-            <a:schemeClr val="accent6">
-              <a:lumMod val="20000"/>
-              <a:lumOff val="80000"/>
-            </a:schemeClr>
-          </a:solidFill>
-        </p:spPr>
-        <p:txBody>
-          <a:bodyPr wrap="square">
-            <a:spAutoFit/>
-          </a:bodyPr>
-          <a:lstStyle/>
-          <a:p>
-            <a:r>
-              <a:rPr lang="en-CA" sz="900" dirty="0">
-                <a:latin typeface="Courier" pitchFamily="2" charset="0"/>
-              </a:rPr>
-              <a:t>    0                   1                   2                   3</a:t>
-            </a:r>
-          </a:p>
-          <a:p>
-            <a:r>
-              <a:rPr lang="en-CA" sz="900" dirty="0">
-                <a:latin typeface="Courier" pitchFamily="2" charset="0"/>
-              </a:rPr>
-              <a:t>    0 1 2 3 4 5 6 7 8 9 0 1 2 3 4 5 6 7 8 9 0 1 2 3 4 5 6 7 8 9 0 1</a:t>
-            </a:r>
-          </a:p>
-          <a:p>
-            <a:r>
-              <a:rPr lang="en-CA" sz="900" dirty="0">
-                <a:latin typeface="Courier" pitchFamily="2" charset="0"/>
-              </a:rPr>
-              <a:t>   +-+-+-+-+-+-+-+-+-+-+-+-+-+-+-+-+-+-+-+-+-+-+-+-+-+-+-+-+-+-+-+-+</a:t>
-            </a:r>
-          </a:p>
-          <a:p>
-            <a:r>
-              <a:rPr lang="en-CA" sz="900" dirty="0">
-                <a:latin typeface="Courier" pitchFamily="2" charset="0"/>
-              </a:rPr>
-              <a:t>   |  Synonymous IOAM-Label(1)             | TC  |S|  TTL          |</a:t>
-            </a:r>
-          </a:p>
-          <a:p>
-            <a:r>
-              <a:rPr lang="en-CA" sz="900" dirty="0">
-                <a:latin typeface="Courier" pitchFamily="2" charset="0"/>
-              </a:rPr>
-              <a:t>   +-+-+-+-+-+-+-+-+-+-+-+-+-+-+-+-+-+-+-+-+-+-+-+-+-+-+-+-+-+-+-+-+</a:t>
-            </a:r>
-          </a:p>
-          <a:p>
-            <a:r>
-              <a:rPr lang="en-CA" sz="900" dirty="0">
-                <a:latin typeface="Courier" pitchFamily="2" charset="0"/>
-              </a:rPr>
-              <a:t>   .                                                               .</a:t>
-            </a:r>
-          </a:p>
-          <a:p>
-            <a:r>
-              <a:rPr lang="en-CA" sz="900" dirty="0">
-                <a:latin typeface="Courier" pitchFamily="2" charset="0"/>
-              </a:rPr>
-              <a:t>   +-+-+-+-+-+-+-+-+-+-+-+-+-+-+-+-+-+-+-+-+-+-+-+-+-+-+-+-+-+-+-+-+</a:t>
-            </a:r>
-          </a:p>
-          <a:p>
-            <a:r>
-              <a:rPr lang="en-CA" sz="900" dirty="0">
-                <a:latin typeface="Courier" pitchFamily="2" charset="0"/>
-              </a:rPr>
-              <a:t>   |  Synonymous IOAM-Label(n)             | TC  |S|  TTL          |</a:t>
-            </a:r>
-          </a:p>
-          <a:p>
-            <a:r>
-              <a:rPr lang="en-CA" sz="900" dirty="0">
-                <a:latin typeface="Courier" pitchFamily="2" charset="0"/>
-              </a:rPr>
-              <a:t>   +-+-+-+-+-+-+-+-+-+-+-+-+-+-+-+-+-+-+-+-+-+-+-+-+-+-+-+-+-+-+-+-+&lt;-+ </a:t>
-            </a:r>
-          </a:p>
-          <a:p>
-            <a:r>
-              <a:rPr lang="en-CA" sz="900" dirty="0">
-                <a:latin typeface="Courier" pitchFamily="2" charset="0"/>
-              </a:rPr>
-              <a:t>   |0 0 0 1|Version|  Reserved     | IOAM G-</a:t>
-            </a:r>
-            <a:r>
-              <a:rPr lang="en-CA" sz="900" dirty="0" err="1">
-                <a:latin typeface="Courier" pitchFamily="2" charset="0"/>
-              </a:rPr>
-              <a:t>ACh</a:t>
-            </a:r>
-            <a:r>
-              <a:rPr lang="en-CA" sz="900" dirty="0">
-                <a:latin typeface="Courier" pitchFamily="2" charset="0"/>
-              </a:rPr>
-              <a:t>                    |  | </a:t>
-            </a:r>
-          </a:p>
-          <a:p>
-            <a:r>
-              <a:rPr lang="en-CA" sz="900" dirty="0">
-                <a:latin typeface="Courier" pitchFamily="2" charset="0"/>
-              </a:rPr>
-              <a:t>   +-+-+-+-+-+-+-+-+-+-+-+-+-+-+-+-+-+-+-+-+-+-+-+-+-+-+-+-+-+-+-+-+  | </a:t>
-            </a:r>
-          </a:p>
-          <a:p>
-            <a:r>
-              <a:rPr lang="en-CA" sz="900" dirty="0">
-                <a:latin typeface="Courier" pitchFamily="2" charset="0"/>
-              </a:rPr>
-              <a:t>   | Reserved      | Block Number  | IOAM-OPT-Type |IOAM HDR Length|  |</a:t>
-            </a:r>
-          </a:p>
-          <a:p>
-            <a:r>
-              <a:rPr lang="en-CA" sz="900" dirty="0">
-                <a:latin typeface="Courier" pitchFamily="2" charset="0"/>
-              </a:rPr>
-              <a:t>   +-+-+-+-+-+-+-+-+-+-+-+-+-+-+-+-+-+-+-+-+-+-+-+-+-+-+-+-+-+-+-+-+  I</a:t>
-            </a:r>
-          </a:p>
-          <a:p>
-            <a:r>
-              <a:rPr lang="en-CA" sz="900" dirty="0">
-                <a:latin typeface="Courier" pitchFamily="2" charset="0"/>
-              </a:rPr>
-              <a:t>   |                                                               |  O</a:t>
-            </a:r>
-          </a:p>
-          <a:p>
-            <a:r>
-              <a:rPr lang="en-CA" sz="900" dirty="0">
-                <a:latin typeface="Courier" pitchFamily="2" charset="0"/>
-              </a:rPr>
-              <a:t>   |                                                               |  A</a:t>
-            </a:r>
-          </a:p>
-          <a:p>
-            <a:r>
-              <a:rPr lang="en-CA" sz="900" dirty="0">
-                <a:latin typeface="Courier" pitchFamily="2" charset="0"/>
-              </a:rPr>
-              <a:t>   ~                 IOAM Option and Data Space                    ~  M</a:t>
-            </a:r>
-          </a:p>
-          <a:p>
-            <a:r>
-              <a:rPr lang="en-CA" sz="900" dirty="0">
-                <a:latin typeface="Courier" pitchFamily="2" charset="0"/>
-              </a:rPr>
-              <a:t>   |                                                               |  |</a:t>
-            </a:r>
-          </a:p>
-          <a:p>
-            <a:r>
-              <a:rPr lang="en-CA" sz="900" dirty="0">
-                <a:latin typeface="Courier" pitchFamily="2" charset="0"/>
-              </a:rPr>
-              <a:t>   |                                                               |  |</a:t>
-            </a:r>
-          </a:p>
-          <a:p>
-            <a:r>
-              <a:rPr lang="en-CA" sz="900" dirty="0">
-                <a:latin typeface="Courier" pitchFamily="2" charset="0"/>
-              </a:rPr>
-              <a:t>   +-+-+-+-+-+-+-+-+-+-+-+-+-+-+-+-+-+-+-+-+-+-+-+-+-+-+-+-+-+-+-+-+&lt;-+</a:t>
-            </a:r>
-          </a:p>
-          <a:p>
-            <a:r>
-              <a:rPr lang="en-CA" sz="900" dirty="0">
-                <a:latin typeface="Courier" pitchFamily="2" charset="0"/>
-              </a:rPr>
-              <a:t>   |                                                               |</a:t>
-            </a:r>
-          </a:p>
-          <a:p>
-            <a:r>
-              <a:rPr lang="en-CA" sz="900" dirty="0">
-                <a:latin typeface="Courier" pitchFamily="2" charset="0"/>
-              </a:rPr>
-              <a:t>   |                                                               |</a:t>
-            </a:r>
-          </a:p>
-          <a:p>
-            <a:r>
-              <a:rPr lang="en-CA" sz="900" dirty="0">
-                <a:latin typeface="Courier" pitchFamily="2" charset="0"/>
-              </a:rPr>
-              <a:t>   ~                 Payload + Padding                             ~</a:t>
-            </a:r>
-          </a:p>
-          <a:p>
-            <a:r>
-              <a:rPr lang="en-CA" sz="900" dirty="0">
-                <a:latin typeface="Courier" pitchFamily="2" charset="0"/>
-              </a:rPr>
-              <a:t>   |                                                               |</a:t>
-            </a:r>
-          </a:p>
-          <a:p>
-            <a:r>
-              <a:rPr lang="en-CA" sz="900" dirty="0">
-                <a:latin typeface="Courier" pitchFamily="2" charset="0"/>
-              </a:rPr>
-              <a:t>   |                                                               |</a:t>
-            </a:r>
-          </a:p>
-          <a:p>
-            <a:r>
-              <a:rPr lang="en-CA" sz="900" dirty="0">
-                <a:latin typeface="Courier" pitchFamily="2" charset="0"/>
-              </a:rPr>
-              <a:t>   +-+-+-+-+-+-+-+-+-+-+-+-+-+-+-+-+-+-+-+-+-+-+-+-+-+-+-+-+-+-+-+-+ </a:t>
-            </a:r>
-          </a:p>
-          <a:p>
-            <a:r>
-              <a:rPr lang="en-CA" sz="900" dirty="0">
-                <a:latin typeface="Courier" pitchFamily="2" charset="0"/>
-              </a:rPr>
-              <a:t>         Figure: IOAM Encapsulation Example with SR-MPLS Header</a:t>
-            </a:r>
-            <a:endParaRPr lang="en-CA" sz="900" dirty="0">
-              <a:latin typeface="Courier" pitchFamily="2" charset="0"/>
-              <a:ea typeface="Calibri" panose="020F0502020204030204" pitchFamily="34" charset="0"/>
-              <a:cs typeface="Times New Roman" panose="02020603050405020304" pitchFamily="18" charset="0"/>
-            </a:endParaRPr>
+            <a:endParaRPr lang="en-US" altLang="zh-CN"/>
           </a:p>
         </p:txBody>
       </p:sp>
     </p:spTree>
     <p:extLst>
       <p:ext uri="{BB962C8B-B14F-4D97-AF65-F5344CB8AC3E}">
-        <p14:creationId xmlns:p14="http://schemas.microsoft.com/office/powerpoint/2010/main" val="424863198"/>
+        <p14:creationId xmlns:p14="http://schemas.microsoft.com/office/powerpoint/2010/main" val="2484630727"/>
       </p:ext>
     </p:extLst>
   </p:cSld>
@@ -9066,8 +9215,8 @@
         </p:nvSpPr>
         <p:spPr>
           <a:xfrm>
-            <a:off x="1066800" y="-17621"/>
-            <a:ext cx="8077200" cy="599270"/>
+            <a:off x="838200" y="102393"/>
+            <a:ext cx="7620000" cy="599270"/>
           </a:xfrm>
         </p:spPr>
         <p:txBody>
@@ -9076,16 +9225,36 @@
           <a:p>
             <a:pPr algn="l"/>
             <a:r>
-              <a:rPr lang="en-CA" sz="2700" dirty="0">
+              <a:rPr lang="en-CA" sz="3200" dirty="0">
                 <a:solidFill>
                   <a:srgbClr val="0070C0"/>
                 </a:solidFill>
                 <a:latin typeface="Calibri Light" panose="020F0302020204030204" pitchFamily="34" charset="0"/>
                 <a:cs typeface="Calibri Light" panose="020F0302020204030204" pitchFamily="34" charset="0"/>
               </a:rPr>
-              <a:t>IOAM Encapsulation Example with SR-MPLS Header</a:t>
-            </a:r>
-            <a:endParaRPr lang="en-US" sz="2700" dirty="0">
+              <a:t>Example </a:t>
+            </a:r>
+            <a:r>
+              <a:rPr lang="en-CA" sz="3200" dirty="0" err="1">
+                <a:solidFill>
+                  <a:srgbClr val="0070C0"/>
+                </a:solidFill>
+                <a:latin typeface="Calibri Light" panose="020F0302020204030204" pitchFamily="34" charset="0"/>
+                <a:cs typeface="Calibri Light" panose="020F0302020204030204" pitchFamily="34" charset="0"/>
+              </a:rPr>
+              <a:t>HbH</a:t>
+            </a:r>
+            <a:r>
+              <a:rPr lang="en-CA" sz="3200" dirty="0">
+                <a:solidFill>
+                  <a:srgbClr val="0070C0"/>
+                </a:solidFill>
+                <a:latin typeface="Calibri Light" panose="020F0302020204030204" pitchFamily="34" charset="0"/>
+                <a:cs typeface="Calibri Light" panose="020F0302020204030204" pitchFamily="34" charset="0"/>
+              </a:rPr>
+              <a:t> IOAM Encapsulation Using SFL</a:t>
+            </a:r>
+            <a:endParaRPr lang="en-US" sz="3200" dirty="0">
               <a:solidFill>
                 <a:srgbClr val="0070C0"/>
               </a:solidFill>
@@ -9185,8 +9354,8 @@
         </p:nvSpPr>
         <p:spPr>
           <a:xfrm>
-            <a:off x="2305050" y="508218"/>
-            <a:ext cx="4533900" cy="4278094"/>
+            <a:off x="1905000" y="897328"/>
+            <a:ext cx="5127092" cy="3693319"/>
           </a:xfrm>
           <a:prstGeom prst="rect">
             <a:avLst/>
@@ -9205,7 +9374,7 @@
           <a:lstStyle/>
           <a:p>
             <a:r>
-              <a:rPr lang="en-CA" sz="800" dirty="0">
+              <a:rPr lang="en-CA" sz="900" dirty="0">
                 <a:latin typeface="Courier" pitchFamily="2" charset="0"/>
               </a:rPr>
               <a:t>    0                   1                   2                   3</a:t>
@@ -9213,7 +9382,7 @@
           </a:p>
           <a:p>
             <a:r>
-              <a:rPr lang="en-CA" sz="800" dirty="0">
+              <a:rPr lang="en-CA" sz="900" dirty="0">
                 <a:latin typeface="Courier" pitchFamily="2" charset="0"/>
               </a:rPr>
               <a:t>    0 1 2 3 4 5 6 7 8 9 0 1 2 3 4 5 6 7 8 9 0 1 2 3 4 5 6 7 8 9 0 1</a:t>
@@ -9221,7 +9390,7 @@
           </a:p>
           <a:p>
             <a:r>
-              <a:rPr lang="en-CA" sz="800" dirty="0">
+              <a:rPr lang="en-CA" sz="900" dirty="0">
                 <a:latin typeface="Courier" pitchFamily="2" charset="0"/>
               </a:rPr>
               <a:t>   +-+-+-+-+-+-+-+-+-+-+-+-+-+-+-+-+-+-+-+-+-+-+-+-+-+-+-+-+-+-+-+-+</a:t>
@@ -9229,15 +9398,15 @@
           </a:p>
           <a:p>
             <a:r>
-              <a:rPr lang="en-CA" sz="800" dirty="0">
-                <a:latin typeface="Courier" pitchFamily="2" charset="0"/>
-              </a:rPr>
-              <a:t>   |                Label(1)               | TC  |S|      TTL      |</a:t>
-            </a:r>
-          </a:p>
-          <a:p>
-            <a:r>
-              <a:rPr lang="en-CA" sz="800" dirty="0">
+              <a:rPr lang="en-CA" sz="900" dirty="0">
+                <a:latin typeface="Courier" pitchFamily="2" charset="0"/>
+              </a:rPr>
+              <a:t>   |  Synonymous IOAM-Label(1)             | TC  |S|  TTL          |</a:t>
+            </a:r>
+          </a:p>
+          <a:p>
+            <a:r>
+              <a:rPr lang="en-CA" sz="900" dirty="0">
                 <a:latin typeface="Courier" pitchFamily="2" charset="0"/>
               </a:rPr>
               <a:t>   +-+-+-+-+-+-+-+-+-+-+-+-+-+-+-+-+-+-+-+-+-+-+-+-+-+-+-+-+-+-+-+-+</a:t>
@@ -9245,7 +9414,7 @@
           </a:p>
           <a:p>
             <a:r>
-              <a:rPr lang="en-CA" sz="800" dirty="0">
+              <a:rPr lang="en-CA" sz="900" dirty="0">
                 <a:latin typeface="Courier" pitchFamily="2" charset="0"/>
               </a:rPr>
               <a:t>   .                                                               .</a:t>
@@ -9253,23 +9422,7 @@
           </a:p>
           <a:p>
             <a:r>
-              <a:rPr lang="en-CA" sz="800" dirty="0">
-                <a:latin typeface="Courier" pitchFamily="2" charset="0"/>
-              </a:rPr>
-              <a:t>   .                                                               .</a:t>
-            </a:r>
-          </a:p>
-          <a:p>
-            <a:r>
-              <a:rPr lang="en-CA" sz="800" dirty="0">
-                <a:latin typeface="Courier" pitchFamily="2" charset="0"/>
-              </a:rPr>
-              <a:t>   .                                                               .</a:t>
-            </a:r>
-          </a:p>
-          <a:p>
-            <a:r>
-              <a:rPr lang="en-CA" sz="800" dirty="0">
+              <a:rPr lang="en-CA" sz="900" dirty="0">
                 <a:latin typeface="Courier" pitchFamily="2" charset="0"/>
               </a:rPr>
               <a:t>   +-+-+-+-+-+-+-+-+-+-+-+-+-+-+-+-+-+-+-+-+-+-+-+-+-+-+-+-+-+-+-+-+</a:t>
@@ -9277,87 +9430,15 @@
           </a:p>
           <a:p>
             <a:r>
-              <a:rPr lang="en-CA" sz="800" dirty="0">
-                <a:latin typeface="Courier" pitchFamily="2" charset="0"/>
-              </a:rPr>
-              <a:t>   |                Label(n)               | TC  |S|      TTL      |</a:t>
-            </a:r>
-          </a:p>
-          <a:p>
-            <a:r>
-              <a:rPr lang="en-CA" sz="800" dirty="0">
-                <a:latin typeface="Courier" pitchFamily="2" charset="0"/>
-              </a:rPr>
-              <a:t>   +-+-+-+-+-+-+-+-+-+-+-+-+-+-+-+-+-+-+-+-+-+-+-+-+-+-+-+-+-+-+-+-+</a:t>
-            </a:r>
-          </a:p>
-          <a:p>
-            <a:r>
-              <a:rPr lang="en-CA" sz="800" b="1" dirty="0">
-                <a:latin typeface="Courier" pitchFamily="2" charset="0"/>
-              </a:rPr>
-              <a:t>   |                PSID                   | TC  |S|      TTL      | </a:t>
-            </a:r>
-          </a:p>
-          <a:p>
-            <a:r>
-              <a:rPr lang="en-CA" sz="800" dirty="0">
-                <a:latin typeface="Courier" pitchFamily="2" charset="0"/>
-              </a:rPr>
-              <a:t>   +-+-+-+-+-+-+-+-+-+-+-+-+-+-+-+-+-+-+-+-+-+-+-+-+-+-+-+-+-+-+-+-+</a:t>
-            </a:r>
-          </a:p>
-          <a:p>
-            <a:r>
-              <a:rPr lang="en-CA" sz="800" dirty="0">
-                <a:latin typeface="Courier" pitchFamily="2" charset="0"/>
-              </a:rPr>
-              <a:t>   |  </a:t>
-            </a:r>
-            <a:r>
-              <a:rPr lang="en-CA" sz="800" b="1" dirty="0">
-                <a:latin typeface="Courier" pitchFamily="2" charset="0"/>
-              </a:rPr>
-              <a:t>Extension Label (15)                 </a:t>
-            </a:r>
-            <a:r>
-              <a:rPr lang="en-CA" sz="800" dirty="0">
-                <a:latin typeface="Courier" pitchFamily="2" charset="0"/>
-              </a:rPr>
-              <a:t>| TC  |0|  TTL          |</a:t>
-            </a:r>
-          </a:p>
-          <a:p>
-            <a:r>
-              <a:rPr lang="en-CA" sz="800" dirty="0">
-                <a:latin typeface="Courier" pitchFamily="2" charset="0"/>
-              </a:rPr>
-              <a:t>   +-+-+-+-+-+-+-+-+-+-+-+-+-+-+-+-+-+-+-+-+-+-+-+-+-+-+-+-+-+-+-+-+</a:t>
-            </a:r>
-          </a:p>
-          <a:p>
-            <a:r>
-              <a:rPr lang="en-CA" sz="800" dirty="0">
-                <a:latin typeface="Courier" pitchFamily="2" charset="0"/>
-              </a:rPr>
-              <a:t>   |  </a:t>
-            </a:r>
-            <a:r>
-              <a:rPr lang="en-CA" sz="800" b="1" dirty="0">
-                <a:latin typeface="Courier" pitchFamily="2" charset="0"/>
-              </a:rPr>
-              <a:t>IOAM Indicator Label                 </a:t>
-            </a:r>
-            <a:r>
-              <a:rPr lang="en-CA" sz="800" dirty="0">
-                <a:latin typeface="Courier" pitchFamily="2" charset="0"/>
-              </a:rPr>
-              <a:t>| TC  |1|  TTL          |</a:t>
-            </a:r>
-          </a:p>
-          <a:p>
-            <a:r>
-              <a:rPr lang="en-CA" sz="800" dirty="0">
+              <a:rPr lang="en-CA" sz="900" dirty="0">
+                <a:latin typeface="Courier" pitchFamily="2" charset="0"/>
+              </a:rPr>
+              <a:t>   |  Synonymous IOAM-Label(n)             | TC  |S|  TTL          |</a:t>
+            </a:r>
+          </a:p>
+          <a:p>
+            <a:r>
+              <a:rPr lang="en-CA" sz="900" dirty="0">
                 <a:latin typeface="Courier" pitchFamily="2" charset="0"/>
               </a:rPr>
               <a:t>   +-+-+-+-+-+-+-+-+-+-+-+-+-+-+-+-+-+-+-+-+-+-+-+-+-+-+-+-+-+-+-+-+&lt;-+ </a:t>
@@ -9365,19 +9446,19 @@
           </a:p>
           <a:p>
             <a:r>
-              <a:rPr lang="en-CA" sz="800" dirty="0">
+              <a:rPr lang="en-CA" sz="900" dirty="0">
                 <a:latin typeface="Courier" pitchFamily="2" charset="0"/>
               </a:rPr>
               <a:t>   |0 0 0 1|Version|  Reserved     | IOAM G-</a:t>
             </a:r>
             <a:r>
-              <a:rPr lang="en-CA" sz="800" dirty="0" err="1">
+              <a:rPr lang="en-CA" sz="900" dirty="0" err="1">
                 <a:latin typeface="Courier" pitchFamily="2" charset="0"/>
               </a:rPr>
               <a:t>ACh</a:t>
             </a:r>
             <a:r>
-              <a:rPr lang="en-CA" sz="800" dirty="0">
+              <a:rPr lang="en-CA" sz="900" dirty="0">
                 <a:latin typeface="Courier" pitchFamily="2" charset="0"/>
               </a:rPr>
               <a:t>                    |  | </a:t>
@@ -9385,7 +9466,7 @@
           </a:p>
           <a:p>
             <a:r>
-              <a:rPr lang="en-CA" sz="800" dirty="0">
+              <a:rPr lang="en-CA" sz="900" dirty="0">
                 <a:latin typeface="Courier" pitchFamily="2" charset="0"/>
               </a:rPr>
               <a:t>   +-+-+-+-+-+-+-+-+-+-+-+-+-+-+-+-+-+-+-+-+-+-+-+-+-+-+-+-+-+-+-+-+  | </a:t>
@@ -9393,7 +9474,7 @@
           </a:p>
           <a:p>
             <a:r>
-              <a:rPr lang="en-CA" sz="800" dirty="0">
+              <a:rPr lang="en-CA" sz="900" dirty="0">
                 <a:latin typeface="Courier" pitchFamily="2" charset="0"/>
               </a:rPr>
               <a:t>   | Reserved      | Block Number  | IOAM-OPT-Type |IOAM HDR Length|  |</a:t>
@@ -9401,7 +9482,7 @@
           </a:p>
           <a:p>
             <a:r>
-              <a:rPr lang="en-CA" sz="800" dirty="0">
+              <a:rPr lang="en-CA" sz="900" dirty="0">
                 <a:latin typeface="Courier" pitchFamily="2" charset="0"/>
               </a:rPr>
               <a:t>   +-+-+-+-+-+-+-+-+-+-+-+-+-+-+-+-+-+-+-+-+-+-+-+-+-+-+-+-+-+-+-+-+  I</a:t>
@@ -9409,7 +9490,7 @@
           </a:p>
           <a:p>
             <a:r>
-              <a:rPr lang="en-CA" sz="800" dirty="0">
+              <a:rPr lang="en-CA" sz="900" dirty="0">
                 <a:latin typeface="Courier" pitchFamily="2" charset="0"/>
               </a:rPr>
               <a:t>   |                                                               |  O</a:t>
@@ -9417,7 +9498,7 @@
           </a:p>
           <a:p>
             <a:r>
-              <a:rPr lang="en-CA" sz="800" dirty="0">
+              <a:rPr lang="en-CA" sz="900" dirty="0">
                 <a:latin typeface="Courier" pitchFamily="2" charset="0"/>
               </a:rPr>
               <a:t>   |                                                               |  A</a:t>
@@ -9425,7 +9506,7 @@
           </a:p>
           <a:p>
             <a:r>
-              <a:rPr lang="en-CA" sz="800" dirty="0">
+              <a:rPr lang="en-CA" sz="900" dirty="0">
                 <a:latin typeface="Courier" pitchFamily="2" charset="0"/>
               </a:rPr>
               <a:t>   ~                 IOAM Option and Data Space                    ~  M</a:t>
@@ -9433,7 +9514,7 @@
           </a:p>
           <a:p>
             <a:r>
-              <a:rPr lang="en-CA" sz="800" dirty="0">
+              <a:rPr lang="en-CA" sz="900" dirty="0">
                 <a:latin typeface="Courier" pitchFamily="2" charset="0"/>
               </a:rPr>
               <a:t>   |                                                               |  |</a:t>
@@ -9441,7 +9522,7 @@
           </a:p>
           <a:p>
             <a:r>
-              <a:rPr lang="en-CA" sz="800" dirty="0">
+              <a:rPr lang="en-CA" sz="900" dirty="0">
                 <a:latin typeface="Courier" pitchFamily="2" charset="0"/>
               </a:rPr>
               <a:t>   |                                                               |  |</a:t>
@@ -9449,7 +9530,7 @@
           </a:p>
           <a:p>
             <a:r>
-              <a:rPr lang="en-CA" sz="800" dirty="0">
+              <a:rPr lang="en-CA" sz="900" dirty="0">
                 <a:latin typeface="Courier" pitchFamily="2" charset="0"/>
               </a:rPr>
               <a:t>   +-+-+-+-+-+-+-+-+-+-+-+-+-+-+-+-+-+-+-+-+-+-+-+-+-+-+-+-+-+-+-+-+&lt;-+</a:t>
@@ -9457,7 +9538,7 @@
           </a:p>
           <a:p>
             <a:r>
-              <a:rPr lang="en-CA" sz="800" dirty="0">
+              <a:rPr lang="en-CA" sz="900" dirty="0">
                 <a:latin typeface="Courier" pitchFamily="2" charset="0"/>
               </a:rPr>
               <a:t>   |                                                               |</a:t>
@@ -9465,7 +9546,7 @@
           </a:p>
           <a:p>
             <a:r>
-              <a:rPr lang="en-CA" sz="800" dirty="0">
+              <a:rPr lang="en-CA" sz="900" dirty="0">
                 <a:latin typeface="Courier" pitchFamily="2" charset="0"/>
               </a:rPr>
               <a:t>   |                                                               |</a:t>
@@ -9473,7 +9554,7 @@
           </a:p>
           <a:p>
             <a:r>
-              <a:rPr lang="en-CA" sz="800" dirty="0">
+              <a:rPr lang="en-CA" sz="900" dirty="0">
                 <a:latin typeface="Courier" pitchFamily="2" charset="0"/>
               </a:rPr>
               <a:t>   ~                 Payload + Padding                             ~</a:t>
@@ -9481,7 +9562,7 @@
           </a:p>
           <a:p>
             <a:r>
-              <a:rPr lang="en-CA" sz="800" dirty="0">
+              <a:rPr lang="en-CA" sz="900" dirty="0">
                 <a:latin typeface="Courier" pitchFamily="2" charset="0"/>
               </a:rPr>
               <a:t>   |                                                               |</a:t>
@@ -9489,7 +9570,7 @@
           </a:p>
           <a:p>
             <a:r>
-              <a:rPr lang="en-CA" sz="800" dirty="0">
+              <a:rPr lang="en-CA" sz="900" dirty="0">
                 <a:latin typeface="Courier" pitchFamily="2" charset="0"/>
               </a:rPr>
               <a:t>   |                                                               |</a:t>
@@ -9497,7 +9578,7 @@
           </a:p>
           <a:p>
             <a:r>
-              <a:rPr lang="en-CA" sz="800" dirty="0">
+              <a:rPr lang="en-CA" sz="900" dirty="0">
                 <a:latin typeface="Courier" pitchFamily="2" charset="0"/>
               </a:rPr>
               <a:t>   +-+-+-+-+-+-+-+-+-+-+-+-+-+-+-+-+-+-+-+-+-+-+-+-+-+-+-+-+-+-+-+-+ </a:t>
@@ -9505,12 +9586,12 @@
           </a:p>
           <a:p>
             <a:r>
-              <a:rPr lang="en-CA" sz="800" dirty="0">
+              <a:rPr lang="en-CA" sz="900" dirty="0">
                 <a:latin typeface="Courier" pitchFamily="2" charset="0"/>
               </a:rPr>
               <a:t>         Figure: IOAM Encapsulation Example with SR-MPLS Header</a:t>
             </a:r>
-            <a:endParaRPr lang="en-CA" sz="800" dirty="0">
+            <a:endParaRPr lang="en-CA" sz="900" dirty="0">
               <a:latin typeface="Courier" pitchFamily="2" charset="0"/>
               <a:ea typeface="Calibri" panose="020F0502020204030204" pitchFamily="34" charset="0"/>
               <a:cs typeface="Times New Roman" panose="02020603050405020304" pitchFamily="18" charset="0"/>
@@ -9521,7 +9602,7 @@
     </p:spTree>
     <p:extLst>
       <p:ext uri="{BB962C8B-B14F-4D97-AF65-F5344CB8AC3E}">
-        <p14:creationId xmlns:p14="http://schemas.microsoft.com/office/powerpoint/2010/main" val="3960745449"/>
+        <p14:creationId xmlns:p14="http://schemas.microsoft.com/office/powerpoint/2010/main" val="424863198"/>
       </p:ext>
     </p:extLst>
   </p:cSld>
@@ -10619,7 +10700,19 @@
             </a:r>
             <a:r>
               <a:rPr lang="en-CA" sz="1800" dirty="0"/>
-              <a:t>) Type (value TBA3) defined for IOAM</a:t>
+              <a:t>) Type (value </a:t>
+            </a:r>
+            <a:r>
+              <a:rPr lang="en-CA" sz="1800" dirty="0">
+                <a:solidFill>
+                  <a:srgbClr val="0070C0"/>
+                </a:solidFill>
+              </a:rPr>
+              <a:t>TBA3</a:t>
+            </a:r>
+            <a:r>
+              <a:rPr lang="en-CA" sz="1800" dirty="0"/>
+              <a:t>) defined for IOAM</a:t>
             </a:r>
           </a:p>
           <a:p>
@@ -11499,7 +11592,7 @@
             <a:r>
               <a:rPr lang="en-CA" sz="2000" dirty="0">
                 <a:solidFill>
-                  <a:schemeClr val="accent5"/>
+                  <a:srgbClr val="0070C0"/>
                 </a:solidFill>
               </a:rPr>
               <a:t>TBA1</a:t>

--- a/draft-gandhi-mpls-ioam-sr-05.pptx
+++ b/draft-gandhi-mpls-ioam-sr-05.pptx
@@ -30,8 +30,8 @@
     <p:sldId id="1677" r:id="rId18"/>
     <p:sldId id="1678" r:id="rId19"/>
     <p:sldId id="1679" r:id="rId20"/>
-    <p:sldId id="1676" r:id="rId21"/>
-    <p:sldId id="1674" r:id="rId22"/>
+    <p:sldId id="1674" r:id="rId21"/>
+    <p:sldId id="1676" r:id="rId22"/>
     <p:sldId id="1669" r:id="rId23"/>
   </p:sldIdLst>
   <p:sldSz cx="9144000" cy="5143500" type="screen16x9"/>
@@ -7608,7 +7608,7 @@
         </p:nvSpPr>
         <p:spPr bwMode="auto">
           <a:xfrm>
-            <a:off x="685800" y="1657350"/>
+            <a:off x="685800" y="2020490"/>
             <a:ext cx="7772400" cy="1102519"/>
           </a:xfrm>
           <a:prstGeom prst="rect">
@@ -7768,7 +7768,7 @@
             </a:lvl9pPr>
           </a:lstStyle>
           <a:p>
-            <a:pPr eaLnBrk="1" hangingPunct="1">
+            <a:pPr algn="l" eaLnBrk="1" hangingPunct="1">
               <a:defRPr/>
             </a:pPr>
             <a:r>
@@ -7782,7 +7782,7 @@
                 <a:ea typeface="Calibri" charset="0"/>
                 <a:cs typeface="Calibri" charset="0"/>
               </a:rPr>
-              <a:t>Backup</a:t>
+              <a:t>Open Review Comments</a:t>
             </a:r>
           </a:p>
         </p:txBody>
@@ -7881,7 +7881,7 @@
                 <a:latin typeface="Calibri Light" panose="020F0302020204030204" pitchFamily="34" charset="0"/>
                 <a:cs typeface="Calibri Light" panose="020F0302020204030204" pitchFamily="34" charset="0"/>
               </a:rPr>
-              <a:t>Impact on Label Stack Size Imposed by Ingress</a:t>
+              <a:t>1. Impact on Label Stack Size Imposed by Ingress</a:t>
             </a:r>
           </a:p>
         </p:txBody>
@@ -7904,7 +7904,7 @@
         </p:nvSpPr>
         <p:spPr>
           <a:xfrm>
-            <a:off x="457200" y="944059"/>
+            <a:off x="457200" y="883090"/>
             <a:ext cx="8229600" cy="3671814"/>
           </a:xfrm>
         </p:spPr>
@@ -7912,22 +7912,27 @@
           <a:bodyPr/>
           <a:lstStyle/>
           <a:p>
-            <a:r>
-              <a:rPr lang="en-US" sz="1400" dirty="0">
+            <a:pPr>
+              <a:spcBef>
+                <a:spcPts val="600"/>
+              </a:spcBef>
+            </a:pPr>
+            <a:r>
+              <a:rPr lang="en-US" sz="1100" dirty="0">
                 <a:latin typeface="Arial" panose="020B0604020202020204" pitchFamily="34" charset="0"/>
                 <a:cs typeface="Arial" panose="020B0604020202020204" pitchFamily="34" charset="0"/>
               </a:rPr>
-              <a:t>Applicable to both E2E and </a:t>
-            </a:r>
-            <a:r>
-              <a:rPr lang="en-US" sz="1400" dirty="0" err="1">
+              <a:t>Applicable to E2E and </a:t>
+            </a:r>
+            <a:r>
+              <a:rPr lang="en-US" sz="1100" dirty="0" err="1">
                 <a:latin typeface="Arial" panose="020B0604020202020204" pitchFamily="34" charset="0"/>
                 <a:cs typeface="Arial" panose="020B0604020202020204" pitchFamily="34" charset="0"/>
               </a:rPr>
               <a:t>HbH</a:t>
             </a:r>
             <a:r>
-              <a:rPr lang="en-US" sz="1400" dirty="0">
+              <a:rPr lang="en-US" sz="1100" dirty="0">
                 <a:latin typeface="Arial" panose="020B0604020202020204" pitchFamily="34" charset="0"/>
                 <a:cs typeface="Arial" panose="020B0604020202020204" pitchFamily="34" charset="0"/>
               </a:rPr>
@@ -7935,8 +7940,13 @@
             </a:r>
           </a:p>
           <a:p>
-            <a:r>
-              <a:rPr lang="en-US" sz="1400" dirty="0">
+            <a:pPr>
+              <a:spcBef>
+                <a:spcPts val="600"/>
+              </a:spcBef>
+            </a:pPr>
+            <a:r>
+              <a:rPr lang="en-US" sz="1100" dirty="0">
                 <a:latin typeface="Arial" panose="020B0604020202020204" pitchFamily="34" charset="0"/>
                 <a:cs typeface="Arial" panose="020B0604020202020204" pitchFamily="34" charset="0"/>
               </a:rPr>
@@ -7944,23 +7954,27 @@
             </a:r>
           </a:p>
           <a:p>
-            <a:pPr lvl="1"/>
-            <a:r>
-              <a:rPr lang="en-US" sz="1400" dirty="0">
+            <a:pPr lvl="1">
+              <a:spcBef>
+                <a:spcPts val="600"/>
+              </a:spcBef>
+            </a:pPr>
+            <a:r>
+              <a:rPr lang="en-US" sz="1100" dirty="0">
                 <a:latin typeface="Arial" panose="020B0604020202020204" pitchFamily="34" charset="0"/>
                 <a:cs typeface="Arial" panose="020B0604020202020204" pitchFamily="34" charset="0"/>
               </a:rPr>
-              <a:t>Extension Label 15 (when using </a:t>
-            </a:r>
-            <a:r>
-              <a:rPr lang="en-US" sz="1400" dirty="0" err="1">
+              <a:t>Extension Label 15 (only when using </a:t>
+            </a:r>
+            <a:r>
+              <a:rPr lang="en-US" sz="1100" dirty="0" err="1">
                 <a:latin typeface="Arial" panose="020B0604020202020204" pitchFamily="34" charset="0"/>
                 <a:cs typeface="Arial" panose="020B0604020202020204" pitchFamily="34" charset="0"/>
               </a:rPr>
               <a:t>eSPL</a:t>
             </a:r>
             <a:r>
-              <a:rPr lang="en-US" sz="1400" dirty="0">
+              <a:rPr lang="en-US" sz="1100" dirty="0">
                 <a:latin typeface="Arial" panose="020B0604020202020204" pitchFamily="34" charset="0"/>
                 <a:cs typeface="Arial" panose="020B0604020202020204" pitchFamily="34" charset="0"/>
               </a:rPr>
@@ -7968,16 +7982,20 @@
             </a:r>
           </a:p>
           <a:p>
-            <a:pPr lvl="1"/>
-            <a:r>
-              <a:rPr lang="en-US" sz="1400" dirty="0" err="1">
+            <a:pPr lvl="1">
+              <a:spcBef>
+                <a:spcPts val="600"/>
+              </a:spcBef>
+            </a:pPr>
+            <a:r>
+              <a:rPr lang="en-US" sz="1100" dirty="0" err="1">
                 <a:latin typeface="Arial" panose="020B0604020202020204" pitchFamily="34" charset="0"/>
                 <a:cs typeface="Arial" panose="020B0604020202020204" pitchFamily="34" charset="0"/>
               </a:rPr>
               <a:t>HbH</a:t>
             </a:r>
             <a:r>
-              <a:rPr lang="en-US" sz="1400" dirty="0">
+              <a:rPr lang="en-US" sz="1100" dirty="0">
                 <a:latin typeface="Arial" panose="020B0604020202020204" pitchFamily="34" charset="0"/>
                 <a:cs typeface="Arial" panose="020B0604020202020204" pitchFamily="34" charset="0"/>
               </a:rPr>
@@ -7985,8 +8003,13 @@
             </a:r>
           </a:p>
           <a:p>
-            <a:r>
-              <a:rPr lang="en-US" sz="1400" dirty="0">
+            <a:pPr>
+              <a:spcBef>
+                <a:spcPts val="600"/>
+              </a:spcBef>
+            </a:pPr>
+            <a:r>
+              <a:rPr lang="en-US" sz="1100" dirty="0">
                 <a:latin typeface="Arial" panose="020B0604020202020204" pitchFamily="34" charset="0"/>
                 <a:cs typeface="Arial" panose="020B0604020202020204" pitchFamily="34" charset="0"/>
               </a:rPr>
@@ -7994,9 +8017,13 @@
             </a:r>
           </a:p>
           <a:p>
-            <a:pPr lvl="1"/>
-            <a:r>
-              <a:rPr lang="en-US" sz="1400" dirty="0">
+            <a:pPr lvl="1">
+              <a:spcBef>
+                <a:spcPts val="600"/>
+              </a:spcBef>
+            </a:pPr>
+            <a:r>
+              <a:rPr lang="en-US" sz="1100" dirty="0">
                 <a:latin typeface="Arial" panose="020B0604020202020204" pitchFamily="34" charset="0"/>
                 <a:cs typeface="Arial" panose="020B0604020202020204" pitchFamily="34" charset="0"/>
               </a:rPr>
@@ -8004,9 +8031,13 @@
             </a:r>
           </a:p>
           <a:p>
-            <a:pPr lvl="1"/>
-            <a:r>
-              <a:rPr lang="en-US" sz="1400" dirty="0">
+            <a:pPr lvl="1">
+              <a:spcBef>
+                <a:spcPts val="600"/>
+              </a:spcBef>
+            </a:pPr>
+            <a:r>
+              <a:rPr lang="en-US" sz="1100" dirty="0">
                 <a:latin typeface="Arial" panose="020B0604020202020204" pitchFamily="34" charset="0"/>
                 <a:cs typeface="Arial" panose="020B0604020202020204" pitchFamily="34" charset="0"/>
               </a:rPr>
@@ -8014,56 +8045,83 @@
             </a:r>
           </a:p>
           <a:p>
-            <a:endParaRPr lang="en-US" sz="1400" dirty="0">
+            <a:pPr>
+              <a:spcBef>
+                <a:spcPts val="600"/>
+              </a:spcBef>
+            </a:pPr>
+            <a:endParaRPr lang="en-US" sz="1100" dirty="0">
               <a:latin typeface="Arial" panose="020B0604020202020204" pitchFamily="34" charset="0"/>
               <a:cs typeface="Arial" panose="020B0604020202020204" pitchFamily="34" charset="0"/>
             </a:endParaRPr>
           </a:p>
           <a:p>
-            <a:pPr>
-              <a:buFont typeface="Wingdings" pitchFamily="2" charset="2"/>
-              <a:buChar char="ü"/>
-            </a:pPr>
-            <a:r>
-              <a:rPr lang="en-US" sz="1400" dirty="0">
+            <a:pPr marL="0" indent="0">
+              <a:spcBef>
+                <a:spcPts val="600"/>
+              </a:spcBef>
+              <a:buNone/>
+            </a:pPr>
+            <a:r>
+              <a:rPr lang="en-US" sz="1100" dirty="0">
                 <a:latin typeface="Arial" panose="020B0604020202020204" pitchFamily="34" charset="0"/>
                 <a:cs typeface="Arial" panose="020B0604020202020204" pitchFamily="34" charset="0"/>
               </a:rPr>
-              <a:t>This is true for all mechanisms using </a:t>
-            </a:r>
-            <a:r>
-              <a:rPr lang="en-US" sz="1400" dirty="0" err="1">
+              <a:t>Reply:</a:t>
+            </a:r>
+          </a:p>
+          <a:p>
+            <a:pPr>
+              <a:spcBef>
+                <a:spcPts val="600"/>
+              </a:spcBef>
+            </a:pPr>
+            <a:r>
+              <a:rPr lang="en-US" sz="1100" dirty="0">
                 <a:latin typeface="Arial" panose="020B0604020202020204" pitchFamily="34" charset="0"/>
                 <a:cs typeface="Arial" panose="020B0604020202020204" pitchFamily="34" charset="0"/>
               </a:rPr>
+              <a:t>This is true for all mechanisms using </a:t>
+            </a:r>
+            <a:r>
+              <a:rPr lang="en-US" sz="1100" dirty="0" err="1">
+                <a:latin typeface="Arial" panose="020B0604020202020204" pitchFamily="34" charset="0"/>
+                <a:cs typeface="Arial" panose="020B0604020202020204" pitchFamily="34" charset="0"/>
+              </a:rPr>
               <a:t>eSPL</a:t>
             </a:r>
-            <a:endParaRPr lang="en-US" sz="1400" dirty="0">
-              <a:latin typeface="Arial" panose="020B0604020202020204" pitchFamily="34" charset="0"/>
-              <a:cs typeface="Arial" panose="020B0604020202020204" pitchFamily="34" charset="0"/>
-            </a:endParaRPr>
+            <a:r>
+              <a:rPr lang="en-US" sz="1100" dirty="0">
+                <a:latin typeface="Arial" panose="020B0604020202020204" pitchFamily="34" charset="0"/>
+                <a:cs typeface="Arial" panose="020B0604020202020204" pitchFamily="34" charset="0"/>
+              </a:rPr>
+              <a:t>.</a:t>
+            </a:r>
           </a:p>
           <a:p>
             <a:pPr lvl="1">
+              <a:spcBef>
+                <a:spcPts val="600"/>
+              </a:spcBef>
               <a:buFont typeface="Arial" panose="020B0604020202020204" pitchFamily="34" charset="0"/>
               <a:buChar char="•"/>
             </a:pPr>
             <a:r>
-              <a:rPr lang="en-CA" sz="1400" i="1" dirty="0">
+              <a:rPr lang="en-CA" sz="1100" dirty="0">
                 <a:latin typeface="Arial" panose="020B0604020202020204" pitchFamily="34" charset="0"/>
                 <a:cs typeface="Arial" panose="020B0604020202020204" pitchFamily="34" charset="0"/>
               </a:rPr>
-              <a:t>https://</a:t>
-            </a:r>
-            <a:r>
-              <a:rPr lang="en-CA" sz="1400" i="1" dirty="0" err="1">
+              <a:t>SFC: https://</a:t>
+            </a:r>
+            <a:r>
+              <a:rPr lang="en-CA" sz="1100" dirty="0" err="1">
                 <a:latin typeface="Arial" panose="020B0604020202020204" pitchFamily="34" charset="0"/>
                 <a:cs typeface="Arial" panose="020B0604020202020204" pitchFamily="34" charset="0"/>
               </a:rPr>
               <a:t>tools.ietf.org</a:t>
             </a:r>
             <a:r>
-              <a:rPr lang="en-CA" sz="1400" i="1" dirty="0">
+              <a:rPr lang="en-CA" sz="1100" dirty="0">
                 <a:latin typeface="Arial" panose="020B0604020202020204" pitchFamily="34" charset="0"/>
                 <a:cs typeface="Arial" panose="020B0604020202020204" pitchFamily="34" charset="0"/>
               </a:rPr>
@@ -8072,53 +8130,56 @@
           </a:p>
           <a:p>
             <a:pPr lvl="1">
+              <a:spcBef>
+                <a:spcPts val="600"/>
+              </a:spcBef>
               <a:buFont typeface="Arial" panose="020B0604020202020204" pitchFamily="34" charset="0"/>
               <a:buChar char="•"/>
             </a:pPr>
             <a:r>
-              <a:rPr lang="en-CA" sz="1400" i="1" dirty="0">
+              <a:rPr lang="en-CA" sz="1100" dirty="0">
                 <a:latin typeface="Arial" panose="020B0604020202020204" pitchFamily="34" charset="0"/>
                 <a:cs typeface="Arial" panose="020B0604020202020204" pitchFamily="34" charset="0"/>
               </a:rPr>
-              <a:t>draft-</a:t>
-            </a:r>
-            <a:r>
-              <a:rPr lang="en-CA" sz="1400" i="1" dirty="0" err="1">
+              <a:t>E2E: draft-</a:t>
+            </a:r>
+            <a:r>
+              <a:rPr lang="en-CA" sz="1100" dirty="0" err="1">
                 <a:latin typeface="Arial" panose="020B0604020202020204" pitchFamily="34" charset="0"/>
                 <a:cs typeface="Arial" panose="020B0604020202020204" pitchFamily="34" charset="0"/>
               </a:rPr>
               <a:t>cheng</a:t>
             </a:r>
             <a:r>
-              <a:rPr lang="en-CA" sz="1400" i="1" dirty="0">
+              <a:rPr lang="en-CA" sz="1100" dirty="0">
                 <a:latin typeface="Arial" panose="020B0604020202020204" pitchFamily="34" charset="0"/>
                 <a:cs typeface="Arial" panose="020B0604020202020204" pitchFamily="34" charset="0"/>
               </a:rPr>
               <a:t>-</a:t>
             </a:r>
             <a:r>
-              <a:rPr lang="en-CA" sz="1400" i="1" dirty="0" err="1">
+              <a:rPr lang="en-CA" sz="1100" dirty="0" err="1">
                 <a:latin typeface="Arial" panose="020B0604020202020204" pitchFamily="34" charset="0"/>
                 <a:cs typeface="Arial" panose="020B0604020202020204" pitchFamily="34" charset="0"/>
               </a:rPr>
               <a:t>mpls</a:t>
             </a:r>
             <a:r>
-              <a:rPr lang="en-CA" sz="1400" i="1" dirty="0">
+              <a:rPr lang="en-CA" sz="1100" dirty="0">
                 <a:latin typeface="Arial" panose="020B0604020202020204" pitchFamily="34" charset="0"/>
                 <a:cs typeface="Arial" panose="020B0604020202020204" pitchFamily="34" charset="0"/>
               </a:rPr>
               <a:t>-</a:t>
             </a:r>
             <a:r>
-              <a:rPr lang="en-CA" sz="1400" i="1" dirty="0" err="1">
+              <a:rPr lang="en-CA" sz="1100" dirty="0" err="1">
                 <a:latin typeface="Arial" panose="020B0604020202020204" pitchFamily="34" charset="0"/>
                 <a:cs typeface="Arial" panose="020B0604020202020204" pitchFamily="34" charset="0"/>
               </a:rPr>
               <a:t>inband</a:t>
             </a:r>
             <a:r>
-              <a:rPr lang="en-CA" sz="1400" i="1" dirty="0">
+              <a:rPr lang="en-CA" sz="1100" dirty="0">
                 <a:latin typeface="Arial" panose="020B0604020202020204" pitchFamily="34" charset="0"/>
                 <a:cs typeface="Arial" panose="020B0604020202020204" pitchFamily="34" charset="0"/>
               </a:rPr>
@@ -8126,10 +8187,52 @@
             </a:r>
           </a:p>
           <a:p>
+            <a:pPr>
+              <a:spcBef>
+                <a:spcPts val="600"/>
+              </a:spcBef>
+              <a:buFont typeface="Arial" panose="020B0604020202020204" pitchFamily="34" charset="0"/>
+              <a:buChar char="•"/>
+            </a:pPr>
+            <a:r>
+              <a:rPr lang="en-CA" sz="1100" dirty="0">
+                <a:latin typeface="Arial" panose="020B0604020202020204" pitchFamily="34" charset="0"/>
+                <a:cs typeface="Arial" panose="020B0604020202020204" pitchFamily="34" charset="0"/>
+              </a:rPr>
+              <a:t>E2E: One less label when decapsulating node signals it</a:t>
+            </a:r>
+          </a:p>
+          <a:p>
+            <a:pPr>
+              <a:spcBef>
+                <a:spcPts val="600"/>
+              </a:spcBef>
+              <a:buFont typeface="Arial" panose="020B0604020202020204" pitchFamily="34" charset="0"/>
+              <a:buChar char="•"/>
+            </a:pPr>
+            <a:r>
+              <a:rPr lang="en-CA" sz="1100" dirty="0" err="1">
+                <a:latin typeface="Arial" panose="020B0604020202020204" pitchFamily="34" charset="0"/>
+                <a:cs typeface="Arial" panose="020B0604020202020204" pitchFamily="34" charset="0"/>
+              </a:rPr>
+              <a:t>HbH</a:t>
+            </a:r>
+            <a:r>
+              <a:rPr lang="en-CA" sz="1100" dirty="0">
+                <a:latin typeface="Arial" panose="020B0604020202020204" pitchFamily="34" charset="0"/>
+                <a:cs typeface="Arial" panose="020B0604020202020204" pitchFamily="34" charset="0"/>
+              </a:rPr>
+              <a:t>: Use IOAM Enabled Label (like SFL)</a:t>
+            </a:r>
+          </a:p>
+          <a:p>
             <a:pPr marL="0" indent="0">
+              <a:spcBef>
+                <a:spcPts val="600"/>
+              </a:spcBef>
               <a:buNone/>
             </a:pPr>
-            <a:endParaRPr lang="en-US" sz="1400" dirty="0">
+            <a:endParaRPr lang="en-US" sz="1100" dirty="0">
               <a:latin typeface="Arial" panose="020B0604020202020204" pitchFamily="34" charset="0"/>
               <a:cs typeface="Arial" panose="020B0604020202020204" pitchFamily="34" charset="0"/>
             </a:endParaRPr>
@@ -8280,7 +8383,7 @@
                 <a:latin typeface="Calibri Light" panose="020F0302020204030204" pitchFamily="34" charset="0"/>
                 <a:cs typeface="Calibri Light" panose="020F0302020204030204" pitchFamily="34" charset="0"/>
               </a:rPr>
-              <a:t>Transit Nodes Scan Deeper in MPLS Header</a:t>
+              <a:t>2. Transit Nodes Scan Deeper in MPLS Header</a:t>
             </a:r>
           </a:p>
         </p:txBody>
@@ -8311,22 +8414,27 @@
           <a:bodyPr/>
           <a:lstStyle/>
           <a:p>
-            <a:r>
-              <a:rPr lang="en-US" sz="1600" dirty="0">
+            <a:pPr>
+              <a:spcBef>
+                <a:spcPts val="600"/>
+              </a:spcBef>
+            </a:pPr>
+            <a:r>
+              <a:rPr lang="en-US" sz="1400" dirty="0">
                 <a:latin typeface="Arial" panose="020B0604020202020204" pitchFamily="34" charset="0"/>
                 <a:cs typeface="Arial" panose="020B0604020202020204" pitchFamily="34" charset="0"/>
               </a:rPr>
               <a:t>Applicable to </a:t>
             </a:r>
             <a:r>
-              <a:rPr lang="en-US" sz="1600" dirty="0" err="1">
+              <a:rPr lang="en-US" sz="1400" dirty="0" err="1">
                 <a:latin typeface="Arial" panose="020B0604020202020204" pitchFamily="34" charset="0"/>
                 <a:cs typeface="Arial" panose="020B0604020202020204" pitchFamily="34" charset="0"/>
               </a:rPr>
               <a:t>HbH</a:t>
             </a:r>
             <a:r>
-              <a:rPr lang="en-US" sz="1600" dirty="0">
+              <a:rPr lang="en-US" sz="1400" dirty="0">
                 <a:latin typeface="Arial" panose="020B0604020202020204" pitchFamily="34" charset="0"/>
                 <a:cs typeface="Arial" panose="020B0604020202020204" pitchFamily="34" charset="0"/>
               </a:rPr>
@@ -8334,50 +8442,100 @@
             </a:r>
           </a:p>
           <a:p>
-            <a:r>
-              <a:rPr lang="en-US" sz="1600" dirty="0">
+            <a:pPr>
+              <a:spcBef>
+                <a:spcPts val="600"/>
+              </a:spcBef>
+            </a:pPr>
+            <a:r>
+              <a:rPr lang="en-US" sz="1400" dirty="0">
                 <a:latin typeface="Arial" panose="020B0604020202020204" pitchFamily="34" charset="0"/>
                 <a:cs typeface="Arial" panose="020B0604020202020204" pitchFamily="34" charset="0"/>
               </a:rPr>
-              <a:t>Transit nodes need to scan deeper into the MPLS header to find IOAM Indicator Label</a:t>
-            </a:r>
-          </a:p>
-          <a:p>
-            <a:endParaRPr lang="en-US" sz="1600" dirty="0">
+              <a:t>Transit nodes need to scan deeper into the MPLS header to find IOAM Indicator Label only when </a:t>
+            </a:r>
+            <a:r>
+              <a:rPr lang="en-US" sz="1400" dirty="0" err="1">
+                <a:latin typeface="Arial" panose="020B0604020202020204" pitchFamily="34" charset="0"/>
+                <a:cs typeface="Arial" panose="020B0604020202020204" pitchFamily="34" charset="0"/>
+              </a:rPr>
+              <a:t>HbH</a:t>
+            </a:r>
+            <a:r>
+              <a:rPr lang="en-US" sz="1400" dirty="0">
+                <a:latin typeface="Arial" panose="020B0604020202020204" pitchFamily="34" charset="0"/>
+                <a:cs typeface="Arial" panose="020B0604020202020204" pitchFamily="34" charset="0"/>
+              </a:rPr>
+              <a:t> IOAM is enabled</a:t>
+            </a:r>
+          </a:p>
+          <a:p>
+            <a:pPr>
+              <a:spcBef>
+                <a:spcPts val="600"/>
+              </a:spcBef>
+            </a:pPr>
+            <a:endParaRPr lang="en-US" sz="1400" dirty="0">
               <a:latin typeface="Arial" panose="020B0604020202020204" pitchFamily="34" charset="0"/>
               <a:cs typeface="Arial" panose="020B0604020202020204" pitchFamily="34" charset="0"/>
             </a:endParaRPr>
           </a:p>
           <a:p>
-            <a:endParaRPr lang="en-US" sz="1600" dirty="0">
+            <a:pPr>
+              <a:spcBef>
+                <a:spcPts val="600"/>
+              </a:spcBef>
+            </a:pPr>
+            <a:endParaRPr lang="en-US" sz="1400" dirty="0">
               <a:latin typeface="Arial" panose="020B0604020202020204" pitchFamily="34" charset="0"/>
               <a:cs typeface="Arial" panose="020B0604020202020204" pitchFamily="34" charset="0"/>
             </a:endParaRPr>
           </a:p>
           <a:p>
+            <a:pPr marL="0" indent="0">
+              <a:spcBef>
+                <a:spcPts val="600"/>
+              </a:spcBef>
+              <a:buNone/>
+            </a:pPr>
+            <a:r>
+              <a:rPr lang="en-US" sz="1400" dirty="0">
+                <a:latin typeface="Arial" panose="020B0604020202020204" pitchFamily="34" charset="0"/>
+                <a:cs typeface="Arial" panose="020B0604020202020204" pitchFamily="34" charset="0"/>
+              </a:rPr>
+              <a:t>Reply:</a:t>
+            </a:r>
+          </a:p>
+          <a:p>
             <a:pPr>
+              <a:spcBef>
+                <a:spcPts val="600"/>
+              </a:spcBef>
               <a:buFont typeface="Wingdings" pitchFamily="2" charset="2"/>
               <a:buChar char="ü"/>
             </a:pPr>
             <a:r>
-              <a:rPr lang="en-US" sz="1600" dirty="0">
+              <a:rPr lang="en-US" sz="1400" dirty="0">
                 <a:latin typeface="Arial" panose="020B0604020202020204" pitchFamily="34" charset="0"/>
                 <a:cs typeface="Arial" panose="020B0604020202020204" pitchFamily="34" charset="0"/>
               </a:rPr>
               <a:t>This is also true for ELI and EL today.</a:t>
             </a:r>
-            <a:endParaRPr lang="en-CA" sz="1600" dirty="0">
+            <a:endParaRPr lang="en-CA" sz="1400" dirty="0">
               <a:latin typeface="Arial" panose="020B0604020202020204" pitchFamily="34" charset="0"/>
               <a:cs typeface="Arial" panose="020B0604020202020204" pitchFamily="34" charset="0"/>
             </a:endParaRPr>
           </a:p>
           <a:p>
             <a:pPr>
+              <a:spcBef>
+                <a:spcPts val="600"/>
+              </a:spcBef>
               <a:buFont typeface="Wingdings" pitchFamily="2" charset="2"/>
               <a:buChar char="ü"/>
             </a:pPr>
             <a:r>
-              <a:rPr lang="en-CA" sz="1600" dirty="0">
+              <a:rPr lang="en-CA" sz="1400" dirty="0">
                 <a:latin typeface="Arial" panose="020B0604020202020204" pitchFamily="34" charset="0"/>
                 <a:cs typeface="Arial" panose="020B0604020202020204" pitchFamily="34" charset="0"/>
               </a:rPr>
@@ -8385,7 +8543,41 @@
             </a:r>
           </a:p>
           <a:p>
-            <a:endParaRPr lang="en-US" sz="1600" dirty="0">
+            <a:pPr>
+              <a:spcBef>
+                <a:spcPts val="600"/>
+              </a:spcBef>
+              <a:buFont typeface="Wingdings" pitchFamily="2" charset="2"/>
+              <a:buChar char="ü"/>
+            </a:pPr>
+            <a:r>
+              <a:rPr lang="en-CA" sz="1400" dirty="0">
+                <a:latin typeface="Arial" panose="020B0604020202020204" pitchFamily="34" charset="0"/>
+                <a:cs typeface="Arial" panose="020B0604020202020204" pitchFamily="34" charset="0"/>
+              </a:rPr>
+              <a:t>Use IOAM enabled label (like SFL) that avoids scanning label stack.</a:t>
+            </a:r>
+          </a:p>
+          <a:p>
+            <a:pPr>
+              <a:spcBef>
+                <a:spcPts val="600"/>
+              </a:spcBef>
+              <a:buFont typeface="Wingdings" pitchFamily="2" charset="2"/>
+              <a:buChar char="ü"/>
+            </a:pPr>
+            <a:endParaRPr lang="en-CA" sz="1400" dirty="0">
+              <a:latin typeface="Arial" panose="020B0604020202020204" pitchFamily="34" charset="0"/>
+              <a:cs typeface="Arial" panose="020B0604020202020204" pitchFamily="34" charset="0"/>
+            </a:endParaRPr>
+          </a:p>
+          <a:p>
+            <a:pPr>
+              <a:spcBef>
+                <a:spcPts val="600"/>
+              </a:spcBef>
+            </a:pPr>
+            <a:endParaRPr lang="en-US" sz="1400" dirty="0">
               <a:latin typeface="Arial" panose="020B0604020202020204" pitchFamily="34" charset="0"/>
               <a:cs typeface="Arial" panose="020B0604020202020204" pitchFamily="34" charset="0"/>
             </a:endParaRPr>
@@ -8536,7 +8728,7 @@
                 <a:latin typeface="Calibri Light" panose="020F0302020204030204" pitchFamily="34" charset="0"/>
                 <a:cs typeface="Calibri Light" panose="020F0302020204030204" pitchFamily="34" charset="0"/>
               </a:rPr>
-              <a:t>Different FEC (SFL) for IOAM Data Packets</a:t>
+              <a:t>3. Different FEC (like SFL) for IOAM Data Packets</a:t>
             </a:r>
           </a:p>
         </p:txBody>
@@ -8567,8 +8759,13 @@
           <a:bodyPr/>
           <a:lstStyle/>
           <a:p>
-            <a:r>
-              <a:rPr lang="en-CA" sz="1600" dirty="0">
+            <a:pPr>
+              <a:spcBef>
+                <a:spcPts val="600"/>
+              </a:spcBef>
+            </a:pPr>
+            <a:r>
+              <a:rPr lang="en-CA" sz="1400" dirty="0">
                 <a:solidFill>
                   <a:srgbClr val="000000"/>
                 </a:solidFill>
@@ -8578,7 +8775,7 @@
               <a:t>Applicable to </a:t>
             </a:r>
             <a:r>
-              <a:rPr lang="en-CA" sz="1600" dirty="0" err="1">
+              <a:rPr lang="en-CA" sz="1400" dirty="0" err="1">
                 <a:solidFill>
                   <a:srgbClr val="000000"/>
                 </a:solidFill>
@@ -8588,7 +8785,7 @@
               <a:t>HbH</a:t>
             </a:r>
             <a:r>
-              <a:rPr lang="en-CA" sz="1600" dirty="0">
+              <a:rPr lang="en-CA" sz="1400" dirty="0">
                 <a:solidFill>
                   <a:srgbClr val="000000"/>
                 </a:solidFill>
@@ -8599,19 +8796,46 @@
             </a:r>
           </a:p>
           <a:p>
-            <a:r>
-              <a:rPr lang="en-CA" sz="1600" dirty="0">
+            <a:pPr>
+              <a:spcBef>
+                <a:spcPts val="600"/>
+              </a:spcBef>
+            </a:pPr>
+            <a:r>
+              <a:rPr lang="en-CA" sz="1400" dirty="0">
                 <a:solidFill>
                   <a:srgbClr val="000000"/>
                 </a:solidFill>
                 <a:latin typeface="Arial" panose="020B0604020202020204" pitchFamily="34" charset="0"/>
                 <a:cs typeface="Arial" panose="020B0604020202020204" pitchFamily="34" charset="0"/>
               </a:rPr>
-              <a:t>With a special FEC for IOAM packets and a "normal” FEC for data packets that don't carry IOAM info, a node might drop the normal traffic while the IOAM traffic flows.</a:t>
-            </a:r>
-          </a:p>
-          <a:p>
-            <a:endParaRPr lang="en-CA" sz="1600" dirty="0">
+              <a:t>With a special FEC for IOAM packets and a "normal” FEC for data packets that don't carry IOAM info, a node might drop the normal traffic while the IOAM traffic flows</a:t>
+            </a:r>
+          </a:p>
+          <a:p>
+            <a:pPr>
+              <a:spcBef>
+                <a:spcPts val="600"/>
+              </a:spcBef>
+            </a:pPr>
+            <a:r>
+              <a:rPr lang="en-CA" sz="1400" dirty="0">
+                <a:solidFill>
+                  <a:srgbClr val="000000"/>
+                </a:solidFill>
+                <a:latin typeface="Arial" panose="020B0604020202020204" pitchFamily="34" charset="0"/>
+                <a:cs typeface="Arial" panose="020B0604020202020204" pitchFamily="34" charset="0"/>
+              </a:rPr>
+              <a:t>Use IOAM Enabled label (like SFL) for IOAM packets</a:t>
+            </a:r>
+          </a:p>
+          <a:p>
+            <a:pPr>
+              <a:spcBef>
+                <a:spcPts val="600"/>
+              </a:spcBef>
+            </a:pPr>
+            <a:endParaRPr lang="en-CA" sz="1400" dirty="0">
               <a:solidFill>
                 <a:srgbClr val="000000"/>
               </a:solidFill>
@@ -8620,34 +8844,64 @@
             </a:endParaRPr>
           </a:p>
           <a:p>
-            <a:pPr>
-              <a:buFont typeface="Wingdings" pitchFamily="2" charset="2"/>
-              <a:buChar char="ü"/>
-            </a:pPr>
-            <a:r>
-              <a:rPr lang="en-CA" sz="1600" dirty="0">
+            <a:pPr marL="0" indent="0">
+              <a:spcBef>
+                <a:spcPts val="600"/>
+              </a:spcBef>
+              <a:buNone/>
+            </a:pPr>
+            <a:r>
+              <a:rPr lang="en-CA" sz="1400" dirty="0">
                 <a:solidFill>
                   <a:srgbClr val="000000"/>
                 </a:solidFill>
                 <a:latin typeface="Arial" panose="020B0604020202020204" pitchFamily="34" charset="0"/>
                 <a:cs typeface="Arial" panose="020B0604020202020204" pitchFamily="34" charset="0"/>
               </a:rPr>
+              <a:t>Reply:</a:t>
+            </a:r>
+          </a:p>
+          <a:p>
+            <a:pPr>
+              <a:spcBef>
+                <a:spcPts val="600"/>
+              </a:spcBef>
+              <a:buFont typeface="Wingdings" pitchFamily="2" charset="2"/>
+              <a:buChar char="ü"/>
+            </a:pPr>
+            <a:r>
+              <a:rPr lang="en-CA" sz="1400" dirty="0">
+                <a:solidFill>
+                  <a:srgbClr val="000000"/>
+                </a:solidFill>
+                <a:latin typeface="Arial" panose="020B0604020202020204" pitchFamily="34" charset="0"/>
+                <a:cs typeface="Arial" panose="020B0604020202020204" pitchFamily="34" charset="0"/>
+              </a:rPr>
               <a:t>This is indeed an issue with using SFL kind of approach. OAM reports the metrics of the LSP on which the normal traffic is not flowing. The forwarding normal packets are not using the LSP used by the OAM, as there are two synonymous LSPs.</a:t>
             </a:r>
-            <a:endParaRPr lang="en-US" sz="1600" dirty="0">
+            <a:endParaRPr lang="en-US" sz="1400" dirty="0">
               <a:latin typeface="Arial" panose="020B0604020202020204" pitchFamily="34" charset="0"/>
               <a:cs typeface="Arial" panose="020B0604020202020204" pitchFamily="34" charset="0"/>
             </a:endParaRPr>
           </a:p>
           <a:p>
-            <a:pPr lvl="1"/>
-            <a:endParaRPr lang="en-US" sz="1200" dirty="0">
+            <a:pPr lvl="1">
+              <a:spcBef>
+                <a:spcPts val="600"/>
+              </a:spcBef>
+            </a:pPr>
+            <a:endParaRPr lang="en-US" sz="1400" dirty="0">
               <a:latin typeface="Arial" panose="020B0604020202020204" pitchFamily="34" charset="0"/>
               <a:cs typeface="Arial" panose="020B0604020202020204" pitchFamily="34" charset="0"/>
             </a:endParaRPr>
           </a:p>
           <a:p>
-            <a:endParaRPr lang="en-US" sz="1200" dirty="0">
+            <a:pPr>
+              <a:spcBef>
+                <a:spcPts val="600"/>
+              </a:spcBef>
+            </a:pPr>
+            <a:endParaRPr lang="en-US" sz="1400" dirty="0">
               <a:latin typeface="Arial" panose="020B0604020202020204" pitchFamily="34" charset="0"/>
               <a:cs typeface="Arial" panose="020B0604020202020204" pitchFamily="34" charset="0"/>
             </a:endParaRPr>
@@ -8934,7 +9188,7 @@
           <p:cNvPr id="2" name="Title 1">
             <a:extLst>
               <a:ext uri="{FF2B5EF4-FFF2-40B4-BE49-F238E27FC236}">
-                <a16:creationId xmlns:a16="http://schemas.microsoft.com/office/drawing/2014/main" id="{16C5255E-BE42-5348-AC0F-6257873BBB61}"/>
+                <a16:creationId xmlns:a16="http://schemas.microsoft.com/office/drawing/2014/main" id="{590D0125-5A9E-9D48-9391-85FBD0E608A2}"/>
               </a:ext>
             </a:extLst>
           </p:cNvPr>
@@ -8947,8 +9201,8 @@
         </p:nvSpPr>
         <p:spPr>
           <a:xfrm>
-            <a:off x="457200" y="0"/>
-            <a:ext cx="8229600" cy="857250"/>
+            <a:off x="304800" y="102393"/>
+            <a:ext cx="8153400" cy="599270"/>
           </a:xfrm>
         </p:spPr>
         <p:txBody>
@@ -8957,134 +9211,42 @@
           <a:p>
             <a:pPr algn="l"/>
             <a:r>
-              <a:rPr lang="en-US" sz="3600" dirty="0">
+              <a:rPr lang="en-CA" sz="3200" dirty="0">
                 <a:solidFill>
                   <a:srgbClr val="0070C0"/>
                 </a:solidFill>
                 <a:latin typeface="Calibri Light" panose="020F0302020204030204" pitchFamily="34" charset="0"/>
                 <a:cs typeface="Calibri Light" panose="020F0302020204030204" pitchFamily="34" charset="0"/>
               </a:rPr>
-              <a:t>IOAM Data After EOS</a:t>
-            </a:r>
-          </a:p>
-        </p:txBody>
-      </p:sp>
-      <p:sp>
-        <p:nvSpPr>
-          <p:cNvPr id="3" name="Content Placeholder 2">
-            <a:extLst>
-              <a:ext uri="{FF2B5EF4-FFF2-40B4-BE49-F238E27FC236}">
-                <a16:creationId xmlns:a16="http://schemas.microsoft.com/office/drawing/2014/main" id="{3943595A-2AF7-A141-B580-268FFA30C69C}"/>
-              </a:ext>
-            </a:extLst>
-          </p:cNvPr>
-          <p:cNvSpPr>
-            <a:spLocks noGrp="1"/>
-          </p:cNvSpPr>
-          <p:nvPr>
-            <p:ph idx="1"/>
-          </p:nvPr>
-        </p:nvSpPr>
-        <p:spPr>
-          <a:xfrm>
-            <a:off x="457200" y="895350"/>
-            <a:ext cx="8229600" cy="3373636"/>
-          </a:xfrm>
-        </p:spPr>
-        <p:txBody>
-          <a:bodyPr/>
-          <a:lstStyle/>
-          <a:p>
-            <a:r>
-              <a:rPr lang="en-CA" sz="1600" dirty="0">
-                <a:latin typeface="Arial" panose="020B0604020202020204" pitchFamily="34" charset="0"/>
-                <a:cs typeface="Arial" panose="020B0604020202020204" pitchFamily="34" charset="0"/>
-              </a:rPr>
-              <a:t>Applicable to E2E and </a:t>
-            </a:r>
-            <a:r>
-              <a:rPr lang="en-CA" sz="1600" dirty="0" err="1">
-                <a:latin typeface="Arial" panose="020B0604020202020204" pitchFamily="34" charset="0"/>
-                <a:cs typeface="Arial" panose="020B0604020202020204" pitchFamily="34" charset="0"/>
+              <a:t>3. Example </a:t>
+            </a:r>
+            <a:r>
+              <a:rPr lang="en-CA" sz="3200" dirty="0" err="1">
+                <a:solidFill>
+                  <a:srgbClr val="0070C0"/>
+                </a:solidFill>
+                <a:latin typeface="Calibri Light" panose="020F0302020204030204" pitchFamily="34" charset="0"/>
+                <a:cs typeface="Calibri Light" panose="020F0302020204030204" pitchFamily="34" charset="0"/>
               </a:rPr>
               <a:t>HbH</a:t>
             </a:r>
             <a:r>
-              <a:rPr lang="en-CA" sz="1600" dirty="0">
-                <a:latin typeface="Arial" panose="020B0604020202020204" pitchFamily="34" charset="0"/>
-                <a:cs typeface="Arial" panose="020B0604020202020204" pitchFamily="34" charset="0"/>
-              </a:rPr>
-              <a:t> cases</a:t>
-            </a:r>
-          </a:p>
-          <a:p>
-            <a:r>
-              <a:rPr lang="en-CA" sz="1600" dirty="0">
-                <a:latin typeface="Arial" panose="020B0604020202020204" pitchFamily="34" charset="0"/>
-                <a:cs typeface="Arial" panose="020B0604020202020204" pitchFamily="34" charset="0"/>
-              </a:rPr>
-              <a:t>What if the LSP is carrying a PW or is </a:t>
-            </a:r>
-            <a:r>
-              <a:rPr lang="en-CA" sz="1600" dirty="0" err="1">
-                <a:latin typeface="Arial" panose="020B0604020202020204" pitchFamily="34" charset="0"/>
-                <a:cs typeface="Arial" panose="020B0604020202020204" pitchFamily="34" charset="0"/>
-              </a:rPr>
-              <a:t>DetNet</a:t>
-            </a:r>
-            <a:r>
-              <a:rPr lang="en-CA" sz="1600" dirty="0">
-                <a:latin typeface="Arial" panose="020B0604020202020204" pitchFamily="34" charset="0"/>
-                <a:cs typeface="Arial" panose="020B0604020202020204" pitchFamily="34" charset="0"/>
-              </a:rPr>
-              <a:t>? </a:t>
-            </a:r>
-          </a:p>
-          <a:p>
-            <a:r>
-              <a:rPr lang="en-CA" sz="1600" dirty="0">
-                <a:latin typeface="Arial" panose="020B0604020202020204" pitchFamily="34" charset="0"/>
-                <a:cs typeface="Arial" panose="020B0604020202020204" pitchFamily="34" charset="0"/>
-              </a:rPr>
-              <a:t>What if it is a MS-PW? </a:t>
-            </a:r>
-          </a:p>
-          <a:p>
-            <a:r>
-              <a:rPr lang="en-CA" sz="1600" dirty="0">
-                <a:latin typeface="Arial" panose="020B0604020202020204" pitchFamily="34" charset="0"/>
-                <a:cs typeface="Arial" panose="020B0604020202020204" pitchFamily="34" charset="0"/>
-              </a:rPr>
-              <a:t>In all these cases there is a CW immediately after EOS. </a:t>
-            </a:r>
-          </a:p>
-          <a:p>
-            <a:r>
-              <a:rPr lang="en-CA" sz="1600" dirty="0">
-                <a:latin typeface="Arial" panose="020B0604020202020204" pitchFamily="34" charset="0"/>
-                <a:cs typeface="Arial" panose="020B0604020202020204" pitchFamily="34" charset="0"/>
-              </a:rPr>
-              <a:t>Then there is the universal fragmentation idea that is floating about that also wants to follow EOS.</a:t>
-            </a:r>
-          </a:p>
-          <a:p>
-            <a:endParaRPr lang="en-CA" sz="1600" dirty="0">
-              <a:latin typeface="Arial" panose="020B0604020202020204" pitchFamily="34" charset="0"/>
-              <a:cs typeface="Arial" panose="020B0604020202020204" pitchFamily="34" charset="0"/>
+              <a:rPr lang="en-CA" sz="3200" dirty="0">
+                <a:solidFill>
+                  <a:srgbClr val="0070C0"/>
+                </a:solidFill>
+                <a:latin typeface="Calibri Light" panose="020F0302020204030204" pitchFamily="34" charset="0"/>
+                <a:cs typeface="Calibri Light" panose="020F0302020204030204" pitchFamily="34" charset="0"/>
+              </a:rPr>
+              <a:t> IOAM Encapsulation Using SFL</a:t>
+            </a:r>
+            <a:endParaRPr lang="en-US" sz="3200" dirty="0">
+              <a:solidFill>
+                <a:srgbClr val="0070C0"/>
+              </a:solidFill>
+              <a:latin typeface="Calibri Light" panose="020F0302020204030204" pitchFamily="34" charset="0"/>
+              <a:cs typeface="Calibri Light" panose="020F0302020204030204" pitchFamily="34" charset="0"/>
             </a:endParaRPr>
-          </a:p>
-          <a:p>
-            <a:pPr>
-              <a:buFont typeface="Wingdings" pitchFamily="2" charset="2"/>
-              <a:buChar char="ü"/>
-            </a:pPr>
-            <a:r>
-              <a:rPr lang="en-US" sz="1600" dirty="0">
-                <a:latin typeface="Arial" panose="020B0604020202020204" pitchFamily="34" charset="0"/>
-                <a:cs typeface="Arial" panose="020B0604020202020204" pitchFamily="34" charset="0"/>
-              </a:rPr>
-              <a:t>This is a generic issue applicable to all G-ACH mechanisms used for data traffic. </a:t>
-            </a:r>
           </a:p>
         </p:txBody>
       </p:sp>
@@ -9093,7 +9255,7 @@
           <p:cNvPr id="4" name="Footer Placeholder 3">
             <a:extLst>
               <a:ext uri="{FF2B5EF4-FFF2-40B4-BE49-F238E27FC236}">
-                <a16:creationId xmlns:a16="http://schemas.microsoft.com/office/drawing/2014/main" id="{CF70CC82-C055-3645-9254-87CEC1C49032}"/>
+                <a16:creationId xmlns:a16="http://schemas.microsoft.com/office/drawing/2014/main" id="{87713FCD-3B47-804D-B373-DAB61FB5FF59}"/>
               </a:ext>
             </a:extLst>
           </p:cNvPr>
@@ -9114,19 +9276,16 @@
           <a:bodyPr/>
           <a:lstStyle/>
           <a:p>
-            <a:pPr>
-              <a:defRPr/>
-            </a:pPr>
-            <a:r>
-              <a:rPr lang="en-US" altLang="zh-CN" dirty="0"/>
+            <a:r>
+              <a:rPr lang="en-CA" dirty="0"/>
               <a:t>110</a:t>
             </a:r>
             <a:r>
-              <a:rPr lang="en-US" altLang="zh-CN" baseline="30000" dirty="0"/>
+              <a:rPr lang="en-CA" baseline="30000" dirty="0"/>
               <a:t>th</a:t>
             </a:r>
             <a:r>
-              <a:rPr lang="en-US" altLang="zh-CN" dirty="0"/>
+              <a:rPr lang="en-CA" dirty="0"/>
               <a:t> IETF Online</a:t>
             </a:r>
           </a:p>
@@ -9137,7 +9296,7 @@
           <p:cNvPr id="5" name="Slide Number Placeholder 4">
             <a:extLst>
               <a:ext uri="{FF2B5EF4-FFF2-40B4-BE49-F238E27FC236}">
-                <a16:creationId xmlns:a16="http://schemas.microsoft.com/office/drawing/2014/main" id="{62DF7D69-BCF6-2D4A-A3F1-2D32C59355D3}"/>
+                <a16:creationId xmlns:a16="http://schemas.microsoft.com/office/drawing/2014/main" id="{1371408B-9195-EC4D-8131-A3F5CC0592D0}"/>
               </a:ext>
             </a:extLst>
           </p:cNvPr>
@@ -9163,14 +9322,273 @@
               </a:pPr>
               <a:t>20</a:t>
             </a:fld>
-            <a:endParaRPr lang="en-US" altLang="zh-CN"/>
+            <a:endParaRPr lang="en-US" altLang="zh-CN" dirty="0"/>
+          </a:p>
+        </p:txBody>
+      </p:sp>
+      <p:sp>
+        <p:nvSpPr>
+          <p:cNvPr id="6" name="Rectangle 5">
+            <a:extLst>
+              <a:ext uri="{FF2B5EF4-FFF2-40B4-BE49-F238E27FC236}">
+                <a16:creationId xmlns:a16="http://schemas.microsoft.com/office/drawing/2014/main" id="{1EED4007-3A19-0E4E-8496-6CECEEA363EB}"/>
+              </a:ext>
+            </a:extLst>
+          </p:cNvPr>
+          <p:cNvSpPr/>
+          <p:nvPr/>
+        </p:nvSpPr>
+        <p:spPr>
+          <a:xfrm>
+            <a:off x="1905000" y="897328"/>
+            <a:ext cx="5127092" cy="3693319"/>
+          </a:xfrm>
+          <a:prstGeom prst="rect">
+            <a:avLst/>
+          </a:prstGeom>
+          <a:solidFill>
+            <a:schemeClr val="accent6">
+              <a:lumMod val="20000"/>
+              <a:lumOff val="80000"/>
+            </a:schemeClr>
+          </a:solidFill>
+        </p:spPr>
+        <p:txBody>
+          <a:bodyPr wrap="square">
+            <a:spAutoFit/>
+          </a:bodyPr>
+          <a:lstStyle/>
+          <a:p>
+            <a:r>
+              <a:rPr lang="en-CA" sz="900" dirty="0">
+                <a:latin typeface="Courier" pitchFamily="2" charset="0"/>
+              </a:rPr>
+              <a:t>    0                   1                   2                   3</a:t>
+            </a:r>
+          </a:p>
+          <a:p>
+            <a:r>
+              <a:rPr lang="en-CA" sz="900" dirty="0">
+                <a:latin typeface="Courier" pitchFamily="2" charset="0"/>
+              </a:rPr>
+              <a:t>    0 1 2 3 4 5 6 7 8 9 0 1 2 3 4 5 6 7 8 9 0 1 2 3 4 5 6 7 8 9 0 1</a:t>
+            </a:r>
+          </a:p>
+          <a:p>
+            <a:r>
+              <a:rPr lang="en-CA" sz="900" dirty="0">
+                <a:latin typeface="Courier" pitchFamily="2" charset="0"/>
+              </a:rPr>
+              <a:t>   +-+-+-+-+-+-+-+-+-+-+-+-+-+-+-+-+-+-+-+-+-+-+-+-+-+-+-+-+-+-+-+-+</a:t>
+            </a:r>
+          </a:p>
+          <a:p>
+            <a:r>
+              <a:rPr lang="en-CA" sz="900" dirty="0">
+                <a:latin typeface="Courier" pitchFamily="2" charset="0"/>
+              </a:rPr>
+              <a:t>   |  Synonymous IOAM-Label(1)             | TC  |S|  TTL          |</a:t>
+            </a:r>
+          </a:p>
+          <a:p>
+            <a:r>
+              <a:rPr lang="en-CA" sz="900" dirty="0">
+                <a:latin typeface="Courier" pitchFamily="2" charset="0"/>
+              </a:rPr>
+              <a:t>   +-+-+-+-+-+-+-+-+-+-+-+-+-+-+-+-+-+-+-+-+-+-+-+-+-+-+-+-+-+-+-+-+</a:t>
+            </a:r>
+          </a:p>
+          <a:p>
+            <a:r>
+              <a:rPr lang="en-CA" sz="900" dirty="0">
+                <a:latin typeface="Courier" pitchFamily="2" charset="0"/>
+              </a:rPr>
+              <a:t>   .                                                               .</a:t>
+            </a:r>
+          </a:p>
+          <a:p>
+            <a:r>
+              <a:rPr lang="en-CA" sz="900" dirty="0">
+                <a:latin typeface="Courier" pitchFamily="2" charset="0"/>
+              </a:rPr>
+              <a:t>   +-+-+-+-+-+-+-+-+-+-+-+-+-+-+-+-+-+-+-+-+-+-+-+-+-+-+-+-+-+-+-+-+</a:t>
+            </a:r>
+          </a:p>
+          <a:p>
+            <a:r>
+              <a:rPr lang="en-CA" sz="900" dirty="0">
+                <a:latin typeface="Courier" pitchFamily="2" charset="0"/>
+              </a:rPr>
+              <a:t>   |  Synonymous IOAM-Label(n)             | TC  |S|  TTL          |</a:t>
+            </a:r>
+          </a:p>
+          <a:p>
+            <a:r>
+              <a:rPr lang="en-CA" sz="900" dirty="0">
+                <a:latin typeface="Courier" pitchFamily="2" charset="0"/>
+              </a:rPr>
+              <a:t>   +-+-+-+-+-+-+-+-+-+-+-+-+-+-+-+-+-+-+-+-+-+-+-+-+-+-+-+-+-+-+-+-+&lt;-+ </a:t>
+            </a:r>
+          </a:p>
+          <a:p>
+            <a:r>
+              <a:rPr lang="en-CA" sz="900" dirty="0">
+                <a:latin typeface="Courier" pitchFamily="2" charset="0"/>
+              </a:rPr>
+              <a:t>   |0 0 0 1|Version|  Reserved     | IOAM G-</a:t>
+            </a:r>
+            <a:r>
+              <a:rPr lang="en-CA" sz="900" dirty="0" err="1">
+                <a:latin typeface="Courier" pitchFamily="2" charset="0"/>
+              </a:rPr>
+              <a:t>ACh</a:t>
+            </a:r>
+            <a:r>
+              <a:rPr lang="en-CA" sz="900" dirty="0">
+                <a:latin typeface="Courier" pitchFamily="2" charset="0"/>
+              </a:rPr>
+              <a:t>                    |  | </a:t>
+            </a:r>
+          </a:p>
+          <a:p>
+            <a:r>
+              <a:rPr lang="en-CA" sz="900" dirty="0">
+                <a:latin typeface="Courier" pitchFamily="2" charset="0"/>
+              </a:rPr>
+              <a:t>   +-+-+-+-+-+-+-+-+-+-+-+-+-+-+-+-+-+-+-+-+-+-+-+-+-+-+-+-+-+-+-+-+  | </a:t>
+            </a:r>
+          </a:p>
+          <a:p>
+            <a:r>
+              <a:rPr lang="en-CA" sz="900" dirty="0">
+                <a:latin typeface="Courier" pitchFamily="2" charset="0"/>
+              </a:rPr>
+              <a:t>   | Reserved      | Block Number  | IOAM-OPT-Type |IOAM HDR Length|  |</a:t>
+            </a:r>
+          </a:p>
+          <a:p>
+            <a:r>
+              <a:rPr lang="en-CA" sz="900" dirty="0">
+                <a:latin typeface="Courier" pitchFamily="2" charset="0"/>
+              </a:rPr>
+              <a:t>   +-+-+-+-+-+-+-+-+-+-+-+-+-+-+-+-+-+-+-+-+-+-+-+-+-+-+-+-+-+-+-+-+  I</a:t>
+            </a:r>
+          </a:p>
+          <a:p>
+            <a:r>
+              <a:rPr lang="en-CA" sz="900" dirty="0">
+                <a:latin typeface="Courier" pitchFamily="2" charset="0"/>
+              </a:rPr>
+              <a:t>   |                                                               |  O</a:t>
+            </a:r>
+          </a:p>
+          <a:p>
+            <a:r>
+              <a:rPr lang="en-CA" sz="900" dirty="0">
+                <a:latin typeface="Courier" pitchFamily="2" charset="0"/>
+              </a:rPr>
+              <a:t>   |                                                               |  A</a:t>
+            </a:r>
+          </a:p>
+          <a:p>
+            <a:r>
+              <a:rPr lang="en-CA" sz="900" dirty="0">
+                <a:latin typeface="Courier" pitchFamily="2" charset="0"/>
+              </a:rPr>
+              <a:t>   ~                 IOAM Option and Data Space                    ~  M</a:t>
+            </a:r>
+          </a:p>
+          <a:p>
+            <a:r>
+              <a:rPr lang="en-CA" sz="900" dirty="0">
+                <a:latin typeface="Courier" pitchFamily="2" charset="0"/>
+              </a:rPr>
+              <a:t>   |                                                               |  |</a:t>
+            </a:r>
+          </a:p>
+          <a:p>
+            <a:r>
+              <a:rPr lang="en-CA" sz="900" dirty="0">
+                <a:latin typeface="Courier" pitchFamily="2" charset="0"/>
+              </a:rPr>
+              <a:t>   |                                                               |  |</a:t>
+            </a:r>
+          </a:p>
+          <a:p>
+            <a:r>
+              <a:rPr lang="en-CA" sz="900" dirty="0">
+                <a:latin typeface="Courier" pitchFamily="2" charset="0"/>
+              </a:rPr>
+              <a:t>   +-+-+-+-+-+-+-+-+-+-+-+-+-+-+-+-+-+-+-+-+-+-+-+-+-+-+-+-+-+-+-+-+&lt;-+</a:t>
+            </a:r>
+          </a:p>
+          <a:p>
+            <a:r>
+              <a:rPr lang="en-CA" sz="900" dirty="0">
+                <a:latin typeface="Courier" pitchFamily="2" charset="0"/>
+              </a:rPr>
+              <a:t>   |                                                               |</a:t>
+            </a:r>
+          </a:p>
+          <a:p>
+            <a:r>
+              <a:rPr lang="en-CA" sz="900" dirty="0">
+                <a:latin typeface="Courier" pitchFamily="2" charset="0"/>
+              </a:rPr>
+              <a:t>   |                                                               |</a:t>
+            </a:r>
+          </a:p>
+          <a:p>
+            <a:r>
+              <a:rPr lang="en-CA" sz="900" dirty="0">
+                <a:latin typeface="Courier" pitchFamily="2" charset="0"/>
+              </a:rPr>
+              <a:t>   ~                 Payload + Padding                             ~</a:t>
+            </a:r>
+          </a:p>
+          <a:p>
+            <a:r>
+              <a:rPr lang="en-CA" sz="900" dirty="0">
+                <a:latin typeface="Courier" pitchFamily="2" charset="0"/>
+              </a:rPr>
+              <a:t>   |                                                               |</a:t>
+            </a:r>
+          </a:p>
+          <a:p>
+            <a:r>
+              <a:rPr lang="en-CA" sz="900" dirty="0">
+                <a:latin typeface="Courier" pitchFamily="2" charset="0"/>
+              </a:rPr>
+              <a:t>   |                                                               |</a:t>
+            </a:r>
+          </a:p>
+          <a:p>
+            <a:r>
+              <a:rPr lang="en-CA" sz="900" dirty="0">
+                <a:latin typeface="Courier" pitchFamily="2" charset="0"/>
+              </a:rPr>
+              <a:t>   +-+-+-+-+-+-+-+-+-+-+-+-+-+-+-+-+-+-+-+-+-+-+-+-+-+-+-+-+-+-+-+-+ </a:t>
+            </a:r>
+          </a:p>
+          <a:p>
+            <a:r>
+              <a:rPr lang="en-CA" sz="900" dirty="0">
+                <a:latin typeface="Courier" pitchFamily="2" charset="0"/>
+              </a:rPr>
+              <a:t>         Figure: IOAM Encapsulation Example with SR-MPLS Header</a:t>
+            </a:r>
+            <a:endParaRPr lang="en-CA" sz="900" dirty="0">
+              <a:latin typeface="Courier" pitchFamily="2" charset="0"/>
+              <a:ea typeface="Calibri" panose="020F0502020204030204" pitchFamily="34" charset="0"/>
+              <a:cs typeface="Times New Roman" panose="02020603050405020304" pitchFamily="18" charset="0"/>
+            </a:endParaRPr>
           </a:p>
         </p:txBody>
       </p:sp>
     </p:spTree>
     <p:extLst>
       <p:ext uri="{BB962C8B-B14F-4D97-AF65-F5344CB8AC3E}">
-        <p14:creationId xmlns:p14="http://schemas.microsoft.com/office/powerpoint/2010/main" val="2484630727"/>
+        <p14:creationId xmlns:p14="http://schemas.microsoft.com/office/powerpoint/2010/main" val="424863198"/>
       </p:ext>
     </p:extLst>
   </p:cSld>
@@ -9202,7 +9620,7 @@
           <p:cNvPr id="2" name="Title 1">
             <a:extLst>
               <a:ext uri="{FF2B5EF4-FFF2-40B4-BE49-F238E27FC236}">
-                <a16:creationId xmlns:a16="http://schemas.microsoft.com/office/drawing/2014/main" id="{590D0125-5A9E-9D48-9391-85FBD0E608A2}"/>
+                <a16:creationId xmlns:a16="http://schemas.microsoft.com/office/drawing/2014/main" id="{16C5255E-BE42-5348-AC0F-6257873BBB61}"/>
               </a:ext>
             </a:extLst>
           </p:cNvPr>
@@ -9215,8 +9633,8 @@
         </p:nvSpPr>
         <p:spPr>
           <a:xfrm>
-            <a:off x="838200" y="102393"/>
-            <a:ext cx="7620000" cy="599270"/>
+            <a:off x="457200" y="0"/>
+            <a:ext cx="8229600" cy="857250"/>
           </a:xfrm>
         </p:spPr>
         <p:txBody>
@@ -9225,42 +9643,182 @@
           <a:p>
             <a:pPr algn="l"/>
             <a:r>
-              <a:rPr lang="en-CA" sz="3200" dirty="0">
+              <a:rPr lang="en-US" sz="3600" dirty="0">
                 <a:solidFill>
                   <a:srgbClr val="0070C0"/>
                 </a:solidFill>
                 <a:latin typeface="Calibri Light" panose="020F0302020204030204" pitchFamily="34" charset="0"/>
                 <a:cs typeface="Calibri Light" panose="020F0302020204030204" pitchFamily="34" charset="0"/>
               </a:rPr>
-              <a:t>Example </a:t>
-            </a:r>
-            <a:r>
-              <a:rPr lang="en-CA" sz="3200" dirty="0" err="1">
-                <a:solidFill>
-                  <a:srgbClr val="0070C0"/>
-                </a:solidFill>
-                <a:latin typeface="Calibri Light" panose="020F0302020204030204" pitchFamily="34" charset="0"/>
-                <a:cs typeface="Calibri Light" panose="020F0302020204030204" pitchFamily="34" charset="0"/>
+              <a:t>4. IOAM Data After EOS</a:t>
+            </a:r>
+          </a:p>
+        </p:txBody>
+      </p:sp>
+      <p:sp>
+        <p:nvSpPr>
+          <p:cNvPr id="3" name="Content Placeholder 2">
+            <a:extLst>
+              <a:ext uri="{FF2B5EF4-FFF2-40B4-BE49-F238E27FC236}">
+                <a16:creationId xmlns:a16="http://schemas.microsoft.com/office/drawing/2014/main" id="{3943595A-2AF7-A141-B580-268FFA30C69C}"/>
+              </a:ext>
+            </a:extLst>
+          </p:cNvPr>
+          <p:cNvSpPr>
+            <a:spLocks noGrp="1"/>
+          </p:cNvSpPr>
+          <p:nvPr>
+            <p:ph idx="1"/>
+          </p:nvPr>
+        </p:nvSpPr>
+        <p:spPr>
+          <a:xfrm>
+            <a:off x="457200" y="895350"/>
+            <a:ext cx="8229600" cy="3373636"/>
+          </a:xfrm>
+        </p:spPr>
+        <p:txBody>
+          <a:bodyPr/>
+          <a:lstStyle/>
+          <a:p>
+            <a:pPr>
+              <a:spcBef>
+                <a:spcPts val="600"/>
+              </a:spcBef>
+            </a:pPr>
+            <a:r>
+              <a:rPr lang="en-CA" sz="1400" dirty="0">
+                <a:latin typeface="Arial" panose="020B0604020202020204" pitchFamily="34" charset="0"/>
+                <a:cs typeface="Arial" panose="020B0604020202020204" pitchFamily="34" charset="0"/>
+              </a:rPr>
+              <a:t>Applicable to E2E and </a:t>
+            </a:r>
+            <a:r>
+              <a:rPr lang="en-CA" sz="1400" dirty="0" err="1">
+                <a:latin typeface="Arial" panose="020B0604020202020204" pitchFamily="34" charset="0"/>
+                <a:cs typeface="Arial" panose="020B0604020202020204" pitchFamily="34" charset="0"/>
               </a:rPr>
               <a:t>HbH</a:t>
             </a:r>
             <a:r>
-              <a:rPr lang="en-CA" sz="3200" dirty="0">
-                <a:solidFill>
-                  <a:srgbClr val="0070C0"/>
-                </a:solidFill>
-                <a:latin typeface="Calibri Light" panose="020F0302020204030204" pitchFamily="34" charset="0"/>
-                <a:cs typeface="Calibri Light" panose="020F0302020204030204" pitchFamily="34" charset="0"/>
-              </a:rPr>
-              <a:t> IOAM Encapsulation Using SFL</a:t>
-            </a:r>
-            <a:endParaRPr lang="en-US" sz="3200" dirty="0">
-              <a:solidFill>
-                <a:srgbClr val="0070C0"/>
-              </a:solidFill>
-              <a:latin typeface="Calibri Light" panose="020F0302020204030204" pitchFamily="34" charset="0"/>
-              <a:cs typeface="Calibri Light" panose="020F0302020204030204" pitchFamily="34" charset="0"/>
+              <a:rPr lang="en-CA" sz="1400" dirty="0">
+                <a:latin typeface="Arial" panose="020B0604020202020204" pitchFamily="34" charset="0"/>
+                <a:cs typeface="Arial" panose="020B0604020202020204" pitchFamily="34" charset="0"/>
+              </a:rPr>
+              <a:t> cases</a:t>
+            </a:r>
+          </a:p>
+          <a:p>
+            <a:pPr>
+              <a:spcBef>
+                <a:spcPts val="600"/>
+              </a:spcBef>
+            </a:pPr>
+            <a:r>
+              <a:rPr lang="en-CA" sz="1400" dirty="0">
+                <a:latin typeface="Arial" panose="020B0604020202020204" pitchFamily="34" charset="0"/>
+                <a:cs typeface="Arial" panose="020B0604020202020204" pitchFamily="34" charset="0"/>
+              </a:rPr>
+              <a:t>What if the LSP is carrying a PW or is </a:t>
+            </a:r>
+            <a:r>
+              <a:rPr lang="en-CA" sz="1400" dirty="0" err="1">
+                <a:latin typeface="Arial" panose="020B0604020202020204" pitchFamily="34" charset="0"/>
+                <a:cs typeface="Arial" panose="020B0604020202020204" pitchFamily="34" charset="0"/>
+              </a:rPr>
+              <a:t>DetNet</a:t>
+            </a:r>
+            <a:r>
+              <a:rPr lang="en-CA" sz="1400" dirty="0">
+                <a:latin typeface="Arial" panose="020B0604020202020204" pitchFamily="34" charset="0"/>
+                <a:cs typeface="Arial" panose="020B0604020202020204" pitchFamily="34" charset="0"/>
+              </a:rPr>
+              <a:t>? </a:t>
+            </a:r>
+          </a:p>
+          <a:p>
+            <a:pPr>
+              <a:spcBef>
+                <a:spcPts val="600"/>
+              </a:spcBef>
+            </a:pPr>
+            <a:r>
+              <a:rPr lang="en-CA" sz="1400" dirty="0">
+                <a:latin typeface="Arial" panose="020B0604020202020204" pitchFamily="34" charset="0"/>
+                <a:cs typeface="Arial" panose="020B0604020202020204" pitchFamily="34" charset="0"/>
+              </a:rPr>
+              <a:t>What if it is a MS-PW? </a:t>
+            </a:r>
+          </a:p>
+          <a:p>
+            <a:pPr>
+              <a:spcBef>
+                <a:spcPts val="600"/>
+              </a:spcBef>
+            </a:pPr>
+            <a:r>
+              <a:rPr lang="en-CA" sz="1400" dirty="0">
+                <a:latin typeface="Arial" panose="020B0604020202020204" pitchFamily="34" charset="0"/>
+                <a:cs typeface="Arial" panose="020B0604020202020204" pitchFamily="34" charset="0"/>
+              </a:rPr>
+              <a:t>In all these cases there is a CW immediately after EOS. </a:t>
+            </a:r>
+          </a:p>
+          <a:p>
+            <a:pPr>
+              <a:spcBef>
+                <a:spcPts val="600"/>
+              </a:spcBef>
+            </a:pPr>
+            <a:r>
+              <a:rPr lang="en-CA" sz="1400" dirty="0">
+                <a:latin typeface="Arial" panose="020B0604020202020204" pitchFamily="34" charset="0"/>
+                <a:cs typeface="Arial" panose="020B0604020202020204" pitchFamily="34" charset="0"/>
+              </a:rPr>
+              <a:t>Then there is the universal fragmentation idea that is floating about that also wants to follow EOS.</a:t>
+            </a:r>
+          </a:p>
+          <a:p>
+            <a:pPr>
+              <a:spcBef>
+                <a:spcPts val="600"/>
+              </a:spcBef>
+            </a:pPr>
+            <a:endParaRPr lang="en-CA" sz="1400" dirty="0">
+              <a:latin typeface="Arial" panose="020B0604020202020204" pitchFamily="34" charset="0"/>
+              <a:cs typeface="Arial" panose="020B0604020202020204" pitchFamily="34" charset="0"/>
             </a:endParaRPr>
+          </a:p>
+          <a:p>
+            <a:pPr marL="0" indent="0">
+              <a:spcBef>
+                <a:spcPts val="600"/>
+              </a:spcBef>
+              <a:buNone/>
+            </a:pPr>
+            <a:r>
+              <a:rPr lang="en-CA" sz="1400" dirty="0">
+                <a:latin typeface="Arial" panose="020B0604020202020204" pitchFamily="34" charset="0"/>
+                <a:cs typeface="Arial" panose="020B0604020202020204" pitchFamily="34" charset="0"/>
+              </a:rPr>
+              <a:t>Reply:</a:t>
+            </a:r>
+          </a:p>
+          <a:p>
+            <a:pPr>
+              <a:spcBef>
+                <a:spcPts val="600"/>
+              </a:spcBef>
+              <a:buFont typeface="Wingdings" pitchFamily="2" charset="2"/>
+              <a:buChar char="ü"/>
+            </a:pPr>
+            <a:r>
+              <a:rPr lang="en-US" sz="1400" dirty="0">
+                <a:latin typeface="Arial" panose="020B0604020202020204" pitchFamily="34" charset="0"/>
+                <a:cs typeface="Arial" panose="020B0604020202020204" pitchFamily="34" charset="0"/>
+              </a:rPr>
+              <a:t>This is a generic issue applicable to all G-ACH mechanisms used for data traffic. </a:t>
+            </a:r>
           </a:p>
         </p:txBody>
       </p:sp>
@@ -9269,7 +9827,7 @@
           <p:cNvPr id="4" name="Footer Placeholder 3">
             <a:extLst>
               <a:ext uri="{FF2B5EF4-FFF2-40B4-BE49-F238E27FC236}">
-                <a16:creationId xmlns:a16="http://schemas.microsoft.com/office/drawing/2014/main" id="{87713FCD-3B47-804D-B373-DAB61FB5FF59}"/>
+                <a16:creationId xmlns:a16="http://schemas.microsoft.com/office/drawing/2014/main" id="{CF70CC82-C055-3645-9254-87CEC1C49032}"/>
               </a:ext>
             </a:extLst>
           </p:cNvPr>
@@ -9290,16 +9848,19 @@
           <a:bodyPr/>
           <a:lstStyle/>
           <a:p>
-            <a:r>
-              <a:rPr lang="en-CA" dirty="0"/>
+            <a:pPr>
+              <a:defRPr/>
+            </a:pPr>
+            <a:r>
+              <a:rPr lang="en-US" altLang="zh-CN" dirty="0"/>
               <a:t>110</a:t>
             </a:r>
             <a:r>
-              <a:rPr lang="en-CA" baseline="30000" dirty="0"/>
+              <a:rPr lang="en-US" altLang="zh-CN" baseline="30000" dirty="0"/>
               <a:t>th</a:t>
             </a:r>
             <a:r>
-              <a:rPr lang="en-CA" dirty="0"/>
+              <a:rPr lang="en-US" altLang="zh-CN" dirty="0"/>
               <a:t> IETF Online</a:t>
             </a:r>
           </a:p>
@@ -9310,7 +9871,7 @@
           <p:cNvPr id="5" name="Slide Number Placeholder 4">
             <a:extLst>
               <a:ext uri="{FF2B5EF4-FFF2-40B4-BE49-F238E27FC236}">
-                <a16:creationId xmlns:a16="http://schemas.microsoft.com/office/drawing/2014/main" id="{1371408B-9195-EC4D-8131-A3F5CC0592D0}"/>
+                <a16:creationId xmlns:a16="http://schemas.microsoft.com/office/drawing/2014/main" id="{62DF7D69-BCF6-2D4A-A3F1-2D32C59355D3}"/>
               </a:ext>
             </a:extLst>
           </p:cNvPr>
@@ -9336,273 +9897,14 @@
               </a:pPr>
               <a:t>21</a:t>
             </a:fld>
-            <a:endParaRPr lang="en-US" altLang="zh-CN" dirty="0"/>
-          </a:p>
-        </p:txBody>
-      </p:sp>
-      <p:sp>
-        <p:nvSpPr>
-          <p:cNvPr id="6" name="Rectangle 5">
-            <a:extLst>
-              <a:ext uri="{FF2B5EF4-FFF2-40B4-BE49-F238E27FC236}">
-                <a16:creationId xmlns:a16="http://schemas.microsoft.com/office/drawing/2014/main" id="{1EED4007-3A19-0E4E-8496-6CECEEA363EB}"/>
-              </a:ext>
-            </a:extLst>
-          </p:cNvPr>
-          <p:cNvSpPr/>
-          <p:nvPr/>
-        </p:nvSpPr>
-        <p:spPr>
-          <a:xfrm>
-            <a:off x="1905000" y="897328"/>
-            <a:ext cx="5127092" cy="3693319"/>
-          </a:xfrm>
-          <a:prstGeom prst="rect">
-            <a:avLst/>
-          </a:prstGeom>
-          <a:solidFill>
-            <a:schemeClr val="accent6">
-              <a:lumMod val="20000"/>
-              <a:lumOff val="80000"/>
-            </a:schemeClr>
-          </a:solidFill>
-        </p:spPr>
-        <p:txBody>
-          <a:bodyPr wrap="square">
-            <a:spAutoFit/>
-          </a:bodyPr>
-          <a:lstStyle/>
-          <a:p>
-            <a:r>
-              <a:rPr lang="en-CA" sz="900" dirty="0">
-                <a:latin typeface="Courier" pitchFamily="2" charset="0"/>
-              </a:rPr>
-              <a:t>    0                   1                   2                   3</a:t>
-            </a:r>
-          </a:p>
-          <a:p>
-            <a:r>
-              <a:rPr lang="en-CA" sz="900" dirty="0">
-                <a:latin typeface="Courier" pitchFamily="2" charset="0"/>
-              </a:rPr>
-              <a:t>    0 1 2 3 4 5 6 7 8 9 0 1 2 3 4 5 6 7 8 9 0 1 2 3 4 5 6 7 8 9 0 1</a:t>
-            </a:r>
-          </a:p>
-          <a:p>
-            <a:r>
-              <a:rPr lang="en-CA" sz="900" dirty="0">
-                <a:latin typeface="Courier" pitchFamily="2" charset="0"/>
-              </a:rPr>
-              <a:t>   +-+-+-+-+-+-+-+-+-+-+-+-+-+-+-+-+-+-+-+-+-+-+-+-+-+-+-+-+-+-+-+-+</a:t>
-            </a:r>
-          </a:p>
-          <a:p>
-            <a:r>
-              <a:rPr lang="en-CA" sz="900" dirty="0">
-                <a:latin typeface="Courier" pitchFamily="2" charset="0"/>
-              </a:rPr>
-              <a:t>   |  Synonymous IOAM-Label(1)             | TC  |S|  TTL          |</a:t>
-            </a:r>
-          </a:p>
-          <a:p>
-            <a:r>
-              <a:rPr lang="en-CA" sz="900" dirty="0">
-                <a:latin typeface="Courier" pitchFamily="2" charset="0"/>
-              </a:rPr>
-              <a:t>   +-+-+-+-+-+-+-+-+-+-+-+-+-+-+-+-+-+-+-+-+-+-+-+-+-+-+-+-+-+-+-+-+</a:t>
-            </a:r>
-          </a:p>
-          <a:p>
-            <a:r>
-              <a:rPr lang="en-CA" sz="900" dirty="0">
-                <a:latin typeface="Courier" pitchFamily="2" charset="0"/>
-              </a:rPr>
-              <a:t>   .                                                               .</a:t>
-            </a:r>
-          </a:p>
-          <a:p>
-            <a:r>
-              <a:rPr lang="en-CA" sz="900" dirty="0">
-                <a:latin typeface="Courier" pitchFamily="2" charset="0"/>
-              </a:rPr>
-              <a:t>   +-+-+-+-+-+-+-+-+-+-+-+-+-+-+-+-+-+-+-+-+-+-+-+-+-+-+-+-+-+-+-+-+</a:t>
-            </a:r>
-          </a:p>
-          <a:p>
-            <a:r>
-              <a:rPr lang="en-CA" sz="900" dirty="0">
-                <a:latin typeface="Courier" pitchFamily="2" charset="0"/>
-              </a:rPr>
-              <a:t>   |  Synonymous IOAM-Label(n)             | TC  |S|  TTL          |</a:t>
-            </a:r>
-          </a:p>
-          <a:p>
-            <a:r>
-              <a:rPr lang="en-CA" sz="900" dirty="0">
-                <a:latin typeface="Courier" pitchFamily="2" charset="0"/>
-              </a:rPr>
-              <a:t>   +-+-+-+-+-+-+-+-+-+-+-+-+-+-+-+-+-+-+-+-+-+-+-+-+-+-+-+-+-+-+-+-+&lt;-+ </a:t>
-            </a:r>
-          </a:p>
-          <a:p>
-            <a:r>
-              <a:rPr lang="en-CA" sz="900" dirty="0">
-                <a:latin typeface="Courier" pitchFamily="2" charset="0"/>
-              </a:rPr>
-              <a:t>   |0 0 0 1|Version|  Reserved     | IOAM G-</a:t>
-            </a:r>
-            <a:r>
-              <a:rPr lang="en-CA" sz="900" dirty="0" err="1">
-                <a:latin typeface="Courier" pitchFamily="2" charset="0"/>
-              </a:rPr>
-              <a:t>ACh</a:t>
-            </a:r>
-            <a:r>
-              <a:rPr lang="en-CA" sz="900" dirty="0">
-                <a:latin typeface="Courier" pitchFamily="2" charset="0"/>
-              </a:rPr>
-              <a:t>                    |  | </a:t>
-            </a:r>
-          </a:p>
-          <a:p>
-            <a:r>
-              <a:rPr lang="en-CA" sz="900" dirty="0">
-                <a:latin typeface="Courier" pitchFamily="2" charset="0"/>
-              </a:rPr>
-              <a:t>   +-+-+-+-+-+-+-+-+-+-+-+-+-+-+-+-+-+-+-+-+-+-+-+-+-+-+-+-+-+-+-+-+  | </a:t>
-            </a:r>
-          </a:p>
-          <a:p>
-            <a:r>
-              <a:rPr lang="en-CA" sz="900" dirty="0">
-                <a:latin typeface="Courier" pitchFamily="2" charset="0"/>
-              </a:rPr>
-              <a:t>   | Reserved      | Block Number  | IOAM-OPT-Type |IOAM HDR Length|  |</a:t>
-            </a:r>
-          </a:p>
-          <a:p>
-            <a:r>
-              <a:rPr lang="en-CA" sz="900" dirty="0">
-                <a:latin typeface="Courier" pitchFamily="2" charset="0"/>
-              </a:rPr>
-              <a:t>   +-+-+-+-+-+-+-+-+-+-+-+-+-+-+-+-+-+-+-+-+-+-+-+-+-+-+-+-+-+-+-+-+  I</a:t>
-            </a:r>
-          </a:p>
-          <a:p>
-            <a:r>
-              <a:rPr lang="en-CA" sz="900" dirty="0">
-                <a:latin typeface="Courier" pitchFamily="2" charset="0"/>
-              </a:rPr>
-              <a:t>   |                                                               |  O</a:t>
-            </a:r>
-          </a:p>
-          <a:p>
-            <a:r>
-              <a:rPr lang="en-CA" sz="900" dirty="0">
-                <a:latin typeface="Courier" pitchFamily="2" charset="0"/>
-              </a:rPr>
-              <a:t>   |                                                               |  A</a:t>
-            </a:r>
-          </a:p>
-          <a:p>
-            <a:r>
-              <a:rPr lang="en-CA" sz="900" dirty="0">
-                <a:latin typeface="Courier" pitchFamily="2" charset="0"/>
-              </a:rPr>
-              <a:t>   ~                 IOAM Option and Data Space                    ~  M</a:t>
-            </a:r>
-          </a:p>
-          <a:p>
-            <a:r>
-              <a:rPr lang="en-CA" sz="900" dirty="0">
-                <a:latin typeface="Courier" pitchFamily="2" charset="0"/>
-              </a:rPr>
-              <a:t>   |                                                               |  |</a:t>
-            </a:r>
-          </a:p>
-          <a:p>
-            <a:r>
-              <a:rPr lang="en-CA" sz="900" dirty="0">
-                <a:latin typeface="Courier" pitchFamily="2" charset="0"/>
-              </a:rPr>
-              <a:t>   |                                                               |  |</a:t>
-            </a:r>
-          </a:p>
-          <a:p>
-            <a:r>
-              <a:rPr lang="en-CA" sz="900" dirty="0">
-                <a:latin typeface="Courier" pitchFamily="2" charset="0"/>
-              </a:rPr>
-              <a:t>   +-+-+-+-+-+-+-+-+-+-+-+-+-+-+-+-+-+-+-+-+-+-+-+-+-+-+-+-+-+-+-+-+&lt;-+</a:t>
-            </a:r>
-          </a:p>
-          <a:p>
-            <a:r>
-              <a:rPr lang="en-CA" sz="900" dirty="0">
-                <a:latin typeface="Courier" pitchFamily="2" charset="0"/>
-              </a:rPr>
-              <a:t>   |                                                               |</a:t>
-            </a:r>
-          </a:p>
-          <a:p>
-            <a:r>
-              <a:rPr lang="en-CA" sz="900" dirty="0">
-                <a:latin typeface="Courier" pitchFamily="2" charset="0"/>
-              </a:rPr>
-              <a:t>   |                                                               |</a:t>
-            </a:r>
-          </a:p>
-          <a:p>
-            <a:r>
-              <a:rPr lang="en-CA" sz="900" dirty="0">
-                <a:latin typeface="Courier" pitchFamily="2" charset="0"/>
-              </a:rPr>
-              <a:t>   ~                 Payload + Padding                             ~</a:t>
-            </a:r>
-          </a:p>
-          <a:p>
-            <a:r>
-              <a:rPr lang="en-CA" sz="900" dirty="0">
-                <a:latin typeface="Courier" pitchFamily="2" charset="0"/>
-              </a:rPr>
-              <a:t>   |                                                               |</a:t>
-            </a:r>
-          </a:p>
-          <a:p>
-            <a:r>
-              <a:rPr lang="en-CA" sz="900" dirty="0">
-                <a:latin typeface="Courier" pitchFamily="2" charset="0"/>
-              </a:rPr>
-              <a:t>   |                                                               |</a:t>
-            </a:r>
-          </a:p>
-          <a:p>
-            <a:r>
-              <a:rPr lang="en-CA" sz="900" dirty="0">
-                <a:latin typeface="Courier" pitchFamily="2" charset="0"/>
-              </a:rPr>
-              <a:t>   +-+-+-+-+-+-+-+-+-+-+-+-+-+-+-+-+-+-+-+-+-+-+-+-+-+-+-+-+-+-+-+-+ </a:t>
-            </a:r>
-          </a:p>
-          <a:p>
-            <a:r>
-              <a:rPr lang="en-CA" sz="900" dirty="0">
-                <a:latin typeface="Courier" pitchFamily="2" charset="0"/>
-              </a:rPr>
-              <a:t>         Figure: IOAM Encapsulation Example with SR-MPLS Header</a:t>
-            </a:r>
-            <a:endParaRPr lang="en-CA" sz="900" dirty="0">
-              <a:latin typeface="Courier" pitchFamily="2" charset="0"/>
-              <a:ea typeface="Calibri" panose="020F0502020204030204" pitchFamily="34" charset="0"/>
-              <a:cs typeface="Times New Roman" panose="02020603050405020304" pitchFamily="18" charset="0"/>
-            </a:endParaRPr>
+            <a:endParaRPr lang="en-US" altLang="zh-CN"/>
           </a:p>
         </p:txBody>
       </p:sp>
     </p:spTree>
     <p:extLst>
       <p:ext uri="{BB962C8B-B14F-4D97-AF65-F5344CB8AC3E}">
-        <p14:creationId xmlns:p14="http://schemas.microsoft.com/office/powerpoint/2010/main" val="424863198"/>
+        <p14:creationId xmlns:p14="http://schemas.microsoft.com/office/powerpoint/2010/main" val="2484630727"/>
       </p:ext>
     </p:extLst>
   </p:cSld>

--- a/draft-gandhi-mpls-ioam-sr-05.pptx
+++ b/draft-gandhi-mpls-ioam-sr-05.pptx
@@ -5770,8 +5770,8 @@
         </p:nvSpPr>
         <p:spPr>
           <a:xfrm>
-            <a:off x="1828800" y="794340"/>
-            <a:ext cx="5105400" cy="3554819"/>
+            <a:off x="1828800" y="932840"/>
+            <a:ext cx="5105400" cy="3277820"/>
           </a:xfrm>
           <a:prstGeom prst="rect">
             <a:avLst/>
@@ -5802,34 +5802,6 @@
                 <a:latin typeface="Courier" pitchFamily="2" charset="0"/>
               </a:rPr>
               <a:t>   0 1 2 3 4 5 6 7 8 9 0 1 2 3 4 5 6 7 8 9 0 1 2 3 4 5 6 7 8 9 0 1</a:t>
-            </a:r>
-          </a:p>
-          <a:p>
-            <a:r>
-              <a:rPr lang="en-CA" sz="900" dirty="0">
-                <a:latin typeface="Courier" pitchFamily="2" charset="0"/>
-              </a:rPr>
-              <a:t>   +-+-+-+-+-+-+-+-+-+-+-+-+-+-+-+-+-+-+-+-+-+-+-+-+-+-+-+-+-+-+-+-+</a:t>
-            </a:r>
-          </a:p>
-          <a:p>
-            <a:r>
-              <a:rPr lang="en-CA" sz="900" dirty="0">
-                <a:latin typeface="Courier" pitchFamily="2" charset="0"/>
-              </a:rPr>
-              <a:t>   |  </a:t>
-            </a:r>
-            <a:r>
-              <a:rPr lang="en-CA" sz="900" b="1" dirty="0">
-                <a:latin typeface="Courier" pitchFamily="2" charset="0"/>
-              </a:rPr>
-              <a:t>Extension Label (15)                 </a:t>
-            </a:r>
-            <a:r>
-              <a:rPr lang="en-CA" sz="900" dirty="0">
-                <a:latin typeface="Courier" pitchFamily="2" charset="0"/>
-              </a:rPr>
-              <a:t>| TC  |0|  TTL          |</a:t>
             </a:r>
           </a:p>
           <a:p>
@@ -6744,8 +6716,8 @@
         </p:nvSpPr>
         <p:spPr>
           <a:xfrm>
-            <a:off x="2305050" y="508218"/>
-            <a:ext cx="4533900" cy="4278094"/>
+            <a:off x="2305050" y="641003"/>
+            <a:ext cx="4533900" cy="4031873"/>
           </a:xfrm>
           <a:prstGeom prst="rect">
             <a:avLst/>
@@ -6856,34 +6828,6 @@
                 <a:latin typeface="Courier" pitchFamily="2" charset="0"/>
               </a:rPr>
               <a:t>   |                PSID                   | TC  |S|      TTL      | </a:t>
-            </a:r>
-          </a:p>
-          <a:p>
-            <a:r>
-              <a:rPr lang="en-CA" sz="800" dirty="0">
-                <a:latin typeface="Courier" pitchFamily="2" charset="0"/>
-              </a:rPr>
-              <a:t>   +-+-+-+-+-+-+-+-+-+-+-+-+-+-+-+-+-+-+-+-+-+-+-+-+-+-+-+-+-+-+-+-+</a:t>
-            </a:r>
-          </a:p>
-          <a:p>
-            <a:r>
-              <a:rPr lang="en-CA" sz="800" dirty="0">
-                <a:latin typeface="Courier" pitchFamily="2" charset="0"/>
-              </a:rPr>
-              <a:t>   |  </a:t>
-            </a:r>
-            <a:r>
-              <a:rPr lang="en-CA" sz="800" b="1" dirty="0">
-                <a:latin typeface="Courier" pitchFamily="2" charset="0"/>
-              </a:rPr>
-              <a:t>Extension Label (15)                 </a:t>
-            </a:r>
-            <a:r>
-              <a:rPr lang="en-CA" sz="800" dirty="0">
-                <a:latin typeface="Courier" pitchFamily="2" charset="0"/>
-              </a:rPr>
-              <a:t>| TC  |0|  TTL          |</a:t>
             </a:r>
           </a:p>
           <a:p>
@@ -7864,8 +7808,8 @@
         </p:nvSpPr>
         <p:spPr>
           <a:xfrm>
-            <a:off x="304800" y="25840"/>
-            <a:ext cx="8620408" cy="857250"/>
+            <a:off x="457200" y="23400"/>
+            <a:ext cx="8229600" cy="857250"/>
           </a:xfrm>
         </p:spPr>
         <p:txBody>
@@ -7918,23 +7862,23 @@
               </a:spcBef>
             </a:pPr>
             <a:r>
-              <a:rPr lang="en-US" sz="1100" dirty="0">
-                <a:latin typeface="Arial" panose="020B0604020202020204" pitchFamily="34" charset="0"/>
-                <a:cs typeface="Arial" panose="020B0604020202020204" pitchFamily="34" charset="0"/>
+              <a:rPr lang="en-US" sz="1200" dirty="0">
+                <a:latin typeface="Calibri" panose="020F0502020204030204" pitchFamily="34" charset="0"/>
+                <a:cs typeface="Calibri" panose="020F0502020204030204" pitchFamily="34" charset="0"/>
               </a:rPr>
               <a:t>Applicable to E2E and </a:t>
             </a:r>
             <a:r>
-              <a:rPr lang="en-US" sz="1100" dirty="0" err="1">
-                <a:latin typeface="Arial" panose="020B0604020202020204" pitchFamily="34" charset="0"/>
-                <a:cs typeface="Arial" panose="020B0604020202020204" pitchFamily="34" charset="0"/>
+              <a:rPr lang="en-US" sz="1200" dirty="0" err="1">
+                <a:latin typeface="Calibri" panose="020F0502020204030204" pitchFamily="34" charset="0"/>
+                <a:cs typeface="Calibri" panose="020F0502020204030204" pitchFamily="34" charset="0"/>
               </a:rPr>
               <a:t>HbH</a:t>
             </a:r>
             <a:r>
-              <a:rPr lang="en-US" sz="1100" dirty="0">
-                <a:latin typeface="Arial" panose="020B0604020202020204" pitchFamily="34" charset="0"/>
-                <a:cs typeface="Arial" panose="020B0604020202020204" pitchFamily="34" charset="0"/>
+              <a:rPr lang="en-US" sz="1200" dirty="0">
+                <a:latin typeface="Calibri" panose="020F0502020204030204" pitchFamily="34" charset="0"/>
+                <a:cs typeface="Calibri" panose="020F0502020204030204" pitchFamily="34" charset="0"/>
               </a:rPr>
               <a:t> cases</a:t>
             </a:r>
@@ -7946,9 +7890,9 @@
               </a:spcBef>
             </a:pPr>
             <a:r>
-              <a:rPr lang="en-US" sz="1100" dirty="0">
-                <a:latin typeface="Arial" panose="020B0604020202020204" pitchFamily="34" charset="0"/>
-                <a:cs typeface="Arial" panose="020B0604020202020204" pitchFamily="34" charset="0"/>
+              <a:rPr lang="en-US" sz="1200" dirty="0">
+                <a:latin typeface="Calibri" panose="020F0502020204030204" pitchFamily="34" charset="0"/>
+                <a:cs typeface="Calibri" panose="020F0502020204030204" pitchFamily="34" charset="0"/>
               </a:rPr>
               <a:t>Available label stack size reduced for the LSP</a:t>
             </a:r>
@@ -7960,23 +7904,23 @@
               </a:spcBef>
             </a:pPr>
             <a:r>
-              <a:rPr lang="en-US" sz="1100" dirty="0">
-                <a:latin typeface="Arial" panose="020B0604020202020204" pitchFamily="34" charset="0"/>
-                <a:cs typeface="Arial" panose="020B0604020202020204" pitchFamily="34" charset="0"/>
+              <a:rPr lang="en-US" sz="1200" dirty="0">
+                <a:latin typeface="Calibri" panose="020F0502020204030204" pitchFamily="34" charset="0"/>
+                <a:cs typeface="Calibri" panose="020F0502020204030204" pitchFamily="34" charset="0"/>
               </a:rPr>
               <a:t>Extension Label 15 (only when using </a:t>
             </a:r>
             <a:r>
-              <a:rPr lang="en-US" sz="1100" dirty="0" err="1">
-                <a:latin typeface="Arial" panose="020B0604020202020204" pitchFamily="34" charset="0"/>
-                <a:cs typeface="Arial" panose="020B0604020202020204" pitchFamily="34" charset="0"/>
+              <a:rPr lang="en-US" sz="1200" dirty="0" err="1">
+                <a:latin typeface="Calibri" panose="020F0502020204030204" pitchFamily="34" charset="0"/>
+                <a:cs typeface="Calibri" panose="020F0502020204030204" pitchFamily="34" charset="0"/>
               </a:rPr>
               <a:t>eSPL</a:t>
             </a:r>
             <a:r>
-              <a:rPr lang="en-US" sz="1100" dirty="0">
-                <a:latin typeface="Arial" panose="020B0604020202020204" pitchFamily="34" charset="0"/>
-                <a:cs typeface="Arial" panose="020B0604020202020204" pitchFamily="34" charset="0"/>
+              <a:rPr lang="en-US" sz="1200" dirty="0">
+                <a:latin typeface="Calibri" panose="020F0502020204030204" pitchFamily="34" charset="0"/>
+                <a:cs typeface="Calibri" panose="020F0502020204030204" pitchFamily="34" charset="0"/>
               </a:rPr>
               <a:t>)</a:t>
             </a:r>
@@ -7988,16 +7932,16 @@
               </a:spcBef>
             </a:pPr>
             <a:r>
-              <a:rPr lang="en-US" sz="1100" dirty="0" err="1">
-                <a:latin typeface="Arial" panose="020B0604020202020204" pitchFamily="34" charset="0"/>
-                <a:cs typeface="Arial" panose="020B0604020202020204" pitchFamily="34" charset="0"/>
+              <a:rPr lang="en-US" sz="1200" dirty="0" err="1">
+                <a:latin typeface="Calibri" panose="020F0502020204030204" pitchFamily="34" charset="0"/>
+                <a:cs typeface="Calibri" panose="020F0502020204030204" pitchFamily="34" charset="0"/>
               </a:rPr>
               <a:t>HbH</a:t>
             </a:r>
             <a:r>
-              <a:rPr lang="en-US" sz="1100" dirty="0">
-                <a:latin typeface="Arial" panose="020B0604020202020204" pitchFamily="34" charset="0"/>
-                <a:cs typeface="Arial" panose="020B0604020202020204" pitchFamily="34" charset="0"/>
+              <a:rPr lang="en-US" sz="1200" dirty="0">
+                <a:latin typeface="Calibri" panose="020F0502020204030204" pitchFamily="34" charset="0"/>
+                <a:cs typeface="Calibri" panose="020F0502020204030204" pitchFamily="34" charset="0"/>
               </a:rPr>
               <a:t> IOAM Indicator</a:t>
             </a:r>
@@ -8009,9 +7953,9 @@
               </a:spcBef>
             </a:pPr>
             <a:r>
-              <a:rPr lang="en-US" sz="1100" dirty="0">
-                <a:latin typeface="Arial" panose="020B0604020202020204" pitchFamily="34" charset="0"/>
-                <a:cs typeface="Arial" panose="020B0604020202020204" pitchFamily="34" charset="0"/>
+              <a:rPr lang="en-US" sz="1200" dirty="0">
+                <a:latin typeface="Calibri" panose="020F0502020204030204" pitchFamily="34" charset="0"/>
+                <a:cs typeface="Calibri" panose="020F0502020204030204" pitchFamily="34" charset="0"/>
               </a:rPr>
               <a:t>May need to add entropy label due to ECMP impact, further reducing available label stack size for the LSP</a:t>
             </a:r>
@@ -8023,9 +7967,9 @@
               </a:spcBef>
             </a:pPr>
             <a:r>
-              <a:rPr lang="en-US" sz="1100" dirty="0">
-                <a:latin typeface="Arial" panose="020B0604020202020204" pitchFamily="34" charset="0"/>
-                <a:cs typeface="Arial" panose="020B0604020202020204" pitchFamily="34" charset="0"/>
+              <a:rPr lang="en-US" sz="1200" dirty="0">
+                <a:latin typeface="Calibri" panose="020F0502020204030204" pitchFamily="34" charset="0"/>
+                <a:cs typeface="Calibri" panose="020F0502020204030204" pitchFamily="34" charset="0"/>
               </a:rPr>
               <a:t>ELI </a:t>
             </a:r>
@@ -8037,9 +7981,9 @@
               </a:spcBef>
             </a:pPr>
             <a:r>
-              <a:rPr lang="en-US" sz="1100" dirty="0">
-                <a:latin typeface="Arial" panose="020B0604020202020204" pitchFamily="34" charset="0"/>
-                <a:cs typeface="Arial" panose="020B0604020202020204" pitchFamily="34" charset="0"/>
+              <a:rPr lang="en-US" sz="1200" dirty="0">
+                <a:latin typeface="Calibri" panose="020F0502020204030204" pitchFamily="34" charset="0"/>
+                <a:cs typeface="Calibri" panose="020F0502020204030204" pitchFamily="34" charset="0"/>
               </a:rPr>
               <a:t>Entropy Label</a:t>
             </a:r>
@@ -8050,9 +7994,9 @@
                 <a:spcPts val="600"/>
               </a:spcBef>
             </a:pPr>
-            <a:endParaRPr lang="en-US" sz="1100" dirty="0">
-              <a:latin typeface="Arial" panose="020B0604020202020204" pitchFamily="34" charset="0"/>
-              <a:cs typeface="Arial" panose="020B0604020202020204" pitchFamily="34" charset="0"/>
+            <a:endParaRPr lang="en-US" sz="1200" dirty="0">
+              <a:latin typeface="Calibri" panose="020F0502020204030204" pitchFamily="34" charset="0"/>
+              <a:cs typeface="Calibri" panose="020F0502020204030204" pitchFamily="34" charset="0"/>
             </a:endParaRPr>
           </a:p>
           <a:p>
@@ -8063,9 +8007,9 @@
               <a:buNone/>
             </a:pPr>
             <a:r>
-              <a:rPr lang="en-US" sz="1100" dirty="0">
-                <a:latin typeface="Arial" panose="020B0604020202020204" pitchFamily="34" charset="0"/>
-                <a:cs typeface="Arial" panose="020B0604020202020204" pitchFamily="34" charset="0"/>
+              <a:rPr lang="en-US" sz="1200" dirty="0">
+                <a:latin typeface="Calibri" panose="020F0502020204030204" pitchFamily="34" charset="0"/>
+                <a:cs typeface="Calibri" panose="020F0502020204030204" pitchFamily="34" charset="0"/>
               </a:rPr>
               <a:t>Reply:</a:t>
             </a:r>
@@ -8077,23 +8021,23 @@
               </a:spcBef>
             </a:pPr>
             <a:r>
-              <a:rPr lang="en-US" sz="1100" dirty="0">
-                <a:latin typeface="Arial" panose="020B0604020202020204" pitchFamily="34" charset="0"/>
-                <a:cs typeface="Arial" panose="020B0604020202020204" pitchFamily="34" charset="0"/>
+              <a:rPr lang="en-US" sz="1200" dirty="0">
+                <a:latin typeface="Calibri" panose="020F0502020204030204" pitchFamily="34" charset="0"/>
+                <a:cs typeface="Calibri" panose="020F0502020204030204" pitchFamily="34" charset="0"/>
               </a:rPr>
               <a:t>This is true for all mechanisms using </a:t>
             </a:r>
             <a:r>
-              <a:rPr lang="en-US" sz="1100" dirty="0" err="1">
-                <a:latin typeface="Arial" panose="020B0604020202020204" pitchFamily="34" charset="0"/>
-                <a:cs typeface="Arial" panose="020B0604020202020204" pitchFamily="34" charset="0"/>
+              <a:rPr lang="en-US" sz="1200" dirty="0" err="1">
+                <a:latin typeface="Calibri" panose="020F0502020204030204" pitchFamily="34" charset="0"/>
+                <a:cs typeface="Calibri" panose="020F0502020204030204" pitchFamily="34" charset="0"/>
               </a:rPr>
               <a:t>eSPL</a:t>
             </a:r>
             <a:r>
-              <a:rPr lang="en-US" sz="1100" dirty="0">
-                <a:latin typeface="Arial" panose="020B0604020202020204" pitchFamily="34" charset="0"/>
-                <a:cs typeface="Arial" panose="020B0604020202020204" pitchFamily="34" charset="0"/>
+              <a:rPr lang="en-US" sz="1200" dirty="0">
+                <a:latin typeface="Calibri" panose="020F0502020204030204" pitchFamily="34" charset="0"/>
+                <a:cs typeface="Calibri" panose="020F0502020204030204" pitchFamily="34" charset="0"/>
               </a:rPr>
               <a:t>.</a:t>
             </a:r>
@@ -8107,23 +8051,23 @@
               <a:buChar char="•"/>
             </a:pPr>
             <a:r>
-              <a:rPr lang="en-CA" sz="1100" dirty="0">
-                <a:latin typeface="Arial" panose="020B0604020202020204" pitchFamily="34" charset="0"/>
-                <a:cs typeface="Arial" panose="020B0604020202020204" pitchFamily="34" charset="0"/>
+              <a:rPr lang="en-CA" sz="1200" dirty="0">
+                <a:latin typeface="Calibri" panose="020F0502020204030204" pitchFamily="34" charset="0"/>
+                <a:cs typeface="Calibri" panose="020F0502020204030204" pitchFamily="34" charset="0"/>
               </a:rPr>
               <a:t>SFC: https://</a:t>
             </a:r>
             <a:r>
-              <a:rPr lang="en-CA" sz="1100" dirty="0" err="1">
-                <a:latin typeface="Arial" panose="020B0604020202020204" pitchFamily="34" charset="0"/>
-                <a:cs typeface="Arial" panose="020B0604020202020204" pitchFamily="34" charset="0"/>
+              <a:rPr lang="en-CA" sz="1200" dirty="0" err="1">
+                <a:latin typeface="Calibri" panose="020F0502020204030204" pitchFamily="34" charset="0"/>
+                <a:cs typeface="Calibri" panose="020F0502020204030204" pitchFamily="34" charset="0"/>
               </a:rPr>
               <a:t>tools.ietf.org</a:t>
             </a:r>
             <a:r>
-              <a:rPr lang="en-CA" sz="1100" dirty="0">
-                <a:latin typeface="Arial" panose="020B0604020202020204" pitchFamily="34" charset="0"/>
-                <a:cs typeface="Arial" panose="020B0604020202020204" pitchFamily="34" charset="0"/>
+              <a:rPr lang="en-CA" sz="1200" dirty="0">
+                <a:latin typeface="Calibri" panose="020F0502020204030204" pitchFamily="34" charset="0"/>
+                <a:cs typeface="Calibri" panose="020F0502020204030204" pitchFamily="34" charset="0"/>
               </a:rPr>
               <a:t>/html/rfc8595 </a:t>
             </a:r>
@@ -8137,51 +8081,51 @@
               <a:buChar char="•"/>
             </a:pPr>
             <a:r>
-              <a:rPr lang="en-CA" sz="1100" dirty="0">
-                <a:latin typeface="Arial" panose="020B0604020202020204" pitchFamily="34" charset="0"/>
-                <a:cs typeface="Arial" panose="020B0604020202020204" pitchFamily="34" charset="0"/>
+              <a:rPr lang="en-CA" sz="1200" dirty="0">
+                <a:latin typeface="Calibri" panose="020F0502020204030204" pitchFamily="34" charset="0"/>
+                <a:cs typeface="Calibri" panose="020F0502020204030204" pitchFamily="34" charset="0"/>
               </a:rPr>
               <a:t>E2E: draft-</a:t>
             </a:r>
             <a:r>
-              <a:rPr lang="en-CA" sz="1100" dirty="0" err="1">
-                <a:latin typeface="Arial" panose="020B0604020202020204" pitchFamily="34" charset="0"/>
-                <a:cs typeface="Arial" panose="020B0604020202020204" pitchFamily="34" charset="0"/>
+              <a:rPr lang="en-CA" sz="1200" dirty="0" err="1">
+                <a:latin typeface="Calibri" panose="020F0502020204030204" pitchFamily="34" charset="0"/>
+                <a:cs typeface="Calibri" panose="020F0502020204030204" pitchFamily="34" charset="0"/>
               </a:rPr>
               <a:t>cheng</a:t>
             </a:r>
             <a:r>
-              <a:rPr lang="en-CA" sz="1100" dirty="0">
-                <a:latin typeface="Arial" panose="020B0604020202020204" pitchFamily="34" charset="0"/>
-                <a:cs typeface="Arial" panose="020B0604020202020204" pitchFamily="34" charset="0"/>
+              <a:rPr lang="en-CA" sz="1200" dirty="0">
+                <a:latin typeface="Calibri" panose="020F0502020204030204" pitchFamily="34" charset="0"/>
+                <a:cs typeface="Calibri" panose="020F0502020204030204" pitchFamily="34" charset="0"/>
               </a:rPr>
               <a:t>-</a:t>
             </a:r>
             <a:r>
-              <a:rPr lang="en-CA" sz="1100" dirty="0" err="1">
-                <a:latin typeface="Arial" panose="020B0604020202020204" pitchFamily="34" charset="0"/>
-                <a:cs typeface="Arial" panose="020B0604020202020204" pitchFamily="34" charset="0"/>
+              <a:rPr lang="en-CA" sz="1200" dirty="0" err="1">
+                <a:latin typeface="Calibri" panose="020F0502020204030204" pitchFamily="34" charset="0"/>
+                <a:cs typeface="Calibri" panose="020F0502020204030204" pitchFamily="34" charset="0"/>
               </a:rPr>
               <a:t>mpls</a:t>
             </a:r>
             <a:r>
-              <a:rPr lang="en-CA" sz="1100" dirty="0">
-                <a:latin typeface="Arial" panose="020B0604020202020204" pitchFamily="34" charset="0"/>
-                <a:cs typeface="Arial" panose="020B0604020202020204" pitchFamily="34" charset="0"/>
+              <a:rPr lang="en-CA" sz="1200" dirty="0">
+                <a:latin typeface="Calibri" panose="020F0502020204030204" pitchFamily="34" charset="0"/>
+                <a:cs typeface="Calibri" panose="020F0502020204030204" pitchFamily="34" charset="0"/>
               </a:rPr>
               <a:t>-</a:t>
             </a:r>
             <a:r>
-              <a:rPr lang="en-CA" sz="1100" dirty="0" err="1">
-                <a:latin typeface="Arial" panose="020B0604020202020204" pitchFamily="34" charset="0"/>
-                <a:cs typeface="Arial" panose="020B0604020202020204" pitchFamily="34" charset="0"/>
+              <a:rPr lang="en-CA" sz="1200" dirty="0" err="1">
+                <a:latin typeface="Calibri" panose="020F0502020204030204" pitchFamily="34" charset="0"/>
+                <a:cs typeface="Calibri" panose="020F0502020204030204" pitchFamily="34" charset="0"/>
               </a:rPr>
               <a:t>inband</a:t>
             </a:r>
             <a:r>
-              <a:rPr lang="en-CA" sz="1100" dirty="0">
-                <a:latin typeface="Arial" panose="020B0604020202020204" pitchFamily="34" charset="0"/>
-                <a:cs typeface="Arial" panose="020B0604020202020204" pitchFamily="34" charset="0"/>
+              <a:rPr lang="en-CA" sz="1200" dirty="0">
+                <a:latin typeface="Calibri" panose="020F0502020204030204" pitchFamily="34" charset="0"/>
+                <a:cs typeface="Calibri" panose="020F0502020204030204" pitchFamily="34" charset="0"/>
               </a:rPr>
               <a:t>-pm-encapsulation</a:t>
             </a:r>
@@ -8195,9 +8139,9 @@
               <a:buChar char="•"/>
             </a:pPr>
             <a:r>
-              <a:rPr lang="en-CA" sz="1100" dirty="0">
-                <a:latin typeface="Arial" panose="020B0604020202020204" pitchFamily="34" charset="0"/>
-                <a:cs typeface="Arial" panose="020B0604020202020204" pitchFamily="34" charset="0"/>
+              <a:rPr lang="en-CA" sz="1200" dirty="0">
+                <a:latin typeface="Calibri" panose="020F0502020204030204" pitchFamily="34" charset="0"/>
+                <a:cs typeface="Calibri" panose="020F0502020204030204" pitchFamily="34" charset="0"/>
               </a:rPr>
               <a:t>E2E: One less label when decapsulating node signals it</a:t>
             </a:r>
@@ -8211,16 +8155,16 @@
               <a:buChar char="•"/>
             </a:pPr>
             <a:r>
-              <a:rPr lang="en-CA" sz="1100" dirty="0" err="1">
-                <a:latin typeface="Arial" panose="020B0604020202020204" pitchFamily="34" charset="0"/>
-                <a:cs typeface="Arial" panose="020B0604020202020204" pitchFamily="34" charset="0"/>
+              <a:rPr lang="en-CA" sz="1200" dirty="0" err="1">
+                <a:latin typeface="Calibri" panose="020F0502020204030204" pitchFamily="34" charset="0"/>
+                <a:cs typeface="Calibri" panose="020F0502020204030204" pitchFamily="34" charset="0"/>
               </a:rPr>
               <a:t>HbH</a:t>
             </a:r>
             <a:r>
-              <a:rPr lang="en-CA" sz="1100" dirty="0">
-                <a:latin typeface="Arial" panose="020B0604020202020204" pitchFamily="34" charset="0"/>
-                <a:cs typeface="Arial" panose="020B0604020202020204" pitchFamily="34" charset="0"/>
+              <a:rPr lang="en-CA" sz="1200" dirty="0">
+                <a:latin typeface="Calibri" panose="020F0502020204030204" pitchFamily="34" charset="0"/>
+                <a:cs typeface="Calibri" panose="020F0502020204030204" pitchFamily="34" charset="0"/>
               </a:rPr>
               <a:t>: Use IOAM Enabled Label (like SFL)</a:t>
             </a:r>
@@ -8232,9 +8176,9 @@
               </a:spcBef>
               <a:buNone/>
             </a:pPr>
-            <a:endParaRPr lang="en-US" sz="1100" dirty="0">
-              <a:latin typeface="Arial" panose="020B0604020202020204" pitchFamily="34" charset="0"/>
-              <a:cs typeface="Arial" panose="020B0604020202020204" pitchFamily="34" charset="0"/>
+            <a:endParaRPr lang="en-US" sz="1200" dirty="0">
+              <a:latin typeface="Calibri" panose="020F0502020204030204" pitchFamily="34" charset="0"/>
+              <a:cs typeface="Calibri" panose="020F0502020204030204" pitchFamily="34" charset="0"/>
             </a:endParaRPr>
           </a:p>
         </p:txBody>
@@ -8366,8 +8310,8 @@
         </p:nvSpPr>
         <p:spPr>
           <a:xfrm>
-            <a:off x="457200" y="0"/>
-            <a:ext cx="8229600" cy="857250"/>
+            <a:off x="500406" y="0"/>
+            <a:ext cx="7772400" cy="857250"/>
           </a:xfrm>
         </p:spPr>
         <p:txBody>
@@ -8406,7 +8350,7 @@
         </p:nvSpPr>
         <p:spPr>
           <a:xfrm>
-            <a:off x="482851" y="971550"/>
+            <a:off x="473697" y="884932"/>
             <a:ext cx="8229600" cy="3373636"/>
           </a:xfrm>
         </p:spPr>
@@ -8420,23 +8364,23 @@
               </a:spcBef>
             </a:pPr>
             <a:r>
-              <a:rPr lang="en-US" sz="1400" dirty="0">
-                <a:latin typeface="Arial" panose="020B0604020202020204" pitchFamily="34" charset="0"/>
-                <a:cs typeface="Arial" panose="020B0604020202020204" pitchFamily="34" charset="0"/>
+              <a:rPr lang="en-US" sz="1600" dirty="0">
+                <a:latin typeface="Calibri" panose="020F0502020204030204" pitchFamily="34" charset="0"/>
+                <a:cs typeface="Calibri" panose="020F0502020204030204" pitchFamily="34" charset="0"/>
               </a:rPr>
               <a:t>Applicable to </a:t>
             </a:r>
             <a:r>
-              <a:rPr lang="en-US" sz="1400" dirty="0" err="1">
-                <a:latin typeface="Arial" panose="020B0604020202020204" pitchFamily="34" charset="0"/>
-                <a:cs typeface="Arial" panose="020B0604020202020204" pitchFamily="34" charset="0"/>
+              <a:rPr lang="en-US" sz="1600" dirty="0" err="1">
+                <a:latin typeface="Calibri" panose="020F0502020204030204" pitchFamily="34" charset="0"/>
+                <a:cs typeface="Calibri" panose="020F0502020204030204" pitchFamily="34" charset="0"/>
               </a:rPr>
               <a:t>HbH</a:t>
             </a:r>
             <a:r>
-              <a:rPr lang="en-US" sz="1400" dirty="0">
-                <a:latin typeface="Arial" panose="020B0604020202020204" pitchFamily="34" charset="0"/>
-                <a:cs typeface="Arial" panose="020B0604020202020204" pitchFamily="34" charset="0"/>
+              <a:rPr lang="en-US" sz="1600" dirty="0">
+                <a:latin typeface="Calibri" panose="020F0502020204030204" pitchFamily="34" charset="0"/>
+                <a:cs typeface="Calibri" panose="020F0502020204030204" pitchFamily="34" charset="0"/>
               </a:rPr>
               <a:t> case</a:t>
             </a:r>
@@ -8448,23 +8392,23 @@
               </a:spcBef>
             </a:pPr>
             <a:r>
-              <a:rPr lang="en-US" sz="1400" dirty="0">
-                <a:latin typeface="Arial" panose="020B0604020202020204" pitchFamily="34" charset="0"/>
-                <a:cs typeface="Arial" panose="020B0604020202020204" pitchFamily="34" charset="0"/>
+              <a:rPr lang="en-US" sz="1600" dirty="0">
+                <a:latin typeface="Calibri" panose="020F0502020204030204" pitchFamily="34" charset="0"/>
+                <a:cs typeface="Calibri" panose="020F0502020204030204" pitchFamily="34" charset="0"/>
               </a:rPr>
               <a:t>Transit nodes need to scan deeper into the MPLS header to find IOAM Indicator Label only when </a:t>
             </a:r>
             <a:r>
-              <a:rPr lang="en-US" sz="1400" dirty="0" err="1">
-                <a:latin typeface="Arial" panose="020B0604020202020204" pitchFamily="34" charset="0"/>
-                <a:cs typeface="Arial" panose="020B0604020202020204" pitchFamily="34" charset="0"/>
+              <a:rPr lang="en-US" sz="1600" dirty="0" err="1">
+                <a:latin typeface="Calibri" panose="020F0502020204030204" pitchFamily="34" charset="0"/>
+                <a:cs typeface="Calibri" panose="020F0502020204030204" pitchFamily="34" charset="0"/>
               </a:rPr>
               <a:t>HbH</a:t>
             </a:r>
             <a:r>
-              <a:rPr lang="en-US" sz="1400" dirty="0">
-                <a:latin typeface="Arial" panose="020B0604020202020204" pitchFamily="34" charset="0"/>
-                <a:cs typeface="Arial" panose="020B0604020202020204" pitchFamily="34" charset="0"/>
+              <a:rPr lang="en-US" sz="1600" dirty="0">
+                <a:latin typeface="Calibri" panose="020F0502020204030204" pitchFamily="34" charset="0"/>
+                <a:cs typeface="Calibri" panose="020F0502020204030204" pitchFamily="34" charset="0"/>
               </a:rPr>
               <a:t> IOAM is enabled</a:t>
             </a:r>
@@ -8475,9 +8419,9 @@
                 <a:spcPts val="600"/>
               </a:spcBef>
             </a:pPr>
-            <a:endParaRPr lang="en-US" sz="1400" dirty="0">
-              <a:latin typeface="Arial" panose="020B0604020202020204" pitchFamily="34" charset="0"/>
-              <a:cs typeface="Arial" panose="020B0604020202020204" pitchFamily="34" charset="0"/>
+            <a:endParaRPr lang="en-US" sz="1600" dirty="0">
+              <a:latin typeface="Calibri" panose="020F0502020204030204" pitchFamily="34" charset="0"/>
+              <a:cs typeface="Calibri" panose="020F0502020204030204" pitchFamily="34" charset="0"/>
             </a:endParaRPr>
           </a:p>
           <a:p>
@@ -8486,9 +8430,9 @@
                 <a:spcPts val="600"/>
               </a:spcBef>
             </a:pPr>
-            <a:endParaRPr lang="en-US" sz="1400" dirty="0">
-              <a:latin typeface="Arial" panose="020B0604020202020204" pitchFamily="34" charset="0"/>
-              <a:cs typeface="Arial" panose="020B0604020202020204" pitchFamily="34" charset="0"/>
+            <a:endParaRPr lang="en-US" sz="1600" dirty="0">
+              <a:latin typeface="Calibri" panose="020F0502020204030204" pitchFamily="34" charset="0"/>
+              <a:cs typeface="Calibri" panose="020F0502020204030204" pitchFamily="34" charset="0"/>
             </a:endParaRPr>
           </a:p>
           <a:p>
@@ -8499,9 +8443,9 @@
               <a:buNone/>
             </a:pPr>
             <a:r>
-              <a:rPr lang="en-US" sz="1400" dirty="0">
-                <a:latin typeface="Arial" panose="020B0604020202020204" pitchFamily="34" charset="0"/>
-                <a:cs typeface="Arial" panose="020B0604020202020204" pitchFamily="34" charset="0"/>
+              <a:rPr lang="en-US" sz="1600" dirty="0">
+                <a:latin typeface="Calibri" panose="020F0502020204030204" pitchFamily="34" charset="0"/>
+                <a:cs typeface="Calibri" panose="020F0502020204030204" pitchFamily="34" charset="0"/>
               </a:rPr>
               <a:t>Reply:</a:t>
             </a:r>
@@ -8515,15 +8459,15 @@
               <a:buChar char="ü"/>
             </a:pPr>
             <a:r>
-              <a:rPr lang="en-US" sz="1400" dirty="0">
-                <a:latin typeface="Arial" panose="020B0604020202020204" pitchFamily="34" charset="0"/>
-                <a:cs typeface="Arial" panose="020B0604020202020204" pitchFamily="34" charset="0"/>
+              <a:rPr lang="en-US" sz="1600" dirty="0">
+                <a:latin typeface="Calibri" panose="020F0502020204030204" pitchFamily="34" charset="0"/>
+                <a:cs typeface="Calibri" panose="020F0502020204030204" pitchFamily="34" charset="0"/>
               </a:rPr>
               <a:t>This is also true for ELI and EL today.</a:t>
             </a:r>
-            <a:endParaRPr lang="en-CA" sz="1400" dirty="0">
-              <a:latin typeface="Arial" panose="020B0604020202020204" pitchFamily="34" charset="0"/>
-              <a:cs typeface="Arial" panose="020B0604020202020204" pitchFamily="34" charset="0"/>
+            <a:endParaRPr lang="en-CA" sz="1600" dirty="0">
+              <a:latin typeface="Calibri" panose="020F0502020204030204" pitchFamily="34" charset="0"/>
+              <a:cs typeface="Calibri" panose="020F0502020204030204" pitchFamily="34" charset="0"/>
             </a:endParaRPr>
           </a:p>
           <a:p>
@@ -8535,9 +8479,9 @@
               <a:buChar char="ü"/>
             </a:pPr>
             <a:r>
-              <a:rPr lang="en-CA" sz="1400" dirty="0">
-                <a:latin typeface="Arial" panose="020B0604020202020204" pitchFamily="34" charset="0"/>
-                <a:cs typeface="Arial" panose="020B0604020202020204" pitchFamily="34" charset="0"/>
+              <a:rPr lang="en-CA" sz="1600" dirty="0">
+                <a:latin typeface="Calibri" panose="020F0502020204030204" pitchFamily="34" charset="0"/>
+                <a:cs typeface="Calibri" panose="020F0502020204030204" pitchFamily="34" charset="0"/>
               </a:rPr>
               <a:t>With any indicator scheme, the node will have to look past EOS into the packet to find the IOAM data that needs to be processed.</a:t>
             </a:r>
@@ -8551,9 +8495,9 @@
               <a:buChar char="ü"/>
             </a:pPr>
             <a:r>
-              <a:rPr lang="en-CA" sz="1400" dirty="0">
-                <a:latin typeface="Arial" panose="020B0604020202020204" pitchFamily="34" charset="0"/>
-                <a:cs typeface="Arial" panose="020B0604020202020204" pitchFamily="34" charset="0"/>
+              <a:rPr lang="en-CA" sz="1600" dirty="0">
+                <a:latin typeface="Calibri" panose="020F0502020204030204" pitchFamily="34" charset="0"/>
+                <a:cs typeface="Calibri" panose="020F0502020204030204" pitchFamily="34" charset="0"/>
               </a:rPr>
               <a:t>Use IOAM enabled label (like SFL) that avoids scanning label stack.</a:t>
             </a:r>
@@ -8566,9 +8510,9 @@
               <a:buFont typeface="Wingdings" pitchFamily="2" charset="2"/>
               <a:buChar char="ü"/>
             </a:pPr>
-            <a:endParaRPr lang="en-CA" sz="1400" dirty="0">
-              <a:latin typeface="Arial" panose="020B0604020202020204" pitchFamily="34" charset="0"/>
-              <a:cs typeface="Arial" panose="020B0604020202020204" pitchFamily="34" charset="0"/>
+            <a:endParaRPr lang="en-CA" sz="1600" dirty="0">
+              <a:latin typeface="Calibri" panose="020F0502020204030204" pitchFamily="34" charset="0"/>
+              <a:cs typeface="Calibri" panose="020F0502020204030204" pitchFamily="34" charset="0"/>
             </a:endParaRPr>
           </a:p>
           <a:p>
@@ -8577,9 +8521,9 @@
                 <a:spcPts val="600"/>
               </a:spcBef>
             </a:pPr>
-            <a:endParaRPr lang="en-US" sz="1400" dirty="0">
-              <a:latin typeface="Arial" panose="020B0604020202020204" pitchFamily="34" charset="0"/>
-              <a:cs typeface="Arial" panose="020B0604020202020204" pitchFamily="34" charset="0"/>
+            <a:endParaRPr lang="en-US" sz="1600" dirty="0">
+              <a:latin typeface="Calibri" panose="020F0502020204030204" pitchFamily="34" charset="0"/>
+              <a:cs typeface="Calibri" panose="020F0502020204030204" pitchFamily="34" charset="0"/>
             </a:endParaRPr>
           </a:p>
         </p:txBody>
@@ -8751,7 +8695,7 @@
         </p:nvSpPr>
         <p:spPr>
           <a:xfrm>
-            <a:off x="457200" y="1045490"/>
+            <a:off x="457200" y="971550"/>
             <a:ext cx="8229600" cy="3373636"/>
           </a:xfrm>
         </p:spPr>
@@ -8765,32 +8709,32 @@
               </a:spcBef>
             </a:pPr>
             <a:r>
-              <a:rPr lang="en-CA" sz="1400" dirty="0">
+              <a:rPr lang="en-CA" sz="1600" dirty="0">
                 <a:solidFill>
                   <a:srgbClr val="000000"/>
                 </a:solidFill>
-                <a:latin typeface="Arial" panose="020B0604020202020204" pitchFamily="34" charset="0"/>
-                <a:cs typeface="Arial" panose="020B0604020202020204" pitchFamily="34" charset="0"/>
+                <a:latin typeface="Calibri" panose="020F0502020204030204" pitchFamily="34" charset="0"/>
+                <a:cs typeface="Calibri" panose="020F0502020204030204" pitchFamily="34" charset="0"/>
               </a:rPr>
               <a:t>Applicable to </a:t>
             </a:r>
             <a:r>
-              <a:rPr lang="en-CA" sz="1400" dirty="0" err="1">
+              <a:rPr lang="en-CA" sz="1600" dirty="0" err="1">
                 <a:solidFill>
                   <a:srgbClr val="000000"/>
                 </a:solidFill>
-                <a:latin typeface="Arial" panose="020B0604020202020204" pitchFamily="34" charset="0"/>
-                <a:cs typeface="Arial" panose="020B0604020202020204" pitchFamily="34" charset="0"/>
+                <a:latin typeface="Calibri" panose="020F0502020204030204" pitchFamily="34" charset="0"/>
+                <a:cs typeface="Calibri" panose="020F0502020204030204" pitchFamily="34" charset="0"/>
               </a:rPr>
               <a:t>HbH</a:t>
             </a:r>
             <a:r>
-              <a:rPr lang="en-CA" sz="1400" dirty="0">
+              <a:rPr lang="en-CA" sz="1600" dirty="0">
                 <a:solidFill>
                   <a:srgbClr val="000000"/>
                 </a:solidFill>
-                <a:latin typeface="Arial" panose="020B0604020202020204" pitchFamily="34" charset="0"/>
-                <a:cs typeface="Arial" panose="020B0604020202020204" pitchFamily="34" charset="0"/>
+                <a:latin typeface="Calibri" panose="020F0502020204030204" pitchFamily="34" charset="0"/>
+                <a:cs typeface="Calibri" panose="020F0502020204030204" pitchFamily="34" charset="0"/>
               </a:rPr>
               <a:t> case</a:t>
             </a:r>
@@ -8802,12 +8746,12 @@
               </a:spcBef>
             </a:pPr>
             <a:r>
-              <a:rPr lang="en-CA" sz="1400" dirty="0">
+              <a:rPr lang="en-CA" sz="1600" dirty="0">
                 <a:solidFill>
                   <a:srgbClr val="000000"/>
                 </a:solidFill>
-                <a:latin typeface="Arial" panose="020B0604020202020204" pitchFamily="34" charset="0"/>
-                <a:cs typeface="Arial" panose="020B0604020202020204" pitchFamily="34" charset="0"/>
+                <a:latin typeface="Calibri" panose="020F0502020204030204" pitchFamily="34" charset="0"/>
+                <a:cs typeface="Calibri" panose="020F0502020204030204" pitchFamily="34" charset="0"/>
               </a:rPr>
               <a:t>With a special FEC for IOAM packets and a "normal” FEC for data packets that don't carry IOAM info, a node might drop the normal traffic while the IOAM traffic flows</a:t>
             </a:r>
@@ -8819,12 +8763,12 @@
               </a:spcBef>
             </a:pPr>
             <a:r>
-              <a:rPr lang="en-CA" sz="1400" dirty="0">
+              <a:rPr lang="en-CA" sz="1600" dirty="0">
                 <a:solidFill>
                   <a:srgbClr val="000000"/>
                 </a:solidFill>
-                <a:latin typeface="Arial" panose="020B0604020202020204" pitchFamily="34" charset="0"/>
-                <a:cs typeface="Arial" panose="020B0604020202020204" pitchFamily="34" charset="0"/>
+                <a:latin typeface="Calibri" panose="020F0502020204030204" pitchFamily="34" charset="0"/>
+                <a:cs typeface="Calibri" panose="020F0502020204030204" pitchFamily="34" charset="0"/>
               </a:rPr>
               <a:t>Use IOAM Enabled label (like SFL) for IOAM packets</a:t>
             </a:r>
@@ -8835,12 +8779,12 @@
                 <a:spcPts val="600"/>
               </a:spcBef>
             </a:pPr>
-            <a:endParaRPr lang="en-CA" sz="1400" dirty="0">
+            <a:endParaRPr lang="en-CA" sz="1600" dirty="0">
               <a:solidFill>
                 <a:srgbClr val="000000"/>
               </a:solidFill>
-              <a:latin typeface="Arial" panose="020B0604020202020204" pitchFamily="34" charset="0"/>
-              <a:cs typeface="Arial" panose="020B0604020202020204" pitchFamily="34" charset="0"/>
+              <a:latin typeface="Calibri" panose="020F0502020204030204" pitchFamily="34" charset="0"/>
+              <a:cs typeface="Calibri" panose="020F0502020204030204" pitchFamily="34" charset="0"/>
             </a:endParaRPr>
           </a:p>
           <a:p>
@@ -8851,12 +8795,12 @@
               <a:buNone/>
             </a:pPr>
             <a:r>
-              <a:rPr lang="en-CA" sz="1400" dirty="0">
+              <a:rPr lang="en-CA" sz="1600" dirty="0">
                 <a:solidFill>
                   <a:srgbClr val="000000"/>
                 </a:solidFill>
-                <a:latin typeface="Arial" panose="020B0604020202020204" pitchFamily="34" charset="0"/>
-                <a:cs typeface="Arial" panose="020B0604020202020204" pitchFamily="34" charset="0"/>
+                <a:latin typeface="Calibri" panose="020F0502020204030204" pitchFamily="34" charset="0"/>
+                <a:cs typeface="Calibri" panose="020F0502020204030204" pitchFamily="34" charset="0"/>
               </a:rPr>
               <a:t>Reply:</a:t>
             </a:r>
@@ -8870,18 +8814,18 @@
               <a:buChar char="ü"/>
             </a:pPr>
             <a:r>
-              <a:rPr lang="en-CA" sz="1400" dirty="0">
+              <a:rPr lang="en-CA" sz="1600" dirty="0">
                 <a:solidFill>
                   <a:srgbClr val="000000"/>
                 </a:solidFill>
-                <a:latin typeface="Arial" panose="020B0604020202020204" pitchFamily="34" charset="0"/>
-                <a:cs typeface="Arial" panose="020B0604020202020204" pitchFamily="34" charset="0"/>
+                <a:latin typeface="Calibri" panose="020F0502020204030204" pitchFamily="34" charset="0"/>
+                <a:cs typeface="Calibri" panose="020F0502020204030204" pitchFamily="34" charset="0"/>
               </a:rPr>
               <a:t>This is indeed an issue with using SFL kind of approach. OAM reports the metrics of the LSP on which the normal traffic is not flowing. The forwarding normal packets are not using the LSP used by the OAM, as there are two synonymous LSPs.</a:t>
             </a:r>
-            <a:endParaRPr lang="en-US" sz="1400" dirty="0">
-              <a:latin typeface="Arial" panose="020B0604020202020204" pitchFamily="34" charset="0"/>
-              <a:cs typeface="Arial" panose="020B0604020202020204" pitchFamily="34" charset="0"/>
+            <a:endParaRPr lang="en-US" sz="1600" dirty="0">
+              <a:latin typeface="Calibri" panose="020F0502020204030204" pitchFamily="34" charset="0"/>
+              <a:cs typeface="Calibri" panose="020F0502020204030204" pitchFamily="34" charset="0"/>
             </a:endParaRPr>
           </a:p>
           <a:p>
@@ -8890,9 +8834,9 @@
                 <a:spcPts val="600"/>
               </a:spcBef>
             </a:pPr>
-            <a:endParaRPr lang="en-US" sz="1400" dirty="0">
-              <a:latin typeface="Arial" panose="020B0604020202020204" pitchFamily="34" charset="0"/>
-              <a:cs typeface="Arial" panose="020B0604020202020204" pitchFamily="34" charset="0"/>
+            <a:endParaRPr lang="en-US" sz="1600" dirty="0">
+              <a:latin typeface="Calibri" panose="020F0502020204030204" pitchFamily="34" charset="0"/>
+              <a:cs typeface="Calibri" panose="020F0502020204030204" pitchFamily="34" charset="0"/>
             </a:endParaRPr>
           </a:p>
           <a:p>
@@ -8901,9 +8845,9 @@
                 <a:spcPts val="600"/>
               </a:spcBef>
             </a:pPr>
-            <a:endParaRPr lang="en-US" sz="1400" dirty="0">
-              <a:latin typeface="Arial" panose="020B0604020202020204" pitchFamily="34" charset="0"/>
-              <a:cs typeface="Arial" panose="020B0604020202020204" pitchFamily="34" charset="0"/>
+            <a:endParaRPr lang="en-US" sz="1600" dirty="0">
+              <a:latin typeface="Calibri" panose="020F0502020204030204" pitchFamily="34" charset="0"/>
+              <a:cs typeface="Calibri" panose="020F0502020204030204" pitchFamily="34" charset="0"/>
             </a:endParaRPr>
           </a:p>
         </p:txBody>
@@ -9201,7 +9145,7 @@
         </p:nvSpPr>
         <p:spPr>
           <a:xfrm>
-            <a:off x="304800" y="102393"/>
+            <a:off x="685800" y="91664"/>
             <a:ext cx="8153400" cy="599270"/>
           </a:xfrm>
         </p:spPr>
@@ -9633,8 +9577,8 @@
         </p:nvSpPr>
         <p:spPr>
           <a:xfrm>
-            <a:off x="457200" y="0"/>
-            <a:ext cx="8229600" cy="857250"/>
+            <a:off x="1405379" y="7837"/>
+            <a:ext cx="5181600" cy="857250"/>
           </a:xfrm>
         </p:spPr>
         <p:txBody>
@@ -9643,7 +9587,7 @@
           <a:p>
             <a:pPr algn="l"/>
             <a:r>
-              <a:rPr lang="en-US" sz="3600" dirty="0">
+              <a:rPr lang="en-US" sz="3200" dirty="0">
                 <a:solidFill>
                   <a:srgbClr val="0070C0"/>
                 </a:solidFill>
@@ -9673,8 +9617,8 @@
         </p:nvSpPr>
         <p:spPr>
           <a:xfrm>
-            <a:off x="457200" y="895350"/>
-            <a:ext cx="8229600" cy="3373636"/>
+            <a:off x="457200" y="971550"/>
+            <a:ext cx="8229600" cy="3124200"/>
           </a:xfrm>
         </p:spPr>
         <p:txBody>
@@ -9687,23 +9631,23 @@
               </a:spcBef>
             </a:pPr>
             <a:r>
-              <a:rPr lang="en-CA" sz="1400" dirty="0">
-                <a:latin typeface="Arial" panose="020B0604020202020204" pitchFamily="34" charset="0"/>
-                <a:cs typeface="Arial" panose="020B0604020202020204" pitchFamily="34" charset="0"/>
+              <a:rPr lang="en-CA" sz="1600" dirty="0">
+                <a:latin typeface="Calibri" panose="020F0502020204030204" pitchFamily="34" charset="0"/>
+                <a:cs typeface="Calibri" panose="020F0502020204030204" pitchFamily="34" charset="0"/>
               </a:rPr>
               <a:t>Applicable to E2E and </a:t>
             </a:r>
             <a:r>
-              <a:rPr lang="en-CA" sz="1400" dirty="0" err="1">
-                <a:latin typeface="Arial" panose="020B0604020202020204" pitchFamily="34" charset="0"/>
-                <a:cs typeface="Arial" panose="020B0604020202020204" pitchFamily="34" charset="0"/>
+              <a:rPr lang="en-CA" sz="1600" dirty="0" err="1">
+                <a:latin typeface="Calibri" panose="020F0502020204030204" pitchFamily="34" charset="0"/>
+                <a:cs typeface="Calibri" panose="020F0502020204030204" pitchFamily="34" charset="0"/>
               </a:rPr>
               <a:t>HbH</a:t>
             </a:r>
             <a:r>
-              <a:rPr lang="en-CA" sz="1400" dirty="0">
-                <a:latin typeface="Arial" panose="020B0604020202020204" pitchFamily="34" charset="0"/>
-                <a:cs typeface="Arial" panose="020B0604020202020204" pitchFamily="34" charset="0"/>
+              <a:rPr lang="en-CA" sz="1600" dirty="0">
+                <a:latin typeface="Calibri" panose="020F0502020204030204" pitchFamily="34" charset="0"/>
+                <a:cs typeface="Calibri" panose="020F0502020204030204" pitchFamily="34" charset="0"/>
               </a:rPr>
               <a:t> cases</a:t>
             </a:r>
@@ -9715,23 +9659,23 @@
               </a:spcBef>
             </a:pPr>
             <a:r>
-              <a:rPr lang="en-CA" sz="1400" dirty="0">
-                <a:latin typeface="Arial" panose="020B0604020202020204" pitchFamily="34" charset="0"/>
-                <a:cs typeface="Arial" panose="020B0604020202020204" pitchFamily="34" charset="0"/>
+              <a:rPr lang="en-CA" sz="1600" dirty="0">
+                <a:latin typeface="Calibri" panose="020F0502020204030204" pitchFamily="34" charset="0"/>
+                <a:cs typeface="Calibri" panose="020F0502020204030204" pitchFamily="34" charset="0"/>
               </a:rPr>
               <a:t>What if the LSP is carrying a PW or is </a:t>
             </a:r>
             <a:r>
-              <a:rPr lang="en-CA" sz="1400" dirty="0" err="1">
-                <a:latin typeface="Arial" panose="020B0604020202020204" pitchFamily="34" charset="0"/>
-                <a:cs typeface="Arial" panose="020B0604020202020204" pitchFamily="34" charset="0"/>
+              <a:rPr lang="en-CA" sz="1600" dirty="0" err="1">
+                <a:latin typeface="Calibri" panose="020F0502020204030204" pitchFamily="34" charset="0"/>
+                <a:cs typeface="Calibri" panose="020F0502020204030204" pitchFamily="34" charset="0"/>
               </a:rPr>
               <a:t>DetNet</a:t>
             </a:r>
             <a:r>
-              <a:rPr lang="en-CA" sz="1400" dirty="0">
-                <a:latin typeface="Arial" panose="020B0604020202020204" pitchFamily="34" charset="0"/>
-                <a:cs typeface="Arial" panose="020B0604020202020204" pitchFamily="34" charset="0"/>
+              <a:rPr lang="en-CA" sz="1600" dirty="0">
+                <a:latin typeface="Calibri" panose="020F0502020204030204" pitchFamily="34" charset="0"/>
+                <a:cs typeface="Calibri" panose="020F0502020204030204" pitchFamily="34" charset="0"/>
               </a:rPr>
               <a:t>? </a:t>
             </a:r>
@@ -9743,9 +9687,9 @@
               </a:spcBef>
             </a:pPr>
             <a:r>
-              <a:rPr lang="en-CA" sz="1400" dirty="0">
-                <a:latin typeface="Arial" panose="020B0604020202020204" pitchFamily="34" charset="0"/>
-                <a:cs typeface="Arial" panose="020B0604020202020204" pitchFamily="34" charset="0"/>
+              <a:rPr lang="en-CA" sz="1600" dirty="0">
+                <a:latin typeface="Calibri" panose="020F0502020204030204" pitchFamily="34" charset="0"/>
+                <a:cs typeface="Calibri" panose="020F0502020204030204" pitchFamily="34" charset="0"/>
               </a:rPr>
               <a:t>What if it is a MS-PW? </a:t>
             </a:r>
@@ -9757,9 +9701,9 @@
               </a:spcBef>
             </a:pPr>
             <a:r>
-              <a:rPr lang="en-CA" sz="1400" dirty="0">
-                <a:latin typeface="Arial" panose="020B0604020202020204" pitchFamily="34" charset="0"/>
-                <a:cs typeface="Arial" panose="020B0604020202020204" pitchFamily="34" charset="0"/>
+              <a:rPr lang="en-CA" sz="1600" dirty="0">
+                <a:latin typeface="Calibri" panose="020F0502020204030204" pitchFamily="34" charset="0"/>
+                <a:cs typeface="Calibri" panose="020F0502020204030204" pitchFamily="34" charset="0"/>
               </a:rPr>
               <a:t>In all these cases there is a CW immediately after EOS. </a:t>
             </a:r>
@@ -9771,9 +9715,9 @@
               </a:spcBef>
             </a:pPr>
             <a:r>
-              <a:rPr lang="en-CA" sz="1400" dirty="0">
-                <a:latin typeface="Arial" panose="020B0604020202020204" pitchFamily="34" charset="0"/>
-                <a:cs typeface="Arial" panose="020B0604020202020204" pitchFamily="34" charset="0"/>
+              <a:rPr lang="en-CA" sz="1600" dirty="0">
+                <a:latin typeface="Calibri" panose="020F0502020204030204" pitchFamily="34" charset="0"/>
+                <a:cs typeface="Calibri" panose="020F0502020204030204" pitchFamily="34" charset="0"/>
               </a:rPr>
               <a:t>Then there is the universal fragmentation idea that is floating about that also wants to follow EOS.</a:t>
             </a:r>
@@ -9784,9 +9728,9 @@
                 <a:spcPts val="600"/>
               </a:spcBef>
             </a:pPr>
-            <a:endParaRPr lang="en-CA" sz="1400" dirty="0">
-              <a:latin typeface="Arial" panose="020B0604020202020204" pitchFamily="34" charset="0"/>
-              <a:cs typeface="Arial" panose="020B0604020202020204" pitchFamily="34" charset="0"/>
+            <a:endParaRPr lang="en-CA" sz="1600" dirty="0">
+              <a:latin typeface="Calibri" panose="020F0502020204030204" pitchFamily="34" charset="0"/>
+              <a:cs typeface="Calibri" panose="020F0502020204030204" pitchFamily="34" charset="0"/>
             </a:endParaRPr>
           </a:p>
           <a:p>
@@ -9797,9 +9741,9 @@
               <a:buNone/>
             </a:pPr>
             <a:r>
-              <a:rPr lang="en-CA" sz="1400" dirty="0">
-                <a:latin typeface="Arial" panose="020B0604020202020204" pitchFamily="34" charset="0"/>
-                <a:cs typeface="Arial" panose="020B0604020202020204" pitchFamily="34" charset="0"/>
+              <a:rPr lang="en-CA" sz="1600" dirty="0">
+                <a:latin typeface="Calibri" panose="020F0502020204030204" pitchFamily="34" charset="0"/>
+                <a:cs typeface="Calibri" panose="020F0502020204030204" pitchFamily="34" charset="0"/>
               </a:rPr>
               <a:t>Reply:</a:t>
             </a:r>
@@ -9813,9 +9757,9 @@
               <a:buChar char="ü"/>
             </a:pPr>
             <a:r>
-              <a:rPr lang="en-US" sz="1400" dirty="0">
-                <a:latin typeface="Arial" panose="020B0604020202020204" pitchFamily="34" charset="0"/>
-                <a:cs typeface="Arial" panose="020B0604020202020204" pitchFamily="34" charset="0"/>
+              <a:rPr lang="en-US" sz="1600" dirty="0">
+                <a:latin typeface="Calibri" panose="020F0502020204030204" pitchFamily="34" charset="0"/>
+                <a:cs typeface="Calibri" panose="020F0502020204030204" pitchFamily="34" charset="0"/>
               </a:rPr>
               <a:t>This is a generic issue applicable to all G-ACH mechanisms used for data traffic. </a:t>
             </a:r>
@@ -11254,7 +11198,7 @@
             </a:pPr>
             <a:r>
               <a:rPr lang="en-CA" sz="1800" dirty="0"/>
-              <a:t>Separate Label values are used for E2E and </a:t>
+              <a:t>Separate Indicator Labels are used for E2E and </a:t>
             </a:r>
             <a:r>
               <a:rPr lang="en-CA" sz="1800" dirty="0" err="1"/>
@@ -11262,39 +11206,7 @@
             </a:r>
             <a:r>
               <a:rPr lang="en-CA" sz="1800" dirty="0"/>
-              <a:t> IOAM to optimize IOAM processing on transit nodes:</a:t>
-            </a:r>
-          </a:p>
-          <a:p>
-            <a:pPr lvl="1">
-              <a:lnSpc>
-                <a:spcPts val="2320"/>
-              </a:lnSpc>
-              <a:spcBef>
-                <a:spcPts val="600"/>
-              </a:spcBef>
-            </a:pPr>
-            <a:r>
-              <a:rPr lang="en-CA" sz="1800" dirty="0"/>
-              <a:t>E2E Label TBA1 </a:t>
-            </a:r>
-          </a:p>
-          <a:p>
-            <a:pPr lvl="1">
-              <a:lnSpc>
-                <a:spcPts val="2320"/>
-              </a:lnSpc>
-              <a:spcBef>
-                <a:spcPts val="600"/>
-              </a:spcBef>
-            </a:pPr>
-            <a:r>
-              <a:rPr lang="en-CA" sz="1800" dirty="0" err="1"/>
-              <a:t>HbH</a:t>
-            </a:r>
-            <a:r>
-              <a:rPr lang="en-CA" sz="1800" dirty="0"/>
-              <a:t> Label TBA2</a:t>
+              <a:t> IOAM to optimize IOAM processing on transit nodes.</a:t>
             </a:r>
           </a:p>
           <a:p>
@@ -11420,8 +11332,8 @@
         </p:nvSpPr>
         <p:spPr>
           <a:xfrm>
-            <a:off x="1066800" y="55980"/>
-            <a:ext cx="7505700" cy="599270"/>
+            <a:off x="1066800" y="129372"/>
+            <a:ext cx="6934200" cy="599270"/>
           </a:xfrm>
         </p:spPr>
         <p:txBody>
@@ -11539,8 +11451,8 @@
         </p:nvSpPr>
         <p:spPr>
           <a:xfrm>
-            <a:off x="2019300" y="892175"/>
-            <a:ext cx="5105400" cy="3554819"/>
+            <a:off x="2019300" y="1018555"/>
+            <a:ext cx="5105400" cy="3277820"/>
           </a:xfrm>
           <a:prstGeom prst="rect">
             <a:avLst/>
@@ -11571,34 +11483,6 @@
                 <a:latin typeface="Courier" pitchFamily="2" charset="0"/>
               </a:rPr>
               <a:t>   0 1 2 3 4 5 6 7 8 9 0 1 2 3 4 5 6 7 8 9 0 1 2 3 4 5 6 7 8 9 0 1</a:t>
-            </a:r>
-          </a:p>
-          <a:p>
-            <a:r>
-              <a:rPr lang="en-CA" sz="900" dirty="0">
-                <a:latin typeface="Courier" pitchFamily="2" charset="0"/>
-              </a:rPr>
-              <a:t>   +-+-+-+-+-+-+-+-+-+-+-+-+-+-+-+-+-+-+-+-+-+-+-+-+-+-+-+-+-+-+-+-+</a:t>
-            </a:r>
-          </a:p>
-          <a:p>
-            <a:r>
-              <a:rPr lang="en-CA" sz="900" dirty="0">
-                <a:latin typeface="Courier" pitchFamily="2" charset="0"/>
-              </a:rPr>
-              <a:t>   |  </a:t>
-            </a:r>
-            <a:r>
-              <a:rPr lang="en-CA" sz="900" b="1" dirty="0">
-                <a:latin typeface="Courier" pitchFamily="2" charset="0"/>
-              </a:rPr>
-              <a:t>Extension Label (15)                 </a:t>
-            </a:r>
-            <a:r>
-              <a:rPr lang="en-CA" sz="900" dirty="0">
-                <a:latin typeface="Courier" pitchFamily="2" charset="0"/>
-              </a:rPr>
-              <a:t>| TC  |0|  TTL          |</a:t>
             </a:r>
           </a:p>
           <a:p>
@@ -11842,8 +11726,8 @@
         </p:nvSpPr>
         <p:spPr>
           <a:xfrm>
-            <a:off x="76200" y="5113"/>
-            <a:ext cx="8229600" cy="857250"/>
+            <a:off x="609600" y="5113"/>
+            <a:ext cx="7696200" cy="857250"/>
           </a:xfrm>
         </p:spPr>
         <p:txBody>
@@ -11875,7 +11759,7 @@
         </p:nvSpPr>
         <p:spPr>
           <a:xfrm>
-            <a:off x="609600" y="895525"/>
+            <a:off x="609600" y="1007445"/>
             <a:ext cx="7924800" cy="3429000"/>
           </a:xfrm>
         </p:spPr>

--- a/draft-gandhi-mpls-ioam-sr-05.pptx
+++ b/draft-gandhi-mpls-ioam-sr-05.pptx
@@ -7825,7 +7825,7 @@
                 <a:latin typeface="Calibri Light" panose="020F0302020204030204" pitchFamily="34" charset="0"/>
                 <a:cs typeface="Calibri Light" panose="020F0302020204030204" pitchFamily="34" charset="0"/>
               </a:rPr>
-              <a:t>1. Impact on Label Stack Size Imposed by Ingress</a:t>
+              <a:t>1. Label Stack Size Imposed by Ingress</a:t>
             </a:r>
           </a:p>
         </p:txBody>
@@ -7904,11 +7904,18 @@
               </a:spcBef>
             </a:pPr>
             <a:r>
+              <a:rPr lang="en-US" sz="1200" dirty="0" err="1">
+                <a:latin typeface="Calibri" panose="020F0502020204030204" pitchFamily="34" charset="0"/>
+                <a:cs typeface="Calibri" panose="020F0502020204030204" pitchFamily="34" charset="0"/>
+              </a:rPr>
+              <a:t>HbH</a:t>
+            </a:r>
+            <a:r>
               <a:rPr lang="en-US" sz="1200" dirty="0">
                 <a:latin typeface="Calibri" panose="020F0502020204030204" pitchFamily="34" charset="0"/>
                 <a:cs typeface="Calibri" panose="020F0502020204030204" pitchFamily="34" charset="0"/>
               </a:rPr>
-              <a:t>Extension Label 15 (only when using </a:t>
+              <a:t> IOAM Indicator (Also, Extension Label 15 when using </a:t>
             </a:r>
             <a:r>
               <a:rPr lang="en-US" sz="1200" dirty="0" err="1">
@@ -7923,27 +7930,6 @@
                 <a:cs typeface="Calibri" panose="020F0502020204030204" pitchFamily="34" charset="0"/>
               </a:rPr>
               <a:t>)</a:t>
-            </a:r>
-          </a:p>
-          <a:p>
-            <a:pPr lvl="1">
-              <a:spcBef>
-                <a:spcPts val="600"/>
-              </a:spcBef>
-            </a:pPr>
-            <a:r>
-              <a:rPr lang="en-US" sz="1200" dirty="0" err="1">
-                <a:latin typeface="Calibri" panose="020F0502020204030204" pitchFamily="34" charset="0"/>
-                <a:cs typeface="Calibri" panose="020F0502020204030204" pitchFamily="34" charset="0"/>
-              </a:rPr>
-              <a:t>HbH</a:t>
-            </a:r>
-            <a:r>
-              <a:rPr lang="en-US" sz="1200" dirty="0">
-                <a:latin typeface="Calibri" panose="020F0502020204030204" pitchFamily="34" charset="0"/>
-                <a:cs typeface="Calibri" panose="020F0502020204030204" pitchFamily="34" charset="0"/>
-              </a:rPr>
-              <a:t> IOAM Indicator</a:t>
             </a:r>
           </a:p>
           <a:p>
@@ -8327,7 +8313,7 @@
                 <a:latin typeface="Calibri Light" panose="020F0302020204030204" pitchFamily="34" charset="0"/>
                 <a:cs typeface="Calibri Light" panose="020F0302020204030204" pitchFamily="34" charset="0"/>
               </a:rPr>
-              <a:t>2. Transit Nodes Scan Deeper in MPLS Header</a:t>
+              <a:t>2. Transit Nodes Scanning Label Stack</a:t>
             </a:r>
           </a:p>
         </p:txBody>
@@ -8364,21 +8350,21 @@
               </a:spcBef>
             </a:pPr>
             <a:r>
-              <a:rPr lang="en-US" sz="1600" dirty="0">
+              <a:rPr lang="en-US" sz="1400" dirty="0">
                 <a:latin typeface="Calibri" panose="020F0502020204030204" pitchFamily="34" charset="0"/>
                 <a:cs typeface="Calibri" panose="020F0502020204030204" pitchFamily="34" charset="0"/>
               </a:rPr>
               <a:t>Applicable to </a:t>
             </a:r>
             <a:r>
-              <a:rPr lang="en-US" sz="1600" dirty="0" err="1">
+              <a:rPr lang="en-US" sz="1400" dirty="0" err="1">
                 <a:latin typeface="Calibri" panose="020F0502020204030204" pitchFamily="34" charset="0"/>
                 <a:cs typeface="Calibri" panose="020F0502020204030204" pitchFamily="34" charset="0"/>
               </a:rPr>
               <a:t>HbH</a:t>
             </a:r>
             <a:r>
-              <a:rPr lang="en-US" sz="1600" dirty="0">
+              <a:rPr lang="en-US" sz="1400" dirty="0">
                 <a:latin typeface="Calibri" panose="020F0502020204030204" pitchFamily="34" charset="0"/>
                 <a:cs typeface="Calibri" panose="020F0502020204030204" pitchFamily="34" charset="0"/>
               </a:rPr>
@@ -8392,21 +8378,21 @@
               </a:spcBef>
             </a:pPr>
             <a:r>
-              <a:rPr lang="en-US" sz="1600" dirty="0">
+              <a:rPr lang="en-US" sz="1400" dirty="0">
                 <a:latin typeface="Calibri" panose="020F0502020204030204" pitchFamily="34" charset="0"/>
                 <a:cs typeface="Calibri" panose="020F0502020204030204" pitchFamily="34" charset="0"/>
               </a:rPr>
               <a:t>Transit nodes need to scan deeper into the MPLS header to find IOAM Indicator Label only when </a:t>
             </a:r>
             <a:r>
-              <a:rPr lang="en-US" sz="1600" dirty="0" err="1">
+              <a:rPr lang="en-US" sz="1400" dirty="0" err="1">
                 <a:latin typeface="Calibri" panose="020F0502020204030204" pitchFamily="34" charset="0"/>
                 <a:cs typeface="Calibri" panose="020F0502020204030204" pitchFamily="34" charset="0"/>
               </a:rPr>
               <a:t>HbH</a:t>
             </a:r>
             <a:r>
-              <a:rPr lang="en-US" sz="1600" dirty="0">
+              <a:rPr lang="en-US" sz="1400" dirty="0">
                 <a:latin typeface="Calibri" panose="020F0502020204030204" pitchFamily="34" charset="0"/>
                 <a:cs typeface="Calibri" panose="020F0502020204030204" pitchFamily="34" charset="0"/>
               </a:rPr>
@@ -8419,7 +8405,7 @@
                 <a:spcPts val="600"/>
               </a:spcBef>
             </a:pPr>
-            <a:endParaRPr lang="en-US" sz="1600" dirty="0">
+            <a:endParaRPr lang="en-US" sz="1400" dirty="0">
               <a:latin typeface="Calibri" panose="020F0502020204030204" pitchFamily="34" charset="0"/>
               <a:cs typeface="Calibri" panose="020F0502020204030204" pitchFamily="34" charset="0"/>
             </a:endParaRPr>
@@ -8430,7 +8416,7 @@
                 <a:spcPts val="600"/>
               </a:spcBef>
             </a:pPr>
-            <a:endParaRPr lang="en-US" sz="1600" dirty="0">
+            <a:endParaRPr lang="en-US" sz="1400" dirty="0">
               <a:latin typeface="Calibri" panose="020F0502020204030204" pitchFamily="34" charset="0"/>
               <a:cs typeface="Calibri" panose="020F0502020204030204" pitchFamily="34" charset="0"/>
             </a:endParaRPr>
@@ -8443,7 +8429,7 @@
               <a:buNone/>
             </a:pPr>
             <a:r>
-              <a:rPr lang="en-US" sz="1600" dirty="0">
+              <a:rPr lang="en-US" sz="1400" dirty="0">
                 <a:latin typeface="Calibri" panose="020F0502020204030204" pitchFamily="34" charset="0"/>
                 <a:cs typeface="Calibri" panose="020F0502020204030204" pitchFamily="34" charset="0"/>
               </a:rPr>
@@ -8459,13 +8445,13 @@
               <a:buChar char="ü"/>
             </a:pPr>
             <a:r>
-              <a:rPr lang="en-US" sz="1600" dirty="0">
+              <a:rPr lang="en-US" sz="1400" dirty="0">
                 <a:latin typeface="Calibri" panose="020F0502020204030204" pitchFamily="34" charset="0"/>
                 <a:cs typeface="Calibri" panose="020F0502020204030204" pitchFamily="34" charset="0"/>
               </a:rPr>
               <a:t>This is also true for ELI and EL today.</a:t>
             </a:r>
-            <a:endParaRPr lang="en-CA" sz="1600" dirty="0">
+            <a:endParaRPr lang="en-CA" sz="1400" dirty="0">
               <a:latin typeface="Calibri" panose="020F0502020204030204" pitchFamily="34" charset="0"/>
               <a:cs typeface="Calibri" panose="020F0502020204030204" pitchFamily="34" charset="0"/>
             </a:endParaRPr>
@@ -8479,7 +8465,7 @@
               <a:buChar char="ü"/>
             </a:pPr>
             <a:r>
-              <a:rPr lang="en-CA" sz="1600" dirty="0">
+              <a:rPr lang="en-CA" sz="1400" dirty="0">
                 <a:latin typeface="Calibri" panose="020F0502020204030204" pitchFamily="34" charset="0"/>
                 <a:cs typeface="Calibri" panose="020F0502020204030204" pitchFamily="34" charset="0"/>
               </a:rPr>
@@ -8495,7 +8481,7 @@
               <a:buChar char="ü"/>
             </a:pPr>
             <a:r>
-              <a:rPr lang="en-CA" sz="1600" dirty="0">
+              <a:rPr lang="en-CA" sz="1400" dirty="0">
                 <a:latin typeface="Calibri" panose="020F0502020204030204" pitchFamily="34" charset="0"/>
                 <a:cs typeface="Calibri" panose="020F0502020204030204" pitchFamily="34" charset="0"/>
               </a:rPr>
@@ -8510,7 +8496,7 @@
               <a:buFont typeface="Wingdings" pitchFamily="2" charset="2"/>
               <a:buChar char="ü"/>
             </a:pPr>
-            <a:endParaRPr lang="en-CA" sz="1600" dirty="0">
+            <a:endParaRPr lang="en-CA" sz="1400" dirty="0">
               <a:latin typeface="Calibri" panose="020F0502020204030204" pitchFamily="34" charset="0"/>
               <a:cs typeface="Calibri" panose="020F0502020204030204" pitchFamily="34" charset="0"/>
             </a:endParaRPr>
@@ -8521,7 +8507,7 @@
                 <a:spcPts val="600"/>
               </a:spcBef>
             </a:pPr>
-            <a:endParaRPr lang="en-US" sz="1600" dirty="0">
+            <a:endParaRPr lang="en-US" sz="1400" dirty="0">
               <a:latin typeface="Calibri" panose="020F0502020204030204" pitchFamily="34" charset="0"/>
               <a:cs typeface="Calibri" panose="020F0502020204030204" pitchFamily="34" charset="0"/>
             </a:endParaRPr>
@@ -8709,7 +8695,7 @@
               </a:spcBef>
             </a:pPr>
             <a:r>
-              <a:rPr lang="en-CA" sz="1600" dirty="0">
+              <a:rPr lang="en-CA" sz="1400" dirty="0">
                 <a:solidFill>
                   <a:srgbClr val="000000"/>
                 </a:solidFill>
@@ -8719,7 +8705,7 @@
               <a:t>Applicable to </a:t>
             </a:r>
             <a:r>
-              <a:rPr lang="en-CA" sz="1600" dirty="0" err="1">
+              <a:rPr lang="en-CA" sz="1400" dirty="0" err="1">
                 <a:solidFill>
                   <a:srgbClr val="000000"/>
                 </a:solidFill>
@@ -8729,7 +8715,7 @@
               <a:t>HbH</a:t>
             </a:r>
             <a:r>
-              <a:rPr lang="en-CA" sz="1600" dirty="0">
+              <a:rPr lang="en-CA" sz="1400" dirty="0">
                 <a:solidFill>
                   <a:srgbClr val="000000"/>
                 </a:solidFill>
@@ -8746,7 +8732,7 @@
               </a:spcBef>
             </a:pPr>
             <a:r>
-              <a:rPr lang="en-CA" sz="1600" dirty="0">
+              <a:rPr lang="en-CA" sz="1400" dirty="0">
                 <a:solidFill>
                   <a:srgbClr val="000000"/>
                 </a:solidFill>
@@ -8763,7 +8749,7 @@
               </a:spcBef>
             </a:pPr>
             <a:r>
-              <a:rPr lang="en-CA" sz="1600" dirty="0">
+              <a:rPr lang="en-CA" sz="1400" dirty="0">
                 <a:solidFill>
                   <a:srgbClr val="000000"/>
                 </a:solidFill>
@@ -8779,7 +8765,7 @@
                 <a:spcPts val="600"/>
               </a:spcBef>
             </a:pPr>
-            <a:endParaRPr lang="en-CA" sz="1600" dirty="0">
+            <a:endParaRPr lang="en-CA" sz="1400" dirty="0">
               <a:solidFill>
                 <a:srgbClr val="000000"/>
               </a:solidFill>
@@ -8795,7 +8781,7 @@
               <a:buNone/>
             </a:pPr>
             <a:r>
-              <a:rPr lang="en-CA" sz="1600" dirty="0">
+              <a:rPr lang="en-CA" sz="1400" dirty="0">
                 <a:solidFill>
                   <a:srgbClr val="000000"/>
                 </a:solidFill>
@@ -8814,7 +8800,7 @@
               <a:buChar char="ü"/>
             </a:pPr>
             <a:r>
-              <a:rPr lang="en-CA" sz="1600" dirty="0">
+              <a:rPr lang="en-CA" sz="1400" dirty="0">
                 <a:solidFill>
                   <a:srgbClr val="000000"/>
                 </a:solidFill>
@@ -8823,7 +8809,7 @@
               </a:rPr>
               <a:t>This is indeed an issue with using SFL kind of approach. OAM reports the metrics of the LSP on which the normal traffic is not flowing. The forwarding normal packets are not using the LSP used by the OAM, as there are two synonymous LSPs.</a:t>
             </a:r>
-            <a:endParaRPr lang="en-US" sz="1600" dirty="0">
+            <a:endParaRPr lang="en-US" sz="1400" dirty="0">
               <a:latin typeface="Calibri" panose="020F0502020204030204" pitchFamily="34" charset="0"/>
               <a:cs typeface="Calibri" panose="020F0502020204030204" pitchFamily="34" charset="0"/>
             </a:endParaRPr>
@@ -8834,7 +8820,7 @@
                 <a:spcPts val="600"/>
               </a:spcBef>
             </a:pPr>
-            <a:endParaRPr lang="en-US" sz="1600" dirty="0">
+            <a:endParaRPr lang="en-US" sz="1400" dirty="0">
               <a:latin typeface="Calibri" panose="020F0502020204030204" pitchFamily="34" charset="0"/>
               <a:cs typeface="Calibri" panose="020F0502020204030204" pitchFamily="34" charset="0"/>
             </a:endParaRPr>
@@ -8845,7 +8831,7 @@
                 <a:spcPts val="600"/>
               </a:spcBef>
             </a:pPr>
-            <a:endParaRPr lang="en-US" sz="1600" dirty="0">
+            <a:endParaRPr lang="en-US" sz="1400" dirty="0">
               <a:latin typeface="Calibri" panose="020F0502020204030204" pitchFamily="34" charset="0"/>
               <a:cs typeface="Calibri" panose="020F0502020204030204" pitchFamily="34" charset="0"/>
             </a:endParaRPr>
@@ -9145,8 +9131,8 @@
         </p:nvSpPr>
         <p:spPr>
           <a:xfrm>
-            <a:off x="685800" y="91664"/>
-            <a:ext cx="8153400" cy="599270"/>
+            <a:off x="304800" y="123407"/>
+            <a:ext cx="8763000" cy="599270"/>
           </a:xfrm>
         </p:spPr>
         <p:txBody>
@@ -9155,7 +9141,7 @@
           <a:p>
             <a:pPr algn="l"/>
             <a:r>
-              <a:rPr lang="en-CA" sz="3200" dirty="0">
+              <a:rPr lang="en-CA" sz="2600" dirty="0">
                 <a:solidFill>
                   <a:srgbClr val="0070C0"/>
                 </a:solidFill>
@@ -9165,7 +9151,7 @@
               <a:t>3. Example </a:t>
             </a:r>
             <a:r>
-              <a:rPr lang="en-CA" sz="3200" dirty="0" err="1">
+              <a:rPr lang="en-CA" sz="2600" dirty="0" err="1">
                 <a:solidFill>
                   <a:srgbClr val="0070C0"/>
                 </a:solidFill>
@@ -9175,16 +9161,16 @@
               <a:t>HbH</a:t>
             </a:r>
             <a:r>
-              <a:rPr lang="en-CA" sz="3200" dirty="0">
+              <a:rPr lang="en-CA" sz="2600" dirty="0">
                 <a:solidFill>
                   <a:srgbClr val="0070C0"/>
                 </a:solidFill>
                 <a:latin typeface="Calibri Light" panose="020F0302020204030204" pitchFamily="34" charset="0"/>
                 <a:cs typeface="Calibri Light" panose="020F0302020204030204" pitchFamily="34" charset="0"/>
               </a:rPr>
-              <a:t> IOAM Encapsulation Using SFL</a:t>
-            </a:r>
-            <a:endParaRPr lang="en-US" sz="3200" dirty="0">
+              <a:t> IOAM Encapsulation Using IOAM Enabled Label</a:t>
+            </a:r>
+            <a:endParaRPr lang="en-US" sz="2600" dirty="0">
               <a:solidFill>
                 <a:srgbClr val="0070C0"/>
               </a:solidFill>
@@ -9331,7 +9317,7 @@
               <a:rPr lang="en-CA" sz="900" dirty="0">
                 <a:latin typeface="Courier" pitchFamily="2" charset="0"/>
               </a:rPr>
-              <a:t>   |  Synonymous IOAM-Label(1)             | TC  |S|  TTL          |</a:t>
+              <a:t>   |  Synonymous IOAM-Enabled-Label(1)     | TC  |S|  TTL          |</a:t>
             </a:r>
           </a:p>
           <a:p>
@@ -9363,7 +9349,7 @@
               <a:rPr lang="en-CA" sz="900" dirty="0">
                 <a:latin typeface="Courier" pitchFamily="2" charset="0"/>
               </a:rPr>
-              <a:t>   |  Synonymous IOAM-Label(n)             | TC  |S|  TTL          |</a:t>
+              <a:t>   |  Synonymous IOAM-Enabled-Label(n)     | TC  |S|  TTL          |</a:t>
             </a:r>
           </a:p>
           <a:p>
@@ -9577,8 +9563,8 @@
         </p:nvSpPr>
         <p:spPr>
           <a:xfrm>
-            <a:off x="1405379" y="7837"/>
-            <a:ext cx="5181600" cy="857250"/>
+            <a:off x="1905000" y="0"/>
+            <a:ext cx="4385821" cy="857250"/>
           </a:xfrm>
         </p:spPr>
         <p:txBody>
@@ -9631,21 +9617,21 @@
               </a:spcBef>
             </a:pPr>
             <a:r>
-              <a:rPr lang="en-CA" sz="1600" dirty="0">
+              <a:rPr lang="en-CA" sz="1400" dirty="0">
                 <a:latin typeface="Calibri" panose="020F0502020204030204" pitchFamily="34" charset="0"/>
                 <a:cs typeface="Calibri" panose="020F0502020204030204" pitchFamily="34" charset="0"/>
               </a:rPr>
               <a:t>Applicable to E2E and </a:t>
             </a:r>
             <a:r>
-              <a:rPr lang="en-CA" sz="1600" dirty="0" err="1">
+              <a:rPr lang="en-CA" sz="1400" dirty="0" err="1">
                 <a:latin typeface="Calibri" panose="020F0502020204030204" pitchFamily="34" charset="0"/>
                 <a:cs typeface="Calibri" panose="020F0502020204030204" pitchFamily="34" charset="0"/>
               </a:rPr>
               <a:t>HbH</a:t>
             </a:r>
             <a:r>
-              <a:rPr lang="en-CA" sz="1600" dirty="0">
+              <a:rPr lang="en-CA" sz="1400" dirty="0">
                 <a:latin typeface="Calibri" panose="020F0502020204030204" pitchFamily="34" charset="0"/>
                 <a:cs typeface="Calibri" panose="020F0502020204030204" pitchFamily="34" charset="0"/>
               </a:rPr>
@@ -9659,21 +9645,21 @@
               </a:spcBef>
             </a:pPr>
             <a:r>
-              <a:rPr lang="en-CA" sz="1600" dirty="0">
+              <a:rPr lang="en-CA" sz="1400" dirty="0">
                 <a:latin typeface="Calibri" panose="020F0502020204030204" pitchFamily="34" charset="0"/>
                 <a:cs typeface="Calibri" panose="020F0502020204030204" pitchFamily="34" charset="0"/>
               </a:rPr>
               <a:t>What if the LSP is carrying a PW or is </a:t>
             </a:r>
             <a:r>
-              <a:rPr lang="en-CA" sz="1600" dirty="0" err="1">
+              <a:rPr lang="en-CA" sz="1400" dirty="0" err="1">
                 <a:latin typeface="Calibri" panose="020F0502020204030204" pitchFamily="34" charset="0"/>
                 <a:cs typeface="Calibri" panose="020F0502020204030204" pitchFamily="34" charset="0"/>
               </a:rPr>
               <a:t>DetNet</a:t>
             </a:r>
             <a:r>
-              <a:rPr lang="en-CA" sz="1600" dirty="0">
+              <a:rPr lang="en-CA" sz="1400" dirty="0">
                 <a:latin typeface="Calibri" panose="020F0502020204030204" pitchFamily="34" charset="0"/>
                 <a:cs typeface="Calibri" panose="020F0502020204030204" pitchFamily="34" charset="0"/>
               </a:rPr>
@@ -9687,7 +9673,7 @@
               </a:spcBef>
             </a:pPr>
             <a:r>
-              <a:rPr lang="en-CA" sz="1600" dirty="0">
+              <a:rPr lang="en-CA" sz="1400" dirty="0">
                 <a:latin typeface="Calibri" panose="020F0502020204030204" pitchFamily="34" charset="0"/>
                 <a:cs typeface="Calibri" panose="020F0502020204030204" pitchFamily="34" charset="0"/>
               </a:rPr>
@@ -9701,7 +9687,7 @@
               </a:spcBef>
             </a:pPr>
             <a:r>
-              <a:rPr lang="en-CA" sz="1600" dirty="0">
+              <a:rPr lang="en-CA" sz="1400" dirty="0">
                 <a:latin typeface="Calibri" panose="020F0502020204030204" pitchFamily="34" charset="0"/>
                 <a:cs typeface="Calibri" panose="020F0502020204030204" pitchFamily="34" charset="0"/>
               </a:rPr>
@@ -9715,7 +9701,7 @@
               </a:spcBef>
             </a:pPr>
             <a:r>
-              <a:rPr lang="en-CA" sz="1600" dirty="0">
+              <a:rPr lang="en-CA" sz="1400" dirty="0">
                 <a:latin typeface="Calibri" panose="020F0502020204030204" pitchFamily="34" charset="0"/>
                 <a:cs typeface="Calibri" panose="020F0502020204030204" pitchFamily="34" charset="0"/>
               </a:rPr>
@@ -9728,7 +9714,7 @@
                 <a:spcPts val="600"/>
               </a:spcBef>
             </a:pPr>
-            <a:endParaRPr lang="en-CA" sz="1600" dirty="0">
+            <a:endParaRPr lang="en-CA" sz="1400" dirty="0">
               <a:latin typeface="Calibri" panose="020F0502020204030204" pitchFamily="34" charset="0"/>
               <a:cs typeface="Calibri" panose="020F0502020204030204" pitchFamily="34" charset="0"/>
             </a:endParaRPr>
@@ -9741,7 +9727,7 @@
               <a:buNone/>
             </a:pPr>
             <a:r>
-              <a:rPr lang="en-CA" sz="1600" dirty="0">
+              <a:rPr lang="en-CA" sz="1400" dirty="0">
                 <a:latin typeface="Calibri" panose="020F0502020204030204" pitchFamily="34" charset="0"/>
                 <a:cs typeface="Calibri" panose="020F0502020204030204" pitchFamily="34" charset="0"/>
               </a:rPr>
@@ -9757,7 +9743,7 @@
               <a:buChar char="ü"/>
             </a:pPr>
             <a:r>
-              <a:rPr lang="en-US" sz="1600" dirty="0">
+              <a:rPr lang="en-US" sz="1400" dirty="0">
                 <a:latin typeface="Calibri" panose="020F0502020204030204" pitchFamily="34" charset="0"/>
                 <a:cs typeface="Calibri" panose="020F0502020204030204" pitchFamily="34" charset="0"/>
               </a:rPr>

--- a/draft-gandhi-mpls-ioam-sr-05.pptx
+++ b/draft-gandhi-mpls-ioam-sr-05.pptx
@@ -5,10 +5,10 @@
     <p:sldMasterId id="2147483648" r:id="rId1"/>
   </p:sldMasterIdLst>
   <p:notesMasterIdLst>
-    <p:notesMasterId r:id="rId24"/>
+    <p:notesMasterId r:id="rId26"/>
   </p:notesMasterIdLst>
   <p:handoutMasterIdLst>
-    <p:handoutMasterId r:id="rId25"/>
+    <p:handoutMasterId r:id="rId27"/>
   </p:handoutMasterIdLst>
   <p:sldIdLst>
     <p:sldId id="256" r:id="rId2"/>
@@ -19,20 +19,22 @@
     <p:sldId id="1659" r:id="rId7"/>
     <p:sldId id="1672" r:id="rId8"/>
     <p:sldId id="1662" r:id="rId9"/>
-    <p:sldId id="1664" r:id="rId10"/>
-    <p:sldId id="1673" r:id="rId11"/>
-    <p:sldId id="320" r:id="rId12"/>
-    <p:sldId id="1663" r:id="rId13"/>
-    <p:sldId id="1667" r:id="rId14"/>
-    <p:sldId id="1661" r:id="rId15"/>
-    <p:sldId id="303" r:id="rId16"/>
-    <p:sldId id="1670" r:id="rId17"/>
-    <p:sldId id="1677" r:id="rId18"/>
-    <p:sldId id="1678" r:id="rId19"/>
-    <p:sldId id="1679" r:id="rId20"/>
-    <p:sldId id="1674" r:id="rId21"/>
-    <p:sldId id="1676" r:id="rId22"/>
-    <p:sldId id="1669" r:id="rId23"/>
+    <p:sldId id="1681" r:id="rId10"/>
+    <p:sldId id="1664" r:id="rId11"/>
+    <p:sldId id="1673" r:id="rId12"/>
+    <p:sldId id="320" r:id="rId13"/>
+    <p:sldId id="1680" r:id="rId14"/>
+    <p:sldId id="1663" r:id="rId15"/>
+    <p:sldId id="1667" r:id="rId16"/>
+    <p:sldId id="1661" r:id="rId17"/>
+    <p:sldId id="303" r:id="rId18"/>
+    <p:sldId id="1670" r:id="rId19"/>
+    <p:sldId id="1677" r:id="rId20"/>
+    <p:sldId id="1678" r:id="rId21"/>
+    <p:sldId id="1679" r:id="rId22"/>
+    <p:sldId id="1674" r:id="rId23"/>
+    <p:sldId id="1676" r:id="rId24"/>
+    <p:sldId id="1669" r:id="rId25"/>
   </p:sldIdLst>
   <p:sldSz cx="9144000" cy="5143500" type="screen16x9"/>
   <p:notesSz cx="6858000" cy="9144000"/>
@@ -953,7 +955,7 @@
               <a:pPr>
                 <a:defRPr/>
               </a:pPr>
-              <a:t>14</a:t>
+              <a:t>16</a:t>
             </a:fld>
             <a:endParaRPr lang="en-US" altLang="zh-CN"/>
           </a:p>
@@ -1043,7 +1045,7 @@
               <a:pPr>
                 <a:defRPr/>
               </a:pPr>
-              <a:t>15</a:t>
+              <a:t>17</a:t>
             </a:fld>
             <a:endParaRPr lang="en-US" altLang="zh-CN"/>
           </a:p>
@@ -1133,7 +1135,7 @@
               <a:pPr>
                 <a:defRPr/>
               </a:pPr>
-              <a:t>16</a:t>
+              <a:t>18</a:t>
             </a:fld>
             <a:endParaRPr lang="en-US" altLang="zh-CN"/>
           </a:p>
@@ -1223,7 +1225,7 @@
               <a:pPr>
                 <a:defRPr/>
               </a:pPr>
-              <a:t>22</a:t>
+              <a:t>24</a:t>
             </a:fld>
             <a:endParaRPr lang="en-US" altLang="zh-CN"/>
           </a:p>
@@ -1763,7 +1765,7 @@
               <a:pPr>
                 <a:defRPr/>
               </a:pPr>
-              <a:t>9</a:t>
+              <a:t>10</a:t>
             </a:fld>
             <a:endParaRPr lang="en-US" altLang="zh-CN"/>
           </a:p>
@@ -1853,7 +1855,7 @@
               <a:pPr>
                 <a:defRPr/>
               </a:pPr>
-              <a:t>11</a:t>
+              <a:t>12</a:t>
             </a:fld>
             <a:endParaRPr lang="en-US" altLang="zh-CN"/>
           </a:p>
@@ -1943,7 +1945,7 @@
               <a:pPr>
                 <a:defRPr/>
               </a:pPr>
-              <a:t>12</a:t>
+              <a:t>14</a:t>
             </a:fld>
             <a:endParaRPr lang="en-US" altLang="zh-CN"/>
           </a:p>
@@ -5625,13 +5627,7 @@
       </p:grpSpPr>
       <p:sp>
         <p:nvSpPr>
-          <p:cNvPr id="2" name="Title 1">
-            <a:extLst>
-              <a:ext uri="{FF2B5EF4-FFF2-40B4-BE49-F238E27FC236}">
-                <a16:creationId xmlns:a16="http://schemas.microsoft.com/office/drawing/2014/main" id="{590D0125-5A9E-9D48-9391-85FBD0E608A2}"/>
-              </a:ext>
-            </a:extLst>
-          </p:cNvPr>
+          <p:cNvPr id="2" name="Title 1"/>
           <p:cNvSpPr>
             <a:spLocks noGrp="1"/>
           </p:cNvSpPr>
@@ -5641,64 +5637,141 @@
         </p:nvSpPr>
         <p:spPr>
           <a:xfrm>
-            <a:off x="914400" y="41937"/>
-            <a:ext cx="8001000" cy="599270"/>
+            <a:off x="457200" y="-21771"/>
+            <a:ext cx="8229600" cy="857250"/>
           </a:xfrm>
         </p:spPr>
         <p:txBody>
           <a:bodyPr/>
           <a:lstStyle/>
           <a:p>
-            <a:pPr algn="l"/>
-            <a:r>
-              <a:rPr lang="en-CA" sz="3200" dirty="0" err="1">
+            <a:r>
+              <a:rPr lang="en-US" sz="3600" dirty="0">
                 <a:solidFill>
                   <a:srgbClr val="0070C0"/>
                 </a:solidFill>
                 <a:latin typeface="Calibri Light" panose="020F0302020204030204" pitchFamily="34" charset="0"/>
                 <a:cs typeface="Calibri Light" panose="020F0302020204030204" pitchFamily="34" charset="0"/>
               </a:rPr>
-              <a:t>HbH</a:t>
-            </a:r>
-            <a:r>
-              <a:rPr lang="en-CA" sz="3200" dirty="0">
-                <a:solidFill>
-                  <a:srgbClr val="0070C0"/>
-                </a:solidFill>
-                <a:latin typeface="Calibri Light" panose="020F0302020204030204" pitchFamily="34" charset="0"/>
-                <a:cs typeface="Calibri Light" panose="020F0302020204030204" pitchFamily="34" charset="0"/>
-              </a:rPr>
-              <a:t> IOAM Encapsulation in MPLS Header</a:t>
-            </a:r>
-            <a:endParaRPr lang="en-US" sz="3200" dirty="0">
-              <a:solidFill>
-                <a:srgbClr val="0070C0"/>
-              </a:solidFill>
-              <a:latin typeface="Calibri Light" panose="020F0302020204030204" pitchFamily="34" charset="0"/>
-              <a:cs typeface="Calibri Light" panose="020F0302020204030204" pitchFamily="34" charset="0"/>
-            </a:endParaRPr>
-          </a:p>
-        </p:txBody>
-      </p:sp>
-      <p:sp>
-        <p:nvSpPr>
-          <p:cNvPr id="4" name="Footer Placeholder 3">
-            <a:extLst>
-              <a:ext uri="{FF2B5EF4-FFF2-40B4-BE49-F238E27FC236}">
-                <a16:creationId xmlns:a16="http://schemas.microsoft.com/office/drawing/2014/main" id="{87713FCD-3B47-804D-B373-DAB61FB5FF59}"/>
-              </a:ext>
-            </a:extLst>
-          </p:cNvPr>
+              <a:t>E2E IOAM Procedure</a:t>
+            </a:r>
+          </a:p>
+        </p:txBody>
+      </p:sp>
+      <p:sp>
+        <p:nvSpPr>
+          <p:cNvPr id="3" name="Content Placeholder 2"/>
           <p:cNvSpPr>
             <a:spLocks noGrp="1"/>
           </p:cNvSpPr>
           <p:nvPr>
-            <p:ph type="ftr" sz="quarter" idx="11"/>
+            <p:ph idx="1"/>
           </p:nvPr>
         </p:nvSpPr>
         <p:spPr>
           <a:xfrm>
-            <a:off x="3124200" y="4781550"/>
+            <a:off x="533399" y="857250"/>
+            <a:ext cx="7982607" cy="3543300"/>
+          </a:xfrm>
+        </p:spPr>
+        <p:txBody>
+          <a:bodyPr/>
+          <a:lstStyle/>
+          <a:p>
+            <a:pPr marL="457200" lvl="0" indent="-457200">
+              <a:lnSpc>
+                <a:spcPts val="2440"/>
+              </a:lnSpc>
+              <a:spcBef>
+                <a:spcPts val="600"/>
+              </a:spcBef>
+              <a:buFont typeface="+mj-lt"/>
+              <a:buAutoNum type="arabicPeriod"/>
+            </a:pPr>
+            <a:r>
+              <a:rPr lang="en-CA" sz="1800" dirty="0"/>
+              <a:t>The encapsulating node inserts an E2E Indicator Label and one or more IOAM data field(s) in the MPLS header.</a:t>
+            </a:r>
+          </a:p>
+          <a:p>
+            <a:pPr marL="457200" lvl="0" indent="-457200">
+              <a:lnSpc>
+                <a:spcPts val="2440"/>
+              </a:lnSpc>
+              <a:spcBef>
+                <a:spcPts val="600"/>
+              </a:spcBef>
+              <a:buFont typeface="+mj-lt"/>
+              <a:buAutoNum type="arabicPeriod"/>
+            </a:pPr>
+            <a:r>
+              <a:rPr lang="en-CA" sz="1800" dirty="0"/>
+              <a:t>The decapsulating node "punts the timestamped copy" of the data packet including IOAM data field(s). </a:t>
+            </a:r>
+          </a:p>
+          <a:p>
+            <a:pPr marL="857250" lvl="1" indent="-457200">
+              <a:lnSpc>
+                <a:spcPts val="2440"/>
+              </a:lnSpc>
+              <a:spcBef>
+                <a:spcPts val="600"/>
+              </a:spcBef>
+              <a:buFont typeface="+mj-lt"/>
+              <a:buAutoNum type="alphaLcPeriod"/>
+            </a:pPr>
+            <a:r>
+              <a:rPr lang="en-CA" sz="1800" dirty="0"/>
+              <a:t>The decapsulating node for E2E IOAM also pops the IOAM Indicator Label and the IOAM data field(s) from the MPLS header.</a:t>
+            </a:r>
+          </a:p>
+          <a:p>
+            <a:pPr marL="857250" lvl="1" indent="-457200">
+              <a:lnSpc>
+                <a:spcPts val="2440"/>
+              </a:lnSpc>
+              <a:spcBef>
+                <a:spcPts val="600"/>
+              </a:spcBef>
+              <a:buFont typeface="+mj-lt"/>
+              <a:buAutoNum type="alphaLcPeriod"/>
+            </a:pPr>
+            <a:r>
+              <a:rPr lang="en-CA" sz="1800" dirty="0"/>
+              <a:t>The decapsulating node processes IOAM data field(s).</a:t>
+            </a:r>
+          </a:p>
+          <a:p>
+            <a:pPr marL="857250" lvl="1" indent="-457200">
+              <a:lnSpc>
+                <a:spcPts val="2440"/>
+              </a:lnSpc>
+              <a:spcBef>
+                <a:spcPts val="600"/>
+              </a:spcBef>
+              <a:buFont typeface="+mj-lt"/>
+              <a:buAutoNum type="alphaLcPeriod"/>
+            </a:pPr>
+            <a:r>
+              <a:rPr lang="en-CA" sz="1800" dirty="0"/>
+              <a:t>The decapsulating node forwards the data packet downstream.</a:t>
+            </a:r>
+          </a:p>
+        </p:txBody>
+      </p:sp>
+      <p:sp>
+        <p:nvSpPr>
+          <p:cNvPr id="4" name="Footer Placeholder 3"/>
+          <p:cNvSpPr>
+            <a:spLocks noGrp="1"/>
+          </p:cNvSpPr>
+          <p:nvPr>
+            <p:ph type="ftr" sz="quarter" idx="11"/>
+          </p:nvPr>
+        </p:nvSpPr>
+        <p:spPr>
+          <a:xfrm>
+            <a:off x="3124200" y="4786312"/>
             <a:ext cx="2895600" cy="357188"/>
           </a:xfrm>
         </p:spPr>
@@ -5723,13 +5796,7 @@
       </p:sp>
       <p:sp>
         <p:nvSpPr>
-          <p:cNvPr id="5" name="Slide Number Placeholder 4">
-            <a:extLst>
-              <a:ext uri="{FF2B5EF4-FFF2-40B4-BE49-F238E27FC236}">
-                <a16:creationId xmlns:a16="http://schemas.microsoft.com/office/drawing/2014/main" id="{1371408B-9195-EC4D-8131-A3F5CC0592D0}"/>
-              </a:ext>
-            </a:extLst>
-          </p:cNvPr>
+          <p:cNvPr id="5" name="Slide Number Placeholder 4"/>
           <p:cNvSpPr>
             <a:spLocks noGrp="1"/>
           </p:cNvSpPr>
@@ -5756,275 +5823,10 @@
           </a:p>
         </p:txBody>
       </p:sp>
-      <p:sp>
-        <p:nvSpPr>
-          <p:cNvPr id="6" name="Rectangle 5">
-            <a:extLst>
-              <a:ext uri="{FF2B5EF4-FFF2-40B4-BE49-F238E27FC236}">
-                <a16:creationId xmlns:a16="http://schemas.microsoft.com/office/drawing/2014/main" id="{1EED4007-3A19-0E4E-8496-6CECEEA363EB}"/>
-              </a:ext>
-            </a:extLst>
-          </p:cNvPr>
-          <p:cNvSpPr/>
-          <p:nvPr/>
-        </p:nvSpPr>
-        <p:spPr>
-          <a:xfrm>
-            <a:off x="1828800" y="932840"/>
-            <a:ext cx="5105400" cy="3277820"/>
-          </a:xfrm>
-          <a:prstGeom prst="rect">
-            <a:avLst/>
-          </a:prstGeom>
-          <a:solidFill>
-            <a:schemeClr val="accent6">
-              <a:lumMod val="20000"/>
-              <a:lumOff val="80000"/>
-            </a:schemeClr>
-          </a:solidFill>
-        </p:spPr>
-        <p:txBody>
-          <a:bodyPr wrap="square">
-            <a:spAutoFit/>
-          </a:bodyPr>
-          <a:lstStyle/>
-          <a:p>
-            <a:r>
-              <a:rPr lang="en-CA" sz="900" dirty="0">
-                <a:latin typeface="Courier" pitchFamily="2" charset="0"/>
-              </a:rPr>
-              <a:t>   0                   1                   2                   3</a:t>
-            </a:r>
-          </a:p>
-          <a:p>
-            <a:r>
-              <a:rPr lang="en-CA" sz="900" dirty="0">
-                <a:latin typeface="Courier" pitchFamily="2" charset="0"/>
-              </a:rPr>
-              <a:t>   0 1 2 3 4 5 6 7 8 9 0 1 2 3 4 5 6 7 8 9 0 1 2 3 4 5 6 7 8 9 0 1</a:t>
-            </a:r>
-          </a:p>
-          <a:p>
-            <a:r>
-              <a:rPr lang="en-CA" sz="900" dirty="0">
-                <a:latin typeface="Courier" pitchFamily="2" charset="0"/>
-              </a:rPr>
-              <a:t>   +-+-+-+-+-+-+-+-+-+-+-+-+-+-+-+-+-+-+-+-+-+-+-+-+-+-+-+-+-+-+-+-+</a:t>
-            </a:r>
-          </a:p>
-          <a:p>
-            <a:r>
-              <a:rPr lang="en-CA" sz="900" dirty="0">
-                <a:latin typeface="Courier" pitchFamily="2" charset="0"/>
-              </a:rPr>
-              <a:t>   |  </a:t>
-            </a:r>
-            <a:r>
-              <a:rPr lang="en-CA" sz="900" b="1" dirty="0" err="1">
-                <a:latin typeface="Courier" pitchFamily="2" charset="0"/>
-              </a:rPr>
-              <a:t>HbH</a:t>
-            </a:r>
-            <a:r>
-              <a:rPr lang="en-CA" sz="900" b="1" dirty="0">
-                <a:latin typeface="Courier" pitchFamily="2" charset="0"/>
-              </a:rPr>
-              <a:t> IOAM Indicator Label             </a:t>
-            </a:r>
-            <a:r>
-              <a:rPr lang="en-CA" sz="900" dirty="0">
-                <a:latin typeface="Courier" pitchFamily="2" charset="0"/>
-              </a:rPr>
-              <a:t>| TC  |1|  TTL          |</a:t>
-            </a:r>
-          </a:p>
-          <a:p>
-            <a:r>
-              <a:rPr lang="en-CA" sz="900" dirty="0">
-                <a:latin typeface="Courier" pitchFamily="2" charset="0"/>
-              </a:rPr>
-              <a:t>   +-+-+-+-+-+-+-+-+-+-+-+-+-+-+-+-+-+-+-+-+-+-+-+-+-+-+-+-+-+-+-+-+&lt;-+ </a:t>
-            </a:r>
-          </a:p>
-          <a:p>
-            <a:r>
-              <a:rPr lang="en-CA" sz="900" dirty="0">
-                <a:latin typeface="Courier" pitchFamily="2" charset="0"/>
-              </a:rPr>
-              <a:t>   |0 0 0 1|Version| Reserved      | IOAM G-</a:t>
-            </a:r>
-            <a:r>
-              <a:rPr lang="en-CA" sz="900" dirty="0" err="1">
-                <a:latin typeface="Courier" pitchFamily="2" charset="0"/>
-              </a:rPr>
-              <a:t>ACh</a:t>
-            </a:r>
-            <a:r>
-              <a:rPr lang="en-CA" sz="900" dirty="0">
-                <a:latin typeface="Courier" pitchFamily="2" charset="0"/>
-              </a:rPr>
-              <a:t>                    |  | </a:t>
-            </a:r>
-          </a:p>
-          <a:p>
-            <a:r>
-              <a:rPr lang="en-CA" sz="900" dirty="0">
-                <a:latin typeface="Courier" pitchFamily="2" charset="0"/>
-              </a:rPr>
-              <a:t>   +-+-+-+-+-+-+-+-+-+-+-+-+-+-+-+-+-+-+-+-+-+-+-+-+-+-+-+-+-+-+-+-+  | </a:t>
-            </a:r>
-          </a:p>
-          <a:p>
-            <a:r>
-              <a:rPr lang="en-CA" sz="900" dirty="0">
-                <a:latin typeface="Courier" pitchFamily="2" charset="0"/>
-              </a:rPr>
-              <a:t>   | Reserved      | Block Number  | IOAM-OPT-Type |IOAM HDR Length|  |</a:t>
-            </a:r>
-          </a:p>
-          <a:p>
-            <a:r>
-              <a:rPr lang="en-CA" sz="900" dirty="0">
-                <a:latin typeface="Courier" pitchFamily="2" charset="0"/>
-              </a:rPr>
-              <a:t>   +-+-+-+-+-+-+-+-+-+-+-+-+-+-+-+-+-+-+-+-+-+-+-+-+-+-+-+-+-+-+-+-+  I</a:t>
-            </a:r>
-          </a:p>
-          <a:p>
-            <a:r>
-              <a:rPr lang="en-CA" sz="900" dirty="0">
-                <a:latin typeface="Courier" pitchFamily="2" charset="0"/>
-              </a:rPr>
-              <a:t>   |                                                               |  O</a:t>
-            </a:r>
-          </a:p>
-          <a:p>
-            <a:r>
-              <a:rPr lang="en-CA" sz="900" dirty="0">
-                <a:latin typeface="Courier" pitchFamily="2" charset="0"/>
-              </a:rPr>
-              <a:t>   |                                                               |  A</a:t>
-            </a:r>
-          </a:p>
-          <a:p>
-            <a:r>
-              <a:rPr lang="en-CA" sz="900" dirty="0">
-                <a:latin typeface="Courier" pitchFamily="2" charset="0"/>
-              </a:rPr>
-              <a:t>   ~                 IOAM Option and Data Space                    ~  M</a:t>
-            </a:r>
-          </a:p>
-          <a:p>
-            <a:r>
-              <a:rPr lang="en-CA" sz="900" dirty="0">
-                <a:latin typeface="Courier" pitchFamily="2" charset="0"/>
-              </a:rPr>
-              <a:t>   |                                                               |  |</a:t>
-            </a:r>
-          </a:p>
-          <a:p>
-            <a:r>
-              <a:rPr lang="en-CA" sz="900" dirty="0">
-                <a:latin typeface="Courier" pitchFamily="2" charset="0"/>
-              </a:rPr>
-              <a:t>   |                                                               |  |</a:t>
-            </a:r>
-          </a:p>
-          <a:p>
-            <a:r>
-              <a:rPr lang="en-CA" sz="900" dirty="0">
-                <a:latin typeface="Courier" pitchFamily="2" charset="0"/>
-              </a:rPr>
-              <a:t>   +-+-+-+-+-+-+-+-+-+-+-+-+-+-+-+-+-+-+-+-+-+-+-+-+-+-+-+-+-+-+-+-+&lt;-+</a:t>
-            </a:r>
-          </a:p>
-          <a:p>
-            <a:r>
-              <a:rPr lang="en-CA" sz="900" dirty="0">
-                <a:latin typeface="Courier" pitchFamily="2" charset="0"/>
-              </a:rPr>
-              <a:t>   |                                                               |</a:t>
-            </a:r>
-          </a:p>
-          <a:p>
-            <a:r>
-              <a:rPr lang="en-CA" sz="900" dirty="0">
-                <a:latin typeface="Courier" pitchFamily="2" charset="0"/>
-              </a:rPr>
-              <a:t>   |                                                               |</a:t>
-            </a:r>
-          </a:p>
-          <a:p>
-            <a:r>
-              <a:rPr lang="en-CA" sz="900" dirty="0">
-                <a:latin typeface="Courier" pitchFamily="2" charset="0"/>
-              </a:rPr>
-              <a:t>   ~                 Payload + Padding                             ~</a:t>
-            </a:r>
-          </a:p>
-          <a:p>
-            <a:r>
-              <a:rPr lang="en-CA" sz="900" dirty="0">
-                <a:latin typeface="Courier" pitchFamily="2" charset="0"/>
-              </a:rPr>
-              <a:t>   |                                                               |</a:t>
-            </a:r>
-          </a:p>
-          <a:p>
-            <a:r>
-              <a:rPr lang="en-CA" sz="900" dirty="0">
-                <a:latin typeface="Courier" pitchFamily="2" charset="0"/>
-              </a:rPr>
-              <a:t>   |                                                               |</a:t>
-            </a:r>
-          </a:p>
-          <a:p>
-            <a:r>
-              <a:rPr lang="en-CA" sz="900" dirty="0">
-                <a:latin typeface="Courier" pitchFamily="2" charset="0"/>
-              </a:rPr>
-              <a:t>   +-+-+-+-+-+-+-+-+-+-+-+-+-+-+-+-+-+-+-+-+-+-+-+-+-+-+-+-+-+-+-+-+</a:t>
-            </a:r>
-          </a:p>
-          <a:p>
-            <a:r>
-              <a:rPr lang="en-CA" sz="900" dirty="0">
-                <a:latin typeface="Courier" pitchFamily="2" charset="0"/>
-              </a:rPr>
-              <a:t> </a:t>
-            </a:r>
-          </a:p>
-          <a:p>
-            <a:r>
-              <a:rPr lang="en-CA" sz="900" dirty="0">
-                <a:latin typeface="Courier" pitchFamily="2" charset="0"/>
-              </a:rPr>
-              <a:t>              Figure: </a:t>
-            </a:r>
-            <a:r>
-              <a:rPr lang="en-CA" sz="900" dirty="0" err="1">
-                <a:latin typeface="Courier" pitchFamily="2" charset="0"/>
-              </a:rPr>
-              <a:t>HbH</a:t>
-            </a:r>
-            <a:r>
-              <a:rPr lang="en-CA" sz="900" dirty="0">
-                <a:latin typeface="Courier" pitchFamily="2" charset="0"/>
-              </a:rPr>
-              <a:t> IOAM Encapsulation in MPLS Header</a:t>
-            </a:r>
-            <a:endParaRPr lang="en-CA" sz="900" dirty="0">
-              <a:latin typeface="Courier" pitchFamily="2" charset="0"/>
-              <a:ea typeface="Calibri" panose="020F0502020204030204" pitchFamily="34" charset="0"/>
-              <a:cs typeface="Times New Roman" panose="02020603050405020304" pitchFamily="18" charset="0"/>
-            </a:endParaRPr>
-          </a:p>
-        </p:txBody>
-      </p:sp>
     </p:spTree>
     <p:extLst>
       <p:ext uri="{BB962C8B-B14F-4D97-AF65-F5344CB8AC3E}">
-        <p14:creationId xmlns:p14="http://schemas.microsoft.com/office/powerpoint/2010/main" val="3685390437"/>
+        <p14:creationId xmlns:p14="http://schemas.microsoft.com/office/powerpoint/2010/main" val="754385385"/>
       </p:ext>
     </p:extLst>
   </p:cSld>
@@ -6053,7 +5855,13 @@
       </p:grpSpPr>
       <p:sp>
         <p:nvSpPr>
-          <p:cNvPr id="2" name="Title 1"/>
+          <p:cNvPr id="2" name="Title 1">
+            <a:extLst>
+              <a:ext uri="{FF2B5EF4-FFF2-40B4-BE49-F238E27FC236}">
+                <a16:creationId xmlns:a16="http://schemas.microsoft.com/office/drawing/2014/main" id="{590D0125-5A9E-9D48-9391-85FBD0E608A2}"/>
+              </a:ext>
+            </a:extLst>
+          </p:cNvPr>
           <p:cNvSpPr>
             <a:spLocks noGrp="1"/>
           </p:cNvSpPr>
@@ -6063,16 +5871,17 @@
         </p:nvSpPr>
         <p:spPr>
           <a:xfrm>
-            <a:off x="457200" y="0"/>
-            <a:ext cx="8229600" cy="857250"/>
+            <a:off x="914400" y="41937"/>
+            <a:ext cx="8001000" cy="599270"/>
           </a:xfrm>
         </p:spPr>
         <p:txBody>
           <a:bodyPr/>
           <a:lstStyle/>
           <a:p>
-            <a:r>
-              <a:rPr lang="en-US" sz="3600" dirty="0" err="1">
+            <a:pPr algn="l"/>
+            <a:r>
+              <a:rPr lang="en-CA" sz="3200" dirty="0" err="1">
                 <a:solidFill>
                   <a:srgbClr val="0070C0"/>
                 </a:solidFill>
@@ -6082,120 +5891,44 @@
               <a:t>HbH</a:t>
             </a:r>
             <a:r>
-              <a:rPr lang="en-US" sz="3600" dirty="0">
+              <a:rPr lang="en-CA" sz="3200" dirty="0">
                 <a:solidFill>
                   <a:srgbClr val="0070C0"/>
                 </a:solidFill>
                 <a:latin typeface="Calibri Light" panose="020F0302020204030204" pitchFamily="34" charset="0"/>
                 <a:cs typeface="Calibri Light" panose="020F0302020204030204" pitchFamily="34" charset="0"/>
               </a:rPr>
-              <a:t> Indicator Label Allocation Methods</a:t>
-            </a:r>
-          </a:p>
-        </p:txBody>
-      </p:sp>
-      <p:sp>
-        <p:nvSpPr>
-          <p:cNvPr id="3" name="Content Placeholder 2"/>
+              <a:t> IOAM Encapsulation in MPLS Header</a:t>
+            </a:r>
+            <a:endParaRPr lang="en-US" sz="3200" dirty="0">
+              <a:solidFill>
+                <a:srgbClr val="0070C0"/>
+              </a:solidFill>
+              <a:latin typeface="Calibri Light" panose="020F0302020204030204" pitchFamily="34" charset="0"/>
+              <a:cs typeface="Calibri Light" panose="020F0302020204030204" pitchFamily="34" charset="0"/>
+            </a:endParaRPr>
+          </a:p>
+        </p:txBody>
+      </p:sp>
+      <p:sp>
+        <p:nvSpPr>
+          <p:cNvPr id="4" name="Footer Placeholder 3">
+            <a:extLst>
+              <a:ext uri="{FF2B5EF4-FFF2-40B4-BE49-F238E27FC236}">
+                <a16:creationId xmlns:a16="http://schemas.microsoft.com/office/drawing/2014/main" id="{87713FCD-3B47-804D-B373-DAB61FB5FF59}"/>
+              </a:ext>
+            </a:extLst>
+          </p:cNvPr>
           <p:cNvSpPr>
             <a:spLocks noGrp="1"/>
           </p:cNvSpPr>
           <p:nvPr>
-            <p:ph idx="1"/>
+            <p:ph type="ftr" sz="quarter" idx="11"/>
           </p:nvPr>
         </p:nvSpPr>
         <p:spPr>
           <a:xfrm>
-            <a:off x="609600" y="1001685"/>
-            <a:ext cx="7924800" cy="3140129"/>
-          </a:xfrm>
-        </p:spPr>
-        <p:txBody>
-          <a:bodyPr/>
-          <a:lstStyle/>
-          <a:p>
-            <a:pPr marL="457200" lvl="0" indent="-457200">
-              <a:buFont typeface="+mj-lt"/>
-              <a:buAutoNum type="arabicPeriod"/>
-            </a:pPr>
-            <a:r>
-              <a:rPr lang="en-CA" sz="2000" dirty="0"/>
-              <a:t>Extension Label (15) and Label assigned by IANA with value </a:t>
-            </a:r>
-            <a:r>
-              <a:rPr lang="en-CA" sz="2000" dirty="0">
-                <a:solidFill>
-                  <a:srgbClr val="0070C0"/>
-                </a:solidFill>
-              </a:rPr>
-              <a:t>TBA2</a:t>
-            </a:r>
-          </a:p>
-          <a:p>
-            <a:pPr lvl="1" indent="-342900">
-              <a:buFont typeface="Wingdings" pitchFamily="2" charset="2"/>
-              <a:buChar char="§"/>
-            </a:pPr>
-            <a:r>
-              <a:rPr lang="en-CA" sz="2000" dirty="0"/>
-              <a:t>From Extended Special Purpose Labels (</a:t>
-            </a:r>
-            <a:r>
-              <a:rPr lang="en-CA" sz="2000" dirty="0" err="1"/>
-              <a:t>eSPL</a:t>
-            </a:r>
-            <a:r>
-              <a:rPr lang="en-CA" sz="2000" dirty="0"/>
-              <a:t>) range</a:t>
-            </a:r>
-          </a:p>
-          <a:p>
-            <a:pPr marL="457200" lvl="0" indent="-457200">
-              <a:buFont typeface="+mj-lt"/>
-              <a:buAutoNum type="arabicPeriod"/>
-            </a:pPr>
-            <a:r>
-              <a:rPr lang="en-CA" sz="2000" dirty="0"/>
-              <a:t>Global Label allocated by a controller</a:t>
-            </a:r>
-          </a:p>
-          <a:p>
-            <a:pPr lvl="1" indent="-342900">
-              <a:buFont typeface="Wingdings" pitchFamily="2" charset="2"/>
-              <a:buChar char="§"/>
-            </a:pPr>
-            <a:r>
-              <a:rPr lang="en-CA" sz="2000" dirty="0"/>
-              <a:t>The controller provisions the label on encapsulating, </a:t>
-            </a:r>
-            <a:r>
-              <a:rPr lang="en-CA" sz="2000" dirty="0">
-                <a:solidFill>
-                  <a:srgbClr val="0070C0"/>
-                </a:solidFill>
-              </a:rPr>
-              <a:t>transit </a:t>
-            </a:r>
-            <a:r>
-              <a:rPr lang="en-CA" sz="2000" dirty="0"/>
-              <a:t>and decapsulating nodes</a:t>
-            </a:r>
-          </a:p>
-        </p:txBody>
-      </p:sp>
-      <p:sp>
-        <p:nvSpPr>
-          <p:cNvPr id="4" name="Footer Placeholder 3"/>
-          <p:cNvSpPr>
-            <a:spLocks noGrp="1"/>
-          </p:cNvSpPr>
-          <p:nvPr>
-            <p:ph type="ftr" sz="quarter" idx="11"/>
-          </p:nvPr>
-        </p:nvSpPr>
-        <p:spPr>
-          <a:xfrm>
-            <a:off x="3124200" y="4786312"/>
+            <a:off x="3124200" y="4781550"/>
             <a:ext cx="2895600" cy="357188"/>
           </a:xfrm>
         </p:spPr>
@@ -6220,7 +5953,13 @@
       </p:sp>
       <p:sp>
         <p:nvSpPr>
-          <p:cNvPr id="5" name="Slide Number Placeholder 4"/>
+          <p:cNvPr id="5" name="Slide Number Placeholder 4">
+            <a:extLst>
+              <a:ext uri="{FF2B5EF4-FFF2-40B4-BE49-F238E27FC236}">
+                <a16:creationId xmlns:a16="http://schemas.microsoft.com/office/drawing/2014/main" id="{1371408B-9195-EC4D-8131-A3F5CC0592D0}"/>
+              </a:ext>
+            </a:extLst>
+          </p:cNvPr>
           <p:cNvSpPr>
             <a:spLocks noGrp="1"/>
           </p:cNvSpPr>
@@ -6247,10 +5986,275 @@
           </a:p>
         </p:txBody>
       </p:sp>
+      <p:sp>
+        <p:nvSpPr>
+          <p:cNvPr id="6" name="Rectangle 5">
+            <a:extLst>
+              <a:ext uri="{FF2B5EF4-FFF2-40B4-BE49-F238E27FC236}">
+                <a16:creationId xmlns:a16="http://schemas.microsoft.com/office/drawing/2014/main" id="{1EED4007-3A19-0E4E-8496-6CECEEA363EB}"/>
+              </a:ext>
+            </a:extLst>
+          </p:cNvPr>
+          <p:cNvSpPr/>
+          <p:nvPr/>
+        </p:nvSpPr>
+        <p:spPr>
+          <a:xfrm>
+            <a:off x="1828800" y="932840"/>
+            <a:ext cx="5105400" cy="3277820"/>
+          </a:xfrm>
+          <a:prstGeom prst="rect">
+            <a:avLst/>
+          </a:prstGeom>
+          <a:solidFill>
+            <a:schemeClr val="accent6">
+              <a:lumMod val="20000"/>
+              <a:lumOff val="80000"/>
+            </a:schemeClr>
+          </a:solidFill>
+        </p:spPr>
+        <p:txBody>
+          <a:bodyPr wrap="square">
+            <a:spAutoFit/>
+          </a:bodyPr>
+          <a:lstStyle/>
+          <a:p>
+            <a:r>
+              <a:rPr lang="en-CA" sz="900" dirty="0">
+                <a:latin typeface="Courier" pitchFamily="2" charset="0"/>
+              </a:rPr>
+              <a:t>   0                   1                   2                   3</a:t>
+            </a:r>
+          </a:p>
+          <a:p>
+            <a:r>
+              <a:rPr lang="en-CA" sz="900" dirty="0">
+                <a:latin typeface="Courier" pitchFamily="2" charset="0"/>
+              </a:rPr>
+              <a:t>   0 1 2 3 4 5 6 7 8 9 0 1 2 3 4 5 6 7 8 9 0 1 2 3 4 5 6 7 8 9 0 1</a:t>
+            </a:r>
+          </a:p>
+          <a:p>
+            <a:r>
+              <a:rPr lang="en-CA" sz="900" dirty="0">
+                <a:latin typeface="Courier" pitchFamily="2" charset="0"/>
+              </a:rPr>
+              <a:t>   +-+-+-+-+-+-+-+-+-+-+-+-+-+-+-+-+-+-+-+-+-+-+-+-+-+-+-+-+-+-+-+-+</a:t>
+            </a:r>
+          </a:p>
+          <a:p>
+            <a:r>
+              <a:rPr lang="en-CA" sz="900" dirty="0">
+                <a:latin typeface="Courier" pitchFamily="2" charset="0"/>
+              </a:rPr>
+              <a:t>   |  </a:t>
+            </a:r>
+            <a:r>
+              <a:rPr lang="en-CA" sz="900" b="1" dirty="0" err="1">
+                <a:latin typeface="Courier" pitchFamily="2" charset="0"/>
+              </a:rPr>
+              <a:t>HbH</a:t>
+            </a:r>
+            <a:r>
+              <a:rPr lang="en-CA" sz="900" b="1" dirty="0">
+                <a:latin typeface="Courier" pitchFamily="2" charset="0"/>
+              </a:rPr>
+              <a:t> IOAM Indicator Label             </a:t>
+            </a:r>
+            <a:r>
+              <a:rPr lang="en-CA" sz="900" dirty="0">
+                <a:latin typeface="Courier" pitchFamily="2" charset="0"/>
+              </a:rPr>
+              <a:t>| TC  |1|  TTL          |</a:t>
+            </a:r>
+          </a:p>
+          <a:p>
+            <a:r>
+              <a:rPr lang="en-CA" sz="900" dirty="0">
+                <a:latin typeface="Courier" pitchFamily="2" charset="0"/>
+              </a:rPr>
+              <a:t>   +-+-+-+-+-+-+-+-+-+-+-+-+-+-+-+-+-+-+-+-+-+-+-+-+-+-+-+-+-+-+-+-+&lt;-+ </a:t>
+            </a:r>
+          </a:p>
+          <a:p>
+            <a:r>
+              <a:rPr lang="en-CA" sz="900" dirty="0">
+                <a:latin typeface="Courier" pitchFamily="2" charset="0"/>
+              </a:rPr>
+              <a:t>   |0 0 0 1|Version| Reserved      | IOAM G-</a:t>
+            </a:r>
+            <a:r>
+              <a:rPr lang="en-CA" sz="900" dirty="0" err="1">
+                <a:latin typeface="Courier" pitchFamily="2" charset="0"/>
+              </a:rPr>
+              <a:t>ACh</a:t>
+            </a:r>
+            <a:r>
+              <a:rPr lang="en-CA" sz="900" dirty="0">
+                <a:latin typeface="Courier" pitchFamily="2" charset="0"/>
+              </a:rPr>
+              <a:t>                    |  | </a:t>
+            </a:r>
+          </a:p>
+          <a:p>
+            <a:r>
+              <a:rPr lang="en-CA" sz="900" dirty="0">
+                <a:latin typeface="Courier" pitchFamily="2" charset="0"/>
+              </a:rPr>
+              <a:t>   +-+-+-+-+-+-+-+-+-+-+-+-+-+-+-+-+-+-+-+-+-+-+-+-+-+-+-+-+-+-+-+-+  | </a:t>
+            </a:r>
+          </a:p>
+          <a:p>
+            <a:r>
+              <a:rPr lang="en-CA" sz="900" dirty="0">
+                <a:latin typeface="Courier" pitchFamily="2" charset="0"/>
+              </a:rPr>
+              <a:t>   | Reserved      | Block Number  | IOAM-OPT-Type |IOAM HDR Length|  |</a:t>
+            </a:r>
+          </a:p>
+          <a:p>
+            <a:r>
+              <a:rPr lang="en-CA" sz="900" dirty="0">
+                <a:latin typeface="Courier" pitchFamily="2" charset="0"/>
+              </a:rPr>
+              <a:t>   +-+-+-+-+-+-+-+-+-+-+-+-+-+-+-+-+-+-+-+-+-+-+-+-+-+-+-+-+-+-+-+-+  I</a:t>
+            </a:r>
+          </a:p>
+          <a:p>
+            <a:r>
+              <a:rPr lang="en-CA" sz="900" dirty="0">
+                <a:latin typeface="Courier" pitchFamily="2" charset="0"/>
+              </a:rPr>
+              <a:t>   |                                                               |  O</a:t>
+            </a:r>
+          </a:p>
+          <a:p>
+            <a:r>
+              <a:rPr lang="en-CA" sz="900" dirty="0">
+                <a:latin typeface="Courier" pitchFamily="2" charset="0"/>
+              </a:rPr>
+              <a:t>   |                                                               |  A</a:t>
+            </a:r>
+          </a:p>
+          <a:p>
+            <a:r>
+              <a:rPr lang="en-CA" sz="900" dirty="0">
+                <a:latin typeface="Courier" pitchFamily="2" charset="0"/>
+              </a:rPr>
+              <a:t>   ~                 IOAM Option and Data Space                    ~  M</a:t>
+            </a:r>
+          </a:p>
+          <a:p>
+            <a:r>
+              <a:rPr lang="en-CA" sz="900" dirty="0">
+                <a:latin typeface="Courier" pitchFamily="2" charset="0"/>
+              </a:rPr>
+              <a:t>   |                                                               |  |</a:t>
+            </a:r>
+          </a:p>
+          <a:p>
+            <a:r>
+              <a:rPr lang="en-CA" sz="900" dirty="0">
+                <a:latin typeface="Courier" pitchFamily="2" charset="0"/>
+              </a:rPr>
+              <a:t>   |                                                               |  |</a:t>
+            </a:r>
+          </a:p>
+          <a:p>
+            <a:r>
+              <a:rPr lang="en-CA" sz="900" dirty="0">
+                <a:latin typeface="Courier" pitchFamily="2" charset="0"/>
+              </a:rPr>
+              <a:t>   +-+-+-+-+-+-+-+-+-+-+-+-+-+-+-+-+-+-+-+-+-+-+-+-+-+-+-+-+-+-+-+-+&lt;-+</a:t>
+            </a:r>
+          </a:p>
+          <a:p>
+            <a:r>
+              <a:rPr lang="en-CA" sz="900" dirty="0">
+                <a:latin typeface="Courier" pitchFamily="2" charset="0"/>
+              </a:rPr>
+              <a:t>   |                                                               |</a:t>
+            </a:r>
+          </a:p>
+          <a:p>
+            <a:r>
+              <a:rPr lang="en-CA" sz="900" dirty="0">
+                <a:latin typeface="Courier" pitchFamily="2" charset="0"/>
+              </a:rPr>
+              <a:t>   |                                                               |</a:t>
+            </a:r>
+          </a:p>
+          <a:p>
+            <a:r>
+              <a:rPr lang="en-CA" sz="900" dirty="0">
+                <a:latin typeface="Courier" pitchFamily="2" charset="0"/>
+              </a:rPr>
+              <a:t>   ~                 Payload + Padding                             ~</a:t>
+            </a:r>
+          </a:p>
+          <a:p>
+            <a:r>
+              <a:rPr lang="en-CA" sz="900" dirty="0">
+                <a:latin typeface="Courier" pitchFamily="2" charset="0"/>
+              </a:rPr>
+              <a:t>   |                                                               |</a:t>
+            </a:r>
+          </a:p>
+          <a:p>
+            <a:r>
+              <a:rPr lang="en-CA" sz="900" dirty="0">
+                <a:latin typeface="Courier" pitchFamily="2" charset="0"/>
+              </a:rPr>
+              <a:t>   |                                                               |</a:t>
+            </a:r>
+          </a:p>
+          <a:p>
+            <a:r>
+              <a:rPr lang="en-CA" sz="900" dirty="0">
+                <a:latin typeface="Courier" pitchFamily="2" charset="0"/>
+              </a:rPr>
+              <a:t>   +-+-+-+-+-+-+-+-+-+-+-+-+-+-+-+-+-+-+-+-+-+-+-+-+-+-+-+-+-+-+-+-+</a:t>
+            </a:r>
+          </a:p>
+          <a:p>
+            <a:r>
+              <a:rPr lang="en-CA" sz="900" dirty="0">
+                <a:latin typeface="Courier" pitchFamily="2" charset="0"/>
+              </a:rPr>
+              <a:t> </a:t>
+            </a:r>
+          </a:p>
+          <a:p>
+            <a:r>
+              <a:rPr lang="en-CA" sz="900" dirty="0">
+                <a:latin typeface="Courier" pitchFamily="2" charset="0"/>
+              </a:rPr>
+              <a:t>              Figure: </a:t>
+            </a:r>
+            <a:r>
+              <a:rPr lang="en-CA" sz="900" dirty="0" err="1">
+                <a:latin typeface="Courier" pitchFamily="2" charset="0"/>
+              </a:rPr>
+              <a:t>HbH</a:t>
+            </a:r>
+            <a:r>
+              <a:rPr lang="en-CA" sz="900" dirty="0">
+                <a:latin typeface="Courier" pitchFamily="2" charset="0"/>
+              </a:rPr>
+              <a:t> IOAM Encapsulation in MPLS Header</a:t>
+            </a:r>
+            <a:endParaRPr lang="en-CA" sz="900" dirty="0">
+              <a:latin typeface="Courier" pitchFamily="2" charset="0"/>
+              <a:ea typeface="Calibri" panose="020F0502020204030204" pitchFamily="34" charset="0"/>
+              <a:cs typeface="Times New Roman" panose="02020603050405020304" pitchFamily="18" charset="0"/>
+            </a:endParaRPr>
+          </a:p>
+        </p:txBody>
+      </p:sp>
     </p:spTree>
     <p:extLst>
       <p:ext uri="{BB962C8B-B14F-4D97-AF65-F5344CB8AC3E}">
-        <p14:creationId xmlns:p14="http://schemas.microsoft.com/office/powerpoint/2010/main" val="74835941"/>
+        <p14:creationId xmlns:p14="http://schemas.microsoft.com/office/powerpoint/2010/main" val="3685390437"/>
       </p:ext>
     </p:extLst>
   </p:cSld>
@@ -6289,7 +6293,7 @@
         </p:nvSpPr>
         <p:spPr>
           <a:xfrm>
-            <a:off x="457200" y="-21771"/>
+            <a:off x="457200" y="0"/>
             <a:ext cx="8229600" cy="857250"/>
           </a:xfrm>
         </p:spPr>
@@ -6315,7 +6319,7 @@
                 <a:latin typeface="Calibri Light" panose="020F0302020204030204" pitchFamily="34" charset="0"/>
                 <a:cs typeface="Calibri Light" panose="020F0302020204030204" pitchFamily="34" charset="0"/>
               </a:rPr>
-              <a:t> IOAM Procedure</a:t>
+              <a:t> Indicator Label Allocation Methods</a:t>
             </a:r>
           </a:p>
         </p:txBody>
@@ -6332,8 +6336,8 @@
         </p:nvSpPr>
         <p:spPr>
           <a:xfrm>
-            <a:off x="580696" y="817444"/>
-            <a:ext cx="7982607" cy="3695700"/>
+            <a:off x="609600" y="1001685"/>
+            <a:ext cx="7924800" cy="3140129"/>
           </a:xfrm>
         </p:spPr>
         <p:txBody>
@@ -6341,146 +6345,98 @@
           <a:lstStyle/>
           <a:p>
             <a:pPr marL="457200" lvl="0" indent="-457200">
-              <a:lnSpc>
-                <a:spcPts val="2140"/>
-              </a:lnSpc>
-              <a:spcBef>
-                <a:spcPts val="600"/>
-              </a:spcBef>
               <a:buFont typeface="+mj-lt"/>
               <a:buAutoNum type="arabicPeriod"/>
             </a:pPr>
             <a:r>
-              <a:rPr lang="en-CA" sz="1400" dirty="0"/>
-              <a:t>The encapsulating node inserts a </a:t>
-            </a:r>
-            <a:r>
-              <a:rPr lang="en-CA" sz="1400" dirty="0" err="1"/>
-              <a:t>HbH</a:t>
-            </a:r>
-            <a:r>
-              <a:rPr lang="en-CA" sz="1400" dirty="0"/>
-              <a:t> Indicator Label and one or more IOAM data field(s) in the MPLS header.</a:t>
-            </a:r>
-          </a:p>
-          <a:p>
-            <a:pPr marL="457200" indent="-457200">
-              <a:lnSpc>
-                <a:spcPts val="2140"/>
-              </a:lnSpc>
-              <a:spcBef>
-                <a:spcPts val="600"/>
-              </a:spcBef>
-              <a:buFont typeface="+mj-lt"/>
-              <a:buAutoNum type="arabicPeriod"/>
-            </a:pPr>
-            <a:r>
-              <a:rPr lang="en-CA" sz="1400" dirty="0">
+              <a:rPr lang="en-CA" sz="2000" dirty="0"/>
+              <a:t>Extension Label (15) and Label assigned by IANA with value </a:t>
+            </a:r>
+            <a:r>
+              <a:rPr lang="en-CA" sz="2000" dirty="0">
                 <a:solidFill>
                   <a:srgbClr val="0070C0"/>
                 </a:solidFill>
               </a:rPr>
-              <a:t>The transit node processes </a:t>
-            </a:r>
-            <a:r>
-              <a:rPr lang="en-CA" sz="1400" dirty="0" err="1">
+              <a:t>TBA2</a:t>
+            </a:r>
+          </a:p>
+          <a:p>
+            <a:pPr lvl="1" indent="-342900">
+              <a:buFont typeface="Wingdings" pitchFamily="2" charset="2"/>
+              <a:buChar char="§"/>
+            </a:pPr>
+            <a:r>
+              <a:rPr lang="en-CA" sz="2000" dirty="0"/>
+              <a:t>From Extended Special Purpose Labels (</a:t>
+            </a:r>
+            <a:r>
+              <a:rPr lang="en-CA" sz="2000" dirty="0" err="1"/>
+              <a:t>eSPL</a:t>
+            </a:r>
+            <a:r>
+              <a:rPr lang="en-CA" sz="2000" dirty="0"/>
+              <a:t>) range</a:t>
+            </a:r>
+          </a:p>
+          <a:p>
+            <a:pPr marL="457200" lvl="0" indent="-457200">
+              <a:buFont typeface="+mj-lt"/>
+              <a:buAutoNum type="arabicPeriod"/>
+            </a:pPr>
+            <a:r>
+              <a:rPr lang="en-CA" sz="2000" dirty="0"/>
+              <a:t>Global Label allocated by a controller</a:t>
+            </a:r>
+          </a:p>
+          <a:p>
+            <a:pPr lvl="1" indent="-342900">
+              <a:buFont typeface="Wingdings" pitchFamily="2" charset="2"/>
+              <a:buChar char="§"/>
+            </a:pPr>
+            <a:r>
+              <a:rPr lang="en-CA" sz="2000" dirty="0"/>
+              <a:t>The controller provisions the label on encapsulating, </a:t>
+            </a:r>
+            <a:r>
+              <a:rPr lang="en-CA" sz="2000" dirty="0">
                 <a:solidFill>
                   <a:srgbClr val="0070C0"/>
                 </a:solidFill>
               </a:rPr>
-              <a:t>HbH</a:t>
-            </a:r>
-            <a:r>
-              <a:rPr lang="en-CA" sz="1400" dirty="0">
+              <a:t>transit </a:t>
+            </a:r>
+            <a:r>
+              <a:rPr lang="en-CA" sz="2000" dirty="0"/>
+              <a:t>and decapsulating nodes</a:t>
+            </a:r>
+          </a:p>
+          <a:p>
+            <a:pPr marL="457200" lvl="0" indent="-457200">
+              <a:buFont typeface="+mj-lt"/>
+              <a:buAutoNum type="arabicPeriod"/>
+            </a:pPr>
+            <a:r>
+              <a:rPr lang="en-CA" sz="2000" dirty="0">
                 <a:solidFill>
                   <a:srgbClr val="0070C0"/>
                 </a:solidFill>
               </a:rPr>
-              <a:t> IOAM data field(s) and forwards the data packet including updated IOAM data field(s). </a:t>
-            </a:r>
-          </a:p>
-          <a:p>
-            <a:pPr marL="857250" lvl="1" indent="-457200">
-              <a:lnSpc>
-                <a:spcPts val="2140"/>
-              </a:lnSpc>
-              <a:spcBef>
-                <a:spcPts val="600"/>
-              </a:spcBef>
-              <a:buFont typeface="+mj-lt"/>
-              <a:buAutoNum type="alphaLcPeriod"/>
-            </a:pPr>
-            <a:r>
-              <a:rPr lang="en-CA" sz="1400" dirty="0">
+              <a:t>The IOAM Enabled Label allocated by the transit nodes</a:t>
+            </a:r>
+          </a:p>
+          <a:p>
+            <a:pPr lvl="1" indent="-342900">
+              <a:buFont typeface="Wingdings" pitchFamily="2" charset="2"/>
+              <a:buChar char="§"/>
+            </a:pPr>
+            <a:r>
+              <a:rPr lang="en-CA" sz="2000" dirty="0">
                 <a:solidFill>
                   <a:srgbClr val="0070C0"/>
                 </a:solidFill>
               </a:rPr>
-              <a:t>Transit node may punt the timestamped copy of the data packet for further IOAM processing</a:t>
-            </a:r>
-          </a:p>
-          <a:p>
-            <a:pPr marL="457200" lvl="0" indent="-457200">
-              <a:lnSpc>
-                <a:spcPts val="2140"/>
-              </a:lnSpc>
-              <a:spcBef>
-                <a:spcPts val="600"/>
-              </a:spcBef>
-              <a:buFont typeface="+mj-lt"/>
-              <a:buAutoNum type="arabicPeriod"/>
-            </a:pPr>
-            <a:r>
-              <a:rPr lang="en-CA" sz="1400" dirty="0"/>
-              <a:t>The decapsulating node "punts the timestamped copy" of the data packet including IOAM data field(s). </a:t>
-            </a:r>
-          </a:p>
-          <a:p>
-            <a:pPr marL="857250" lvl="1" indent="-457200">
-              <a:lnSpc>
-                <a:spcPts val="2140"/>
-              </a:lnSpc>
-              <a:spcBef>
-                <a:spcPts val="600"/>
-              </a:spcBef>
-              <a:buFont typeface="+mj-lt"/>
-              <a:buAutoNum type="alphaLcPeriod"/>
-            </a:pPr>
-            <a:r>
-              <a:rPr lang="en-CA" sz="1400" dirty="0"/>
-              <a:t>The decapsulating node for E2E IOAM also pops the IOAM Indicator Label and the IOAM data field(s) from the MPLS header.</a:t>
-            </a:r>
-          </a:p>
-          <a:p>
-            <a:pPr marL="857250" lvl="1" indent="-457200">
-              <a:lnSpc>
-                <a:spcPts val="2140"/>
-              </a:lnSpc>
-              <a:spcBef>
-                <a:spcPts val="600"/>
-              </a:spcBef>
-              <a:buFont typeface="+mj-lt"/>
-              <a:buAutoNum type="alphaLcPeriod"/>
-            </a:pPr>
-            <a:r>
-              <a:rPr lang="en-CA" sz="1400" dirty="0"/>
-              <a:t>The decapsulating node processes IOAM data field(s).</a:t>
-            </a:r>
-          </a:p>
-          <a:p>
-            <a:pPr marL="857250" lvl="1" indent="-457200">
-              <a:lnSpc>
-                <a:spcPts val="2140"/>
-              </a:lnSpc>
-              <a:spcBef>
-                <a:spcPts val="600"/>
-              </a:spcBef>
-              <a:buFont typeface="+mj-lt"/>
-              <a:buAutoNum type="alphaLcPeriod"/>
-            </a:pPr>
-            <a:r>
-              <a:rPr lang="en-CA" sz="1400" dirty="0"/>
-              <a:t>The decapsulating node forwards the data packet downstream.</a:t>
+              <a:t>Signaling/advertisement extensions needed to convey the label to all encapsulating nodes (out of scope)</a:t>
             </a:r>
           </a:p>
         </p:txBody>
@@ -6497,7 +6453,7 @@
         </p:nvSpPr>
         <p:spPr>
           <a:xfrm>
-            <a:off x="3124200" y="4787315"/>
+            <a:off x="3124200" y="4786312"/>
             <a:ext cx="2895600" cy="357188"/>
           </a:xfrm>
         </p:spPr>
@@ -6552,7 +6508,7 @@
     </p:spTree>
     <p:extLst>
       <p:ext uri="{BB962C8B-B14F-4D97-AF65-F5344CB8AC3E}">
-        <p14:creationId xmlns:p14="http://schemas.microsoft.com/office/powerpoint/2010/main" val="3153413578"/>
+        <p14:creationId xmlns:p14="http://schemas.microsoft.com/office/powerpoint/2010/main" val="74835941"/>
       </p:ext>
     </p:extLst>
   </p:cSld>
@@ -6584,7 +6540,7 @@
           <p:cNvPr id="2" name="Title 1">
             <a:extLst>
               <a:ext uri="{FF2B5EF4-FFF2-40B4-BE49-F238E27FC236}">
-                <a16:creationId xmlns:a16="http://schemas.microsoft.com/office/drawing/2014/main" id="{590D0125-5A9E-9D48-9391-85FBD0E608A2}"/>
+                <a16:creationId xmlns:a16="http://schemas.microsoft.com/office/drawing/2014/main" id="{A7AC8BF5-BF7D-EE4A-9EB2-E0C69A39C38C}"/>
               </a:ext>
             </a:extLst>
           </p:cNvPr>
@@ -6597,41 +6553,541 @@
         </p:nvSpPr>
         <p:spPr>
           <a:xfrm>
-            <a:off x="1066800" y="-17621"/>
-            <a:ext cx="8077200" cy="599270"/>
+            <a:off x="457200" y="2160"/>
+            <a:ext cx="8229600" cy="857250"/>
           </a:xfrm>
         </p:spPr>
         <p:txBody>
           <a:bodyPr/>
           <a:lstStyle/>
           <a:p>
-            <a:pPr algn="l"/>
-            <a:r>
-              <a:rPr lang="en-CA" sz="2700" dirty="0">
+            <a:r>
+              <a:rPr lang="en-US" sz="3200" dirty="0" err="1">
                 <a:solidFill>
                   <a:srgbClr val="0070C0"/>
                 </a:solidFill>
                 <a:latin typeface="Calibri Light" panose="020F0302020204030204" pitchFamily="34" charset="0"/>
                 <a:cs typeface="Calibri Light" panose="020F0302020204030204" pitchFamily="34" charset="0"/>
               </a:rPr>
-              <a:t>IOAM Encapsulation Example with SR-MPLS Header</a:t>
-            </a:r>
-            <a:endParaRPr lang="en-US" sz="2700" dirty="0">
-              <a:solidFill>
-                <a:srgbClr val="0070C0"/>
-              </a:solidFill>
-              <a:latin typeface="Calibri Light" panose="020F0302020204030204" pitchFamily="34" charset="0"/>
-              <a:cs typeface="Calibri Light" panose="020F0302020204030204" pitchFamily="34" charset="0"/>
-            </a:endParaRPr>
-          </a:p>
-        </p:txBody>
-      </p:sp>
+              <a:t>HbH</a:t>
+            </a:r>
+            <a:r>
+              <a:rPr lang="en-US" sz="3200" dirty="0">
+                <a:solidFill>
+                  <a:srgbClr val="0070C0"/>
+                </a:solidFill>
+                <a:latin typeface="Calibri Light" panose="020F0302020204030204" pitchFamily="34" charset="0"/>
+                <a:cs typeface="Calibri Light" panose="020F0302020204030204" pitchFamily="34" charset="0"/>
+              </a:rPr>
+              <a:t> Indicator Label Allocation Methods</a:t>
+            </a:r>
+          </a:p>
+        </p:txBody>
+      </p:sp>
+      <p:graphicFrame>
+        <p:nvGraphicFramePr>
+          <p:cNvPr id="6" name="Table 6">
+            <a:extLst>
+              <a:ext uri="{FF2B5EF4-FFF2-40B4-BE49-F238E27FC236}">
+                <a16:creationId xmlns:a16="http://schemas.microsoft.com/office/drawing/2014/main" id="{5E5C625D-83BF-2B41-93D2-28785FC4F582}"/>
+              </a:ext>
+            </a:extLst>
+          </p:cNvPr>
+          <p:cNvGraphicFramePr>
+            <a:graphicFrameLocks noGrp="1"/>
+          </p:cNvGraphicFramePr>
+          <p:nvPr>
+            <p:ph idx="1"/>
+            <p:extLst>
+              <p:ext uri="{D42A27DB-BD31-4B8C-83A1-F6EECF244321}">
+                <p14:modId xmlns:p14="http://schemas.microsoft.com/office/powerpoint/2010/main" val="1675165482"/>
+              </p:ext>
+            </p:extLst>
+          </p:nvPr>
+        </p:nvGraphicFramePr>
+        <p:xfrm>
+          <a:off x="457200" y="1200150"/>
+          <a:ext cx="8305800" cy="1778000"/>
+        </p:xfrm>
+        <a:graphic>
+          <a:graphicData uri="http://schemas.openxmlformats.org/drawingml/2006/table">
+            <a:tbl>
+              <a:tblPr firstRow="1" bandRow="1">
+                <a:tableStyleId>{46F890A9-2807-4EBB-B81D-B2AA78EC7F39}</a:tableStyleId>
+              </a:tblPr>
+              <a:tblGrid>
+                <a:gridCol w="1371600">
+                  <a:extLst>
+                    <a:ext uri="{9D8B030D-6E8A-4147-A177-3AD203B41FA5}">
+                      <a16:colId xmlns:a16="http://schemas.microsoft.com/office/drawing/2014/main" val="1209939836"/>
+                    </a:ext>
+                  </a:extLst>
+                </a:gridCol>
+                <a:gridCol w="1172520">
+                  <a:extLst>
+                    <a:ext uri="{9D8B030D-6E8A-4147-A177-3AD203B41FA5}">
+                      <a16:colId xmlns:a16="http://schemas.microsoft.com/office/drawing/2014/main" val="4011394575"/>
+                    </a:ext>
+                  </a:extLst>
+                </a:gridCol>
+                <a:gridCol w="1113480">
+                  <a:extLst>
+                    <a:ext uri="{9D8B030D-6E8A-4147-A177-3AD203B41FA5}">
+                      <a16:colId xmlns:a16="http://schemas.microsoft.com/office/drawing/2014/main" val="1670730324"/>
+                    </a:ext>
+                  </a:extLst>
+                </a:gridCol>
+                <a:gridCol w="1371600">
+                  <a:extLst>
+                    <a:ext uri="{9D8B030D-6E8A-4147-A177-3AD203B41FA5}">
+                      <a16:colId xmlns:a16="http://schemas.microsoft.com/office/drawing/2014/main" val="975737954"/>
+                    </a:ext>
+                  </a:extLst>
+                </a:gridCol>
+                <a:gridCol w="1524000">
+                  <a:extLst>
+                    <a:ext uri="{9D8B030D-6E8A-4147-A177-3AD203B41FA5}">
+                      <a16:colId xmlns:a16="http://schemas.microsoft.com/office/drawing/2014/main" val="907496208"/>
+                    </a:ext>
+                  </a:extLst>
+                </a:gridCol>
+                <a:gridCol w="1752600">
+                  <a:extLst>
+                    <a:ext uri="{9D8B030D-6E8A-4147-A177-3AD203B41FA5}">
+                      <a16:colId xmlns:a16="http://schemas.microsoft.com/office/drawing/2014/main" val="3301220378"/>
+                    </a:ext>
+                  </a:extLst>
+                </a:gridCol>
+              </a:tblGrid>
+              <a:tr h="370840">
+                <a:tc>
+                  <a:txBody>
+                    <a:bodyPr/>
+                    <a:lstStyle/>
+                    <a:p>
+                      <a:r>
+                        <a:rPr lang="en-US" sz="1400" b="0" i="0" dirty="0">
+                          <a:latin typeface="Calibri" panose="020F0502020204030204" pitchFamily="34" charset="0"/>
+                          <a:cs typeface="Calibri" panose="020F0502020204030204" pitchFamily="34" charset="0"/>
+                        </a:rPr>
+                        <a:t>Method</a:t>
+                      </a:r>
+                    </a:p>
+                  </a:txBody>
+                  <a:tcPr anchor="ctr"/>
+                </a:tc>
+                <a:tc>
+                  <a:txBody>
+                    <a:bodyPr/>
+                    <a:lstStyle/>
+                    <a:p>
+                      <a:r>
+                        <a:rPr lang="en-US" sz="1400" b="0" i="0" dirty="0">
+                          <a:latin typeface="Calibri" panose="020F0502020204030204" pitchFamily="34" charset="0"/>
+                          <a:cs typeface="Calibri" panose="020F0502020204030204" pitchFamily="34" charset="0"/>
+                        </a:rPr>
+                        <a:t>Extra Label stack Size</a:t>
+                      </a:r>
+                    </a:p>
+                  </a:txBody>
+                  <a:tcPr anchor="ctr"/>
+                </a:tc>
+                <a:tc>
+                  <a:txBody>
+                    <a:bodyPr/>
+                    <a:lstStyle/>
+                    <a:p>
+                      <a:r>
+                        <a:rPr lang="en-US" sz="1400" b="0" i="0" dirty="0">
+                          <a:latin typeface="Calibri" panose="020F0502020204030204" pitchFamily="34" charset="0"/>
+                          <a:cs typeface="Calibri" panose="020F0502020204030204" pitchFamily="34" charset="0"/>
+                        </a:rPr>
+                        <a:t>Location on Stack</a:t>
+                      </a:r>
+                    </a:p>
+                  </a:txBody>
+                  <a:tcPr anchor="ctr"/>
+                </a:tc>
+                <a:tc>
+                  <a:txBody>
+                    <a:bodyPr/>
+                    <a:lstStyle/>
+                    <a:p>
+                      <a:r>
+                        <a:rPr lang="en-US" sz="1400" b="0" i="0" dirty="0">
+                          <a:latin typeface="Calibri" panose="020F0502020204030204" pitchFamily="34" charset="0"/>
+                          <a:cs typeface="Calibri" panose="020F0502020204030204" pitchFamily="34" charset="0"/>
+                        </a:rPr>
+                        <a:t>Scan Label Stack</a:t>
+                      </a:r>
+                    </a:p>
+                  </a:txBody>
+                  <a:tcPr anchor="ctr"/>
+                </a:tc>
+                <a:tc>
+                  <a:txBody>
+                    <a:bodyPr/>
+                    <a:lstStyle/>
+                    <a:p>
+                      <a:r>
+                        <a:rPr lang="en-US" sz="1400" b="0" i="0" dirty="0">
+                          <a:latin typeface="Calibri" panose="020F0502020204030204" pitchFamily="34" charset="0"/>
+                          <a:cs typeface="Calibri" panose="020F0502020204030204" pitchFamily="34" charset="0"/>
+                        </a:rPr>
+                        <a:t>Different FIB Entry for Local Label</a:t>
+                      </a:r>
+                    </a:p>
+                  </a:txBody>
+                  <a:tcPr anchor="ctr"/>
+                </a:tc>
+                <a:tc>
+                  <a:txBody>
+                    <a:bodyPr/>
+                    <a:lstStyle/>
+                    <a:p>
+                      <a:r>
+                        <a:rPr lang="en-US" sz="1400" b="0" i="0" dirty="0">
+                          <a:latin typeface="Calibri" panose="020F0502020204030204" pitchFamily="34" charset="0"/>
+                          <a:cs typeface="Calibri" panose="020F0502020204030204" pitchFamily="34" charset="0"/>
+                        </a:rPr>
+                        <a:t>Other cases</a:t>
+                      </a:r>
+                    </a:p>
+                  </a:txBody>
+                  <a:tcPr anchor="ctr"/>
+                </a:tc>
+                <a:extLst>
+                  <a:ext uri="{0D108BD9-81ED-4DB2-BD59-A6C34878D82A}">
+                    <a16:rowId xmlns:a16="http://schemas.microsoft.com/office/drawing/2014/main" val="3325801765"/>
+                  </a:ext>
+                </a:extLst>
+              </a:tr>
+              <a:tr h="370840">
+                <a:tc>
+                  <a:txBody>
+                    <a:bodyPr/>
+                    <a:lstStyle/>
+                    <a:p>
+                      <a:r>
+                        <a:rPr lang="en-US" sz="1400" b="0" i="0" dirty="0" err="1">
+                          <a:latin typeface="Calibri" panose="020F0502020204030204" pitchFamily="34" charset="0"/>
+                          <a:cs typeface="Calibri" panose="020F0502020204030204" pitchFamily="34" charset="0"/>
+                        </a:rPr>
+                        <a:t>eSPL</a:t>
+                      </a:r>
+                      <a:r>
+                        <a:rPr lang="en-US" sz="1400" b="0" i="0" dirty="0">
+                          <a:latin typeface="Calibri" panose="020F0502020204030204" pitchFamily="34" charset="0"/>
+                          <a:cs typeface="Calibri" panose="020F0502020204030204" pitchFamily="34" charset="0"/>
+                        </a:rPr>
+                        <a:t> Label</a:t>
+                      </a:r>
+                    </a:p>
+                  </a:txBody>
+                  <a:tcPr anchor="ctr"/>
+                </a:tc>
+                <a:tc>
+                  <a:txBody>
+                    <a:bodyPr/>
+                    <a:lstStyle/>
+                    <a:p>
+                      <a:r>
+                        <a:rPr lang="en-US" sz="1400" b="0" i="0" dirty="0">
+                          <a:latin typeface="Calibri" panose="020F0502020204030204" pitchFamily="34" charset="0"/>
+                          <a:cs typeface="Calibri" panose="020F0502020204030204" pitchFamily="34" charset="0"/>
+                        </a:rPr>
+                        <a:t>+2</a:t>
+                      </a:r>
+                    </a:p>
+                  </a:txBody>
+                  <a:tcPr anchor="ctr"/>
+                </a:tc>
+                <a:tc>
+                  <a:txBody>
+                    <a:bodyPr/>
+                    <a:lstStyle/>
+                    <a:p>
+                      <a:r>
+                        <a:rPr lang="en-US" sz="1400" b="0" i="0" dirty="0">
+                          <a:latin typeface="Calibri" panose="020F0502020204030204" pitchFamily="34" charset="0"/>
+                          <a:cs typeface="Calibri" panose="020F0502020204030204" pitchFamily="34" charset="0"/>
+                        </a:rPr>
+                        <a:t>Bottom</a:t>
+                      </a:r>
+                    </a:p>
+                  </a:txBody>
+                  <a:tcPr anchor="ctr"/>
+                </a:tc>
+                <a:tc>
+                  <a:txBody>
+                    <a:bodyPr/>
+                    <a:lstStyle/>
+                    <a:p>
+                      <a:r>
+                        <a:rPr lang="en-US" sz="1400" b="0" i="0" dirty="0">
+                          <a:latin typeface="Calibri" panose="020F0502020204030204" pitchFamily="34" charset="0"/>
+                          <a:cs typeface="Calibri" panose="020F0502020204030204" pitchFamily="34" charset="0"/>
+                        </a:rPr>
+                        <a:t>Yes</a:t>
+                      </a:r>
+                    </a:p>
+                  </a:txBody>
+                  <a:tcPr anchor="ctr"/>
+                </a:tc>
+                <a:tc>
+                  <a:txBody>
+                    <a:bodyPr/>
+                    <a:lstStyle/>
+                    <a:p>
+                      <a:r>
+                        <a:rPr lang="en-US" sz="1400" b="0" i="0" dirty="0">
+                          <a:latin typeface="Calibri" panose="020F0502020204030204" pitchFamily="34" charset="0"/>
+                          <a:cs typeface="Calibri" panose="020F0502020204030204" pitchFamily="34" charset="0"/>
+                        </a:rPr>
+                        <a:t>No</a:t>
+                      </a:r>
+                    </a:p>
+                  </a:txBody>
+                  <a:tcPr anchor="ctr"/>
+                </a:tc>
+                <a:tc>
+                  <a:txBody>
+                    <a:bodyPr/>
+                    <a:lstStyle/>
+                    <a:p>
+                      <a:endParaRPr lang="en-US" sz="1400" b="0" i="0" dirty="0">
+                        <a:latin typeface="Calibri" panose="020F0502020204030204" pitchFamily="34" charset="0"/>
+                        <a:cs typeface="Calibri" panose="020F0502020204030204" pitchFamily="34" charset="0"/>
+                      </a:endParaRPr>
+                    </a:p>
+                  </a:txBody>
+                  <a:tcPr anchor="ctr"/>
+                </a:tc>
+                <a:extLst>
+                  <a:ext uri="{0D108BD9-81ED-4DB2-BD59-A6C34878D82A}">
+                    <a16:rowId xmlns:a16="http://schemas.microsoft.com/office/drawing/2014/main" val="4249039908"/>
+                  </a:ext>
+                </a:extLst>
+              </a:tr>
+              <a:tr h="370840">
+                <a:tc>
+                  <a:txBody>
+                    <a:bodyPr/>
+                    <a:lstStyle/>
+                    <a:p>
+                      <a:r>
+                        <a:rPr lang="en-US" sz="1400" b="0" i="0" dirty="0">
+                          <a:latin typeface="Calibri" panose="020F0502020204030204" pitchFamily="34" charset="0"/>
+                          <a:cs typeface="Calibri" panose="020F0502020204030204" pitchFamily="34" charset="0"/>
+                        </a:rPr>
+                        <a:t>Global Label</a:t>
+                      </a:r>
+                    </a:p>
+                  </a:txBody>
+                  <a:tcPr anchor="ctr"/>
+                </a:tc>
+                <a:tc>
+                  <a:txBody>
+                    <a:bodyPr/>
+                    <a:lstStyle/>
+                    <a:p>
+                      <a:r>
+                        <a:rPr lang="en-US" sz="1400" b="0" i="0" dirty="0">
+                          <a:latin typeface="Calibri" panose="020F0502020204030204" pitchFamily="34" charset="0"/>
+                          <a:cs typeface="Calibri" panose="020F0502020204030204" pitchFamily="34" charset="0"/>
+                        </a:rPr>
+                        <a:t>+1</a:t>
+                      </a:r>
+                    </a:p>
+                  </a:txBody>
+                  <a:tcPr anchor="ctr"/>
+                </a:tc>
+                <a:tc>
+                  <a:txBody>
+                    <a:bodyPr/>
+                    <a:lstStyle/>
+                    <a:p>
+                      <a:r>
+                        <a:rPr lang="en-US" sz="1400" b="0" i="0" dirty="0">
+                          <a:latin typeface="Calibri" panose="020F0502020204030204" pitchFamily="34" charset="0"/>
+                          <a:cs typeface="Calibri" panose="020F0502020204030204" pitchFamily="34" charset="0"/>
+                        </a:rPr>
+                        <a:t>Bottom</a:t>
+                      </a:r>
+                    </a:p>
+                  </a:txBody>
+                  <a:tcPr anchor="ctr"/>
+                </a:tc>
+                <a:tc>
+                  <a:txBody>
+                    <a:bodyPr/>
+                    <a:lstStyle/>
+                    <a:p>
+                      <a:r>
+                        <a:rPr lang="en-US" sz="1400" b="0" i="0" dirty="0">
+                          <a:latin typeface="Calibri" panose="020F0502020204030204" pitchFamily="34" charset="0"/>
+                          <a:cs typeface="Calibri" panose="020F0502020204030204" pitchFamily="34" charset="0"/>
+                        </a:rPr>
+                        <a:t>Yes</a:t>
+                      </a:r>
+                    </a:p>
+                  </a:txBody>
+                  <a:tcPr anchor="ctr"/>
+                </a:tc>
+                <a:tc>
+                  <a:txBody>
+                    <a:bodyPr/>
+                    <a:lstStyle/>
+                    <a:p>
+                      <a:r>
+                        <a:rPr lang="en-US" sz="1400" b="0" i="0" dirty="0">
+                          <a:latin typeface="Calibri" panose="020F0502020204030204" pitchFamily="34" charset="0"/>
+                          <a:cs typeface="Calibri" panose="020F0502020204030204" pitchFamily="34" charset="0"/>
+                        </a:rPr>
+                        <a:t>No</a:t>
+                      </a:r>
+                    </a:p>
+                  </a:txBody>
+                  <a:tcPr anchor="ctr"/>
+                </a:tc>
+                <a:tc>
+                  <a:txBody>
+                    <a:bodyPr/>
+                    <a:lstStyle/>
+                    <a:p>
+                      <a:endParaRPr lang="en-US" sz="1400" b="0" i="0">
+                        <a:latin typeface="Calibri" panose="020F0502020204030204" pitchFamily="34" charset="0"/>
+                        <a:cs typeface="Calibri" panose="020F0502020204030204" pitchFamily="34" charset="0"/>
+                      </a:endParaRPr>
+                    </a:p>
+                  </a:txBody>
+                  <a:tcPr anchor="ctr"/>
+                </a:tc>
+                <a:extLst>
+                  <a:ext uri="{0D108BD9-81ED-4DB2-BD59-A6C34878D82A}">
+                    <a16:rowId xmlns:a16="http://schemas.microsoft.com/office/drawing/2014/main" val="2410171723"/>
+                  </a:ext>
+                </a:extLst>
+              </a:tr>
+              <a:tr h="370840">
+                <a:tc>
+                  <a:txBody>
+                    <a:bodyPr/>
+                    <a:lstStyle/>
+                    <a:p>
+                      <a:r>
+                        <a:rPr lang="en-US" sz="1400" b="0" i="0" dirty="0">
+                          <a:latin typeface="Calibri" panose="020F0502020204030204" pitchFamily="34" charset="0"/>
+                          <a:cs typeface="Calibri" panose="020F0502020204030204" pitchFamily="34" charset="0"/>
+                        </a:rPr>
+                        <a:t>Signal/Advertise Label (like SFL)</a:t>
+                      </a:r>
+                    </a:p>
+                  </a:txBody>
+                  <a:tcPr anchor="ctr"/>
+                </a:tc>
+                <a:tc>
+                  <a:txBody>
+                    <a:bodyPr/>
+                    <a:lstStyle/>
+                    <a:p>
+                      <a:r>
+                        <a:rPr lang="en-US" sz="1400" b="0" i="0" dirty="0">
+                          <a:latin typeface="Calibri" panose="020F0502020204030204" pitchFamily="34" charset="0"/>
+                          <a:cs typeface="Calibri" panose="020F0502020204030204" pitchFamily="34" charset="0"/>
+                        </a:rPr>
+                        <a:t>+0</a:t>
+                      </a:r>
+                    </a:p>
+                  </a:txBody>
+                  <a:tcPr anchor="ctr"/>
+                </a:tc>
+                <a:tc>
+                  <a:txBody>
+                    <a:bodyPr/>
+                    <a:lstStyle/>
+                    <a:p>
+                      <a:r>
+                        <a:rPr lang="en-US" sz="1400" b="0" i="0" dirty="0">
+                          <a:solidFill>
+                            <a:srgbClr val="0070C0"/>
+                          </a:solidFill>
+                          <a:latin typeface="Calibri" panose="020F0502020204030204" pitchFamily="34" charset="0"/>
+                          <a:cs typeface="Calibri" panose="020F0502020204030204" pitchFamily="34" charset="0"/>
+                        </a:rPr>
+                        <a:t>Top</a:t>
+                      </a:r>
+                    </a:p>
+                  </a:txBody>
+                  <a:tcPr anchor="ctr"/>
+                </a:tc>
+                <a:tc>
+                  <a:txBody>
+                    <a:bodyPr/>
+                    <a:lstStyle/>
+                    <a:p>
+                      <a:r>
+                        <a:rPr lang="en-US" sz="1400" b="0" i="0" dirty="0">
+                          <a:solidFill>
+                            <a:srgbClr val="0070C0"/>
+                          </a:solidFill>
+                          <a:latin typeface="Calibri" panose="020F0502020204030204" pitchFamily="34" charset="0"/>
+                          <a:cs typeface="Calibri" panose="020F0502020204030204" pitchFamily="34" charset="0"/>
+                        </a:rPr>
+                        <a:t>No</a:t>
+                      </a:r>
+                    </a:p>
+                  </a:txBody>
+                  <a:tcPr anchor="ctr"/>
+                </a:tc>
+                <a:tc>
+                  <a:txBody>
+                    <a:bodyPr/>
+                    <a:lstStyle/>
+                    <a:p>
+                      <a:r>
+                        <a:rPr lang="en-US" sz="1400" b="0" i="0" dirty="0">
+                          <a:solidFill>
+                            <a:srgbClr val="C00000"/>
+                          </a:solidFill>
+                          <a:latin typeface="Calibri" panose="020F0502020204030204" pitchFamily="34" charset="0"/>
+                          <a:cs typeface="Calibri" panose="020F0502020204030204" pitchFamily="34" charset="0"/>
+                        </a:rPr>
+                        <a:t>Yes</a:t>
+                      </a:r>
+                    </a:p>
+                  </a:txBody>
+                  <a:tcPr anchor="ctr"/>
+                </a:tc>
+                <a:tc>
+                  <a:txBody>
+                    <a:bodyPr/>
+                    <a:lstStyle/>
+                    <a:p>
+                      <a:endParaRPr lang="en-US" sz="1400" b="0" i="0" dirty="0">
+                        <a:latin typeface="Calibri" panose="020F0502020204030204" pitchFamily="34" charset="0"/>
+                        <a:cs typeface="Calibri" panose="020F0502020204030204" pitchFamily="34" charset="0"/>
+                      </a:endParaRPr>
+                    </a:p>
+                  </a:txBody>
+                  <a:tcPr anchor="ctr"/>
+                </a:tc>
+                <a:extLst>
+                  <a:ext uri="{0D108BD9-81ED-4DB2-BD59-A6C34878D82A}">
+                    <a16:rowId xmlns:a16="http://schemas.microsoft.com/office/drawing/2014/main" val="383069925"/>
+                  </a:ext>
+                </a:extLst>
+              </a:tr>
+            </a:tbl>
+          </a:graphicData>
+        </a:graphic>
+      </p:graphicFrame>
       <p:sp>
         <p:nvSpPr>
           <p:cNvPr id="4" name="Footer Placeholder 3">
             <a:extLst>
               <a:ext uri="{FF2B5EF4-FFF2-40B4-BE49-F238E27FC236}">
-                <a16:creationId xmlns:a16="http://schemas.microsoft.com/office/drawing/2014/main" id="{87713FCD-3B47-804D-B373-DAB61FB5FF59}"/>
+                <a16:creationId xmlns:a16="http://schemas.microsoft.com/office/drawing/2014/main" id="{B77C0619-C85C-9C44-B6FF-9F5D419DD1D7}"/>
               </a:ext>
             </a:extLst>
           </p:cNvPr>
@@ -6642,28 +7098,27 @@
             <p:ph type="ftr" sz="quarter" idx="11"/>
           </p:nvPr>
         </p:nvSpPr>
-        <p:spPr>
-          <a:xfrm>
-            <a:off x="3124200" y="4786312"/>
-            <a:ext cx="2895600" cy="357188"/>
-          </a:xfrm>
-        </p:spPr>
+        <p:spPr/>
         <p:txBody>
           <a:bodyPr/>
           <a:lstStyle/>
           <a:p>
-            <a:r>
-              <a:rPr lang="en-CA" dirty="0"/>
+            <a:pPr>
+              <a:defRPr/>
+            </a:pPr>
+            <a:r>
+              <a:rPr lang="en-US" altLang="zh-CN"/>
               <a:t>110</a:t>
             </a:r>
             <a:r>
-              <a:rPr lang="en-CA" baseline="30000" dirty="0"/>
+              <a:rPr lang="en-US" altLang="zh-CN" baseline="30000"/>
               <a:t>th</a:t>
             </a:r>
             <a:r>
-              <a:rPr lang="en-CA" dirty="0"/>
+              <a:rPr lang="en-US" altLang="zh-CN"/>
               <a:t> IETF Online</a:t>
             </a:r>
+            <a:endParaRPr lang="en-US" altLang="zh-CN" dirty="0"/>
           </a:p>
         </p:txBody>
       </p:sp>
@@ -6672,7 +7127,7 @@
           <p:cNvPr id="5" name="Slide Number Placeholder 4">
             <a:extLst>
               <a:ext uri="{FF2B5EF4-FFF2-40B4-BE49-F238E27FC236}">
-                <a16:creationId xmlns:a16="http://schemas.microsoft.com/office/drawing/2014/main" id="{1371408B-9195-EC4D-8131-A3F5CC0592D0}"/>
+                <a16:creationId xmlns:a16="http://schemas.microsoft.com/office/drawing/2014/main" id="{28F208BB-326D-8C4E-B674-366BB71CD494}"/>
               </a:ext>
             </a:extLst>
           </p:cNvPr>
@@ -6698,333 +7153,14 @@
               </a:pPr>
               <a:t>13</a:t>
             </a:fld>
-            <a:endParaRPr lang="en-US" altLang="zh-CN" dirty="0"/>
-          </a:p>
-        </p:txBody>
-      </p:sp>
-      <p:sp>
-        <p:nvSpPr>
-          <p:cNvPr id="6" name="Rectangle 5">
-            <a:extLst>
-              <a:ext uri="{FF2B5EF4-FFF2-40B4-BE49-F238E27FC236}">
-                <a16:creationId xmlns:a16="http://schemas.microsoft.com/office/drawing/2014/main" id="{1EED4007-3A19-0E4E-8496-6CECEEA363EB}"/>
-              </a:ext>
-            </a:extLst>
-          </p:cNvPr>
-          <p:cNvSpPr/>
-          <p:nvPr/>
-        </p:nvSpPr>
-        <p:spPr>
-          <a:xfrm>
-            <a:off x="2305050" y="641003"/>
-            <a:ext cx="4533900" cy="4031873"/>
-          </a:xfrm>
-          <a:prstGeom prst="rect">
-            <a:avLst/>
-          </a:prstGeom>
-          <a:solidFill>
-            <a:schemeClr val="accent6">
-              <a:lumMod val="20000"/>
-              <a:lumOff val="80000"/>
-            </a:schemeClr>
-          </a:solidFill>
-        </p:spPr>
-        <p:txBody>
-          <a:bodyPr wrap="square">
-            <a:spAutoFit/>
-          </a:bodyPr>
-          <a:lstStyle/>
-          <a:p>
-            <a:r>
-              <a:rPr lang="en-CA" sz="800" dirty="0">
-                <a:latin typeface="Courier" pitchFamily="2" charset="0"/>
-              </a:rPr>
-              <a:t>    0                   1                   2                   3</a:t>
-            </a:r>
-          </a:p>
-          <a:p>
-            <a:r>
-              <a:rPr lang="en-CA" sz="800" dirty="0">
-                <a:latin typeface="Courier" pitchFamily="2" charset="0"/>
-              </a:rPr>
-              <a:t>    0 1 2 3 4 5 6 7 8 9 0 1 2 3 4 5 6 7 8 9 0 1 2 3 4 5 6 7 8 9 0 1</a:t>
-            </a:r>
-          </a:p>
-          <a:p>
-            <a:r>
-              <a:rPr lang="en-CA" sz="800" dirty="0">
-                <a:latin typeface="Courier" pitchFamily="2" charset="0"/>
-              </a:rPr>
-              <a:t>   +-+-+-+-+-+-+-+-+-+-+-+-+-+-+-+-+-+-+-+-+-+-+-+-+-+-+-+-+-+-+-+-+</a:t>
-            </a:r>
-          </a:p>
-          <a:p>
-            <a:r>
-              <a:rPr lang="en-CA" sz="800" dirty="0">
-                <a:latin typeface="Courier" pitchFamily="2" charset="0"/>
-              </a:rPr>
-              <a:t>   |                Label(1)               | TC  |S|      TTL      |</a:t>
-            </a:r>
-          </a:p>
-          <a:p>
-            <a:r>
-              <a:rPr lang="en-CA" sz="800" dirty="0">
-                <a:latin typeface="Courier" pitchFamily="2" charset="0"/>
-              </a:rPr>
-              <a:t>   +-+-+-+-+-+-+-+-+-+-+-+-+-+-+-+-+-+-+-+-+-+-+-+-+-+-+-+-+-+-+-+-+</a:t>
-            </a:r>
-          </a:p>
-          <a:p>
-            <a:r>
-              <a:rPr lang="en-CA" sz="800" dirty="0">
-                <a:latin typeface="Courier" pitchFamily="2" charset="0"/>
-              </a:rPr>
-              <a:t>   .                                                               .</a:t>
-            </a:r>
-          </a:p>
-          <a:p>
-            <a:r>
-              <a:rPr lang="en-CA" sz="800" dirty="0">
-                <a:latin typeface="Courier" pitchFamily="2" charset="0"/>
-              </a:rPr>
-              <a:t>   .                                                               .</a:t>
-            </a:r>
-          </a:p>
-          <a:p>
-            <a:r>
-              <a:rPr lang="en-CA" sz="800" dirty="0">
-                <a:latin typeface="Courier" pitchFamily="2" charset="0"/>
-              </a:rPr>
-              <a:t>   .                                                               .</a:t>
-            </a:r>
-          </a:p>
-          <a:p>
-            <a:r>
-              <a:rPr lang="en-CA" sz="800" dirty="0">
-                <a:latin typeface="Courier" pitchFamily="2" charset="0"/>
-              </a:rPr>
-              <a:t>   +-+-+-+-+-+-+-+-+-+-+-+-+-+-+-+-+-+-+-+-+-+-+-+-+-+-+-+-+-+-+-+-+</a:t>
-            </a:r>
-          </a:p>
-          <a:p>
-            <a:r>
-              <a:rPr lang="en-CA" sz="800" dirty="0">
-                <a:latin typeface="Courier" pitchFamily="2" charset="0"/>
-              </a:rPr>
-              <a:t>   |                Label(n)               | TC  |S|      TTL      |</a:t>
-            </a:r>
-          </a:p>
-          <a:p>
-            <a:r>
-              <a:rPr lang="en-CA" sz="800" dirty="0">
-                <a:latin typeface="Courier" pitchFamily="2" charset="0"/>
-              </a:rPr>
-              <a:t>   +-+-+-+-+-+-+-+-+-+-+-+-+-+-+-+-+-+-+-+-+-+-+-+-+-+-+-+-+-+-+-+-+</a:t>
-            </a:r>
-          </a:p>
-          <a:p>
-            <a:r>
-              <a:rPr lang="en-CA" sz="800" b="1" dirty="0">
-                <a:latin typeface="Courier" pitchFamily="2" charset="0"/>
-              </a:rPr>
-              <a:t>   |                PSID                   | TC  |S|      TTL      | </a:t>
-            </a:r>
-          </a:p>
-          <a:p>
-            <a:r>
-              <a:rPr lang="en-CA" sz="800" dirty="0">
-                <a:latin typeface="Courier" pitchFamily="2" charset="0"/>
-              </a:rPr>
-              <a:t>   +-+-+-+-+-+-+-+-+-+-+-+-+-+-+-+-+-+-+-+-+-+-+-+-+-+-+-+-+-+-+-+-+</a:t>
-            </a:r>
-          </a:p>
-          <a:p>
-            <a:r>
-              <a:rPr lang="en-CA" sz="800" dirty="0">
-                <a:latin typeface="Courier" pitchFamily="2" charset="0"/>
-              </a:rPr>
-              <a:t>   |  </a:t>
-            </a:r>
-            <a:r>
-              <a:rPr lang="en-CA" sz="800" b="1" dirty="0">
-                <a:latin typeface="Courier" pitchFamily="2" charset="0"/>
-              </a:rPr>
-              <a:t>IOAM Indicator Label                 </a:t>
-            </a:r>
-            <a:r>
-              <a:rPr lang="en-CA" sz="800" dirty="0">
-                <a:latin typeface="Courier" pitchFamily="2" charset="0"/>
-              </a:rPr>
-              <a:t>| TC  |1|  TTL          |</a:t>
-            </a:r>
-          </a:p>
-          <a:p>
-            <a:r>
-              <a:rPr lang="en-CA" sz="800" dirty="0">
-                <a:latin typeface="Courier" pitchFamily="2" charset="0"/>
-              </a:rPr>
-              <a:t>   +-+-+-+-+-+-+-+-+-+-+-+-+-+-+-+-+-+-+-+-+-+-+-+-+-+-+-+-+-+-+-+-+&lt;-+ </a:t>
-            </a:r>
-          </a:p>
-          <a:p>
-            <a:r>
-              <a:rPr lang="en-CA" sz="800" dirty="0">
-                <a:latin typeface="Courier" pitchFamily="2" charset="0"/>
-              </a:rPr>
-              <a:t>   |0 0 0 1|Version|  Reserved     | IOAM G-</a:t>
-            </a:r>
-            <a:r>
-              <a:rPr lang="en-CA" sz="800" dirty="0" err="1">
-                <a:latin typeface="Courier" pitchFamily="2" charset="0"/>
-              </a:rPr>
-              <a:t>ACh</a:t>
-            </a:r>
-            <a:r>
-              <a:rPr lang="en-CA" sz="800" dirty="0">
-                <a:latin typeface="Courier" pitchFamily="2" charset="0"/>
-              </a:rPr>
-              <a:t>                    |  | </a:t>
-            </a:r>
-          </a:p>
-          <a:p>
-            <a:r>
-              <a:rPr lang="en-CA" sz="800" dirty="0">
-                <a:latin typeface="Courier" pitchFamily="2" charset="0"/>
-              </a:rPr>
-              <a:t>   +-+-+-+-+-+-+-+-+-+-+-+-+-+-+-+-+-+-+-+-+-+-+-+-+-+-+-+-+-+-+-+-+  | </a:t>
-            </a:r>
-          </a:p>
-          <a:p>
-            <a:r>
-              <a:rPr lang="en-CA" sz="800" dirty="0">
-                <a:latin typeface="Courier" pitchFamily="2" charset="0"/>
-              </a:rPr>
-              <a:t>   | Reserved      | Block Number  | IOAM-OPT-Type |IOAM HDR Length|  |</a:t>
-            </a:r>
-          </a:p>
-          <a:p>
-            <a:r>
-              <a:rPr lang="en-CA" sz="800" dirty="0">
-                <a:latin typeface="Courier" pitchFamily="2" charset="0"/>
-              </a:rPr>
-              <a:t>   +-+-+-+-+-+-+-+-+-+-+-+-+-+-+-+-+-+-+-+-+-+-+-+-+-+-+-+-+-+-+-+-+  I</a:t>
-            </a:r>
-          </a:p>
-          <a:p>
-            <a:r>
-              <a:rPr lang="en-CA" sz="800" dirty="0">
-                <a:latin typeface="Courier" pitchFamily="2" charset="0"/>
-              </a:rPr>
-              <a:t>   |                                                               |  O</a:t>
-            </a:r>
-          </a:p>
-          <a:p>
-            <a:r>
-              <a:rPr lang="en-CA" sz="800" dirty="0">
-                <a:latin typeface="Courier" pitchFamily="2" charset="0"/>
-              </a:rPr>
-              <a:t>   |                                                               |  A</a:t>
-            </a:r>
-          </a:p>
-          <a:p>
-            <a:r>
-              <a:rPr lang="en-CA" sz="800" dirty="0">
-                <a:latin typeface="Courier" pitchFamily="2" charset="0"/>
-              </a:rPr>
-              <a:t>   ~                 IOAM Option and Data Space                    ~  M</a:t>
-            </a:r>
-          </a:p>
-          <a:p>
-            <a:r>
-              <a:rPr lang="en-CA" sz="800" dirty="0">
-                <a:latin typeface="Courier" pitchFamily="2" charset="0"/>
-              </a:rPr>
-              <a:t>   |                                                               |  |</a:t>
-            </a:r>
-          </a:p>
-          <a:p>
-            <a:r>
-              <a:rPr lang="en-CA" sz="800" dirty="0">
-                <a:latin typeface="Courier" pitchFamily="2" charset="0"/>
-              </a:rPr>
-              <a:t>   |                                                               |  |</a:t>
-            </a:r>
-          </a:p>
-          <a:p>
-            <a:r>
-              <a:rPr lang="en-CA" sz="800" dirty="0">
-                <a:latin typeface="Courier" pitchFamily="2" charset="0"/>
-              </a:rPr>
-              <a:t>   +-+-+-+-+-+-+-+-+-+-+-+-+-+-+-+-+-+-+-+-+-+-+-+-+-+-+-+-+-+-+-+-+&lt;-+</a:t>
-            </a:r>
-          </a:p>
-          <a:p>
-            <a:r>
-              <a:rPr lang="en-CA" sz="800" dirty="0">
-                <a:latin typeface="Courier" pitchFamily="2" charset="0"/>
-              </a:rPr>
-              <a:t>   |                                                               |</a:t>
-            </a:r>
-          </a:p>
-          <a:p>
-            <a:r>
-              <a:rPr lang="en-CA" sz="800" dirty="0">
-                <a:latin typeface="Courier" pitchFamily="2" charset="0"/>
-              </a:rPr>
-              <a:t>   |                                                               |</a:t>
-            </a:r>
-          </a:p>
-          <a:p>
-            <a:r>
-              <a:rPr lang="en-CA" sz="800" dirty="0">
-                <a:latin typeface="Courier" pitchFamily="2" charset="0"/>
-              </a:rPr>
-              <a:t>   ~                 Payload + Padding                             ~</a:t>
-            </a:r>
-          </a:p>
-          <a:p>
-            <a:r>
-              <a:rPr lang="en-CA" sz="800" dirty="0">
-                <a:latin typeface="Courier" pitchFamily="2" charset="0"/>
-              </a:rPr>
-              <a:t>   |                                                               |</a:t>
-            </a:r>
-          </a:p>
-          <a:p>
-            <a:r>
-              <a:rPr lang="en-CA" sz="800" dirty="0">
-                <a:latin typeface="Courier" pitchFamily="2" charset="0"/>
-              </a:rPr>
-              <a:t>   |                                                               |</a:t>
-            </a:r>
-          </a:p>
-          <a:p>
-            <a:r>
-              <a:rPr lang="en-CA" sz="800" dirty="0">
-                <a:latin typeface="Courier" pitchFamily="2" charset="0"/>
-              </a:rPr>
-              <a:t>   +-+-+-+-+-+-+-+-+-+-+-+-+-+-+-+-+-+-+-+-+-+-+-+-+-+-+-+-+-+-+-+-+ </a:t>
-            </a:r>
-          </a:p>
-          <a:p>
-            <a:r>
-              <a:rPr lang="en-CA" sz="800" dirty="0">
-                <a:latin typeface="Courier" pitchFamily="2" charset="0"/>
-              </a:rPr>
-              <a:t>         Figure: IOAM Encapsulation Example with SR-MPLS Header</a:t>
-            </a:r>
-            <a:endParaRPr lang="en-CA" sz="800" dirty="0">
-              <a:latin typeface="Courier" pitchFamily="2" charset="0"/>
-              <a:ea typeface="Calibri" panose="020F0502020204030204" pitchFamily="34" charset="0"/>
-              <a:cs typeface="Times New Roman" panose="02020603050405020304" pitchFamily="18" charset="0"/>
-            </a:endParaRPr>
+            <a:endParaRPr lang="en-US" altLang="zh-CN"/>
           </a:p>
         </p:txBody>
       </p:sp>
     </p:spTree>
     <p:extLst>
       <p:ext uri="{BB962C8B-B14F-4D97-AF65-F5344CB8AC3E}">
-        <p14:creationId xmlns:p14="http://schemas.microsoft.com/office/powerpoint/2010/main" val="166031106"/>
+        <p14:creationId xmlns:p14="http://schemas.microsoft.com/office/powerpoint/2010/main" val="1819153323"/>
       </p:ext>
     </p:extLst>
   </p:cSld>
@@ -7063,7 +7199,7 @@
         </p:nvSpPr>
         <p:spPr>
           <a:xfrm>
-            <a:off x="457200" y="38100"/>
+            <a:off x="457200" y="-21771"/>
             <a:ext cx="8229600" cy="857250"/>
           </a:xfrm>
         </p:spPr>
@@ -7071,6 +7207,16 @@
           <a:bodyPr/>
           <a:lstStyle/>
           <a:p>
+            <a:r>
+              <a:rPr lang="en-US" sz="3600" dirty="0" err="1">
+                <a:solidFill>
+                  <a:srgbClr val="0070C0"/>
+                </a:solidFill>
+                <a:latin typeface="Calibri Light" panose="020F0302020204030204" pitchFamily="34" charset="0"/>
+                <a:cs typeface="Calibri Light" panose="020F0302020204030204" pitchFamily="34" charset="0"/>
+              </a:rPr>
+              <a:t>HbH</a:t>
+            </a:r>
             <a:r>
               <a:rPr lang="en-US" sz="3600" dirty="0">
                 <a:solidFill>
@@ -7079,6 +7225,770 @@
                 <a:latin typeface="Calibri Light" panose="020F0302020204030204" pitchFamily="34" charset="0"/>
                 <a:cs typeface="Calibri Light" panose="020F0302020204030204" pitchFamily="34" charset="0"/>
               </a:rPr>
+              <a:t> IOAM Procedure</a:t>
+            </a:r>
+          </a:p>
+        </p:txBody>
+      </p:sp>
+      <p:sp>
+        <p:nvSpPr>
+          <p:cNvPr id="3" name="Content Placeholder 2"/>
+          <p:cNvSpPr>
+            <a:spLocks noGrp="1"/>
+          </p:cNvSpPr>
+          <p:nvPr>
+            <p:ph idx="1"/>
+          </p:nvPr>
+        </p:nvSpPr>
+        <p:spPr>
+          <a:xfrm>
+            <a:off x="580696" y="817444"/>
+            <a:ext cx="7982607" cy="3695700"/>
+          </a:xfrm>
+        </p:spPr>
+        <p:txBody>
+          <a:bodyPr/>
+          <a:lstStyle/>
+          <a:p>
+            <a:pPr marL="457200" lvl="0" indent="-457200">
+              <a:lnSpc>
+                <a:spcPts val="2140"/>
+              </a:lnSpc>
+              <a:spcBef>
+                <a:spcPts val="600"/>
+              </a:spcBef>
+              <a:buFont typeface="+mj-lt"/>
+              <a:buAutoNum type="arabicPeriod"/>
+            </a:pPr>
+            <a:r>
+              <a:rPr lang="en-CA" sz="1400" dirty="0"/>
+              <a:t>The encapsulating node inserts a </a:t>
+            </a:r>
+            <a:r>
+              <a:rPr lang="en-CA" sz="1400" dirty="0" err="1"/>
+              <a:t>HbH</a:t>
+            </a:r>
+            <a:r>
+              <a:rPr lang="en-CA" sz="1400" dirty="0"/>
+              <a:t> Indicator Label and one or more IOAM data field(s) in the MPLS header.</a:t>
+            </a:r>
+          </a:p>
+          <a:p>
+            <a:pPr marL="457200" indent="-457200">
+              <a:lnSpc>
+                <a:spcPts val="2140"/>
+              </a:lnSpc>
+              <a:spcBef>
+                <a:spcPts val="600"/>
+              </a:spcBef>
+              <a:buFont typeface="+mj-lt"/>
+              <a:buAutoNum type="arabicPeriod"/>
+            </a:pPr>
+            <a:r>
+              <a:rPr lang="en-CA" sz="1400" dirty="0">
+                <a:solidFill>
+                  <a:srgbClr val="0070C0"/>
+                </a:solidFill>
+              </a:rPr>
+              <a:t>The transit node processes </a:t>
+            </a:r>
+            <a:r>
+              <a:rPr lang="en-CA" sz="1400" dirty="0" err="1">
+                <a:solidFill>
+                  <a:srgbClr val="0070C0"/>
+                </a:solidFill>
+              </a:rPr>
+              <a:t>HbH</a:t>
+            </a:r>
+            <a:r>
+              <a:rPr lang="en-CA" sz="1400" dirty="0">
+                <a:solidFill>
+                  <a:srgbClr val="0070C0"/>
+                </a:solidFill>
+              </a:rPr>
+              <a:t> IOAM data field(s) and forwards the data packet including updated IOAM data field(s). </a:t>
+            </a:r>
+          </a:p>
+          <a:p>
+            <a:pPr marL="857250" lvl="1" indent="-457200">
+              <a:lnSpc>
+                <a:spcPts val="2140"/>
+              </a:lnSpc>
+              <a:spcBef>
+                <a:spcPts val="600"/>
+              </a:spcBef>
+              <a:buFont typeface="+mj-lt"/>
+              <a:buAutoNum type="alphaLcPeriod"/>
+            </a:pPr>
+            <a:r>
+              <a:rPr lang="en-CA" sz="1400" dirty="0">
+                <a:solidFill>
+                  <a:srgbClr val="0070C0"/>
+                </a:solidFill>
+              </a:rPr>
+              <a:t>Transit node may punt the timestamped copy of the data packet for further IOAM processing</a:t>
+            </a:r>
+          </a:p>
+          <a:p>
+            <a:pPr marL="457200" lvl="0" indent="-457200">
+              <a:lnSpc>
+                <a:spcPts val="2140"/>
+              </a:lnSpc>
+              <a:spcBef>
+                <a:spcPts val="600"/>
+              </a:spcBef>
+              <a:buFont typeface="+mj-lt"/>
+              <a:buAutoNum type="arabicPeriod"/>
+            </a:pPr>
+            <a:r>
+              <a:rPr lang="en-CA" sz="1400" dirty="0"/>
+              <a:t>The decapsulating node "punts the timestamped copy" of the data packet including IOAM data field(s). </a:t>
+            </a:r>
+          </a:p>
+          <a:p>
+            <a:pPr marL="857250" lvl="1" indent="-457200">
+              <a:lnSpc>
+                <a:spcPts val="2140"/>
+              </a:lnSpc>
+              <a:spcBef>
+                <a:spcPts val="600"/>
+              </a:spcBef>
+              <a:buFont typeface="+mj-lt"/>
+              <a:buAutoNum type="alphaLcPeriod"/>
+            </a:pPr>
+            <a:r>
+              <a:rPr lang="en-CA" sz="1400" dirty="0"/>
+              <a:t>The decapsulating node for E2E IOAM also pops the IOAM Indicator Label and the IOAM data field(s) from the MPLS header.</a:t>
+            </a:r>
+          </a:p>
+          <a:p>
+            <a:pPr marL="857250" lvl="1" indent="-457200">
+              <a:lnSpc>
+                <a:spcPts val="2140"/>
+              </a:lnSpc>
+              <a:spcBef>
+                <a:spcPts val="600"/>
+              </a:spcBef>
+              <a:buFont typeface="+mj-lt"/>
+              <a:buAutoNum type="alphaLcPeriod"/>
+            </a:pPr>
+            <a:r>
+              <a:rPr lang="en-CA" sz="1400" dirty="0"/>
+              <a:t>The decapsulating node processes IOAM data field(s).</a:t>
+            </a:r>
+          </a:p>
+          <a:p>
+            <a:pPr marL="857250" lvl="1" indent="-457200">
+              <a:lnSpc>
+                <a:spcPts val="2140"/>
+              </a:lnSpc>
+              <a:spcBef>
+                <a:spcPts val="600"/>
+              </a:spcBef>
+              <a:buFont typeface="+mj-lt"/>
+              <a:buAutoNum type="alphaLcPeriod"/>
+            </a:pPr>
+            <a:r>
+              <a:rPr lang="en-CA" sz="1400" dirty="0"/>
+              <a:t>The decapsulating node forwards the data packet downstream.</a:t>
+            </a:r>
+          </a:p>
+        </p:txBody>
+      </p:sp>
+      <p:sp>
+        <p:nvSpPr>
+          <p:cNvPr id="4" name="Footer Placeholder 3"/>
+          <p:cNvSpPr>
+            <a:spLocks noGrp="1"/>
+          </p:cNvSpPr>
+          <p:nvPr>
+            <p:ph type="ftr" sz="quarter" idx="11"/>
+          </p:nvPr>
+        </p:nvSpPr>
+        <p:spPr>
+          <a:xfrm>
+            <a:off x="3124200" y="4787315"/>
+            <a:ext cx="2895600" cy="357188"/>
+          </a:xfrm>
+        </p:spPr>
+        <p:txBody>
+          <a:bodyPr/>
+          <a:lstStyle/>
+          <a:p>
+            <a:r>
+              <a:rPr lang="en-CA" dirty="0"/>
+              <a:t>110</a:t>
+            </a:r>
+            <a:r>
+              <a:rPr lang="en-CA" baseline="30000" dirty="0"/>
+              <a:t>th</a:t>
+            </a:r>
+            <a:r>
+              <a:rPr lang="en-CA" dirty="0"/>
+              <a:t> IETF Online</a:t>
+            </a:r>
+          </a:p>
+        </p:txBody>
+      </p:sp>
+      <p:sp>
+        <p:nvSpPr>
+          <p:cNvPr id="5" name="Slide Number Placeholder 4"/>
+          <p:cNvSpPr>
+            <a:spLocks noGrp="1"/>
+          </p:cNvSpPr>
+          <p:nvPr>
+            <p:ph type="sldNum" sz="quarter" idx="12"/>
+          </p:nvPr>
+        </p:nvSpPr>
+        <p:spPr/>
+        <p:txBody>
+          <a:bodyPr/>
+          <a:lstStyle/>
+          <a:p>
+            <a:pPr>
+              <a:defRPr/>
+            </a:pPr>
+            <a:fld id="{BD6E0F59-1DD8-40FC-9C92-B6295CBA6CCA}" type="slidenum">
+              <a:rPr lang="en-US" altLang="zh-CN" smtClean="0"/>
+              <a:pPr>
+                <a:defRPr/>
+              </a:pPr>
+              <a:t>14</a:t>
+            </a:fld>
+            <a:endParaRPr lang="en-US" altLang="zh-CN"/>
+          </a:p>
+        </p:txBody>
+      </p:sp>
+    </p:spTree>
+    <p:extLst>
+      <p:ext uri="{BB962C8B-B14F-4D97-AF65-F5344CB8AC3E}">
+        <p14:creationId xmlns:p14="http://schemas.microsoft.com/office/powerpoint/2010/main" val="3153413578"/>
+      </p:ext>
+    </p:extLst>
+  </p:cSld>
+  <p:clrMapOvr>
+    <a:masterClrMapping/>
+  </p:clrMapOvr>
+</p:sld>
+</file>
+
+<file path=ppt/slides/slide15.xml><?xml version="1.0" encoding="utf-8"?>
+<p:sld xmlns:a="http://schemas.openxmlformats.org/drawingml/2006/main" xmlns:r="http://schemas.openxmlformats.org/officeDocument/2006/relationships" xmlns:p="http://schemas.openxmlformats.org/presentationml/2006/main">
+  <p:cSld>
+    <p:spTree>
+      <p:nvGrpSpPr>
+        <p:cNvPr id="1" name=""/>
+        <p:cNvGrpSpPr/>
+        <p:nvPr/>
+      </p:nvGrpSpPr>
+      <p:grpSpPr>
+        <a:xfrm>
+          <a:off x="0" y="0"/>
+          <a:ext cx="0" cy="0"/>
+          <a:chOff x="0" y="0"/>
+          <a:chExt cx="0" cy="0"/>
+        </a:xfrm>
+      </p:grpSpPr>
+      <p:sp>
+        <p:nvSpPr>
+          <p:cNvPr id="2" name="Title 1">
+            <a:extLst>
+              <a:ext uri="{FF2B5EF4-FFF2-40B4-BE49-F238E27FC236}">
+                <a16:creationId xmlns:a16="http://schemas.microsoft.com/office/drawing/2014/main" id="{590D0125-5A9E-9D48-9391-85FBD0E608A2}"/>
+              </a:ext>
+            </a:extLst>
+          </p:cNvPr>
+          <p:cNvSpPr>
+            <a:spLocks noGrp="1"/>
+          </p:cNvSpPr>
+          <p:nvPr>
+            <p:ph type="title"/>
+          </p:nvPr>
+        </p:nvSpPr>
+        <p:spPr>
+          <a:xfrm>
+            <a:off x="1066800" y="-17621"/>
+            <a:ext cx="8077200" cy="599270"/>
+          </a:xfrm>
+        </p:spPr>
+        <p:txBody>
+          <a:bodyPr/>
+          <a:lstStyle/>
+          <a:p>
+            <a:pPr algn="l"/>
+            <a:r>
+              <a:rPr lang="en-CA" sz="2700" dirty="0">
+                <a:solidFill>
+                  <a:srgbClr val="0070C0"/>
+                </a:solidFill>
+                <a:latin typeface="Calibri Light" panose="020F0302020204030204" pitchFamily="34" charset="0"/>
+                <a:cs typeface="Calibri Light" panose="020F0302020204030204" pitchFamily="34" charset="0"/>
+              </a:rPr>
+              <a:t>IOAM Encapsulation Example with SR-MPLS Header</a:t>
+            </a:r>
+            <a:endParaRPr lang="en-US" sz="2700" dirty="0">
+              <a:solidFill>
+                <a:srgbClr val="0070C0"/>
+              </a:solidFill>
+              <a:latin typeface="Calibri Light" panose="020F0302020204030204" pitchFamily="34" charset="0"/>
+              <a:cs typeface="Calibri Light" panose="020F0302020204030204" pitchFamily="34" charset="0"/>
+            </a:endParaRPr>
+          </a:p>
+        </p:txBody>
+      </p:sp>
+      <p:sp>
+        <p:nvSpPr>
+          <p:cNvPr id="4" name="Footer Placeholder 3">
+            <a:extLst>
+              <a:ext uri="{FF2B5EF4-FFF2-40B4-BE49-F238E27FC236}">
+                <a16:creationId xmlns:a16="http://schemas.microsoft.com/office/drawing/2014/main" id="{87713FCD-3B47-804D-B373-DAB61FB5FF59}"/>
+              </a:ext>
+            </a:extLst>
+          </p:cNvPr>
+          <p:cNvSpPr>
+            <a:spLocks noGrp="1"/>
+          </p:cNvSpPr>
+          <p:nvPr>
+            <p:ph type="ftr" sz="quarter" idx="11"/>
+          </p:nvPr>
+        </p:nvSpPr>
+        <p:spPr>
+          <a:xfrm>
+            <a:off x="3124200" y="4786312"/>
+            <a:ext cx="2895600" cy="357188"/>
+          </a:xfrm>
+        </p:spPr>
+        <p:txBody>
+          <a:bodyPr/>
+          <a:lstStyle/>
+          <a:p>
+            <a:r>
+              <a:rPr lang="en-CA" dirty="0"/>
+              <a:t>110</a:t>
+            </a:r>
+            <a:r>
+              <a:rPr lang="en-CA" baseline="30000" dirty="0"/>
+              <a:t>th</a:t>
+            </a:r>
+            <a:r>
+              <a:rPr lang="en-CA" dirty="0"/>
+              <a:t> IETF Online</a:t>
+            </a:r>
+          </a:p>
+        </p:txBody>
+      </p:sp>
+      <p:sp>
+        <p:nvSpPr>
+          <p:cNvPr id="5" name="Slide Number Placeholder 4">
+            <a:extLst>
+              <a:ext uri="{FF2B5EF4-FFF2-40B4-BE49-F238E27FC236}">
+                <a16:creationId xmlns:a16="http://schemas.microsoft.com/office/drawing/2014/main" id="{1371408B-9195-EC4D-8131-A3F5CC0592D0}"/>
+              </a:ext>
+            </a:extLst>
+          </p:cNvPr>
+          <p:cNvSpPr>
+            <a:spLocks noGrp="1"/>
+          </p:cNvSpPr>
+          <p:nvPr>
+            <p:ph type="sldNum" sz="quarter" idx="12"/>
+          </p:nvPr>
+        </p:nvSpPr>
+        <p:spPr/>
+        <p:txBody>
+          <a:bodyPr/>
+          <a:lstStyle/>
+          <a:p>
+            <a:pPr>
+              <a:defRPr/>
+            </a:pPr>
+            <a:fld id="{BD6E0F59-1DD8-40FC-9C92-B6295CBA6CCA}" type="slidenum">
+              <a:rPr lang="en-US" altLang="zh-CN" smtClean="0"/>
+              <a:pPr>
+                <a:defRPr/>
+              </a:pPr>
+              <a:t>15</a:t>
+            </a:fld>
+            <a:endParaRPr lang="en-US" altLang="zh-CN" dirty="0"/>
+          </a:p>
+        </p:txBody>
+      </p:sp>
+      <p:sp>
+        <p:nvSpPr>
+          <p:cNvPr id="6" name="Rectangle 5">
+            <a:extLst>
+              <a:ext uri="{FF2B5EF4-FFF2-40B4-BE49-F238E27FC236}">
+                <a16:creationId xmlns:a16="http://schemas.microsoft.com/office/drawing/2014/main" id="{1EED4007-3A19-0E4E-8496-6CECEEA363EB}"/>
+              </a:ext>
+            </a:extLst>
+          </p:cNvPr>
+          <p:cNvSpPr/>
+          <p:nvPr/>
+        </p:nvSpPr>
+        <p:spPr>
+          <a:xfrm>
+            <a:off x="2305050" y="641003"/>
+            <a:ext cx="4533900" cy="4031873"/>
+          </a:xfrm>
+          <a:prstGeom prst="rect">
+            <a:avLst/>
+          </a:prstGeom>
+          <a:solidFill>
+            <a:schemeClr val="accent6">
+              <a:lumMod val="20000"/>
+              <a:lumOff val="80000"/>
+            </a:schemeClr>
+          </a:solidFill>
+        </p:spPr>
+        <p:txBody>
+          <a:bodyPr wrap="square">
+            <a:spAutoFit/>
+          </a:bodyPr>
+          <a:lstStyle/>
+          <a:p>
+            <a:r>
+              <a:rPr lang="en-CA" sz="800" dirty="0">
+                <a:latin typeface="Courier" pitchFamily="2" charset="0"/>
+              </a:rPr>
+              <a:t>    0                   1                   2                   3</a:t>
+            </a:r>
+          </a:p>
+          <a:p>
+            <a:r>
+              <a:rPr lang="en-CA" sz="800" dirty="0">
+                <a:latin typeface="Courier" pitchFamily="2" charset="0"/>
+              </a:rPr>
+              <a:t>    0 1 2 3 4 5 6 7 8 9 0 1 2 3 4 5 6 7 8 9 0 1 2 3 4 5 6 7 8 9 0 1</a:t>
+            </a:r>
+          </a:p>
+          <a:p>
+            <a:r>
+              <a:rPr lang="en-CA" sz="800" dirty="0">
+                <a:latin typeface="Courier" pitchFamily="2" charset="0"/>
+              </a:rPr>
+              <a:t>   +-+-+-+-+-+-+-+-+-+-+-+-+-+-+-+-+-+-+-+-+-+-+-+-+-+-+-+-+-+-+-+-+</a:t>
+            </a:r>
+          </a:p>
+          <a:p>
+            <a:r>
+              <a:rPr lang="en-CA" sz="800" dirty="0">
+                <a:latin typeface="Courier" pitchFamily="2" charset="0"/>
+              </a:rPr>
+              <a:t>   |                Label(1)               | TC  |S|      TTL      |</a:t>
+            </a:r>
+          </a:p>
+          <a:p>
+            <a:r>
+              <a:rPr lang="en-CA" sz="800" dirty="0">
+                <a:latin typeface="Courier" pitchFamily="2" charset="0"/>
+              </a:rPr>
+              <a:t>   +-+-+-+-+-+-+-+-+-+-+-+-+-+-+-+-+-+-+-+-+-+-+-+-+-+-+-+-+-+-+-+-+</a:t>
+            </a:r>
+          </a:p>
+          <a:p>
+            <a:r>
+              <a:rPr lang="en-CA" sz="800" dirty="0">
+                <a:latin typeface="Courier" pitchFamily="2" charset="0"/>
+              </a:rPr>
+              <a:t>   .                                                               .</a:t>
+            </a:r>
+          </a:p>
+          <a:p>
+            <a:r>
+              <a:rPr lang="en-CA" sz="800" dirty="0">
+                <a:latin typeface="Courier" pitchFamily="2" charset="0"/>
+              </a:rPr>
+              <a:t>   .                                                               .</a:t>
+            </a:r>
+          </a:p>
+          <a:p>
+            <a:r>
+              <a:rPr lang="en-CA" sz="800" dirty="0">
+                <a:latin typeface="Courier" pitchFamily="2" charset="0"/>
+              </a:rPr>
+              <a:t>   .                                                               .</a:t>
+            </a:r>
+          </a:p>
+          <a:p>
+            <a:r>
+              <a:rPr lang="en-CA" sz="800" dirty="0">
+                <a:latin typeface="Courier" pitchFamily="2" charset="0"/>
+              </a:rPr>
+              <a:t>   +-+-+-+-+-+-+-+-+-+-+-+-+-+-+-+-+-+-+-+-+-+-+-+-+-+-+-+-+-+-+-+-+</a:t>
+            </a:r>
+          </a:p>
+          <a:p>
+            <a:r>
+              <a:rPr lang="en-CA" sz="800" dirty="0">
+                <a:latin typeface="Courier" pitchFamily="2" charset="0"/>
+              </a:rPr>
+              <a:t>   |                Label(n)               | TC  |S|      TTL      |</a:t>
+            </a:r>
+          </a:p>
+          <a:p>
+            <a:r>
+              <a:rPr lang="en-CA" sz="800" dirty="0">
+                <a:latin typeface="Courier" pitchFamily="2" charset="0"/>
+              </a:rPr>
+              <a:t>   +-+-+-+-+-+-+-+-+-+-+-+-+-+-+-+-+-+-+-+-+-+-+-+-+-+-+-+-+-+-+-+-+</a:t>
+            </a:r>
+          </a:p>
+          <a:p>
+            <a:r>
+              <a:rPr lang="en-CA" sz="800" b="1" dirty="0">
+                <a:latin typeface="Courier" pitchFamily="2" charset="0"/>
+              </a:rPr>
+              <a:t>   |                PSID                   | TC  |S|      TTL      | </a:t>
+            </a:r>
+          </a:p>
+          <a:p>
+            <a:r>
+              <a:rPr lang="en-CA" sz="800" dirty="0">
+                <a:latin typeface="Courier" pitchFamily="2" charset="0"/>
+              </a:rPr>
+              <a:t>   +-+-+-+-+-+-+-+-+-+-+-+-+-+-+-+-+-+-+-+-+-+-+-+-+-+-+-+-+-+-+-+-+</a:t>
+            </a:r>
+          </a:p>
+          <a:p>
+            <a:r>
+              <a:rPr lang="en-CA" sz="800" dirty="0">
+                <a:latin typeface="Courier" pitchFamily="2" charset="0"/>
+              </a:rPr>
+              <a:t>   |  </a:t>
+            </a:r>
+            <a:r>
+              <a:rPr lang="en-CA" sz="800" b="1" dirty="0">
+                <a:latin typeface="Courier" pitchFamily="2" charset="0"/>
+              </a:rPr>
+              <a:t>IOAM Indicator Label                 </a:t>
+            </a:r>
+            <a:r>
+              <a:rPr lang="en-CA" sz="800" dirty="0">
+                <a:latin typeface="Courier" pitchFamily="2" charset="0"/>
+              </a:rPr>
+              <a:t>| TC  |1|  TTL          |</a:t>
+            </a:r>
+          </a:p>
+          <a:p>
+            <a:r>
+              <a:rPr lang="en-CA" sz="800" dirty="0">
+                <a:latin typeface="Courier" pitchFamily="2" charset="0"/>
+              </a:rPr>
+              <a:t>   +-+-+-+-+-+-+-+-+-+-+-+-+-+-+-+-+-+-+-+-+-+-+-+-+-+-+-+-+-+-+-+-+&lt;-+ </a:t>
+            </a:r>
+          </a:p>
+          <a:p>
+            <a:r>
+              <a:rPr lang="en-CA" sz="800" dirty="0">
+                <a:latin typeface="Courier" pitchFamily="2" charset="0"/>
+              </a:rPr>
+              <a:t>   |0 0 0 1|Version|  Reserved     | IOAM G-</a:t>
+            </a:r>
+            <a:r>
+              <a:rPr lang="en-CA" sz="800" dirty="0" err="1">
+                <a:latin typeface="Courier" pitchFamily="2" charset="0"/>
+              </a:rPr>
+              <a:t>ACh</a:t>
+            </a:r>
+            <a:r>
+              <a:rPr lang="en-CA" sz="800" dirty="0">
+                <a:latin typeface="Courier" pitchFamily="2" charset="0"/>
+              </a:rPr>
+              <a:t>                    |  | </a:t>
+            </a:r>
+          </a:p>
+          <a:p>
+            <a:r>
+              <a:rPr lang="en-CA" sz="800" dirty="0">
+                <a:latin typeface="Courier" pitchFamily="2" charset="0"/>
+              </a:rPr>
+              <a:t>   +-+-+-+-+-+-+-+-+-+-+-+-+-+-+-+-+-+-+-+-+-+-+-+-+-+-+-+-+-+-+-+-+  | </a:t>
+            </a:r>
+          </a:p>
+          <a:p>
+            <a:r>
+              <a:rPr lang="en-CA" sz="800" dirty="0">
+                <a:latin typeface="Courier" pitchFamily="2" charset="0"/>
+              </a:rPr>
+              <a:t>   | Reserved      | Block Number  | IOAM-OPT-Type |IOAM HDR Length|  |</a:t>
+            </a:r>
+          </a:p>
+          <a:p>
+            <a:r>
+              <a:rPr lang="en-CA" sz="800" dirty="0">
+                <a:latin typeface="Courier" pitchFamily="2" charset="0"/>
+              </a:rPr>
+              <a:t>   +-+-+-+-+-+-+-+-+-+-+-+-+-+-+-+-+-+-+-+-+-+-+-+-+-+-+-+-+-+-+-+-+  I</a:t>
+            </a:r>
+          </a:p>
+          <a:p>
+            <a:r>
+              <a:rPr lang="en-CA" sz="800" dirty="0">
+                <a:latin typeface="Courier" pitchFamily="2" charset="0"/>
+              </a:rPr>
+              <a:t>   |                                                               |  O</a:t>
+            </a:r>
+          </a:p>
+          <a:p>
+            <a:r>
+              <a:rPr lang="en-CA" sz="800" dirty="0">
+                <a:latin typeface="Courier" pitchFamily="2" charset="0"/>
+              </a:rPr>
+              <a:t>   |                                                               |  A</a:t>
+            </a:r>
+          </a:p>
+          <a:p>
+            <a:r>
+              <a:rPr lang="en-CA" sz="800" dirty="0">
+                <a:latin typeface="Courier" pitchFamily="2" charset="0"/>
+              </a:rPr>
+              <a:t>   ~                 IOAM Option and Data Space                    ~  M</a:t>
+            </a:r>
+          </a:p>
+          <a:p>
+            <a:r>
+              <a:rPr lang="en-CA" sz="800" dirty="0">
+                <a:latin typeface="Courier" pitchFamily="2" charset="0"/>
+              </a:rPr>
+              <a:t>   |                                                               |  |</a:t>
+            </a:r>
+          </a:p>
+          <a:p>
+            <a:r>
+              <a:rPr lang="en-CA" sz="800" dirty="0">
+                <a:latin typeface="Courier" pitchFamily="2" charset="0"/>
+              </a:rPr>
+              <a:t>   |                                                               |  |</a:t>
+            </a:r>
+          </a:p>
+          <a:p>
+            <a:r>
+              <a:rPr lang="en-CA" sz="800" dirty="0">
+                <a:latin typeface="Courier" pitchFamily="2" charset="0"/>
+              </a:rPr>
+              <a:t>   +-+-+-+-+-+-+-+-+-+-+-+-+-+-+-+-+-+-+-+-+-+-+-+-+-+-+-+-+-+-+-+-+&lt;-+</a:t>
+            </a:r>
+          </a:p>
+          <a:p>
+            <a:r>
+              <a:rPr lang="en-CA" sz="800" dirty="0">
+                <a:latin typeface="Courier" pitchFamily="2" charset="0"/>
+              </a:rPr>
+              <a:t>   |                                                               |</a:t>
+            </a:r>
+          </a:p>
+          <a:p>
+            <a:r>
+              <a:rPr lang="en-CA" sz="800" dirty="0">
+                <a:latin typeface="Courier" pitchFamily="2" charset="0"/>
+              </a:rPr>
+              <a:t>   |                                                               |</a:t>
+            </a:r>
+          </a:p>
+          <a:p>
+            <a:r>
+              <a:rPr lang="en-CA" sz="800" dirty="0">
+                <a:latin typeface="Courier" pitchFamily="2" charset="0"/>
+              </a:rPr>
+              <a:t>   ~                 Payload + Padding                             ~</a:t>
+            </a:r>
+          </a:p>
+          <a:p>
+            <a:r>
+              <a:rPr lang="en-CA" sz="800" dirty="0">
+                <a:latin typeface="Courier" pitchFamily="2" charset="0"/>
+              </a:rPr>
+              <a:t>   |                                                               |</a:t>
+            </a:r>
+          </a:p>
+          <a:p>
+            <a:r>
+              <a:rPr lang="en-CA" sz="800" dirty="0">
+                <a:latin typeface="Courier" pitchFamily="2" charset="0"/>
+              </a:rPr>
+              <a:t>   |                                                               |</a:t>
+            </a:r>
+          </a:p>
+          <a:p>
+            <a:r>
+              <a:rPr lang="en-CA" sz="800" dirty="0">
+                <a:latin typeface="Courier" pitchFamily="2" charset="0"/>
+              </a:rPr>
+              <a:t>   +-+-+-+-+-+-+-+-+-+-+-+-+-+-+-+-+-+-+-+-+-+-+-+-+-+-+-+-+-+-+-+-+ </a:t>
+            </a:r>
+          </a:p>
+          <a:p>
+            <a:r>
+              <a:rPr lang="en-CA" sz="800" dirty="0">
+                <a:latin typeface="Courier" pitchFamily="2" charset="0"/>
+              </a:rPr>
+              <a:t>         Figure: IOAM Encapsulation Example with SR-MPLS Header</a:t>
+            </a:r>
+            <a:endParaRPr lang="en-CA" sz="800" dirty="0">
+              <a:latin typeface="Courier" pitchFamily="2" charset="0"/>
+              <a:ea typeface="Calibri" panose="020F0502020204030204" pitchFamily="34" charset="0"/>
+              <a:cs typeface="Times New Roman" panose="02020603050405020304" pitchFamily="18" charset="0"/>
+            </a:endParaRPr>
+          </a:p>
+        </p:txBody>
+      </p:sp>
+    </p:spTree>
+    <p:extLst>
+      <p:ext uri="{BB962C8B-B14F-4D97-AF65-F5344CB8AC3E}">
+        <p14:creationId xmlns:p14="http://schemas.microsoft.com/office/powerpoint/2010/main" val="166031106"/>
+      </p:ext>
+    </p:extLst>
+  </p:cSld>
+  <p:clrMapOvr>
+    <a:masterClrMapping/>
+  </p:clrMapOvr>
+</p:sld>
+</file>
+
+<file path=ppt/slides/slide16.xml><?xml version="1.0" encoding="utf-8"?>
+<p:sld xmlns:a="http://schemas.openxmlformats.org/drawingml/2006/main" xmlns:r="http://schemas.openxmlformats.org/officeDocument/2006/relationships" xmlns:p="http://schemas.openxmlformats.org/presentationml/2006/main">
+  <p:cSld>
+    <p:spTree>
+      <p:nvGrpSpPr>
+        <p:cNvPr id="1" name=""/>
+        <p:cNvGrpSpPr/>
+        <p:nvPr/>
+      </p:nvGrpSpPr>
+      <p:grpSpPr>
+        <a:xfrm>
+          <a:off x="0" y="0"/>
+          <a:ext cx="0" cy="0"/>
+          <a:chOff x="0" y="0"/>
+          <a:chExt cx="0" cy="0"/>
+        </a:xfrm>
+      </p:grpSpPr>
+      <p:sp>
+        <p:nvSpPr>
+          <p:cNvPr id="2" name="Title 1"/>
+          <p:cNvSpPr>
+            <a:spLocks noGrp="1"/>
+          </p:cNvSpPr>
+          <p:nvPr>
+            <p:ph type="title"/>
+          </p:nvPr>
+        </p:nvSpPr>
+        <p:spPr>
+          <a:xfrm>
+            <a:off x="457200" y="38100"/>
+            <a:ext cx="8229600" cy="857250"/>
+          </a:xfrm>
+        </p:spPr>
+        <p:txBody>
+          <a:bodyPr/>
+          <a:lstStyle/>
+          <a:p>
+            <a:r>
+              <a:rPr lang="en-US" sz="3600" dirty="0">
+                <a:solidFill>
+                  <a:srgbClr val="0070C0"/>
+                </a:solidFill>
+                <a:latin typeface="Calibri Light" panose="020F0302020204030204" pitchFamily="34" charset="0"/>
+                <a:cs typeface="Calibri Light" panose="020F0302020204030204" pitchFamily="34" charset="0"/>
+              </a:rPr>
               <a:t>Next Steps</a:t>
             </a:r>
           </a:p>
@@ -7188,7 +8098,7 @@
               <a:pPr>
                 <a:defRPr/>
               </a:pPr>
-              <a:t>14</a:t>
+              <a:t>16</a:t>
             </a:fld>
             <a:endParaRPr lang="en-US" altLang="zh-CN"/>
           </a:p>
@@ -7207,7 +8117,7 @@
 </p:sld>
 </file>
 
-<file path=ppt/slides/slide15.xml><?xml version="1.0" encoding="utf-8"?>
+<file path=ppt/slides/slide17.xml><?xml version="1.0" encoding="utf-8"?>
 <p:sld xmlns:a="http://schemas.openxmlformats.org/drawingml/2006/main" xmlns:r="http://schemas.openxmlformats.org/officeDocument/2006/relationships" xmlns:p="http://schemas.openxmlformats.org/presentationml/2006/main">
   <p:cSld>
     <p:spTree>
@@ -7471,7 +8381,7 @@
               <a:pPr>
                 <a:defRPr/>
               </a:pPr>
-              <a:t>15</a:t>
+              <a:t>17</a:t>
             </a:fld>
             <a:endParaRPr lang="en-US" altLang="zh-CN"/>
           </a:p>
@@ -7490,7 +8400,7 @@
 </p:sld>
 </file>
 
-<file path=ppt/slides/slide16.xml><?xml version="1.0" encoding="utf-8"?>
+<file path=ppt/slides/slide18.xml><?xml version="1.0" encoding="utf-8"?>
 <p:sld xmlns:a="http://schemas.openxmlformats.org/drawingml/2006/main" xmlns:r="http://schemas.openxmlformats.org/officeDocument/2006/relationships" xmlns:p="http://schemas.openxmlformats.org/presentationml/2006/main">
   <p:cSld>
     <p:spTree>
@@ -7754,7 +8664,7 @@
               <a:pPr>
                 <a:defRPr/>
               </a:pPr>
-              <a:t>16</a:t>
+              <a:t>18</a:t>
             </a:fld>
             <a:endParaRPr lang="en-US" altLang="zh-CN"/>
           </a:p>
@@ -7764,839 +8674,6 @@
     <p:extLst>
       <p:ext uri="{BB962C8B-B14F-4D97-AF65-F5344CB8AC3E}">
         <p14:creationId xmlns:p14="http://schemas.microsoft.com/office/powerpoint/2010/main" val="1208650897"/>
-      </p:ext>
-    </p:extLst>
-  </p:cSld>
-  <p:clrMapOvr>
-    <a:masterClrMapping/>
-  </p:clrMapOvr>
-</p:sld>
-</file>
-
-<file path=ppt/slides/slide17.xml><?xml version="1.0" encoding="utf-8"?>
-<p:sld xmlns:a="http://schemas.openxmlformats.org/drawingml/2006/main" xmlns:r="http://schemas.openxmlformats.org/officeDocument/2006/relationships" xmlns:p="http://schemas.openxmlformats.org/presentationml/2006/main">
-  <p:cSld>
-    <p:spTree>
-      <p:nvGrpSpPr>
-        <p:cNvPr id="1" name=""/>
-        <p:cNvGrpSpPr/>
-        <p:nvPr/>
-      </p:nvGrpSpPr>
-      <p:grpSpPr>
-        <a:xfrm>
-          <a:off x="0" y="0"/>
-          <a:ext cx="0" cy="0"/>
-          <a:chOff x="0" y="0"/>
-          <a:chExt cx="0" cy="0"/>
-        </a:xfrm>
-      </p:grpSpPr>
-      <p:sp>
-        <p:nvSpPr>
-          <p:cNvPr id="2" name="Title 1">
-            <a:extLst>
-              <a:ext uri="{FF2B5EF4-FFF2-40B4-BE49-F238E27FC236}">
-                <a16:creationId xmlns:a16="http://schemas.microsoft.com/office/drawing/2014/main" id="{16C5255E-BE42-5348-AC0F-6257873BBB61}"/>
-              </a:ext>
-            </a:extLst>
-          </p:cNvPr>
-          <p:cNvSpPr>
-            <a:spLocks noGrp="1"/>
-          </p:cNvSpPr>
-          <p:nvPr>
-            <p:ph type="title"/>
-          </p:nvPr>
-        </p:nvSpPr>
-        <p:spPr>
-          <a:xfrm>
-            <a:off x="457200" y="23400"/>
-            <a:ext cx="8229600" cy="857250"/>
-          </a:xfrm>
-        </p:spPr>
-        <p:txBody>
-          <a:bodyPr/>
-          <a:lstStyle/>
-          <a:p>
-            <a:pPr algn="l"/>
-            <a:r>
-              <a:rPr lang="en-US" sz="3200" dirty="0">
-                <a:solidFill>
-                  <a:srgbClr val="0070C0"/>
-                </a:solidFill>
-                <a:latin typeface="Calibri Light" panose="020F0302020204030204" pitchFamily="34" charset="0"/>
-                <a:cs typeface="Calibri Light" panose="020F0302020204030204" pitchFamily="34" charset="0"/>
-              </a:rPr>
-              <a:t>1. Label Stack Size Imposed by Ingress</a:t>
-            </a:r>
-          </a:p>
-        </p:txBody>
-      </p:sp>
-      <p:sp>
-        <p:nvSpPr>
-          <p:cNvPr id="3" name="Content Placeholder 2">
-            <a:extLst>
-              <a:ext uri="{FF2B5EF4-FFF2-40B4-BE49-F238E27FC236}">
-                <a16:creationId xmlns:a16="http://schemas.microsoft.com/office/drawing/2014/main" id="{3943595A-2AF7-A141-B580-268FFA30C69C}"/>
-              </a:ext>
-            </a:extLst>
-          </p:cNvPr>
-          <p:cNvSpPr>
-            <a:spLocks noGrp="1"/>
-          </p:cNvSpPr>
-          <p:nvPr>
-            <p:ph idx="1"/>
-          </p:nvPr>
-        </p:nvSpPr>
-        <p:spPr>
-          <a:xfrm>
-            <a:off x="457200" y="883090"/>
-            <a:ext cx="8229600" cy="3671814"/>
-          </a:xfrm>
-        </p:spPr>
-        <p:txBody>
-          <a:bodyPr/>
-          <a:lstStyle/>
-          <a:p>
-            <a:pPr>
-              <a:spcBef>
-                <a:spcPts val="600"/>
-              </a:spcBef>
-            </a:pPr>
-            <a:r>
-              <a:rPr lang="en-US" sz="1200" dirty="0">
-                <a:latin typeface="Calibri" panose="020F0502020204030204" pitchFamily="34" charset="0"/>
-                <a:cs typeface="Calibri" panose="020F0502020204030204" pitchFamily="34" charset="0"/>
-              </a:rPr>
-              <a:t>Applicable to E2E and </a:t>
-            </a:r>
-            <a:r>
-              <a:rPr lang="en-US" sz="1200" dirty="0" err="1">
-                <a:latin typeface="Calibri" panose="020F0502020204030204" pitchFamily="34" charset="0"/>
-                <a:cs typeface="Calibri" panose="020F0502020204030204" pitchFamily="34" charset="0"/>
-              </a:rPr>
-              <a:t>HbH</a:t>
-            </a:r>
-            <a:r>
-              <a:rPr lang="en-US" sz="1200" dirty="0">
-                <a:latin typeface="Calibri" panose="020F0502020204030204" pitchFamily="34" charset="0"/>
-                <a:cs typeface="Calibri" panose="020F0502020204030204" pitchFamily="34" charset="0"/>
-              </a:rPr>
-              <a:t> cases</a:t>
-            </a:r>
-          </a:p>
-          <a:p>
-            <a:pPr>
-              <a:spcBef>
-                <a:spcPts val="600"/>
-              </a:spcBef>
-            </a:pPr>
-            <a:r>
-              <a:rPr lang="en-US" sz="1200" dirty="0">
-                <a:latin typeface="Calibri" panose="020F0502020204030204" pitchFamily="34" charset="0"/>
-                <a:cs typeface="Calibri" panose="020F0502020204030204" pitchFamily="34" charset="0"/>
-              </a:rPr>
-              <a:t>Available label stack size reduced for the LSP</a:t>
-            </a:r>
-          </a:p>
-          <a:p>
-            <a:pPr lvl="1">
-              <a:spcBef>
-                <a:spcPts val="600"/>
-              </a:spcBef>
-            </a:pPr>
-            <a:r>
-              <a:rPr lang="en-US" sz="1200" dirty="0" err="1">
-                <a:latin typeface="Calibri" panose="020F0502020204030204" pitchFamily="34" charset="0"/>
-                <a:cs typeface="Calibri" panose="020F0502020204030204" pitchFamily="34" charset="0"/>
-              </a:rPr>
-              <a:t>HbH</a:t>
-            </a:r>
-            <a:r>
-              <a:rPr lang="en-US" sz="1200" dirty="0">
-                <a:latin typeface="Calibri" panose="020F0502020204030204" pitchFamily="34" charset="0"/>
-                <a:cs typeface="Calibri" panose="020F0502020204030204" pitchFamily="34" charset="0"/>
-              </a:rPr>
-              <a:t> IOAM Indicator (Also, Extension Label 15 when using </a:t>
-            </a:r>
-            <a:r>
-              <a:rPr lang="en-US" sz="1200" dirty="0" err="1">
-                <a:latin typeface="Calibri" panose="020F0502020204030204" pitchFamily="34" charset="0"/>
-                <a:cs typeface="Calibri" panose="020F0502020204030204" pitchFamily="34" charset="0"/>
-              </a:rPr>
-              <a:t>eSPL</a:t>
-            </a:r>
-            <a:r>
-              <a:rPr lang="en-US" sz="1200" dirty="0">
-                <a:latin typeface="Calibri" panose="020F0502020204030204" pitchFamily="34" charset="0"/>
-                <a:cs typeface="Calibri" panose="020F0502020204030204" pitchFamily="34" charset="0"/>
-              </a:rPr>
-              <a:t>)</a:t>
-            </a:r>
-          </a:p>
-          <a:p>
-            <a:pPr>
-              <a:spcBef>
-                <a:spcPts val="600"/>
-              </a:spcBef>
-            </a:pPr>
-            <a:r>
-              <a:rPr lang="en-US" sz="1200" dirty="0">
-                <a:latin typeface="Calibri" panose="020F0502020204030204" pitchFamily="34" charset="0"/>
-                <a:cs typeface="Calibri" panose="020F0502020204030204" pitchFamily="34" charset="0"/>
-              </a:rPr>
-              <a:t>May need to add entropy label due to ECMP impact, further reducing available label stack size for the LSP</a:t>
-            </a:r>
-          </a:p>
-          <a:p>
-            <a:pPr lvl="1">
-              <a:spcBef>
-                <a:spcPts val="600"/>
-              </a:spcBef>
-            </a:pPr>
-            <a:r>
-              <a:rPr lang="en-US" sz="1200" dirty="0">
-                <a:latin typeface="Calibri" panose="020F0502020204030204" pitchFamily="34" charset="0"/>
-                <a:cs typeface="Calibri" panose="020F0502020204030204" pitchFamily="34" charset="0"/>
-              </a:rPr>
-              <a:t>ELI </a:t>
-            </a:r>
-          </a:p>
-          <a:p>
-            <a:pPr lvl="1">
-              <a:spcBef>
-                <a:spcPts val="600"/>
-              </a:spcBef>
-            </a:pPr>
-            <a:r>
-              <a:rPr lang="en-US" sz="1200" dirty="0">
-                <a:latin typeface="Calibri" panose="020F0502020204030204" pitchFamily="34" charset="0"/>
-                <a:cs typeface="Calibri" panose="020F0502020204030204" pitchFamily="34" charset="0"/>
-              </a:rPr>
-              <a:t>Entropy Label</a:t>
-            </a:r>
-          </a:p>
-          <a:p>
-            <a:pPr>
-              <a:spcBef>
-                <a:spcPts val="600"/>
-              </a:spcBef>
-            </a:pPr>
-            <a:endParaRPr lang="en-US" sz="1200" dirty="0">
-              <a:latin typeface="Calibri" panose="020F0502020204030204" pitchFamily="34" charset="0"/>
-              <a:cs typeface="Calibri" panose="020F0502020204030204" pitchFamily="34" charset="0"/>
-            </a:endParaRPr>
-          </a:p>
-          <a:p>
-            <a:pPr marL="0" indent="0">
-              <a:spcBef>
-                <a:spcPts val="600"/>
-              </a:spcBef>
-              <a:buNone/>
-            </a:pPr>
-            <a:r>
-              <a:rPr lang="en-US" sz="1200" dirty="0">
-                <a:latin typeface="Calibri" panose="020F0502020204030204" pitchFamily="34" charset="0"/>
-                <a:cs typeface="Calibri" panose="020F0502020204030204" pitchFamily="34" charset="0"/>
-              </a:rPr>
-              <a:t>Reply:</a:t>
-            </a:r>
-          </a:p>
-          <a:p>
-            <a:pPr>
-              <a:spcBef>
-                <a:spcPts val="600"/>
-              </a:spcBef>
-            </a:pPr>
-            <a:r>
-              <a:rPr lang="en-US" sz="1200" dirty="0">
-                <a:latin typeface="Calibri" panose="020F0502020204030204" pitchFamily="34" charset="0"/>
-                <a:cs typeface="Calibri" panose="020F0502020204030204" pitchFamily="34" charset="0"/>
-              </a:rPr>
-              <a:t>This is true for all mechanisms using </a:t>
-            </a:r>
-            <a:r>
-              <a:rPr lang="en-US" sz="1200" dirty="0" err="1">
-                <a:latin typeface="Calibri" panose="020F0502020204030204" pitchFamily="34" charset="0"/>
-                <a:cs typeface="Calibri" panose="020F0502020204030204" pitchFamily="34" charset="0"/>
-              </a:rPr>
-              <a:t>eSPL</a:t>
-            </a:r>
-            <a:r>
-              <a:rPr lang="en-US" sz="1200" dirty="0">
-                <a:latin typeface="Calibri" panose="020F0502020204030204" pitchFamily="34" charset="0"/>
-                <a:cs typeface="Calibri" panose="020F0502020204030204" pitchFamily="34" charset="0"/>
-              </a:rPr>
-              <a:t>.</a:t>
-            </a:r>
-          </a:p>
-          <a:p>
-            <a:pPr lvl="1">
-              <a:spcBef>
-                <a:spcPts val="600"/>
-              </a:spcBef>
-              <a:buFont typeface="Arial" panose="020B0604020202020204" pitchFamily="34" charset="0"/>
-              <a:buChar char="•"/>
-            </a:pPr>
-            <a:r>
-              <a:rPr lang="en-CA" sz="1200" dirty="0">
-                <a:latin typeface="Calibri" panose="020F0502020204030204" pitchFamily="34" charset="0"/>
-                <a:cs typeface="Calibri" panose="020F0502020204030204" pitchFamily="34" charset="0"/>
-              </a:rPr>
-              <a:t>SFC: https://</a:t>
-            </a:r>
-            <a:r>
-              <a:rPr lang="en-CA" sz="1200" dirty="0" err="1">
-                <a:latin typeface="Calibri" panose="020F0502020204030204" pitchFamily="34" charset="0"/>
-                <a:cs typeface="Calibri" panose="020F0502020204030204" pitchFamily="34" charset="0"/>
-              </a:rPr>
-              <a:t>tools.ietf.org</a:t>
-            </a:r>
-            <a:r>
-              <a:rPr lang="en-CA" sz="1200" dirty="0">
-                <a:latin typeface="Calibri" panose="020F0502020204030204" pitchFamily="34" charset="0"/>
-                <a:cs typeface="Calibri" panose="020F0502020204030204" pitchFamily="34" charset="0"/>
-              </a:rPr>
-              <a:t>/html/rfc8595 </a:t>
-            </a:r>
-          </a:p>
-          <a:p>
-            <a:pPr lvl="1">
-              <a:spcBef>
-                <a:spcPts val="600"/>
-              </a:spcBef>
-              <a:buFont typeface="Arial" panose="020B0604020202020204" pitchFamily="34" charset="0"/>
-              <a:buChar char="•"/>
-            </a:pPr>
-            <a:r>
-              <a:rPr lang="en-CA" sz="1200" dirty="0">
-                <a:latin typeface="Calibri" panose="020F0502020204030204" pitchFamily="34" charset="0"/>
-                <a:cs typeface="Calibri" panose="020F0502020204030204" pitchFamily="34" charset="0"/>
-              </a:rPr>
-              <a:t>E2E: draft-</a:t>
-            </a:r>
-            <a:r>
-              <a:rPr lang="en-CA" sz="1200" dirty="0" err="1">
-                <a:latin typeface="Calibri" panose="020F0502020204030204" pitchFamily="34" charset="0"/>
-                <a:cs typeface="Calibri" panose="020F0502020204030204" pitchFamily="34" charset="0"/>
-              </a:rPr>
-              <a:t>cheng</a:t>
-            </a:r>
-            <a:r>
-              <a:rPr lang="en-CA" sz="1200" dirty="0">
-                <a:latin typeface="Calibri" panose="020F0502020204030204" pitchFamily="34" charset="0"/>
-                <a:cs typeface="Calibri" panose="020F0502020204030204" pitchFamily="34" charset="0"/>
-              </a:rPr>
-              <a:t>-</a:t>
-            </a:r>
-            <a:r>
-              <a:rPr lang="en-CA" sz="1200" dirty="0" err="1">
-                <a:latin typeface="Calibri" panose="020F0502020204030204" pitchFamily="34" charset="0"/>
-                <a:cs typeface="Calibri" panose="020F0502020204030204" pitchFamily="34" charset="0"/>
-              </a:rPr>
-              <a:t>mpls</a:t>
-            </a:r>
-            <a:r>
-              <a:rPr lang="en-CA" sz="1200" dirty="0">
-                <a:latin typeface="Calibri" panose="020F0502020204030204" pitchFamily="34" charset="0"/>
-                <a:cs typeface="Calibri" panose="020F0502020204030204" pitchFamily="34" charset="0"/>
-              </a:rPr>
-              <a:t>-</a:t>
-            </a:r>
-            <a:r>
-              <a:rPr lang="en-CA" sz="1200" dirty="0" err="1">
-                <a:latin typeface="Calibri" panose="020F0502020204030204" pitchFamily="34" charset="0"/>
-                <a:cs typeface="Calibri" panose="020F0502020204030204" pitchFamily="34" charset="0"/>
-              </a:rPr>
-              <a:t>inband</a:t>
-            </a:r>
-            <a:r>
-              <a:rPr lang="en-CA" sz="1200" dirty="0">
-                <a:latin typeface="Calibri" panose="020F0502020204030204" pitchFamily="34" charset="0"/>
-                <a:cs typeface="Calibri" panose="020F0502020204030204" pitchFamily="34" charset="0"/>
-              </a:rPr>
-              <a:t>-pm-encapsulation</a:t>
-            </a:r>
-          </a:p>
-          <a:p>
-            <a:pPr>
-              <a:spcBef>
-                <a:spcPts val="600"/>
-              </a:spcBef>
-              <a:buFont typeface="Arial" panose="020B0604020202020204" pitchFamily="34" charset="0"/>
-              <a:buChar char="•"/>
-            </a:pPr>
-            <a:r>
-              <a:rPr lang="en-CA" sz="1200" dirty="0">
-                <a:latin typeface="Calibri" panose="020F0502020204030204" pitchFamily="34" charset="0"/>
-                <a:cs typeface="Calibri" panose="020F0502020204030204" pitchFamily="34" charset="0"/>
-              </a:rPr>
-              <a:t>E2E: One less label when decapsulating node signals it</a:t>
-            </a:r>
-          </a:p>
-          <a:p>
-            <a:pPr>
-              <a:spcBef>
-                <a:spcPts val="600"/>
-              </a:spcBef>
-              <a:buFont typeface="Arial" panose="020B0604020202020204" pitchFamily="34" charset="0"/>
-              <a:buChar char="•"/>
-            </a:pPr>
-            <a:r>
-              <a:rPr lang="en-CA" sz="1200" dirty="0" err="1">
-                <a:latin typeface="Calibri" panose="020F0502020204030204" pitchFamily="34" charset="0"/>
-                <a:cs typeface="Calibri" panose="020F0502020204030204" pitchFamily="34" charset="0"/>
-              </a:rPr>
-              <a:t>HbH</a:t>
-            </a:r>
-            <a:r>
-              <a:rPr lang="en-CA" sz="1200" dirty="0">
-                <a:latin typeface="Calibri" panose="020F0502020204030204" pitchFamily="34" charset="0"/>
-                <a:cs typeface="Calibri" panose="020F0502020204030204" pitchFamily="34" charset="0"/>
-              </a:rPr>
-              <a:t>: Use IOAM Enabled Label (like SFL)</a:t>
-            </a:r>
-          </a:p>
-          <a:p>
-            <a:pPr marL="0" indent="0">
-              <a:spcBef>
-                <a:spcPts val="600"/>
-              </a:spcBef>
-              <a:buNone/>
-            </a:pPr>
-            <a:endParaRPr lang="en-US" sz="1200" dirty="0">
-              <a:latin typeface="Calibri" panose="020F0502020204030204" pitchFamily="34" charset="0"/>
-              <a:cs typeface="Calibri" panose="020F0502020204030204" pitchFamily="34" charset="0"/>
-            </a:endParaRPr>
-          </a:p>
-        </p:txBody>
-      </p:sp>
-      <p:sp>
-        <p:nvSpPr>
-          <p:cNvPr id="4" name="Footer Placeholder 3">
-            <a:extLst>
-              <a:ext uri="{FF2B5EF4-FFF2-40B4-BE49-F238E27FC236}">
-                <a16:creationId xmlns:a16="http://schemas.microsoft.com/office/drawing/2014/main" id="{CF70CC82-C055-3645-9254-87CEC1C49032}"/>
-              </a:ext>
-            </a:extLst>
-          </p:cNvPr>
-          <p:cNvSpPr>
-            <a:spLocks noGrp="1"/>
-          </p:cNvSpPr>
-          <p:nvPr>
-            <p:ph type="ftr" sz="quarter" idx="11"/>
-          </p:nvPr>
-        </p:nvSpPr>
-        <p:spPr>
-          <a:xfrm>
-            <a:off x="3124200" y="4760472"/>
-            <a:ext cx="2895600" cy="357188"/>
-          </a:xfrm>
-        </p:spPr>
-        <p:txBody>
-          <a:bodyPr/>
-          <a:lstStyle/>
-          <a:p>
-            <a:pPr>
-              <a:defRPr/>
-            </a:pPr>
-            <a:r>
-              <a:rPr lang="en-US" altLang="zh-CN" dirty="0"/>
-              <a:t>110</a:t>
-            </a:r>
-            <a:r>
-              <a:rPr lang="en-US" altLang="zh-CN" baseline="30000" dirty="0"/>
-              <a:t>th</a:t>
-            </a:r>
-            <a:r>
-              <a:rPr lang="en-US" altLang="zh-CN" dirty="0"/>
-              <a:t> IETF Online</a:t>
-            </a:r>
-          </a:p>
-        </p:txBody>
-      </p:sp>
-      <p:sp>
-        <p:nvSpPr>
-          <p:cNvPr id="5" name="Slide Number Placeholder 4">
-            <a:extLst>
-              <a:ext uri="{FF2B5EF4-FFF2-40B4-BE49-F238E27FC236}">
-                <a16:creationId xmlns:a16="http://schemas.microsoft.com/office/drawing/2014/main" id="{62DF7D69-BCF6-2D4A-A3F1-2D32C59355D3}"/>
-              </a:ext>
-            </a:extLst>
-          </p:cNvPr>
-          <p:cNvSpPr>
-            <a:spLocks noGrp="1"/>
-          </p:cNvSpPr>
-          <p:nvPr>
-            <p:ph type="sldNum" sz="quarter" idx="12"/>
-          </p:nvPr>
-        </p:nvSpPr>
-        <p:spPr/>
-        <p:txBody>
-          <a:bodyPr/>
-          <a:lstStyle/>
-          <a:p>
-            <a:pPr>
-              <a:defRPr/>
-            </a:pPr>
-            <a:fld id="{BD6E0F59-1DD8-40FC-9C92-B6295CBA6CCA}" type="slidenum">
-              <a:rPr lang="en-US" altLang="zh-CN" smtClean="0"/>
-              <a:pPr>
-                <a:defRPr/>
-              </a:pPr>
-              <a:t>17</a:t>
-            </a:fld>
-            <a:endParaRPr lang="en-US" altLang="zh-CN"/>
-          </a:p>
-        </p:txBody>
-      </p:sp>
-    </p:spTree>
-    <p:extLst>
-      <p:ext uri="{BB962C8B-B14F-4D97-AF65-F5344CB8AC3E}">
-        <p14:creationId xmlns:p14="http://schemas.microsoft.com/office/powerpoint/2010/main" val="1151529161"/>
-      </p:ext>
-    </p:extLst>
-  </p:cSld>
-  <p:clrMapOvr>
-    <a:masterClrMapping/>
-  </p:clrMapOvr>
-</p:sld>
-</file>
-
-<file path=ppt/slides/slide18.xml><?xml version="1.0" encoding="utf-8"?>
-<p:sld xmlns:a="http://schemas.openxmlformats.org/drawingml/2006/main" xmlns:r="http://schemas.openxmlformats.org/officeDocument/2006/relationships" xmlns:p="http://schemas.openxmlformats.org/presentationml/2006/main">
-  <p:cSld>
-    <p:spTree>
-      <p:nvGrpSpPr>
-        <p:cNvPr id="1" name=""/>
-        <p:cNvGrpSpPr/>
-        <p:nvPr/>
-      </p:nvGrpSpPr>
-      <p:grpSpPr>
-        <a:xfrm>
-          <a:off x="0" y="0"/>
-          <a:ext cx="0" cy="0"/>
-          <a:chOff x="0" y="0"/>
-          <a:chExt cx="0" cy="0"/>
-        </a:xfrm>
-      </p:grpSpPr>
-      <p:sp>
-        <p:nvSpPr>
-          <p:cNvPr id="2" name="Title 1">
-            <a:extLst>
-              <a:ext uri="{FF2B5EF4-FFF2-40B4-BE49-F238E27FC236}">
-                <a16:creationId xmlns:a16="http://schemas.microsoft.com/office/drawing/2014/main" id="{16C5255E-BE42-5348-AC0F-6257873BBB61}"/>
-              </a:ext>
-            </a:extLst>
-          </p:cNvPr>
-          <p:cNvSpPr>
-            <a:spLocks noGrp="1"/>
-          </p:cNvSpPr>
-          <p:nvPr>
-            <p:ph type="title"/>
-          </p:nvPr>
-        </p:nvSpPr>
-        <p:spPr>
-          <a:xfrm>
-            <a:off x="500406" y="0"/>
-            <a:ext cx="7772400" cy="857250"/>
-          </a:xfrm>
-        </p:spPr>
-        <p:txBody>
-          <a:bodyPr/>
-          <a:lstStyle/>
-          <a:p>
-            <a:pPr algn="l"/>
-            <a:r>
-              <a:rPr lang="en-US" sz="3200" dirty="0">
-                <a:solidFill>
-                  <a:srgbClr val="0070C0"/>
-                </a:solidFill>
-                <a:latin typeface="Calibri Light" panose="020F0302020204030204" pitchFamily="34" charset="0"/>
-                <a:cs typeface="Calibri Light" panose="020F0302020204030204" pitchFamily="34" charset="0"/>
-              </a:rPr>
-              <a:t>2. Transit Nodes Scanning Label Stack</a:t>
-            </a:r>
-          </a:p>
-        </p:txBody>
-      </p:sp>
-      <p:sp>
-        <p:nvSpPr>
-          <p:cNvPr id="3" name="Content Placeholder 2">
-            <a:extLst>
-              <a:ext uri="{FF2B5EF4-FFF2-40B4-BE49-F238E27FC236}">
-                <a16:creationId xmlns:a16="http://schemas.microsoft.com/office/drawing/2014/main" id="{3943595A-2AF7-A141-B580-268FFA30C69C}"/>
-              </a:ext>
-            </a:extLst>
-          </p:cNvPr>
-          <p:cNvSpPr>
-            <a:spLocks noGrp="1"/>
-          </p:cNvSpPr>
-          <p:nvPr>
-            <p:ph idx="1"/>
-          </p:nvPr>
-        </p:nvSpPr>
-        <p:spPr>
-          <a:xfrm>
-            <a:off x="473697" y="884932"/>
-            <a:ext cx="8229600" cy="3373636"/>
-          </a:xfrm>
-        </p:spPr>
-        <p:txBody>
-          <a:bodyPr/>
-          <a:lstStyle/>
-          <a:p>
-            <a:pPr>
-              <a:spcBef>
-                <a:spcPts val="600"/>
-              </a:spcBef>
-            </a:pPr>
-            <a:r>
-              <a:rPr lang="en-US" sz="1400" dirty="0">
-                <a:latin typeface="Calibri" panose="020F0502020204030204" pitchFamily="34" charset="0"/>
-                <a:cs typeface="Calibri" panose="020F0502020204030204" pitchFamily="34" charset="0"/>
-              </a:rPr>
-              <a:t>Applicable to </a:t>
-            </a:r>
-            <a:r>
-              <a:rPr lang="en-US" sz="1400" dirty="0" err="1">
-                <a:latin typeface="Calibri" panose="020F0502020204030204" pitchFamily="34" charset="0"/>
-                <a:cs typeface="Calibri" panose="020F0502020204030204" pitchFamily="34" charset="0"/>
-              </a:rPr>
-              <a:t>HbH</a:t>
-            </a:r>
-            <a:r>
-              <a:rPr lang="en-US" sz="1400" dirty="0">
-                <a:latin typeface="Calibri" panose="020F0502020204030204" pitchFamily="34" charset="0"/>
-                <a:cs typeface="Calibri" panose="020F0502020204030204" pitchFamily="34" charset="0"/>
-              </a:rPr>
-              <a:t> case</a:t>
-            </a:r>
-          </a:p>
-          <a:p>
-            <a:pPr>
-              <a:spcBef>
-                <a:spcPts val="600"/>
-              </a:spcBef>
-            </a:pPr>
-            <a:r>
-              <a:rPr lang="en-US" sz="1400" dirty="0">
-                <a:latin typeface="Calibri" panose="020F0502020204030204" pitchFamily="34" charset="0"/>
-                <a:cs typeface="Calibri" panose="020F0502020204030204" pitchFamily="34" charset="0"/>
-              </a:rPr>
-              <a:t>Transit nodes need to scan deeper into the MPLS header to find IOAM Indicator Label only when </a:t>
-            </a:r>
-            <a:r>
-              <a:rPr lang="en-US" sz="1400" dirty="0" err="1">
-                <a:latin typeface="Calibri" panose="020F0502020204030204" pitchFamily="34" charset="0"/>
-                <a:cs typeface="Calibri" panose="020F0502020204030204" pitchFamily="34" charset="0"/>
-              </a:rPr>
-              <a:t>HbH</a:t>
-            </a:r>
-            <a:r>
-              <a:rPr lang="en-US" sz="1400" dirty="0">
-                <a:latin typeface="Calibri" panose="020F0502020204030204" pitchFamily="34" charset="0"/>
-                <a:cs typeface="Calibri" panose="020F0502020204030204" pitchFamily="34" charset="0"/>
-              </a:rPr>
-              <a:t> IOAM is enabled</a:t>
-            </a:r>
-          </a:p>
-          <a:p>
-            <a:pPr>
-              <a:spcBef>
-                <a:spcPts val="600"/>
-              </a:spcBef>
-            </a:pPr>
-            <a:endParaRPr lang="en-US" sz="1400" dirty="0">
-              <a:latin typeface="Calibri" panose="020F0502020204030204" pitchFamily="34" charset="0"/>
-              <a:cs typeface="Calibri" panose="020F0502020204030204" pitchFamily="34" charset="0"/>
-            </a:endParaRPr>
-          </a:p>
-          <a:p>
-            <a:pPr>
-              <a:spcBef>
-                <a:spcPts val="600"/>
-              </a:spcBef>
-            </a:pPr>
-            <a:endParaRPr lang="en-US" sz="1400" dirty="0">
-              <a:latin typeface="Calibri" panose="020F0502020204030204" pitchFamily="34" charset="0"/>
-              <a:cs typeface="Calibri" panose="020F0502020204030204" pitchFamily="34" charset="0"/>
-            </a:endParaRPr>
-          </a:p>
-          <a:p>
-            <a:pPr marL="0" indent="0">
-              <a:spcBef>
-                <a:spcPts val="600"/>
-              </a:spcBef>
-              <a:buNone/>
-            </a:pPr>
-            <a:r>
-              <a:rPr lang="en-US" sz="1400" dirty="0">
-                <a:latin typeface="Calibri" panose="020F0502020204030204" pitchFamily="34" charset="0"/>
-                <a:cs typeface="Calibri" panose="020F0502020204030204" pitchFamily="34" charset="0"/>
-              </a:rPr>
-              <a:t>Reply:</a:t>
-            </a:r>
-          </a:p>
-          <a:p>
-            <a:pPr>
-              <a:spcBef>
-                <a:spcPts val="600"/>
-              </a:spcBef>
-              <a:buFont typeface="Wingdings" pitchFamily="2" charset="2"/>
-              <a:buChar char="ü"/>
-            </a:pPr>
-            <a:r>
-              <a:rPr lang="en-US" sz="1400" dirty="0">
-                <a:latin typeface="Calibri" panose="020F0502020204030204" pitchFamily="34" charset="0"/>
-                <a:cs typeface="Calibri" panose="020F0502020204030204" pitchFamily="34" charset="0"/>
-              </a:rPr>
-              <a:t>This is also true for ELI and EL today.</a:t>
-            </a:r>
-            <a:endParaRPr lang="en-CA" sz="1400" dirty="0">
-              <a:latin typeface="Calibri" panose="020F0502020204030204" pitchFamily="34" charset="0"/>
-              <a:cs typeface="Calibri" panose="020F0502020204030204" pitchFamily="34" charset="0"/>
-            </a:endParaRPr>
-          </a:p>
-          <a:p>
-            <a:pPr>
-              <a:spcBef>
-                <a:spcPts val="600"/>
-              </a:spcBef>
-              <a:buFont typeface="Wingdings" pitchFamily="2" charset="2"/>
-              <a:buChar char="ü"/>
-            </a:pPr>
-            <a:r>
-              <a:rPr lang="en-CA" sz="1400" dirty="0">
-                <a:latin typeface="Calibri" panose="020F0502020204030204" pitchFamily="34" charset="0"/>
-                <a:cs typeface="Calibri" panose="020F0502020204030204" pitchFamily="34" charset="0"/>
-              </a:rPr>
-              <a:t>With any indicator scheme, the node will have to look past EOS into the packet to find the IOAM data that needs to be processed.</a:t>
-            </a:r>
-          </a:p>
-          <a:p>
-            <a:pPr>
-              <a:spcBef>
-                <a:spcPts val="600"/>
-              </a:spcBef>
-              <a:buFont typeface="Wingdings" pitchFamily="2" charset="2"/>
-              <a:buChar char="ü"/>
-            </a:pPr>
-            <a:r>
-              <a:rPr lang="en-CA" sz="1400" dirty="0">
-                <a:latin typeface="Calibri" panose="020F0502020204030204" pitchFamily="34" charset="0"/>
-                <a:cs typeface="Calibri" panose="020F0502020204030204" pitchFamily="34" charset="0"/>
-              </a:rPr>
-              <a:t>Use IOAM enabled label (like SFL) that avoids scanning label stack.</a:t>
-            </a:r>
-          </a:p>
-          <a:p>
-            <a:pPr>
-              <a:spcBef>
-                <a:spcPts val="600"/>
-              </a:spcBef>
-              <a:buFont typeface="Wingdings" pitchFamily="2" charset="2"/>
-              <a:buChar char="ü"/>
-            </a:pPr>
-            <a:endParaRPr lang="en-CA" sz="1400" dirty="0">
-              <a:latin typeface="Calibri" panose="020F0502020204030204" pitchFamily="34" charset="0"/>
-              <a:cs typeface="Calibri" panose="020F0502020204030204" pitchFamily="34" charset="0"/>
-            </a:endParaRPr>
-          </a:p>
-          <a:p>
-            <a:pPr>
-              <a:spcBef>
-                <a:spcPts val="600"/>
-              </a:spcBef>
-            </a:pPr>
-            <a:endParaRPr lang="en-US" sz="1400" dirty="0">
-              <a:latin typeface="Calibri" panose="020F0502020204030204" pitchFamily="34" charset="0"/>
-              <a:cs typeface="Calibri" panose="020F0502020204030204" pitchFamily="34" charset="0"/>
-            </a:endParaRPr>
-          </a:p>
-        </p:txBody>
-      </p:sp>
-      <p:sp>
-        <p:nvSpPr>
-          <p:cNvPr id="4" name="Footer Placeholder 3">
-            <a:extLst>
-              <a:ext uri="{FF2B5EF4-FFF2-40B4-BE49-F238E27FC236}">
-                <a16:creationId xmlns:a16="http://schemas.microsoft.com/office/drawing/2014/main" id="{CF70CC82-C055-3645-9254-87CEC1C49032}"/>
-              </a:ext>
-            </a:extLst>
-          </p:cNvPr>
-          <p:cNvSpPr>
-            <a:spLocks noGrp="1"/>
-          </p:cNvSpPr>
-          <p:nvPr>
-            <p:ph type="ftr" sz="quarter" idx="11"/>
-          </p:nvPr>
-        </p:nvSpPr>
-        <p:spPr>
-          <a:xfrm>
-            <a:off x="3124200" y="4760472"/>
-            <a:ext cx="2895600" cy="357188"/>
-          </a:xfrm>
-        </p:spPr>
-        <p:txBody>
-          <a:bodyPr/>
-          <a:lstStyle/>
-          <a:p>
-            <a:pPr>
-              <a:defRPr/>
-            </a:pPr>
-            <a:r>
-              <a:rPr lang="en-US" altLang="zh-CN" dirty="0"/>
-              <a:t>110</a:t>
-            </a:r>
-            <a:r>
-              <a:rPr lang="en-US" altLang="zh-CN" baseline="30000" dirty="0"/>
-              <a:t>th</a:t>
-            </a:r>
-            <a:r>
-              <a:rPr lang="en-US" altLang="zh-CN" dirty="0"/>
-              <a:t> IETF Online</a:t>
-            </a:r>
-          </a:p>
-        </p:txBody>
-      </p:sp>
-      <p:sp>
-        <p:nvSpPr>
-          <p:cNvPr id="5" name="Slide Number Placeholder 4">
-            <a:extLst>
-              <a:ext uri="{FF2B5EF4-FFF2-40B4-BE49-F238E27FC236}">
-                <a16:creationId xmlns:a16="http://schemas.microsoft.com/office/drawing/2014/main" id="{62DF7D69-BCF6-2D4A-A3F1-2D32C59355D3}"/>
-              </a:ext>
-            </a:extLst>
-          </p:cNvPr>
-          <p:cNvSpPr>
-            <a:spLocks noGrp="1"/>
-          </p:cNvSpPr>
-          <p:nvPr>
-            <p:ph type="sldNum" sz="quarter" idx="12"/>
-          </p:nvPr>
-        </p:nvSpPr>
-        <p:spPr/>
-        <p:txBody>
-          <a:bodyPr/>
-          <a:lstStyle/>
-          <a:p>
-            <a:pPr>
-              <a:defRPr/>
-            </a:pPr>
-            <a:fld id="{BD6E0F59-1DD8-40FC-9C92-B6295CBA6CCA}" type="slidenum">
-              <a:rPr lang="en-US" altLang="zh-CN" smtClean="0"/>
-              <a:pPr>
-                <a:defRPr/>
-              </a:pPr>
-              <a:t>18</a:t>
-            </a:fld>
-            <a:endParaRPr lang="en-US" altLang="zh-CN"/>
-          </a:p>
-        </p:txBody>
-      </p:sp>
-    </p:spTree>
-    <p:extLst>
-      <p:ext uri="{BB962C8B-B14F-4D97-AF65-F5344CB8AC3E}">
-        <p14:creationId xmlns:p14="http://schemas.microsoft.com/office/powerpoint/2010/main" val="4096689609"/>
       </p:ext>
     </p:extLst>
   </p:cSld>
@@ -8641,7 +8718,7 @@
         </p:nvSpPr>
         <p:spPr>
           <a:xfrm>
-            <a:off x="457200" y="0"/>
+            <a:off x="457200" y="23400"/>
             <a:ext cx="8229600" cy="857250"/>
           </a:xfrm>
         </p:spPr>
@@ -8658,7 +8735,7 @@
                 <a:latin typeface="Calibri Light" panose="020F0302020204030204" pitchFamily="34" charset="0"/>
                 <a:cs typeface="Calibri Light" panose="020F0302020204030204" pitchFamily="34" charset="0"/>
               </a:rPr>
-              <a:t>3. Different FEC (like SFL) for IOAM Data Packets</a:t>
+              <a:t>1. Label Stack Size Imposed by Ingress</a:t>
             </a:r>
           </a:p>
         </p:txBody>
@@ -8681,8 +8758,8 @@
         </p:nvSpPr>
         <p:spPr>
           <a:xfrm>
-            <a:off x="457200" y="971550"/>
-            <a:ext cx="8229600" cy="3373636"/>
+            <a:off x="457200" y="883090"/>
+            <a:ext cx="8229600" cy="3671814"/>
           </a:xfrm>
         </p:spPr>
         <p:txBody>
@@ -8695,34 +8772,25 @@
               </a:spcBef>
             </a:pPr>
             <a:r>
-              <a:rPr lang="en-CA" sz="1400" dirty="0">
-                <a:solidFill>
-                  <a:srgbClr val="000000"/>
-                </a:solidFill>
+              <a:rPr lang="en-US" sz="1200" dirty="0">
                 <a:latin typeface="Calibri" panose="020F0502020204030204" pitchFamily="34" charset="0"/>
                 <a:cs typeface="Calibri" panose="020F0502020204030204" pitchFamily="34" charset="0"/>
               </a:rPr>
-              <a:t>Applicable to </a:t>
-            </a:r>
-            <a:r>
-              <a:rPr lang="en-CA" sz="1400" dirty="0" err="1">
-                <a:solidFill>
-                  <a:srgbClr val="000000"/>
-                </a:solidFill>
+              <a:t>Applicable to E2E and </a:t>
+            </a:r>
+            <a:r>
+              <a:rPr lang="en-US" sz="1200" dirty="0" err="1">
                 <a:latin typeface="Calibri" panose="020F0502020204030204" pitchFamily="34" charset="0"/>
                 <a:cs typeface="Calibri" panose="020F0502020204030204" pitchFamily="34" charset="0"/>
               </a:rPr>
               <a:t>HbH</a:t>
             </a:r>
             <a:r>
-              <a:rPr lang="en-CA" sz="1400" dirty="0">
-                <a:solidFill>
-                  <a:srgbClr val="000000"/>
-                </a:solidFill>
+              <a:rPr lang="en-US" sz="1200" dirty="0">
                 <a:latin typeface="Calibri" panose="020F0502020204030204" pitchFamily="34" charset="0"/>
                 <a:cs typeface="Calibri" panose="020F0502020204030204" pitchFamily="34" charset="0"/>
               </a:rPr>
-              <a:t> case</a:t>
+              <a:t> cases</a:t>
             </a:r>
           </a:p>
           <a:p>
@@ -8732,14 +8800,46 @@
               </a:spcBef>
             </a:pPr>
             <a:r>
-              <a:rPr lang="en-CA" sz="1400" dirty="0">
-                <a:solidFill>
-                  <a:srgbClr val="000000"/>
-                </a:solidFill>
+              <a:rPr lang="en-US" sz="1200" dirty="0">
                 <a:latin typeface="Calibri" panose="020F0502020204030204" pitchFamily="34" charset="0"/>
                 <a:cs typeface="Calibri" panose="020F0502020204030204" pitchFamily="34" charset="0"/>
               </a:rPr>
-              <a:t>With a special FEC for IOAM packets and a "normal” FEC for data packets that don't carry IOAM info, a node might drop the normal traffic while the IOAM traffic flows</a:t>
+              <a:t>Available label stack size reduced for the LSP</a:t>
+            </a:r>
+          </a:p>
+          <a:p>
+            <a:pPr lvl="1">
+              <a:spcBef>
+                <a:spcPts val="600"/>
+              </a:spcBef>
+            </a:pPr>
+            <a:r>
+              <a:rPr lang="en-US" sz="1200" dirty="0" err="1">
+                <a:latin typeface="Calibri" panose="020F0502020204030204" pitchFamily="34" charset="0"/>
+                <a:cs typeface="Calibri" panose="020F0502020204030204" pitchFamily="34" charset="0"/>
+              </a:rPr>
+              <a:t>HbH</a:t>
+            </a:r>
+            <a:r>
+              <a:rPr lang="en-US" sz="1200" dirty="0">
+                <a:latin typeface="Calibri" panose="020F0502020204030204" pitchFamily="34" charset="0"/>
+                <a:cs typeface="Calibri" panose="020F0502020204030204" pitchFamily="34" charset="0"/>
+              </a:rPr>
+              <a:t> IOAM Indicator (Extension Label 15 when using </a:t>
+            </a:r>
+            <a:r>
+              <a:rPr lang="en-US" sz="1200" dirty="0" err="1">
+                <a:latin typeface="Calibri" panose="020F0502020204030204" pitchFamily="34" charset="0"/>
+                <a:cs typeface="Calibri" panose="020F0502020204030204" pitchFamily="34" charset="0"/>
+              </a:rPr>
+              <a:t>eSPL</a:t>
+            </a:r>
+            <a:r>
+              <a:rPr lang="en-US" sz="1200" dirty="0">
+                <a:latin typeface="Calibri" panose="020F0502020204030204" pitchFamily="34" charset="0"/>
+                <a:cs typeface="Calibri" panose="020F0502020204030204" pitchFamily="34" charset="0"/>
+              </a:rPr>
+              <a:t>)</a:t>
             </a:r>
           </a:p>
           <a:p>
@@ -8749,14 +8849,39 @@
               </a:spcBef>
             </a:pPr>
             <a:r>
-              <a:rPr lang="en-CA" sz="1400" dirty="0">
-                <a:solidFill>
-                  <a:srgbClr val="000000"/>
-                </a:solidFill>
+              <a:rPr lang="en-US" sz="1200" dirty="0">
                 <a:latin typeface="Calibri" panose="020F0502020204030204" pitchFamily="34" charset="0"/>
                 <a:cs typeface="Calibri" panose="020F0502020204030204" pitchFamily="34" charset="0"/>
               </a:rPr>
-              <a:t>Use IOAM Enabled label (like SFL) for IOAM packets</a:t>
+              <a:t>May need to add entropy label due to ECMP impact, further reducing available label stack size for the LSP</a:t>
+            </a:r>
+          </a:p>
+          <a:p>
+            <a:pPr lvl="1">
+              <a:spcBef>
+                <a:spcPts val="600"/>
+              </a:spcBef>
+            </a:pPr>
+            <a:r>
+              <a:rPr lang="en-US" sz="1200" dirty="0">
+                <a:latin typeface="Calibri" panose="020F0502020204030204" pitchFamily="34" charset="0"/>
+                <a:cs typeface="Calibri" panose="020F0502020204030204" pitchFamily="34" charset="0"/>
+              </a:rPr>
+              <a:t>ELI </a:t>
+            </a:r>
+          </a:p>
+          <a:p>
+            <a:pPr lvl="1">
+              <a:spcBef>
+                <a:spcPts val="600"/>
+              </a:spcBef>
+            </a:pPr>
+            <a:r>
+              <a:rPr lang="en-US" sz="1200" dirty="0">
+                <a:latin typeface="Calibri" panose="020F0502020204030204" pitchFamily="34" charset="0"/>
+                <a:cs typeface="Calibri" panose="020F0502020204030204" pitchFamily="34" charset="0"/>
+              </a:rPr>
+              <a:t>Entropy Label</a:t>
             </a:r>
           </a:p>
           <a:p>
@@ -8765,10 +8890,7 @@
                 <a:spcPts val="600"/>
               </a:spcBef>
             </a:pPr>
-            <a:endParaRPr lang="en-CA" sz="1400" dirty="0">
-              <a:solidFill>
-                <a:srgbClr val="000000"/>
-              </a:solidFill>
+            <a:endParaRPr lang="en-US" sz="1200" dirty="0">
               <a:latin typeface="Calibri" panose="020F0502020204030204" pitchFamily="34" charset="0"/>
               <a:cs typeface="Calibri" panose="020F0502020204030204" pitchFamily="34" charset="0"/>
             </a:endParaRPr>
@@ -8781,10 +8903,7 @@
               <a:buNone/>
             </a:pPr>
             <a:r>
-              <a:rPr lang="en-CA" sz="1400" dirty="0">
-                <a:solidFill>
-                  <a:srgbClr val="000000"/>
-                </a:solidFill>
+              <a:rPr lang="en-US" sz="1200" dirty="0">
                 <a:latin typeface="Calibri" panose="020F0502020204030204" pitchFamily="34" charset="0"/>
                 <a:cs typeface="Calibri" panose="020F0502020204030204" pitchFamily="34" charset="0"/>
               </a:rPr>
@@ -8796,20 +8915,22 @@
               <a:spcBef>
                 <a:spcPts val="600"/>
               </a:spcBef>
-              <a:buFont typeface="Wingdings" pitchFamily="2" charset="2"/>
-              <a:buChar char="ü"/>
-            </a:pPr>
-            <a:r>
-              <a:rPr lang="en-CA" sz="1400" dirty="0">
-                <a:solidFill>
-                  <a:srgbClr val="000000"/>
-                </a:solidFill>
+            </a:pPr>
+            <a:r>
+              <a:rPr lang="en-US" sz="1200" dirty="0">
                 <a:latin typeface="Calibri" panose="020F0502020204030204" pitchFamily="34" charset="0"/>
                 <a:cs typeface="Calibri" panose="020F0502020204030204" pitchFamily="34" charset="0"/>
               </a:rPr>
-              <a:t>This is indeed an issue with using SFL kind of approach. OAM reports the metrics of the LSP on which the normal traffic is not flowing. The forwarding normal packets are not using the LSP used by the OAM, as there are two synonymous LSPs.</a:t>
-            </a:r>
-            <a:endParaRPr lang="en-US" sz="1400" dirty="0">
+              <a:t>This is true for all mechanisms using </a:t>
+            </a:r>
+            <a:r>
+              <a:rPr lang="en-US" sz="1200" dirty="0" err="1">
+                <a:latin typeface="Calibri" panose="020F0502020204030204" pitchFamily="34" charset="0"/>
+                <a:cs typeface="Calibri" panose="020F0502020204030204" pitchFamily="34" charset="0"/>
+              </a:rPr>
+              <a:t>eSPL</a:t>
+            </a:r>
+            <a:endParaRPr lang="en-US" sz="1200" dirty="0">
               <a:latin typeface="Calibri" panose="020F0502020204030204" pitchFamily="34" charset="0"/>
               <a:cs typeface="Calibri" panose="020F0502020204030204" pitchFamily="34" charset="0"/>
             </a:endParaRPr>
@@ -8819,19 +8940,127 @@
               <a:spcBef>
                 <a:spcPts val="600"/>
               </a:spcBef>
-            </a:pPr>
-            <a:endParaRPr lang="en-US" sz="1400" dirty="0">
-              <a:latin typeface="Calibri" panose="020F0502020204030204" pitchFamily="34" charset="0"/>
-              <a:cs typeface="Calibri" panose="020F0502020204030204" pitchFamily="34" charset="0"/>
-            </a:endParaRPr>
+              <a:buFont typeface="Arial" panose="020B0604020202020204" pitchFamily="34" charset="0"/>
+              <a:buChar char="•"/>
+            </a:pPr>
+            <a:r>
+              <a:rPr lang="en-CA" sz="1200" dirty="0">
+                <a:latin typeface="Calibri" panose="020F0502020204030204" pitchFamily="34" charset="0"/>
+                <a:cs typeface="Calibri" panose="020F0502020204030204" pitchFamily="34" charset="0"/>
+              </a:rPr>
+              <a:t>SFC: https://</a:t>
+            </a:r>
+            <a:r>
+              <a:rPr lang="en-CA" sz="1200" dirty="0" err="1">
+                <a:latin typeface="Calibri" panose="020F0502020204030204" pitchFamily="34" charset="0"/>
+                <a:cs typeface="Calibri" panose="020F0502020204030204" pitchFamily="34" charset="0"/>
+              </a:rPr>
+              <a:t>tools.ietf.org</a:t>
+            </a:r>
+            <a:r>
+              <a:rPr lang="en-CA" sz="1200" dirty="0">
+                <a:latin typeface="Calibri" panose="020F0502020204030204" pitchFamily="34" charset="0"/>
+                <a:cs typeface="Calibri" panose="020F0502020204030204" pitchFamily="34" charset="0"/>
+              </a:rPr>
+              <a:t>/html/rfc8595 </a:t>
+            </a:r>
+          </a:p>
+          <a:p>
+            <a:pPr lvl="1">
+              <a:spcBef>
+                <a:spcPts val="600"/>
+              </a:spcBef>
+              <a:buFont typeface="Arial" panose="020B0604020202020204" pitchFamily="34" charset="0"/>
+              <a:buChar char="•"/>
+            </a:pPr>
+            <a:r>
+              <a:rPr lang="en-CA" sz="1200" dirty="0">
+                <a:latin typeface="Calibri" panose="020F0502020204030204" pitchFamily="34" charset="0"/>
+                <a:cs typeface="Calibri" panose="020F0502020204030204" pitchFamily="34" charset="0"/>
+              </a:rPr>
+              <a:t>E2E: draft-</a:t>
+            </a:r>
+            <a:r>
+              <a:rPr lang="en-CA" sz="1200" dirty="0" err="1">
+                <a:latin typeface="Calibri" panose="020F0502020204030204" pitchFamily="34" charset="0"/>
+                <a:cs typeface="Calibri" panose="020F0502020204030204" pitchFamily="34" charset="0"/>
+              </a:rPr>
+              <a:t>cheng</a:t>
+            </a:r>
+            <a:r>
+              <a:rPr lang="en-CA" sz="1200" dirty="0">
+                <a:latin typeface="Calibri" panose="020F0502020204030204" pitchFamily="34" charset="0"/>
+                <a:cs typeface="Calibri" panose="020F0502020204030204" pitchFamily="34" charset="0"/>
+              </a:rPr>
+              <a:t>-</a:t>
+            </a:r>
+            <a:r>
+              <a:rPr lang="en-CA" sz="1200" dirty="0" err="1">
+                <a:latin typeface="Calibri" panose="020F0502020204030204" pitchFamily="34" charset="0"/>
+                <a:cs typeface="Calibri" panose="020F0502020204030204" pitchFamily="34" charset="0"/>
+              </a:rPr>
+              <a:t>mpls</a:t>
+            </a:r>
+            <a:r>
+              <a:rPr lang="en-CA" sz="1200" dirty="0">
+                <a:latin typeface="Calibri" panose="020F0502020204030204" pitchFamily="34" charset="0"/>
+                <a:cs typeface="Calibri" panose="020F0502020204030204" pitchFamily="34" charset="0"/>
+              </a:rPr>
+              <a:t>-</a:t>
+            </a:r>
+            <a:r>
+              <a:rPr lang="en-CA" sz="1200" dirty="0" err="1">
+                <a:latin typeface="Calibri" panose="020F0502020204030204" pitchFamily="34" charset="0"/>
+                <a:cs typeface="Calibri" panose="020F0502020204030204" pitchFamily="34" charset="0"/>
+              </a:rPr>
+              <a:t>inband</a:t>
+            </a:r>
+            <a:r>
+              <a:rPr lang="en-CA" sz="1200" dirty="0">
+                <a:latin typeface="Calibri" panose="020F0502020204030204" pitchFamily="34" charset="0"/>
+                <a:cs typeface="Calibri" panose="020F0502020204030204" pitchFamily="34" charset="0"/>
+              </a:rPr>
+              <a:t>-pm-encapsulation</a:t>
+            </a:r>
           </a:p>
           <a:p>
             <a:pPr>
               <a:spcBef>
                 <a:spcPts val="600"/>
               </a:spcBef>
-            </a:pPr>
-            <a:endParaRPr lang="en-US" sz="1400" dirty="0">
+              <a:buFont typeface="Arial" panose="020B0604020202020204" pitchFamily="34" charset="0"/>
+              <a:buChar char="•"/>
+            </a:pPr>
+            <a:r>
+              <a:rPr lang="en-CA" sz="1200" dirty="0">
+                <a:latin typeface="Calibri" panose="020F0502020204030204" pitchFamily="34" charset="0"/>
+                <a:cs typeface="Calibri" panose="020F0502020204030204" pitchFamily="34" charset="0"/>
+              </a:rPr>
+              <a:t>E2E and </a:t>
+            </a:r>
+            <a:r>
+              <a:rPr lang="en-CA" sz="1200" dirty="0" err="1">
+                <a:latin typeface="Calibri" panose="020F0502020204030204" pitchFamily="34" charset="0"/>
+                <a:cs typeface="Calibri" panose="020F0502020204030204" pitchFamily="34" charset="0"/>
+              </a:rPr>
+              <a:t>HbH</a:t>
+            </a:r>
+            <a:r>
+              <a:rPr lang="en-CA" sz="1200" dirty="0">
+                <a:latin typeface="Calibri" panose="020F0502020204030204" pitchFamily="34" charset="0"/>
+                <a:cs typeface="Calibri" panose="020F0502020204030204" pitchFamily="34" charset="0"/>
+              </a:rPr>
+              <a:t> - Use IOAM Enabled Label (like SFL) – Label stack size not changed</a:t>
+            </a:r>
+          </a:p>
+          <a:p>
+            <a:pPr marL="0" indent="0">
+              <a:spcBef>
+                <a:spcPts val="600"/>
+              </a:spcBef>
+              <a:buNone/>
+            </a:pPr>
+            <a:endParaRPr lang="en-US" sz="1200" dirty="0">
               <a:latin typeface="Calibri" panose="020F0502020204030204" pitchFamily="34" charset="0"/>
               <a:cs typeface="Calibri" panose="020F0502020204030204" pitchFamily="34" charset="0"/>
             </a:endParaRPr>
@@ -8920,7 +9149,7 @@
     </p:spTree>
     <p:extLst>
       <p:ext uri="{BB962C8B-B14F-4D97-AF65-F5344CB8AC3E}">
-        <p14:creationId xmlns:p14="http://schemas.microsoft.com/office/powerpoint/2010/main" val="2453454227"/>
+        <p14:creationId xmlns:p14="http://schemas.microsoft.com/office/powerpoint/2010/main" val="1151529161"/>
       </p:ext>
     </p:extLst>
   </p:cSld>
@@ -9118,7 +9347,7 @@
           <p:cNvPr id="2" name="Title 1">
             <a:extLst>
               <a:ext uri="{FF2B5EF4-FFF2-40B4-BE49-F238E27FC236}">
-                <a16:creationId xmlns:a16="http://schemas.microsoft.com/office/drawing/2014/main" id="{590D0125-5A9E-9D48-9391-85FBD0E608A2}"/>
+                <a16:creationId xmlns:a16="http://schemas.microsoft.com/office/drawing/2014/main" id="{16C5255E-BE42-5348-AC0F-6257873BBB61}"/>
               </a:ext>
             </a:extLst>
           </p:cNvPr>
@@ -9131,8 +9360,8 @@
         </p:nvSpPr>
         <p:spPr>
           <a:xfrm>
-            <a:off x="304800" y="123407"/>
-            <a:ext cx="8763000" cy="599270"/>
+            <a:off x="500406" y="0"/>
+            <a:ext cx="7772400" cy="857250"/>
           </a:xfrm>
         </p:spPr>
         <p:txBody>
@@ -9141,41 +9370,210 @@
           <a:p>
             <a:pPr algn="l"/>
             <a:r>
-              <a:rPr lang="en-CA" sz="2600" dirty="0">
+              <a:rPr lang="en-US" sz="3200" dirty="0">
                 <a:solidFill>
                   <a:srgbClr val="0070C0"/>
                 </a:solidFill>
                 <a:latin typeface="Calibri Light" panose="020F0302020204030204" pitchFamily="34" charset="0"/>
                 <a:cs typeface="Calibri Light" panose="020F0302020204030204" pitchFamily="34" charset="0"/>
               </a:rPr>
-              <a:t>3. Example </a:t>
-            </a:r>
-            <a:r>
-              <a:rPr lang="en-CA" sz="2600" dirty="0" err="1">
-                <a:solidFill>
-                  <a:srgbClr val="0070C0"/>
-                </a:solidFill>
-                <a:latin typeface="Calibri Light" panose="020F0302020204030204" pitchFamily="34" charset="0"/>
-                <a:cs typeface="Calibri Light" panose="020F0302020204030204" pitchFamily="34" charset="0"/>
+              <a:t>2. Transit Nodes Scanning Label Stack</a:t>
+            </a:r>
+          </a:p>
+        </p:txBody>
+      </p:sp>
+      <p:sp>
+        <p:nvSpPr>
+          <p:cNvPr id="3" name="Content Placeholder 2">
+            <a:extLst>
+              <a:ext uri="{FF2B5EF4-FFF2-40B4-BE49-F238E27FC236}">
+                <a16:creationId xmlns:a16="http://schemas.microsoft.com/office/drawing/2014/main" id="{3943595A-2AF7-A141-B580-268FFA30C69C}"/>
+              </a:ext>
+            </a:extLst>
+          </p:cNvPr>
+          <p:cNvSpPr>
+            <a:spLocks noGrp="1"/>
+          </p:cNvSpPr>
+          <p:nvPr>
+            <p:ph idx="1"/>
+          </p:nvPr>
+        </p:nvSpPr>
+        <p:spPr>
+          <a:xfrm>
+            <a:off x="473697" y="884932"/>
+            <a:ext cx="8229600" cy="3373636"/>
+          </a:xfrm>
+        </p:spPr>
+        <p:txBody>
+          <a:bodyPr/>
+          <a:lstStyle/>
+          <a:p>
+            <a:pPr>
+              <a:spcBef>
+                <a:spcPts val="600"/>
+              </a:spcBef>
+            </a:pPr>
+            <a:r>
+              <a:rPr lang="en-US" sz="1400" dirty="0">
+                <a:latin typeface="Calibri" panose="020F0502020204030204" pitchFamily="34" charset="0"/>
+                <a:cs typeface="Calibri" panose="020F0502020204030204" pitchFamily="34" charset="0"/>
+              </a:rPr>
+              <a:t>Applicable to </a:t>
+            </a:r>
+            <a:r>
+              <a:rPr lang="en-US" sz="1400" dirty="0" err="1">
+                <a:latin typeface="Calibri" panose="020F0502020204030204" pitchFamily="34" charset="0"/>
+                <a:cs typeface="Calibri" panose="020F0502020204030204" pitchFamily="34" charset="0"/>
               </a:rPr>
               <a:t>HbH</a:t>
             </a:r>
             <a:r>
-              <a:rPr lang="en-CA" sz="2600" dirty="0">
-                <a:solidFill>
-                  <a:srgbClr val="0070C0"/>
-                </a:solidFill>
-                <a:latin typeface="Calibri Light" panose="020F0302020204030204" pitchFamily="34" charset="0"/>
-                <a:cs typeface="Calibri Light" panose="020F0302020204030204" pitchFamily="34" charset="0"/>
-              </a:rPr>
-              <a:t> IOAM Encapsulation Using IOAM Enabled Label</a:t>
-            </a:r>
-            <a:endParaRPr lang="en-US" sz="2600" dirty="0">
-              <a:solidFill>
-                <a:srgbClr val="0070C0"/>
-              </a:solidFill>
-              <a:latin typeface="Calibri Light" panose="020F0302020204030204" pitchFamily="34" charset="0"/>
-              <a:cs typeface="Calibri Light" panose="020F0302020204030204" pitchFamily="34" charset="0"/>
+              <a:rPr lang="en-US" sz="1400" dirty="0">
+                <a:latin typeface="Calibri" panose="020F0502020204030204" pitchFamily="34" charset="0"/>
+                <a:cs typeface="Calibri" panose="020F0502020204030204" pitchFamily="34" charset="0"/>
+              </a:rPr>
+              <a:t> case</a:t>
+            </a:r>
+          </a:p>
+          <a:p>
+            <a:pPr>
+              <a:spcBef>
+                <a:spcPts val="600"/>
+              </a:spcBef>
+            </a:pPr>
+            <a:r>
+              <a:rPr lang="en-US" sz="1400" dirty="0">
+                <a:latin typeface="Calibri" panose="020F0502020204030204" pitchFamily="34" charset="0"/>
+                <a:cs typeface="Calibri" panose="020F0502020204030204" pitchFamily="34" charset="0"/>
+              </a:rPr>
+              <a:t>Transit nodes need to scan deeper into the MPLS header to find IOAM Indicator Label only when </a:t>
+            </a:r>
+            <a:r>
+              <a:rPr lang="en-US" sz="1400" dirty="0" err="1">
+                <a:latin typeface="Calibri" panose="020F0502020204030204" pitchFamily="34" charset="0"/>
+                <a:cs typeface="Calibri" panose="020F0502020204030204" pitchFamily="34" charset="0"/>
+              </a:rPr>
+              <a:t>HbH</a:t>
+            </a:r>
+            <a:r>
+              <a:rPr lang="en-US" sz="1400" dirty="0">
+                <a:latin typeface="Calibri" panose="020F0502020204030204" pitchFamily="34" charset="0"/>
+                <a:cs typeface="Calibri" panose="020F0502020204030204" pitchFamily="34" charset="0"/>
+              </a:rPr>
+              <a:t> IOAM is enabled</a:t>
+            </a:r>
+          </a:p>
+          <a:p>
+            <a:pPr>
+              <a:spcBef>
+                <a:spcPts val="600"/>
+              </a:spcBef>
+            </a:pPr>
+            <a:endParaRPr lang="en-US" sz="1400" dirty="0">
+              <a:latin typeface="Calibri" panose="020F0502020204030204" pitchFamily="34" charset="0"/>
+              <a:cs typeface="Calibri" panose="020F0502020204030204" pitchFamily="34" charset="0"/>
+            </a:endParaRPr>
+          </a:p>
+          <a:p>
+            <a:pPr>
+              <a:spcBef>
+                <a:spcPts val="600"/>
+              </a:spcBef>
+            </a:pPr>
+            <a:endParaRPr lang="en-US" sz="1400" dirty="0">
+              <a:latin typeface="Calibri" panose="020F0502020204030204" pitchFamily="34" charset="0"/>
+              <a:cs typeface="Calibri" panose="020F0502020204030204" pitchFamily="34" charset="0"/>
+            </a:endParaRPr>
+          </a:p>
+          <a:p>
+            <a:pPr marL="0" indent="0">
+              <a:spcBef>
+                <a:spcPts val="600"/>
+              </a:spcBef>
+              <a:buNone/>
+            </a:pPr>
+            <a:r>
+              <a:rPr lang="en-US" sz="1400" dirty="0">
+                <a:latin typeface="Calibri" panose="020F0502020204030204" pitchFamily="34" charset="0"/>
+                <a:cs typeface="Calibri" panose="020F0502020204030204" pitchFamily="34" charset="0"/>
+              </a:rPr>
+              <a:t>Reply:</a:t>
+            </a:r>
+          </a:p>
+          <a:p>
+            <a:pPr>
+              <a:spcBef>
+                <a:spcPts val="600"/>
+              </a:spcBef>
+              <a:buFont typeface="Wingdings" pitchFamily="2" charset="2"/>
+              <a:buChar char="ü"/>
+            </a:pPr>
+            <a:r>
+              <a:rPr lang="en-US" sz="1400" dirty="0">
+                <a:latin typeface="Calibri" panose="020F0502020204030204" pitchFamily="34" charset="0"/>
+                <a:cs typeface="Calibri" panose="020F0502020204030204" pitchFamily="34" charset="0"/>
+              </a:rPr>
+              <a:t>This is also true for ELI and EL today</a:t>
+            </a:r>
+            <a:endParaRPr lang="en-CA" sz="1400" dirty="0">
+              <a:latin typeface="Calibri" panose="020F0502020204030204" pitchFamily="34" charset="0"/>
+              <a:cs typeface="Calibri" panose="020F0502020204030204" pitchFamily="34" charset="0"/>
+            </a:endParaRPr>
+          </a:p>
+          <a:p>
+            <a:pPr>
+              <a:spcBef>
+                <a:spcPts val="600"/>
+              </a:spcBef>
+              <a:buFont typeface="Wingdings" pitchFamily="2" charset="2"/>
+              <a:buChar char="ü"/>
+            </a:pPr>
+            <a:r>
+              <a:rPr lang="en-CA" sz="1400" dirty="0">
+                <a:latin typeface="Calibri" panose="020F0502020204030204" pitchFamily="34" charset="0"/>
+                <a:cs typeface="Calibri" panose="020F0502020204030204" pitchFamily="34" charset="0"/>
+              </a:rPr>
+              <a:t>With any indicator scheme, the node will have to look past EOS into the packet to find the IOAM data that needs to be processed</a:t>
+            </a:r>
+          </a:p>
+          <a:p>
+            <a:pPr>
+              <a:spcBef>
+                <a:spcPts val="600"/>
+              </a:spcBef>
+              <a:buFont typeface="Wingdings" pitchFamily="2" charset="2"/>
+              <a:buChar char="ü"/>
+            </a:pPr>
+            <a:r>
+              <a:rPr lang="en-CA" sz="1400" dirty="0">
+                <a:latin typeface="Calibri" panose="020F0502020204030204" pitchFamily="34" charset="0"/>
+                <a:cs typeface="Calibri" panose="020F0502020204030204" pitchFamily="34" charset="0"/>
+              </a:rPr>
+              <a:t>Use IOAM enabled label (like SFL) that avoids scanning label stack</a:t>
+            </a:r>
+          </a:p>
+          <a:p>
+            <a:pPr>
+              <a:spcBef>
+                <a:spcPts val="600"/>
+              </a:spcBef>
+              <a:buFont typeface="Wingdings" pitchFamily="2" charset="2"/>
+              <a:buChar char="ü"/>
+            </a:pPr>
+            <a:endParaRPr lang="en-CA" sz="1400" dirty="0">
+              <a:latin typeface="Calibri" panose="020F0502020204030204" pitchFamily="34" charset="0"/>
+              <a:cs typeface="Calibri" panose="020F0502020204030204" pitchFamily="34" charset="0"/>
+            </a:endParaRPr>
+          </a:p>
+          <a:p>
+            <a:pPr>
+              <a:spcBef>
+                <a:spcPts val="600"/>
+              </a:spcBef>
+            </a:pPr>
+            <a:endParaRPr lang="en-US" sz="1400" dirty="0">
+              <a:latin typeface="Calibri" panose="020F0502020204030204" pitchFamily="34" charset="0"/>
+              <a:cs typeface="Calibri" panose="020F0502020204030204" pitchFamily="34" charset="0"/>
             </a:endParaRPr>
           </a:p>
         </p:txBody>
@@ -9185,7 +9583,7 @@
           <p:cNvPr id="4" name="Footer Placeholder 3">
             <a:extLst>
               <a:ext uri="{FF2B5EF4-FFF2-40B4-BE49-F238E27FC236}">
-                <a16:creationId xmlns:a16="http://schemas.microsoft.com/office/drawing/2014/main" id="{87713FCD-3B47-804D-B373-DAB61FB5FF59}"/>
+                <a16:creationId xmlns:a16="http://schemas.microsoft.com/office/drawing/2014/main" id="{CF70CC82-C055-3645-9254-87CEC1C49032}"/>
               </a:ext>
             </a:extLst>
           </p:cNvPr>
@@ -9198,7 +9596,7 @@
         </p:nvSpPr>
         <p:spPr>
           <a:xfrm>
-            <a:off x="3124200" y="4786312"/>
+            <a:off x="3124200" y="4760472"/>
             <a:ext cx="2895600" cy="357188"/>
           </a:xfrm>
         </p:spPr>
@@ -9206,16 +9604,19 @@
           <a:bodyPr/>
           <a:lstStyle/>
           <a:p>
-            <a:r>
-              <a:rPr lang="en-CA" dirty="0"/>
+            <a:pPr>
+              <a:defRPr/>
+            </a:pPr>
+            <a:r>
+              <a:rPr lang="en-US" altLang="zh-CN" dirty="0"/>
               <a:t>110</a:t>
             </a:r>
             <a:r>
-              <a:rPr lang="en-CA" baseline="30000" dirty="0"/>
+              <a:rPr lang="en-US" altLang="zh-CN" baseline="30000" dirty="0"/>
               <a:t>th</a:t>
             </a:r>
             <a:r>
-              <a:rPr lang="en-CA" dirty="0"/>
+              <a:rPr lang="en-US" altLang="zh-CN" dirty="0"/>
               <a:t> IETF Online</a:t>
             </a:r>
           </a:p>
@@ -9226,7 +9627,7 @@
           <p:cNvPr id="5" name="Slide Number Placeholder 4">
             <a:extLst>
               <a:ext uri="{FF2B5EF4-FFF2-40B4-BE49-F238E27FC236}">
-                <a16:creationId xmlns:a16="http://schemas.microsoft.com/office/drawing/2014/main" id="{1371408B-9195-EC4D-8131-A3F5CC0592D0}"/>
+                <a16:creationId xmlns:a16="http://schemas.microsoft.com/office/drawing/2014/main" id="{62DF7D69-BCF6-2D4A-A3F1-2D32C59355D3}"/>
               </a:ext>
             </a:extLst>
           </p:cNvPr>
@@ -9252,273 +9653,14 @@
               </a:pPr>
               <a:t>20</a:t>
             </a:fld>
-            <a:endParaRPr lang="en-US" altLang="zh-CN" dirty="0"/>
-          </a:p>
-        </p:txBody>
-      </p:sp>
-      <p:sp>
-        <p:nvSpPr>
-          <p:cNvPr id="6" name="Rectangle 5">
-            <a:extLst>
-              <a:ext uri="{FF2B5EF4-FFF2-40B4-BE49-F238E27FC236}">
-                <a16:creationId xmlns:a16="http://schemas.microsoft.com/office/drawing/2014/main" id="{1EED4007-3A19-0E4E-8496-6CECEEA363EB}"/>
-              </a:ext>
-            </a:extLst>
-          </p:cNvPr>
-          <p:cNvSpPr/>
-          <p:nvPr/>
-        </p:nvSpPr>
-        <p:spPr>
-          <a:xfrm>
-            <a:off x="1905000" y="897328"/>
-            <a:ext cx="5127092" cy="3693319"/>
-          </a:xfrm>
-          <a:prstGeom prst="rect">
-            <a:avLst/>
-          </a:prstGeom>
-          <a:solidFill>
-            <a:schemeClr val="accent6">
-              <a:lumMod val="20000"/>
-              <a:lumOff val="80000"/>
-            </a:schemeClr>
-          </a:solidFill>
-        </p:spPr>
-        <p:txBody>
-          <a:bodyPr wrap="square">
-            <a:spAutoFit/>
-          </a:bodyPr>
-          <a:lstStyle/>
-          <a:p>
-            <a:r>
-              <a:rPr lang="en-CA" sz="900" dirty="0">
-                <a:latin typeface="Courier" pitchFamily="2" charset="0"/>
-              </a:rPr>
-              <a:t>    0                   1                   2                   3</a:t>
-            </a:r>
-          </a:p>
-          <a:p>
-            <a:r>
-              <a:rPr lang="en-CA" sz="900" dirty="0">
-                <a:latin typeface="Courier" pitchFamily="2" charset="0"/>
-              </a:rPr>
-              <a:t>    0 1 2 3 4 5 6 7 8 9 0 1 2 3 4 5 6 7 8 9 0 1 2 3 4 5 6 7 8 9 0 1</a:t>
-            </a:r>
-          </a:p>
-          <a:p>
-            <a:r>
-              <a:rPr lang="en-CA" sz="900" dirty="0">
-                <a:latin typeface="Courier" pitchFamily="2" charset="0"/>
-              </a:rPr>
-              <a:t>   +-+-+-+-+-+-+-+-+-+-+-+-+-+-+-+-+-+-+-+-+-+-+-+-+-+-+-+-+-+-+-+-+</a:t>
-            </a:r>
-          </a:p>
-          <a:p>
-            <a:r>
-              <a:rPr lang="en-CA" sz="900" dirty="0">
-                <a:latin typeface="Courier" pitchFamily="2" charset="0"/>
-              </a:rPr>
-              <a:t>   |  Synonymous IOAM-Enabled-Label(1)     | TC  |S|  TTL          |</a:t>
-            </a:r>
-          </a:p>
-          <a:p>
-            <a:r>
-              <a:rPr lang="en-CA" sz="900" dirty="0">
-                <a:latin typeface="Courier" pitchFamily="2" charset="0"/>
-              </a:rPr>
-              <a:t>   +-+-+-+-+-+-+-+-+-+-+-+-+-+-+-+-+-+-+-+-+-+-+-+-+-+-+-+-+-+-+-+-+</a:t>
-            </a:r>
-          </a:p>
-          <a:p>
-            <a:r>
-              <a:rPr lang="en-CA" sz="900" dirty="0">
-                <a:latin typeface="Courier" pitchFamily="2" charset="0"/>
-              </a:rPr>
-              <a:t>   .                                                               .</a:t>
-            </a:r>
-          </a:p>
-          <a:p>
-            <a:r>
-              <a:rPr lang="en-CA" sz="900" dirty="0">
-                <a:latin typeface="Courier" pitchFamily="2" charset="0"/>
-              </a:rPr>
-              <a:t>   +-+-+-+-+-+-+-+-+-+-+-+-+-+-+-+-+-+-+-+-+-+-+-+-+-+-+-+-+-+-+-+-+</a:t>
-            </a:r>
-          </a:p>
-          <a:p>
-            <a:r>
-              <a:rPr lang="en-CA" sz="900" dirty="0">
-                <a:latin typeface="Courier" pitchFamily="2" charset="0"/>
-              </a:rPr>
-              <a:t>   |  Synonymous IOAM-Enabled-Label(n)     | TC  |S|  TTL          |</a:t>
-            </a:r>
-          </a:p>
-          <a:p>
-            <a:r>
-              <a:rPr lang="en-CA" sz="900" dirty="0">
-                <a:latin typeface="Courier" pitchFamily="2" charset="0"/>
-              </a:rPr>
-              <a:t>   +-+-+-+-+-+-+-+-+-+-+-+-+-+-+-+-+-+-+-+-+-+-+-+-+-+-+-+-+-+-+-+-+&lt;-+ </a:t>
-            </a:r>
-          </a:p>
-          <a:p>
-            <a:r>
-              <a:rPr lang="en-CA" sz="900" dirty="0">
-                <a:latin typeface="Courier" pitchFamily="2" charset="0"/>
-              </a:rPr>
-              <a:t>   |0 0 0 1|Version|  Reserved     | IOAM G-</a:t>
-            </a:r>
-            <a:r>
-              <a:rPr lang="en-CA" sz="900" dirty="0" err="1">
-                <a:latin typeface="Courier" pitchFamily="2" charset="0"/>
-              </a:rPr>
-              <a:t>ACh</a:t>
-            </a:r>
-            <a:r>
-              <a:rPr lang="en-CA" sz="900" dirty="0">
-                <a:latin typeface="Courier" pitchFamily="2" charset="0"/>
-              </a:rPr>
-              <a:t>                    |  | </a:t>
-            </a:r>
-          </a:p>
-          <a:p>
-            <a:r>
-              <a:rPr lang="en-CA" sz="900" dirty="0">
-                <a:latin typeface="Courier" pitchFamily="2" charset="0"/>
-              </a:rPr>
-              <a:t>   +-+-+-+-+-+-+-+-+-+-+-+-+-+-+-+-+-+-+-+-+-+-+-+-+-+-+-+-+-+-+-+-+  | </a:t>
-            </a:r>
-          </a:p>
-          <a:p>
-            <a:r>
-              <a:rPr lang="en-CA" sz="900" dirty="0">
-                <a:latin typeface="Courier" pitchFamily="2" charset="0"/>
-              </a:rPr>
-              <a:t>   | Reserved      | Block Number  | IOAM-OPT-Type |IOAM HDR Length|  |</a:t>
-            </a:r>
-          </a:p>
-          <a:p>
-            <a:r>
-              <a:rPr lang="en-CA" sz="900" dirty="0">
-                <a:latin typeface="Courier" pitchFamily="2" charset="0"/>
-              </a:rPr>
-              <a:t>   +-+-+-+-+-+-+-+-+-+-+-+-+-+-+-+-+-+-+-+-+-+-+-+-+-+-+-+-+-+-+-+-+  I</a:t>
-            </a:r>
-          </a:p>
-          <a:p>
-            <a:r>
-              <a:rPr lang="en-CA" sz="900" dirty="0">
-                <a:latin typeface="Courier" pitchFamily="2" charset="0"/>
-              </a:rPr>
-              <a:t>   |                                                               |  O</a:t>
-            </a:r>
-          </a:p>
-          <a:p>
-            <a:r>
-              <a:rPr lang="en-CA" sz="900" dirty="0">
-                <a:latin typeface="Courier" pitchFamily="2" charset="0"/>
-              </a:rPr>
-              <a:t>   |                                                               |  A</a:t>
-            </a:r>
-          </a:p>
-          <a:p>
-            <a:r>
-              <a:rPr lang="en-CA" sz="900" dirty="0">
-                <a:latin typeface="Courier" pitchFamily="2" charset="0"/>
-              </a:rPr>
-              <a:t>   ~                 IOAM Option and Data Space                    ~  M</a:t>
-            </a:r>
-          </a:p>
-          <a:p>
-            <a:r>
-              <a:rPr lang="en-CA" sz="900" dirty="0">
-                <a:latin typeface="Courier" pitchFamily="2" charset="0"/>
-              </a:rPr>
-              <a:t>   |                                                               |  |</a:t>
-            </a:r>
-          </a:p>
-          <a:p>
-            <a:r>
-              <a:rPr lang="en-CA" sz="900" dirty="0">
-                <a:latin typeface="Courier" pitchFamily="2" charset="0"/>
-              </a:rPr>
-              <a:t>   |                                                               |  |</a:t>
-            </a:r>
-          </a:p>
-          <a:p>
-            <a:r>
-              <a:rPr lang="en-CA" sz="900" dirty="0">
-                <a:latin typeface="Courier" pitchFamily="2" charset="0"/>
-              </a:rPr>
-              <a:t>   +-+-+-+-+-+-+-+-+-+-+-+-+-+-+-+-+-+-+-+-+-+-+-+-+-+-+-+-+-+-+-+-+&lt;-+</a:t>
-            </a:r>
-          </a:p>
-          <a:p>
-            <a:r>
-              <a:rPr lang="en-CA" sz="900" dirty="0">
-                <a:latin typeface="Courier" pitchFamily="2" charset="0"/>
-              </a:rPr>
-              <a:t>   |                                                               |</a:t>
-            </a:r>
-          </a:p>
-          <a:p>
-            <a:r>
-              <a:rPr lang="en-CA" sz="900" dirty="0">
-                <a:latin typeface="Courier" pitchFamily="2" charset="0"/>
-              </a:rPr>
-              <a:t>   |                                                               |</a:t>
-            </a:r>
-          </a:p>
-          <a:p>
-            <a:r>
-              <a:rPr lang="en-CA" sz="900" dirty="0">
-                <a:latin typeface="Courier" pitchFamily="2" charset="0"/>
-              </a:rPr>
-              <a:t>   ~                 Payload + Padding                             ~</a:t>
-            </a:r>
-          </a:p>
-          <a:p>
-            <a:r>
-              <a:rPr lang="en-CA" sz="900" dirty="0">
-                <a:latin typeface="Courier" pitchFamily="2" charset="0"/>
-              </a:rPr>
-              <a:t>   |                                                               |</a:t>
-            </a:r>
-          </a:p>
-          <a:p>
-            <a:r>
-              <a:rPr lang="en-CA" sz="900" dirty="0">
-                <a:latin typeface="Courier" pitchFamily="2" charset="0"/>
-              </a:rPr>
-              <a:t>   |                                                               |</a:t>
-            </a:r>
-          </a:p>
-          <a:p>
-            <a:r>
-              <a:rPr lang="en-CA" sz="900" dirty="0">
-                <a:latin typeface="Courier" pitchFamily="2" charset="0"/>
-              </a:rPr>
-              <a:t>   +-+-+-+-+-+-+-+-+-+-+-+-+-+-+-+-+-+-+-+-+-+-+-+-+-+-+-+-+-+-+-+-+ </a:t>
-            </a:r>
-          </a:p>
-          <a:p>
-            <a:r>
-              <a:rPr lang="en-CA" sz="900" dirty="0">
-                <a:latin typeface="Courier" pitchFamily="2" charset="0"/>
-              </a:rPr>
-              <a:t>         Figure: IOAM Encapsulation Example with SR-MPLS Header</a:t>
-            </a:r>
-            <a:endParaRPr lang="en-CA" sz="900" dirty="0">
-              <a:latin typeface="Courier" pitchFamily="2" charset="0"/>
-              <a:ea typeface="Calibri" panose="020F0502020204030204" pitchFamily="34" charset="0"/>
-              <a:cs typeface="Times New Roman" panose="02020603050405020304" pitchFamily="18" charset="0"/>
-            </a:endParaRPr>
+            <a:endParaRPr lang="en-US" altLang="zh-CN"/>
           </a:p>
         </p:txBody>
       </p:sp>
     </p:spTree>
     <p:extLst>
       <p:ext uri="{BB962C8B-B14F-4D97-AF65-F5344CB8AC3E}">
-        <p14:creationId xmlns:p14="http://schemas.microsoft.com/office/powerpoint/2010/main" val="424863198"/>
+        <p14:creationId xmlns:p14="http://schemas.microsoft.com/office/powerpoint/2010/main" val="4096689609"/>
       </p:ext>
     </p:extLst>
   </p:cSld>
@@ -9563,8 +9705,8 @@
         </p:nvSpPr>
         <p:spPr>
           <a:xfrm>
-            <a:off x="1905000" y="0"/>
-            <a:ext cx="4385821" cy="857250"/>
+            <a:off x="457200" y="0"/>
+            <a:ext cx="8229600" cy="857250"/>
           </a:xfrm>
         </p:spPr>
         <p:txBody>
@@ -9580,7 +9722,7 @@
                 <a:latin typeface="Calibri Light" panose="020F0302020204030204" pitchFamily="34" charset="0"/>
                 <a:cs typeface="Calibri Light" panose="020F0302020204030204" pitchFamily="34" charset="0"/>
               </a:rPr>
-              <a:t>4. IOAM Data After EOS</a:t>
+              <a:t>3. Different FEC (like SFL) for IOAM Data Packets</a:t>
             </a:r>
           </a:p>
         </p:txBody>
@@ -9604,7 +9746,7 @@
         <p:spPr>
           <a:xfrm>
             <a:off x="457200" y="971550"/>
-            <a:ext cx="8229600" cy="3124200"/>
+            <a:ext cx="8229600" cy="3373636"/>
           </a:xfrm>
         </p:spPr>
         <p:txBody>
@@ -9618,13 +9760,19 @@
             </a:pPr>
             <a:r>
               <a:rPr lang="en-CA" sz="1400" dirty="0">
+                <a:solidFill>
+                  <a:srgbClr val="000000"/>
+                </a:solidFill>
                 <a:latin typeface="Calibri" panose="020F0502020204030204" pitchFamily="34" charset="0"/>
                 <a:cs typeface="Calibri" panose="020F0502020204030204" pitchFamily="34" charset="0"/>
               </a:rPr>
-              <a:t>Applicable to E2E and </a:t>
+              <a:t>Applicable to </a:t>
             </a:r>
             <a:r>
               <a:rPr lang="en-CA" sz="1400" dirty="0" err="1">
+                <a:solidFill>
+                  <a:srgbClr val="000000"/>
+                </a:solidFill>
                 <a:latin typeface="Calibri" panose="020F0502020204030204" pitchFamily="34" charset="0"/>
                 <a:cs typeface="Calibri" panose="020F0502020204030204" pitchFamily="34" charset="0"/>
               </a:rPr>
@@ -9632,10 +9780,13 @@
             </a:r>
             <a:r>
               <a:rPr lang="en-CA" sz="1400" dirty="0">
+                <a:solidFill>
+                  <a:srgbClr val="000000"/>
+                </a:solidFill>
                 <a:latin typeface="Calibri" panose="020F0502020204030204" pitchFamily="34" charset="0"/>
                 <a:cs typeface="Calibri" panose="020F0502020204030204" pitchFamily="34" charset="0"/>
               </a:rPr>
-              <a:t> cases</a:t>
+              <a:t> case</a:t>
             </a:r>
           </a:p>
           <a:p>
@@ -9646,24 +9797,13 @@
             </a:pPr>
             <a:r>
               <a:rPr lang="en-CA" sz="1400" dirty="0">
+                <a:solidFill>
+                  <a:srgbClr val="000000"/>
+                </a:solidFill>
                 <a:latin typeface="Calibri" panose="020F0502020204030204" pitchFamily="34" charset="0"/>
                 <a:cs typeface="Calibri" panose="020F0502020204030204" pitchFamily="34" charset="0"/>
               </a:rPr>
-              <a:t>What if the LSP is carrying a PW or is </a:t>
-            </a:r>
-            <a:r>
-              <a:rPr lang="en-CA" sz="1400" dirty="0" err="1">
-                <a:latin typeface="Calibri" panose="020F0502020204030204" pitchFamily="34" charset="0"/>
-                <a:cs typeface="Calibri" panose="020F0502020204030204" pitchFamily="34" charset="0"/>
-              </a:rPr>
-              <a:t>DetNet</a:t>
-            </a:r>
-            <a:r>
-              <a:rPr lang="en-CA" sz="1400" dirty="0">
-                <a:latin typeface="Calibri" panose="020F0502020204030204" pitchFamily="34" charset="0"/>
-                <a:cs typeface="Calibri" panose="020F0502020204030204" pitchFamily="34" charset="0"/>
-              </a:rPr>
-              <a:t>? </a:t>
+              <a:t>With a special FEC for IOAM packets and a "normal” FEC for data packets that don't carry IOAM info, a node might drop the normal traffic while the IOAM traffic flows</a:t>
             </a:r>
           </a:p>
           <a:p>
@@ -9674,10 +9814,13 @@
             </a:pPr>
             <a:r>
               <a:rPr lang="en-CA" sz="1400" dirty="0">
+                <a:solidFill>
+                  <a:srgbClr val="000000"/>
+                </a:solidFill>
                 <a:latin typeface="Calibri" panose="020F0502020204030204" pitchFamily="34" charset="0"/>
                 <a:cs typeface="Calibri" panose="020F0502020204030204" pitchFamily="34" charset="0"/>
               </a:rPr>
-              <a:t>What if it is a MS-PW? </a:t>
+              <a:t>Use IOAM Enabled label (like SFL) for IOAM packets</a:t>
             </a:r>
           </a:p>
           <a:p>
@@ -9686,35 +9829,10 @@
                 <a:spcPts val="600"/>
               </a:spcBef>
             </a:pPr>
-            <a:r>
-              <a:rPr lang="en-CA" sz="1400" dirty="0">
-                <a:latin typeface="Calibri" panose="020F0502020204030204" pitchFamily="34" charset="0"/>
-                <a:cs typeface="Calibri" panose="020F0502020204030204" pitchFamily="34" charset="0"/>
-              </a:rPr>
-              <a:t>In all these cases there is a CW immediately after EOS. </a:t>
-            </a:r>
-          </a:p>
-          <a:p>
-            <a:pPr>
-              <a:spcBef>
-                <a:spcPts val="600"/>
-              </a:spcBef>
-            </a:pPr>
-            <a:r>
-              <a:rPr lang="en-CA" sz="1400" dirty="0">
-                <a:latin typeface="Calibri" panose="020F0502020204030204" pitchFamily="34" charset="0"/>
-                <a:cs typeface="Calibri" panose="020F0502020204030204" pitchFamily="34" charset="0"/>
-              </a:rPr>
-              <a:t>Then there is the universal fragmentation idea that is floating about that also wants to follow EOS.</a:t>
-            </a:r>
-          </a:p>
-          <a:p>
-            <a:pPr>
-              <a:spcBef>
-                <a:spcPts val="600"/>
-              </a:spcBef>
-            </a:pPr>
             <a:endParaRPr lang="en-CA" sz="1400" dirty="0">
+              <a:solidFill>
+                <a:srgbClr val="000000"/>
+              </a:solidFill>
               <a:latin typeface="Calibri" panose="020F0502020204030204" pitchFamily="34" charset="0"/>
               <a:cs typeface="Calibri" panose="020F0502020204030204" pitchFamily="34" charset="0"/>
             </a:endParaRPr>
@@ -9728,6 +9846,9 @@
             </a:pPr>
             <a:r>
               <a:rPr lang="en-CA" sz="1400" dirty="0">
+                <a:solidFill>
+                  <a:srgbClr val="000000"/>
+                </a:solidFill>
                 <a:latin typeface="Calibri" panose="020F0502020204030204" pitchFamily="34" charset="0"/>
                 <a:cs typeface="Calibri" panose="020F0502020204030204" pitchFamily="34" charset="0"/>
               </a:rPr>
@@ -9743,12 +9864,41 @@
               <a:buChar char="ü"/>
             </a:pPr>
             <a:r>
-              <a:rPr lang="en-US" sz="1400" dirty="0">
+              <a:rPr lang="en-CA" sz="1400" dirty="0">
+                <a:solidFill>
+                  <a:srgbClr val="000000"/>
+                </a:solidFill>
                 <a:latin typeface="Calibri" panose="020F0502020204030204" pitchFamily="34" charset="0"/>
                 <a:cs typeface="Calibri" panose="020F0502020204030204" pitchFamily="34" charset="0"/>
               </a:rPr>
-              <a:t>This is a generic issue applicable to all G-ACH mechanisms used for data traffic. </a:t>
-            </a:r>
+              <a:t>This is indeed an issue with using SFL kind of approach. OAM reports the metrics of the LSP on which the normal traffic is not flowing. The forwarding normal packets are not using the LSP used by the OAM, as there are two synonymous LSPs</a:t>
+            </a:r>
+            <a:endParaRPr lang="en-US" sz="1400" dirty="0">
+              <a:latin typeface="Calibri" panose="020F0502020204030204" pitchFamily="34" charset="0"/>
+              <a:cs typeface="Calibri" panose="020F0502020204030204" pitchFamily="34" charset="0"/>
+            </a:endParaRPr>
+          </a:p>
+          <a:p>
+            <a:pPr lvl="1">
+              <a:spcBef>
+                <a:spcPts val="600"/>
+              </a:spcBef>
+            </a:pPr>
+            <a:endParaRPr lang="en-US" sz="1400" dirty="0">
+              <a:latin typeface="Calibri" panose="020F0502020204030204" pitchFamily="34" charset="0"/>
+              <a:cs typeface="Calibri" panose="020F0502020204030204" pitchFamily="34" charset="0"/>
+            </a:endParaRPr>
+          </a:p>
+          <a:p>
+            <a:pPr>
+              <a:spcBef>
+                <a:spcPts val="600"/>
+              </a:spcBef>
+            </a:pPr>
+            <a:endParaRPr lang="en-US" sz="1400" dirty="0">
+              <a:latin typeface="Calibri" panose="020F0502020204030204" pitchFamily="34" charset="0"/>
+              <a:cs typeface="Calibri" panose="020F0502020204030204" pitchFamily="34" charset="0"/>
+            </a:endParaRPr>
           </a:p>
         </p:txBody>
       </p:sp>
@@ -9770,7 +9920,7 @@
         </p:nvSpPr>
         <p:spPr>
           <a:xfrm>
-            <a:off x="3124200" y="4786312"/>
+            <a:off x="3124200" y="4760472"/>
             <a:ext cx="2895600" cy="357188"/>
           </a:xfrm>
         </p:spPr>
@@ -9826,6 +9976,754 @@
                 <a:defRPr/>
               </a:pPr>
               <a:t>21</a:t>
+            </a:fld>
+            <a:endParaRPr lang="en-US" altLang="zh-CN"/>
+          </a:p>
+        </p:txBody>
+      </p:sp>
+    </p:spTree>
+    <p:extLst>
+      <p:ext uri="{BB962C8B-B14F-4D97-AF65-F5344CB8AC3E}">
+        <p14:creationId xmlns:p14="http://schemas.microsoft.com/office/powerpoint/2010/main" val="2453454227"/>
+      </p:ext>
+    </p:extLst>
+  </p:cSld>
+  <p:clrMapOvr>
+    <a:masterClrMapping/>
+  </p:clrMapOvr>
+</p:sld>
+</file>
+
+<file path=ppt/slides/slide22.xml><?xml version="1.0" encoding="utf-8"?>
+<p:sld xmlns:a="http://schemas.openxmlformats.org/drawingml/2006/main" xmlns:r="http://schemas.openxmlformats.org/officeDocument/2006/relationships" xmlns:p="http://schemas.openxmlformats.org/presentationml/2006/main">
+  <p:cSld>
+    <p:spTree>
+      <p:nvGrpSpPr>
+        <p:cNvPr id="1" name=""/>
+        <p:cNvGrpSpPr/>
+        <p:nvPr/>
+      </p:nvGrpSpPr>
+      <p:grpSpPr>
+        <a:xfrm>
+          <a:off x="0" y="0"/>
+          <a:ext cx="0" cy="0"/>
+          <a:chOff x="0" y="0"/>
+          <a:chExt cx="0" cy="0"/>
+        </a:xfrm>
+      </p:grpSpPr>
+      <p:sp>
+        <p:nvSpPr>
+          <p:cNvPr id="2" name="Title 1">
+            <a:extLst>
+              <a:ext uri="{FF2B5EF4-FFF2-40B4-BE49-F238E27FC236}">
+                <a16:creationId xmlns:a16="http://schemas.microsoft.com/office/drawing/2014/main" id="{590D0125-5A9E-9D48-9391-85FBD0E608A2}"/>
+              </a:ext>
+            </a:extLst>
+          </p:cNvPr>
+          <p:cNvSpPr>
+            <a:spLocks noGrp="1"/>
+          </p:cNvSpPr>
+          <p:nvPr>
+            <p:ph type="title"/>
+          </p:nvPr>
+        </p:nvSpPr>
+        <p:spPr>
+          <a:xfrm>
+            <a:off x="304800" y="123407"/>
+            <a:ext cx="8763000" cy="599270"/>
+          </a:xfrm>
+        </p:spPr>
+        <p:txBody>
+          <a:bodyPr/>
+          <a:lstStyle/>
+          <a:p>
+            <a:pPr algn="l"/>
+            <a:r>
+              <a:rPr lang="en-CA" sz="2600" dirty="0">
+                <a:solidFill>
+                  <a:srgbClr val="0070C0"/>
+                </a:solidFill>
+                <a:latin typeface="Calibri Light" panose="020F0302020204030204" pitchFamily="34" charset="0"/>
+                <a:cs typeface="Calibri Light" panose="020F0302020204030204" pitchFamily="34" charset="0"/>
+              </a:rPr>
+              <a:t>3. Example </a:t>
+            </a:r>
+            <a:r>
+              <a:rPr lang="en-CA" sz="2600" dirty="0" err="1">
+                <a:solidFill>
+                  <a:srgbClr val="0070C0"/>
+                </a:solidFill>
+                <a:latin typeface="Calibri Light" panose="020F0302020204030204" pitchFamily="34" charset="0"/>
+                <a:cs typeface="Calibri Light" panose="020F0302020204030204" pitchFamily="34" charset="0"/>
+              </a:rPr>
+              <a:t>HbH</a:t>
+            </a:r>
+            <a:r>
+              <a:rPr lang="en-CA" sz="2600" dirty="0">
+                <a:solidFill>
+                  <a:srgbClr val="0070C0"/>
+                </a:solidFill>
+                <a:latin typeface="Calibri Light" panose="020F0302020204030204" pitchFamily="34" charset="0"/>
+                <a:cs typeface="Calibri Light" panose="020F0302020204030204" pitchFamily="34" charset="0"/>
+              </a:rPr>
+              <a:t> IOAM Encapsulation Using IOAM Enabled Label</a:t>
+            </a:r>
+            <a:endParaRPr lang="en-US" sz="2600" dirty="0">
+              <a:solidFill>
+                <a:srgbClr val="0070C0"/>
+              </a:solidFill>
+              <a:latin typeface="Calibri Light" panose="020F0302020204030204" pitchFamily="34" charset="0"/>
+              <a:cs typeface="Calibri Light" panose="020F0302020204030204" pitchFamily="34" charset="0"/>
+            </a:endParaRPr>
+          </a:p>
+        </p:txBody>
+      </p:sp>
+      <p:sp>
+        <p:nvSpPr>
+          <p:cNvPr id="4" name="Footer Placeholder 3">
+            <a:extLst>
+              <a:ext uri="{FF2B5EF4-FFF2-40B4-BE49-F238E27FC236}">
+                <a16:creationId xmlns:a16="http://schemas.microsoft.com/office/drawing/2014/main" id="{87713FCD-3B47-804D-B373-DAB61FB5FF59}"/>
+              </a:ext>
+            </a:extLst>
+          </p:cNvPr>
+          <p:cNvSpPr>
+            <a:spLocks noGrp="1"/>
+          </p:cNvSpPr>
+          <p:nvPr>
+            <p:ph type="ftr" sz="quarter" idx="11"/>
+          </p:nvPr>
+        </p:nvSpPr>
+        <p:spPr>
+          <a:xfrm>
+            <a:off x="3124200" y="4786312"/>
+            <a:ext cx="2895600" cy="357188"/>
+          </a:xfrm>
+        </p:spPr>
+        <p:txBody>
+          <a:bodyPr/>
+          <a:lstStyle/>
+          <a:p>
+            <a:r>
+              <a:rPr lang="en-CA" dirty="0"/>
+              <a:t>110</a:t>
+            </a:r>
+            <a:r>
+              <a:rPr lang="en-CA" baseline="30000" dirty="0"/>
+              <a:t>th</a:t>
+            </a:r>
+            <a:r>
+              <a:rPr lang="en-CA" dirty="0"/>
+              <a:t> IETF Online</a:t>
+            </a:r>
+          </a:p>
+        </p:txBody>
+      </p:sp>
+      <p:sp>
+        <p:nvSpPr>
+          <p:cNvPr id="5" name="Slide Number Placeholder 4">
+            <a:extLst>
+              <a:ext uri="{FF2B5EF4-FFF2-40B4-BE49-F238E27FC236}">
+                <a16:creationId xmlns:a16="http://schemas.microsoft.com/office/drawing/2014/main" id="{1371408B-9195-EC4D-8131-A3F5CC0592D0}"/>
+              </a:ext>
+            </a:extLst>
+          </p:cNvPr>
+          <p:cNvSpPr>
+            <a:spLocks noGrp="1"/>
+          </p:cNvSpPr>
+          <p:nvPr>
+            <p:ph type="sldNum" sz="quarter" idx="12"/>
+          </p:nvPr>
+        </p:nvSpPr>
+        <p:spPr/>
+        <p:txBody>
+          <a:bodyPr/>
+          <a:lstStyle/>
+          <a:p>
+            <a:pPr>
+              <a:defRPr/>
+            </a:pPr>
+            <a:fld id="{BD6E0F59-1DD8-40FC-9C92-B6295CBA6CCA}" type="slidenum">
+              <a:rPr lang="en-US" altLang="zh-CN" smtClean="0"/>
+              <a:pPr>
+                <a:defRPr/>
+              </a:pPr>
+              <a:t>22</a:t>
+            </a:fld>
+            <a:endParaRPr lang="en-US" altLang="zh-CN" dirty="0"/>
+          </a:p>
+        </p:txBody>
+      </p:sp>
+      <p:sp>
+        <p:nvSpPr>
+          <p:cNvPr id="6" name="Rectangle 5">
+            <a:extLst>
+              <a:ext uri="{FF2B5EF4-FFF2-40B4-BE49-F238E27FC236}">
+                <a16:creationId xmlns:a16="http://schemas.microsoft.com/office/drawing/2014/main" id="{1EED4007-3A19-0E4E-8496-6CECEEA363EB}"/>
+              </a:ext>
+            </a:extLst>
+          </p:cNvPr>
+          <p:cNvSpPr/>
+          <p:nvPr/>
+        </p:nvSpPr>
+        <p:spPr>
+          <a:xfrm>
+            <a:off x="1905000" y="897328"/>
+            <a:ext cx="5127092" cy="3693319"/>
+          </a:xfrm>
+          <a:prstGeom prst="rect">
+            <a:avLst/>
+          </a:prstGeom>
+          <a:solidFill>
+            <a:schemeClr val="accent6">
+              <a:lumMod val="20000"/>
+              <a:lumOff val="80000"/>
+            </a:schemeClr>
+          </a:solidFill>
+        </p:spPr>
+        <p:txBody>
+          <a:bodyPr wrap="square">
+            <a:spAutoFit/>
+          </a:bodyPr>
+          <a:lstStyle/>
+          <a:p>
+            <a:r>
+              <a:rPr lang="en-CA" sz="900" dirty="0">
+                <a:latin typeface="Courier" pitchFamily="2" charset="0"/>
+              </a:rPr>
+              <a:t>    0                   1                   2                   3</a:t>
+            </a:r>
+          </a:p>
+          <a:p>
+            <a:r>
+              <a:rPr lang="en-CA" sz="900" dirty="0">
+                <a:latin typeface="Courier" pitchFamily="2" charset="0"/>
+              </a:rPr>
+              <a:t>    0 1 2 3 4 5 6 7 8 9 0 1 2 3 4 5 6 7 8 9 0 1 2 3 4 5 6 7 8 9 0 1</a:t>
+            </a:r>
+          </a:p>
+          <a:p>
+            <a:r>
+              <a:rPr lang="en-CA" sz="900" dirty="0">
+                <a:latin typeface="Courier" pitchFamily="2" charset="0"/>
+              </a:rPr>
+              <a:t>   +-+-+-+-+-+-+-+-+-+-+-+-+-+-+-+-+-+-+-+-+-+-+-+-+-+-+-+-+-+-+-+-+</a:t>
+            </a:r>
+          </a:p>
+          <a:p>
+            <a:r>
+              <a:rPr lang="en-CA" sz="900" dirty="0">
+                <a:latin typeface="Courier" pitchFamily="2" charset="0"/>
+              </a:rPr>
+              <a:t>   |  Synonymous IOAM-Enabled-Label(1)     | TC  |S|  TTL          |</a:t>
+            </a:r>
+          </a:p>
+          <a:p>
+            <a:r>
+              <a:rPr lang="en-CA" sz="900" dirty="0">
+                <a:latin typeface="Courier" pitchFamily="2" charset="0"/>
+              </a:rPr>
+              <a:t>   +-+-+-+-+-+-+-+-+-+-+-+-+-+-+-+-+-+-+-+-+-+-+-+-+-+-+-+-+-+-+-+-+</a:t>
+            </a:r>
+          </a:p>
+          <a:p>
+            <a:r>
+              <a:rPr lang="en-CA" sz="900" dirty="0">
+                <a:latin typeface="Courier" pitchFamily="2" charset="0"/>
+              </a:rPr>
+              <a:t>   .                                                               .</a:t>
+            </a:r>
+          </a:p>
+          <a:p>
+            <a:r>
+              <a:rPr lang="en-CA" sz="900" dirty="0">
+                <a:latin typeface="Courier" pitchFamily="2" charset="0"/>
+              </a:rPr>
+              <a:t>   +-+-+-+-+-+-+-+-+-+-+-+-+-+-+-+-+-+-+-+-+-+-+-+-+-+-+-+-+-+-+-+-+</a:t>
+            </a:r>
+          </a:p>
+          <a:p>
+            <a:r>
+              <a:rPr lang="en-CA" sz="900" dirty="0">
+                <a:latin typeface="Courier" pitchFamily="2" charset="0"/>
+              </a:rPr>
+              <a:t>   |  Synonymous IOAM-Enabled-Label(n)     | TC  |S|  TTL          |</a:t>
+            </a:r>
+          </a:p>
+          <a:p>
+            <a:r>
+              <a:rPr lang="en-CA" sz="900" dirty="0">
+                <a:latin typeface="Courier" pitchFamily="2" charset="0"/>
+              </a:rPr>
+              <a:t>   +-+-+-+-+-+-+-+-+-+-+-+-+-+-+-+-+-+-+-+-+-+-+-+-+-+-+-+-+-+-+-+-+&lt;-+ </a:t>
+            </a:r>
+          </a:p>
+          <a:p>
+            <a:r>
+              <a:rPr lang="en-CA" sz="900" dirty="0">
+                <a:latin typeface="Courier" pitchFamily="2" charset="0"/>
+              </a:rPr>
+              <a:t>   |0 0 0 1|Version|  Reserved     | IOAM G-</a:t>
+            </a:r>
+            <a:r>
+              <a:rPr lang="en-CA" sz="900" dirty="0" err="1">
+                <a:latin typeface="Courier" pitchFamily="2" charset="0"/>
+              </a:rPr>
+              <a:t>ACh</a:t>
+            </a:r>
+            <a:r>
+              <a:rPr lang="en-CA" sz="900" dirty="0">
+                <a:latin typeface="Courier" pitchFamily="2" charset="0"/>
+              </a:rPr>
+              <a:t>                    |  | </a:t>
+            </a:r>
+          </a:p>
+          <a:p>
+            <a:r>
+              <a:rPr lang="en-CA" sz="900" dirty="0">
+                <a:latin typeface="Courier" pitchFamily="2" charset="0"/>
+              </a:rPr>
+              <a:t>   +-+-+-+-+-+-+-+-+-+-+-+-+-+-+-+-+-+-+-+-+-+-+-+-+-+-+-+-+-+-+-+-+  | </a:t>
+            </a:r>
+          </a:p>
+          <a:p>
+            <a:r>
+              <a:rPr lang="en-CA" sz="900" dirty="0">
+                <a:latin typeface="Courier" pitchFamily="2" charset="0"/>
+              </a:rPr>
+              <a:t>   | Reserved      | Block Number  | IOAM-OPT-Type |IOAM HDR Length|  |</a:t>
+            </a:r>
+          </a:p>
+          <a:p>
+            <a:r>
+              <a:rPr lang="en-CA" sz="900" dirty="0">
+                <a:latin typeface="Courier" pitchFamily="2" charset="0"/>
+              </a:rPr>
+              <a:t>   +-+-+-+-+-+-+-+-+-+-+-+-+-+-+-+-+-+-+-+-+-+-+-+-+-+-+-+-+-+-+-+-+  I</a:t>
+            </a:r>
+          </a:p>
+          <a:p>
+            <a:r>
+              <a:rPr lang="en-CA" sz="900" dirty="0">
+                <a:latin typeface="Courier" pitchFamily="2" charset="0"/>
+              </a:rPr>
+              <a:t>   |                                                               |  O</a:t>
+            </a:r>
+          </a:p>
+          <a:p>
+            <a:r>
+              <a:rPr lang="en-CA" sz="900" dirty="0">
+                <a:latin typeface="Courier" pitchFamily="2" charset="0"/>
+              </a:rPr>
+              <a:t>   |                                                               |  A</a:t>
+            </a:r>
+          </a:p>
+          <a:p>
+            <a:r>
+              <a:rPr lang="en-CA" sz="900" dirty="0">
+                <a:latin typeface="Courier" pitchFamily="2" charset="0"/>
+              </a:rPr>
+              <a:t>   ~                 IOAM Option and Data Space                    ~  M</a:t>
+            </a:r>
+          </a:p>
+          <a:p>
+            <a:r>
+              <a:rPr lang="en-CA" sz="900" dirty="0">
+                <a:latin typeface="Courier" pitchFamily="2" charset="0"/>
+              </a:rPr>
+              <a:t>   |                                                               |  |</a:t>
+            </a:r>
+          </a:p>
+          <a:p>
+            <a:r>
+              <a:rPr lang="en-CA" sz="900" dirty="0">
+                <a:latin typeface="Courier" pitchFamily="2" charset="0"/>
+              </a:rPr>
+              <a:t>   |                                                               |  |</a:t>
+            </a:r>
+          </a:p>
+          <a:p>
+            <a:r>
+              <a:rPr lang="en-CA" sz="900" dirty="0">
+                <a:latin typeface="Courier" pitchFamily="2" charset="0"/>
+              </a:rPr>
+              <a:t>   +-+-+-+-+-+-+-+-+-+-+-+-+-+-+-+-+-+-+-+-+-+-+-+-+-+-+-+-+-+-+-+-+&lt;-+</a:t>
+            </a:r>
+          </a:p>
+          <a:p>
+            <a:r>
+              <a:rPr lang="en-CA" sz="900" dirty="0">
+                <a:latin typeface="Courier" pitchFamily="2" charset="0"/>
+              </a:rPr>
+              <a:t>   |                                                               |</a:t>
+            </a:r>
+          </a:p>
+          <a:p>
+            <a:r>
+              <a:rPr lang="en-CA" sz="900" dirty="0">
+                <a:latin typeface="Courier" pitchFamily="2" charset="0"/>
+              </a:rPr>
+              <a:t>   |                                                               |</a:t>
+            </a:r>
+          </a:p>
+          <a:p>
+            <a:r>
+              <a:rPr lang="en-CA" sz="900" dirty="0">
+                <a:latin typeface="Courier" pitchFamily="2" charset="0"/>
+              </a:rPr>
+              <a:t>   ~                 Payload + Padding                             ~</a:t>
+            </a:r>
+          </a:p>
+          <a:p>
+            <a:r>
+              <a:rPr lang="en-CA" sz="900" dirty="0">
+                <a:latin typeface="Courier" pitchFamily="2" charset="0"/>
+              </a:rPr>
+              <a:t>   |                                                               |</a:t>
+            </a:r>
+          </a:p>
+          <a:p>
+            <a:r>
+              <a:rPr lang="en-CA" sz="900" dirty="0">
+                <a:latin typeface="Courier" pitchFamily="2" charset="0"/>
+              </a:rPr>
+              <a:t>   |                                                               |</a:t>
+            </a:r>
+          </a:p>
+          <a:p>
+            <a:r>
+              <a:rPr lang="en-CA" sz="900" dirty="0">
+                <a:latin typeface="Courier" pitchFamily="2" charset="0"/>
+              </a:rPr>
+              <a:t>   +-+-+-+-+-+-+-+-+-+-+-+-+-+-+-+-+-+-+-+-+-+-+-+-+-+-+-+-+-+-+-+-+ </a:t>
+            </a:r>
+          </a:p>
+          <a:p>
+            <a:r>
+              <a:rPr lang="en-CA" sz="900" dirty="0">
+                <a:latin typeface="Courier" pitchFamily="2" charset="0"/>
+              </a:rPr>
+              <a:t>         Figure: IOAM Encapsulation Example with SR-MPLS Header</a:t>
+            </a:r>
+            <a:endParaRPr lang="en-CA" sz="900" dirty="0">
+              <a:latin typeface="Courier" pitchFamily="2" charset="0"/>
+              <a:ea typeface="Calibri" panose="020F0502020204030204" pitchFamily="34" charset="0"/>
+              <a:cs typeface="Times New Roman" panose="02020603050405020304" pitchFamily="18" charset="0"/>
+            </a:endParaRPr>
+          </a:p>
+        </p:txBody>
+      </p:sp>
+    </p:spTree>
+    <p:extLst>
+      <p:ext uri="{BB962C8B-B14F-4D97-AF65-F5344CB8AC3E}">
+        <p14:creationId xmlns:p14="http://schemas.microsoft.com/office/powerpoint/2010/main" val="424863198"/>
+      </p:ext>
+    </p:extLst>
+  </p:cSld>
+  <p:clrMapOvr>
+    <a:masterClrMapping/>
+  </p:clrMapOvr>
+</p:sld>
+</file>
+
+<file path=ppt/slides/slide23.xml><?xml version="1.0" encoding="utf-8"?>
+<p:sld xmlns:a="http://schemas.openxmlformats.org/drawingml/2006/main" xmlns:r="http://schemas.openxmlformats.org/officeDocument/2006/relationships" xmlns:p="http://schemas.openxmlformats.org/presentationml/2006/main">
+  <p:cSld>
+    <p:spTree>
+      <p:nvGrpSpPr>
+        <p:cNvPr id="1" name=""/>
+        <p:cNvGrpSpPr/>
+        <p:nvPr/>
+      </p:nvGrpSpPr>
+      <p:grpSpPr>
+        <a:xfrm>
+          <a:off x="0" y="0"/>
+          <a:ext cx="0" cy="0"/>
+          <a:chOff x="0" y="0"/>
+          <a:chExt cx="0" cy="0"/>
+        </a:xfrm>
+      </p:grpSpPr>
+      <p:sp>
+        <p:nvSpPr>
+          <p:cNvPr id="2" name="Title 1">
+            <a:extLst>
+              <a:ext uri="{FF2B5EF4-FFF2-40B4-BE49-F238E27FC236}">
+                <a16:creationId xmlns:a16="http://schemas.microsoft.com/office/drawing/2014/main" id="{16C5255E-BE42-5348-AC0F-6257873BBB61}"/>
+              </a:ext>
+            </a:extLst>
+          </p:cNvPr>
+          <p:cNvSpPr>
+            <a:spLocks noGrp="1"/>
+          </p:cNvSpPr>
+          <p:nvPr>
+            <p:ph type="title"/>
+          </p:nvPr>
+        </p:nvSpPr>
+        <p:spPr>
+          <a:xfrm>
+            <a:off x="1905000" y="0"/>
+            <a:ext cx="4385821" cy="857250"/>
+          </a:xfrm>
+        </p:spPr>
+        <p:txBody>
+          <a:bodyPr/>
+          <a:lstStyle/>
+          <a:p>
+            <a:pPr algn="l"/>
+            <a:r>
+              <a:rPr lang="en-US" sz="3200" dirty="0">
+                <a:solidFill>
+                  <a:srgbClr val="0070C0"/>
+                </a:solidFill>
+                <a:latin typeface="Calibri Light" panose="020F0302020204030204" pitchFamily="34" charset="0"/>
+                <a:cs typeface="Calibri Light" panose="020F0302020204030204" pitchFamily="34" charset="0"/>
+              </a:rPr>
+              <a:t>4. IOAM Data After EOS</a:t>
+            </a:r>
+          </a:p>
+        </p:txBody>
+      </p:sp>
+      <p:sp>
+        <p:nvSpPr>
+          <p:cNvPr id="3" name="Content Placeholder 2">
+            <a:extLst>
+              <a:ext uri="{FF2B5EF4-FFF2-40B4-BE49-F238E27FC236}">
+                <a16:creationId xmlns:a16="http://schemas.microsoft.com/office/drawing/2014/main" id="{3943595A-2AF7-A141-B580-268FFA30C69C}"/>
+              </a:ext>
+            </a:extLst>
+          </p:cNvPr>
+          <p:cNvSpPr>
+            <a:spLocks noGrp="1"/>
+          </p:cNvSpPr>
+          <p:nvPr>
+            <p:ph idx="1"/>
+          </p:nvPr>
+        </p:nvSpPr>
+        <p:spPr>
+          <a:xfrm>
+            <a:off x="457200" y="971550"/>
+            <a:ext cx="8229600" cy="3124200"/>
+          </a:xfrm>
+        </p:spPr>
+        <p:txBody>
+          <a:bodyPr/>
+          <a:lstStyle/>
+          <a:p>
+            <a:pPr>
+              <a:spcBef>
+                <a:spcPts val="600"/>
+              </a:spcBef>
+            </a:pPr>
+            <a:r>
+              <a:rPr lang="en-CA" sz="1400" dirty="0">
+                <a:latin typeface="Calibri" panose="020F0502020204030204" pitchFamily="34" charset="0"/>
+                <a:cs typeface="Calibri" panose="020F0502020204030204" pitchFamily="34" charset="0"/>
+              </a:rPr>
+              <a:t>Applicable to E2E and </a:t>
+            </a:r>
+            <a:r>
+              <a:rPr lang="en-CA" sz="1400" dirty="0" err="1">
+                <a:latin typeface="Calibri" panose="020F0502020204030204" pitchFamily="34" charset="0"/>
+                <a:cs typeface="Calibri" panose="020F0502020204030204" pitchFamily="34" charset="0"/>
+              </a:rPr>
+              <a:t>HbH</a:t>
+            </a:r>
+            <a:r>
+              <a:rPr lang="en-CA" sz="1400" dirty="0">
+                <a:latin typeface="Calibri" panose="020F0502020204030204" pitchFamily="34" charset="0"/>
+                <a:cs typeface="Calibri" panose="020F0502020204030204" pitchFamily="34" charset="0"/>
+              </a:rPr>
+              <a:t> cases</a:t>
+            </a:r>
+          </a:p>
+          <a:p>
+            <a:pPr>
+              <a:spcBef>
+                <a:spcPts val="600"/>
+              </a:spcBef>
+            </a:pPr>
+            <a:r>
+              <a:rPr lang="en-CA" sz="1400" dirty="0">
+                <a:latin typeface="Calibri" panose="020F0502020204030204" pitchFamily="34" charset="0"/>
+                <a:cs typeface="Calibri" panose="020F0502020204030204" pitchFamily="34" charset="0"/>
+              </a:rPr>
+              <a:t>What if the LSP is carrying a PW or is </a:t>
+            </a:r>
+            <a:r>
+              <a:rPr lang="en-CA" sz="1400" dirty="0" err="1">
+                <a:latin typeface="Calibri" panose="020F0502020204030204" pitchFamily="34" charset="0"/>
+                <a:cs typeface="Calibri" panose="020F0502020204030204" pitchFamily="34" charset="0"/>
+              </a:rPr>
+              <a:t>DetNet</a:t>
+            </a:r>
+            <a:r>
+              <a:rPr lang="en-CA" sz="1400" dirty="0">
+                <a:latin typeface="Calibri" panose="020F0502020204030204" pitchFamily="34" charset="0"/>
+                <a:cs typeface="Calibri" panose="020F0502020204030204" pitchFamily="34" charset="0"/>
+              </a:rPr>
+              <a:t>? </a:t>
+            </a:r>
+          </a:p>
+          <a:p>
+            <a:pPr>
+              <a:spcBef>
+                <a:spcPts val="600"/>
+              </a:spcBef>
+            </a:pPr>
+            <a:r>
+              <a:rPr lang="en-CA" sz="1400" dirty="0">
+                <a:latin typeface="Calibri" panose="020F0502020204030204" pitchFamily="34" charset="0"/>
+                <a:cs typeface="Calibri" panose="020F0502020204030204" pitchFamily="34" charset="0"/>
+              </a:rPr>
+              <a:t>What if it is a MS-PW? </a:t>
+            </a:r>
+          </a:p>
+          <a:p>
+            <a:pPr>
+              <a:spcBef>
+                <a:spcPts val="600"/>
+              </a:spcBef>
+            </a:pPr>
+            <a:r>
+              <a:rPr lang="en-CA" sz="1400" dirty="0">
+                <a:latin typeface="Calibri" panose="020F0502020204030204" pitchFamily="34" charset="0"/>
+                <a:cs typeface="Calibri" panose="020F0502020204030204" pitchFamily="34" charset="0"/>
+              </a:rPr>
+              <a:t>In all these cases there is a CW immediately after EOS. </a:t>
+            </a:r>
+          </a:p>
+          <a:p>
+            <a:pPr>
+              <a:spcBef>
+                <a:spcPts val="600"/>
+              </a:spcBef>
+            </a:pPr>
+            <a:r>
+              <a:rPr lang="en-CA" sz="1400" dirty="0">
+                <a:latin typeface="Calibri" panose="020F0502020204030204" pitchFamily="34" charset="0"/>
+                <a:cs typeface="Calibri" panose="020F0502020204030204" pitchFamily="34" charset="0"/>
+              </a:rPr>
+              <a:t>Then there is the universal fragmentation idea that is floating about that also wants to follow EOS.</a:t>
+            </a:r>
+          </a:p>
+          <a:p>
+            <a:pPr>
+              <a:spcBef>
+                <a:spcPts val="600"/>
+              </a:spcBef>
+            </a:pPr>
+            <a:endParaRPr lang="en-CA" sz="1400" dirty="0">
+              <a:latin typeface="Calibri" panose="020F0502020204030204" pitchFamily="34" charset="0"/>
+              <a:cs typeface="Calibri" panose="020F0502020204030204" pitchFamily="34" charset="0"/>
+            </a:endParaRPr>
+          </a:p>
+          <a:p>
+            <a:pPr marL="0" indent="0">
+              <a:spcBef>
+                <a:spcPts val="600"/>
+              </a:spcBef>
+              <a:buNone/>
+            </a:pPr>
+            <a:r>
+              <a:rPr lang="en-CA" sz="1400" dirty="0">
+                <a:latin typeface="Calibri" panose="020F0502020204030204" pitchFamily="34" charset="0"/>
+                <a:cs typeface="Calibri" panose="020F0502020204030204" pitchFamily="34" charset="0"/>
+              </a:rPr>
+              <a:t>Reply:</a:t>
+            </a:r>
+          </a:p>
+          <a:p>
+            <a:pPr>
+              <a:spcBef>
+                <a:spcPts val="600"/>
+              </a:spcBef>
+              <a:buFont typeface="Wingdings" pitchFamily="2" charset="2"/>
+              <a:buChar char="ü"/>
+            </a:pPr>
+            <a:r>
+              <a:rPr lang="en-US" sz="1400" dirty="0">
+                <a:latin typeface="Calibri" panose="020F0502020204030204" pitchFamily="34" charset="0"/>
+                <a:cs typeface="Calibri" panose="020F0502020204030204" pitchFamily="34" charset="0"/>
+              </a:rPr>
+              <a:t>This is a generic issue applicable to all G-ACH mechanisms used for data traffic. </a:t>
+            </a:r>
+          </a:p>
+        </p:txBody>
+      </p:sp>
+      <p:sp>
+        <p:nvSpPr>
+          <p:cNvPr id="4" name="Footer Placeholder 3">
+            <a:extLst>
+              <a:ext uri="{FF2B5EF4-FFF2-40B4-BE49-F238E27FC236}">
+                <a16:creationId xmlns:a16="http://schemas.microsoft.com/office/drawing/2014/main" id="{CF70CC82-C055-3645-9254-87CEC1C49032}"/>
+              </a:ext>
+            </a:extLst>
+          </p:cNvPr>
+          <p:cNvSpPr>
+            <a:spLocks noGrp="1"/>
+          </p:cNvSpPr>
+          <p:nvPr>
+            <p:ph type="ftr" sz="quarter" idx="11"/>
+          </p:nvPr>
+        </p:nvSpPr>
+        <p:spPr>
+          <a:xfrm>
+            <a:off x="3124200" y="4786312"/>
+            <a:ext cx="2895600" cy="357188"/>
+          </a:xfrm>
+        </p:spPr>
+        <p:txBody>
+          <a:bodyPr/>
+          <a:lstStyle/>
+          <a:p>
+            <a:pPr>
+              <a:defRPr/>
+            </a:pPr>
+            <a:r>
+              <a:rPr lang="en-US" altLang="zh-CN" dirty="0"/>
+              <a:t>110</a:t>
+            </a:r>
+            <a:r>
+              <a:rPr lang="en-US" altLang="zh-CN" baseline="30000" dirty="0"/>
+              <a:t>th</a:t>
+            </a:r>
+            <a:r>
+              <a:rPr lang="en-US" altLang="zh-CN" dirty="0"/>
+              <a:t> IETF Online</a:t>
+            </a:r>
+          </a:p>
+        </p:txBody>
+      </p:sp>
+      <p:sp>
+        <p:nvSpPr>
+          <p:cNvPr id="5" name="Slide Number Placeholder 4">
+            <a:extLst>
+              <a:ext uri="{FF2B5EF4-FFF2-40B4-BE49-F238E27FC236}">
+                <a16:creationId xmlns:a16="http://schemas.microsoft.com/office/drawing/2014/main" id="{62DF7D69-BCF6-2D4A-A3F1-2D32C59355D3}"/>
+              </a:ext>
+            </a:extLst>
+          </p:cNvPr>
+          <p:cNvSpPr>
+            <a:spLocks noGrp="1"/>
+          </p:cNvSpPr>
+          <p:nvPr>
+            <p:ph type="sldNum" sz="quarter" idx="12"/>
+          </p:nvPr>
+        </p:nvSpPr>
+        <p:spPr/>
+        <p:txBody>
+          <a:bodyPr/>
+          <a:lstStyle/>
+          <a:p>
+            <a:pPr>
+              <a:defRPr/>
+            </a:pPr>
+            <a:fld id="{BD6E0F59-1DD8-40FC-9C92-B6295CBA6CCA}" type="slidenum">
+              <a:rPr lang="en-US" altLang="zh-CN" smtClean="0"/>
+              <a:pPr>
+                <a:defRPr/>
+              </a:pPr>
+              <a:t>23</a:t>
             </a:fld>
             <a:endParaRPr lang="en-US" altLang="zh-CN"/>
           </a:p>
@@ -9844,7 +10742,7 @@
 </p:sld>
 </file>
 
-<file path=ppt/slides/slide22.xml><?xml version="1.0" encoding="utf-8"?>
+<file path=ppt/slides/slide24.xml><?xml version="1.0" encoding="utf-8"?>
 <p:sld xmlns:a="http://schemas.openxmlformats.org/drawingml/2006/main" xmlns:r="http://schemas.openxmlformats.org/officeDocument/2006/relationships" xmlns:p="http://schemas.openxmlformats.org/presentationml/2006/main">
   <p:cSld>
     <p:spTree>
@@ -10108,7 +11006,7 @@
               <a:pPr>
                 <a:defRPr/>
               </a:pPr>
-              <a:t>22</a:t>
+              <a:t>24</a:t>
             </a:fld>
             <a:endParaRPr lang="en-US" altLang="zh-CN"/>
           </a:p>
@@ -11819,7 +12717,7 @@
                   <a:srgbClr val="0070C0"/>
                 </a:solidFill>
               </a:rPr>
-              <a:t>The label allocated by the decapsulating node</a:t>
+              <a:t>The IOAM Enabled Label allocated by the decapsulating node</a:t>
             </a:r>
           </a:p>
           <a:p>
@@ -11934,7 +12832,13 @@
       </p:grpSpPr>
       <p:sp>
         <p:nvSpPr>
-          <p:cNvPr id="2" name="Title 1"/>
+          <p:cNvPr id="2" name="Title 1">
+            <a:extLst>
+              <a:ext uri="{FF2B5EF4-FFF2-40B4-BE49-F238E27FC236}">
+                <a16:creationId xmlns:a16="http://schemas.microsoft.com/office/drawing/2014/main" id="{A7AC8BF5-BF7D-EE4A-9EB2-E0C69A39C38C}"/>
+              </a:ext>
+            </a:extLst>
+          </p:cNvPr>
           <p:cNvSpPr>
             <a:spLocks noGrp="1"/>
           </p:cNvSpPr>
@@ -11944,7 +12848,7 @@
         </p:nvSpPr>
         <p:spPr>
           <a:xfrm>
-            <a:off x="457200" y="-21771"/>
+            <a:off x="457200" y="2160"/>
             <a:ext cx="8229600" cy="857250"/>
           </a:xfrm>
         </p:spPr>
@@ -11953,157 +12857,409 @@
           <a:lstStyle/>
           <a:p>
             <a:r>
-              <a:rPr lang="en-US" sz="3600" dirty="0">
+              <a:rPr lang="en-US" sz="3200" dirty="0">
                 <a:solidFill>
                   <a:srgbClr val="0070C0"/>
                 </a:solidFill>
                 <a:latin typeface="Calibri Light" panose="020F0302020204030204" pitchFamily="34" charset="0"/>
                 <a:cs typeface="Calibri Light" panose="020F0302020204030204" pitchFamily="34" charset="0"/>
               </a:rPr>
-              <a:t>E2E IOAM Procedure</a:t>
-            </a:r>
-          </a:p>
-        </p:txBody>
-      </p:sp>
-      <p:sp>
-        <p:nvSpPr>
-          <p:cNvPr id="3" name="Content Placeholder 2"/>
+              <a:t>E2E Indicator Label Allocation Methods</a:t>
+            </a:r>
+          </a:p>
+        </p:txBody>
+      </p:sp>
+      <p:graphicFrame>
+        <p:nvGraphicFramePr>
+          <p:cNvPr id="6" name="Table 6">
+            <a:extLst>
+              <a:ext uri="{FF2B5EF4-FFF2-40B4-BE49-F238E27FC236}">
+                <a16:creationId xmlns:a16="http://schemas.microsoft.com/office/drawing/2014/main" id="{5E5C625D-83BF-2B41-93D2-28785FC4F582}"/>
+              </a:ext>
+            </a:extLst>
+          </p:cNvPr>
+          <p:cNvGraphicFramePr>
+            <a:graphicFrameLocks noGrp="1"/>
+          </p:cNvGraphicFramePr>
+          <p:nvPr>
+            <p:ph idx="1"/>
+          </p:nvPr>
+        </p:nvGraphicFramePr>
+        <p:xfrm>
+          <a:off x="457200" y="1200150"/>
+          <a:ext cx="7391401" cy="1483360"/>
+        </p:xfrm>
+        <a:graphic>
+          <a:graphicData uri="http://schemas.openxmlformats.org/drawingml/2006/table">
+            <a:tbl>
+              <a:tblPr firstRow="1" bandRow="1">
+                <a:tableStyleId>{46F890A9-2807-4EBB-B81D-B2AA78EC7F39}</a:tableStyleId>
+              </a:tblPr>
+              <a:tblGrid>
+                <a:gridCol w="2133600">
+                  <a:extLst>
+                    <a:ext uri="{9D8B030D-6E8A-4147-A177-3AD203B41FA5}">
+                      <a16:colId xmlns:a16="http://schemas.microsoft.com/office/drawing/2014/main" val="1209939836"/>
+                    </a:ext>
+                  </a:extLst>
+                </a:gridCol>
+                <a:gridCol w="1828800">
+                  <a:extLst>
+                    <a:ext uri="{9D8B030D-6E8A-4147-A177-3AD203B41FA5}">
+                      <a16:colId xmlns:a16="http://schemas.microsoft.com/office/drawing/2014/main" val="4011394575"/>
+                    </a:ext>
+                  </a:extLst>
+                </a:gridCol>
+                <a:gridCol w="1752600">
+                  <a:extLst>
+                    <a:ext uri="{9D8B030D-6E8A-4147-A177-3AD203B41FA5}">
+                      <a16:colId xmlns:a16="http://schemas.microsoft.com/office/drawing/2014/main" val="1670730324"/>
+                    </a:ext>
+                  </a:extLst>
+                </a:gridCol>
+                <a:gridCol w="1676401">
+                  <a:extLst>
+                    <a:ext uri="{9D8B030D-6E8A-4147-A177-3AD203B41FA5}">
+                      <a16:colId xmlns:a16="http://schemas.microsoft.com/office/drawing/2014/main" val="3301220378"/>
+                    </a:ext>
+                  </a:extLst>
+                </a:gridCol>
+              </a:tblGrid>
+              <a:tr h="370840">
+                <a:tc>
+                  <a:txBody>
+                    <a:bodyPr/>
+                    <a:lstStyle/>
+                    <a:p>
+                      <a:r>
+                        <a:rPr lang="en-US" sz="1400" b="0" i="0" dirty="0">
+                          <a:latin typeface="Calibri" panose="020F0502020204030204" pitchFamily="34" charset="0"/>
+                          <a:cs typeface="Calibri" panose="020F0502020204030204" pitchFamily="34" charset="0"/>
+                        </a:rPr>
+                        <a:t>Method</a:t>
+                      </a:r>
+                    </a:p>
+                  </a:txBody>
+                  <a:tcPr anchor="ctr"/>
+                </a:tc>
+                <a:tc>
+                  <a:txBody>
+                    <a:bodyPr/>
+                    <a:lstStyle/>
+                    <a:p>
+                      <a:r>
+                        <a:rPr lang="en-US" sz="1400" b="0" i="0" dirty="0">
+                          <a:latin typeface="Calibri" panose="020F0502020204030204" pitchFamily="34" charset="0"/>
+                          <a:cs typeface="Calibri" panose="020F0502020204030204" pitchFamily="34" charset="0"/>
+                        </a:rPr>
+                        <a:t>Extra Label stack Size</a:t>
+                      </a:r>
+                    </a:p>
+                  </a:txBody>
+                  <a:tcPr anchor="ctr"/>
+                </a:tc>
+                <a:tc>
+                  <a:txBody>
+                    <a:bodyPr/>
+                    <a:lstStyle/>
+                    <a:p>
+                      <a:r>
+                        <a:rPr lang="en-US" sz="1400" b="0" i="0" dirty="0">
+                          <a:latin typeface="Calibri" panose="020F0502020204030204" pitchFamily="34" charset="0"/>
+                          <a:cs typeface="Calibri" panose="020F0502020204030204" pitchFamily="34" charset="0"/>
+                        </a:rPr>
+                        <a:t>Location on Stack</a:t>
+                      </a:r>
+                    </a:p>
+                  </a:txBody>
+                  <a:tcPr anchor="ctr"/>
+                </a:tc>
+                <a:tc>
+                  <a:txBody>
+                    <a:bodyPr/>
+                    <a:lstStyle/>
+                    <a:p>
+                      <a:r>
+                        <a:rPr lang="en-US" sz="1400" b="0" i="0" dirty="0">
+                          <a:latin typeface="Calibri" panose="020F0502020204030204" pitchFamily="34" charset="0"/>
+                          <a:cs typeface="Calibri" panose="020F0502020204030204" pitchFamily="34" charset="0"/>
+                        </a:rPr>
+                        <a:t>Other cases</a:t>
+                      </a:r>
+                    </a:p>
+                  </a:txBody>
+                  <a:tcPr anchor="ctr"/>
+                </a:tc>
+                <a:extLst>
+                  <a:ext uri="{0D108BD9-81ED-4DB2-BD59-A6C34878D82A}">
+                    <a16:rowId xmlns:a16="http://schemas.microsoft.com/office/drawing/2014/main" val="3325801765"/>
+                  </a:ext>
+                </a:extLst>
+              </a:tr>
+              <a:tr h="370840">
+                <a:tc>
+                  <a:txBody>
+                    <a:bodyPr/>
+                    <a:lstStyle/>
+                    <a:p>
+                      <a:r>
+                        <a:rPr lang="en-US" sz="1400" b="0" i="0" dirty="0" err="1">
+                          <a:latin typeface="Calibri" panose="020F0502020204030204" pitchFamily="34" charset="0"/>
+                          <a:cs typeface="Calibri" panose="020F0502020204030204" pitchFamily="34" charset="0"/>
+                        </a:rPr>
+                        <a:t>eSPL</a:t>
+                      </a:r>
+                      <a:r>
+                        <a:rPr lang="en-US" sz="1400" b="0" i="0" dirty="0">
+                          <a:latin typeface="Calibri" panose="020F0502020204030204" pitchFamily="34" charset="0"/>
+                          <a:cs typeface="Calibri" panose="020F0502020204030204" pitchFamily="34" charset="0"/>
+                        </a:rPr>
+                        <a:t> Label</a:t>
+                      </a:r>
+                    </a:p>
+                  </a:txBody>
+                  <a:tcPr anchor="ctr"/>
+                </a:tc>
+                <a:tc>
+                  <a:txBody>
+                    <a:bodyPr/>
+                    <a:lstStyle/>
+                    <a:p>
+                      <a:r>
+                        <a:rPr lang="en-US" sz="1400" b="0" i="0" dirty="0">
+                          <a:latin typeface="Calibri" panose="020F0502020204030204" pitchFamily="34" charset="0"/>
+                          <a:cs typeface="Calibri" panose="020F0502020204030204" pitchFamily="34" charset="0"/>
+                        </a:rPr>
+                        <a:t>+2</a:t>
+                      </a:r>
+                    </a:p>
+                  </a:txBody>
+                  <a:tcPr anchor="ctr"/>
+                </a:tc>
+                <a:tc>
+                  <a:txBody>
+                    <a:bodyPr/>
+                    <a:lstStyle/>
+                    <a:p>
+                      <a:r>
+                        <a:rPr lang="en-US" sz="1400" b="0" i="0" dirty="0">
+                          <a:latin typeface="Calibri" panose="020F0502020204030204" pitchFamily="34" charset="0"/>
+                          <a:cs typeface="Calibri" panose="020F0502020204030204" pitchFamily="34" charset="0"/>
+                        </a:rPr>
+                        <a:t>Bottom</a:t>
+                      </a:r>
+                    </a:p>
+                  </a:txBody>
+                  <a:tcPr anchor="ctr"/>
+                </a:tc>
+                <a:tc>
+                  <a:txBody>
+                    <a:bodyPr/>
+                    <a:lstStyle/>
+                    <a:p>
+                      <a:endParaRPr lang="en-US" sz="1400" b="0" i="0" dirty="0">
+                        <a:latin typeface="Calibri" panose="020F0502020204030204" pitchFamily="34" charset="0"/>
+                        <a:cs typeface="Calibri" panose="020F0502020204030204" pitchFamily="34" charset="0"/>
+                      </a:endParaRPr>
+                    </a:p>
+                  </a:txBody>
+                  <a:tcPr anchor="ctr"/>
+                </a:tc>
+                <a:extLst>
+                  <a:ext uri="{0D108BD9-81ED-4DB2-BD59-A6C34878D82A}">
+                    <a16:rowId xmlns:a16="http://schemas.microsoft.com/office/drawing/2014/main" val="4249039908"/>
+                  </a:ext>
+                </a:extLst>
+              </a:tr>
+              <a:tr h="370840">
+                <a:tc>
+                  <a:txBody>
+                    <a:bodyPr/>
+                    <a:lstStyle/>
+                    <a:p>
+                      <a:r>
+                        <a:rPr lang="en-US" sz="1400" b="0" i="0" dirty="0">
+                          <a:latin typeface="Calibri" panose="020F0502020204030204" pitchFamily="34" charset="0"/>
+                          <a:cs typeface="Calibri" panose="020F0502020204030204" pitchFamily="34" charset="0"/>
+                        </a:rPr>
+                        <a:t>Global Label</a:t>
+                      </a:r>
+                    </a:p>
+                  </a:txBody>
+                  <a:tcPr anchor="ctr"/>
+                </a:tc>
+                <a:tc>
+                  <a:txBody>
+                    <a:bodyPr/>
+                    <a:lstStyle/>
+                    <a:p>
+                      <a:r>
+                        <a:rPr lang="en-US" sz="1400" b="0" i="0" dirty="0">
+                          <a:latin typeface="Calibri" panose="020F0502020204030204" pitchFamily="34" charset="0"/>
+                          <a:cs typeface="Calibri" panose="020F0502020204030204" pitchFamily="34" charset="0"/>
+                        </a:rPr>
+                        <a:t>+1</a:t>
+                      </a:r>
+                    </a:p>
+                  </a:txBody>
+                  <a:tcPr anchor="ctr"/>
+                </a:tc>
+                <a:tc>
+                  <a:txBody>
+                    <a:bodyPr/>
+                    <a:lstStyle/>
+                    <a:p>
+                      <a:r>
+                        <a:rPr lang="en-US" sz="1400" b="0" i="0" dirty="0">
+                          <a:latin typeface="Calibri" panose="020F0502020204030204" pitchFamily="34" charset="0"/>
+                          <a:cs typeface="Calibri" panose="020F0502020204030204" pitchFamily="34" charset="0"/>
+                        </a:rPr>
+                        <a:t>Bottom</a:t>
+                      </a:r>
+                    </a:p>
+                  </a:txBody>
+                  <a:tcPr anchor="ctr"/>
+                </a:tc>
+                <a:tc>
+                  <a:txBody>
+                    <a:bodyPr/>
+                    <a:lstStyle/>
+                    <a:p>
+                      <a:endParaRPr lang="en-US" sz="1400" b="0" i="0">
+                        <a:latin typeface="Calibri" panose="020F0502020204030204" pitchFamily="34" charset="0"/>
+                        <a:cs typeface="Calibri" panose="020F0502020204030204" pitchFamily="34" charset="0"/>
+                      </a:endParaRPr>
+                    </a:p>
+                  </a:txBody>
+                  <a:tcPr anchor="ctr"/>
+                </a:tc>
+                <a:extLst>
+                  <a:ext uri="{0D108BD9-81ED-4DB2-BD59-A6C34878D82A}">
+                    <a16:rowId xmlns:a16="http://schemas.microsoft.com/office/drawing/2014/main" val="2410171723"/>
+                  </a:ext>
+                </a:extLst>
+              </a:tr>
+              <a:tr h="370840">
+                <a:tc>
+                  <a:txBody>
+                    <a:bodyPr/>
+                    <a:lstStyle/>
+                    <a:p>
+                      <a:r>
+                        <a:rPr lang="en-US" sz="1400" b="0" i="0" dirty="0">
+                          <a:latin typeface="Calibri" panose="020F0502020204030204" pitchFamily="34" charset="0"/>
+                          <a:cs typeface="Calibri" panose="020F0502020204030204" pitchFamily="34" charset="0"/>
+                        </a:rPr>
+                        <a:t>Signal/Advertise Label</a:t>
+                      </a:r>
+                    </a:p>
+                  </a:txBody>
+                  <a:tcPr anchor="ctr"/>
+                </a:tc>
+                <a:tc>
+                  <a:txBody>
+                    <a:bodyPr/>
+                    <a:lstStyle/>
+                    <a:p>
+                      <a:r>
+                        <a:rPr lang="en-US" sz="1400" b="0" i="0" dirty="0">
+                          <a:latin typeface="Calibri" panose="020F0502020204030204" pitchFamily="34" charset="0"/>
+                          <a:cs typeface="Calibri" panose="020F0502020204030204" pitchFamily="34" charset="0"/>
+                        </a:rPr>
+                        <a:t>+1</a:t>
+                      </a:r>
+                    </a:p>
+                  </a:txBody>
+                  <a:tcPr anchor="ctr"/>
+                </a:tc>
+                <a:tc>
+                  <a:txBody>
+                    <a:bodyPr/>
+                    <a:lstStyle/>
+                    <a:p>
+                      <a:r>
+                        <a:rPr lang="en-US" sz="1400" b="0" i="0" dirty="0">
+                          <a:latin typeface="Calibri" panose="020F0502020204030204" pitchFamily="34" charset="0"/>
+                          <a:cs typeface="Calibri" panose="020F0502020204030204" pitchFamily="34" charset="0"/>
+                        </a:rPr>
+                        <a:t>Bottom</a:t>
+                      </a:r>
+                    </a:p>
+                  </a:txBody>
+                  <a:tcPr anchor="ctr"/>
+                </a:tc>
+                <a:tc>
+                  <a:txBody>
+                    <a:bodyPr/>
+                    <a:lstStyle/>
+                    <a:p>
+                      <a:endParaRPr lang="en-US" sz="1400" b="0" i="0" dirty="0">
+                        <a:latin typeface="Calibri" panose="020F0502020204030204" pitchFamily="34" charset="0"/>
+                        <a:cs typeface="Calibri" panose="020F0502020204030204" pitchFamily="34" charset="0"/>
+                      </a:endParaRPr>
+                    </a:p>
+                  </a:txBody>
+                  <a:tcPr anchor="ctr"/>
+                </a:tc>
+                <a:extLst>
+                  <a:ext uri="{0D108BD9-81ED-4DB2-BD59-A6C34878D82A}">
+                    <a16:rowId xmlns:a16="http://schemas.microsoft.com/office/drawing/2014/main" val="383069925"/>
+                  </a:ext>
+                </a:extLst>
+              </a:tr>
+            </a:tbl>
+          </a:graphicData>
+        </a:graphic>
+      </p:graphicFrame>
+      <p:sp>
+        <p:nvSpPr>
+          <p:cNvPr id="4" name="Footer Placeholder 3">
+            <a:extLst>
+              <a:ext uri="{FF2B5EF4-FFF2-40B4-BE49-F238E27FC236}">
+                <a16:creationId xmlns:a16="http://schemas.microsoft.com/office/drawing/2014/main" id="{B77C0619-C85C-9C44-B6FF-9F5D419DD1D7}"/>
+              </a:ext>
+            </a:extLst>
+          </p:cNvPr>
           <p:cNvSpPr>
             <a:spLocks noGrp="1"/>
           </p:cNvSpPr>
           <p:nvPr>
-            <p:ph idx="1"/>
-          </p:nvPr>
-        </p:nvSpPr>
-        <p:spPr>
-          <a:xfrm>
-            <a:off x="533399" y="857250"/>
-            <a:ext cx="7982607" cy="3543300"/>
-          </a:xfrm>
-        </p:spPr>
+            <p:ph type="ftr" sz="quarter" idx="11"/>
+          </p:nvPr>
+        </p:nvSpPr>
+        <p:spPr/>
         <p:txBody>
           <a:bodyPr/>
           <a:lstStyle/>
           <a:p>
-            <a:pPr marL="457200" lvl="0" indent="-457200">
-              <a:lnSpc>
-                <a:spcPts val="2440"/>
-              </a:lnSpc>
-              <a:spcBef>
-                <a:spcPts val="600"/>
-              </a:spcBef>
-              <a:buFont typeface="+mj-lt"/>
-              <a:buAutoNum type="arabicPeriod"/>
-            </a:pPr>
-            <a:r>
-              <a:rPr lang="en-CA" sz="1800" dirty="0"/>
-              <a:t>The encapsulating node inserts an E2E Indicator Label and one or more IOAM data field(s) in the MPLS header.</a:t>
-            </a:r>
-          </a:p>
-          <a:p>
-            <a:pPr marL="457200" lvl="0" indent="-457200">
-              <a:lnSpc>
-                <a:spcPts val="2440"/>
-              </a:lnSpc>
-              <a:spcBef>
-                <a:spcPts val="600"/>
-              </a:spcBef>
-              <a:buFont typeface="+mj-lt"/>
-              <a:buAutoNum type="arabicPeriod"/>
-            </a:pPr>
-            <a:r>
-              <a:rPr lang="en-CA" sz="1800" dirty="0"/>
-              <a:t>The decapsulating node "punts the timestamped copy" of the data packet including IOAM data field(s). </a:t>
-            </a:r>
-          </a:p>
-          <a:p>
-            <a:pPr marL="857250" lvl="1" indent="-457200">
-              <a:lnSpc>
-                <a:spcPts val="2440"/>
-              </a:lnSpc>
-              <a:spcBef>
-                <a:spcPts val="600"/>
-              </a:spcBef>
-              <a:buFont typeface="+mj-lt"/>
-              <a:buAutoNum type="alphaLcPeriod"/>
-            </a:pPr>
-            <a:r>
-              <a:rPr lang="en-CA" sz="1800" dirty="0"/>
-              <a:t>The decapsulating node for E2E IOAM also pops the IOAM Indicator Label and the IOAM data field(s) from the MPLS header.</a:t>
-            </a:r>
-          </a:p>
-          <a:p>
-            <a:pPr marL="857250" lvl="1" indent="-457200">
-              <a:lnSpc>
-                <a:spcPts val="2440"/>
-              </a:lnSpc>
-              <a:spcBef>
-                <a:spcPts val="600"/>
-              </a:spcBef>
-              <a:buFont typeface="+mj-lt"/>
-              <a:buAutoNum type="alphaLcPeriod"/>
-            </a:pPr>
-            <a:r>
-              <a:rPr lang="en-CA" sz="1800" dirty="0"/>
-              <a:t>The decapsulating node processes IOAM data field(s).</a:t>
-            </a:r>
-          </a:p>
-          <a:p>
-            <a:pPr marL="857250" lvl="1" indent="-457200">
-              <a:lnSpc>
-                <a:spcPts val="2440"/>
-              </a:lnSpc>
-              <a:spcBef>
-                <a:spcPts val="600"/>
-              </a:spcBef>
-              <a:buFont typeface="+mj-lt"/>
-              <a:buAutoNum type="alphaLcPeriod"/>
-            </a:pPr>
-            <a:r>
-              <a:rPr lang="en-CA" sz="1800" dirty="0"/>
-              <a:t>The decapsulating node forwards the data packet downstream.</a:t>
-            </a:r>
-          </a:p>
-        </p:txBody>
-      </p:sp>
-      <p:sp>
-        <p:nvSpPr>
-          <p:cNvPr id="4" name="Footer Placeholder 3"/>
-          <p:cNvSpPr>
-            <a:spLocks noGrp="1"/>
-          </p:cNvSpPr>
-          <p:nvPr>
-            <p:ph type="ftr" sz="quarter" idx="11"/>
-          </p:nvPr>
-        </p:nvSpPr>
-        <p:spPr>
-          <a:xfrm>
-            <a:off x="3124200" y="4786312"/>
-            <a:ext cx="2895600" cy="357188"/>
-          </a:xfrm>
-        </p:spPr>
-        <p:txBody>
-          <a:bodyPr/>
-          <a:lstStyle/>
-          <a:p>
-            <a:r>
-              <a:rPr lang="en-CA" dirty="0"/>
+            <a:pPr>
+              <a:defRPr/>
+            </a:pPr>
+            <a:r>
+              <a:rPr lang="en-US" altLang="zh-CN"/>
               <a:t>110</a:t>
             </a:r>
             <a:r>
-              <a:rPr lang="en-CA" baseline="30000" dirty="0"/>
+              <a:rPr lang="en-US" altLang="zh-CN" baseline="30000"/>
               <a:t>th</a:t>
             </a:r>
             <a:r>
-              <a:rPr lang="en-CA" dirty="0"/>
+              <a:rPr lang="en-US" altLang="zh-CN"/>
               <a:t> IETF Online</a:t>
             </a:r>
-          </a:p>
-        </p:txBody>
-      </p:sp>
-      <p:sp>
-        <p:nvSpPr>
-          <p:cNvPr id="5" name="Slide Number Placeholder 4"/>
+            <a:endParaRPr lang="en-US" altLang="zh-CN" dirty="0"/>
+          </a:p>
+        </p:txBody>
+      </p:sp>
+      <p:sp>
+        <p:nvSpPr>
+          <p:cNvPr id="5" name="Slide Number Placeholder 4">
+            <a:extLst>
+              <a:ext uri="{FF2B5EF4-FFF2-40B4-BE49-F238E27FC236}">
+                <a16:creationId xmlns:a16="http://schemas.microsoft.com/office/drawing/2014/main" id="{28F208BB-326D-8C4E-B674-366BB71CD494}"/>
+              </a:ext>
+            </a:extLst>
+          </p:cNvPr>
           <p:cNvSpPr>
             <a:spLocks noGrp="1"/>
           </p:cNvSpPr>
@@ -12133,7 +13289,7 @@
     </p:spTree>
     <p:extLst>
       <p:ext uri="{BB962C8B-B14F-4D97-AF65-F5344CB8AC3E}">
-        <p14:creationId xmlns:p14="http://schemas.microsoft.com/office/powerpoint/2010/main" val="754385385"/>
+        <p14:creationId xmlns:p14="http://schemas.microsoft.com/office/powerpoint/2010/main" val="2043014579"/>
       </p:ext>
     </p:extLst>
   </p:cSld>

--- a/draft-gandhi-mpls-ioam-sr-05.pptx
+++ b/draft-gandhi-mpls-ioam-sr-05.pptx
@@ -5,10 +5,10 @@
     <p:sldMasterId id="2147483648" r:id="rId1"/>
   </p:sldMasterIdLst>
   <p:notesMasterIdLst>
-    <p:notesMasterId r:id="rId26"/>
+    <p:notesMasterId r:id="rId22"/>
   </p:notesMasterIdLst>
   <p:handoutMasterIdLst>
-    <p:handoutMasterId r:id="rId27"/>
+    <p:handoutMasterId r:id="rId23"/>
   </p:handoutMasterIdLst>
   <p:sldIdLst>
     <p:sldId id="256" r:id="rId2"/>
@@ -29,12 +29,8 @@
     <p:sldId id="1661" r:id="rId17"/>
     <p:sldId id="303" r:id="rId18"/>
     <p:sldId id="1670" r:id="rId19"/>
-    <p:sldId id="1677" r:id="rId20"/>
-    <p:sldId id="1678" r:id="rId21"/>
-    <p:sldId id="1679" r:id="rId22"/>
-    <p:sldId id="1674" r:id="rId23"/>
-    <p:sldId id="1676" r:id="rId24"/>
-    <p:sldId id="1669" r:id="rId25"/>
+    <p:sldId id="1676" r:id="rId20"/>
+    <p:sldId id="1669" r:id="rId21"/>
   </p:sldIdLst>
   <p:sldSz cx="9144000" cy="5143500" type="screen16x9"/>
   <p:notesSz cx="6858000" cy="9144000"/>
@@ -1225,7 +1221,7 @@
               <a:pPr>
                 <a:defRPr/>
               </a:pPr>
-              <a:t>24</a:t>
+              <a:t>20</a:t>
             </a:fld>
             <a:endParaRPr lang="en-US" altLang="zh-CN"/>
           </a:p>
@@ -5646,7 +5642,7 @@
           <a:lstStyle/>
           <a:p>
             <a:r>
-              <a:rPr lang="en-US" sz="3600" dirty="0">
+              <a:rPr lang="en-US" sz="3200" dirty="0">
                 <a:solidFill>
                   <a:srgbClr val="0070C0"/>
                 </a:solidFill>
@@ -6302,7 +6298,7 @@
           <a:lstStyle/>
           <a:p>
             <a:r>
-              <a:rPr lang="en-US" sz="3600" dirty="0" err="1">
+              <a:rPr lang="en-US" sz="3200" dirty="0" err="1">
                 <a:solidFill>
                   <a:srgbClr val="0070C0"/>
                 </a:solidFill>
@@ -6312,7 +6308,7 @@
               <a:t>HbH</a:t>
             </a:r>
             <a:r>
-              <a:rPr lang="en-US" sz="3600" dirty="0">
+              <a:rPr lang="en-US" sz="3200" dirty="0">
                 <a:solidFill>
                   <a:srgbClr val="0070C0"/>
                 </a:solidFill>
@@ -6349,11 +6345,11 @@
               <a:buAutoNum type="arabicPeriod"/>
             </a:pPr>
             <a:r>
-              <a:rPr lang="en-CA" sz="2000" dirty="0"/>
+              <a:rPr lang="en-CA" sz="1800" dirty="0"/>
               <a:t>Extension Label (15) and Label assigned by IANA with value </a:t>
             </a:r>
             <a:r>
-              <a:rPr lang="en-CA" sz="2000" dirty="0">
+              <a:rPr lang="en-CA" sz="1800" dirty="0">
                 <a:solidFill>
                   <a:srgbClr val="0070C0"/>
                 </a:solidFill>
@@ -6367,15 +6363,15 @@
               <a:buChar char="§"/>
             </a:pPr>
             <a:r>
-              <a:rPr lang="en-CA" sz="2000" dirty="0"/>
+              <a:rPr lang="en-CA" sz="1800" dirty="0"/>
               <a:t>From Extended Special Purpose Labels (</a:t>
             </a:r>
             <a:r>
-              <a:rPr lang="en-CA" sz="2000" dirty="0" err="1"/>
+              <a:rPr lang="en-CA" sz="1800" dirty="0" err="1"/>
               <a:t>eSPL</a:t>
             </a:r>
             <a:r>
-              <a:rPr lang="en-CA" sz="2000" dirty="0"/>
+              <a:rPr lang="en-CA" sz="1800" dirty="0"/>
               <a:t>) range</a:t>
             </a:r>
           </a:p>
@@ -6385,7 +6381,7 @@
               <a:buAutoNum type="arabicPeriod"/>
             </a:pPr>
             <a:r>
-              <a:rPr lang="en-CA" sz="2000" dirty="0"/>
+              <a:rPr lang="en-CA" sz="1800" dirty="0"/>
               <a:t>Global Label allocated by a controller</a:t>
             </a:r>
           </a:p>
@@ -6395,11 +6391,11 @@
               <a:buChar char="§"/>
             </a:pPr>
             <a:r>
-              <a:rPr lang="en-CA" sz="2000" dirty="0"/>
+              <a:rPr lang="en-CA" sz="1800" dirty="0"/>
               <a:t>The controller provisions the label on encapsulating, </a:t>
             </a:r>
             <a:r>
-              <a:rPr lang="en-CA" sz="2000" dirty="0">
+              <a:rPr lang="en-CA" sz="1800" dirty="0">
                 <a:solidFill>
                   <a:srgbClr val="0070C0"/>
                 </a:solidFill>
@@ -6407,7 +6403,7 @@
               <a:t>transit </a:t>
             </a:r>
             <a:r>
-              <a:rPr lang="en-CA" sz="2000" dirty="0"/>
+              <a:rPr lang="en-CA" sz="1800" dirty="0"/>
               <a:t>and decapsulating nodes</a:t>
             </a:r>
           </a:p>
@@ -6417,7 +6413,7 @@
               <a:buAutoNum type="arabicPeriod"/>
             </a:pPr>
             <a:r>
-              <a:rPr lang="en-CA" sz="2000" dirty="0">
+              <a:rPr lang="en-CA" sz="1800" dirty="0">
                 <a:solidFill>
                   <a:srgbClr val="0070C0"/>
                 </a:solidFill>
@@ -6431,7 +6427,7 @@
               <a:buChar char="§"/>
             </a:pPr>
             <a:r>
-              <a:rPr lang="en-CA" sz="2000" dirty="0">
+              <a:rPr lang="en-CA" sz="1800" dirty="0">
                 <a:solidFill>
                   <a:srgbClr val="0070C0"/>
                 </a:solidFill>
@@ -6600,14 +6596,14 @@
             <p:ph idx="1"/>
             <p:extLst>
               <p:ext uri="{D42A27DB-BD31-4B8C-83A1-F6EECF244321}">
-                <p14:modId xmlns:p14="http://schemas.microsoft.com/office/powerpoint/2010/main" val="1675165482"/>
+                <p14:modId xmlns:p14="http://schemas.microsoft.com/office/powerpoint/2010/main" val="1021815804"/>
               </p:ext>
             </p:extLst>
           </p:nvPr>
         </p:nvGraphicFramePr>
         <p:xfrm>
-          <a:off x="457200" y="1200150"/>
-          <a:ext cx="8305800" cy="1778000"/>
+          <a:off x="457201" y="830556"/>
+          <a:ext cx="8229599" cy="2819400"/>
         </p:xfrm>
         <a:graphic>
           <a:graphicData uri="http://schemas.openxmlformats.org/drawingml/2006/table">
@@ -6616,50 +6612,43 @@
                 <a:tableStyleId>{46F890A9-2807-4EBB-B81D-B2AA78EC7F39}</a:tableStyleId>
               </a:tblPr>
               <a:tblGrid>
-                <a:gridCol w="1371600">
+                <a:gridCol w="1364529">
                   <a:extLst>
                     <a:ext uri="{9D8B030D-6E8A-4147-A177-3AD203B41FA5}">
                       <a16:colId xmlns:a16="http://schemas.microsoft.com/office/drawing/2014/main" val="1209939836"/>
                     </a:ext>
                   </a:extLst>
                 </a:gridCol>
-                <a:gridCol w="1172520">
+                <a:gridCol w="1676400">
                   <a:extLst>
                     <a:ext uri="{9D8B030D-6E8A-4147-A177-3AD203B41FA5}">
                       <a16:colId xmlns:a16="http://schemas.microsoft.com/office/drawing/2014/main" val="4011394575"/>
                     </a:ext>
                   </a:extLst>
                 </a:gridCol>
-                <a:gridCol w="1113480">
+                <a:gridCol w="1524000">
                   <a:extLst>
                     <a:ext uri="{9D8B030D-6E8A-4147-A177-3AD203B41FA5}">
                       <a16:colId xmlns:a16="http://schemas.microsoft.com/office/drawing/2014/main" val="1670730324"/>
                     </a:ext>
                   </a:extLst>
                 </a:gridCol>
-                <a:gridCol w="1371600">
+                <a:gridCol w="1750810">
                   <a:extLst>
                     <a:ext uri="{9D8B030D-6E8A-4147-A177-3AD203B41FA5}">
                       <a16:colId xmlns:a16="http://schemas.microsoft.com/office/drawing/2014/main" val="975737954"/>
                     </a:ext>
                   </a:extLst>
                 </a:gridCol>
-                <a:gridCol w="1524000">
+                <a:gridCol w="1913860">
                   <a:extLst>
                     <a:ext uri="{9D8B030D-6E8A-4147-A177-3AD203B41FA5}">
                       <a16:colId xmlns:a16="http://schemas.microsoft.com/office/drawing/2014/main" val="907496208"/>
                     </a:ext>
                   </a:extLst>
                 </a:gridCol>
-                <a:gridCol w="1752600">
-                  <a:extLst>
-                    <a:ext uri="{9D8B030D-6E8A-4147-A177-3AD203B41FA5}">
-                      <a16:colId xmlns:a16="http://schemas.microsoft.com/office/drawing/2014/main" val="3301220378"/>
-                    </a:ext>
-                  </a:extLst>
-                </a:gridCol>
               </a:tblGrid>
-              <a:tr h="370840">
+              <a:tr h="821654">
                 <a:tc>
                   <a:txBody>
                     <a:bodyPr/>
@@ -6721,6 +6710,15 @@
                         <a:t>Scan Label Stack</a:t>
                       </a:r>
                     </a:p>
+                    <a:p>
+                      <a:r>
+                        <a:rPr lang="en-US" sz="1400" b="0" i="0" dirty="0">
+                          <a:latin typeface="Calibri" panose="020F0502020204030204" pitchFamily="34" charset="0"/>
+                          <a:cs typeface="Calibri" panose="020F0502020204030204" pitchFamily="34" charset="0"/>
+                        </a:rPr>
+                        <a:t>(Notes 2, 3)</a:t>
+                      </a:r>
+                    </a:p>
                   </a:txBody>
                   <a:tcPr anchor="ctr"/>
                 </a:tc>
@@ -6740,29 +6738,13 @@
                   </a:txBody>
                   <a:tcPr anchor="ctr"/>
                 </a:tc>
-                <a:tc>
-                  <a:txBody>
-                    <a:bodyPr/>
-                    <a:lstStyle/>
-                    <a:p>
-                      <a:r>
-                        <a:rPr lang="en-US" sz="1400" b="0" i="0" dirty="0">
-                          <a:latin typeface="Calibri" panose="020F0502020204030204" pitchFamily="34" charset="0"/>
-                          <a:cs typeface="Calibri" panose="020F0502020204030204" pitchFamily="34" charset="0"/>
-                        </a:rPr>
-                        <a:t>Other cases</a:t>
-                      </a:r>
-                    </a:p>
-                  </a:txBody>
-                  <a:tcPr anchor="ctr"/>
-                </a:tc>
                 <a:extLst>
                   <a:ext uri="{0D108BD9-81ED-4DB2-BD59-A6C34878D82A}">
                     <a16:rowId xmlns:a16="http://schemas.microsoft.com/office/drawing/2014/main" val="3325801765"/>
                   </a:ext>
                 </a:extLst>
               </a:tr>
-              <a:tr h="370840">
+              <a:tr h="588046">
                 <a:tc>
                   <a:txBody>
                     <a:bodyPr/>
@@ -6780,7 +6762,7 @@
                           <a:latin typeface="Calibri" panose="020F0502020204030204" pitchFamily="34" charset="0"/>
                           <a:cs typeface="Calibri" panose="020F0502020204030204" pitchFamily="34" charset="0"/>
                         </a:rPr>
-                        <a:t> Label</a:t>
+                        <a:t> Labels</a:t>
                       </a:r>
                     </a:p>
                   </a:txBody>
@@ -6812,7 +6794,7 @@
                           <a:latin typeface="Calibri" panose="020F0502020204030204" pitchFamily="34" charset="0"/>
                           <a:cs typeface="Calibri" panose="020F0502020204030204" pitchFamily="34" charset="0"/>
                         </a:rPr>
-                        <a:t>Bottom</a:t>
+                        <a:t>Bottom (Note 1)</a:t>
                       </a:r>
                     </a:p>
                   </a:txBody>
@@ -6850,26 +6832,13 @@
                   </a:txBody>
                   <a:tcPr anchor="ctr"/>
                 </a:tc>
-                <a:tc>
-                  <a:txBody>
-                    <a:bodyPr/>
-                    <a:lstStyle/>
-                    <a:p>
-                      <a:endParaRPr lang="en-US" sz="1400" b="0" i="0" dirty="0">
-                        <a:latin typeface="Calibri" panose="020F0502020204030204" pitchFamily="34" charset="0"/>
-                        <a:cs typeface="Calibri" panose="020F0502020204030204" pitchFamily="34" charset="0"/>
-                      </a:endParaRPr>
-                    </a:p>
-                  </a:txBody>
-                  <a:tcPr anchor="ctr"/>
-                </a:tc>
                 <a:extLst>
                   <a:ext uri="{0D108BD9-81ED-4DB2-BD59-A6C34878D82A}">
                     <a16:rowId xmlns:a16="http://schemas.microsoft.com/office/drawing/2014/main" val="4249039908"/>
                   </a:ext>
                 </a:extLst>
               </a:tr>
-              <a:tr h="370840">
+              <a:tr h="588046">
                 <a:tc>
                   <a:txBody>
                     <a:bodyPr/>
@@ -6950,26 +6919,13 @@
                   </a:txBody>
                   <a:tcPr anchor="ctr"/>
                 </a:tc>
-                <a:tc>
-                  <a:txBody>
-                    <a:bodyPr/>
-                    <a:lstStyle/>
-                    <a:p>
-                      <a:endParaRPr lang="en-US" sz="1400" b="0" i="0">
-                        <a:latin typeface="Calibri" panose="020F0502020204030204" pitchFamily="34" charset="0"/>
-                        <a:cs typeface="Calibri" panose="020F0502020204030204" pitchFamily="34" charset="0"/>
-                      </a:endParaRPr>
-                    </a:p>
-                  </a:txBody>
-                  <a:tcPr anchor="ctr"/>
-                </a:tc>
                 <a:extLst>
                   <a:ext uri="{0D108BD9-81ED-4DB2-BD59-A6C34878D82A}">
                     <a16:rowId xmlns:a16="http://schemas.microsoft.com/office/drawing/2014/main" val="2410171723"/>
                   </a:ext>
                 </a:extLst>
               </a:tr>
-              <a:tr h="370840">
+              <a:tr h="821654">
                 <a:tc>
                   <a:txBody>
                     <a:bodyPr/>
@@ -7059,19 +7015,6 @@
                   </a:txBody>
                   <a:tcPr anchor="ctr"/>
                 </a:tc>
-                <a:tc>
-                  <a:txBody>
-                    <a:bodyPr/>
-                    <a:lstStyle/>
-                    <a:p>
-                      <a:endParaRPr lang="en-US" sz="1400" b="0" i="0" dirty="0">
-                        <a:latin typeface="Calibri" panose="020F0502020204030204" pitchFamily="34" charset="0"/>
-                        <a:cs typeface="Calibri" panose="020F0502020204030204" pitchFamily="34" charset="0"/>
-                      </a:endParaRPr>
-                    </a:p>
-                  </a:txBody>
-                  <a:tcPr anchor="ctr"/>
-                </a:tc>
                 <a:extLst>
                   <a:ext uri="{0D108BD9-81ED-4DB2-BD59-A6C34878D82A}">
                     <a16:rowId xmlns:a16="http://schemas.microsoft.com/office/drawing/2014/main" val="383069925"/>
@@ -7098,7 +7041,12 @@
             <p:ph type="ftr" sz="quarter" idx="11"/>
           </p:nvPr>
         </p:nvSpPr>
-        <p:spPr/>
+        <p:spPr>
+          <a:xfrm>
+            <a:off x="3124200" y="4803963"/>
+            <a:ext cx="2895600" cy="357188"/>
+          </a:xfrm>
+        </p:spPr>
         <p:txBody>
           <a:bodyPr/>
           <a:lstStyle/>
@@ -7107,18 +7055,17 @@
               <a:defRPr/>
             </a:pPr>
             <a:r>
-              <a:rPr lang="en-US" altLang="zh-CN"/>
+              <a:rPr lang="en-US" altLang="zh-CN" dirty="0"/>
               <a:t>110</a:t>
             </a:r>
             <a:r>
-              <a:rPr lang="en-US" altLang="zh-CN" baseline="30000"/>
+              <a:rPr lang="en-US" altLang="zh-CN" baseline="30000" dirty="0"/>
               <a:t>th</a:t>
             </a:r>
             <a:r>
-              <a:rPr lang="en-US" altLang="zh-CN"/>
+              <a:rPr lang="en-US" altLang="zh-CN" dirty="0"/>
               <a:t> IETF Online</a:t>
             </a:r>
-            <a:endParaRPr lang="en-US" altLang="zh-CN" dirty="0"/>
           </a:p>
         </p:txBody>
       </p:sp>
@@ -7154,6 +7101,232 @@
               <a:t>13</a:t>
             </a:fld>
             <a:endParaRPr lang="en-US" altLang="zh-CN"/>
+          </a:p>
+        </p:txBody>
+      </p:sp>
+      <p:sp>
+        <p:nvSpPr>
+          <p:cNvPr id="7" name="Content Placeholder 2">
+            <a:extLst>
+              <a:ext uri="{FF2B5EF4-FFF2-40B4-BE49-F238E27FC236}">
+                <a16:creationId xmlns:a16="http://schemas.microsoft.com/office/drawing/2014/main" id="{D18E1905-622E-3C47-B502-B0B087F33B26}"/>
+              </a:ext>
+            </a:extLst>
+          </p:cNvPr>
+          <p:cNvSpPr txBox="1">
+            <a:spLocks/>
+          </p:cNvSpPr>
+          <p:nvPr/>
+        </p:nvSpPr>
+        <p:spPr bwMode="auto">
+          <a:xfrm>
+            <a:off x="381000" y="3786736"/>
+            <a:ext cx="8305800" cy="809353"/>
+          </a:xfrm>
+          <a:prstGeom prst="rect">
+            <a:avLst/>
+          </a:prstGeom>
+          <a:noFill/>
+          <a:ln w="9525">
+            <a:noFill/>
+            <a:miter lim="800000"/>
+            <a:headEnd/>
+            <a:tailEnd/>
+          </a:ln>
+        </p:spPr>
+        <p:txBody>
+          <a:bodyPr vert="horz" wrap="square" lIns="91440" tIns="45720" rIns="91440" bIns="45720" numCol="1" anchor="t" anchorCtr="0" compatLnSpc="1">
+            <a:prstTxWarp prst="textNoShape">
+              <a:avLst/>
+            </a:prstTxWarp>
+          </a:bodyPr>
+          <a:lstStyle>
+            <a:lvl1pPr marL="342900" indent="-342900" algn="l" rtl="0" eaLnBrk="0" fontAlgn="base" hangingPunct="0">
+              <a:spcBef>
+                <a:spcPct val="20000"/>
+              </a:spcBef>
+              <a:spcAft>
+                <a:spcPct val="0"/>
+              </a:spcAft>
+              <a:buChar char="•"/>
+              <a:defRPr sz="3200">
+                <a:solidFill>
+                  <a:schemeClr val="tx1"/>
+                </a:solidFill>
+                <a:latin typeface="Calibri" charset="0"/>
+                <a:ea typeface="Calibri" charset="0"/>
+                <a:cs typeface="Calibri" charset="0"/>
+              </a:defRPr>
+            </a:lvl1pPr>
+            <a:lvl2pPr marL="742950" indent="-285750" algn="l" rtl="0" eaLnBrk="0" fontAlgn="base" hangingPunct="0">
+              <a:spcBef>
+                <a:spcPct val="20000"/>
+              </a:spcBef>
+              <a:spcAft>
+                <a:spcPct val="0"/>
+              </a:spcAft>
+              <a:buChar char="–"/>
+              <a:defRPr sz="2800">
+                <a:solidFill>
+                  <a:schemeClr val="tx1"/>
+                </a:solidFill>
+                <a:latin typeface="Calibri" charset="0"/>
+                <a:ea typeface="Calibri" charset="0"/>
+                <a:cs typeface="Calibri" charset="0"/>
+              </a:defRPr>
+            </a:lvl2pPr>
+            <a:lvl3pPr marL="1143000" indent="-228600" algn="l" rtl="0" eaLnBrk="0" fontAlgn="base" hangingPunct="0">
+              <a:spcBef>
+                <a:spcPct val="20000"/>
+              </a:spcBef>
+              <a:spcAft>
+                <a:spcPct val="0"/>
+              </a:spcAft>
+              <a:buChar char="•"/>
+              <a:defRPr sz="2400">
+                <a:solidFill>
+                  <a:schemeClr val="tx1"/>
+                </a:solidFill>
+                <a:latin typeface="Calibri" charset="0"/>
+                <a:ea typeface="Calibri" charset="0"/>
+                <a:cs typeface="Calibri" charset="0"/>
+              </a:defRPr>
+            </a:lvl3pPr>
+            <a:lvl4pPr marL="1600200" indent="-228600" algn="l" rtl="0" eaLnBrk="0" fontAlgn="base" hangingPunct="0">
+              <a:spcBef>
+                <a:spcPct val="20000"/>
+              </a:spcBef>
+              <a:spcAft>
+                <a:spcPct val="0"/>
+              </a:spcAft>
+              <a:buChar char="–"/>
+              <a:defRPr sz="2000">
+                <a:solidFill>
+                  <a:schemeClr val="tx1"/>
+                </a:solidFill>
+                <a:latin typeface="Calibri" charset="0"/>
+                <a:ea typeface="Calibri" charset="0"/>
+                <a:cs typeface="Calibri" charset="0"/>
+              </a:defRPr>
+            </a:lvl4pPr>
+            <a:lvl5pPr marL="2057400" indent="-228600" algn="l" rtl="0" eaLnBrk="0" fontAlgn="base" hangingPunct="0">
+              <a:spcBef>
+                <a:spcPct val="20000"/>
+              </a:spcBef>
+              <a:spcAft>
+                <a:spcPct val="0"/>
+              </a:spcAft>
+              <a:buChar char="»"/>
+              <a:defRPr sz="2000">
+                <a:solidFill>
+                  <a:schemeClr val="tx1"/>
+                </a:solidFill>
+                <a:latin typeface="Calibri" charset="0"/>
+                <a:ea typeface="Calibri" charset="0"/>
+                <a:cs typeface="Calibri" charset="0"/>
+              </a:defRPr>
+            </a:lvl5pPr>
+            <a:lvl6pPr marL="2514600" indent="-228600" algn="l" rtl="0" fontAlgn="base">
+              <a:spcBef>
+                <a:spcPct val="20000"/>
+              </a:spcBef>
+              <a:spcAft>
+                <a:spcPct val="0"/>
+              </a:spcAft>
+              <a:buChar char="»"/>
+              <a:defRPr sz="2000">
+                <a:solidFill>
+                  <a:schemeClr val="tx1"/>
+                </a:solidFill>
+                <a:latin typeface="+mn-lt"/>
+                <a:ea typeface="+mn-ea"/>
+              </a:defRPr>
+            </a:lvl6pPr>
+            <a:lvl7pPr marL="2971800" indent="-228600" algn="l" rtl="0" fontAlgn="base">
+              <a:spcBef>
+                <a:spcPct val="20000"/>
+              </a:spcBef>
+              <a:spcAft>
+                <a:spcPct val="0"/>
+              </a:spcAft>
+              <a:buChar char="»"/>
+              <a:defRPr sz="2000">
+                <a:solidFill>
+                  <a:schemeClr val="tx1"/>
+                </a:solidFill>
+                <a:latin typeface="+mn-lt"/>
+                <a:ea typeface="+mn-ea"/>
+              </a:defRPr>
+            </a:lvl7pPr>
+            <a:lvl8pPr marL="3429000" indent="-228600" algn="l" rtl="0" fontAlgn="base">
+              <a:spcBef>
+                <a:spcPct val="20000"/>
+              </a:spcBef>
+              <a:spcAft>
+                <a:spcPct val="0"/>
+              </a:spcAft>
+              <a:buChar char="»"/>
+              <a:defRPr sz="2000">
+                <a:solidFill>
+                  <a:schemeClr val="tx1"/>
+                </a:solidFill>
+                <a:latin typeface="+mn-lt"/>
+                <a:ea typeface="+mn-ea"/>
+              </a:defRPr>
+            </a:lvl8pPr>
+            <a:lvl9pPr marL="3886200" indent="-228600" algn="l" rtl="0" fontAlgn="base">
+              <a:spcBef>
+                <a:spcPct val="20000"/>
+              </a:spcBef>
+              <a:spcAft>
+                <a:spcPct val="0"/>
+              </a:spcAft>
+              <a:buChar char="»"/>
+              <a:defRPr sz="2000">
+                <a:solidFill>
+                  <a:schemeClr val="tx1"/>
+                </a:solidFill>
+                <a:latin typeface="+mn-lt"/>
+                <a:ea typeface="+mn-ea"/>
+              </a:defRPr>
+            </a:lvl9pPr>
+          </a:lstStyle>
+          <a:p>
+            <a:pPr>
+              <a:buFont typeface="+mj-lt"/>
+              <a:buAutoNum type="arabicPeriod"/>
+            </a:pPr>
+            <a:r>
+              <a:rPr lang="en-CA" sz="1200" kern="0" dirty="0" err="1"/>
+              <a:t>eSPL</a:t>
+            </a:r>
+            <a:r>
+              <a:rPr lang="en-CA" sz="1200" kern="0" dirty="0"/>
+              <a:t> at top of the label stack breaks MPLS forwarding in heterogenous network environment with and without IOAM capable nodes</a:t>
+            </a:r>
+          </a:p>
+          <a:p>
+            <a:pPr>
+              <a:buFont typeface="+mj-lt"/>
+              <a:buAutoNum type="arabicPeriod"/>
+            </a:pPr>
+            <a:r>
+              <a:rPr lang="en-CA" sz="1200" kern="0" dirty="0"/>
+              <a:t>Entropy Label also requires transit nodes to scan label stack</a:t>
+            </a:r>
+          </a:p>
+          <a:p>
+            <a:pPr>
+              <a:buFont typeface="+mj-lt"/>
+              <a:buAutoNum type="arabicPeriod"/>
+            </a:pPr>
+            <a:r>
+              <a:rPr lang="en-CA" sz="1200" dirty="0">
+                <a:latin typeface="Calibri" panose="020F0502020204030204" pitchFamily="34" charset="0"/>
+                <a:cs typeface="Calibri" panose="020F0502020204030204" pitchFamily="34" charset="0"/>
+              </a:rPr>
+              <a:t>With any indicator scheme, the node will have to look past EOS into the packet to find the IOAM data that needs to be processed</a:t>
+            </a:r>
           </a:p>
         </p:txBody>
       </p:sp>
@@ -7208,7 +7381,7 @@
           <a:lstStyle/>
           <a:p>
             <a:r>
-              <a:rPr lang="en-US" sz="3600" dirty="0" err="1">
+              <a:rPr lang="en-US" sz="3200" dirty="0" err="1">
                 <a:solidFill>
                   <a:srgbClr val="0070C0"/>
                 </a:solidFill>
@@ -7218,7 +7391,7 @@
               <a:t>HbH</a:t>
             </a:r>
             <a:r>
-              <a:rPr lang="en-US" sz="3600" dirty="0">
+              <a:rPr lang="en-US" sz="3200" dirty="0">
                 <a:solidFill>
                   <a:srgbClr val="0070C0"/>
                 </a:solidFill>
@@ -8718,8 +8891,8 @@
         </p:nvSpPr>
         <p:spPr>
           <a:xfrm>
-            <a:off x="457200" y="23400"/>
-            <a:ext cx="8229600" cy="857250"/>
+            <a:off x="1905000" y="0"/>
+            <a:ext cx="4385821" cy="857250"/>
           </a:xfrm>
         </p:spPr>
         <p:txBody>
@@ -8735,7 +8908,7 @@
                 <a:latin typeface="Calibri Light" panose="020F0302020204030204" pitchFamily="34" charset="0"/>
                 <a:cs typeface="Calibri Light" panose="020F0302020204030204" pitchFamily="34" charset="0"/>
               </a:rPr>
-              <a:t>1. Label Stack Size Imposed by Ingress</a:t>
+              <a:t>4. IOAM Data After EOS</a:t>
             </a:r>
           </a:p>
         </p:txBody>
@@ -8758,8 +8931,8 @@
         </p:nvSpPr>
         <p:spPr>
           <a:xfrm>
-            <a:off x="457200" y="883090"/>
-            <a:ext cx="8229600" cy="3671814"/>
+            <a:off x="457200" y="971550"/>
+            <a:ext cx="8229600" cy="3124200"/>
           </a:xfrm>
         </p:spPr>
         <p:txBody>
@@ -8772,21 +8945,21 @@
               </a:spcBef>
             </a:pPr>
             <a:r>
-              <a:rPr lang="en-US" sz="1200" dirty="0">
+              <a:rPr lang="en-CA" sz="1400" dirty="0">
                 <a:latin typeface="Calibri" panose="020F0502020204030204" pitchFamily="34" charset="0"/>
                 <a:cs typeface="Calibri" panose="020F0502020204030204" pitchFamily="34" charset="0"/>
               </a:rPr>
               <a:t>Applicable to E2E and </a:t>
             </a:r>
             <a:r>
-              <a:rPr lang="en-US" sz="1200" dirty="0" err="1">
+              <a:rPr lang="en-CA" sz="1400" dirty="0" err="1">
                 <a:latin typeface="Calibri" panose="020F0502020204030204" pitchFamily="34" charset="0"/>
                 <a:cs typeface="Calibri" panose="020F0502020204030204" pitchFamily="34" charset="0"/>
               </a:rPr>
               <a:t>HbH</a:t>
             </a:r>
             <a:r>
-              <a:rPr lang="en-US" sz="1200" dirty="0">
+              <a:rPr lang="en-CA" sz="1400" dirty="0">
                 <a:latin typeface="Calibri" panose="020F0502020204030204" pitchFamily="34" charset="0"/>
                 <a:cs typeface="Calibri" panose="020F0502020204030204" pitchFamily="34" charset="0"/>
               </a:rPr>
@@ -8800,46 +8973,25 @@
               </a:spcBef>
             </a:pPr>
             <a:r>
-              <a:rPr lang="en-US" sz="1200" dirty="0">
+              <a:rPr lang="en-CA" sz="1400" dirty="0">
                 <a:latin typeface="Calibri" panose="020F0502020204030204" pitchFamily="34" charset="0"/>
                 <a:cs typeface="Calibri" panose="020F0502020204030204" pitchFamily="34" charset="0"/>
               </a:rPr>
-              <a:t>Available label stack size reduced for the LSP</a:t>
-            </a:r>
-          </a:p>
-          <a:p>
-            <a:pPr lvl="1">
-              <a:spcBef>
-                <a:spcPts val="600"/>
-              </a:spcBef>
-            </a:pPr>
-            <a:r>
-              <a:rPr lang="en-US" sz="1200" dirty="0" err="1">
+              <a:t>What if the LSP is carrying a PW or is </a:t>
+            </a:r>
+            <a:r>
+              <a:rPr lang="en-CA" sz="1400" dirty="0" err="1">
                 <a:latin typeface="Calibri" panose="020F0502020204030204" pitchFamily="34" charset="0"/>
                 <a:cs typeface="Calibri" panose="020F0502020204030204" pitchFamily="34" charset="0"/>
               </a:rPr>
-              <a:t>HbH</a:t>
-            </a:r>
-            <a:r>
-              <a:rPr lang="en-US" sz="1200" dirty="0">
+              <a:t>DetNet</a:t>
+            </a:r>
+            <a:r>
+              <a:rPr lang="en-CA" sz="1400" dirty="0">
                 <a:latin typeface="Calibri" panose="020F0502020204030204" pitchFamily="34" charset="0"/>
                 <a:cs typeface="Calibri" panose="020F0502020204030204" pitchFamily="34" charset="0"/>
               </a:rPr>
-              <a:t> IOAM Indicator (Extension Label 15 when using </a:t>
-            </a:r>
-            <a:r>
-              <a:rPr lang="en-US" sz="1200" dirty="0" err="1">
-                <a:latin typeface="Calibri" panose="020F0502020204030204" pitchFamily="34" charset="0"/>
-                <a:cs typeface="Calibri" panose="020F0502020204030204" pitchFamily="34" charset="0"/>
-              </a:rPr>
-              <a:t>eSPL</a:t>
-            </a:r>
-            <a:r>
-              <a:rPr lang="en-US" sz="1200" dirty="0">
-                <a:latin typeface="Calibri" panose="020F0502020204030204" pitchFamily="34" charset="0"/>
-                <a:cs typeface="Calibri" panose="020F0502020204030204" pitchFamily="34" charset="0"/>
-              </a:rPr>
-              <a:t>)</a:t>
+              <a:t>? </a:t>
             </a:r>
           </a:p>
           <a:p>
@@ -8849,39 +9001,11 @@
               </a:spcBef>
             </a:pPr>
             <a:r>
-              <a:rPr lang="en-US" sz="1200" dirty="0">
+              <a:rPr lang="en-CA" sz="1400" dirty="0">
                 <a:latin typeface="Calibri" panose="020F0502020204030204" pitchFamily="34" charset="0"/>
                 <a:cs typeface="Calibri" panose="020F0502020204030204" pitchFamily="34" charset="0"/>
               </a:rPr>
-              <a:t>May need to add entropy label due to ECMP impact, further reducing available label stack size for the LSP</a:t>
-            </a:r>
-          </a:p>
-          <a:p>
-            <a:pPr lvl="1">
-              <a:spcBef>
-                <a:spcPts val="600"/>
-              </a:spcBef>
-            </a:pPr>
-            <a:r>
-              <a:rPr lang="en-US" sz="1200" dirty="0">
-                <a:latin typeface="Calibri" panose="020F0502020204030204" pitchFamily="34" charset="0"/>
-                <a:cs typeface="Calibri" panose="020F0502020204030204" pitchFamily="34" charset="0"/>
-              </a:rPr>
-              <a:t>ELI </a:t>
-            </a:r>
-          </a:p>
-          <a:p>
-            <a:pPr lvl="1">
-              <a:spcBef>
-                <a:spcPts val="600"/>
-              </a:spcBef>
-            </a:pPr>
-            <a:r>
-              <a:rPr lang="en-US" sz="1200" dirty="0">
-                <a:latin typeface="Calibri" panose="020F0502020204030204" pitchFamily="34" charset="0"/>
-                <a:cs typeface="Calibri" panose="020F0502020204030204" pitchFamily="34" charset="0"/>
-              </a:rPr>
-              <a:t>Entropy Label</a:t>
+              <a:t>What if it is a MS-PW? </a:t>
             </a:r>
           </a:p>
           <a:p>
@@ -8890,7 +9014,35 @@
                 <a:spcPts val="600"/>
               </a:spcBef>
             </a:pPr>
-            <a:endParaRPr lang="en-US" sz="1200" dirty="0">
+            <a:r>
+              <a:rPr lang="en-CA" sz="1400" dirty="0">
+                <a:latin typeface="Calibri" panose="020F0502020204030204" pitchFamily="34" charset="0"/>
+                <a:cs typeface="Calibri" panose="020F0502020204030204" pitchFamily="34" charset="0"/>
+              </a:rPr>
+              <a:t>In all these cases there is a CW immediately after EOS. </a:t>
+            </a:r>
+          </a:p>
+          <a:p>
+            <a:pPr>
+              <a:spcBef>
+                <a:spcPts val="600"/>
+              </a:spcBef>
+            </a:pPr>
+            <a:r>
+              <a:rPr lang="en-CA" sz="1400" dirty="0">
+                <a:latin typeface="Calibri" panose="020F0502020204030204" pitchFamily="34" charset="0"/>
+                <a:cs typeface="Calibri" panose="020F0502020204030204" pitchFamily="34" charset="0"/>
+              </a:rPr>
+              <a:t>Then there is the universal fragmentation idea that is floating about that also wants to follow EOS.</a:t>
+            </a:r>
+          </a:p>
+          <a:p>
+            <a:pPr>
+              <a:spcBef>
+                <a:spcPts val="600"/>
+              </a:spcBef>
+            </a:pPr>
+            <a:endParaRPr lang="en-CA" sz="1400" dirty="0">
               <a:latin typeface="Calibri" panose="020F0502020204030204" pitchFamily="34" charset="0"/>
               <a:cs typeface="Calibri" panose="020F0502020204030204" pitchFamily="34" charset="0"/>
             </a:endParaRPr>
@@ -8903,7 +9055,7 @@
               <a:buNone/>
             </a:pPr>
             <a:r>
-              <a:rPr lang="en-US" sz="1200" dirty="0">
+              <a:rPr lang="en-CA" sz="1400" dirty="0">
                 <a:latin typeface="Calibri" panose="020F0502020204030204" pitchFamily="34" charset="0"/>
                 <a:cs typeface="Calibri" panose="020F0502020204030204" pitchFamily="34" charset="0"/>
               </a:rPr>
@@ -8915,155 +9067,16 @@
               <a:spcBef>
                 <a:spcPts val="600"/>
               </a:spcBef>
+              <a:buFont typeface="Wingdings" pitchFamily="2" charset="2"/>
+              <a:buChar char="ü"/>
             </a:pPr>
             <a:r>
-              <a:rPr lang="en-US" sz="1200" dirty="0">
+              <a:rPr lang="en-US" sz="1400" dirty="0">
                 <a:latin typeface="Calibri" panose="020F0502020204030204" pitchFamily="34" charset="0"/>
                 <a:cs typeface="Calibri" panose="020F0502020204030204" pitchFamily="34" charset="0"/>
               </a:rPr>
-              <a:t>This is true for all mechanisms using </a:t>
-            </a:r>
-            <a:r>
-              <a:rPr lang="en-US" sz="1200" dirty="0" err="1">
-                <a:latin typeface="Calibri" panose="020F0502020204030204" pitchFamily="34" charset="0"/>
-                <a:cs typeface="Calibri" panose="020F0502020204030204" pitchFamily="34" charset="0"/>
-              </a:rPr>
-              <a:t>eSPL</a:t>
-            </a:r>
-            <a:endParaRPr lang="en-US" sz="1200" dirty="0">
-              <a:latin typeface="Calibri" panose="020F0502020204030204" pitchFamily="34" charset="0"/>
-              <a:cs typeface="Calibri" panose="020F0502020204030204" pitchFamily="34" charset="0"/>
-            </a:endParaRPr>
-          </a:p>
-          <a:p>
-            <a:pPr lvl="1">
-              <a:spcBef>
-                <a:spcPts val="600"/>
-              </a:spcBef>
-              <a:buFont typeface="Arial" panose="020B0604020202020204" pitchFamily="34" charset="0"/>
-              <a:buChar char="•"/>
-            </a:pPr>
-            <a:r>
-              <a:rPr lang="en-CA" sz="1200" dirty="0">
-                <a:latin typeface="Calibri" panose="020F0502020204030204" pitchFamily="34" charset="0"/>
-                <a:cs typeface="Calibri" panose="020F0502020204030204" pitchFamily="34" charset="0"/>
-              </a:rPr>
-              <a:t>SFC: https://</a:t>
-            </a:r>
-            <a:r>
-              <a:rPr lang="en-CA" sz="1200" dirty="0" err="1">
-                <a:latin typeface="Calibri" panose="020F0502020204030204" pitchFamily="34" charset="0"/>
-                <a:cs typeface="Calibri" panose="020F0502020204030204" pitchFamily="34" charset="0"/>
-              </a:rPr>
-              <a:t>tools.ietf.org</a:t>
-            </a:r>
-            <a:r>
-              <a:rPr lang="en-CA" sz="1200" dirty="0">
-                <a:latin typeface="Calibri" panose="020F0502020204030204" pitchFamily="34" charset="0"/>
-                <a:cs typeface="Calibri" panose="020F0502020204030204" pitchFamily="34" charset="0"/>
-              </a:rPr>
-              <a:t>/html/rfc8595 </a:t>
-            </a:r>
-          </a:p>
-          <a:p>
-            <a:pPr lvl="1">
-              <a:spcBef>
-                <a:spcPts val="600"/>
-              </a:spcBef>
-              <a:buFont typeface="Arial" panose="020B0604020202020204" pitchFamily="34" charset="0"/>
-              <a:buChar char="•"/>
-            </a:pPr>
-            <a:r>
-              <a:rPr lang="en-CA" sz="1200" dirty="0">
-                <a:latin typeface="Calibri" panose="020F0502020204030204" pitchFamily="34" charset="0"/>
-                <a:cs typeface="Calibri" panose="020F0502020204030204" pitchFamily="34" charset="0"/>
-              </a:rPr>
-              <a:t>E2E: draft-</a:t>
-            </a:r>
-            <a:r>
-              <a:rPr lang="en-CA" sz="1200" dirty="0" err="1">
-                <a:latin typeface="Calibri" panose="020F0502020204030204" pitchFamily="34" charset="0"/>
-                <a:cs typeface="Calibri" panose="020F0502020204030204" pitchFamily="34" charset="0"/>
-              </a:rPr>
-              <a:t>cheng</a:t>
-            </a:r>
-            <a:r>
-              <a:rPr lang="en-CA" sz="1200" dirty="0">
-                <a:latin typeface="Calibri" panose="020F0502020204030204" pitchFamily="34" charset="0"/>
-                <a:cs typeface="Calibri" panose="020F0502020204030204" pitchFamily="34" charset="0"/>
-              </a:rPr>
-              <a:t>-</a:t>
-            </a:r>
-            <a:r>
-              <a:rPr lang="en-CA" sz="1200" dirty="0" err="1">
-                <a:latin typeface="Calibri" panose="020F0502020204030204" pitchFamily="34" charset="0"/>
-                <a:cs typeface="Calibri" panose="020F0502020204030204" pitchFamily="34" charset="0"/>
-              </a:rPr>
-              <a:t>mpls</a:t>
-            </a:r>
-            <a:r>
-              <a:rPr lang="en-CA" sz="1200" dirty="0">
-                <a:latin typeface="Calibri" panose="020F0502020204030204" pitchFamily="34" charset="0"/>
-                <a:cs typeface="Calibri" panose="020F0502020204030204" pitchFamily="34" charset="0"/>
-              </a:rPr>
-              <a:t>-</a:t>
-            </a:r>
-            <a:r>
-              <a:rPr lang="en-CA" sz="1200" dirty="0" err="1">
-                <a:latin typeface="Calibri" panose="020F0502020204030204" pitchFamily="34" charset="0"/>
-                <a:cs typeface="Calibri" panose="020F0502020204030204" pitchFamily="34" charset="0"/>
-              </a:rPr>
-              <a:t>inband</a:t>
-            </a:r>
-            <a:r>
-              <a:rPr lang="en-CA" sz="1200" dirty="0">
-                <a:latin typeface="Calibri" panose="020F0502020204030204" pitchFamily="34" charset="0"/>
-                <a:cs typeface="Calibri" panose="020F0502020204030204" pitchFamily="34" charset="0"/>
-              </a:rPr>
-              <a:t>-pm-encapsulation</a:t>
-            </a:r>
-          </a:p>
-          <a:p>
-            <a:pPr>
-              <a:spcBef>
-                <a:spcPts val="600"/>
-              </a:spcBef>
-              <a:buFont typeface="Arial" panose="020B0604020202020204" pitchFamily="34" charset="0"/>
-              <a:buChar char="•"/>
-            </a:pPr>
-            <a:r>
-              <a:rPr lang="en-CA" sz="1200" dirty="0">
-                <a:latin typeface="Calibri" panose="020F0502020204030204" pitchFamily="34" charset="0"/>
-                <a:cs typeface="Calibri" panose="020F0502020204030204" pitchFamily="34" charset="0"/>
-              </a:rPr>
-              <a:t>E2E and </a:t>
-            </a:r>
-            <a:r>
-              <a:rPr lang="en-CA" sz="1200" dirty="0" err="1">
-                <a:latin typeface="Calibri" panose="020F0502020204030204" pitchFamily="34" charset="0"/>
-                <a:cs typeface="Calibri" panose="020F0502020204030204" pitchFamily="34" charset="0"/>
-              </a:rPr>
-              <a:t>HbH</a:t>
-            </a:r>
-            <a:r>
-              <a:rPr lang="en-CA" sz="1200" dirty="0">
-                <a:latin typeface="Calibri" panose="020F0502020204030204" pitchFamily="34" charset="0"/>
-                <a:cs typeface="Calibri" panose="020F0502020204030204" pitchFamily="34" charset="0"/>
-              </a:rPr>
-              <a:t> - Use IOAM Enabled Label (like SFL) – Label stack size not changed</a:t>
-            </a:r>
-          </a:p>
-          <a:p>
-            <a:pPr marL="0" indent="0">
-              <a:spcBef>
-                <a:spcPts val="600"/>
-              </a:spcBef>
-              <a:buNone/>
-            </a:pPr>
-            <a:endParaRPr lang="en-US" sz="1200" dirty="0">
-              <a:latin typeface="Calibri" panose="020F0502020204030204" pitchFamily="34" charset="0"/>
-              <a:cs typeface="Calibri" panose="020F0502020204030204" pitchFamily="34" charset="0"/>
-            </a:endParaRPr>
+              <a:t>This is a generic issue applicable to all G-ACH mechanisms used for data traffic. </a:t>
+            </a:r>
           </a:p>
         </p:txBody>
       </p:sp>
@@ -9085,7 +9098,7 @@
         </p:nvSpPr>
         <p:spPr>
           <a:xfrm>
-            <a:off x="3124200" y="4760472"/>
+            <a:off x="3124200" y="4786312"/>
             <a:ext cx="2895600" cy="357188"/>
           </a:xfrm>
         </p:spPr>
@@ -9149,7 +9162,7 @@
     </p:spTree>
     <p:extLst>
       <p:ext uri="{BB962C8B-B14F-4D97-AF65-F5344CB8AC3E}">
-        <p14:creationId xmlns:p14="http://schemas.microsoft.com/office/powerpoint/2010/main" val="1151529161"/>
+        <p14:creationId xmlns:p14="http://schemas.microsoft.com/office/powerpoint/2010/main" val="2484630727"/>
       </p:ext>
     </p:extLst>
   </p:cSld>
@@ -9326,1423 +9339,6 @@
 </file>
 
 <file path=ppt/slides/slide20.xml><?xml version="1.0" encoding="utf-8"?>
-<p:sld xmlns:a="http://schemas.openxmlformats.org/drawingml/2006/main" xmlns:r="http://schemas.openxmlformats.org/officeDocument/2006/relationships" xmlns:p="http://schemas.openxmlformats.org/presentationml/2006/main">
-  <p:cSld>
-    <p:spTree>
-      <p:nvGrpSpPr>
-        <p:cNvPr id="1" name=""/>
-        <p:cNvGrpSpPr/>
-        <p:nvPr/>
-      </p:nvGrpSpPr>
-      <p:grpSpPr>
-        <a:xfrm>
-          <a:off x="0" y="0"/>
-          <a:ext cx="0" cy="0"/>
-          <a:chOff x="0" y="0"/>
-          <a:chExt cx="0" cy="0"/>
-        </a:xfrm>
-      </p:grpSpPr>
-      <p:sp>
-        <p:nvSpPr>
-          <p:cNvPr id="2" name="Title 1">
-            <a:extLst>
-              <a:ext uri="{FF2B5EF4-FFF2-40B4-BE49-F238E27FC236}">
-                <a16:creationId xmlns:a16="http://schemas.microsoft.com/office/drawing/2014/main" id="{16C5255E-BE42-5348-AC0F-6257873BBB61}"/>
-              </a:ext>
-            </a:extLst>
-          </p:cNvPr>
-          <p:cNvSpPr>
-            <a:spLocks noGrp="1"/>
-          </p:cNvSpPr>
-          <p:nvPr>
-            <p:ph type="title"/>
-          </p:nvPr>
-        </p:nvSpPr>
-        <p:spPr>
-          <a:xfrm>
-            <a:off x="500406" y="0"/>
-            <a:ext cx="7772400" cy="857250"/>
-          </a:xfrm>
-        </p:spPr>
-        <p:txBody>
-          <a:bodyPr/>
-          <a:lstStyle/>
-          <a:p>
-            <a:pPr algn="l"/>
-            <a:r>
-              <a:rPr lang="en-US" sz="3200" dirty="0">
-                <a:solidFill>
-                  <a:srgbClr val="0070C0"/>
-                </a:solidFill>
-                <a:latin typeface="Calibri Light" panose="020F0302020204030204" pitchFamily="34" charset="0"/>
-                <a:cs typeface="Calibri Light" panose="020F0302020204030204" pitchFamily="34" charset="0"/>
-              </a:rPr>
-              <a:t>2. Transit Nodes Scanning Label Stack</a:t>
-            </a:r>
-          </a:p>
-        </p:txBody>
-      </p:sp>
-      <p:sp>
-        <p:nvSpPr>
-          <p:cNvPr id="3" name="Content Placeholder 2">
-            <a:extLst>
-              <a:ext uri="{FF2B5EF4-FFF2-40B4-BE49-F238E27FC236}">
-                <a16:creationId xmlns:a16="http://schemas.microsoft.com/office/drawing/2014/main" id="{3943595A-2AF7-A141-B580-268FFA30C69C}"/>
-              </a:ext>
-            </a:extLst>
-          </p:cNvPr>
-          <p:cNvSpPr>
-            <a:spLocks noGrp="1"/>
-          </p:cNvSpPr>
-          <p:nvPr>
-            <p:ph idx="1"/>
-          </p:nvPr>
-        </p:nvSpPr>
-        <p:spPr>
-          <a:xfrm>
-            <a:off x="473697" y="884932"/>
-            <a:ext cx="8229600" cy="3373636"/>
-          </a:xfrm>
-        </p:spPr>
-        <p:txBody>
-          <a:bodyPr/>
-          <a:lstStyle/>
-          <a:p>
-            <a:pPr>
-              <a:spcBef>
-                <a:spcPts val="600"/>
-              </a:spcBef>
-            </a:pPr>
-            <a:r>
-              <a:rPr lang="en-US" sz="1400" dirty="0">
-                <a:latin typeface="Calibri" panose="020F0502020204030204" pitchFamily="34" charset="0"/>
-                <a:cs typeface="Calibri" panose="020F0502020204030204" pitchFamily="34" charset="0"/>
-              </a:rPr>
-              <a:t>Applicable to </a:t>
-            </a:r>
-            <a:r>
-              <a:rPr lang="en-US" sz="1400" dirty="0" err="1">
-                <a:latin typeface="Calibri" panose="020F0502020204030204" pitchFamily="34" charset="0"/>
-                <a:cs typeface="Calibri" panose="020F0502020204030204" pitchFamily="34" charset="0"/>
-              </a:rPr>
-              <a:t>HbH</a:t>
-            </a:r>
-            <a:r>
-              <a:rPr lang="en-US" sz="1400" dirty="0">
-                <a:latin typeface="Calibri" panose="020F0502020204030204" pitchFamily="34" charset="0"/>
-                <a:cs typeface="Calibri" panose="020F0502020204030204" pitchFamily="34" charset="0"/>
-              </a:rPr>
-              <a:t> case</a:t>
-            </a:r>
-          </a:p>
-          <a:p>
-            <a:pPr>
-              <a:spcBef>
-                <a:spcPts val="600"/>
-              </a:spcBef>
-            </a:pPr>
-            <a:r>
-              <a:rPr lang="en-US" sz="1400" dirty="0">
-                <a:latin typeface="Calibri" panose="020F0502020204030204" pitchFamily="34" charset="0"/>
-                <a:cs typeface="Calibri" panose="020F0502020204030204" pitchFamily="34" charset="0"/>
-              </a:rPr>
-              <a:t>Transit nodes need to scan deeper into the MPLS header to find IOAM Indicator Label only when </a:t>
-            </a:r>
-            <a:r>
-              <a:rPr lang="en-US" sz="1400" dirty="0" err="1">
-                <a:latin typeface="Calibri" panose="020F0502020204030204" pitchFamily="34" charset="0"/>
-                <a:cs typeface="Calibri" panose="020F0502020204030204" pitchFamily="34" charset="0"/>
-              </a:rPr>
-              <a:t>HbH</a:t>
-            </a:r>
-            <a:r>
-              <a:rPr lang="en-US" sz="1400" dirty="0">
-                <a:latin typeface="Calibri" panose="020F0502020204030204" pitchFamily="34" charset="0"/>
-                <a:cs typeface="Calibri" panose="020F0502020204030204" pitchFamily="34" charset="0"/>
-              </a:rPr>
-              <a:t> IOAM is enabled</a:t>
-            </a:r>
-          </a:p>
-          <a:p>
-            <a:pPr>
-              <a:spcBef>
-                <a:spcPts val="600"/>
-              </a:spcBef>
-            </a:pPr>
-            <a:endParaRPr lang="en-US" sz="1400" dirty="0">
-              <a:latin typeface="Calibri" panose="020F0502020204030204" pitchFamily="34" charset="0"/>
-              <a:cs typeface="Calibri" panose="020F0502020204030204" pitchFamily="34" charset="0"/>
-            </a:endParaRPr>
-          </a:p>
-          <a:p>
-            <a:pPr>
-              <a:spcBef>
-                <a:spcPts val="600"/>
-              </a:spcBef>
-            </a:pPr>
-            <a:endParaRPr lang="en-US" sz="1400" dirty="0">
-              <a:latin typeface="Calibri" panose="020F0502020204030204" pitchFamily="34" charset="0"/>
-              <a:cs typeface="Calibri" panose="020F0502020204030204" pitchFamily="34" charset="0"/>
-            </a:endParaRPr>
-          </a:p>
-          <a:p>
-            <a:pPr marL="0" indent="0">
-              <a:spcBef>
-                <a:spcPts val="600"/>
-              </a:spcBef>
-              <a:buNone/>
-            </a:pPr>
-            <a:r>
-              <a:rPr lang="en-US" sz="1400" dirty="0">
-                <a:latin typeface="Calibri" panose="020F0502020204030204" pitchFamily="34" charset="0"/>
-                <a:cs typeface="Calibri" panose="020F0502020204030204" pitchFamily="34" charset="0"/>
-              </a:rPr>
-              <a:t>Reply:</a:t>
-            </a:r>
-          </a:p>
-          <a:p>
-            <a:pPr>
-              <a:spcBef>
-                <a:spcPts val="600"/>
-              </a:spcBef>
-              <a:buFont typeface="Wingdings" pitchFamily="2" charset="2"/>
-              <a:buChar char="ü"/>
-            </a:pPr>
-            <a:r>
-              <a:rPr lang="en-US" sz="1400" dirty="0">
-                <a:latin typeface="Calibri" panose="020F0502020204030204" pitchFamily="34" charset="0"/>
-                <a:cs typeface="Calibri" panose="020F0502020204030204" pitchFamily="34" charset="0"/>
-              </a:rPr>
-              <a:t>This is also true for ELI and EL today</a:t>
-            </a:r>
-            <a:endParaRPr lang="en-CA" sz="1400" dirty="0">
-              <a:latin typeface="Calibri" panose="020F0502020204030204" pitchFamily="34" charset="0"/>
-              <a:cs typeface="Calibri" panose="020F0502020204030204" pitchFamily="34" charset="0"/>
-            </a:endParaRPr>
-          </a:p>
-          <a:p>
-            <a:pPr>
-              <a:spcBef>
-                <a:spcPts val="600"/>
-              </a:spcBef>
-              <a:buFont typeface="Wingdings" pitchFamily="2" charset="2"/>
-              <a:buChar char="ü"/>
-            </a:pPr>
-            <a:r>
-              <a:rPr lang="en-CA" sz="1400" dirty="0">
-                <a:latin typeface="Calibri" panose="020F0502020204030204" pitchFamily="34" charset="0"/>
-                <a:cs typeface="Calibri" panose="020F0502020204030204" pitchFamily="34" charset="0"/>
-              </a:rPr>
-              <a:t>With any indicator scheme, the node will have to look past EOS into the packet to find the IOAM data that needs to be processed</a:t>
-            </a:r>
-          </a:p>
-          <a:p>
-            <a:pPr>
-              <a:spcBef>
-                <a:spcPts val="600"/>
-              </a:spcBef>
-              <a:buFont typeface="Wingdings" pitchFamily="2" charset="2"/>
-              <a:buChar char="ü"/>
-            </a:pPr>
-            <a:r>
-              <a:rPr lang="en-CA" sz="1400" dirty="0">
-                <a:latin typeface="Calibri" panose="020F0502020204030204" pitchFamily="34" charset="0"/>
-                <a:cs typeface="Calibri" panose="020F0502020204030204" pitchFamily="34" charset="0"/>
-              </a:rPr>
-              <a:t>Use IOAM enabled label (like SFL) that avoids scanning label stack</a:t>
-            </a:r>
-          </a:p>
-          <a:p>
-            <a:pPr>
-              <a:spcBef>
-                <a:spcPts val="600"/>
-              </a:spcBef>
-              <a:buFont typeface="Wingdings" pitchFamily="2" charset="2"/>
-              <a:buChar char="ü"/>
-            </a:pPr>
-            <a:endParaRPr lang="en-CA" sz="1400" dirty="0">
-              <a:latin typeface="Calibri" panose="020F0502020204030204" pitchFamily="34" charset="0"/>
-              <a:cs typeface="Calibri" panose="020F0502020204030204" pitchFamily="34" charset="0"/>
-            </a:endParaRPr>
-          </a:p>
-          <a:p>
-            <a:pPr>
-              <a:spcBef>
-                <a:spcPts val="600"/>
-              </a:spcBef>
-            </a:pPr>
-            <a:endParaRPr lang="en-US" sz="1400" dirty="0">
-              <a:latin typeface="Calibri" panose="020F0502020204030204" pitchFamily="34" charset="0"/>
-              <a:cs typeface="Calibri" panose="020F0502020204030204" pitchFamily="34" charset="0"/>
-            </a:endParaRPr>
-          </a:p>
-        </p:txBody>
-      </p:sp>
-      <p:sp>
-        <p:nvSpPr>
-          <p:cNvPr id="4" name="Footer Placeholder 3">
-            <a:extLst>
-              <a:ext uri="{FF2B5EF4-FFF2-40B4-BE49-F238E27FC236}">
-                <a16:creationId xmlns:a16="http://schemas.microsoft.com/office/drawing/2014/main" id="{CF70CC82-C055-3645-9254-87CEC1C49032}"/>
-              </a:ext>
-            </a:extLst>
-          </p:cNvPr>
-          <p:cNvSpPr>
-            <a:spLocks noGrp="1"/>
-          </p:cNvSpPr>
-          <p:nvPr>
-            <p:ph type="ftr" sz="quarter" idx="11"/>
-          </p:nvPr>
-        </p:nvSpPr>
-        <p:spPr>
-          <a:xfrm>
-            <a:off x="3124200" y="4760472"/>
-            <a:ext cx="2895600" cy="357188"/>
-          </a:xfrm>
-        </p:spPr>
-        <p:txBody>
-          <a:bodyPr/>
-          <a:lstStyle/>
-          <a:p>
-            <a:pPr>
-              <a:defRPr/>
-            </a:pPr>
-            <a:r>
-              <a:rPr lang="en-US" altLang="zh-CN" dirty="0"/>
-              <a:t>110</a:t>
-            </a:r>
-            <a:r>
-              <a:rPr lang="en-US" altLang="zh-CN" baseline="30000" dirty="0"/>
-              <a:t>th</a:t>
-            </a:r>
-            <a:r>
-              <a:rPr lang="en-US" altLang="zh-CN" dirty="0"/>
-              <a:t> IETF Online</a:t>
-            </a:r>
-          </a:p>
-        </p:txBody>
-      </p:sp>
-      <p:sp>
-        <p:nvSpPr>
-          <p:cNvPr id="5" name="Slide Number Placeholder 4">
-            <a:extLst>
-              <a:ext uri="{FF2B5EF4-FFF2-40B4-BE49-F238E27FC236}">
-                <a16:creationId xmlns:a16="http://schemas.microsoft.com/office/drawing/2014/main" id="{62DF7D69-BCF6-2D4A-A3F1-2D32C59355D3}"/>
-              </a:ext>
-            </a:extLst>
-          </p:cNvPr>
-          <p:cNvSpPr>
-            <a:spLocks noGrp="1"/>
-          </p:cNvSpPr>
-          <p:nvPr>
-            <p:ph type="sldNum" sz="quarter" idx="12"/>
-          </p:nvPr>
-        </p:nvSpPr>
-        <p:spPr/>
-        <p:txBody>
-          <a:bodyPr/>
-          <a:lstStyle/>
-          <a:p>
-            <a:pPr>
-              <a:defRPr/>
-            </a:pPr>
-            <a:fld id="{BD6E0F59-1DD8-40FC-9C92-B6295CBA6CCA}" type="slidenum">
-              <a:rPr lang="en-US" altLang="zh-CN" smtClean="0"/>
-              <a:pPr>
-                <a:defRPr/>
-              </a:pPr>
-              <a:t>20</a:t>
-            </a:fld>
-            <a:endParaRPr lang="en-US" altLang="zh-CN"/>
-          </a:p>
-        </p:txBody>
-      </p:sp>
-    </p:spTree>
-    <p:extLst>
-      <p:ext uri="{BB962C8B-B14F-4D97-AF65-F5344CB8AC3E}">
-        <p14:creationId xmlns:p14="http://schemas.microsoft.com/office/powerpoint/2010/main" val="4096689609"/>
-      </p:ext>
-    </p:extLst>
-  </p:cSld>
-  <p:clrMapOvr>
-    <a:masterClrMapping/>
-  </p:clrMapOvr>
-</p:sld>
-</file>
-
-<file path=ppt/slides/slide21.xml><?xml version="1.0" encoding="utf-8"?>
-<p:sld xmlns:a="http://schemas.openxmlformats.org/drawingml/2006/main" xmlns:r="http://schemas.openxmlformats.org/officeDocument/2006/relationships" xmlns:p="http://schemas.openxmlformats.org/presentationml/2006/main">
-  <p:cSld>
-    <p:spTree>
-      <p:nvGrpSpPr>
-        <p:cNvPr id="1" name=""/>
-        <p:cNvGrpSpPr/>
-        <p:nvPr/>
-      </p:nvGrpSpPr>
-      <p:grpSpPr>
-        <a:xfrm>
-          <a:off x="0" y="0"/>
-          <a:ext cx="0" cy="0"/>
-          <a:chOff x="0" y="0"/>
-          <a:chExt cx="0" cy="0"/>
-        </a:xfrm>
-      </p:grpSpPr>
-      <p:sp>
-        <p:nvSpPr>
-          <p:cNvPr id="2" name="Title 1">
-            <a:extLst>
-              <a:ext uri="{FF2B5EF4-FFF2-40B4-BE49-F238E27FC236}">
-                <a16:creationId xmlns:a16="http://schemas.microsoft.com/office/drawing/2014/main" id="{16C5255E-BE42-5348-AC0F-6257873BBB61}"/>
-              </a:ext>
-            </a:extLst>
-          </p:cNvPr>
-          <p:cNvSpPr>
-            <a:spLocks noGrp="1"/>
-          </p:cNvSpPr>
-          <p:nvPr>
-            <p:ph type="title"/>
-          </p:nvPr>
-        </p:nvSpPr>
-        <p:spPr>
-          <a:xfrm>
-            <a:off x="457200" y="0"/>
-            <a:ext cx="8229600" cy="857250"/>
-          </a:xfrm>
-        </p:spPr>
-        <p:txBody>
-          <a:bodyPr/>
-          <a:lstStyle/>
-          <a:p>
-            <a:pPr algn="l"/>
-            <a:r>
-              <a:rPr lang="en-US" sz="3200" dirty="0">
-                <a:solidFill>
-                  <a:srgbClr val="0070C0"/>
-                </a:solidFill>
-                <a:latin typeface="Calibri Light" panose="020F0302020204030204" pitchFamily="34" charset="0"/>
-                <a:cs typeface="Calibri Light" panose="020F0302020204030204" pitchFamily="34" charset="0"/>
-              </a:rPr>
-              <a:t>3. Different FEC (like SFL) for IOAM Data Packets</a:t>
-            </a:r>
-          </a:p>
-        </p:txBody>
-      </p:sp>
-      <p:sp>
-        <p:nvSpPr>
-          <p:cNvPr id="3" name="Content Placeholder 2">
-            <a:extLst>
-              <a:ext uri="{FF2B5EF4-FFF2-40B4-BE49-F238E27FC236}">
-                <a16:creationId xmlns:a16="http://schemas.microsoft.com/office/drawing/2014/main" id="{3943595A-2AF7-A141-B580-268FFA30C69C}"/>
-              </a:ext>
-            </a:extLst>
-          </p:cNvPr>
-          <p:cNvSpPr>
-            <a:spLocks noGrp="1"/>
-          </p:cNvSpPr>
-          <p:nvPr>
-            <p:ph idx="1"/>
-          </p:nvPr>
-        </p:nvSpPr>
-        <p:spPr>
-          <a:xfrm>
-            <a:off x="457200" y="971550"/>
-            <a:ext cx="8229600" cy="3373636"/>
-          </a:xfrm>
-        </p:spPr>
-        <p:txBody>
-          <a:bodyPr/>
-          <a:lstStyle/>
-          <a:p>
-            <a:pPr>
-              <a:spcBef>
-                <a:spcPts val="600"/>
-              </a:spcBef>
-            </a:pPr>
-            <a:r>
-              <a:rPr lang="en-CA" sz="1400" dirty="0">
-                <a:solidFill>
-                  <a:srgbClr val="000000"/>
-                </a:solidFill>
-                <a:latin typeface="Calibri" panose="020F0502020204030204" pitchFamily="34" charset="0"/>
-                <a:cs typeface="Calibri" panose="020F0502020204030204" pitchFamily="34" charset="0"/>
-              </a:rPr>
-              <a:t>Applicable to </a:t>
-            </a:r>
-            <a:r>
-              <a:rPr lang="en-CA" sz="1400" dirty="0" err="1">
-                <a:solidFill>
-                  <a:srgbClr val="000000"/>
-                </a:solidFill>
-                <a:latin typeface="Calibri" panose="020F0502020204030204" pitchFamily="34" charset="0"/>
-                <a:cs typeface="Calibri" panose="020F0502020204030204" pitchFamily="34" charset="0"/>
-              </a:rPr>
-              <a:t>HbH</a:t>
-            </a:r>
-            <a:r>
-              <a:rPr lang="en-CA" sz="1400" dirty="0">
-                <a:solidFill>
-                  <a:srgbClr val="000000"/>
-                </a:solidFill>
-                <a:latin typeface="Calibri" panose="020F0502020204030204" pitchFamily="34" charset="0"/>
-                <a:cs typeface="Calibri" panose="020F0502020204030204" pitchFamily="34" charset="0"/>
-              </a:rPr>
-              <a:t> case</a:t>
-            </a:r>
-          </a:p>
-          <a:p>
-            <a:pPr>
-              <a:spcBef>
-                <a:spcPts val="600"/>
-              </a:spcBef>
-            </a:pPr>
-            <a:r>
-              <a:rPr lang="en-CA" sz="1400" dirty="0">
-                <a:solidFill>
-                  <a:srgbClr val="000000"/>
-                </a:solidFill>
-                <a:latin typeface="Calibri" panose="020F0502020204030204" pitchFamily="34" charset="0"/>
-                <a:cs typeface="Calibri" panose="020F0502020204030204" pitchFamily="34" charset="0"/>
-              </a:rPr>
-              <a:t>With a special FEC for IOAM packets and a "normal” FEC for data packets that don't carry IOAM info, a node might drop the normal traffic while the IOAM traffic flows</a:t>
-            </a:r>
-          </a:p>
-          <a:p>
-            <a:pPr>
-              <a:spcBef>
-                <a:spcPts val="600"/>
-              </a:spcBef>
-            </a:pPr>
-            <a:r>
-              <a:rPr lang="en-CA" sz="1400" dirty="0">
-                <a:solidFill>
-                  <a:srgbClr val="000000"/>
-                </a:solidFill>
-                <a:latin typeface="Calibri" panose="020F0502020204030204" pitchFamily="34" charset="0"/>
-                <a:cs typeface="Calibri" panose="020F0502020204030204" pitchFamily="34" charset="0"/>
-              </a:rPr>
-              <a:t>Use IOAM Enabled label (like SFL) for IOAM packets</a:t>
-            </a:r>
-          </a:p>
-          <a:p>
-            <a:pPr>
-              <a:spcBef>
-                <a:spcPts val="600"/>
-              </a:spcBef>
-            </a:pPr>
-            <a:endParaRPr lang="en-CA" sz="1400" dirty="0">
-              <a:solidFill>
-                <a:srgbClr val="000000"/>
-              </a:solidFill>
-              <a:latin typeface="Calibri" panose="020F0502020204030204" pitchFamily="34" charset="0"/>
-              <a:cs typeface="Calibri" panose="020F0502020204030204" pitchFamily="34" charset="0"/>
-            </a:endParaRPr>
-          </a:p>
-          <a:p>
-            <a:pPr marL="0" indent="0">
-              <a:spcBef>
-                <a:spcPts val="600"/>
-              </a:spcBef>
-              <a:buNone/>
-            </a:pPr>
-            <a:r>
-              <a:rPr lang="en-CA" sz="1400" dirty="0">
-                <a:solidFill>
-                  <a:srgbClr val="000000"/>
-                </a:solidFill>
-                <a:latin typeface="Calibri" panose="020F0502020204030204" pitchFamily="34" charset="0"/>
-                <a:cs typeface="Calibri" panose="020F0502020204030204" pitchFamily="34" charset="0"/>
-              </a:rPr>
-              <a:t>Reply:</a:t>
-            </a:r>
-          </a:p>
-          <a:p>
-            <a:pPr>
-              <a:spcBef>
-                <a:spcPts val="600"/>
-              </a:spcBef>
-              <a:buFont typeface="Wingdings" pitchFamily="2" charset="2"/>
-              <a:buChar char="ü"/>
-            </a:pPr>
-            <a:r>
-              <a:rPr lang="en-CA" sz="1400" dirty="0">
-                <a:solidFill>
-                  <a:srgbClr val="000000"/>
-                </a:solidFill>
-                <a:latin typeface="Calibri" panose="020F0502020204030204" pitchFamily="34" charset="0"/>
-                <a:cs typeface="Calibri" panose="020F0502020204030204" pitchFamily="34" charset="0"/>
-              </a:rPr>
-              <a:t>This is indeed an issue with using SFL kind of approach. OAM reports the metrics of the LSP on which the normal traffic is not flowing. The forwarding normal packets are not using the LSP used by the OAM, as there are two synonymous LSPs</a:t>
-            </a:r>
-            <a:endParaRPr lang="en-US" sz="1400" dirty="0">
-              <a:latin typeface="Calibri" panose="020F0502020204030204" pitchFamily="34" charset="0"/>
-              <a:cs typeface="Calibri" panose="020F0502020204030204" pitchFamily="34" charset="0"/>
-            </a:endParaRPr>
-          </a:p>
-          <a:p>
-            <a:pPr lvl="1">
-              <a:spcBef>
-                <a:spcPts val="600"/>
-              </a:spcBef>
-            </a:pPr>
-            <a:endParaRPr lang="en-US" sz="1400" dirty="0">
-              <a:latin typeface="Calibri" panose="020F0502020204030204" pitchFamily="34" charset="0"/>
-              <a:cs typeface="Calibri" panose="020F0502020204030204" pitchFamily="34" charset="0"/>
-            </a:endParaRPr>
-          </a:p>
-          <a:p>
-            <a:pPr>
-              <a:spcBef>
-                <a:spcPts val="600"/>
-              </a:spcBef>
-            </a:pPr>
-            <a:endParaRPr lang="en-US" sz="1400" dirty="0">
-              <a:latin typeface="Calibri" panose="020F0502020204030204" pitchFamily="34" charset="0"/>
-              <a:cs typeface="Calibri" panose="020F0502020204030204" pitchFamily="34" charset="0"/>
-            </a:endParaRPr>
-          </a:p>
-        </p:txBody>
-      </p:sp>
-      <p:sp>
-        <p:nvSpPr>
-          <p:cNvPr id="4" name="Footer Placeholder 3">
-            <a:extLst>
-              <a:ext uri="{FF2B5EF4-FFF2-40B4-BE49-F238E27FC236}">
-                <a16:creationId xmlns:a16="http://schemas.microsoft.com/office/drawing/2014/main" id="{CF70CC82-C055-3645-9254-87CEC1C49032}"/>
-              </a:ext>
-            </a:extLst>
-          </p:cNvPr>
-          <p:cNvSpPr>
-            <a:spLocks noGrp="1"/>
-          </p:cNvSpPr>
-          <p:nvPr>
-            <p:ph type="ftr" sz="quarter" idx="11"/>
-          </p:nvPr>
-        </p:nvSpPr>
-        <p:spPr>
-          <a:xfrm>
-            <a:off x="3124200" y="4760472"/>
-            <a:ext cx="2895600" cy="357188"/>
-          </a:xfrm>
-        </p:spPr>
-        <p:txBody>
-          <a:bodyPr/>
-          <a:lstStyle/>
-          <a:p>
-            <a:pPr>
-              <a:defRPr/>
-            </a:pPr>
-            <a:r>
-              <a:rPr lang="en-US" altLang="zh-CN" dirty="0"/>
-              <a:t>110</a:t>
-            </a:r>
-            <a:r>
-              <a:rPr lang="en-US" altLang="zh-CN" baseline="30000" dirty="0"/>
-              <a:t>th</a:t>
-            </a:r>
-            <a:r>
-              <a:rPr lang="en-US" altLang="zh-CN" dirty="0"/>
-              <a:t> IETF Online</a:t>
-            </a:r>
-          </a:p>
-        </p:txBody>
-      </p:sp>
-      <p:sp>
-        <p:nvSpPr>
-          <p:cNvPr id="5" name="Slide Number Placeholder 4">
-            <a:extLst>
-              <a:ext uri="{FF2B5EF4-FFF2-40B4-BE49-F238E27FC236}">
-                <a16:creationId xmlns:a16="http://schemas.microsoft.com/office/drawing/2014/main" id="{62DF7D69-BCF6-2D4A-A3F1-2D32C59355D3}"/>
-              </a:ext>
-            </a:extLst>
-          </p:cNvPr>
-          <p:cNvSpPr>
-            <a:spLocks noGrp="1"/>
-          </p:cNvSpPr>
-          <p:nvPr>
-            <p:ph type="sldNum" sz="quarter" idx="12"/>
-          </p:nvPr>
-        </p:nvSpPr>
-        <p:spPr/>
-        <p:txBody>
-          <a:bodyPr/>
-          <a:lstStyle/>
-          <a:p>
-            <a:pPr>
-              <a:defRPr/>
-            </a:pPr>
-            <a:fld id="{BD6E0F59-1DD8-40FC-9C92-B6295CBA6CCA}" type="slidenum">
-              <a:rPr lang="en-US" altLang="zh-CN" smtClean="0"/>
-              <a:pPr>
-                <a:defRPr/>
-              </a:pPr>
-              <a:t>21</a:t>
-            </a:fld>
-            <a:endParaRPr lang="en-US" altLang="zh-CN"/>
-          </a:p>
-        </p:txBody>
-      </p:sp>
-    </p:spTree>
-    <p:extLst>
-      <p:ext uri="{BB962C8B-B14F-4D97-AF65-F5344CB8AC3E}">
-        <p14:creationId xmlns:p14="http://schemas.microsoft.com/office/powerpoint/2010/main" val="2453454227"/>
-      </p:ext>
-    </p:extLst>
-  </p:cSld>
-  <p:clrMapOvr>
-    <a:masterClrMapping/>
-  </p:clrMapOvr>
-</p:sld>
-</file>
-
-<file path=ppt/slides/slide22.xml><?xml version="1.0" encoding="utf-8"?>
-<p:sld xmlns:a="http://schemas.openxmlformats.org/drawingml/2006/main" xmlns:r="http://schemas.openxmlformats.org/officeDocument/2006/relationships" xmlns:p="http://schemas.openxmlformats.org/presentationml/2006/main">
-  <p:cSld>
-    <p:spTree>
-      <p:nvGrpSpPr>
-        <p:cNvPr id="1" name=""/>
-        <p:cNvGrpSpPr/>
-        <p:nvPr/>
-      </p:nvGrpSpPr>
-      <p:grpSpPr>
-        <a:xfrm>
-          <a:off x="0" y="0"/>
-          <a:ext cx="0" cy="0"/>
-          <a:chOff x="0" y="0"/>
-          <a:chExt cx="0" cy="0"/>
-        </a:xfrm>
-      </p:grpSpPr>
-      <p:sp>
-        <p:nvSpPr>
-          <p:cNvPr id="2" name="Title 1">
-            <a:extLst>
-              <a:ext uri="{FF2B5EF4-FFF2-40B4-BE49-F238E27FC236}">
-                <a16:creationId xmlns:a16="http://schemas.microsoft.com/office/drawing/2014/main" id="{590D0125-5A9E-9D48-9391-85FBD0E608A2}"/>
-              </a:ext>
-            </a:extLst>
-          </p:cNvPr>
-          <p:cNvSpPr>
-            <a:spLocks noGrp="1"/>
-          </p:cNvSpPr>
-          <p:nvPr>
-            <p:ph type="title"/>
-          </p:nvPr>
-        </p:nvSpPr>
-        <p:spPr>
-          <a:xfrm>
-            <a:off x="304800" y="123407"/>
-            <a:ext cx="8763000" cy="599270"/>
-          </a:xfrm>
-        </p:spPr>
-        <p:txBody>
-          <a:bodyPr/>
-          <a:lstStyle/>
-          <a:p>
-            <a:pPr algn="l"/>
-            <a:r>
-              <a:rPr lang="en-CA" sz="2600" dirty="0">
-                <a:solidFill>
-                  <a:srgbClr val="0070C0"/>
-                </a:solidFill>
-                <a:latin typeface="Calibri Light" panose="020F0302020204030204" pitchFamily="34" charset="0"/>
-                <a:cs typeface="Calibri Light" panose="020F0302020204030204" pitchFamily="34" charset="0"/>
-              </a:rPr>
-              <a:t>3. Example </a:t>
-            </a:r>
-            <a:r>
-              <a:rPr lang="en-CA" sz="2600" dirty="0" err="1">
-                <a:solidFill>
-                  <a:srgbClr val="0070C0"/>
-                </a:solidFill>
-                <a:latin typeface="Calibri Light" panose="020F0302020204030204" pitchFamily="34" charset="0"/>
-                <a:cs typeface="Calibri Light" panose="020F0302020204030204" pitchFamily="34" charset="0"/>
-              </a:rPr>
-              <a:t>HbH</a:t>
-            </a:r>
-            <a:r>
-              <a:rPr lang="en-CA" sz="2600" dirty="0">
-                <a:solidFill>
-                  <a:srgbClr val="0070C0"/>
-                </a:solidFill>
-                <a:latin typeface="Calibri Light" panose="020F0302020204030204" pitchFamily="34" charset="0"/>
-                <a:cs typeface="Calibri Light" panose="020F0302020204030204" pitchFamily="34" charset="0"/>
-              </a:rPr>
-              <a:t> IOAM Encapsulation Using IOAM Enabled Label</a:t>
-            </a:r>
-            <a:endParaRPr lang="en-US" sz="2600" dirty="0">
-              <a:solidFill>
-                <a:srgbClr val="0070C0"/>
-              </a:solidFill>
-              <a:latin typeface="Calibri Light" panose="020F0302020204030204" pitchFamily="34" charset="0"/>
-              <a:cs typeface="Calibri Light" panose="020F0302020204030204" pitchFamily="34" charset="0"/>
-            </a:endParaRPr>
-          </a:p>
-        </p:txBody>
-      </p:sp>
-      <p:sp>
-        <p:nvSpPr>
-          <p:cNvPr id="4" name="Footer Placeholder 3">
-            <a:extLst>
-              <a:ext uri="{FF2B5EF4-FFF2-40B4-BE49-F238E27FC236}">
-                <a16:creationId xmlns:a16="http://schemas.microsoft.com/office/drawing/2014/main" id="{87713FCD-3B47-804D-B373-DAB61FB5FF59}"/>
-              </a:ext>
-            </a:extLst>
-          </p:cNvPr>
-          <p:cNvSpPr>
-            <a:spLocks noGrp="1"/>
-          </p:cNvSpPr>
-          <p:nvPr>
-            <p:ph type="ftr" sz="quarter" idx="11"/>
-          </p:nvPr>
-        </p:nvSpPr>
-        <p:spPr>
-          <a:xfrm>
-            <a:off x="3124200" y="4786312"/>
-            <a:ext cx="2895600" cy="357188"/>
-          </a:xfrm>
-        </p:spPr>
-        <p:txBody>
-          <a:bodyPr/>
-          <a:lstStyle/>
-          <a:p>
-            <a:r>
-              <a:rPr lang="en-CA" dirty="0"/>
-              <a:t>110</a:t>
-            </a:r>
-            <a:r>
-              <a:rPr lang="en-CA" baseline="30000" dirty="0"/>
-              <a:t>th</a:t>
-            </a:r>
-            <a:r>
-              <a:rPr lang="en-CA" dirty="0"/>
-              <a:t> IETF Online</a:t>
-            </a:r>
-          </a:p>
-        </p:txBody>
-      </p:sp>
-      <p:sp>
-        <p:nvSpPr>
-          <p:cNvPr id="5" name="Slide Number Placeholder 4">
-            <a:extLst>
-              <a:ext uri="{FF2B5EF4-FFF2-40B4-BE49-F238E27FC236}">
-                <a16:creationId xmlns:a16="http://schemas.microsoft.com/office/drawing/2014/main" id="{1371408B-9195-EC4D-8131-A3F5CC0592D0}"/>
-              </a:ext>
-            </a:extLst>
-          </p:cNvPr>
-          <p:cNvSpPr>
-            <a:spLocks noGrp="1"/>
-          </p:cNvSpPr>
-          <p:nvPr>
-            <p:ph type="sldNum" sz="quarter" idx="12"/>
-          </p:nvPr>
-        </p:nvSpPr>
-        <p:spPr/>
-        <p:txBody>
-          <a:bodyPr/>
-          <a:lstStyle/>
-          <a:p>
-            <a:pPr>
-              <a:defRPr/>
-            </a:pPr>
-            <a:fld id="{BD6E0F59-1DD8-40FC-9C92-B6295CBA6CCA}" type="slidenum">
-              <a:rPr lang="en-US" altLang="zh-CN" smtClean="0"/>
-              <a:pPr>
-                <a:defRPr/>
-              </a:pPr>
-              <a:t>22</a:t>
-            </a:fld>
-            <a:endParaRPr lang="en-US" altLang="zh-CN" dirty="0"/>
-          </a:p>
-        </p:txBody>
-      </p:sp>
-      <p:sp>
-        <p:nvSpPr>
-          <p:cNvPr id="6" name="Rectangle 5">
-            <a:extLst>
-              <a:ext uri="{FF2B5EF4-FFF2-40B4-BE49-F238E27FC236}">
-                <a16:creationId xmlns:a16="http://schemas.microsoft.com/office/drawing/2014/main" id="{1EED4007-3A19-0E4E-8496-6CECEEA363EB}"/>
-              </a:ext>
-            </a:extLst>
-          </p:cNvPr>
-          <p:cNvSpPr/>
-          <p:nvPr/>
-        </p:nvSpPr>
-        <p:spPr>
-          <a:xfrm>
-            <a:off x="1905000" y="897328"/>
-            <a:ext cx="5127092" cy="3693319"/>
-          </a:xfrm>
-          <a:prstGeom prst="rect">
-            <a:avLst/>
-          </a:prstGeom>
-          <a:solidFill>
-            <a:schemeClr val="accent6">
-              <a:lumMod val="20000"/>
-              <a:lumOff val="80000"/>
-            </a:schemeClr>
-          </a:solidFill>
-        </p:spPr>
-        <p:txBody>
-          <a:bodyPr wrap="square">
-            <a:spAutoFit/>
-          </a:bodyPr>
-          <a:lstStyle/>
-          <a:p>
-            <a:r>
-              <a:rPr lang="en-CA" sz="900" dirty="0">
-                <a:latin typeface="Courier" pitchFamily="2" charset="0"/>
-              </a:rPr>
-              <a:t>    0                   1                   2                   3</a:t>
-            </a:r>
-          </a:p>
-          <a:p>
-            <a:r>
-              <a:rPr lang="en-CA" sz="900" dirty="0">
-                <a:latin typeface="Courier" pitchFamily="2" charset="0"/>
-              </a:rPr>
-              <a:t>    0 1 2 3 4 5 6 7 8 9 0 1 2 3 4 5 6 7 8 9 0 1 2 3 4 5 6 7 8 9 0 1</a:t>
-            </a:r>
-          </a:p>
-          <a:p>
-            <a:r>
-              <a:rPr lang="en-CA" sz="900" dirty="0">
-                <a:latin typeface="Courier" pitchFamily="2" charset="0"/>
-              </a:rPr>
-              <a:t>   +-+-+-+-+-+-+-+-+-+-+-+-+-+-+-+-+-+-+-+-+-+-+-+-+-+-+-+-+-+-+-+-+</a:t>
-            </a:r>
-          </a:p>
-          <a:p>
-            <a:r>
-              <a:rPr lang="en-CA" sz="900" dirty="0">
-                <a:latin typeface="Courier" pitchFamily="2" charset="0"/>
-              </a:rPr>
-              <a:t>   |  Synonymous IOAM-Enabled-Label(1)     | TC  |S|  TTL          |</a:t>
-            </a:r>
-          </a:p>
-          <a:p>
-            <a:r>
-              <a:rPr lang="en-CA" sz="900" dirty="0">
-                <a:latin typeface="Courier" pitchFamily="2" charset="0"/>
-              </a:rPr>
-              <a:t>   +-+-+-+-+-+-+-+-+-+-+-+-+-+-+-+-+-+-+-+-+-+-+-+-+-+-+-+-+-+-+-+-+</a:t>
-            </a:r>
-          </a:p>
-          <a:p>
-            <a:r>
-              <a:rPr lang="en-CA" sz="900" dirty="0">
-                <a:latin typeface="Courier" pitchFamily="2" charset="0"/>
-              </a:rPr>
-              <a:t>   .                                                               .</a:t>
-            </a:r>
-          </a:p>
-          <a:p>
-            <a:r>
-              <a:rPr lang="en-CA" sz="900" dirty="0">
-                <a:latin typeface="Courier" pitchFamily="2" charset="0"/>
-              </a:rPr>
-              <a:t>   +-+-+-+-+-+-+-+-+-+-+-+-+-+-+-+-+-+-+-+-+-+-+-+-+-+-+-+-+-+-+-+-+</a:t>
-            </a:r>
-          </a:p>
-          <a:p>
-            <a:r>
-              <a:rPr lang="en-CA" sz="900" dirty="0">
-                <a:latin typeface="Courier" pitchFamily="2" charset="0"/>
-              </a:rPr>
-              <a:t>   |  Synonymous IOAM-Enabled-Label(n)     | TC  |S|  TTL          |</a:t>
-            </a:r>
-          </a:p>
-          <a:p>
-            <a:r>
-              <a:rPr lang="en-CA" sz="900" dirty="0">
-                <a:latin typeface="Courier" pitchFamily="2" charset="0"/>
-              </a:rPr>
-              <a:t>   +-+-+-+-+-+-+-+-+-+-+-+-+-+-+-+-+-+-+-+-+-+-+-+-+-+-+-+-+-+-+-+-+&lt;-+ </a:t>
-            </a:r>
-          </a:p>
-          <a:p>
-            <a:r>
-              <a:rPr lang="en-CA" sz="900" dirty="0">
-                <a:latin typeface="Courier" pitchFamily="2" charset="0"/>
-              </a:rPr>
-              <a:t>   |0 0 0 1|Version|  Reserved     | IOAM G-</a:t>
-            </a:r>
-            <a:r>
-              <a:rPr lang="en-CA" sz="900" dirty="0" err="1">
-                <a:latin typeface="Courier" pitchFamily="2" charset="0"/>
-              </a:rPr>
-              <a:t>ACh</a:t>
-            </a:r>
-            <a:r>
-              <a:rPr lang="en-CA" sz="900" dirty="0">
-                <a:latin typeface="Courier" pitchFamily="2" charset="0"/>
-              </a:rPr>
-              <a:t>                    |  | </a:t>
-            </a:r>
-          </a:p>
-          <a:p>
-            <a:r>
-              <a:rPr lang="en-CA" sz="900" dirty="0">
-                <a:latin typeface="Courier" pitchFamily="2" charset="0"/>
-              </a:rPr>
-              <a:t>   +-+-+-+-+-+-+-+-+-+-+-+-+-+-+-+-+-+-+-+-+-+-+-+-+-+-+-+-+-+-+-+-+  | </a:t>
-            </a:r>
-          </a:p>
-          <a:p>
-            <a:r>
-              <a:rPr lang="en-CA" sz="900" dirty="0">
-                <a:latin typeface="Courier" pitchFamily="2" charset="0"/>
-              </a:rPr>
-              <a:t>   | Reserved      | Block Number  | IOAM-OPT-Type |IOAM HDR Length|  |</a:t>
-            </a:r>
-          </a:p>
-          <a:p>
-            <a:r>
-              <a:rPr lang="en-CA" sz="900" dirty="0">
-                <a:latin typeface="Courier" pitchFamily="2" charset="0"/>
-              </a:rPr>
-              <a:t>   +-+-+-+-+-+-+-+-+-+-+-+-+-+-+-+-+-+-+-+-+-+-+-+-+-+-+-+-+-+-+-+-+  I</a:t>
-            </a:r>
-          </a:p>
-          <a:p>
-            <a:r>
-              <a:rPr lang="en-CA" sz="900" dirty="0">
-                <a:latin typeface="Courier" pitchFamily="2" charset="0"/>
-              </a:rPr>
-              <a:t>   |                                                               |  O</a:t>
-            </a:r>
-          </a:p>
-          <a:p>
-            <a:r>
-              <a:rPr lang="en-CA" sz="900" dirty="0">
-                <a:latin typeface="Courier" pitchFamily="2" charset="0"/>
-              </a:rPr>
-              <a:t>   |                                                               |  A</a:t>
-            </a:r>
-          </a:p>
-          <a:p>
-            <a:r>
-              <a:rPr lang="en-CA" sz="900" dirty="0">
-                <a:latin typeface="Courier" pitchFamily="2" charset="0"/>
-              </a:rPr>
-              <a:t>   ~                 IOAM Option and Data Space                    ~  M</a:t>
-            </a:r>
-          </a:p>
-          <a:p>
-            <a:r>
-              <a:rPr lang="en-CA" sz="900" dirty="0">
-                <a:latin typeface="Courier" pitchFamily="2" charset="0"/>
-              </a:rPr>
-              <a:t>   |                                                               |  |</a:t>
-            </a:r>
-          </a:p>
-          <a:p>
-            <a:r>
-              <a:rPr lang="en-CA" sz="900" dirty="0">
-                <a:latin typeface="Courier" pitchFamily="2" charset="0"/>
-              </a:rPr>
-              <a:t>   |                                                               |  |</a:t>
-            </a:r>
-          </a:p>
-          <a:p>
-            <a:r>
-              <a:rPr lang="en-CA" sz="900" dirty="0">
-                <a:latin typeface="Courier" pitchFamily="2" charset="0"/>
-              </a:rPr>
-              <a:t>   +-+-+-+-+-+-+-+-+-+-+-+-+-+-+-+-+-+-+-+-+-+-+-+-+-+-+-+-+-+-+-+-+&lt;-+</a:t>
-            </a:r>
-          </a:p>
-          <a:p>
-            <a:r>
-              <a:rPr lang="en-CA" sz="900" dirty="0">
-                <a:latin typeface="Courier" pitchFamily="2" charset="0"/>
-              </a:rPr>
-              <a:t>   |                                                               |</a:t>
-            </a:r>
-          </a:p>
-          <a:p>
-            <a:r>
-              <a:rPr lang="en-CA" sz="900" dirty="0">
-                <a:latin typeface="Courier" pitchFamily="2" charset="0"/>
-              </a:rPr>
-              <a:t>   |                                                               |</a:t>
-            </a:r>
-          </a:p>
-          <a:p>
-            <a:r>
-              <a:rPr lang="en-CA" sz="900" dirty="0">
-                <a:latin typeface="Courier" pitchFamily="2" charset="0"/>
-              </a:rPr>
-              <a:t>   ~                 Payload + Padding                             ~</a:t>
-            </a:r>
-          </a:p>
-          <a:p>
-            <a:r>
-              <a:rPr lang="en-CA" sz="900" dirty="0">
-                <a:latin typeface="Courier" pitchFamily="2" charset="0"/>
-              </a:rPr>
-              <a:t>   |                                                               |</a:t>
-            </a:r>
-          </a:p>
-          <a:p>
-            <a:r>
-              <a:rPr lang="en-CA" sz="900" dirty="0">
-                <a:latin typeface="Courier" pitchFamily="2" charset="0"/>
-              </a:rPr>
-              <a:t>   |                                                               |</a:t>
-            </a:r>
-          </a:p>
-          <a:p>
-            <a:r>
-              <a:rPr lang="en-CA" sz="900" dirty="0">
-                <a:latin typeface="Courier" pitchFamily="2" charset="0"/>
-              </a:rPr>
-              <a:t>   +-+-+-+-+-+-+-+-+-+-+-+-+-+-+-+-+-+-+-+-+-+-+-+-+-+-+-+-+-+-+-+-+ </a:t>
-            </a:r>
-          </a:p>
-          <a:p>
-            <a:r>
-              <a:rPr lang="en-CA" sz="900" dirty="0">
-                <a:latin typeface="Courier" pitchFamily="2" charset="0"/>
-              </a:rPr>
-              <a:t>         Figure: IOAM Encapsulation Example with SR-MPLS Header</a:t>
-            </a:r>
-            <a:endParaRPr lang="en-CA" sz="900" dirty="0">
-              <a:latin typeface="Courier" pitchFamily="2" charset="0"/>
-              <a:ea typeface="Calibri" panose="020F0502020204030204" pitchFamily="34" charset="0"/>
-              <a:cs typeface="Times New Roman" panose="02020603050405020304" pitchFamily="18" charset="0"/>
-            </a:endParaRPr>
-          </a:p>
-        </p:txBody>
-      </p:sp>
-    </p:spTree>
-    <p:extLst>
-      <p:ext uri="{BB962C8B-B14F-4D97-AF65-F5344CB8AC3E}">
-        <p14:creationId xmlns:p14="http://schemas.microsoft.com/office/powerpoint/2010/main" val="424863198"/>
-      </p:ext>
-    </p:extLst>
-  </p:cSld>
-  <p:clrMapOvr>
-    <a:masterClrMapping/>
-  </p:clrMapOvr>
-</p:sld>
-</file>
-
-<file path=ppt/slides/slide23.xml><?xml version="1.0" encoding="utf-8"?>
-<p:sld xmlns:a="http://schemas.openxmlformats.org/drawingml/2006/main" xmlns:r="http://schemas.openxmlformats.org/officeDocument/2006/relationships" xmlns:p="http://schemas.openxmlformats.org/presentationml/2006/main">
-  <p:cSld>
-    <p:spTree>
-      <p:nvGrpSpPr>
-        <p:cNvPr id="1" name=""/>
-        <p:cNvGrpSpPr/>
-        <p:nvPr/>
-      </p:nvGrpSpPr>
-      <p:grpSpPr>
-        <a:xfrm>
-          <a:off x="0" y="0"/>
-          <a:ext cx="0" cy="0"/>
-          <a:chOff x="0" y="0"/>
-          <a:chExt cx="0" cy="0"/>
-        </a:xfrm>
-      </p:grpSpPr>
-      <p:sp>
-        <p:nvSpPr>
-          <p:cNvPr id="2" name="Title 1">
-            <a:extLst>
-              <a:ext uri="{FF2B5EF4-FFF2-40B4-BE49-F238E27FC236}">
-                <a16:creationId xmlns:a16="http://schemas.microsoft.com/office/drawing/2014/main" id="{16C5255E-BE42-5348-AC0F-6257873BBB61}"/>
-              </a:ext>
-            </a:extLst>
-          </p:cNvPr>
-          <p:cNvSpPr>
-            <a:spLocks noGrp="1"/>
-          </p:cNvSpPr>
-          <p:nvPr>
-            <p:ph type="title"/>
-          </p:nvPr>
-        </p:nvSpPr>
-        <p:spPr>
-          <a:xfrm>
-            <a:off x="1905000" y="0"/>
-            <a:ext cx="4385821" cy="857250"/>
-          </a:xfrm>
-        </p:spPr>
-        <p:txBody>
-          <a:bodyPr/>
-          <a:lstStyle/>
-          <a:p>
-            <a:pPr algn="l"/>
-            <a:r>
-              <a:rPr lang="en-US" sz="3200" dirty="0">
-                <a:solidFill>
-                  <a:srgbClr val="0070C0"/>
-                </a:solidFill>
-                <a:latin typeface="Calibri Light" panose="020F0302020204030204" pitchFamily="34" charset="0"/>
-                <a:cs typeface="Calibri Light" panose="020F0302020204030204" pitchFamily="34" charset="0"/>
-              </a:rPr>
-              <a:t>4. IOAM Data After EOS</a:t>
-            </a:r>
-          </a:p>
-        </p:txBody>
-      </p:sp>
-      <p:sp>
-        <p:nvSpPr>
-          <p:cNvPr id="3" name="Content Placeholder 2">
-            <a:extLst>
-              <a:ext uri="{FF2B5EF4-FFF2-40B4-BE49-F238E27FC236}">
-                <a16:creationId xmlns:a16="http://schemas.microsoft.com/office/drawing/2014/main" id="{3943595A-2AF7-A141-B580-268FFA30C69C}"/>
-              </a:ext>
-            </a:extLst>
-          </p:cNvPr>
-          <p:cNvSpPr>
-            <a:spLocks noGrp="1"/>
-          </p:cNvSpPr>
-          <p:nvPr>
-            <p:ph idx="1"/>
-          </p:nvPr>
-        </p:nvSpPr>
-        <p:spPr>
-          <a:xfrm>
-            <a:off x="457200" y="971550"/>
-            <a:ext cx="8229600" cy="3124200"/>
-          </a:xfrm>
-        </p:spPr>
-        <p:txBody>
-          <a:bodyPr/>
-          <a:lstStyle/>
-          <a:p>
-            <a:pPr>
-              <a:spcBef>
-                <a:spcPts val="600"/>
-              </a:spcBef>
-            </a:pPr>
-            <a:r>
-              <a:rPr lang="en-CA" sz="1400" dirty="0">
-                <a:latin typeface="Calibri" panose="020F0502020204030204" pitchFamily="34" charset="0"/>
-                <a:cs typeface="Calibri" panose="020F0502020204030204" pitchFamily="34" charset="0"/>
-              </a:rPr>
-              <a:t>Applicable to E2E and </a:t>
-            </a:r>
-            <a:r>
-              <a:rPr lang="en-CA" sz="1400" dirty="0" err="1">
-                <a:latin typeface="Calibri" panose="020F0502020204030204" pitchFamily="34" charset="0"/>
-                <a:cs typeface="Calibri" panose="020F0502020204030204" pitchFamily="34" charset="0"/>
-              </a:rPr>
-              <a:t>HbH</a:t>
-            </a:r>
-            <a:r>
-              <a:rPr lang="en-CA" sz="1400" dirty="0">
-                <a:latin typeface="Calibri" panose="020F0502020204030204" pitchFamily="34" charset="0"/>
-                <a:cs typeface="Calibri" panose="020F0502020204030204" pitchFamily="34" charset="0"/>
-              </a:rPr>
-              <a:t> cases</a:t>
-            </a:r>
-          </a:p>
-          <a:p>
-            <a:pPr>
-              <a:spcBef>
-                <a:spcPts val="600"/>
-              </a:spcBef>
-            </a:pPr>
-            <a:r>
-              <a:rPr lang="en-CA" sz="1400" dirty="0">
-                <a:latin typeface="Calibri" panose="020F0502020204030204" pitchFamily="34" charset="0"/>
-                <a:cs typeface="Calibri" panose="020F0502020204030204" pitchFamily="34" charset="0"/>
-              </a:rPr>
-              <a:t>What if the LSP is carrying a PW or is </a:t>
-            </a:r>
-            <a:r>
-              <a:rPr lang="en-CA" sz="1400" dirty="0" err="1">
-                <a:latin typeface="Calibri" panose="020F0502020204030204" pitchFamily="34" charset="0"/>
-                <a:cs typeface="Calibri" panose="020F0502020204030204" pitchFamily="34" charset="0"/>
-              </a:rPr>
-              <a:t>DetNet</a:t>
-            </a:r>
-            <a:r>
-              <a:rPr lang="en-CA" sz="1400" dirty="0">
-                <a:latin typeface="Calibri" panose="020F0502020204030204" pitchFamily="34" charset="0"/>
-                <a:cs typeface="Calibri" panose="020F0502020204030204" pitchFamily="34" charset="0"/>
-              </a:rPr>
-              <a:t>? </a:t>
-            </a:r>
-          </a:p>
-          <a:p>
-            <a:pPr>
-              <a:spcBef>
-                <a:spcPts val="600"/>
-              </a:spcBef>
-            </a:pPr>
-            <a:r>
-              <a:rPr lang="en-CA" sz="1400" dirty="0">
-                <a:latin typeface="Calibri" panose="020F0502020204030204" pitchFamily="34" charset="0"/>
-                <a:cs typeface="Calibri" panose="020F0502020204030204" pitchFamily="34" charset="0"/>
-              </a:rPr>
-              <a:t>What if it is a MS-PW? </a:t>
-            </a:r>
-          </a:p>
-          <a:p>
-            <a:pPr>
-              <a:spcBef>
-                <a:spcPts val="600"/>
-              </a:spcBef>
-            </a:pPr>
-            <a:r>
-              <a:rPr lang="en-CA" sz="1400" dirty="0">
-                <a:latin typeface="Calibri" panose="020F0502020204030204" pitchFamily="34" charset="0"/>
-                <a:cs typeface="Calibri" panose="020F0502020204030204" pitchFamily="34" charset="0"/>
-              </a:rPr>
-              <a:t>In all these cases there is a CW immediately after EOS. </a:t>
-            </a:r>
-          </a:p>
-          <a:p>
-            <a:pPr>
-              <a:spcBef>
-                <a:spcPts val="600"/>
-              </a:spcBef>
-            </a:pPr>
-            <a:r>
-              <a:rPr lang="en-CA" sz="1400" dirty="0">
-                <a:latin typeface="Calibri" panose="020F0502020204030204" pitchFamily="34" charset="0"/>
-                <a:cs typeface="Calibri" panose="020F0502020204030204" pitchFamily="34" charset="0"/>
-              </a:rPr>
-              <a:t>Then there is the universal fragmentation idea that is floating about that also wants to follow EOS.</a:t>
-            </a:r>
-          </a:p>
-          <a:p>
-            <a:pPr>
-              <a:spcBef>
-                <a:spcPts val="600"/>
-              </a:spcBef>
-            </a:pPr>
-            <a:endParaRPr lang="en-CA" sz="1400" dirty="0">
-              <a:latin typeface="Calibri" panose="020F0502020204030204" pitchFamily="34" charset="0"/>
-              <a:cs typeface="Calibri" panose="020F0502020204030204" pitchFamily="34" charset="0"/>
-            </a:endParaRPr>
-          </a:p>
-          <a:p>
-            <a:pPr marL="0" indent="0">
-              <a:spcBef>
-                <a:spcPts val="600"/>
-              </a:spcBef>
-              <a:buNone/>
-            </a:pPr>
-            <a:r>
-              <a:rPr lang="en-CA" sz="1400" dirty="0">
-                <a:latin typeface="Calibri" panose="020F0502020204030204" pitchFamily="34" charset="0"/>
-                <a:cs typeface="Calibri" panose="020F0502020204030204" pitchFamily="34" charset="0"/>
-              </a:rPr>
-              <a:t>Reply:</a:t>
-            </a:r>
-          </a:p>
-          <a:p>
-            <a:pPr>
-              <a:spcBef>
-                <a:spcPts val="600"/>
-              </a:spcBef>
-              <a:buFont typeface="Wingdings" pitchFamily="2" charset="2"/>
-              <a:buChar char="ü"/>
-            </a:pPr>
-            <a:r>
-              <a:rPr lang="en-US" sz="1400" dirty="0">
-                <a:latin typeface="Calibri" panose="020F0502020204030204" pitchFamily="34" charset="0"/>
-                <a:cs typeface="Calibri" panose="020F0502020204030204" pitchFamily="34" charset="0"/>
-              </a:rPr>
-              <a:t>This is a generic issue applicable to all G-ACH mechanisms used for data traffic. </a:t>
-            </a:r>
-          </a:p>
-        </p:txBody>
-      </p:sp>
-      <p:sp>
-        <p:nvSpPr>
-          <p:cNvPr id="4" name="Footer Placeholder 3">
-            <a:extLst>
-              <a:ext uri="{FF2B5EF4-FFF2-40B4-BE49-F238E27FC236}">
-                <a16:creationId xmlns:a16="http://schemas.microsoft.com/office/drawing/2014/main" id="{CF70CC82-C055-3645-9254-87CEC1C49032}"/>
-              </a:ext>
-            </a:extLst>
-          </p:cNvPr>
-          <p:cNvSpPr>
-            <a:spLocks noGrp="1"/>
-          </p:cNvSpPr>
-          <p:nvPr>
-            <p:ph type="ftr" sz="quarter" idx="11"/>
-          </p:nvPr>
-        </p:nvSpPr>
-        <p:spPr>
-          <a:xfrm>
-            <a:off x="3124200" y="4786312"/>
-            <a:ext cx="2895600" cy="357188"/>
-          </a:xfrm>
-        </p:spPr>
-        <p:txBody>
-          <a:bodyPr/>
-          <a:lstStyle/>
-          <a:p>
-            <a:pPr>
-              <a:defRPr/>
-            </a:pPr>
-            <a:r>
-              <a:rPr lang="en-US" altLang="zh-CN" dirty="0"/>
-              <a:t>110</a:t>
-            </a:r>
-            <a:r>
-              <a:rPr lang="en-US" altLang="zh-CN" baseline="30000" dirty="0"/>
-              <a:t>th</a:t>
-            </a:r>
-            <a:r>
-              <a:rPr lang="en-US" altLang="zh-CN" dirty="0"/>
-              <a:t> IETF Online</a:t>
-            </a:r>
-          </a:p>
-        </p:txBody>
-      </p:sp>
-      <p:sp>
-        <p:nvSpPr>
-          <p:cNvPr id="5" name="Slide Number Placeholder 4">
-            <a:extLst>
-              <a:ext uri="{FF2B5EF4-FFF2-40B4-BE49-F238E27FC236}">
-                <a16:creationId xmlns:a16="http://schemas.microsoft.com/office/drawing/2014/main" id="{62DF7D69-BCF6-2D4A-A3F1-2D32C59355D3}"/>
-              </a:ext>
-            </a:extLst>
-          </p:cNvPr>
-          <p:cNvSpPr>
-            <a:spLocks noGrp="1"/>
-          </p:cNvSpPr>
-          <p:nvPr>
-            <p:ph type="sldNum" sz="quarter" idx="12"/>
-          </p:nvPr>
-        </p:nvSpPr>
-        <p:spPr/>
-        <p:txBody>
-          <a:bodyPr/>
-          <a:lstStyle/>
-          <a:p>
-            <a:pPr>
-              <a:defRPr/>
-            </a:pPr>
-            <a:fld id="{BD6E0F59-1DD8-40FC-9C92-B6295CBA6CCA}" type="slidenum">
-              <a:rPr lang="en-US" altLang="zh-CN" smtClean="0"/>
-              <a:pPr>
-                <a:defRPr/>
-              </a:pPr>
-              <a:t>23</a:t>
-            </a:fld>
-            <a:endParaRPr lang="en-US" altLang="zh-CN"/>
-          </a:p>
-        </p:txBody>
-      </p:sp>
-    </p:spTree>
-    <p:extLst>
-      <p:ext uri="{BB962C8B-B14F-4D97-AF65-F5344CB8AC3E}">
-        <p14:creationId xmlns:p14="http://schemas.microsoft.com/office/powerpoint/2010/main" val="2484630727"/>
-      </p:ext>
-    </p:extLst>
-  </p:cSld>
-  <p:clrMapOvr>
-    <a:masterClrMapping/>
-  </p:clrMapOvr>
-</p:sld>
-</file>
-
-<file path=ppt/slides/slide24.xml><?xml version="1.0" encoding="utf-8"?>
 <p:sld xmlns:a="http://schemas.openxmlformats.org/drawingml/2006/main" xmlns:r="http://schemas.openxmlformats.org/officeDocument/2006/relationships" xmlns:p="http://schemas.openxmlformats.org/presentationml/2006/main">
   <p:cSld>
     <p:spTree>
@@ -11006,7 +9602,7 @@
               <a:pPr>
                 <a:defRPr/>
               </a:pPr>
-              <a:t>24</a:t>
+              <a:t>20</a:t>
             </a:fld>
             <a:endParaRPr lang="en-US" altLang="zh-CN"/>
           </a:p>
@@ -12656,11 +11252,11 @@
               <a:buAutoNum type="arabicPeriod"/>
             </a:pPr>
             <a:r>
-              <a:rPr lang="en-CA" sz="2000" dirty="0"/>
+              <a:rPr lang="en-CA" sz="1800" dirty="0"/>
               <a:t>Extension Label (15) and Label assigned by IANA with value </a:t>
             </a:r>
             <a:r>
-              <a:rPr lang="en-CA" sz="2000" dirty="0">
+              <a:rPr lang="en-CA" sz="1800" dirty="0">
                 <a:solidFill>
                   <a:srgbClr val="0070C0"/>
                 </a:solidFill>
@@ -12674,15 +11270,15 @@
               <a:buChar char="§"/>
             </a:pPr>
             <a:r>
-              <a:rPr lang="en-CA" sz="2000" dirty="0"/>
+              <a:rPr lang="en-CA" sz="1800" dirty="0"/>
               <a:t>From Extended Special Purpose Labels (</a:t>
             </a:r>
             <a:r>
-              <a:rPr lang="en-CA" sz="2000" dirty="0" err="1"/>
+              <a:rPr lang="en-CA" sz="1800" dirty="0" err="1"/>
               <a:t>eSPL</a:t>
             </a:r>
             <a:r>
-              <a:rPr lang="en-CA" sz="2000" dirty="0"/>
+              <a:rPr lang="en-CA" sz="1800" dirty="0"/>
               <a:t>) range</a:t>
             </a:r>
           </a:p>
@@ -12692,7 +11288,7 @@
               <a:buAutoNum type="arabicPeriod"/>
             </a:pPr>
             <a:r>
-              <a:rPr lang="en-CA" sz="2000" dirty="0"/>
+              <a:rPr lang="en-CA" sz="1800" dirty="0"/>
               <a:t>Global Label allocated by a controller</a:t>
             </a:r>
           </a:p>
@@ -12702,7 +11298,7 @@
               <a:buChar char="§"/>
             </a:pPr>
             <a:r>
-              <a:rPr lang="en-CA" sz="2000" dirty="0"/>
+              <a:rPr lang="en-CA" sz="1800" dirty="0"/>
               <a:t>The controller provisions the label on encapsulating and decapsulating nodes</a:t>
             </a:r>
           </a:p>
@@ -12712,7 +11308,7 @@
               <a:buAutoNum type="arabicPeriod"/>
             </a:pPr>
             <a:r>
-              <a:rPr lang="en-CA" sz="2000" dirty="0">
+              <a:rPr lang="en-CA" sz="1800" dirty="0">
                 <a:solidFill>
                   <a:srgbClr val="0070C0"/>
                 </a:solidFill>
@@ -12726,7 +11322,7 @@
               <a:buChar char="§"/>
             </a:pPr>
             <a:r>
-              <a:rPr lang="en-CA" sz="2000" dirty="0">
+              <a:rPr lang="en-CA" sz="1800" dirty="0">
                 <a:solidFill>
                   <a:srgbClr val="0070C0"/>
                 </a:solidFill>
@@ -12883,11 +11479,16 @@
           </p:cNvGraphicFramePr>
           <p:nvPr>
             <p:ph idx="1"/>
+            <p:extLst>
+              <p:ext uri="{D42A27DB-BD31-4B8C-83A1-F6EECF244321}">
+                <p14:modId xmlns:p14="http://schemas.microsoft.com/office/powerpoint/2010/main" val="3460943082"/>
+              </p:ext>
+            </p:extLst>
           </p:nvPr>
         </p:nvGraphicFramePr>
         <p:xfrm>
-          <a:off x="457200" y="1200150"/>
-          <a:ext cx="7391401" cy="1483360"/>
+          <a:off x="533400" y="914400"/>
+          <a:ext cx="7848600" cy="2286000"/>
         </p:xfrm>
         <a:graphic>
           <a:graphicData uri="http://schemas.openxmlformats.org/drawingml/2006/table">
@@ -12896,36 +11497,29 @@
                 <a:tableStyleId>{46F890A9-2807-4EBB-B81D-B2AA78EC7F39}</a:tableStyleId>
               </a:tblPr>
               <a:tblGrid>
-                <a:gridCol w="2133600">
+                <a:gridCol w="2930144">
                   <a:extLst>
                     <a:ext uri="{9D8B030D-6E8A-4147-A177-3AD203B41FA5}">
                       <a16:colId xmlns:a16="http://schemas.microsoft.com/office/drawing/2014/main" val="1209939836"/>
                     </a:ext>
                   </a:extLst>
                 </a:gridCol>
-                <a:gridCol w="1828800">
+                <a:gridCol w="2511552">
                   <a:extLst>
                     <a:ext uri="{9D8B030D-6E8A-4147-A177-3AD203B41FA5}">
                       <a16:colId xmlns:a16="http://schemas.microsoft.com/office/drawing/2014/main" val="4011394575"/>
                     </a:ext>
                   </a:extLst>
                 </a:gridCol>
-                <a:gridCol w="1752600">
+                <a:gridCol w="2406904">
                   <a:extLst>
                     <a:ext uri="{9D8B030D-6E8A-4147-A177-3AD203B41FA5}">
                       <a16:colId xmlns:a16="http://schemas.microsoft.com/office/drawing/2014/main" val="1670730324"/>
                     </a:ext>
                   </a:extLst>
                 </a:gridCol>
-                <a:gridCol w="1676401">
-                  <a:extLst>
-                    <a:ext uri="{9D8B030D-6E8A-4147-A177-3AD203B41FA5}">
-                      <a16:colId xmlns:a16="http://schemas.microsoft.com/office/drawing/2014/main" val="3301220378"/>
-                    </a:ext>
-                  </a:extLst>
-                </a:gridCol>
               </a:tblGrid>
-              <a:tr h="370840">
+              <a:tr h="571500">
                 <a:tc>
                   <a:txBody>
                     <a:bodyPr/>
@@ -12974,29 +11568,13 @@
                   </a:txBody>
                   <a:tcPr anchor="ctr"/>
                 </a:tc>
-                <a:tc>
-                  <a:txBody>
-                    <a:bodyPr/>
-                    <a:lstStyle/>
-                    <a:p>
-                      <a:r>
-                        <a:rPr lang="en-US" sz="1400" b="0" i="0" dirty="0">
-                          <a:latin typeface="Calibri" panose="020F0502020204030204" pitchFamily="34" charset="0"/>
-                          <a:cs typeface="Calibri" panose="020F0502020204030204" pitchFamily="34" charset="0"/>
-                        </a:rPr>
-                        <a:t>Other cases</a:t>
-                      </a:r>
-                    </a:p>
-                  </a:txBody>
-                  <a:tcPr anchor="ctr"/>
-                </a:tc>
                 <a:extLst>
                   <a:ext uri="{0D108BD9-81ED-4DB2-BD59-A6C34878D82A}">
                     <a16:rowId xmlns:a16="http://schemas.microsoft.com/office/drawing/2014/main" val="3325801765"/>
                   </a:ext>
                 </a:extLst>
               </a:tr>
-              <a:tr h="370840">
+              <a:tr h="571500">
                 <a:tc>
                   <a:txBody>
                     <a:bodyPr/>
@@ -13014,7 +11592,7 @@
                           <a:latin typeface="Calibri" panose="020F0502020204030204" pitchFamily="34" charset="0"/>
                           <a:cs typeface="Calibri" panose="020F0502020204030204" pitchFamily="34" charset="0"/>
                         </a:rPr>
-                        <a:t> Label</a:t>
+                        <a:t> Labels</a:t>
                       </a:r>
                     </a:p>
                   </a:txBody>
@@ -13030,7 +11608,7 @@
                           <a:latin typeface="Calibri" panose="020F0502020204030204" pitchFamily="34" charset="0"/>
                           <a:cs typeface="Calibri" panose="020F0502020204030204" pitchFamily="34" charset="0"/>
                         </a:rPr>
-                        <a:t>+2</a:t>
+                        <a:t>+2 (Note 1)</a:t>
                       </a:r>
                     </a:p>
                   </a:txBody>
@@ -13052,26 +11630,13 @@
                   </a:txBody>
                   <a:tcPr anchor="ctr"/>
                 </a:tc>
-                <a:tc>
-                  <a:txBody>
-                    <a:bodyPr/>
-                    <a:lstStyle/>
-                    <a:p>
-                      <a:endParaRPr lang="en-US" sz="1400" b="0" i="0" dirty="0">
-                        <a:latin typeface="Calibri" panose="020F0502020204030204" pitchFamily="34" charset="0"/>
-                        <a:cs typeface="Calibri" panose="020F0502020204030204" pitchFamily="34" charset="0"/>
-                      </a:endParaRPr>
-                    </a:p>
-                  </a:txBody>
-                  <a:tcPr anchor="ctr"/>
-                </a:tc>
                 <a:extLst>
                   <a:ext uri="{0D108BD9-81ED-4DB2-BD59-A6C34878D82A}">
                     <a16:rowId xmlns:a16="http://schemas.microsoft.com/office/drawing/2014/main" val="4249039908"/>
                   </a:ext>
                 </a:extLst>
               </a:tr>
-              <a:tr h="370840">
+              <a:tr h="571500">
                 <a:tc>
                   <a:txBody>
                     <a:bodyPr/>
@@ -13120,26 +11685,13 @@
                   </a:txBody>
                   <a:tcPr anchor="ctr"/>
                 </a:tc>
-                <a:tc>
-                  <a:txBody>
-                    <a:bodyPr/>
-                    <a:lstStyle/>
-                    <a:p>
-                      <a:endParaRPr lang="en-US" sz="1400" b="0" i="0">
-                        <a:latin typeface="Calibri" panose="020F0502020204030204" pitchFamily="34" charset="0"/>
-                        <a:cs typeface="Calibri" panose="020F0502020204030204" pitchFamily="34" charset="0"/>
-                      </a:endParaRPr>
-                    </a:p>
-                  </a:txBody>
-                  <a:tcPr anchor="ctr"/>
-                </a:tc>
                 <a:extLst>
                   <a:ext uri="{0D108BD9-81ED-4DB2-BD59-A6C34878D82A}">
                     <a16:rowId xmlns:a16="http://schemas.microsoft.com/office/drawing/2014/main" val="2410171723"/>
                   </a:ext>
                 </a:extLst>
               </a:tr>
-              <a:tr h="370840">
+              <a:tr h="571500">
                 <a:tc>
                   <a:txBody>
                     <a:bodyPr/>
@@ -13166,7 +11718,7 @@
                           <a:latin typeface="Calibri" panose="020F0502020204030204" pitchFamily="34" charset="0"/>
                           <a:cs typeface="Calibri" panose="020F0502020204030204" pitchFamily="34" charset="0"/>
                         </a:rPr>
-                        <a:t>+1</a:t>
+                        <a:t>+1 (compared to PHP)</a:t>
                       </a:r>
                     </a:p>
                   </a:txBody>
@@ -13188,19 +11740,6 @@
                   </a:txBody>
                   <a:tcPr anchor="ctr"/>
                 </a:tc>
-                <a:tc>
-                  <a:txBody>
-                    <a:bodyPr/>
-                    <a:lstStyle/>
-                    <a:p>
-                      <a:endParaRPr lang="en-US" sz="1400" b="0" i="0" dirty="0">
-                        <a:latin typeface="Calibri" panose="020F0502020204030204" pitchFamily="34" charset="0"/>
-                        <a:cs typeface="Calibri" panose="020F0502020204030204" pitchFamily="34" charset="0"/>
-                      </a:endParaRPr>
-                    </a:p>
-                  </a:txBody>
-                  <a:tcPr anchor="ctr"/>
-                </a:tc>
                 <a:extLst>
                   <a:ext uri="{0D108BD9-81ED-4DB2-BD59-A6C34878D82A}">
                     <a16:rowId xmlns:a16="http://schemas.microsoft.com/office/drawing/2014/main" val="383069925"/>
@@ -13283,6 +11822,332 @@
               <a:t>9</a:t>
             </a:fld>
             <a:endParaRPr lang="en-US" altLang="zh-CN"/>
+          </a:p>
+        </p:txBody>
+      </p:sp>
+      <p:sp>
+        <p:nvSpPr>
+          <p:cNvPr id="7" name="Content Placeholder 2">
+            <a:extLst>
+              <a:ext uri="{FF2B5EF4-FFF2-40B4-BE49-F238E27FC236}">
+                <a16:creationId xmlns:a16="http://schemas.microsoft.com/office/drawing/2014/main" id="{FFF00A95-F3B5-764C-8387-A924C41C81E1}"/>
+              </a:ext>
+            </a:extLst>
+          </p:cNvPr>
+          <p:cNvSpPr txBox="1">
+            <a:spLocks/>
+          </p:cNvSpPr>
+          <p:nvPr/>
+        </p:nvSpPr>
+        <p:spPr bwMode="auto">
+          <a:xfrm>
+            <a:off x="457200" y="3392251"/>
+            <a:ext cx="8305800" cy="1099817"/>
+          </a:xfrm>
+          <a:prstGeom prst="rect">
+            <a:avLst/>
+          </a:prstGeom>
+          <a:noFill/>
+          <a:ln w="9525">
+            <a:noFill/>
+            <a:miter lim="800000"/>
+            <a:headEnd/>
+            <a:tailEnd/>
+          </a:ln>
+        </p:spPr>
+        <p:txBody>
+          <a:bodyPr vert="horz" wrap="square" lIns="91440" tIns="45720" rIns="91440" bIns="45720" numCol="1" anchor="t" anchorCtr="0" compatLnSpc="1">
+            <a:prstTxWarp prst="textNoShape">
+              <a:avLst/>
+            </a:prstTxWarp>
+          </a:bodyPr>
+          <a:lstStyle>
+            <a:lvl1pPr marL="342900" indent="-342900" algn="l" rtl="0" eaLnBrk="0" fontAlgn="base" hangingPunct="0">
+              <a:spcBef>
+                <a:spcPct val="20000"/>
+              </a:spcBef>
+              <a:spcAft>
+                <a:spcPct val="0"/>
+              </a:spcAft>
+              <a:buChar char="•"/>
+              <a:defRPr sz="3200">
+                <a:solidFill>
+                  <a:schemeClr val="tx1"/>
+                </a:solidFill>
+                <a:latin typeface="Calibri" charset="0"/>
+                <a:ea typeface="Calibri" charset="0"/>
+                <a:cs typeface="Calibri" charset="0"/>
+              </a:defRPr>
+            </a:lvl1pPr>
+            <a:lvl2pPr marL="742950" indent="-285750" algn="l" rtl="0" eaLnBrk="0" fontAlgn="base" hangingPunct="0">
+              <a:spcBef>
+                <a:spcPct val="20000"/>
+              </a:spcBef>
+              <a:spcAft>
+                <a:spcPct val="0"/>
+              </a:spcAft>
+              <a:buChar char="–"/>
+              <a:defRPr sz="2800">
+                <a:solidFill>
+                  <a:schemeClr val="tx1"/>
+                </a:solidFill>
+                <a:latin typeface="Calibri" charset="0"/>
+                <a:ea typeface="Calibri" charset="0"/>
+                <a:cs typeface="Calibri" charset="0"/>
+              </a:defRPr>
+            </a:lvl2pPr>
+            <a:lvl3pPr marL="1143000" indent="-228600" algn="l" rtl="0" eaLnBrk="0" fontAlgn="base" hangingPunct="0">
+              <a:spcBef>
+                <a:spcPct val="20000"/>
+              </a:spcBef>
+              <a:spcAft>
+                <a:spcPct val="0"/>
+              </a:spcAft>
+              <a:buChar char="•"/>
+              <a:defRPr sz="2400">
+                <a:solidFill>
+                  <a:schemeClr val="tx1"/>
+                </a:solidFill>
+                <a:latin typeface="Calibri" charset="0"/>
+                <a:ea typeface="Calibri" charset="0"/>
+                <a:cs typeface="Calibri" charset="0"/>
+              </a:defRPr>
+            </a:lvl3pPr>
+            <a:lvl4pPr marL="1600200" indent="-228600" algn="l" rtl="0" eaLnBrk="0" fontAlgn="base" hangingPunct="0">
+              <a:spcBef>
+                <a:spcPct val="20000"/>
+              </a:spcBef>
+              <a:spcAft>
+                <a:spcPct val="0"/>
+              </a:spcAft>
+              <a:buChar char="–"/>
+              <a:defRPr sz="2000">
+                <a:solidFill>
+                  <a:schemeClr val="tx1"/>
+                </a:solidFill>
+                <a:latin typeface="Calibri" charset="0"/>
+                <a:ea typeface="Calibri" charset="0"/>
+                <a:cs typeface="Calibri" charset="0"/>
+              </a:defRPr>
+            </a:lvl4pPr>
+            <a:lvl5pPr marL="2057400" indent="-228600" algn="l" rtl="0" eaLnBrk="0" fontAlgn="base" hangingPunct="0">
+              <a:spcBef>
+                <a:spcPct val="20000"/>
+              </a:spcBef>
+              <a:spcAft>
+                <a:spcPct val="0"/>
+              </a:spcAft>
+              <a:buChar char="»"/>
+              <a:defRPr sz="2000">
+                <a:solidFill>
+                  <a:schemeClr val="tx1"/>
+                </a:solidFill>
+                <a:latin typeface="Calibri" charset="0"/>
+                <a:ea typeface="Calibri" charset="0"/>
+                <a:cs typeface="Calibri" charset="0"/>
+              </a:defRPr>
+            </a:lvl5pPr>
+            <a:lvl6pPr marL="2514600" indent="-228600" algn="l" rtl="0" fontAlgn="base">
+              <a:spcBef>
+                <a:spcPct val="20000"/>
+              </a:spcBef>
+              <a:spcAft>
+                <a:spcPct val="0"/>
+              </a:spcAft>
+              <a:buChar char="»"/>
+              <a:defRPr sz="2000">
+                <a:solidFill>
+                  <a:schemeClr val="tx1"/>
+                </a:solidFill>
+                <a:latin typeface="+mn-lt"/>
+                <a:ea typeface="+mn-ea"/>
+              </a:defRPr>
+            </a:lvl6pPr>
+            <a:lvl7pPr marL="2971800" indent="-228600" algn="l" rtl="0" fontAlgn="base">
+              <a:spcBef>
+                <a:spcPct val="20000"/>
+              </a:spcBef>
+              <a:spcAft>
+                <a:spcPct val="0"/>
+              </a:spcAft>
+              <a:buChar char="»"/>
+              <a:defRPr sz="2000">
+                <a:solidFill>
+                  <a:schemeClr val="tx1"/>
+                </a:solidFill>
+                <a:latin typeface="+mn-lt"/>
+                <a:ea typeface="+mn-ea"/>
+              </a:defRPr>
+            </a:lvl7pPr>
+            <a:lvl8pPr marL="3429000" indent="-228600" algn="l" rtl="0" fontAlgn="base">
+              <a:spcBef>
+                <a:spcPct val="20000"/>
+              </a:spcBef>
+              <a:spcAft>
+                <a:spcPct val="0"/>
+              </a:spcAft>
+              <a:buChar char="»"/>
+              <a:defRPr sz="2000">
+                <a:solidFill>
+                  <a:schemeClr val="tx1"/>
+                </a:solidFill>
+                <a:latin typeface="+mn-lt"/>
+                <a:ea typeface="+mn-ea"/>
+              </a:defRPr>
+            </a:lvl8pPr>
+            <a:lvl9pPr marL="3886200" indent="-228600" algn="l" rtl="0" fontAlgn="base">
+              <a:spcBef>
+                <a:spcPct val="20000"/>
+              </a:spcBef>
+              <a:spcAft>
+                <a:spcPct val="0"/>
+              </a:spcAft>
+              <a:buChar char="»"/>
+              <a:defRPr sz="2000">
+                <a:solidFill>
+                  <a:schemeClr val="tx1"/>
+                </a:solidFill>
+                <a:latin typeface="+mn-lt"/>
+                <a:ea typeface="+mn-ea"/>
+              </a:defRPr>
+            </a:lvl9pPr>
+          </a:lstStyle>
+          <a:p>
+            <a:pPr>
+              <a:buFont typeface="+mj-lt"/>
+              <a:buAutoNum type="arabicPeriod"/>
+            </a:pPr>
+            <a:r>
+              <a:rPr lang="en-CA" sz="1100" dirty="0">
+                <a:latin typeface="Calibri" panose="020F0502020204030204" pitchFamily="34" charset="0"/>
+                <a:cs typeface="Calibri" panose="020F0502020204030204" pitchFamily="34" charset="0"/>
+              </a:rPr>
+              <a:t>This is true for any mechanism that we are defining using </a:t>
+            </a:r>
+            <a:r>
+              <a:rPr lang="en-CA" sz="1100" dirty="0" err="1">
+                <a:latin typeface="Calibri" panose="020F0502020204030204" pitchFamily="34" charset="0"/>
+                <a:cs typeface="Calibri" panose="020F0502020204030204" pitchFamily="34" charset="0"/>
+              </a:rPr>
+              <a:t>eSPL</a:t>
+            </a:r>
+            <a:endParaRPr lang="en-CA" sz="1100" dirty="0">
+              <a:latin typeface="Calibri" panose="020F0502020204030204" pitchFamily="34" charset="0"/>
+              <a:cs typeface="Calibri" panose="020F0502020204030204" pitchFamily="34" charset="0"/>
+            </a:endParaRPr>
+          </a:p>
+          <a:p>
+            <a:pPr lvl="1">
+              <a:spcBef>
+                <a:spcPts val="600"/>
+              </a:spcBef>
+              <a:buFont typeface="Arial" panose="020B0604020202020204" pitchFamily="34" charset="0"/>
+              <a:buChar char="•"/>
+            </a:pPr>
+            <a:r>
+              <a:rPr lang="en-CA" sz="1100" dirty="0">
+                <a:latin typeface="Calibri" panose="020F0502020204030204" pitchFamily="34" charset="0"/>
+                <a:cs typeface="Calibri" panose="020F0502020204030204" pitchFamily="34" charset="0"/>
+              </a:rPr>
+              <a:t>SFC: https://</a:t>
+            </a:r>
+            <a:r>
+              <a:rPr lang="en-CA" sz="1100" dirty="0" err="1">
+                <a:latin typeface="Calibri" panose="020F0502020204030204" pitchFamily="34" charset="0"/>
+                <a:cs typeface="Calibri" panose="020F0502020204030204" pitchFamily="34" charset="0"/>
+              </a:rPr>
+              <a:t>tools.ietf.org</a:t>
+            </a:r>
+            <a:r>
+              <a:rPr lang="en-CA" sz="1100" dirty="0">
+                <a:latin typeface="Calibri" panose="020F0502020204030204" pitchFamily="34" charset="0"/>
+                <a:cs typeface="Calibri" panose="020F0502020204030204" pitchFamily="34" charset="0"/>
+              </a:rPr>
+              <a:t>/html/rfc8595 </a:t>
+            </a:r>
+          </a:p>
+          <a:p>
+            <a:pPr lvl="1">
+              <a:spcBef>
+                <a:spcPts val="600"/>
+              </a:spcBef>
+              <a:buFont typeface="Arial" panose="020B0604020202020204" pitchFamily="34" charset="0"/>
+              <a:buChar char="•"/>
+            </a:pPr>
+            <a:r>
+              <a:rPr lang="en-CA" sz="1100" dirty="0">
+                <a:latin typeface="Calibri" panose="020F0502020204030204" pitchFamily="34" charset="0"/>
+                <a:cs typeface="Calibri" panose="020F0502020204030204" pitchFamily="34" charset="0"/>
+              </a:rPr>
+              <a:t>E2E: draft-</a:t>
+            </a:r>
+            <a:r>
+              <a:rPr lang="en-CA" sz="1100" dirty="0" err="1">
+                <a:latin typeface="Calibri" panose="020F0502020204030204" pitchFamily="34" charset="0"/>
+                <a:cs typeface="Calibri" panose="020F0502020204030204" pitchFamily="34" charset="0"/>
+              </a:rPr>
+              <a:t>cheng</a:t>
+            </a:r>
+            <a:r>
+              <a:rPr lang="en-CA" sz="1100" dirty="0">
+                <a:latin typeface="Calibri" panose="020F0502020204030204" pitchFamily="34" charset="0"/>
+                <a:cs typeface="Calibri" panose="020F0502020204030204" pitchFamily="34" charset="0"/>
+              </a:rPr>
+              <a:t>-</a:t>
+            </a:r>
+            <a:r>
+              <a:rPr lang="en-CA" sz="1100" dirty="0" err="1">
+                <a:latin typeface="Calibri" panose="020F0502020204030204" pitchFamily="34" charset="0"/>
+                <a:cs typeface="Calibri" panose="020F0502020204030204" pitchFamily="34" charset="0"/>
+              </a:rPr>
+              <a:t>mpls</a:t>
+            </a:r>
+            <a:r>
+              <a:rPr lang="en-CA" sz="1100" dirty="0">
+                <a:latin typeface="Calibri" panose="020F0502020204030204" pitchFamily="34" charset="0"/>
+                <a:cs typeface="Calibri" panose="020F0502020204030204" pitchFamily="34" charset="0"/>
+              </a:rPr>
+              <a:t>-</a:t>
+            </a:r>
+            <a:r>
+              <a:rPr lang="en-CA" sz="1100" dirty="0" err="1">
+                <a:latin typeface="Calibri" panose="020F0502020204030204" pitchFamily="34" charset="0"/>
+                <a:cs typeface="Calibri" panose="020F0502020204030204" pitchFamily="34" charset="0"/>
+              </a:rPr>
+              <a:t>inband</a:t>
+            </a:r>
+            <a:r>
+              <a:rPr lang="en-CA" sz="1100" dirty="0">
+                <a:latin typeface="Calibri" panose="020F0502020204030204" pitchFamily="34" charset="0"/>
+                <a:cs typeface="Calibri" panose="020F0502020204030204" pitchFamily="34" charset="0"/>
+              </a:rPr>
+              <a:t>-pm-encapsulation</a:t>
+            </a:r>
+          </a:p>
+          <a:p>
+            <a:pPr>
+              <a:spcBef>
+                <a:spcPts val="600"/>
+              </a:spcBef>
+              <a:buFont typeface="+mj-lt"/>
+              <a:buAutoNum type="arabicPeriod"/>
+            </a:pPr>
+            <a:r>
+              <a:rPr lang="en-CA" sz="1100" dirty="0">
+                <a:latin typeface="Calibri" panose="020F0502020204030204" pitchFamily="34" charset="0"/>
+                <a:cs typeface="Calibri" panose="020F0502020204030204" pitchFamily="34" charset="0"/>
+              </a:rPr>
+              <a:t>May require Entropy label for ECMP</a:t>
+            </a:r>
+          </a:p>
+          <a:p>
+            <a:pPr marL="457200" lvl="1" indent="0">
+              <a:buNone/>
+            </a:pPr>
+            <a:endParaRPr lang="en-CA" sz="1100" dirty="0">
+              <a:latin typeface="Calibri" panose="020F0502020204030204" pitchFamily="34" charset="0"/>
+              <a:cs typeface="Calibri" panose="020F0502020204030204" pitchFamily="34" charset="0"/>
+            </a:endParaRPr>
           </a:p>
         </p:txBody>
       </p:sp>

--- a/draft-gandhi-mpls-ioam-sr-05.pptx
+++ b/draft-gandhi-mpls-ioam-sr-05.pptx
@@ -6596,14 +6596,14 @@
             <p:ph idx="1"/>
             <p:extLst>
               <p:ext uri="{D42A27DB-BD31-4B8C-83A1-F6EECF244321}">
-                <p14:modId xmlns:p14="http://schemas.microsoft.com/office/powerpoint/2010/main" val="1021815804"/>
+                <p14:modId xmlns:p14="http://schemas.microsoft.com/office/powerpoint/2010/main" val="2625444555"/>
               </p:ext>
             </p:extLst>
           </p:nvPr>
         </p:nvGraphicFramePr>
         <p:xfrm>
-          <a:off x="457201" y="830556"/>
-          <a:ext cx="8229599" cy="2819400"/>
+          <a:off x="457200" y="759462"/>
+          <a:ext cx="8229599" cy="2574288"/>
         </p:xfrm>
         <a:graphic>
           <a:graphicData uri="http://schemas.openxmlformats.org/drawingml/2006/table">
@@ -6648,7 +6648,7 @@
                   </a:extLst>
                 </a:gridCol>
               </a:tblGrid>
-              <a:tr h="821654">
+              <a:tr h="750221">
                 <a:tc>
                   <a:txBody>
                     <a:bodyPr/>
@@ -6716,7 +6716,7 @@
                           <a:latin typeface="Calibri" panose="020F0502020204030204" pitchFamily="34" charset="0"/>
                           <a:cs typeface="Calibri" panose="020F0502020204030204" pitchFamily="34" charset="0"/>
                         </a:rPr>
-                        <a:t>(Notes 2, 3)</a:t>
+                        <a:t>(Notes 3)</a:t>
                       </a:r>
                     </a:p>
                   </a:txBody>
@@ -6744,7 +6744,7 @@
                   </a:ext>
                 </a:extLst>
               </a:tr>
-              <a:tr h="588046">
+              <a:tr h="536923">
                 <a:tc>
                   <a:txBody>
                     <a:bodyPr/>
@@ -6810,7 +6810,7 @@
                           <a:latin typeface="Calibri" panose="020F0502020204030204" pitchFamily="34" charset="0"/>
                           <a:cs typeface="Calibri" panose="020F0502020204030204" pitchFamily="34" charset="0"/>
                         </a:rPr>
-                        <a:t>Yes</a:t>
+                        <a:t>Yes (Note 2)</a:t>
                       </a:r>
                     </a:p>
                   </a:txBody>
@@ -6838,7 +6838,7 @@
                   </a:ext>
                 </a:extLst>
               </a:tr>
-              <a:tr h="588046">
+              <a:tr h="536923">
                 <a:tc>
                   <a:txBody>
                     <a:bodyPr/>
@@ -6897,7 +6897,7 @@
                           <a:latin typeface="Calibri" panose="020F0502020204030204" pitchFamily="34" charset="0"/>
                           <a:cs typeface="Calibri" panose="020F0502020204030204" pitchFamily="34" charset="0"/>
                         </a:rPr>
-                        <a:t>Yes</a:t>
+                        <a:t>Yes (Note 2)</a:t>
                       </a:r>
                     </a:p>
                   </a:txBody>
@@ -6925,7 +6925,7 @@
                   </a:ext>
                 </a:extLst>
               </a:tr>
-              <a:tr h="821654">
+              <a:tr h="750221">
                 <a:tc>
                   <a:txBody>
                     <a:bodyPr/>
@@ -7120,8 +7120,8 @@
         </p:nvSpPr>
         <p:spPr bwMode="auto">
           <a:xfrm>
-            <a:off x="381000" y="3786736"/>
-            <a:ext cx="8305800" cy="809353"/>
+            <a:off x="380999" y="3397665"/>
+            <a:ext cx="8305800" cy="1406298"/>
           </a:xfrm>
           <a:prstGeom prst="rect">
             <a:avLst/>
@@ -7312,7 +7312,7 @@
             </a:pPr>
             <a:r>
               <a:rPr lang="en-CA" sz="1200" kern="0" dirty="0"/>
-              <a:t>Entropy Label also requires transit nodes to scan label stack</a:t>
+              <a:t>Entropy Label similarly also requires transit nodes to scan label stack</a:t>
             </a:r>
           </a:p>
           <a:p>
@@ -7326,6 +7326,19 @@
                 <a:cs typeface="Calibri" panose="020F0502020204030204" pitchFamily="34" charset="0"/>
               </a:rPr>
               <a:t>With any indicator scheme, the node will have to look past EOS into the packet to find the IOAM data that needs to be processed</a:t>
+            </a:r>
+          </a:p>
+          <a:p>
+            <a:pPr>
+              <a:buFont typeface="+mj-lt"/>
+              <a:buAutoNum type="arabicPeriod"/>
+            </a:pPr>
+            <a:r>
+              <a:rPr lang="en-CA" sz="1200" dirty="0">
+                <a:latin typeface="Calibri" panose="020F0502020204030204" pitchFamily="34" charset="0"/>
+                <a:cs typeface="Calibri" panose="020F0502020204030204" pitchFamily="34" charset="0"/>
+              </a:rPr>
+              <a:t>IOAM data packets may require Entropy label for ECMP</a:t>
             </a:r>
           </a:p>
         </p:txBody>
@@ -12137,7 +12150,7 @@
                 <a:latin typeface="Calibri" panose="020F0502020204030204" pitchFamily="34" charset="0"/>
                 <a:cs typeface="Calibri" panose="020F0502020204030204" pitchFamily="34" charset="0"/>
               </a:rPr>
-              <a:t>May require Entropy label for ECMP</a:t>
+              <a:t>IOAM data packets may require Entropy label for ECMP</a:t>
             </a:r>
           </a:p>
           <a:p>

--- a/draft-gandhi-mpls-ioam-sr-05.pptx
+++ b/draft-gandhi-mpls-ioam-sr-05.pptx
@@ -6596,7 +6596,7 @@
             <p:ph idx="1"/>
             <p:extLst>
               <p:ext uri="{D42A27DB-BD31-4B8C-83A1-F6EECF244321}">
-                <p14:modId xmlns:p14="http://schemas.microsoft.com/office/powerpoint/2010/main" val="2625444555"/>
+                <p14:modId xmlns:p14="http://schemas.microsoft.com/office/powerpoint/2010/main" val="4101953417"/>
               </p:ext>
             </p:extLst>
           </p:nvPr>
@@ -6675,7 +6675,7 @@
                           <a:latin typeface="Calibri" panose="020F0502020204030204" pitchFamily="34" charset="0"/>
                           <a:cs typeface="Calibri" panose="020F0502020204030204" pitchFamily="34" charset="0"/>
                         </a:rPr>
-                        <a:t>Extra Label stack Size</a:t>
+                        <a:t>Extra Label stack Size (Note 4)</a:t>
                       </a:r>
                     </a:p>
                   </a:txBody>
@@ -7428,8 +7428,8 @@
         </p:nvSpPr>
         <p:spPr>
           <a:xfrm>
-            <a:off x="580696" y="817444"/>
-            <a:ext cx="7982607" cy="3695700"/>
+            <a:off x="457200" y="817444"/>
+            <a:ext cx="8229600" cy="3695700"/>
           </a:xfrm>
         </p:spPr>
         <p:txBody>
@@ -8904,8 +8904,8 @@
         </p:nvSpPr>
         <p:spPr>
           <a:xfrm>
-            <a:off x="1905000" y="0"/>
-            <a:ext cx="4385821" cy="857250"/>
+            <a:off x="2133600" y="0"/>
+            <a:ext cx="3657600" cy="857250"/>
           </a:xfrm>
         </p:spPr>
         <p:txBody>
@@ -8921,7 +8921,7 @@
                 <a:latin typeface="Calibri Light" panose="020F0302020204030204" pitchFamily="34" charset="0"/>
                 <a:cs typeface="Calibri Light" panose="020F0302020204030204" pitchFamily="34" charset="0"/>
               </a:rPr>
-              <a:t>4. IOAM Data After EOS</a:t>
+              <a:t>IOAM Data After EOS</a:t>
             </a:r>
           </a:p>
         </p:txBody>
@@ -9032,7 +9032,7 @@
                 <a:latin typeface="Calibri" panose="020F0502020204030204" pitchFamily="34" charset="0"/>
                 <a:cs typeface="Calibri" panose="020F0502020204030204" pitchFamily="34" charset="0"/>
               </a:rPr>
-              <a:t>In all these cases there is a CW immediately after EOS. </a:t>
+              <a:t>In all these cases there is a CW immediately after EOS </a:t>
             </a:r>
           </a:p>
           <a:p>
@@ -9046,7 +9046,7 @@
                 <a:latin typeface="Calibri" panose="020F0502020204030204" pitchFamily="34" charset="0"/>
                 <a:cs typeface="Calibri" panose="020F0502020204030204" pitchFamily="34" charset="0"/>
               </a:rPr>
-              <a:t>Then there is the universal fragmentation idea that is floating about that also wants to follow EOS.</a:t>
+              <a:t>Then there is the universal fragmentation idea that is floating about that also wants to follow EOS</a:t>
             </a:r>
           </a:p>
           <a:p>
@@ -9088,7 +9088,7 @@
                 <a:latin typeface="Calibri" panose="020F0502020204030204" pitchFamily="34" charset="0"/>
                 <a:cs typeface="Calibri" panose="020F0502020204030204" pitchFamily="34" charset="0"/>
               </a:rPr>
-              <a:t>This is a generic issue applicable to all G-ACH mechanisms used for data traffic. </a:t>
+              <a:t>This is a generic issue applicable to all G-ACH mechanisms used for data traffic</a:t>
             </a:r>
           </a:p>
         </p:txBody>
@@ -11494,7 +11494,7 @@
             <p:ph idx="1"/>
             <p:extLst>
               <p:ext uri="{D42A27DB-BD31-4B8C-83A1-F6EECF244321}">
-                <p14:modId xmlns:p14="http://schemas.microsoft.com/office/powerpoint/2010/main" val="3460943082"/>
+                <p14:modId xmlns:p14="http://schemas.microsoft.com/office/powerpoint/2010/main" val="4279228404"/>
               </p:ext>
             </p:extLst>
           </p:nvPr>
@@ -11559,7 +11559,7 @@
                           <a:latin typeface="Calibri" panose="020F0502020204030204" pitchFamily="34" charset="0"/>
                           <a:cs typeface="Calibri" panose="020F0502020204030204" pitchFamily="34" charset="0"/>
                         </a:rPr>
-                        <a:t>Extra Label stack Size</a:t>
+                        <a:t>Extra Label stack Size (Note 2)</a:t>
                       </a:r>
                     </a:p>
                   </a:txBody>

--- a/draft-gandhi-mpls-ioam-sr-05.pptx
+++ b/draft-gandhi-mpls-ioam-sr-05.pptx
@@ -5867,8 +5867,8 @@
         </p:nvSpPr>
         <p:spPr>
           <a:xfrm>
-            <a:off x="914400" y="41937"/>
-            <a:ext cx="8001000" cy="599270"/>
+            <a:off x="914400" y="102393"/>
+            <a:ext cx="7086600" cy="599270"/>
           </a:xfrm>
         </p:spPr>
         <p:txBody>
@@ -5996,7 +5996,7 @@
         </p:nvSpPr>
         <p:spPr>
           <a:xfrm>
-            <a:off x="1828800" y="932840"/>
+            <a:off x="1828800" y="1067452"/>
             <a:ext cx="5105400" cy="3277820"/>
           </a:xfrm>
           <a:prstGeom prst="rect">
@@ -6550,7 +6550,7 @@
         <p:spPr>
           <a:xfrm>
             <a:off x="457200" y="2160"/>
-            <a:ext cx="8229600" cy="857250"/>
+            <a:ext cx="8229600" cy="757302"/>
           </a:xfrm>
         </p:spPr>
         <p:txBody>
@@ -6596,14 +6596,14 @@
             <p:ph idx="1"/>
             <p:extLst>
               <p:ext uri="{D42A27DB-BD31-4B8C-83A1-F6EECF244321}">
-                <p14:modId xmlns:p14="http://schemas.microsoft.com/office/powerpoint/2010/main" val="4101953417"/>
+                <p14:modId xmlns:p14="http://schemas.microsoft.com/office/powerpoint/2010/main" val="4245696314"/>
               </p:ext>
             </p:extLst>
           </p:nvPr>
         </p:nvGraphicFramePr>
         <p:xfrm>
-          <a:off x="457200" y="759462"/>
-          <a:ext cx="8229599" cy="2574288"/>
+          <a:off x="228600" y="759462"/>
+          <a:ext cx="8458198" cy="2574288"/>
         </p:xfrm>
         <a:graphic>
           <a:graphicData uri="http://schemas.openxmlformats.org/drawingml/2006/table">
@@ -6612,35 +6612,42 @@
                 <a:tableStyleId>{46F890A9-2807-4EBB-B81D-B2AA78EC7F39}</a:tableStyleId>
               </a:tblPr>
               <a:tblGrid>
-                <a:gridCol w="1364529">
+                <a:gridCol w="381000">
+                  <a:extLst>
+                    <a:ext uri="{9D8B030D-6E8A-4147-A177-3AD203B41FA5}">
+                      <a16:colId xmlns:a16="http://schemas.microsoft.com/office/drawing/2014/main" val="1188824465"/>
+                    </a:ext>
+                  </a:extLst>
+                </a:gridCol>
+                <a:gridCol w="1828800">
                   <a:extLst>
                     <a:ext uri="{9D8B030D-6E8A-4147-A177-3AD203B41FA5}">
                       <a16:colId xmlns:a16="http://schemas.microsoft.com/office/drawing/2014/main" val="1209939836"/>
                     </a:ext>
                   </a:extLst>
                 </a:gridCol>
-                <a:gridCol w="1676400">
+                <a:gridCol w="1447800">
                   <a:extLst>
                     <a:ext uri="{9D8B030D-6E8A-4147-A177-3AD203B41FA5}">
                       <a16:colId xmlns:a16="http://schemas.microsoft.com/office/drawing/2014/main" val="4011394575"/>
                     </a:ext>
                   </a:extLst>
                 </a:gridCol>
-                <a:gridCol w="1524000">
+                <a:gridCol w="1569819">
                   <a:extLst>
                     <a:ext uri="{9D8B030D-6E8A-4147-A177-3AD203B41FA5}">
                       <a16:colId xmlns:a16="http://schemas.microsoft.com/office/drawing/2014/main" val="1670730324"/>
                     </a:ext>
                   </a:extLst>
                 </a:gridCol>
-                <a:gridCol w="1750810">
+                <a:gridCol w="1543517">
                   <a:extLst>
                     <a:ext uri="{9D8B030D-6E8A-4147-A177-3AD203B41FA5}">
                       <a16:colId xmlns:a16="http://schemas.microsoft.com/office/drawing/2014/main" val="975737954"/>
                     </a:ext>
                   </a:extLst>
                 </a:gridCol>
-                <a:gridCol w="1913860">
+                <a:gridCol w="1687262">
                   <a:extLst>
                     <a:ext uri="{9D8B030D-6E8A-4147-A177-3AD203B41FA5}">
                       <a16:colId xmlns:a16="http://schemas.microsoft.com/office/drawing/2014/main" val="907496208"/>
@@ -6649,6 +6656,20 @@
                 </a:gridCol>
               </a:tblGrid>
               <a:tr h="750221">
+                <a:tc>
+                  <a:txBody>
+                    <a:bodyPr/>
+                    <a:lstStyle/>
+                    <a:p>
+                      <a:pPr algn="ctr"/>
+                      <a:endParaRPr lang="en-US" sz="1400" b="0" i="0" dirty="0">
+                        <a:latin typeface="Calibri" panose="020F0502020204030204" pitchFamily="34" charset="0"/>
+                        <a:cs typeface="Calibri" panose="020F0502020204030204" pitchFamily="34" charset="0"/>
+                      </a:endParaRPr>
+                    </a:p>
+                  </a:txBody>
+                  <a:tcPr anchor="ctr"/>
+                </a:tc>
                 <a:tc>
                   <a:txBody>
                     <a:bodyPr/>
@@ -6675,7 +6696,7 @@
                           <a:latin typeface="Calibri" panose="020F0502020204030204" pitchFamily="34" charset="0"/>
                           <a:cs typeface="Calibri" panose="020F0502020204030204" pitchFamily="34" charset="0"/>
                         </a:rPr>
-                        <a:t>Extra Label stack Size (Note 4)</a:t>
+                        <a:t>Extra Label Stack Size (Note 4)</a:t>
                       </a:r>
                     </a:p>
                   </a:txBody>
@@ -6745,6 +6766,23 @@
                 </a:extLst>
               </a:tr>
               <a:tr h="536923">
+                <a:tc>
+                  <a:txBody>
+                    <a:bodyPr/>
+                    <a:lstStyle/>
+                    <a:p>
+                      <a:pPr algn="ctr"/>
+                      <a:r>
+                        <a:rPr lang="en-US" sz="1400" b="0" i="0" dirty="0">
+                          <a:latin typeface="Calibri" panose="020F0502020204030204" pitchFamily="34" charset="0"/>
+                          <a:cs typeface="Calibri" panose="020F0502020204030204" pitchFamily="34" charset="0"/>
+                        </a:rPr>
+                        <a:t>1</a:t>
+                      </a:r>
+                    </a:p>
+                  </a:txBody>
+                  <a:tcPr anchor="ctr"/>
+                </a:tc>
                 <a:tc>
                   <a:txBody>
                     <a:bodyPr/>
@@ -6844,6 +6882,23 @@
                     <a:bodyPr/>
                     <a:lstStyle/>
                     <a:p>
+                      <a:pPr algn="ctr"/>
+                      <a:r>
+                        <a:rPr lang="en-US" sz="1400" b="0" i="0" dirty="0">
+                          <a:latin typeface="Calibri" panose="020F0502020204030204" pitchFamily="34" charset="0"/>
+                          <a:cs typeface="Calibri" panose="020F0502020204030204" pitchFamily="34" charset="0"/>
+                        </a:rPr>
+                        <a:t>2</a:t>
+                      </a:r>
+                    </a:p>
+                  </a:txBody>
+                  <a:tcPr anchor="ctr"/>
+                </a:tc>
+                <a:tc>
+                  <a:txBody>
+                    <a:bodyPr/>
+                    <a:lstStyle/>
+                    <a:p>
                       <a:r>
                         <a:rPr lang="en-US" sz="1400" b="0" i="0" dirty="0">
                           <a:latin typeface="Calibri" panose="020F0502020204030204" pitchFamily="34" charset="0"/>
@@ -6931,6 +6986,23 @@
                     <a:bodyPr/>
                     <a:lstStyle/>
                     <a:p>
+                      <a:pPr algn="ctr"/>
+                      <a:r>
+                        <a:rPr lang="en-US" sz="1400" b="0" i="0" dirty="0">
+                          <a:latin typeface="Calibri" panose="020F0502020204030204" pitchFamily="34" charset="0"/>
+                          <a:cs typeface="Calibri" panose="020F0502020204030204" pitchFamily="34" charset="0"/>
+                        </a:rPr>
+                        <a:t>3</a:t>
+                      </a:r>
+                    </a:p>
+                  </a:txBody>
+                  <a:tcPr anchor="ctr"/>
+                </a:tc>
+                <a:tc>
+                  <a:txBody>
+                    <a:bodyPr/>
+                    <a:lstStyle/>
+                    <a:p>
                       <a:r>
                         <a:rPr lang="en-US" sz="1400" b="0" i="0" dirty="0">
                           <a:latin typeface="Calibri" panose="020F0502020204030204" pitchFamily="34" charset="0"/>
@@ -6971,7 +7043,7 @@
                           <a:latin typeface="Calibri" panose="020F0502020204030204" pitchFamily="34" charset="0"/>
                           <a:cs typeface="Calibri" panose="020F0502020204030204" pitchFamily="34" charset="0"/>
                         </a:rPr>
-                        <a:t>Top</a:t>
+                        <a:t>Incoming Packet with Top Label</a:t>
                       </a:r>
                     </a:p>
                   </a:txBody>
@@ -7004,7 +7076,7 @@
                       <a:r>
                         <a:rPr lang="en-US" sz="1400" b="0" i="0" dirty="0">
                           <a:solidFill>
-                            <a:srgbClr val="C00000"/>
+                            <a:srgbClr val="0070C0"/>
                           </a:solidFill>
                           <a:latin typeface="Calibri" panose="020F0502020204030204" pitchFamily="34" charset="0"/>
                           <a:cs typeface="Calibri" panose="020F0502020204030204" pitchFamily="34" charset="0"/>
@@ -7693,8 +7765,8 @@
         </p:nvSpPr>
         <p:spPr>
           <a:xfrm>
-            <a:off x="1066800" y="-17621"/>
-            <a:ext cx="8077200" cy="599270"/>
+            <a:off x="914400" y="0"/>
+            <a:ext cx="7315200" cy="599270"/>
           </a:xfrm>
         </p:spPr>
         <p:txBody>
@@ -10677,7 +10749,7 @@
             </a:pPr>
             <a:r>
               <a:rPr lang="en-CA" sz="1800" dirty="0"/>
-              <a:t>“IOAM Indicator Label” is used to indicate the presence of the IOAM data fields in the MPLS header after EOS.</a:t>
+              <a:t>“IOAM Indicator Label” is used to indicate the presence of the IOAM data fields after EOS in the MPLS header.</a:t>
             </a:r>
           </a:p>
           <a:p>
@@ -11228,7 +11300,7 @@
           <a:lstStyle/>
           <a:p>
             <a:r>
-              <a:rPr lang="en-US" sz="3600" dirty="0">
+              <a:rPr lang="en-US" sz="3200" dirty="0">
                 <a:solidFill>
                   <a:srgbClr val="0070C0"/>
                 </a:solidFill>
@@ -11494,7 +11566,7 @@
             <p:ph idx="1"/>
             <p:extLst>
               <p:ext uri="{D42A27DB-BD31-4B8C-83A1-F6EECF244321}">
-                <p14:modId xmlns:p14="http://schemas.microsoft.com/office/powerpoint/2010/main" val="4279228404"/>
+                <p14:modId xmlns:p14="http://schemas.microsoft.com/office/powerpoint/2010/main" val="2614119335"/>
               </p:ext>
             </p:extLst>
           </p:nvPr>
@@ -11510,21 +11582,28 @@
                 <a:tableStyleId>{46F890A9-2807-4EBB-B81D-B2AA78EC7F39}</a:tableStyleId>
               </a:tblPr>
               <a:tblGrid>
-                <a:gridCol w="2930144">
+                <a:gridCol w="457200">
+                  <a:extLst>
+                    <a:ext uri="{9D8B030D-6E8A-4147-A177-3AD203B41FA5}">
+                      <a16:colId xmlns:a16="http://schemas.microsoft.com/office/drawing/2014/main" val="2665960960"/>
+                    </a:ext>
+                  </a:extLst>
+                </a:gridCol>
+                <a:gridCol w="3810000">
                   <a:extLst>
                     <a:ext uri="{9D8B030D-6E8A-4147-A177-3AD203B41FA5}">
                       <a16:colId xmlns:a16="http://schemas.microsoft.com/office/drawing/2014/main" val="1209939836"/>
                     </a:ext>
                   </a:extLst>
                 </a:gridCol>
-                <a:gridCol w="2511552">
+                <a:gridCol w="1828800">
                   <a:extLst>
                     <a:ext uri="{9D8B030D-6E8A-4147-A177-3AD203B41FA5}">
                       <a16:colId xmlns:a16="http://schemas.microsoft.com/office/drawing/2014/main" val="4011394575"/>
                     </a:ext>
                   </a:extLst>
                 </a:gridCol>
-                <a:gridCol w="2406904">
+                <a:gridCol w="1752600">
                   <a:extLst>
                     <a:ext uri="{9D8B030D-6E8A-4147-A177-3AD203B41FA5}">
                       <a16:colId xmlns:a16="http://schemas.microsoft.com/office/drawing/2014/main" val="1670730324"/>
@@ -11533,6 +11612,20 @@
                 </a:gridCol>
               </a:tblGrid>
               <a:tr h="571500">
+                <a:tc>
+                  <a:txBody>
+                    <a:bodyPr/>
+                    <a:lstStyle/>
+                    <a:p>
+                      <a:pPr algn="ctr"/>
+                      <a:endParaRPr lang="en-US" sz="1400" b="0" i="0" dirty="0">
+                        <a:latin typeface="Calibri" panose="020F0502020204030204" pitchFamily="34" charset="0"/>
+                        <a:cs typeface="Calibri" panose="020F0502020204030204" pitchFamily="34" charset="0"/>
+                      </a:endParaRPr>
+                    </a:p>
+                  </a:txBody>
+                  <a:tcPr anchor="ctr"/>
+                </a:tc>
                 <a:tc>
                   <a:txBody>
                     <a:bodyPr/>
@@ -11559,7 +11652,7 @@
                           <a:latin typeface="Calibri" panose="020F0502020204030204" pitchFamily="34" charset="0"/>
                           <a:cs typeface="Calibri" panose="020F0502020204030204" pitchFamily="34" charset="0"/>
                         </a:rPr>
-                        <a:t>Extra Label stack Size (Note 2)</a:t>
+                        <a:t>Extra Label Stack Size (Note 2)</a:t>
                       </a:r>
                     </a:p>
                   </a:txBody>
@@ -11588,6 +11681,23 @@
                 </a:extLst>
               </a:tr>
               <a:tr h="571500">
+                <a:tc>
+                  <a:txBody>
+                    <a:bodyPr/>
+                    <a:lstStyle/>
+                    <a:p>
+                      <a:pPr algn="ctr"/>
+                      <a:r>
+                        <a:rPr lang="en-US" sz="1400" b="0" i="0" dirty="0">
+                          <a:latin typeface="Calibri" panose="020F0502020204030204" pitchFamily="34" charset="0"/>
+                          <a:cs typeface="Calibri" panose="020F0502020204030204" pitchFamily="34" charset="0"/>
+                        </a:rPr>
+                        <a:t>1</a:t>
+                      </a:r>
+                    </a:p>
+                  </a:txBody>
+                  <a:tcPr anchor="ctr"/>
+                </a:tc>
                 <a:tc>
                   <a:txBody>
                     <a:bodyPr/>
@@ -11655,6 +11765,23 @@
                     <a:bodyPr/>
                     <a:lstStyle/>
                     <a:p>
+                      <a:pPr algn="ctr"/>
+                      <a:r>
+                        <a:rPr lang="en-US" sz="1400" b="0" i="0" dirty="0">
+                          <a:latin typeface="Calibri" panose="020F0502020204030204" pitchFamily="34" charset="0"/>
+                          <a:cs typeface="Calibri" panose="020F0502020204030204" pitchFamily="34" charset="0"/>
+                        </a:rPr>
+                        <a:t>2</a:t>
+                      </a:r>
+                    </a:p>
+                  </a:txBody>
+                  <a:tcPr anchor="ctr"/>
+                </a:tc>
+                <a:tc>
+                  <a:txBody>
+                    <a:bodyPr/>
+                    <a:lstStyle/>
+                    <a:p>
                       <a:r>
                         <a:rPr lang="en-US" sz="1400" b="0" i="0" dirty="0">
                           <a:latin typeface="Calibri" panose="020F0502020204030204" pitchFamily="34" charset="0"/>
@@ -11705,6 +11832,23 @@
                 </a:extLst>
               </a:tr>
               <a:tr h="571500">
+                <a:tc>
+                  <a:txBody>
+                    <a:bodyPr/>
+                    <a:lstStyle/>
+                    <a:p>
+                      <a:pPr algn="ctr"/>
+                      <a:r>
+                        <a:rPr lang="en-US" sz="1400" b="0" i="0" dirty="0">
+                          <a:latin typeface="Calibri" panose="020F0502020204030204" pitchFamily="34" charset="0"/>
+                          <a:cs typeface="Calibri" panose="020F0502020204030204" pitchFamily="34" charset="0"/>
+                        </a:rPr>
+                        <a:t>3</a:t>
+                      </a:r>
+                    </a:p>
+                  </a:txBody>
+                  <a:tcPr anchor="ctr"/>
+                </a:tc>
                 <a:tc>
                   <a:txBody>
                     <a:bodyPr/>
@@ -11854,8 +11998,8 @@
         </p:nvSpPr>
         <p:spPr bwMode="auto">
           <a:xfrm>
-            <a:off x="457200" y="3392251"/>
-            <a:ext cx="8305800" cy="1099817"/>
+            <a:off x="533400" y="3392251"/>
+            <a:ext cx="7848600" cy="1099817"/>
           </a:xfrm>
           <a:prstGeom prst="rect">
             <a:avLst/>
@@ -12031,20 +12175,20 @@
               <a:buAutoNum type="arabicPeriod"/>
             </a:pPr>
             <a:r>
-              <a:rPr lang="en-CA" sz="1100" dirty="0">
+              <a:rPr lang="en-CA" sz="1200" dirty="0">
                 <a:latin typeface="Calibri" panose="020F0502020204030204" pitchFamily="34" charset="0"/>
                 <a:cs typeface="Calibri" panose="020F0502020204030204" pitchFamily="34" charset="0"/>
               </a:rPr>
               <a:t>This is true for any mechanism that we are defining using </a:t>
             </a:r>
             <a:r>
-              <a:rPr lang="en-CA" sz="1100" dirty="0" err="1">
+              <a:rPr lang="en-CA" sz="1200" dirty="0" err="1">
                 <a:latin typeface="Calibri" panose="020F0502020204030204" pitchFamily="34" charset="0"/>
                 <a:cs typeface="Calibri" panose="020F0502020204030204" pitchFamily="34" charset="0"/>
               </a:rPr>
               <a:t>eSPL</a:t>
             </a:r>
-            <a:endParaRPr lang="en-CA" sz="1100" dirty="0">
+            <a:endParaRPr lang="en-CA" sz="1200" dirty="0">
               <a:latin typeface="Calibri" panose="020F0502020204030204" pitchFamily="34" charset="0"/>
               <a:cs typeface="Calibri" panose="020F0502020204030204" pitchFamily="34" charset="0"/>
             </a:endParaRPr>
@@ -12058,21 +12202,21 @@
               <a:buChar char="•"/>
             </a:pPr>
             <a:r>
-              <a:rPr lang="en-CA" sz="1100" dirty="0">
+              <a:rPr lang="en-CA" sz="1200" dirty="0">
                 <a:latin typeface="Calibri" panose="020F0502020204030204" pitchFamily="34" charset="0"/>
                 <a:cs typeface="Calibri" panose="020F0502020204030204" pitchFamily="34" charset="0"/>
               </a:rPr>
               <a:t>SFC: https://</a:t>
             </a:r>
             <a:r>
-              <a:rPr lang="en-CA" sz="1100" dirty="0" err="1">
+              <a:rPr lang="en-CA" sz="1200" dirty="0" err="1">
                 <a:latin typeface="Calibri" panose="020F0502020204030204" pitchFamily="34" charset="0"/>
                 <a:cs typeface="Calibri" panose="020F0502020204030204" pitchFamily="34" charset="0"/>
               </a:rPr>
               <a:t>tools.ietf.org</a:t>
             </a:r>
             <a:r>
-              <a:rPr lang="en-CA" sz="1100" dirty="0">
+              <a:rPr lang="en-CA" sz="1200" dirty="0">
                 <a:latin typeface="Calibri" panose="020F0502020204030204" pitchFamily="34" charset="0"/>
                 <a:cs typeface="Calibri" panose="020F0502020204030204" pitchFamily="34" charset="0"/>
               </a:rPr>
@@ -12088,49 +12232,49 @@
               <a:buChar char="•"/>
             </a:pPr>
             <a:r>
-              <a:rPr lang="en-CA" sz="1100" dirty="0">
+              <a:rPr lang="en-CA" sz="1200" dirty="0">
                 <a:latin typeface="Calibri" panose="020F0502020204030204" pitchFamily="34" charset="0"/>
                 <a:cs typeface="Calibri" panose="020F0502020204030204" pitchFamily="34" charset="0"/>
               </a:rPr>
               <a:t>E2E: draft-</a:t>
             </a:r>
             <a:r>
-              <a:rPr lang="en-CA" sz="1100" dirty="0" err="1">
+              <a:rPr lang="en-CA" sz="1200" dirty="0" err="1">
                 <a:latin typeface="Calibri" panose="020F0502020204030204" pitchFamily="34" charset="0"/>
                 <a:cs typeface="Calibri" panose="020F0502020204030204" pitchFamily="34" charset="0"/>
               </a:rPr>
               <a:t>cheng</a:t>
             </a:r>
             <a:r>
-              <a:rPr lang="en-CA" sz="1100" dirty="0">
+              <a:rPr lang="en-CA" sz="1200" dirty="0">
                 <a:latin typeface="Calibri" panose="020F0502020204030204" pitchFamily="34" charset="0"/>
                 <a:cs typeface="Calibri" panose="020F0502020204030204" pitchFamily="34" charset="0"/>
               </a:rPr>
               <a:t>-</a:t>
             </a:r>
             <a:r>
-              <a:rPr lang="en-CA" sz="1100" dirty="0" err="1">
+              <a:rPr lang="en-CA" sz="1200" dirty="0" err="1">
                 <a:latin typeface="Calibri" panose="020F0502020204030204" pitchFamily="34" charset="0"/>
                 <a:cs typeface="Calibri" panose="020F0502020204030204" pitchFamily="34" charset="0"/>
               </a:rPr>
               <a:t>mpls</a:t>
             </a:r>
             <a:r>
-              <a:rPr lang="en-CA" sz="1100" dirty="0">
+              <a:rPr lang="en-CA" sz="1200" dirty="0">
                 <a:latin typeface="Calibri" panose="020F0502020204030204" pitchFamily="34" charset="0"/>
                 <a:cs typeface="Calibri" panose="020F0502020204030204" pitchFamily="34" charset="0"/>
               </a:rPr>
               <a:t>-</a:t>
             </a:r>
             <a:r>
-              <a:rPr lang="en-CA" sz="1100" dirty="0" err="1">
+              <a:rPr lang="en-CA" sz="1200" dirty="0" err="1">
                 <a:latin typeface="Calibri" panose="020F0502020204030204" pitchFamily="34" charset="0"/>
                 <a:cs typeface="Calibri" panose="020F0502020204030204" pitchFamily="34" charset="0"/>
               </a:rPr>
               <a:t>inband</a:t>
             </a:r>
             <a:r>
-              <a:rPr lang="en-CA" sz="1100" dirty="0">
+              <a:rPr lang="en-CA" sz="1200" dirty="0">
                 <a:latin typeface="Calibri" panose="020F0502020204030204" pitchFamily="34" charset="0"/>
                 <a:cs typeface="Calibri" panose="020F0502020204030204" pitchFamily="34" charset="0"/>
               </a:rPr>
@@ -12146,7 +12290,7 @@
               <a:buAutoNum type="arabicPeriod"/>
             </a:pPr>
             <a:r>
-              <a:rPr lang="en-CA" sz="1100" dirty="0">
+              <a:rPr lang="en-CA" sz="1200" dirty="0">
                 <a:latin typeface="Calibri" panose="020F0502020204030204" pitchFamily="34" charset="0"/>
                 <a:cs typeface="Calibri" panose="020F0502020204030204" pitchFamily="34" charset="0"/>
               </a:rPr>
@@ -12157,7 +12301,7 @@
             <a:pPr marL="457200" lvl="1" indent="0">
               <a:buNone/>
             </a:pPr>
-            <a:endParaRPr lang="en-CA" sz="1100" dirty="0">
+            <a:endParaRPr lang="en-CA" sz="1200" dirty="0">
               <a:latin typeface="Calibri" panose="020F0502020204030204" pitchFamily="34" charset="0"/>
               <a:cs typeface="Calibri" panose="020F0502020204030204" pitchFamily="34" charset="0"/>
             </a:endParaRPr>

--- a/draft-gandhi-mpls-ioam-sr-05.pptx
+++ b/draft-gandhi-mpls-ioam-sr-05.pptx
@@ -263,7 +263,7 @@
           <a:p>
             <a:fld id="{E8FA3DB5-7722-3F4F-947D-12B203669AD7}" type="datetimeFigureOut">
               <a:rPr lang="en-US" smtClean="0"/>
-              <a:t>1/15/21</a:t>
+              <a:t>1/17/21</a:t>
             </a:fld>
             <a:endParaRPr lang="en-US"/>
           </a:p>
@@ -5702,6 +5702,22 @@
             </a:pPr>
             <a:r>
               <a:rPr lang="en-CA" sz="1800" dirty="0"/>
+              <a:t>The transit (intermediate) nodes do not process IOAM data.</a:t>
+            </a:r>
+          </a:p>
+          <a:p>
+            <a:pPr marL="457200" lvl="0" indent="-457200">
+              <a:lnSpc>
+                <a:spcPts val="2440"/>
+              </a:lnSpc>
+              <a:spcBef>
+                <a:spcPts val="600"/>
+              </a:spcBef>
+              <a:buFont typeface="+mj-lt"/>
+              <a:buAutoNum type="arabicPeriod"/>
+            </a:pPr>
+            <a:r>
+              <a:rPr lang="en-CA" sz="1800" dirty="0"/>
               <a:t>The decapsulating node "punts the timestamped copy" of the data packet including IOAM data field(s). </a:t>
             </a:r>
           </a:p>
@@ -6418,7 +6434,7 @@
                   <a:srgbClr val="0070C0"/>
                 </a:solidFill>
               </a:rPr>
-              <a:t>The IOAM Enabled Label allocated by the transit nodes</a:t>
+              <a:t>The IOAM Enabled Label allocated by the transit and decapsulating nodes</a:t>
             </a:r>
           </a:p>
           <a:p>
@@ -7192,7 +7208,7 @@
         </p:nvSpPr>
         <p:spPr bwMode="auto">
           <a:xfrm>
-            <a:off x="380999" y="3397665"/>
+            <a:off x="304799" y="3397665"/>
             <a:ext cx="8305800" cy="1406298"/>
           </a:xfrm>
           <a:prstGeom prst="rect">
@@ -7384,7 +7400,7 @@
             </a:pPr>
             <a:r>
               <a:rPr lang="en-CA" sz="1200" kern="0" dirty="0"/>
-              <a:t>Entropy Label similarly also requires transit nodes to scan label stack</a:t>
+              <a:t>Entropy Label similarly also requires transit nodes to scan label stack, however, entropy label processing is optional whereas IOAM processing is not optional. </a:t>
             </a:r>
           </a:p>
           <a:p>
@@ -7392,6 +7408,10 @@
               <a:buFont typeface="+mj-lt"/>
               <a:buAutoNum type="arabicPeriod"/>
             </a:pPr>
+            <a:r>
+              <a:rPr lang="en-CA" sz="1200" kern="0" dirty="0"/>
+              <a:t>A transit node may have a limit on how many labels it can scan. </a:t>
+            </a:r>
             <a:r>
               <a:rPr lang="en-CA" sz="1200" dirty="0">
                 <a:latin typeface="Calibri" panose="020F0502020204030204" pitchFamily="34" charset="0"/>
@@ -7548,7 +7568,7 @@
                   <a:srgbClr val="0070C0"/>
                 </a:solidFill>
               </a:rPr>
-              <a:t>The transit node processes </a:t>
+              <a:t>The transit (intermediate) node processes </a:t>
             </a:r>
             <a:r>
               <a:rPr lang="en-CA" sz="1400" dirty="0" err="1">
@@ -7584,7 +7604,7 @@
                   <a:srgbClr val="0070C0"/>
                 </a:solidFill>
               </a:rPr>
-              <a:t>Transit node may punt the timestamped copy of the data packet for further IOAM processing</a:t>
+              <a:t>Transit node (intermediate) may punt the timestamped copy of the data packet for further IOAM processing</a:t>
             </a:r>
           </a:p>
           <a:p>
@@ -10763,7 +10783,7 @@
             </a:pPr>
             <a:r>
               <a:rPr lang="en-CA" sz="1800" dirty="0"/>
-              <a:t>Separate Indicator Labels are used for E2E and </a:t>
+              <a:t>Separate Indicator Labels are used for E2E IOAM (edge nodes) and </a:t>
             </a:r>
             <a:r>
               <a:rPr lang="en-CA" sz="1800" dirty="0" err="1"/>
@@ -10771,7 +10791,15 @@
             </a:r>
             <a:r>
               <a:rPr lang="en-CA" sz="1800" dirty="0"/>
-              <a:t> IOAM to optimize IOAM processing on transit nodes.</a:t>
+              <a:t> IOAM (</a:t>
+            </a:r>
+            <a:r>
+              <a:rPr lang="en-CA" sz="1800" i="1" dirty="0"/>
+              <a:t>that includes edge and transit nodes</a:t>
+            </a:r>
+            <a:r>
+              <a:rPr lang="en-CA" sz="1800" dirty="0"/>
+              <a:t>) to optimize IOAM processing on transit nodes.</a:t>
             </a:r>
           </a:p>
           <a:p>
@@ -11923,7 +11951,12 @@
             <p:ph type="ftr" sz="quarter" idx="11"/>
           </p:nvPr>
         </p:nvSpPr>
-        <p:spPr/>
+        <p:spPr>
+          <a:xfrm>
+            <a:off x="3124200" y="4775683"/>
+            <a:ext cx="2895600" cy="357188"/>
+          </a:xfrm>
+        </p:spPr>
         <p:txBody>
           <a:bodyPr/>
           <a:lstStyle/>
@@ -12175,20 +12208,20 @@
               <a:buAutoNum type="arabicPeriod"/>
             </a:pPr>
             <a:r>
-              <a:rPr lang="en-CA" sz="1200" dirty="0">
+              <a:rPr lang="en-CA" sz="1400" dirty="0">
                 <a:latin typeface="Calibri" panose="020F0502020204030204" pitchFamily="34" charset="0"/>
                 <a:cs typeface="Calibri" panose="020F0502020204030204" pitchFamily="34" charset="0"/>
               </a:rPr>
               <a:t>This is true for any mechanism that we are defining using </a:t>
             </a:r>
             <a:r>
-              <a:rPr lang="en-CA" sz="1200" dirty="0" err="1">
+              <a:rPr lang="en-CA" sz="1400" dirty="0" err="1">
                 <a:latin typeface="Calibri" panose="020F0502020204030204" pitchFamily="34" charset="0"/>
                 <a:cs typeface="Calibri" panose="020F0502020204030204" pitchFamily="34" charset="0"/>
               </a:rPr>
               <a:t>eSPL</a:t>
             </a:r>
-            <a:endParaRPr lang="en-CA" sz="1200" dirty="0">
+            <a:endParaRPr lang="en-CA" sz="1400" dirty="0">
               <a:latin typeface="Calibri" panose="020F0502020204030204" pitchFamily="34" charset="0"/>
               <a:cs typeface="Calibri" panose="020F0502020204030204" pitchFamily="34" charset="0"/>
             </a:endParaRPr>
@@ -12202,21 +12235,21 @@
               <a:buChar char="•"/>
             </a:pPr>
             <a:r>
-              <a:rPr lang="en-CA" sz="1200" dirty="0">
+              <a:rPr lang="en-CA" sz="1400" dirty="0">
                 <a:latin typeface="Calibri" panose="020F0502020204030204" pitchFamily="34" charset="0"/>
                 <a:cs typeface="Calibri" panose="020F0502020204030204" pitchFamily="34" charset="0"/>
               </a:rPr>
               <a:t>SFC: https://</a:t>
             </a:r>
             <a:r>
-              <a:rPr lang="en-CA" sz="1200" dirty="0" err="1">
+              <a:rPr lang="en-CA" sz="1400" dirty="0" err="1">
                 <a:latin typeface="Calibri" panose="020F0502020204030204" pitchFamily="34" charset="0"/>
                 <a:cs typeface="Calibri" panose="020F0502020204030204" pitchFamily="34" charset="0"/>
               </a:rPr>
               <a:t>tools.ietf.org</a:t>
             </a:r>
             <a:r>
-              <a:rPr lang="en-CA" sz="1200" dirty="0">
+              <a:rPr lang="en-CA" sz="1400" dirty="0">
                 <a:latin typeface="Calibri" panose="020F0502020204030204" pitchFamily="34" charset="0"/>
                 <a:cs typeface="Calibri" panose="020F0502020204030204" pitchFamily="34" charset="0"/>
               </a:rPr>
@@ -12232,49 +12265,49 @@
               <a:buChar char="•"/>
             </a:pPr>
             <a:r>
-              <a:rPr lang="en-CA" sz="1200" dirty="0">
+              <a:rPr lang="en-CA" sz="1400" dirty="0">
                 <a:latin typeface="Calibri" panose="020F0502020204030204" pitchFamily="34" charset="0"/>
                 <a:cs typeface="Calibri" panose="020F0502020204030204" pitchFamily="34" charset="0"/>
               </a:rPr>
               <a:t>E2E: draft-</a:t>
             </a:r>
             <a:r>
-              <a:rPr lang="en-CA" sz="1200" dirty="0" err="1">
+              <a:rPr lang="en-CA" sz="1400" dirty="0" err="1">
                 <a:latin typeface="Calibri" panose="020F0502020204030204" pitchFamily="34" charset="0"/>
                 <a:cs typeface="Calibri" panose="020F0502020204030204" pitchFamily="34" charset="0"/>
               </a:rPr>
               <a:t>cheng</a:t>
             </a:r>
             <a:r>
-              <a:rPr lang="en-CA" sz="1200" dirty="0">
+              <a:rPr lang="en-CA" sz="1400" dirty="0">
                 <a:latin typeface="Calibri" panose="020F0502020204030204" pitchFamily="34" charset="0"/>
                 <a:cs typeface="Calibri" panose="020F0502020204030204" pitchFamily="34" charset="0"/>
               </a:rPr>
               <a:t>-</a:t>
             </a:r>
             <a:r>
-              <a:rPr lang="en-CA" sz="1200" dirty="0" err="1">
+              <a:rPr lang="en-CA" sz="1400" dirty="0" err="1">
                 <a:latin typeface="Calibri" panose="020F0502020204030204" pitchFamily="34" charset="0"/>
                 <a:cs typeface="Calibri" panose="020F0502020204030204" pitchFamily="34" charset="0"/>
               </a:rPr>
               <a:t>mpls</a:t>
             </a:r>
             <a:r>
-              <a:rPr lang="en-CA" sz="1200" dirty="0">
+              <a:rPr lang="en-CA" sz="1400" dirty="0">
                 <a:latin typeface="Calibri" panose="020F0502020204030204" pitchFamily="34" charset="0"/>
                 <a:cs typeface="Calibri" panose="020F0502020204030204" pitchFamily="34" charset="0"/>
               </a:rPr>
               <a:t>-</a:t>
             </a:r>
             <a:r>
-              <a:rPr lang="en-CA" sz="1200" dirty="0" err="1">
+              <a:rPr lang="en-CA" sz="1400" dirty="0" err="1">
                 <a:latin typeface="Calibri" panose="020F0502020204030204" pitchFamily="34" charset="0"/>
                 <a:cs typeface="Calibri" panose="020F0502020204030204" pitchFamily="34" charset="0"/>
               </a:rPr>
               <a:t>inband</a:t>
             </a:r>
             <a:r>
-              <a:rPr lang="en-CA" sz="1200" dirty="0">
+              <a:rPr lang="en-CA" sz="1400" dirty="0">
                 <a:latin typeface="Calibri" panose="020F0502020204030204" pitchFamily="34" charset="0"/>
                 <a:cs typeface="Calibri" panose="020F0502020204030204" pitchFamily="34" charset="0"/>
               </a:rPr>
@@ -12290,7 +12323,7 @@
               <a:buAutoNum type="arabicPeriod"/>
             </a:pPr>
             <a:r>
-              <a:rPr lang="en-CA" sz="1200" dirty="0">
+              <a:rPr lang="en-CA" sz="1400" dirty="0">
                 <a:latin typeface="Calibri" panose="020F0502020204030204" pitchFamily="34" charset="0"/>
                 <a:cs typeface="Calibri" panose="020F0502020204030204" pitchFamily="34" charset="0"/>
               </a:rPr>
@@ -12301,7 +12334,7 @@
             <a:pPr marL="457200" lvl="1" indent="0">
               <a:buNone/>
             </a:pPr>
-            <a:endParaRPr lang="en-CA" sz="1200" dirty="0">
+            <a:endParaRPr lang="en-CA" sz="1400" dirty="0">
               <a:latin typeface="Calibri" panose="020F0502020204030204" pitchFamily="34" charset="0"/>
               <a:cs typeface="Calibri" panose="020F0502020204030204" pitchFamily="34" charset="0"/>
             </a:endParaRPr>

--- a/draft-gandhi-mpls-ioam-sr-05.pptx
+++ b/draft-gandhi-mpls-ioam-sr-05.pptx
@@ -5,32 +5,37 @@
     <p:sldMasterId id="2147483648" r:id="rId1"/>
   </p:sldMasterIdLst>
   <p:notesMasterIdLst>
-    <p:notesMasterId r:id="rId22"/>
+    <p:notesMasterId r:id="rId27"/>
   </p:notesMasterIdLst>
   <p:handoutMasterIdLst>
-    <p:handoutMasterId r:id="rId23"/>
+    <p:handoutMasterId r:id="rId28"/>
   </p:handoutMasterIdLst>
   <p:sldIdLst>
     <p:sldId id="256" r:id="rId2"/>
     <p:sldId id="299" r:id="rId3"/>
     <p:sldId id="315" r:id="rId4"/>
-    <p:sldId id="1671" r:id="rId5"/>
-    <p:sldId id="1658" r:id="rId6"/>
-    <p:sldId id="1659" r:id="rId7"/>
-    <p:sldId id="1672" r:id="rId8"/>
-    <p:sldId id="1662" r:id="rId9"/>
-    <p:sldId id="1681" r:id="rId10"/>
-    <p:sldId id="1664" r:id="rId11"/>
-    <p:sldId id="1673" r:id="rId12"/>
-    <p:sldId id="320" r:id="rId13"/>
-    <p:sldId id="1680" r:id="rId14"/>
-    <p:sldId id="1663" r:id="rId15"/>
-    <p:sldId id="1667" r:id="rId16"/>
-    <p:sldId id="1661" r:id="rId17"/>
-    <p:sldId id="303" r:id="rId18"/>
-    <p:sldId id="1670" r:id="rId19"/>
-    <p:sldId id="1676" r:id="rId20"/>
-    <p:sldId id="1669" r:id="rId21"/>
+    <p:sldId id="1684" r:id="rId5"/>
+    <p:sldId id="1671" r:id="rId6"/>
+    <p:sldId id="1658" r:id="rId7"/>
+    <p:sldId id="1659" r:id="rId8"/>
+    <p:sldId id="1682" r:id="rId9"/>
+    <p:sldId id="1672" r:id="rId10"/>
+    <p:sldId id="1662" r:id="rId11"/>
+    <p:sldId id="1681" r:id="rId12"/>
+    <p:sldId id="1664" r:id="rId13"/>
+    <p:sldId id="1683" r:id="rId14"/>
+    <p:sldId id="1673" r:id="rId15"/>
+    <p:sldId id="320" r:id="rId16"/>
+    <p:sldId id="1680" r:id="rId17"/>
+    <p:sldId id="1663" r:id="rId18"/>
+    <p:sldId id="1685" r:id="rId19"/>
+    <p:sldId id="1667" r:id="rId20"/>
+    <p:sldId id="1661" r:id="rId21"/>
+    <p:sldId id="303" r:id="rId22"/>
+    <p:sldId id="1670" r:id="rId23"/>
+    <p:sldId id="1676" r:id="rId24"/>
+    <p:sldId id="1686" r:id="rId25"/>
+    <p:sldId id="1669" r:id="rId26"/>
   </p:sldIdLst>
   <p:sldSz cx="9144000" cy="5143500" type="screen16x9"/>
   <p:notesSz cx="6858000" cy="9144000"/>
@@ -263,7 +268,7 @@
           <a:p>
             <a:fld id="{E8FA3DB5-7722-3F4F-947D-12B203669AD7}" type="datetimeFigureOut">
               <a:rPr lang="en-US" smtClean="0"/>
-              <a:t>1/17/21</a:t>
+              <a:t>1/18/21</a:t>
             </a:fld>
             <a:endParaRPr lang="en-US"/>
           </a:p>
@@ -924,7 +929,7 @@
           <a:bodyPr/>
           <a:lstStyle/>
           <a:p>
-            <a:endParaRPr lang="en-CA" dirty="0"/>
+            <a:endParaRPr lang="en-US" dirty="0"/>
           </a:p>
         </p:txBody>
       </p:sp>
@@ -951,7 +956,7 @@
               <a:pPr>
                 <a:defRPr/>
               </a:pPr>
-              <a:t>16</a:t>
+              <a:t>13</a:t>
             </a:fld>
             <a:endParaRPr lang="en-US" altLang="zh-CN"/>
           </a:p>
@@ -960,7 +965,7 @@
     </p:spTree>
     <p:extLst>
       <p:ext uri="{BB962C8B-B14F-4D97-AF65-F5344CB8AC3E}">
-        <p14:creationId xmlns:p14="http://schemas.microsoft.com/office/powerpoint/2010/main" val="2040580136"/>
+        <p14:creationId xmlns:p14="http://schemas.microsoft.com/office/powerpoint/2010/main" val="4156768369"/>
       </p:ext>
     </p:extLst>
   </p:cSld>
@@ -1014,7 +1019,7 @@
           <a:bodyPr/>
           <a:lstStyle/>
           <a:p>
-            <a:endParaRPr lang="en-US" dirty="0"/>
+            <a:endParaRPr lang="en-CA" dirty="0"/>
           </a:p>
         </p:txBody>
       </p:sp>
@@ -1041,7 +1046,7 @@
               <a:pPr>
                 <a:defRPr/>
               </a:pPr>
-              <a:t>17</a:t>
+              <a:t>15</a:t>
             </a:fld>
             <a:endParaRPr lang="en-US" altLang="zh-CN"/>
           </a:p>
@@ -1050,7 +1055,7 @@
     </p:spTree>
     <p:extLst>
       <p:ext uri="{BB962C8B-B14F-4D97-AF65-F5344CB8AC3E}">
-        <p14:creationId xmlns:p14="http://schemas.microsoft.com/office/powerpoint/2010/main" val="383772479"/>
+        <p14:creationId xmlns:p14="http://schemas.microsoft.com/office/powerpoint/2010/main" val="824973881"/>
       </p:ext>
     </p:extLst>
   </p:cSld>
@@ -1104,7 +1109,7 @@
           <a:bodyPr/>
           <a:lstStyle/>
           <a:p>
-            <a:endParaRPr lang="en-US" dirty="0"/>
+            <a:endParaRPr lang="en-CA" dirty="0"/>
           </a:p>
         </p:txBody>
       </p:sp>
@@ -1131,7 +1136,7 @@
               <a:pPr>
                 <a:defRPr/>
               </a:pPr>
-              <a:t>18</a:t>
+              <a:t>17</a:t>
             </a:fld>
             <a:endParaRPr lang="en-US" altLang="zh-CN"/>
           </a:p>
@@ -1140,7 +1145,7 @@
     </p:spTree>
     <p:extLst>
       <p:ext uri="{BB962C8B-B14F-4D97-AF65-F5344CB8AC3E}">
-        <p14:creationId xmlns:p14="http://schemas.microsoft.com/office/powerpoint/2010/main" val="1410196003"/>
+        <p14:creationId xmlns:p14="http://schemas.microsoft.com/office/powerpoint/2010/main" val="2033146577"/>
       </p:ext>
     </p:extLst>
   </p:cSld>
@@ -1194,7 +1199,7 @@
           <a:bodyPr/>
           <a:lstStyle/>
           <a:p>
-            <a:endParaRPr lang="en-US" dirty="0"/>
+            <a:endParaRPr lang="en-CA" dirty="0"/>
           </a:p>
         </p:txBody>
       </p:sp>
@@ -1222,6 +1227,276 @@
                 <a:defRPr/>
               </a:pPr>
               <a:t>20</a:t>
+            </a:fld>
+            <a:endParaRPr lang="en-US" altLang="zh-CN"/>
+          </a:p>
+        </p:txBody>
+      </p:sp>
+    </p:spTree>
+    <p:extLst>
+      <p:ext uri="{BB962C8B-B14F-4D97-AF65-F5344CB8AC3E}">
+        <p14:creationId xmlns:p14="http://schemas.microsoft.com/office/powerpoint/2010/main" val="2040580136"/>
+      </p:ext>
+    </p:extLst>
+  </p:cSld>
+  <p:clrMapOvr>
+    <a:masterClrMapping/>
+  </p:clrMapOvr>
+</p:notes>
+</file>
+
+<file path=ppt/notesSlides/notesSlide14.xml><?xml version="1.0" encoding="utf-8"?>
+<p:notes xmlns:a="http://schemas.openxmlformats.org/drawingml/2006/main" xmlns:r="http://schemas.openxmlformats.org/officeDocument/2006/relationships" xmlns:p="http://schemas.openxmlformats.org/presentationml/2006/main">
+  <p:cSld>
+    <p:spTree>
+      <p:nvGrpSpPr>
+        <p:cNvPr id="1" name=""/>
+        <p:cNvGrpSpPr/>
+        <p:nvPr/>
+      </p:nvGrpSpPr>
+      <p:grpSpPr>
+        <a:xfrm>
+          <a:off x="0" y="0"/>
+          <a:ext cx="0" cy="0"/>
+          <a:chOff x="0" y="0"/>
+          <a:chExt cx="0" cy="0"/>
+        </a:xfrm>
+      </p:grpSpPr>
+      <p:sp>
+        <p:nvSpPr>
+          <p:cNvPr id="2" name="Slide Image Placeholder 1"/>
+          <p:cNvSpPr>
+            <a:spLocks noGrp="1" noRot="1" noChangeAspect="1"/>
+          </p:cNvSpPr>
+          <p:nvPr>
+            <p:ph type="sldImg"/>
+          </p:nvPr>
+        </p:nvSpPr>
+        <p:spPr/>
+      </p:sp>
+      <p:sp>
+        <p:nvSpPr>
+          <p:cNvPr id="3" name="Notes Placeholder 2"/>
+          <p:cNvSpPr>
+            <a:spLocks noGrp="1"/>
+          </p:cNvSpPr>
+          <p:nvPr>
+            <p:ph type="body" idx="1"/>
+          </p:nvPr>
+        </p:nvSpPr>
+        <p:spPr/>
+        <p:txBody>
+          <a:bodyPr/>
+          <a:lstStyle/>
+          <a:p>
+            <a:endParaRPr lang="en-US" dirty="0"/>
+          </a:p>
+        </p:txBody>
+      </p:sp>
+      <p:sp>
+        <p:nvSpPr>
+          <p:cNvPr id="4" name="Slide Number Placeholder 3"/>
+          <p:cNvSpPr>
+            <a:spLocks noGrp="1"/>
+          </p:cNvSpPr>
+          <p:nvPr>
+            <p:ph type="sldNum" sz="quarter" idx="10"/>
+          </p:nvPr>
+        </p:nvSpPr>
+        <p:spPr/>
+        <p:txBody>
+          <a:bodyPr/>
+          <a:lstStyle/>
+          <a:p>
+            <a:pPr>
+              <a:defRPr/>
+            </a:pPr>
+            <a:fld id="{100938BD-FD70-4535-B0C2-13FC38CDF1BE}" type="slidenum">
+              <a:rPr lang="en-US" altLang="zh-CN" smtClean="0"/>
+              <a:pPr>
+                <a:defRPr/>
+              </a:pPr>
+              <a:t>21</a:t>
+            </a:fld>
+            <a:endParaRPr lang="en-US" altLang="zh-CN"/>
+          </a:p>
+        </p:txBody>
+      </p:sp>
+    </p:spTree>
+    <p:extLst>
+      <p:ext uri="{BB962C8B-B14F-4D97-AF65-F5344CB8AC3E}">
+        <p14:creationId xmlns:p14="http://schemas.microsoft.com/office/powerpoint/2010/main" val="383772479"/>
+      </p:ext>
+    </p:extLst>
+  </p:cSld>
+  <p:clrMapOvr>
+    <a:masterClrMapping/>
+  </p:clrMapOvr>
+</p:notes>
+</file>
+
+<file path=ppt/notesSlides/notesSlide15.xml><?xml version="1.0" encoding="utf-8"?>
+<p:notes xmlns:a="http://schemas.openxmlformats.org/drawingml/2006/main" xmlns:r="http://schemas.openxmlformats.org/officeDocument/2006/relationships" xmlns:p="http://schemas.openxmlformats.org/presentationml/2006/main">
+  <p:cSld>
+    <p:spTree>
+      <p:nvGrpSpPr>
+        <p:cNvPr id="1" name=""/>
+        <p:cNvGrpSpPr/>
+        <p:nvPr/>
+      </p:nvGrpSpPr>
+      <p:grpSpPr>
+        <a:xfrm>
+          <a:off x="0" y="0"/>
+          <a:ext cx="0" cy="0"/>
+          <a:chOff x="0" y="0"/>
+          <a:chExt cx="0" cy="0"/>
+        </a:xfrm>
+      </p:grpSpPr>
+      <p:sp>
+        <p:nvSpPr>
+          <p:cNvPr id="2" name="Slide Image Placeholder 1"/>
+          <p:cNvSpPr>
+            <a:spLocks noGrp="1" noRot="1" noChangeAspect="1"/>
+          </p:cNvSpPr>
+          <p:nvPr>
+            <p:ph type="sldImg"/>
+          </p:nvPr>
+        </p:nvSpPr>
+        <p:spPr/>
+      </p:sp>
+      <p:sp>
+        <p:nvSpPr>
+          <p:cNvPr id="3" name="Notes Placeholder 2"/>
+          <p:cNvSpPr>
+            <a:spLocks noGrp="1"/>
+          </p:cNvSpPr>
+          <p:nvPr>
+            <p:ph type="body" idx="1"/>
+          </p:nvPr>
+        </p:nvSpPr>
+        <p:spPr/>
+        <p:txBody>
+          <a:bodyPr/>
+          <a:lstStyle/>
+          <a:p>
+            <a:endParaRPr lang="en-US" dirty="0"/>
+          </a:p>
+        </p:txBody>
+      </p:sp>
+      <p:sp>
+        <p:nvSpPr>
+          <p:cNvPr id="4" name="Slide Number Placeholder 3"/>
+          <p:cNvSpPr>
+            <a:spLocks noGrp="1"/>
+          </p:cNvSpPr>
+          <p:nvPr>
+            <p:ph type="sldNum" sz="quarter" idx="10"/>
+          </p:nvPr>
+        </p:nvSpPr>
+        <p:spPr/>
+        <p:txBody>
+          <a:bodyPr/>
+          <a:lstStyle/>
+          <a:p>
+            <a:pPr>
+              <a:defRPr/>
+            </a:pPr>
+            <a:fld id="{100938BD-FD70-4535-B0C2-13FC38CDF1BE}" type="slidenum">
+              <a:rPr lang="en-US" altLang="zh-CN" smtClean="0"/>
+              <a:pPr>
+                <a:defRPr/>
+              </a:pPr>
+              <a:t>22</a:t>
+            </a:fld>
+            <a:endParaRPr lang="en-US" altLang="zh-CN"/>
+          </a:p>
+        </p:txBody>
+      </p:sp>
+    </p:spTree>
+    <p:extLst>
+      <p:ext uri="{BB962C8B-B14F-4D97-AF65-F5344CB8AC3E}">
+        <p14:creationId xmlns:p14="http://schemas.microsoft.com/office/powerpoint/2010/main" val="1410196003"/>
+      </p:ext>
+    </p:extLst>
+  </p:cSld>
+  <p:clrMapOvr>
+    <a:masterClrMapping/>
+  </p:clrMapOvr>
+</p:notes>
+</file>
+
+<file path=ppt/notesSlides/notesSlide16.xml><?xml version="1.0" encoding="utf-8"?>
+<p:notes xmlns:a="http://schemas.openxmlformats.org/drawingml/2006/main" xmlns:r="http://schemas.openxmlformats.org/officeDocument/2006/relationships" xmlns:p="http://schemas.openxmlformats.org/presentationml/2006/main">
+  <p:cSld>
+    <p:spTree>
+      <p:nvGrpSpPr>
+        <p:cNvPr id="1" name=""/>
+        <p:cNvGrpSpPr/>
+        <p:nvPr/>
+      </p:nvGrpSpPr>
+      <p:grpSpPr>
+        <a:xfrm>
+          <a:off x="0" y="0"/>
+          <a:ext cx="0" cy="0"/>
+          <a:chOff x="0" y="0"/>
+          <a:chExt cx="0" cy="0"/>
+        </a:xfrm>
+      </p:grpSpPr>
+      <p:sp>
+        <p:nvSpPr>
+          <p:cNvPr id="2" name="Slide Image Placeholder 1"/>
+          <p:cNvSpPr>
+            <a:spLocks noGrp="1" noRot="1" noChangeAspect="1"/>
+          </p:cNvSpPr>
+          <p:nvPr>
+            <p:ph type="sldImg"/>
+          </p:nvPr>
+        </p:nvSpPr>
+        <p:spPr/>
+      </p:sp>
+      <p:sp>
+        <p:nvSpPr>
+          <p:cNvPr id="3" name="Notes Placeholder 2"/>
+          <p:cNvSpPr>
+            <a:spLocks noGrp="1"/>
+          </p:cNvSpPr>
+          <p:nvPr>
+            <p:ph type="body" idx="1"/>
+          </p:nvPr>
+        </p:nvSpPr>
+        <p:spPr/>
+        <p:txBody>
+          <a:bodyPr/>
+          <a:lstStyle/>
+          <a:p>
+            <a:endParaRPr lang="en-US" dirty="0"/>
+          </a:p>
+        </p:txBody>
+      </p:sp>
+      <p:sp>
+        <p:nvSpPr>
+          <p:cNvPr id="4" name="Slide Number Placeholder 3"/>
+          <p:cNvSpPr>
+            <a:spLocks noGrp="1"/>
+          </p:cNvSpPr>
+          <p:nvPr>
+            <p:ph type="sldNum" sz="quarter" idx="10"/>
+          </p:nvPr>
+        </p:nvSpPr>
+        <p:spPr/>
+        <p:txBody>
+          <a:bodyPr/>
+          <a:lstStyle/>
+          <a:p>
+            <a:pPr>
+              <a:defRPr/>
+            </a:pPr>
+            <a:fld id="{100938BD-FD70-4535-B0C2-13FC38CDF1BE}" type="slidenum">
+              <a:rPr lang="en-US" altLang="zh-CN" smtClean="0"/>
+              <a:pPr>
+                <a:defRPr/>
+              </a:pPr>
+              <a:t>25</a:t>
             </a:fld>
             <a:endParaRPr lang="en-US" altLang="zh-CN"/>
           </a:p>
@@ -1464,7 +1739,7 @@
           <a:bodyPr/>
           <a:lstStyle/>
           <a:p>
-            <a:endParaRPr lang="en-CA" dirty="0"/>
+            <a:endParaRPr lang="en-US" dirty="0"/>
           </a:p>
         </p:txBody>
       </p:sp>
@@ -1491,7 +1766,7 @@
               <a:pPr>
                 <a:defRPr/>
               </a:pPr>
-              <a:t>5</a:t>
+              <a:t>4</a:t>
             </a:fld>
             <a:endParaRPr lang="en-US" altLang="zh-CN"/>
           </a:p>
@@ -1500,7 +1775,7 @@
     </p:spTree>
     <p:extLst>
       <p:ext uri="{BB962C8B-B14F-4D97-AF65-F5344CB8AC3E}">
-        <p14:creationId xmlns:p14="http://schemas.microsoft.com/office/powerpoint/2010/main" val="2424874781"/>
+        <p14:creationId xmlns:p14="http://schemas.microsoft.com/office/powerpoint/2010/main" val="137873208"/>
       </p:ext>
     </p:extLst>
   </p:cSld>
@@ -1590,7 +1865,7 @@
     </p:spTree>
     <p:extLst>
       <p:ext uri="{BB962C8B-B14F-4D97-AF65-F5344CB8AC3E}">
-        <p14:creationId xmlns:p14="http://schemas.microsoft.com/office/powerpoint/2010/main" val="3130003624"/>
+        <p14:creationId xmlns:p14="http://schemas.microsoft.com/office/powerpoint/2010/main" val="2424874781"/>
       </p:ext>
     </p:extLst>
   </p:cSld>
@@ -1671,7 +1946,7 @@
               <a:pPr>
                 <a:defRPr/>
               </a:pPr>
-              <a:t>8</a:t>
+              <a:t>7</a:t>
             </a:fld>
             <a:endParaRPr lang="en-US" altLang="zh-CN"/>
           </a:p>
@@ -1680,7 +1955,7 @@
     </p:spTree>
     <p:extLst>
       <p:ext uri="{BB962C8B-B14F-4D97-AF65-F5344CB8AC3E}">
-        <p14:creationId xmlns:p14="http://schemas.microsoft.com/office/powerpoint/2010/main" val="531790214"/>
+        <p14:creationId xmlns:p14="http://schemas.microsoft.com/office/powerpoint/2010/main" val="3130003624"/>
       </p:ext>
     </p:extLst>
   </p:cSld>
@@ -1734,7 +2009,7 @@
           <a:bodyPr/>
           <a:lstStyle/>
           <a:p>
-            <a:endParaRPr lang="en-CA" dirty="0"/>
+            <a:endParaRPr lang="en-US" dirty="0"/>
           </a:p>
         </p:txBody>
       </p:sp>
@@ -1761,7 +2036,7 @@
               <a:pPr>
                 <a:defRPr/>
               </a:pPr>
-              <a:t>10</a:t>
+              <a:t>8</a:t>
             </a:fld>
             <a:endParaRPr lang="en-US" altLang="zh-CN"/>
           </a:p>
@@ -1770,7 +2045,7 @@
     </p:spTree>
     <p:extLst>
       <p:ext uri="{BB962C8B-B14F-4D97-AF65-F5344CB8AC3E}">
-        <p14:creationId xmlns:p14="http://schemas.microsoft.com/office/powerpoint/2010/main" val="3801607292"/>
+        <p14:creationId xmlns:p14="http://schemas.microsoft.com/office/powerpoint/2010/main" val="1526629650"/>
       </p:ext>
     </p:extLst>
   </p:cSld>
@@ -1851,7 +2126,7 @@
               <a:pPr>
                 <a:defRPr/>
               </a:pPr>
-              <a:t>12</a:t>
+              <a:t>10</a:t>
             </a:fld>
             <a:endParaRPr lang="en-US" altLang="zh-CN"/>
           </a:p>
@@ -1860,7 +2135,7 @@
     </p:spTree>
     <p:extLst>
       <p:ext uri="{BB962C8B-B14F-4D97-AF65-F5344CB8AC3E}">
-        <p14:creationId xmlns:p14="http://schemas.microsoft.com/office/powerpoint/2010/main" val="824973881"/>
+        <p14:creationId xmlns:p14="http://schemas.microsoft.com/office/powerpoint/2010/main" val="531790214"/>
       </p:ext>
     </p:extLst>
   </p:cSld>
@@ -1941,7 +2216,7 @@
               <a:pPr>
                 <a:defRPr/>
               </a:pPr>
-              <a:t>14</a:t>
+              <a:t>12</a:t>
             </a:fld>
             <a:endParaRPr lang="en-US" altLang="zh-CN"/>
           </a:p>
@@ -1950,7 +2225,7 @@
     </p:spTree>
     <p:extLst>
       <p:ext uri="{BB962C8B-B14F-4D97-AF65-F5344CB8AC3E}">
-        <p14:creationId xmlns:p14="http://schemas.microsoft.com/office/powerpoint/2010/main" val="2033146577"/>
+        <p14:creationId xmlns:p14="http://schemas.microsoft.com/office/powerpoint/2010/main" val="3801607292"/>
       </p:ext>
     </p:extLst>
   </p:cSld>
@@ -5633,8 +5908,8 @@
         </p:nvSpPr>
         <p:spPr>
           <a:xfrm>
-            <a:off x="457200" y="-21771"/>
-            <a:ext cx="8229600" cy="857250"/>
+            <a:off x="609600" y="5113"/>
+            <a:ext cx="7696200" cy="857250"/>
           </a:xfrm>
         </p:spPr>
         <p:txBody>
@@ -5649,7 +5924,7 @@
                 <a:latin typeface="Calibri Light" panose="020F0302020204030204" pitchFamily="34" charset="0"/>
                 <a:cs typeface="Calibri Light" panose="020F0302020204030204" pitchFamily="34" charset="0"/>
               </a:rPr>
-              <a:t>E2E IOAM Procedure</a:t>
+              <a:t>E2E Indicator Label Allocation Methods</a:t>
             </a:r>
           </a:p>
         </p:txBody>
@@ -5666,8 +5941,8 @@
         </p:nvSpPr>
         <p:spPr>
           <a:xfrm>
-            <a:off x="533399" y="857250"/>
-            <a:ext cx="7982607" cy="3543300"/>
+            <a:off x="609600" y="1007445"/>
+            <a:ext cx="7924800" cy="3429000"/>
           </a:xfrm>
         </p:spPr>
         <p:txBody>
@@ -5675,98 +5950,86 @@
           <a:lstStyle/>
           <a:p>
             <a:pPr marL="457200" lvl="0" indent="-457200">
-              <a:lnSpc>
-                <a:spcPts val="2440"/>
-              </a:lnSpc>
-              <a:spcBef>
-                <a:spcPts val="600"/>
-              </a:spcBef>
               <a:buFont typeface="+mj-lt"/>
               <a:buAutoNum type="arabicPeriod"/>
             </a:pPr>
             <a:r>
               <a:rPr lang="en-CA" sz="1800" dirty="0"/>
-              <a:t>The encapsulating node inserts an E2E Indicator Label and one or more IOAM data field(s) in the MPLS header.</a:t>
+              <a:t>Extension Label (15) and Label assigned by IANA with value </a:t>
+            </a:r>
+            <a:r>
+              <a:rPr lang="en-CA" sz="1800" dirty="0">
+                <a:solidFill>
+                  <a:srgbClr val="0070C0"/>
+                </a:solidFill>
+              </a:rPr>
+              <a:t>TBA1</a:t>
+            </a:r>
+          </a:p>
+          <a:p>
+            <a:pPr lvl="1" indent="-342900">
+              <a:buFont typeface="Wingdings" pitchFamily="2" charset="2"/>
+              <a:buChar char="§"/>
+            </a:pPr>
+            <a:r>
+              <a:rPr lang="en-CA" sz="1800" dirty="0"/>
+              <a:t>From Extended Special Purpose Labels (</a:t>
+            </a:r>
+            <a:r>
+              <a:rPr lang="en-CA" sz="1800" dirty="0" err="1"/>
+              <a:t>eSPL</a:t>
+            </a:r>
+            <a:r>
+              <a:rPr lang="en-CA" sz="1800" dirty="0"/>
+              <a:t>) range</a:t>
             </a:r>
           </a:p>
           <a:p>
             <a:pPr marL="457200" lvl="0" indent="-457200">
-              <a:lnSpc>
-                <a:spcPts val="2440"/>
-              </a:lnSpc>
-              <a:spcBef>
-                <a:spcPts val="600"/>
-              </a:spcBef>
               <a:buFont typeface="+mj-lt"/>
               <a:buAutoNum type="arabicPeriod"/>
             </a:pPr>
             <a:r>
               <a:rPr lang="en-CA" sz="1800" dirty="0"/>
-              <a:t>The transit (intermediate) nodes do not process IOAM data.</a:t>
+              <a:t>Global Label allocated by a controller</a:t>
+            </a:r>
+          </a:p>
+          <a:p>
+            <a:pPr lvl="1" indent="-342900">
+              <a:buFont typeface="Wingdings" pitchFamily="2" charset="2"/>
+              <a:buChar char="§"/>
+            </a:pPr>
+            <a:r>
+              <a:rPr lang="en-CA" sz="1800" dirty="0"/>
+              <a:t>The controller provisions the label on encapsulating and decapsulating nodes</a:t>
             </a:r>
           </a:p>
           <a:p>
             <a:pPr marL="457200" lvl="0" indent="-457200">
-              <a:lnSpc>
-                <a:spcPts val="2440"/>
-              </a:lnSpc>
-              <a:spcBef>
-                <a:spcPts val="600"/>
-              </a:spcBef>
               <a:buFont typeface="+mj-lt"/>
               <a:buAutoNum type="arabicPeriod"/>
             </a:pPr>
             <a:r>
-              <a:rPr lang="en-CA" sz="1800" dirty="0"/>
-              <a:t>The decapsulating node "punts the timestamped copy" of the data packet including IOAM data field(s). </a:t>
-            </a:r>
-          </a:p>
-          <a:p>
-            <a:pPr marL="857250" lvl="1" indent="-457200">
-              <a:lnSpc>
-                <a:spcPts val="2440"/>
-              </a:lnSpc>
-              <a:spcBef>
-                <a:spcPts val="600"/>
-              </a:spcBef>
-              <a:buFont typeface="+mj-lt"/>
-              <a:buAutoNum type="alphaLcPeriod"/>
+              <a:rPr lang="en-CA" sz="1800" dirty="0">
+                <a:solidFill>
+                  <a:srgbClr val="0070C0"/>
+                </a:solidFill>
+              </a:rPr>
+              <a:t>The IOAM Enabled Label allocated by the decapsulating node</a:t>
+            </a:r>
+          </a:p>
+          <a:p>
+            <a:pPr lvl="1" indent="-342900">
+              <a:buFont typeface="Wingdings" pitchFamily="2" charset="2"/>
+              <a:buChar char="§"/>
             </a:pPr>
             <a:r>
-              <a:rPr lang="en-CA" sz="1800" dirty="0"/>
-              <a:t>The decapsulating node for E2E IOAM also pops the IOAM Indicator Label and the IOAM data field(s) from the MPLS header.</a:t>
-            </a:r>
-          </a:p>
-          <a:p>
-            <a:pPr marL="857250" lvl="1" indent="-457200">
-              <a:lnSpc>
-                <a:spcPts val="2440"/>
-              </a:lnSpc>
-              <a:spcBef>
-                <a:spcPts val="600"/>
-              </a:spcBef>
-              <a:buFont typeface="+mj-lt"/>
-              <a:buAutoNum type="alphaLcPeriod"/>
-            </a:pPr>
-            <a:r>
-              <a:rPr lang="en-CA" sz="1800" dirty="0"/>
-              <a:t>The decapsulating node processes IOAM data field(s).</a:t>
-            </a:r>
-          </a:p>
-          <a:p>
-            <a:pPr marL="857250" lvl="1" indent="-457200">
-              <a:lnSpc>
-                <a:spcPts val="2440"/>
-              </a:lnSpc>
-              <a:spcBef>
-                <a:spcPts val="600"/>
-              </a:spcBef>
-              <a:buFont typeface="+mj-lt"/>
-              <a:buAutoNum type="alphaLcPeriod"/>
-            </a:pPr>
-            <a:r>
-              <a:rPr lang="en-CA" sz="1800" dirty="0"/>
-              <a:t>The decapsulating node forwards the data packet downstream.</a:t>
+              <a:rPr lang="en-CA" sz="1800" dirty="0">
+                <a:solidFill>
+                  <a:srgbClr val="0070C0"/>
+                </a:solidFill>
+              </a:rPr>
+              <a:t>Signaling/advertisement extensions needed to convey the label to all encapsulating nodes (out of scope)</a:t>
             </a:r>
           </a:p>
         </p:txBody>
@@ -5838,7 +6101,7 @@
     </p:spTree>
     <p:extLst>
       <p:ext uri="{BB962C8B-B14F-4D97-AF65-F5344CB8AC3E}">
-        <p14:creationId xmlns:p14="http://schemas.microsoft.com/office/powerpoint/2010/main" val="754385385"/>
+        <p14:creationId xmlns:p14="http://schemas.microsoft.com/office/powerpoint/2010/main" val="16194378"/>
       </p:ext>
     </p:extLst>
   </p:cSld>
@@ -5870,7 +6133,7 @@
           <p:cNvPr id="2" name="Title 1">
             <a:extLst>
               <a:ext uri="{FF2B5EF4-FFF2-40B4-BE49-F238E27FC236}">
-                <a16:creationId xmlns:a16="http://schemas.microsoft.com/office/drawing/2014/main" id="{590D0125-5A9E-9D48-9391-85FBD0E608A2}"/>
+                <a16:creationId xmlns:a16="http://schemas.microsoft.com/office/drawing/2014/main" id="{A7AC8BF5-BF7D-EE4A-9EB2-E0C69A39C38C}"/>
               </a:ext>
             </a:extLst>
           </p:cNvPr>
@@ -5883,51 +6146,390 @@
         </p:nvSpPr>
         <p:spPr>
           <a:xfrm>
-            <a:off x="914400" y="102393"/>
-            <a:ext cx="7086600" cy="599270"/>
+            <a:off x="914400" y="10629"/>
+            <a:ext cx="6705600" cy="857250"/>
           </a:xfrm>
         </p:spPr>
         <p:txBody>
           <a:bodyPr/>
           <a:lstStyle/>
           <a:p>
-            <a:pPr algn="l"/>
-            <a:r>
-              <a:rPr lang="en-CA" sz="3200" dirty="0" err="1">
+            <a:r>
+              <a:rPr lang="en-US" sz="3200" dirty="0">
                 <a:solidFill>
                   <a:srgbClr val="0070C0"/>
                 </a:solidFill>
                 <a:latin typeface="Calibri Light" panose="020F0302020204030204" pitchFamily="34" charset="0"/>
                 <a:cs typeface="Calibri Light" panose="020F0302020204030204" pitchFamily="34" charset="0"/>
               </a:rPr>
-              <a:t>HbH</a:t>
-            </a:r>
-            <a:r>
-              <a:rPr lang="en-CA" sz="3200" dirty="0">
-                <a:solidFill>
-                  <a:srgbClr val="0070C0"/>
-                </a:solidFill>
-                <a:latin typeface="Calibri Light" panose="020F0302020204030204" pitchFamily="34" charset="0"/>
-                <a:cs typeface="Calibri Light" panose="020F0302020204030204" pitchFamily="34" charset="0"/>
-              </a:rPr>
-              <a:t> IOAM Encapsulation in MPLS Header</a:t>
-            </a:r>
-            <a:endParaRPr lang="en-US" sz="3200" dirty="0">
-              <a:solidFill>
-                <a:srgbClr val="0070C0"/>
-              </a:solidFill>
-              <a:latin typeface="Calibri Light" panose="020F0302020204030204" pitchFamily="34" charset="0"/>
-              <a:cs typeface="Calibri Light" panose="020F0302020204030204" pitchFamily="34" charset="0"/>
-            </a:endParaRPr>
-          </a:p>
-        </p:txBody>
-      </p:sp>
+              <a:t>E2E Indicator Label Allocation Methods</a:t>
+            </a:r>
+          </a:p>
+        </p:txBody>
+      </p:sp>
+      <p:graphicFrame>
+        <p:nvGraphicFramePr>
+          <p:cNvPr id="6" name="Table 6">
+            <a:extLst>
+              <a:ext uri="{FF2B5EF4-FFF2-40B4-BE49-F238E27FC236}">
+                <a16:creationId xmlns:a16="http://schemas.microsoft.com/office/drawing/2014/main" id="{5E5C625D-83BF-2B41-93D2-28785FC4F582}"/>
+              </a:ext>
+            </a:extLst>
+          </p:cNvPr>
+          <p:cNvGraphicFramePr>
+            <a:graphicFrameLocks noGrp="1"/>
+          </p:cNvGraphicFramePr>
+          <p:nvPr>
+            <p:ph idx="1"/>
+            <p:extLst>
+              <p:ext uri="{D42A27DB-BD31-4B8C-83A1-F6EECF244321}">
+                <p14:modId xmlns:p14="http://schemas.microsoft.com/office/powerpoint/2010/main" val="2614119335"/>
+              </p:ext>
+            </p:extLst>
+          </p:nvPr>
+        </p:nvGraphicFramePr>
+        <p:xfrm>
+          <a:off x="533400" y="914400"/>
+          <a:ext cx="7848600" cy="2286000"/>
+        </p:xfrm>
+        <a:graphic>
+          <a:graphicData uri="http://schemas.openxmlformats.org/drawingml/2006/table">
+            <a:tbl>
+              <a:tblPr firstRow="1" bandRow="1">
+                <a:tableStyleId>{46F890A9-2807-4EBB-B81D-B2AA78EC7F39}</a:tableStyleId>
+              </a:tblPr>
+              <a:tblGrid>
+                <a:gridCol w="457200">
+                  <a:extLst>
+                    <a:ext uri="{9D8B030D-6E8A-4147-A177-3AD203B41FA5}">
+                      <a16:colId xmlns:a16="http://schemas.microsoft.com/office/drawing/2014/main" val="2665960960"/>
+                    </a:ext>
+                  </a:extLst>
+                </a:gridCol>
+                <a:gridCol w="3810000">
+                  <a:extLst>
+                    <a:ext uri="{9D8B030D-6E8A-4147-A177-3AD203B41FA5}">
+                      <a16:colId xmlns:a16="http://schemas.microsoft.com/office/drawing/2014/main" val="1209939836"/>
+                    </a:ext>
+                  </a:extLst>
+                </a:gridCol>
+                <a:gridCol w="1828800">
+                  <a:extLst>
+                    <a:ext uri="{9D8B030D-6E8A-4147-A177-3AD203B41FA5}">
+                      <a16:colId xmlns:a16="http://schemas.microsoft.com/office/drawing/2014/main" val="4011394575"/>
+                    </a:ext>
+                  </a:extLst>
+                </a:gridCol>
+                <a:gridCol w="1752600">
+                  <a:extLst>
+                    <a:ext uri="{9D8B030D-6E8A-4147-A177-3AD203B41FA5}">
+                      <a16:colId xmlns:a16="http://schemas.microsoft.com/office/drawing/2014/main" val="1670730324"/>
+                    </a:ext>
+                  </a:extLst>
+                </a:gridCol>
+              </a:tblGrid>
+              <a:tr h="571500">
+                <a:tc>
+                  <a:txBody>
+                    <a:bodyPr/>
+                    <a:lstStyle/>
+                    <a:p>
+                      <a:pPr algn="ctr"/>
+                      <a:endParaRPr lang="en-US" sz="1400" b="0" i="0" dirty="0">
+                        <a:latin typeface="Calibri" panose="020F0502020204030204" pitchFamily="34" charset="0"/>
+                        <a:cs typeface="Calibri" panose="020F0502020204030204" pitchFamily="34" charset="0"/>
+                      </a:endParaRPr>
+                    </a:p>
+                  </a:txBody>
+                  <a:tcPr anchor="ctr"/>
+                </a:tc>
+                <a:tc>
+                  <a:txBody>
+                    <a:bodyPr/>
+                    <a:lstStyle/>
+                    <a:p>
+                      <a:r>
+                        <a:rPr lang="en-US" sz="1400" b="0" i="0" dirty="0">
+                          <a:latin typeface="Calibri" panose="020F0502020204030204" pitchFamily="34" charset="0"/>
+                          <a:cs typeface="Calibri" panose="020F0502020204030204" pitchFamily="34" charset="0"/>
+                        </a:rPr>
+                        <a:t>Method</a:t>
+                      </a:r>
+                    </a:p>
+                  </a:txBody>
+                  <a:tcPr anchor="ctr"/>
+                </a:tc>
+                <a:tc>
+                  <a:txBody>
+                    <a:bodyPr/>
+                    <a:lstStyle/>
+                    <a:p>
+                      <a:r>
+                        <a:rPr lang="en-US" sz="1400" b="0" i="0" dirty="0">
+                          <a:latin typeface="Calibri" panose="020F0502020204030204" pitchFamily="34" charset="0"/>
+                          <a:cs typeface="Calibri" panose="020F0502020204030204" pitchFamily="34" charset="0"/>
+                        </a:rPr>
+                        <a:t>Extra Label Stack Size (Note 2)</a:t>
+                      </a:r>
+                    </a:p>
+                  </a:txBody>
+                  <a:tcPr anchor="ctr"/>
+                </a:tc>
+                <a:tc>
+                  <a:txBody>
+                    <a:bodyPr/>
+                    <a:lstStyle/>
+                    <a:p>
+                      <a:r>
+                        <a:rPr lang="en-US" sz="1400" b="0" i="0" dirty="0">
+                          <a:latin typeface="Calibri" panose="020F0502020204030204" pitchFamily="34" charset="0"/>
+                          <a:cs typeface="Calibri" panose="020F0502020204030204" pitchFamily="34" charset="0"/>
+                        </a:rPr>
+                        <a:t>Location on Stack</a:t>
+                      </a:r>
+                    </a:p>
+                  </a:txBody>
+                  <a:tcPr anchor="ctr"/>
+                </a:tc>
+                <a:extLst>
+                  <a:ext uri="{0D108BD9-81ED-4DB2-BD59-A6C34878D82A}">
+                    <a16:rowId xmlns:a16="http://schemas.microsoft.com/office/drawing/2014/main" val="3325801765"/>
+                  </a:ext>
+                </a:extLst>
+              </a:tr>
+              <a:tr h="571500">
+                <a:tc>
+                  <a:txBody>
+                    <a:bodyPr/>
+                    <a:lstStyle/>
+                    <a:p>
+                      <a:pPr algn="ctr"/>
+                      <a:r>
+                        <a:rPr lang="en-US" sz="1400" b="0" i="0" dirty="0">
+                          <a:latin typeface="Calibri" panose="020F0502020204030204" pitchFamily="34" charset="0"/>
+                          <a:cs typeface="Calibri" panose="020F0502020204030204" pitchFamily="34" charset="0"/>
+                        </a:rPr>
+                        <a:t>1</a:t>
+                      </a:r>
+                    </a:p>
+                  </a:txBody>
+                  <a:tcPr anchor="ctr"/>
+                </a:tc>
+                <a:tc>
+                  <a:txBody>
+                    <a:bodyPr/>
+                    <a:lstStyle/>
+                    <a:p>
+                      <a:r>
+                        <a:rPr lang="en-US" sz="1400" b="0" i="0" dirty="0" err="1">
+                          <a:latin typeface="Calibri" panose="020F0502020204030204" pitchFamily="34" charset="0"/>
+                          <a:cs typeface="Calibri" panose="020F0502020204030204" pitchFamily="34" charset="0"/>
+                        </a:rPr>
+                        <a:t>eSPL</a:t>
+                      </a:r>
+                      <a:r>
+                        <a:rPr lang="en-US" sz="1400" b="0" i="0" dirty="0">
+                          <a:latin typeface="Calibri" panose="020F0502020204030204" pitchFamily="34" charset="0"/>
+                          <a:cs typeface="Calibri" panose="020F0502020204030204" pitchFamily="34" charset="0"/>
+                        </a:rPr>
+                        <a:t> Labels</a:t>
+                      </a:r>
+                    </a:p>
+                  </a:txBody>
+                  <a:tcPr anchor="ctr"/>
+                </a:tc>
+                <a:tc>
+                  <a:txBody>
+                    <a:bodyPr/>
+                    <a:lstStyle/>
+                    <a:p>
+                      <a:r>
+                        <a:rPr lang="en-US" sz="1400" b="0" i="0" dirty="0">
+                          <a:latin typeface="Calibri" panose="020F0502020204030204" pitchFamily="34" charset="0"/>
+                          <a:cs typeface="Calibri" panose="020F0502020204030204" pitchFamily="34" charset="0"/>
+                        </a:rPr>
+                        <a:t>+2 (Note 1)</a:t>
+                      </a:r>
+                    </a:p>
+                  </a:txBody>
+                  <a:tcPr anchor="ctr"/>
+                </a:tc>
+                <a:tc>
+                  <a:txBody>
+                    <a:bodyPr/>
+                    <a:lstStyle/>
+                    <a:p>
+                      <a:r>
+                        <a:rPr lang="en-US" sz="1400" b="0" i="0" dirty="0">
+                          <a:latin typeface="Calibri" panose="020F0502020204030204" pitchFamily="34" charset="0"/>
+                          <a:cs typeface="Calibri" panose="020F0502020204030204" pitchFamily="34" charset="0"/>
+                        </a:rPr>
+                        <a:t>Bottom</a:t>
+                      </a:r>
+                    </a:p>
+                  </a:txBody>
+                  <a:tcPr anchor="ctr"/>
+                </a:tc>
+                <a:extLst>
+                  <a:ext uri="{0D108BD9-81ED-4DB2-BD59-A6C34878D82A}">
+                    <a16:rowId xmlns:a16="http://schemas.microsoft.com/office/drawing/2014/main" val="4249039908"/>
+                  </a:ext>
+                </a:extLst>
+              </a:tr>
+              <a:tr h="571500">
+                <a:tc>
+                  <a:txBody>
+                    <a:bodyPr/>
+                    <a:lstStyle/>
+                    <a:p>
+                      <a:pPr algn="ctr"/>
+                      <a:r>
+                        <a:rPr lang="en-US" sz="1400" b="0" i="0" dirty="0">
+                          <a:latin typeface="Calibri" panose="020F0502020204030204" pitchFamily="34" charset="0"/>
+                          <a:cs typeface="Calibri" panose="020F0502020204030204" pitchFamily="34" charset="0"/>
+                        </a:rPr>
+                        <a:t>2</a:t>
+                      </a:r>
+                    </a:p>
+                  </a:txBody>
+                  <a:tcPr anchor="ctr"/>
+                </a:tc>
+                <a:tc>
+                  <a:txBody>
+                    <a:bodyPr/>
+                    <a:lstStyle/>
+                    <a:p>
+                      <a:r>
+                        <a:rPr lang="en-US" sz="1400" b="0" i="0" dirty="0">
+                          <a:latin typeface="Calibri" panose="020F0502020204030204" pitchFamily="34" charset="0"/>
+                          <a:cs typeface="Calibri" panose="020F0502020204030204" pitchFamily="34" charset="0"/>
+                        </a:rPr>
+                        <a:t>Global Label</a:t>
+                      </a:r>
+                    </a:p>
+                  </a:txBody>
+                  <a:tcPr anchor="ctr"/>
+                </a:tc>
+                <a:tc>
+                  <a:txBody>
+                    <a:bodyPr/>
+                    <a:lstStyle/>
+                    <a:p>
+                      <a:r>
+                        <a:rPr lang="en-US" sz="1400" b="0" i="0" dirty="0">
+                          <a:latin typeface="Calibri" panose="020F0502020204030204" pitchFamily="34" charset="0"/>
+                          <a:cs typeface="Calibri" panose="020F0502020204030204" pitchFamily="34" charset="0"/>
+                        </a:rPr>
+                        <a:t>+1</a:t>
+                      </a:r>
+                    </a:p>
+                  </a:txBody>
+                  <a:tcPr anchor="ctr"/>
+                </a:tc>
+                <a:tc>
+                  <a:txBody>
+                    <a:bodyPr/>
+                    <a:lstStyle/>
+                    <a:p>
+                      <a:r>
+                        <a:rPr lang="en-US" sz="1400" b="0" i="0" dirty="0">
+                          <a:latin typeface="Calibri" panose="020F0502020204030204" pitchFamily="34" charset="0"/>
+                          <a:cs typeface="Calibri" panose="020F0502020204030204" pitchFamily="34" charset="0"/>
+                        </a:rPr>
+                        <a:t>Bottom</a:t>
+                      </a:r>
+                    </a:p>
+                  </a:txBody>
+                  <a:tcPr anchor="ctr"/>
+                </a:tc>
+                <a:extLst>
+                  <a:ext uri="{0D108BD9-81ED-4DB2-BD59-A6C34878D82A}">
+                    <a16:rowId xmlns:a16="http://schemas.microsoft.com/office/drawing/2014/main" val="2410171723"/>
+                  </a:ext>
+                </a:extLst>
+              </a:tr>
+              <a:tr h="571500">
+                <a:tc>
+                  <a:txBody>
+                    <a:bodyPr/>
+                    <a:lstStyle/>
+                    <a:p>
+                      <a:pPr algn="ctr"/>
+                      <a:r>
+                        <a:rPr lang="en-US" sz="1400" b="0" i="0" dirty="0">
+                          <a:latin typeface="Calibri" panose="020F0502020204030204" pitchFamily="34" charset="0"/>
+                          <a:cs typeface="Calibri" panose="020F0502020204030204" pitchFamily="34" charset="0"/>
+                        </a:rPr>
+                        <a:t>3</a:t>
+                      </a:r>
+                    </a:p>
+                  </a:txBody>
+                  <a:tcPr anchor="ctr"/>
+                </a:tc>
+                <a:tc>
+                  <a:txBody>
+                    <a:bodyPr/>
+                    <a:lstStyle/>
+                    <a:p>
+                      <a:r>
+                        <a:rPr lang="en-US" sz="1400" b="0" i="0" dirty="0">
+                          <a:latin typeface="Calibri" panose="020F0502020204030204" pitchFamily="34" charset="0"/>
+                          <a:cs typeface="Calibri" panose="020F0502020204030204" pitchFamily="34" charset="0"/>
+                        </a:rPr>
+                        <a:t>Signal/Advertise Label</a:t>
+                      </a:r>
+                    </a:p>
+                  </a:txBody>
+                  <a:tcPr anchor="ctr"/>
+                </a:tc>
+                <a:tc>
+                  <a:txBody>
+                    <a:bodyPr/>
+                    <a:lstStyle/>
+                    <a:p>
+                      <a:r>
+                        <a:rPr lang="en-US" sz="1400" b="0" i="0" dirty="0">
+                          <a:latin typeface="Calibri" panose="020F0502020204030204" pitchFamily="34" charset="0"/>
+                          <a:cs typeface="Calibri" panose="020F0502020204030204" pitchFamily="34" charset="0"/>
+                        </a:rPr>
+                        <a:t>+1 (compared to PHP)</a:t>
+                      </a:r>
+                    </a:p>
+                  </a:txBody>
+                  <a:tcPr anchor="ctr"/>
+                </a:tc>
+                <a:tc>
+                  <a:txBody>
+                    <a:bodyPr/>
+                    <a:lstStyle/>
+                    <a:p>
+                      <a:r>
+                        <a:rPr lang="en-US" sz="1400" b="0" i="0" dirty="0">
+                          <a:latin typeface="Calibri" panose="020F0502020204030204" pitchFamily="34" charset="0"/>
+                          <a:cs typeface="Calibri" panose="020F0502020204030204" pitchFamily="34" charset="0"/>
+                        </a:rPr>
+                        <a:t>Bottom</a:t>
+                      </a:r>
+                    </a:p>
+                  </a:txBody>
+                  <a:tcPr anchor="ctr"/>
+                </a:tc>
+                <a:extLst>
+                  <a:ext uri="{0D108BD9-81ED-4DB2-BD59-A6C34878D82A}">
+                    <a16:rowId xmlns:a16="http://schemas.microsoft.com/office/drawing/2014/main" val="383069925"/>
+                  </a:ext>
+                </a:extLst>
+              </a:tr>
+            </a:tbl>
+          </a:graphicData>
+        </a:graphic>
+      </p:graphicFrame>
       <p:sp>
         <p:nvSpPr>
           <p:cNvPr id="4" name="Footer Placeholder 3">
             <a:extLst>
               <a:ext uri="{FF2B5EF4-FFF2-40B4-BE49-F238E27FC236}">
-                <a16:creationId xmlns:a16="http://schemas.microsoft.com/office/drawing/2014/main" id="{87713FCD-3B47-804D-B373-DAB61FB5FF59}"/>
+                <a16:creationId xmlns:a16="http://schemas.microsoft.com/office/drawing/2014/main" id="{B77C0619-C85C-9C44-B6FF-9F5D419DD1D7}"/>
               </a:ext>
             </a:extLst>
           </p:cNvPr>
@@ -5940,7 +6542,7 @@
         </p:nvSpPr>
         <p:spPr>
           <a:xfrm>
-            <a:off x="3124200" y="4781550"/>
+            <a:off x="3124200" y="4775683"/>
             <a:ext cx="2895600" cy="357188"/>
           </a:xfrm>
         </p:spPr>
@@ -5948,18 +6550,22 @@
           <a:bodyPr/>
           <a:lstStyle/>
           <a:p>
-            <a:r>
-              <a:rPr lang="en-CA" dirty="0"/>
+            <a:pPr>
+              <a:defRPr/>
+            </a:pPr>
+            <a:r>
+              <a:rPr lang="en-US" altLang="zh-CN"/>
               <a:t>110</a:t>
             </a:r>
             <a:r>
-              <a:rPr lang="en-CA" baseline="30000" dirty="0"/>
+              <a:rPr lang="en-US" altLang="zh-CN" baseline="30000"/>
               <a:t>th</a:t>
             </a:r>
             <a:r>
-              <a:rPr lang="en-CA" dirty="0"/>
+              <a:rPr lang="en-US" altLang="zh-CN"/>
               <a:t> IETF Online</a:t>
             </a:r>
+            <a:endParaRPr lang="en-US" altLang="zh-CN" dirty="0"/>
           </a:p>
         </p:txBody>
       </p:sp>
@@ -5968,7 +6574,7 @@
           <p:cNvPr id="5" name="Slide Number Placeholder 4">
             <a:extLst>
               <a:ext uri="{FF2B5EF4-FFF2-40B4-BE49-F238E27FC236}">
-                <a16:creationId xmlns:a16="http://schemas.microsoft.com/office/drawing/2014/main" id="{1371408B-9195-EC4D-8131-A3F5CC0592D0}"/>
+                <a16:creationId xmlns:a16="http://schemas.microsoft.com/office/drawing/2014/main" id="{28F208BB-326D-8C4E-B674-366BB71CD494}"/>
               </a:ext>
             </a:extLst>
           </p:cNvPr>
@@ -6000,265 +6606,326 @@
       </p:sp>
       <p:sp>
         <p:nvSpPr>
-          <p:cNvPr id="6" name="Rectangle 5">
+          <p:cNvPr id="7" name="Content Placeholder 2">
             <a:extLst>
               <a:ext uri="{FF2B5EF4-FFF2-40B4-BE49-F238E27FC236}">
-                <a16:creationId xmlns:a16="http://schemas.microsoft.com/office/drawing/2014/main" id="{1EED4007-3A19-0E4E-8496-6CECEEA363EB}"/>
+                <a16:creationId xmlns:a16="http://schemas.microsoft.com/office/drawing/2014/main" id="{FFF00A95-F3B5-764C-8387-A924C41C81E1}"/>
               </a:ext>
             </a:extLst>
           </p:cNvPr>
-          <p:cNvSpPr/>
+          <p:cNvSpPr txBox="1">
+            <a:spLocks/>
+          </p:cNvSpPr>
           <p:nvPr/>
         </p:nvSpPr>
-        <p:spPr>
+        <p:spPr bwMode="auto">
           <a:xfrm>
-            <a:off x="1828800" y="1067452"/>
-            <a:ext cx="5105400" cy="3277820"/>
+            <a:off x="533400" y="3392251"/>
+            <a:ext cx="7848600" cy="1099817"/>
           </a:xfrm>
           <a:prstGeom prst="rect">
             <a:avLst/>
           </a:prstGeom>
-          <a:solidFill>
-            <a:schemeClr val="accent6">
-              <a:lumMod val="20000"/>
-              <a:lumOff val="80000"/>
-            </a:schemeClr>
-          </a:solidFill>
+          <a:noFill/>
+          <a:ln w="9525">
+            <a:noFill/>
+            <a:miter lim="800000"/>
+            <a:headEnd/>
+            <a:tailEnd/>
+          </a:ln>
         </p:spPr>
         <p:txBody>
-          <a:bodyPr wrap="square">
-            <a:spAutoFit/>
+          <a:bodyPr vert="horz" wrap="square" lIns="91440" tIns="45720" rIns="91440" bIns="45720" numCol="1" anchor="t" anchorCtr="0" compatLnSpc="1">
+            <a:prstTxWarp prst="textNoShape">
+              <a:avLst/>
+            </a:prstTxWarp>
           </a:bodyPr>
-          <a:lstStyle/>
-          <a:p>
-            <a:r>
-              <a:rPr lang="en-CA" sz="900" dirty="0">
-                <a:latin typeface="Courier" pitchFamily="2" charset="0"/>
-              </a:rPr>
-              <a:t>   0                   1                   2                   3</a:t>
-            </a:r>
-          </a:p>
-          <a:p>
-            <a:r>
-              <a:rPr lang="en-CA" sz="900" dirty="0">
-                <a:latin typeface="Courier" pitchFamily="2" charset="0"/>
-              </a:rPr>
-              <a:t>   0 1 2 3 4 5 6 7 8 9 0 1 2 3 4 5 6 7 8 9 0 1 2 3 4 5 6 7 8 9 0 1</a:t>
-            </a:r>
-          </a:p>
-          <a:p>
-            <a:r>
-              <a:rPr lang="en-CA" sz="900" dirty="0">
-                <a:latin typeface="Courier" pitchFamily="2" charset="0"/>
-              </a:rPr>
-              <a:t>   +-+-+-+-+-+-+-+-+-+-+-+-+-+-+-+-+-+-+-+-+-+-+-+-+-+-+-+-+-+-+-+-+</a:t>
-            </a:r>
-          </a:p>
-          <a:p>
-            <a:r>
-              <a:rPr lang="en-CA" sz="900" dirty="0">
-                <a:latin typeface="Courier" pitchFamily="2" charset="0"/>
-              </a:rPr>
-              <a:t>   |  </a:t>
-            </a:r>
-            <a:r>
-              <a:rPr lang="en-CA" sz="900" b="1" dirty="0" err="1">
-                <a:latin typeface="Courier" pitchFamily="2" charset="0"/>
-              </a:rPr>
-              <a:t>HbH</a:t>
-            </a:r>
-            <a:r>
-              <a:rPr lang="en-CA" sz="900" b="1" dirty="0">
-                <a:latin typeface="Courier" pitchFamily="2" charset="0"/>
-              </a:rPr>
-              <a:t> IOAM Indicator Label             </a:t>
-            </a:r>
-            <a:r>
-              <a:rPr lang="en-CA" sz="900" dirty="0">
-                <a:latin typeface="Courier" pitchFamily="2" charset="0"/>
-              </a:rPr>
-              <a:t>| TC  |1|  TTL          |</a:t>
-            </a:r>
-          </a:p>
-          <a:p>
-            <a:r>
-              <a:rPr lang="en-CA" sz="900" dirty="0">
-                <a:latin typeface="Courier" pitchFamily="2" charset="0"/>
-              </a:rPr>
-              <a:t>   +-+-+-+-+-+-+-+-+-+-+-+-+-+-+-+-+-+-+-+-+-+-+-+-+-+-+-+-+-+-+-+-+&lt;-+ </a:t>
-            </a:r>
-          </a:p>
-          <a:p>
-            <a:r>
-              <a:rPr lang="en-CA" sz="900" dirty="0">
-                <a:latin typeface="Courier" pitchFamily="2" charset="0"/>
-              </a:rPr>
-              <a:t>   |0 0 0 1|Version| Reserved      | IOAM G-</a:t>
-            </a:r>
-            <a:r>
-              <a:rPr lang="en-CA" sz="900" dirty="0" err="1">
-                <a:latin typeface="Courier" pitchFamily="2" charset="0"/>
-              </a:rPr>
-              <a:t>ACh</a:t>
-            </a:r>
-            <a:r>
-              <a:rPr lang="en-CA" sz="900" dirty="0">
-                <a:latin typeface="Courier" pitchFamily="2" charset="0"/>
-              </a:rPr>
-              <a:t>                    |  | </a:t>
-            </a:r>
-          </a:p>
-          <a:p>
-            <a:r>
-              <a:rPr lang="en-CA" sz="900" dirty="0">
-                <a:latin typeface="Courier" pitchFamily="2" charset="0"/>
-              </a:rPr>
-              <a:t>   +-+-+-+-+-+-+-+-+-+-+-+-+-+-+-+-+-+-+-+-+-+-+-+-+-+-+-+-+-+-+-+-+  | </a:t>
-            </a:r>
-          </a:p>
-          <a:p>
-            <a:r>
-              <a:rPr lang="en-CA" sz="900" dirty="0">
-                <a:latin typeface="Courier" pitchFamily="2" charset="0"/>
-              </a:rPr>
-              <a:t>   | Reserved      | Block Number  | IOAM-OPT-Type |IOAM HDR Length|  |</a:t>
-            </a:r>
-          </a:p>
-          <a:p>
-            <a:r>
-              <a:rPr lang="en-CA" sz="900" dirty="0">
-                <a:latin typeface="Courier" pitchFamily="2" charset="0"/>
-              </a:rPr>
-              <a:t>   +-+-+-+-+-+-+-+-+-+-+-+-+-+-+-+-+-+-+-+-+-+-+-+-+-+-+-+-+-+-+-+-+  I</a:t>
-            </a:r>
-          </a:p>
-          <a:p>
-            <a:r>
-              <a:rPr lang="en-CA" sz="900" dirty="0">
-                <a:latin typeface="Courier" pitchFamily="2" charset="0"/>
-              </a:rPr>
-              <a:t>   |                                                               |  O</a:t>
-            </a:r>
-          </a:p>
-          <a:p>
-            <a:r>
-              <a:rPr lang="en-CA" sz="900" dirty="0">
-                <a:latin typeface="Courier" pitchFamily="2" charset="0"/>
-              </a:rPr>
-              <a:t>   |                                                               |  A</a:t>
-            </a:r>
-          </a:p>
-          <a:p>
-            <a:r>
-              <a:rPr lang="en-CA" sz="900" dirty="0">
-                <a:latin typeface="Courier" pitchFamily="2" charset="0"/>
-              </a:rPr>
-              <a:t>   ~                 IOAM Option and Data Space                    ~  M</a:t>
-            </a:r>
-          </a:p>
-          <a:p>
-            <a:r>
-              <a:rPr lang="en-CA" sz="900" dirty="0">
-                <a:latin typeface="Courier" pitchFamily="2" charset="0"/>
-              </a:rPr>
-              <a:t>   |                                                               |  |</a:t>
-            </a:r>
-          </a:p>
-          <a:p>
-            <a:r>
-              <a:rPr lang="en-CA" sz="900" dirty="0">
-                <a:latin typeface="Courier" pitchFamily="2" charset="0"/>
-              </a:rPr>
-              <a:t>   |                                                               |  |</a:t>
-            </a:r>
-          </a:p>
-          <a:p>
-            <a:r>
-              <a:rPr lang="en-CA" sz="900" dirty="0">
-                <a:latin typeface="Courier" pitchFamily="2" charset="0"/>
-              </a:rPr>
-              <a:t>   +-+-+-+-+-+-+-+-+-+-+-+-+-+-+-+-+-+-+-+-+-+-+-+-+-+-+-+-+-+-+-+-+&lt;-+</a:t>
-            </a:r>
-          </a:p>
-          <a:p>
-            <a:r>
-              <a:rPr lang="en-CA" sz="900" dirty="0">
-                <a:latin typeface="Courier" pitchFamily="2" charset="0"/>
-              </a:rPr>
-              <a:t>   |                                                               |</a:t>
-            </a:r>
-          </a:p>
-          <a:p>
-            <a:r>
-              <a:rPr lang="en-CA" sz="900" dirty="0">
-                <a:latin typeface="Courier" pitchFamily="2" charset="0"/>
-              </a:rPr>
-              <a:t>   |                                                               |</a:t>
-            </a:r>
-          </a:p>
-          <a:p>
-            <a:r>
-              <a:rPr lang="en-CA" sz="900" dirty="0">
-                <a:latin typeface="Courier" pitchFamily="2" charset="0"/>
-              </a:rPr>
-              <a:t>   ~                 Payload + Padding                             ~</a:t>
-            </a:r>
-          </a:p>
-          <a:p>
-            <a:r>
-              <a:rPr lang="en-CA" sz="900" dirty="0">
-                <a:latin typeface="Courier" pitchFamily="2" charset="0"/>
-              </a:rPr>
-              <a:t>   |                                                               |</a:t>
-            </a:r>
-          </a:p>
-          <a:p>
-            <a:r>
-              <a:rPr lang="en-CA" sz="900" dirty="0">
-                <a:latin typeface="Courier" pitchFamily="2" charset="0"/>
-              </a:rPr>
-              <a:t>   |                                                               |</a:t>
-            </a:r>
-          </a:p>
-          <a:p>
-            <a:r>
-              <a:rPr lang="en-CA" sz="900" dirty="0">
-                <a:latin typeface="Courier" pitchFamily="2" charset="0"/>
-              </a:rPr>
-              <a:t>   +-+-+-+-+-+-+-+-+-+-+-+-+-+-+-+-+-+-+-+-+-+-+-+-+-+-+-+-+-+-+-+-+</a:t>
-            </a:r>
-          </a:p>
-          <a:p>
-            <a:r>
-              <a:rPr lang="en-CA" sz="900" dirty="0">
-                <a:latin typeface="Courier" pitchFamily="2" charset="0"/>
-              </a:rPr>
-              <a:t> </a:t>
-            </a:r>
-          </a:p>
-          <a:p>
-            <a:r>
-              <a:rPr lang="en-CA" sz="900" dirty="0">
-                <a:latin typeface="Courier" pitchFamily="2" charset="0"/>
-              </a:rPr>
-              <a:t>              Figure: </a:t>
-            </a:r>
-            <a:r>
-              <a:rPr lang="en-CA" sz="900" dirty="0" err="1">
-                <a:latin typeface="Courier" pitchFamily="2" charset="0"/>
-              </a:rPr>
-              <a:t>HbH</a:t>
-            </a:r>
-            <a:r>
-              <a:rPr lang="en-CA" sz="900" dirty="0">
-                <a:latin typeface="Courier" pitchFamily="2" charset="0"/>
-              </a:rPr>
-              <a:t> IOAM Encapsulation in MPLS Header</a:t>
-            </a:r>
-            <a:endParaRPr lang="en-CA" sz="900" dirty="0">
-              <a:latin typeface="Courier" pitchFamily="2" charset="0"/>
-              <a:ea typeface="Calibri" panose="020F0502020204030204" pitchFamily="34" charset="0"/>
-              <a:cs typeface="Times New Roman" panose="02020603050405020304" pitchFamily="18" charset="0"/>
+          <a:lstStyle>
+            <a:lvl1pPr marL="342900" indent="-342900" algn="l" rtl="0" eaLnBrk="0" fontAlgn="base" hangingPunct="0">
+              <a:spcBef>
+                <a:spcPct val="20000"/>
+              </a:spcBef>
+              <a:spcAft>
+                <a:spcPct val="0"/>
+              </a:spcAft>
+              <a:buChar char="•"/>
+              <a:defRPr sz="3200">
+                <a:solidFill>
+                  <a:schemeClr val="tx1"/>
+                </a:solidFill>
+                <a:latin typeface="Calibri" charset="0"/>
+                <a:ea typeface="Calibri" charset="0"/>
+                <a:cs typeface="Calibri" charset="0"/>
+              </a:defRPr>
+            </a:lvl1pPr>
+            <a:lvl2pPr marL="742950" indent="-285750" algn="l" rtl="0" eaLnBrk="0" fontAlgn="base" hangingPunct="0">
+              <a:spcBef>
+                <a:spcPct val="20000"/>
+              </a:spcBef>
+              <a:spcAft>
+                <a:spcPct val="0"/>
+              </a:spcAft>
+              <a:buChar char="–"/>
+              <a:defRPr sz="2800">
+                <a:solidFill>
+                  <a:schemeClr val="tx1"/>
+                </a:solidFill>
+                <a:latin typeface="Calibri" charset="0"/>
+                <a:ea typeface="Calibri" charset="0"/>
+                <a:cs typeface="Calibri" charset="0"/>
+              </a:defRPr>
+            </a:lvl2pPr>
+            <a:lvl3pPr marL="1143000" indent="-228600" algn="l" rtl="0" eaLnBrk="0" fontAlgn="base" hangingPunct="0">
+              <a:spcBef>
+                <a:spcPct val="20000"/>
+              </a:spcBef>
+              <a:spcAft>
+                <a:spcPct val="0"/>
+              </a:spcAft>
+              <a:buChar char="•"/>
+              <a:defRPr sz="2400">
+                <a:solidFill>
+                  <a:schemeClr val="tx1"/>
+                </a:solidFill>
+                <a:latin typeface="Calibri" charset="0"/>
+                <a:ea typeface="Calibri" charset="0"/>
+                <a:cs typeface="Calibri" charset="0"/>
+              </a:defRPr>
+            </a:lvl3pPr>
+            <a:lvl4pPr marL="1600200" indent="-228600" algn="l" rtl="0" eaLnBrk="0" fontAlgn="base" hangingPunct="0">
+              <a:spcBef>
+                <a:spcPct val="20000"/>
+              </a:spcBef>
+              <a:spcAft>
+                <a:spcPct val="0"/>
+              </a:spcAft>
+              <a:buChar char="–"/>
+              <a:defRPr sz="2000">
+                <a:solidFill>
+                  <a:schemeClr val="tx1"/>
+                </a:solidFill>
+                <a:latin typeface="Calibri" charset="0"/>
+                <a:ea typeface="Calibri" charset="0"/>
+                <a:cs typeface="Calibri" charset="0"/>
+              </a:defRPr>
+            </a:lvl4pPr>
+            <a:lvl5pPr marL="2057400" indent="-228600" algn="l" rtl="0" eaLnBrk="0" fontAlgn="base" hangingPunct="0">
+              <a:spcBef>
+                <a:spcPct val="20000"/>
+              </a:spcBef>
+              <a:spcAft>
+                <a:spcPct val="0"/>
+              </a:spcAft>
+              <a:buChar char="»"/>
+              <a:defRPr sz="2000">
+                <a:solidFill>
+                  <a:schemeClr val="tx1"/>
+                </a:solidFill>
+                <a:latin typeface="Calibri" charset="0"/>
+                <a:ea typeface="Calibri" charset="0"/>
+                <a:cs typeface="Calibri" charset="0"/>
+              </a:defRPr>
+            </a:lvl5pPr>
+            <a:lvl6pPr marL="2514600" indent="-228600" algn="l" rtl="0" fontAlgn="base">
+              <a:spcBef>
+                <a:spcPct val="20000"/>
+              </a:spcBef>
+              <a:spcAft>
+                <a:spcPct val="0"/>
+              </a:spcAft>
+              <a:buChar char="»"/>
+              <a:defRPr sz="2000">
+                <a:solidFill>
+                  <a:schemeClr val="tx1"/>
+                </a:solidFill>
+                <a:latin typeface="+mn-lt"/>
+                <a:ea typeface="+mn-ea"/>
+              </a:defRPr>
+            </a:lvl6pPr>
+            <a:lvl7pPr marL="2971800" indent="-228600" algn="l" rtl="0" fontAlgn="base">
+              <a:spcBef>
+                <a:spcPct val="20000"/>
+              </a:spcBef>
+              <a:spcAft>
+                <a:spcPct val="0"/>
+              </a:spcAft>
+              <a:buChar char="»"/>
+              <a:defRPr sz="2000">
+                <a:solidFill>
+                  <a:schemeClr val="tx1"/>
+                </a:solidFill>
+                <a:latin typeface="+mn-lt"/>
+                <a:ea typeface="+mn-ea"/>
+              </a:defRPr>
+            </a:lvl7pPr>
+            <a:lvl8pPr marL="3429000" indent="-228600" algn="l" rtl="0" fontAlgn="base">
+              <a:spcBef>
+                <a:spcPct val="20000"/>
+              </a:spcBef>
+              <a:spcAft>
+                <a:spcPct val="0"/>
+              </a:spcAft>
+              <a:buChar char="»"/>
+              <a:defRPr sz="2000">
+                <a:solidFill>
+                  <a:schemeClr val="tx1"/>
+                </a:solidFill>
+                <a:latin typeface="+mn-lt"/>
+                <a:ea typeface="+mn-ea"/>
+              </a:defRPr>
+            </a:lvl8pPr>
+            <a:lvl9pPr marL="3886200" indent="-228600" algn="l" rtl="0" fontAlgn="base">
+              <a:spcBef>
+                <a:spcPct val="20000"/>
+              </a:spcBef>
+              <a:spcAft>
+                <a:spcPct val="0"/>
+              </a:spcAft>
+              <a:buChar char="»"/>
+              <a:defRPr sz="2000">
+                <a:solidFill>
+                  <a:schemeClr val="tx1"/>
+                </a:solidFill>
+                <a:latin typeface="+mn-lt"/>
+                <a:ea typeface="+mn-ea"/>
+              </a:defRPr>
+            </a:lvl9pPr>
+          </a:lstStyle>
+          <a:p>
+            <a:pPr>
+              <a:buFont typeface="+mj-lt"/>
+              <a:buAutoNum type="arabicPeriod"/>
+            </a:pPr>
+            <a:r>
+              <a:rPr lang="en-CA" sz="1400" dirty="0">
+                <a:latin typeface="Calibri" panose="020F0502020204030204" pitchFamily="34" charset="0"/>
+                <a:cs typeface="Calibri" panose="020F0502020204030204" pitchFamily="34" charset="0"/>
+              </a:rPr>
+              <a:t>This is true for any mechanism that we are defining using </a:t>
+            </a:r>
+            <a:r>
+              <a:rPr lang="en-CA" sz="1400" dirty="0" err="1">
+                <a:latin typeface="Calibri" panose="020F0502020204030204" pitchFamily="34" charset="0"/>
+                <a:cs typeface="Calibri" panose="020F0502020204030204" pitchFamily="34" charset="0"/>
+              </a:rPr>
+              <a:t>eSPL</a:t>
+            </a:r>
+            <a:endParaRPr lang="en-CA" sz="1400" dirty="0">
+              <a:latin typeface="Calibri" panose="020F0502020204030204" pitchFamily="34" charset="0"/>
+              <a:cs typeface="Calibri" panose="020F0502020204030204" pitchFamily="34" charset="0"/>
+            </a:endParaRPr>
+          </a:p>
+          <a:p>
+            <a:pPr lvl="1">
+              <a:spcBef>
+                <a:spcPts val="600"/>
+              </a:spcBef>
+              <a:buFont typeface="Arial" panose="020B0604020202020204" pitchFamily="34" charset="0"/>
+              <a:buChar char="•"/>
+            </a:pPr>
+            <a:r>
+              <a:rPr lang="en-CA" sz="1400" dirty="0">
+                <a:latin typeface="Calibri" panose="020F0502020204030204" pitchFamily="34" charset="0"/>
+                <a:cs typeface="Calibri" panose="020F0502020204030204" pitchFamily="34" charset="0"/>
+              </a:rPr>
+              <a:t>SFC: https://</a:t>
+            </a:r>
+            <a:r>
+              <a:rPr lang="en-CA" sz="1400" dirty="0" err="1">
+                <a:latin typeface="Calibri" panose="020F0502020204030204" pitchFamily="34" charset="0"/>
+                <a:cs typeface="Calibri" panose="020F0502020204030204" pitchFamily="34" charset="0"/>
+              </a:rPr>
+              <a:t>tools.ietf.org</a:t>
+            </a:r>
+            <a:r>
+              <a:rPr lang="en-CA" sz="1400" dirty="0">
+                <a:latin typeface="Calibri" panose="020F0502020204030204" pitchFamily="34" charset="0"/>
+                <a:cs typeface="Calibri" panose="020F0502020204030204" pitchFamily="34" charset="0"/>
+              </a:rPr>
+              <a:t>/html/rfc8595 </a:t>
+            </a:r>
+          </a:p>
+          <a:p>
+            <a:pPr lvl="1">
+              <a:spcBef>
+                <a:spcPts val="600"/>
+              </a:spcBef>
+              <a:buFont typeface="Arial" panose="020B0604020202020204" pitchFamily="34" charset="0"/>
+              <a:buChar char="•"/>
+            </a:pPr>
+            <a:r>
+              <a:rPr lang="en-CA" sz="1400" dirty="0">
+                <a:latin typeface="Calibri" panose="020F0502020204030204" pitchFamily="34" charset="0"/>
+                <a:cs typeface="Calibri" panose="020F0502020204030204" pitchFamily="34" charset="0"/>
+              </a:rPr>
+              <a:t>E2E: draft-</a:t>
+            </a:r>
+            <a:r>
+              <a:rPr lang="en-CA" sz="1400" dirty="0" err="1">
+                <a:latin typeface="Calibri" panose="020F0502020204030204" pitchFamily="34" charset="0"/>
+                <a:cs typeface="Calibri" panose="020F0502020204030204" pitchFamily="34" charset="0"/>
+              </a:rPr>
+              <a:t>cheng</a:t>
+            </a:r>
+            <a:r>
+              <a:rPr lang="en-CA" sz="1400" dirty="0">
+                <a:latin typeface="Calibri" panose="020F0502020204030204" pitchFamily="34" charset="0"/>
+                <a:cs typeface="Calibri" panose="020F0502020204030204" pitchFamily="34" charset="0"/>
+              </a:rPr>
+              <a:t>-</a:t>
+            </a:r>
+            <a:r>
+              <a:rPr lang="en-CA" sz="1400" dirty="0" err="1">
+                <a:latin typeface="Calibri" panose="020F0502020204030204" pitchFamily="34" charset="0"/>
+                <a:cs typeface="Calibri" panose="020F0502020204030204" pitchFamily="34" charset="0"/>
+              </a:rPr>
+              <a:t>mpls</a:t>
+            </a:r>
+            <a:r>
+              <a:rPr lang="en-CA" sz="1400" dirty="0">
+                <a:latin typeface="Calibri" panose="020F0502020204030204" pitchFamily="34" charset="0"/>
+                <a:cs typeface="Calibri" panose="020F0502020204030204" pitchFamily="34" charset="0"/>
+              </a:rPr>
+              <a:t>-</a:t>
+            </a:r>
+            <a:r>
+              <a:rPr lang="en-CA" sz="1400" dirty="0" err="1">
+                <a:latin typeface="Calibri" panose="020F0502020204030204" pitchFamily="34" charset="0"/>
+                <a:cs typeface="Calibri" panose="020F0502020204030204" pitchFamily="34" charset="0"/>
+              </a:rPr>
+              <a:t>inband</a:t>
+            </a:r>
+            <a:r>
+              <a:rPr lang="en-CA" sz="1400" dirty="0">
+                <a:latin typeface="Calibri" panose="020F0502020204030204" pitchFamily="34" charset="0"/>
+                <a:cs typeface="Calibri" panose="020F0502020204030204" pitchFamily="34" charset="0"/>
+              </a:rPr>
+              <a:t>-pm-encapsulation</a:t>
+            </a:r>
+          </a:p>
+          <a:p>
+            <a:pPr>
+              <a:spcBef>
+                <a:spcPts val="600"/>
+              </a:spcBef>
+              <a:buFont typeface="+mj-lt"/>
+              <a:buAutoNum type="arabicPeriod"/>
+            </a:pPr>
+            <a:r>
+              <a:rPr lang="en-CA" sz="1400" dirty="0">
+                <a:latin typeface="Calibri" panose="020F0502020204030204" pitchFamily="34" charset="0"/>
+                <a:cs typeface="Calibri" panose="020F0502020204030204" pitchFamily="34" charset="0"/>
+              </a:rPr>
+              <a:t>IOAM data packets may require Entropy label for ECMP</a:t>
+            </a:r>
+          </a:p>
+          <a:p>
+            <a:pPr marL="457200" lvl="1" indent="0">
+              <a:buNone/>
+            </a:pPr>
+            <a:endParaRPr lang="en-CA" sz="1400" dirty="0">
+              <a:latin typeface="Calibri" panose="020F0502020204030204" pitchFamily="34" charset="0"/>
+              <a:cs typeface="Calibri" panose="020F0502020204030204" pitchFamily="34" charset="0"/>
             </a:endParaRPr>
           </a:p>
         </p:txBody>
@@ -6266,7 +6933,7 @@
     </p:spTree>
     <p:extLst>
       <p:ext uri="{BB962C8B-B14F-4D97-AF65-F5344CB8AC3E}">
-        <p14:creationId xmlns:p14="http://schemas.microsoft.com/office/powerpoint/2010/main" val="3685390437"/>
+        <p14:creationId xmlns:p14="http://schemas.microsoft.com/office/powerpoint/2010/main" val="2043014579"/>
       </p:ext>
     </p:extLst>
   </p:cSld>
@@ -6305,7 +6972,7 @@
         </p:nvSpPr>
         <p:spPr>
           <a:xfrm>
-            <a:off x="457200" y="0"/>
+            <a:off x="457200" y="-21771"/>
             <a:ext cx="8229600" cy="857250"/>
           </a:xfrm>
         </p:spPr>
@@ -6313,16 +6980,6 @@
           <a:bodyPr/>
           <a:lstStyle/>
           <a:p>
-            <a:r>
-              <a:rPr lang="en-US" sz="3200" dirty="0" err="1">
-                <a:solidFill>
-                  <a:srgbClr val="0070C0"/>
-                </a:solidFill>
-                <a:latin typeface="Calibri Light" panose="020F0302020204030204" pitchFamily="34" charset="0"/>
-                <a:cs typeface="Calibri Light" panose="020F0302020204030204" pitchFamily="34" charset="0"/>
-              </a:rPr>
-              <a:t>HbH</a:t>
-            </a:r>
             <a:r>
               <a:rPr lang="en-US" sz="3200" dirty="0">
                 <a:solidFill>
@@ -6331,7 +6988,7 @@
                 <a:latin typeface="Calibri Light" panose="020F0302020204030204" pitchFamily="34" charset="0"/>
                 <a:cs typeface="Calibri Light" panose="020F0302020204030204" pitchFamily="34" charset="0"/>
               </a:rPr>
-              <a:t> Indicator Label Allocation Methods</a:t>
+              <a:t>E2E IOAM Procedure</a:t>
             </a:r>
           </a:p>
         </p:txBody>
@@ -6348,8 +7005,8 @@
         </p:nvSpPr>
         <p:spPr>
           <a:xfrm>
-            <a:off x="609600" y="1001685"/>
-            <a:ext cx="7924800" cy="3140129"/>
+            <a:off x="533399" y="857250"/>
+            <a:ext cx="7982607" cy="3543300"/>
           </a:xfrm>
         </p:spPr>
         <p:txBody>
@@ -6357,98 +7014,98 @@
           <a:lstStyle/>
           <a:p>
             <a:pPr marL="457200" lvl="0" indent="-457200">
+              <a:lnSpc>
+                <a:spcPts val="2440"/>
+              </a:lnSpc>
+              <a:spcBef>
+                <a:spcPts val="600"/>
+              </a:spcBef>
               <a:buFont typeface="+mj-lt"/>
               <a:buAutoNum type="arabicPeriod"/>
             </a:pPr>
             <a:r>
               <a:rPr lang="en-CA" sz="1800" dirty="0"/>
-              <a:t>Extension Label (15) and Label assigned by IANA with value </a:t>
-            </a:r>
-            <a:r>
-              <a:rPr lang="en-CA" sz="1800" dirty="0">
-                <a:solidFill>
-                  <a:srgbClr val="0070C0"/>
-                </a:solidFill>
-              </a:rPr>
-              <a:t>TBA2</a:t>
-            </a:r>
-          </a:p>
-          <a:p>
-            <a:pPr lvl="1" indent="-342900">
-              <a:buFont typeface="Wingdings" pitchFamily="2" charset="2"/>
-              <a:buChar char="§"/>
-            </a:pPr>
-            <a:r>
-              <a:rPr lang="en-CA" sz="1800" dirty="0"/>
-              <a:t>From Extended Special Purpose Labels (</a:t>
-            </a:r>
-            <a:r>
-              <a:rPr lang="en-CA" sz="1800" dirty="0" err="1"/>
-              <a:t>eSPL</a:t>
-            </a:r>
-            <a:r>
-              <a:rPr lang="en-CA" sz="1800" dirty="0"/>
-              <a:t>) range</a:t>
+              <a:t>The encapsulating node inserts an E2E Indicator Label and one or more IOAM data field(s) in the MPLS header.</a:t>
             </a:r>
           </a:p>
           <a:p>
             <a:pPr marL="457200" lvl="0" indent="-457200">
+              <a:lnSpc>
+                <a:spcPts val="2440"/>
+              </a:lnSpc>
+              <a:spcBef>
+                <a:spcPts val="600"/>
+              </a:spcBef>
               <a:buFont typeface="+mj-lt"/>
               <a:buAutoNum type="arabicPeriod"/>
             </a:pPr>
             <a:r>
               <a:rPr lang="en-CA" sz="1800" dirty="0"/>
-              <a:t>Global Label allocated by a controller</a:t>
-            </a:r>
-          </a:p>
-          <a:p>
-            <a:pPr lvl="1" indent="-342900">
-              <a:buFont typeface="Wingdings" pitchFamily="2" charset="2"/>
-              <a:buChar char="§"/>
-            </a:pPr>
-            <a:r>
-              <a:rPr lang="en-CA" sz="1800" dirty="0"/>
-              <a:t>The controller provisions the label on encapsulating, </a:t>
-            </a:r>
-            <a:r>
-              <a:rPr lang="en-CA" sz="1800" dirty="0">
-                <a:solidFill>
-                  <a:srgbClr val="0070C0"/>
-                </a:solidFill>
-              </a:rPr>
-              <a:t>transit </a:t>
-            </a:r>
-            <a:r>
-              <a:rPr lang="en-CA" sz="1800" dirty="0"/>
-              <a:t>and decapsulating nodes</a:t>
+              <a:t>The transit (intermediate) nodes do not process IOAM data.</a:t>
             </a:r>
           </a:p>
           <a:p>
             <a:pPr marL="457200" lvl="0" indent="-457200">
+              <a:lnSpc>
+                <a:spcPts val="2440"/>
+              </a:lnSpc>
+              <a:spcBef>
+                <a:spcPts val="600"/>
+              </a:spcBef>
               <a:buFont typeface="+mj-lt"/>
               <a:buAutoNum type="arabicPeriod"/>
             </a:pPr>
             <a:r>
-              <a:rPr lang="en-CA" sz="1800" dirty="0">
-                <a:solidFill>
-                  <a:srgbClr val="0070C0"/>
-                </a:solidFill>
-              </a:rPr>
-              <a:t>The IOAM Enabled Label allocated by the transit and decapsulating nodes</a:t>
-            </a:r>
-          </a:p>
-          <a:p>
-            <a:pPr lvl="1" indent="-342900">
-              <a:buFont typeface="Wingdings" pitchFamily="2" charset="2"/>
-              <a:buChar char="§"/>
+              <a:rPr lang="en-CA" sz="1800" dirty="0"/>
+              <a:t>The decapsulating node "punts the timestamped copy" of the data packet including IOAM data field(s). </a:t>
+            </a:r>
+          </a:p>
+          <a:p>
+            <a:pPr marL="857250" lvl="1" indent="-457200">
+              <a:lnSpc>
+                <a:spcPts val="2440"/>
+              </a:lnSpc>
+              <a:spcBef>
+                <a:spcPts val="600"/>
+              </a:spcBef>
+              <a:buFont typeface="+mj-lt"/>
+              <a:buAutoNum type="alphaLcPeriod"/>
             </a:pPr>
             <a:r>
-              <a:rPr lang="en-CA" sz="1800" dirty="0">
-                <a:solidFill>
-                  <a:srgbClr val="0070C0"/>
-                </a:solidFill>
-              </a:rPr>
-              <a:t>Signaling/advertisement extensions needed to convey the label to all encapsulating nodes (out of scope)</a:t>
+              <a:rPr lang="en-CA" sz="1800" dirty="0"/>
+              <a:t>The decapsulating node for E2E IOAM also pops the IOAM Indicator Label and the IOAM data field(s) from the MPLS header.</a:t>
+            </a:r>
+          </a:p>
+          <a:p>
+            <a:pPr marL="857250" lvl="1" indent="-457200">
+              <a:lnSpc>
+                <a:spcPts val="2440"/>
+              </a:lnSpc>
+              <a:spcBef>
+                <a:spcPts val="600"/>
+              </a:spcBef>
+              <a:buFont typeface="+mj-lt"/>
+              <a:buAutoNum type="alphaLcPeriod"/>
+            </a:pPr>
+            <a:r>
+              <a:rPr lang="en-CA" sz="1800" dirty="0"/>
+              <a:t>The decapsulating node processes IOAM data field(s).</a:t>
+            </a:r>
+          </a:p>
+          <a:p>
+            <a:pPr marL="857250" lvl="1" indent="-457200">
+              <a:lnSpc>
+                <a:spcPts val="2440"/>
+              </a:lnSpc>
+              <a:spcBef>
+                <a:spcPts val="600"/>
+              </a:spcBef>
+              <a:buFont typeface="+mj-lt"/>
+              <a:buAutoNum type="alphaLcPeriod"/>
+            </a:pPr>
+            <a:r>
+              <a:rPr lang="en-CA" sz="1800" dirty="0"/>
+              <a:t>The decapsulating node forwards the data packet downstream.</a:t>
             </a:r>
           </a:p>
         </p:txBody>
@@ -6520,7 +7177,7 @@
     </p:spTree>
     <p:extLst>
       <p:ext uri="{BB962C8B-B14F-4D97-AF65-F5344CB8AC3E}">
-        <p14:creationId xmlns:p14="http://schemas.microsoft.com/office/powerpoint/2010/main" val="74835941"/>
+        <p14:creationId xmlns:p14="http://schemas.microsoft.com/office/powerpoint/2010/main" val="754385385"/>
       </p:ext>
     </p:extLst>
   </p:cSld>
@@ -6549,6 +7206,984 @@
       </p:grpSpPr>
       <p:sp>
         <p:nvSpPr>
+          <p:cNvPr id="4" name="Footer Placeholder 3"/>
+          <p:cNvSpPr>
+            <a:spLocks noGrp="1"/>
+          </p:cNvSpPr>
+          <p:nvPr>
+            <p:ph type="ftr" sz="quarter" idx="11"/>
+          </p:nvPr>
+        </p:nvSpPr>
+        <p:spPr>
+          <a:xfrm>
+            <a:off x="3124200" y="4787315"/>
+            <a:ext cx="2895600" cy="357188"/>
+          </a:xfrm>
+        </p:spPr>
+        <p:txBody>
+          <a:bodyPr/>
+          <a:lstStyle/>
+          <a:p>
+            <a:r>
+              <a:rPr lang="en-CA" dirty="0"/>
+              <a:t>110</a:t>
+            </a:r>
+            <a:r>
+              <a:rPr lang="en-CA" baseline="30000" dirty="0"/>
+              <a:t>th</a:t>
+            </a:r>
+            <a:r>
+              <a:rPr lang="en-CA" dirty="0"/>
+              <a:t> IETF Online</a:t>
+            </a:r>
+          </a:p>
+        </p:txBody>
+      </p:sp>
+      <p:sp>
+        <p:nvSpPr>
+          <p:cNvPr id="5" name="Rectangle 2"/>
+          <p:cNvSpPr txBox="1">
+            <a:spLocks noChangeArrowheads="1"/>
+          </p:cNvSpPr>
+          <p:nvPr/>
+        </p:nvSpPr>
+        <p:spPr bwMode="auto">
+          <a:xfrm>
+            <a:off x="685800" y="2020490"/>
+            <a:ext cx="7772400" cy="1102519"/>
+          </a:xfrm>
+          <a:prstGeom prst="rect">
+            <a:avLst/>
+          </a:prstGeom>
+          <a:noFill/>
+          <a:ln w="9525">
+            <a:noFill/>
+            <a:miter lim="800000"/>
+            <a:headEnd/>
+            <a:tailEnd/>
+          </a:ln>
+          <a:effectLst/>
+        </p:spPr>
+        <p:txBody>
+          <a:bodyPr vert="horz" wrap="square" lIns="91440" tIns="45720" rIns="91440" bIns="45720" numCol="1" anchor="ctr" anchorCtr="0" compatLnSpc="1">
+            <a:prstTxWarp prst="textNoShape">
+              <a:avLst/>
+            </a:prstTxWarp>
+          </a:bodyPr>
+          <a:lstStyle>
+            <a:lvl1pPr algn="ctr" rtl="0" eaLnBrk="0" fontAlgn="base" hangingPunct="0">
+              <a:spcBef>
+                <a:spcPct val="0"/>
+              </a:spcBef>
+              <a:spcAft>
+                <a:spcPct val="0"/>
+              </a:spcAft>
+              <a:defRPr sz="4400">
+                <a:solidFill>
+                  <a:schemeClr val="tx2"/>
+                </a:solidFill>
+                <a:latin typeface="+mj-lt"/>
+                <a:ea typeface="+mj-ea"/>
+                <a:cs typeface="+mj-cs"/>
+              </a:defRPr>
+            </a:lvl1pPr>
+            <a:lvl2pPr algn="ctr" rtl="0" eaLnBrk="0" fontAlgn="base" hangingPunct="0">
+              <a:spcBef>
+                <a:spcPct val="0"/>
+              </a:spcBef>
+              <a:spcAft>
+                <a:spcPct val="0"/>
+              </a:spcAft>
+              <a:defRPr sz="4400">
+                <a:solidFill>
+                  <a:schemeClr val="tx2"/>
+                </a:solidFill>
+                <a:latin typeface="Arial" charset="0"/>
+                <a:ea typeface="宋体" pitchFamily="2" charset="-122"/>
+              </a:defRPr>
+            </a:lvl2pPr>
+            <a:lvl3pPr algn="ctr" rtl="0" eaLnBrk="0" fontAlgn="base" hangingPunct="0">
+              <a:spcBef>
+                <a:spcPct val="0"/>
+              </a:spcBef>
+              <a:spcAft>
+                <a:spcPct val="0"/>
+              </a:spcAft>
+              <a:defRPr sz="4400">
+                <a:solidFill>
+                  <a:schemeClr val="tx2"/>
+                </a:solidFill>
+                <a:latin typeface="Arial" charset="0"/>
+                <a:ea typeface="宋体" pitchFamily="2" charset="-122"/>
+              </a:defRPr>
+            </a:lvl3pPr>
+            <a:lvl4pPr algn="ctr" rtl="0" eaLnBrk="0" fontAlgn="base" hangingPunct="0">
+              <a:spcBef>
+                <a:spcPct val="0"/>
+              </a:spcBef>
+              <a:spcAft>
+                <a:spcPct val="0"/>
+              </a:spcAft>
+              <a:defRPr sz="4400">
+                <a:solidFill>
+                  <a:schemeClr val="tx2"/>
+                </a:solidFill>
+                <a:latin typeface="Arial" charset="0"/>
+                <a:ea typeface="宋体" pitchFamily="2" charset="-122"/>
+              </a:defRPr>
+            </a:lvl4pPr>
+            <a:lvl5pPr algn="ctr" rtl="0" eaLnBrk="0" fontAlgn="base" hangingPunct="0">
+              <a:spcBef>
+                <a:spcPct val="0"/>
+              </a:spcBef>
+              <a:spcAft>
+                <a:spcPct val="0"/>
+              </a:spcAft>
+              <a:defRPr sz="4400">
+                <a:solidFill>
+                  <a:schemeClr val="tx2"/>
+                </a:solidFill>
+                <a:latin typeface="Arial" charset="0"/>
+                <a:ea typeface="宋体" pitchFamily="2" charset="-122"/>
+              </a:defRPr>
+            </a:lvl5pPr>
+            <a:lvl6pPr marL="457200" algn="ctr" rtl="0" fontAlgn="base">
+              <a:spcBef>
+                <a:spcPct val="0"/>
+              </a:spcBef>
+              <a:spcAft>
+                <a:spcPct val="0"/>
+              </a:spcAft>
+              <a:defRPr sz="4400">
+                <a:solidFill>
+                  <a:schemeClr val="tx2"/>
+                </a:solidFill>
+                <a:latin typeface="Arial" charset="0"/>
+                <a:ea typeface="宋体" pitchFamily="2" charset="-122"/>
+              </a:defRPr>
+            </a:lvl6pPr>
+            <a:lvl7pPr marL="914400" algn="ctr" rtl="0" fontAlgn="base">
+              <a:spcBef>
+                <a:spcPct val="0"/>
+              </a:spcBef>
+              <a:spcAft>
+                <a:spcPct val="0"/>
+              </a:spcAft>
+              <a:defRPr sz="4400">
+                <a:solidFill>
+                  <a:schemeClr val="tx2"/>
+                </a:solidFill>
+                <a:latin typeface="Arial" charset="0"/>
+                <a:ea typeface="宋体" pitchFamily="2" charset="-122"/>
+              </a:defRPr>
+            </a:lvl7pPr>
+            <a:lvl8pPr marL="1371600" algn="ctr" rtl="0" fontAlgn="base">
+              <a:spcBef>
+                <a:spcPct val="0"/>
+              </a:spcBef>
+              <a:spcAft>
+                <a:spcPct val="0"/>
+              </a:spcAft>
+              <a:defRPr sz="4400">
+                <a:solidFill>
+                  <a:schemeClr val="tx2"/>
+                </a:solidFill>
+                <a:latin typeface="Arial" charset="0"/>
+                <a:ea typeface="宋体" pitchFamily="2" charset="-122"/>
+              </a:defRPr>
+            </a:lvl8pPr>
+            <a:lvl9pPr marL="1828800" algn="ctr" rtl="0" fontAlgn="base">
+              <a:spcBef>
+                <a:spcPct val="0"/>
+              </a:spcBef>
+              <a:spcAft>
+                <a:spcPct val="0"/>
+              </a:spcAft>
+              <a:defRPr sz="4400">
+                <a:solidFill>
+                  <a:schemeClr val="tx2"/>
+                </a:solidFill>
+                <a:latin typeface="Arial" charset="0"/>
+                <a:ea typeface="宋体" pitchFamily="2" charset="-122"/>
+              </a:defRPr>
+            </a:lvl9pPr>
+          </a:lstStyle>
+          <a:p>
+            <a:pPr algn="l" eaLnBrk="1" hangingPunct="1">
+              <a:defRPr/>
+            </a:pPr>
+            <a:r>
+              <a:rPr lang="en-US" altLang="zh-CN" sz="4000" kern="0" dirty="0" err="1">
+                <a:effectLst>
+                  <a:outerShdw blurRad="38100" dist="38100" dir="2700000" algn="tl">
+                    <a:srgbClr val="C0C0C0"/>
+                  </a:outerShdw>
+                </a:effectLst>
+                <a:latin typeface="Calibri" charset="0"/>
+                <a:ea typeface="Calibri" charset="0"/>
+                <a:cs typeface="Calibri" charset="0"/>
+              </a:rPr>
+              <a:t>HbH</a:t>
+            </a:r>
+            <a:r>
+              <a:rPr lang="en-US" altLang="zh-CN" sz="4000" kern="0" dirty="0">
+                <a:effectLst>
+                  <a:outerShdw blurRad="38100" dist="38100" dir="2700000" algn="tl">
+                    <a:srgbClr val="C0C0C0"/>
+                  </a:outerShdw>
+                </a:effectLst>
+                <a:latin typeface="Calibri" charset="0"/>
+                <a:ea typeface="Calibri" charset="0"/>
+                <a:cs typeface="Calibri" charset="0"/>
+              </a:rPr>
+              <a:t> IOAM</a:t>
+            </a:r>
+          </a:p>
+        </p:txBody>
+      </p:sp>
+      <p:sp>
+        <p:nvSpPr>
+          <p:cNvPr id="2" name="Slide Number Placeholder 1"/>
+          <p:cNvSpPr>
+            <a:spLocks noGrp="1"/>
+          </p:cNvSpPr>
+          <p:nvPr>
+            <p:ph type="sldNum" sz="quarter" idx="12"/>
+          </p:nvPr>
+        </p:nvSpPr>
+        <p:spPr/>
+        <p:txBody>
+          <a:bodyPr/>
+          <a:lstStyle/>
+          <a:p>
+            <a:pPr>
+              <a:defRPr/>
+            </a:pPr>
+            <a:fld id="{BD6E0F59-1DD8-40FC-9C92-B6295CBA6CCA}" type="slidenum">
+              <a:rPr lang="en-US" altLang="zh-CN" smtClean="0"/>
+              <a:pPr>
+                <a:defRPr/>
+              </a:pPr>
+              <a:t>13</a:t>
+            </a:fld>
+            <a:endParaRPr lang="en-US" altLang="zh-CN"/>
+          </a:p>
+        </p:txBody>
+      </p:sp>
+    </p:spTree>
+    <p:extLst>
+      <p:ext uri="{BB962C8B-B14F-4D97-AF65-F5344CB8AC3E}">
+        <p14:creationId xmlns:p14="http://schemas.microsoft.com/office/powerpoint/2010/main" val="3569701818"/>
+      </p:ext>
+    </p:extLst>
+  </p:cSld>
+  <p:clrMapOvr>
+    <a:masterClrMapping/>
+  </p:clrMapOvr>
+</p:sld>
+</file>
+
+<file path=ppt/slides/slide14.xml><?xml version="1.0" encoding="utf-8"?>
+<p:sld xmlns:a="http://schemas.openxmlformats.org/drawingml/2006/main" xmlns:r="http://schemas.openxmlformats.org/officeDocument/2006/relationships" xmlns:p="http://schemas.openxmlformats.org/presentationml/2006/main">
+  <p:cSld>
+    <p:spTree>
+      <p:nvGrpSpPr>
+        <p:cNvPr id="1" name=""/>
+        <p:cNvGrpSpPr/>
+        <p:nvPr/>
+      </p:nvGrpSpPr>
+      <p:grpSpPr>
+        <a:xfrm>
+          <a:off x="0" y="0"/>
+          <a:ext cx="0" cy="0"/>
+          <a:chOff x="0" y="0"/>
+          <a:chExt cx="0" cy="0"/>
+        </a:xfrm>
+      </p:grpSpPr>
+      <p:sp>
+        <p:nvSpPr>
+          <p:cNvPr id="2" name="Title 1">
+            <a:extLst>
+              <a:ext uri="{FF2B5EF4-FFF2-40B4-BE49-F238E27FC236}">
+                <a16:creationId xmlns:a16="http://schemas.microsoft.com/office/drawing/2014/main" id="{590D0125-5A9E-9D48-9391-85FBD0E608A2}"/>
+              </a:ext>
+            </a:extLst>
+          </p:cNvPr>
+          <p:cNvSpPr>
+            <a:spLocks noGrp="1"/>
+          </p:cNvSpPr>
+          <p:nvPr>
+            <p:ph type="title"/>
+          </p:nvPr>
+        </p:nvSpPr>
+        <p:spPr>
+          <a:xfrm>
+            <a:off x="914400" y="102393"/>
+            <a:ext cx="7086600" cy="599270"/>
+          </a:xfrm>
+        </p:spPr>
+        <p:txBody>
+          <a:bodyPr/>
+          <a:lstStyle/>
+          <a:p>
+            <a:pPr algn="l"/>
+            <a:r>
+              <a:rPr lang="en-CA" sz="3200" dirty="0" err="1">
+                <a:solidFill>
+                  <a:srgbClr val="0070C0"/>
+                </a:solidFill>
+                <a:latin typeface="Calibri Light" panose="020F0302020204030204" pitchFamily="34" charset="0"/>
+                <a:cs typeface="Calibri Light" panose="020F0302020204030204" pitchFamily="34" charset="0"/>
+              </a:rPr>
+              <a:t>HbH</a:t>
+            </a:r>
+            <a:r>
+              <a:rPr lang="en-CA" sz="3200" dirty="0">
+                <a:solidFill>
+                  <a:srgbClr val="0070C0"/>
+                </a:solidFill>
+                <a:latin typeface="Calibri Light" panose="020F0302020204030204" pitchFamily="34" charset="0"/>
+                <a:cs typeface="Calibri Light" panose="020F0302020204030204" pitchFamily="34" charset="0"/>
+              </a:rPr>
+              <a:t> IOAM Encapsulation in MPLS Header</a:t>
+            </a:r>
+            <a:endParaRPr lang="en-US" sz="3200" dirty="0">
+              <a:solidFill>
+                <a:srgbClr val="0070C0"/>
+              </a:solidFill>
+              <a:latin typeface="Calibri Light" panose="020F0302020204030204" pitchFamily="34" charset="0"/>
+              <a:cs typeface="Calibri Light" panose="020F0302020204030204" pitchFamily="34" charset="0"/>
+            </a:endParaRPr>
+          </a:p>
+        </p:txBody>
+      </p:sp>
+      <p:sp>
+        <p:nvSpPr>
+          <p:cNvPr id="4" name="Footer Placeholder 3">
+            <a:extLst>
+              <a:ext uri="{FF2B5EF4-FFF2-40B4-BE49-F238E27FC236}">
+                <a16:creationId xmlns:a16="http://schemas.microsoft.com/office/drawing/2014/main" id="{87713FCD-3B47-804D-B373-DAB61FB5FF59}"/>
+              </a:ext>
+            </a:extLst>
+          </p:cNvPr>
+          <p:cNvSpPr>
+            <a:spLocks noGrp="1"/>
+          </p:cNvSpPr>
+          <p:nvPr>
+            <p:ph type="ftr" sz="quarter" idx="11"/>
+          </p:nvPr>
+        </p:nvSpPr>
+        <p:spPr>
+          <a:xfrm>
+            <a:off x="3124200" y="4781550"/>
+            <a:ext cx="2895600" cy="357188"/>
+          </a:xfrm>
+        </p:spPr>
+        <p:txBody>
+          <a:bodyPr/>
+          <a:lstStyle/>
+          <a:p>
+            <a:r>
+              <a:rPr lang="en-CA" dirty="0"/>
+              <a:t>110</a:t>
+            </a:r>
+            <a:r>
+              <a:rPr lang="en-CA" baseline="30000" dirty="0"/>
+              <a:t>th</a:t>
+            </a:r>
+            <a:r>
+              <a:rPr lang="en-CA" dirty="0"/>
+              <a:t> IETF Online</a:t>
+            </a:r>
+          </a:p>
+        </p:txBody>
+      </p:sp>
+      <p:sp>
+        <p:nvSpPr>
+          <p:cNvPr id="5" name="Slide Number Placeholder 4">
+            <a:extLst>
+              <a:ext uri="{FF2B5EF4-FFF2-40B4-BE49-F238E27FC236}">
+                <a16:creationId xmlns:a16="http://schemas.microsoft.com/office/drawing/2014/main" id="{1371408B-9195-EC4D-8131-A3F5CC0592D0}"/>
+              </a:ext>
+            </a:extLst>
+          </p:cNvPr>
+          <p:cNvSpPr>
+            <a:spLocks noGrp="1"/>
+          </p:cNvSpPr>
+          <p:nvPr>
+            <p:ph type="sldNum" sz="quarter" idx="12"/>
+          </p:nvPr>
+        </p:nvSpPr>
+        <p:spPr/>
+        <p:txBody>
+          <a:bodyPr/>
+          <a:lstStyle/>
+          <a:p>
+            <a:pPr>
+              <a:defRPr/>
+            </a:pPr>
+            <a:fld id="{BD6E0F59-1DD8-40FC-9C92-B6295CBA6CCA}" type="slidenum">
+              <a:rPr lang="en-US" altLang="zh-CN" smtClean="0"/>
+              <a:pPr>
+                <a:defRPr/>
+              </a:pPr>
+              <a:t>14</a:t>
+            </a:fld>
+            <a:endParaRPr lang="en-US" altLang="zh-CN"/>
+          </a:p>
+        </p:txBody>
+      </p:sp>
+      <p:sp>
+        <p:nvSpPr>
+          <p:cNvPr id="6" name="Rectangle 5">
+            <a:extLst>
+              <a:ext uri="{FF2B5EF4-FFF2-40B4-BE49-F238E27FC236}">
+                <a16:creationId xmlns:a16="http://schemas.microsoft.com/office/drawing/2014/main" id="{1EED4007-3A19-0E4E-8496-6CECEEA363EB}"/>
+              </a:ext>
+            </a:extLst>
+          </p:cNvPr>
+          <p:cNvSpPr/>
+          <p:nvPr/>
+        </p:nvSpPr>
+        <p:spPr>
+          <a:xfrm>
+            <a:off x="1828800" y="1005066"/>
+            <a:ext cx="5105400" cy="3277820"/>
+          </a:xfrm>
+          <a:prstGeom prst="rect">
+            <a:avLst/>
+          </a:prstGeom>
+          <a:solidFill>
+            <a:schemeClr val="accent6">
+              <a:lumMod val="20000"/>
+              <a:lumOff val="80000"/>
+            </a:schemeClr>
+          </a:solidFill>
+        </p:spPr>
+        <p:txBody>
+          <a:bodyPr wrap="square">
+            <a:spAutoFit/>
+          </a:bodyPr>
+          <a:lstStyle/>
+          <a:p>
+            <a:r>
+              <a:rPr lang="en-CA" sz="900" dirty="0">
+                <a:latin typeface="Courier" pitchFamily="2" charset="0"/>
+              </a:rPr>
+              <a:t>   0                   1                   2                   3</a:t>
+            </a:r>
+          </a:p>
+          <a:p>
+            <a:r>
+              <a:rPr lang="en-CA" sz="900" dirty="0">
+                <a:latin typeface="Courier" pitchFamily="2" charset="0"/>
+              </a:rPr>
+              <a:t>   0 1 2 3 4 5 6 7 8 9 0 1 2 3 4 5 6 7 8 9 0 1 2 3 4 5 6 7 8 9 0 1</a:t>
+            </a:r>
+          </a:p>
+          <a:p>
+            <a:r>
+              <a:rPr lang="en-CA" sz="900" dirty="0">
+                <a:latin typeface="Courier" pitchFamily="2" charset="0"/>
+              </a:rPr>
+              <a:t>   +-+-+-+-+-+-+-+-+-+-+-+-+-+-+-+-+-+-+-+-+-+-+-+-+-+-+-+-+-+-+-+-+</a:t>
+            </a:r>
+          </a:p>
+          <a:p>
+            <a:r>
+              <a:rPr lang="en-CA" sz="900" dirty="0">
+                <a:latin typeface="Courier" pitchFamily="2" charset="0"/>
+              </a:rPr>
+              <a:t>   |  </a:t>
+            </a:r>
+            <a:r>
+              <a:rPr lang="en-CA" sz="900" b="1" dirty="0" err="1">
+                <a:latin typeface="Courier" pitchFamily="2" charset="0"/>
+              </a:rPr>
+              <a:t>HbH</a:t>
+            </a:r>
+            <a:r>
+              <a:rPr lang="en-CA" sz="900" b="1" dirty="0">
+                <a:latin typeface="Courier" pitchFamily="2" charset="0"/>
+              </a:rPr>
+              <a:t> IOAM Indicator Label             </a:t>
+            </a:r>
+            <a:r>
+              <a:rPr lang="en-CA" sz="900" dirty="0">
+                <a:latin typeface="Courier" pitchFamily="2" charset="0"/>
+              </a:rPr>
+              <a:t>| TC  |1|  TTL          |</a:t>
+            </a:r>
+          </a:p>
+          <a:p>
+            <a:r>
+              <a:rPr lang="en-CA" sz="900" dirty="0">
+                <a:latin typeface="Courier" pitchFamily="2" charset="0"/>
+              </a:rPr>
+              <a:t>   +-+-+-+-+-+-+-+-+-+-+-+-+-+-+-+-+-+-+-+-+-+-+-+-+-+-+-+-+-+-+-+-+&lt;-+ </a:t>
+            </a:r>
+          </a:p>
+          <a:p>
+            <a:r>
+              <a:rPr lang="en-CA" sz="900" dirty="0">
+                <a:latin typeface="Courier" pitchFamily="2" charset="0"/>
+              </a:rPr>
+              <a:t>   |0 0 0 1|Version| Reserved      | IOAM G-</a:t>
+            </a:r>
+            <a:r>
+              <a:rPr lang="en-CA" sz="900" dirty="0" err="1">
+                <a:latin typeface="Courier" pitchFamily="2" charset="0"/>
+              </a:rPr>
+              <a:t>ACh</a:t>
+            </a:r>
+            <a:r>
+              <a:rPr lang="en-CA" sz="900" dirty="0">
+                <a:latin typeface="Courier" pitchFamily="2" charset="0"/>
+              </a:rPr>
+              <a:t>                    |  | </a:t>
+            </a:r>
+          </a:p>
+          <a:p>
+            <a:r>
+              <a:rPr lang="en-CA" sz="900" dirty="0">
+                <a:latin typeface="Courier" pitchFamily="2" charset="0"/>
+              </a:rPr>
+              <a:t>   +-+-+-+-+-+-+-+-+-+-+-+-+-+-+-+-+-+-+-+-+-+-+-+-+-+-+-+-+-+-+-+-+  | </a:t>
+            </a:r>
+          </a:p>
+          <a:p>
+            <a:r>
+              <a:rPr lang="en-CA" sz="900" dirty="0">
+                <a:latin typeface="Courier" pitchFamily="2" charset="0"/>
+              </a:rPr>
+              <a:t>   | Reserved      | Block Number  | IOAM-OPT-Type |IOAM HDR Length|  |</a:t>
+            </a:r>
+          </a:p>
+          <a:p>
+            <a:r>
+              <a:rPr lang="en-CA" sz="900" dirty="0">
+                <a:latin typeface="Courier" pitchFamily="2" charset="0"/>
+              </a:rPr>
+              <a:t>   +-+-+-+-+-+-+-+-+-+-+-+-+-+-+-+-+-+-+-+-+-+-+-+-+-+-+-+-+-+-+-+-+  I</a:t>
+            </a:r>
+          </a:p>
+          <a:p>
+            <a:r>
+              <a:rPr lang="en-CA" sz="900" dirty="0">
+                <a:latin typeface="Courier" pitchFamily="2" charset="0"/>
+              </a:rPr>
+              <a:t>   |                                                               |  O</a:t>
+            </a:r>
+          </a:p>
+          <a:p>
+            <a:r>
+              <a:rPr lang="en-CA" sz="900" dirty="0">
+                <a:latin typeface="Courier" pitchFamily="2" charset="0"/>
+              </a:rPr>
+              <a:t>   |                                                               |  A</a:t>
+            </a:r>
+          </a:p>
+          <a:p>
+            <a:r>
+              <a:rPr lang="en-CA" sz="900" dirty="0">
+                <a:latin typeface="Courier" pitchFamily="2" charset="0"/>
+              </a:rPr>
+              <a:t>   ~                 IOAM Option and Data Space                    ~  M</a:t>
+            </a:r>
+          </a:p>
+          <a:p>
+            <a:r>
+              <a:rPr lang="en-CA" sz="900" dirty="0">
+                <a:latin typeface="Courier" pitchFamily="2" charset="0"/>
+              </a:rPr>
+              <a:t>   |                                                               |  |</a:t>
+            </a:r>
+          </a:p>
+          <a:p>
+            <a:r>
+              <a:rPr lang="en-CA" sz="900" dirty="0">
+                <a:latin typeface="Courier" pitchFamily="2" charset="0"/>
+              </a:rPr>
+              <a:t>   |                                                               |  |</a:t>
+            </a:r>
+          </a:p>
+          <a:p>
+            <a:r>
+              <a:rPr lang="en-CA" sz="900" dirty="0">
+                <a:latin typeface="Courier" pitchFamily="2" charset="0"/>
+              </a:rPr>
+              <a:t>   +-+-+-+-+-+-+-+-+-+-+-+-+-+-+-+-+-+-+-+-+-+-+-+-+-+-+-+-+-+-+-+-+&lt;-+</a:t>
+            </a:r>
+          </a:p>
+          <a:p>
+            <a:r>
+              <a:rPr lang="en-CA" sz="900" dirty="0">
+                <a:latin typeface="Courier" pitchFamily="2" charset="0"/>
+              </a:rPr>
+              <a:t>   |                                                               |</a:t>
+            </a:r>
+          </a:p>
+          <a:p>
+            <a:r>
+              <a:rPr lang="en-CA" sz="900" dirty="0">
+                <a:latin typeface="Courier" pitchFamily="2" charset="0"/>
+              </a:rPr>
+              <a:t>   |                                                               |</a:t>
+            </a:r>
+          </a:p>
+          <a:p>
+            <a:r>
+              <a:rPr lang="en-CA" sz="900" dirty="0">
+                <a:latin typeface="Courier" pitchFamily="2" charset="0"/>
+              </a:rPr>
+              <a:t>   ~                 Payload + Padding                             ~</a:t>
+            </a:r>
+          </a:p>
+          <a:p>
+            <a:r>
+              <a:rPr lang="en-CA" sz="900" dirty="0">
+                <a:latin typeface="Courier" pitchFamily="2" charset="0"/>
+              </a:rPr>
+              <a:t>   |                                                               |</a:t>
+            </a:r>
+          </a:p>
+          <a:p>
+            <a:r>
+              <a:rPr lang="en-CA" sz="900" dirty="0">
+                <a:latin typeface="Courier" pitchFamily="2" charset="0"/>
+              </a:rPr>
+              <a:t>   |                                                               |</a:t>
+            </a:r>
+          </a:p>
+          <a:p>
+            <a:r>
+              <a:rPr lang="en-CA" sz="900" dirty="0">
+                <a:latin typeface="Courier" pitchFamily="2" charset="0"/>
+              </a:rPr>
+              <a:t>   +-+-+-+-+-+-+-+-+-+-+-+-+-+-+-+-+-+-+-+-+-+-+-+-+-+-+-+-+-+-+-+-+</a:t>
+            </a:r>
+          </a:p>
+          <a:p>
+            <a:r>
+              <a:rPr lang="en-CA" sz="900" dirty="0">
+                <a:latin typeface="Courier" pitchFamily="2" charset="0"/>
+              </a:rPr>
+              <a:t> </a:t>
+            </a:r>
+          </a:p>
+          <a:p>
+            <a:r>
+              <a:rPr lang="en-CA" sz="900" dirty="0">
+                <a:latin typeface="Courier" pitchFamily="2" charset="0"/>
+              </a:rPr>
+              <a:t>              Figure: </a:t>
+            </a:r>
+            <a:r>
+              <a:rPr lang="en-CA" sz="900" dirty="0" err="1">
+                <a:latin typeface="Courier" pitchFamily="2" charset="0"/>
+              </a:rPr>
+              <a:t>HbH</a:t>
+            </a:r>
+            <a:r>
+              <a:rPr lang="en-CA" sz="900" dirty="0">
+                <a:latin typeface="Courier" pitchFamily="2" charset="0"/>
+              </a:rPr>
+              <a:t> IOAM Encapsulation in MPLS Header</a:t>
+            </a:r>
+            <a:endParaRPr lang="en-CA" sz="900" dirty="0">
+              <a:latin typeface="Courier" pitchFamily="2" charset="0"/>
+              <a:ea typeface="Calibri" panose="020F0502020204030204" pitchFamily="34" charset="0"/>
+              <a:cs typeface="Times New Roman" panose="02020603050405020304" pitchFamily="18" charset="0"/>
+            </a:endParaRPr>
+          </a:p>
+        </p:txBody>
+      </p:sp>
+    </p:spTree>
+    <p:extLst>
+      <p:ext uri="{BB962C8B-B14F-4D97-AF65-F5344CB8AC3E}">
+        <p14:creationId xmlns:p14="http://schemas.microsoft.com/office/powerpoint/2010/main" val="3685390437"/>
+      </p:ext>
+    </p:extLst>
+  </p:cSld>
+  <p:clrMapOvr>
+    <a:masterClrMapping/>
+  </p:clrMapOvr>
+</p:sld>
+</file>
+
+<file path=ppt/slides/slide15.xml><?xml version="1.0" encoding="utf-8"?>
+<p:sld xmlns:a="http://schemas.openxmlformats.org/drawingml/2006/main" xmlns:r="http://schemas.openxmlformats.org/officeDocument/2006/relationships" xmlns:p="http://schemas.openxmlformats.org/presentationml/2006/main">
+  <p:cSld>
+    <p:spTree>
+      <p:nvGrpSpPr>
+        <p:cNvPr id="1" name=""/>
+        <p:cNvGrpSpPr/>
+        <p:nvPr/>
+      </p:nvGrpSpPr>
+      <p:grpSpPr>
+        <a:xfrm>
+          <a:off x="0" y="0"/>
+          <a:ext cx="0" cy="0"/>
+          <a:chOff x="0" y="0"/>
+          <a:chExt cx="0" cy="0"/>
+        </a:xfrm>
+      </p:grpSpPr>
+      <p:sp>
+        <p:nvSpPr>
+          <p:cNvPr id="2" name="Title 1"/>
+          <p:cNvSpPr>
+            <a:spLocks noGrp="1"/>
+          </p:cNvSpPr>
+          <p:nvPr>
+            <p:ph type="title"/>
+          </p:nvPr>
+        </p:nvSpPr>
+        <p:spPr>
+          <a:xfrm>
+            <a:off x="457200" y="0"/>
+            <a:ext cx="8229600" cy="857250"/>
+          </a:xfrm>
+        </p:spPr>
+        <p:txBody>
+          <a:bodyPr/>
+          <a:lstStyle/>
+          <a:p>
+            <a:r>
+              <a:rPr lang="en-US" sz="3200" dirty="0" err="1">
+                <a:solidFill>
+                  <a:srgbClr val="0070C0"/>
+                </a:solidFill>
+                <a:latin typeface="Calibri Light" panose="020F0302020204030204" pitchFamily="34" charset="0"/>
+                <a:cs typeface="Calibri Light" panose="020F0302020204030204" pitchFamily="34" charset="0"/>
+              </a:rPr>
+              <a:t>HbH</a:t>
+            </a:r>
+            <a:r>
+              <a:rPr lang="en-US" sz="3200" dirty="0">
+                <a:solidFill>
+                  <a:srgbClr val="0070C0"/>
+                </a:solidFill>
+                <a:latin typeface="Calibri Light" panose="020F0302020204030204" pitchFamily="34" charset="0"/>
+                <a:cs typeface="Calibri Light" panose="020F0302020204030204" pitchFamily="34" charset="0"/>
+              </a:rPr>
+              <a:t> Indicator Label Allocation Methods</a:t>
+            </a:r>
+          </a:p>
+        </p:txBody>
+      </p:sp>
+      <p:sp>
+        <p:nvSpPr>
+          <p:cNvPr id="3" name="Content Placeholder 2"/>
+          <p:cNvSpPr>
+            <a:spLocks noGrp="1"/>
+          </p:cNvSpPr>
+          <p:nvPr>
+            <p:ph idx="1"/>
+          </p:nvPr>
+        </p:nvSpPr>
+        <p:spPr>
+          <a:xfrm>
+            <a:off x="609600" y="1001685"/>
+            <a:ext cx="7924800" cy="3140129"/>
+          </a:xfrm>
+        </p:spPr>
+        <p:txBody>
+          <a:bodyPr/>
+          <a:lstStyle/>
+          <a:p>
+            <a:pPr marL="457200" lvl="0" indent="-457200">
+              <a:buFont typeface="+mj-lt"/>
+              <a:buAutoNum type="arabicPeriod"/>
+            </a:pPr>
+            <a:r>
+              <a:rPr lang="en-CA" sz="1800" dirty="0"/>
+              <a:t>Extension Label (15) and Label assigned by IANA with value </a:t>
+            </a:r>
+            <a:r>
+              <a:rPr lang="en-CA" sz="1800" dirty="0">
+                <a:solidFill>
+                  <a:srgbClr val="0070C0"/>
+                </a:solidFill>
+              </a:rPr>
+              <a:t>TBA2</a:t>
+            </a:r>
+          </a:p>
+          <a:p>
+            <a:pPr lvl="1" indent="-342900">
+              <a:buFont typeface="Wingdings" pitchFamily="2" charset="2"/>
+              <a:buChar char="§"/>
+            </a:pPr>
+            <a:r>
+              <a:rPr lang="en-CA" sz="1800" dirty="0"/>
+              <a:t>From Extended Special Purpose Labels (</a:t>
+            </a:r>
+            <a:r>
+              <a:rPr lang="en-CA" sz="1800" dirty="0" err="1"/>
+              <a:t>eSPL</a:t>
+            </a:r>
+            <a:r>
+              <a:rPr lang="en-CA" sz="1800" dirty="0"/>
+              <a:t>) range</a:t>
+            </a:r>
+          </a:p>
+          <a:p>
+            <a:pPr marL="457200" lvl="0" indent="-457200">
+              <a:buFont typeface="+mj-lt"/>
+              <a:buAutoNum type="arabicPeriod"/>
+            </a:pPr>
+            <a:r>
+              <a:rPr lang="en-CA" sz="1800" dirty="0"/>
+              <a:t>Global Label allocated by a controller</a:t>
+            </a:r>
+          </a:p>
+          <a:p>
+            <a:pPr lvl="1" indent="-342900">
+              <a:buFont typeface="Wingdings" pitchFamily="2" charset="2"/>
+              <a:buChar char="§"/>
+            </a:pPr>
+            <a:r>
+              <a:rPr lang="en-CA" sz="1800" dirty="0"/>
+              <a:t>The controller provisions the label on encapsulating, </a:t>
+            </a:r>
+            <a:r>
+              <a:rPr lang="en-CA" sz="1800" dirty="0">
+                <a:solidFill>
+                  <a:srgbClr val="0070C0"/>
+                </a:solidFill>
+              </a:rPr>
+              <a:t>transit </a:t>
+            </a:r>
+            <a:r>
+              <a:rPr lang="en-CA" sz="1800" dirty="0"/>
+              <a:t>and decapsulating nodes</a:t>
+            </a:r>
+          </a:p>
+          <a:p>
+            <a:pPr marL="457200" lvl="0" indent="-457200">
+              <a:buFont typeface="+mj-lt"/>
+              <a:buAutoNum type="arabicPeriod"/>
+            </a:pPr>
+            <a:r>
+              <a:rPr lang="en-CA" sz="1800" dirty="0">
+                <a:solidFill>
+                  <a:srgbClr val="0070C0"/>
+                </a:solidFill>
+              </a:rPr>
+              <a:t>The IOAM Enabled Label allocated by the transit and decapsulating nodes</a:t>
+            </a:r>
+          </a:p>
+          <a:p>
+            <a:pPr lvl="1" indent="-342900">
+              <a:buFont typeface="Wingdings" pitchFamily="2" charset="2"/>
+              <a:buChar char="§"/>
+            </a:pPr>
+            <a:r>
+              <a:rPr lang="en-CA" sz="1800" dirty="0">
+                <a:solidFill>
+                  <a:srgbClr val="0070C0"/>
+                </a:solidFill>
+              </a:rPr>
+              <a:t>Signaling/advertisement extensions needed to convey the label to all encapsulating nodes (out of scope)</a:t>
+            </a:r>
+          </a:p>
+        </p:txBody>
+      </p:sp>
+      <p:sp>
+        <p:nvSpPr>
+          <p:cNvPr id="4" name="Footer Placeholder 3"/>
+          <p:cNvSpPr>
+            <a:spLocks noGrp="1"/>
+          </p:cNvSpPr>
+          <p:nvPr>
+            <p:ph type="ftr" sz="quarter" idx="11"/>
+          </p:nvPr>
+        </p:nvSpPr>
+        <p:spPr>
+          <a:xfrm>
+            <a:off x="3124200" y="4786312"/>
+            <a:ext cx="2895600" cy="357188"/>
+          </a:xfrm>
+        </p:spPr>
+        <p:txBody>
+          <a:bodyPr/>
+          <a:lstStyle/>
+          <a:p>
+            <a:r>
+              <a:rPr lang="en-CA" dirty="0"/>
+              <a:t>110</a:t>
+            </a:r>
+            <a:r>
+              <a:rPr lang="en-CA" baseline="30000" dirty="0"/>
+              <a:t>th</a:t>
+            </a:r>
+            <a:r>
+              <a:rPr lang="en-CA" dirty="0"/>
+              <a:t> IETF Online</a:t>
+            </a:r>
+          </a:p>
+        </p:txBody>
+      </p:sp>
+      <p:sp>
+        <p:nvSpPr>
+          <p:cNvPr id="5" name="Slide Number Placeholder 4"/>
+          <p:cNvSpPr>
+            <a:spLocks noGrp="1"/>
+          </p:cNvSpPr>
+          <p:nvPr>
+            <p:ph type="sldNum" sz="quarter" idx="12"/>
+          </p:nvPr>
+        </p:nvSpPr>
+        <p:spPr/>
+        <p:txBody>
+          <a:bodyPr/>
+          <a:lstStyle/>
+          <a:p>
+            <a:pPr>
+              <a:defRPr/>
+            </a:pPr>
+            <a:fld id="{BD6E0F59-1DD8-40FC-9C92-B6295CBA6CCA}" type="slidenum">
+              <a:rPr lang="en-US" altLang="zh-CN" smtClean="0"/>
+              <a:pPr>
+                <a:defRPr/>
+              </a:pPr>
+              <a:t>15</a:t>
+            </a:fld>
+            <a:endParaRPr lang="en-US" altLang="zh-CN"/>
+          </a:p>
+        </p:txBody>
+      </p:sp>
+    </p:spTree>
+    <p:extLst>
+      <p:ext uri="{BB962C8B-B14F-4D97-AF65-F5344CB8AC3E}">
+        <p14:creationId xmlns:p14="http://schemas.microsoft.com/office/powerpoint/2010/main" val="74835941"/>
+      </p:ext>
+    </p:extLst>
+  </p:cSld>
+  <p:clrMapOvr>
+    <a:masterClrMapping/>
+  </p:clrMapOvr>
+</p:sld>
+</file>
+
+<file path=ppt/slides/slide16.xml><?xml version="1.0" encoding="utf-8"?>
+<p:sld xmlns:a="http://schemas.openxmlformats.org/drawingml/2006/main" xmlns:r="http://schemas.openxmlformats.org/officeDocument/2006/relationships" xmlns:p="http://schemas.openxmlformats.org/presentationml/2006/main">
+  <p:cSld>
+    <p:spTree>
+      <p:nvGrpSpPr>
+        <p:cNvPr id="1" name=""/>
+        <p:cNvGrpSpPr/>
+        <p:nvPr/>
+      </p:nvGrpSpPr>
+      <p:grpSpPr>
+        <a:xfrm>
+          <a:off x="0" y="0"/>
+          <a:ext cx="0" cy="0"/>
+          <a:chOff x="0" y="0"/>
+          <a:chExt cx="0" cy="0"/>
+        </a:xfrm>
+      </p:grpSpPr>
+      <p:sp>
+        <p:nvSpPr>
           <p:cNvPr id="2" name="Title 1">
             <a:extLst>
               <a:ext uri="{FF2B5EF4-FFF2-40B4-BE49-F238E27FC236}">
@@ -6612,14 +8247,14 @@
             <p:ph idx="1"/>
             <p:extLst>
               <p:ext uri="{D42A27DB-BD31-4B8C-83A1-F6EECF244321}">
-                <p14:modId xmlns:p14="http://schemas.microsoft.com/office/powerpoint/2010/main" val="4245696314"/>
+                <p14:modId xmlns:p14="http://schemas.microsoft.com/office/powerpoint/2010/main" val="546095659"/>
               </p:ext>
             </p:extLst>
           </p:nvPr>
         </p:nvGraphicFramePr>
         <p:xfrm>
           <a:off x="228600" y="759462"/>
-          <a:ext cx="8458198" cy="2574288"/>
+          <a:ext cx="8458198" cy="2493355"/>
         </p:xfrm>
         <a:graphic>
           <a:graphicData uri="http://schemas.openxmlformats.org/drawingml/2006/table">
@@ -6671,7 +8306,7 @@
                   </a:extLst>
                 </a:gridCol>
               </a:tblGrid>
-              <a:tr h="750221">
+              <a:tr h="669288">
                 <a:tc>
                   <a:txBody>
                     <a:bodyPr/>
@@ -7186,7 +8821,7 @@
               <a:pPr>
                 <a:defRPr/>
               </a:pPr>
-              <a:t>13</a:t>
+              <a:t>16</a:t>
             </a:fld>
             <a:endParaRPr lang="en-US" altLang="zh-CN"/>
           </a:p>
@@ -7448,7 +9083,7 @@
 </p:sld>
 </file>
 
-<file path=ppt/slides/slide14.xml><?xml version="1.0" encoding="utf-8"?>
+<file path=ppt/slides/slide17.xml><?xml version="1.0" encoding="utf-8"?>
 <p:sld xmlns:a="http://schemas.openxmlformats.org/drawingml/2006/main" xmlns:r="http://schemas.openxmlformats.org/officeDocument/2006/relationships" xmlns:p="http://schemas.openxmlformats.org/presentationml/2006/main">
   <p:cSld>
     <p:spTree>
@@ -7731,7 +9366,7 @@
               <a:pPr>
                 <a:defRPr/>
               </a:pPr>
-              <a:t>14</a:t>
+              <a:t>17</a:t>
             </a:fld>
             <a:endParaRPr lang="en-US" altLang="zh-CN"/>
           </a:p>
@@ -7750,7 +9385,7 @@
 </p:sld>
 </file>
 
-<file path=ppt/slides/slide15.xml><?xml version="1.0" encoding="utf-8"?>
+<file path=ppt/slides/slide18.xml><?xml version="1.0" encoding="utf-8"?>
 <p:sld xmlns:a="http://schemas.openxmlformats.org/drawingml/2006/main" xmlns:r="http://schemas.openxmlformats.org/officeDocument/2006/relationships" xmlns:p="http://schemas.openxmlformats.org/presentationml/2006/main">
   <p:cSld>
     <p:spTree>
@@ -7785,8 +9420,8 @@
         </p:nvSpPr>
         <p:spPr>
           <a:xfrm>
-            <a:off x="914400" y="0"/>
-            <a:ext cx="7315200" cy="599270"/>
+            <a:off x="914400" y="102393"/>
+            <a:ext cx="7086600" cy="599270"/>
           </a:xfrm>
         </p:spPr>
         <p:txBody>
@@ -7795,16 +9430,26 @@
           <a:p>
             <a:pPr algn="l"/>
             <a:r>
-              <a:rPr lang="en-CA" sz="2700" dirty="0">
+              <a:rPr lang="en-CA" sz="3200" dirty="0" err="1">
                 <a:solidFill>
                   <a:srgbClr val="0070C0"/>
                 </a:solidFill>
                 <a:latin typeface="Calibri Light" panose="020F0302020204030204" pitchFamily="34" charset="0"/>
                 <a:cs typeface="Calibri Light" panose="020F0302020204030204" pitchFamily="34" charset="0"/>
               </a:rPr>
-              <a:t>IOAM Encapsulation Example with SR-MPLS Header</a:t>
-            </a:r>
-            <a:endParaRPr lang="en-US" sz="2700" dirty="0">
+              <a:t>HbH</a:t>
+            </a:r>
+            <a:r>
+              <a:rPr lang="en-CA" sz="3200" dirty="0">
+                <a:solidFill>
+                  <a:srgbClr val="0070C0"/>
+                </a:solidFill>
+                <a:latin typeface="Calibri Light" panose="020F0302020204030204" pitchFamily="34" charset="0"/>
+                <a:cs typeface="Calibri Light" panose="020F0302020204030204" pitchFamily="34" charset="0"/>
+              </a:rPr>
+              <a:t> IOAM Encapsulation in MPLS Header</a:t>
+            </a:r>
+            <a:endParaRPr lang="en-US" sz="3200" dirty="0">
               <a:solidFill>
                 <a:srgbClr val="0070C0"/>
               </a:solidFill>
@@ -7832,7 +9477,7 @@
         </p:nvSpPr>
         <p:spPr>
           <a:xfrm>
-            <a:off x="3124200" y="4786312"/>
+            <a:off x="3124200" y="4781550"/>
             <a:ext cx="2895600" cy="357188"/>
           </a:xfrm>
         </p:spPr>
@@ -7884,9 +9529,9 @@
               <a:pPr>
                 <a:defRPr/>
               </a:pPr>
-              <a:t>15</a:t>
+              <a:t>18</a:t>
             </a:fld>
-            <a:endParaRPr lang="en-US" altLang="zh-CN" dirty="0"/>
+            <a:endParaRPr lang="en-US" altLang="zh-CN"/>
           </a:p>
         </p:txBody>
       </p:sp>
@@ -7904,8 +9549,8 @@
         </p:nvSpPr>
         <p:spPr>
           <a:xfrm>
-            <a:off x="2305050" y="641003"/>
-            <a:ext cx="4533900" cy="4031873"/>
+            <a:off x="1828800" y="1005066"/>
+            <a:ext cx="5105400" cy="3277820"/>
           </a:xfrm>
           <a:prstGeom prst="rect">
             <a:avLst/>
@@ -7924,23 +9569,23 @@
           <a:lstStyle/>
           <a:p>
             <a:r>
-              <a:rPr lang="en-CA" sz="800" dirty="0">
-                <a:latin typeface="Courier" pitchFamily="2" charset="0"/>
-              </a:rPr>
-              <a:t>    0                   1                   2                   3</a:t>
-            </a:r>
-          </a:p>
-          <a:p>
-            <a:r>
-              <a:rPr lang="en-CA" sz="800" dirty="0">
-                <a:latin typeface="Courier" pitchFamily="2" charset="0"/>
-              </a:rPr>
-              <a:t>    0 1 2 3 4 5 6 7 8 9 0 1 2 3 4 5 6 7 8 9 0 1 2 3 4 5 6 7 8 9 0 1</a:t>
-            </a:r>
-          </a:p>
-          <a:p>
-            <a:r>
-              <a:rPr lang="en-CA" sz="800" dirty="0">
+              <a:rPr lang="en-CA" sz="900" dirty="0">
+                <a:latin typeface="Courier" pitchFamily="2" charset="0"/>
+              </a:rPr>
+              <a:t>   0                   1                   2                   3</a:t>
+            </a:r>
+          </a:p>
+          <a:p>
+            <a:r>
+              <a:rPr lang="en-CA" sz="900" dirty="0">
+                <a:latin typeface="Courier" pitchFamily="2" charset="0"/>
+              </a:rPr>
+              <a:t>   0 1 2 3 4 5 6 7 8 9 0 1 2 3 4 5 6 7 8 9 0 1 2 3 4 5 6 7 8 9 0 1</a:t>
+            </a:r>
+          </a:p>
+          <a:p>
+            <a:r>
+              <a:rPr lang="en-CA" sz="900" dirty="0">
                 <a:latin typeface="Courier" pitchFamily="2" charset="0"/>
               </a:rPr>
               <a:t>   +-+-+-+-+-+-+-+-+-+-+-+-+-+-+-+-+-+-+-+-+-+-+-+-+-+-+-+-+-+-+-+-+</a:t>
@@ -7948,15 +9593,173 @@
           </a:p>
           <a:p>
             <a:r>
-              <a:rPr lang="en-CA" sz="800" dirty="0">
-                <a:latin typeface="Courier" pitchFamily="2" charset="0"/>
-              </a:rPr>
-              <a:t>   |                Label(1)               | TC  |S|      TTL      |</a:t>
-            </a:r>
-          </a:p>
-          <a:p>
-            <a:r>
-              <a:rPr lang="en-CA" sz="800" dirty="0">
+              <a:rPr lang="en-CA" sz="900" dirty="0">
+                <a:latin typeface="Courier" pitchFamily="2" charset="0"/>
+              </a:rPr>
+              <a:t>   |  </a:t>
+            </a:r>
+            <a:r>
+              <a:rPr lang="en-CA" sz="900" b="1" dirty="0" err="1">
+                <a:latin typeface="Courier" pitchFamily="2" charset="0"/>
+              </a:rPr>
+              <a:t>HbH</a:t>
+            </a:r>
+            <a:r>
+              <a:rPr lang="en-CA" sz="900" b="1" dirty="0">
+                <a:latin typeface="Courier" pitchFamily="2" charset="0"/>
+              </a:rPr>
+              <a:t> IOAM Indicator Label             </a:t>
+            </a:r>
+            <a:r>
+              <a:rPr lang="en-CA" sz="900" dirty="0">
+                <a:latin typeface="Courier" pitchFamily="2" charset="0"/>
+              </a:rPr>
+              <a:t>| TC  |1|  TTL          |</a:t>
+            </a:r>
+          </a:p>
+          <a:p>
+            <a:r>
+              <a:rPr lang="en-CA" sz="900" dirty="0">
+                <a:latin typeface="Courier" pitchFamily="2" charset="0"/>
+              </a:rPr>
+              <a:t>   +-+-+-+-+-+-+-+-+-+-+-+-+-+-+-+-+-+-+-+-+-+-+-+-+-+-+-+-+-+-+-+-+&lt;-+ </a:t>
+            </a:r>
+          </a:p>
+          <a:p>
+            <a:r>
+              <a:rPr lang="en-CA" sz="900" dirty="0">
+                <a:latin typeface="Courier" pitchFamily="2" charset="0"/>
+              </a:rPr>
+              <a:t>   |0 0 0 1|Version| Reserved      | IOAM G-</a:t>
+            </a:r>
+            <a:r>
+              <a:rPr lang="en-CA" sz="900" dirty="0" err="1">
+                <a:latin typeface="Courier" pitchFamily="2" charset="0"/>
+              </a:rPr>
+              <a:t>ACh</a:t>
+            </a:r>
+            <a:r>
+              <a:rPr lang="en-CA" sz="900" dirty="0">
+                <a:latin typeface="Courier" pitchFamily="2" charset="0"/>
+              </a:rPr>
+              <a:t>                    |  | </a:t>
+            </a:r>
+          </a:p>
+          <a:p>
+            <a:r>
+              <a:rPr lang="en-CA" sz="900" dirty="0">
+                <a:latin typeface="Courier" pitchFamily="2" charset="0"/>
+              </a:rPr>
+              <a:t>   +-+-+-+-+-+-+-+-+-+-+-+-+-+-+-+-+-+-+-+-+-+-+-+-+-+-+-+-+-+-+-+-+  | </a:t>
+            </a:r>
+          </a:p>
+          <a:p>
+            <a:r>
+              <a:rPr lang="en-CA" sz="900" dirty="0">
+                <a:latin typeface="Courier" pitchFamily="2" charset="0"/>
+              </a:rPr>
+              <a:t>   | Reserved      | Block Number  | IOAM-OPT-Type |IOAM HDR Length|  |</a:t>
+            </a:r>
+          </a:p>
+          <a:p>
+            <a:r>
+              <a:rPr lang="en-CA" sz="900" dirty="0">
+                <a:latin typeface="Courier" pitchFamily="2" charset="0"/>
+              </a:rPr>
+              <a:t>   +-+-+-+-+-+-+-+-+-+-+-+-+-+-+-+-+-+-+-+-+-+-+-+-+-+-+-+-+-+-+-+-+  I</a:t>
+            </a:r>
+          </a:p>
+          <a:p>
+            <a:r>
+              <a:rPr lang="en-CA" sz="900" dirty="0">
+                <a:latin typeface="Courier" pitchFamily="2" charset="0"/>
+              </a:rPr>
+              <a:t>   |                                                               |  O</a:t>
+            </a:r>
+          </a:p>
+          <a:p>
+            <a:r>
+              <a:rPr lang="en-CA" sz="900" dirty="0">
+                <a:latin typeface="Courier" pitchFamily="2" charset="0"/>
+              </a:rPr>
+              <a:t>   |                                                               |  A</a:t>
+            </a:r>
+          </a:p>
+          <a:p>
+            <a:r>
+              <a:rPr lang="en-CA" sz="900" dirty="0">
+                <a:latin typeface="Courier" pitchFamily="2" charset="0"/>
+              </a:rPr>
+              <a:t>   ~                 IOAM Option and Data Space                    ~  M</a:t>
+            </a:r>
+          </a:p>
+          <a:p>
+            <a:r>
+              <a:rPr lang="en-CA" sz="900" dirty="0">
+                <a:latin typeface="Courier" pitchFamily="2" charset="0"/>
+              </a:rPr>
+              <a:t>   |                                                               |  |</a:t>
+            </a:r>
+          </a:p>
+          <a:p>
+            <a:r>
+              <a:rPr lang="en-CA" sz="900" dirty="0">
+                <a:latin typeface="Courier" pitchFamily="2" charset="0"/>
+              </a:rPr>
+              <a:t>   |                                                               |  |</a:t>
+            </a:r>
+          </a:p>
+          <a:p>
+            <a:r>
+              <a:rPr lang="en-CA" sz="900" dirty="0">
+                <a:latin typeface="Courier" pitchFamily="2" charset="0"/>
+              </a:rPr>
+              <a:t>   +-+-+-+-+-+-+-+-+-+-+-+-+-+-+-+-+-+-+-+-+-+-+-+-+-+-+-+-+-+-+-+-+&lt;-+</a:t>
+            </a:r>
+          </a:p>
+          <a:p>
+            <a:r>
+              <a:rPr lang="en-CA" sz="900" dirty="0">
+                <a:latin typeface="Courier" pitchFamily="2" charset="0"/>
+              </a:rPr>
+              <a:t>   |                                                               |</a:t>
+            </a:r>
+          </a:p>
+          <a:p>
+            <a:r>
+              <a:rPr lang="en-CA" sz="900" dirty="0">
+                <a:latin typeface="Courier" pitchFamily="2" charset="0"/>
+              </a:rPr>
+              <a:t>   |                                                               |</a:t>
+            </a:r>
+          </a:p>
+          <a:p>
+            <a:r>
+              <a:rPr lang="en-CA" sz="900" dirty="0">
+                <a:latin typeface="Courier" pitchFamily="2" charset="0"/>
+              </a:rPr>
+              <a:t>   ~                 Payload + Padding                             ~</a:t>
+            </a:r>
+          </a:p>
+          <a:p>
+            <a:r>
+              <a:rPr lang="en-CA" sz="900" dirty="0">
+                <a:latin typeface="Courier" pitchFamily="2" charset="0"/>
+              </a:rPr>
+              <a:t>   |                                                               |</a:t>
+            </a:r>
+          </a:p>
+          <a:p>
+            <a:r>
+              <a:rPr lang="en-CA" sz="900" dirty="0">
+                <a:latin typeface="Courier" pitchFamily="2" charset="0"/>
+              </a:rPr>
+              <a:t>   |                                                               |</a:t>
+            </a:r>
+          </a:p>
+          <a:p>
+            <a:r>
+              <a:rPr lang="en-CA" sz="900" dirty="0">
                 <a:latin typeface="Courier" pitchFamily="2" charset="0"/>
               </a:rPr>
               <a:t>   +-+-+-+-+-+-+-+-+-+-+-+-+-+-+-+-+-+-+-+-+-+-+-+-+-+-+-+-+-+-+-+-+</a:t>
@@ -7964,244 +9767,32 @@
           </a:p>
           <a:p>
             <a:r>
-              <a:rPr lang="en-CA" sz="800" dirty="0">
-                <a:latin typeface="Courier" pitchFamily="2" charset="0"/>
-              </a:rPr>
-              <a:t>   .                                                               .</a:t>
-            </a:r>
-          </a:p>
-          <a:p>
-            <a:r>
-              <a:rPr lang="en-CA" sz="800" dirty="0">
-                <a:latin typeface="Courier" pitchFamily="2" charset="0"/>
-              </a:rPr>
-              <a:t>   .                                                               .</a:t>
-            </a:r>
-          </a:p>
-          <a:p>
-            <a:r>
-              <a:rPr lang="en-CA" sz="800" dirty="0">
-                <a:latin typeface="Courier" pitchFamily="2" charset="0"/>
-              </a:rPr>
-              <a:t>   .                                                               .</a:t>
-            </a:r>
-          </a:p>
-          <a:p>
-            <a:r>
-              <a:rPr lang="en-CA" sz="800" dirty="0">
-                <a:latin typeface="Courier" pitchFamily="2" charset="0"/>
-              </a:rPr>
-              <a:t>   +-+-+-+-+-+-+-+-+-+-+-+-+-+-+-+-+-+-+-+-+-+-+-+-+-+-+-+-+-+-+-+-+</a:t>
-            </a:r>
-          </a:p>
-          <a:p>
-            <a:r>
-              <a:rPr lang="en-CA" sz="800" dirty="0">
-                <a:latin typeface="Courier" pitchFamily="2" charset="0"/>
-              </a:rPr>
-              <a:t>   |                Label(n)               | TC  |S|      TTL      |</a:t>
-            </a:r>
-          </a:p>
-          <a:p>
-            <a:r>
-              <a:rPr lang="en-CA" sz="800" dirty="0">
-                <a:latin typeface="Courier" pitchFamily="2" charset="0"/>
-              </a:rPr>
-              <a:t>   +-+-+-+-+-+-+-+-+-+-+-+-+-+-+-+-+-+-+-+-+-+-+-+-+-+-+-+-+-+-+-+-+</a:t>
-            </a:r>
-          </a:p>
-          <a:p>
-            <a:r>
-              <a:rPr lang="en-CA" sz="800" b="1" dirty="0">
-                <a:latin typeface="Courier" pitchFamily="2" charset="0"/>
-              </a:rPr>
-              <a:t>   |                PSID                   | TC  |S|      TTL      | </a:t>
-            </a:r>
-          </a:p>
-          <a:p>
-            <a:r>
-              <a:rPr lang="en-CA" sz="800" dirty="0">
-                <a:latin typeface="Courier" pitchFamily="2" charset="0"/>
-              </a:rPr>
-              <a:t>   +-+-+-+-+-+-+-+-+-+-+-+-+-+-+-+-+-+-+-+-+-+-+-+-+-+-+-+-+-+-+-+-+</a:t>
-            </a:r>
-          </a:p>
-          <a:p>
-            <a:r>
-              <a:rPr lang="en-CA" sz="800" dirty="0">
-                <a:latin typeface="Courier" pitchFamily="2" charset="0"/>
-              </a:rPr>
-              <a:t>   |  </a:t>
-            </a:r>
-            <a:r>
-              <a:rPr lang="en-CA" sz="800" b="1" dirty="0">
-                <a:latin typeface="Courier" pitchFamily="2" charset="0"/>
-              </a:rPr>
-              <a:t>IOAM Indicator Label                 </a:t>
-            </a:r>
-            <a:r>
-              <a:rPr lang="en-CA" sz="800" dirty="0">
-                <a:latin typeface="Courier" pitchFamily="2" charset="0"/>
-              </a:rPr>
-              <a:t>| TC  |1|  TTL          |</a:t>
-            </a:r>
-          </a:p>
-          <a:p>
-            <a:r>
-              <a:rPr lang="en-CA" sz="800" dirty="0">
-                <a:latin typeface="Courier" pitchFamily="2" charset="0"/>
-              </a:rPr>
-              <a:t>   +-+-+-+-+-+-+-+-+-+-+-+-+-+-+-+-+-+-+-+-+-+-+-+-+-+-+-+-+-+-+-+-+&lt;-+ </a:t>
-            </a:r>
-          </a:p>
-          <a:p>
-            <a:r>
-              <a:rPr lang="en-CA" sz="800" dirty="0">
-                <a:latin typeface="Courier" pitchFamily="2" charset="0"/>
-              </a:rPr>
-              <a:t>   |0 0 0 1|Version|  Reserved     | IOAM G-</a:t>
-            </a:r>
-            <a:r>
-              <a:rPr lang="en-CA" sz="800" dirty="0" err="1">
-                <a:latin typeface="Courier" pitchFamily="2" charset="0"/>
-              </a:rPr>
-              <a:t>ACh</a:t>
-            </a:r>
-            <a:r>
-              <a:rPr lang="en-CA" sz="800" dirty="0">
-                <a:latin typeface="Courier" pitchFamily="2" charset="0"/>
-              </a:rPr>
-              <a:t>                    |  | </a:t>
-            </a:r>
-          </a:p>
-          <a:p>
-            <a:r>
-              <a:rPr lang="en-CA" sz="800" dirty="0">
-                <a:latin typeface="Courier" pitchFamily="2" charset="0"/>
-              </a:rPr>
-              <a:t>   +-+-+-+-+-+-+-+-+-+-+-+-+-+-+-+-+-+-+-+-+-+-+-+-+-+-+-+-+-+-+-+-+  | </a:t>
-            </a:r>
-          </a:p>
-          <a:p>
-            <a:r>
-              <a:rPr lang="en-CA" sz="800" dirty="0">
-                <a:latin typeface="Courier" pitchFamily="2" charset="0"/>
-              </a:rPr>
-              <a:t>   | Reserved      | Block Number  | IOAM-OPT-Type |IOAM HDR Length|  |</a:t>
-            </a:r>
-          </a:p>
-          <a:p>
-            <a:r>
-              <a:rPr lang="en-CA" sz="800" dirty="0">
-                <a:latin typeface="Courier" pitchFamily="2" charset="0"/>
-              </a:rPr>
-              <a:t>   +-+-+-+-+-+-+-+-+-+-+-+-+-+-+-+-+-+-+-+-+-+-+-+-+-+-+-+-+-+-+-+-+  I</a:t>
-            </a:r>
-          </a:p>
-          <a:p>
-            <a:r>
-              <a:rPr lang="en-CA" sz="800" dirty="0">
-                <a:latin typeface="Courier" pitchFamily="2" charset="0"/>
-              </a:rPr>
-              <a:t>   |                                                               |  O</a:t>
-            </a:r>
-          </a:p>
-          <a:p>
-            <a:r>
-              <a:rPr lang="en-CA" sz="800" dirty="0">
-                <a:latin typeface="Courier" pitchFamily="2" charset="0"/>
-              </a:rPr>
-              <a:t>   |                                                               |  A</a:t>
-            </a:r>
-          </a:p>
-          <a:p>
-            <a:r>
-              <a:rPr lang="en-CA" sz="800" dirty="0">
-                <a:latin typeface="Courier" pitchFamily="2" charset="0"/>
-              </a:rPr>
-              <a:t>   ~                 IOAM Option and Data Space                    ~  M</a:t>
-            </a:r>
-          </a:p>
-          <a:p>
-            <a:r>
-              <a:rPr lang="en-CA" sz="800" dirty="0">
-                <a:latin typeface="Courier" pitchFamily="2" charset="0"/>
-              </a:rPr>
-              <a:t>   |                                                               |  |</a:t>
-            </a:r>
-          </a:p>
-          <a:p>
-            <a:r>
-              <a:rPr lang="en-CA" sz="800" dirty="0">
-                <a:latin typeface="Courier" pitchFamily="2" charset="0"/>
-              </a:rPr>
-              <a:t>   |                                                               |  |</a:t>
-            </a:r>
-          </a:p>
-          <a:p>
-            <a:r>
-              <a:rPr lang="en-CA" sz="800" dirty="0">
-                <a:latin typeface="Courier" pitchFamily="2" charset="0"/>
-              </a:rPr>
-              <a:t>   +-+-+-+-+-+-+-+-+-+-+-+-+-+-+-+-+-+-+-+-+-+-+-+-+-+-+-+-+-+-+-+-+&lt;-+</a:t>
-            </a:r>
-          </a:p>
-          <a:p>
-            <a:r>
-              <a:rPr lang="en-CA" sz="800" dirty="0">
-                <a:latin typeface="Courier" pitchFamily="2" charset="0"/>
-              </a:rPr>
-              <a:t>   |                                                               |</a:t>
-            </a:r>
-          </a:p>
-          <a:p>
-            <a:r>
-              <a:rPr lang="en-CA" sz="800" dirty="0">
-                <a:latin typeface="Courier" pitchFamily="2" charset="0"/>
-              </a:rPr>
-              <a:t>   |                                                               |</a:t>
-            </a:r>
-          </a:p>
-          <a:p>
-            <a:r>
-              <a:rPr lang="en-CA" sz="800" dirty="0">
-                <a:latin typeface="Courier" pitchFamily="2" charset="0"/>
-              </a:rPr>
-              <a:t>   ~                 Payload + Padding                             ~</a:t>
-            </a:r>
-          </a:p>
-          <a:p>
-            <a:r>
-              <a:rPr lang="en-CA" sz="800" dirty="0">
-                <a:latin typeface="Courier" pitchFamily="2" charset="0"/>
-              </a:rPr>
-              <a:t>   |                                                               |</a:t>
-            </a:r>
-          </a:p>
-          <a:p>
-            <a:r>
-              <a:rPr lang="en-CA" sz="800" dirty="0">
-                <a:latin typeface="Courier" pitchFamily="2" charset="0"/>
-              </a:rPr>
-              <a:t>   |                                                               |</a:t>
-            </a:r>
-          </a:p>
-          <a:p>
-            <a:r>
-              <a:rPr lang="en-CA" sz="800" dirty="0">
-                <a:latin typeface="Courier" pitchFamily="2" charset="0"/>
-              </a:rPr>
-              <a:t>   +-+-+-+-+-+-+-+-+-+-+-+-+-+-+-+-+-+-+-+-+-+-+-+-+-+-+-+-+-+-+-+-+ </a:t>
-            </a:r>
-          </a:p>
-          <a:p>
-            <a:r>
-              <a:rPr lang="en-CA" sz="800" dirty="0">
-                <a:latin typeface="Courier" pitchFamily="2" charset="0"/>
-              </a:rPr>
-              <a:t>         Figure: IOAM Encapsulation Example with SR-MPLS Header</a:t>
-            </a:r>
-            <a:endParaRPr lang="en-CA" sz="800" dirty="0">
+              <a:rPr lang="en-CA" sz="900" dirty="0">
+                <a:latin typeface="Courier" pitchFamily="2" charset="0"/>
+              </a:rPr>
+              <a:t> </a:t>
+            </a:r>
+          </a:p>
+          <a:p>
+            <a:r>
+              <a:rPr lang="en-CA" sz="900" dirty="0">
+                <a:latin typeface="Courier" pitchFamily="2" charset="0"/>
+              </a:rPr>
+              <a:t>              Figure: </a:t>
+            </a:r>
+            <a:r>
+              <a:rPr lang="en-CA" sz="900" dirty="0" err="1">
+                <a:latin typeface="Courier" pitchFamily="2" charset="0"/>
+              </a:rPr>
+              <a:t>HbH</a:t>
+            </a:r>
+            <a:r>
+              <a:rPr lang="en-CA" sz="900" dirty="0">
+                <a:latin typeface="Courier" pitchFamily="2" charset="0"/>
+              </a:rPr>
+              <a:t> IOAM Encapsulation in MPLS Header</a:t>
+            </a:r>
+            <a:endParaRPr lang="en-CA" sz="900" dirty="0">
               <a:latin typeface="Courier" pitchFamily="2" charset="0"/>
               <a:ea typeface="Calibri" panose="020F0502020204030204" pitchFamily="34" charset="0"/>
               <a:cs typeface="Times New Roman" panose="02020603050405020304" pitchFamily="18" charset="0"/>
@@ -8212,7 +9803,7 @@
     </p:spTree>
     <p:extLst>
       <p:ext uri="{BB962C8B-B14F-4D97-AF65-F5344CB8AC3E}">
-        <p14:creationId xmlns:p14="http://schemas.microsoft.com/office/powerpoint/2010/main" val="166031106"/>
+        <p14:creationId xmlns:p14="http://schemas.microsoft.com/office/powerpoint/2010/main" val="3129530889"/>
       </p:ext>
     </p:extLst>
   </p:cSld>
@@ -8222,7 +9813,7 @@
 </p:sld>
 </file>
 
-<file path=ppt/slides/slide16.xml><?xml version="1.0" encoding="utf-8"?>
+<file path=ppt/slides/slide19.xml><?xml version="1.0" encoding="utf-8"?>
 <p:sld xmlns:a="http://schemas.openxmlformats.org/drawingml/2006/main" xmlns:r="http://schemas.openxmlformats.org/officeDocument/2006/relationships" xmlns:p="http://schemas.openxmlformats.org/presentationml/2006/main">
   <p:cSld>
     <p:spTree>
@@ -8241,7 +9832,13 @@
       </p:grpSpPr>
       <p:sp>
         <p:nvSpPr>
-          <p:cNvPr id="2" name="Title 1"/>
+          <p:cNvPr id="2" name="Title 1">
+            <a:extLst>
+              <a:ext uri="{FF2B5EF4-FFF2-40B4-BE49-F238E27FC236}">
+                <a16:creationId xmlns:a16="http://schemas.microsoft.com/office/drawing/2014/main" id="{590D0125-5A9E-9D48-9391-85FBD0E608A2}"/>
+              </a:ext>
+            </a:extLst>
+          </p:cNvPr>
           <p:cNvSpPr>
             <a:spLocks noGrp="1"/>
           </p:cNvSpPr>
@@ -8251,86 +9848,64 @@
         </p:nvSpPr>
         <p:spPr>
           <a:xfrm>
-            <a:off x="457200" y="38100"/>
-            <a:ext cx="8229600" cy="857250"/>
+            <a:off x="419100" y="9427"/>
+            <a:ext cx="8305800" cy="599270"/>
           </a:xfrm>
         </p:spPr>
         <p:txBody>
           <a:bodyPr/>
           <a:lstStyle/>
           <a:p>
-            <a:r>
-              <a:rPr lang="en-US" sz="3600" dirty="0">
+            <a:pPr algn="l"/>
+            <a:r>
+              <a:rPr lang="en-CA" sz="2800" dirty="0" err="1">
                 <a:solidFill>
                   <a:srgbClr val="0070C0"/>
                 </a:solidFill>
                 <a:latin typeface="Calibri Light" panose="020F0302020204030204" pitchFamily="34" charset="0"/>
                 <a:cs typeface="Calibri Light" panose="020F0302020204030204" pitchFamily="34" charset="0"/>
               </a:rPr>
-              <a:t>Next Steps</a:t>
-            </a:r>
-          </a:p>
-        </p:txBody>
-      </p:sp>
-      <p:sp>
-        <p:nvSpPr>
-          <p:cNvPr id="3" name="Content Placeholder 2"/>
+              <a:t>HbH</a:t>
+            </a:r>
+            <a:r>
+              <a:rPr lang="en-CA" sz="2800" dirty="0">
+                <a:solidFill>
+                  <a:srgbClr val="0070C0"/>
+                </a:solidFill>
+                <a:latin typeface="Calibri Light" panose="020F0302020204030204" pitchFamily="34" charset="0"/>
+                <a:cs typeface="Calibri Light" panose="020F0302020204030204" pitchFamily="34" charset="0"/>
+              </a:rPr>
+              <a:t> IOAM Encapsulation Example with SR-MPLS Header</a:t>
+            </a:r>
+            <a:endParaRPr lang="en-US" sz="2800" dirty="0">
+              <a:solidFill>
+                <a:srgbClr val="0070C0"/>
+              </a:solidFill>
+              <a:latin typeface="Calibri Light" panose="020F0302020204030204" pitchFamily="34" charset="0"/>
+              <a:cs typeface="Calibri Light" panose="020F0302020204030204" pitchFamily="34" charset="0"/>
+            </a:endParaRPr>
+          </a:p>
+        </p:txBody>
+      </p:sp>
+      <p:sp>
+        <p:nvSpPr>
+          <p:cNvPr id="4" name="Footer Placeholder 3">
+            <a:extLst>
+              <a:ext uri="{FF2B5EF4-FFF2-40B4-BE49-F238E27FC236}">
+                <a16:creationId xmlns:a16="http://schemas.microsoft.com/office/drawing/2014/main" id="{87713FCD-3B47-804D-B373-DAB61FB5FF59}"/>
+              </a:ext>
+            </a:extLst>
+          </p:cNvPr>
           <p:cNvSpPr>
             <a:spLocks noGrp="1"/>
           </p:cNvSpPr>
           <p:nvPr>
-            <p:ph idx="1"/>
+            <p:ph type="ftr" sz="quarter" idx="11"/>
           </p:nvPr>
         </p:nvSpPr>
         <p:spPr>
           <a:xfrm>
-            <a:off x="762000" y="1200150"/>
-            <a:ext cx="7772400" cy="2743200"/>
-          </a:xfrm>
-        </p:spPr>
-        <p:txBody>
-          <a:bodyPr/>
-          <a:lstStyle/>
-          <a:p>
-            <a:pPr lvl="0"/>
-            <a:r>
-              <a:rPr lang="en-US" sz="2400" dirty="0">
-                <a:latin typeface="Calibri" charset="0"/>
-                <a:ea typeface="Calibri" charset="0"/>
-                <a:cs typeface="Calibri" charset="0"/>
-              </a:rPr>
-              <a:t>Welcome your comments and suggestions</a:t>
-            </a:r>
-          </a:p>
-          <a:p>
-            <a:r>
-              <a:rPr lang="en-US" sz="2400" dirty="0"/>
-              <a:t>Requesting MPLS WG adoption</a:t>
-            </a:r>
-          </a:p>
-          <a:p>
-            <a:pPr lvl="0"/>
-            <a:endParaRPr lang="en-US" sz="2400" dirty="0">
-              <a:latin typeface="Calibri" charset="0"/>
-              <a:ea typeface="Calibri" charset="0"/>
-              <a:cs typeface="Calibri" charset="0"/>
-            </a:endParaRPr>
-          </a:p>
-        </p:txBody>
-      </p:sp>
-      <p:sp>
-        <p:nvSpPr>
-          <p:cNvPr id="4" name="Footer Placeholder 3"/>
-          <p:cNvSpPr>
-            <a:spLocks noGrp="1"/>
-          </p:cNvSpPr>
-          <p:nvPr>
-            <p:ph type="ftr" sz="quarter" idx="11"/>
-          </p:nvPr>
-        </p:nvSpPr>
-        <p:spPr>
-          <a:xfrm>
-            <a:off x="3124200" y="4787315"/>
+            <a:off x="3124200" y="4786312"/>
             <a:ext cx="2895600" cy="357188"/>
           </a:xfrm>
         </p:spPr>
@@ -8355,7 +9930,13 @@
       </p:sp>
       <p:sp>
         <p:nvSpPr>
-          <p:cNvPr id="5" name="Slide Number Placeholder 4"/>
+          <p:cNvPr id="5" name="Slide Number Placeholder 4">
+            <a:extLst>
+              <a:ext uri="{FF2B5EF4-FFF2-40B4-BE49-F238E27FC236}">
+                <a16:creationId xmlns:a16="http://schemas.microsoft.com/office/drawing/2014/main" id="{1371408B-9195-EC4D-8131-A3F5CC0592D0}"/>
+              </a:ext>
+            </a:extLst>
+          </p:cNvPr>
           <p:cNvSpPr>
             <a:spLocks noGrp="1"/>
           </p:cNvSpPr>
@@ -8376,7 +9957,671 @@
               <a:pPr>
                 <a:defRPr/>
               </a:pPr>
-              <a:t>16</a:t>
+              <a:t>19</a:t>
+            </a:fld>
+            <a:endParaRPr lang="en-US" altLang="zh-CN" dirty="0"/>
+          </a:p>
+        </p:txBody>
+      </p:sp>
+      <p:sp>
+        <p:nvSpPr>
+          <p:cNvPr id="6" name="Rectangle 5">
+            <a:extLst>
+              <a:ext uri="{FF2B5EF4-FFF2-40B4-BE49-F238E27FC236}">
+                <a16:creationId xmlns:a16="http://schemas.microsoft.com/office/drawing/2014/main" id="{1EED4007-3A19-0E4E-8496-6CECEEA363EB}"/>
+              </a:ext>
+            </a:extLst>
+          </p:cNvPr>
+          <p:cNvSpPr/>
+          <p:nvPr/>
+        </p:nvSpPr>
+        <p:spPr>
+          <a:xfrm>
+            <a:off x="2305050" y="641003"/>
+            <a:ext cx="4533900" cy="4031873"/>
+          </a:xfrm>
+          <a:prstGeom prst="rect">
+            <a:avLst/>
+          </a:prstGeom>
+          <a:solidFill>
+            <a:schemeClr val="accent6">
+              <a:lumMod val="20000"/>
+              <a:lumOff val="80000"/>
+            </a:schemeClr>
+          </a:solidFill>
+        </p:spPr>
+        <p:txBody>
+          <a:bodyPr wrap="square">
+            <a:spAutoFit/>
+          </a:bodyPr>
+          <a:lstStyle/>
+          <a:p>
+            <a:r>
+              <a:rPr lang="en-CA" sz="800" dirty="0">
+                <a:latin typeface="Courier" pitchFamily="2" charset="0"/>
+              </a:rPr>
+              <a:t>    0                   1                   2                   3</a:t>
+            </a:r>
+          </a:p>
+          <a:p>
+            <a:r>
+              <a:rPr lang="en-CA" sz="800" dirty="0">
+                <a:latin typeface="Courier" pitchFamily="2" charset="0"/>
+              </a:rPr>
+              <a:t>    0 1 2 3 4 5 6 7 8 9 0 1 2 3 4 5 6 7 8 9 0 1 2 3 4 5 6 7 8 9 0 1</a:t>
+            </a:r>
+          </a:p>
+          <a:p>
+            <a:r>
+              <a:rPr lang="en-CA" sz="800" dirty="0">
+                <a:latin typeface="Courier" pitchFamily="2" charset="0"/>
+              </a:rPr>
+              <a:t>   +-+-+-+-+-+-+-+-+-+-+-+-+-+-+-+-+-+-+-+-+-+-+-+-+-+-+-+-+-+-+-+-+</a:t>
+            </a:r>
+          </a:p>
+          <a:p>
+            <a:r>
+              <a:rPr lang="en-CA" sz="800" dirty="0">
+                <a:latin typeface="Courier" pitchFamily="2" charset="0"/>
+              </a:rPr>
+              <a:t>   |                Label(1)               | TC  |S|      TTL      |</a:t>
+            </a:r>
+          </a:p>
+          <a:p>
+            <a:r>
+              <a:rPr lang="en-CA" sz="800" dirty="0">
+                <a:latin typeface="Courier" pitchFamily="2" charset="0"/>
+              </a:rPr>
+              <a:t>   +-+-+-+-+-+-+-+-+-+-+-+-+-+-+-+-+-+-+-+-+-+-+-+-+-+-+-+-+-+-+-+-+</a:t>
+            </a:r>
+          </a:p>
+          <a:p>
+            <a:r>
+              <a:rPr lang="en-CA" sz="800" dirty="0">
+                <a:latin typeface="Courier" pitchFamily="2" charset="0"/>
+              </a:rPr>
+              <a:t>   .                                                               .</a:t>
+            </a:r>
+          </a:p>
+          <a:p>
+            <a:r>
+              <a:rPr lang="en-CA" sz="800" dirty="0">
+                <a:latin typeface="Courier" pitchFamily="2" charset="0"/>
+              </a:rPr>
+              <a:t>   .                                                               .</a:t>
+            </a:r>
+          </a:p>
+          <a:p>
+            <a:r>
+              <a:rPr lang="en-CA" sz="800" dirty="0">
+                <a:latin typeface="Courier" pitchFamily="2" charset="0"/>
+              </a:rPr>
+              <a:t>   .                                                               .</a:t>
+            </a:r>
+          </a:p>
+          <a:p>
+            <a:r>
+              <a:rPr lang="en-CA" sz="800" dirty="0">
+                <a:latin typeface="Courier" pitchFamily="2" charset="0"/>
+              </a:rPr>
+              <a:t>   +-+-+-+-+-+-+-+-+-+-+-+-+-+-+-+-+-+-+-+-+-+-+-+-+-+-+-+-+-+-+-+-+</a:t>
+            </a:r>
+          </a:p>
+          <a:p>
+            <a:r>
+              <a:rPr lang="en-CA" sz="800" dirty="0">
+                <a:latin typeface="Courier" pitchFamily="2" charset="0"/>
+              </a:rPr>
+              <a:t>   |                Label(n)               | TC  |S|      TTL      |</a:t>
+            </a:r>
+          </a:p>
+          <a:p>
+            <a:r>
+              <a:rPr lang="en-CA" sz="800" dirty="0">
+                <a:latin typeface="Courier" pitchFamily="2" charset="0"/>
+              </a:rPr>
+              <a:t>   +-+-+-+-+-+-+-+-+-+-+-+-+-+-+-+-+-+-+-+-+-+-+-+-+-+-+-+-+-+-+-+-+</a:t>
+            </a:r>
+          </a:p>
+          <a:p>
+            <a:r>
+              <a:rPr lang="en-CA" sz="800" b="1" dirty="0">
+                <a:latin typeface="Courier" pitchFamily="2" charset="0"/>
+              </a:rPr>
+              <a:t>   |                PSID                   | TC  |S|      TTL      | </a:t>
+            </a:r>
+          </a:p>
+          <a:p>
+            <a:r>
+              <a:rPr lang="en-CA" sz="800" dirty="0">
+                <a:latin typeface="Courier" pitchFamily="2" charset="0"/>
+              </a:rPr>
+              <a:t>   +-+-+-+-+-+-+-+-+-+-+-+-+-+-+-+-+-+-+-+-+-+-+-+-+-+-+-+-+-+-+-+-+</a:t>
+            </a:r>
+          </a:p>
+          <a:p>
+            <a:r>
+              <a:rPr lang="en-CA" sz="800" dirty="0">
+                <a:latin typeface="Courier" pitchFamily="2" charset="0"/>
+              </a:rPr>
+              <a:t>   | </a:t>
+            </a:r>
+            <a:r>
+              <a:rPr lang="en-CA" sz="800" b="1" dirty="0" err="1">
+                <a:latin typeface="Courier" pitchFamily="2" charset="0"/>
+              </a:rPr>
+              <a:t>HbH</a:t>
+            </a:r>
+            <a:r>
+              <a:rPr lang="en-CA" sz="800" b="1" dirty="0">
+                <a:latin typeface="Courier" pitchFamily="2" charset="0"/>
+              </a:rPr>
+              <a:t> IOAM Indicator Label              </a:t>
+            </a:r>
+            <a:r>
+              <a:rPr lang="en-CA" sz="800" dirty="0">
+                <a:latin typeface="Courier" pitchFamily="2" charset="0"/>
+              </a:rPr>
+              <a:t>| TC  |1|      TTL      |</a:t>
+            </a:r>
+          </a:p>
+          <a:p>
+            <a:r>
+              <a:rPr lang="en-CA" sz="800" dirty="0">
+                <a:latin typeface="Courier" pitchFamily="2" charset="0"/>
+              </a:rPr>
+              <a:t>   +-+-+-+-+-+-+-+-+-+-+-+-+-+-+-+-+-+-+-+-+-+-+-+-+-+-+-+-+-+-+-+-+&lt;-+ </a:t>
+            </a:r>
+          </a:p>
+          <a:p>
+            <a:r>
+              <a:rPr lang="en-CA" sz="800" dirty="0">
+                <a:latin typeface="Courier" pitchFamily="2" charset="0"/>
+              </a:rPr>
+              <a:t>   |0 0 0 1|Version|  Reserved     | IOAM G-</a:t>
+            </a:r>
+            <a:r>
+              <a:rPr lang="en-CA" sz="800" dirty="0" err="1">
+                <a:latin typeface="Courier" pitchFamily="2" charset="0"/>
+              </a:rPr>
+              <a:t>ACh</a:t>
+            </a:r>
+            <a:r>
+              <a:rPr lang="en-CA" sz="800" dirty="0">
+                <a:latin typeface="Courier" pitchFamily="2" charset="0"/>
+              </a:rPr>
+              <a:t>                    |  | </a:t>
+            </a:r>
+          </a:p>
+          <a:p>
+            <a:r>
+              <a:rPr lang="en-CA" sz="800" dirty="0">
+                <a:latin typeface="Courier" pitchFamily="2" charset="0"/>
+              </a:rPr>
+              <a:t>   +-+-+-+-+-+-+-+-+-+-+-+-+-+-+-+-+-+-+-+-+-+-+-+-+-+-+-+-+-+-+-+-+  | </a:t>
+            </a:r>
+          </a:p>
+          <a:p>
+            <a:r>
+              <a:rPr lang="en-CA" sz="800" dirty="0">
+                <a:latin typeface="Courier" pitchFamily="2" charset="0"/>
+              </a:rPr>
+              <a:t>   | Reserved      | Block Number  | IOAM-OPT-Type |IOAM HDR Length|  |</a:t>
+            </a:r>
+          </a:p>
+          <a:p>
+            <a:r>
+              <a:rPr lang="en-CA" sz="800" dirty="0">
+                <a:latin typeface="Courier" pitchFamily="2" charset="0"/>
+              </a:rPr>
+              <a:t>   +-+-+-+-+-+-+-+-+-+-+-+-+-+-+-+-+-+-+-+-+-+-+-+-+-+-+-+-+-+-+-+-+  I</a:t>
+            </a:r>
+          </a:p>
+          <a:p>
+            <a:r>
+              <a:rPr lang="en-CA" sz="800" dirty="0">
+                <a:latin typeface="Courier" pitchFamily="2" charset="0"/>
+              </a:rPr>
+              <a:t>   |                                                               |  O</a:t>
+            </a:r>
+          </a:p>
+          <a:p>
+            <a:r>
+              <a:rPr lang="en-CA" sz="800" dirty="0">
+                <a:latin typeface="Courier" pitchFamily="2" charset="0"/>
+              </a:rPr>
+              <a:t>   |                                                               |  A</a:t>
+            </a:r>
+          </a:p>
+          <a:p>
+            <a:r>
+              <a:rPr lang="en-CA" sz="800" dirty="0">
+                <a:latin typeface="Courier" pitchFamily="2" charset="0"/>
+              </a:rPr>
+              <a:t>   ~                 IOAM Option and Data Space                    ~  M</a:t>
+            </a:r>
+          </a:p>
+          <a:p>
+            <a:r>
+              <a:rPr lang="en-CA" sz="800" dirty="0">
+                <a:latin typeface="Courier" pitchFamily="2" charset="0"/>
+              </a:rPr>
+              <a:t>   |                                                               |  |</a:t>
+            </a:r>
+          </a:p>
+          <a:p>
+            <a:r>
+              <a:rPr lang="en-CA" sz="800" dirty="0">
+                <a:latin typeface="Courier" pitchFamily="2" charset="0"/>
+              </a:rPr>
+              <a:t>   |                                                               |  |</a:t>
+            </a:r>
+          </a:p>
+          <a:p>
+            <a:r>
+              <a:rPr lang="en-CA" sz="800" dirty="0">
+                <a:latin typeface="Courier" pitchFamily="2" charset="0"/>
+              </a:rPr>
+              <a:t>   +-+-+-+-+-+-+-+-+-+-+-+-+-+-+-+-+-+-+-+-+-+-+-+-+-+-+-+-+-+-+-+-+&lt;-+</a:t>
+            </a:r>
+          </a:p>
+          <a:p>
+            <a:r>
+              <a:rPr lang="en-CA" sz="800" dirty="0">
+                <a:latin typeface="Courier" pitchFamily="2" charset="0"/>
+              </a:rPr>
+              <a:t>   |                                                               |</a:t>
+            </a:r>
+          </a:p>
+          <a:p>
+            <a:r>
+              <a:rPr lang="en-CA" sz="800" dirty="0">
+                <a:latin typeface="Courier" pitchFamily="2" charset="0"/>
+              </a:rPr>
+              <a:t>   |                                                               |</a:t>
+            </a:r>
+          </a:p>
+          <a:p>
+            <a:r>
+              <a:rPr lang="en-CA" sz="800" dirty="0">
+                <a:latin typeface="Courier" pitchFamily="2" charset="0"/>
+              </a:rPr>
+              <a:t>   ~                 Payload + Padding                             ~</a:t>
+            </a:r>
+          </a:p>
+          <a:p>
+            <a:r>
+              <a:rPr lang="en-CA" sz="800" dirty="0">
+                <a:latin typeface="Courier" pitchFamily="2" charset="0"/>
+              </a:rPr>
+              <a:t>   |                                                               |</a:t>
+            </a:r>
+          </a:p>
+          <a:p>
+            <a:r>
+              <a:rPr lang="en-CA" sz="800" dirty="0">
+                <a:latin typeface="Courier" pitchFamily="2" charset="0"/>
+              </a:rPr>
+              <a:t>   |                                                               |</a:t>
+            </a:r>
+          </a:p>
+          <a:p>
+            <a:r>
+              <a:rPr lang="en-CA" sz="800" dirty="0">
+                <a:latin typeface="Courier" pitchFamily="2" charset="0"/>
+              </a:rPr>
+              <a:t>   +-+-+-+-+-+-+-+-+-+-+-+-+-+-+-+-+-+-+-+-+-+-+-+-+-+-+-+-+-+-+-+-+ </a:t>
+            </a:r>
+          </a:p>
+          <a:p>
+            <a:r>
+              <a:rPr lang="en-CA" sz="800" dirty="0">
+                <a:latin typeface="Courier" pitchFamily="2" charset="0"/>
+              </a:rPr>
+              <a:t>         Figure: IOAM Encapsulation Example with SR-MPLS Header</a:t>
+            </a:r>
+            <a:endParaRPr lang="en-CA" sz="800" dirty="0">
+              <a:latin typeface="Courier" pitchFamily="2" charset="0"/>
+              <a:ea typeface="Calibri" panose="020F0502020204030204" pitchFamily="34" charset="0"/>
+              <a:cs typeface="Times New Roman" panose="02020603050405020304" pitchFamily="18" charset="0"/>
+            </a:endParaRPr>
+          </a:p>
+        </p:txBody>
+      </p:sp>
+    </p:spTree>
+    <p:extLst>
+      <p:ext uri="{BB962C8B-B14F-4D97-AF65-F5344CB8AC3E}">
+        <p14:creationId xmlns:p14="http://schemas.microsoft.com/office/powerpoint/2010/main" val="166031106"/>
+      </p:ext>
+    </p:extLst>
+  </p:cSld>
+  <p:clrMapOvr>
+    <a:masterClrMapping/>
+  </p:clrMapOvr>
+</p:sld>
+</file>
+
+<file path=ppt/slides/slide2.xml><?xml version="1.0" encoding="utf-8"?>
+<p:sld xmlns:a="http://schemas.openxmlformats.org/drawingml/2006/main" xmlns:r="http://schemas.openxmlformats.org/officeDocument/2006/relationships" xmlns:p="http://schemas.openxmlformats.org/presentationml/2006/main">
+  <p:cSld>
+    <p:spTree>
+      <p:nvGrpSpPr>
+        <p:cNvPr id="1" name=""/>
+        <p:cNvGrpSpPr/>
+        <p:nvPr/>
+      </p:nvGrpSpPr>
+      <p:grpSpPr>
+        <a:xfrm>
+          <a:off x="0" y="0"/>
+          <a:ext cx="0" cy="0"/>
+          <a:chOff x="0" y="0"/>
+          <a:chExt cx="0" cy="0"/>
+        </a:xfrm>
+      </p:grpSpPr>
+      <p:sp>
+        <p:nvSpPr>
+          <p:cNvPr id="2" name="Title 1"/>
+          <p:cNvSpPr>
+            <a:spLocks noGrp="1"/>
+          </p:cNvSpPr>
+          <p:nvPr>
+            <p:ph type="title"/>
+          </p:nvPr>
+        </p:nvSpPr>
+        <p:spPr>
+          <a:xfrm>
+            <a:off x="457200" y="0"/>
+            <a:ext cx="8229600" cy="857250"/>
+          </a:xfrm>
+        </p:spPr>
+        <p:txBody>
+          <a:bodyPr/>
+          <a:lstStyle/>
+          <a:p>
+            <a:r>
+              <a:rPr lang="en-US" sz="3600" dirty="0">
+                <a:solidFill>
+                  <a:srgbClr val="0070C0"/>
+                </a:solidFill>
+                <a:latin typeface="Calibri Light" panose="020F0302020204030204" pitchFamily="34" charset="0"/>
+                <a:cs typeface="Calibri Light" panose="020F0302020204030204" pitchFamily="34" charset="0"/>
+              </a:rPr>
+              <a:t>Agenda</a:t>
+            </a:r>
+          </a:p>
+        </p:txBody>
+      </p:sp>
+      <p:sp>
+        <p:nvSpPr>
+          <p:cNvPr id="3" name="Content Placeholder 2"/>
+          <p:cNvSpPr>
+            <a:spLocks noGrp="1"/>
+          </p:cNvSpPr>
+          <p:nvPr>
+            <p:ph idx="1"/>
+          </p:nvPr>
+        </p:nvSpPr>
+        <p:spPr>
+          <a:xfrm>
+            <a:off x="685799" y="1009650"/>
+            <a:ext cx="7772401" cy="3124200"/>
+          </a:xfrm>
+        </p:spPr>
+        <p:txBody>
+          <a:bodyPr/>
+          <a:lstStyle/>
+          <a:p>
+            <a:r>
+              <a:rPr lang="en-US" sz="2400" dirty="0"/>
+              <a:t>Requirements and Scope</a:t>
+            </a:r>
+          </a:p>
+          <a:p>
+            <a:r>
+              <a:rPr lang="en-US" sz="2400" dirty="0"/>
+              <a:t>Summary</a:t>
+            </a:r>
+          </a:p>
+          <a:p>
+            <a:r>
+              <a:rPr lang="en-US" sz="2400" dirty="0"/>
+              <a:t>Next Steps</a:t>
+            </a:r>
+          </a:p>
+        </p:txBody>
+      </p:sp>
+      <p:sp>
+        <p:nvSpPr>
+          <p:cNvPr id="4" name="Footer Placeholder 3"/>
+          <p:cNvSpPr>
+            <a:spLocks noGrp="1"/>
+          </p:cNvSpPr>
+          <p:nvPr>
+            <p:ph type="ftr" sz="quarter" idx="11"/>
+          </p:nvPr>
+        </p:nvSpPr>
+        <p:spPr>
+          <a:xfrm>
+            <a:off x="3124200" y="4786312"/>
+            <a:ext cx="2895600" cy="357188"/>
+          </a:xfrm>
+        </p:spPr>
+        <p:txBody>
+          <a:bodyPr/>
+          <a:lstStyle/>
+          <a:p>
+            <a:r>
+              <a:rPr lang="en-CA" dirty="0"/>
+              <a:t>110</a:t>
+            </a:r>
+            <a:r>
+              <a:rPr lang="en-CA" baseline="30000" dirty="0"/>
+              <a:t>th</a:t>
+            </a:r>
+            <a:r>
+              <a:rPr lang="en-CA" dirty="0"/>
+              <a:t> IETF Online</a:t>
+            </a:r>
+          </a:p>
+        </p:txBody>
+      </p:sp>
+      <p:sp>
+        <p:nvSpPr>
+          <p:cNvPr id="5" name="Slide Number Placeholder 4"/>
+          <p:cNvSpPr>
+            <a:spLocks noGrp="1"/>
+          </p:cNvSpPr>
+          <p:nvPr>
+            <p:ph type="sldNum" sz="quarter" idx="12"/>
+          </p:nvPr>
+        </p:nvSpPr>
+        <p:spPr/>
+        <p:txBody>
+          <a:bodyPr/>
+          <a:lstStyle/>
+          <a:p>
+            <a:pPr>
+              <a:defRPr/>
+            </a:pPr>
+            <a:fld id="{BD6E0F59-1DD8-40FC-9C92-B6295CBA6CCA}" type="slidenum">
+              <a:rPr lang="en-US" altLang="zh-CN" smtClean="0"/>
+              <a:pPr>
+                <a:defRPr/>
+              </a:pPr>
+              <a:t>2</a:t>
+            </a:fld>
+            <a:endParaRPr lang="en-US" altLang="zh-CN"/>
+          </a:p>
+        </p:txBody>
+      </p:sp>
+    </p:spTree>
+    <p:extLst>
+      <p:ext uri="{BB962C8B-B14F-4D97-AF65-F5344CB8AC3E}">
+        <p14:creationId xmlns:p14="http://schemas.microsoft.com/office/powerpoint/2010/main" val="1157046242"/>
+      </p:ext>
+    </p:extLst>
+  </p:cSld>
+  <p:clrMapOvr>
+    <a:masterClrMapping/>
+  </p:clrMapOvr>
+</p:sld>
+</file>
+
+<file path=ppt/slides/slide20.xml><?xml version="1.0" encoding="utf-8"?>
+<p:sld xmlns:a="http://schemas.openxmlformats.org/drawingml/2006/main" xmlns:r="http://schemas.openxmlformats.org/officeDocument/2006/relationships" xmlns:p="http://schemas.openxmlformats.org/presentationml/2006/main">
+  <p:cSld>
+    <p:spTree>
+      <p:nvGrpSpPr>
+        <p:cNvPr id="1" name=""/>
+        <p:cNvGrpSpPr/>
+        <p:nvPr/>
+      </p:nvGrpSpPr>
+      <p:grpSpPr>
+        <a:xfrm>
+          <a:off x="0" y="0"/>
+          <a:ext cx="0" cy="0"/>
+          <a:chOff x="0" y="0"/>
+          <a:chExt cx="0" cy="0"/>
+        </a:xfrm>
+      </p:grpSpPr>
+      <p:sp>
+        <p:nvSpPr>
+          <p:cNvPr id="2" name="Title 1"/>
+          <p:cNvSpPr>
+            <a:spLocks noGrp="1"/>
+          </p:cNvSpPr>
+          <p:nvPr>
+            <p:ph type="title"/>
+          </p:nvPr>
+        </p:nvSpPr>
+        <p:spPr>
+          <a:xfrm>
+            <a:off x="457200" y="38100"/>
+            <a:ext cx="8229600" cy="857250"/>
+          </a:xfrm>
+        </p:spPr>
+        <p:txBody>
+          <a:bodyPr/>
+          <a:lstStyle/>
+          <a:p>
+            <a:r>
+              <a:rPr lang="en-US" sz="3200" dirty="0">
+                <a:solidFill>
+                  <a:srgbClr val="0070C0"/>
+                </a:solidFill>
+                <a:latin typeface="Calibri Light" panose="020F0302020204030204" pitchFamily="34" charset="0"/>
+                <a:cs typeface="Calibri Light" panose="020F0302020204030204" pitchFamily="34" charset="0"/>
+              </a:rPr>
+              <a:t>Next Steps</a:t>
+            </a:r>
+          </a:p>
+        </p:txBody>
+      </p:sp>
+      <p:sp>
+        <p:nvSpPr>
+          <p:cNvPr id="3" name="Content Placeholder 2"/>
+          <p:cNvSpPr>
+            <a:spLocks noGrp="1"/>
+          </p:cNvSpPr>
+          <p:nvPr>
+            <p:ph idx="1"/>
+          </p:nvPr>
+        </p:nvSpPr>
+        <p:spPr>
+          <a:xfrm>
+            <a:off x="762000" y="1200150"/>
+            <a:ext cx="7772400" cy="2743200"/>
+          </a:xfrm>
+        </p:spPr>
+        <p:txBody>
+          <a:bodyPr/>
+          <a:lstStyle/>
+          <a:p>
+            <a:pPr lvl="0"/>
+            <a:r>
+              <a:rPr lang="en-US" sz="2400" dirty="0">
+                <a:latin typeface="Calibri" charset="0"/>
+                <a:ea typeface="Calibri" charset="0"/>
+                <a:cs typeface="Calibri" charset="0"/>
+              </a:rPr>
+              <a:t>Welcome your comments and suggestions</a:t>
+            </a:r>
+          </a:p>
+          <a:p>
+            <a:r>
+              <a:rPr lang="en-US" sz="2400" dirty="0"/>
+              <a:t>Requesting MPLS WG adoption</a:t>
+            </a:r>
+          </a:p>
+          <a:p>
+            <a:pPr lvl="0"/>
+            <a:endParaRPr lang="en-US" sz="2400" dirty="0">
+              <a:latin typeface="Calibri" charset="0"/>
+              <a:ea typeface="Calibri" charset="0"/>
+              <a:cs typeface="Calibri" charset="0"/>
+            </a:endParaRPr>
+          </a:p>
+        </p:txBody>
+      </p:sp>
+      <p:sp>
+        <p:nvSpPr>
+          <p:cNvPr id="4" name="Footer Placeholder 3"/>
+          <p:cNvSpPr>
+            <a:spLocks noGrp="1"/>
+          </p:cNvSpPr>
+          <p:nvPr>
+            <p:ph type="ftr" sz="quarter" idx="11"/>
+          </p:nvPr>
+        </p:nvSpPr>
+        <p:spPr>
+          <a:xfrm>
+            <a:off x="3124200" y="4787315"/>
+            <a:ext cx="2895600" cy="357188"/>
+          </a:xfrm>
+        </p:spPr>
+        <p:txBody>
+          <a:bodyPr/>
+          <a:lstStyle/>
+          <a:p>
+            <a:r>
+              <a:rPr lang="en-CA" dirty="0"/>
+              <a:t>110</a:t>
+            </a:r>
+            <a:r>
+              <a:rPr lang="en-CA" baseline="30000" dirty="0"/>
+              <a:t>th</a:t>
+            </a:r>
+            <a:r>
+              <a:rPr lang="en-CA" dirty="0"/>
+              <a:t> IETF Online</a:t>
+            </a:r>
+          </a:p>
+        </p:txBody>
+      </p:sp>
+      <p:sp>
+        <p:nvSpPr>
+          <p:cNvPr id="5" name="Slide Number Placeholder 4"/>
+          <p:cNvSpPr>
+            <a:spLocks noGrp="1"/>
+          </p:cNvSpPr>
+          <p:nvPr>
+            <p:ph type="sldNum" sz="quarter" idx="12"/>
+          </p:nvPr>
+        </p:nvSpPr>
+        <p:spPr/>
+        <p:txBody>
+          <a:bodyPr/>
+          <a:lstStyle/>
+          <a:p>
+            <a:pPr>
+              <a:defRPr/>
+            </a:pPr>
+            <a:fld id="{BD6E0F59-1DD8-40FC-9C92-B6295CBA6CCA}" type="slidenum">
+              <a:rPr lang="en-US" altLang="zh-CN" smtClean="0"/>
+              <a:pPr>
+                <a:defRPr/>
+              </a:pPr>
+              <a:t>20</a:t>
             </a:fld>
             <a:endParaRPr lang="en-US" altLang="zh-CN"/>
           </a:p>
@@ -8395,7 +10640,7 @@
 </p:sld>
 </file>
 
-<file path=ppt/slides/slide17.xml><?xml version="1.0" encoding="utf-8"?>
+<file path=ppt/slides/slide21.xml><?xml version="1.0" encoding="utf-8"?>
 <p:sld xmlns:a="http://schemas.openxmlformats.org/drawingml/2006/main" xmlns:r="http://schemas.openxmlformats.org/officeDocument/2006/relationships" xmlns:p="http://schemas.openxmlformats.org/presentationml/2006/main">
   <p:cSld>
     <p:spTree>
@@ -8659,7 +10904,7 @@
               <a:pPr>
                 <a:defRPr/>
               </a:pPr>
-              <a:t>17</a:t>
+              <a:t>21</a:t>
             </a:fld>
             <a:endParaRPr lang="en-US" altLang="zh-CN"/>
           </a:p>
@@ -8678,7 +10923,7 @@
 </p:sld>
 </file>
 
-<file path=ppt/slides/slide18.xml><?xml version="1.0" encoding="utf-8"?>
+<file path=ppt/slides/slide22.xml><?xml version="1.0" encoding="utf-8"?>
 <p:sld xmlns:a="http://schemas.openxmlformats.org/drawingml/2006/main" xmlns:r="http://schemas.openxmlformats.org/officeDocument/2006/relationships" xmlns:p="http://schemas.openxmlformats.org/presentationml/2006/main">
   <p:cSld>
     <p:spTree>
@@ -8942,7 +11187,7 @@
               <a:pPr>
                 <a:defRPr/>
               </a:pPr>
-              <a:t>18</a:t>
+              <a:t>22</a:t>
             </a:fld>
             <a:endParaRPr lang="en-US" altLang="zh-CN"/>
           </a:p>
@@ -8961,7 +11206,7 @@
 </p:sld>
 </file>
 
-<file path=ppt/slides/slide19.xml><?xml version="1.0" encoding="utf-8"?>
+<file path=ppt/slides/slide23.xml><?xml version="1.0" encoding="utf-8"?>
 <p:sld xmlns:a="http://schemas.openxmlformats.org/drawingml/2006/main" xmlns:r="http://schemas.openxmlformats.org/officeDocument/2006/relationships" xmlns:p="http://schemas.openxmlformats.org/presentationml/2006/main">
   <p:cSld>
     <p:spTree>
@@ -8996,15 +11241,14 @@
         </p:nvSpPr>
         <p:spPr>
           <a:xfrm>
-            <a:off x="2133600" y="0"/>
-            <a:ext cx="3657600" cy="857250"/>
+            <a:off x="2209800" y="0"/>
+            <a:ext cx="5257800" cy="857250"/>
           </a:xfrm>
         </p:spPr>
         <p:txBody>
           <a:bodyPr/>
           <a:lstStyle/>
           <a:p>
-            <a:pPr algn="l"/>
             <a:r>
               <a:rPr lang="en-US" sz="3200" dirty="0">
                 <a:solidFill>
@@ -9043,34 +11287,6 @@
         <p:txBody>
           <a:bodyPr/>
           <a:lstStyle/>
-          <a:p>
-            <a:pPr>
-              <a:spcBef>
-                <a:spcPts val="600"/>
-              </a:spcBef>
-            </a:pPr>
-            <a:r>
-              <a:rPr lang="en-CA" sz="1400" dirty="0">
-                <a:latin typeface="Calibri" panose="020F0502020204030204" pitchFamily="34" charset="0"/>
-                <a:cs typeface="Calibri" panose="020F0502020204030204" pitchFamily="34" charset="0"/>
-              </a:rPr>
-              <a:t>Applicable to E2E and </a:t>
-            </a:r>
-            <a:r>
-              <a:rPr lang="en-CA" sz="1400" dirty="0" err="1">
-                <a:latin typeface="Calibri" panose="020F0502020204030204" pitchFamily="34" charset="0"/>
-                <a:cs typeface="Calibri" panose="020F0502020204030204" pitchFamily="34" charset="0"/>
-              </a:rPr>
-              <a:t>HbH</a:t>
-            </a:r>
-            <a:r>
-              <a:rPr lang="en-CA" sz="1400" dirty="0">
-                <a:latin typeface="Calibri" panose="020F0502020204030204" pitchFamily="34" charset="0"/>
-                <a:cs typeface="Calibri" panose="020F0502020204030204" pitchFamily="34" charset="0"/>
-              </a:rPr>
-              <a:t> cases</a:t>
-            </a:r>
-          </a:p>
           <a:p>
             <a:pPr>
               <a:spcBef>
@@ -9172,15 +11388,69 @@
               <a:spcBef>
                 <a:spcPts val="600"/>
               </a:spcBef>
-              <a:buFont typeface="Wingdings" pitchFamily="2" charset="2"/>
-              <a:buChar char="ü"/>
             </a:pPr>
             <a:r>
-              <a:rPr lang="en-US" sz="1400" dirty="0">
+              <a:rPr lang="en-CA" sz="1400" dirty="0">
                 <a:latin typeface="Calibri" panose="020F0502020204030204" pitchFamily="34" charset="0"/>
                 <a:cs typeface="Calibri" panose="020F0502020204030204" pitchFamily="34" charset="0"/>
               </a:rPr>
-              <a:t>This is a generic issue applicable to all G-ACH mechanisms used for data traffic</a:t>
+              <a:t>IOAM data is part of the MPLS Header and PW/</a:t>
+            </a:r>
+            <a:r>
+              <a:rPr lang="en-CA" sz="1400" dirty="0" err="1">
+                <a:latin typeface="Calibri" panose="020F0502020204030204" pitchFamily="34" charset="0"/>
+                <a:cs typeface="Calibri" panose="020F0502020204030204" pitchFamily="34" charset="0"/>
+              </a:rPr>
+              <a:t>DetNet</a:t>
+            </a:r>
+            <a:r>
+              <a:rPr lang="en-CA" sz="1400" dirty="0">
+                <a:latin typeface="Calibri" panose="020F0502020204030204" pitchFamily="34" charset="0"/>
+                <a:cs typeface="Calibri" panose="020F0502020204030204" pitchFamily="34" charset="0"/>
+              </a:rPr>
+              <a:t> header/data is carried below the IOAM header.</a:t>
+            </a:r>
+          </a:p>
+          <a:p>
+            <a:pPr>
+              <a:spcBef>
+                <a:spcPts val="600"/>
+              </a:spcBef>
+            </a:pPr>
+            <a:r>
+              <a:rPr lang="en-CA" sz="1400" dirty="0">
+                <a:latin typeface="Calibri" panose="020F0502020204030204" pitchFamily="34" charset="0"/>
+                <a:cs typeface="Calibri" panose="020F0502020204030204" pitchFamily="34" charset="0"/>
+              </a:rPr>
+              <a:t>The </a:t>
+            </a:r>
+            <a:r>
+              <a:rPr lang="en-CA" sz="1400" dirty="0" err="1">
+                <a:latin typeface="Calibri" panose="020F0502020204030204" pitchFamily="34" charset="0"/>
+                <a:cs typeface="Calibri" panose="020F0502020204030204" pitchFamily="34" charset="0"/>
+              </a:rPr>
+              <a:t>decap</a:t>
+            </a:r>
+            <a:r>
+              <a:rPr lang="en-CA" sz="1400" dirty="0">
+                <a:latin typeface="Calibri" panose="020F0502020204030204" pitchFamily="34" charset="0"/>
+                <a:cs typeface="Calibri" panose="020F0502020204030204" pitchFamily="34" charset="0"/>
+              </a:rPr>
+              <a:t> node removes the MPLS header including the IOAM header and then processes the PW/</a:t>
+            </a:r>
+            <a:r>
+              <a:rPr lang="en-CA" sz="1400" dirty="0" err="1">
+                <a:latin typeface="Calibri" panose="020F0502020204030204" pitchFamily="34" charset="0"/>
+                <a:cs typeface="Calibri" panose="020F0502020204030204" pitchFamily="34" charset="0"/>
+              </a:rPr>
+              <a:t>DetNet</a:t>
+            </a:r>
+            <a:r>
+              <a:rPr lang="en-CA" sz="1400" dirty="0">
+                <a:latin typeface="Calibri" panose="020F0502020204030204" pitchFamily="34" charset="0"/>
+                <a:cs typeface="Calibri" panose="020F0502020204030204" pitchFamily="34" charset="0"/>
+              </a:rPr>
+              <a:t> header/data.</a:t>
             </a:r>
           </a:p>
         </p:txBody>
@@ -9258,7 +11528,7 @@
               <a:pPr>
                 <a:defRPr/>
               </a:pPr>
-              <a:t>19</a:t>
+              <a:t>23</a:t>
             </a:fld>
             <a:endParaRPr lang="en-US" altLang="zh-CN"/>
           </a:p>
@@ -9277,7 +11547,7 @@
 </p:sld>
 </file>
 
-<file path=ppt/slides/slide2.xml><?xml version="1.0" encoding="utf-8"?>
+<file path=ppt/slides/slide24.xml><?xml version="1.0" encoding="utf-8"?>
 <p:sld xmlns:a="http://schemas.openxmlformats.org/drawingml/2006/main" xmlns:r="http://schemas.openxmlformats.org/officeDocument/2006/relationships" xmlns:p="http://schemas.openxmlformats.org/presentationml/2006/main">
   <p:cSld>
     <p:spTree>
@@ -9296,7 +11566,13 @@
       </p:grpSpPr>
       <p:sp>
         <p:nvSpPr>
-          <p:cNvPr id="2" name="Title 1"/>
+          <p:cNvPr id="2" name="Title 1">
+            <a:extLst>
+              <a:ext uri="{FF2B5EF4-FFF2-40B4-BE49-F238E27FC236}">
+                <a16:creationId xmlns:a16="http://schemas.microsoft.com/office/drawing/2014/main" id="{590D0125-5A9E-9D48-9391-85FBD0E608A2}"/>
+              </a:ext>
+            </a:extLst>
+          </p:cNvPr>
           <p:cNvSpPr>
             <a:spLocks noGrp="1"/>
           </p:cNvSpPr>
@@ -9306,79 +11582,54 @@
         </p:nvSpPr>
         <p:spPr>
           <a:xfrm>
-            <a:off x="457200" y="0"/>
-            <a:ext cx="8229600" cy="857250"/>
+            <a:off x="304800" y="94882"/>
+            <a:ext cx="8534400" cy="599270"/>
           </a:xfrm>
         </p:spPr>
         <p:txBody>
           <a:bodyPr/>
           <a:lstStyle/>
           <a:p>
-            <a:r>
-              <a:rPr lang="en-US" sz="3600" dirty="0">
+            <a:pPr algn="l"/>
+            <a:r>
+              <a:rPr lang="en-CA" sz="3200" dirty="0">
                 <a:solidFill>
                   <a:srgbClr val="0070C0"/>
                 </a:solidFill>
                 <a:latin typeface="Calibri Light" panose="020F0302020204030204" pitchFamily="34" charset="0"/>
                 <a:cs typeface="Calibri Light" panose="020F0302020204030204" pitchFamily="34" charset="0"/>
               </a:rPr>
-              <a:t>Agenda</a:t>
-            </a:r>
-          </a:p>
-        </p:txBody>
-      </p:sp>
-      <p:sp>
-        <p:nvSpPr>
-          <p:cNvPr id="3" name="Content Placeholder 2"/>
+              <a:t>IOAM Encapsulation in MPLS Header with PW Data</a:t>
+            </a:r>
+            <a:endParaRPr lang="en-US" sz="3200" dirty="0">
+              <a:solidFill>
+                <a:srgbClr val="0070C0"/>
+              </a:solidFill>
+              <a:latin typeface="Calibri Light" panose="020F0302020204030204" pitchFamily="34" charset="0"/>
+              <a:cs typeface="Calibri Light" panose="020F0302020204030204" pitchFamily="34" charset="0"/>
+            </a:endParaRPr>
+          </a:p>
+        </p:txBody>
+      </p:sp>
+      <p:sp>
+        <p:nvSpPr>
+          <p:cNvPr id="4" name="Footer Placeholder 3">
+            <a:extLst>
+              <a:ext uri="{FF2B5EF4-FFF2-40B4-BE49-F238E27FC236}">
+                <a16:creationId xmlns:a16="http://schemas.microsoft.com/office/drawing/2014/main" id="{87713FCD-3B47-804D-B373-DAB61FB5FF59}"/>
+              </a:ext>
+            </a:extLst>
+          </p:cNvPr>
           <p:cNvSpPr>
             <a:spLocks noGrp="1"/>
           </p:cNvSpPr>
           <p:nvPr>
-            <p:ph idx="1"/>
+            <p:ph type="ftr" sz="quarter" idx="11"/>
           </p:nvPr>
         </p:nvSpPr>
         <p:spPr>
           <a:xfrm>
-            <a:off x="685799" y="1009650"/>
-            <a:ext cx="7772401" cy="3124200"/>
-          </a:xfrm>
-        </p:spPr>
-        <p:txBody>
-          <a:bodyPr/>
-          <a:lstStyle/>
-          <a:p>
-            <a:r>
-              <a:rPr lang="en-US" sz="2400" dirty="0"/>
-              <a:t>Requirements and Scope</a:t>
-            </a:r>
-          </a:p>
-          <a:p>
-            <a:r>
-              <a:rPr lang="en-US" sz="2400" dirty="0"/>
-              <a:t>Summary</a:t>
-            </a:r>
-          </a:p>
-          <a:p>
-            <a:r>
-              <a:rPr lang="en-US" sz="2400" dirty="0"/>
-              <a:t>Next Steps</a:t>
-            </a:r>
-          </a:p>
-        </p:txBody>
-      </p:sp>
-      <p:sp>
-        <p:nvSpPr>
-          <p:cNvPr id="4" name="Footer Placeholder 3"/>
-          <p:cNvSpPr>
-            <a:spLocks noGrp="1"/>
-          </p:cNvSpPr>
-          <p:nvPr>
-            <p:ph type="ftr" sz="quarter" idx="11"/>
-          </p:nvPr>
-        </p:nvSpPr>
-        <p:spPr>
-          <a:xfrm>
-            <a:off x="3124200" y="4786312"/>
+            <a:off x="3124200" y="4781550"/>
             <a:ext cx="2895600" cy="357188"/>
           </a:xfrm>
         </p:spPr>
@@ -9403,7 +11654,13 @@
       </p:sp>
       <p:sp>
         <p:nvSpPr>
-          <p:cNvPr id="5" name="Slide Number Placeholder 4"/>
+          <p:cNvPr id="5" name="Slide Number Placeholder 4">
+            <a:extLst>
+              <a:ext uri="{FF2B5EF4-FFF2-40B4-BE49-F238E27FC236}">
+                <a16:creationId xmlns:a16="http://schemas.microsoft.com/office/drawing/2014/main" id="{1371408B-9195-EC4D-8131-A3F5CC0592D0}"/>
+              </a:ext>
+            </a:extLst>
+          </p:cNvPr>
           <p:cNvSpPr>
             <a:spLocks noGrp="1"/>
           </p:cNvSpPr>
@@ -9424,16 +11681,330 @@
               <a:pPr>
                 <a:defRPr/>
               </a:pPr>
-              <a:t>2</a:t>
+              <a:t>24</a:t>
             </a:fld>
             <a:endParaRPr lang="en-US" altLang="zh-CN"/>
+          </a:p>
+        </p:txBody>
+      </p:sp>
+      <p:sp>
+        <p:nvSpPr>
+          <p:cNvPr id="6" name="Rectangle 5">
+            <a:extLst>
+              <a:ext uri="{FF2B5EF4-FFF2-40B4-BE49-F238E27FC236}">
+                <a16:creationId xmlns:a16="http://schemas.microsoft.com/office/drawing/2014/main" id="{1EED4007-3A19-0E4E-8496-6CECEEA363EB}"/>
+              </a:ext>
+            </a:extLst>
+          </p:cNvPr>
+          <p:cNvSpPr/>
+          <p:nvPr/>
+        </p:nvSpPr>
+        <p:spPr>
+          <a:xfrm>
+            <a:off x="1828800" y="853512"/>
+            <a:ext cx="5105400" cy="3693319"/>
+          </a:xfrm>
+          <a:prstGeom prst="rect">
+            <a:avLst/>
+          </a:prstGeom>
+          <a:solidFill>
+            <a:schemeClr val="accent6">
+              <a:lumMod val="20000"/>
+              <a:lumOff val="80000"/>
+            </a:schemeClr>
+          </a:solidFill>
+        </p:spPr>
+        <p:txBody>
+          <a:bodyPr wrap="square">
+            <a:spAutoFit/>
+          </a:bodyPr>
+          <a:lstStyle/>
+          <a:p>
+            <a:r>
+              <a:rPr lang="en-CA" sz="900" dirty="0">
+                <a:latin typeface="Courier" pitchFamily="2" charset="0"/>
+              </a:rPr>
+              <a:t>   0                   1                   2                   3</a:t>
+            </a:r>
+          </a:p>
+          <a:p>
+            <a:r>
+              <a:rPr lang="en-CA" sz="900" dirty="0">
+                <a:latin typeface="Courier" pitchFamily="2" charset="0"/>
+              </a:rPr>
+              <a:t>   0 1 2 3 4 5 6 7 8 9 0 1 2 3 4 5 6 7 8 9 0 1 2 3 4 5 6 7 8 9 0 1</a:t>
+            </a:r>
+          </a:p>
+          <a:p>
+            <a:r>
+              <a:rPr lang="en-CA" sz="900" dirty="0">
+                <a:latin typeface="Courier" pitchFamily="2" charset="0"/>
+              </a:rPr>
+              <a:t>   +-+-+-+-+-+-+-+-+-+-+-+-+-+-+-+-+-+-+-+-+-+-+-+-+-+-+-+-+-+-+-+-+</a:t>
+            </a:r>
+          </a:p>
+          <a:p>
+            <a:r>
+              <a:rPr lang="en-CA" sz="900" dirty="0">
+                <a:latin typeface="Courier" pitchFamily="2" charset="0"/>
+              </a:rPr>
+              <a:t>   |  </a:t>
+            </a:r>
+            <a:r>
+              <a:rPr lang="en-CA" sz="900" dirty="0" err="1">
+                <a:latin typeface="Courier" pitchFamily="2" charset="0"/>
+              </a:rPr>
+              <a:t>HbH</a:t>
+            </a:r>
+            <a:r>
+              <a:rPr lang="en-CA" sz="900" dirty="0">
+                <a:latin typeface="Courier" pitchFamily="2" charset="0"/>
+              </a:rPr>
+              <a:t> IOAM Indicator Label             | TC  |1|  TTL          |</a:t>
+            </a:r>
+          </a:p>
+          <a:p>
+            <a:r>
+              <a:rPr lang="en-CA" sz="900" dirty="0">
+                <a:latin typeface="Courier" pitchFamily="2" charset="0"/>
+              </a:rPr>
+              <a:t>   +-+-+-+-+-+-+-+-+-+-+-+-+-+-+-+-+-+-+-+-+-+-+-+-+-+-+-+-+-+-+-+-+&lt;-+</a:t>
+            </a:r>
+          </a:p>
+          <a:p>
+            <a:r>
+              <a:rPr lang="en-CA" sz="900" dirty="0">
+                <a:latin typeface="Courier" pitchFamily="2" charset="0"/>
+              </a:rPr>
+              <a:t>   |0 0 0 1|Version| Reserved      | IOAM G-</a:t>
+            </a:r>
+            <a:r>
+              <a:rPr lang="en-CA" sz="900" dirty="0" err="1">
+                <a:latin typeface="Courier" pitchFamily="2" charset="0"/>
+              </a:rPr>
+              <a:t>ACh</a:t>
+            </a:r>
+            <a:r>
+              <a:rPr lang="en-CA" sz="900" dirty="0">
+                <a:latin typeface="Courier" pitchFamily="2" charset="0"/>
+              </a:rPr>
+              <a:t>                    |  |</a:t>
+            </a:r>
+          </a:p>
+          <a:p>
+            <a:r>
+              <a:rPr lang="en-CA" sz="900" dirty="0">
+                <a:latin typeface="Courier" pitchFamily="2" charset="0"/>
+              </a:rPr>
+              <a:t>   +-+-+-+-+-+-+-+-+-+-+-+-+-+-+-+-+-+-+-+-+-+-+-+-+-+-+-+-+-+-+-+-+  |</a:t>
+            </a:r>
+          </a:p>
+          <a:p>
+            <a:r>
+              <a:rPr lang="en-CA" sz="900" dirty="0">
+                <a:latin typeface="Courier" pitchFamily="2" charset="0"/>
+              </a:rPr>
+              <a:t>   | Reserved      | Block Number  | IOAM-OPT-Type |</a:t>
+            </a:r>
+            <a:r>
+              <a:rPr lang="en-CA" sz="900" dirty="0">
+                <a:solidFill>
+                  <a:srgbClr val="FF0000"/>
+                </a:solidFill>
+                <a:latin typeface="Courier" pitchFamily="2" charset="0"/>
+              </a:rPr>
+              <a:t>IOAM HDR Length</a:t>
+            </a:r>
+            <a:r>
+              <a:rPr lang="en-CA" sz="900" dirty="0">
+                <a:latin typeface="Courier" pitchFamily="2" charset="0"/>
+              </a:rPr>
+              <a:t>|  |</a:t>
+            </a:r>
+          </a:p>
+          <a:p>
+            <a:r>
+              <a:rPr lang="en-CA" sz="900" dirty="0">
+                <a:latin typeface="Courier" pitchFamily="2" charset="0"/>
+              </a:rPr>
+              <a:t>   +-+-+-+-+-+-+-+-+-+-+-+-+-+-+-+-+-+-+-+-+-+-+-+-+-+-+-+-+-+-+-+-+  I</a:t>
+            </a:r>
+          </a:p>
+          <a:p>
+            <a:r>
+              <a:rPr lang="en-CA" sz="900" dirty="0">
+                <a:latin typeface="Courier" pitchFamily="2" charset="0"/>
+              </a:rPr>
+              <a:t>   |                                                               |  O</a:t>
+            </a:r>
+          </a:p>
+          <a:p>
+            <a:r>
+              <a:rPr lang="en-CA" sz="900" dirty="0">
+                <a:latin typeface="Courier" pitchFamily="2" charset="0"/>
+              </a:rPr>
+              <a:t>   |                                                               |  A</a:t>
+            </a:r>
+          </a:p>
+          <a:p>
+            <a:r>
+              <a:rPr lang="en-CA" sz="900" dirty="0">
+                <a:latin typeface="Courier" pitchFamily="2" charset="0"/>
+              </a:rPr>
+              <a:t>   ~                 IOAM Option and Data Space                    ~  M</a:t>
+            </a:r>
+          </a:p>
+          <a:p>
+            <a:r>
+              <a:rPr lang="en-CA" sz="900" dirty="0">
+                <a:latin typeface="Courier" pitchFamily="2" charset="0"/>
+              </a:rPr>
+              <a:t>   |                                                               |  |</a:t>
+            </a:r>
+          </a:p>
+          <a:p>
+            <a:r>
+              <a:rPr lang="en-CA" sz="900" dirty="0">
+                <a:latin typeface="Courier" pitchFamily="2" charset="0"/>
+              </a:rPr>
+              <a:t>   |                                                               |  |</a:t>
+            </a:r>
+          </a:p>
+          <a:p>
+            <a:r>
+              <a:rPr lang="en-CA" sz="900" dirty="0">
+                <a:latin typeface="Courier" pitchFamily="2" charset="0"/>
+              </a:rPr>
+              <a:t>   +-+-+-+-+-+-+-+-+-+-+-+-+-+-+-+-+-+-+-+-+-+-+-+-+-+-+-+-+-+-+-+-+&lt;-+</a:t>
+            </a:r>
+          </a:p>
+          <a:p>
+            <a:r>
+              <a:rPr lang="en-CA" sz="900" dirty="0">
+                <a:solidFill>
+                  <a:srgbClr val="FF0000"/>
+                </a:solidFill>
+                <a:latin typeface="Courier" pitchFamily="2" charset="0"/>
+              </a:rPr>
+              <a:t>   |0 0 0 1|Version| Reserved      | PW G-</a:t>
+            </a:r>
+            <a:r>
+              <a:rPr lang="en-CA" sz="900" dirty="0" err="1">
+                <a:solidFill>
+                  <a:srgbClr val="FF0000"/>
+                </a:solidFill>
+                <a:latin typeface="Courier" pitchFamily="2" charset="0"/>
+              </a:rPr>
+              <a:t>ACh</a:t>
+            </a:r>
+            <a:r>
+              <a:rPr lang="en-CA" sz="900" dirty="0">
+                <a:solidFill>
+                  <a:srgbClr val="FF0000"/>
+                </a:solidFill>
+                <a:latin typeface="Courier" pitchFamily="2" charset="0"/>
+              </a:rPr>
+              <a:t>                    |</a:t>
+            </a:r>
+          </a:p>
+          <a:p>
+            <a:r>
+              <a:rPr lang="en-CA" sz="900" dirty="0">
+                <a:solidFill>
+                  <a:srgbClr val="FF0000"/>
+                </a:solidFill>
+                <a:latin typeface="Courier" pitchFamily="2" charset="0"/>
+              </a:rPr>
+              <a:t>   +-+-+-+-+-+-+-+-+-+-+-+-+-+-+-+-+-+-+-+-+-+-+-+-+-+-+-+-+-+-+-+-+</a:t>
+            </a:r>
+          </a:p>
+          <a:p>
+            <a:r>
+              <a:rPr lang="en-CA" sz="900" dirty="0">
+                <a:latin typeface="Courier" pitchFamily="2" charset="0"/>
+              </a:rPr>
+              <a:t>   |                                                               |</a:t>
+            </a:r>
+          </a:p>
+          <a:p>
+            <a:r>
+              <a:rPr lang="en-CA" sz="900" dirty="0">
+                <a:latin typeface="Courier" pitchFamily="2" charset="0"/>
+              </a:rPr>
+              <a:t>   |                                                               |</a:t>
+            </a:r>
+          </a:p>
+          <a:p>
+            <a:r>
+              <a:rPr lang="en-CA" sz="900" dirty="0">
+                <a:latin typeface="Courier" pitchFamily="2" charset="0"/>
+              </a:rPr>
+              <a:t>   ~                 Payload + Padding                             ~</a:t>
+            </a:r>
+          </a:p>
+          <a:p>
+            <a:r>
+              <a:rPr lang="en-CA" sz="900" dirty="0">
+                <a:latin typeface="Courier" pitchFamily="2" charset="0"/>
+              </a:rPr>
+              <a:t>   |                                                               |</a:t>
+            </a:r>
+          </a:p>
+          <a:p>
+            <a:r>
+              <a:rPr lang="en-CA" sz="900" dirty="0">
+                <a:latin typeface="Courier" pitchFamily="2" charset="0"/>
+              </a:rPr>
+              <a:t>   |                                                               |</a:t>
+            </a:r>
+          </a:p>
+          <a:p>
+            <a:r>
+              <a:rPr lang="en-CA" sz="900" dirty="0">
+                <a:latin typeface="Courier" pitchFamily="2" charset="0"/>
+              </a:rPr>
+              <a:t>   +-+-+-+-+-+-+-+-+-+-+-+-+-+-+-+-+-+-+-+-+-+-+-+-+-+-+-+-+-+-+-+-+</a:t>
+            </a:r>
+          </a:p>
+          <a:p>
+            <a:r>
+              <a:rPr lang="en-CA" sz="900" dirty="0">
+                <a:latin typeface="Courier" pitchFamily="2" charset="0"/>
+              </a:rPr>
+              <a:t> </a:t>
+            </a:r>
+          </a:p>
+          <a:p>
+            <a:r>
+              <a:rPr lang="en-CA" sz="900" dirty="0">
+                <a:latin typeface="Courier" pitchFamily="2" charset="0"/>
+              </a:rPr>
+              <a:t>              Figure: </a:t>
+            </a:r>
+            <a:r>
+              <a:rPr lang="en-CA" sz="900" dirty="0" err="1">
+                <a:latin typeface="Courier" pitchFamily="2" charset="0"/>
+              </a:rPr>
+              <a:t>HbH</a:t>
+            </a:r>
+            <a:r>
+              <a:rPr lang="en-CA" sz="900" dirty="0">
+                <a:latin typeface="Courier" pitchFamily="2" charset="0"/>
+              </a:rPr>
+              <a:t> IOAM Encapsulation in MPLS Header</a:t>
+            </a:r>
+            <a:endParaRPr lang="en-CA" sz="900" dirty="0">
+              <a:latin typeface="Courier" pitchFamily="2" charset="0"/>
+              <a:ea typeface="Calibri" panose="020F0502020204030204" pitchFamily="34" charset="0"/>
+              <a:cs typeface="Times New Roman" panose="02020603050405020304" pitchFamily="18" charset="0"/>
+            </a:endParaRPr>
           </a:p>
         </p:txBody>
       </p:sp>
     </p:spTree>
     <p:extLst>
       <p:ext uri="{BB962C8B-B14F-4D97-AF65-F5344CB8AC3E}">
-        <p14:creationId xmlns:p14="http://schemas.microsoft.com/office/powerpoint/2010/main" val="1157046242"/>
+        <p14:creationId xmlns:p14="http://schemas.microsoft.com/office/powerpoint/2010/main" val="3691924194"/>
       </p:ext>
     </p:extLst>
   </p:cSld>
@@ -9443,7 +12014,7 @@
 </p:sld>
 </file>
 
-<file path=ppt/slides/slide20.xml><?xml version="1.0" encoding="utf-8"?>
+<file path=ppt/slides/slide25.xml><?xml version="1.0" encoding="utf-8"?>
 <p:sld xmlns:a="http://schemas.openxmlformats.org/drawingml/2006/main" xmlns:r="http://schemas.openxmlformats.org/officeDocument/2006/relationships" xmlns:p="http://schemas.openxmlformats.org/presentationml/2006/main">
   <p:cSld>
     <p:spTree>
@@ -9707,7 +12278,7 @@
               <a:pPr>
                 <a:defRPr/>
               </a:pPr>
-              <a:t>20</a:t>
+              <a:t>25</a:t>
             </a:fld>
             <a:endParaRPr lang="en-US" altLang="zh-CN"/>
           </a:p>
@@ -10070,70 +12641,17 @@
       </p:grpSpPr>
       <p:sp>
         <p:nvSpPr>
-          <p:cNvPr id="2" name="Title 1">
-            <a:extLst>
-              <a:ext uri="{FF2B5EF4-FFF2-40B4-BE49-F238E27FC236}">
-                <a16:creationId xmlns:a16="http://schemas.microsoft.com/office/drawing/2014/main" id="{590D0125-5A9E-9D48-9391-85FBD0E608A2}"/>
-              </a:ext>
-            </a:extLst>
-          </p:cNvPr>
+          <p:cNvPr id="4" name="Footer Placeholder 3"/>
           <p:cNvSpPr>
             <a:spLocks noGrp="1"/>
           </p:cNvSpPr>
           <p:nvPr>
-            <p:ph type="title"/>
+            <p:ph type="ftr" sz="quarter" idx="11"/>
           </p:nvPr>
         </p:nvSpPr>
         <p:spPr>
           <a:xfrm>
-            <a:off x="571500" y="130865"/>
-            <a:ext cx="8001000" cy="599270"/>
-          </a:xfrm>
-        </p:spPr>
-        <p:txBody>
-          <a:bodyPr/>
-          <a:lstStyle/>
-          <a:p>
-            <a:pPr algn="l"/>
-            <a:r>
-              <a:rPr lang="en-CA" sz="3200" dirty="0">
-                <a:solidFill>
-                  <a:srgbClr val="0070C0"/>
-                </a:solidFill>
-                <a:latin typeface="Calibri Light" panose="020F0302020204030204" pitchFamily="34" charset="0"/>
-                <a:cs typeface="Calibri Light" panose="020F0302020204030204" pitchFamily="34" charset="0"/>
-              </a:rPr>
-              <a:t>IOAM Data Field Encapsulation in MPLS Header</a:t>
-            </a:r>
-            <a:endParaRPr lang="en-US" sz="3200" dirty="0">
-              <a:solidFill>
-                <a:srgbClr val="0070C0"/>
-              </a:solidFill>
-              <a:latin typeface="Calibri Light" panose="020F0302020204030204" pitchFamily="34" charset="0"/>
-              <a:cs typeface="Calibri Light" panose="020F0302020204030204" pitchFamily="34" charset="0"/>
-            </a:endParaRPr>
-          </a:p>
-        </p:txBody>
-      </p:sp>
-      <p:sp>
-        <p:nvSpPr>
-          <p:cNvPr id="4" name="Footer Placeholder 3">
-            <a:extLst>
-              <a:ext uri="{FF2B5EF4-FFF2-40B4-BE49-F238E27FC236}">
-                <a16:creationId xmlns:a16="http://schemas.microsoft.com/office/drawing/2014/main" id="{87713FCD-3B47-804D-B373-DAB61FB5FF59}"/>
-              </a:ext>
-            </a:extLst>
-          </p:cNvPr>
-          <p:cNvSpPr>
-            <a:spLocks noGrp="1"/>
-          </p:cNvSpPr>
-          <p:nvPr>
-            <p:ph type="ftr" sz="quarter" idx="11"/>
-          </p:nvPr>
-        </p:nvSpPr>
-        <p:spPr>
-          <a:xfrm>
-            <a:off x="3124200" y="4781550"/>
+            <a:off x="3124200" y="4787315"/>
             <a:ext cx="2895600" cy="357188"/>
           </a:xfrm>
         </p:spPr>
@@ -10158,13 +12676,196 @@
       </p:sp>
       <p:sp>
         <p:nvSpPr>
-          <p:cNvPr id="5" name="Slide Number Placeholder 4">
-            <a:extLst>
-              <a:ext uri="{FF2B5EF4-FFF2-40B4-BE49-F238E27FC236}">
-                <a16:creationId xmlns:a16="http://schemas.microsoft.com/office/drawing/2014/main" id="{1371408B-9195-EC4D-8131-A3F5CC0592D0}"/>
-              </a:ext>
-            </a:extLst>
-          </p:cNvPr>
+          <p:cNvPr id="5" name="Rectangle 2"/>
+          <p:cNvSpPr txBox="1">
+            <a:spLocks noChangeArrowheads="1"/>
+          </p:cNvSpPr>
+          <p:nvPr/>
+        </p:nvSpPr>
+        <p:spPr bwMode="auto">
+          <a:xfrm>
+            <a:off x="685800" y="2020490"/>
+            <a:ext cx="7772400" cy="1102519"/>
+          </a:xfrm>
+          <a:prstGeom prst="rect">
+            <a:avLst/>
+          </a:prstGeom>
+          <a:noFill/>
+          <a:ln w="9525">
+            <a:noFill/>
+            <a:miter lim="800000"/>
+            <a:headEnd/>
+            <a:tailEnd/>
+          </a:ln>
+          <a:effectLst/>
+        </p:spPr>
+        <p:txBody>
+          <a:bodyPr vert="horz" wrap="square" lIns="91440" tIns="45720" rIns="91440" bIns="45720" numCol="1" anchor="ctr" anchorCtr="0" compatLnSpc="1">
+            <a:prstTxWarp prst="textNoShape">
+              <a:avLst/>
+            </a:prstTxWarp>
+          </a:bodyPr>
+          <a:lstStyle>
+            <a:lvl1pPr algn="ctr" rtl="0" eaLnBrk="0" fontAlgn="base" hangingPunct="0">
+              <a:spcBef>
+                <a:spcPct val="0"/>
+              </a:spcBef>
+              <a:spcAft>
+                <a:spcPct val="0"/>
+              </a:spcAft>
+              <a:defRPr sz="4400">
+                <a:solidFill>
+                  <a:schemeClr val="tx2"/>
+                </a:solidFill>
+                <a:latin typeface="+mj-lt"/>
+                <a:ea typeface="+mj-ea"/>
+                <a:cs typeface="+mj-cs"/>
+              </a:defRPr>
+            </a:lvl1pPr>
+            <a:lvl2pPr algn="ctr" rtl="0" eaLnBrk="0" fontAlgn="base" hangingPunct="0">
+              <a:spcBef>
+                <a:spcPct val="0"/>
+              </a:spcBef>
+              <a:spcAft>
+                <a:spcPct val="0"/>
+              </a:spcAft>
+              <a:defRPr sz="4400">
+                <a:solidFill>
+                  <a:schemeClr val="tx2"/>
+                </a:solidFill>
+                <a:latin typeface="Arial" charset="0"/>
+                <a:ea typeface="宋体" pitchFamily="2" charset="-122"/>
+              </a:defRPr>
+            </a:lvl2pPr>
+            <a:lvl3pPr algn="ctr" rtl="0" eaLnBrk="0" fontAlgn="base" hangingPunct="0">
+              <a:spcBef>
+                <a:spcPct val="0"/>
+              </a:spcBef>
+              <a:spcAft>
+                <a:spcPct val="0"/>
+              </a:spcAft>
+              <a:defRPr sz="4400">
+                <a:solidFill>
+                  <a:schemeClr val="tx2"/>
+                </a:solidFill>
+                <a:latin typeface="Arial" charset="0"/>
+                <a:ea typeface="宋体" pitchFamily="2" charset="-122"/>
+              </a:defRPr>
+            </a:lvl3pPr>
+            <a:lvl4pPr algn="ctr" rtl="0" eaLnBrk="0" fontAlgn="base" hangingPunct="0">
+              <a:spcBef>
+                <a:spcPct val="0"/>
+              </a:spcBef>
+              <a:spcAft>
+                <a:spcPct val="0"/>
+              </a:spcAft>
+              <a:defRPr sz="4400">
+                <a:solidFill>
+                  <a:schemeClr val="tx2"/>
+                </a:solidFill>
+                <a:latin typeface="Arial" charset="0"/>
+                <a:ea typeface="宋体" pitchFamily="2" charset="-122"/>
+              </a:defRPr>
+            </a:lvl4pPr>
+            <a:lvl5pPr algn="ctr" rtl="0" eaLnBrk="0" fontAlgn="base" hangingPunct="0">
+              <a:spcBef>
+                <a:spcPct val="0"/>
+              </a:spcBef>
+              <a:spcAft>
+                <a:spcPct val="0"/>
+              </a:spcAft>
+              <a:defRPr sz="4400">
+                <a:solidFill>
+                  <a:schemeClr val="tx2"/>
+                </a:solidFill>
+                <a:latin typeface="Arial" charset="0"/>
+                <a:ea typeface="宋体" pitchFamily="2" charset="-122"/>
+              </a:defRPr>
+            </a:lvl5pPr>
+            <a:lvl6pPr marL="457200" algn="ctr" rtl="0" fontAlgn="base">
+              <a:spcBef>
+                <a:spcPct val="0"/>
+              </a:spcBef>
+              <a:spcAft>
+                <a:spcPct val="0"/>
+              </a:spcAft>
+              <a:defRPr sz="4400">
+                <a:solidFill>
+                  <a:schemeClr val="tx2"/>
+                </a:solidFill>
+                <a:latin typeface="Arial" charset="0"/>
+                <a:ea typeface="宋体" pitchFamily="2" charset="-122"/>
+              </a:defRPr>
+            </a:lvl6pPr>
+            <a:lvl7pPr marL="914400" algn="ctr" rtl="0" fontAlgn="base">
+              <a:spcBef>
+                <a:spcPct val="0"/>
+              </a:spcBef>
+              <a:spcAft>
+                <a:spcPct val="0"/>
+              </a:spcAft>
+              <a:defRPr sz="4400">
+                <a:solidFill>
+                  <a:schemeClr val="tx2"/>
+                </a:solidFill>
+                <a:latin typeface="Arial" charset="0"/>
+                <a:ea typeface="宋体" pitchFamily="2" charset="-122"/>
+              </a:defRPr>
+            </a:lvl7pPr>
+            <a:lvl8pPr marL="1371600" algn="ctr" rtl="0" fontAlgn="base">
+              <a:spcBef>
+                <a:spcPct val="0"/>
+              </a:spcBef>
+              <a:spcAft>
+                <a:spcPct val="0"/>
+              </a:spcAft>
+              <a:defRPr sz="4400">
+                <a:solidFill>
+                  <a:schemeClr val="tx2"/>
+                </a:solidFill>
+                <a:latin typeface="Arial" charset="0"/>
+                <a:ea typeface="宋体" pitchFamily="2" charset="-122"/>
+              </a:defRPr>
+            </a:lvl8pPr>
+            <a:lvl9pPr marL="1828800" algn="ctr" rtl="0" fontAlgn="base">
+              <a:spcBef>
+                <a:spcPct val="0"/>
+              </a:spcBef>
+              <a:spcAft>
+                <a:spcPct val="0"/>
+              </a:spcAft>
+              <a:defRPr sz="4400">
+                <a:solidFill>
+                  <a:schemeClr val="tx2"/>
+                </a:solidFill>
+                <a:latin typeface="Arial" charset="0"/>
+                <a:ea typeface="宋体" pitchFamily="2" charset="-122"/>
+              </a:defRPr>
+            </a:lvl9pPr>
+          </a:lstStyle>
+          <a:p>
+            <a:pPr algn="l" eaLnBrk="1" hangingPunct="1">
+              <a:defRPr/>
+            </a:pPr>
+            <a:r>
+              <a:rPr lang="en-US" altLang="zh-CN" sz="4000" kern="0" dirty="0">
+                <a:effectLst>
+                  <a:outerShdw blurRad="38100" dist="38100" dir="2700000" algn="tl">
+                    <a:srgbClr val="C0C0C0"/>
+                  </a:outerShdw>
+                </a:effectLst>
+                <a:latin typeface="Calibri" charset="0"/>
+                <a:ea typeface="Calibri" charset="0"/>
+                <a:cs typeface="Calibri" charset="0"/>
+              </a:rPr>
+              <a:t>IOAM Header</a:t>
+            </a:r>
+          </a:p>
+        </p:txBody>
+      </p:sp>
+      <p:sp>
+        <p:nvSpPr>
+          <p:cNvPr id="2" name="Slide Number Placeholder 1"/>
           <p:cNvSpPr>
             <a:spLocks noGrp="1"/>
           </p:cNvSpPr>
@@ -10191,229 +12892,10 @@
           </a:p>
         </p:txBody>
       </p:sp>
-      <p:sp>
-        <p:nvSpPr>
-          <p:cNvPr id="6" name="Rectangle 5">
-            <a:extLst>
-              <a:ext uri="{FF2B5EF4-FFF2-40B4-BE49-F238E27FC236}">
-                <a16:creationId xmlns:a16="http://schemas.microsoft.com/office/drawing/2014/main" id="{1EED4007-3A19-0E4E-8496-6CECEEA363EB}"/>
-              </a:ext>
-            </a:extLst>
-          </p:cNvPr>
-          <p:cNvSpPr/>
-          <p:nvPr/>
-        </p:nvSpPr>
-        <p:spPr>
-          <a:xfrm>
-            <a:off x="1676400" y="996218"/>
-            <a:ext cx="5791200" cy="3323987"/>
-          </a:xfrm>
-          <a:prstGeom prst="rect">
-            <a:avLst/>
-          </a:prstGeom>
-          <a:solidFill>
-            <a:schemeClr val="accent6">
-              <a:lumMod val="20000"/>
-              <a:lumOff val="80000"/>
-            </a:schemeClr>
-          </a:solidFill>
-        </p:spPr>
-        <p:txBody>
-          <a:bodyPr wrap="square">
-            <a:spAutoFit/>
-          </a:bodyPr>
-          <a:lstStyle/>
-          <a:p>
-            <a:r>
-              <a:rPr lang="en-CA" sz="1000" dirty="0">
-                <a:latin typeface="Courier" pitchFamily="2" charset="0"/>
-              </a:rPr>
-              <a:t>   0                   1                   2                   3</a:t>
-            </a:r>
-          </a:p>
-          <a:p>
-            <a:r>
-              <a:rPr lang="en-CA" sz="1000" dirty="0">
-                <a:latin typeface="Courier" pitchFamily="2" charset="0"/>
-              </a:rPr>
-              <a:t>   0 1 2 3 4 5 6 7 8 9 0 1 2 3 4 5 6 7 8 9 0 1 2 3 4 5 6 7 8 9 0 1</a:t>
-            </a:r>
-          </a:p>
-          <a:p>
-            <a:r>
-              <a:rPr lang="en-CA" sz="1000" dirty="0">
-                <a:latin typeface="Courier" pitchFamily="2" charset="0"/>
-              </a:rPr>
-              <a:t>   +-+-+-+-+-+-+-+-+-+-+-+-+-+-+-+-+-+-+-+-+-+-+-+-+-+-+-+-+-+-+-+-+&lt;-+ </a:t>
-            </a:r>
-          </a:p>
-          <a:p>
-            <a:r>
-              <a:rPr lang="en-CA" sz="1000" dirty="0">
-                <a:latin typeface="Courier" pitchFamily="2" charset="0"/>
-              </a:rPr>
-              <a:t>   |0 0 0 1|Version|  Reserved     | IOAM G-</a:t>
-            </a:r>
-            <a:r>
-              <a:rPr lang="en-CA" sz="1000" dirty="0" err="1">
-                <a:latin typeface="Courier" pitchFamily="2" charset="0"/>
-              </a:rPr>
-              <a:t>ACh</a:t>
-            </a:r>
-            <a:r>
-              <a:rPr lang="en-CA" sz="1000" dirty="0">
-                <a:latin typeface="Courier" pitchFamily="2" charset="0"/>
-              </a:rPr>
-              <a:t>                    |  | </a:t>
-            </a:r>
-          </a:p>
-          <a:p>
-            <a:r>
-              <a:rPr lang="en-CA" sz="1000" dirty="0">
-                <a:latin typeface="Courier" pitchFamily="2" charset="0"/>
-              </a:rPr>
-              <a:t>   +-+-+-+-+-+-+-+-+-+-+-+-+-+-+-+-+-+-+-+-+-+-+-+-+-+-+-+-+-+-+-+-+  | </a:t>
-            </a:r>
-          </a:p>
-          <a:p>
-            <a:r>
-              <a:rPr lang="en-CA" sz="1000" dirty="0">
-                <a:latin typeface="Courier" pitchFamily="2" charset="0"/>
-              </a:rPr>
-              <a:t>   | Reserved      | Block Number  | IOAM-OPT-Type |IOAM HDR Length|  |</a:t>
-            </a:r>
-          </a:p>
-          <a:p>
-            <a:r>
-              <a:rPr lang="en-CA" sz="1000" dirty="0">
-                <a:latin typeface="Courier" pitchFamily="2" charset="0"/>
-              </a:rPr>
-              <a:t>   +-+-+-+-+-+-+-+-+-+-+-+-+-+-+-+-+-+-+-+-+-+-+-+-+-+-+-+-+-+-+-+-+  I</a:t>
-            </a:r>
-          </a:p>
-          <a:p>
-            <a:r>
-              <a:rPr lang="en-CA" sz="1000" dirty="0">
-                <a:latin typeface="Courier" pitchFamily="2" charset="0"/>
-              </a:rPr>
-              <a:t>   |                                                               |  O</a:t>
-            </a:r>
-          </a:p>
-          <a:p>
-            <a:r>
-              <a:rPr lang="en-CA" sz="1000" dirty="0">
-                <a:latin typeface="Courier" pitchFamily="2" charset="0"/>
-              </a:rPr>
-              <a:t>   |                                                               |  A</a:t>
-            </a:r>
-          </a:p>
-          <a:p>
-            <a:r>
-              <a:rPr lang="en-CA" sz="1000" dirty="0">
-                <a:latin typeface="Courier" pitchFamily="2" charset="0"/>
-              </a:rPr>
-              <a:t>   ~                 IOAM Option and Data Space                    ~  M</a:t>
-            </a:r>
-          </a:p>
-          <a:p>
-            <a:r>
-              <a:rPr lang="en-CA" sz="1000" dirty="0">
-                <a:latin typeface="Courier" pitchFamily="2" charset="0"/>
-              </a:rPr>
-              <a:t>   |                                                               |  |</a:t>
-            </a:r>
-          </a:p>
-          <a:p>
-            <a:r>
-              <a:rPr lang="en-CA" sz="1000" dirty="0">
-                <a:latin typeface="Courier" pitchFamily="2" charset="0"/>
-              </a:rPr>
-              <a:t>   |                                                               |  |</a:t>
-            </a:r>
-          </a:p>
-          <a:p>
-            <a:r>
-              <a:rPr lang="en-CA" sz="1000" dirty="0">
-                <a:latin typeface="Courier" pitchFamily="2" charset="0"/>
-              </a:rPr>
-              <a:t>   +-+-+-+-+-+-+-+-+-+-+-+-+-+-+-+-+-+-+-+-+-+-+-+-+-+-+-+-+-+-+-+-+&lt;-+</a:t>
-            </a:r>
-          </a:p>
-          <a:p>
-            <a:r>
-              <a:rPr lang="en-CA" sz="1000" dirty="0">
-                <a:latin typeface="Courier" pitchFamily="2" charset="0"/>
-              </a:rPr>
-              <a:t>   |                                                               |</a:t>
-            </a:r>
-          </a:p>
-          <a:p>
-            <a:r>
-              <a:rPr lang="en-CA" sz="1000" dirty="0">
-                <a:latin typeface="Courier" pitchFamily="2" charset="0"/>
-              </a:rPr>
-              <a:t>   |                                                               |</a:t>
-            </a:r>
-          </a:p>
-          <a:p>
-            <a:r>
-              <a:rPr lang="en-CA" sz="1000" dirty="0">
-                <a:latin typeface="Courier" pitchFamily="2" charset="0"/>
-              </a:rPr>
-              <a:t>   ~                 Payload + Padding                             ~</a:t>
-            </a:r>
-          </a:p>
-          <a:p>
-            <a:r>
-              <a:rPr lang="en-CA" sz="1000" dirty="0">
-                <a:latin typeface="Courier" pitchFamily="2" charset="0"/>
-              </a:rPr>
-              <a:t>   |                                                               |</a:t>
-            </a:r>
-          </a:p>
-          <a:p>
-            <a:r>
-              <a:rPr lang="en-CA" sz="1000" dirty="0">
-                <a:latin typeface="Courier" pitchFamily="2" charset="0"/>
-              </a:rPr>
-              <a:t>   |                                                               |</a:t>
-            </a:r>
-          </a:p>
-          <a:p>
-            <a:r>
-              <a:rPr lang="en-CA" sz="1000" dirty="0">
-                <a:latin typeface="Courier" pitchFamily="2" charset="0"/>
-              </a:rPr>
-              <a:t>   +-+-+-+-+-+-+-+-+-+-+-+-+-+-+-+-+-+-+-+-+-+-+-+-+-+-+-+-+-+-+-+-+</a:t>
-            </a:r>
-          </a:p>
-          <a:p>
-            <a:r>
-              <a:rPr lang="en-CA" sz="1000" dirty="0">
-                <a:latin typeface="Courier" pitchFamily="2" charset="0"/>
-              </a:rPr>
-              <a:t> </a:t>
-            </a:r>
-          </a:p>
-          <a:p>
-            <a:r>
-              <a:rPr lang="en-CA" sz="1000" dirty="0">
-                <a:latin typeface="Courier" pitchFamily="2" charset="0"/>
-              </a:rPr>
-              <a:t>                Figure: IOAM Encapsulation in MPLS Header</a:t>
-            </a:r>
-            <a:endParaRPr lang="en-CA" sz="1000" dirty="0">
-              <a:latin typeface="Courier" pitchFamily="2" charset="0"/>
-              <a:ea typeface="Calibri" panose="020F0502020204030204" pitchFamily="34" charset="0"/>
-              <a:cs typeface="Times New Roman" panose="02020603050405020304" pitchFamily="18" charset="0"/>
-            </a:endParaRPr>
-          </a:p>
-        </p:txBody>
-      </p:sp>
     </p:spTree>
     <p:extLst>
       <p:ext uri="{BB962C8B-B14F-4D97-AF65-F5344CB8AC3E}">
-        <p14:creationId xmlns:p14="http://schemas.microsoft.com/office/powerpoint/2010/main" val="1778080048"/>
+        <p14:creationId xmlns:p14="http://schemas.microsoft.com/office/powerpoint/2010/main" val="1551564764"/>
       </p:ext>
     </p:extLst>
   </p:cSld>
@@ -10442,7 +12924,13 @@
       </p:grpSpPr>
       <p:sp>
         <p:nvSpPr>
-          <p:cNvPr id="2" name="Title 1"/>
+          <p:cNvPr id="2" name="Title 1">
+            <a:extLst>
+              <a:ext uri="{FF2B5EF4-FFF2-40B4-BE49-F238E27FC236}">
+                <a16:creationId xmlns:a16="http://schemas.microsoft.com/office/drawing/2014/main" id="{590D0125-5A9E-9D48-9391-85FBD0E608A2}"/>
+              </a:ext>
+            </a:extLst>
+          </p:cNvPr>
           <p:cNvSpPr>
             <a:spLocks noGrp="1"/>
           </p:cNvSpPr>
@@ -10452,179 +12940,54 @@
         </p:nvSpPr>
         <p:spPr>
           <a:xfrm>
-            <a:off x="457200" y="0"/>
-            <a:ext cx="8229600" cy="857250"/>
+            <a:off x="571500" y="130865"/>
+            <a:ext cx="8001000" cy="599270"/>
           </a:xfrm>
         </p:spPr>
         <p:txBody>
           <a:bodyPr/>
           <a:lstStyle/>
           <a:p>
-            <a:r>
-              <a:rPr lang="en-US" sz="3600" dirty="0">
+            <a:pPr algn="l"/>
+            <a:r>
+              <a:rPr lang="en-CA" sz="3200" dirty="0">
                 <a:solidFill>
                   <a:srgbClr val="0070C0"/>
                 </a:solidFill>
                 <a:latin typeface="Calibri Light" panose="020F0302020204030204" pitchFamily="34" charset="0"/>
                 <a:cs typeface="Calibri Light" panose="020F0302020204030204" pitchFamily="34" charset="0"/>
               </a:rPr>
-              <a:t>IOAM G-</a:t>
-            </a:r>
-            <a:r>
-              <a:rPr lang="en-US" sz="3600" dirty="0" err="1">
-                <a:solidFill>
-                  <a:srgbClr val="0070C0"/>
-                </a:solidFill>
-                <a:latin typeface="Calibri Light" panose="020F0302020204030204" pitchFamily="34" charset="0"/>
-                <a:cs typeface="Calibri Light" panose="020F0302020204030204" pitchFamily="34" charset="0"/>
-              </a:rPr>
-              <a:t>ACh</a:t>
-            </a:r>
-            <a:r>
-              <a:rPr lang="en-US" sz="3600" dirty="0">
-                <a:solidFill>
-                  <a:srgbClr val="0070C0"/>
-                </a:solidFill>
-                <a:latin typeface="Calibri Light" panose="020F0302020204030204" pitchFamily="34" charset="0"/>
-                <a:cs typeface="Calibri Light" panose="020F0302020204030204" pitchFamily="34" charset="0"/>
-              </a:rPr>
-              <a:t> Header</a:t>
-            </a:r>
-          </a:p>
-        </p:txBody>
-      </p:sp>
-      <p:sp>
-        <p:nvSpPr>
-          <p:cNvPr id="3" name="Content Placeholder 2"/>
+              <a:t>IOAM Data Field Encapsulation in MPLS Header</a:t>
+            </a:r>
+            <a:endParaRPr lang="en-US" sz="3200" dirty="0">
+              <a:solidFill>
+                <a:srgbClr val="0070C0"/>
+              </a:solidFill>
+              <a:latin typeface="Calibri Light" panose="020F0302020204030204" pitchFamily="34" charset="0"/>
+              <a:cs typeface="Calibri Light" panose="020F0302020204030204" pitchFamily="34" charset="0"/>
+            </a:endParaRPr>
+          </a:p>
+        </p:txBody>
+      </p:sp>
+      <p:sp>
+        <p:nvSpPr>
+          <p:cNvPr id="4" name="Footer Placeholder 3">
+            <a:extLst>
+              <a:ext uri="{FF2B5EF4-FFF2-40B4-BE49-F238E27FC236}">
+                <a16:creationId xmlns:a16="http://schemas.microsoft.com/office/drawing/2014/main" id="{87713FCD-3B47-804D-B373-DAB61FB5FF59}"/>
+              </a:ext>
+            </a:extLst>
+          </p:cNvPr>
           <p:cNvSpPr>
             <a:spLocks noGrp="1"/>
           </p:cNvSpPr>
           <p:nvPr>
-            <p:ph idx="1"/>
+            <p:ph type="ftr" sz="quarter" idx="11"/>
           </p:nvPr>
         </p:nvSpPr>
         <p:spPr>
           <a:xfrm>
-            <a:off x="495300" y="971550"/>
-            <a:ext cx="8153400" cy="3238501"/>
-          </a:xfrm>
-        </p:spPr>
-        <p:txBody>
-          <a:bodyPr/>
-          <a:lstStyle/>
-          <a:p>
-            <a:pPr>
-              <a:lnSpc>
-                <a:spcPts val="2020"/>
-              </a:lnSpc>
-              <a:spcBef>
-                <a:spcPts val="600"/>
-              </a:spcBef>
-            </a:pPr>
-            <a:r>
-              <a:rPr lang="en-CA" sz="1800" dirty="0"/>
-              <a:t>New Generic Associated Channel (G-</a:t>
-            </a:r>
-            <a:r>
-              <a:rPr lang="en-CA" sz="1800" dirty="0" err="1"/>
-              <a:t>ACh</a:t>
-            </a:r>
-            <a:r>
-              <a:rPr lang="en-CA" sz="1800" dirty="0"/>
-              <a:t>) Type (value </a:t>
-            </a:r>
-            <a:r>
-              <a:rPr lang="en-CA" sz="1800" dirty="0">
-                <a:solidFill>
-                  <a:srgbClr val="0070C0"/>
-                </a:solidFill>
-              </a:rPr>
-              <a:t>TBA3</a:t>
-            </a:r>
-            <a:r>
-              <a:rPr lang="en-CA" sz="1800" dirty="0"/>
-              <a:t>) defined for IOAM</a:t>
-            </a:r>
-          </a:p>
-          <a:p>
-            <a:pPr>
-              <a:lnSpc>
-                <a:spcPts val="2020"/>
-              </a:lnSpc>
-              <a:spcBef>
-                <a:spcPts val="600"/>
-              </a:spcBef>
-            </a:pPr>
-            <a:r>
-              <a:rPr lang="en-CA" sz="1800" dirty="0"/>
-              <a:t>Protocol value </a:t>
-            </a:r>
-            <a:r>
-              <a:rPr lang="en-CA" sz="1800" i="1" dirty="0"/>
-              <a:t>0001b</a:t>
-            </a:r>
-            <a:r>
-              <a:rPr lang="en-CA" sz="1800" dirty="0"/>
-              <a:t> allows to avoid incorrect IP header based hashing over ECMP paths</a:t>
-            </a:r>
-          </a:p>
-          <a:p>
-            <a:pPr>
-              <a:lnSpc>
-                <a:spcPts val="2020"/>
-              </a:lnSpc>
-              <a:spcBef>
-                <a:spcPts val="600"/>
-              </a:spcBef>
-            </a:pPr>
-            <a:r>
-              <a:rPr lang="en-CA" sz="1800" dirty="0"/>
-              <a:t>Block Number can be used to: </a:t>
-            </a:r>
-          </a:p>
-          <a:p>
-            <a:pPr lvl="1">
-              <a:lnSpc>
-                <a:spcPts val="2020"/>
-              </a:lnSpc>
-              <a:spcBef>
-                <a:spcPts val="600"/>
-              </a:spcBef>
-            </a:pPr>
-            <a:r>
-              <a:rPr lang="en-CA" sz="1800" dirty="0"/>
-              <a:t>Aggregate IOAM data collected in data plane, e.g. compute measurement metrics for each block of a flow</a:t>
-            </a:r>
-          </a:p>
-          <a:p>
-            <a:pPr lvl="1">
-              <a:lnSpc>
-                <a:spcPts val="2020"/>
-              </a:lnSpc>
-              <a:spcBef>
-                <a:spcPts val="600"/>
-              </a:spcBef>
-            </a:pPr>
-            <a:r>
-              <a:rPr lang="en-CA" sz="1800" dirty="0"/>
-              <a:t>Correlate IOAM data from different nodes</a:t>
-            </a:r>
-          </a:p>
-        </p:txBody>
-      </p:sp>
-      <p:sp>
-        <p:nvSpPr>
-          <p:cNvPr id="4" name="Footer Placeholder 3"/>
-          <p:cNvSpPr>
-            <a:spLocks noGrp="1"/>
-          </p:cNvSpPr>
-          <p:nvPr>
-            <p:ph type="ftr" sz="quarter" idx="11"/>
-          </p:nvPr>
-        </p:nvSpPr>
-        <p:spPr>
-          <a:xfrm>
-            <a:off x="3124200" y="4786312"/>
+            <a:off x="3124200" y="4781550"/>
             <a:ext cx="2895600" cy="357188"/>
           </a:xfrm>
         </p:spPr>
@@ -10649,7 +13012,13 @@
       </p:sp>
       <p:sp>
         <p:nvSpPr>
-          <p:cNvPr id="5" name="Slide Number Placeholder 4"/>
+          <p:cNvPr id="5" name="Slide Number Placeholder 4">
+            <a:extLst>
+              <a:ext uri="{FF2B5EF4-FFF2-40B4-BE49-F238E27FC236}">
+                <a16:creationId xmlns:a16="http://schemas.microsoft.com/office/drawing/2014/main" id="{1371408B-9195-EC4D-8131-A3F5CC0592D0}"/>
+              </a:ext>
+            </a:extLst>
+          </p:cNvPr>
           <p:cNvSpPr>
             <a:spLocks noGrp="1"/>
           </p:cNvSpPr>
@@ -10676,10 +13045,229 @@
           </a:p>
         </p:txBody>
       </p:sp>
+      <p:sp>
+        <p:nvSpPr>
+          <p:cNvPr id="6" name="Rectangle 5">
+            <a:extLst>
+              <a:ext uri="{FF2B5EF4-FFF2-40B4-BE49-F238E27FC236}">
+                <a16:creationId xmlns:a16="http://schemas.microsoft.com/office/drawing/2014/main" id="{1EED4007-3A19-0E4E-8496-6CECEEA363EB}"/>
+              </a:ext>
+            </a:extLst>
+          </p:cNvPr>
+          <p:cNvSpPr/>
+          <p:nvPr/>
+        </p:nvSpPr>
+        <p:spPr>
+          <a:xfrm>
+            <a:off x="1676400" y="996218"/>
+            <a:ext cx="5791200" cy="3323987"/>
+          </a:xfrm>
+          <a:prstGeom prst="rect">
+            <a:avLst/>
+          </a:prstGeom>
+          <a:solidFill>
+            <a:schemeClr val="accent6">
+              <a:lumMod val="20000"/>
+              <a:lumOff val="80000"/>
+            </a:schemeClr>
+          </a:solidFill>
+        </p:spPr>
+        <p:txBody>
+          <a:bodyPr wrap="square">
+            <a:spAutoFit/>
+          </a:bodyPr>
+          <a:lstStyle/>
+          <a:p>
+            <a:r>
+              <a:rPr lang="en-CA" sz="1000" dirty="0">
+                <a:latin typeface="Courier" pitchFamily="2" charset="0"/>
+              </a:rPr>
+              <a:t>   0                   1                   2                   3</a:t>
+            </a:r>
+          </a:p>
+          <a:p>
+            <a:r>
+              <a:rPr lang="en-CA" sz="1000" dirty="0">
+                <a:latin typeface="Courier" pitchFamily="2" charset="0"/>
+              </a:rPr>
+              <a:t>   0 1 2 3 4 5 6 7 8 9 0 1 2 3 4 5 6 7 8 9 0 1 2 3 4 5 6 7 8 9 0 1</a:t>
+            </a:r>
+          </a:p>
+          <a:p>
+            <a:r>
+              <a:rPr lang="en-CA" sz="1000" dirty="0">
+                <a:latin typeface="Courier" pitchFamily="2" charset="0"/>
+              </a:rPr>
+              <a:t>   +-+-+-+-+-+-+-+-+-+-+-+-+-+-+-+-+-+-+-+-+-+-+-+-+-+-+-+-+-+-+-+-+&lt;-+ </a:t>
+            </a:r>
+          </a:p>
+          <a:p>
+            <a:r>
+              <a:rPr lang="en-CA" sz="1000" dirty="0">
+                <a:latin typeface="Courier" pitchFamily="2" charset="0"/>
+              </a:rPr>
+              <a:t>   |0 0 0 1|Version|  Reserved     | IOAM G-</a:t>
+            </a:r>
+            <a:r>
+              <a:rPr lang="en-CA" sz="1000" dirty="0" err="1">
+                <a:latin typeface="Courier" pitchFamily="2" charset="0"/>
+              </a:rPr>
+              <a:t>ACh</a:t>
+            </a:r>
+            <a:r>
+              <a:rPr lang="en-CA" sz="1000" dirty="0">
+                <a:latin typeface="Courier" pitchFamily="2" charset="0"/>
+              </a:rPr>
+              <a:t>                    |  | </a:t>
+            </a:r>
+          </a:p>
+          <a:p>
+            <a:r>
+              <a:rPr lang="en-CA" sz="1000" dirty="0">
+                <a:latin typeface="Courier" pitchFamily="2" charset="0"/>
+              </a:rPr>
+              <a:t>   +-+-+-+-+-+-+-+-+-+-+-+-+-+-+-+-+-+-+-+-+-+-+-+-+-+-+-+-+-+-+-+-+  | </a:t>
+            </a:r>
+          </a:p>
+          <a:p>
+            <a:r>
+              <a:rPr lang="en-CA" sz="1000" dirty="0">
+                <a:latin typeface="Courier" pitchFamily="2" charset="0"/>
+              </a:rPr>
+              <a:t>   | Reserved      | Block Number  | IOAM-OPT-Type |IOAM HDR Length|  |</a:t>
+            </a:r>
+          </a:p>
+          <a:p>
+            <a:r>
+              <a:rPr lang="en-CA" sz="1000" dirty="0">
+                <a:latin typeface="Courier" pitchFamily="2" charset="0"/>
+              </a:rPr>
+              <a:t>   +-+-+-+-+-+-+-+-+-+-+-+-+-+-+-+-+-+-+-+-+-+-+-+-+-+-+-+-+-+-+-+-+  I</a:t>
+            </a:r>
+          </a:p>
+          <a:p>
+            <a:r>
+              <a:rPr lang="en-CA" sz="1000" dirty="0">
+                <a:latin typeface="Courier" pitchFamily="2" charset="0"/>
+              </a:rPr>
+              <a:t>   |                                                               |  O</a:t>
+            </a:r>
+          </a:p>
+          <a:p>
+            <a:r>
+              <a:rPr lang="en-CA" sz="1000" dirty="0">
+                <a:latin typeface="Courier" pitchFamily="2" charset="0"/>
+              </a:rPr>
+              <a:t>   |                                                               |  A</a:t>
+            </a:r>
+          </a:p>
+          <a:p>
+            <a:r>
+              <a:rPr lang="en-CA" sz="1000" dirty="0">
+                <a:latin typeface="Courier" pitchFamily="2" charset="0"/>
+              </a:rPr>
+              <a:t>   ~                 IOAM Option and Data Space                    ~  M</a:t>
+            </a:r>
+          </a:p>
+          <a:p>
+            <a:r>
+              <a:rPr lang="en-CA" sz="1000" dirty="0">
+                <a:latin typeface="Courier" pitchFamily="2" charset="0"/>
+              </a:rPr>
+              <a:t>   |                                                               |  |</a:t>
+            </a:r>
+          </a:p>
+          <a:p>
+            <a:r>
+              <a:rPr lang="en-CA" sz="1000" dirty="0">
+                <a:latin typeface="Courier" pitchFamily="2" charset="0"/>
+              </a:rPr>
+              <a:t>   |                                                               |  |</a:t>
+            </a:r>
+          </a:p>
+          <a:p>
+            <a:r>
+              <a:rPr lang="en-CA" sz="1000" dirty="0">
+                <a:latin typeface="Courier" pitchFamily="2" charset="0"/>
+              </a:rPr>
+              <a:t>   +-+-+-+-+-+-+-+-+-+-+-+-+-+-+-+-+-+-+-+-+-+-+-+-+-+-+-+-+-+-+-+-+&lt;-+</a:t>
+            </a:r>
+          </a:p>
+          <a:p>
+            <a:r>
+              <a:rPr lang="en-CA" sz="1000" dirty="0">
+                <a:latin typeface="Courier" pitchFamily="2" charset="0"/>
+              </a:rPr>
+              <a:t>   |                                                               |</a:t>
+            </a:r>
+          </a:p>
+          <a:p>
+            <a:r>
+              <a:rPr lang="en-CA" sz="1000" dirty="0">
+                <a:latin typeface="Courier" pitchFamily="2" charset="0"/>
+              </a:rPr>
+              <a:t>   |                                                               |</a:t>
+            </a:r>
+          </a:p>
+          <a:p>
+            <a:r>
+              <a:rPr lang="en-CA" sz="1000" dirty="0">
+                <a:latin typeface="Courier" pitchFamily="2" charset="0"/>
+              </a:rPr>
+              <a:t>   ~                 Payload + Padding                             ~</a:t>
+            </a:r>
+          </a:p>
+          <a:p>
+            <a:r>
+              <a:rPr lang="en-CA" sz="1000" dirty="0">
+                <a:latin typeface="Courier" pitchFamily="2" charset="0"/>
+              </a:rPr>
+              <a:t>   |                                                               |</a:t>
+            </a:r>
+          </a:p>
+          <a:p>
+            <a:r>
+              <a:rPr lang="en-CA" sz="1000" dirty="0">
+                <a:latin typeface="Courier" pitchFamily="2" charset="0"/>
+              </a:rPr>
+              <a:t>   |                                                               |</a:t>
+            </a:r>
+          </a:p>
+          <a:p>
+            <a:r>
+              <a:rPr lang="en-CA" sz="1000" dirty="0">
+                <a:latin typeface="Courier" pitchFamily="2" charset="0"/>
+              </a:rPr>
+              <a:t>   +-+-+-+-+-+-+-+-+-+-+-+-+-+-+-+-+-+-+-+-+-+-+-+-+-+-+-+-+-+-+-+-+</a:t>
+            </a:r>
+          </a:p>
+          <a:p>
+            <a:r>
+              <a:rPr lang="en-CA" sz="1000" dirty="0">
+                <a:latin typeface="Courier" pitchFamily="2" charset="0"/>
+              </a:rPr>
+              <a:t> </a:t>
+            </a:r>
+          </a:p>
+          <a:p>
+            <a:r>
+              <a:rPr lang="en-CA" sz="1000" dirty="0">
+                <a:latin typeface="Courier" pitchFamily="2" charset="0"/>
+              </a:rPr>
+              <a:t>                Figure: IOAM Encapsulation in MPLS Header</a:t>
+            </a:r>
+            <a:endParaRPr lang="en-CA" sz="1000" dirty="0">
+              <a:latin typeface="Courier" pitchFamily="2" charset="0"/>
+              <a:ea typeface="Calibri" panose="020F0502020204030204" pitchFamily="34" charset="0"/>
+              <a:cs typeface="Times New Roman" panose="02020603050405020304" pitchFamily="18" charset="0"/>
+            </a:endParaRPr>
+          </a:p>
+        </p:txBody>
+      </p:sp>
     </p:spTree>
     <p:extLst>
       <p:ext uri="{BB962C8B-B14F-4D97-AF65-F5344CB8AC3E}">
-        <p14:creationId xmlns:p14="http://schemas.microsoft.com/office/powerpoint/2010/main" val="3591665698"/>
+        <p14:creationId xmlns:p14="http://schemas.microsoft.com/office/powerpoint/2010/main" val="1778080048"/>
       </p:ext>
     </p:extLst>
   </p:cSld>
@@ -10734,7 +13322,27 @@
                 <a:latin typeface="Calibri Light" panose="020F0302020204030204" pitchFamily="34" charset="0"/>
                 <a:cs typeface="Calibri Light" panose="020F0302020204030204" pitchFamily="34" charset="0"/>
               </a:rPr>
-              <a:t>IOAM Indicator Label</a:t>
+              <a:t>IOAM G-</a:t>
+            </a:r>
+            <a:r>
+              <a:rPr lang="en-US" sz="3600" dirty="0" err="1">
+                <a:solidFill>
+                  <a:srgbClr val="0070C0"/>
+                </a:solidFill>
+                <a:latin typeface="Calibri Light" panose="020F0302020204030204" pitchFamily="34" charset="0"/>
+                <a:cs typeface="Calibri Light" panose="020F0302020204030204" pitchFamily="34" charset="0"/>
+              </a:rPr>
+              <a:t>ACh</a:t>
+            </a:r>
+            <a:r>
+              <a:rPr lang="en-US" sz="3600" dirty="0">
+                <a:solidFill>
+                  <a:srgbClr val="0070C0"/>
+                </a:solidFill>
+                <a:latin typeface="Calibri Light" panose="020F0302020204030204" pitchFamily="34" charset="0"/>
+                <a:cs typeface="Calibri Light" panose="020F0302020204030204" pitchFamily="34" charset="0"/>
+              </a:rPr>
+              <a:t> Header</a:t>
             </a:r>
           </a:p>
         </p:txBody>
@@ -10751,8 +13359,8 @@
         </p:nvSpPr>
         <p:spPr>
           <a:xfrm>
-            <a:off x="457200" y="971550"/>
-            <a:ext cx="8229600" cy="3257550"/>
+            <a:off x="495300" y="971550"/>
+            <a:ext cx="8153400" cy="3238501"/>
           </a:xfrm>
         </p:spPr>
         <p:txBody>
@@ -10761,7 +13369,7 @@
           <a:p>
             <a:pPr>
               <a:lnSpc>
-                <a:spcPts val="2320"/>
+                <a:spcPts val="2020"/>
               </a:lnSpc>
               <a:spcBef>
                 <a:spcPts val="600"/>
@@ -10769,13 +13377,33 @@
             </a:pPr>
             <a:r>
               <a:rPr lang="en-CA" sz="1800" dirty="0"/>
-              <a:t>“IOAM Indicator Label” is used to indicate the presence of the IOAM data fields after EOS in the MPLS header.</a:t>
+              <a:t>New Generic Associated Channel (G-</a:t>
+            </a:r>
+            <a:r>
+              <a:rPr lang="en-CA" sz="1800" dirty="0" err="1"/>
+              <a:t>ACh</a:t>
+            </a:r>
+            <a:r>
+              <a:rPr lang="en-CA" sz="1800" dirty="0"/>
+              <a:t>) Type (value </a:t>
+            </a:r>
+            <a:r>
+              <a:rPr lang="en-CA" sz="1800" dirty="0">
+                <a:solidFill>
+                  <a:srgbClr val="0070C0"/>
+                </a:solidFill>
+              </a:rPr>
+              <a:t>TBA3</a:t>
+            </a:r>
+            <a:r>
+              <a:rPr lang="en-CA" sz="1800" dirty="0"/>
+              <a:t>) defined for IOAM</a:t>
             </a:r>
           </a:p>
           <a:p>
             <a:pPr>
               <a:lnSpc>
-                <a:spcPts val="2320"/>
+                <a:spcPts val="2020"/>
               </a:lnSpc>
               <a:spcBef>
                 <a:spcPts val="600"/>
@@ -10783,33 +13411,58 @@
             </a:pPr>
             <a:r>
               <a:rPr lang="en-CA" sz="1800" dirty="0"/>
-              <a:t>Separate Indicator Labels are used for E2E IOAM (edge nodes) and </a:t>
-            </a:r>
-            <a:r>
-              <a:rPr lang="en-CA" sz="1800" dirty="0" err="1"/>
-              <a:t>HbH</a:t>
+              <a:t>Protocol value </a:t>
+            </a:r>
+            <a:r>
+              <a:rPr lang="en-CA" sz="1800" i="1" dirty="0"/>
+              <a:t>0001b</a:t>
             </a:r>
             <a:r>
               <a:rPr lang="en-CA" sz="1800" dirty="0"/>
-              <a:t> IOAM (</a:t>
-            </a:r>
-            <a:r>
-              <a:rPr lang="en-CA" sz="1800" i="1" dirty="0"/>
-              <a:t>that includes edge and transit nodes</a:t>
-            </a:r>
+              <a:t> allows to avoid incorrect IP header based hashing over ECMP paths</a:t>
+            </a:r>
+          </a:p>
+          <a:p>
+            <a:pPr>
+              <a:lnSpc>
+                <a:spcPts val="2020"/>
+              </a:lnSpc>
+              <a:spcBef>
+                <a:spcPts val="600"/>
+              </a:spcBef>
+            </a:pPr>
             <a:r>
               <a:rPr lang="en-CA" sz="1800" dirty="0"/>
-              <a:t>) to optimize IOAM processing on transit nodes.</a:t>
-            </a:r>
-          </a:p>
-          <a:p>
-            <a:pPr marL="0" indent="0">
+              <a:t>Block Number can be used to: </a:t>
+            </a:r>
+          </a:p>
+          <a:p>
+            <a:pPr lvl="1">
               <a:lnSpc>
-                <a:spcPts val="2320"/>
+                <a:spcPts val="2020"/>
               </a:lnSpc>
-              <a:buNone/>
+              <a:spcBef>
+                <a:spcPts val="600"/>
+              </a:spcBef>
             </a:pPr>
-            <a:endParaRPr lang="en-CA" sz="1800" dirty="0"/>
+            <a:r>
+              <a:rPr lang="en-CA" sz="1800" dirty="0"/>
+              <a:t>Aggregate IOAM data collected in data plane, e.g. compute measurement metrics for each block of a flow</a:t>
+            </a:r>
+          </a:p>
+          <a:p>
+            <a:pPr lvl="1">
+              <a:lnSpc>
+                <a:spcPts val="2020"/>
+              </a:lnSpc>
+              <a:spcBef>
+                <a:spcPts val="600"/>
+              </a:spcBef>
+            </a:pPr>
+            <a:r>
+              <a:rPr lang="en-CA" sz="1800" dirty="0"/>
+              <a:t>Correlate IOAM data from different nodes</a:t>
+            </a:r>
           </a:p>
         </p:txBody>
       </p:sp>
@@ -10880,7 +13533,7 @@
     </p:spTree>
     <p:extLst>
       <p:ext uri="{BB962C8B-B14F-4D97-AF65-F5344CB8AC3E}">
-        <p14:creationId xmlns:p14="http://schemas.microsoft.com/office/powerpoint/2010/main" val="2338934709"/>
+        <p14:creationId xmlns:p14="http://schemas.microsoft.com/office/powerpoint/2010/main" val="3591665698"/>
       </p:ext>
     </p:extLst>
   </p:cSld>
@@ -10909,13 +13562,7 @@
       </p:grpSpPr>
       <p:sp>
         <p:nvSpPr>
-          <p:cNvPr id="2" name="Title 1">
-            <a:extLst>
-              <a:ext uri="{FF2B5EF4-FFF2-40B4-BE49-F238E27FC236}">
-                <a16:creationId xmlns:a16="http://schemas.microsoft.com/office/drawing/2014/main" id="{590D0125-5A9E-9D48-9391-85FBD0E608A2}"/>
-              </a:ext>
-            </a:extLst>
-          </p:cNvPr>
+          <p:cNvPr id="2" name="Title 1"/>
           <p:cNvSpPr>
             <a:spLocks noGrp="1"/>
           </p:cNvSpPr>
@@ -10925,54 +13572,141 @@
         </p:nvSpPr>
         <p:spPr>
           <a:xfrm>
-            <a:off x="1066800" y="129372"/>
-            <a:ext cx="6934200" cy="599270"/>
+            <a:off x="457200" y="0"/>
+            <a:ext cx="8229600" cy="857250"/>
           </a:xfrm>
         </p:spPr>
         <p:txBody>
           <a:bodyPr/>
           <a:lstStyle/>
           <a:p>
-            <a:pPr algn="l"/>
-            <a:r>
-              <a:rPr lang="en-CA" sz="3200" dirty="0">
+            <a:r>
+              <a:rPr lang="en-US" sz="3600" dirty="0">
                 <a:solidFill>
                   <a:srgbClr val="0070C0"/>
                 </a:solidFill>
                 <a:latin typeface="Calibri Light" panose="020F0302020204030204" pitchFamily="34" charset="0"/>
                 <a:cs typeface="Calibri Light" panose="020F0302020204030204" pitchFamily="34" charset="0"/>
               </a:rPr>
-              <a:t>E2E IOAM Encapsulation in MPLS Header</a:t>
-            </a:r>
-            <a:endParaRPr lang="en-US" sz="3200" dirty="0">
-              <a:solidFill>
-                <a:srgbClr val="0070C0"/>
-              </a:solidFill>
-              <a:latin typeface="Calibri Light" panose="020F0302020204030204" pitchFamily="34" charset="0"/>
-              <a:cs typeface="Calibri Light" panose="020F0302020204030204" pitchFamily="34" charset="0"/>
-            </a:endParaRPr>
-          </a:p>
-        </p:txBody>
-      </p:sp>
-      <p:sp>
-        <p:nvSpPr>
-          <p:cNvPr id="4" name="Footer Placeholder 3">
-            <a:extLst>
-              <a:ext uri="{FF2B5EF4-FFF2-40B4-BE49-F238E27FC236}">
-                <a16:creationId xmlns:a16="http://schemas.microsoft.com/office/drawing/2014/main" id="{87713FCD-3B47-804D-B373-DAB61FB5FF59}"/>
-              </a:ext>
-            </a:extLst>
-          </p:cNvPr>
+              <a:t>IOAM Indicator Label</a:t>
+            </a:r>
+          </a:p>
+        </p:txBody>
+      </p:sp>
+      <p:sp>
+        <p:nvSpPr>
+          <p:cNvPr id="3" name="Content Placeholder 2"/>
           <p:cNvSpPr>
             <a:spLocks noGrp="1"/>
           </p:cNvSpPr>
           <p:nvPr>
-            <p:ph type="ftr" sz="quarter" idx="11"/>
+            <p:ph idx="1"/>
           </p:nvPr>
         </p:nvSpPr>
         <p:spPr>
           <a:xfrm>
-            <a:off x="3124200" y="4781550"/>
+            <a:off x="533400" y="971550"/>
+            <a:ext cx="8077200" cy="3257550"/>
+          </a:xfrm>
+        </p:spPr>
+        <p:txBody>
+          <a:bodyPr/>
+          <a:lstStyle/>
+          <a:p>
+            <a:pPr>
+              <a:lnSpc>
+                <a:spcPts val="2320"/>
+              </a:lnSpc>
+              <a:spcBef>
+                <a:spcPts val="600"/>
+              </a:spcBef>
+            </a:pPr>
+            <a:r>
+              <a:rPr lang="en-CA" sz="1600" dirty="0"/>
+              <a:t>“IOAM Indicator Label” is used to indicate the presence of the IOAM data fields after EOS in the MPLS header. How to process the IOAM data field(s) depends on the IOAM Option-Type. </a:t>
+            </a:r>
+          </a:p>
+          <a:p>
+            <a:pPr>
+              <a:lnSpc>
+                <a:spcPts val="2320"/>
+              </a:lnSpc>
+              <a:spcBef>
+                <a:spcPts val="600"/>
+              </a:spcBef>
+            </a:pPr>
+            <a:r>
+              <a:rPr lang="en-CA" sz="1600" dirty="0"/>
+              <a:t>Separate Indicator Labels are used for E2E IOAM (for edge nodes) and </a:t>
+            </a:r>
+            <a:r>
+              <a:rPr lang="en-CA" sz="1600" dirty="0" err="1"/>
+              <a:t>HbH</a:t>
+            </a:r>
+            <a:r>
+              <a:rPr lang="en-CA" sz="1600" dirty="0"/>
+              <a:t> IOAM (</a:t>
+            </a:r>
+            <a:r>
+              <a:rPr lang="en-CA" sz="1600" i="1" dirty="0"/>
+              <a:t>for edge and transit nodes</a:t>
+            </a:r>
+            <a:r>
+              <a:rPr lang="en-CA" sz="1600" dirty="0"/>
+              <a:t>) to optimize the IOAM processing on transit nodes when not needed.</a:t>
+            </a:r>
+          </a:p>
+          <a:p>
+            <a:pPr>
+              <a:lnSpc>
+                <a:spcPts val="2320"/>
+              </a:lnSpc>
+              <a:spcBef>
+                <a:spcPts val="600"/>
+              </a:spcBef>
+            </a:pPr>
+            <a:r>
+              <a:rPr lang="en-CA" sz="1600" dirty="0"/>
+              <a:t>In case of E2E IOAM, the IOAM Option-Type(s) in the data packets are processed on edge nodes only. The transit nodes ignore the IOAM Option-Type(s) carried by the data packets. </a:t>
+            </a:r>
+          </a:p>
+          <a:p>
+            <a:pPr>
+              <a:lnSpc>
+                <a:spcPts val="2320"/>
+              </a:lnSpc>
+              <a:spcBef>
+                <a:spcPts val="600"/>
+              </a:spcBef>
+            </a:pPr>
+            <a:r>
+              <a:rPr lang="en-CA" sz="1600" dirty="0"/>
+              <a:t>In case of </a:t>
+            </a:r>
+            <a:r>
+              <a:rPr lang="en-CA" sz="1600" dirty="0" err="1"/>
+              <a:t>HbH</a:t>
+            </a:r>
+            <a:r>
+              <a:rPr lang="en-CA" sz="1600" dirty="0"/>
+              <a:t> IOAM, the IOAM Option-Type(s) in the data packets are processed on transit and edge nodes. </a:t>
+            </a:r>
+          </a:p>
+        </p:txBody>
+      </p:sp>
+      <p:sp>
+        <p:nvSpPr>
+          <p:cNvPr id="4" name="Footer Placeholder 3"/>
+          <p:cNvSpPr>
+            <a:spLocks noGrp="1"/>
+          </p:cNvSpPr>
+          <p:nvPr>
+            <p:ph type="ftr" sz="quarter" idx="11"/>
+          </p:nvPr>
+        </p:nvSpPr>
+        <p:spPr>
+          <a:xfrm>
+            <a:off x="3124200" y="4786312"/>
             <a:ext cx="2895600" cy="357188"/>
           </a:xfrm>
         </p:spPr>
@@ -10997,13 +13731,7 @@
       </p:sp>
       <p:sp>
         <p:nvSpPr>
-          <p:cNvPr id="5" name="Slide Number Placeholder 4">
-            <a:extLst>
-              <a:ext uri="{FF2B5EF4-FFF2-40B4-BE49-F238E27FC236}">
-                <a16:creationId xmlns:a16="http://schemas.microsoft.com/office/drawing/2014/main" id="{1371408B-9195-EC4D-8131-A3F5CC0592D0}"/>
-              </a:ext>
-            </a:extLst>
-          </p:cNvPr>
+          <p:cNvPr id="5" name="Slide Number Placeholder 4"/>
           <p:cNvSpPr>
             <a:spLocks noGrp="1"/>
           </p:cNvSpPr>
@@ -11030,257 +13758,10 @@
           </a:p>
         </p:txBody>
       </p:sp>
-      <p:sp>
-        <p:nvSpPr>
-          <p:cNvPr id="6" name="Rectangle 5">
-            <a:extLst>
-              <a:ext uri="{FF2B5EF4-FFF2-40B4-BE49-F238E27FC236}">
-                <a16:creationId xmlns:a16="http://schemas.microsoft.com/office/drawing/2014/main" id="{1EED4007-3A19-0E4E-8496-6CECEEA363EB}"/>
-              </a:ext>
-            </a:extLst>
-          </p:cNvPr>
-          <p:cNvSpPr/>
-          <p:nvPr/>
-        </p:nvSpPr>
-        <p:spPr>
-          <a:xfrm>
-            <a:off x="2019300" y="1018555"/>
-            <a:ext cx="5105400" cy="3277820"/>
-          </a:xfrm>
-          <a:prstGeom prst="rect">
-            <a:avLst/>
-          </a:prstGeom>
-          <a:solidFill>
-            <a:schemeClr val="accent6">
-              <a:lumMod val="20000"/>
-              <a:lumOff val="80000"/>
-            </a:schemeClr>
-          </a:solidFill>
-        </p:spPr>
-        <p:txBody>
-          <a:bodyPr wrap="square">
-            <a:spAutoFit/>
-          </a:bodyPr>
-          <a:lstStyle/>
-          <a:p>
-            <a:r>
-              <a:rPr lang="en-CA" sz="900" dirty="0">
-                <a:latin typeface="Courier" pitchFamily="2" charset="0"/>
-              </a:rPr>
-              <a:t>   0                   1                   2                   3</a:t>
-            </a:r>
-          </a:p>
-          <a:p>
-            <a:r>
-              <a:rPr lang="en-CA" sz="900" dirty="0">
-                <a:latin typeface="Courier" pitchFamily="2" charset="0"/>
-              </a:rPr>
-              <a:t>   0 1 2 3 4 5 6 7 8 9 0 1 2 3 4 5 6 7 8 9 0 1 2 3 4 5 6 7 8 9 0 1</a:t>
-            </a:r>
-          </a:p>
-          <a:p>
-            <a:r>
-              <a:rPr lang="en-CA" sz="900" dirty="0">
-                <a:latin typeface="Courier" pitchFamily="2" charset="0"/>
-              </a:rPr>
-              <a:t>   +-+-+-+-+-+-+-+-+-+-+-+-+-+-+-+-+-+-+-+-+-+-+-+-+-+-+-+-+-+-+-+-+</a:t>
-            </a:r>
-          </a:p>
-          <a:p>
-            <a:r>
-              <a:rPr lang="en-CA" sz="900" dirty="0">
-                <a:latin typeface="Courier" pitchFamily="2" charset="0"/>
-              </a:rPr>
-              <a:t>   |  </a:t>
-            </a:r>
-            <a:r>
-              <a:rPr lang="en-CA" sz="900" b="1" dirty="0">
-                <a:latin typeface="Courier" pitchFamily="2" charset="0"/>
-              </a:rPr>
-              <a:t>E2E IOAM Indicator Label             </a:t>
-            </a:r>
-            <a:r>
-              <a:rPr lang="en-CA" sz="900" dirty="0">
-                <a:latin typeface="Courier" pitchFamily="2" charset="0"/>
-              </a:rPr>
-              <a:t>| TC  |1|  TTL          |</a:t>
-            </a:r>
-          </a:p>
-          <a:p>
-            <a:r>
-              <a:rPr lang="en-CA" sz="900" dirty="0">
-                <a:latin typeface="Courier" pitchFamily="2" charset="0"/>
-              </a:rPr>
-              <a:t>   +-+-+-+-+-+-+-+-+-+-+-+-+-+-+-+-+-+-+-+-+-+-+-+-+-+-+-+-+-+-+-+-+&lt;-+ </a:t>
-            </a:r>
-          </a:p>
-          <a:p>
-            <a:r>
-              <a:rPr lang="en-CA" sz="900" dirty="0">
-                <a:latin typeface="Courier" pitchFamily="2" charset="0"/>
-              </a:rPr>
-              <a:t>   |0 0 0 1|Version| Reserved      | IOAM G-</a:t>
-            </a:r>
-            <a:r>
-              <a:rPr lang="en-CA" sz="900" dirty="0" err="1">
-                <a:latin typeface="Courier" pitchFamily="2" charset="0"/>
-              </a:rPr>
-              <a:t>ACh</a:t>
-            </a:r>
-            <a:r>
-              <a:rPr lang="en-CA" sz="900" dirty="0">
-                <a:latin typeface="Courier" pitchFamily="2" charset="0"/>
-              </a:rPr>
-              <a:t>                    |  | </a:t>
-            </a:r>
-          </a:p>
-          <a:p>
-            <a:r>
-              <a:rPr lang="en-CA" sz="900" dirty="0">
-                <a:latin typeface="Courier" pitchFamily="2" charset="0"/>
-              </a:rPr>
-              <a:t>   +-+-+-+-+-+-+-+-+-+-+-+-+-+-+-+-+-+-+-+-+-+-+-+-+-+-+-+-+-+-+-+-+  | </a:t>
-            </a:r>
-          </a:p>
-          <a:p>
-            <a:r>
-              <a:rPr lang="en-CA" sz="900" dirty="0">
-                <a:latin typeface="Courier" pitchFamily="2" charset="0"/>
-              </a:rPr>
-              <a:t>   | Reserved      | Block Number  | IOAM-OPT-Type |IOAM HDR Length|  |</a:t>
-            </a:r>
-          </a:p>
-          <a:p>
-            <a:r>
-              <a:rPr lang="en-CA" sz="900" dirty="0">
-                <a:latin typeface="Courier" pitchFamily="2" charset="0"/>
-              </a:rPr>
-              <a:t>   +-+-+-+-+-+-+-+-+-+-+-+-+-+-+-+-+-+-+-+-+-+-+-+-+-+-+-+-+-+-+-+-+  I</a:t>
-            </a:r>
-          </a:p>
-          <a:p>
-            <a:r>
-              <a:rPr lang="en-CA" sz="900" dirty="0">
-                <a:latin typeface="Courier" pitchFamily="2" charset="0"/>
-              </a:rPr>
-              <a:t>   |                                                               |  O</a:t>
-            </a:r>
-          </a:p>
-          <a:p>
-            <a:r>
-              <a:rPr lang="en-CA" sz="900" dirty="0">
-                <a:latin typeface="Courier" pitchFamily="2" charset="0"/>
-              </a:rPr>
-              <a:t>   |                                                               |  A</a:t>
-            </a:r>
-          </a:p>
-          <a:p>
-            <a:r>
-              <a:rPr lang="en-CA" sz="900" dirty="0">
-                <a:latin typeface="Courier" pitchFamily="2" charset="0"/>
-              </a:rPr>
-              <a:t>   ~                 IOAM Option and Data Space                    ~  M</a:t>
-            </a:r>
-          </a:p>
-          <a:p>
-            <a:r>
-              <a:rPr lang="en-CA" sz="900" dirty="0">
-                <a:latin typeface="Courier" pitchFamily="2" charset="0"/>
-              </a:rPr>
-              <a:t>   |                                                               |  |</a:t>
-            </a:r>
-          </a:p>
-          <a:p>
-            <a:r>
-              <a:rPr lang="en-CA" sz="900" dirty="0">
-                <a:latin typeface="Courier" pitchFamily="2" charset="0"/>
-              </a:rPr>
-              <a:t>   |                                                               |  |</a:t>
-            </a:r>
-          </a:p>
-          <a:p>
-            <a:r>
-              <a:rPr lang="en-CA" sz="900" dirty="0">
-                <a:latin typeface="Courier" pitchFamily="2" charset="0"/>
-              </a:rPr>
-              <a:t>   +-+-+-+-+-+-+-+-+-+-+-+-+-+-+-+-+-+-+-+-+-+-+-+-+-+-+-+-+-+-+-+-+&lt;-+</a:t>
-            </a:r>
-          </a:p>
-          <a:p>
-            <a:r>
-              <a:rPr lang="en-CA" sz="900" dirty="0">
-                <a:latin typeface="Courier" pitchFamily="2" charset="0"/>
-              </a:rPr>
-              <a:t>   |                                                               |</a:t>
-            </a:r>
-          </a:p>
-          <a:p>
-            <a:r>
-              <a:rPr lang="en-CA" sz="900" dirty="0">
-                <a:latin typeface="Courier" pitchFamily="2" charset="0"/>
-              </a:rPr>
-              <a:t>   |                                                               |</a:t>
-            </a:r>
-          </a:p>
-          <a:p>
-            <a:r>
-              <a:rPr lang="en-CA" sz="900" dirty="0">
-                <a:latin typeface="Courier" pitchFamily="2" charset="0"/>
-              </a:rPr>
-              <a:t>   ~                 Payload + Padding                             ~</a:t>
-            </a:r>
-          </a:p>
-          <a:p>
-            <a:r>
-              <a:rPr lang="en-CA" sz="900" dirty="0">
-                <a:latin typeface="Courier" pitchFamily="2" charset="0"/>
-              </a:rPr>
-              <a:t>   |                                                               |</a:t>
-            </a:r>
-          </a:p>
-          <a:p>
-            <a:r>
-              <a:rPr lang="en-CA" sz="900" dirty="0">
-                <a:latin typeface="Courier" pitchFamily="2" charset="0"/>
-              </a:rPr>
-              <a:t>   |                                                               |</a:t>
-            </a:r>
-          </a:p>
-          <a:p>
-            <a:r>
-              <a:rPr lang="en-CA" sz="900" dirty="0">
-                <a:latin typeface="Courier" pitchFamily="2" charset="0"/>
-              </a:rPr>
-              <a:t>   +-+-+-+-+-+-+-+-+-+-+-+-+-+-+-+-+-+-+-+-+-+-+-+-+-+-+-+-+-+-+-+-+</a:t>
-            </a:r>
-          </a:p>
-          <a:p>
-            <a:r>
-              <a:rPr lang="en-CA" sz="900" dirty="0">
-                <a:latin typeface="Courier" pitchFamily="2" charset="0"/>
-              </a:rPr>
-              <a:t> </a:t>
-            </a:r>
-          </a:p>
-          <a:p>
-            <a:r>
-              <a:rPr lang="en-CA" sz="900" dirty="0">
-                <a:latin typeface="Courier" pitchFamily="2" charset="0"/>
-              </a:rPr>
-              <a:t>              Figure: E2E IOAM Encapsulation in MPLS Header</a:t>
-            </a:r>
-            <a:endParaRPr lang="en-CA" sz="900" dirty="0">
-              <a:latin typeface="Courier" pitchFamily="2" charset="0"/>
-              <a:ea typeface="Calibri" panose="020F0502020204030204" pitchFamily="34" charset="0"/>
-              <a:cs typeface="Times New Roman" panose="02020603050405020304" pitchFamily="18" charset="0"/>
-            </a:endParaRPr>
-          </a:p>
-        </p:txBody>
-      </p:sp>
     </p:spTree>
     <p:extLst>
       <p:ext uri="{BB962C8B-B14F-4D97-AF65-F5344CB8AC3E}">
-        <p14:creationId xmlns:p14="http://schemas.microsoft.com/office/powerpoint/2010/main" val="924950222"/>
+        <p14:creationId xmlns:p14="http://schemas.microsoft.com/office/powerpoint/2010/main" val="2338934709"/>
       </p:ext>
     </p:extLst>
   </p:cSld>
@@ -11309,155 +13790,17 @@
       </p:grpSpPr>
       <p:sp>
         <p:nvSpPr>
-          <p:cNvPr id="2" name="Title 1"/>
+          <p:cNvPr id="4" name="Footer Placeholder 3"/>
           <p:cNvSpPr>
             <a:spLocks noGrp="1"/>
           </p:cNvSpPr>
           <p:nvPr>
-            <p:ph type="title"/>
+            <p:ph type="ftr" sz="quarter" idx="11"/>
           </p:nvPr>
         </p:nvSpPr>
         <p:spPr>
           <a:xfrm>
-            <a:off x="609600" y="5113"/>
-            <a:ext cx="7696200" cy="857250"/>
-          </a:xfrm>
-        </p:spPr>
-        <p:txBody>
-          <a:bodyPr/>
-          <a:lstStyle/>
-          <a:p>
-            <a:r>
-              <a:rPr lang="en-US" sz="3200" dirty="0">
-                <a:solidFill>
-                  <a:srgbClr val="0070C0"/>
-                </a:solidFill>
-                <a:latin typeface="Calibri Light" panose="020F0302020204030204" pitchFamily="34" charset="0"/>
-                <a:cs typeface="Calibri Light" panose="020F0302020204030204" pitchFamily="34" charset="0"/>
-              </a:rPr>
-              <a:t>E2E Indicator Label Allocation Methods</a:t>
-            </a:r>
-          </a:p>
-        </p:txBody>
-      </p:sp>
-      <p:sp>
-        <p:nvSpPr>
-          <p:cNvPr id="3" name="Content Placeholder 2"/>
-          <p:cNvSpPr>
-            <a:spLocks noGrp="1"/>
-          </p:cNvSpPr>
-          <p:nvPr>
-            <p:ph idx="1"/>
-          </p:nvPr>
-        </p:nvSpPr>
-        <p:spPr>
-          <a:xfrm>
-            <a:off x="609600" y="1007445"/>
-            <a:ext cx="7924800" cy="3429000"/>
-          </a:xfrm>
-        </p:spPr>
-        <p:txBody>
-          <a:bodyPr/>
-          <a:lstStyle/>
-          <a:p>
-            <a:pPr marL="457200" lvl="0" indent="-457200">
-              <a:buFont typeface="+mj-lt"/>
-              <a:buAutoNum type="arabicPeriod"/>
-            </a:pPr>
-            <a:r>
-              <a:rPr lang="en-CA" sz="1800" dirty="0"/>
-              <a:t>Extension Label (15) and Label assigned by IANA with value </a:t>
-            </a:r>
-            <a:r>
-              <a:rPr lang="en-CA" sz="1800" dirty="0">
-                <a:solidFill>
-                  <a:srgbClr val="0070C0"/>
-                </a:solidFill>
-              </a:rPr>
-              <a:t>TBA1</a:t>
-            </a:r>
-          </a:p>
-          <a:p>
-            <a:pPr lvl="1" indent="-342900">
-              <a:buFont typeface="Wingdings" pitchFamily="2" charset="2"/>
-              <a:buChar char="§"/>
-            </a:pPr>
-            <a:r>
-              <a:rPr lang="en-CA" sz="1800" dirty="0"/>
-              <a:t>From Extended Special Purpose Labels (</a:t>
-            </a:r>
-            <a:r>
-              <a:rPr lang="en-CA" sz="1800" dirty="0" err="1"/>
-              <a:t>eSPL</a:t>
-            </a:r>
-            <a:r>
-              <a:rPr lang="en-CA" sz="1800" dirty="0"/>
-              <a:t>) range</a:t>
-            </a:r>
-          </a:p>
-          <a:p>
-            <a:pPr marL="457200" lvl="0" indent="-457200">
-              <a:buFont typeface="+mj-lt"/>
-              <a:buAutoNum type="arabicPeriod"/>
-            </a:pPr>
-            <a:r>
-              <a:rPr lang="en-CA" sz="1800" dirty="0"/>
-              <a:t>Global Label allocated by a controller</a:t>
-            </a:r>
-          </a:p>
-          <a:p>
-            <a:pPr lvl="1" indent="-342900">
-              <a:buFont typeface="Wingdings" pitchFamily="2" charset="2"/>
-              <a:buChar char="§"/>
-            </a:pPr>
-            <a:r>
-              <a:rPr lang="en-CA" sz="1800" dirty="0"/>
-              <a:t>The controller provisions the label on encapsulating and decapsulating nodes</a:t>
-            </a:r>
-          </a:p>
-          <a:p>
-            <a:pPr marL="457200" lvl="0" indent="-457200">
-              <a:buFont typeface="+mj-lt"/>
-              <a:buAutoNum type="arabicPeriod"/>
-            </a:pPr>
-            <a:r>
-              <a:rPr lang="en-CA" sz="1800" dirty="0">
-                <a:solidFill>
-                  <a:srgbClr val="0070C0"/>
-                </a:solidFill>
-              </a:rPr>
-              <a:t>The IOAM Enabled Label allocated by the decapsulating node</a:t>
-            </a:r>
-          </a:p>
-          <a:p>
-            <a:pPr lvl="1" indent="-342900">
-              <a:buFont typeface="Wingdings" pitchFamily="2" charset="2"/>
-              <a:buChar char="§"/>
-            </a:pPr>
-            <a:r>
-              <a:rPr lang="en-CA" sz="1800" dirty="0">
-                <a:solidFill>
-                  <a:srgbClr val="0070C0"/>
-                </a:solidFill>
-              </a:rPr>
-              <a:t>Signaling/advertisement extensions needed to convey the label to all encapsulating nodes (out of scope)</a:t>
-            </a:r>
-          </a:p>
-        </p:txBody>
-      </p:sp>
-      <p:sp>
-        <p:nvSpPr>
-          <p:cNvPr id="4" name="Footer Placeholder 3"/>
-          <p:cNvSpPr>
-            <a:spLocks noGrp="1"/>
-          </p:cNvSpPr>
-          <p:nvPr>
-            <p:ph type="ftr" sz="quarter" idx="11"/>
-          </p:nvPr>
-        </p:nvSpPr>
-        <p:spPr>
-          <a:xfrm>
-            <a:off x="3124200" y="4786312"/>
+            <a:off x="3124200" y="4787315"/>
             <a:ext cx="2895600" cy="357188"/>
           </a:xfrm>
         </p:spPr>
@@ -11482,7 +13825,196 @@
       </p:sp>
       <p:sp>
         <p:nvSpPr>
-          <p:cNvPr id="5" name="Slide Number Placeholder 4"/>
+          <p:cNvPr id="5" name="Rectangle 2"/>
+          <p:cNvSpPr txBox="1">
+            <a:spLocks noChangeArrowheads="1"/>
+          </p:cNvSpPr>
+          <p:nvPr/>
+        </p:nvSpPr>
+        <p:spPr bwMode="auto">
+          <a:xfrm>
+            <a:off x="685800" y="2020490"/>
+            <a:ext cx="7772400" cy="1102519"/>
+          </a:xfrm>
+          <a:prstGeom prst="rect">
+            <a:avLst/>
+          </a:prstGeom>
+          <a:noFill/>
+          <a:ln w="9525">
+            <a:noFill/>
+            <a:miter lim="800000"/>
+            <a:headEnd/>
+            <a:tailEnd/>
+          </a:ln>
+          <a:effectLst/>
+        </p:spPr>
+        <p:txBody>
+          <a:bodyPr vert="horz" wrap="square" lIns="91440" tIns="45720" rIns="91440" bIns="45720" numCol="1" anchor="ctr" anchorCtr="0" compatLnSpc="1">
+            <a:prstTxWarp prst="textNoShape">
+              <a:avLst/>
+            </a:prstTxWarp>
+          </a:bodyPr>
+          <a:lstStyle>
+            <a:lvl1pPr algn="ctr" rtl="0" eaLnBrk="0" fontAlgn="base" hangingPunct="0">
+              <a:spcBef>
+                <a:spcPct val="0"/>
+              </a:spcBef>
+              <a:spcAft>
+                <a:spcPct val="0"/>
+              </a:spcAft>
+              <a:defRPr sz="4400">
+                <a:solidFill>
+                  <a:schemeClr val="tx2"/>
+                </a:solidFill>
+                <a:latin typeface="+mj-lt"/>
+                <a:ea typeface="+mj-ea"/>
+                <a:cs typeface="+mj-cs"/>
+              </a:defRPr>
+            </a:lvl1pPr>
+            <a:lvl2pPr algn="ctr" rtl="0" eaLnBrk="0" fontAlgn="base" hangingPunct="0">
+              <a:spcBef>
+                <a:spcPct val="0"/>
+              </a:spcBef>
+              <a:spcAft>
+                <a:spcPct val="0"/>
+              </a:spcAft>
+              <a:defRPr sz="4400">
+                <a:solidFill>
+                  <a:schemeClr val="tx2"/>
+                </a:solidFill>
+                <a:latin typeface="Arial" charset="0"/>
+                <a:ea typeface="宋体" pitchFamily="2" charset="-122"/>
+              </a:defRPr>
+            </a:lvl2pPr>
+            <a:lvl3pPr algn="ctr" rtl="0" eaLnBrk="0" fontAlgn="base" hangingPunct="0">
+              <a:spcBef>
+                <a:spcPct val="0"/>
+              </a:spcBef>
+              <a:spcAft>
+                <a:spcPct val="0"/>
+              </a:spcAft>
+              <a:defRPr sz="4400">
+                <a:solidFill>
+                  <a:schemeClr val="tx2"/>
+                </a:solidFill>
+                <a:latin typeface="Arial" charset="0"/>
+                <a:ea typeface="宋体" pitchFamily="2" charset="-122"/>
+              </a:defRPr>
+            </a:lvl3pPr>
+            <a:lvl4pPr algn="ctr" rtl="0" eaLnBrk="0" fontAlgn="base" hangingPunct="0">
+              <a:spcBef>
+                <a:spcPct val="0"/>
+              </a:spcBef>
+              <a:spcAft>
+                <a:spcPct val="0"/>
+              </a:spcAft>
+              <a:defRPr sz="4400">
+                <a:solidFill>
+                  <a:schemeClr val="tx2"/>
+                </a:solidFill>
+                <a:latin typeface="Arial" charset="0"/>
+                <a:ea typeface="宋体" pitchFamily="2" charset="-122"/>
+              </a:defRPr>
+            </a:lvl4pPr>
+            <a:lvl5pPr algn="ctr" rtl="0" eaLnBrk="0" fontAlgn="base" hangingPunct="0">
+              <a:spcBef>
+                <a:spcPct val="0"/>
+              </a:spcBef>
+              <a:spcAft>
+                <a:spcPct val="0"/>
+              </a:spcAft>
+              <a:defRPr sz="4400">
+                <a:solidFill>
+                  <a:schemeClr val="tx2"/>
+                </a:solidFill>
+                <a:latin typeface="Arial" charset="0"/>
+                <a:ea typeface="宋体" pitchFamily="2" charset="-122"/>
+              </a:defRPr>
+            </a:lvl5pPr>
+            <a:lvl6pPr marL="457200" algn="ctr" rtl="0" fontAlgn="base">
+              <a:spcBef>
+                <a:spcPct val="0"/>
+              </a:spcBef>
+              <a:spcAft>
+                <a:spcPct val="0"/>
+              </a:spcAft>
+              <a:defRPr sz="4400">
+                <a:solidFill>
+                  <a:schemeClr val="tx2"/>
+                </a:solidFill>
+                <a:latin typeface="Arial" charset="0"/>
+                <a:ea typeface="宋体" pitchFamily="2" charset="-122"/>
+              </a:defRPr>
+            </a:lvl6pPr>
+            <a:lvl7pPr marL="914400" algn="ctr" rtl="0" fontAlgn="base">
+              <a:spcBef>
+                <a:spcPct val="0"/>
+              </a:spcBef>
+              <a:spcAft>
+                <a:spcPct val="0"/>
+              </a:spcAft>
+              <a:defRPr sz="4400">
+                <a:solidFill>
+                  <a:schemeClr val="tx2"/>
+                </a:solidFill>
+                <a:latin typeface="Arial" charset="0"/>
+                <a:ea typeface="宋体" pitchFamily="2" charset="-122"/>
+              </a:defRPr>
+            </a:lvl7pPr>
+            <a:lvl8pPr marL="1371600" algn="ctr" rtl="0" fontAlgn="base">
+              <a:spcBef>
+                <a:spcPct val="0"/>
+              </a:spcBef>
+              <a:spcAft>
+                <a:spcPct val="0"/>
+              </a:spcAft>
+              <a:defRPr sz="4400">
+                <a:solidFill>
+                  <a:schemeClr val="tx2"/>
+                </a:solidFill>
+                <a:latin typeface="Arial" charset="0"/>
+                <a:ea typeface="宋体" pitchFamily="2" charset="-122"/>
+              </a:defRPr>
+            </a:lvl8pPr>
+            <a:lvl9pPr marL="1828800" algn="ctr" rtl="0" fontAlgn="base">
+              <a:spcBef>
+                <a:spcPct val="0"/>
+              </a:spcBef>
+              <a:spcAft>
+                <a:spcPct val="0"/>
+              </a:spcAft>
+              <a:defRPr sz="4400">
+                <a:solidFill>
+                  <a:schemeClr val="tx2"/>
+                </a:solidFill>
+                <a:latin typeface="Arial" charset="0"/>
+                <a:ea typeface="宋体" pitchFamily="2" charset="-122"/>
+              </a:defRPr>
+            </a:lvl9pPr>
+          </a:lstStyle>
+          <a:p>
+            <a:pPr algn="l" eaLnBrk="1" hangingPunct="1">
+              <a:defRPr/>
+            </a:pPr>
+            <a:r>
+              <a:rPr lang="en-US" altLang="zh-CN" sz="4000" kern="0" dirty="0">
+                <a:effectLst>
+                  <a:outerShdw blurRad="38100" dist="38100" dir="2700000" algn="tl">
+                    <a:srgbClr val="C0C0C0"/>
+                  </a:outerShdw>
+                </a:effectLst>
+                <a:latin typeface="Calibri" charset="0"/>
+                <a:ea typeface="Calibri" charset="0"/>
+                <a:cs typeface="Calibri" charset="0"/>
+              </a:rPr>
+              <a:t>E2E IOAM</a:t>
+            </a:r>
+          </a:p>
+        </p:txBody>
+      </p:sp>
+      <p:sp>
+        <p:nvSpPr>
+          <p:cNvPr id="2" name="Slide Number Placeholder 1"/>
           <p:cNvSpPr>
             <a:spLocks noGrp="1"/>
           </p:cNvSpPr>
@@ -11512,7 +14044,7 @@
     </p:spTree>
     <p:extLst>
       <p:ext uri="{BB962C8B-B14F-4D97-AF65-F5344CB8AC3E}">
-        <p14:creationId xmlns:p14="http://schemas.microsoft.com/office/powerpoint/2010/main" val="16194378"/>
+        <p14:creationId xmlns:p14="http://schemas.microsoft.com/office/powerpoint/2010/main" val="3576489888"/>
       </p:ext>
     </p:extLst>
   </p:cSld>
@@ -11544,7 +14076,7 @@
           <p:cNvPr id="2" name="Title 1">
             <a:extLst>
               <a:ext uri="{FF2B5EF4-FFF2-40B4-BE49-F238E27FC236}">
-                <a16:creationId xmlns:a16="http://schemas.microsoft.com/office/drawing/2014/main" id="{A7AC8BF5-BF7D-EE4A-9EB2-E0C69A39C38C}"/>
+                <a16:creationId xmlns:a16="http://schemas.microsoft.com/office/drawing/2014/main" id="{590D0125-5A9E-9D48-9391-85FBD0E608A2}"/>
               </a:ext>
             </a:extLst>
           </p:cNvPr>
@@ -11557,393 +14089,44 @@
         </p:nvSpPr>
         <p:spPr>
           <a:xfrm>
-            <a:off x="457200" y="2160"/>
-            <a:ext cx="8229600" cy="857250"/>
+            <a:off x="1066800" y="129372"/>
+            <a:ext cx="6934200" cy="599270"/>
           </a:xfrm>
         </p:spPr>
         <p:txBody>
           <a:bodyPr/>
           <a:lstStyle/>
           <a:p>
-            <a:r>
-              <a:rPr lang="en-US" sz="3200" dirty="0">
+            <a:pPr algn="l"/>
+            <a:r>
+              <a:rPr lang="en-CA" sz="3200" dirty="0">
                 <a:solidFill>
                   <a:srgbClr val="0070C0"/>
                 </a:solidFill>
                 <a:latin typeface="Calibri Light" panose="020F0302020204030204" pitchFamily="34" charset="0"/>
                 <a:cs typeface="Calibri Light" panose="020F0302020204030204" pitchFamily="34" charset="0"/>
               </a:rPr>
-              <a:t>E2E Indicator Label Allocation Methods</a:t>
-            </a:r>
-          </a:p>
-        </p:txBody>
-      </p:sp>
-      <p:graphicFrame>
-        <p:nvGraphicFramePr>
-          <p:cNvPr id="6" name="Table 6">
+              <a:t>E2E IOAM Encapsulation in MPLS Header</a:t>
+            </a:r>
+            <a:endParaRPr lang="en-US" sz="3200" dirty="0">
+              <a:solidFill>
+                <a:srgbClr val="0070C0"/>
+              </a:solidFill>
+              <a:latin typeface="Calibri Light" panose="020F0302020204030204" pitchFamily="34" charset="0"/>
+              <a:cs typeface="Calibri Light" panose="020F0302020204030204" pitchFamily="34" charset="0"/>
+            </a:endParaRPr>
+          </a:p>
+        </p:txBody>
+      </p:sp>
+      <p:sp>
+        <p:nvSpPr>
+          <p:cNvPr id="4" name="Footer Placeholder 3">
             <a:extLst>
               <a:ext uri="{FF2B5EF4-FFF2-40B4-BE49-F238E27FC236}">
-                <a16:creationId xmlns:a16="http://schemas.microsoft.com/office/drawing/2014/main" id="{5E5C625D-83BF-2B41-93D2-28785FC4F582}"/>
+                <a16:creationId xmlns:a16="http://schemas.microsoft.com/office/drawing/2014/main" id="{87713FCD-3B47-804D-B373-DAB61FB5FF59}"/>
               </a:ext>
             </a:extLst>
           </p:cNvPr>
-          <p:cNvGraphicFramePr>
-            <a:graphicFrameLocks noGrp="1"/>
-          </p:cNvGraphicFramePr>
-          <p:nvPr>
-            <p:ph idx="1"/>
-            <p:extLst>
-              <p:ext uri="{D42A27DB-BD31-4B8C-83A1-F6EECF244321}">
-                <p14:modId xmlns:p14="http://schemas.microsoft.com/office/powerpoint/2010/main" val="2614119335"/>
-              </p:ext>
-            </p:extLst>
-          </p:nvPr>
-        </p:nvGraphicFramePr>
-        <p:xfrm>
-          <a:off x="533400" y="914400"/>
-          <a:ext cx="7848600" cy="2286000"/>
-        </p:xfrm>
-        <a:graphic>
-          <a:graphicData uri="http://schemas.openxmlformats.org/drawingml/2006/table">
-            <a:tbl>
-              <a:tblPr firstRow="1" bandRow="1">
-                <a:tableStyleId>{46F890A9-2807-4EBB-B81D-B2AA78EC7F39}</a:tableStyleId>
-              </a:tblPr>
-              <a:tblGrid>
-                <a:gridCol w="457200">
-                  <a:extLst>
-                    <a:ext uri="{9D8B030D-6E8A-4147-A177-3AD203B41FA5}">
-                      <a16:colId xmlns:a16="http://schemas.microsoft.com/office/drawing/2014/main" val="2665960960"/>
-                    </a:ext>
-                  </a:extLst>
-                </a:gridCol>
-                <a:gridCol w="3810000">
-                  <a:extLst>
-                    <a:ext uri="{9D8B030D-6E8A-4147-A177-3AD203B41FA5}">
-                      <a16:colId xmlns:a16="http://schemas.microsoft.com/office/drawing/2014/main" val="1209939836"/>
-                    </a:ext>
-                  </a:extLst>
-                </a:gridCol>
-                <a:gridCol w="1828800">
-                  <a:extLst>
-                    <a:ext uri="{9D8B030D-6E8A-4147-A177-3AD203B41FA5}">
-                      <a16:colId xmlns:a16="http://schemas.microsoft.com/office/drawing/2014/main" val="4011394575"/>
-                    </a:ext>
-                  </a:extLst>
-                </a:gridCol>
-                <a:gridCol w="1752600">
-                  <a:extLst>
-                    <a:ext uri="{9D8B030D-6E8A-4147-A177-3AD203B41FA5}">
-                      <a16:colId xmlns:a16="http://schemas.microsoft.com/office/drawing/2014/main" val="1670730324"/>
-                    </a:ext>
-                  </a:extLst>
-                </a:gridCol>
-              </a:tblGrid>
-              <a:tr h="571500">
-                <a:tc>
-                  <a:txBody>
-                    <a:bodyPr/>
-                    <a:lstStyle/>
-                    <a:p>
-                      <a:pPr algn="ctr"/>
-                      <a:endParaRPr lang="en-US" sz="1400" b="0" i="0" dirty="0">
-                        <a:latin typeface="Calibri" panose="020F0502020204030204" pitchFamily="34" charset="0"/>
-                        <a:cs typeface="Calibri" panose="020F0502020204030204" pitchFamily="34" charset="0"/>
-                      </a:endParaRPr>
-                    </a:p>
-                  </a:txBody>
-                  <a:tcPr anchor="ctr"/>
-                </a:tc>
-                <a:tc>
-                  <a:txBody>
-                    <a:bodyPr/>
-                    <a:lstStyle/>
-                    <a:p>
-                      <a:r>
-                        <a:rPr lang="en-US" sz="1400" b="0" i="0" dirty="0">
-                          <a:latin typeface="Calibri" panose="020F0502020204030204" pitchFamily="34" charset="0"/>
-                          <a:cs typeface="Calibri" panose="020F0502020204030204" pitchFamily="34" charset="0"/>
-                        </a:rPr>
-                        <a:t>Method</a:t>
-                      </a:r>
-                    </a:p>
-                  </a:txBody>
-                  <a:tcPr anchor="ctr"/>
-                </a:tc>
-                <a:tc>
-                  <a:txBody>
-                    <a:bodyPr/>
-                    <a:lstStyle/>
-                    <a:p>
-                      <a:r>
-                        <a:rPr lang="en-US" sz="1400" b="0" i="0" dirty="0">
-                          <a:latin typeface="Calibri" panose="020F0502020204030204" pitchFamily="34" charset="0"/>
-                          <a:cs typeface="Calibri" panose="020F0502020204030204" pitchFamily="34" charset="0"/>
-                        </a:rPr>
-                        <a:t>Extra Label Stack Size (Note 2)</a:t>
-                      </a:r>
-                    </a:p>
-                  </a:txBody>
-                  <a:tcPr anchor="ctr"/>
-                </a:tc>
-                <a:tc>
-                  <a:txBody>
-                    <a:bodyPr/>
-                    <a:lstStyle/>
-                    <a:p>
-                      <a:r>
-                        <a:rPr lang="en-US" sz="1400" b="0" i="0" dirty="0">
-                          <a:latin typeface="Calibri" panose="020F0502020204030204" pitchFamily="34" charset="0"/>
-                          <a:cs typeface="Calibri" panose="020F0502020204030204" pitchFamily="34" charset="0"/>
-                        </a:rPr>
-                        <a:t>Location on Stack</a:t>
-                      </a:r>
-                    </a:p>
-                  </a:txBody>
-                  <a:tcPr anchor="ctr"/>
-                </a:tc>
-                <a:extLst>
-                  <a:ext uri="{0D108BD9-81ED-4DB2-BD59-A6C34878D82A}">
-                    <a16:rowId xmlns:a16="http://schemas.microsoft.com/office/drawing/2014/main" val="3325801765"/>
-                  </a:ext>
-                </a:extLst>
-              </a:tr>
-              <a:tr h="571500">
-                <a:tc>
-                  <a:txBody>
-                    <a:bodyPr/>
-                    <a:lstStyle/>
-                    <a:p>
-                      <a:pPr algn="ctr"/>
-                      <a:r>
-                        <a:rPr lang="en-US" sz="1400" b="0" i="0" dirty="0">
-                          <a:latin typeface="Calibri" panose="020F0502020204030204" pitchFamily="34" charset="0"/>
-                          <a:cs typeface="Calibri" panose="020F0502020204030204" pitchFamily="34" charset="0"/>
-                        </a:rPr>
-                        <a:t>1</a:t>
-                      </a:r>
-                    </a:p>
-                  </a:txBody>
-                  <a:tcPr anchor="ctr"/>
-                </a:tc>
-                <a:tc>
-                  <a:txBody>
-                    <a:bodyPr/>
-                    <a:lstStyle/>
-                    <a:p>
-                      <a:r>
-                        <a:rPr lang="en-US" sz="1400" b="0" i="0" dirty="0" err="1">
-                          <a:latin typeface="Calibri" panose="020F0502020204030204" pitchFamily="34" charset="0"/>
-                          <a:cs typeface="Calibri" panose="020F0502020204030204" pitchFamily="34" charset="0"/>
-                        </a:rPr>
-                        <a:t>eSPL</a:t>
-                      </a:r>
-                      <a:r>
-                        <a:rPr lang="en-US" sz="1400" b="0" i="0" dirty="0">
-                          <a:latin typeface="Calibri" panose="020F0502020204030204" pitchFamily="34" charset="0"/>
-                          <a:cs typeface="Calibri" panose="020F0502020204030204" pitchFamily="34" charset="0"/>
-                        </a:rPr>
-                        <a:t> Labels</a:t>
-                      </a:r>
-                    </a:p>
-                  </a:txBody>
-                  <a:tcPr anchor="ctr"/>
-                </a:tc>
-                <a:tc>
-                  <a:txBody>
-                    <a:bodyPr/>
-                    <a:lstStyle/>
-                    <a:p>
-                      <a:r>
-                        <a:rPr lang="en-US" sz="1400" b="0" i="0" dirty="0">
-                          <a:latin typeface="Calibri" panose="020F0502020204030204" pitchFamily="34" charset="0"/>
-                          <a:cs typeface="Calibri" panose="020F0502020204030204" pitchFamily="34" charset="0"/>
-                        </a:rPr>
-                        <a:t>+2 (Note 1)</a:t>
-                      </a:r>
-                    </a:p>
-                  </a:txBody>
-                  <a:tcPr anchor="ctr"/>
-                </a:tc>
-                <a:tc>
-                  <a:txBody>
-                    <a:bodyPr/>
-                    <a:lstStyle/>
-                    <a:p>
-                      <a:r>
-                        <a:rPr lang="en-US" sz="1400" b="0" i="0" dirty="0">
-                          <a:latin typeface="Calibri" panose="020F0502020204030204" pitchFamily="34" charset="0"/>
-                          <a:cs typeface="Calibri" panose="020F0502020204030204" pitchFamily="34" charset="0"/>
-                        </a:rPr>
-                        <a:t>Bottom</a:t>
-                      </a:r>
-                    </a:p>
-                  </a:txBody>
-                  <a:tcPr anchor="ctr"/>
-                </a:tc>
-                <a:extLst>
-                  <a:ext uri="{0D108BD9-81ED-4DB2-BD59-A6C34878D82A}">
-                    <a16:rowId xmlns:a16="http://schemas.microsoft.com/office/drawing/2014/main" val="4249039908"/>
-                  </a:ext>
-                </a:extLst>
-              </a:tr>
-              <a:tr h="571500">
-                <a:tc>
-                  <a:txBody>
-                    <a:bodyPr/>
-                    <a:lstStyle/>
-                    <a:p>
-                      <a:pPr algn="ctr"/>
-                      <a:r>
-                        <a:rPr lang="en-US" sz="1400" b="0" i="0" dirty="0">
-                          <a:latin typeface="Calibri" panose="020F0502020204030204" pitchFamily="34" charset="0"/>
-                          <a:cs typeface="Calibri" panose="020F0502020204030204" pitchFamily="34" charset="0"/>
-                        </a:rPr>
-                        <a:t>2</a:t>
-                      </a:r>
-                    </a:p>
-                  </a:txBody>
-                  <a:tcPr anchor="ctr"/>
-                </a:tc>
-                <a:tc>
-                  <a:txBody>
-                    <a:bodyPr/>
-                    <a:lstStyle/>
-                    <a:p>
-                      <a:r>
-                        <a:rPr lang="en-US" sz="1400" b="0" i="0" dirty="0">
-                          <a:latin typeface="Calibri" panose="020F0502020204030204" pitchFamily="34" charset="0"/>
-                          <a:cs typeface="Calibri" panose="020F0502020204030204" pitchFamily="34" charset="0"/>
-                        </a:rPr>
-                        <a:t>Global Label</a:t>
-                      </a:r>
-                    </a:p>
-                  </a:txBody>
-                  <a:tcPr anchor="ctr"/>
-                </a:tc>
-                <a:tc>
-                  <a:txBody>
-                    <a:bodyPr/>
-                    <a:lstStyle/>
-                    <a:p>
-                      <a:r>
-                        <a:rPr lang="en-US" sz="1400" b="0" i="0" dirty="0">
-                          <a:latin typeface="Calibri" panose="020F0502020204030204" pitchFamily="34" charset="0"/>
-                          <a:cs typeface="Calibri" panose="020F0502020204030204" pitchFamily="34" charset="0"/>
-                        </a:rPr>
-                        <a:t>+1</a:t>
-                      </a:r>
-                    </a:p>
-                  </a:txBody>
-                  <a:tcPr anchor="ctr"/>
-                </a:tc>
-                <a:tc>
-                  <a:txBody>
-                    <a:bodyPr/>
-                    <a:lstStyle/>
-                    <a:p>
-                      <a:r>
-                        <a:rPr lang="en-US" sz="1400" b="0" i="0" dirty="0">
-                          <a:latin typeface="Calibri" panose="020F0502020204030204" pitchFamily="34" charset="0"/>
-                          <a:cs typeface="Calibri" panose="020F0502020204030204" pitchFamily="34" charset="0"/>
-                        </a:rPr>
-                        <a:t>Bottom</a:t>
-                      </a:r>
-                    </a:p>
-                  </a:txBody>
-                  <a:tcPr anchor="ctr"/>
-                </a:tc>
-                <a:extLst>
-                  <a:ext uri="{0D108BD9-81ED-4DB2-BD59-A6C34878D82A}">
-                    <a16:rowId xmlns:a16="http://schemas.microsoft.com/office/drawing/2014/main" val="2410171723"/>
-                  </a:ext>
-                </a:extLst>
-              </a:tr>
-              <a:tr h="571500">
-                <a:tc>
-                  <a:txBody>
-                    <a:bodyPr/>
-                    <a:lstStyle/>
-                    <a:p>
-                      <a:pPr algn="ctr"/>
-                      <a:r>
-                        <a:rPr lang="en-US" sz="1400" b="0" i="0" dirty="0">
-                          <a:latin typeface="Calibri" panose="020F0502020204030204" pitchFamily="34" charset="0"/>
-                          <a:cs typeface="Calibri" panose="020F0502020204030204" pitchFamily="34" charset="0"/>
-                        </a:rPr>
-                        <a:t>3</a:t>
-                      </a:r>
-                    </a:p>
-                  </a:txBody>
-                  <a:tcPr anchor="ctr"/>
-                </a:tc>
-                <a:tc>
-                  <a:txBody>
-                    <a:bodyPr/>
-                    <a:lstStyle/>
-                    <a:p>
-                      <a:r>
-                        <a:rPr lang="en-US" sz="1400" b="0" i="0" dirty="0">
-                          <a:latin typeface="Calibri" panose="020F0502020204030204" pitchFamily="34" charset="0"/>
-                          <a:cs typeface="Calibri" panose="020F0502020204030204" pitchFamily="34" charset="0"/>
-                        </a:rPr>
-                        <a:t>Signal/Advertise Label</a:t>
-                      </a:r>
-                    </a:p>
-                  </a:txBody>
-                  <a:tcPr anchor="ctr"/>
-                </a:tc>
-                <a:tc>
-                  <a:txBody>
-                    <a:bodyPr/>
-                    <a:lstStyle/>
-                    <a:p>
-                      <a:r>
-                        <a:rPr lang="en-US" sz="1400" b="0" i="0" dirty="0">
-                          <a:latin typeface="Calibri" panose="020F0502020204030204" pitchFamily="34" charset="0"/>
-                          <a:cs typeface="Calibri" panose="020F0502020204030204" pitchFamily="34" charset="0"/>
-                        </a:rPr>
-                        <a:t>+1 (compared to PHP)</a:t>
-                      </a:r>
-                    </a:p>
-                  </a:txBody>
-                  <a:tcPr anchor="ctr"/>
-                </a:tc>
-                <a:tc>
-                  <a:txBody>
-                    <a:bodyPr/>
-                    <a:lstStyle/>
-                    <a:p>
-                      <a:r>
-                        <a:rPr lang="en-US" sz="1400" b="0" i="0" dirty="0">
-                          <a:latin typeface="Calibri" panose="020F0502020204030204" pitchFamily="34" charset="0"/>
-                          <a:cs typeface="Calibri" panose="020F0502020204030204" pitchFamily="34" charset="0"/>
-                        </a:rPr>
-                        <a:t>Bottom</a:t>
-                      </a:r>
-                    </a:p>
-                  </a:txBody>
-                  <a:tcPr anchor="ctr"/>
-                </a:tc>
-                <a:extLst>
-                  <a:ext uri="{0D108BD9-81ED-4DB2-BD59-A6C34878D82A}">
-                    <a16:rowId xmlns:a16="http://schemas.microsoft.com/office/drawing/2014/main" val="383069925"/>
-                  </a:ext>
-                </a:extLst>
-              </a:tr>
-            </a:tbl>
-          </a:graphicData>
-        </a:graphic>
-      </p:graphicFrame>
-      <p:sp>
-        <p:nvSpPr>
-          <p:cNvPr id="4" name="Footer Placeholder 3">
-            <a:extLst>
-              <a:ext uri="{FF2B5EF4-FFF2-40B4-BE49-F238E27FC236}">
-                <a16:creationId xmlns:a16="http://schemas.microsoft.com/office/drawing/2014/main" id="{B77C0619-C85C-9C44-B6FF-9F5D419DD1D7}"/>
-              </a:ext>
-            </a:extLst>
-          </p:cNvPr>
           <p:cNvSpPr>
             <a:spLocks noGrp="1"/>
           </p:cNvSpPr>
@@ -11953,7 +14136,7 @@
         </p:nvSpPr>
         <p:spPr>
           <a:xfrm>
-            <a:off x="3124200" y="4775683"/>
+            <a:off x="3124200" y="4781550"/>
             <a:ext cx="2895600" cy="357188"/>
           </a:xfrm>
         </p:spPr>
@@ -11961,22 +14144,18 @@
           <a:bodyPr/>
           <a:lstStyle/>
           <a:p>
-            <a:pPr>
-              <a:defRPr/>
-            </a:pPr>
-            <a:r>
-              <a:rPr lang="en-US" altLang="zh-CN"/>
+            <a:r>
+              <a:rPr lang="en-CA" dirty="0"/>
               <a:t>110</a:t>
             </a:r>
             <a:r>
-              <a:rPr lang="en-US" altLang="zh-CN" baseline="30000"/>
+              <a:rPr lang="en-CA" baseline="30000" dirty="0"/>
               <a:t>th</a:t>
             </a:r>
             <a:r>
-              <a:rPr lang="en-US" altLang="zh-CN"/>
+              <a:rPr lang="en-CA" dirty="0"/>
               <a:t> IETF Online</a:t>
             </a:r>
-            <a:endParaRPr lang="en-US" altLang="zh-CN" dirty="0"/>
           </a:p>
         </p:txBody>
       </p:sp>
@@ -11985,7 +14164,7 @@
           <p:cNvPr id="5" name="Slide Number Placeholder 4">
             <a:extLst>
               <a:ext uri="{FF2B5EF4-FFF2-40B4-BE49-F238E27FC236}">
-                <a16:creationId xmlns:a16="http://schemas.microsoft.com/office/drawing/2014/main" id="{28F208BB-326D-8C4E-B674-366BB71CD494}"/>
+                <a16:creationId xmlns:a16="http://schemas.microsoft.com/office/drawing/2014/main" id="{1371408B-9195-EC4D-8131-A3F5CC0592D0}"/>
               </a:ext>
             </a:extLst>
           </p:cNvPr>
@@ -12017,326 +14196,247 @@
       </p:sp>
       <p:sp>
         <p:nvSpPr>
-          <p:cNvPr id="7" name="Content Placeholder 2">
+          <p:cNvPr id="6" name="Rectangle 5">
             <a:extLst>
               <a:ext uri="{FF2B5EF4-FFF2-40B4-BE49-F238E27FC236}">
-                <a16:creationId xmlns:a16="http://schemas.microsoft.com/office/drawing/2014/main" id="{FFF00A95-F3B5-764C-8387-A924C41C81E1}"/>
+                <a16:creationId xmlns:a16="http://schemas.microsoft.com/office/drawing/2014/main" id="{1EED4007-3A19-0E4E-8496-6CECEEA363EB}"/>
               </a:ext>
             </a:extLst>
           </p:cNvPr>
-          <p:cNvSpPr txBox="1">
-            <a:spLocks/>
-          </p:cNvSpPr>
+          <p:cNvSpPr/>
           <p:nvPr/>
         </p:nvSpPr>
-        <p:spPr bwMode="auto">
+        <p:spPr>
           <a:xfrm>
-            <a:off x="533400" y="3392251"/>
-            <a:ext cx="7848600" cy="1099817"/>
+            <a:off x="2019300" y="1018555"/>
+            <a:ext cx="5105400" cy="3277820"/>
           </a:xfrm>
           <a:prstGeom prst="rect">
             <a:avLst/>
           </a:prstGeom>
-          <a:noFill/>
-          <a:ln w="9525">
-            <a:noFill/>
-            <a:miter lim="800000"/>
-            <a:headEnd/>
-            <a:tailEnd/>
-          </a:ln>
+          <a:solidFill>
+            <a:schemeClr val="accent6">
+              <a:lumMod val="20000"/>
+              <a:lumOff val="80000"/>
+            </a:schemeClr>
+          </a:solidFill>
         </p:spPr>
         <p:txBody>
-          <a:bodyPr vert="horz" wrap="square" lIns="91440" tIns="45720" rIns="91440" bIns="45720" numCol="1" anchor="t" anchorCtr="0" compatLnSpc="1">
-            <a:prstTxWarp prst="textNoShape">
-              <a:avLst/>
-            </a:prstTxWarp>
+          <a:bodyPr wrap="square">
+            <a:spAutoFit/>
           </a:bodyPr>
-          <a:lstStyle>
-            <a:lvl1pPr marL="342900" indent="-342900" algn="l" rtl="0" eaLnBrk="0" fontAlgn="base" hangingPunct="0">
-              <a:spcBef>
-                <a:spcPct val="20000"/>
-              </a:spcBef>
-              <a:spcAft>
-                <a:spcPct val="0"/>
-              </a:spcAft>
-              <a:buChar char="•"/>
-              <a:defRPr sz="3200">
-                <a:solidFill>
-                  <a:schemeClr val="tx1"/>
-                </a:solidFill>
-                <a:latin typeface="Calibri" charset="0"/>
-                <a:ea typeface="Calibri" charset="0"/>
-                <a:cs typeface="Calibri" charset="0"/>
-              </a:defRPr>
-            </a:lvl1pPr>
-            <a:lvl2pPr marL="742950" indent="-285750" algn="l" rtl="0" eaLnBrk="0" fontAlgn="base" hangingPunct="0">
-              <a:spcBef>
-                <a:spcPct val="20000"/>
-              </a:spcBef>
-              <a:spcAft>
-                <a:spcPct val="0"/>
-              </a:spcAft>
-              <a:buChar char="–"/>
-              <a:defRPr sz="2800">
-                <a:solidFill>
-                  <a:schemeClr val="tx1"/>
-                </a:solidFill>
-                <a:latin typeface="Calibri" charset="0"/>
-                <a:ea typeface="Calibri" charset="0"/>
-                <a:cs typeface="Calibri" charset="0"/>
-              </a:defRPr>
-            </a:lvl2pPr>
-            <a:lvl3pPr marL="1143000" indent="-228600" algn="l" rtl="0" eaLnBrk="0" fontAlgn="base" hangingPunct="0">
-              <a:spcBef>
-                <a:spcPct val="20000"/>
-              </a:spcBef>
-              <a:spcAft>
-                <a:spcPct val="0"/>
-              </a:spcAft>
-              <a:buChar char="•"/>
-              <a:defRPr sz="2400">
-                <a:solidFill>
-                  <a:schemeClr val="tx1"/>
-                </a:solidFill>
-                <a:latin typeface="Calibri" charset="0"/>
-                <a:ea typeface="Calibri" charset="0"/>
-                <a:cs typeface="Calibri" charset="0"/>
-              </a:defRPr>
-            </a:lvl3pPr>
-            <a:lvl4pPr marL="1600200" indent="-228600" algn="l" rtl="0" eaLnBrk="0" fontAlgn="base" hangingPunct="0">
-              <a:spcBef>
-                <a:spcPct val="20000"/>
-              </a:spcBef>
-              <a:spcAft>
-                <a:spcPct val="0"/>
-              </a:spcAft>
-              <a:buChar char="–"/>
-              <a:defRPr sz="2000">
-                <a:solidFill>
-                  <a:schemeClr val="tx1"/>
-                </a:solidFill>
-                <a:latin typeface="Calibri" charset="0"/>
-                <a:ea typeface="Calibri" charset="0"/>
-                <a:cs typeface="Calibri" charset="0"/>
-              </a:defRPr>
-            </a:lvl4pPr>
-            <a:lvl5pPr marL="2057400" indent="-228600" algn="l" rtl="0" eaLnBrk="0" fontAlgn="base" hangingPunct="0">
-              <a:spcBef>
-                <a:spcPct val="20000"/>
-              </a:spcBef>
-              <a:spcAft>
-                <a:spcPct val="0"/>
-              </a:spcAft>
-              <a:buChar char="»"/>
-              <a:defRPr sz="2000">
-                <a:solidFill>
-                  <a:schemeClr val="tx1"/>
-                </a:solidFill>
-                <a:latin typeface="Calibri" charset="0"/>
-                <a:ea typeface="Calibri" charset="0"/>
-                <a:cs typeface="Calibri" charset="0"/>
-              </a:defRPr>
-            </a:lvl5pPr>
-            <a:lvl6pPr marL="2514600" indent="-228600" algn="l" rtl="0" fontAlgn="base">
-              <a:spcBef>
-                <a:spcPct val="20000"/>
-              </a:spcBef>
-              <a:spcAft>
-                <a:spcPct val="0"/>
-              </a:spcAft>
-              <a:buChar char="»"/>
-              <a:defRPr sz="2000">
-                <a:solidFill>
-                  <a:schemeClr val="tx1"/>
-                </a:solidFill>
-                <a:latin typeface="+mn-lt"/>
-                <a:ea typeface="+mn-ea"/>
-              </a:defRPr>
-            </a:lvl6pPr>
-            <a:lvl7pPr marL="2971800" indent="-228600" algn="l" rtl="0" fontAlgn="base">
-              <a:spcBef>
-                <a:spcPct val="20000"/>
-              </a:spcBef>
-              <a:spcAft>
-                <a:spcPct val="0"/>
-              </a:spcAft>
-              <a:buChar char="»"/>
-              <a:defRPr sz="2000">
-                <a:solidFill>
-                  <a:schemeClr val="tx1"/>
-                </a:solidFill>
-                <a:latin typeface="+mn-lt"/>
-                <a:ea typeface="+mn-ea"/>
-              </a:defRPr>
-            </a:lvl7pPr>
-            <a:lvl8pPr marL="3429000" indent="-228600" algn="l" rtl="0" fontAlgn="base">
-              <a:spcBef>
-                <a:spcPct val="20000"/>
-              </a:spcBef>
-              <a:spcAft>
-                <a:spcPct val="0"/>
-              </a:spcAft>
-              <a:buChar char="»"/>
-              <a:defRPr sz="2000">
-                <a:solidFill>
-                  <a:schemeClr val="tx1"/>
-                </a:solidFill>
-                <a:latin typeface="+mn-lt"/>
-                <a:ea typeface="+mn-ea"/>
-              </a:defRPr>
-            </a:lvl8pPr>
-            <a:lvl9pPr marL="3886200" indent="-228600" algn="l" rtl="0" fontAlgn="base">
-              <a:spcBef>
-                <a:spcPct val="20000"/>
-              </a:spcBef>
-              <a:spcAft>
-                <a:spcPct val="0"/>
-              </a:spcAft>
-              <a:buChar char="»"/>
-              <a:defRPr sz="2000">
-                <a:solidFill>
-                  <a:schemeClr val="tx1"/>
-                </a:solidFill>
-                <a:latin typeface="+mn-lt"/>
-                <a:ea typeface="+mn-ea"/>
-              </a:defRPr>
-            </a:lvl9pPr>
-          </a:lstStyle>
-          <a:p>
-            <a:pPr>
-              <a:buFont typeface="+mj-lt"/>
-              <a:buAutoNum type="arabicPeriod"/>
-            </a:pPr>
-            <a:r>
-              <a:rPr lang="en-CA" sz="1400" dirty="0">
-                <a:latin typeface="Calibri" panose="020F0502020204030204" pitchFamily="34" charset="0"/>
-                <a:cs typeface="Calibri" panose="020F0502020204030204" pitchFamily="34" charset="0"/>
-              </a:rPr>
-              <a:t>This is true for any mechanism that we are defining using </a:t>
-            </a:r>
-            <a:r>
-              <a:rPr lang="en-CA" sz="1400" dirty="0" err="1">
-                <a:latin typeface="Calibri" panose="020F0502020204030204" pitchFamily="34" charset="0"/>
-                <a:cs typeface="Calibri" panose="020F0502020204030204" pitchFamily="34" charset="0"/>
-              </a:rPr>
-              <a:t>eSPL</a:t>
-            </a:r>
-            <a:endParaRPr lang="en-CA" sz="1400" dirty="0">
-              <a:latin typeface="Calibri" panose="020F0502020204030204" pitchFamily="34" charset="0"/>
-              <a:cs typeface="Calibri" panose="020F0502020204030204" pitchFamily="34" charset="0"/>
-            </a:endParaRPr>
-          </a:p>
-          <a:p>
-            <a:pPr lvl="1">
-              <a:spcBef>
-                <a:spcPts val="600"/>
-              </a:spcBef>
-              <a:buFont typeface="Arial" panose="020B0604020202020204" pitchFamily="34" charset="0"/>
-              <a:buChar char="•"/>
-            </a:pPr>
-            <a:r>
-              <a:rPr lang="en-CA" sz="1400" dirty="0">
-                <a:latin typeface="Calibri" panose="020F0502020204030204" pitchFamily="34" charset="0"/>
-                <a:cs typeface="Calibri" panose="020F0502020204030204" pitchFamily="34" charset="0"/>
-              </a:rPr>
-              <a:t>SFC: https://</a:t>
-            </a:r>
-            <a:r>
-              <a:rPr lang="en-CA" sz="1400" dirty="0" err="1">
-                <a:latin typeface="Calibri" panose="020F0502020204030204" pitchFamily="34" charset="0"/>
-                <a:cs typeface="Calibri" panose="020F0502020204030204" pitchFamily="34" charset="0"/>
-              </a:rPr>
-              <a:t>tools.ietf.org</a:t>
-            </a:r>
-            <a:r>
-              <a:rPr lang="en-CA" sz="1400" dirty="0">
-                <a:latin typeface="Calibri" panose="020F0502020204030204" pitchFamily="34" charset="0"/>
-                <a:cs typeface="Calibri" panose="020F0502020204030204" pitchFamily="34" charset="0"/>
-              </a:rPr>
-              <a:t>/html/rfc8595 </a:t>
-            </a:r>
-          </a:p>
-          <a:p>
-            <a:pPr lvl="1">
-              <a:spcBef>
-                <a:spcPts val="600"/>
-              </a:spcBef>
-              <a:buFont typeface="Arial" panose="020B0604020202020204" pitchFamily="34" charset="0"/>
-              <a:buChar char="•"/>
-            </a:pPr>
-            <a:r>
-              <a:rPr lang="en-CA" sz="1400" dirty="0">
-                <a:latin typeface="Calibri" panose="020F0502020204030204" pitchFamily="34" charset="0"/>
-                <a:cs typeface="Calibri" panose="020F0502020204030204" pitchFamily="34" charset="0"/>
-              </a:rPr>
-              <a:t>E2E: draft-</a:t>
-            </a:r>
-            <a:r>
-              <a:rPr lang="en-CA" sz="1400" dirty="0" err="1">
-                <a:latin typeface="Calibri" panose="020F0502020204030204" pitchFamily="34" charset="0"/>
-                <a:cs typeface="Calibri" panose="020F0502020204030204" pitchFamily="34" charset="0"/>
-              </a:rPr>
-              <a:t>cheng</a:t>
-            </a:r>
-            <a:r>
-              <a:rPr lang="en-CA" sz="1400" dirty="0">
-                <a:latin typeface="Calibri" panose="020F0502020204030204" pitchFamily="34" charset="0"/>
-                <a:cs typeface="Calibri" panose="020F0502020204030204" pitchFamily="34" charset="0"/>
-              </a:rPr>
-              <a:t>-</a:t>
-            </a:r>
-            <a:r>
-              <a:rPr lang="en-CA" sz="1400" dirty="0" err="1">
-                <a:latin typeface="Calibri" panose="020F0502020204030204" pitchFamily="34" charset="0"/>
-                <a:cs typeface="Calibri" panose="020F0502020204030204" pitchFamily="34" charset="0"/>
-              </a:rPr>
-              <a:t>mpls</a:t>
-            </a:r>
-            <a:r>
-              <a:rPr lang="en-CA" sz="1400" dirty="0">
-                <a:latin typeface="Calibri" panose="020F0502020204030204" pitchFamily="34" charset="0"/>
-                <a:cs typeface="Calibri" panose="020F0502020204030204" pitchFamily="34" charset="0"/>
-              </a:rPr>
-              <a:t>-</a:t>
-            </a:r>
-            <a:r>
-              <a:rPr lang="en-CA" sz="1400" dirty="0" err="1">
-                <a:latin typeface="Calibri" panose="020F0502020204030204" pitchFamily="34" charset="0"/>
-                <a:cs typeface="Calibri" panose="020F0502020204030204" pitchFamily="34" charset="0"/>
-              </a:rPr>
-              <a:t>inband</a:t>
-            </a:r>
-            <a:r>
-              <a:rPr lang="en-CA" sz="1400" dirty="0">
-                <a:latin typeface="Calibri" panose="020F0502020204030204" pitchFamily="34" charset="0"/>
-                <a:cs typeface="Calibri" panose="020F0502020204030204" pitchFamily="34" charset="0"/>
-              </a:rPr>
-              <a:t>-pm-encapsulation</a:t>
-            </a:r>
-          </a:p>
-          <a:p>
-            <a:pPr>
-              <a:spcBef>
-                <a:spcPts val="600"/>
-              </a:spcBef>
-              <a:buFont typeface="+mj-lt"/>
-              <a:buAutoNum type="arabicPeriod"/>
-            </a:pPr>
-            <a:r>
-              <a:rPr lang="en-CA" sz="1400" dirty="0">
-                <a:latin typeface="Calibri" panose="020F0502020204030204" pitchFamily="34" charset="0"/>
-                <a:cs typeface="Calibri" panose="020F0502020204030204" pitchFamily="34" charset="0"/>
-              </a:rPr>
-              <a:t>IOAM data packets may require Entropy label for ECMP</a:t>
-            </a:r>
-          </a:p>
-          <a:p>
-            <a:pPr marL="457200" lvl="1" indent="0">
-              <a:buNone/>
-            </a:pPr>
-            <a:endParaRPr lang="en-CA" sz="1400" dirty="0">
-              <a:latin typeface="Calibri" panose="020F0502020204030204" pitchFamily="34" charset="0"/>
-              <a:cs typeface="Calibri" panose="020F0502020204030204" pitchFamily="34" charset="0"/>
+          <a:lstStyle/>
+          <a:p>
+            <a:r>
+              <a:rPr lang="en-CA" sz="900" dirty="0">
+                <a:latin typeface="Courier" pitchFamily="2" charset="0"/>
+              </a:rPr>
+              <a:t>   0                   1                   2                   3</a:t>
+            </a:r>
+          </a:p>
+          <a:p>
+            <a:r>
+              <a:rPr lang="en-CA" sz="900" dirty="0">
+                <a:latin typeface="Courier" pitchFamily="2" charset="0"/>
+              </a:rPr>
+              <a:t>   0 1 2 3 4 5 6 7 8 9 0 1 2 3 4 5 6 7 8 9 0 1 2 3 4 5 6 7 8 9 0 1</a:t>
+            </a:r>
+          </a:p>
+          <a:p>
+            <a:r>
+              <a:rPr lang="en-CA" sz="900" dirty="0">
+                <a:latin typeface="Courier" pitchFamily="2" charset="0"/>
+              </a:rPr>
+              <a:t>   +-+-+-+-+-+-+-+-+-+-+-+-+-+-+-+-+-+-+-+-+-+-+-+-+-+-+-+-+-+-+-+-+</a:t>
+            </a:r>
+          </a:p>
+          <a:p>
+            <a:r>
+              <a:rPr lang="en-CA" sz="900" dirty="0">
+                <a:latin typeface="Courier" pitchFamily="2" charset="0"/>
+              </a:rPr>
+              <a:t>   |  </a:t>
+            </a:r>
+            <a:r>
+              <a:rPr lang="en-CA" sz="900" b="1" dirty="0">
+                <a:latin typeface="Courier" pitchFamily="2" charset="0"/>
+              </a:rPr>
+              <a:t>E2E IOAM Indicator Label             </a:t>
+            </a:r>
+            <a:r>
+              <a:rPr lang="en-CA" sz="900" dirty="0">
+                <a:latin typeface="Courier" pitchFamily="2" charset="0"/>
+              </a:rPr>
+              <a:t>| TC  |1|  TTL          |</a:t>
+            </a:r>
+          </a:p>
+          <a:p>
+            <a:r>
+              <a:rPr lang="en-CA" sz="900" dirty="0">
+                <a:latin typeface="Courier" pitchFamily="2" charset="0"/>
+              </a:rPr>
+              <a:t>   +-+-+-+-+-+-+-+-+-+-+-+-+-+-+-+-+-+-+-+-+-+-+-+-+-+-+-+-+-+-+-+-+&lt;-+ </a:t>
+            </a:r>
+          </a:p>
+          <a:p>
+            <a:r>
+              <a:rPr lang="en-CA" sz="900" dirty="0">
+                <a:latin typeface="Courier" pitchFamily="2" charset="0"/>
+              </a:rPr>
+              <a:t>   |0 0 0 1|Version| Reserved      | IOAM G-</a:t>
+            </a:r>
+            <a:r>
+              <a:rPr lang="en-CA" sz="900" dirty="0" err="1">
+                <a:latin typeface="Courier" pitchFamily="2" charset="0"/>
+              </a:rPr>
+              <a:t>ACh</a:t>
+            </a:r>
+            <a:r>
+              <a:rPr lang="en-CA" sz="900" dirty="0">
+                <a:latin typeface="Courier" pitchFamily="2" charset="0"/>
+              </a:rPr>
+              <a:t>                    |  | </a:t>
+            </a:r>
+          </a:p>
+          <a:p>
+            <a:r>
+              <a:rPr lang="en-CA" sz="900" dirty="0">
+                <a:latin typeface="Courier" pitchFamily="2" charset="0"/>
+              </a:rPr>
+              <a:t>   +-+-+-+-+-+-+-+-+-+-+-+-+-+-+-+-+-+-+-+-+-+-+-+-+-+-+-+-+-+-+-+-+  | </a:t>
+            </a:r>
+          </a:p>
+          <a:p>
+            <a:r>
+              <a:rPr lang="en-CA" sz="900" dirty="0">
+                <a:latin typeface="Courier" pitchFamily="2" charset="0"/>
+              </a:rPr>
+              <a:t>   | Reserved      | Block Number  | IOAM-OPT-Type |IOAM HDR Length|  |</a:t>
+            </a:r>
+          </a:p>
+          <a:p>
+            <a:r>
+              <a:rPr lang="en-CA" sz="900" dirty="0">
+                <a:latin typeface="Courier" pitchFamily="2" charset="0"/>
+              </a:rPr>
+              <a:t>   +-+-+-+-+-+-+-+-+-+-+-+-+-+-+-+-+-+-+-+-+-+-+-+-+-+-+-+-+-+-+-+-+  I</a:t>
+            </a:r>
+          </a:p>
+          <a:p>
+            <a:r>
+              <a:rPr lang="en-CA" sz="900" dirty="0">
+                <a:latin typeface="Courier" pitchFamily="2" charset="0"/>
+              </a:rPr>
+              <a:t>   |                                                               |  O</a:t>
+            </a:r>
+          </a:p>
+          <a:p>
+            <a:r>
+              <a:rPr lang="en-CA" sz="900" dirty="0">
+                <a:latin typeface="Courier" pitchFamily="2" charset="0"/>
+              </a:rPr>
+              <a:t>   |                                                               |  A</a:t>
+            </a:r>
+          </a:p>
+          <a:p>
+            <a:r>
+              <a:rPr lang="en-CA" sz="900" dirty="0">
+                <a:latin typeface="Courier" pitchFamily="2" charset="0"/>
+              </a:rPr>
+              <a:t>   ~                 IOAM Option and Data Space                    ~  M</a:t>
+            </a:r>
+          </a:p>
+          <a:p>
+            <a:r>
+              <a:rPr lang="en-CA" sz="900" dirty="0">
+                <a:latin typeface="Courier" pitchFamily="2" charset="0"/>
+              </a:rPr>
+              <a:t>   |                                                               |  |</a:t>
+            </a:r>
+          </a:p>
+          <a:p>
+            <a:r>
+              <a:rPr lang="en-CA" sz="900" dirty="0">
+                <a:latin typeface="Courier" pitchFamily="2" charset="0"/>
+              </a:rPr>
+              <a:t>   |                                                               |  |</a:t>
+            </a:r>
+          </a:p>
+          <a:p>
+            <a:r>
+              <a:rPr lang="en-CA" sz="900" dirty="0">
+                <a:latin typeface="Courier" pitchFamily="2" charset="0"/>
+              </a:rPr>
+              <a:t>   +-+-+-+-+-+-+-+-+-+-+-+-+-+-+-+-+-+-+-+-+-+-+-+-+-+-+-+-+-+-+-+-+&lt;-+</a:t>
+            </a:r>
+          </a:p>
+          <a:p>
+            <a:r>
+              <a:rPr lang="en-CA" sz="900" dirty="0">
+                <a:latin typeface="Courier" pitchFamily="2" charset="0"/>
+              </a:rPr>
+              <a:t>   |                                                               |</a:t>
+            </a:r>
+          </a:p>
+          <a:p>
+            <a:r>
+              <a:rPr lang="en-CA" sz="900" dirty="0">
+                <a:latin typeface="Courier" pitchFamily="2" charset="0"/>
+              </a:rPr>
+              <a:t>   |                                                               |</a:t>
+            </a:r>
+          </a:p>
+          <a:p>
+            <a:r>
+              <a:rPr lang="en-CA" sz="900" dirty="0">
+                <a:latin typeface="Courier" pitchFamily="2" charset="0"/>
+              </a:rPr>
+              <a:t>   ~                 Payload + Padding                             ~</a:t>
+            </a:r>
+          </a:p>
+          <a:p>
+            <a:r>
+              <a:rPr lang="en-CA" sz="900" dirty="0">
+                <a:latin typeface="Courier" pitchFamily="2" charset="0"/>
+              </a:rPr>
+              <a:t>   |                                                               |</a:t>
+            </a:r>
+          </a:p>
+          <a:p>
+            <a:r>
+              <a:rPr lang="en-CA" sz="900" dirty="0">
+                <a:latin typeface="Courier" pitchFamily="2" charset="0"/>
+              </a:rPr>
+              <a:t>   |                                                               |</a:t>
+            </a:r>
+          </a:p>
+          <a:p>
+            <a:r>
+              <a:rPr lang="en-CA" sz="900" dirty="0">
+                <a:latin typeface="Courier" pitchFamily="2" charset="0"/>
+              </a:rPr>
+              <a:t>   +-+-+-+-+-+-+-+-+-+-+-+-+-+-+-+-+-+-+-+-+-+-+-+-+-+-+-+-+-+-+-+-+</a:t>
+            </a:r>
+          </a:p>
+          <a:p>
+            <a:r>
+              <a:rPr lang="en-CA" sz="900" dirty="0">
+                <a:latin typeface="Courier" pitchFamily="2" charset="0"/>
+              </a:rPr>
+              <a:t> </a:t>
+            </a:r>
+          </a:p>
+          <a:p>
+            <a:r>
+              <a:rPr lang="en-CA" sz="900" dirty="0">
+                <a:latin typeface="Courier" pitchFamily="2" charset="0"/>
+              </a:rPr>
+              <a:t>              Figure: E2E IOAM Encapsulation in MPLS Header</a:t>
+            </a:r>
+            <a:endParaRPr lang="en-CA" sz="900" dirty="0">
+              <a:latin typeface="Courier" pitchFamily="2" charset="0"/>
+              <a:ea typeface="Calibri" panose="020F0502020204030204" pitchFamily="34" charset="0"/>
+              <a:cs typeface="Times New Roman" panose="02020603050405020304" pitchFamily="18" charset="0"/>
             </a:endParaRPr>
           </a:p>
         </p:txBody>
@@ -12344,7 +14444,7 @@
     </p:spTree>
     <p:extLst>
       <p:ext uri="{BB962C8B-B14F-4D97-AF65-F5344CB8AC3E}">
-        <p14:creationId xmlns:p14="http://schemas.microsoft.com/office/powerpoint/2010/main" val="2043014579"/>
+        <p14:creationId xmlns:p14="http://schemas.microsoft.com/office/powerpoint/2010/main" val="924950222"/>
       </p:ext>
     </p:extLst>
   </p:cSld>

--- a/draft-gandhi-mpls-ioam-sr-05.pptx
+++ b/draft-gandhi-mpls-ioam-sr-05.pptx
@@ -5,10 +5,10 @@
     <p:sldMasterId id="2147483648" r:id="rId1"/>
   </p:sldMasterIdLst>
   <p:notesMasterIdLst>
-    <p:notesMasterId r:id="rId27"/>
+    <p:notesMasterId r:id="rId30"/>
   </p:notesMasterIdLst>
   <p:handoutMasterIdLst>
-    <p:handoutMasterId r:id="rId28"/>
+    <p:handoutMasterId r:id="rId31"/>
   </p:handoutMasterIdLst>
   <p:sldIdLst>
     <p:sldId id="256" r:id="rId2"/>
@@ -33,9 +33,12 @@
     <p:sldId id="1661" r:id="rId21"/>
     <p:sldId id="303" r:id="rId22"/>
     <p:sldId id="1670" r:id="rId23"/>
-    <p:sldId id="1676" r:id="rId24"/>
-    <p:sldId id="1686" r:id="rId25"/>
-    <p:sldId id="1669" r:id="rId26"/>
+    <p:sldId id="1688" r:id="rId24"/>
+    <p:sldId id="1687" r:id="rId25"/>
+    <p:sldId id="1686" r:id="rId26"/>
+    <p:sldId id="1690" r:id="rId27"/>
+    <p:sldId id="1691" r:id="rId28"/>
+    <p:sldId id="1669" r:id="rId29"/>
   </p:sldIdLst>
   <p:sldSz cx="9144000" cy="5143500" type="screen16x9"/>
   <p:notesSz cx="6858000" cy="9144000"/>
@@ -1496,7 +1499,7 @@
               <a:pPr>
                 <a:defRPr/>
               </a:pPr>
-              <a:t>25</a:t>
+              <a:t>28</a:t>
             </a:fld>
             <a:endParaRPr lang="en-US" altLang="zh-CN"/>
           </a:p>
@@ -11241,8 +11244,8 @@
         </p:nvSpPr>
         <p:spPr>
           <a:xfrm>
-            <a:off x="2209800" y="0"/>
-            <a:ext cx="5257800" cy="857250"/>
+            <a:off x="304800" y="0"/>
+            <a:ext cx="8534400" cy="857250"/>
           </a:xfrm>
         </p:spPr>
         <p:txBody>
@@ -11257,7 +11260,7 @@
                 <a:latin typeface="Calibri Light" panose="020F0302020204030204" pitchFamily="34" charset="0"/>
                 <a:cs typeface="Calibri Light" panose="020F0302020204030204" pitchFamily="34" charset="0"/>
               </a:rPr>
-              <a:t>IOAM Data After EOS</a:t>
+              <a:t>IOAM Data and Control Word</a:t>
             </a:r>
           </a:p>
         </p:txBody>
@@ -11280,13 +11283,28 @@
         </p:nvSpPr>
         <p:spPr>
           <a:xfrm>
-            <a:off x="457200" y="971550"/>
-            <a:ext cx="8229600" cy="3124200"/>
+            <a:off x="533400" y="857250"/>
+            <a:ext cx="8153400" cy="3619499"/>
           </a:xfrm>
         </p:spPr>
         <p:txBody>
           <a:bodyPr/>
           <a:lstStyle/>
+          <a:p>
+            <a:pPr marL="0" indent="0">
+              <a:spcBef>
+                <a:spcPts val="600"/>
+              </a:spcBef>
+              <a:buNone/>
+            </a:pPr>
+            <a:r>
+              <a:rPr lang="en-CA" sz="1400" dirty="0">
+                <a:latin typeface="Calibri" panose="020F0502020204030204" pitchFamily="34" charset="0"/>
+                <a:cs typeface="Calibri" panose="020F0502020204030204" pitchFamily="34" charset="0"/>
+              </a:rPr>
+              <a:t>Control Word</a:t>
+            </a:r>
+          </a:p>
           <a:p>
             <a:pPr>
               <a:spcBef>
@@ -11298,21 +11316,7 @@
                 <a:latin typeface="Calibri" panose="020F0502020204030204" pitchFamily="34" charset="0"/>
                 <a:cs typeface="Calibri" panose="020F0502020204030204" pitchFamily="34" charset="0"/>
               </a:rPr>
-              <a:t>What if the LSP is carrying a PW or is </a:t>
-            </a:r>
-            <a:r>
-              <a:rPr lang="en-CA" sz="1400" dirty="0" err="1">
-                <a:latin typeface="Calibri" panose="020F0502020204030204" pitchFamily="34" charset="0"/>
-                <a:cs typeface="Calibri" panose="020F0502020204030204" pitchFamily="34" charset="0"/>
-              </a:rPr>
-              <a:t>DetNet</a:t>
-            </a:r>
-            <a:r>
-              <a:rPr lang="en-CA" sz="1400" dirty="0">
-                <a:latin typeface="Calibri" panose="020F0502020204030204" pitchFamily="34" charset="0"/>
-                <a:cs typeface="Calibri" panose="020F0502020204030204" pitchFamily="34" charset="0"/>
-              </a:rPr>
-              <a:t>? </a:t>
+              <a:t>IOAM data is considered part of the MPLS Header, the control word and payload are added after the IOAM data in the packet.</a:t>
             </a:r>
           </a:p>
           <a:p>
@@ -11326,7 +11330,7 @@
                 <a:latin typeface="Calibri" panose="020F0502020204030204" pitchFamily="34" charset="0"/>
                 <a:cs typeface="Calibri" panose="020F0502020204030204" pitchFamily="34" charset="0"/>
               </a:rPr>
-              <a:t>What if it is a MS-PW? </a:t>
+              <a:t>The decapsulating node removes the MPLS header including the IOAM header and then processes the control word and payload following it.</a:t>
             </a:r>
           </a:p>
           <a:p>
@@ -11340,7 +11344,22 @@
                 <a:latin typeface="Calibri" panose="020F0502020204030204" pitchFamily="34" charset="0"/>
                 <a:cs typeface="Calibri" panose="020F0502020204030204" pitchFamily="34" charset="0"/>
               </a:rPr>
-              <a:t>In all these cases there is a CW immediately after EOS </a:t>
+              <a:t>IOAM HDR Length allows to find the Control word after the IOAM header.</a:t>
+            </a:r>
+          </a:p>
+          <a:p>
+            <a:pPr marL="0" indent="0">
+              <a:spcBef>
+                <a:spcPts val="600"/>
+              </a:spcBef>
+              <a:buNone/>
+            </a:pPr>
+            <a:r>
+              <a:rPr lang="en-CA" sz="1400" dirty="0">
+                <a:latin typeface="Calibri" panose="020F0502020204030204" pitchFamily="34" charset="0"/>
+                <a:cs typeface="Calibri" panose="020F0502020204030204" pitchFamily="34" charset="0"/>
+              </a:rPr>
+              <a:t>ACH:</a:t>
             </a:r>
           </a:p>
           <a:p>
@@ -11354,7 +11373,35 @@
                 <a:latin typeface="Calibri" panose="020F0502020204030204" pitchFamily="34" charset="0"/>
                 <a:cs typeface="Calibri" panose="020F0502020204030204" pitchFamily="34" charset="0"/>
               </a:rPr>
-              <a:t>Then there is the universal fragmentation idea that is floating about that also wants to follow EOS</a:t>
+              <a:t>IOAM data is considered part of the MPLS Header, another ACH and payload are added after the IOAM data in the packet.</a:t>
+            </a:r>
+          </a:p>
+          <a:p>
+            <a:pPr>
+              <a:spcBef>
+                <a:spcPts val="600"/>
+              </a:spcBef>
+            </a:pPr>
+            <a:r>
+              <a:rPr lang="en-CA" sz="1400" dirty="0">
+                <a:latin typeface="Calibri" panose="020F0502020204030204" pitchFamily="34" charset="0"/>
+                <a:cs typeface="Calibri" panose="020F0502020204030204" pitchFamily="34" charset="0"/>
+              </a:rPr>
+              <a:t>The decapsulating node removes the MPLS header including the IOAM header and then processes the next ACH.</a:t>
+            </a:r>
+          </a:p>
+          <a:p>
+            <a:pPr>
+              <a:spcBef>
+                <a:spcPts val="600"/>
+              </a:spcBef>
+            </a:pPr>
+            <a:r>
+              <a:rPr lang="en-CA" sz="1400" dirty="0">
+                <a:latin typeface="Calibri" panose="020F0502020204030204" pitchFamily="34" charset="0"/>
+                <a:cs typeface="Calibri" panose="020F0502020204030204" pitchFamily="34" charset="0"/>
+              </a:rPr>
+              <a:t>IOAM HDR Length allows to find the next ACH after the IOAM header.</a:t>
             </a:r>
           </a:p>
           <a:p>
@@ -11367,91 +11414,6 @@
               <a:latin typeface="Calibri" panose="020F0502020204030204" pitchFamily="34" charset="0"/>
               <a:cs typeface="Calibri" panose="020F0502020204030204" pitchFamily="34" charset="0"/>
             </a:endParaRPr>
-          </a:p>
-          <a:p>
-            <a:pPr marL="0" indent="0">
-              <a:spcBef>
-                <a:spcPts val="600"/>
-              </a:spcBef>
-              <a:buNone/>
-            </a:pPr>
-            <a:r>
-              <a:rPr lang="en-CA" sz="1400" dirty="0">
-                <a:latin typeface="Calibri" panose="020F0502020204030204" pitchFamily="34" charset="0"/>
-                <a:cs typeface="Calibri" panose="020F0502020204030204" pitchFamily="34" charset="0"/>
-              </a:rPr>
-              <a:t>Reply:</a:t>
-            </a:r>
-          </a:p>
-          <a:p>
-            <a:pPr>
-              <a:spcBef>
-                <a:spcPts val="600"/>
-              </a:spcBef>
-            </a:pPr>
-            <a:r>
-              <a:rPr lang="en-CA" sz="1400" dirty="0">
-                <a:latin typeface="Calibri" panose="020F0502020204030204" pitchFamily="34" charset="0"/>
-                <a:cs typeface="Calibri" panose="020F0502020204030204" pitchFamily="34" charset="0"/>
-              </a:rPr>
-              <a:t>IOAM data is part of the MPLS Header and PW/</a:t>
-            </a:r>
-            <a:r>
-              <a:rPr lang="en-CA" sz="1400" dirty="0" err="1">
-                <a:latin typeface="Calibri" panose="020F0502020204030204" pitchFamily="34" charset="0"/>
-                <a:cs typeface="Calibri" panose="020F0502020204030204" pitchFamily="34" charset="0"/>
-              </a:rPr>
-              <a:t>DetNet</a:t>
-            </a:r>
-            <a:r>
-              <a:rPr lang="en-CA" sz="1400" dirty="0">
-                <a:latin typeface="Calibri" panose="020F0502020204030204" pitchFamily="34" charset="0"/>
-                <a:cs typeface="Calibri" panose="020F0502020204030204" pitchFamily="34" charset="0"/>
-              </a:rPr>
-              <a:t> header/data is carried below the IOAM header.</a:t>
-            </a:r>
-          </a:p>
-          <a:p>
-            <a:pPr>
-              <a:spcBef>
-                <a:spcPts val="600"/>
-              </a:spcBef>
-            </a:pPr>
-            <a:r>
-              <a:rPr lang="en-CA" sz="1400" dirty="0">
-                <a:latin typeface="Calibri" panose="020F0502020204030204" pitchFamily="34" charset="0"/>
-                <a:cs typeface="Calibri" panose="020F0502020204030204" pitchFamily="34" charset="0"/>
-              </a:rPr>
-              <a:t>The </a:t>
-            </a:r>
-            <a:r>
-              <a:rPr lang="en-CA" sz="1400" dirty="0" err="1">
-                <a:latin typeface="Calibri" panose="020F0502020204030204" pitchFamily="34" charset="0"/>
-                <a:cs typeface="Calibri" panose="020F0502020204030204" pitchFamily="34" charset="0"/>
-              </a:rPr>
-              <a:t>decap</a:t>
-            </a:r>
-            <a:r>
-              <a:rPr lang="en-CA" sz="1400" dirty="0">
-                <a:latin typeface="Calibri" panose="020F0502020204030204" pitchFamily="34" charset="0"/>
-                <a:cs typeface="Calibri" panose="020F0502020204030204" pitchFamily="34" charset="0"/>
-              </a:rPr>
-              <a:t> node removes the MPLS header including the IOAM header and then processes the PW/</a:t>
-            </a:r>
-            <a:r>
-              <a:rPr lang="en-CA" sz="1400" dirty="0" err="1">
-                <a:latin typeface="Calibri" panose="020F0502020204030204" pitchFamily="34" charset="0"/>
-                <a:cs typeface="Calibri" panose="020F0502020204030204" pitchFamily="34" charset="0"/>
-              </a:rPr>
-              <a:t>DetNet</a:t>
-            </a:r>
-            <a:r>
-              <a:rPr lang="en-CA" sz="1400" dirty="0">
-                <a:latin typeface="Calibri" panose="020F0502020204030204" pitchFamily="34" charset="0"/>
-                <a:cs typeface="Calibri" panose="020F0502020204030204" pitchFamily="34" charset="0"/>
-              </a:rPr>
-              <a:t> header/data.</a:t>
-            </a:r>
           </a:p>
         </p:txBody>
       </p:sp>
@@ -11530,14 +11492,14 @@
               </a:pPr>
               <a:t>23</a:t>
             </a:fld>
-            <a:endParaRPr lang="en-US" altLang="zh-CN"/>
+            <a:endParaRPr lang="en-US" altLang="zh-CN" dirty="0"/>
           </a:p>
         </p:txBody>
       </p:sp>
     </p:spTree>
     <p:extLst>
       <p:ext uri="{BB962C8B-B14F-4D97-AF65-F5344CB8AC3E}">
-        <p14:creationId xmlns:p14="http://schemas.microsoft.com/office/powerpoint/2010/main" val="2484630727"/>
+        <p14:creationId xmlns:p14="http://schemas.microsoft.com/office/powerpoint/2010/main" val="3990542425"/>
       </p:ext>
     </p:extLst>
   </p:cSld>
@@ -11582,8 +11544,8 @@
         </p:nvSpPr>
         <p:spPr>
           <a:xfrm>
-            <a:off x="304800" y="94882"/>
-            <a:ext cx="8534400" cy="599270"/>
+            <a:off x="0" y="42880"/>
+            <a:ext cx="9144000" cy="599270"/>
           </a:xfrm>
         </p:spPr>
         <p:txBody>
@@ -11592,16 +11554,16 @@
           <a:p>
             <a:pPr algn="l"/>
             <a:r>
-              <a:rPr lang="en-CA" sz="3200" dirty="0">
+              <a:rPr lang="en-CA" sz="2600" dirty="0">
                 <a:solidFill>
                   <a:srgbClr val="0070C0"/>
                 </a:solidFill>
                 <a:latin typeface="Calibri Light" panose="020F0302020204030204" pitchFamily="34" charset="0"/>
                 <a:cs typeface="Calibri Light" panose="020F0302020204030204" pitchFamily="34" charset="0"/>
               </a:rPr>
-              <a:t>IOAM Encapsulation in MPLS Header with PW Data</a:t>
-            </a:r>
-            <a:endParaRPr lang="en-US" sz="3200" dirty="0">
+              <a:t>IOAM Encapsulation in MPLS Header with Control Word [RFC4385]</a:t>
+            </a:r>
+            <a:endParaRPr lang="en-US" sz="2600" dirty="0">
               <a:solidFill>
                 <a:srgbClr val="0070C0"/>
               </a:solidFill>
@@ -11682,6 +11644,431 @@
                 <a:defRPr/>
               </a:pPr>
               <a:t>24</a:t>
+            </a:fld>
+            <a:endParaRPr lang="en-US" altLang="zh-CN" dirty="0"/>
+          </a:p>
+        </p:txBody>
+      </p:sp>
+      <p:sp>
+        <p:nvSpPr>
+          <p:cNvPr id="6" name="Rectangle 5">
+            <a:extLst>
+              <a:ext uri="{FF2B5EF4-FFF2-40B4-BE49-F238E27FC236}">
+                <a16:creationId xmlns:a16="http://schemas.microsoft.com/office/drawing/2014/main" id="{1EED4007-3A19-0E4E-8496-6CECEEA363EB}"/>
+              </a:ext>
+            </a:extLst>
+          </p:cNvPr>
+          <p:cNvSpPr/>
+          <p:nvPr/>
+        </p:nvSpPr>
+        <p:spPr>
+          <a:xfrm>
+            <a:off x="1828800" y="865190"/>
+            <a:ext cx="5105400" cy="3693319"/>
+          </a:xfrm>
+          <a:prstGeom prst="rect">
+            <a:avLst/>
+          </a:prstGeom>
+          <a:solidFill>
+            <a:schemeClr val="accent6">
+              <a:lumMod val="20000"/>
+              <a:lumOff val="80000"/>
+            </a:schemeClr>
+          </a:solidFill>
+        </p:spPr>
+        <p:txBody>
+          <a:bodyPr wrap="square">
+            <a:spAutoFit/>
+          </a:bodyPr>
+          <a:lstStyle/>
+          <a:p>
+            <a:r>
+              <a:rPr lang="en-CA" sz="900" dirty="0">
+                <a:latin typeface="Courier" pitchFamily="2" charset="0"/>
+              </a:rPr>
+              <a:t>   0                   1                   2                   3</a:t>
+            </a:r>
+          </a:p>
+          <a:p>
+            <a:r>
+              <a:rPr lang="en-CA" sz="900" dirty="0">
+                <a:latin typeface="Courier" pitchFamily="2" charset="0"/>
+              </a:rPr>
+              <a:t>   0 1 2 3 4 5 6 7 8 9 0 1 2 3 4 5 6 7 8 9 0 1 2 3 4 5 6 7 8 9 0 1</a:t>
+            </a:r>
+          </a:p>
+          <a:p>
+            <a:r>
+              <a:rPr lang="en-CA" sz="900" dirty="0">
+                <a:latin typeface="Courier" pitchFamily="2" charset="0"/>
+              </a:rPr>
+              <a:t>   +-+-+-+-+-+-+-+-+-+-+-+-+-+-+-+-+-+-+-+-+-+-+-+-+-+-+-+-+-+-+-+-+</a:t>
+            </a:r>
+          </a:p>
+          <a:p>
+            <a:r>
+              <a:rPr lang="en-CA" sz="900" dirty="0">
+                <a:latin typeface="Courier" pitchFamily="2" charset="0"/>
+              </a:rPr>
+              <a:t>   | IOAM Indicator Label                  | TC  |1|  TTL          |</a:t>
+            </a:r>
+          </a:p>
+          <a:p>
+            <a:r>
+              <a:rPr lang="en-CA" sz="900" dirty="0">
+                <a:latin typeface="Courier" pitchFamily="2" charset="0"/>
+              </a:rPr>
+              <a:t>   +-+-+-+-+-+-+-+-+-+-+-+-+-+-+-+-+-+-+-+-+-+-+-+-+-+-+-+-+-+-+-+-+&lt;-+</a:t>
+            </a:r>
+          </a:p>
+          <a:p>
+            <a:r>
+              <a:rPr lang="en-CA" sz="900" dirty="0">
+                <a:latin typeface="Courier" pitchFamily="2" charset="0"/>
+              </a:rPr>
+              <a:t>   |0 0 0 1|Version| Reserved      | IOAM G-</a:t>
+            </a:r>
+            <a:r>
+              <a:rPr lang="en-CA" sz="900" dirty="0" err="1">
+                <a:latin typeface="Courier" pitchFamily="2" charset="0"/>
+              </a:rPr>
+              <a:t>ACh</a:t>
+            </a:r>
+            <a:r>
+              <a:rPr lang="en-CA" sz="900" dirty="0">
+                <a:latin typeface="Courier" pitchFamily="2" charset="0"/>
+              </a:rPr>
+              <a:t>                    |  |</a:t>
+            </a:r>
+          </a:p>
+          <a:p>
+            <a:r>
+              <a:rPr lang="en-CA" sz="900" dirty="0">
+                <a:latin typeface="Courier" pitchFamily="2" charset="0"/>
+              </a:rPr>
+              <a:t>   +-+-+-+-+-+-+-+-+-+-+-+-+-+-+-+-+-+-+-+-+-+-+-+-+-+-+-+-+-+-+-+-+  |</a:t>
+            </a:r>
+          </a:p>
+          <a:p>
+            <a:r>
+              <a:rPr lang="en-CA" sz="900" dirty="0">
+                <a:latin typeface="Courier" pitchFamily="2" charset="0"/>
+              </a:rPr>
+              <a:t>   | Reserved      | Block Number  | IOAM-OPT-Type |</a:t>
+            </a:r>
+            <a:r>
+              <a:rPr lang="en-CA" sz="900" dirty="0">
+                <a:solidFill>
+                  <a:srgbClr val="C00000"/>
+                </a:solidFill>
+                <a:latin typeface="Courier" pitchFamily="2" charset="0"/>
+              </a:rPr>
+              <a:t>IOAM HDR Length</a:t>
+            </a:r>
+            <a:r>
+              <a:rPr lang="en-CA" sz="900" dirty="0">
+                <a:latin typeface="Courier" pitchFamily="2" charset="0"/>
+              </a:rPr>
+              <a:t>|  |</a:t>
+            </a:r>
+          </a:p>
+          <a:p>
+            <a:r>
+              <a:rPr lang="en-CA" sz="900" dirty="0">
+                <a:latin typeface="Courier" pitchFamily="2" charset="0"/>
+              </a:rPr>
+              <a:t>   +-+-+-+-+-+-+-+-+-+-+-+-+-+-+-+-+-+-+-+-+-+-+-+-+-+-+-+-+-+-+-+-+  I</a:t>
+            </a:r>
+          </a:p>
+          <a:p>
+            <a:r>
+              <a:rPr lang="en-CA" sz="900" dirty="0">
+                <a:latin typeface="Courier" pitchFamily="2" charset="0"/>
+              </a:rPr>
+              <a:t>   |                                                               |  O</a:t>
+            </a:r>
+          </a:p>
+          <a:p>
+            <a:r>
+              <a:rPr lang="en-CA" sz="900" dirty="0">
+                <a:latin typeface="Courier" pitchFamily="2" charset="0"/>
+              </a:rPr>
+              <a:t>   |                                                               |  A</a:t>
+            </a:r>
+          </a:p>
+          <a:p>
+            <a:r>
+              <a:rPr lang="en-CA" sz="900" dirty="0">
+                <a:latin typeface="Courier" pitchFamily="2" charset="0"/>
+              </a:rPr>
+              <a:t>   ~                 IOAM Option and Data Space                    ~  M</a:t>
+            </a:r>
+          </a:p>
+          <a:p>
+            <a:r>
+              <a:rPr lang="en-CA" sz="900" dirty="0">
+                <a:latin typeface="Courier" pitchFamily="2" charset="0"/>
+              </a:rPr>
+              <a:t>   |                                                               |  |</a:t>
+            </a:r>
+          </a:p>
+          <a:p>
+            <a:r>
+              <a:rPr lang="en-CA" sz="900" dirty="0">
+                <a:latin typeface="Courier" pitchFamily="2" charset="0"/>
+              </a:rPr>
+              <a:t>   |                                                               |  |</a:t>
+            </a:r>
+          </a:p>
+          <a:p>
+            <a:r>
+              <a:rPr lang="en-CA" sz="900" dirty="0">
+                <a:latin typeface="Courier" pitchFamily="2" charset="0"/>
+              </a:rPr>
+              <a:t>   +-+-+-+-+-+-+-+-+-+-+-+-+-+-+-+-+-+-+-+-+-+-+-+-+-+-+-+-+-+-+-+-+&lt;-+</a:t>
+            </a:r>
+          </a:p>
+          <a:p>
+            <a:r>
+              <a:rPr lang="en-CA" sz="900" dirty="0">
+                <a:solidFill>
+                  <a:srgbClr val="C00000"/>
+                </a:solidFill>
+                <a:latin typeface="Courier" pitchFamily="2" charset="0"/>
+              </a:rPr>
+              <a:t>   |0 0 0 0| Specified by PW Encapsulation                         |   </a:t>
+            </a:r>
+          </a:p>
+          <a:p>
+            <a:r>
+              <a:rPr lang="en-CA" sz="900" dirty="0">
+                <a:solidFill>
+                  <a:srgbClr val="C00000"/>
+                </a:solidFill>
+                <a:latin typeface="Courier" pitchFamily="2" charset="0"/>
+              </a:rPr>
+              <a:t>   +-+-+-+-+-+-+-+-+-+-+-+-+-+-+-+-+-+-+-+-+-+-+-+-+-+-+-+-+-+-+-+-+</a:t>
+            </a:r>
+          </a:p>
+          <a:p>
+            <a:r>
+              <a:rPr lang="en-CA" sz="900" dirty="0">
+                <a:latin typeface="Courier" pitchFamily="2" charset="0"/>
+              </a:rPr>
+              <a:t>   |                                                               |</a:t>
+            </a:r>
+          </a:p>
+          <a:p>
+            <a:r>
+              <a:rPr lang="en-CA" sz="900" dirty="0">
+                <a:latin typeface="Courier" pitchFamily="2" charset="0"/>
+              </a:rPr>
+              <a:t>   |                                                               |</a:t>
+            </a:r>
+          </a:p>
+          <a:p>
+            <a:r>
+              <a:rPr lang="en-CA" sz="900" dirty="0">
+                <a:latin typeface="Courier" pitchFamily="2" charset="0"/>
+              </a:rPr>
+              <a:t>   ~                 Payload + Padding                             ~</a:t>
+            </a:r>
+          </a:p>
+          <a:p>
+            <a:r>
+              <a:rPr lang="en-CA" sz="900" dirty="0">
+                <a:latin typeface="Courier" pitchFamily="2" charset="0"/>
+              </a:rPr>
+              <a:t>   |                                                               |</a:t>
+            </a:r>
+          </a:p>
+          <a:p>
+            <a:r>
+              <a:rPr lang="en-CA" sz="900" dirty="0">
+                <a:latin typeface="Courier" pitchFamily="2" charset="0"/>
+              </a:rPr>
+              <a:t>   |                                                               |</a:t>
+            </a:r>
+          </a:p>
+          <a:p>
+            <a:r>
+              <a:rPr lang="en-CA" sz="900" dirty="0">
+                <a:latin typeface="Courier" pitchFamily="2" charset="0"/>
+              </a:rPr>
+              <a:t>   +-+-+-+-+-+-+-+-+-+-+-+-+-+-+-+-+-+-+-+-+-+-+-+-+-+-+-+-+-+-+-+-+</a:t>
+            </a:r>
+          </a:p>
+          <a:p>
+            <a:r>
+              <a:rPr lang="en-CA" sz="900" dirty="0">
+                <a:latin typeface="Courier" pitchFamily="2" charset="0"/>
+              </a:rPr>
+              <a:t> </a:t>
+            </a:r>
+          </a:p>
+          <a:p>
+            <a:r>
+              <a:rPr lang="en-CA" sz="900" dirty="0">
+                <a:latin typeface="Courier" pitchFamily="2" charset="0"/>
+              </a:rPr>
+              <a:t>              Figure: IOAM Encapsulation in MPLS Header</a:t>
+            </a:r>
+            <a:endParaRPr lang="en-CA" sz="900" dirty="0">
+              <a:latin typeface="Courier" pitchFamily="2" charset="0"/>
+              <a:ea typeface="Calibri" panose="020F0502020204030204" pitchFamily="34" charset="0"/>
+              <a:cs typeface="Times New Roman" panose="02020603050405020304" pitchFamily="18" charset="0"/>
+            </a:endParaRPr>
+          </a:p>
+        </p:txBody>
+      </p:sp>
+    </p:spTree>
+    <p:extLst>
+      <p:ext uri="{BB962C8B-B14F-4D97-AF65-F5344CB8AC3E}">
+        <p14:creationId xmlns:p14="http://schemas.microsoft.com/office/powerpoint/2010/main" val="3708656005"/>
+      </p:ext>
+    </p:extLst>
+  </p:cSld>
+  <p:clrMapOvr>
+    <a:masterClrMapping/>
+  </p:clrMapOvr>
+</p:sld>
+</file>
+
+<file path=ppt/slides/slide25.xml><?xml version="1.0" encoding="utf-8"?>
+<p:sld xmlns:a="http://schemas.openxmlformats.org/drawingml/2006/main" xmlns:r="http://schemas.openxmlformats.org/officeDocument/2006/relationships" xmlns:p="http://schemas.openxmlformats.org/presentationml/2006/main">
+  <p:cSld>
+    <p:spTree>
+      <p:nvGrpSpPr>
+        <p:cNvPr id="1" name=""/>
+        <p:cNvGrpSpPr/>
+        <p:nvPr/>
+      </p:nvGrpSpPr>
+      <p:grpSpPr>
+        <a:xfrm>
+          <a:off x="0" y="0"/>
+          <a:ext cx="0" cy="0"/>
+          <a:chOff x="0" y="0"/>
+          <a:chExt cx="0" cy="0"/>
+        </a:xfrm>
+      </p:grpSpPr>
+      <p:sp>
+        <p:nvSpPr>
+          <p:cNvPr id="2" name="Title 1">
+            <a:extLst>
+              <a:ext uri="{FF2B5EF4-FFF2-40B4-BE49-F238E27FC236}">
+                <a16:creationId xmlns:a16="http://schemas.microsoft.com/office/drawing/2014/main" id="{590D0125-5A9E-9D48-9391-85FBD0E608A2}"/>
+              </a:ext>
+            </a:extLst>
+          </p:cNvPr>
+          <p:cNvSpPr>
+            <a:spLocks noGrp="1"/>
+          </p:cNvSpPr>
+          <p:nvPr>
+            <p:ph type="title"/>
+          </p:nvPr>
+        </p:nvSpPr>
+        <p:spPr>
+          <a:xfrm>
+            <a:off x="0" y="94882"/>
+            <a:ext cx="9067800" cy="599270"/>
+          </a:xfrm>
+        </p:spPr>
+        <p:txBody>
+          <a:bodyPr/>
+          <a:lstStyle/>
+          <a:p>
+            <a:pPr algn="l"/>
+            <a:r>
+              <a:rPr lang="en-CA" sz="3200" dirty="0">
+                <a:solidFill>
+                  <a:srgbClr val="0070C0"/>
+                </a:solidFill>
+                <a:latin typeface="Calibri Light" panose="020F0302020204030204" pitchFamily="34" charset="0"/>
+                <a:cs typeface="Calibri Light" panose="020F0302020204030204" pitchFamily="34" charset="0"/>
+              </a:rPr>
+              <a:t>IOAM Encapsulation in MPLS Header with PW Data</a:t>
+            </a:r>
+            <a:endParaRPr lang="en-US" sz="3200" dirty="0">
+              <a:solidFill>
+                <a:srgbClr val="0070C0"/>
+              </a:solidFill>
+              <a:latin typeface="Calibri Light" panose="020F0302020204030204" pitchFamily="34" charset="0"/>
+              <a:cs typeface="Calibri Light" panose="020F0302020204030204" pitchFamily="34" charset="0"/>
+            </a:endParaRPr>
+          </a:p>
+        </p:txBody>
+      </p:sp>
+      <p:sp>
+        <p:nvSpPr>
+          <p:cNvPr id="4" name="Footer Placeholder 3">
+            <a:extLst>
+              <a:ext uri="{FF2B5EF4-FFF2-40B4-BE49-F238E27FC236}">
+                <a16:creationId xmlns:a16="http://schemas.microsoft.com/office/drawing/2014/main" id="{87713FCD-3B47-804D-B373-DAB61FB5FF59}"/>
+              </a:ext>
+            </a:extLst>
+          </p:cNvPr>
+          <p:cNvSpPr>
+            <a:spLocks noGrp="1"/>
+          </p:cNvSpPr>
+          <p:nvPr>
+            <p:ph type="ftr" sz="quarter" idx="11"/>
+          </p:nvPr>
+        </p:nvSpPr>
+        <p:spPr>
+          <a:xfrm>
+            <a:off x="3124200" y="4781550"/>
+            <a:ext cx="2895600" cy="357188"/>
+          </a:xfrm>
+        </p:spPr>
+        <p:txBody>
+          <a:bodyPr/>
+          <a:lstStyle/>
+          <a:p>
+            <a:r>
+              <a:rPr lang="en-CA" dirty="0"/>
+              <a:t>110</a:t>
+            </a:r>
+            <a:r>
+              <a:rPr lang="en-CA" baseline="30000" dirty="0"/>
+              <a:t>th</a:t>
+            </a:r>
+            <a:r>
+              <a:rPr lang="en-CA" dirty="0"/>
+              <a:t> IETF Online</a:t>
+            </a:r>
+          </a:p>
+        </p:txBody>
+      </p:sp>
+      <p:sp>
+        <p:nvSpPr>
+          <p:cNvPr id="5" name="Slide Number Placeholder 4">
+            <a:extLst>
+              <a:ext uri="{FF2B5EF4-FFF2-40B4-BE49-F238E27FC236}">
+                <a16:creationId xmlns:a16="http://schemas.microsoft.com/office/drawing/2014/main" id="{1371408B-9195-EC4D-8131-A3F5CC0592D0}"/>
+              </a:ext>
+            </a:extLst>
+          </p:cNvPr>
+          <p:cNvSpPr>
+            <a:spLocks noGrp="1"/>
+          </p:cNvSpPr>
+          <p:nvPr>
+            <p:ph type="sldNum" sz="quarter" idx="12"/>
+          </p:nvPr>
+        </p:nvSpPr>
+        <p:spPr/>
+        <p:txBody>
+          <a:bodyPr/>
+          <a:lstStyle/>
+          <a:p>
+            <a:pPr>
+              <a:defRPr/>
+            </a:pPr>
+            <a:fld id="{BD6E0F59-1DD8-40FC-9C92-B6295CBA6CCA}" type="slidenum">
+              <a:rPr lang="en-US" altLang="zh-CN" smtClean="0"/>
+              <a:pPr>
+                <a:defRPr/>
+              </a:pPr>
+              <a:t>25</a:t>
             </a:fld>
             <a:endParaRPr lang="en-US" altLang="zh-CN"/>
           </a:p>
@@ -11748,19 +12135,7 @@
               <a:rPr lang="en-CA" sz="900" dirty="0">
                 <a:latin typeface="Courier" pitchFamily="2" charset="0"/>
               </a:rPr>
-              <a:t>   |  </a:t>
-            </a:r>
-            <a:r>
-              <a:rPr lang="en-CA" sz="900" dirty="0" err="1">
-                <a:latin typeface="Courier" pitchFamily="2" charset="0"/>
-              </a:rPr>
-              <a:t>HbH</a:t>
-            </a:r>
-            <a:r>
-              <a:rPr lang="en-CA" sz="900" dirty="0">
-                <a:latin typeface="Courier" pitchFamily="2" charset="0"/>
-              </a:rPr>
-              <a:t> IOAM Indicator Label             | TC  |1|  TTL          |</a:t>
+              <a:t>   | IOAM Indicator Label                  | TC  |1|  TTL          |</a:t>
             </a:r>
           </a:p>
           <a:p>
@@ -11809,7 +12184,7 @@
             <a:r>
               <a:rPr lang="en-CA" sz="900" dirty="0">
                 <a:solidFill>
-                  <a:srgbClr val="FF0000"/>
+                  <a:srgbClr val="C00000"/>
                 </a:solidFill>
                 <a:latin typeface="Courier" pitchFamily="2" charset="0"/>
               </a:rPr>
@@ -11882,36 +12257,18 @@
             <a:r>
               <a:rPr lang="en-CA" sz="900" dirty="0">
                 <a:solidFill>
-                  <a:srgbClr val="FF0000"/>
+                  <a:srgbClr val="C00000"/>
                 </a:solidFill>
                 <a:latin typeface="Courier" pitchFamily="2" charset="0"/>
               </a:rPr>
-              <a:t>   |0 0 0 1|Version| Reserved      | PW G-</a:t>
-            </a:r>
-            <a:r>
-              <a:rPr lang="en-CA" sz="900" dirty="0" err="1">
-                <a:solidFill>
-                  <a:srgbClr val="FF0000"/>
-                </a:solidFill>
-                <a:latin typeface="Courier" pitchFamily="2" charset="0"/>
-              </a:rPr>
-              <a:t>ACh</a:t>
-            </a:r>
+              <a:t>   |0 0 0 1|Version| Reserved      | Channel Type                  |</a:t>
+            </a:r>
+          </a:p>
+          <a:p>
             <a:r>
               <a:rPr lang="en-CA" sz="900" dirty="0">
                 <a:solidFill>
-                  <a:srgbClr val="FF0000"/>
-                </a:solidFill>
-                <a:latin typeface="Courier" pitchFamily="2" charset="0"/>
-              </a:rPr>
-              <a:t>                    |</a:t>
-            </a:r>
-          </a:p>
-          <a:p>
-            <a:r>
-              <a:rPr lang="en-CA" sz="900" dirty="0">
-                <a:solidFill>
-                  <a:srgbClr val="FF0000"/>
+                  <a:srgbClr val="C00000"/>
                 </a:solidFill>
                 <a:latin typeface="Courier" pitchFamily="2" charset="0"/>
               </a:rPr>
@@ -12014,7 +12371,409 @@
 </p:sld>
 </file>
 
-<file path=ppt/slides/slide25.xml><?xml version="1.0" encoding="utf-8"?>
+<file path=ppt/slides/slide26.xml><?xml version="1.0" encoding="utf-8"?>
+<p:sld xmlns:a="http://schemas.openxmlformats.org/drawingml/2006/main" xmlns:r="http://schemas.openxmlformats.org/officeDocument/2006/relationships" xmlns:p="http://schemas.openxmlformats.org/presentationml/2006/main">
+  <p:cSld>
+    <p:spTree>
+      <p:nvGrpSpPr>
+        <p:cNvPr id="1" name=""/>
+        <p:cNvGrpSpPr/>
+        <p:nvPr/>
+      </p:nvGrpSpPr>
+      <p:grpSpPr>
+        <a:xfrm>
+          <a:off x="0" y="0"/>
+          <a:ext cx="0" cy="0"/>
+          <a:chOff x="0" y="0"/>
+          <a:chExt cx="0" cy="0"/>
+        </a:xfrm>
+      </p:grpSpPr>
+      <p:sp>
+        <p:nvSpPr>
+          <p:cNvPr id="2" name="Title 1">
+            <a:extLst>
+              <a:ext uri="{FF2B5EF4-FFF2-40B4-BE49-F238E27FC236}">
+                <a16:creationId xmlns:a16="http://schemas.microsoft.com/office/drawing/2014/main" id="{16C5255E-BE42-5348-AC0F-6257873BBB61}"/>
+              </a:ext>
+            </a:extLst>
+          </p:cNvPr>
+          <p:cNvSpPr>
+            <a:spLocks noGrp="1"/>
+          </p:cNvSpPr>
+          <p:nvPr>
+            <p:ph type="title"/>
+          </p:nvPr>
+        </p:nvSpPr>
+        <p:spPr>
+          <a:xfrm>
+            <a:off x="304800" y="0"/>
+            <a:ext cx="8534400" cy="857250"/>
+          </a:xfrm>
+        </p:spPr>
+        <p:txBody>
+          <a:bodyPr/>
+          <a:lstStyle/>
+          <a:p>
+            <a:r>
+              <a:rPr lang="en-US" sz="3200" dirty="0">
+                <a:solidFill>
+                  <a:srgbClr val="0070C0"/>
+                </a:solidFill>
+                <a:latin typeface="Calibri Light" panose="020F0302020204030204" pitchFamily="34" charset="0"/>
+                <a:cs typeface="Calibri Light" panose="020F0302020204030204" pitchFamily="34" charset="0"/>
+              </a:rPr>
+              <a:t>IOAM Data and DETNET</a:t>
+            </a:r>
+          </a:p>
+        </p:txBody>
+      </p:sp>
+      <p:sp>
+        <p:nvSpPr>
+          <p:cNvPr id="3" name="Content Placeholder 2">
+            <a:extLst>
+              <a:ext uri="{FF2B5EF4-FFF2-40B4-BE49-F238E27FC236}">
+                <a16:creationId xmlns:a16="http://schemas.microsoft.com/office/drawing/2014/main" id="{3943595A-2AF7-A141-B580-268FFA30C69C}"/>
+              </a:ext>
+            </a:extLst>
+          </p:cNvPr>
+          <p:cNvSpPr>
+            <a:spLocks noGrp="1"/>
+          </p:cNvSpPr>
+          <p:nvPr>
+            <p:ph idx="1"/>
+          </p:nvPr>
+        </p:nvSpPr>
+        <p:spPr>
+          <a:xfrm>
+            <a:off x="533400" y="971550"/>
+            <a:ext cx="8153400" cy="3505199"/>
+          </a:xfrm>
+        </p:spPr>
+        <p:txBody>
+          <a:bodyPr/>
+          <a:lstStyle/>
+          <a:p>
+            <a:pPr marL="0" indent="0">
+              <a:spcBef>
+                <a:spcPts val="600"/>
+              </a:spcBef>
+              <a:buNone/>
+            </a:pPr>
+            <a:r>
+              <a:rPr lang="en-CA" sz="1600" dirty="0">
+                <a:latin typeface="Calibri" panose="020F0502020204030204" pitchFamily="34" charset="0"/>
+                <a:cs typeface="Calibri" panose="020F0502020204030204" pitchFamily="34" charset="0"/>
+              </a:rPr>
+              <a:t>DETNET</a:t>
+            </a:r>
+          </a:p>
+          <a:p>
+            <a:pPr>
+              <a:spcBef>
+                <a:spcPts val="600"/>
+              </a:spcBef>
+            </a:pPr>
+            <a:endParaRPr lang="en-CA" sz="1600" dirty="0">
+              <a:latin typeface="Calibri" panose="020F0502020204030204" pitchFamily="34" charset="0"/>
+              <a:cs typeface="Calibri" panose="020F0502020204030204" pitchFamily="34" charset="0"/>
+            </a:endParaRPr>
+          </a:p>
+        </p:txBody>
+      </p:sp>
+      <p:sp>
+        <p:nvSpPr>
+          <p:cNvPr id="4" name="Footer Placeholder 3">
+            <a:extLst>
+              <a:ext uri="{FF2B5EF4-FFF2-40B4-BE49-F238E27FC236}">
+                <a16:creationId xmlns:a16="http://schemas.microsoft.com/office/drawing/2014/main" id="{CF70CC82-C055-3645-9254-87CEC1C49032}"/>
+              </a:ext>
+            </a:extLst>
+          </p:cNvPr>
+          <p:cNvSpPr>
+            <a:spLocks noGrp="1"/>
+          </p:cNvSpPr>
+          <p:nvPr>
+            <p:ph type="ftr" sz="quarter" idx="11"/>
+          </p:nvPr>
+        </p:nvSpPr>
+        <p:spPr>
+          <a:xfrm>
+            <a:off x="3124200" y="4786312"/>
+            <a:ext cx="2895600" cy="357188"/>
+          </a:xfrm>
+        </p:spPr>
+        <p:txBody>
+          <a:bodyPr/>
+          <a:lstStyle/>
+          <a:p>
+            <a:pPr>
+              <a:defRPr/>
+            </a:pPr>
+            <a:r>
+              <a:rPr lang="en-US" altLang="zh-CN" dirty="0"/>
+              <a:t>110</a:t>
+            </a:r>
+            <a:r>
+              <a:rPr lang="en-US" altLang="zh-CN" baseline="30000" dirty="0"/>
+              <a:t>th</a:t>
+            </a:r>
+            <a:r>
+              <a:rPr lang="en-US" altLang="zh-CN" dirty="0"/>
+              <a:t> IETF Online</a:t>
+            </a:r>
+          </a:p>
+        </p:txBody>
+      </p:sp>
+      <p:sp>
+        <p:nvSpPr>
+          <p:cNvPr id="5" name="Slide Number Placeholder 4">
+            <a:extLst>
+              <a:ext uri="{FF2B5EF4-FFF2-40B4-BE49-F238E27FC236}">
+                <a16:creationId xmlns:a16="http://schemas.microsoft.com/office/drawing/2014/main" id="{62DF7D69-BCF6-2D4A-A3F1-2D32C59355D3}"/>
+              </a:ext>
+            </a:extLst>
+          </p:cNvPr>
+          <p:cNvSpPr>
+            <a:spLocks noGrp="1"/>
+          </p:cNvSpPr>
+          <p:nvPr>
+            <p:ph type="sldNum" sz="quarter" idx="12"/>
+          </p:nvPr>
+        </p:nvSpPr>
+        <p:spPr/>
+        <p:txBody>
+          <a:bodyPr/>
+          <a:lstStyle/>
+          <a:p>
+            <a:pPr>
+              <a:defRPr/>
+            </a:pPr>
+            <a:fld id="{BD6E0F59-1DD8-40FC-9C92-B6295CBA6CCA}" type="slidenum">
+              <a:rPr lang="en-US" altLang="zh-CN" smtClean="0"/>
+              <a:pPr>
+                <a:defRPr/>
+              </a:pPr>
+              <a:t>26</a:t>
+            </a:fld>
+            <a:endParaRPr lang="en-US" altLang="zh-CN" dirty="0"/>
+          </a:p>
+        </p:txBody>
+      </p:sp>
+    </p:spTree>
+    <p:extLst>
+      <p:ext uri="{BB962C8B-B14F-4D97-AF65-F5344CB8AC3E}">
+        <p14:creationId xmlns:p14="http://schemas.microsoft.com/office/powerpoint/2010/main" val="2220119746"/>
+      </p:ext>
+    </p:extLst>
+  </p:cSld>
+  <p:clrMapOvr>
+    <a:masterClrMapping/>
+  </p:clrMapOvr>
+</p:sld>
+</file>
+
+<file path=ppt/slides/slide27.xml><?xml version="1.0" encoding="utf-8"?>
+<p:sld xmlns:a="http://schemas.openxmlformats.org/drawingml/2006/main" xmlns:r="http://schemas.openxmlformats.org/officeDocument/2006/relationships" xmlns:p="http://schemas.openxmlformats.org/presentationml/2006/main">
+  <p:cSld>
+    <p:spTree>
+      <p:nvGrpSpPr>
+        <p:cNvPr id="1" name=""/>
+        <p:cNvGrpSpPr/>
+        <p:nvPr/>
+      </p:nvGrpSpPr>
+      <p:grpSpPr>
+        <a:xfrm>
+          <a:off x="0" y="0"/>
+          <a:ext cx="0" cy="0"/>
+          <a:chOff x="0" y="0"/>
+          <a:chExt cx="0" cy="0"/>
+        </a:xfrm>
+      </p:grpSpPr>
+      <p:sp>
+        <p:nvSpPr>
+          <p:cNvPr id="2" name="Title 1">
+            <a:extLst>
+              <a:ext uri="{FF2B5EF4-FFF2-40B4-BE49-F238E27FC236}">
+                <a16:creationId xmlns:a16="http://schemas.microsoft.com/office/drawing/2014/main" id="{16C5255E-BE42-5348-AC0F-6257873BBB61}"/>
+              </a:ext>
+            </a:extLst>
+          </p:cNvPr>
+          <p:cNvSpPr>
+            <a:spLocks noGrp="1"/>
+          </p:cNvSpPr>
+          <p:nvPr>
+            <p:ph type="title"/>
+          </p:nvPr>
+        </p:nvSpPr>
+        <p:spPr>
+          <a:xfrm>
+            <a:off x="304800" y="0"/>
+            <a:ext cx="8534400" cy="857250"/>
+          </a:xfrm>
+        </p:spPr>
+        <p:txBody>
+          <a:bodyPr/>
+          <a:lstStyle/>
+          <a:p>
+            <a:r>
+              <a:rPr lang="en-US" sz="3200" dirty="0">
+                <a:solidFill>
+                  <a:srgbClr val="0070C0"/>
+                </a:solidFill>
+                <a:latin typeface="Calibri Light" panose="020F0302020204030204" pitchFamily="34" charset="0"/>
+                <a:cs typeface="Calibri Light" panose="020F0302020204030204" pitchFamily="34" charset="0"/>
+              </a:rPr>
+              <a:t>IOAM Data and Fragmentation after EOS</a:t>
+            </a:r>
+          </a:p>
+        </p:txBody>
+      </p:sp>
+      <p:sp>
+        <p:nvSpPr>
+          <p:cNvPr id="3" name="Content Placeholder 2">
+            <a:extLst>
+              <a:ext uri="{FF2B5EF4-FFF2-40B4-BE49-F238E27FC236}">
+                <a16:creationId xmlns:a16="http://schemas.microsoft.com/office/drawing/2014/main" id="{3943595A-2AF7-A141-B580-268FFA30C69C}"/>
+              </a:ext>
+            </a:extLst>
+          </p:cNvPr>
+          <p:cNvSpPr>
+            <a:spLocks noGrp="1"/>
+          </p:cNvSpPr>
+          <p:nvPr>
+            <p:ph idx="1"/>
+          </p:nvPr>
+        </p:nvSpPr>
+        <p:spPr>
+          <a:xfrm>
+            <a:off x="533400" y="971550"/>
+            <a:ext cx="8153400" cy="3505199"/>
+          </a:xfrm>
+        </p:spPr>
+        <p:txBody>
+          <a:bodyPr/>
+          <a:lstStyle/>
+          <a:p>
+            <a:pPr marL="0" indent="0">
+              <a:spcBef>
+                <a:spcPts val="600"/>
+              </a:spcBef>
+              <a:buNone/>
+            </a:pPr>
+            <a:r>
+              <a:rPr lang="en-CA" sz="1600" dirty="0">
+                <a:latin typeface="Calibri" panose="020F0502020204030204" pitchFamily="34" charset="0"/>
+                <a:cs typeface="Calibri" panose="020F0502020204030204" pitchFamily="34" charset="0"/>
+              </a:rPr>
+              <a:t>Fragmentation </a:t>
+            </a:r>
+          </a:p>
+          <a:p>
+            <a:pPr>
+              <a:spcBef>
+                <a:spcPts val="600"/>
+              </a:spcBef>
+            </a:pPr>
+            <a:endParaRPr lang="en-CA" sz="1600" dirty="0">
+              <a:latin typeface="Calibri" panose="020F0502020204030204" pitchFamily="34" charset="0"/>
+              <a:cs typeface="Calibri" panose="020F0502020204030204" pitchFamily="34" charset="0"/>
+            </a:endParaRPr>
+          </a:p>
+        </p:txBody>
+      </p:sp>
+      <p:sp>
+        <p:nvSpPr>
+          <p:cNvPr id="4" name="Footer Placeholder 3">
+            <a:extLst>
+              <a:ext uri="{FF2B5EF4-FFF2-40B4-BE49-F238E27FC236}">
+                <a16:creationId xmlns:a16="http://schemas.microsoft.com/office/drawing/2014/main" id="{CF70CC82-C055-3645-9254-87CEC1C49032}"/>
+              </a:ext>
+            </a:extLst>
+          </p:cNvPr>
+          <p:cNvSpPr>
+            <a:spLocks noGrp="1"/>
+          </p:cNvSpPr>
+          <p:nvPr>
+            <p:ph type="ftr" sz="quarter" idx="11"/>
+          </p:nvPr>
+        </p:nvSpPr>
+        <p:spPr>
+          <a:xfrm>
+            <a:off x="3124200" y="4786312"/>
+            <a:ext cx="2895600" cy="357188"/>
+          </a:xfrm>
+        </p:spPr>
+        <p:txBody>
+          <a:bodyPr/>
+          <a:lstStyle/>
+          <a:p>
+            <a:pPr>
+              <a:defRPr/>
+            </a:pPr>
+            <a:r>
+              <a:rPr lang="en-US" altLang="zh-CN" dirty="0"/>
+              <a:t>110</a:t>
+            </a:r>
+            <a:r>
+              <a:rPr lang="en-US" altLang="zh-CN" baseline="30000" dirty="0"/>
+              <a:t>th</a:t>
+            </a:r>
+            <a:r>
+              <a:rPr lang="en-US" altLang="zh-CN" dirty="0"/>
+              <a:t> IETF Online</a:t>
+            </a:r>
+          </a:p>
+        </p:txBody>
+      </p:sp>
+      <p:sp>
+        <p:nvSpPr>
+          <p:cNvPr id="5" name="Slide Number Placeholder 4">
+            <a:extLst>
+              <a:ext uri="{FF2B5EF4-FFF2-40B4-BE49-F238E27FC236}">
+                <a16:creationId xmlns:a16="http://schemas.microsoft.com/office/drawing/2014/main" id="{62DF7D69-BCF6-2D4A-A3F1-2D32C59355D3}"/>
+              </a:ext>
+            </a:extLst>
+          </p:cNvPr>
+          <p:cNvSpPr>
+            <a:spLocks noGrp="1"/>
+          </p:cNvSpPr>
+          <p:nvPr>
+            <p:ph type="sldNum" sz="quarter" idx="12"/>
+          </p:nvPr>
+        </p:nvSpPr>
+        <p:spPr/>
+        <p:txBody>
+          <a:bodyPr/>
+          <a:lstStyle/>
+          <a:p>
+            <a:pPr>
+              <a:defRPr/>
+            </a:pPr>
+            <a:fld id="{BD6E0F59-1DD8-40FC-9C92-B6295CBA6CCA}" type="slidenum">
+              <a:rPr lang="en-US" altLang="zh-CN" smtClean="0"/>
+              <a:pPr>
+                <a:defRPr/>
+              </a:pPr>
+              <a:t>27</a:t>
+            </a:fld>
+            <a:endParaRPr lang="en-US" altLang="zh-CN" dirty="0"/>
+          </a:p>
+        </p:txBody>
+      </p:sp>
+    </p:spTree>
+    <p:extLst>
+      <p:ext uri="{BB962C8B-B14F-4D97-AF65-F5344CB8AC3E}">
+        <p14:creationId xmlns:p14="http://schemas.microsoft.com/office/powerpoint/2010/main" val="3790289133"/>
+      </p:ext>
+    </p:extLst>
+  </p:cSld>
+  <p:clrMapOvr>
+    <a:masterClrMapping/>
+  </p:clrMapOvr>
+</p:sld>
+</file>
+
+<file path=ppt/slides/slide28.xml><?xml version="1.0" encoding="utf-8"?>
 <p:sld xmlns:a="http://schemas.openxmlformats.org/drawingml/2006/main" xmlns:r="http://schemas.openxmlformats.org/officeDocument/2006/relationships" xmlns:p="http://schemas.openxmlformats.org/presentationml/2006/main">
   <p:cSld>
     <p:spTree>
@@ -12278,7 +13037,7 @@
               <a:pPr>
                 <a:defRPr/>
               </a:pPr>
-              <a:t>25</a:t>
+              <a:t>28</a:t>
             </a:fld>
             <a:endParaRPr lang="en-US" altLang="zh-CN"/>
           </a:p>
@@ -13059,7 +13818,7 @@
         </p:nvSpPr>
         <p:spPr>
           <a:xfrm>
-            <a:off x="1676400" y="996218"/>
+            <a:off x="1676400" y="759790"/>
             <a:ext cx="5791200" cy="3323987"/>
           </a:xfrm>
           <a:prstGeom prst="rect">
@@ -13261,6 +14020,53 @@
               <a:ea typeface="Calibri" panose="020F0502020204030204" pitchFamily="34" charset="0"/>
               <a:cs typeface="Times New Roman" panose="02020603050405020304" pitchFamily="18" charset="0"/>
             </a:endParaRPr>
+          </a:p>
+        </p:txBody>
+      </p:sp>
+      <p:sp>
+        <p:nvSpPr>
+          <p:cNvPr id="3" name="Rectangle 2">
+            <a:extLst>
+              <a:ext uri="{FF2B5EF4-FFF2-40B4-BE49-F238E27FC236}">
+                <a16:creationId xmlns:a16="http://schemas.microsoft.com/office/drawing/2014/main" id="{576917CC-6FED-7B4E-9205-435929A0176C}"/>
+              </a:ext>
+            </a:extLst>
+          </p:cNvPr>
+          <p:cNvSpPr/>
+          <p:nvPr/>
+        </p:nvSpPr>
+        <p:spPr>
+          <a:xfrm>
+            <a:off x="571500" y="4278775"/>
+            <a:ext cx="8000999" cy="307777"/>
+          </a:xfrm>
+          <a:prstGeom prst="rect">
+            <a:avLst/>
+          </a:prstGeom>
+        </p:spPr>
+        <p:txBody>
+          <a:bodyPr wrap="square">
+            <a:spAutoFit/>
+          </a:bodyPr>
+          <a:lstStyle/>
+          <a:p>
+            <a:r>
+              <a:rPr lang="en-US" sz="1400" dirty="0"/>
+              <a:t>https://</a:t>
+            </a:r>
+            <a:r>
+              <a:rPr lang="en-US" sz="1400" dirty="0" err="1"/>
+              <a:t>www.iana.org</a:t>
+            </a:r>
+            <a:r>
+              <a:rPr lang="en-US" sz="1400" dirty="0"/>
+              <a:t>/assignments/g-ach-parameters/</a:t>
+            </a:r>
+            <a:r>
+              <a:rPr lang="en-US" sz="1400" dirty="0" err="1"/>
+              <a:t>g-ach-parameters.xhtml#mpls-g-ach-types</a:t>
+            </a:r>
+            <a:endParaRPr lang="en-US" sz="1400" dirty="0"/>
           </a:p>
         </p:txBody>
       </p:sp>

--- a/draft-gandhi-mpls-ioam-sr-05.pptx
+++ b/draft-gandhi-mpls-ioam-sr-05.pptx
@@ -5,10 +5,10 @@
     <p:sldMasterId id="2147483648" r:id="rId1"/>
   </p:sldMasterIdLst>
   <p:notesMasterIdLst>
-    <p:notesMasterId r:id="rId30"/>
+    <p:notesMasterId r:id="rId32"/>
   </p:notesMasterIdLst>
   <p:handoutMasterIdLst>
-    <p:handoutMasterId r:id="rId31"/>
+    <p:handoutMasterId r:id="rId33"/>
   </p:handoutMasterIdLst>
   <p:sldIdLst>
     <p:sldId id="256" r:id="rId2"/>
@@ -35,10 +35,12 @@
     <p:sldId id="1670" r:id="rId23"/>
     <p:sldId id="1688" r:id="rId24"/>
     <p:sldId id="1687" r:id="rId25"/>
-    <p:sldId id="1686" r:id="rId26"/>
-    <p:sldId id="1690" r:id="rId27"/>
-    <p:sldId id="1691" r:id="rId28"/>
-    <p:sldId id="1669" r:id="rId29"/>
+    <p:sldId id="1690" r:id="rId26"/>
+    <p:sldId id="1692" r:id="rId27"/>
+    <p:sldId id="1693" r:id="rId28"/>
+    <p:sldId id="1686" r:id="rId29"/>
+    <p:sldId id="1691" r:id="rId30"/>
+    <p:sldId id="1669" r:id="rId31"/>
   </p:sldIdLst>
   <p:sldSz cx="9144000" cy="5143500" type="screen16x9"/>
   <p:notesSz cx="6858000" cy="9144000"/>
@@ -1499,7 +1501,7 @@
               <a:pPr>
                 <a:defRPr/>
               </a:pPr>
-              <a:t>28</a:t>
+              <a:t>30</a:t>
             </a:fld>
             <a:endParaRPr lang="en-US" altLang="zh-CN"/>
           </a:p>
@@ -5911,7 +5913,7 @@
         </p:nvSpPr>
         <p:spPr>
           <a:xfrm>
-            <a:off x="609600" y="5113"/>
+            <a:off x="723900" y="26458"/>
             <a:ext cx="7696200" cy="857250"/>
           </a:xfrm>
         </p:spPr>
@@ -5927,7 +5929,7 @@
                 <a:latin typeface="Calibri Light" panose="020F0302020204030204" pitchFamily="34" charset="0"/>
                 <a:cs typeface="Calibri Light" panose="020F0302020204030204" pitchFamily="34" charset="0"/>
               </a:rPr>
-              <a:t>E2E Indicator Label Allocation Methods</a:t>
+              <a:t>E2E IOAM Indicator Label Allocation Methods</a:t>
             </a:r>
           </a:p>
         </p:txBody>
@@ -6149,8 +6151,8 @@
         </p:nvSpPr>
         <p:spPr>
           <a:xfrm>
-            <a:off x="914400" y="10629"/>
-            <a:ext cx="6705600" cy="857250"/>
+            <a:off x="304800" y="10629"/>
+            <a:ext cx="8610600" cy="857250"/>
           </a:xfrm>
         </p:spPr>
         <p:txBody>
@@ -6165,7 +6167,7 @@
                 <a:latin typeface="Calibri Light" panose="020F0302020204030204" pitchFamily="34" charset="0"/>
                 <a:cs typeface="Calibri Light" panose="020F0302020204030204" pitchFamily="34" charset="0"/>
               </a:rPr>
-              <a:t>E2E Indicator Label Allocation Methods</a:t>
+              <a:t>E2E IOAM Indicator Label Allocation Methods</a:t>
             </a:r>
           </a:p>
         </p:txBody>
@@ -6624,7 +6626,7 @@
         <p:spPr bwMode="auto">
           <a:xfrm>
             <a:off x="533400" y="3392251"/>
-            <a:ext cx="7848600" cy="1099817"/>
+            <a:ext cx="7848600" cy="1291668"/>
           </a:xfrm>
           <a:prstGeom prst="rect">
             <a:avLst/>
@@ -6919,7 +6921,7 @@
                 <a:latin typeface="Calibri" panose="020F0502020204030204" pitchFamily="34" charset="0"/>
                 <a:cs typeface="Calibri" panose="020F0502020204030204" pitchFamily="34" charset="0"/>
               </a:rPr>
-              <a:t>IOAM data packets may require Entropy label for ECMP</a:t>
+              <a:t>IOAM data packets may require Entropy label for ECMP to work around hashing issue due to ACH</a:t>
             </a:r>
           </a:p>
           <a:p>
@@ -7969,7 +7971,7 @@
                 <a:latin typeface="Calibri Light" panose="020F0302020204030204" pitchFamily="34" charset="0"/>
                 <a:cs typeface="Calibri Light" panose="020F0302020204030204" pitchFamily="34" charset="0"/>
               </a:rPr>
-              <a:t> Indicator Label Allocation Methods</a:t>
+              <a:t> IOAM Indicator Label Allocation Methods</a:t>
             </a:r>
           </a:p>
         </p:txBody>
@@ -8229,7 +8231,7 @@
                 <a:latin typeface="Calibri Light" panose="020F0302020204030204" pitchFamily="34" charset="0"/>
                 <a:cs typeface="Calibri Light" panose="020F0302020204030204" pitchFamily="34" charset="0"/>
               </a:rPr>
-              <a:t> Indicator Label Allocation Methods</a:t>
+              <a:t> IOAM Indicator Label Allocation Methods</a:t>
             </a:r>
           </a:p>
         </p:txBody>
@@ -8846,8 +8848,8 @@
         </p:nvSpPr>
         <p:spPr bwMode="auto">
           <a:xfrm>
-            <a:off x="304799" y="3397665"/>
-            <a:ext cx="8305800" cy="1406298"/>
+            <a:off x="212102" y="3306969"/>
+            <a:ext cx="8458197" cy="1496993"/>
           </a:xfrm>
           <a:prstGeom prst="rect">
             <a:avLst/>
@@ -9060,6 +9062,9 @@
           </a:p>
           <a:p>
             <a:pPr>
+              <a:spcBef>
+                <a:spcPts val="600"/>
+              </a:spcBef>
               <a:buFont typeface="+mj-lt"/>
               <a:buAutoNum type="arabicPeriod"/>
             </a:pPr>
@@ -9068,7 +9073,7 @@
                 <a:latin typeface="Calibri" panose="020F0502020204030204" pitchFamily="34" charset="0"/>
                 <a:cs typeface="Calibri" panose="020F0502020204030204" pitchFamily="34" charset="0"/>
               </a:rPr>
-              <a:t>IOAM data packets may require Entropy label for ECMP</a:t>
+              <a:t>IOAM data packets may require Entropy label for ECMP to work around hashing issue due to ACH</a:t>
             </a:r>
           </a:p>
         </p:txBody>
@@ -11260,7 +11265,7 @@
                 <a:latin typeface="Calibri Light" panose="020F0302020204030204" pitchFamily="34" charset="0"/>
                 <a:cs typeface="Calibri Light" panose="020F0302020204030204" pitchFamily="34" charset="0"/>
               </a:rPr>
-              <a:t>IOAM Data and Control Word</a:t>
+              <a:t>IOAM Header and Control Word</a:t>
             </a:r>
           </a:p>
         </p:txBody>
@@ -11283,134 +11288,75 @@
         </p:nvSpPr>
         <p:spPr>
           <a:xfrm>
-            <a:off x="533400" y="857250"/>
-            <a:ext cx="8153400" cy="3619499"/>
+            <a:off x="533400" y="971550"/>
+            <a:ext cx="8153400" cy="3505199"/>
           </a:xfrm>
         </p:spPr>
         <p:txBody>
           <a:bodyPr/>
           <a:lstStyle/>
           <a:p>
+            <a:pPr>
+              <a:lnSpc>
+                <a:spcPts val="2120"/>
+              </a:lnSpc>
+              <a:spcBef>
+                <a:spcPts val="600"/>
+              </a:spcBef>
+            </a:pPr>
+            <a:r>
+              <a:rPr lang="en-CA" sz="1800" dirty="0">
+                <a:latin typeface="Calibri" panose="020F0502020204030204" pitchFamily="34" charset="0"/>
+                <a:cs typeface="Calibri" panose="020F0502020204030204" pitchFamily="34" charset="0"/>
+              </a:rPr>
+              <a:t>IOAM header is considered part of the MPLS Header, the control word and payload are added after the IOAM header in the packet.</a:t>
+            </a:r>
+          </a:p>
+          <a:p>
+            <a:pPr>
+              <a:lnSpc>
+                <a:spcPts val="2120"/>
+              </a:lnSpc>
+              <a:spcBef>
+                <a:spcPts val="600"/>
+              </a:spcBef>
+            </a:pPr>
+            <a:r>
+              <a:rPr lang="en-CA" sz="1800" dirty="0">
+                <a:latin typeface="Calibri" panose="020F0502020204030204" pitchFamily="34" charset="0"/>
+                <a:cs typeface="Calibri" panose="020F0502020204030204" pitchFamily="34" charset="0"/>
+              </a:rPr>
+              <a:t>The decapsulating node removes the MPLS header including the IOAM header and then processes the control word and payload following it.</a:t>
+            </a:r>
+          </a:p>
+          <a:p>
+            <a:pPr>
+              <a:lnSpc>
+                <a:spcPts val="2120"/>
+              </a:lnSpc>
+              <a:spcBef>
+                <a:spcPts val="600"/>
+              </a:spcBef>
+            </a:pPr>
+            <a:r>
+              <a:rPr lang="en-CA" sz="1800" dirty="0">
+                <a:latin typeface="Calibri" panose="020F0502020204030204" pitchFamily="34" charset="0"/>
+                <a:cs typeface="Calibri" panose="020F0502020204030204" pitchFamily="34" charset="0"/>
+              </a:rPr>
+              <a:t>IOAM HDR Length allows to find the Control word after the IOAM header.</a:t>
+            </a:r>
+          </a:p>
+          <a:p>
             <a:pPr marL="0" indent="0">
+              <a:lnSpc>
+                <a:spcPts val="2120"/>
+              </a:lnSpc>
               <a:spcBef>
                 <a:spcPts val="600"/>
               </a:spcBef>
               <a:buNone/>
             </a:pPr>
-            <a:r>
-              <a:rPr lang="en-CA" sz="1400" dirty="0">
-                <a:latin typeface="Calibri" panose="020F0502020204030204" pitchFamily="34" charset="0"/>
-                <a:cs typeface="Calibri" panose="020F0502020204030204" pitchFamily="34" charset="0"/>
-              </a:rPr>
-              <a:t>Control Word</a:t>
-            </a:r>
-          </a:p>
-          <a:p>
-            <a:pPr>
-              <a:spcBef>
-                <a:spcPts val="600"/>
-              </a:spcBef>
-            </a:pPr>
-            <a:r>
-              <a:rPr lang="en-CA" sz="1400" dirty="0">
-                <a:latin typeface="Calibri" panose="020F0502020204030204" pitchFamily="34" charset="0"/>
-                <a:cs typeface="Calibri" panose="020F0502020204030204" pitchFamily="34" charset="0"/>
-              </a:rPr>
-              <a:t>IOAM data is considered part of the MPLS Header, the control word and payload are added after the IOAM data in the packet.</a:t>
-            </a:r>
-          </a:p>
-          <a:p>
-            <a:pPr>
-              <a:spcBef>
-                <a:spcPts val="600"/>
-              </a:spcBef>
-            </a:pPr>
-            <a:r>
-              <a:rPr lang="en-CA" sz="1400" dirty="0">
-                <a:latin typeface="Calibri" panose="020F0502020204030204" pitchFamily="34" charset="0"/>
-                <a:cs typeface="Calibri" panose="020F0502020204030204" pitchFamily="34" charset="0"/>
-              </a:rPr>
-              <a:t>The decapsulating node removes the MPLS header including the IOAM header and then processes the control word and payload following it.</a:t>
-            </a:r>
-          </a:p>
-          <a:p>
-            <a:pPr>
-              <a:spcBef>
-                <a:spcPts val="600"/>
-              </a:spcBef>
-            </a:pPr>
-            <a:r>
-              <a:rPr lang="en-CA" sz="1400" dirty="0">
-                <a:latin typeface="Calibri" panose="020F0502020204030204" pitchFamily="34" charset="0"/>
-                <a:cs typeface="Calibri" panose="020F0502020204030204" pitchFamily="34" charset="0"/>
-              </a:rPr>
-              <a:t>IOAM HDR Length allows to find the Control word after the IOAM header.</a:t>
-            </a:r>
-          </a:p>
-          <a:p>
-            <a:pPr marL="0" indent="0">
-              <a:spcBef>
-                <a:spcPts val="600"/>
-              </a:spcBef>
-              <a:buNone/>
-            </a:pPr>
-            <a:r>
-              <a:rPr lang="en-CA" sz="1400" dirty="0">
-                <a:latin typeface="Calibri" panose="020F0502020204030204" pitchFamily="34" charset="0"/>
-                <a:cs typeface="Calibri" panose="020F0502020204030204" pitchFamily="34" charset="0"/>
-              </a:rPr>
-              <a:t>ACH:</a:t>
-            </a:r>
-          </a:p>
-          <a:p>
-            <a:pPr>
-              <a:spcBef>
-                <a:spcPts val="600"/>
-              </a:spcBef>
-            </a:pPr>
-            <a:r>
-              <a:rPr lang="en-CA" sz="1400" dirty="0">
-                <a:latin typeface="Calibri" panose="020F0502020204030204" pitchFamily="34" charset="0"/>
-                <a:cs typeface="Calibri" panose="020F0502020204030204" pitchFamily="34" charset="0"/>
-              </a:rPr>
-              <a:t>IOAM data is considered part of the MPLS Header, another ACH and payload are added after the IOAM data in the packet.</a:t>
-            </a:r>
-          </a:p>
-          <a:p>
-            <a:pPr>
-              <a:spcBef>
-                <a:spcPts val="600"/>
-              </a:spcBef>
-            </a:pPr>
-            <a:r>
-              <a:rPr lang="en-CA" sz="1400" dirty="0">
-                <a:latin typeface="Calibri" panose="020F0502020204030204" pitchFamily="34" charset="0"/>
-                <a:cs typeface="Calibri" panose="020F0502020204030204" pitchFamily="34" charset="0"/>
-              </a:rPr>
-              <a:t>The decapsulating node removes the MPLS header including the IOAM header and then processes the next ACH.</a:t>
-            </a:r>
-          </a:p>
-          <a:p>
-            <a:pPr>
-              <a:spcBef>
-                <a:spcPts val="600"/>
-              </a:spcBef>
-            </a:pPr>
-            <a:r>
-              <a:rPr lang="en-CA" sz="1400" dirty="0">
-                <a:latin typeface="Calibri" panose="020F0502020204030204" pitchFamily="34" charset="0"/>
-                <a:cs typeface="Calibri" panose="020F0502020204030204" pitchFamily="34" charset="0"/>
-              </a:rPr>
-              <a:t>IOAM HDR Length allows to find the next ACH after the IOAM header.</a:t>
-            </a:r>
-          </a:p>
-          <a:p>
-            <a:pPr>
-              <a:spcBef>
-                <a:spcPts val="600"/>
-              </a:spcBef>
-            </a:pPr>
-            <a:endParaRPr lang="en-CA" sz="1400" dirty="0">
+            <a:endParaRPr lang="en-CA" sz="1800" dirty="0">
               <a:latin typeface="Calibri" panose="020F0502020204030204" pitchFamily="34" charset="0"/>
               <a:cs typeface="Calibri" panose="020F0502020204030204" pitchFamily="34" charset="0"/>
             </a:endParaRPr>
@@ -11663,7 +11609,7 @@
         </p:nvSpPr>
         <p:spPr>
           <a:xfrm>
-            <a:off x="1828800" y="865190"/>
+            <a:off x="1905000" y="816375"/>
             <a:ext cx="5105400" cy="3693319"/>
           </a:xfrm>
           <a:prstGeom prst="rect">
@@ -11911,7 +11857,7 @@
               <a:rPr lang="en-CA" sz="900" dirty="0">
                 <a:latin typeface="Courier" pitchFamily="2" charset="0"/>
               </a:rPr>
-              <a:t>              Figure: IOAM Encapsulation in MPLS Header</a:t>
+              <a:t>      Figure: IOAM Encapsulation in MPLS Header with Control Word</a:t>
             </a:r>
             <a:endParaRPr lang="en-CA" sz="900" dirty="0">
               <a:latin typeface="Courier" pitchFamily="2" charset="0"/>
@@ -11956,7 +11902,7 @@
           <p:cNvPr id="2" name="Title 1">
             <a:extLst>
               <a:ext uri="{FF2B5EF4-FFF2-40B4-BE49-F238E27FC236}">
-                <a16:creationId xmlns:a16="http://schemas.microsoft.com/office/drawing/2014/main" id="{590D0125-5A9E-9D48-9391-85FBD0E608A2}"/>
+                <a16:creationId xmlns:a16="http://schemas.microsoft.com/office/drawing/2014/main" id="{16C5255E-BE42-5348-AC0F-6257873BBB61}"/>
               </a:ext>
             </a:extLst>
           </p:cNvPr>
@@ -11969,24 +11915,33 @@
         </p:nvSpPr>
         <p:spPr>
           <a:xfrm>
-            <a:off x="0" y="94882"/>
-            <a:ext cx="9067800" cy="599270"/>
+            <a:off x="304800" y="0"/>
+            <a:ext cx="8534400" cy="793791"/>
           </a:xfrm>
         </p:spPr>
         <p:txBody>
           <a:bodyPr/>
           <a:lstStyle/>
           <a:p>
-            <a:pPr algn="l"/>
-            <a:r>
-              <a:rPr lang="en-CA" sz="3200" dirty="0">
+            <a:r>
+              <a:rPr lang="en-US" sz="3200" dirty="0">
                 <a:solidFill>
                   <a:srgbClr val="0070C0"/>
                 </a:solidFill>
                 <a:latin typeface="Calibri Light" panose="020F0302020204030204" pitchFamily="34" charset="0"/>
                 <a:cs typeface="Calibri Light" panose="020F0302020204030204" pitchFamily="34" charset="0"/>
               </a:rPr>
-              <a:t>IOAM Encapsulation in MPLS Header with PW Data</a:t>
+              <a:t>IOAM Header and </a:t>
+            </a:r>
+            <a:r>
+              <a:rPr lang="en-US" sz="3200" dirty="0" err="1">
+                <a:solidFill>
+                  <a:srgbClr val="0070C0"/>
+                </a:solidFill>
+                <a:latin typeface="Calibri Light" panose="020F0302020204030204" pitchFamily="34" charset="0"/>
+                <a:cs typeface="Calibri Light" panose="020F0302020204030204" pitchFamily="34" charset="0"/>
+              </a:rPr>
+              <a:t>DetNet</a:t>
             </a:r>
             <a:endParaRPr lang="en-US" sz="3200" dirty="0">
               <a:solidFill>
@@ -12003,7 +11958,7 @@
           <p:cNvPr id="4" name="Footer Placeholder 3">
             <a:extLst>
               <a:ext uri="{FF2B5EF4-FFF2-40B4-BE49-F238E27FC236}">
-                <a16:creationId xmlns:a16="http://schemas.microsoft.com/office/drawing/2014/main" id="{87713FCD-3B47-804D-B373-DAB61FB5FF59}"/>
+                <a16:creationId xmlns:a16="http://schemas.microsoft.com/office/drawing/2014/main" id="{CF70CC82-C055-3645-9254-87CEC1C49032}"/>
               </a:ext>
             </a:extLst>
           </p:cNvPr>
@@ -12016,7 +11971,7 @@
         </p:nvSpPr>
         <p:spPr>
           <a:xfrm>
-            <a:off x="3124200" y="4781550"/>
+            <a:off x="3124200" y="4786312"/>
             <a:ext cx="2895600" cy="357188"/>
           </a:xfrm>
         </p:spPr>
@@ -12024,16 +11979,19 @@
           <a:bodyPr/>
           <a:lstStyle/>
           <a:p>
-            <a:r>
-              <a:rPr lang="en-CA" dirty="0"/>
+            <a:pPr>
+              <a:defRPr/>
+            </a:pPr>
+            <a:r>
+              <a:rPr lang="en-US" altLang="zh-CN" dirty="0"/>
               <a:t>110</a:t>
             </a:r>
             <a:r>
-              <a:rPr lang="en-CA" baseline="30000" dirty="0"/>
+              <a:rPr lang="en-US" altLang="zh-CN" baseline="30000" dirty="0"/>
               <a:t>th</a:t>
             </a:r>
             <a:r>
-              <a:rPr lang="en-CA" dirty="0"/>
+              <a:rPr lang="en-US" altLang="zh-CN" dirty="0"/>
               <a:t> IETF Online</a:t>
             </a:r>
           </a:p>
@@ -12044,7 +12002,7 @@
           <p:cNvPr id="5" name="Slide Number Placeholder 4">
             <a:extLst>
               <a:ext uri="{FF2B5EF4-FFF2-40B4-BE49-F238E27FC236}">
-                <a16:creationId xmlns:a16="http://schemas.microsoft.com/office/drawing/2014/main" id="{1371408B-9195-EC4D-8131-A3F5CC0592D0}"/>
+                <a16:creationId xmlns:a16="http://schemas.microsoft.com/office/drawing/2014/main" id="{62DF7D69-BCF6-2D4A-A3F1-2D32C59355D3}"/>
               </a:ext>
             </a:extLst>
           </p:cNvPr>
@@ -12070,7 +12028,7 @@
               </a:pPr>
               <a:t>25</a:t>
             </a:fld>
-            <a:endParaRPr lang="en-US" altLang="zh-CN"/>
+            <a:endParaRPr lang="en-US" altLang="zh-CN" dirty="0"/>
           </a:p>
         </p:txBody>
       </p:sp>
@@ -12079,7 +12037,7 @@
           <p:cNvPr id="6" name="Rectangle 5">
             <a:extLst>
               <a:ext uri="{FF2B5EF4-FFF2-40B4-BE49-F238E27FC236}">
-                <a16:creationId xmlns:a16="http://schemas.microsoft.com/office/drawing/2014/main" id="{1EED4007-3A19-0E4E-8496-6CECEEA363EB}"/>
+                <a16:creationId xmlns:a16="http://schemas.microsoft.com/office/drawing/2014/main" id="{E614F343-6DC2-A943-8496-BE1E2B6072CE}"/>
               </a:ext>
             </a:extLst>
           </p:cNvPr>
@@ -12088,8 +12046,8 @@
         </p:nvSpPr>
         <p:spPr>
           <a:xfrm>
-            <a:off x="1828800" y="853512"/>
-            <a:ext cx="5105400" cy="3693319"/>
+            <a:off x="2057400" y="793790"/>
+            <a:ext cx="5257800" cy="4247317"/>
           </a:xfrm>
           <a:prstGeom prst="rect">
             <a:avLst/>
@@ -12135,6 +12093,38 @@
               <a:rPr lang="en-CA" sz="900" dirty="0">
                 <a:latin typeface="Courier" pitchFamily="2" charset="0"/>
               </a:rPr>
+              <a:t>   | [F-Label(s)]                          | TC  |S|  TTL          |</a:t>
+            </a:r>
+          </a:p>
+          <a:p>
+            <a:r>
+              <a:rPr lang="en-CA" sz="900" dirty="0">
+                <a:latin typeface="Courier" pitchFamily="2" charset="0"/>
+              </a:rPr>
+              <a:t>   +-+-+-+-+-+-+-+-+-+-+-+-+-+-+-+-+-+-+-+-+-+-+-+-+-+-+-+-+-+-+-+-+</a:t>
+            </a:r>
+          </a:p>
+          <a:p>
+            <a:r>
+              <a:rPr lang="en-CA" sz="900" dirty="0">
+                <a:latin typeface="Courier" pitchFamily="2" charset="0"/>
+              </a:rPr>
+              <a:t>   | S-Label                               | TC  |S|  TTL          |</a:t>
+            </a:r>
+          </a:p>
+          <a:p>
+            <a:r>
+              <a:rPr lang="en-CA" sz="900" dirty="0">
+                <a:latin typeface="Courier" pitchFamily="2" charset="0"/>
+              </a:rPr>
+              <a:t>   +-+-+-+-+-+-+-+-+-+-+-+-+-+-+-+-+-+-+-+-+-+-+-+-+-+-+-+-+-+-+-+-+</a:t>
+            </a:r>
+          </a:p>
+          <a:p>
+            <a:r>
+              <a:rPr lang="en-CA" sz="900" dirty="0">
+                <a:latin typeface="Courier" pitchFamily="2" charset="0"/>
+              </a:rPr>
               <a:t>   | IOAM Indicator Label                  | TC  |1|  TTL          |</a:t>
             </a:r>
           </a:p>
@@ -12261,10 +12251,17 @@
                 </a:solidFill>
                 <a:latin typeface="Courier" pitchFamily="2" charset="0"/>
               </a:rPr>
-              <a:t>   |0 0 0 1|Version| Reserved      | Channel Type                  |</a:t>
-            </a:r>
-          </a:p>
-          <a:p>
+              <a:t>   |0 0 0 0| Sequence Number (</a:t>
+            </a:r>
+            <a:r>
+              <a:rPr lang="en-CA" sz="900" dirty="0" err="1">
+                <a:solidFill>
+                  <a:srgbClr val="C00000"/>
+                </a:solidFill>
+                <a:latin typeface="Courier" pitchFamily="2" charset="0"/>
+              </a:rPr>
+              <a:t>DetNet</a:t>
+            </a:r>
             <a:r>
               <a:rPr lang="en-CA" sz="900" dirty="0">
                 <a:solidFill>
@@ -12272,6 +12269,17 @@
                 </a:solidFill>
                 <a:latin typeface="Courier" pitchFamily="2" charset="0"/>
               </a:rPr>
+              <a:t> Control Word)                 |</a:t>
+            </a:r>
+          </a:p>
+          <a:p>
+            <a:r>
+              <a:rPr lang="en-CA" sz="900" dirty="0">
+                <a:solidFill>
+                  <a:srgbClr val="C00000"/>
+                </a:solidFill>
+                <a:latin typeface="Courier" pitchFamily="2" charset="0"/>
+              </a:rPr>
               <a:t>   +-+-+-+-+-+-+-+-+-+-+-+-+-+-+-+-+-+-+-+-+-+-+-+-+-+-+-+-+-+-+-+-+</a:t>
             </a:r>
           </a:p>
@@ -12296,14 +12304,34 @@
               <a:rPr lang="en-CA" sz="900" dirty="0">
                 <a:latin typeface="Courier" pitchFamily="2" charset="0"/>
               </a:rPr>
-              <a:t>   ~                 Payload + Padding                             ~</a:t>
-            </a:r>
-          </a:p>
-          <a:p>
+              <a:t>   ~                 </a:t>
+            </a:r>
+            <a:r>
+              <a:rPr lang="en-CA" sz="900" dirty="0" err="1">
+                <a:latin typeface="Courier" pitchFamily="2" charset="0"/>
+              </a:rPr>
+              <a:t>DetNet</a:t>
+            </a:r>
             <a:r>
               <a:rPr lang="en-CA" sz="900" dirty="0">
                 <a:latin typeface="Courier" pitchFamily="2" charset="0"/>
               </a:rPr>
+              <a:t> Flow                                   ~</a:t>
+            </a:r>
+          </a:p>
+          <a:p>
+            <a:r>
+              <a:rPr lang="en-CA" sz="900" dirty="0">
+                <a:latin typeface="Courier" pitchFamily="2" charset="0"/>
+              </a:rPr>
+              <a:t>   ~                 Payload Packet                                ~</a:t>
+            </a:r>
+          </a:p>
+          <a:p>
+            <a:r>
+              <a:rPr lang="en-CA" sz="900" dirty="0">
+                <a:latin typeface="Courier" pitchFamily="2" charset="0"/>
+              </a:rPr>
               <a:t>   |                                                               |</a:t>
             </a:r>
           </a:p>
@@ -12336,19 +12364,13 @@
               <a:rPr lang="en-CA" sz="900" dirty="0">
                 <a:latin typeface="Courier" pitchFamily="2" charset="0"/>
               </a:rPr>
-              <a:t>              Figure: </a:t>
+              <a:t>         Figure: IOAM Encapsulation in MPLS Header with </a:t>
             </a:r>
             <a:r>
               <a:rPr lang="en-CA" sz="900" dirty="0" err="1">
                 <a:latin typeface="Courier" pitchFamily="2" charset="0"/>
               </a:rPr>
-              <a:t>HbH</a:t>
-            </a:r>
-            <a:r>
-              <a:rPr lang="en-CA" sz="900" dirty="0">
-                <a:latin typeface="Courier" pitchFamily="2" charset="0"/>
-              </a:rPr>
-              <a:t> IOAM Encapsulation in MPLS Header</a:t>
+              <a:t>DetNet</a:t>
             </a:r>
             <a:endParaRPr lang="en-CA" sz="900" dirty="0">
               <a:latin typeface="Courier" pitchFamily="2" charset="0"/>
@@ -12358,10 +12380,58 @@
           </a:p>
         </p:txBody>
       </p:sp>
+      <p:sp>
+        <p:nvSpPr>
+          <p:cNvPr id="9" name="Rectangle 8">
+            <a:extLst>
+              <a:ext uri="{FF2B5EF4-FFF2-40B4-BE49-F238E27FC236}">
+                <a16:creationId xmlns:a16="http://schemas.microsoft.com/office/drawing/2014/main" id="{C1B6980D-C5FD-DD49-B23C-35E646344467}"/>
+              </a:ext>
+            </a:extLst>
+          </p:cNvPr>
+          <p:cNvSpPr/>
+          <p:nvPr/>
+        </p:nvSpPr>
+        <p:spPr>
+          <a:xfrm>
+            <a:off x="168504" y="4386202"/>
+            <a:ext cx="1736496" cy="430887"/>
+          </a:xfrm>
+          <a:prstGeom prst="rect">
+            <a:avLst/>
+          </a:prstGeom>
+        </p:spPr>
+        <p:txBody>
+          <a:bodyPr wrap="square">
+            <a:spAutoFit/>
+          </a:bodyPr>
+          <a:lstStyle/>
+          <a:p>
+            <a:r>
+              <a:rPr lang="en-CA" sz="1100" u="sng" dirty="0">
+                <a:solidFill>
+                  <a:srgbClr val="0563C1"/>
+                </a:solidFill>
+                <a:latin typeface="Calibri" panose="020F0502020204030204" pitchFamily="34" charset="0"/>
+                <a:ea typeface="Calibri" panose="020F0502020204030204" pitchFamily="34" charset="0"/>
+                <a:cs typeface="Times New Roman" panose="02020603050405020304" pitchFamily="18" charset="0"/>
+                <a:hlinkClick r:id="rId2"/>
+              </a:rPr>
+              <a:t>https://tools.ietf.org/html/draft-ietf-detnet-mpls-13</a:t>
+            </a:r>
+            <a:endParaRPr lang="en-CA" sz="1100" dirty="0">
+              <a:effectLst/>
+              <a:latin typeface="Calibri" panose="020F0502020204030204" pitchFamily="34" charset="0"/>
+              <a:ea typeface="Calibri" panose="020F0502020204030204" pitchFamily="34" charset="0"/>
+              <a:cs typeface="Times New Roman" panose="02020603050405020304" pitchFamily="18" charset="0"/>
+            </a:endParaRPr>
+          </a:p>
+        </p:txBody>
+      </p:sp>
     </p:spTree>
     <p:extLst>
       <p:ext uri="{BB962C8B-B14F-4D97-AF65-F5344CB8AC3E}">
-        <p14:creationId xmlns:p14="http://schemas.microsoft.com/office/powerpoint/2010/main" val="3691924194"/>
+        <p14:creationId xmlns:p14="http://schemas.microsoft.com/office/powerpoint/2010/main" val="2220119746"/>
       </p:ext>
     </p:extLst>
   </p:cSld>
@@ -12393,7 +12463,7 @@
           <p:cNvPr id="2" name="Title 1">
             <a:extLst>
               <a:ext uri="{FF2B5EF4-FFF2-40B4-BE49-F238E27FC236}">
-                <a16:creationId xmlns:a16="http://schemas.microsoft.com/office/drawing/2014/main" id="{16C5255E-BE42-5348-AC0F-6257873BBB61}"/>
+                <a16:creationId xmlns:a16="http://schemas.microsoft.com/office/drawing/2014/main" id="{3E8907F7-DB3A-6445-92A9-566917C37FB4}"/>
               </a:ext>
             </a:extLst>
           </p:cNvPr>
@@ -12406,14 +12476,24 @@
         </p:nvSpPr>
         <p:spPr>
           <a:xfrm>
-            <a:off x="304800" y="0"/>
-            <a:ext cx="8534400" cy="857250"/>
+            <a:off x="457200" y="0"/>
+            <a:ext cx="8229600" cy="857250"/>
           </a:xfrm>
         </p:spPr>
         <p:txBody>
           <a:bodyPr/>
           <a:lstStyle/>
           <a:p>
+            <a:r>
+              <a:rPr lang="en-US" sz="3200" dirty="0" err="1">
+                <a:solidFill>
+                  <a:srgbClr val="0070C0"/>
+                </a:solidFill>
+                <a:latin typeface="Calibri Light" panose="020F0302020204030204" pitchFamily="34" charset="0"/>
+                <a:cs typeface="Calibri Light" panose="020F0302020204030204" pitchFamily="34" charset="0"/>
+              </a:rPr>
+              <a:t>DetNet</a:t>
+            </a:r>
             <a:r>
               <a:rPr lang="en-US" sz="3200" dirty="0">
                 <a:solidFill>
@@ -12422,17 +12502,18 @@
                 <a:latin typeface="Calibri Light" panose="020F0302020204030204" pitchFamily="34" charset="0"/>
                 <a:cs typeface="Calibri Light" panose="020F0302020204030204" pitchFamily="34" charset="0"/>
               </a:rPr>
-              <a:t>IOAM Data and DETNET</a:t>
-            </a:r>
-          </a:p>
-        </p:txBody>
-      </p:sp>
-      <p:sp>
-        <p:nvSpPr>
-          <p:cNvPr id="3" name="Content Placeholder 2">
+              <a:t> Draft</a:t>
+            </a:r>
+            <a:endParaRPr lang="en-US" sz="3200" dirty="0"/>
+          </a:p>
+        </p:txBody>
+      </p:sp>
+      <p:sp>
+        <p:nvSpPr>
+          <p:cNvPr id="4" name="Footer Placeholder 3">
             <a:extLst>
               <a:ext uri="{FF2B5EF4-FFF2-40B4-BE49-F238E27FC236}">
-                <a16:creationId xmlns:a16="http://schemas.microsoft.com/office/drawing/2014/main" id="{3943595A-2AF7-A141-B580-268FFA30C69C}"/>
+                <a16:creationId xmlns:a16="http://schemas.microsoft.com/office/drawing/2014/main" id="{E6C86001-8481-C84B-A042-A7318C5B04A6}"/>
               </a:ext>
             </a:extLst>
           </p:cNvPr>
@@ -12440,68 +12521,10 @@
             <a:spLocks noGrp="1"/>
           </p:cNvSpPr>
           <p:nvPr>
-            <p:ph idx="1"/>
-          </p:nvPr>
-        </p:nvSpPr>
-        <p:spPr>
-          <a:xfrm>
-            <a:off x="533400" y="971550"/>
-            <a:ext cx="8153400" cy="3505199"/>
-          </a:xfrm>
-        </p:spPr>
-        <p:txBody>
-          <a:bodyPr/>
-          <a:lstStyle/>
-          <a:p>
-            <a:pPr marL="0" indent="0">
-              <a:spcBef>
-                <a:spcPts val="600"/>
-              </a:spcBef>
-              <a:buNone/>
-            </a:pPr>
-            <a:r>
-              <a:rPr lang="en-CA" sz="1600" dirty="0">
-                <a:latin typeface="Calibri" panose="020F0502020204030204" pitchFamily="34" charset="0"/>
-                <a:cs typeface="Calibri" panose="020F0502020204030204" pitchFamily="34" charset="0"/>
-              </a:rPr>
-              <a:t>DETNET</a:t>
-            </a:r>
-          </a:p>
-          <a:p>
-            <a:pPr>
-              <a:spcBef>
-                <a:spcPts val="600"/>
-              </a:spcBef>
-            </a:pPr>
-            <a:endParaRPr lang="en-CA" sz="1600" dirty="0">
-              <a:latin typeface="Calibri" panose="020F0502020204030204" pitchFamily="34" charset="0"/>
-              <a:cs typeface="Calibri" panose="020F0502020204030204" pitchFamily="34" charset="0"/>
-            </a:endParaRPr>
-          </a:p>
-        </p:txBody>
-      </p:sp>
-      <p:sp>
-        <p:nvSpPr>
-          <p:cNvPr id="4" name="Footer Placeholder 3">
-            <a:extLst>
-              <a:ext uri="{FF2B5EF4-FFF2-40B4-BE49-F238E27FC236}">
-                <a16:creationId xmlns:a16="http://schemas.microsoft.com/office/drawing/2014/main" id="{CF70CC82-C055-3645-9254-87CEC1C49032}"/>
-              </a:ext>
-            </a:extLst>
-          </p:cNvPr>
-          <p:cNvSpPr>
-            <a:spLocks noGrp="1"/>
-          </p:cNvSpPr>
-          <p:nvPr>
             <p:ph type="ftr" sz="quarter" idx="11"/>
           </p:nvPr>
         </p:nvSpPr>
-        <p:spPr>
-          <a:xfrm>
-            <a:off x="3124200" y="4786312"/>
-            <a:ext cx="2895600" cy="357188"/>
-          </a:xfrm>
-        </p:spPr>
+        <p:spPr/>
         <p:txBody>
           <a:bodyPr/>
           <a:lstStyle/>
@@ -12510,17 +12533,18 @@
               <a:defRPr/>
             </a:pPr>
             <a:r>
-              <a:rPr lang="en-US" altLang="zh-CN" dirty="0"/>
+              <a:rPr lang="en-US" altLang="zh-CN"/>
               <a:t>110</a:t>
             </a:r>
             <a:r>
-              <a:rPr lang="en-US" altLang="zh-CN" baseline="30000" dirty="0"/>
+              <a:rPr lang="en-US" altLang="zh-CN" baseline="30000"/>
               <a:t>th</a:t>
             </a:r>
             <a:r>
-              <a:rPr lang="en-US" altLang="zh-CN" dirty="0"/>
+              <a:rPr lang="en-US" altLang="zh-CN"/>
               <a:t> IETF Online</a:t>
             </a:r>
+            <a:endParaRPr lang="en-US" altLang="zh-CN" dirty="0"/>
           </a:p>
         </p:txBody>
       </p:sp>
@@ -12529,7 +12553,7 @@
           <p:cNvPr id="5" name="Slide Number Placeholder 4">
             <a:extLst>
               <a:ext uri="{FF2B5EF4-FFF2-40B4-BE49-F238E27FC236}">
-                <a16:creationId xmlns:a16="http://schemas.microsoft.com/office/drawing/2014/main" id="{62DF7D69-BCF6-2D4A-A3F1-2D32C59355D3}"/>
+                <a16:creationId xmlns:a16="http://schemas.microsoft.com/office/drawing/2014/main" id="{671D8CF7-36B2-D945-91DA-240461A3D530}"/>
               </a:ext>
             </a:extLst>
           </p:cNvPr>
@@ -12555,14 +12579,1372 @@
               </a:pPr>
               <a:t>26</a:t>
             </a:fld>
-            <a:endParaRPr lang="en-US" altLang="zh-CN" dirty="0"/>
+            <a:endParaRPr lang="en-US" altLang="zh-CN"/>
+          </a:p>
+        </p:txBody>
+      </p:sp>
+      <p:sp>
+        <p:nvSpPr>
+          <p:cNvPr id="6" name="Rectangle 5">
+            <a:extLst>
+              <a:ext uri="{FF2B5EF4-FFF2-40B4-BE49-F238E27FC236}">
+                <a16:creationId xmlns:a16="http://schemas.microsoft.com/office/drawing/2014/main" id="{C20967AB-2779-D848-8775-51D4A949B4D7}"/>
+              </a:ext>
+            </a:extLst>
+          </p:cNvPr>
+          <p:cNvSpPr/>
+          <p:nvPr/>
+        </p:nvSpPr>
+        <p:spPr>
+          <a:xfrm>
+            <a:off x="266307" y="857250"/>
+            <a:ext cx="5029200" cy="2862322"/>
+          </a:xfrm>
+          <a:prstGeom prst="rect">
+            <a:avLst/>
+          </a:prstGeom>
+          <a:solidFill>
+            <a:schemeClr val="accent6">
+              <a:lumMod val="20000"/>
+              <a:lumOff val="80000"/>
+            </a:schemeClr>
+          </a:solidFill>
+        </p:spPr>
+        <p:txBody>
+          <a:bodyPr wrap="square">
+            <a:spAutoFit/>
+          </a:bodyPr>
+          <a:lstStyle/>
+          <a:p>
+            <a:pPr>
+              <a:tabLst>
+                <a:tab pos="581660" algn="l"/>
+                <a:tab pos="1163320" algn="l"/>
+                <a:tab pos="1744980" algn="l"/>
+                <a:tab pos="2326640" algn="l"/>
+                <a:tab pos="2908300" algn="l"/>
+                <a:tab pos="3489960" algn="l"/>
+                <a:tab pos="4071620" algn="l"/>
+                <a:tab pos="4653280" algn="l"/>
+                <a:tab pos="5234940" algn="l"/>
+                <a:tab pos="5816600" algn="l"/>
+                <a:tab pos="6398260" algn="l"/>
+                <a:tab pos="6979920" algn="l"/>
+                <a:tab pos="7561580" algn="l"/>
+                <a:tab pos="8143240" algn="l"/>
+                <a:tab pos="8724900" algn="l"/>
+                <a:tab pos="9306560" algn="l"/>
+              </a:tabLst>
+            </a:pPr>
+            <a:r>
+              <a:rPr lang="en-CA" sz="1000" dirty="0">
+                <a:latin typeface="Courier" pitchFamily="2" charset="0"/>
+                <a:ea typeface="Times New Roman" panose="02020603050405020304" pitchFamily="18" charset="0"/>
+                <a:cs typeface="Times New Roman" panose="02020603050405020304" pitchFamily="18" charset="0"/>
+              </a:rPr>
+              <a:t>   +---------------------------------+ &lt;--\</a:t>
+            </a:r>
+            <a:endParaRPr lang="en-CA" sz="1000" dirty="0">
+              <a:latin typeface="Courier" pitchFamily="2" charset="0"/>
+              <a:ea typeface="Calibri" panose="020F0502020204030204" pitchFamily="34" charset="0"/>
+              <a:cs typeface="Times New Roman" panose="02020603050405020304" pitchFamily="18" charset="0"/>
+            </a:endParaRPr>
+          </a:p>
+          <a:p>
+            <a:pPr>
+              <a:tabLst>
+                <a:tab pos="581660" algn="l"/>
+                <a:tab pos="1163320" algn="l"/>
+                <a:tab pos="1744980" algn="l"/>
+                <a:tab pos="2326640" algn="l"/>
+                <a:tab pos="2908300" algn="l"/>
+                <a:tab pos="3489960" algn="l"/>
+                <a:tab pos="4071620" algn="l"/>
+                <a:tab pos="4653280" algn="l"/>
+                <a:tab pos="5234940" algn="l"/>
+                <a:tab pos="5816600" algn="l"/>
+                <a:tab pos="6398260" algn="l"/>
+                <a:tab pos="6979920" algn="l"/>
+                <a:tab pos="7561580" algn="l"/>
+                <a:tab pos="8143240" algn="l"/>
+                <a:tab pos="8724900" algn="l"/>
+                <a:tab pos="9306560" algn="l"/>
+              </a:tabLst>
+            </a:pPr>
+            <a:r>
+              <a:rPr lang="en-CA" sz="1000" dirty="0">
+                <a:latin typeface="Courier" pitchFamily="2" charset="0"/>
+                <a:ea typeface="Times New Roman" panose="02020603050405020304" pitchFamily="18" charset="0"/>
+                <a:cs typeface="Times New Roman" panose="02020603050405020304" pitchFamily="18" charset="0"/>
+              </a:rPr>
+              <a:t>   |           F-Label(s)            |    |</a:t>
+            </a:r>
+            <a:endParaRPr lang="en-CA" sz="1000" dirty="0">
+              <a:latin typeface="Courier" pitchFamily="2" charset="0"/>
+              <a:ea typeface="Calibri" panose="020F0502020204030204" pitchFamily="34" charset="0"/>
+              <a:cs typeface="Times New Roman" panose="02020603050405020304" pitchFamily="18" charset="0"/>
+            </a:endParaRPr>
+          </a:p>
+          <a:p>
+            <a:pPr>
+              <a:tabLst>
+                <a:tab pos="581660" algn="l"/>
+                <a:tab pos="1163320" algn="l"/>
+                <a:tab pos="1744980" algn="l"/>
+                <a:tab pos="2326640" algn="l"/>
+                <a:tab pos="2908300" algn="l"/>
+                <a:tab pos="3489960" algn="l"/>
+                <a:tab pos="4071620" algn="l"/>
+                <a:tab pos="4653280" algn="l"/>
+                <a:tab pos="5234940" algn="l"/>
+                <a:tab pos="5816600" algn="l"/>
+                <a:tab pos="6398260" algn="l"/>
+                <a:tab pos="6979920" algn="l"/>
+                <a:tab pos="7561580" algn="l"/>
+                <a:tab pos="8143240" algn="l"/>
+                <a:tab pos="8724900" algn="l"/>
+                <a:tab pos="9306560" algn="l"/>
+              </a:tabLst>
+            </a:pPr>
+            <a:r>
+              <a:rPr lang="en-CA" sz="1000" dirty="0">
+                <a:latin typeface="Courier" pitchFamily="2" charset="0"/>
+                <a:ea typeface="Times New Roman" panose="02020603050405020304" pitchFamily="18" charset="0"/>
+                <a:cs typeface="Times New Roman" panose="02020603050405020304" pitchFamily="18" charset="0"/>
+              </a:rPr>
+              <a:t>   +---------------------------------+    |</a:t>
+            </a:r>
+            <a:endParaRPr lang="en-CA" sz="1000" dirty="0">
+              <a:latin typeface="Courier" pitchFamily="2" charset="0"/>
+              <a:ea typeface="Calibri" panose="020F0502020204030204" pitchFamily="34" charset="0"/>
+              <a:cs typeface="Times New Roman" panose="02020603050405020304" pitchFamily="18" charset="0"/>
+            </a:endParaRPr>
+          </a:p>
+          <a:p>
+            <a:pPr>
+              <a:tabLst>
+                <a:tab pos="581660" algn="l"/>
+                <a:tab pos="1163320" algn="l"/>
+                <a:tab pos="1744980" algn="l"/>
+                <a:tab pos="2326640" algn="l"/>
+                <a:tab pos="2908300" algn="l"/>
+                <a:tab pos="3489960" algn="l"/>
+                <a:tab pos="4071620" algn="l"/>
+                <a:tab pos="4653280" algn="l"/>
+                <a:tab pos="5234940" algn="l"/>
+                <a:tab pos="5816600" algn="l"/>
+                <a:tab pos="6398260" algn="l"/>
+                <a:tab pos="6979920" algn="l"/>
+                <a:tab pos="7561580" algn="l"/>
+                <a:tab pos="8143240" algn="l"/>
+                <a:tab pos="8724900" algn="l"/>
+                <a:tab pos="9306560" algn="l"/>
+              </a:tabLst>
+            </a:pPr>
+            <a:r>
+              <a:rPr lang="en-CA" sz="1000" dirty="0">
+                <a:latin typeface="Courier" pitchFamily="2" charset="0"/>
+                <a:ea typeface="Times New Roman" panose="02020603050405020304" pitchFamily="18" charset="0"/>
+                <a:cs typeface="Times New Roman" panose="02020603050405020304" pitchFamily="18" charset="0"/>
+              </a:rPr>
+              <a:t>   |            A-Label              |    |</a:t>
+            </a:r>
+            <a:endParaRPr lang="en-CA" sz="1000" dirty="0">
+              <a:latin typeface="Courier" pitchFamily="2" charset="0"/>
+              <a:ea typeface="Calibri" panose="020F0502020204030204" pitchFamily="34" charset="0"/>
+              <a:cs typeface="Times New Roman" panose="02020603050405020304" pitchFamily="18" charset="0"/>
+            </a:endParaRPr>
+          </a:p>
+          <a:p>
+            <a:pPr>
+              <a:tabLst>
+                <a:tab pos="581660" algn="l"/>
+                <a:tab pos="1163320" algn="l"/>
+                <a:tab pos="1744980" algn="l"/>
+                <a:tab pos="2326640" algn="l"/>
+                <a:tab pos="2908300" algn="l"/>
+                <a:tab pos="3489960" algn="l"/>
+                <a:tab pos="4071620" algn="l"/>
+                <a:tab pos="4653280" algn="l"/>
+                <a:tab pos="5234940" algn="l"/>
+                <a:tab pos="5816600" algn="l"/>
+                <a:tab pos="6398260" algn="l"/>
+                <a:tab pos="6979920" algn="l"/>
+                <a:tab pos="7561580" algn="l"/>
+                <a:tab pos="8143240" algn="l"/>
+                <a:tab pos="8724900" algn="l"/>
+                <a:tab pos="9306560" algn="l"/>
+              </a:tabLst>
+            </a:pPr>
+            <a:r>
+              <a:rPr lang="en-CA" sz="1000" dirty="0">
+                <a:latin typeface="Courier" pitchFamily="2" charset="0"/>
+                <a:ea typeface="Times New Roman" panose="02020603050405020304" pitchFamily="18" charset="0"/>
+                <a:cs typeface="Times New Roman" panose="02020603050405020304" pitchFamily="18" charset="0"/>
+              </a:rPr>
+              <a:t>   +=================================+    |</a:t>
+            </a:r>
+            <a:endParaRPr lang="en-CA" sz="1000" dirty="0">
+              <a:latin typeface="Courier" pitchFamily="2" charset="0"/>
+              <a:ea typeface="Calibri" panose="020F0502020204030204" pitchFamily="34" charset="0"/>
+              <a:cs typeface="Times New Roman" panose="02020603050405020304" pitchFamily="18" charset="0"/>
+            </a:endParaRPr>
+          </a:p>
+          <a:p>
+            <a:pPr>
+              <a:tabLst>
+                <a:tab pos="581660" algn="l"/>
+                <a:tab pos="1163320" algn="l"/>
+                <a:tab pos="1744980" algn="l"/>
+                <a:tab pos="2326640" algn="l"/>
+                <a:tab pos="2908300" algn="l"/>
+                <a:tab pos="3489960" algn="l"/>
+                <a:tab pos="4071620" algn="l"/>
+                <a:tab pos="4653280" algn="l"/>
+                <a:tab pos="5234940" algn="l"/>
+                <a:tab pos="5816600" algn="l"/>
+                <a:tab pos="6398260" algn="l"/>
+                <a:tab pos="6979920" algn="l"/>
+                <a:tab pos="7561580" algn="l"/>
+                <a:tab pos="8143240" algn="l"/>
+                <a:tab pos="8724900" algn="l"/>
+                <a:tab pos="9306560" algn="l"/>
+              </a:tabLst>
+            </a:pPr>
+            <a:r>
+              <a:rPr lang="en-CA" sz="1000" dirty="0">
+                <a:latin typeface="Courier" pitchFamily="2" charset="0"/>
+                <a:ea typeface="Times New Roman" panose="02020603050405020304" pitchFamily="18" charset="0"/>
+                <a:cs typeface="Times New Roman" panose="02020603050405020304" pitchFamily="18" charset="0"/>
+              </a:rPr>
+              <a:t>   |       </a:t>
+            </a:r>
+            <a:r>
+              <a:rPr lang="en-CA" sz="1000" dirty="0" err="1">
+                <a:latin typeface="Courier" pitchFamily="2" charset="0"/>
+                <a:ea typeface="Times New Roman" panose="02020603050405020304" pitchFamily="18" charset="0"/>
+                <a:cs typeface="Times New Roman" panose="02020603050405020304" pitchFamily="18" charset="0"/>
+              </a:rPr>
+              <a:t>DetNet</a:t>
+            </a:r>
+            <a:r>
+              <a:rPr lang="en-CA" sz="1000" dirty="0">
+                <a:latin typeface="Courier" pitchFamily="2" charset="0"/>
+                <a:ea typeface="Times New Roman" panose="02020603050405020304" pitchFamily="18" charset="0"/>
+                <a:cs typeface="Times New Roman" panose="02020603050405020304" pitchFamily="18" charset="0"/>
+              </a:rPr>
+              <a:t> Control Word       |    |</a:t>
+            </a:r>
+            <a:endParaRPr lang="en-CA" sz="1000" dirty="0">
+              <a:latin typeface="Courier" pitchFamily="2" charset="0"/>
+              <a:ea typeface="Calibri" panose="020F0502020204030204" pitchFamily="34" charset="0"/>
+              <a:cs typeface="Times New Roman" panose="02020603050405020304" pitchFamily="18" charset="0"/>
+            </a:endParaRPr>
+          </a:p>
+          <a:p>
+            <a:pPr>
+              <a:tabLst>
+                <a:tab pos="581660" algn="l"/>
+                <a:tab pos="1163320" algn="l"/>
+                <a:tab pos="1744980" algn="l"/>
+                <a:tab pos="2326640" algn="l"/>
+                <a:tab pos="2908300" algn="l"/>
+                <a:tab pos="3489960" algn="l"/>
+                <a:tab pos="4071620" algn="l"/>
+                <a:tab pos="4653280" algn="l"/>
+                <a:tab pos="5234940" algn="l"/>
+                <a:tab pos="5816600" algn="l"/>
+                <a:tab pos="6398260" algn="l"/>
+                <a:tab pos="6979920" algn="l"/>
+                <a:tab pos="7561580" algn="l"/>
+                <a:tab pos="8143240" algn="l"/>
+                <a:tab pos="8724900" algn="l"/>
+                <a:tab pos="9306560" algn="l"/>
+              </a:tabLst>
+            </a:pPr>
+            <a:r>
+              <a:rPr lang="en-CA" sz="1000" dirty="0">
+                <a:latin typeface="Courier" pitchFamily="2" charset="0"/>
+                <a:ea typeface="Times New Roman" panose="02020603050405020304" pitchFamily="18" charset="0"/>
+                <a:cs typeface="Times New Roman" panose="02020603050405020304" pitchFamily="18" charset="0"/>
+              </a:rPr>
+              <a:t>   +---------------------------------+    |</a:t>
+            </a:r>
+            <a:endParaRPr lang="en-CA" sz="1000" dirty="0">
+              <a:latin typeface="Courier" pitchFamily="2" charset="0"/>
+              <a:ea typeface="Calibri" panose="020F0502020204030204" pitchFamily="34" charset="0"/>
+              <a:cs typeface="Times New Roman" panose="02020603050405020304" pitchFamily="18" charset="0"/>
+            </a:endParaRPr>
+          </a:p>
+          <a:p>
+            <a:pPr>
+              <a:tabLst>
+                <a:tab pos="581660" algn="l"/>
+                <a:tab pos="1163320" algn="l"/>
+                <a:tab pos="1744980" algn="l"/>
+                <a:tab pos="2326640" algn="l"/>
+                <a:tab pos="2908300" algn="l"/>
+                <a:tab pos="3489960" algn="l"/>
+                <a:tab pos="4071620" algn="l"/>
+                <a:tab pos="4653280" algn="l"/>
+                <a:tab pos="5234940" algn="l"/>
+                <a:tab pos="5816600" algn="l"/>
+                <a:tab pos="6398260" algn="l"/>
+                <a:tab pos="6979920" algn="l"/>
+                <a:tab pos="7561580" algn="l"/>
+                <a:tab pos="8143240" algn="l"/>
+                <a:tab pos="8724900" algn="l"/>
+                <a:tab pos="9306560" algn="l"/>
+              </a:tabLst>
+            </a:pPr>
+            <a:r>
+              <a:rPr lang="en-CA" sz="1000" dirty="0">
+                <a:latin typeface="Courier" pitchFamily="2" charset="0"/>
+                <a:ea typeface="Times New Roman" panose="02020603050405020304" pitchFamily="18" charset="0"/>
+                <a:cs typeface="Times New Roman" panose="02020603050405020304" pitchFamily="18" charset="0"/>
+              </a:rPr>
+              <a:t>   |         [ F-Label(s) ]          |    +--</a:t>
+            </a:r>
+            <a:r>
+              <a:rPr lang="en-CA" sz="1000" dirty="0" err="1">
+                <a:latin typeface="Courier" pitchFamily="2" charset="0"/>
+                <a:ea typeface="Times New Roman" panose="02020603050405020304" pitchFamily="18" charset="0"/>
+                <a:cs typeface="Times New Roman" panose="02020603050405020304" pitchFamily="18" charset="0"/>
+              </a:rPr>
+              <a:t>DetNet</a:t>
+            </a:r>
+            <a:r>
+              <a:rPr lang="en-CA" sz="1000" dirty="0">
+                <a:latin typeface="Courier" pitchFamily="2" charset="0"/>
+                <a:ea typeface="Times New Roman" panose="02020603050405020304" pitchFamily="18" charset="0"/>
+                <a:cs typeface="Times New Roman" panose="02020603050405020304" pitchFamily="18" charset="0"/>
+              </a:rPr>
+              <a:t> data plane</a:t>
+            </a:r>
+            <a:endParaRPr lang="en-CA" sz="1000" dirty="0">
+              <a:latin typeface="Courier" pitchFamily="2" charset="0"/>
+              <a:ea typeface="Calibri" panose="020F0502020204030204" pitchFamily="34" charset="0"/>
+              <a:cs typeface="Times New Roman" panose="02020603050405020304" pitchFamily="18" charset="0"/>
+            </a:endParaRPr>
+          </a:p>
+          <a:p>
+            <a:pPr>
+              <a:tabLst>
+                <a:tab pos="581660" algn="l"/>
+                <a:tab pos="1163320" algn="l"/>
+                <a:tab pos="1744980" algn="l"/>
+                <a:tab pos="2326640" algn="l"/>
+                <a:tab pos="2908300" algn="l"/>
+                <a:tab pos="3489960" algn="l"/>
+                <a:tab pos="4071620" algn="l"/>
+                <a:tab pos="4653280" algn="l"/>
+                <a:tab pos="5234940" algn="l"/>
+                <a:tab pos="5816600" algn="l"/>
+                <a:tab pos="6398260" algn="l"/>
+                <a:tab pos="6979920" algn="l"/>
+                <a:tab pos="7561580" algn="l"/>
+                <a:tab pos="8143240" algn="l"/>
+                <a:tab pos="8724900" algn="l"/>
+                <a:tab pos="9306560" algn="l"/>
+              </a:tabLst>
+            </a:pPr>
+            <a:r>
+              <a:rPr lang="en-CA" sz="1000" dirty="0">
+                <a:latin typeface="Courier" pitchFamily="2" charset="0"/>
+                <a:ea typeface="Times New Roman" panose="02020603050405020304" pitchFamily="18" charset="0"/>
+                <a:cs typeface="Times New Roman" panose="02020603050405020304" pitchFamily="18" charset="0"/>
+              </a:rPr>
+              <a:t>   +---------------------------------+    |  MPLS Encapsulation</a:t>
+            </a:r>
+            <a:endParaRPr lang="en-CA" sz="1000" dirty="0">
+              <a:latin typeface="Courier" pitchFamily="2" charset="0"/>
+              <a:ea typeface="Calibri" panose="020F0502020204030204" pitchFamily="34" charset="0"/>
+              <a:cs typeface="Times New Roman" panose="02020603050405020304" pitchFamily="18" charset="0"/>
+            </a:endParaRPr>
+          </a:p>
+          <a:p>
+            <a:pPr>
+              <a:tabLst>
+                <a:tab pos="581660" algn="l"/>
+                <a:tab pos="1163320" algn="l"/>
+                <a:tab pos="1744980" algn="l"/>
+                <a:tab pos="2326640" algn="l"/>
+                <a:tab pos="2908300" algn="l"/>
+                <a:tab pos="3489960" algn="l"/>
+                <a:tab pos="4071620" algn="l"/>
+                <a:tab pos="4653280" algn="l"/>
+                <a:tab pos="5234940" algn="l"/>
+                <a:tab pos="5816600" algn="l"/>
+                <a:tab pos="6398260" algn="l"/>
+                <a:tab pos="6979920" algn="l"/>
+                <a:tab pos="7561580" algn="l"/>
+                <a:tab pos="8143240" algn="l"/>
+                <a:tab pos="8724900" algn="l"/>
+                <a:tab pos="9306560" algn="l"/>
+              </a:tabLst>
+            </a:pPr>
+            <a:r>
+              <a:rPr lang="en-CA" sz="1000" dirty="0">
+                <a:latin typeface="Courier" pitchFamily="2" charset="0"/>
+                <a:ea typeface="Times New Roman" panose="02020603050405020304" pitchFamily="18" charset="0"/>
+                <a:cs typeface="Times New Roman" panose="02020603050405020304" pitchFamily="18" charset="0"/>
+              </a:rPr>
+              <a:t>   |            S-Label              |    |</a:t>
+            </a:r>
+            <a:endParaRPr lang="en-CA" sz="1000" dirty="0">
+              <a:latin typeface="Courier" pitchFamily="2" charset="0"/>
+              <a:ea typeface="Calibri" panose="020F0502020204030204" pitchFamily="34" charset="0"/>
+              <a:cs typeface="Times New Roman" panose="02020603050405020304" pitchFamily="18" charset="0"/>
+            </a:endParaRPr>
+          </a:p>
+          <a:p>
+            <a:pPr>
+              <a:tabLst>
+                <a:tab pos="581660" algn="l"/>
+                <a:tab pos="1163320" algn="l"/>
+                <a:tab pos="1744980" algn="l"/>
+                <a:tab pos="2326640" algn="l"/>
+                <a:tab pos="2908300" algn="l"/>
+                <a:tab pos="3489960" algn="l"/>
+                <a:tab pos="4071620" algn="l"/>
+                <a:tab pos="4653280" algn="l"/>
+                <a:tab pos="5234940" algn="l"/>
+                <a:tab pos="5816600" algn="l"/>
+                <a:tab pos="6398260" algn="l"/>
+                <a:tab pos="6979920" algn="l"/>
+                <a:tab pos="7561580" algn="l"/>
+                <a:tab pos="8143240" algn="l"/>
+                <a:tab pos="8724900" algn="l"/>
+                <a:tab pos="9306560" algn="l"/>
+              </a:tabLst>
+            </a:pPr>
+            <a:r>
+              <a:rPr lang="en-CA" sz="1000" dirty="0">
+                <a:latin typeface="Courier" pitchFamily="2" charset="0"/>
+                <a:ea typeface="Times New Roman" panose="02020603050405020304" pitchFamily="18" charset="0"/>
+                <a:cs typeface="Times New Roman" panose="02020603050405020304" pitchFamily="18" charset="0"/>
+              </a:rPr>
+              <a:t>   +=================================+    |</a:t>
+            </a:r>
+            <a:endParaRPr lang="en-CA" sz="1000" dirty="0">
+              <a:latin typeface="Courier" pitchFamily="2" charset="0"/>
+              <a:ea typeface="Calibri" panose="020F0502020204030204" pitchFamily="34" charset="0"/>
+              <a:cs typeface="Times New Roman" panose="02020603050405020304" pitchFamily="18" charset="0"/>
+            </a:endParaRPr>
+          </a:p>
+          <a:p>
+            <a:pPr>
+              <a:tabLst>
+                <a:tab pos="581660" algn="l"/>
+                <a:tab pos="1163320" algn="l"/>
+                <a:tab pos="1744980" algn="l"/>
+                <a:tab pos="2326640" algn="l"/>
+                <a:tab pos="2908300" algn="l"/>
+                <a:tab pos="3489960" algn="l"/>
+                <a:tab pos="4071620" algn="l"/>
+                <a:tab pos="4653280" algn="l"/>
+                <a:tab pos="5234940" algn="l"/>
+                <a:tab pos="5816600" algn="l"/>
+                <a:tab pos="6398260" algn="l"/>
+                <a:tab pos="6979920" algn="l"/>
+                <a:tab pos="7561580" algn="l"/>
+                <a:tab pos="8143240" algn="l"/>
+                <a:tab pos="8724900" algn="l"/>
+                <a:tab pos="9306560" algn="l"/>
+              </a:tabLst>
+            </a:pPr>
+            <a:r>
+              <a:rPr lang="en-CA" sz="1000" dirty="0">
+                <a:latin typeface="Courier" pitchFamily="2" charset="0"/>
+                <a:ea typeface="Times New Roman" panose="02020603050405020304" pitchFamily="18" charset="0"/>
+                <a:cs typeface="Times New Roman" panose="02020603050405020304" pitchFamily="18" charset="0"/>
+              </a:rPr>
+              <a:t>   |       </a:t>
+            </a:r>
+            <a:r>
+              <a:rPr lang="en-CA" sz="1000" dirty="0" err="1">
+                <a:latin typeface="Courier" pitchFamily="2" charset="0"/>
+                <a:ea typeface="Times New Roman" panose="02020603050405020304" pitchFamily="18" charset="0"/>
+                <a:cs typeface="Times New Roman" panose="02020603050405020304" pitchFamily="18" charset="0"/>
+              </a:rPr>
+              <a:t>DetNet</a:t>
+            </a:r>
+            <a:r>
+              <a:rPr lang="en-CA" sz="1000" dirty="0">
+                <a:latin typeface="Courier" pitchFamily="2" charset="0"/>
+                <a:ea typeface="Times New Roman" panose="02020603050405020304" pitchFamily="18" charset="0"/>
+                <a:cs typeface="Times New Roman" panose="02020603050405020304" pitchFamily="18" charset="0"/>
+              </a:rPr>
+              <a:t> Control Word       |    |</a:t>
+            </a:r>
+            <a:endParaRPr lang="en-CA" sz="1000" dirty="0">
+              <a:latin typeface="Courier" pitchFamily="2" charset="0"/>
+              <a:ea typeface="Calibri" panose="020F0502020204030204" pitchFamily="34" charset="0"/>
+              <a:cs typeface="Times New Roman" panose="02020603050405020304" pitchFamily="18" charset="0"/>
+            </a:endParaRPr>
+          </a:p>
+          <a:p>
+            <a:pPr>
+              <a:tabLst>
+                <a:tab pos="581660" algn="l"/>
+                <a:tab pos="1163320" algn="l"/>
+                <a:tab pos="1744980" algn="l"/>
+                <a:tab pos="2326640" algn="l"/>
+                <a:tab pos="2908300" algn="l"/>
+                <a:tab pos="3489960" algn="l"/>
+                <a:tab pos="4071620" algn="l"/>
+                <a:tab pos="4653280" algn="l"/>
+                <a:tab pos="5234940" algn="l"/>
+                <a:tab pos="5816600" algn="l"/>
+                <a:tab pos="6398260" algn="l"/>
+                <a:tab pos="6979920" algn="l"/>
+                <a:tab pos="7561580" algn="l"/>
+                <a:tab pos="8143240" algn="l"/>
+                <a:tab pos="8724900" algn="l"/>
+                <a:tab pos="9306560" algn="l"/>
+              </a:tabLst>
+            </a:pPr>
+            <a:r>
+              <a:rPr lang="en-CA" sz="1000" dirty="0">
+                <a:latin typeface="Courier" pitchFamily="2" charset="0"/>
+                <a:ea typeface="Times New Roman" panose="02020603050405020304" pitchFamily="18" charset="0"/>
+                <a:cs typeface="Times New Roman" panose="02020603050405020304" pitchFamily="18" charset="0"/>
+              </a:rPr>
+              <a:t>   +---------------------------------+ &lt;--/</a:t>
+            </a:r>
+            <a:endParaRPr lang="en-CA" sz="1000" dirty="0">
+              <a:latin typeface="Courier" pitchFamily="2" charset="0"/>
+              <a:ea typeface="Calibri" panose="020F0502020204030204" pitchFamily="34" charset="0"/>
+              <a:cs typeface="Times New Roman" panose="02020603050405020304" pitchFamily="18" charset="0"/>
+            </a:endParaRPr>
+          </a:p>
+          <a:p>
+            <a:pPr>
+              <a:tabLst>
+                <a:tab pos="581660" algn="l"/>
+                <a:tab pos="1163320" algn="l"/>
+                <a:tab pos="1744980" algn="l"/>
+                <a:tab pos="2326640" algn="l"/>
+                <a:tab pos="2908300" algn="l"/>
+                <a:tab pos="3489960" algn="l"/>
+                <a:tab pos="4071620" algn="l"/>
+                <a:tab pos="4653280" algn="l"/>
+                <a:tab pos="5234940" algn="l"/>
+                <a:tab pos="5816600" algn="l"/>
+                <a:tab pos="6398260" algn="l"/>
+                <a:tab pos="6979920" algn="l"/>
+                <a:tab pos="7561580" algn="l"/>
+                <a:tab pos="8143240" algn="l"/>
+                <a:tab pos="8724900" algn="l"/>
+                <a:tab pos="9306560" algn="l"/>
+              </a:tabLst>
+            </a:pPr>
+            <a:r>
+              <a:rPr lang="en-CA" sz="1000" dirty="0">
+                <a:latin typeface="Courier" pitchFamily="2" charset="0"/>
+                <a:ea typeface="Times New Roman" panose="02020603050405020304" pitchFamily="18" charset="0"/>
+                <a:cs typeface="Times New Roman" panose="02020603050405020304" pitchFamily="18" charset="0"/>
+              </a:rPr>
+              <a:t>   |                                 |</a:t>
+            </a:r>
+            <a:endParaRPr lang="en-CA" sz="1000" dirty="0">
+              <a:latin typeface="Courier" pitchFamily="2" charset="0"/>
+              <a:ea typeface="Calibri" panose="020F0502020204030204" pitchFamily="34" charset="0"/>
+              <a:cs typeface="Times New Roman" panose="02020603050405020304" pitchFamily="18" charset="0"/>
+            </a:endParaRPr>
+          </a:p>
+          <a:p>
+            <a:pPr>
+              <a:tabLst>
+                <a:tab pos="581660" algn="l"/>
+                <a:tab pos="1163320" algn="l"/>
+                <a:tab pos="1744980" algn="l"/>
+                <a:tab pos="2326640" algn="l"/>
+                <a:tab pos="2908300" algn="l"/>
+                <a:tab pos="3489960" algn="l"/>
+                <a:tab pos="4071620" algn="l"/>
+                <a:tab pos="4653280" algn="l"/>
+                <a:tab pos="5234940" algn="l"/>
+                <a:tab pos="5816600" algn="l"/>
+                <a:tab pos="6398260" algn="l"/>
+                <a:tab pos="6979920" algn="l"/>
+                <a:tab pos="7561580" algn="l"/>
+                <a:tab pos="8143240" algn="l"/>
+                <a:tab pos="8724900" algn="l"/>
+                <a:tab pos="9306560" algn="l"/>
+              </a:tabLst>
+            </a:pPr>
+            <a:r>
+              <a:rPr lang="en-CA" sz="1000" dirty="0">
+                <a:latin typeface="Courier" pitchFamily="2" charset="0"/>
+                <a:ea typeface="Times New Roman" panose="02020603050405020304" pitchFamily="18" charset="0"/>
+                <a:cs typeface="Times New Roman" panose="02020603050405020304" pitchFamily="18" charset="0"/>
+              </a:rPr>
+              <a:t>   |           </a:t>
+            </a:r>
+            <a:r>
+              <a:rPr lang="en-CA" sz="1000" dirty="0" err="1">
+                <a:latin typeface="Courier" pitchFamily="2" charset="0"/>
+                <a:ea typeface="Times New Roman" panose="02020603050405020304" pitchFamily="18" charset="0"/>
+                <a:cs typeface="Times New Roman" panose="02020603050405020304" pitchFamily="18" charset="0"/>
+              </a:rPr>
+              <a:t>DetNet</a:t>
+            </a:r>
+            <a:r>
+              <a:rPr lang="en-CA" sz="1000" dirty="0">
+                <a:latin typeface="Courier" pitchFamily="2" charset="0"/>
+                <a:ea typeface="Times New Roman" panose="02020603050405020304" pitchFamily="18" charset="0"/>
+                <a:cs typeface="Times New Roman" panose="02020603050405020304" pitchFamily="18" charset="0"/>
+              </a:rPr>
+              <a:t> Flow           |</a:t>
+            </a:r>
+            <a:endParaRPr lang="en-CA" sz="1000" dirty="0">
+              <a:latin typeface="Courier" pitchFamily="2" charset="0"/>
+              <a:ea typeface="Calibri" panose="020F0502020204030204" pitchFamily="34" charset="0"/>
+              <a:cs typeface="Times New Roman" panose="02020603050405020304" pitchFamily="18" charset="0"/>
+            </a:endParaRPr>
+          </a:p>
+          <a:p>
+            <a:pPr>
+              <a:tabLst>
+                <a:tab pos="581660" algn="l"/>
+                <a:tab pos="1163320" algn="l"/>
+                <a:tab pos="1744980" algn="l"/>
+                <a:tab pos="2326640" algn="l"/>
+                <a:tab pos="2908300" algn="l"/>
+                <a:tab pos="3489960" algn="l"/>
+                <a:tab pos="4071620" algn="l"/>
+                <a:tab pos="4653280" algn="l"/>
+                <a:tab pos="5234940" algn="l"/>
+                <a:tab pos="5816600" algn="l"/>
+                <a:tab pos="6398260" algn="l"/>
+                <a:tab pos="6979920" algn="l"/>
+                <a:tab pos="7561580" algn="l"/>
+                <a:tab pos="8143240" algn="l"/>
+                <a:tab pos="8724900" algn="l"/>
+                <a:tab pos="9306560" algn="l"/>
+              </a:tabLst>
+            </a:pPr>
+            <a:r>
+              <a:rPr lang="en-CA" sz="1000" dirty="0">
+                <a:latin typeface="Courier" pitchFamily="2" charset="0"/>
+                <a:ea typeface="Times New Roman" panose="02020603050405020304" pitchFamily="18" charset="0"/>
+                <a:cs typeface="Times New Roman" panose="02020603050405020304" pitchFamily="18" charset="0"/>
+              </a:rPr>
+              <a:t>   |         Payload  Packet         |</a:t>
+            </a:r>
+            <a:endParaRPr lang="en-CA" sz="1000" dirty="0">
+              <a:latin typeface="Courier" pitchFamily="2" charset="0"/>
+              <a:ea typeface="Calibri" panose="020F0502020204030204" pitchFamily="34" charset="0"/>
+              <a:cs typeface="Times New Roman" panose="02020603050405020304" pitchFamily="18" charset="0"/>
+            </a:endParaRPr>
+          </a:p>
+          <a:p>
+            <a:pPr>
+              <a:tabLst>
+                <a:tab pos="581660" algn="l"/>
+                <a:tab pos="1163320" algn="l"/>
+                <a:tab pos="1744980" algn="l"/>
+                <a:tab pos="2326640" algn="l"/>
+                <a:tab pos="2908300" algn="l"/>
+                <a:tab pos="3489960" algn="l"/>
+                <a:tab pos="4071620" algn="l"/>
+                <a:tab pos="4653280" algn="l"/>
+                <a:tab pos="5234940" algn="l"/>
+                <a:tab pos="5816600" algn="l"/>
+                <a:tab pos="6398260" algn="l"/>
+                <a:tab pos="6979920" algn="l"/>
+                <a:tab pos="7561580" algn="l"/>
+                <a:tab pos="8143240" algn="l"/>
+                <a:tab pos="8724900" algn="l"/>
+                <a:tab pos="9306560" algn="l"/>
+              </a:tabLst>
+            </a:pPr>
+            <a:r>
+              <a:rPr lang="en-CA" sz="1000" dirty="0">
+                <a:latin typeface="Courier" pitchFamily="2" charset="0"/>
+                <a:ea typeface="Times New Roman" panose="02020603050405020304" pitchFamily="18" charset="0"/>
+                <a:cs typeface="Times New Roman" panose="02020603050405020304" pitchFamily="18" charset="0"/>
+              </a:rPr>
+              <a:t>   |                                 |</a:t>
+            </a:r>
+            <a:endParaRPr lang="en-CA" sz="1000" dirty="0">
+              <a:latin typeface="Courier" pitchFamily="2" charset="0"/>
+              <a:ea typeface="Calibri" panose="020F0502020204030204" pitchFamily="34" charset="0"/>
+              <a:cs typeface="Times New Roman" panose="02020603050405020304" pitchFamily="18" charset="0"/>
+            </a:endParaRPr>
+          </a:p>
+          <a:p>
+            <a:pPr>
+              <a:tabLst>
+                <a:tab pos="581660" algn="l"/>
+                <a:tab pos="1163320" algn="l"/>
+                <a:tab pos="1744980" algn="l"/>
+                <a:tab pos="2326640" algn="l"/>
+                <a:tab pos="2908300" algn="l"/>
+                <a:tab pos="3489960" algn="l"/>
+                <a:tab pos="4071620" algn="l"/>
+                <a:tab pos="4653280" algn="l"/>
+                <a:tab pos="5234940" algn="l"/>
+                <a:tab pos="5816600" algn="l"/>
+                <a:tab pos="6398260" algn="l"/>
+                <a:tab pos="6979920" algn="l"/>
+                <a:tab pos="7561580" algn="l"/>
+                <a:tab pos="8143240" algn="l"/>
+                <a:tab pos="8724900" algn="l"/>
+                <a:tab pos="9306560" algn="l"/>
+              </a:tabLst>
+            </a:pPr>
+            <a:r>
+              <a:rPr lang="en-CA" sz="1000" dirty="0">
+                <a:latin typeface="Courier" pitchFamily="2" charset="0"/>
+                <a:ea typeface="Times New Roman" panose="02020603050405020304" pitchFamily="18" charset="0"/>
+                <a:cs typeface="Times New Roman" panose="02020603050405020304" pitchFamily="18" charset="0"/>
+              </a:rPr>
+              <a:t>   +---------------------------------+ </a:t>
+            </a:r>
+            <a:endParaRPr lang="en-US" sz="1000" dirty="0">
+              <a:latin typeface="Courier" pitchFamily="2" charset="0"/>
+            </a:endParaRPr>
+          </a:p>
+        </p:txBody>
+      </p:sp>
+      <p:sp>
+        <p:nvSpPr>
+          <p:cNvPr id="7" name="Rectangle 6">
+            <a:extLst>
+              <a:ext uri="{FF2B5EF4-FFF2-40B4-BE49-F238E27FC236}">
+                <a16:creationId xmlns:a16="http://schemas.microsoft.com/office/drawing/2014/main" id="{7F774C87-9477-FB46-8442-69F405517AAC}"/>
+              </a:ext>
+            </a:extLst>
+          </p:cNvPr>
+          <p:cNvSpPr/>
+          <p:nvPr/>
+        </p:nvSpPr>
+        <p:spPr>
+          <a:xfrm>
+            <a:off x="3772293" y="2647950"/>
+            <a:ext cx="5105400" cy="1938992"/>
+          </a:xfrm>
+          <a:prstGeom prst="rect">
+            <a:avLst/>
+          </a:prstGeom>
+          <a:solidFill>
+            <a:schemeClr val="accent6">
+              <a:lumMod val="20000"/>
+              <a:lumOff val="80000"/>
+            </a:schemeClr>
+          </a:solidFill>
+        </p:spPr>
+        <p:txBody>
+          <a:bodyPr wrap="square">
+            <a:spAutoFit/>
+          </a:bodyPr>
+          <a:lstStyle/>
+          <a:p>
+            <a:pPr>
+              <a:tabLst>
+                <a:tab pos="581660" algn="l"/>
+                <a:tab pos="1163320" algn="l"/>
+                <a:tab pos="1744980" algn="l"/>
+                <a:tab pos="2326640" algn="l"/>
+                <a:tab pos="2908300" algn="l"/>
+                <a:tab pos="3489960" algn="l"/>
+                <a:tab pos="4071620" algn="l"/>
+                <a:tab pos="4653280" algn="l"/>
+                <a:tab pos="5234940" algn="l"/>
+                <a:tab pos="5816600" algn="l"/>
+                <a:tab pos="6398260" algn="l"/>
+                <a:tab pos="6979920" algn="l"/>
+                <a:tab pos="7561580" algn="l"/>
+                <a:tab pos="8143240" algn="l"/>
+                <a:tab pos="8724900" algn="l"/>
+                <a:tab pos="9306560" algn="l"/>
+              </a:tabLst>
+            </a:pPr>
+            <a:r>
+              <a:rPr lang="en-CA" sz="1000" dirty="0">
+                <a:latin typeface="Courier" pitchFamily="2" charset="0"/>
+                <a:ea typeface="Times New Roman" panose="02020603050405020304" pitchFamily="18" charset="0"/>
+                <a:cs typeface="Times New Roman" panose="02020603050405020304" pitchFamily="18" charset="0"/>
+              </a:rPr>
+              <a:t>   +---------------------------------+ &lt;--\</a:t>
+            </a:r>
+            <a:endParaRPr lang="en-CA" sz="1000" dirty="0">
+              <a:latin typeface="Courier" pitchFamily="2" charset="0"/>
+              <a:ea typeface="Calibri" panose="020F0502020204030204" pitchFamily="34" charset="0"/>
+              <a:cs typeface="Times New Roman" panose="02020603050405020304" pitchFamily="18" charset="0"/>
+            </a:endParaRPr>
+          </a:p>
+          <a:p>
+            <a:pPr>
+              <a:tabLst>
+                <a:tab pos="581660" algn="l"/>
+                <a:tab pos="1163320" algn="l"/>
+                <a:tab pos="1744980" algn="l"/>
+                <a:tab pos="2326640" algn="l"/>
+                <a:tab pos="2908300" algn="l"/>
+                <a:tab pos="3489960" algn="l"/>
+                <a:tab pos="4071620" algn="l"/>
+                <a:tab pos="4653280" algn="l"/>
+                <a:tab pos="5234940" algn="l"/>
+                <a:tab pos="5816600" algn="l"/>
+                <a:tab pos="6398260" algn="l"/>
+                <a:tab pos="6979920" algn="l"/>
+                <a:tab pos="7561580" algn="l"/>
+                <a:tab pos="8143240" algn="l"/>
+                <a:tab pos="8724900" algn="l"/>
+                <a:tab pos="9306560" algn="l"/>
+              </a:tabLst>
+            </a:pPr>
+            <a:r>
+              <a:rPr lang="en-CA" sz="1000" dirty="0">
+                <a:latin typeface="Courier" pitchFamily="2" charset="0"/>
+                <a:ea typeface="Times New Roman" panose="02020603050405020304" pitchFamily="18" charset="0"/>
+                <a:cs typeface="Times New Roman" panose="02020603050405020304" pitchFamily="18" charset="0"/>
+              </a:rPr>
+              <a:t>   |         [ F-Label(s) ]          |    |</a:t>
+            </a:r>
+            <a:endParaRPr lang="en-CA" sz="1000" dirty="0">
+              <a:latin typeface="Courier" pitchFamily="2" charset="0"/>
+              <a:ea typeface="Calibri" panose="020F0502020204030204" pitchFamily="34" charset="0"/>
+              <a:cs typeface="Times New Roman" panose="02020603050405020304" pitchFamily="18" charset="0"/>
+            </a:endParaRPr>
+          </a:p>
+          <a:p>
+            <a:pPr>
+              <a:tabLst>
+                <a:tab pos="581660" algn="l"/>
+                <a:tab pos="1163320" algn="l"/>
+                <a:tab pos="1744980" algn="l"/>
+                <a:tab pos="2326640" algn="l"/>
+                <a:tab pos="2908300" algn="l"/>
+                <a:tab pos="3489960" algn="l"/>
+                <a:tab pos="4071620" algn="l"/>
+                <a:tab pos="4653280" algn="l"/>
+                <a:tab pos="5234940" algn="l"/>
+                <a:tab pos="5816600" algn="l"/>
+                <a:tab pos="6398260" algn="l"/>
+                <a:tab pos="6979920" algn="l"/>
+                <a:tab pos="7561580" algn="l"/>
+                <a:tab pos="8143240" algn="l"/>
+                <a:tab pos="8724900" algn="l"/>
+                <a:tab pos="9306560" algn="l"/>
+              </a:tabLst>
+            </a:pPr>
+            <a:r>
+              <a:rPr lang="en-CA" sz="1000" dirty="0">
+                <a:latin typeface="Courier" pitchFamily="2" charset="0"/>
+                <a:ea typeface="Times New Roman" panose="02020603050405020304" pitchFamily="18" charset="0"/>
+                <a:cs typeface="Times New Roman" panose="02020603050405020304" pitchFamily="18" charset="0"/>
+              </a:rPr>
+              <a:t>   +---------------------------------+    +--</a:t>
+            </a:r>
+            <a:r>
+              <a:rPr lang="en-CA" sz="1000" dirty="0" err="1">
+                <a:latin typeface="Courier" pitchFamily="2" charset="0"/>
+                <a:ea typeface="Times New Roman" panose="02020603050405020304" pitchFamily="18" charset="0"/>
+                <a:cs typeface="Times New Roman" panose="02020603050405020304" pitchFamily="18" charset="0"/>
+              </a:rPr>
+              <a:t>DetNet</a:t>
+            </a:r>
+            <a:r>
+              <a:rPr lang="en-CA" sz="1000" dirty="0">
+                <a:latin typeface="Courier" pitchFamily="2" charset="0"/>
+                <a:ea typeface="Times New Roman" panose="02020603050405020304" pitchFamily="18" charset="0"/>
+                <a:cs typeface="Times New Roman" panose="02020603050405020304" pitchFamily="18" charset="0"/>
+              </a:rPr>
+              <a:t> data plane</a:t>
+            </a:r>
+          </a:p>
+          <a:p>
+            <a:pPr>
+              <a:tabLst>
+                <a:tab pos="581660" algn="l"/>
+                <a:tab pos="1163320" algn="l"/>
+                <a:tab pos="1744980" algn="l"/>
+                <a:tab pos="2326640" algn="l"/>
+                <a:tab pos="2908300" algn="l"/>
+                <a:tab pos="3489960" algn="l"/>
+                <a:tab pos="4071620" algn="l"/>
+                <a:tab pos="4653280" algn="l"/>
+                <a:tab pos="5234940" algn="l"/>
+                <a:tab pos="5816600" algn="l"/>
+                <a:tab pos="6398260" algn="l"/>
+                <a:tab pos="6979920" algn="l"/>
+                <a:tab pos="7561580" algn="l"/>
+                <a:tab pos="8143240" algn="l"/>
+                <a:tab pos="8724900" algn="l"/>
+                <a:tab pos="9306560" algn="l"/>
+              </a:tabLst>
+            </a:pPr>
+            <a:r>
+              <a:rPr lang="en-CA" sz="1000" dirty="0">
+                <a:latin typeface="Courier" pitchFamily="2" charset="0"/>
+                <a:ea typeface="Times New Roman" panose="02020603050405020304" pitchFamily="18" charset="0"/>
+                <a:cs typeface="Times New Roman" panose="02020603050405020304" pitchFamily="18" charset="0"/>
+              </a:rPr>
+              <a:t>   |            S-Label              |    |  MPLS encapsulation</a:t>
+            </a:r>
+            <a:endParaRPr lang="en-CA" sz="1000" dirty="0">
+              <a:latin typeface="Courier" pitchFamily="2" charset="0"/>
+              <a:ea typeface="Calibri" panose="020F0502020204030204" pitchFamily="34" charset="0"/>
+              <a:cs typeface="Times New Roman" panose="02020603050405020304" pitchFamily="18" charset="0"/>
+            </a:endParaRPr>
+          </a:p>
+          <a:p>
+            <a:pPr>
+              <a:tabLst>
+                <a:tab pos="581660" algn="l"/>
+                <a:tab pos="1163320" algn="l"/>
+                <a:tab pos="1744980" algn="l"/>
+                <a:tab pos="2326640" algn="l"/>
+                <a:tab pos="2908300" algn="l"/>
+                <a:tab pos="3489960" algn="l"/>
+                <a:tab pos="4071620" algn="l"/>
+                <a:tab pos="4653280" algn="l"/>
+                <a:tab pos="5234940" algn="l"/>
+                <a:tab pos="5816600" algn="l"/>
+                <a:tab pos="6398260" algn="l"/>
+                <a:tab pos="6979920" algn="l"/>
+                <a:tab pos="7561580" algn="l"/>
+                <a:tab pos="8143240" algn="l"/>
+                <a:tab pos="8724900" algn="l"/>
+                <a:tab pos="9306560" algn="l"/>
+              </a:tabLst>
+            </a:pPr>
+            <a:r>
+              <a:rPr lang="en-CA" sz="1000" dirty="0">
+                <a:latin typeface="Courier" pitchFamily="2" charset="0"/>
+                <a:ea typeface="Times New Roman" panose="02020603050405020304" pitchFamily="18" charset="0"/>
+                <a:cs typeface="Times New Roman" panose="02020603050405020304" pitchFamily="18" charset="0"/>
+              </a:rPr>
+              <a:t>   +=================================+    |</a:t>
+            </a:r>
+            <a:endParaRPr lang="en-CA" sz="1000" dirty="0">
+              <a:latin typeface="Courier" pitchFamily="2" charset="0"/>
+              <a:ea typeface="Calibri" panose="020F0502020204030204" pitchFamily="34" charset="0"/>
+              <a:cs typeface="Times New Roman" panose="02020603050405020304" pitchFamily="18" charset="0"/>
+            </a:endParaRPr>
+          </a:p>
+          <a:p>
+            <a:pPr>
+              <a:tabLst>
+                <a:tab pos="581660" algn="l"/>
+                <a:tab pos="1163320" algn="l"/>
+                <a:tab pos="1744980" algn="l"/>
+                <a:tab pos="2326640" algn="l"/>
+                <a:tab pos="2908300" algn="l"/>
+                <a:tab pos="3489960" algn="l"/>
+                <a:tab pos="4071620" algn="l"/>
+                <a:tab pos="4653280" algn="l"/>
+                <a:tab pos="5234940" algn="l"/>
+                <a:tab pos="5816600" algn="l"/>
+                <a:tab pos="6398260" algn="l"/>
+                <a:tab pos="6979920" algn="l"/>
+                <a:tab pos="7561580" algn="l"/>
+                <a:tab pos="8143240" algn="l"/>
+                <a:tab pos="8724900" algn="l"/>
+                <a:tab pos="9306560" algn="l"/>
+              </a:tabLst>
+            </a:pPr>
+            <a:r>
+              <a:rPr lang="en-CA" sz="1000" dirty="0">
+                <a:latin typeface="Courier" pitchFamily="2" charset="0"/>
+                <a:ea typeface="Times New Roman" panose="02020603050405020304" pitchFamily="18" charset="0"/>
+                <a:cs typeface="Times New Roman" panose="02020603050405020304" pitchFamily="18" charset="0"/>
+              </a:rPr>
+              <a:t>   |       </a:t>
+            </a:r>
+            <a:r>
+              <a:rPr lang="en-CA" sz="1000" dirty="0" err="1">
+                <a:latin typeface="Courier" pitchFamily="2" charset="0"/>
+                <a:ea typeface="Times New Roman" panose="02020603050405020304" pitchFamily="18" charset="0"/>
+                <a:cs typeface="Times New Roman" panose="02020603050405020304" pitchFamily="18" charset="0"/>
+              </a:rPr>
+              <a:t>DetNet</a:t>
+            </a:r>
+            <a:r>
+              <a:rPr lang="en-CA" sz="1000" dirty="0">
+                <a:latin typeface="Courier" pitchFamily="2" charset="0"/>
+                <a:ea typeface="Times New Roman" panose="02020603050405020304" pitchFamily="18" charset="0"/>
+                <a:cs typeface="Times New Roman" panose="02020603050405020304" pitchFamily="18" charset="0"/>
+              </a:rPr>
+              <a:t> Control Word       |    |</a:t>
+            </a:r>
+            <a:endParaRPr lang="en-CA" sz="1000" dirty="0">
+              <a:latin typeface="Courier" pitchFamily="2" charset="0"/>
+              <a:ea typeface="Calibri" panose="020F0502020204030204" pitchFamily="34" charset="0"/>
+              <a:cs typeface="Times New Roman" panose="02020603050405020304" pitchFamily="18" charset="0"/>
+            </a:endParaRPr>
+          </a:p>
+          <a:p>
+            <a:pPr>
+              <a:tabLst>
+                <a:tab pos="581660" algn="l"/>
+                <a:tab pos="1163320" algn="l"/>
+                <a:tab pos="1744980" algn="l"/>
+                <a:tab pos="2326640" algn="l"/>
+                <a:tab pos="2908300" algn="l"/>
+                <a:tab pos="3489960" algn="l"/>
+                <a:tab pos="4071620" algn="l"/>
+                <a:tab pos="4653280" algn="l"/>
+                <a:tab pos="5234940" algn="l"/>
+                <a:tab pos="5816600" algn="l"/>
+                <a:tab pos="6398260" algn="l"/>
+                <a:tab pos="6979920" algn="l"/>
+                <a:tab pos="7561580" algn="l"/>
+                <a:tab pos="8143240" algn="l"/>
+                <a:tab pos="8724900" algn="l"/>
+                <a:tab pos="9306560" algn="l"/>
+              </a:tabLst>
+            </a:pPr>
+            <a:r>
+              <a:rPr lang="en-CA" sz="1000" dirty="0">
+                <a:latin typeface="Courier" pitchFamily="2" charset="0"/>
+                <a:ea typeface="Times New Roman" panose="02020603050405020304" pitchFamily="18" charset="0"/>
+                <a:cs typeface="Times New Roman" panose="02020603050405020304" pitchFamily="18" charset="0"/>
+              </a:rPr>
+              <a:t>   +---------------------------------+ &lt;--/</a:t>
+            </a:r>
+            <a:endParaRPr lang="en-CA" sz="1000" dirty="0">
+              <a:latin typeface="Courier" pitchFamily="2" charset="0"/>
+              <a:ea typeface="Calibri" panose="020F0502020204030204" pitchFamily="34" charset="0"/>
+              <a:cs typeface="Times New Roman" panose="02020603050405020304" pitchFamily="18" charset="0"/>
+            </a:endParaRPr>
+          </a:p>
+          <a:p>
+            <a:pPr>
+              <a:tabLst>
+                <a:tab pos="581660" algn="l"/>
+                <a:tab pos="1163320" algn="l"/>
+                <a:tab pos="1744980" algn="l"/>
+                <a:tab pos="2326640" algn="l"/>
+                <a:tab pos="2908300" algn="l"/>
+                <a:tab pos="3489960" algn="l"/>
+                <a:tab pos="4071620" algn="l"/>
+                <a:tab pos="4653280" algn="l"/>
+                <a:tab pos="5234940" algn="l"/>
+                <a:tab pos="5816600" algn="l"/>
+                <a:tab pos="6398260" algn="l"/>
+                <a:tab pos="6979920" algn="l"/>
+                <a:tab pos="7561580" algn="l"/>
+                <a:tab pos="8143240" algn="l"/>
+                <a:tab pos="8724900" algn="l"/>
+                <a:tab pos="9306560" algn="l"/>
+              </a:tabLst>
+            </a:pPr>
+            <a:r>
+              <a:rPr lang="en-CA" sz="1000" dirty="0">
+                <a:latin typeface="Courier" pitchFamily="2" charset="0"/>
+                <a:ea typeface="Times New Roman" panose="02020603050405020304" pitchFamily="18" charset="0"/>
+                <a:cs typeface="Times New Roman" panose="02020603050405020304" pitchFamily="18" charset="0"/>
+              </a:rPr>
+              <a:t>   |                                 |</a:t>
+            </a:r>
+            <a:endParaRPr lang="en-CA" sz="1000" dirty="0">
+              <a:latin typeface="Courier" pitchFamily="2" charset="0"/>
+              <a:ea typeface="Calibri" panose="020F0502020204030204" pitchFamily="34" charset="0"/>
+              <a:cs typeface="Times New Roman" panose="02020603050405020304" pitchFamily="18" charset="0"/>
+            </a:endParaRPr>
+          </a:p>
+          <a:p>
+            <a:pPr>
+              <a:tabLst>
+                <a:tab pos="581660" algn="l"/>
+                <a:tab pos="1163320" algn="l"/>
+                <a:tab pos="1744980" algn="l"/>
+                <a:tab pos="2326640" algn="l"/>
+                <a:tab pos="2908300" algn="l"/>
+                <a:tab pos="3489960" algn="l"/>
+                <a:tab pos="4071620" algn="l"/>
+                <a:tab pos="4653280" algn="l"/>
+                <a:tab pos="5234940" algn="l"/>
+                <a:tab pos="5816600" algn="l"/>
+                <a:tab pos="6398260" algn="l"/>
+                <a:tab pos="6979920" algn="l"/>
+                <a:tab pos="7561580" algn="l"/>
+                <a:tab pos="8143240" algn="l"/>
+                <a:tab pos="8724900" algn="l"/>
+                <a:tab pos="9306560" algn="l"/>
+              </a:tabLst>
+            </a:pPr>
+            <a:r>
+              <a:rPr lang="en-CA" sz="1000" dirty="0">
+                <a:latin typeface="Courier" pitchFamily="2" charset="0"/>
+                <a:ea typeface="Times New Roman" panose="02020603050405020304" pitchFamily="18" charset="0"/>
+                <a:cs typeface="Times New Roman" panose="02020603050405020304" pitchFamily="18" charset="0"/>
+              </a:rPr>
+              <a:t>   |           </a:t>
+            </a:r>
+            <a:r>
+              <a:rPr lang="en-CA" sz="1000" dirty="0" err="1">
+                <a:latin typeface="Courier" pitchFamily="2" charset="0"/>
+                <a:ea typeface="Times New Roman" panose="02020603050405020304" pitchFamily="18" charset="0"/>
+                <a:cs typeface="Times New Roman" panose="02020603050405020304" pitchFamily="18" charset="0"/>
+              </a:rPr>
+              <a:t>DetNet</a:t>
+            </a:r>
+            <a:r>
+              <a:rPr lang="en-CA" sz="1000" dirty="0">
+                <a:latin typeface="Courier" pitchFamily="2" charset="0"/>
+                <a:ea typeface="Times New Roman" panose="02020603050405020304" pitchFamily="18" charset="0"/>
+                <a:cs typeface="Times New Roman" panose="02020603050405020304" pitchFamily="18" charset="0"/>
+              </a:rPr>
+              <a:t> Flow           |</a:t>
+            </a:r>
+            <a:endParaRPr lang="en-CA" sz="1000" dirty="0">
+              <a:latin typeface="Courier" pitchFamily="2" charset="0"/>
+              <a:ea typeface="Calibri" panose="020F0502020204030204" pitchFamily="34" charset="0"/>
+              <a:cs typeface="Times New Roman" panose="02020603050405020304" pitchFamily="18" charset="0"/>
+            </a:endParaRPr>
+          </a:p>
+          <a:p>
+            <a:pPr>
+              <a:tabLst>
+                <a:tab pos="581660" algn="l"/>
+                <a:tab pos="1163320" algn="l"/>
+                <a:tab pos="1744980" algn="l"/>
+                <a:tab pos="2326640" algn="l"/>
+                <a:tab pos="2908300" algn="l"/>
+                <a:tab pos="3489960" algn="l"/>
+                <a:tab pos="4071620" algn="l"/>
+                <a:tab pos="4653280" algn="l"/>
+                <a:tab pos="5234940" algn="l"/>
+                <a:tab pos="5816600" algn="l"/>
+                <a:tab pos="6398260" algn="l"/>
+                <a:tab pos="6979920" algn="l"/>
+                <a:tab pos="7561580" algn="l"/>
+                <a:tab pos="8143240" algn="l"/>
+                <a:tab pos="8724900" algn="l"/>
+                <a:tab pos="9306560" algn="l"/>
+              </a:tabLst>
+            </a:pPr>
+            <a:r>
+              <a:rPr lang="en-CA" sz="1000" dirty="0">
+                <a:latin typeface="Courier" pitchFamily="2" charset="0"/>
+                <a:ea typeface="Times New Roman" panose="02020603050405020304" pitchFamily="18" charset="0"/>
+                <a:cs typeface="Times New Roman" panose="02020603050405020304" pitchFamily="18" charset="0"/>
+              </a:rPr>
+              <a:t>   |         Payload  Packet         |</a:t>
+            </a:r>
+            <a:endParaRPr lang="en-CA" sz="1000" dirty="0">
+              <a:latin typeface="Courier" pitchFamily="2" charset="0"/>
+              <a:ea typeface="Calibri" panose="020F0502020204030204" pitchFamily="34" charset="0"/>
+              <a:cs typeface="Times New Roman" panose="02020603050405020304" pitchFamily="18" charset="0"/>
+            </a:endParaRPr>
+          </a:p>
+          <a:p>
+            <a:pPr>
+              <a:tabLst>
+                <a:tab pos="581660" algn="l"/>
+                <a:tab pos="1163320" algn="l"/>
+                <a:tab pos="1744980" algn="l"/>
+                <a:tab pos="2326640" algn="l"/>
+                <a:tab pos="2908300" algn="l"/>
+                <a:tab pos="3489960" algn="l"/>
+                <a:tab pos="4071620" algn="l"/>
+                <a:tab pos="4653280" algn="l"/>
+                <a:tab pos="5234940" algn="l"/>
+                <a:tab pos="5816600" algn="l"/>
+                <a:tab pos="6398260" algn="l"/>
+                <a:tab pos="6979920" algn="l"/>
+                <a:tab pos="7561580" algn="l"/>
+                <a:tab pos="8143240" algn="l"/>
+                <a:tab pos="8724900" algn="l"/>
+                <a:tab pos="9306560" algn="l"/>
+              </a:tabLst>
+            </a:pPr>
+            <a:r>
+              <a:rPr lang="en-CA" sz="1000" dirty="0">
+                <a:latin typeface="Courier" pitchFamily="2" charset="0"/>
+                <a:ea typeface="Times New Roman" panose="02020603050405020304" pitchFamily="18" charset="0"/>
+                <a:cs typeface="Times New Roman" panose="02020603050405020304" pitchFamily="18" charset="0"/>
+              </a:rPr>
+              <a:t>   |                                 |</a:t>
+            </a:r>
+            <a:endParaRPr lang="en-CA" sz="1000" dirty="0">
+              <a:latin typeface="Courier" pitchFamily="2" charset="0"/>
+              <a:ea typeface="Calibri" panose="020F0502020204030204" pitchFamily="34" charset="0"/>
+              <a:cs typeface="Times New Roman" panose="02020603050405020304" pitchFamily="18" charset="0"/>
+            </a:endParaRPr>
+          </a:p>
+          <a:p>
+            <a:pPr>
+              <a:tabLst>
+                <a:tab pos="581660" algn="l"/>
+                <a:tab pos="1163320" algn="l"/>
+                <a:tab pos="1744980" algn="l"/>
+                <a:tab pos="2326640" algn="l"/>
+                <a:tab pos="2908300" algn="l"/>
+                <a:tab pos="3489960" algn="l"/>
+                <a:tab pos="4071620" algn="l"/>
+                <a:tab pos="4653280" algn="l"/>
+                <a:tab pos="5234940" algn="l"/>
+                <a:tab pos="5816600" algn="l"/>
+                <a:tab pos="6398260" algn="l"/>
+                <a:tab pos="6979920" algn="l"/>
+                <a:tab pos="7561580" algn="l"/>
+                <a:tab pos="8143240" algn="l"/>
+                <a:tab pos="8724900" algn="l"/>
+                <a:tab pos="9306560" algn="l"/>
+              </a:tabLst>
+            </a:pPr>
+            <a:r>
+              <a:rPr lang="en-CA" sz="1000" dirty="0">
+                <a:latin typeface="Courier" pitchFamily="2" charset="0"/>
+                <a:ea typeface="Times New Roman" panose="02020603050405020304" pitchFamily="18" charset="0"/>
+                <a:cs typeface="Times New Roman" panose="02020603050405020304" pitchFamily="18" charset="0"/>
+              </a:rPr>
+              <a:t>   +---------------------------------+ </a:t>
+            </a:r>
+            <a:endParaRPr lang="en-US" sz="1000" dirty="0">
+              <a:latin typeface="Courier" pitchFamily="2" charset="0"/>
+            </a:endParaRPr>
+          </a:p>
+        </p:txBody>
+      </p:sp>
+      <p:sp>
+        <p:nvSpPr>
+          <p:cNvPr id="8" name="Rectangle 7">
+            <a:extLst>
+              <a:ext uri="{FF2B5EF4-FFF2-40B4-BE49-F238E27FC236}">
+                <a16:creationId xmlns:a16="http://schemas.microsoft.com/office/drawing/2014/main" id="{1794C68A-6915-4143-B1AA-507639CEF4CA}"/>
+              </a:ext>
+            </a:extLst>
+          </p:cNvPr>
+          <p:cNvSpPr/>
+          <p:nvPr/>
+        </p:nvSpPr>
+        <p:spPr>
+          <a:xfrm>
+            <a:off x="263165" y="4373821"/>
+            <a:ext cx="3336696" cy="261610"/>
+          </a:xfrm>
+          <a:prstGeom prst="rect">
+            <a:avLst/>
+          </a:prstGeom>
+        </p:spPr>
+        <p:txBody>
+          <a:bodyPr wrap="square">
+            <a:spAutoFit/>
+          </a:bodyPr>
+          <a:lstStyle/>
+          <a:p>
+            <a:r>
+              <a:rPr lang="en-CA" sz="1100" u="sng" dirty="0">
+                <a:solidFill>
+                  <a:srgbClr val="0563C1"/>
+                </a:solidFill>
+                <a:latin typeface="Calibri" panose="020F0502020204030204" pitchFamily="34" charset="0"/>
+                <a:ea typeface="Calibri" panose="020F0502020204030204" pitchFamily="34" charset="0"/>
+                <a:cs typeface="Times New Roman" panose="02020603050405020304" pitchFamily="18" charset="0"/>
+                <a:hlinkClick r:id="rId2"/>
+              </a:rPr>
+              <a:t>https://tools.ietf.org/html/draft-ietf-detnet-mpls-13</a:t>
+            </a:r>
+            <a:endParaRPr lang="en-CA" sz="1100" dirty="0">
+              <a:effectLst/>
+              <a:latin typeface="Calibri" panose="020F0502020204030204" pitchFamily="34" charset="0"/>
+              <a:ea typeface="Calibri" panose="020F0502020204030204" pitchFamily="34" charset="0"/>
+              <a:cs typeface="Times New Roman" panose="02020603050405020304" pitchFamily="18" charset="0"/>
+            </a:endParaRPr>
+          </a:p>
+        </p:txBody>
+      </p:sp>
+      <p:sp>
+        <p:nvSpPr>
+          <p:cNvPr id="10" name="Rectangle 9">
+            <a:extLst>
+              <a:ext uri="{FF2B5EF4-FFF2-40B4-BE49-F238E27FC236}">
+                <a16:creationId xmlns:a16="http://schemas.microsoft.com/office/drawing/2014/main" id="{099E41CA-21E8-664A-A8B2-DFA7AD69A38A}"/>
+              </a:ext>
+            </a:extLst>
+          </p:cNvPr>
+          <p:cNvSpPr/>
+          <p:nvPr/>
+        </p:nvSpPr>
+        <p:spPr>
+          <a:xfrm>
+            <a:off x="4726364" y="1072694"/>
+            <a:ext cx="4152900" cy="707886"/>
+          </a:xfrm>
+          <a:prstGeom prst="rect">
+            <a:avLst/>
+          </a:prstGeom>
+          <a:solidFill>
+            <a:schemeClr val="accent6">
+              <a:lumMod val="20000"/>
+              <a:lumOff val="80000"/>
+            </a:schemeClr>
+          </a:solidFill>
+        </p:spPr>
+        <p:txBody>
+          <a:bodyPr wrap="square">
+            <a:spAutoFit/>
+          </a:bodyPr>
+          <a:lstStyle/>
+          <a:p>
+            <a:r>
+              <a:rPr lang="en-CA" sz="800" dirty="0">
+                <a:solidFill>
+                  <a:prstClr val="black"/>
+                </a:solidFill>
+                <a:latin typeface="Courier New" panose="02070309020205020404" pitchFamily="49" charset="0"/>
+              </a:rPr>
+              <a:t>0                   1                   2                   3</a:t>
+            </a:r>
+          </a:p>
+          <a:p>
+            <a:r>
+              <a:rPr lang="en-CA" sz="800" dirty="0">
+                <a:solidFill>
+                  <a:prstClr val="black"/>
+                </a:solidFill>
+                <a:latin typeface="Courier New" panose="02070309020205020404" pitchFamily="49" charset="0"/>
+              </a:rPr>
+              <a:t>0 1 2 3 4 5 6 7 8 9 0 1 2 3 4 5 6 7 8 9 0 1 2 3 4 5 6 7 8 9 0 1</a:t>
+            </a:r>
+          </a:p>
+          <a:p>
+            <a:r>
+              <a:rPr lang="en-CA" sz="800" dirty="0">
+                <a:solidFill>
+                  <a:prstClr val="black"/>
+                </a:solidFill>
+                <a:latin typeface="Courier New" panose="02070309020205020404" pitchFamily="49" charset="0"/>
+              </a:rPr>
+              <a:t>+-+-+-+-+-+-+-+-+-+-+-+-+-+-+-+-+-+-+-+-+-+-+-+-+-+-+-+-+-+-+-+-+</a:t>
+            </a:r>
+          </a:p>
+          <a:p>
+            <a:r>
+              <a:rPr lang="en-CA" sz="800" dirty="0">
+                <a:solidFill>
+                  <a:prstClr val="black"/>
+                </a:solidFill>
+                <a:latin typeface="Courier New" panose="02070309020205020404" pitchFamily="49" charset="0"/>
+              </a:rPr>
+              <a:t>|0 0 0 0|                Sequence Number                        |</a:t>
+            </a:r>
+          </a:p>
+          <a:p>
+            <a:r>
+              <a:rPr lang="en-CA" sz="800" dirty="0">
+                <a:solidFill>
+                  <a:prstClr val="black"/>
+                </a:solidFill>
+                <a:latin typeface="Courier New" panose="02070309020205020404" pitchFamily="49" charset="0"/>
+              </a:rPr>
+              <a:t>+-+-+-+-+-+-+-+-+-+-+-+-+-+-+-+-+-+-+-+-+-+-+-+-+-+-+-+-+-+-+-+-+</a:t>
+            </a:r>
           </a:p>
         </p:txBody>
       </p:sp>
     </p:spTree>
     <p:extLst>
       <p:ext uri="{BB962C8B-B14F-4D97-AF65-F5344CB8AC3E}">
-        <p14:creationId xmlns:p14="http://schemas.microsoft.com/office/powerpoint/2010/main" val="2220119746"/>
+        <p14:creationId xmlns:p14="http://schemas.microsoft.com/office/powerpoint/2010/main" val="3027622403"/>
       </p:ext>
     </p:extLst>
   </p:cSld>
@@ -12623,7 +14005,7 @@
                 <a:latin typeface="Calibri Light" panose="020F0302020204030204" pitchFamily="34" charset="0"/>
                 <a:cs typeface="Calibri Light" panose="020F0302020204030204" pitchFamily="34" charset="0"/>
               </a:rPr>
-              <a:t>IOAM Data and Fragmentation after EOS</a:t>
+              <a:t>IOAM Header and Another ACH</a:t>
             </a:r>
           </a:p>
         </p:txBody>
@@ -12646,6 +14028,670 @@
         </p:nvSpPr>
         <p:spPr>
           <a:xfrm>
+            <a:off x="533400" y="857250"/>
+            <a:ext cx="8001000" cy="3619499"/>
+          </a:xfrm>
+        </p:spPr>
+        <p:txBody>
+          <a:bodyPr/>
+          <a:lstStyle/>
+          <a:p>
+            <a:pPr>
+              <a:lnSpc>
+                <a:spcPts val="2180"/>
+              </a:lnSpc>
+              <a:spcBef>
+                <a:spcPts val="600"/>
+              </a:spcBef>
+            </a:pPr>
+            <a:r>
+              <a:rPr lang="en-CA" sz="1800" dirty="0">
+                <a:latin typeface="Calibri" panose="020F0502020204030204" pitchFamily="34" charset="0"/>
+                <a:cs typeface="Calibri" panose="020F0502020204030204" pitchFamily="34" charset="0"/>
+              </a:rPr>
+              <a:t>IOAM header is considered part of the MPLS Header, another ACH and payload are added after the IOAM header in the packet.</a:t>
+            </a:r>
+          </a:p>
+          <a:p>
+            <a:pPr>
+              <a:lnSpc>
+                <a:spcPts val="2180"/>
+              </a:lnSpc>
+              <a:spcBef>
+                <a:spcPts val="600"/>
+              </a:spcBef>
+            </a:pPr>
+            <a:r>
+              <a:rPr lang="en-CA" sz="1800" dirty="0">
+                <a:latin typeface="Calibri" panose="020F0502020204030204" pitchFamily="34" charset="0"/>
+                <a:cs typeface="Calibri" panose="020F0502020204030204" pitchFamily="34" charset="0"/>
+              </a:rPr>
+              <a:t>The decapsulating node removes the MPLS header including the IOAM header and then processes the next ACH.</a:t>
+            </a:r>
+          </a:p>
+          <a:p>
+            <a:pPr>
+              <a:lnSpc>
+                <a:spcPts val="2180"/>
+              </a:lnSpc>
+              <a:spcBef>
+                <a:spcPts val="600"/>
+              </a:spcBef>
+            </a:pPr>
+            <a:r>
+              <a:rPr lang="en-CA" sz="1800" dirty="0">
+                <a:latin typeface="Calibri" panose="020F0502020204030204" pitchFamily="34" charset="0"/>
+                <a:cs typeface="Calibri" panose="020F0502020204030204" pitchFamily="34" charset="0"/>
+              </a:rPr>
+              <a:t>IOAM HDR Length allows to find the next ACH after the IOAM header.</a:t>
+            </a:r>
+          </a:p>
+          <a:p>
+            <a:pPr>
+              <a:lnSpc>
+                <a:spcPts val="2180"/>
+              </a:lnSpc>
+              <a:spcBef>
+                <a:spcPts val="600"/>
+              </a:spcBef>
+            </a:pPr>
+            <a:endParaRPr lang="en-CA" sz="1800" dirty="0">
+              <a:latin typeface="Calibri" panose="020F0502020204030204" pitchFamily="34" charset="0"/>
+              <a:cs typeface="Calibri" panose="020F0502020204030204" pitchFamily="34" charset="0"/>
+            </a:endParaRPr>
+          </a:p>
+        </p:txBody>
+      </p:sp>
+      <p:sp>
+        <p:nvSpPr>
+          <p:cNvPr id="4" name="Footer Placeholder 3">
+            <a:extLst>
+              <a:ext uri="{FF2B5EF4-FFF2-40B4-BE49-F238E27FC236}">
+                <a16:creationId xmlns:a16="http://schemas.microsoft.com/office/drawing/2014/main" id="{CF70CC82-C055-3645-9254-87CEC1C49032}"/>
+              </a:ext>
+            </a:extLst>
+          </p:cNvPr>
+          <p:cNvSpPr>
+            <a:spLocks noGrp="1"/>
+          </p:cNvSpPr>
+          <p:nvPr>
+            <p:ph type="ftr" sz="quarter" idx="11"/>
+          </p:nvPr>
+        </p:nvSpPr>
+        <p:spPr>
+          <a:xfrm>
+            <a:off x="3124200" y="4786312"/>
+            <a:ext cx="2895600" cy="357188"/>
+          </a:xfrm>
+        </p:spPr>
+        <p:txBody>
+          <a:bodyPr/>
+          <a:lstStyle/>
+          <a:p>
+            <a:pPr>
+              <a:defRPr/>
+            </a:pPr>
+            <a:r>
+              <a:rPr lang="en-US" altLang="zh-CN" dirty="0"/>
+              <a:t>110</a:t>
+            </a:r>
+            <a:r>
+              <a:rPr lang="en-US" altLang="zh-CN" baseline="30000" dirty="0"/>
+              <a:t>th</a:t>
+            </a:r>
+            <a:r>
+              <a:rPr lang="en-US" altLang="zh-CN" dirty="0"/>
+              <a:t> IETF Online</a:t>
+            </a:r>
+          </a:p>
+        </p:txBody>
+      </p:sp>
+      <p:sp>
+        <p:nvSpPr>
+          <p:cNvPr id="5" name="Slide Number Placeholder 4">
+            <a:extLst>
+              <a:ext uri="{FF2B5EF4-FFF2-40B4-BE49-F238E27FC236}">
+                <a16:creationId xmlns:a16="http://schemas.microsoft.com/office/drawing/2014/main" id="{62DF7D69-BCF6-2D4A-A3F1-2D32C59355D3}"/>
+              </a:ext>
+            </a:extLst>
+          </p:cNvPr>
+          <p:cNvSpPr>
+            <a:spLocks noGrp="1"/>
+          </p:cNvSpPr>
+          <p:nvPr>
+            <p:ph type="sldNum" sz="quarter" idx="12"/>
+          </p:nvPr>
+        </p:nvSpPr>
+        <p:spPr/>
+        <p:txBody>
+          <a:bodyPr/>
+          <a:lstStyle/>
+          <a:p>
+            <a:pPr>
+              <a:defRPr/>
+            </a:pPr>
+            <a:fld id="{BD6E0F59-1DD8-40FC-9C92-B6295CBA6CCA}" type="slidenum">
+              <a:rPr lang="en-US" altLang="zh-CN" smtClean="0"/>
+              <a:pPr>
+                <a:defRPr/>
+              </a:pPr>
+              <a:t>27</a:t>
+            </a:fld>
+            <a:endParaRPr lang="en-US" altLang="zh-CN" dirty="0"/>
+          </a:p>
+        </p:txBody>
+      </p:sp>
+    </p:spTree>
+    <p:extLst>
+      <p:ext uri="{BB962C8B-B14F-4D97-AF65-F5344CB8AC3E}">
+        <p14:creationId xmlns:p14="http://schemas.microsoft.com/office/powerpoint/2010/main" val="2353107321"/>
+      </p:ext>
+    </p:extLst>
+  </p:cSld>
+  <p:clrMapOvr>
+    <a:masterClrMapping/>
+  </p:clrMapOvr>
+</p:sld>
+</file>
+
+<file path=ppt/slides/slide28.xml><?xml version="1.0" encoding="utf-8"?>
+<p:sld xmlns:a="http://schemas.openxmlformats.org/drawingml/2006/main" xmlns:r="http://schemas.openxmlformats.org/officeDocument/2006/relationships" xmlns:p="http://schemas.openxmlformats.org/presentationml/2006/main">
+  <p:cSld>
+    <p:spTree>
+      <p:nvGrpSpPr>
+        <p:cNvPr id="1" name=""/>
+        <p:cNvGrpSpPr/>
+        <p:nvPr/>
+      </p:nvGrpSpPr>
+      <p:grpSpPr>
+        <a:xfrm>
+          <a:off x="0" y="0"/>
+          <a:ext cx="0" cy="0"/>
+          <a:chOff x="0" y="0"/>
+          <a:chExt cx="0" cy="0"/>
+        </a:xfrm>
+      </p:grpSpPr>
+      <p:sp>
+        <p:nvSpPr>
+          <p:cNvPr id="2" name="Title 1">
+            <a:extLst>
+              <a:ext uri="{FF2B5EF4-FFF2-40B4-BE49-F238E27FC236}">
+                <a16:creationId xmlns:a16="http://schemas.microsoft.com/office/drawing/2014/main" id="{590D0125-5A9E-9D48-9391-85FBD0E608A2}"/>
+              </a:ext>
+            </a:extLst>
+          </p:cNvPr>
+          <p:cNvSpPr>
+            <a:spLocks noGrp="1"/>
+          </p:cNvSpPr>
+          <p:nvPr>
+            <p:ph type="title"/>
+          </p:nvPr>
+        </p:nvSpPr>
+        <p:spPr>
+          <a:xfrm>
+            <a:off x="0" y="96999"/>
+            <a:ext cx="9144000" cy="599270"/>
+          </a:xfrm>
+        </p:spPr>
+        <p:txBody>
+          <a:bodyPr/>
+          <a:lstStyle/>
+          <a:p>
+            <a:r>
+              <a:rPr lang="en-CA" sz="3000" dirty="0">
+                <a:solidFill>
+                  <a:srgbClr val="0070C0"/>
+                </a:solidFill>
+                <a:latin typeface="Calibri Light" panose="020F0302020204030204" pitchFamily="34" charset="0"/>
+                <a:cs typeface="Calibri Light" panose="020F0302020204030204" pitchFamily="34" charset="0"/>
+              </a:rPr>
+              <a:t>IOAM Encapsulation in MPLS Header with Another ACH</a:t>
+            </a:r>
+            <a:endParaRPr lang="en-US" sz="3000" dirty="0">
+              <a:solidFill>
+                <a:srgbClr val="0070C0"/>
+              </a:solidFill>
+              <a:latin typeface="Calibri Light" panose="020F0302020204030204" pitchFamily="34" charset="0"/>
+              <a:cs typeface="Calibri Light" panose="020F0302020204030204" pitchFamily="34" charset="0"/>
+            </a:endParaRPr>
+          </a:p>
+        </p:txBody>
+      </p:sp>
+      <p:sp>
+        <p:nvSpPr>
+          <p:cNvPr id="4" name="Footer Placeholder 3">
+            <a:extLst>
+              <a:ext uri="{FF2B5EF4-FFF2-40B4-BE49-F238E27FC236}">
+                <a16:creationId xmlns:a16="http://schemas.microsoft.com/office/drawing/2014/main" id="{87713FCD-3B47-804D-B373-DAB61FB5FF59}"/>
+              </a:ext>
+            </a:extLst>
+          </p:cNvPr>
+          <p:cNvSpPr>
+            <a:spLocks noGrp="1"/>
+          </p:cNvSpPr>
+          <p:nvPr>
+            <p:ph type="ftr" sz="quarter" idx="11"/>
+          </p:nvPr>
+        </p:nvSpPr>
+        <p:spPr>
+          <a:xfrm>
+            <a:off x="3124200" y="4781550"/>
+            <a:ext cx="2895600" cy="357188"/>
+          </a:xfrm>
+        </p:spPr>
+        <p:txBody>
+          <a:bodyPr/>
+          <a:lstStyle/>
+          <a:p>
+            <a:r>
+              <a:rPr lang="en-CA" dirty="0"/>
+              <a:t>110</a:t>
+            </a:r>
+            <a:r>
+              <a:rPr lang="en-CA" baseline="30000" dirty="0"/>
+              <a:t>th</a:t>
+            </a:r>
+            <a:r>
+              <a:rPr lang="en-CA" dirty="0"/>
+              <a:t> IETF Online</a:t>
+            </a:r>
+          </a:p>
+        </p:txBody>
+      </p:sp>
+      <p:sp>
+        <p:nvSpPr>
+          <p:cNvPr id="5" name="Slide Number Placeholder 4">
+            <a:extLst>
+              <a:ext uri="{FF2B5EF4-FFF2-40B4-BE49-F238E27FC236}">
+                <a16:creationId xmlns:a16="http://schemas.microsoft.com/office/drawing/2014/main" id="{1371408B-9195-EC4D-8131-A3F5CC0592D0}"/>
+              </a:ext>
+            </a:extLst>
+          </p:cNvPr>
+          <p:cNvSpPr>
+            <a:spLocks noGrp="1"/>
+          </p:cNvSpPr>
+          <p:nvPr>
+            <p:ph type="sldNum" sz="quarter" idx="12"/>
+          </p:nvPr>
+        </p:nvSpPr>
+        <p:spPr/>
+        <p:txBody>
+          <a:bodyPr/>
+          <a:lstStyle/>
+          <a:p>
+            <a:pPr>
+              <a:defRPr/>
+            </a:pPr>
+            <a:fld id="{BD6E0F59-1DD8-40FC-9C92-B6295CBA6CCA}" type="slidenum">
+              <a:rPr lang="en-US" altLang="zh-CN" smtClean="0"/>
+              <a:pPr>
+                <a:defRPr/>
+              </a:pPr>
+              <a:t>28</a:t>
+            </a:fld>
+            <a:endParaRPr lang="en-US" altLang="zh-CN"/>
+          </a:p>
+        </p:txBody>
+      </p:sp>
+      <p:sp>
+        <p:nvSpPr>
+          <p:cNvPr id="6" name="Rectangle 5">
+            <a:extLst>
+              <a:ext uri="{FF2B5EF4-FFF2-40B4-BE49-F238E27FC236}">
+                <a16:creationId xmlns:a16="http://schemas.microsoft.com/office/drawing/2014/main" id="{1EED4007-3A19-0E4E-8496-6CECEEA363EB}"/>
+              </a:ext>
+            </a:extLst>
+          </p:cNvPr>
+          <p:cNvSpPr/>
+          <p:nvPr/>
+        </p:nvSpPr>
+        <p:spPr>
+          <a:xfrm>
+            <a:off x="1828800" y="853512"/>
+            <a:ext cx="5105400" cy="3693319"/>
+          </a:xfrm>
+          <a:prstGeom prst="rect">
+            <a:avLst/>
+          </a:prstGeom>
+          <a:solidFill>
+            <a:schemeClr val="accent6">
+              <a:lumMod val="20000"/>
+              <a:lumOff val="80000"/>
+            </a:schemeClr>
+          </a:solidFill>
+        </p:spPr>
+        <p:txBody>
+          <a:bodyPr wrap="square">
+            <a:spAutoFit/>
+          </a:bodyPr>
+          <a:lstStyle/>
+          <a:p>
+            <a:r>
+              <a:rPr lang="en-CA" sz="900" dirty="0">
+                <a:latin typeface="Courier" pitchFamily="2" charset="0"/>
+              </a:rPr>
+              <a:t>   0                   1                   2                   3</a:t>
+            </a:r>
+          </a:p>
+          <a:p>
+            <a:r>
+              <a:rPr lang="en-CA" sz="900" dirty="0">
+                <a:latin typeface="Courier" pitchFamily="2" charset="0"/>
+              </a:rPr>
+              <a:t>   0 1 2 3 4 5 6 7 8 9 0 1 2 3 4 5 6 7 8 9 0 1 2 3 4 5 6 7 8 9 0 1</a:t>
+            </a:r>
+          </a:p>
+          <a:p>
+            <a:r>
+              <a:rPr lang="en-CA" sz="900" dirty="0">
+                <a:latin typeface="Courier" pitchFamily="2" charset="0"/>
+              </a:rPr>
+              <a:t>   +-+-+-+-+-+-+-+-+-+-+-+-+-+-+-+-+-+-+-+-+-+-+-+-+-+-+-+-+-+-+-+-+</a:t>
+            </a:r>
+          </a:p>
+          <a:p>
+            <a:r>
+              <a:rPr lang="en-CA" sz="900" dirty="0">
+                <a:latin typeface="Courier" pitchFamily="2" charset="0"/>
+              </a:rPr>
+              <a:t>   | IOAM Indicator Label                  | TC  |1|  TTL          |</a:t>
+            </a:r>
+          </a:p>
+          <a:p>
+            <a:r>
+              <a:rPr lang="en-CA" sz="900" dirty="0">
+                <a:latin typeface="Courier" pitchFamily="2" charset="0"/>
+              </a:rPr>
+              <a:t>   +-+-+-+-+-+-+-+-+-+-+-+-+-+-+-+-+-+-+-+-+-+-+-+-+-+-+-+-+-+-+-+-+&lt;-+</a:t>
+            </a:r>
+          </a:p>
+          <a:p>
+            <a:r>
+              <a:rPr lang="en-CA" sz="900" dirty="0">
+                <a:latin typeface="Courier" pitchFamily="2" charset="0"/>
+              </a:rPr>
+              <a:t>   |0 0 0 1|Version| Reserved      | IOAM G-</a:t>
+            </a:r>
+            <a:r>
+              <a:rPr lang="en-CA" sz="900" dirty="0" err="1">
+                <a:latin typeface="Courier" pitchFamily="2" charset="0"/>
+              </a:rPr>
+              <a:t>ACh</a:t>
+            </a:r>
+            <a:r>
+              <a:rPr lang="en-CA" sz="900" dirty="0">
+                <a:latin typeface="Courier" pitchFamily="2" charset="0"/>
+              </a:rPr>
+              <a:t>                    |  |</a:t>
+            </a:r>
+          </a:p>
+          <a:p>
+            <a:r>
+              <a:rPr lang="en-CA" sz="900" dirty="0">
+                <a:latin typeface="Courier" pitchFamily="2" charset="0"/>
+              </a:rPr>
+              <a:t>   +-+-+-+-+-+-+-+-+-+-+-+-+-+-+-+-+-+-+-+-+-+-+-+-+-+-+-+-+-+-+-+-+  |</a:t>
+            </a:r>
+          </a:p>
+          <a:p>
+            <a:r>
+              <a:rPr lang="en-CA" sz="900" dirty="0">
+                <a:latin typeface="Courier" pitchFamily="2" charset="0"/>
+              </a:rPr>
+              <a:t>   | Reserved      | Block Number  | IOAM-OPT-Type |</a:t>
+            </a:r>
+            <a:r>
+              <a:rPr lang="en-CA" sz="900" dirty="0">
+                <a:solidFill>
+                  <a:srgbClr val="C00000"/>
+                </a:solidFill>
+                <a:latin typeface="Courier" pitchFamily="2" charset="0"/>
+              </a:rPr>
+              <a:t>IOAM HDR Length</a:t>
+            </a:r>
+            <a:r>
+              <a:rPr lang="en-CA" sz="900" dirty="0">
+                <a:latin typeface="Courier" pitchFamily="2" charset="0"/>
+              </a:rPr>
+              <a:t>|  |</a:t>
+            </a:r>
+          </a:p>
+          <a:p>
+            <a:r>
+              <a:rPr lang="en-CA" sz="900" dirty="0">
+                <a:latin typeface="Courier" pitchFamily="2" charset="0"/>
+              </a:rPr>
+              <a:t>   +-+-+-+-+-+-+-+-+-+-+-+-+-+-+-+-+-+-+-+-+-+-+-+-+-+-+-+-+-+-+-+-+  I</a:t>
+            </a:r>
+          </a:p>
+          <a:p>
+            <a:r>
+              <a:rPr lang="en-CA" sz="900" dirty="0">
+                <a:latin typeface="Courier" pitchFamily="2" charset="0"/>
+              </a:rPr>
+              <a:t>   |                                                               |  O</a:t>
+            </a:r>
+          </a:p>
+          <a:p>
+            <a:r>
+              <a:rPr lang="en-CA" sz="900" dirty="0">
+                <a:latin typeface="Courier" pitchFamily="2" charset="0"/>
+              </a:rPr>
+              <a:t>   |                                                               |  A</a:t>
+            </a:r>
+          </a:p>
+          <a:p>
+            <a:r>
+              <a:rPr lang="en-CA" sz="900" dirty="0">
+                <a:latin typeface="Courier" pitchFamily="2" charset="0"/>
+              </a:rPr>
+              <a:t>   ~                 IOAM Option and Data Space                    ~  M</a:t>
+            </a:r>
+          </a:p>
+          <a:p>
+            <a:r>
+              <a:rPr lang="en-CA" sz="900" dirty="0">
+                <a:latin typeface="Courier" pitchFamily="2" charset="0"/>
+              </a:rPr>
+              <a:t>   |                                                               |  |</a:t>
+            </a:r>
+          </a:p>
+          <a:p>
+            <a:r>
+              <a:rPr lang="en-CA" sz="900" dirty="0">
+                <a:latin typeface="Courier" pitchFamily="2" charset="0"/>
+              </a:rPr>
+              <a:t>   |                                                               |  |</a:t>
+            </a:r>
+          </a:p>
+          <a:p>
+            <a:r>
+              <a:rPr lang="en-CA" sz="900" dirty="0">
+                <a:latin typeface="Courier" pitchFamily="2" charset="0"/>
+              </a:rPr>
+              <a:t>   +-+-+-+-+-+-+-+-+-+-+-+-+-+-+-+-+-+-+-+-+-+-+-+-+-+-+-+-+-+-+-+-+&lt;-+</a:t>
+            </a:r>
+          </a:p>
+          <a:p>
+            <a:r>
+              <a:rPr lang="en-CA" sz="900" dirty="0">
+                <a:solidFill>
+                  <a:srgbClr val="C00000"/>
+                </a:solidFill>
+                <a:latin typeface="Courier" pitchFamily="2" charset="0"/>
+              </a:rPr>
+              <a:t>   |0 0 0 1|Version| Reserved      | Channel Type                  |</a:t>
+            </a:r>
+          </a:p>
+          <a:p>
+            <a:r>
+              <a:rPr lang="en-CA" sz="900" dirty="0">
+                <a:solidFill>
+                  <a:srgbClr val="C00000"/>
+                </a:solidFill>
+                <a:latin typeface="Courier" pitchFamily="2" charset="0"/>
+              </a:rPr>
+              <a:t>   +-+-+-+-+-+-+-+-+-+-+-+-+-+-+-+-+-+-+-+-+-+-+-+-+-+-+-+-+-+-+-+-+</a:t>
+            </a:r>
+          </a:p>
+          <a:p>
+            <a:r>
+              <a:rPr lang="en-CA" sz="900" dirty="0">
+                <a:latin typeface="Courier" pitchFamily="2" charset="0"/>
+              </a:rPr>
+              <a:t>   |                                                               |</a:t>
+            </a:r>
+          </a:p>
+          <a:p>
+            <a:r>
+              <a:rPr lang="en-CA" sz="900" dirty="0">
+                <a:latin typeface="Courier" pitchFamily="2" charset="0"/>
+              </a:rPr>
+              <a:t>   |                                                               |</a:t>
+            </a:r>
+          </a:p>
+          <a:p>
+            <a:r>
+              <a:rPr lang="en-CA" sz="900" dirty="0">
+                <a:latin typeface="Courier" pitchFamily="2" charset="0"/>
+              </a:rPr>
+              <a:t>   ~                 Payload + Padding                             ~</a:t>
+            </a:r>
+          </a:p>
+          <a:p>
+            <a:r>
+              <a:rPr lang="en-CA" sz="900" dirty="0">
+                <a:latin typeface="Courier" pitchFamily="2" charset="0"/>
+              </a:rPr>
+              <a:t>   |                                                               |</a:t>
+            </a:r>
+          </a:p>
+          <a:p>
+            <a:r>
+              <a:rPr lang="en-CA" sz="900" dirty="0">
+                <a:latin typeface="Courier" pitchFamily="2" charset="0"/>
+              </a:rPr>
+              <a:t>   |                                                               |</a:t>
+            </a:r>
+          </a:p>
+          <a:p>
+            <a:r>
+              <a:rPr lang="en-CA" sz="900" dirty="0">
+                <a:latin typeface="Courier" pitchFamily="2" charset="0"/>
+              </a:rPr>
+              <a:t>   +-+-+-+-+-+-+-+-+-+-+-+-+-+-+-+-+-+-+-+-+-+-+-+-+-+-+-+-+-+-+-+-+</a:t>
+            </a:r>
+          </a:p>
+          <a:p>
+            <a:r>
+              <a:rPr lang="en-CA" sz="900" dirty="0">
+                <a:latin typeface="Courier" pitchFamily="2" charset="0"/>
+              </a:rPr>
+              <a:t> </a:t>
+            </a:r>
+          </a:p>
+          <a:p>
+            <a:r>
+              <a:rPr lang="en-CA" sz="900" dirty="0">
+                <a:latin typeface="Courier" pitchFamily="2" charset="0"/>
+              </a:rPr>
+              <a:t>      Figure: IOAM Encapsulation in MPLS Header with Another ACH</a:t>
+            </a:r>
+            <a:endParaRPr lang="en-CA" sz="900" dirty="0">
+              <a:latin typeface="Courier" pitchFamily="2" charset="0"/>
+              <a:ea typeface="Calibri" panose="020F0502020204030204" pitchFamily="34" charset="0"/>
+              <a:cs typeface="Times New Roman" panose="02020603050405020304" pitchFamily="18" charset="0"/>
+            </a:endParaRPr>
+          </a:p>
+        </p:txBody>
+      </p:sp>
+    </p:spTree>
+    <p:extLst>
+      <p:ext uri="{BB962C8B-B14F-4D97-AF65-F5344CB8AC3E}">
+        <p14:creationId xmlns:p14="http://schemas.microsoft.com/office/powerpoint/2010/main" val="3691924194"/>
+      </p:ext>
+    </p:extLst>
+  </p:cSld>
+  <p:clrMapOvr>
+    <a:masterClrMapping/>
+  </p:clrMapOvr>
+</p:sld>
+</file>
+
+<file path=ppt/slides/slide29.xml><?xml version="1.0" encoding="utf-8"?>
+<p:sld xmlns:a="http://schemas.openxmlformats.org/drawingml/2006/main" xmlns:r="http://schemas.openxmlformats.org/officeDocument/2006/relationships" xmlns:p="http://schemas.openxmlformats.org/presentationml/2006/main">
+  <p:cSld>
+    <p:spTree>
+      <p:nvGrpSpPr>
+        <p:cNvPr id="1" name=""/>
+        <p:cNvGrpSpPr/>
+        <p:nvPr/>
+      </p:nvGrpSpPr>
+      <p:grpSpPr>
+        <a:xfrm>
+          <a:off x="0" y="0"/>
+          <a:ext cx="0" cy="0"/>
+          <a:chOff x="0" y="0"/>
+          <a:chExt cx="0" cy="0"/>
+        </a:xfrm>
+      </p:grpSpPr>
+      <p:sp>
+        <p:nvSpPr>
+          <p:cNvPr id="2" name="Title 1">
+            <a:extLst>
+              <a:ext uri="{FF2B5EF4-FFF2-40B4-BE49-F238E27FC236}">
+                <a16:creationId xmlns:a16="http://schemas.microsoft.com/office/drawing/2014/main" id="{16C5255E-BE42-5348-AC0F-6257873BBB61}"/>
+              </a:ext>
+            </a:extLst>
+          </p:cNvPr>
+          <p:cNvSpPr>
+            <a:spLocks noGrp="1"/>
+          </p:cNvSpPr>
+          <p:nvPr>
+            <p:ph type="title"/>
+          </p:nvPr>
+        </p:nvSpPr>
+        <p:spPr>
+          <a:xfrm>
+            <a:off x="304800" y="0"/>
+            <a:ext cx="8534400" cy="857250"/>
+          </a:xfrm>
+        </p:spPr>
+        <p:txBody>
+          <a:bodyPr/>
+          <a:lstStyle/>
+          <a:p>
+            <a:r>
+              <a:rPr lang="en-US" sz="3200" dirty="0">
+                <a:solidFill>
+                  <a:srgbClr val="0070C0"/>
+                </a:solidFill>
+                <a:latin typeface="Calibri Light" panose="020F0302020204030204" pitchFamily="34" charset="0"/>
+                <a:cs typeface="Calibri Light" panose="020F0302020204030204" pitchFamily="34" charset="0"/>
+              </a:rPr>
+              <a:t>IOAM Data and Fragmentation after EOS</a:t>
+            </a:r>
+          </a:p>
+        </p:txBody>
+      </p:sp>
+      <p:sp>
+        <p:nvSpPr>
+          <p:cNvPr id="3" name="Content Placeholder 2">
+            <a:extLst>
+              <a:ext uri="{FF2B5EF4-FFF2-40B4-BE49-F238E27FC236}">
+                <a16:creationId xmlns:a16="http://schemas.microsoft.com/office/drawing/2014/main" id="{3943595A-2AF7-A141-B580-268FFA30C69C}"/>
+              </a:ext>
+            </a:extLst>
+          </p:cNvPr>
+          <p:cNvSpPr>
+            <a:spLocks noGrp="1"/>
+          </p:cNvSpPr>
+          <p:nvPr>
+            <p:ph idx="1"/>
+          </p:nvPr>
+        </p:nvSpPr>
+        <p:spPr>
+          <a:xfrm>
             <a:off x="533400" y="971550"/>
             <a:ext cx="8153400" cy="3505199"/>
           </a:xfrm>
@@ -12665,7 +14711,7 @@
                 <a:latin typeface="Calibri" panose="020F0502020204030204" pitchFamily="34" charset="0"/>
                 <a:cs typeface="Calibri" panose="020F0502020204030204" pitchFamily="34" charset="0"/>
               </a:rPr>
-              <a:t>Fragmentation </a:t>
+              <a:t>TBA</a:t>
             </a:r>
           </a:p>
           <a:p>
@@ -12754,7 +14800,7 @@
               <a:pPr>
                 <a:defRPr/>
               </a:pPr>
-              <a:t>27</a:t>
+              <a:t>29</a:t>
             </a:fld>
             <a:endParaRPr lang="en-US" altLang="zh-CN" dirty="0"/>
           </a:p>
@@ -12773,7 +14819,332 @@
 </p:sld>
 </file>
 
-<file path=ppt/slides/slide28.xml><?xml version="1.0" encoding="utf-8"?>
+<file path=ppt/slides/slide3.xml><?xml version="1.0" encoding="utf-8"?>
+<p:sld xmlns:a="http://schemas.openxmlformats.org/drawingml/2006/main" xmlns:r="http://schemas.openxmlformats.org/officeDocument/2006/relationships" xmlns:p="http://schemas.openxmlformats.org/presentationml/2006/main">
+  <p:cSld>
+    <p:spTree>
+      <p:nvGrpSpPr>
+        <p:cNvPr id="1" name=""/>
+        <p:cNvGrpSpPr/>
+        <p:nvPr/>
+      </p:nvGrpSpPr>
+      <p:grpSpPr>
+        <a:xfrm>
+          <a:off x="0" y="0"/>
+          <a:ext cx="0" cy="0"/>
+          <a:chOff x="0" y="0"/>
+          <a:chExt cx="0" cy="0"/>
+        </a:xfrm>
+      </p:grpSpPr>
+      <p:sp>
+        <p:nvSpPr>
+          <p:cNvPr id="2" name="Title 1"/>
+          <p:cNvSpPr>
+            <a:spLocks noGrp="1"/>
+          </p:cNvSpPr>
+          <p:nvPr>
+            <p:ph type="title"/>
+          </p:nvPr>
+        </p:nvSpPr>
+        <p:spPr>
+          <a:xfrm>
+            <a:off x="457200" y="0"/>
+            <a:ext cx="8229600" cy="857250"/>
+          </a:xfrm>
+        </p:spPr>
+        <p:txBody>
+          <a:bodyPr/>
+          <a:lstStyle/>
+          <a:p>
+            <a:r>
+              <a:rPr lang="en-US" sz="3600" dirty="0">
+                <a:solidFill>
+                  <a:srgbClr val="0070C0"/>
+                </a:solidFill>
+                <a:latin typeface="Calibri Light" panose="020F0302020204030204" pitchFamily="34" charset="0"/>
+                <a:cs typeface="Calibri Light" panose="020F0302020204030204" pitchFamily="34" charset="0"/>
+              </a:rPr>
+              <a:t>Requirements and Scope</a:t>
+            </a:r>
+          </a:p>
+        </p:txBody>
+      </p:sp>
+      <p:sp>
+        <p:nvSpPr>
+          <p:cNvPr id="3" name="Content Placeholder 2"/>
+          <p:cNvSpPr>
+            <a:spLocks noGrp="1"/>
+          </p:cNvSpPr>
+          <p:nvPr>
+            <p:ph idx="1"/>
+          </p:nvPr>
+        </p:nvSpPr>
+        <p:spPr>
+          <a:xfrm>
+            <a:off x="457200" y="895350"/>
+            <a:ext cx="8229600" cy="3543300"/>
+          </a:xfrm>
+        </p:spPr>
+        <p:txBody>
+          <a:bodyPr/>
+          <a:lstStyle/>
+          <a:p>
+            <a:pPr marL="0" indent="0">
+              <a:buNone/>
+            </a:pPr>
+            <a:r>
+              <a:rPr lang="en-US" sz="1800" dirty="0"/>
+              <a:t>Requirements:</a:t>
+            </a:r>
+          </a:p>
+          <a:p>
+            <a:pPr lvl="1">
+              <a:buFont typeface="Wingdings" charset="2"/>
+              <a:buChar char="§"/>
+            </a:pPr>
+            <a:r>
+              <a:rPr lang="en-US" sz="1800" dirty="0"/>
+              <a:t>Transport In-situ OAM (IOAM) data fields with MPLS Encapsulation</a:t>
+            </a:r>
+          </a:p>
+          <a:p>
+            <a:pPr marL="0" lvl="1" indent="0">
+              <a:buNone/>
+            </a:pPr>
+            <a:r>
+              <a:rPr lang="en-US" sz="1800" dirty="0"/>
+              <a:t>Scope:</a:t>
+            </a:r>
+          </a:p>
+          <a:p>
+            <a:pPr lvl="1">
+              <a:buFont typeface="Wingdings" charset="2"/>
+              <a:buChar char="§"/>
+            </a:pPr>
+            <a:r>
+              <a:rPr lang="en-US" sz="1800" dirty="0"/>
+              <a:t>Using data fields defined in:</a:t>
+            </a:r>
+          </a:p>
+          <a:p>
+            <a:pPr lvl="2">
+              <a:buFont typeface="Wingdings" charset="2"/>
+              <a:buChar char="§"/>
+            </a:pPr>
+            <a:r>
+              <a:rPr lang="en-CA" sz="1800" i="1" dirty="0"/>
+              <a:t>draft-</a:t>
+            </a:r>
+            <a:r>
+              <a:rPr lang="en-CA" sz="1800" i="1" dirty="0" err="1"/>
+              <a:t>ietf</a:t>
+            </a:r>
+            <a:r>
+              <a:rPr lang="en-CA" sz="1800" i="1" dirty="0"/>
+              <a:t>-</a:t>
+            </a:r>
+            <a:r>
+              <a:rPr lang="en-CA" sz="1800" i="1" dirty="0" err="1"/>
+              <a:t>ippm</a:t>
+            </a:r>
+            <a:r>
+              <a:rPr lang="en-CA" sz="1800" i="1" dirty="0"/>
+              <a:t>-</a:t>
+            </a:r>
+            <a:r>
+              <a:rPr lang="en-CA" sz="1800" i="1" dirty="0" err="1"/>
+              <a:t>ioam</a:t>
+            </a:r>
+            <a:r>
+              <a:rPr lang="en-CA" sz="1800" i="1" dirty="0"/>
+              <a:t>-data</a:t>
+            </a:r>
+            <a:endParaRPr lang="en-CA" sz="1800" dirty="0"/>
+          </a:p>
+          <a:p>
+            <a:pPr lvl="2">
+              <a:buFont typeface="Wingdings" charset="2"/>
+              <a:buChar char="§"/>
+            </a:pPr>
+            <a:r>
+              <a:rPr lang="en-CA" sz="1800" i="1" dirty="0"/>
+              <a:t>draft-</a:t>
+            </a:r>
+            <a:r>
+              <a:rPr lang="en-CA" sz="1800" i="1" dirty="0" err="1"/>
+              <a:t>ietf</a:t>
+            </a:r>
+            <a:r>
+              <a:rPr lang="en-CA" sz="1800" i="1" dirty="0"/>
+              <a:t>-</a:t>
+            </a:r>
+            <a:r>
+              <a:rPr lang="en-CA" sz="1800" i="1" dirty="0" err="1"/>
+              <a:t>ippm</a:t>
+            </a:r>
+            <a:r>
+              <a:rPr lang="en-CA" sz="1800" i="1" dirty="0"/>
+              <a:t>-</a:t>
+            </a:r>
+            <a:r>
+              <a:rPr lang="en-CA" sz="1800" i="1" dirty="0" err="1"/>
+              <a:t>ioam</a:t>
+            </a:r>
+            <a:r>
+              <a:rPr lang="en-CA" sz="1800" i="1" dirty="0"/>
+              <a:t>-direct-export</a:t>
+            </a:r>
+            <a:endParaRPr lang="en-CA" sz="1800" dirty="0"/>
+          </a:p>
+          <a:p>
+            <a:pPr lvl="2">
+              <a:buFont typeface="Wingdings" charset="2"/>
+              <a:buChar char="§"/>
+            </a:pPr>
+            <a:r>
+              <a:rPr lang="en-CA" sz="1800" i="1" dirty="0"/>
+              <a:t>draft-</a:t>
+            </a:r>
+            <a:r>
+              <a:rPr lang="en-CA" sz="1800" i="1" dirty="0" err="1"/>
+              <a:t>ietf</a:t>
+            </a:r>
+            <a:r>
+              <a:rPr lang="en-CA" sz="1800" i="1" dirty="0"/>
+              <a:t>-</a:t>
+            </a:r>
+            <a:r>
+              <a:rPr lang="en-CA" sz="1800" i="1" dirty="0" err="1"/>
+              <a:t>ippm</a:t>
+            </a:r>
+            <a:r>
+              <a:rPr lang="en-CA" sz="1800" i="1" dirty="0"/>
+              <a:t>-</a:t>
+            </a:r>
+            <a:r>
+              <a:rPr lang="en-CA" sz="1800" i="1" dirty="0" err="1"/>
+              <a:t>ioam</a:t>
+            </a:r>
+            <a:r>
+              <a:rPr lang="en-CA" sz="1800" i="1" dirty="0"/>
+              <a:t>-flags</a:t>
+            </a:r>
+          </a:p>
+          <a:p>
+            <a:pPr lvl="1">
+              <a:buFont typeface="Wingdings" charset="2"/>
+              <a:buChar char="§"/>
+            </a:pPr>
+            <a:r>
+              <a:rPr lang="en-CA" sz="1800" dirty="0"/>
+              <a:t>Edge-to-edge (E2E) IOAM</a:t>
+            </a:r>
+          </a:p>
+          <a:p>
+            <a:pPr lvl="1">
+              <a:buFont typeface="Wingdings" charset="2"/>
+              <a:buChar char="§"/>
+            </a:pPr>
+            <a:r>
+              <a:rPr lang="en-CA" sz="1800" dirty="0"/>
+              <a:t>Hop-by-hop (</a:t>
+            </a:r>
+            <a:r>
+              <a:rPr lang="en-CA" sz="1800" dirty="0" err="1"/>
+              <a:t>HbH</a:t>
+            </a:r>
+            <a:r>
+              <a:rPr lang="en-CA" sz="1800" dirty="0"/>
+              <a:t>) IOAM</a:t>
+            </a:r>
+          </a:p>
+          <a:p>
+            <a:pPr lvl="1">
+              <a:buFont typeface="Wingdings" charset="2"/>
+              <a:buChar char="§"/>
+            </a:pPr>
+            <a:endParaRPr lang="en-US" sz="1800" dirty="0"/>
+          </a:p>
+        </p:txBody>
+      </p:sp>
+      <p:sp>
+        <p:nvSpPr>
+          <p:cNvPr id="4" name="Footer Placeholder 3"/>
+          <p:cNvSpPr>
+            <a:spLocks noGrp="1"/>
+          </p:cNvSpPr>
+          <p:nvPr>
+            <p:ph type="ftr" sz="quarter" idx="11"/>
+          </p:nvPr>
+        </p:nvSpPr>
+        <p:spPr>
+          <a:xfrm>
+            <a:off x="3124200" y="4786312"/>
+            <a:ext cx="2895600" cy="357188"/>
+          </a:xfrm>
+        </p:spPr>
+        <p:txBody>
+          <a:bodyPr/>
+          <a:lstStyle/>
+          <a:p>
+            <a:r>
+              <a:rPr lang="en-CA" dirty="0"/>
+              <a:t>110</a:t>
+            </a:r>
+            <a:r>
+              <a:rPr lang="en-CA" baseline="30000" dirty="0"/>
+              <a:t>th</a:t>
+            </a:r>
+            <a:r>
+              <a:rPr lang="en-CA" dirty="0"/>
+              <a:t> IETF Online</a:t>
+            </a:r>
+          </a:p>
+        </p:txBody>
+      </p:sp>
+      <p:sp>
+        <p:nvSpPr>
+          <p:cNvPr id="5" name="Slide Number Placeholder 4"/>
+          <p:cNvSpPr>
+            <a:spLocks noGrp="1"/>
+          </p:cNvSpPr>
+          <p:nvPr>
+            <p:ph type="sldNum" sz="quarter" idx="12"/>
+          </p:nvPr>
+        </p:nvSpPr>
+        <p:spPr/>
+        <p:txBody>
+          <a:bodyPr/>
+          <a:lstStyle/>
+          <a:p>
+            <a:pPr>
+              <a:defRPr/>
+            </a:pPr>
+            <a:fld id="{BD6E0F59-1DD8-40FC-9C92-B6295CBA6CCA}" type="slidenum">
+              <a:rPr lang="en-US" altLang="zh-CN" smtClean="0"/>
+              <a:pPr>
+                <a:defRPr/>
+              </a:pPr>
+              <a:t>3</a:t>
+            </a:fld>
+            <a:endParaRPr lang="en-US" altLang="zh-CN"/>
+          </a:p>
+        </p:txBody>
+      </p:sp>
+    </p:spTree>
+    <p:extLst>
+      <p:ext uri="{BB962C8B-B14F-4D97-AF65-F5344CB8AC3E}">
+        <p14:creationId xmlns:p14="http://schemas.microsoft.com/office/powerpoint/2010/main" val="2099784755"/>
+      </p:ext>
+    </p:extLst>
+  </p:cSld>
+  <p:clrMapOvr>
+    <a:masterClrMapping/>
+  </p:clrMapOvr>
+</p:sld>
+</file>
+
+<file path=ppt/slides/slide30.xml><?xml version="1.0" encoding="utf-8"?>
 <p:sld xmlns:a="http://schemas.openxmlformats.org/drawingml/2006/main" xmlns:r="http://schemas.openxmlformats.org/officeDocument/2006/relationships" xmlns:p="http://schemas.openxmlformats.org/presentationml/2006/main">
   <p:cSld>
     <p:spTree>
@@ -13037,7 +15408,7 @@
               <a:pPr>
                 <a:defRPr/>
               </a:pPr>
-              <a:t>28</a:t>
+              <a:t>30</a:t>
             </a:fld>
             <a:endParaRPr lang="en-US" altLang="zh-CN"/>
           </a:p>
@@ -13047,331 +15418,6 @@
     <p:extLst>
       <p:ext uri="{BB962C8B-B14F-4D97-AF65-F5344CB8AC3E}">
         <p14:creationId xmlns:p14="http://schemas.microsoft.com/office/powerpoint/2010/main" val="2276685760"/>
-      </p:ext>
-    </p:extLst>
-  </p:cSld>
-  <p:clrMapOvr>
-    <a:masterClrMapping/>
-  </p:clrMapOvr>
-</p:sld>
-</file>
-
-<file path=ppt/slides/slide3.xml><?xml version="1.0" encoding="utf-8"?>
-<p:sld xmlns:a="http://schemas.openxmlformats.org/drawingml/2006/main" xmlns:r="http://schemas.openxmlformats.org/officeDocument/2006/relationships" xmlns:p="http://schemas.openxmlformats.org/presentationml/2006/main">
-  <p:cSld>
-    <p:spTree>
-      <p:nvGrpSpPr>
-        <p:cNvPr id="1" name=""/>
-        <p:cNvGrpSpPr/>
-        <p:nvPr/>
-      </p:nvGrpSpPr>
-      <p:grpSpPr>
-        <a:xfrm>
-          <a:off x="0" y="0"/>
-          <a:ext cx="0" cy="0"/>
-          <a:chOff x="0" y="0"/>
-          <a:chExt cx="0" cy="0"/>
-        </a:xfrm>
-      </p:grpSpPr>
-      <p:sp>
-        <p:nvSpPr>
-          <p:cNvPr id="2" name="Title 1"/>
-          <p:cNvSpPr>
-            <a:spLocks noGrp="1"/>
-          </p:cNvSpPr>
-          <p:nvPr>
-            <p:ph type="title"/>
-          </p:nvPr>
-        </p:nvSpPr>
-        <p:spPr>
-          <a:xfrm>
-            <a:off x="457200" y="0"/>
-            <a:ext cx="8229600" cy="857250"/>
-          </a:xfrm>
-        </p:spPr>
-        <p:txBody>
-          <a:bodyPr/>
-          <a:lstStyle/>
-          <a:p>
-            <a:r>
-              <a:rPr lang="en-US" sz="3600" dirty="0">
-                <a:solidFill>
-                  <a:srgbClr val="0070C0"/>
-                </a:solidFill>
-                <a:latin typeface="Calibri Light" panose="020F0302020204030204" pitchFamily="34" charset="0"/>
-                <a:cs typeface="Calibri Light" panose="020F0302020204030204" pitchFamily="34" charset="0"/>
-              </a:rPr>
-              <a:t>Requirements and Scope</a:t>
-            </a:r>
-          </a:p>
-        </p:txBody>
-      </p:sp>
-      <p:sp>
-        <p:nvSpPr>
-          <p:cNvPr id="3" name="Content Placeholder 2"/>
-          <p:cNvSpPr>
-            <a:spLocks noGrp="1"/>
-          </p:cNvSpPr>
-          <p:nvPr>
-            <p:ph idx="1"/>
-          </p:nvPr>
-        </p:nvSpPr>
-        <p:spPr>
-          <a:xfrm>
-            <a:off x="457200" y="895350"/>
-            <a:ext cx="8229600" cy="3543300"/>
-          </a:xfrm>
-        </p:spPr>
-        <p:txBody>
-          <a:bodyPr/>
-          <a:lstStyle/>
-          <a:p>
-            <a:pPr marL="0" indent="0">
-              <a:buNone/>
-            </a:pPr>
-            <a:r>
-              <a:rPr lang="en-US" sz="1800" dirty="0"/>
-              <a:t>Requirements:</a:t>
-            </a:r>
-          </a:p>
-          <a:p>
-            <a:pPr lvl="1">
-              <a:buFont typeface="Wingdings" charset="2"/>
-              <a:buChar char="§"/>
-            </a:pPr>
-            <a:r>
-              <a:rPr lang="en-US" sz="1800" dirty="0"/>
-              <a:t>Transport In-situ OAM (IOAM) data fields with MPLS Encapsulation</a:t>
-            </a:r>
-          </a:p>
-          <a:p>
-            <a:pPr marL="0" lvl="1" indent="0">
-              <a:buNone/>
-            </a:pPr>
-            <a:r>
-              <a:rPr lang="en-US" sz="1800" dirty="0"/>
-              <a:t>Scope:</a:t>
-            </a:r>
-          </a:p>
-          <a:p>
-            <a:pPr lvl="1">
-              <a:buFont typeface="Wingdings" charset="2"/>
-              <a:buChar char="§"/>
-            </a:pPr>
-            <a:r>
-              <a:rPr lang="en-US" sz="1800" dirty="0"/>
-              <a:t>Using data fields defined in:</a:t>
-            </a:r>
-          </a:p>
-          <a:p>
-            <a:pPr lvl="2">
-              <a:buFont typeface="Wingdings" charset="2"/>
-              <a:buChar char="§"/>
-            </a:pPr>
-            <a:r>
-              <a:rPr lang="en-CA" sz="1800" i="1" dirty="0"/>
-              <a:t>draft-</a:t>
-            </a:r>
-            <a:r>
-              <a:rPr lang="en-CA" sz="1800" i="1" dirty="0" err="1"/>
-              <a:t>ietf</a:t>
-            </a:r>
-            <a:r>
-              <a:rPr lang="en-CA" sz="1800" i="1" dirty="0"/>
-              <a:t>-</a:t>
-            </a:r>
-            <a:r>
-              <a:rPr lang="en-CA" sz="1800" i="1" dirty="0" err="1"/>
-              <a:t>ippm</a:t>
-            </a:r>
-            <a:r>
-              <a:rPr lang="en-CA" sz="1800" i="1" dirty="0"/>
-              <a:t>-</a:t>
-            </a:r>
-            <a:r>
-              <a:rPr lang="en-CA" sz="1800" i="1" dirty="0" err="1"/>
-              <a:t>ioam</a:t>
-            </a:r>
-            <a:r>
-              <a:rPr lang="en-CA" sz="1800" i="1" dirty="0"/>
-              <a:t>-data</a:t>
-            </a:r>
-            <a:endParaRPr lang="en-CA" sz="1800" dirty="0"/>
-          </a:p>
-          <a:p>
-            <a:pPr lvl="2">
-              <a:buFont typeface="Wingdings" charset="2"/>
-              <a:buChar char="§"/>
-            </a:pPr>
-            <a:r>
-              <a:rPr lang="en-CA" sz="1800" i="1" dirty="0"/>
-              <a:t>draft-</a:t>
-            </a:r>
-            <a:r>
-              <a:rPr lang="en-CA" sz="1800" i="1" dirty="0" err="1"/>
-              <a:t>ietf</a:t>
-            </a:r>
-            <a:r>
-              <a:rPr lang="en-CA" sz="1800" i="1" dirty="0"/>
-              <a:t>-</a:t>
-            </a:r>
-            <a:r>
-              <a:rPr lang="en-CA" sz="1800" i="1" dirty="0" err="1"/>
-              <a:t>ippm</a:t>
-            </a:r>
-            <a:r>
-              <a:rPr lang="en-CA" sz="1800" i="1" dirty="0"/>
-              <a:t>-</a:t>
-            </a:r>
-            <a:r>
-              <a:rPr lang="en-CA" sz="1800" i="1" dirty="0" err="1"/>
-              <a:t>ioam</a:t>
-            </a:r>
-            <a:r>
-              <a:rPr lang="en-CA" sz="1800" i="1" dirty="0"/>
-              <a:t>-direct-export</a:t>
-            </a:r>
-            <a:endParaRPr lang="en-CA" sz="1800" dirty="0"/>
-          </a:p>
-          <a:p>
-            <a:pPr lvl="2">
-              <a:buFont typeface="Wingdings" charset="2"/>
-              <a:buChar char="§"/>
-            </a:pPr>
-            <a:r>
-              <a:rPr lang="en-CA" sz="1800" i="1" dirty="0"/>
-              <a:t>draft-</a:t>
-            </a:r>
-            <a:r>
-              <a:rPr lang="en-CA" sz="1800" i="1" dirty="0" err="1"/>
-              <a:t>ietf</a:t>
-            </a:r>
-            <a:r>
-              <a:rPr lang="en-CA" sz="1800" i="1" dirty="0"/>
-              <a:t>-</a:t>
-            </a:r>
-            <a:r>
-              <a:rPr lang="en-CA" sz="1800" i="1" dirty="0" err="1"/>
-              <a:t>ippm</a:t>
-            </a:r>
-            <a:r>
-              <a:rPr lang="en-CA" sz="1800" i="1" dirty="0"/>
-              <a:t>-</a:t>
-            </a:r>
-            <a:r>
-              <a:rPr lang="en-CA" sz="1800" i="1" dirty="0" err="1"/>
-              <a:t>ioam</a:t>
-            </a:r>
-            <a:r>
-              <a:rPr lang="en-CA" sz="1800" i="1" dirty="0"/>
-              <a:t>-flags</a:t>
-            </a:r>
-          </a:p>
-          <a:p>
-            <a:pPr lvl="1">
-              <a:buFont typeface="Wingdings" charset="2"/>
-              <a:buChar char="§"/>
-            </a:pPr>
-            <a:r>
-              <a:rPr lang="en-CA" sz="1800" dirty="0"/>
-              <a:t>Edge-to-edge (E2E) IOAM</a:t>
-            </a:r>
-          </a:p>
-          <a:p>
-            <a:pPr lvl="1">
-              <a:buFont typeface="Wingdings" charset="2"/>
-              <a:buChar char="§"/>
-            </a:pPr>
-            <a:r>
-              <a:rPr lang="en-CA" sz="1800" dirty="0"/>
-              <a:t>Hop-by-hop (</a:t>
-            </a:r>
-            <a:r>
-              <a:rPr lang="en-CA" sz="1800" dirty="0" err="1"/>
-              <a:t>HbH</a:t>
-            </a:r>
-            <a:r>
-              <a:rPr lang="en-CA" sz="1800" dirty="0"/>
-              <a:t>) IOAM</a:t>
-            </a:r>
-          </a:p>
-          <a:p>
-            <a:pPr lvl="1">
-              <a:buFont typeface="Wingdings" charset="2"/>
-              <a:buChar char="§"/>
-            </a:pPr>
-            <a:endParaRPr lang="en-US" sz="1800" dirty="0"/>
-          </a:p>
-        </p:txBody>
-      </p:sp>
-      <p:sp>
-        <p:nvSpPr>
-          <p:cNvPr id="4" name="Footer Placeholder 3"/>
-          <p:cNvSpPr>
-            <a:spLocks noGrp="1"/>
-          </p:cNvSpPr>
-          <p:nvPr>
-            <p:ph type="ftr" sz="quarter" idx="11"/>
-          </p:nvPr>
-        </p:nvSpPr>
-        <p:spPr>
-          <a:xfrm>
-            <a:off x="3124200" y="4786312"/>
-            <a:ext cx="2895600" cy="357188"/>
-          </a:xfrm>
-        </p:spPr>
-        <p:txBody>
-          <a:bodyPr/>
-          <a:lstStyle/>
-          <a:p>
-            <a:r>
-              <a:rPr lang="en-CA" dirty="0"/>
-              <a:t>110</a:t>
-            </a:r>
-            <a:r>
-              <a:rPr lang="en-CA" baseline="30000" dirty="0"/>
-              <a:t>th</a:t>
-            </a:r>
-            <a:r>
-              <a:rPr lang="en-CA" dirty="0"/>
-              <a:t> IETF Online</a:t>
-            </a:r>
-          </a:p>
-        </p:txBody>
-      </p:sp>
-      <p:sp>
-        <p:nvSpPr>
-          <p:cNvPr id="5" name="Slide Number Placeholder 4"/>
-          <p:cNvSpPr>
-            <a:spLocks noGrp="1"/>
-          </p:cNvSpPr>
-          <p:nvPr>
-            <p:ph type="sldNum" sz="quarter" idx="12"/>
-          </p:nvPr>
-        </p:nvSpPr>
-        <p:spPr/>
-        <p:txBody>
-          <a:bodyPr/>
-          <a:lstStyle/>
-          <a:p>
-            <a:pPr>
-              <a:defRPr/>
-            </a:pPr>
-            <a:fld id="{BD6E0F59-1DD8-40FC-9C92-B6295CBA6CCA}" type="slidenum">
-              <a:rPr lang="en-US" altLang="zh-CN" smtClean="0"/>
-              <a:pPr>
-                <a:defRPr/>
-              </a:pPr>
-              <a:t>3</a:t>
-            </a:fld>
-            <a:endParaRPr lang="en-US" altLang="zh-CN"/>
-          </a:p>
-        </p:txBody>
-      </p:sp>
-    </p:spTree>
-    <p:extLst>
-      <p:ext uri="{BB962C8B-B14F-4D97-AF65-F5344CB8AC3E}">
-        <p14:creationId xmlns:p14="http://schemas.microsoft.com/office/powerpoint/2010/main" val="2099784755"/>
       </p:ext>
     </p:extLst>
   </p:cSld>

--- a/draft-gandhi-mpls-ioam-sr-05.pptx
+++ b/draft-gandhi-mpls-ioam-sr-05.pptx
@@ -6015,11 +6015,7 @@
               <a:buAutoNum type="arabicPeriod"/>
             </a:pPr>
             <a:r>
-              <a:rPr lang="en-CA" sz="1800" dirty="0">
-                <a:solidFill>
-                  <a:srgbClr val="0070C0"/>
-                </a:solidFill>
-              </a:rPr>
+              <a:rPr lang="en-CA" sz="1800" dirty="0"/>
               <a:t>The IOAM Enabled Label allocated by the decapsulating node</a:t>
             </a:r>
           </a:p>
@@ -6029,11 +6025,7 @@
               <a:buChar char="§"/>
             </a:pPr>
             <a:r>
-              <a:rPr lang="en-CA" sz="1800" dirty="0">
-                <a:solidFill>
-                  <a:srgbClr val="0070C0"/>
-                </a:solidFill>
-              </a:rPr>
+              <a:rPr lang="en-CA" sz="1800" dirty="0"/>
               <a:t>Signaling/advertisement extensions needed to convey the label to all encapsulating nodes (out of scope)</a:t>
             </a:r>
           </a:p>
@@ -8048,19 +8040,7 @@
             </a:pPr>
             <a:r>
               <a:rPr lang="en-CA" sz="1800" dirty="0"/>
-              <a:t>The controller provisions the label on encapsulating, </a:t>
-            </a:r>
-            <a:r>
-              <a:rPr lang="en-CA" sz="1800" dirty="0">
-                <a:solidFill>
-                  <a:srgbClr val="0070C0"/>
-                </a:solidFill>
-              </a:rPr>
-              <a:t>transit </a:t>
-            </a:r>
-            <a:r>
-              <a:rPr lang="en-CA" sz="1800" dirty="0"/>
-              <a:t>and decapsulating nodes</a:t>
+              <a:t>The controller provisions the label on encapsulating, transit and decapsulating nodes</a:t>
             </a:r>
           </a:p>
           <a:p>
@@ -8069,11 +8049,7 @@
               <a:buAutoNum type="arabicPeriod"/>
             </a:pPr>
             <a:r>
-              <a:rPr lang="en-CA" sz="1800" dirty="0">
-                <a:solidFill>
-                  <a:srgbClr val="0070C0"/>
-                </a:solidFill>
-              </a:rPr>
+              <a:rPr lang="en-CA" sz="1800" dirty="0"/>
               <a:t>The IOAM Enabled Label allocated by the transit and decapsulating nodes</a:t>
             </a:r>
           </a:p>
@@ -8083,11 +8059,7 @@
               <a:buChar char="§"/>
             </a:pPr>
             <a:r>
-              <a:rPr lang="en-CA" sz="1800" dirty="0">
-                <a:solidFill>
-                  <a:srgbClr val="0070C0"/>
-                </a:solidFill>
-              </a:rPr>
+              <a:rPr lang="en-CA" sz="1800" dirty="0"/>
               <a:t>Signaling/advertisement extensions needed to convey the label to all encapsulating nodes (out of scope)</a:t>
             </a:r>
           </a:p>
@@ -11326,7 +11298,7 @@
                 <a:latin typeface="Calibri" panose="020F0502020204030204" pitchFamily="34" charset="0"/>
                 <a:cs typeface="Calibri" panose="020F0502020204030204" pitchFamily="34" charset="0"/>
               </a:rPr>
-              <a:t>The decapsulating node removes the MPLS header including the IOAM header and then processes the control word and payload following it.</a:t>
+              <a:t>The decapsulating node removes the MPLS header including the IOAM header and then processes the control word and the payload following it.</a:t>
             </a:r>
           </a:p>
           <a:p>

--- a/draft-gandhi-mpls-ioam-sr-05.pptx
+++ b/draft-gandhi-mpls-ioam-sr-05.pptx
@@ -7021,7 +7021,7 @@
               <a:buAutoNum type="arabicPeriod"/>
             </a:pPr>
             <a:r>
-              <a:rPr lang="en-CA" sz="1800" dirty="0"/>
+              <a:rPr lang="en-CA" sz="1600" dirty="0"/>
               <a:t>The encapsulating node inserts an E2E Indicator Label and one or more IOAM data field(s) in the MPLS header.</a:t>
             </a:r>
           </a:p>
@@ -7037,7 +7037,7 @@
               <a:buAutoNum type="arabicPeriod"/>
             </a:pPr>
             <a:r>
-              <a:rPr lang="en-CA" sz="1800" dirty="0"/>
+              <a:rPr lang="en-CA" sz="1600" dirty="0"/>
               <a:t>The transit (intermediate) nodes do not process IOAM data.</a:t>
             </a:r>
           </a:p>
@@ -7053,7 +7053,7 @@
               <a:buAutoNum type="arabicPeriod"/>
             </a:pPr>
             <a:r>
-              <a:rPr lang="en-CA" sz="1800" dirty="0"/>
+              <a:rPr lang="en-CA" sz="1600" dirty="0"/>
               <a:t>The decapsulating node "punts the timestamped copy" of the data packet including IOAM data field(s). </a:t>
             </a:r>
           </a:p>
@@ -7069,8 +7069,24 @@
               <a:buAutoNum type="alphaLcPeriod"/>
             </a:pPr>
             <a:r>
-              <a:rPr lang="en-CA" sz="1800" dirty="0"/>
-              <a:t>The decapsulating node for E2E IOAM also pops the IOAM Indicator Label and the IOAM data field(s) from the MPLS header.</a:t>
+              <a:rPr lang="en-CA" sz="1600" dirty="0"/>
+              <a:t>The decapsulating node processes IOAM data field(s) from the punted packet.</a:t>
+            </a:r>
+          </a:p>
+          <a:p>
+            <a:pPr marL="457200" indent="-457200">
+              <a:lnSpc>
+                <a:spcPts val="2440"/>
+              </a:lnSpc>
+              <a:spcBef>
+                <a:spcPts val="600"/>
+              </a:spcBef>
+              <a:buFont typeface="+mj-lt"/>
+              <a:buAutoNum type="arabicPeriod"/>
+            </a:pPr>
+            <a:r>
+              <a:rPr lang="en-CA" sz="1600" dirty="0"/>
+              <a:t>The decapsulating node also pops the IOAM Indicator Label and the IOAM data field(s) from the MPLS header.</a:t>
             </a:r>
           </a:p>
           <a:p>
@@ -7085,23 +7101,7 @@
               <a:buAutoNum type="alphaLcPeriod"/>
             </a:pPr>
             <a:r>
-              <a:rPr lang="en-CA" sz="1800" dirty="0"/>
-              <a:t>The decapsulating node processes IOAM data field(s).</a:t>
-            </a:r>
-          </a:p>
-          <a:p>
-            <a:pPr marL="857250" lvl="1" indent="-457200">
-              <a:lnSpc>
-                <a:spcPts val="2440"/>
-              </a:lnSpc>
-              <a:spcBef>
-                <a:spcPts val="600"/>
-              </a:spcBef>
-              <a:buFont typeface="+mj-lt"/>
-              <a:buAutoNum type="alphaLcPeriod"/>
-            </a:pPr>
-            <a:r>
-              <a:rPr lang="en-CA" sz="1800" dirty="0"/>
+              <a:rPr lang="en-CA" sz="1600" dirty="0"/>
               <a:t>The decapsulating node forwards the data packet downstream.</a:t>
             </a:r>
           </a:p>
@@ -9135,7 +9135,7 @@
         </p:nvSpPr>
         <p:spPr>
           <a:xfrm>
-            <a:off x="457200" y="817444"/>
+            <a:off x="457200" y="843138"/>
             <a:ext cx="8229600" cy="3695700"/>
           </a:xfrm>
         </p:spPr>
@@ -9145,7 +9145,7 @@
           <a:p>
             <a:pPr marL="457200" lvl="0" indent="-457200">
               <a:lnSpc>
-                <a:spcPts val="2140"/>
+                <a:spcPts val="1920"/>
               </a:lnSpc>
               <a:spcBef>
                 <a:spcPts val="600"/>
@@ -9169,7 +9169,7 @@
           <a:p>
             <a:pPr marL="457200" indent="-457200">
               <a:lnSpc>
-                <a:spcPts val="2140"/>
+                <a:spcPts val="1920"/>
               </a:lnSpc>
               <a:spcBef>
                 <a:spcPts val="600"/>
@@ -9205,7 +9205,7 @@
           <a:p>
             <a:pPr marL="857250" lvl="1" indent="-457200">
               <a:lnSpc>
-                <a:spcPts val="2140"/>
+                <a:spcPts val="1920"/>
               </a:lnSpc>
               <a:spcBef>
                 <a:spcPts val="600"/>
@@ -9225,7 +9225,7 @@
           <a:p>
             <a:pPr marL="457200" lvl="0" indent="-457200">
               <a:lnSpc>
-                <a:spcPts val="2140"/>
+                <a:spcPts val="1920"/>
               </a:lnSpc>
               <a:spcBef>
                 <a:spcPts val="600"/>
@@ -9234,14 +9234,14 @@
               <a:buAutoNum type="arabicPeriod"/>
             </a:pPr>
             <a:r>
-              <a:rPr lang="en-CA" sz="1400" dirty="0"/>
+              <a:rPr lang="en-CA" sz="1600" dirty="0"/>
               <a:t>The decapsulating node "punts the timestamped copy" of the data packet including IOAM data field(s). </a:t>
             </a:r>
           </a:p>
           <a:p>
             <a:pPr marL="857250" lvl="1" indent="-457200">
               <a:lnSpc>
-                <a:spcPts val="2140"/>
+                <a:spcPts val="1920"/>
               </a:lnSpc>
               <a:spcBef>
                 <a:spcPts val="600"/>
@@ -9250,14 +9250,30 @@
               <a:buAutoNum type="alphaLcPeriod"/>
             </a:pPr>
             <a:r>
-              <a:rPr lang="en-CA" sz="1400" dirty="0"/>
-              <a:t>The decapsulating node for E2E IOAM also pops the IOAM Indicator Label and the IOAM data field(s) from the MPLS header.</a:t>
+              <a:rPr lang="en-CA" sz="1600" dirty="0"/>
+              <a:t>The decapsulating node processes IOAM data field(s) from the punted packet.</a:t>
+            </a:r>
+          </a:p>
+          <a:p>
+            <a:pPr marL="457200" indent="-457200">
+              <a:lnSpc>
+                <a:spcPts val="1920"/>
+              </a:lnSpc>
+              <a:spcBef>
+                <a:spcPts val="600"/>
+              </a:spcBef>
+              <a:buFont typeface="+mj-lt"/>
+              <a:buAutoNum type="arabicPeriod"/>
+            </a:pPr>
+            <a:r>
+              <a:rPr lang="en-CA" sz="1600" dirty="0"/>
+              <a:t>The decapsulating node also pops the IOAM Indicator Label and the IOAM data field(s) from the MPLS header.</a:t>
             </a:r>
           </a:p>
           <a:p>
             <a:pPr marL="857250" lvl="1" indent="-457200">
               <a:lnSpc>
-                <a:spcPts val="2140"/>
+                <a:spcPts val="1920"/>
               </a:lnSpc>
               <a:spcBef>
                 <a:spcPts val="600"/>
@@ -9266,23 +9282,7 @@
               <a:buAutoNum type="alphaLcPeriod"/>
             </a:pPr>
             <a:r>
-              <a:rPr lang="en-CA" sz="1400" dirty="0"/>
-              <a:t>The decapsulating node processes IOAM data field(s).</a:t>
-            </a:r>
-          </a:p>
-          <a:p>
-            <a:pPr marL="857250" lvl="1" indent="-457200">
-              <a:lnSpc>
-                <a:spcPts val="2140"/>
-              </a:lnSpc>
-              <a:spcBef>
-                <a:spcPts val="600"/>
-              </a:spcBef>
-              <a:buFont typeface="+mj-lt"/>
-              <a:buAutoNum type="alphaLcPeriod"/>
-            </a:pPr>
-            <a:r>
-              <a:rPr lang="en-CA" sz="1400" dirty="0"/>
+              <a:rPr lang="en-CA" sz="1600" dirty="0"/>
               <a:t>The decapsulating node forwards the data packet downstream.</a:t>
             </a:r>
           </a:p>

--- a/draft-gandhi-mpls-ioam-sr-05.pptx
+++ b/draft-gandhi-mpls-ioam-sr-05.pptx
@@ -7054,7 +7054,7 @@
             </a:pPr>
             <a:r>
               <a:rPr lang="en-CA" sz="1600" dirty="0"/>
-              <a:t>The decapsulating node "punts the timestamped copy" of the data packet including IOAM data field(s). </a:t>
+              <a:t>The decapsulating node “punts the timestamped copy” of the data packet including IOAM data field(s). </a:t>
             </a:r>
           </a:p>
           <a:p>
@@ -7644,7 +7644,7 @@
         </p:nvSpPr>
         <p:spPr>
           <a:xfrm>
-            <a:off x="1828800" y="1005066"/>
+            <a:off x="1905000" y="1005066"/>
             <a:ext cx="5105400" cy="3277820"/>
           </a:xfrm>
           <a:prstGeom prst="rect">
@@ -9012,7 +9012,7 @@
             </a:pPr>
             <a:r>
               <a:rPr lang="en-CA" sz="1200" kern="0" dirty="0"/>
-              <a:t>Entropy Label similarly also requires transit nodes to scan label stack, however, entropy label processing is optional whereas IOAM processing is not optional. </a:t>
+              <a:t>Entropy Label similarly also requires transit nodes to scan label stack, however, entropy label processing is optional whereas IOAM processing is not optional</a:t>
             </a:r>
           </a:p>
           <a:p>
@@ -9154,15 +9154,15 @@
               <a:buAutoNum type="arabicPeriod"/>
             </a:pPr>
             <a:r>
-              <a:rPr lang="en-CA" sz="1400" dirty="0"/>
+              <a:rPr lang="en-CA" sz="1600" dirty="0"/>
               <a:t>The encapsulating node inserts a </a:t>
             </a:r>
             <a:r>
-              <a:rPr lang="en-CA" sz="1400" dirty="0" err="1"/>
+              <a:rPr lang="en-CA" sz="1600" dirty="0" err="1"/>
               <a:t>HbH</a:t>
             </a:r>
             <a:r>
-              <a:rPr lang="en-CA" sz="1400" dirty="0"/>
+              <a:rPr lang="en-CA" sz="1600" dirty="0"/>
               <a:t> Indicator Label and one or more IOAM data field(s) in the MPLS header.</a:t>
             </a:r>
           </a:p>
@@ -9178,7 +9178,7 @@
               <a:buAutoNum type="arabicPeriod"/>
             </a:pPr>
             <a:r>
-              <a:rPr lang="en-CA" sz="1400" dirty="0">
+              <a:rPr lang="en-CA" sz="1600" dirty="0">
                 <a:solidFill>
                   <a:srgbClr val="0070C0"/>
                 </a:solidFill>
@@ -9186,7 +9186,7 @@
               <a:t>The transit (intermediate) node processes </a:t>
             </a:r>
             <a:r>
-              <a:rPr lang="en-CA" sz="1400" dirty="0" err="1">
+              <a:rPr lang="en-CA" sz="1600" dirty="0" err="1">
                 <a:solidFill>
                   <a:srgbClr val="0070C0"/>
                 </a:solidFill>
@@ -9194,7 +9194,7 @@
               <a:t>HbH</a:t>
             </a:r>
             <a:r>
-              <a:rPr lang="en-CA" sz="1400" dirty="0">
+              <a:rPr lang="en-CA" sz="1600" dirty="0">
                 <a:solidFill>
                   <a:srgbClr val="0070C0"/>
                 </a:solidFill>
@@ -9214,7 +9214,7 @@
               <a:buAutoNum type="alphaLcPeriod"/>
             </a:pPr>
             <a:r>
-              <a:rPr lang="en-CA" sz="1400" dirty="0">
+              <a:rPr lang="en-CA" sz="1600" dirty="0">
                 <a:solidFill>
                   <a:srgbClr val="0070C0"/>
                 </a:solidFill>
@@ -10965,7 +10965,7 @@
         </p:nvSpPr>
         <p:spPr bwMode="auto">
           <a:xfrm>
-            <a:off x="685800" y="2020490"/>
+            <a:off x="685800" y="2266950"/>
             <a:ext cx="7772400" cy="1102519"/>
           </a:xfrm>
           <a:prstGeom prst="rect">
@@ -11139,7 +11139,7 @@
                 <a:ea typeface="Calibri" charset="0"/>
                 <a:cs typeface="Calibri" charset="0"/>
               </a:rPr>
-              <a:t>Open Review Comments</a:t>
+              <a:t>Review Comments</a:t>
             </a:r>
           </a:p>
         </p:txBody>
@@ -11237,7 +11237,7 @@
                 <a:latin typeface="Calibri Light" panose="020F0302020204030204" pitchFamily="34" charset="0"/>
                 <a:cs typeface="Calibri Light" panose="020F0302020204030204" pitchFamily="34" charset="0"/>
               </a:rPr>
-              <a:t>IOAM Header and Control Word</a:t>
+              <a:t>IOAM Header and Another Control Word</a:t>
             </a:r>
           </a:p>
         </p:txBody>
@@ -11277,11 +11277,11 @@
               </a:spcBef>
             </a:pPr>
             <a:r>
-              <a:rPr lang="en-CA" sz="1800" dirty="0">
+              <a:rPr lang="en-CA" sz="2000" dirty="0">
                 <a:latin typeface="Calibri" panose="020F0502020204030204" pitchFamily="34" charset="0"/>
                 <a:cs typeface="Calibri" panose="020F0502020204030204" pitchFamily="34" charset="0"/>
               </a:rPr>
-              <a:t>IOAM header is considered part of the MPLS Header, the control word and payload are added after the IOAM header in the packet.</a:t>
+              <a:t>IOAM header is considered part of the MPLS Header, any other control word is added after the IOAM header in the packet.</a:t>
             </a:r>
           </a:p>
           <a:p>
@@ -11294,11 +11294,11 @@
               </a:spcBef>
             </a:pPr>
             <a:r>
-              <a:rPr lang="en-CA" sz="1800" dirty="0">
+              <a:rPr lang="en-CA" sz="2000" dirty="0">
                 <a:latin typeface="Calibri" panose="020F0502020204030204" pitchFamily="34" charset="0"/>
                 <a:cs typeface="Calibri" panose="020F0502020204030204" pitchFamily="34" charset="0"/>
               </a:rPr>
-              <a:t>The decapsulating node removes the MPLS header including the IOAM header and then processes the control word and the payload following it.</a:t>
+              <a:t>The transit nodes process the IOAM data field(s) after the EOS.</a:t>
             </a:r>
           </a:p>
           <a:p>
@@ -11311,7 +11311,24 @@
               </a:spcBef>
             </a:pPr>
             <a:r>
-              <a:rPr lang="en-CA" sz="1800" dirty="0">
+              <a:rPr lang="en-CA" sz="2000" dirty="0">
+                <a:latin typeface="Calibri" panose="020F0502020204030204" pitchFamily="34" charset="0"/>
+                <a:cs typeface="Calibri" panose="020F0502020204030204" pitchFamily="34" charset="0"/>
+              </a:rPr>
+              <a:t>The decapsulating node removes the MPLS header including the IOAM header and then processes the other control word following it.</a:t>
+            </a:r>
+          </a:p>
+          <a:p>
+            <a:pPr>
+              <a:lnSpc>
+                <a:spcPts val="2120"/>
+              </a:lnSpc>
+              <a:spcBef>
+                <a:spcPts val="600"/>
+              </a:spcBef>
+            </a:pPr>
+            <a:r>
+              <a:rPr lang="en-CA" sz="2000" dirty="0">
                 <a:latin typeface="Calibri" panose="020F0502020204030204" pitchFamily="34" charset="0"/>
                 <a:cs typeface="Calibri" panose="020F0502020204030204" pitchFamily="34" charset="0"/>
               </a:rPr>
@@ -11328,7 +11345,7 @@
               </a:spcBef>
               <a:buNone/>
             </a:pPr>
-            <a:endParaRPr lang="en-CA" sz="1800" dirty="0">
+            <a:endParaRPr lang="en-CA" sz="2000" dirty="0">
               <a:latin typeface="Calibri" panose="020F0502020204030204" pitchFamily="34" charset="0"/>
               <a:cs typeface="Calibri" panose="020F0502020204030204" pitchFamily="34" charset="0"/>
             </a:endParaRPr>
@@ -11470,18 +11487,17 @@
           <a:bodyPr/>
           <a:lstStyle/>
           <a:p>
-            <a:pPr algn="l"/>
-            <a:r>
-              <a:rPr lang="en-CA" sz="2600" dirty="0">
+            <a:r>
+              <a:rPr lang="en-CA" sz="3200" dirty="0">
                 <a:solidFill>
                   <a:srgbClr val="0070C0"/>
                 </a:solidFill>
                 <a:latin typeface="Calibri Light" panose="020F0302020204030204" pitchFamily="34" charset="0"/>
                 <a:cs typeface="Calibri Light" panose="020F0302020204030204" pitchFamily="34" charset="0"/>
               </a:rPr>
-              <a:t>IOAM Encapsulation in MPLS Header with Control Word [RFC4385]</a:t>
-            </a:r>
-            <a:endParaRPr lang="en-US" sz="2600" dirty="0">
+              <a:t>Example IOAM Header with Control Word [RFC4385]</a:t>
+            </a:r>
+            <a:endParaRPr lang="en-US" sz="3200" dirty="0">
               <a:solidFill>
                 <a:srgbClr val="0070C0"/>
               </a:solidFill>
@@ -11903,7 +11919,7 @@
                 <a:latin typeface="Calibri Light" panose="020F0302020204030204" pitchFamily="34" charset="0"/>
                 <a:cs typeface="Calibri Light" panose="020F0302020204030204" pitchFamily="34" charset="0"/>
               </a:rPr>
-              <a:t>IOAM Header and </a:t>
+              <a:t>Example IOAM Header with </a:t>
             </a:r>
             <a:r>
               <a:rPr lang="en-US" sz="3200" dirty="0" err="1">
@@ -11915,13 +11931,16 @@
               </a:rPr>
               <a:t>DetNet</a:t>
             </a:r>
-            <a:endParaRPr lang="en-US" sz="3200" dirty="0">
-              <a:solidFill>
-                <a:srgbClr val="0070C0"/>
-              </a:solidFill>
-              <a:latin typeface="Calibri Light" panose="020F0302020204030204" pitchFamily="34" charset="0"/>
-              <a:cs typeface="Calibri Light" panose="020F0302020204030204" pitchFamily="34" charset="0"/>
-            </a:endParaRPr>
+            <a:r>
+              <a:rPr lang="en-US" sz="3200" dirty="0">
+                <a:solidFill>
+                  <a:srgbClr val="0070C0"/>
+                </a:solidFill>
+                <a:latin typeface="Calibri Light" panose="020F0302020204030204" pitchFamily="34" charset="0"/>
+                <a:cs typeface="Calibri Light" panose="020F0302020204030204" pitchFamily="34" charset="0"/>
+              </a:rPr>
+              <a:t> Control Word</a:t>
+            </a:r>
           </a:p>
         </p:txBody>
       </p:sp>
@@ -12474,7 +12493,7 @@
                 <a:latin typeface="Calibri Light" panose="020F0302020204030204" pitchFamily="34" charset="0"/>
                 <a:cs typeface="Calibri Light" panose="020F0302020204030204" pitchFamily="34" charset="0"/>
               </a:rPr>
-              <a:t> Draft</a:t>
+              <a:t> Draft Examples</a:t>
             </a:r>
             <a:endParaRPr lang="en-US" sz="3200" dirty="0"/>
           </a:p>
@@ -13859,10 +13878,7 @@
           <a:p>
             <a:r>
               <a:rPr lang="en-CA" sz="800" dirty="0">
-                <a:solidFill>
-                  <a:prstClr val="black"/>
-                </a:solidFill>
-                <a:latin typeface="Courier New" panose="02070309020205020404" pitchFamily="49" charset="0"/>
+                <a:latin typeface="Courier" pitchFamily="2" charset="0"/>
               </a:rPr>
               <a:t>0                   1                   2                   3</a:t>
             </a:r>
@@ -13870,10 +13886,7 @@
           <a:p>
             <a:r>
               <a:rPr lang="en-CA" sz="800" dirty="0">
-                <a:solidFill>
-                  <a:prstClr val="black"/>
-                </a:solidFill>
-                <a:latin typeface="Courier New" panose="02070309020205020404" pitchFamily="49" charset="0"/>
+                <a:latin typeface="Courier" pitchFamily="2" charset="0"/>
               </a:rPr>
               <a:t>0 1 2 3 4 5 6 7 8 9 0 1 2 3 4 5 6 7 8 9 0 1 2 3 4 5 6 7 8 9 0 1</a:t>
             </a:r>
@@ -13881,10 +13894,7 @@
           <a:p>
             <a:r>
               <a:rPr lang="en-CA" sz="800" dirty="0">
-                <a:solidFill>
-                  <a:prstClr val="black"/>
-                </a:solidFill>
-                <a:latin typeface="Courier New" panose="02070309020205020404" pitchFamily="49" charset="0"/>
+                <a:latin typeface="Courier" pitchFamily="2" charset="0"/>
               </a:rPr>
               <a:t>+-+-+-+-+-+-+-+-+-+-+-+-+-+-+-+-+-+-+-+-+-+-+-+-+-+-+-+-+-+-+-+-+</a:t>
             </a:r>
@@ -13892,10 +13902,7 @@
           <a:p>
             <a:r>
               <a:rPr lang="en-CA" sz="800" dirty="0">
-                <a:solidFill>
-                  <a:prstClr val="black"/>
-                </a:solidFill>
-                <a:latin typeface="Courier New" panose="02070309020205020404" pitchFamily="49" charset="0"/>
+                <a:latin typeface="Courier" pitchFamily="2" charset="0"/>
               </a:rPr>
               <a:t>|0 0 0 0|                Sequence Number                        |</a:t>
             </a:r>
@@ -13903,10 +13910,7 @@
           <a:p>
             <a:r>
               <a:rPr lang="en-CA" sz="800" dirty="0">
-                <a:solidFill>
-                  <a:prstClr val="black"/>
-                </a:solidFill>
-                <a:latin typeface="Courier New" panose="02070309020205020404" pitchFamily="49" charset="0"/>
+                <a:latin typeface="Courier" pitchFamily="2" charset="0"/>
               </a:rPr>
               <a:t>+-+-+-+-+-+-+-+-+-+-+-+-+-+-+-+-+-+-+-+-+-+-+-+-+-+-+-+-+-+-+-+-+</a:t>
             </a:r>
@@ -14010,64 +14014,81 @@
           <a:p>
             <a:pPr>
               <a:lnSpc>
-                <a:spcPts val="2180"/>
+                <a:spcPts val="2280"/>
               </a:lnSpc>
               <a:spcBef>
                 <a:spcPts val="600"/>
               </a:spcBef>
             </a:pPr>
             <a:r>
-              <a:rPr lang="en-CA" sz="1800" dirty="0">
+              <a:rPr lang="en-CA" sz="2000" dirty="0">
                 <a:latin typeface="Calibri" panose="020F0502020204030204" pitchFamily="34" charset="0"/>
                 <a:cs typeface="Calibri" panose="020F0502020204030204" pitchFamily="34" charset="0"/>
               </a:rPr>
-              <a:t>IOAM header is considered part of the MPLS Header, another ACH and payload are added after the IOAM header in the packet.</a:t>
+              <a:t>IOAM header is considered part of the MPLS Header, any other ACH is added after the IOAM header in the packet.</a:t>
             </a:r>
           </a:p>
           <a:p>
             <a:pPr>
               <a:lnSpc>
-                <a:spcPts val="2180"/>
+                <a:spcPts val="2280"/>
               </a:lnSpc>
               <a:spcBef>
                 <a:spcPts val="600"/>
               </a:spcBef>
             </a:pPr>
             <a:r>
-              <a:rPr lang="en-CA" sz="1800" dirty="0">
+              <a:rPr lang="en-CA" sz="2000" dirty="0">
                 <a:latin typeface="Calibri" panose="020F0502020204030204" pitchFamily="34" charset="0"/>
                 <a:cs typeface="Calibri" panose="020F0502020204030204" pitchFamily="34" charset="0"/>
               </a:rPr>
-              <a:t>The decapsulating node removes the MPLS header including the IOAM header and then processes the next ACH.</a:t>
+              <a:t>The transit nodes process the IOAM data field(s) after the EOS.</a:t>
             </a:r>
           </a:p>
           <a:p>
             <a:pPr>
               <a:lnSpc>
-                <a:spcPts val="2180"/>
+                <a:spcPts val="2280"/>
               </a:lnSpc>
               <a:spcBef>
                 <a:spcPts val="600"/>
               </a:spcBef>
             </a:pPr>
             <a:r>
-              <a:rPr lang="en-CA" sz="1800" dirty="0">
+              <a:rPr lang="en-CA" sz="2000" dirty="0">
                 <a:latin typeface="Calibri" panose="020F0502020204030204" pitchFamily="34" charset="0"/>
                 <a:cs typeface="Calibri" panose="020F0502020204030204" pitchFamily="34" charset="0"/>
               </a:rPr>
-              <a:t>IOAM HDR Length allows to find the next ACH after the IOAM header.</a:t>
+              <a:t>The decapsulating node removes the MPLS header including the IOAM header and then processes the next ACH following it.</a:t>
             </a:r>
           </a:p>
           <a:p>
             <a:pPr>
               <a:lnSpc>
-                <a:spcPts val="2180"/>
+                <a:spcPts val="2280"/>
               </a:lnSpc>
               <a:spcBef>
                 <a:spcPts val="600"/>
               </a:spcBef>
             </a:pPr>
-            <a:endParaRPr lang="en-CA" sz="1800" dirty="0">
+            <a:r>
+              <a:rPr lang="en-CA" sz="2000" dirty="0">
+                <a:latin typeface="Calibri" panose="020F0502020204030204" pitchFamily="34" charset="0"/>
+                <a:cs typeface="Calibri" panose="020F0502020204030204" pitchFamily="34" charset="0"/>
+              </a:rPr>
+              <a:t>IOAM HDR Length allows to find the next ACH after the IOAM header.</a:t>
+            </a:r>
+          </a:p>
+          <a:p>
+            <a:pPr>
+              <a:lnSpc>
+                <a:spcPts val="2280"/>
+              </a:lnSpc>
+              <a:spcBef>
+                <a:spcPts val="600"/>
+              </a:spcBef>
+            </a:pPr>
+            <a:endParaRPr lang="en-CA" sz="2000" dirty="0">
               <a:latin typeface="Calibri" panose="020F0502020204030204" pitchFamily="34" charset="0"/>
               <a:cs typeface="Calibri" panose="020F0502020204030204" pitchFamily="34" charset="0"/>
             </a:endParaRPr>
@@ -14210,16 +14231,16 @@
           <a:lstStyle/>
           <a:p>
             <a:r>
-              <a:rPr lang="en-CA" sz="3000" dirty="0">
+              <a:rPr lang="en-CA" sz="3200" dirty="0">
                 <a:solidFill>
                   <a:srgbClr val="0070C0"/>
                 </a:solidFill>
                 <a:latin typeface="Calibri Light" panose="020F0302020204030204" pitchFamily="34" charset="0"/>
                 <a:cs typeface="Calibri Light" panose="020F0302020204030204" pitchFamily="34" charset="0"/>
               </a:rPr>
-              <a:t>IOAM Encapsulation in MPLS Header with Another ACH</a:t>
-            </a:r>
-            <a:endParaRPr lang="en-US" sz="3000" dirty="0">
+              <a:t>IOAM Header with Another ACH</a:t>
+            </a:r>
+            <a:endParaRPr lang="en-US" sz="3200" dirty="0">
               <a:solidFill>
                 <a:srgbClr val="0070C0"/>
               </a:solidFill>

--- a/draft-gandhi-mpls-ioam-sr-05.pptx
+++ b/draft-gandhi-mpls-ioam-sr-05.pptx
@@ -6159,7 +6159,7 @@
                 <a:latin typeface="Calibri Light" panose="020F0302020204030204" pitchFamily="34" charset="0"/>
                 <a:cs typeface="Calibri Light" panose="020F0302020204030204" pitchFamily="34" charset="0"/>
               </a:rPr>
-              <a:t>E2E IOAM Indicator Label Allocation Methods</a:t>
+              <a:t>E2E IOAM Indicator Label - Comparisons</a:t>
             </a:r>
           </a:p>
         </p:txBody>
@@ -6180,20 +6180,20 @@
             <p:ph idx="1"/>
             <p:extLst>
               <p:ext uri="{D42A27DB-BD31-4B8C-83A1-F6EECF244321}">
-                <p14:modId xmlns:p14="http://schemas.microsoft.com/office/powerpoint/2010/main" val="2614119335"/>
+                <p14:modId xmlns:p14="http://schemas.microsoft.com/office/powerpoint/2010/main" val="1093890630"/>
               </p:ext>
             </p:extLst>
           </p:nvPr>
         </p:nvGraphicFramePr>
         <p:xfrm>
-          <a:off x="533400" y="914400"/>
+          <a:off x="609600" y="914400"/>
           <a:ext cx="7848600" cy="2286000"/>
         </p:xfrm>
         <a:graphic>
           <a:graphicData uri="http://schemas.openxmlformats.org/drawingml/2006/table">
             <a:tbl>
               <a:tblPr firstRow="1" bandRow="1">
-                <a:tableStyleId>{46F890A9-2807-4EBB-B81D-B2AA78EC7F39}</a:tableStyleId>
+                <a:tableStyleId>{912C8C85-51F0-491E-9774-3900AFEF0FD7}</a:tableStyleId>
               </a:tblPr>
               <a:tblGrid>
                 <a:gridCol w="457200">
@@ -6203,21 +6203,21 @@
                     </a:ext>
                   </a:extLst>
                 </a:gridCol>
-                <a:gridCol w="3810000">
+                <a:gridCol w="2667000">
                   <a:extLst>
                     <a:ext uri="{9D8B030D-6E8A-4147-A177-3AD203B41FA5}">
                       <a16:colId xmlns:a16="http://schemas.microsoft.com/office/drawing/2014/main" val="1209939836"/>
                     </a:ext>
                   </a:extLst>
                 </a:gridCol>
-                <a:gridCol w="1828800">
+                <a:gridCol w="2667000">
                   <a:extLst>
                     <a:ext uri="{9D8B030D-6E8A-4147-A177-3AD203B41FA5}">
                       <a16:colId xmlns:a16="http://schemas.microsoft.com/office/drawing/2014/main" val="4011394575"/>
                     </a:ext>
                   </a:extLst>
                 </a:gridCol>
-                <a:gridCol w="1752600">
+                <a:gridCol w="2057400">
                   <a:extLst>
                     <a:ext uri="{9D8B030D-6E8A-4147-A177-3AD203B41FA5}">
                       <a16:colId xmlns:a16="http://schemas.microsoft.com/office/drawing/2014/main" val="1670730324"/>
@@ -8203,7 +8203,7 @@
                 <a:latin typeface="Calibri Light" panose="020F0302020204030204" pitchFamily="34" charset="0"/>
                 <a:cs typeface="Calibri Light" panose="020F0302020204030204" pitchFamily="34" charset="0"/>
               </a:rPr>
-              <a:t> IOAM Indicator Label Allocation Methods</a:t>
+              <a:t> IOAM Indicator Label - Comparisons</a:t>
             </a:r>
           </a:p>
         </p:txBody>
@@ -8224,20 +8224,20 @@
             <p:ph idx="1"/>
             <p:extLst>
               <p:ext uri="{D42A27DB-BD31-4B8C-83A1-F6EECF244321}">
-                <p14:modId xmlns:p14="http://schemas.microsoft.com/office/powerpoint/2010/main" val="546095659"/>
+                <p14:modId xmlns:p14="http://schemas.microsoft.com/office/powerpoint/2010/main" val="2693674311"/>
               </p:ext>
             </p:extLst>
           </p:nvPr>
         </p:nvGraphicFramePr>
         <p:xfrm>
-          <a:off x="228600" y="759462"/>
+          <a:off x="381002" y="759462"/>
           <a:ext cx="8458198" cy="2493355"/>
         </p:xfrm>
         <a:graphic>
           <a:graphicData uri="http://schemas.openxmlformats.org/drawingml/2006/table">
             <a:tbl>
               <a:tblPr firstRow="1" bandRow="1">
-                <a:tableStyleId>{46F890A9-2807-4EBB-B81D-B2AA78EC7F39}</a:tableStyleId>
+                <a:tableStyleId>{912C8C85-51F0-491E-9774-3900AFEF0FD7}</a:tableStyleId>
               </a:tblPr>
               <a:tblGrid>
                 <a:gridCol w="381000">
@@ -8247,14 +8247,14 @@
                     </a:ext>
                   </a:extLst>
                 </a:gridCol>
-                <a:gridCol w="1828800">
+                <a:gridCol w="1600200">
                   <a:extLst>
                     <a:ext uri="{9D8B030D-6E8A-4147-A177-3AD203B41FA5}">
                       <a16:colId xmlns:a16="http://schemas.microsoft.com/office/drawing/2014/main" val="1209939836"/>
                     </a:ext>
                   </a:extLst>
                 </a:gridCol>
-                <a:gridCol w="1447800">
+                <a:gridCol w="1676400">
                   <a:extLst>
                     <a:ext uri="{9D8B030D-6E8A-4147-A177-3AD203B41FA5}">
                       <a16:colId xmlns:a16="http://schemas.microsoft.com/office/drawing/2014/main" val="4011394575"/>
@@ -8418,6 +8418,9 @@
                     <a:p>
                       <a:r>
                         <a:rPr lang="en-US" sz="1400" b="0" i="0" dirty="0" err="1">
+                          <a:solidFill>
+                            <a:schemeClr val="tx1"/>
+                          </a:solidFill>
                           <a:latin typeface="Calibri" panose="020F0502020204030204" pitchFamily="34" charset="0"/>
                           <a:cs typeface="Calibri" panose="020F0502020204030204" pitchFamily="34" charset="0"/>
                         </a:rPr>
@@ -8425,6 +8428,9 @@
                       </a:r>
                       <a:r>
                         <a:rPr lang="en-US" sz="1400" b="0" i="0" dirty="0">
+                          <a:solidFill>
+                            <a:schemeClr val="tx1"/>
+                          </a:solidFill>
                           <a:latin typeface="Calibri" panose="020F0502020204030204" pitchFamily="34" charset="0"/>
                           <a:cs typeface="Calibri" panose="020F0502020204030204" pitchFamily="34" charset="0"/>
                         </a:rPr>
@@ -8441,6 +8447,9 @@
                     <a:p>
                       <a:r>
                         <a:rPr lang="en-US" sz="1400" b="0" i="0" dirty="0">
+                          <a:solidFill>
+                            <a:schemeClr val="tx1"/>
+                          </a:solidFill>
                           <a:latin typeface="Calibri" panose="020F0502020204030204" pitchFamily="34" charset="0"/>
                           <a:cs typeface="Calibri" panose="020F0502020204030204" pitchFamily="34" charset="0"/>
                         </a:rPr>
@@ -8457,6 +8466,9 @@
                     <a:p>
                       <a:r>
                         <a:rPr lang="en-US" sz="1400" b="0" i="0" dirty="0">
+                          <a:solidFill>
+                            <a:schemeClr val="tx1"/>
+                          </a:solidFill>
                           <a:latin typeface="Calibri" panose="020F0502020204030204" pitchFamily="34" charset="0"/>
                           <a:cs typeface="Calibri" panose="020F0502020204030204" pitchFamily="34" charset="0"/>
                         </a:rPr>
@@ -8473,6 +8485,9 @@
                     <a:p>
                       <a:r>
                         <a:rPr lang="en-US" sz="1400" b="0" i="0" dirty="0">
+                          <a:solidFill>
+                            <a:schemeClr val="tx1"/>
+                          </a:solidFill>
                           <a:latin typeface="Calibri" panose="020F0502020204030204" pitchFamily="34" charset="0"/>
                           <a:cs typeface="Calibri" panose="020F0502020204030204" pitchFamily="34" charset="0"/>
                         </a:rPr>
@@ -8489,6 +8504,9 @@
                     <a:p>
                       <a:r>
                         <a:rPr lang="en-US" sz="1400" b="0" i="0" dirty="0">
+                          <a:solidFill>
+                            <a:schemeClr val="tx1"/>
+                          </a:solidFill>
                           <a:latin typeface="Calibri" panose="020F0502020204030204" pitchFamily="34" charset="0"/>
                           <a:cs typeface="Calibri" panose="020F0502020204030204" pitchFamily="34" charset="0"/>
                         </a:rPr>
@@ -8529,6 +8547,9 @@
                     <a:p>
                       <a:r>
                         <a:rPr lang="en-US" sz="1400" b="0" i="0" dirty="0">
+                          <a:solidFill>
+                            <a:schemeClr val="tx1"/>
+                          </a:solidFill>
                           <a:latin typeface="Calibri" panose="020F0502020204030204" pitchFamily="34" charset="0"/>
                           <a:cs typeface="Calibri" panose="020F0502020204030204" pitchFamily="34" charset="0"/>
                         </a:rPr>
@@ -8545,6 +8566,9 @@
                     <a:p>
                       <a:r>
                         <a:rPr lang="en-US" sz="1400" b="0" i="0" dirty="0">
+                          <a:solidFill>
+                            <a:schemeClr val="tx1"/>
+                          </a:solidFill>
                           <a:latin typeface="Calibri" panose="020F0502020204030204" pitchFamily="34" charset="0"/>
                           <a:cs typeface="Calibri" panose="020F0502020204030204" pitchFamily="34" charset="0"/>
                         </a:rPr>
@@ -8561,6 +8585,9 @@
                     <a:p>
                       <a:r>
                         <a:rPr lang="en-US" sz="1400" b="0" i="0" dirty="0">
+                          <a:solidFill>
+                            <a:schemeClr val="tx1"/>
+                          </a:solidFill>
                           <a:latin typeface="Calibri" panose="020F0502020204030204" pitchFamily="34" charset="0"/>
                           <a:cs typeface="Calibri" panose="020F0502020204030204" pitchFamily="34" charset="0"/>
                         </a:rPr>
@@ -8577,6 +8604,9 @@
                     <a:p>
                       <a:r>
                         <a:rPr lang="en-US" sz="1400" b="0" i="0" dirty="0">
+                          <a:solidFill>
+                            <a:schemeClr val="tx1"/>
+                          </a:solidFill>
                           <a:latin typeface="Calibri" panose="020F0502020204030204" pitchFamily="34" charset="0"/>
                           <a:cs typeface="Calibri" panose="020F0502020204030204" pitchFamily="34" charset="0"/>
                         </a:rPr>
@@ -8593,6 +8623,9 @@
                     <a:p>
                       <a:r>
                         <a:rPr lang="en-US" sz="1400" b="0" i="0" dirty="0">
+                          <a:solidFill>
+                            <a:schemeClr val="tx1"/>
+                          </a:solidFill>
                           <a:latin typeface="Calibri" panose="020F0502020204030204" pitchFamily="34" charset="0"/>
                           <a:cs typeface="Calibri" panose="020F0502020204030204" pitchFamily="34" charset="0"/>
                         </a:rPr>
@@ -8633,6 +8666,9 @@
                     <a:p>
                       <a:r>
                         <a:rPr lang="en-US" sz="1400" b="0" i="0" dirty="0">
+                          <a:solidFill>
+                            <a:schemeClr val="tx1"/>
+                          </a:solidFill>
                           <a:latin typeface="Calibri" panose="020F0502020204030204" pitchFamily="34" charset="0"/>
                           <a:cs typeface="Calibri" panose="020F0502020204030204" pitchFamily="34" charset="0"/>
                         </a:rPr>
@@ -8649,6 +8685,9 @@
                     <a:p>
                       <a:r>
                         <a:rPr lang="en-US" sz="1400" b="0" i="0" dirty="0">
+                          <a:solidFill>
+                            <a:schemeClr val="tx1"/>
+                          </a:solidFill>
                           <a:latin typeface="Calibri" panose="020F0502020204030204" pitchFamily="34" charset="0"/>
                           <a:cs typeface="Calibri" panose="020F0502020204030204" pitchFamily="34" charset="0"/>
                         </a:rPr>
@@ -8666,7 +8705,7 @@
                       <a:r>
                         <a:rPr lang="en-US" sz="1400" b="0" i="0" dirty="0">
                           <a:solidFill>
-                            <a:srgbClr val="0070C0"/>
+                            <a:schemeClr val="tx1"/>
                           </a:solidFill>
                           <a:latin typeface="Calibri" panose="020F0502020204030204" pitchFamily="34" charset="0"/>
                           <a:cs typeface="Calibri" panose="020F0502020204030204" pitchFamily="34" charset="0"/>
@@ -8685,7 +8724,7 @@
                       <a:r>
                         <a:rPr lang="en-US" sz="1400" b="0" i="0" dirty="0">
                           <a:solidFill>
-                            <a:srgbClr val="0070C0"/>
+                            <a:schemeClr val="tx1"/>
                           </a:solidFill>
                           <a:latin typeface="Calibri" panose="020F0502020204030204" pitchFamily="34" charset="0"/>
                           <a:cs typeface="Calibri" panose="020F0502020204030204" pitchFamily="34" charset="0"/>
@@ -8704,7 +8743,7 @@
                       <a:r>
                         <a:rPr lang="en-US" sz="1400" b="0" i="0" dirty="0">
                           <a:solidFill>
-                            <a:srgbClr val="0070C0"/>
+                            <a:schemeClr val="tx1"/>
                           </a:solidFill>
                           <a:latin typeface="Calibri" panose="020F0502020204030204" pitchFamily="34" charset="0"/>
                           <a:cs typeface="Calibri" panose="020F0502020204030204" pitchFamily="34" charset="0"/>

--- a/draft-gandhi-mpls-ioam-sr-05.pptx
+++ b/draft-gandhi-mpls-ioam-sr-05.pptx
@@ -273,7 +273,7 @@
           <a:p>
             <a:fld id="{E8FA3DB5-7722-3F4F-947D-12B203669AD7}" type="datetimeFigureOut">
               <a:rPr lang="en-US" smtClean="0"/>
-              <a:t>1/18/21</a:t>
+              <a:t>1/19/21</a:t>
             </a:fld>
             <a:endParaRPr lang="en-US"/>
           </a:p>
@@ -7022,7 +7022,7 @@
             </a:pPr>
             <a:r>
               <a:rPr lang="en-CA" sz="1600" dirty="0"/>
-              <a:t>The encapsulating node inserts an E2E Indicator Label and one or more IOAM data field(s) in the MPLS header.</a:t>
+              <a:t>The encapsulating node inserts an E2E Indicator Label and one or more IOAM data field(s) in the MPLS encapsulation.</a:t>
             </a:r>
           </a:p>
           <a:p>
@@ -7086,7 +7086,7 @@
             </a:pPr>
             <a:r>
               <a:rPr lang="en-CA" sz="1600" dirty="0"/>
-              <a:t>The decapsulating node also pops the IOAM Indicator Label and the IOAM data field(s) from the MPLS header.</a:t>
+              <a:t>The decapsulating node also pops the IOAM Indicator Label and the IOAM data field(s) from the MPLS encapsulation.</a:t>
             </a:r>
           </a:p>
           <a:p>
@@ -7515,15 +7515,14 @@
         </p:nvSpPr>
         <p:spPr>
           <a:xfrm>
-            <a:off x="914400" y="102393"/>
-            <a:ext cx="7086600" cy="599270"/>
+            <a:off x="152400" y="102393"/>
+            <a:ext cx="8839200" cy="599270"/>
           </a:xfrm>
         </p:spPr>
         <p:txBody>
           <a:bodyPr/>
           <a:lstStyle/>
           <a:p>
-            <a:pPr algn="l"/>
             <a:r>
               <a:rPr lang="en-CA" sz="3200" dirty="0" err="1">
                 <a:solidFill>
@@ -7542,7 +7541,7 @@
                 <a:latin typeface="Calibri Light" panose="020F0302020204030204" pitchFamily="34" charset="0"/>
                 <a:cs typeface="Calibri Light" panose="020F0302020204030204" pitchFamily="34" charset="0"/>
               </a:rPr>
-              <a:t> IOAM Encapsulation in MPLS Header</a:t>
+              <a:t> IOAM Header with MPLS Encapsulation</a:t>
             </a:r>
             <a:endParaRPr lang="en-US" sz="3200" dirty="0">
               <a:solidFill>
@@ -7873,7 +7872,7 @@
               <a:rPr lang="en-CA" sz="900" dirty="0">
                 <a:latin typeface="Courier" pitchFamily="2" charset="0"/>
               </a:rPr>
-              <a:t>              Figure: </a:t>
+              <a:t>             Figure: </a:t>
             </a:r>
             <a:r>
               <a:rPr lang="en-CA" sz="900" dirty="0" err="1">
@@ -7885,7 +7884,7 @@
               <a:rPr lang="en-CA" sz="900" dirty="0">
                 <a:latin typeface="Courier" pitchFamily="2" charset="0"/>
               </a:rPr>
-              <a:t> IOAM Encapsulation in MPLS Header</a:t>
+              <a:t> IOAM Header with MPLS Encapsulation</a:t>
             </a:r>
             <a:endParaRPr lang="en-CA" sz="900" dirty="0">
               <a:latin typeface="Courier" pitchFamily="2" charset="0"/>
@@ -9202,7 +9201,7 @@
             </a:r>
             <a:r>
               <a:rPr lang="en-CA" sz="1600" dirty="0"/>
-              <a:t> Indicator Label and one or more IOAM data field(s) in the MPLS header.</a:t>
+              <a:t> Indicator Label and one or more IOAM data field(s) in the MPLS encapsulation.</a:t>
             </a:r>
           </a:p>
           <a:p>
@@ -9306,7 +9305,7 @@
             </a:pPr>
             <a:r>
               <a:rPr lang="en-CA" sz="1600" dirty="0"/>
-              <a:t>The decapsulating node also pops the IOAM Indicator Label and the IOAM data field(s) from the MPLS header.</a:t>
+              <a:t>The decapsulating node also pops the IOAM Indicator Label and the IOAM data field(s) from the MPLS encapsulation.</a:t>
             </a:r>
           </a:p>
           <a:p>
@@ -9439,15 +9438,14 @@
         </p:nvSpPr>
         <p:spPr>
           <a:xfrm>
-            <a:off x="914400" y="102393"/>
-            <a:ext cx="7086600" cy="599270"/>
+            <a:off x="76200" y="102393"/>
+            <a:ext cx="8991600" cy="599270"/>
           </a:xfrm>
         </p:spPr>
         <p:txBody>
           <a:bodyPr/>
           <a:lstStyle/>
           <a:p>
-            <a:pPr algn="l"/>
             <a:r>
               <a:rPr lang="en-CA" sz="3200" dirty="0" err="1">
                 <a:solidFill>
@@ -9466,7 +9464,7 @@
                 <a:latin typeface="Calibri Light" panose="020F0302020204030204" pitchFamily="34" charset="0"/>
                 <a:cs typeface="Calibri Light" panose="020F0302020204030204" pitchFamily="34" charset="0"/>
               </a:rPr>
-              <a:t> IOAM Encapsulation in MPLS Header</a:t>
+              <a:t> IOAM Header with MPLS Encapsulation</a:t>
             </a:r>
             <a:endParaRPr lang="en-US" sz="3200" dirty="0">
               <a:solidFill>
@@ -9809,7 +9807,7 @@
               <a:rPr lang="en-CA" sz="900" dirty="0">
                 <a:latin typeface="Courier" pitchFamily="2" charset="0"/>
               </a:rPr>
-              <a:t> IOAM Encapsulation in MPLS Header</a:t>
+              <a:t> IOAM Header with MPLS Encapsulation</a:t>
             </a:r>
             <a:endParaRPr lang="en-CA" sz="900" dirty="0">
               <a:latin typeface="Courier" pitchFamily="2" charset="0"/>
@@ -9875,17 +9873,6 @@
           <a:bodyPr/>
           <a:lstStyle/>
           <a:p>
-            <a:pPr algn="l"/>
-            <a:r>
-              <a:rPr lang="en-CA" sz="2800" dirty="0" err="1">
-                <a:solidFill>
-                  <a:srgbClr val="0070C0"/>
-                </a:solidFill>
-                <a:latin typeface="Calibri Light" panose="020F0302020204030204" pitchFamily="34" charset="0"/>
-                <a:cs typeface="Calibri Light" panose="020F0302020204030204" pitchFamily="34" charset="0"/>
-              </a:rPr>
-              <a:t>HbH</a:t>
-            </a:r>
             <a:r>
               <a:rPr lang="en-CA" sz="2800" dirty="0">
                 <a:solidFill>
@@ -9894,7 +9881,7 @@
                 <a:latin typeface="Calibri Light" panose="020F0302020204030204" pitchFamily="34" charset="0"/>
                 <a:cs typeface="Calibri Light" panose="020F0302020204030204" pitchFamily="34" charset="0"/>
               </a:rPr>
-              <a:t> IOAM Encapsulation Example with SR-MPLS Header</a:t>
+              <a:t>Example IOAM Header with SR-MPLS Encapsulation</a:t>
             </a:r>
             <a:endParaRPr lang="en-US" sz="2800" dirty="0">
               <a:solidFill>
@@ -10297,7 +10284,7 @@
               <a:rPr lang="en-CA" sz="800" dirty="0">
                 <a:latin typeface="Courier" pitchFamily="2" charset="0"/>
               </a:rPr>
-              <a:t>         Figure: IOAM Encapsulation Example with SR-MPLS Header</a:t>
+              <a:t>             Figure: IOAM Header with SR-MPLS Encapsulation</a:t>
             </a:r>
             <a:endParaRPr lang="en-CA" sz="800" dirty="0">
               <a:latin typeface="Courier" pitchFamily="2" charset="0"/>
@@ -11320,7 +11307,18 @@
                 <a:latin typeface="Calibri" panose="020F0502020204030204" pitchFamily="34" charset="0"/>
                 <a:cs typeface="Calibri" panose="020F0502020204030204" pitchFamily="34" charset="0"/>
               </a:rPr>
-              <a:t>IOAM header is considered part of the MPLS Header, any other control word is added after the IOAM header in the packet.</a:t>
+              <a:t>IOAM header is considered part of the MPLS </a:t>
+            </a:r>
+            <a:r>
+              <a:rPr lang="en-CA" sz="2000" dirty="0"/>
+              <a:t>encapsulation</a:t>
+            </a:r>
+            <a:r>
+              <a:rPr lang="en-CA" sz="2000" dirty="0">
+                <a:latin typeface="Calibri" panose="020F0502020204030204" pitchFamily="34" charset="0"/>
+                <a:cs typeface="Calibri" panose="020F0502020204030204" pitchFamily="34" charset="0"/>
+              </a:rPr>
+              <a:t>, any other control word is added after the IOAM Header with the packet.</a:t>
             </a:r>
           </a:p>
           <a:p>
@@ -11354,7 +11352,18 @@
                 <a:latin typeface="Calibri" panose="020F0502020204030204" pitchFamily="34" charset="0"/>
                 <a:cs typeface="Calibri" panose="020F0502020204030204" pitchFamily="34" charset="0"/>
               </a:rPr>
-              <a:t>The decapsulating node removes the MPLS header including the IOAM header and then processes the other control word following it.</a:t>
+              <a:t>The decapsulating node removes the MPLS </a:t>
+            </a:r>
+            <a:r>
+              <a:rPr lang="en-CA" sz="2000" dirty="0"/>
+              <a:t>encapsulation</a:t>
+            </a:r>
+            <a:r>
+              <a:rPr lang="en-CA" sz="2000" dirty="0">
+                <a:latin typeface="Calibri" panose="020F0502020204030204" pitchFamily="34" charset="0"/>
+                <a:cs typeface="Calibri" panose="020F0502020204030204" pitchFamily="34" charset="0"/>
+              </a:rPr>
+              <a:t> including the IOAM header and then processes the other control word following it.</a:t>
             </a:r>
           </a:p>
           <a:p>
@@ -11884,7 +11893,7 @@
               <a:rPr lang="en-CA" sz="900" dirty="0">
                 <a:latin typeface="Courier" pitchFamily="2" charset="0"/>
               </a:rPr>
-              <a:t>      Figure: IOAM Encapsulation in MPLS Header with Control Word</a:t>
+              <a:t>      Figure: IOAM Header with MPLS encapsulation and Control Word</a:t>
             </a:r>
             <a:endParaRPr lang="en-CA" sz="900" dirty="0">
               <a:latin typeface="Courier" pitchFamily="2" charset="0"/>
@@ -11943,7 +11952,7 @@
         <p:spPr>
           <a:xfrm>
             <a:off x="304800" y="0"/>
-            <a:ext cx="8534400" cy="793791"/>
+            <a:ext cx="8534400" cy="717589"/>
           </a:xfrm>
         </p:spPr>
         <p:txBody>
@@ -12076,7 +12085,7 @@
         </p:nvSpPr>
         <p:spPr>
           <a:xfrm>
-            <a:off x="2057400" y="793790"/>
+            <a:off x="2057400" y="717589"/>
             <a:ext cx="5257800" cy="4247317"/>
           </a:xfrm>
           <a:prstGeom prst="rect">
@@ -12394,7 +12403,7 @@
               <a:rPr lang="en-CA" sz="900" dirty="0">
                 <a:latin typeface="Courier" pitchFamily="2" charset="0"/>
               </a:rPr>
-              <a:t>         Figure: IOAM Encapsulation in MPLS Header with </a:t>
+              <a:t>       Figure: IOAM Header with MPLS Encapsulation with </a:t>
             </a:r>
             <a:r>
               <a:rPr lang="en-CA" sz="900" dirty="0" err="1">
@@ -14064,7 +14073,7 @@
                 <a:latin typeface="Calibri" panose="020F0502020204030204" pitchFamily="34" charset="0"/>
                 <a:cs typeface="Calibri" panose="020F0502020204030204" pitchFamily="34" charset="0"/>
               </a:rPr>
-              <a:t>IOAM header is considered part of the MPLS Header, any other ACH is added after the IOAM header in the packet.</a:t>
+              <a:t>IOAM header is considered part of the MPLS Encapsulation, any other ACH is added after the IOAM Header with the packet.</a:t>
             </a:r>
           </a:p>
           <a:p>
@@ -14098,7 +14107,7 @@
                 <a:latin typeface="Calibri" panose="020F0502020204030204" pitchFamily="34" charset="0"/>
                 <a:cs typeface="Calibri" panose="020F0502020204030204" pitchFamily="34" charset="0"/>
               </a:rPr>
-              <a:t>The decapsulating node removes the MPLS header including the IOAM header and then processes the next ACH following it.</a:t>
+              <a:t>The decapsulating node removes the MPLS Encapsulation including the IOAM header and then processes the next ACH following it.</a:t>
             </a:r>
           </a:p>
           <a:p>
@@ -14379,7 +14388,7 @@
         </p:nvSpPr>
         <p:spPr>
           <a:xfrm>
-            <a:off x="1828800" y="853512"/>
+            <a:off x="2019300" y="843434"/>
             <a:ext cx="5105400" cy="3693319"/>
           </a:xfrm>
           <a:prstGeom prst="rect">
@@ -14627,7 +14636,7 @@
               <a:rPr lang="en-CA" sz="900" dirty="0">
                 <a:latin typeface="Courier" pitchFamily="2" charset="0"/>
               </a:rPr>
-              <a:t>      Figure: IOAM Encapsulation in MPLS Header with Another ACH</a:t>
+              <a:t>     Figure: IOAM Header with MPLS Encapsulation with Another ACH</a:t>
             </a:r>
             <a:endParaRPr lang="en-CA" sz="900" dirty="0">
               <a:latin typeface="Courier" pitchFamily="2" charset="0"/>
@@ -15785,7 +15794,6 @@
           <a:bodyPr/>
           <a:lstStyle/>
           <a:p>
-            <a:pPr algn="l"/>
             <a:r>
               <a:rPr lang="en-CA" sz="3200" dirty="0">
                 <a:solidFill>
@@ -15794,7 +15802,7 @@
                 <a:latin typeface="Calibri Light" panose="020F0302020204030204" pitchFamily="34" charset="0"/>
                 <a:cs typeface="Calibri Light" panose="020F0302020204030204" pitchFamily="34" charset="0"/>
               </a:rPr>
-              <a:t>IOAM Data Field Encapsulation in MPLS Header</a:t>
+              <a:t>IOAM Header with MPLS Encapsulation</a:t>
             </a:r>
             <a:endParaRPr lang="en-US" sz="3200" dirty="0">
               <a:solidFill>
@@ -16091,60 +16099,13 @@
               <a:rPr lang="en-CA" sz="1000" dirty="0">
                 <a:latin typeface="Courier" pitchFamily="2" charset="0"/>
               </a:rPr>
-              <a:t>                Figure: IOAM Encapsulation in MPLS Header</a:t>
+              <a:t>               Figure: IOAM Header with MPLS Encapsulation</a:t>
             </a:r>
             <a:endParaRPr lang="en-CA" sz="1000" dirty="0">
               <a:latin typeface="Courier" pitchFamily="2" charset="0"/>
               <a:ea typeface="Calibri" panose="020F0502020204030204" pitchFamily="34" charset="0"/>
               <a:cs typeface="Times New Roman" panose="02020603050405020304" pitchFamily="18" charset="0"/>
             </a:endParaRPr>
-          </a:p>
-        </p:txBody>
-      </p:sp>
-      <p:sp>
-        <p:nvSpPr>
-          <p:cNvPr id="3" name="Rectangle 2">
-            <a:extLst>
-              <a:ext uri="{FF2B5EF4-FFF2-40B4-BE49-F238E27FC236}">
-                <a16:creationId xmlns:a16="http://schemas.microsoft.com/office/drawing/2014/main" id="{576917CC-6FED-7B4E-9205-435929A0176C}"/>
-              </a:ext>
-            </a:extLst>
-          </p:cNvPr>
-          <p:cNvSpPr/>
-          <p:nvPr/>
-        </p:nvSpPr>
-        <p:spPr>
-          <a:xfrm>
-            <a:off x="571500" y="4278775"/>
-            <a:ext cx="8000999" cy="307777"/>
-          </a:xfrm>
-          <a:prstGeom prst="rect">
-            <a:avLst/>
-          </a:prstGeom>
-        </p:spPr>
-        <p:txBody>
-          <a:bodyPr wrap="square">
-            <a:spAutoFit/>
-          </a:bodyPr>
-          <a:lstStyle/>
-          <a:p>
-            <a:r>
-              <a:rPr lang="en-US" sz="1400" dirty="0"/>
-              <a:t>https://</a:t>
-            </a:r>
-            <a:r>
-              <a:rPr lang="en-US" sz="1400" dirty="0" err="1"/>
-              <a:t>www.iana.org</a:t>
-            </a:r>
-            <a:r>
-              <a:rPr lang="en-US" sz="1400" dirty="0"/>
-              <a:t>/assignments/g-ach-parameters/</a:t>
-            </a:r>
-            <a:r>
-              <a:rPr lang="en-US" sz="1400" dirty="0" err="1"/>
-              <a:t>g-ach-parameters.xhtml#mpls-g-ach-types</a:t>
-            </a:r>
-            <a:endParaRPr lang="en-US" sz="1400" dirty="0"/>
           </a:p>
         </p:txBody>
       </p:sp>
@@ -16414,6 +16375,53 @@
           </a:p>
         </p:txBody>
       </p:sp>
+      <p:sp>
+        <p:nvSpPr>
+          <p:cNvPr id="6" name="Rectangle 5">
+            <a:extLst>
+              <a:ext uri="{FF2B5EF4-FFF2-40B4-BE49-F238E27FC236}">
+                <a16:creationId xmlns:a16="http://schemas.microsoft.com/office/drawing/2014/main" id="{633B0DEE-E361-1046-85F0-03B8346DB4B8}"/>
+              </a:ext>
+            </a:extLst>
+          </p:cNvPr>
+          <p:cNvSpPr/>
+          <p:nvPr/>
+        </p:nvSpPr>
+        <p:spPr>
+          <a:xfrm>
+            <a:off x="571500" y="4278775"/>
+            <a:ext cx="8000999" cy="307777"/>
+          </a:xfrm>
+          <a:prstGeom prst="rect">
+            <a:avLst/>
+          </a:prstGeom>
+        </p:spPr>
+        <p:txBody>
+          <a:bodyPr wrap="square">
+            <a:spAutoFit/>
+          </a:bodyPr>
+          <a:lstStyle/>
+          <a:p>
+            <a:r>
+              <a:rPr lang="en-US" sz="1400" dirty="0"/>
+              <a:t>https://</a:t>
+            </a:r>
+            <a:r>
+              <a:rPr lang="en-US" sz="1400" dirty="0" err="1"/>
+              <a:t>www.iana.org</a:t>
+            </a:r>
+            <a:r>
+              <a:rPr lang="en-US" sz="1400" dirty="0"/>
+              <a:t>/assignments/g-ach-parameters/</a:t>
+            </a:r>
+            <a:r>
+              <a:rPr lang="en-US" sz="1400" dirty="0" err="1"/>
+              <a:t>g-ach-parameters.xhtml#mpls-g-ach-types</a:t>
+            </a:r>
+            <a:endParaRPr lang="en-US" sz="1400" dirty="0"/>
+          </a:p>
+        </p:txBody>
+      </p:sp>
     </p:spTree>
     <p:extLst>
       <p:ext uri="{BB962C8B-B14F-4D97-AF65-F5344CB8AC3E}">
@@ -16507,7 +16515,7 @@
             </a:pPr>
             <a:r>
               <a:rPr lang="en-CA" sz="1600" dirty="0"/>
-              <a:t>“IOAM Indicator Label” is used to indicate the presence of the IOAM data fields after EOS in the MPLS header. How to process the IOAM data field(s) depends on the IOAM Option-Type. </a:t>
+              <a:t>“IOAM Indicator Label” is used to indicate the presence of the IOAM data fields after EOS in the MPLS Encapsulation. How to process the IOAM data field(s) depends on the IOAM Option-Type. </a:t>
             </a:r>
           </a:p>
           <a:p>
@@ -16973,15 +16981,14 @@
         </p:nvSpPr>
         <p:spPr>
           <a:xfrm>
-            <a:off x="1066800" y="129372"/>
-            <a:ext cx="6934200" cy="599270"/>
+            <a:off x="76200" y="129372"/>
+            <a:ext cx="8915400" cy="599270"/>
           </a:xfrm>
         </p:spPr>
         <p:txBody>
           <a:bodyPr/>
           <a:lstStyle/>
           <a:p>
-            <a:pPr algn="l"/>
             <a:r>
               <a:rPr lang="en-CA" sz="3200" dirty="0">
                 <a:solidFill>
@@ -16990,7 +16997,7 @@
                 <a:latin typeface="Calibri Light" panose="020F0302020204030204" pitchFamily="34" charset="0"/>
                 <a:cs typeface="Calibri Light" panose="020F0302020204030204" pitchFamily="34" charset="0"/>
               </a:rPr>
-              <a:t>E2E IOAM Encapsulation in MPLS Header</a:t>
+              <a:t>E2E IOAM Header with MPLS Encapsulation</a:t>
             </a:r>
             <a:endParaRPr lang="en-US" sz="3200" dirty="0">
               <a:solidFill>
@@ -17315,7 +17322,7 @@
               <a:rPr lang="en-CA" sz="900" dirty="0">
                 <a:latin typeface="Courier" pitchFamily="2" charset="0"/>
               </a:rPr>
-              <a:t>              Figure: E2E IOAM Encapsulation in MPLS Header</a:t>
+              <a:t>              Figure: E2E IOAM Header with MPLS Encapsulation</a:t>
             </a:r>
             <a:endParaRPr lang="en-CA" sz="900" dirty="0">
               <a:latin typeface="Courier" pitchFamily="2" charset="0"/>

--- a/draft-gandhi-mpls-ioam-sr-05.pptx
+++ b/draft-gandhi-mpls-ioam-sr-05.pptx
@@ -7643,8 +7643,8 @@
         </p:nvSpPr>
         <p:spPr>
           <a:xfrm>
-            <a:off x="1905000" y="1005066"/>
-            <a:ext cx="5105400" cy="3277820"/>
+            <a:off x="1600200" y="865388"/>
+            <a:ext cx="5755640" cy="3631763"/>
           </a:xfrm>
           <a:prstGeom prst="rect">
             <a:avLst/>
@@ -7663,7 +7663,7 @@
           <a:lstStyle/>
           <a:p>
             <a:r>
-              <a:rPr lang="en-CA" sz="900" dirty="0">
+              <a:rPr lang="en-CA" sz="1000" dirty="0">
                 <a:latin typeface="Courier" pitchFamily="2" charset="0"/>
               </a:rPr>
               <a:t>   0                   1                   2                   3</a:t>
@@ -7671,7 +7671,7 @@
           </a:p>
           <a:p>
             <a:r>
-              <a:rPr lang="en-CA" sz="900" dirty="0">
+              <a:rPr lang="en-CA" sz="1000" dirty="0">
                 <a:latin typeface="Courier" pitchFamily="2" charset="0"/>
               </a:rPr>
               <a:t>   0 1 2 3 4 5 6 7 8 9 0 1 2 3 4 5 6 7 8 9 0 1 2 3 4 5 6 7 8 9 0 1</a:t>
@@ -7679,7 +7679,7 @@
           </a:p>
           <a:p>
             <a:r>
-              <a:rPr lang="en-CA" sz="900" dirty="0">
+              <a:rPr lang="en-CA" sz="1000" dirty="0">
                 <a:latin typeface="Courier" pitchFamily="2" charset="0"/>
               </a:rPr>
               <a:t>   +-+-+-+-+-+-+-+-+-+-+-+-+-+-+-+-+-+-+-+-+-+-+-+-+-+-+-+-+-+-+-+-+</a:t>
@@ -7687,25 +7687,25 @@
           </a:p>
           <a:p>
             <a:r>
-              <a:rPr lang="en-CA" sz="900" dirty="0">
+              <a:rPr lang="en-CA" sz="1000" dirty="0">
                 <a:latin typeface="Courier" pitchFamily="2" charset="0"/>
               </a:rPr>
               <a:t>   |  </a:t>
             </a:r>
             <a:r>
-              <a:rPr lang="en-CA" sz="900" b="1" dirty="0" err="1">
+              <a:rPr lang="en-CA" sz="1000" b="1" dirty="0" err="1">
                 <a:latin typeface="Courier" pitchFamily="2" charset="0"/>
               </a:rPr>
               <a:t>HbH</a:t>
             </a:r>
             <a:r>
-              <a:rPr lang="en-CA" sz="900" b="1" dirty="0">
+              <a:rPr lang="en-CA" sz="1000" b="1" dirty="0">
                 <a:latin typeface="Courier" pitchFamily="2" charset="0"/>
               </a:rPr>
               <a:t> IOAM Indicator Label             </a:t>
             </a:r>
             <a:r>
-              <a:rPr lang="en-CA" sz="900" dirty="0">
+              <a:rPr lang="en-CA" sz="1000" dirty="0">
                 <a:latin typeface="Courier" pitchFamily="2" charset="0"/>
               </a:rPr>
               <a:t>| TC  |1|  TTL          |</a:t>
@@ -7713,7 +7713,7 @@
           </a:p>
           <a:p>
             <a:r>
-              <a:rPr lang="en-CA" sz="900" dirty="0">
+              <a:rPr lang="en-CA" sz="1000" dirty="0">
                 <a:latin typeface="Courier" pitchFamily="2" charset="0"/>
               </a:rPr>
               <a:t>   +-+-+-+-+-+-+-+-+-+-+-+-+-+-+-+-+-+-+-+-+-+-+-+-+-+-+-+-+-+-+-+-+&lt;-+ </a:t>
@@ -7721,19 +7721,19 @@
           </a:p>
           <a:p>
             <a:r>
-              <a:rPr lang="en-CA" sz="900" dirty="0">
+              <a:rPr lang="en-CA" sz="1000" dirty="0">
                 <a:latin typeface="Courier" pitchFamily="2" charset="0"/>
               </a:rPr>
               <a:t>   |0 0 0 1|Version| Reserved      | IOAM G-</a:t>
             </a:r>
             <a:r>
-              <a:rPr lang="en-CA" sz="900" dirty="0" err="1">
+              <a:rPr lang="en-CA" sz="1000" dirty="0" err="1">
                 <a:latin typeface="Courier" pitchFamily="2" charset="0"/>
               </a:rPr>
               <a:t>ACh</a:t>
             </a:r>
             <a:r>
-              <a:rPr lang="en-CA" sz="900" dirty="0">
+              <a:rPr lang="en-CA" sz="1000" dirty="0">
                 <a:latin typeface="Courier" pitchFamily="2" charset="0"/>
               </a:rPr>
               <a:t>                    |  | </a:t>
@@ -7741,7 +7741,7 @@
           </a:p>
           <a:p>
             <a:r>
-              <a:rPr lang="en-CA" sz="900" dirty="0">
+              <a:rPr lang="en-CA" sz="1000" dirty="0">
                 <a:latin typeface="Courier" pitchFamily="2" charset="0"/>
               </a:rPr>
               <a:t>   +-+-+-+-+-+-+-+-+-+-+-+-+-+-+-+-+-+-+-+-+-+-+-+-+-+-+-+-+-+-+-+-+  | </a:t>
@@ -7749,7 +7749,7 @@
           </a:p>
           <a:p>
             <a:r>
-              <a:rPr lang="en-CA" sz="900" dirty="0">
+              <a:rPr lang="en-CA" sz="1000" dirty="0">
                 <a:latin typeface="Courier" pitchFamily="2" charset="0"/>
               </a:rPr>
               <a:t>   | Reserved      | Block Number  | IOAM-OPT-Type |IOAM HDR Length|  |</a:t>
@@ -7757,7 +7757,7 @@
           </a:p>
           <a:p>
             <a:r>
-              <a:rPr lang="en-CA" sz="900" dirty="0">
+              <a:rPr lang="en-CA" sz="1000" dirty="0">
                 <a:latin typeface="Courier" pitchFamily="2" charset="0"/>
               </a:rPr>
               <a:t>   +-+-+-+-+-+-+-+-+-+-+-+-+-+-+-+-+-+-+-+-+-+-+-+-+-+-+-+-+-+-+-+-+  I</a:t>
@@ -7765,7 +7765,7 @@
           </a:p>
           <a:p>
             <a:r>
-              <a:rPr lang="en-CA" sz="900" dirty="0">
+              <a:rPr lang="en-CA" sz="1000" dirty="0">
                 <a:latin typeface="Courier" pitchFamily="2" charset="0"/>
               </a:rPr>
               <a:t>   |                                                               |  O</a:t>
@@ -7773,7 +7773,7 @@
           </a:p>
           <a:p>
             <a:r>
-              <a:rPr lang="en-CA" sz="900" dirty="0">
+              <a:rPr lang="en-CA" sz="1000" dirty="0">
                 <a:latin typeface="Courier" pitchFamily="2" charset="0"/>
               </a:rPr>
               <a:t>   |                                                               |  A</a:t>
@@ -7781,7 +7781,7 @@
           </a:p>
           <a:p>
             <a:r>
-              <a:rPr lang="en-CA" sz="900" dirty="0">
+              <a:rPr lang="en-CA" sz="1000" dirty="0">
                 <a:latin typeface="Courier" pitchFamily="2" charset="0"/>
               </a:rPr>
               <a:t>   ~                 IOAM Option and Data Space                    ~  M</a:t>
@@ -7789,7 +7789,7 @@
           </a:p>
           <a:p>
             <a:r>
-              <a:rPr lang="en-CA" sz="900" dirty="0">
+              <a:rPr lang="en-CA" sz="1000" dirty="0">
                 <a:latin typeface="Courier" pitchFamily="2" charset="0"/>
               </a:rPr>
               <a:t>   |                                                               |  |</a:t>
@@ -7797,7 +7797,7 @@
           </a:p>
           <a:p>
             <a:r>
-              <a:rPr lang="en-CA" sz="900" dirty="0">
+              <a:rPr lang="en-CA" sz="1000" dirty="0">
                 <a:latin typeface="Courier" pitchFamily="2" charset="0"/>
               </a:rPr>
               <a:t>   |                                                               |  |</a:t>
@@ -7805,7 +7805,7 @@
           </a:p>
           <a:p>
             <a:r>
-              <a:rPr lang="en-CA" sz="900" dirty="0">
+              <a:rPr lang="en-CA" sz="1000" dirty="0">
                 <a:latin typeface="Courier" pitchFamily="2" charset="0"/>
               </a:rPr>
               <a:t>   +-+-+-+-+-+-+-+-+-+-+-+-+-+-+-+-+-+-+-+-+-+-+-+-+-+-+-+-+-+-+-+-+&lt;-+</a:t>
@@ -7813,7 +7813,7 @@
           </a:p>
           <a:p>
             <a:r>
-              <a:rPr lang="en-CA" sz="900" dirty="0">
+              <a:rPr lang="en-CA" sz="1000" dirty="0">
                 <a:latin typeface="Courier" pitchFamily="2" charset="0"/>
               </a:rPr>
               <a:t>   |                                                               |</a:t>
@@ -7821,7 +7821,7 @@
           </a:p>
           <a:p>
             <a:r>
-              <a:rPr lang="en-CA" sz="900" dirty="0">
+              <a:rPr lang="en-CA" sz="1000" dirty="0">
                 <a:latin typeface="Courier" pitchFamily="2" charset="0"/>
               </a:rPr>
               <a:t>   |                                                               |</a:t>
@@ -7829,7 +7829,7 @@
           </a:p>
           <a:p>
             <a:r>
-              <a:rPr lang="en-CA" sz="900" dirty="0">
+              <a:rPr lang="en-CA" sz="1000" dirty="0">
                 <a:latin typeface="Courier" pitchFamily="2" charset="0"/>
               </a:rPr>
               <a:t>   ~                 Payload + Padding                             ~</a:t>
@@ -7837,7 +7837,7 @@
           </a:p>
           <a:p>
             <a:r>
-              <a:rPr lang="en-CA" sz="900" dirty="0">
+              <a:rPr lang="en-CA" sz="1000" dirty="0">
                 <a:latin typeface="Courier" pitchFamily="2" charset="0"/>
               </a:rPr>
               <a:t>   |                                                               |</a:t>
@@ -7845,7 +7845,7 @@
           </a:p>
           <a:p>
             <a:r>
-              <a:rPr lang="en-CA" sz="900" dirty="0">
+              <a:rPr lang="en-CA" sz="1000" dirty="0">
                 <a:latin typeface="Courier" pitchFamily="2" charset="0"/>
               </a:rPr>
               <a:t>   |                                                               |</a:t>
@@ -7853,7 +7853,7 @@
           </a:p>
           <a:p>
             <a:r>
-              <a:rPr lang="en-CA" sz="900" dirty="0">
+              <a:rPr lang="en-CA" sz="1000" dirty="0">
                 <a:latin typeface="Courier" pitchFamily="2" charset="0"/>
               </a:rPr>
               <a:t>   +-+-+-+-+-+-+-+-+-+-+-+-+-+-+-+-+-+-+-+-+-+-+-+-+-+-+-+-+-+-+-+-+</a:t>
@@ -7861,7 +7861,7 @@
           </a:p>
           <a:p>
             <a:r>
-              <a:rPr lang="en-CA" sz="900" dirty="0">
+              <a:rPr lang="en-CA" sz="1000" dirty="0">
                 <a:latin typeface="Courier" pitchFamily="2" charset="0"/>
               </a:rPr>
               <a:t> </a:t>
@@ -7869,24 +7869,24 @@
           </a:p>
           <a:p>
             <a:r>
-              <a:rPr lang="en-CA" sz="900" dirty="0">
+              <a:rPr lang="en-CA" sz="1000" dirty="0">
                 <a:latin typeface="Courier" pitchFamily="2" charset="0"/>
               </a:rPr>
               <a:t>             Figure: </a:t>
             </a:r>
             <a:r>
-              <a:rPr lang="en-CA" sz="900" dirty="0" err="1">
+              <a:rPr lang="en-CA" sz="1000" dirty="0" err="1">
                 <a:latin typeface="Courier" pitchFamily="2" charset="0"/>
               </a:rPr>
               <a:t>HbH</a:t>
             </a:r>
             <a:r>
-              <a:rPr lang="en-CA" sz="900" dirty="0">
+              <a:rPr lang="en-CA" sz="1000" dirty="0">
                 <a:latin typeface="Courier" pitchFamily="2" charset="0"/>
               </a:rPr>
               <a:t> IOAM Header with MPLS Encapsulation</a:t>
             </a:r>
-            <a:endParaRPr lang="en-CA" sz="900" dirty="0">
+            <a:endParaRPr lang="en-CA" sz="1000" dirty="0">
               <a:latin typeface="Courier" pitchFamily="2" charset="0"/>
               <a:ea typeface="Calibri" panose="020F0502020204030204" pitchFamily="34" charset="0"/>
               <a:cs typeface="Times New Roman" panose="02020603050405020304" pitchFamily="18" charset="0"/>
@@ -9566,8 +9566,8 @@
         </p:nvSpPr>
         <p:spPr>
           <a:xfrm>
-            <a:off x="1828800" y="1005066"/>
-            <a:ext cx="5105400" cy="3277820"/>
+            <a:off x="1676400" y="908659"/>
+            <a:ext cx="5791200" cy="3631763"/>
           </a:xfrm>
           <a:prstGeom prst="rect">
             <a:avLst/>
@@ -9586,7 +9586,7 @@
           <a:lstStyle/>
           <a:p>
             <a:r>
-              <a:rPr lang="en-CA" sz="900" dirty="0">
+              <a:rPr lang="en-CA" sz="1000" dirty="0">
                 <a:latin typeface="Courier" pitchFamily="2" charset="0"/>
               </a:rPr>
               <a:t>   0                   1                   2                   3</a:t>
@@ -9594,7 +9594,7 @@
           </a:p>
           <a:p>
             <a:r>
-              <a:rPr lang="en-CA" sz="900" dirty="0">
+              <a:rPr lang="en-CA" sz="1000" dirty="0">
                 <a:latin typeface="Courier" pitchFamily="2" charset="0"/>
               </a:rPr>
               <a:t>   0 1 2 3 4 5 6 7 8 9 0 1 2 3 4 5 6 7 8 9 0 1 2 3 4 5 6 7 8 9 0 1</a:t>
@@ -9602,7 +9602,7 @@
           </a:p>
           <a:p>
             <a:r>
-              <a:rPr lang="en-CA" sz="900" dirty="0">
+              <a:rPr lang="en-CA" sz="1000" dirty="0">
                 <a:latin typeface="Courier" pitchFamily="2" charset="0"/>
               </a:rPr>
               <a:t>   +-+-+-+-+-+-+-+-+-+-+-+-+-+-+-+-+-+-+-+-+-+-+-+-+-+-+-+-+-+-+-+-+</a:t>
@@ -9610,25 +9610,25 @@
           </a:p>
           <a:p>
             <a:r>
-              <a:rPr lang="en-CA" sz="900" dirty="0">
+              <a:rPr lang="en-CA" sz="1000" dirty="0">
                 <a:latin typeface="Courier" pitchFamily="2" charset="0"/>
               </a:rPr>
               <a:t>   |  </a:t>
             </a:r>
             <a:r>
-              <a:rPr lang="en-CA" sz="900" b="1" dirty="0" err="1">
+              <a:rPr lang="en-CA" sz="1000" b="1" dirty="0" err="1">
                 <a:latin typeface="Courier" pitchFamily="2" charset="0"/>
               </a:rPr>
               <a:t>HbH</a:t>
             </a:r>
             <a:r>
-              <a:rPr lang="en-CA" sz="900" b="1" dirty="0">
+              <a:rPr lang="en-CA" sz="1000" b="1" dirty="0">
                 <a:latin typeface="Courier" pitchFamily="2" charset="0"/>
               </a:rPr>
               <a:t> IOAM Indicator Label             </a:t>
             </a:r>
             <a:r>
-              <a:rPr lang="en-CA" sz="900" dirty="0">
+              <a:rPr lang="en-CA" sz="1000" dirty="0">
                 <a:latin typeface="Courier" pitchFamily="2" charset="0"/>
               </a:rPr>
               <a:t>| TC  |1|  TTL          |</a:t>
@@ -9636,7 +9636,7 @@
           </a:p>
           <a:p>
             <a:r>
-              <a:rPr lang="en-CA" sz="900" dirty="0">
+              <a:rPr lang="en-CA" sz="1000" dirty="0">
                 <a:latin typeface="Courier" pitchFamily="2" charset="0"/>
               </a:rPr>
               <a:t>   +-+-+-+-+-+-+-+-+-+-+-+-+-+-+-+-+-+-+-+-+-+-+-+-+-+-+-+-+-+-+-+-+&lt;-+ </a:t>
@@ -9644,19 +9644,19 @@
           </a:p>
           <a:p>
             <a:r>
-              <a:rPr lang="en-CA" sz="900" dirty="0">
+              <a:rPr lang="en-CA" sz="1000" dirty="0">
                 <a:latin typeface="Courier" pitchFamily="2" charset="0"/>
               </a:rPr>
               <a:t>   |0 0 0 1|Version| Reserved      | IOAM G-</a:t>
             </a:r>
             <a:r>
-              <a:rPr lang="en-CA" sz="900" dirty="0" err="1">
+              <a:rPr lang="en-CA" sz="1000" dirty="0" err="1">
                 <a:latin typeface="Courier" pitchFamily="2" charset="0"/>
               </a:rPr>
               <a:t>ACh</a:t>
             </a:r>
             <a:r>
-              <a:rPr lang="en-CA" sz="900" dirty="0">
+              <a:rPr lang="en-CA" sz="1000" dirty="0">
                 <a:latin typeface="Courier" pitchFamily="2" charset="0"/>
               </a:rPr>
               <a:t>                    |  | </a:t>
@@ -9664,7 +9664,7 @@
           </a:p>
           <a:p>
             <a:r>
-              <a:rPr lang="en-CA" sz="900" dirty="0">
+              <a:rPr lang="en-CA" sz="1000" dirty="0">
                 <a:latin typeface="Courier" pitchFamily="2" charset="0"/>
               </a:rPr>
               <a:t>   +-+-+-+-+-+-+-+-+-+-+-+-+-+-+-+-+-+-+-+-+-+-+-+-+-+-+-+-+-+-+-+-+  | </a:t>
@@ -9672,7 +9672,7 @@
           </a:p>
           <a:p>
             <a:r>
-              <a:rPr lang="en-CA" sz="900" dirty="0">
+              <a:rPr lang="en-CA" sz="1000" dirty="0">
                 <a:latin typeface="Courier" pitchFamily="2" charset="0"/>
               </a:rPr>
               <a:t>   | Reserved      | Block Number  | IOAM-OPT-Type |IOAM HDR Length|  |</a:t>
@@ -9680,7 +9680,7 @@
           </a:p>
           <a:p>
             <a:r>
-              <a:rPr lang="en-CA" sz="900" dirty="0">
+              <a:rPr lang="en-CA" sz="1000" dirty="0">
                 <a:latin typeface="Courier" pitchFamily="2" charset="0"/>
               </a:rPr>
               <a:t>   +-+-+-+-+-+-+-+-+-+-+-+-+-+-+-+-+-+-+-+-+-+-+-+-+-+-+-+-+-+-+-+-+  I</a:t>
@@ -9688,7 +9688,7 @@
           </a:p>
           <a:p>
             <a:r>
-              <a:rPr lang="en-CA" sz="900" dirty="0">
+              <a:rPr lang="en-CA" sz="1000" dirty="0">
                 <a:latin typeface="Courier" pitchFamily="2" charset="0"/>
               </a:rPr>
               <a:t>   |                                                               |  O</a:t>
@@ -9696,7 +9696,7 @@
           </a:p>
           <a:p>
             <a:r>
-              <a:rPr lang="en-CA" sz="900" dirty="0">
+              <a:rPr lang="en-CA" sz="1000" dirty="0">
                 <a:latin typeface="Courier" pitchFamily="2" charset="0"/>
               </a:rPr>
               <a:t>   |                                                               |  A</a:t>
@@ -9704,7 +9704,7 @@
           </a:p>
           <a:p>
             <a:r>
-              <a:rPr lang="en-CA" sz="900" dirty="0">
+              <a:rPr lang="en-CA" sz="1000" dirty="0">
                 <a:latin typeface="Courier" pitchFamily="2" charset="0"/>
               </a:rPr>
               <a:t>   ~                 IOAM Option and Data Space                    ~  M</a:t>
@@ -9712,7 +9712,7 @@
           </a:p>
           <a:p>
             <a:r>
-              <a:rPr lang="en-CA" sz="900" dirty="0">
+              <a:rPr lang="en-CA" sz="1000" dirty="0">
                 <a:latin typeface="Courier" pitchFamily="2" charset="0"/>
               </a:rPr>
               <a:t>   |                                                               |  |</a:t>
@@ -9720,7 +9720,7 @@
           </a:p>
           <a:p>
             <a:r>
-              <a:rPr lang="en-CA" sz="900" dirty="0">
+              <a:rPr lang="en-CA" sz="1000" dirty="0">
                 <a:latin typeface="Courier" pitchFamily="2" charset="0"/>
               </a:rPr>
               <a:t>   |                                                               |  |</a:t>
@@ -9728,7 +9728,7 @@
           </a:p>
           <a:p>
             <a:r>
-              <a:rPr lang="en-CA" sz="900" dirty="0">
+              <a:rPr lang="en-CA" sz="1000" dirty="0">
                 <a:latin typeface="Courier" pitchFamily="2" charset="0"/>
               </a:rPr>
               <a:t>   +-+-+-+-+-+-+-+-+-+-+-+-+-+-+-+-+-+-+-+-+-+-+-+-+-+-+-+-+-+-+-+-+&lt;-+</a:t>
@@ -9736,7 +9736,7 @@
           </a:p>
           <a:p>
             <a:r>
-              <a:rPr lang="en-CA" sz="900" dirty="0">
+              <a:rPr lang="en-CA" sz="1000" dirty="0">
                 <a:latin typeface="Courier" pitchFamily="2" charset="0"/>
               </a:rPr>
               <a:t>   |                                                               |</a:t>
@@ -9744,7 +9744,7 @@
           </a:p>
           <a:p>
             <a:r>
-              <a:rPr lang="en-CA" sz="900" dirty="0">
+              <a:rPr lang="en-CA" sz="1000" dirty="0">
                 <a:latin typeface="Courier" pitchFamily="2" charset="0"/>
               </a:rPr>
               <a:t>   |                                                               |</a:t>
@@ -9752,7 +9752,7 @@
           </a:p>
           <a:p>
             <a:r>
-              <a:rPr lang="en-CA" sz="900" dirty="0">
+              <a:rPr lang="en-CA" sz="1000" dirty="0">
                 <a:latin typeface="Courier" pitchFamily="2" charset="0"/>
               </a:rPr>
               <a:t>   ~                 Payload + Padding                             ~</a:t>
@@ -9760,7 +9760,7 @@
           </a:p>
           <a:p>
             <a:r>
-              <a:rPr lang="en-CA" sz="900" dirty="0">
+              <a:rPr lang="en-CA" sz="1000" dirty="0">
                 <a:latin typeface="Courier" pitchFamily="2" charset="0"/>
               </a:rPr>
               <a:t>   |                                                               |</a:t>
@@ -9768,7 +9768,7 @@
           </a:p>
           <a:p>
             <a:r>
-              <a:rPr lang="en-CA" sz="900" dirty="0">
+              <a:rPr lang="en-CA" sz="1000" dirty="0">
                 <a:latin typeface="Courier" pitchFamily="2" charset="0"/>
               </a:rPr>
               <a:t>   |                                                               |</a:t>
@@ -9776,7 +9776,7 @@
           </a:p>
           <a:p>
             <a:r>
-              <a:rPr lang="en-CA" sz="900" dirty="0">
+              <a:rPr lang="en-CA" sz="1000" dirty="0">
                 <a:latin typeface="Courier" pitchFamily="2" charset="0"/>
               </a:rPr>
               <a:t>   +-+-+-+-+-+-+-+-+-+-+-+-+-+-+-+-+-+-+-+-+-+-+-+-+-+-+-+-+-+-+-+-+</a:t>
@@ -9784,7 +9784,7 @@
           </a:p>
           <a:p>
             <a:r>
-              <a:rPr lang="en-CA" sz="900" dirty="0">
+              <a:rPr lang="en-CA" sz="1000" dirty="0">
                 <a:latin typeface="Courier" pitchFamily="2" charset="0"/>
               </a:rPr>
               <a:t> </a:t>
@@ -9792,24 +9792,24 @@
           </a:p>
           <a:p>
             <a:r>
-              <a:rPr lang="en-CA" sz="900" dirty="0">
+              <a:rPr lang="en-CA" sz="1000" dirty="0">
                 <a:latin typeface="Courier" pitchFamily="2" charset="0"/>
               </a:rPr>
               <a:t>              Figure: </a:t>
             </a:r>
             <a:r>
-              <a:rPr lang="en-CA" sz="900" dirty="0" err="1">
+              <a:rPr lang="en-CA" sz="1000" dirty="0" err="1">
                 <a:latin typeface="Courier" pitchFamily="2" charset="0"/>
               </a:rPr>
               <a:t>HbH</a:t>
             </a:r>
             <a:r>
-              <a:rPr lang="en-CA" sz="900" dirty="0">
+              <a:rPr lang="en-CA" sz="1000" dirty="0">
                 <a:latin typeface="Courier" pitchFamily="2" charset="0"/>
               </a:rPr>
               <a:t> IOAM Header with MPLS Encapsulation</a:t>
             </a:r>
-            <a:endParaRPr lang="en-CA" sz="900" dirty="0">
+            <a:endParaRPr lang="en-CA" sz="1000" dirty="0">
               <a:latin typeface="Courier" pitchFamily="2" charset="0"/>
               <a:ea typeface="Calibri" panose="020F0502020204030204" pitchFamily="34" charset="0"/>
               <a:cs typeface="Times New Roman" panose="02020603050405020304" pitchFamily="18" charset="0"/>
@@ -9984,7 +9984,7 @@
         <p:spPr>
           <a:xfrm>
             <a:off x="2305050" y="641003"/>
-            <a:ext cx="4533900" cy="4031873"/>
+            <a:ext cx="4533900" cy="4154984"/>
           </a:xfrm>
           <a:prstGeom prst="rect">
             <a:avLst/>
@@ -10284,7 +10284,15 @@
               <a:rPr lang="en-CA" sz="800" dirty="0">
                 <a:latin typeface="Courier" pitchFamily="2" charset="0"/>
               </a:rPr>
-              <a:t>             Figure: IOAM Header with SR-MPLS Encapsulation</a:t>
+              <a:t>             </a:t>
+            </a:r>
+          </a:p>
+          <a:p>
+            <a:r>
+              <a:rPr lang="en-CA" sz="800" dirty="0">
+                <a:latin typeface="Courier" pitchFamily="2" charset="0"/>
+              </a:rPr>
+              <a:t>              Figure: IOAM Header with SR-MPLS Encapsulation</a:t>
             </a:r>
             <a:endParaRPr lang="en-CA" sz="800" dirty="0">
               <a:latin typeface="Courier" pitchFamily="2" charset="0"/>
@@ -12637,7 +12645,7 @@
         <p:spPr>
           <a:xfrm>
             <a:off x="266307" y="857250"/>
-            <a:ext cx="5029200" cy="2862322"/>
+            <a:ext cx="4534293" cy="2585323"/>
           </a:xfrm>
           <a:prstGeom prst="rect">
             <a:avLst/>
@@ -12676,14 +12684,14 @@
               </a:tabLst>
             </a:pPr>
             <a:r>
-              <a:rPr lang="en-CA" sz="1000" dirty="0">
+              <a:rPr lang="en-CA" sz="900" dirty="0">
                 <a:latin typeface="Courier" pitchFamily="2" charset="0"/>
                 <a:ea typeface="Times New Roman" panose="02020603050405020304" pitchFamily="18" charset="0"/>
                 <a:cs typeface="Times New Roman" panose="02020603050405020304" pitchFamily="18" charset="0"/>
               </a:rPr>
               <a:t>   +---------------------------------+ &lt;--\</a:t>
             </a:r>
-            <a:endParaRPr lang="en-CA" sz="1000" dirty="0">
+            <a:endParaRPr lang="en-CA" sz="900" dirty="0">
               <a:latin typeface="Courier" pitchFamily="2" charset="0"/>
               <a:ea typeface="Calibri" panose="020F0502020204030204" pitchFamily="34" charset="0"/>
               <a:cs typeface="Times New Roman" panose="02020603050405020304" pitchFamily="18" charset="0"/>
@@ -12711,14 +12719,14 @@
               </a:tabLst>
             </a:pPr>
             <a:r>
-              <a:rPr lang="en-CA" sz="1000" dirty="0">
+              <a:rPr lang="en-CA" sz="900" dirty="0">
                 <a:latin typeface="Courier" pitchFamily="2" charset="0"/>
                 <a:ea typeface="Times New Roman" panose="02020603050405020304" pitchFamily="18" charset="0"/>
                 <a:cs typeface="Times New Roman" panose="02020603050405020304" pitchFamily="18" charset="0"/>
               </a:rPr>
               <a:t>   |           F-Label(s)            |    |</a:t>
             </a:r>
-            <a:endParaRPr lang="en-CA" sz="1000" dirty="0">
+            <a:endParaRPr lang="en-CA" sz="900" dirty="0">
               <a:latin typeface="Courier" pitchFamily="2" charset="0"/>
               <a:ea typeface="Calibri" panose="020F0502020204030204" pitchFamily="34" charset="0"/>
               <a:cs typeface="Times New Roman" panose="02020603050405020304" pitchFamily="18" charset="0"/>
@@ -12746,14 +12754,14 @@
               </a:tabLst>
             </a:pPr>
             <a:r>
-              <a:rPr lang="en-CA" sz="1000" dirty="0">
+              <a:rPr lang="en-CA" sz="900" dirty="0">
                 <a:latin typeface="Courier" pitchFamily="2" charset="0"/>
                 <a:ea typeface="Times New Roman" panose="02020603050405020304" pitchFamily="18" charset="0"/>
                 <a:cs typeface="Times New Roman" panose="02020603050405020304" pitchFamily="18" charset="0"/>
               </a:rPr>
               <a:t>   +---------------------------------+    |</a:t>
             </a:r>
-            <a:endParaRPr lang="en-CA" sz="1000" dirty="0">
+            <a:endParaRPr lang="en-CA" sz="900" dirty="0">
               <a:latin typeface="Courier" pitchFamily="2" charset="0"/>
               <a:ea typeface="Calibri" panose="020F0502020204030204" pitchFamily="34" charset="0"/>
               <a:cs typeface="Times New Roman" panose="02020603050405020304" pitchFamily="18" charset="0"/>
@@ -12781,14 +12789,14 @@
               </a:tabLst>
             </a:pPr>
             <a:r>
-              <a:rPr lang="en-CA" sz="1000" dirty="0">
+              <a:rPr lang="en-CA" sz="900" dirty="0">
                 <a:latin typeface="Courier" pitchFamily="2" charset="0"/>
                 <a:ea typeface="Times New Roman" panose="02020603050405020304" pitchFamily="18" charset="0"/>
                 <a:cs typeface="Times New Roman" panose="02020603050405020304" pitchFamily="18" charset="0"/>
               </a:rPr>
               <a:t>   |            A-Label              |    |</a:t>
             </a:r>
-            <a:endParaRPr lang="en-CA" sz="1000" dirty="0">
+            <a:endParaRPr lang="en-CA" sz="900" dirty="0">
               <a:latin typeface="Courier" pitchFamily="2" charset="0"/>
               <a:ea typeface="Calibri" panose="020F0502020204030204" pitchFamily="34" charset="0"/>
               <a:cs typeface="Times New Roman" panose="02020603050405020304" pitchFamily="18" charset="0"/>
@@ -12816,14 +12824,14 @@
               </a:tabLst>
             </a:pPr>
             <a:r>
-              <a:rPr lang="en-CA" sz="1000" dirty="0">
+              <a:rPr lang="en-CA" sz="900" dirty="0">
                 <a:latin typeface="Courier" pitchFamily="2" charset="0"/>
                 <a:ea typeface="Times New Roman" panose="02020603050405020304" pitchFamily="18" charset="0"/>
                 <a:cs typeface="Times New Roman" panose="02020603050405020304" pitchFamily="18" charset="0"/>
               </a:rPr>
               <a:t>   +=================================+    |</a:t>
             </a:r>
-            <a:endParaRPr lang="en-CA" sz="1000" dirty="0">
+            <a:endParaRPr lang="en-CA" sz="900" dirty="0">
               <a:latin typeface="Courier" pitchFamily="2" charset="0"/>
               <a:ea typeface="Calibri" panose="020F0502020204030204" pitchFamily="34" charset="0"/>
               <a:cs typeface="Times New Roman" panose="02020603050405020304" pitchFamily="18" charset="0"/>
@@ -12851,7 +12859,7 @@
               </a:tabLst>
             </a:pPr>
             <a:r>
-              <a:rPr lang="en-CA" sz="1000" dirty="0">
+              <a:rPr lang="en-CA" sz="900" dirty="0">
                 <a:latin typeface="Courier" pitchFamily="2" charset="0"/>
                 <a:ea typeface="Times New Roman" panose="02020603050405020304" pitchFamily="18" charset="0"/>
                 <a:cs typeface="Times New Roman" panose="02020603050405020304" pitchFamily="18" charset="0"/>
@@ -12859,7 +12867,7 @@
               <a:t>   |       </a:t>
             </a:r>
             <a:r>
-              <a:rPr lang="en-CA" sz="1000" dirty="0" err="1">
+              <a:rPr lang="en-CA" sz="900" dirty="0" err="1">
                 <a:latin typeface="Courier" pitchFamily="2" charset="0"/>
                 <a:ea typeface="Times New Roman" panose="02020603050405020304" pitchFamily="18" charset="0"/>
                 <a:cs typeface="Times New Roman" panose="02020603050405020304" pitchFamily="18" charset="0"/>
@@ -12867,14 +12875,14 @@
               <a:t>DetNet</a:t>
             </a:r>
             <a:r>
-              <a:rPr lang="en-CA" sz="1000" dirty="0">
+              <a:rPr lang="en-CA" sz="900" dirty="0">
                 <a:latin typeface="Courier" pitchFamily="2" charset="0"/>
                 <a:ea typeface="Times New Roman" panose="02020603050405020304" pitchFamily="18" charset="0"/>
                 <a:cs typeface="Times New Roman" panose="02020603050405020304" pitchFamily="18" charset="0"/>
               </a:rPr>
               <a:t> Control Word       |    |</a:t>
             </a:r>
-            <a:endParaRPr lang="en-CA" sz="1000" dirty="0">
+            <a:endParaRPr lang="en-CA" sz="900" dirty="0">
               <a:latin typeface="Courier" pitchFamily="2" charset="0"/>
               <a:ea typeface="Calibri" panose="020F0502020204030204" pitchFamily="34" charset="0"/>
               <a:cs typeface="Times New Roman" panose="02020603050405020304" pitchFamily="18" charset="0"/>
@@ -12902,14 +12910,14 @@
               </a:tabLst>
             </a:pPr>
             <a:r>
-              <a:rPr lang="en-CA" sz="1000" dirty="0">
+              <a:rPr lang="en-CA" sz="900" dirty="0">
                 <a:latin typeface="Courier" pitchFamily="2" charset="0"/>
                 <a:ea typeface="Times New Roman" panose="02020603050405020304" pitchFamily="18" charset="0"/>
                 <a:cs typeface="Times New Roman" panose="02020603050405020304" pitchFamily="18" charset="0"/>
               </a:rPr>
               <a:t>   +---------------------------------+    |</a:t>
             </a:r>
-            <a:endParaRPr lang="en-CA" sz="1000" dirty="0">
+            <a:endParaRPr lang="en-CA" sz="900" dirty="0">
               <a:latin typeface="Courier" pitchFamily="2" charset="0"/>
               <a:ea typeface="Calibri" panose="020F0502020204030204" pitchFamily="34" charset="0"/>
               <a:cs typeface="Times New Roman" panose="02020603050405020304" pitchFamily="18" charset="0"/>
@@ -12937,7 +12945,7 @@
               </a:tabLst>
             </a:pPr>
             <a:r>
-              <a:rPr lang="en-CA" sz="1000" dirty="0">
+              <a:rPr lang="en-CA" sz="900" dirty="0">
                 <a:latin typeface="Courier" pitchFamily="2" charset="0"/>
                 <a:ea typeface="Times New Roman" panose="02020603050405020304" pitchFamily="18" charset="0"/>
                 <a:cs typeface="Times New Roman" panose="02020603050405020304" pitchFamily="18" charset="0"/>
@@ -12945,7 +12953,7 @@
               <a:t>   |         [ F-Label(s) ]          |    +--</a:t>
             </a:r>
             <a:r>
-              <a:rPr lang="en-CA" sz="1000" dirty="0" err="1">
+              <a:rPr lang="en-CA" sz="900" dirty="0" err="1">
                 <a:latin typeface="Courier" pitchFamily="2" charset="0"/>
                 <a:ea typeface="Times New Roman" panose="02020603050405020304" pitchFamily="18" charset="0"/>
                 <a:cs typeface="Times New Roman" panose="02020603050405020304" pitchFamily="18" charset="0"/>
@@ -12953,14 +12961,14 @@
               <a:t>DetNet</a:t>
             </a:r>
             <a:r>
-              <a:rPr lang="en-CA" sz="1000" dirty="0">
+              <a:rPr lang="en-CA" sz="900" dirty="0">
                 <a:latin typeface="Courier" pitchFamily="2" charset="0"/>
                 <a:ea typeface="Times New Roman" panose="02020603050405020304" pitchFamily="18" charset="0"/>
                 <a:cs typeface="Times New Roman" panose="02020603050405020304" pitchFamily="18" charset="0"/>
               </a:rPr>
               <a:t> data plane</a:t>
             </a:r>
-            <a:endParaRPr lang="en-CA" sz="1000" dirty="0">
+            <a:endParaRPr lang="en-CA" sz="900" dirty="0">
               <a:latin typeface="Courier" pitchFamily="2" charset="0"/>
               <a:ea typeface="Calibri" panose="020F0502020204030204" pitchFamily="34" charset="0"/>
               <a:cs typeface="Times New Roman" panose="02020603050405020304" pitchFamily="18" charset="0"/>
@@ -12988,14 +12996,14 @@
               </a:tabLst>
             </a:pPr>
             <a:r>
-              <a:rPr lang="en-CA" sz="1000" dirty="0">
+              <a:rPr lang="en-CA" sz="900" dirty="0">
                 <a:latin typeface="Courier" pitchFamily="2" charset="0"/>
                 <a:ea typeface="Times New Roman" panose="02020603050405020304" pitchFamily="18" charset="0"/>
                 <a:cs typeface="Times New Roman" panose="02020603050405020304" pitchFamily="18" charset="0"/>
               </a:rPr>
               <a:t>   +---------------------------------+    |  MPLS Encapsulation</a:t>
             </a:r>
-            <a:endParaRPr lang="en-CA" sz="1000" dirty="0">
+            <a:endParaRPr lang="en-CA" sz="900" dirty="0">
               <a:latin typeface="Courier" pitchFamily="2" charset="0"/>
               <a:ea typeface="Calibri" panose="020F0502020204030204" pitchFamily="34" charset="0"/>
               <a:cs typeface="Times New Roman" panose="02020603050405020304" pitchFamily="18" charset="0"/>
@@ -13023,14 +13031,14 @@
               </a:tabLst>
             </a:pPr>
             <a:r>
-              <a:rPr lang="en-CA" sz="1000" dirty="0">
+              <a:rPr lang="en-CA" sz="900" dirty="0">
                 <a:latin typeface="Courier" pitchFamily="2" charset="0"/>
                 <a:ea typeface="Times New Roman" panose="02020603050405020304" pitchFamily="18" charset="0"/>
                 <a:cs typeface="Times New Roman" panose="02020603050405020304" pitchFamily="18" charset="0"/>
               </a:rPr>
               <a:t>   |            S-Label              |    |</a:t>
             </a:r>
-            <a:endParaRPr lang="en-CA" sz="1000" dirty="0">
+            <a:endParaRPr lang="en-CA" sz="900" dirty="0">
               <a:latin typeface="Courier" pitchFamily="2" charset="0"/>
               <a:ea typeface="Calibri" panose="020F0502020204030204" pitchFamily="34" charset="0"/>
               <a:cs typeface="Times New Roman" panose="02020603050405020304" pitchFamily="18" charset="0"/>
@@ -13058,14 +13066,14 @@
               </a:tabLst>
             </a:pPr>
             <a:r>
-              <a:rPr lang="en-CA" sz="1000" dirty="0">
+              <a:rPr lang="en-CA" sz="900" dirty="0">
                 <a:latin typeface="Courier" pitchFamily="2" charset="0"/>
                 <a:ea typeface="Times New Roman" panose="02020603050405020304" pitchFamily="18" charset="0"/>
                 <a:cs typeface="Times New Roman" panose="02020603050405020304" pitchFamily="18" charset="0"/>
               </a:rPr>
               <a:t>   +=================================+    |</a:t>
             </a:r>
-            <a:endParaRPr lang="en-CA" sz="1000" dirty="0">
+            <a:endParaRPr lang="en-CA" sz="900" dirty="0">
               <a:latin typeface="Courier" pitchFamily="2" charset="0"/>
               <a:ea typeface="Calibri" panose="020F0502020204030204" pitchFamily="34" charset="0"/>
               <a:cs typeface="Times New Roman" panose="02020603050405020304" pitchFamily="18" charset="0"/>
@@ -13093,7 +13101,7 @@
               </a:tabLst>
             </a:pPr>
             <a:r>
-              <a:rPr lang="en-CA" sz="1000" dirty="0">
+              <a:rPr lang="en-CA" sz="900" dirty="0">
                 <a:latin typeface="Courier" pitchFamily="2" charset="0"/>
                 <a:ea typeface="Times New Roman" panose="02020603050405020304" pitchFamily="18" charset="0"/>
                 <a:cs typeface="Times New Roman" panose="02020603050405020304" pitchFamily="18" charset="0"/>
@@ -13101,7 +13109,7 @@
               <a:t>   |       </a:t>
             </a:r>
             <a:r>
-              <a:rPr lang="en-CA" sz="1000" dirty="0" err="1">
+              <a:rPr lang="en-CA" sz="900" dirty="0" err="1">
                 <a:latin typeface="Courier" pitchFamily="2" charset="0"/>
                 <a:ea typeface="Times New Roman" panose="02020603050405020304" pitchFamily="18" charset="0"/>
                 <a:cs typeface="Times New Roman" panose="02020603050405020304" pitchFamily="18" charset="0"/>
@@ -13109,14 +13117,14 @@
               <a:t>DetNet</a:t>
             </a:r>
             <a:r>
-              <a:rPr lang="en-CA" sz="1000" dirty="0">
+              <a:rPr lang="en-CA" sz="900" dirty="0">
                 <a:latin typeface="Courier" pitchFamily="2" charset="0"/>
                 <a:ea typeface="Times New Roman" panose="02020603050405020304" pitchFamily="18" charset="0"/>
                 <a:cs typeface="Times New Roman" panose="02020603050405020304" pitchFamily="18" charset="0"/>
               </a:rPr>
               <a:t> Control Word       |    |</a:t>
             </a:r>
-            <a:endParaRPr lang="en-CA" sz="1000" dirty="0">
+            <a:endParaRPr lang="en-CA" sz="900" dirty="0">
               <a:latin typeface="Courier" pitchFamily="2" charset="0"/>
               <a:ea typeface="Calibri" panose="020F0502020204030204" pitchFamily="34" charset="0"/>
               <a:cs typeface="Times New Roman" panose="02020603050405020304" pitchFamily="18" charset="0"/>
@@ -13144,14 +13152,14 @@
               </a:tabLst>
             </a:pPr>
             <a:r>
-              <a:rPr lang="en-CA" sz="1000" dirty="0">
+              <a:rPr lang="en-CA" sz="900" dirty="0">
                 <a:latin typeface="Courier" pitchFamily="2" charset="0"/>
                 <a:ea typeface="Times New Roman" panose="02020603050405020304" pitchFamily="18" charset="0"/>
                 <a:cs typeface="Times New Roman" panose="02020603050405020304" pitchFamily="18" charset="0"/>
               </a:rPr>
               <a:t>   +---------------------------------+ &lt;--/</a:t>
             </a:r>
-            <a:endParaRPr lang="en-CA" sz="1000" dirty="0">
+            <a:endParaRPr lang="en-CA" sz="900" dirty="0">
               <a:latin typeface="Courier" pitchFamily="2" charset="0"/>
               <a:ea typeface="Calibri" panose="020F0502020204030204" pitchFamily="34" charset="0"/>
               <a:cs typeface="Times New Roman" panose="02020603050405020304" pitchFamily="18" charset="0"/>
@@ -13179,14 +13187,14 @@
               </a:tabLst>
             </a:pPr>
             <a:r>
-              <a:rPr lang="en-CA" sz="1000" dirty="0">
+              <a:rPr lang="en-CA" sz="900" dirty="0">
                 <a:latin typeface="Courier" pitchFamily="2" charset="0"/>
                 <a:ea typeface="Times New Roman" panose="02020603050405020304" pitchFamily="18" charset="0"/>
                 <a:cs typeface="Times New Roman" panose="02020603050405020304" pitchFamily="18" charset="0"/>
               </a:rPr>
               <a:t>   |                                 |</a:t>
             </a:r>
-            <a:endParaRPr lang="en-CA" sz="1000" dirty="0">
+            <a:endParaRPr lang="en-CA" sz="900" dirty="0">
               <a:latin typeface="Courier" pitchFamily="2" charset="0"/>
               <a:ea typeface="Calibri" panose="020F0502020204030204" pitchFamily="34" charset="0"/>
               <a:cs typeface="Times New Roman" panose="02020603050405020304" pitchFamily="18" charset="0"/>
@@ -13214,7 +13222,7 @@
               </a:tabLst>
             </a:pPr>
             <a:r>
-              <a:rPr lang="en-CA" sz="1000" dirty="0">
+              <a:rPr lang="en-CA" sz="900" dirty="0">
                 <a:latin typeface="Courier" pitchFamily="2" charset="0"/>
                 <a:ea typeface="Times New Roman" panose="02020603050405020304" pitchFamily="18" charset="0"/>
                 <a:cs typeface="Times New Roman" panose="02020603050405020304" pitchFamily="18" charset="0"/>
@@ -13222,7 +13230,7 @@
               <a:t>   |           </a:t>
             </a:r>
             <a:r>
-              <a:rPr lang="en-CA" sz="1000" dirty="0" err="1">
+              <a:rPr lang="en-CA" sz="900" dirty="0" err="1">
                 <a:latin typeface="Courier" pitchFamily="2" charset="0"/>
                 <a:ea typeface="Times New Roman" panose="02020603050405020304" pitchFamily="18" charset="0"/>
                 <a:cs typeface="Times New Roman" panose="02020603050405020304" pitchFamily="18" charset="0"/>
@@ -13230,14 +13238,14 @@
               <a:t>DetNet</a:t>
             </a:r>
             <a:r>
-              <a:rPr lang="en-CA" sz="1000" dirty="0">
+              <a:rPr lang="en-CA" sz="900" dirty="0">
                 <a:latin typeface="Courier" pitchFamily="2" charset="0"/>
                 <a:ea typeface="Times New Roman" panose="02020603050405020304" pitchFamily="18" charset="0"/>
                 <a:cs typeface="Times New Roman" panose="02020603050405020304" pitchFamily="18" charset="0"/>
               </a:rPr>
               <a:t> Flow           |</a:t>
             </a:r>
-            <a:endParaRPr lang="en-CA" sz="1000" dirty="0">
+            <a:endParaRPr lang="en-CA" sz="900" dirty="0">
               <a:latin typeface="Courier" pitchFamily="2" charset="0"/>
               <a:ea typeface="Calibri" panose="020F0502020204030204" pitchFamily="34" charset="0"/>
               <a:cs typeface="Times New Roman" panose="02020603050405020304" pitchFamily="18" charset="0"/>
@@ -13265,14 +13273,14 @@
               </a:tabLst>
             </a:pPr>
             <a:r>
-              <a:rPr lang="en-CA" sz="1000" dirty="0">
+              <a:rPr lang="en-CA" sz="900" dirty="0">
                 <a:latin typeface="Courier" pitchFamily="2" charset="0"/>
                 <a:ea typeface="Times New Roman" panose="02020603050405020304" pitchFamily="18" charset="0"/>
                 <a:cs typeface="Times New Roman" panose="02020603050405020304" pitchFamily="18" charset="0"/>
               </a:rPr>
               <a:t>   |         Payload  Packet         |</a:t>
             </a:r>
-            <a:endParaRPr lang="en-CA" sz="1000" dirty="0">
+            <a:endParaRPr lang="en-CA" sz="900" dirty="0">
               <a:latin typeface="Courier" pitchFamily="2" charset="0"/>
               <a:ea typeface="Calibri" panose="020F0502020204030204" pitchFamily="34" charset="0"/>
               <a:cs typeface="Times New Roman" panose="02020603050405020304" pitchFamily="18" charset="0"/>
@@ -13300,14 +13308,14 @@
               </a:tabLst>
             </a:pPr>
             <a:r>
-              <a:rPr lang="en-CA" sz="1000" dirty="0">
+              <a:rPr lang="en-CA" sz="900" dirty="0">
                 <a:latin typeface="Courier" pitchFamily="2" charset="0"/>
                 <a:ea typeface="Times New Roman" panose="02020603050405020304" pitchFamily="18" charset="0"/>
                 <a:cs typeface="Times New Roman" panose="02020603050405020304" pitchFamily="18" charset="0"/>
               </a:rPr>
               <a:t>   |                                 |</a:t>
             </a:r>
-            <a:endParaRPr lang="en-CA" sz="1000" dirty="0">
+            <a:endParaRPr lang="en-CA" sz="900" dirty="0">
               <a:latin typeface="Courier" pitchFamily="2" charset="0"/>
               <a:ea typeface="Calibri" panose="020F0502020204030204" pitchFamily="34" charset="0"/>
               <a:cs typeface="Times New Roman" panose="02020603050405020304" pitchFamily="18" charset="0"/>
@@ -13335,14 +13343,14 @@
               </a:tabLst>
             </a:pPr>
             <a:r>
-              <a:rPr lang="en-CA" sz="1000" dirty="0">
+              <a:rPr lang="en-CA" sz="900" dirty="0">
                 <a:latin typeface="Courier" pitchFamily="2" charset="0"/>
                 <a:ea typeface="Times New Roman" panose="02020603050405020304" pitchFamily="18" charset="0"/>
                 <a:cs typeface="Times New Roman" panose="02020603050405020304" pitchFamily="18" charset="0"/>
               </a:rPr>
               <a:t>   +---------------------------------+ </a:t>
             </a:r>
-            <a:endParaRPr lang="en-US" sz="1000" dirty="0">
+            <a:endParaRPr lang="en-US" sz="900" dirty="0">
               <a:latin typeface="Courier" pitchFamily="2" charset="0"/>
             </a:endParaRPr>
           </a:p>
@@ -13362,8 +13370,8 @@
         </p:nvSpPr>
         <p:spPr>
           <a:xfrm>
-            <a:off x="3772293" y="2647950"/>
-            <a:ext cx="5105400" cy="1938992"/>
+            <a:off x="4267200" y="2736330"/>
+            <a:ext cx="4610493" cy="1754326"/>
           </a:xfrm>
           <a:prstGeom prst="rect">
             <a:avLst/>
@@ -13402,14 +13410,14 @@
               </a:tabLst>
             </a:pPr>
             <a:r>
-              <a:rPr lang="en-CA" sz="1000" dirty="0">
+              <a:rPr lang="en-CA" sz="900" dirty="0">
                 <a:latin typeface="Courier" pitchFamily="2" charset="0"/>
                 <a:ea typeface="Times New Roman" panose="02020603050405020304" pitchFamily="18" charset="0"/>
                 <a:cs typeface="Times New Roman" panose="02020603050405020304" pitchFamily="18" charset="0"/>
               </a:rPr>
               <a:t>   +---------------------------------+ &lt;--\</a:t>
             </a:r>
-            <a:endParaRPr lang="en-CA" sz="1000" dirty="0">
+            <a:endParaRPr lang="en-CA" sz="900" dirty="0">
               <a:latin typeface="Courier" pitchFamily="2" charset="0"/>
               <a:ea typeface="Calibri" panose="020F0502020204030204" pitchFamily="34" charset="0"/>
               <a:cs typeface="Times New Roman" panose="02020603050405020304" pitchFamily="18" charset="0"/>
@@ -13437,14 +13445,14 @@
               </a:tabLst>
             </a:pPr>
             <a:r>
-              <a:rPr lang="en-CA" sz="1000" dirty="0">
+              <a:rPr lang="en-CA" sz="900" dirty="0">
                 <a:latin typeface="Courier" pitchFamily="2" charset="0"/>
                 <a:ea typeface="Times New Roman" panose="02020603050405020304" pitchFamily="18" charset="0"/>
                 <a:cs typeface="Times New Roman" panose="02020603050405020304" pitchFamily="18" charset="0"/>
               </a:rPr>
               <a:t>   |         [ F-Label(s) ]          |    |</a:t>
             </a:r>
-            <a:endParaRPr lang="en-CA" sz="1000" dirty="0">
+            <a:endParaRPr lang="en-CA" sz="900" dirty="0">
               <a:latin typeface="Courier" pitchFamily="2" charset="0"/>
               <a:ea typeface="Calibri" panose="020F0502020204030204" pitchFamily="34" charset="0"/>
               <a:cs typeface="Times New Roman" panose="02020603050405020304" pitchFamily="18" charset="0"/>
@@ -13472,7 +13480,7 @@
               </a:tabLst>
             </a:pPr>
             <a:r>
-              <a:rPr lang="en-CA" sz="1000" dirty="0">
+              <a:rPr lang="en-CA" sz="900" dirty="0">
                 <a:latin typeface="Courier" pitchFamily="2" charset="0"/>
                 <a:ea typeface="Times New Roman" panose="02020603050405020304" pitchFamily="18" charset="0"/>
                 <a:cs typeface="Times New Roman" panose="02020603050405020304" pitchFamily="18" charset="0"/>
@@ -13480,7 +13488,7 @@
               <a:t>   +---------------------------------+    +--</a:t>
             </a:r>
             <a:r>
-              <a:rPr lang="en-CA" sz="1000" dirty="0" err="1">
+              <a:rPr lang="en-CA" sz="900" dirty="0" err="1">
                 <a:latin typeface="Courier" pitchFamily="2" charset="0"/>
                 <a:ea typeface="Times New Roman" panose="02020603050405020304" pitchFamily="18" charset="0"/>
                 <a:cs typeface="Times New Roman" panose="02020603050405020304" pitchFamily="18" charset="0"/>
@@ -13488,7 +13496,7 @@
               <a:t>DetNet</a:t>
             </a:r>
             <a:r>
-              <a:rPr lang="en-CA" sz="1000" dirty="0">
+              <a:rPr lang="en-CA" sz="900" dirty="0">
                 <a:latin typeface="Courier" pitchFamily="2" charset="0"/>
                 <a:ea typeface="Times New Roman" panose="02020603050405020304" pitchFamily="18" charset="0"/>
                 <a:cs typeface="Times New Roman" panose="02020603050405020304" pitchFamily="18" charset="0"/>
@@ -13518,14 +13526,14 @@
               </a:tabLst>
             </a:pPr>
             <a:r>
-              <a:rPr lang="en-CA" sz="1000" dirty="0">
+              <a:rPr lang="en-CA" sz="900" dirty="0">
                 <a:latin typeface="Courier" pitchFamily="2" charset="0"/>
                 <a:ea typeface="Times New Roman" panose="02020603050405020304" pitchFamily="18" charset="0"/>
                 <a:cs typeface="Times New Roman" panose="02020603050405020304" pitchFamily="18" charset="0"/>
               </a:rPr>
               <a:t>   |            S-Label              |    |  MPLS encapsulation</a:t>
             </a:r>
-            <a:endParaRPr lang="en-CA" sz="1000" dirty="0">
+            <a:endParaRPr lang="en-CA" sz="900" dirty="0">
               <a:latin typeface="Courier" pitchFamily="2" charset="0"/>
               <a:ea typeface="Calibri" panose="020F0502020204030204" pitchFamily="34" charset="0"/>
               <a:cs typeface="Times New Roman" panose="02020603050405020304" pitchFamily="18" charset="0"/>
@@ -13553,14 +13561,14 @@
               </a:tabLst>
             </a:pPr>
             <a:r>
-              <a:rPr lang="en-CA" sz="1000" dirty="0">
+              <a:rPr lang="en-CA" sz="900" dirty="0">
                 <a:latin typeface="Courier" pitchFamily="2" charset="0"/>
                 <a:ea typeface="Times New Roman" panose="02020603050405020304" pitchFamily="18" charset="0"/>
                 <a:cs typeface="Times New Roman" panose="02020603050405020304" pitchFamily="18" charset="0"/>
               </a:rPr>
               <a:t>   +=================================+    |</a:t>
             </a:r>
-            <a:endParaRPr lang="en-CA" sz="1000" dirty="0">
+            <a:endParaRPr lang="en-CA" sz="900" dirty="0">
               <a:latin typeface="Courier" pitchFamily="2" charset="0"/>
               <a:ea typeface="Calibri" panose="020F0502020204030204" pitchFamily="34" charset="0"/>
               <a:cs typeface="Times New Roman" panose="02020603050405020304" pitchFamily="18" charset="0"/>
@@ -13588,7 +13596,7 @@
               </a:tabLst>
             </a:pPr>
             <a:r>
-              <a:rPr lang="en-CA" sz="1000" dirty="0">
+              <a:rPr lang="en-CA" sz="900" dirty="0">
                 <a:latin typeface="Courier" pitchFamily="2" charset="0"/>
                 <a:ea typeface="Times New Roman" panose="02020603050405020304" pitchFamily="18" charset="0"/>
                 <a:cs typeface="Times New Roman" panose="02020603050405020304" pitchFamily="18" charset="0"/>
@@ -13596,7 +13604,7 @@
               <a:t>   |       </a:t>
             </a:r>
             <a:r>
-              <a:rPr lang="en-CA" sz="1000" dirty="0" err="1">
+              <a:rPr lang="en-CA" sz="900" dirty="0" err="1">
                 <a:latin typeface="Courier" pitchFamily="2" charset="0"/>
                 <a:ea typeface="Times New Roman" panose="02020603050405020304" pitchFamily="18" charset="0"/>
                 <a:cs typeface="Times New Roman" panose="02020603050405020304" pitchFamily="18" charset="0"/>
@@ -13604,14 +13612,14 @@
               <a:t>DetNet</a:t>
             </a:r>
             <a:r>
-              <a:rPr lang="en-CA" sz="1000" dirty="0">
+              <a:rPr lang="en-CA" sz="900" dirty="0">
                 <a:latin typeface="Courier" pitchFamily="2" charset="0"/>
                 <a:ea typeface="Times New Roman" panose="02020603050405020304" pitchFamily="18" charset="0"/>
                 <a:cs typeface="Times New Roman" panose="02020603050405020304" pitchFamily="18" charset="0"/>
               </a:rPr>
               <a:t> Control Word       |    |</a:t>
             </a:r>
-            <a:endParaRPr lang="en-CA" sz="1000" dirty="0">
+            <a:endParaRPr lang="en-CA" sz="900" dirty="0">
               <a:latin typeface="Courier" pitchFamily="2" charset="0"/>
               <a:ea typeface="Calibri" panose="020F0502020204030204" pitchFamily="34" charset="0"/>
               <a:cs typeface="Times New Roman" panose="02020603050405020304" pitchFamily="18" charset="0"/>
@@ -13639,14 +13647,14 @@
               </a:tabLst>
             </a:pPr>
             <a:r>
-              <a:rPr lang="en-CA" sz="1000" dirty="0">
+              <a:rPr lang="en-CA" sz="900" dirty="0">
                 <a:latin typeface="Courier" pitchFamily="2" charset="0"/>
                 <a:ea typeface="Times New Roman" panose="02020603050405020304" pitchFamily="18" charset="0"/>
                 <a:cs typeface="Times New Roman" panose="02020603050405020304" pitchFamily="18" charset="0"/>
               </a:rPr>
               <a:t>   +---------------------------------+ &lt;--/</a:t>
             </a:r>
-            <a:endParaRPr lang="en-CA" sz="1000" dirty="0">
+            <a:endParaRPr lang="en-CA" sz="900" dirty="0">
               <a:latin typeface="Courier" pitchFamily="2" charset="0"/>
               <a:ea typeface="Calibri" panose="020F0502020204030204" pitchFamily="34" charset="0"/>
               <a:cs typeface="Times New Roman" panose="02020603050405020304" pitchFamily="18" charset="0"/>
@@ -13674,14 +13682,14 @@
               </a:tabLst>
             </a:pPr>
             <a:r>
-              <a:rPr lang="en-CA" sz="1000" dirty="0">
+              <a:rPr lang="en-CA" sz="900" dirty="0">
                 <a:latin typeface="Courier" pitchFamily="2" charset="0"/>
                 <a:ea typeface="Times New Roman" panose="02020603050405020304" pitchFamily="18" charset="0"/>
                 <a:cs typeface="Times New Roman" panose="02020603050405020304" pitchFamily="18" charset="0"/>
               </a:rPr>
               <a:t>   |                                 |</a:t>
             </a:r>
-            <a:endParaRPr lang="en-CA" sz="1000" dirty="0">
+            <a:endParaRPr lang="en-CA" sz="900" dirty="0">
               <a:latin typeface="Courier" pitchFamily="2" charset="0"/>
               <a:ea typeface="Calibri" panose="020F0502020204030204" pitchFamily="34" charset="0"/>
               <a:cs typeface="Times New Roman" panose="02020603050405020304" pitchFamily="18" charset="0"/>
@@ -13709,7 +13717,7 @@
               </a:tabLst>
             </a:pPr>
             <a:r>
-              <a:rPr lang="en-CA" sz="1000" dirty="0">
+              <a:rPr lang="en-CA" sz="900" dirty="0">
                 <a:latin typeface="Courier" pitchFamily="2" charset="0"/>
                 <a:ea typeface="Times New Roman" panose="02020603050405020304" pitchFamily="18" charset="0"/>
                 <a:cs typeface="Times New Roman" panose="02020603050405020304" pitchFamily="18" charset="0"/>
@@ -13717,7 +13725,7 @@
               <a:t>   |           </a:t>
             </a:r>
             <a:r>
-              <a:rPr lang="en-CA" sz="1000" dirty="0" err="1">
+              <a:rPr lang="en-CA" sz="900" dirty="0" err="1">
                 <a:latin typeface="Courier" pitchFamily="2" charset="0"/>
                 <a:ea typeface="Times New Roman" panose="02020603050405020304" pitchFamily="18" charset="0"/>
                 <a:cs typeface="Times New Roman" panose="02020603050405020304" pitchFamily="18" charset="0"/>
@@ -13725,14 +13733,14 @@
               <a:t>DetNet</a:t>
             </a:r>
             <a:r>
-              <a:rPr lang="en-CA" sz="1000" dirty="0">
+              <a:rPr lang="en-CA" sz="900" dirty="0">
                 <a:latin typeface="Courier" pitchFamily="2" charset="0"/>
                 <a:ea typeface="Times New Roman" panose="02020603050405020304" pitchFamily="18" charset="0"/>
                 <a:cs typeface="Times New Roman" panose="02020603050405020304" pitchFamily="18" charset="0"/>
               </a:rPr>
               <a:t> Flow           |</a:t>
             </a:r>
-            <a:endParaRPr lang="en-CA" sz="1000" dirty="0">
+            <a:endParaRPr lang="en-CA" sz="900" dirty="0">
               <a:latin typeface="Courier" pitchFamily="2" charset="0"/>
               <a:ea typeface="Calibri" panose="020F0502020204030204" pitchFamily="34" charset="0"/>
               <a:cs typeface="Times New Roman" panose="02020603050405020304" pitchFamily="18" charset="0"/>
@@ -13760,14 +13768,14 @@
               </a:tabLst>
             </a:pPr>
             <a:r>
-              <a:rPr lang="en-CA" sz="1000" dirty="0">
+              <a:rPr lang="en-CA" sz="900" dirty="0">
                 <a:latin typeface="Courier" pitchFamily="2" charset="0"/>
                 <a:ea typeface="Times New Roman" panose="02020603050405020304" pitchFamily="18" charset="0"/>
                 <a:cs typeface="Times New Roman" panose="02020603050405020304" pitchFamily="18" charset="0"/>
               </a:rPr>
               <a:t>   |         Payload  Packet         |</a:t>
             </a:r>
-            <a:endParaRPr lang="en-CA" sz="1000" dirty="0">
+            <a:endParaRPr lang="en-CA" sz="900" dirty="0">
               <a:latin typeface="Courier" pitchFamily="2" charset="0"/>
               <a:ea typeface="Calibri" panose="020F0502020204030204" pitchFamily="34" charset="0"/>
               <a:cs typeface="Times New Roman" panose="02020603050405020304" pitchFamily="18" charset="0"/>
@@ -13795,14 +13803,14 @@
               </a:tabLst>
             </a:pPr>
             <a:r>
-              <a:rPr lang="en-CA" sz="1000" dirty="0">
+              <a:rPr lang="en-CA" sz="900" dirty="0">
                 <a:latin typeface="Courier" pitchFamily="2" charset="0"/>
                 <a:ea typeface="Times New Roman" panose="02020603050405020304" pitchFamily="18" charset="0"/>
                 <a:cs typeface="Times New Roman" panose="02020603050405020304" pitchFamily="18" charset="0"/>
               </a:rPr>
               <a:t>   |                                 |</a:t>
             </a:r>
-            <a:endParaRPr lang="en-CA" sz="1000" dirty="0">
+            <a:endParaRPr lang="en-CA" sz="900" dirty="0">
               <a:latin typeface="Courier" pitchFamily="2" charset="0"/>
               <a:ea typeface="Calibri" panose="020F0502020204030204" pitchFamily="34" charset="0"/>
               <a:cs typeface="Times New Roman" panose="02020603050405020304" pitchFamily="18" charset="0"/>
@@ -13830,14 +13838,14 @@
               </a:tabLst>
             </a:pPr>
             <a:r>
-              <a:rPr lang="en-CA" sz="1000" dirty="0">
+              <a:rPr lang="en-CA" sz="900" dirty="0">
                 <a:latin typeface="Courier" pitchFamily="2" charset="0"/>
                 <a:ea typeface="Times New Roman" panose="02020603050405020304" pitchFamily="18" charset="0"/>
                 <a:cs typeface="Times New Roman" panose="02020603050405020304" pitchFamily="18" charset="0"/>
               </a:rPr>
               <a:t>   +---------------------------------+ </a:t>
             </a:r>
-            <a:endParaRPr lang="en-US" sz="1000" dirty="0">
+            <a:endParaRPr lang="en-US" sz="900" dirty="0">
               <a:latin typeface="Courier" pitchFamily="2" charset="0"/>
             </a:endParaRPr>
           </a:p>
@@ -13905,7 +13913,7 @@
         </p:nvSpPr>
         <p:spPr>
           <a:xfrm>
-            <a:off x="4726364" y="1072694"/>
+            <a:off x="4755273" y="1083816"/>
             <a:ext cx="4152900" cy="707886"/>
           </a:xfrm>
           <a:prstGeom prst="rect">
@@ -15904,7 +15912,7 @@
         </p:nvSpPr>
         <p:spPr>
           <a:xfrm>
-            <a:off x="1676400" y="759790"/>
+            <a:off x="1600200" y="1031216"/>
             <a:ext cx="5791200" cy="3323987"/>
           </a:xfrm>
           <a:prstGeom prst="rect">
@@ -17099,8 +17107,8 @@
         </p:nvSpPr>
         <p:spPr>
           <a:xfrm>
-            <a:off x="2019300" y="1018555"/>
-            <a:ext cx="5105400" cy="3277820"/>
+            <a:off x="1695450" y="841584"/>
+            <a:ext cx="5753100" cy="3631763"/>
           </a:xfrm>
           <a:prstGeom prst="rect">
             <a:avLst/>
@@ -17119,7 +17127,7 @@
           <a:lstStyle/>
           <a:p>
             <a:r>
-              <a:rPr lang="en-CA" sz="900" dirty="0">
+              <a:rPr lang="en-CA" sz="1000" dirty="0">
                 <a:latin typeface="Courier" pitchFamily="2" charset="0"/>
               </a:rPr>
               <a:t>   0                   1                   2                   3</a:t>
@@ -17127,7 +17135,7 @@
           </a:p>
           <a:p>
             <a:r>
-              <a:rPr lang="en-CA" sz="900" dirty="0">
+              <a:rPr lang="en-CA" sz="1000" dirty="0">
                 <a:latin typeface="Courier" pitchFamily="2" charset="0"/>
               </a:rPr>
               <a:t>   0 1 2 3 4 5 6 7 8 9 0 1 2 3 4 5 6 7 8 9 0 1 2 3 4 5 6 7 8 9 0 1</a:t>
@@ -17135,7 +17143,7 @@
           </a:p>
           <a:p>
             <a:r>
-              <a:rPr lang="en-CA" sz="900" dirty="0">
+              <a:rPr lang="en-CA" sz="1000" dirty="0">
                 <a:latin typeface="Courier" pitchFamily="2" charset="0"/>
               </a:rPr>
               <a:t>   +-+-+-+-+-+-+-+-+-+-+-+-+-+-+-+-+-+-+-+-+-+-+-+-+-+-+-+-+-+-+-+-+</a:t>
@@ -17143,19 +17151,19 @@
           </a:p>
           <a:p>
             <a:r>
-              <a:rPr lang="en-CA" sz="900" dirty="0">
+              <a:rPr lang="en-CA" sz="1000" dirty="0">
                 <a:latin typeface="Courier" pitchFamily="2" charset="0"/>
               </a:rPr>
               <a:t>   |  </a:t>
             </a:r>
             <a:r>
-              <a:rPr lang="en-CA" sz="900" b="1" dirty="0">
+              <a:rPr lang="en-CA" sz="1000" b="1" dirty="0">
                 <a:latin typeface="Courier" pitchFamily="2" charset="0"/>
               </a:rPr>
               <a:t>E2E IOAM Indicator Label             </a:t>
             </a:r>
             <a:r>
-              <a:rPr lang="en-CA" sz="900" dirty="0">
+              <a:rPr lang="en-CA" sz="1000" dirty="0">
                 <a:latin typeface="Courier" pitchFamily="2" charset="0"/>
               </a:rPr>
               <a:t>| TC  |1|  TTL          |</a:t>
@@ -17163,7 +17171,7 @@
           </a:p>
           <a:p>
             <a:r>
-              <a:rPr lang="en-CA" sz="900" dirty="0">
+              <a:rPr lang="en-CA" sz="1000" dirty="0">
                 <a:latin typeface="Courier" pitchFamily="2" charset="0"/>
               </a:rPr>
               <a:t>   +-+-+-+-+-+-+-+-+-+-+-+-+-+-+-+-+-+-+-+-+-+-+-+-+-+-+-+-+-+-+-+-+&lt;-+ </a:t>
@@ -17171,19 +17179,19 @@
           </a:p>
           <a:p>
             <a:r>
-              <a:rPr lang="en-CA" sz="900" dirty="0">
+              <a:rPr lang="en-CA" sz="1000" dirty="0">
                 <a:latin typeface="Courier" pitchFamily="2" charset="0"/>
               </a:rPr>
               <a:t>   |0 0 0 1|Version| Reserved      | IOAM G-</a:t>
             </a:r>
             <a:r>
-              <a:rPr lang="en-CA" sz="900" dirty="0" err="1">
+              <a:rPr lang="en-CA" sz="1000" dirty="0" err="1">
                 <a:latin typeface="Courier" pitchFamily="2" charset="0"/>
               </a:rPr>
               <a:t>ACh</a:t>
             </a:r>
             <a:r>
-              <a:rPr lang="en-CA" sz="900" dirty="0">
+              <a:rPr lang="en-CA" sz="1000" dirty="0">
                 <a:latin typeface="Courier" pitchFamily="2" charset="0"/>
               </a:rPr>
               <a:t>                    |  | </a:t>
@@ -17191,7 +17199,7 @@
           </a:p>
           <a:p>
             <a:r>
-              <a:rPr lang="en-CA" sz="900" dirty="0">
+              <a:rPr lang="en-CA" sz="1000" dirty="0">
                 <a:latin typeface="Courier" pitchFamily="2" charset="0"/>
               </a:rPr>
               <a:t>   +-+-+-+-+-+-+-+-+-+-+-+-+-+-+-+-+-+-+-+-+-+-+-+-+-+-+-+-+-+-+-+-+  | </a:t>
@@ -17199,7 +17207,7 @@
           </a:p>
           <a:p>
             <a:r>
-              <a:rPr lang="en-CA" sz="900" dirty="0">
+              <a:rPr lang="en-CA" sz="1000" dirty="0">
                 <a:latin typeface="Courier" pitchFamily="2" charset="0"/>
               </a:rPr>
               <a:t>   | Reserved      | Block Number  | IOAM-OPT-Type |IOAM HDR Length|  |</a:t>
@@ -17207,7 +17215,7 @@
           </a:p>
           <a:p>
             <a:r>
-              <a:rPr lang="en-CA" sz="900" dirty="0">
+              <a:rPr lang="en-CA" sz="1000" dirty="0">
                 <a:latin typeface="Courier" pitchFamily="2" charset="0"/>
               </a:rPr>
               <a:t>   +-+-+-+-+-+-+-+-+-+-+-+-+-+-+-+-+-+-+-+-+-+-+-+-+-+-+-+-+-+-+-+-+  I</a:t>
@@ -17215,7 +17223,7 @@
           </a:p>
           <a:p>
             <a:r>
-              <a:rPr lang="en-CA" sz="900" dirty="0">
+              <a:rPr lang="en-CA" sz="1000" dirty="0">
                 <a:latin typeface="Courier" pitchFamily="2" charset="0"/>
               </a:rPr>
               <a:t>   |                                                               |  O</a:t>
@@ -17223,7 +17231,7 @@
           </a:p>
           <a:p>
             <a:r>
-              <a:rPr lang="en-CA" sz="900" dirty="0">
+              <a:rPr lang="en-CA" sz="1000" dirty="0">
                 <a:latin typeface="Courier" pitchFamily="2" charset="0"/>
               </a:rPr>
               <a:t>   |                                                               |  A</a:t>
@@ -17231,7 +17239,7 @@
           </a:p>
           <a:p>
             <a:r>
-              <a:rPr lang="en-CA" sz="900" dirty="0">
+              <a:rPr lang="en-CA" sz="1000" dirty="0">
                 <a:latin typeface="Courier" pitchFamily="2" charset="0"/>
               </a:rPr>
               <a:t>   ~                 IOAM Option and Data Space                    ~  M</a:t>
@@ -17239,7 +17247,7 @@
           </a:p>
           <a:p>
             <a:r>
-              <a:rPr lang="en-CA" sz="900" dirty="0">
+              <a:rPr lang="en-CA" sz="1000" dirty="0">
                 <a:latin typeface="Courier" pitchFamily="2" charset="0"/>
               </a:rPr>
               <a:t>   |                                                               |  |</a:t>
@@ -17247,7 +17255,7 @@
           </a:p>
           <a:p>
             <a:r>
-              <a:rPr lang="en-CA" sz="900" dirty="0">
+              <a:rPr lang="en-CA" sz="1000" dirty="0">
                 <a:latin typeface="Courier" pitchFamily="2" charset="0"/>
               </a:rPr>
               <a:t>   |                                                               |  |</a:t>
@@ -17255,7 +17263,7 @@
           </a:p>
           <a:p>
             <a:r>
-              <a:rPr lang="en-CA" sz="900" dirty="0">
+              <a:rPr lang="en-CA" sz="1000" dirty="0">
                 <a:latin typeface="Courier" pitchFamily="2" charset="0"/>
               </a:rPr>
               <a:t>   +-+-+-+-+-+-+-+-+-+-+-+-+-+-+-+-+-+-+-+-+-+-+-+-+-+-+-+-+-+-+-+-+&lt;-+</a:t>
@@ -17263,7 +17271,7 @@
           </a:p>
           <a:p>
             <a:r>
-              <a:rPr lang="en-CA" sz="900" dirty="0">
+              <a:rPr lang="en-CA" sz="1000" dirty="0">
                 <a:latin typeface="Courier" pitchFamily="2" charset="0"/>
               </a:rPr>
               <a:t>   |                                                               |</a:t>
@@ -17271,7 +17279,7 @@
           </a:p>
           <a:p>
             <a:r>
-              <a:rPr lang="en-CA" sz="900" dirty="0">
+              <a:rPr lang="en-CA" sz="1000" dirty="0">
                 <a:latin typeface="Courier" pitchFamily="2" charset="0"/>
               </a:rPr>
               <a:t>   |                                                               |</a:t>
@@ -17279,7 +17287,7 @@
           </a:p>
           <a:p>
             <a:r>
-              <a:rPr lang="en-CA" sz="900" dirty="0">
+              <a:rPr lang="en-CA" sz="1000" dirty="0">
                 <a:latin typeface="Courier" pitchFamily="2" charset="0"/>
               </a:rPr>
               <a:t>   ~                 Payload + Padding                             ~</a:t>
@@ -17287,7 +17295,7 @@
           </a:p>
           <a:p>
             <a:r>
-              <a:rPr lang="en-CA" sz="900" dirty="0">
+              <a:rPr lang="en-CA" sz="1000" dirty="0">
                 <a:latin typeface="Courier" pitchFamily="2" charset="0"/>
               </a:rPr>
               <a:t>   |                                                               |</a:t>
@@ -17295,7 +17303,7 @@
           </a:p>
           <a:p>
             <a:r>
-              <a:rPr lang="en-CA" sz="900" dirty="0">
+              <a:rPr lang="en-CA" sz="1000" dirty="0">
                 <a:latin typeface="Courier" pitchFamily="2" charset="0"/>
               </a:rPr>
               <a:t>   |                                                               |</a:t>
@@ -17303,7 +17311,7 @@
           </a:p>
           <a:p>
             <a:r>
-              <a:rPr lang="en-CA" sz="900" dirty="0">
+              <a:rPr lang="en-CA" sz="1000" dirty="0">
                 <a:latin typeface="Courier" pitchFamily="2" charset="0"/>
               </a:rPr>
               <a:t>   +-+-+-+-+-+-+-+-+-+-+-+-+-+-+-+-+-+-+-+-+-+-+-+-+-+-+-+-+-+-+-+-+</a:t>
@@ -17311,7 +17319,7 @@
           </a:p>
           <a:p>
             <a:r>
-              <a:rPr lang="en-CA" sz="900" dirty="0">
+              <a:rPr lang="en-CA" sz="1000" dirty="0">
                 <a:latin typeface="Courier" pitchFamily="2" charset="0"/>
               </a:rPr>
               <a:t> </a:t>
@@ -17319,12 +17327,12 @@
           </a:p>
           <a:p>
             <a:r>
-              <a:rPr lang="en-CA" sz="900" dirty="0">
+              <a:rPr lang="en-CA" sz="1000" dirty="0">
                 <a:latin typeface="Courier" pitchFamily="2" charset="0"/>
               </a:rPr>
               <a:t>              Figure: E2E IOAM Header with MPLS Encapsulation</a:t>
             </a:r>
-            <a:endParaRPr lang="en-CA" sz="900" dirty="0">
+            <a:endParaRPr lang="en-CA" sz="1000" dirty="0">
               <a:latin typeface="Courier" pitchFamily="2" charset="0"/>
               <a:ea typeface="Calibri" panose="020F0502020204030204" pitchFamily="34" charset="0"/>
               <a:cs typeface="Times New Roman" panose="02020603050405020304" pitchFamily="18" charset="0"/>

--- a/draft-gandhi-mpls-ioam-sr-05.pptx
+++ b/draft-gandhi-mpls-ioam-sr-05.pptx
@@ -37,9 +37,9 @@
     <p:sldId id="1687" r:id="rId25"/>
     <p:sldId id="1690" r:id="rId26"/>
     <p:sldId id="1692" r:id="rId27"/>
-    <p:sldId id="1693" r:id="rId28"/>
-    <p:sldId id="1686" r:id="rId29"/>
-    <p:sldId id="1691" r:id="rId30"/>
+    <p:sldId id="1695" r:id="rId28"/>
+    <p:sldId id="1693" r:id="rId29"/>
+    <p:sldId id="1686" r:id="rId30"/>
     <p:sldId id="1669" r:id="rId31"/>
   </p:sldIdLst>
   <p:sldSz cx="9144000" cy="5143500" type="screen16x9"/>
@@ -11343,7 +11343,7 @@
                 <a:latin typeface="Calibri" panose="020F0502020204030204" pitchFamily="34" charset="0"/>
                 <a:cs typeface="Calibri" panose="020F0502020204030204" pitchFamily="34" charset="0"/>
               </a:rPr>
-              <a:t>The transit nodes process the IOAM data field(s) after the EOS.</a:t>
+              <a:t>The transit nodes process the IOAM data field(s) after the EOS in data packets.</a:t>
             </a:r>
           </a:p>
           <a:p>
@@ -12441,8 +12441,8 @@
         </p:nvSpPr>
         <p:spPr>
           <a:xfrm>
-            <a:off x="168504" y="4386202"/>
-            <a:ext cx="1736496" cy="430887"/>
+            <a:off x="129909" y="4253032"/>
+            <a:ext cx="1736496" cy="600164"/>
           </a:xfrm>
           <a:prstGeom prst="rect">
             <a:avLst/>
@@ -12454,6 +12454,10 @@
           </a:bodyPr>
           <a:lstStyle/>
           <a:p>
+            <a:pPr marL="171450" indent="-171450">
+              <a:buFont typeface="Arial" panose="020B0604020202020204" pitchFamily="34" charset="0"/>
+              <a:buChar char="•"/>
+            </a:pPr>
             <a:r>
               <a:rPr lang="en-CA" sz="1100" u="sng" dirty="0">
                 <a:solidFill>
@@ -13878,6 +13882,10 @@
           </a:bodyPr>
           <a:lstStyle/>
           <a:p>
+            <a:pPr marL="171450" indent="-171450">
+              <a:buFont typeface="Arial" panose="020B0604020202020204" pitchFamily="34" charset="0"/>
+              <a:buChar char="•"/>
+            </a:pPr>
             <a:r>
               <a:rPr lang="en-CA" sz="1100" u="sng" dirty="0">
                 <a:solidFill>
@@ -14021,8 +14029,8 @@
         </p:nvSpPr>
         <p:spPr>
           <a:xfrm>
-            <a:off x="304800" y="0"/>
-            <a:ext cx="8534400" cy="857250"/>
+            <a:off x="285008" y="17653"/>
+            <a:ext cx="8839200" cy="717589"/>
           </a:xfrm>
         </p:spPr>
         <p:txBody>
@@ -14030,124 +14038,15 @@
           <a:lstStyle/>
           <a:p>
             <a:r>
-              <a:rPr lang="en-US" sz="3200" dirty="0">
+              <a:rPr lang="en-US" sz="3000" dirty="0">
                 <a:solidFill>
                   <a:srgbClr val="0070C0"/>
                 </a:solidFill>
                 <a:latin typeface="Calibri Light" panose="020F0302020204030204" pitchFamily="34" charset="0"/>
                 <a:cs typeface="Calibri Light" panose="020F0302020204030204" pitchFamily="34" charset="0"/>
               </a:rPr>
-              <a:t>IOAM Header and Another ACH</a:t>
-            </a:r>
-          </a:p>
-        </p:txBody>
-      </p:sp>
-      <p:sp>
-        <p:nvSpPr>
-          <p:cNvPr id="3" name="Content Placeholder 2">
-            <a:extLst>
-              <a:ext uri="{FF2B5EF4-FFF2-40B4-BE49-F238E27FC236}">
-                <a16:creationId xmlns:a16="http://schemas.microsoft.com/office/drawing/2014/main" id="{3943595A-2AF7-A141-B580-268FFA30C69C}"/>
-              </a:ext>
-            </a:extLst>
-          </p:cNvPr>
-          <p:cNvSpPr>
-            <a:spLocks noGrp="1"/>
-          </p:cNvSpPr>
-          <p:nvPr>
-            <p:ph idx="1"/>
-          </p:nvPr>
-        </p:nvSpPr>
-        <p:spPr>
-          <a:xfrm>
-            <a:off x="533400" y="857250"/>
-            <a:ext cx="8001000" cy="3619499"/>
-          </a:xfrm>
-        </p:spPr>
-        <p:txBody>
-          <a:bodyPr/>
-          <a:lstStyle/>
-          <a:p>
-            <a:pPr>
-              <a:lnSpc>
-                <a:spcPts val="2280"/>
-              </a:lnSpc>
-              <a:spcBef>
-                <a:spcPts val="600"/>
-              </a:spcBef>
-            </a:pPr>
-            <a:r>
-              <a:rPr lang="en-CA" sz="2000" dirty="0">
-                <a:latin typeface="Calibri" panose="020F0502020204030204" pitchFamily="34" charset="0"/>
-                <a:cs typeface="Calibri" panose="020F0502020204030204" pitchFamily="34" charset="0"/>
-              </a:rPr>
-              <a:t>IOAM header is considered part of the MPLS Encapsulation, any other ACH is added after the IOAM Header with the packet.</a:t>
-            </a:r>
-          </a:p>
-          <a:p>
-            <a:pPr>
-              <a:lnSpc>
-                <a:spcPts val="2280"/>
-              </a:lnSpc>
-              <a:spcBef>
-                <a:spcPts val="600"/>
-              </a:spcBef>
-            </a:pPr>
-            <a:r>
-              <a:rPr lang="en-CA" sz="2000" dirty="0">
-                <a:latin typeface="Calibri" panose="020F0502020204030204" pitchFamily="34" charset="0"/>
-                <a:cs typeface="Calibri" panose="020F0502020204030204" pitchFamily="34" charset="0"/>
-              </a:rPr>
-              <a:t>The transit nodes process the IOAM data field(s) after the EOS.</a:t>
-            </a:r>
-          </a:p>
-          <a:p>
-            <a:pPr>
-              <a:lnSpc>
-                <a:spcPts val="2280"/>
-              </a:lnSpc>
-              <a:spcBef>
-                <a:spcPts val="600"/>
-              </a:spcBef>
-            </a:pPr>
-            <a:r>
-              <a:rPr lang="en-CA" sz="2000" dirty="0">
-                <a:latin typeface="Calibri" panose="020F0502020204030204" pitchFamily="34" charset="0"/>
-                <a:cs typeface="Calibri" panose="020F0502020204030204" pitchFamily="34" charset="0"/>
-              </a:rPr>
-              <a:t>The decapsulating node removes the MPLS Encapsulation including the IOAM header and then processes the next ACH following it.</a:t>
-            </a:r>
-          </a:p>
-          <a:p>
-            <a:pPr>
-              <a:lnSpc>
-                <a:spcPts val="2280"/>
-              </a:lnSpc>
-              <a:spcBef>
-                <a:spcPts val="600"/>
-              </a:spcBef>
-            </a:pPr>
-            <a:r>
-              <a:rPr lang="en-CA" sz="2000" dirty="0">
-                <a:latin typeface="Calibri" panose="020F0502020204030204" pitchFamily="34" charset="0"/>
-                <a:cs typeface="Calibri" panose="020F0502020204030204" pitchFamily="34" charset="0"/>
-              </a:rPr>
-              <a:t>IOAM HDR Length allows to find the next ACH after the IOAM header.</a:t>
-            </a:r>
-          </a:p>
-          <a:p>
-            <a:pPr>
-              <a:lnSpc>
-                <a:spcPts val="2280"/>
-              </a:lnSpc>
-              <a:spcBef>
-                <a:spcPts val="600"/>
-              </a:spcBef>
-            </a:pPr>
-            <a:endParaRPr lang="en-CA" sz="2000" dirty="0">
-              <a:latin typeface="Calibri" panose="020F0502020204030204" pitchFamily="34" charset="0"/>
-              <a:cs typeface="Calibri" panose="020F0502020204030204" pitchFamily="34" charset="0"/>
-            </a:endParaRPr>
+              <a:t>Example IOAM Header with Generic Delivery Functions</a:t>
+            </a:r>
           </a:p>
         </p:txBody>
       </p:sp>
@@ -14230,10 +14129,437 @@
           </a:p>
         </p:txBody>
       </p:sp>
+      <p:sp>
+        <p:nvSpPr>
+          <p:cNvPr id="6" name="Rectangle 5">
+            <a:extLst>
+              <a:ext uri="{FF2B5EF4-FFF2-40B4-BE49-F238E27FC236}">
+                <a16:creationId xmlns:a16="http://schemas.microsoft.com/office/drawing/2014/main" id="{E614F343-6DC2-A943-8496-BE1E2B6072CE}"/>
+              </a:ext>
+            </a:extLst>
+          </p:cNvPr>
+          <p:cNvSpPr/>
+          <p:nvPr/>
+        </p:nvSpPr>
+        <p:spPr>
+          <a:xfrm>
+            <a:off x="2514600" y="689889"/>
+            <a:ext cx="5486400" cy="4385816"/>
+          </a:xfrm>
+          <a:prstGeom prst="rect">
+            <a:avLst/>
+          </a:prstGeom>
+          <a:solidFill>
+            <a:schemeClr val="accent6">
+              <a:lumMod val="20000"/>
+              <a:lumOff val="80000"/>
+            </a:schemeClr>
+          </a:solidFill>
+        </p:spPr>
+        <p:txBody>
+          <a:bodyPr wrap="square">
+            <a:spAutoFit/>
+          </a:bodyPr>
+          <a:lstStyle/>
+          <a:p>
+            <a:r>
+              <a:rPr lang="en-CA" sz="900" dirty="0">
+                <a:latin typeface="Courier" pitchFamily="2" charset="0"/>
+              </a:rPr>
+              <a:t>   0                   1                   2                   3</a:t>
+            </a:r>
+          </a:p>
+          <a:p>
+            <a:r>
+              <a:rPr lang="en-CA" sz="900" dirty="0">
+                <a:latin typeface="Courier" pitchFamily="2" charset="0"/>
+              </a:rPr>
+              <a:t>   0 1 2 3 4 5 6 7 8 9 0 1 2 3 4 5 6 7 8 9 0 1 2 3 4 5 6 7 8 9 0 1</a:t>
+            </a:r>
+          </a:p>
+          <a:p>
+            <a:r>
+              <a:rPr lang="en-CA" sz="900" dirty="0">
+                <a:latin typeface="Courier" pitchFamily="2" charset="0"/>
+              </a:rPr>
+              <a:t>   +-+-+-+-+-+-+-+-+-+-+-+-+-+-+-+-+-+-+-+-+-+-+-+-+-+-+-+-+-+-+-+-+</a:t>
+            </a:r>
+          </a:p>
+          <a:p>
+            <a:r>
+              <a:rPr lang="en-CA" sz="900" dirty="0">
+                <a:latin typeface="Courier" pitchFamily="2" charset="0"/>
+              </a:rPr>
+              <a:t>   | [F-Label(s)]                          | TC  |S|  TTL          |</a:t>
+            </a:r>
+          </a:p>
+          <a:p>
+            <a:r>
+              <a:rPr lang="en-CA" sz="900" dirty="0">
+                <a:latin typeface="Courier" pitchFamily="2" charset="0"/>
+              </a:rPr>
+              <a:t>   +-+-+-+-+-+-+-+-+-+-+-+-+-+-+-+-+-+-+-+-+-+-+-+-+-+-+-+-+-+-+-+-+</a:t>
+            </a:r>
+          </a:p>
+          <a:p>
+            <a:r>
+              <a:rPr lang="en-CA" sz="900" dirty="0">
+                <a:latin typeface="Courier" pitchFamily="2" charset="0"/>
+              </a:rPr>
+              <a:t>   | S-Label                               | TC  |S|  TTL          |</a:t>
+            </a:r>
+          </a:p>
+          <a:p>
+            <a:r>
+              <a:rPr lang="en-CA" sz="900" dirty="0">
+                <a:latin typeface="Courier" pitchFamily="2" charset="0"/>
+              </a:rPr>
+              <a:t>   +-+-+-+-+-+-+-+-+-+-+-+-+-+-+-+-+-+-+-+-+-+-+-+-+-+-+-+-+-+-+-+-+</a:t>
+            </a:r>
+          </a:p>
+          <a:p>
+            <a:r>
+              <a:rPr lang="en-CA" sz="900" dirty="0">
+                <a:latin typeface="Courier" pitchFamily="2" charset="0"/>
+              </a:rPr>
+              <a:t>   | IOAM Indicator Label                  | TC  |1|  TTL          |</a:t>
+            </a:r>
+          </a:p>
+          <a:p>
+            <a:r>
+              <a:rPr lang="en-CA" sz="900" dirty="0">
+                <a:latin typeface="Courier" pitchFamily="2" charset="0"/>
+              </a:rPr>
+              <a:t>   +-+-+-+-+-+-+-+-+-+-+-+-+-+-+-+-+-+-+-+-+-+-+-+-+-+-+-+-+-+-+-+-+&lt;-+</a:t>
+            </a:r>
+          </a:p>
+          <a:p>
+            <a:r>
+              <a:rPr lang="en-CA" sz="900" dirty="0">
+                <a:latin typeface="Courier" pitchFamily="2" charset="0"/>
+              </a:rPr>
+              <a:t>   |0 0 0 1|Version| Reserved      | IOAM G-</a:t>
+            </a:r>
+            <a:r>
+              <a:rPr lang="en-CA" sz="900" dirty="0" err="1">
+                <a:latin typeface="Courier" pitchFamily="2" charset="0"/>
+              </a:rPr>
+              <a:t>ACh</a:t>
+            </a:r>
+            <a:r>
+              <a:rPr lang="en-CA" sz="900" dirty="0">
+                <a:latin typeface="Courier" pitchFamily="2" charset="0"/>
+              </a:rPr>
+              <a:t>                    |  |</a:t>
+            </a:r>
+          </a:p>
+          <a:p>
+            <a:r>
+              <a:rPr lang="en-CA" sz="900" dirty="0">
+                <a:latin typeface="Courier" pitchFamily="2" charset="0"/>
+              </a:rPr>
+              <a:t>   +-+-+-+-+-+-+-+-+-+-+-+-+-+-+-+-+-+-+-+-+-+-+-+-+-+-+-+-+-+-+-+-+  |</a:t>
+            </a:r>
+          </a:p>
+          <a:p>
+            <a:r>
+              <a:rPr lang="en-CA" sz="900" dirty="0">
+                <a:latin typeface="Courier" pitchFamily="2" charset="0"/>
+              </a:rPr>
+              <a:t>   | Reserved      | Block Number  | IOAM-OPT-Type |</a:t>
+            </a:r>
+            <a:r>
+              <a:rPr lang="en-CA" sz="900" dirty="0">
+                <a:solidFill>
+                  <a:srgbClr val="C00000"/>
+                </a:solidFill>
+                <a:latin typeface="Courier" pitchFamily="2" charset="0"/>
+              </a:rPr>
+              <a:t>IOAM HDR Length</a:t>
+            </a:r>
+            <a:r>
+              <a:rPr lang="en-CA" sz="900" dirty="0">
+                <a:latin typeface="Courier" pitchFamily="2" charset="0"/>
+              </a:rPr>
+              <a:t>|  |</a:t>
+            </a:r>
+          </a:p>
+          <a:p>
+            <a:r>
+              <a:rPr lang="en-CA" sz="900" dirty="0">
+                <a:latin typeface="Courier" pitchFamily="2" charset="0"/>
+              </a:rPr>
+              <a:t>   +-+-+-+-+-+-+-+-+-+-+-+-+-+-+-+-+-+-+-+-+-+-+-+-+-+-+-+-+-+-+-+-+  I</a:t>
+            </a:r>
+          </a:p>
+          <a:p>
+            <a:r>
+              <a:rPr lang="en-CA" sz="900" dirty="0">
+                <a:latin typeface="Courier" pitchFamily="2" charset="0"/>
+              </a:rPr>
+              <a:t>   |                                                               |  O</a:t>
+            </a:r>
+          </a:p>
+          <a:p>
+            <a:r>
+              <a:rPr lang="en-CA" sz="900" dirty="0">
+                <a:latin typeface="Courier" pitchFamily="2" charset="0"/>
+              </a:rPr>
+              <a:t>   |                                                               |  A</a:t>
+            </a:r>
+          </a:p>
+          <a:p>
+            <a:r>
+              <a:rPr lang="en-CA" sz="900" dirty="0">
+                <a:latin typeface="Courier" pitchFamily="2" charset="0"/>
+              </a:rPr>
+              <a:t>   ~                 IOAM Option and Data Space                    ~  M</a:t>
+            </a:r>
+          </a:p>
+          <a:p>
+            <a:r>
+              <a:rPr lang="en-CA" sz="900" dirty="0">
+                <a:latin typeface="Courier" pitchFamily="2" charset="0"/>
+              </a:rPr>
+              <a:t>   |                                                               |  |</a:t>
+            </a:r>
+          </a:p>
+          <a:p>
+            <a:r>
+              <a:rPr lang="en-CA" sz="900" dirty="0">
+                <a:latin typeface="Courier" pitchFamily="2" charset="0"/>
+              </a:rPr>
+              <a:t>   |                                                               |  |</a:t>
+            </a:r>
+          </a:p>
+          <a:p>
+            <a:r>
+              <a:rPr lang="en-CA" sz="900" dirty="0">
+                <a:latin typeface="Courier" pitchFamily="2" charset="0"/>
+              </a:rPr>
+              <a:t>   +-+-+-+-+-+-+-+-+-+-+-+-+-+-+-+-+-+-+-+-+-+-+-+-+-+-+-+-+-+-+-+-+&lt;-+</a:t>
+            </a:r>
+          </a:p>
+          <a:p>
+            <a:r>
+              <a:rPr lang="en-CA" sz="900" dirty="0">
+                <a:solidFill>
+                  <a:srgbClr val="C00000"/>
+                </a:solidFill>
+                <a:latin typeface="Courier" pitchFamily="2" charset="0"/>
+              </a:rPr>
+              <a:t>   |0 0 0 0| </a:t>
+            </a:r>
+            <a:r>
+              <a:rPr lang="en-CA" sz="900" dirty="0" err="1">
+                <a:solidFill>
+                  <a:srgbClr val="C00000"/>
+                </a:solidFill>
+                <a:latin typeface="Courier" pitchFamily="2" charset="0"/>
+              </a:rPr>
+              <a:t>Rsved</a:t>
+            </a:r>
+            <a:r>
+              <a:rPr lang="en-CA" sz="900" dirty="0">
+                <a:solidFill>
+                  <a:srgbClr val="C00000"/>
+                </a:solidFill>
+                <a:latin typeface="Courier" pitchFamily="2" charset="0"/>
+              </a:rPr>
+              <a:t> | This Header   | Header Length | Next Header   |</a:t>
+            </a:r>
+          </a:p>
+          <a:p>
+            <a:r>
+              <a:rPr lang="en-CA" sz="900" dirty="0">
+                <a:solidFill>
+                  <a:srgbClr val="C00000"/>
+                </a:solidFill>
+                <a:latin typeface="Courier" pitchFamily="2" charset="0"/>
+              </a:rPr>
+              <a:t>   +-+-+-+-+-+-+-+-+-+-+-+-+-+-+-+-+-+-+-+-+-+-+-+-+-+-+-+-+-+-+-+-+</a:t>
+            </a:r>
+          </a:p>
+          <a:p>
+            <a:r>
+              <a:rPr lang="en-CA" sz="900" dirty="0">
+                <a:solidFill>
+                  <a:srgbClr val="C00000"/>
+                </a:solidFill>
+                <a:latin typeface="Courier" pitchFamily="2" charset="0"/>
+              </a:rPr>
+              <a:t>   ~              Variable field per “This header”                 ~</a:t>
+            </a:r>
+          </a:p>
+          <a:p>
+            <a:r>
+              <a:rPr lang="en-CA" sz="900" dirty="0">
+                <a:latin typeface="Courier" pitchFamily="2" charset="0"/>
+              </a:rPr>
+              <a:t>  </a:t>
+            </a:r>
+            <a:r>
+              <a:rPr lang="en-CA" sz="900" dirty="0">
+                <a:solidFill>
+                  <a:srgbClr val="C00000"/>
+                </a:solidFill>
+                <a:latin typeface="Courier" pitchFamily="2" charset="0"/>
+              </a:rPr>
+              <a:t> +-+-+-+-+-+-+-+-+-+-+-+-+-+-+-+-+-+-+-+-+-+-+-+-+-+-+-+-+-+-+-+-+</a:t>
+            </a:r>
+          </a:p>
+          <a:p>
+            <a:r>
+              <a:rPr lang="en-CA" sz="900" dirty="0">
+                <a:solidFill>
+                  <a:srgbClr val="C00000"/>
+                </a:solidFill>
+                <a:latin typeface="Courier" pitchFamily="2" charset="0"/>
+              </a:rPr>
+              <a:t>  </a:t>
+            </a:r>
+            <a:r>
+              <a:rPr lang="en-CA" sz="900" dirty="0">
+                <a:latin typeface="Courier" pitchFamily="2" charset="0"/>
+              </a:rPr>
+              <a:t> |                                                               |</a:t>
+            </a:r>
+          </a:p>
+          <a:p>
+            <a:r>
+              <a:rPr lang="en-CA" sz="900" dirty="0">
+                <a:latin typeface="Courier" pitchFamily="2" charset="0"/>
+              </a:rPr>
+              <a:t>   |                                                               |</a:t>
+            </a:r>
+          </a:p>
+          <a:p>
+            <a:r>
+              <a:rPr lang="en-CA" sz="900" dirty="0">
+                <a:latin typeface="Courier" pitchFamily="2" charset="0"/>
+              </a:rPr>
+              <a:t>   ~                 Payload Packet                                ~</a:t>
+            </a:r>
+          </a:p>
+          <a:p>
+            <a:r>
+              <a:rPr lang="en-CA" sz="900" dirty="0">
+                <a:latin typeface="Courier" pitchFamily="2" charset="0"/>
+              </a:rPr>
+              <a:t>   |                                                               |</a:t>
+            </a:r>
+          </a:p>
+          <a:p>
+            <a:r>
+              <a:rPr lang="en-CA" sz="900" dirty="0">
+                <a:latin typeface="Courier" pitchFamily="2" charset="0"/>
+              </a:rPr>
+              <a:t>   |                                                               |</a:t>
+            </a:r>
+          </a:p>
+          <a:p>
+            <a:r>
+              <a:rPr lang="en-CA" sz="900" dirty="0">
+                <a:latin typeface="Courier" pitchFamily="2" charset="0"/>
+              </a:rPr>
+              <a:t>   +-+-+-+-+-+-+-+-+-+-+-+-+-+-+-+-+-+-+-+-+-+-+-+-+-+-+-+-+-+-+-+-+</a:t>
+            </a:r>
+          </a:p>
+          <a:p>
+            <a:r>
+              <a:rPr lang="en-CA" sz="900" dirty="0">
+                <a:latin typeface="Courier" pitchFamily="2" charset="0"/>
+              </a:rPr>
+              <a:t> </a:t>
+            </a:r>
+          </a:p>
+          <a:p>
+            <a:r>
+              <a:rPr lang="en-CA" sz="900" dirty="0">
+                <a:latin typeface="Courier" pitchFamily="2" charset="0"/>
+              </a:rPr>
+              <a:t>Figure: IOAM Header with MPLS Encapsulation with Generic Delivery Functions</a:t>
+            </a:r>
+            <a:endParaRPr lang="en-CA" sz="900" dirty="0">
+              <a:latin typeface="Courier" pitchFamily="2" charset="0"/>
+              <a:ea typeface="Calibri" panose="020F0502020204030204" pitchFamily="34" charset="0"/>
+              <a:cs typeface="Times New Roman" panose="02020603050405020304" pitchFamily="18" charset="0"/>
+            </a:endParaRPr>
+          </a:p>
+        </p:txBody>
+      </p:sp>
+      <p:sp>
+        <p:nvSpPr>
+          <p:cNvPr id="7" name="Rectangle 6">
+            <a:extLst>
+              <a:ext uri="{FF2B5EF4-FFF2-40B4-BE49-F238E27FC236}">
+                <a16:creationId xmlns:a16="http://schemas.microsoft.com/office/drawing/2014/main" id="{AF26C24A-B63C-7045-B4DF-BFCC4C5A3608}"/>
+              </a:ext>
+            </a:extLst>
+          </p:cNvPr>
+          <p:cNvSpPr/>
+          <p:nvPr/>
+        </p:nvSpPr>
+        <p:spPr>
+          <a:xfrm>
+            <a:off x="114300" y="3556640"/>
+            <a:ext cx="2171700" cy="1323439"/>
+          </a:xfrm>
+          <a:prstGeom prst="rect">
+            <a:avLst/>
+          </a:prstGeom>
+        </p:spPr>
+        <p:txBody>
+          <a:bodyPr wrap="square">
+            <a:spAutoFit/>
+          </a:bodyPr>
+          <a:lstStyle/>
+          <a:p>
+            <a:pPr marL="171450" indent="-171450">
+              <a:buFont typeface="Arial" panose="020B0604020202020204" pitchFamily="34" charset="0"/>
+              <a:buChar char="•"/>
+            </a:pPr>
+            <a:r>
+              <a:rPr lang="en-US" sz="1000" dirty="0">
+                <a:hlinkClick r:id="rId2"/>
+              </a:rPr>
+              <a:t>https://datatracker.ietf.org/doc/draft-zzhang-intarea-generic-delivery-functions/</a:t>
+            </a:r>
+            <a:endParaRPr lang="en-US" sz="1000" dirty="0"/>
+          </a:p>
+          <a:p>
+            <a:pPr marL="171450" indent="-171450">
+              <a:buFont typeface="Arial" panose="020B0604020202020204" pitchFamily="34" charset="0"/>
+              <a:buChar char="•"/>
+            </a:pPr>
+            <a:endParaRPr lang="en-US" sz="1000" dirty="0"/>
+          </a:p>
+          <a:p>
+            <a:pPr marL="171450" indent="-171450">
+              <a:buFont typeface="Arial" panose="020B0604020202020204" pitchFamily="34" charset="0"/>
+              <a:buChar char="•"/>
+            </a:pPr>
+            <a:r>
+              <a:rPr lang="en-US" sz="1000" dirty="0"/>
+              <a:t>GDF Ingress/Egress Nodes only.</a:t>
+            </a:r>
+          </a:p>
+          <a:p>
+            <a:pPr marL="171450" indent="-171450">
+              <a:buFont typeface="Arial" panose="020B0604020202020204" pitchFamily="34" charset="0"/>
+              <a:buChar char="•"/>
+            </a:pPr>
+            <a:r>
+              <a:rPr lang="en-US" sz="1000" dirty="0"/>
+              <a:t>GDF has no Hop-by-hop processing</a:t>
+            </a:r>
+          </a:p>
+        </p:txBody>
+      </p:sp>
     </p:spTree>
     <p:extLst>
       <p:ext uri="{BB962C8B-B14F-4D97-AF65-F5344CB8AC3E}">
-        <p14:creationId xmlns:p14="http://schemas.microsoft.com/office/powerpoint/2010/main" val="2353107321"/>
+        <p14:creationId xmlns:p14="http://schemas.microsoft.com/office/powerpoint/2010/main" val="2803628833"/>
       </p:ext>
     </p:extLst>
   </p:cSld>
@@ -14265,7 +14591,7 @@
           <p:cNvPr id="2" name="Title 1">
             <a:extLst>
               <a:ext uri="{FF2B5EF4-FFF2-40B4-BE49-F238E27FC236}">
-                <a16:creationId xmlns:a16="http://schemas.microsoft.com/office/drawing/2014/main" id="{590D0125-5A9E-9D48-9391-85FBD0E608A2}"/>
+                <a16:creationId xmlns:a16="http://schemas.microsoft.com/office/drawing/2014/main" id="{16C5255E-BE42-5348-AC0F-6257873BBB61}"/>
               </a:ext>
             </a:extLst>
           </p:cNvPr>
@@ -14278,8 +14604,8 @@
         </p:nvSpPr>
         <p:spPr>
           <a:xfrm>
-            <a:off x="0" y="96999"/>
-            <a:ext cx="9144000" cy="599270"/>
+            <a:off x="304800" y="0"/>
+            <a:ext cx="8534400" cy="857250"/>
           </a:xfrm>
         </p:spPr>
         <p:txBody>
@@ -14287,21 +14613,123 @@
           <a:lstStyle/>
           <a:p>
             <a:r>
-              <a:rPr lang="en-CA" sz="3200" dirty="0">
+              <a:rPr lang="en-US" sz="3200" dirty="0">
                 <a:solidFill>
                   <a:srgbClr val="0070C0"/>
                 </a:solidFill>
                 <a:latin typeface="Calibri Light" panose="020F0302020204030204" pitchFamily="34" charset="0"/>
                 <a:cs typeface="Calibri Light" panose="020F0302020204030204" pitchFamily="34" charset="0"/>
               </a:rPr>
-              <a:t>IOAM Header with Another ACH</a:t>
-            </a:r>
-            <a:endParaRPr lang="en-US" sz="3200" dirty="0">
-              <a:solidFill>
-                <a:srgbClr val="0070C0"/>
-              </a:solidFill>
-              <a:latin typeface="Calibri Light" panose="020F0302020204030204" pitchFamily="34" charset="0"/>
-              <a:cs typeface="Calibri Light" panose="020F0302020204030204" pitchFamily="34" charset="0"/>
+              <a:t>IOAM Header and Another ACH</a:t>
+            </a:r>
+          </a:p>
+        </p:txBody>
+      </p:sp>
+      <p:sp>
+        <p:nvSpPr>
+          <p:cNvPr id="3" name="Content Placeholder 2">
+            <a:extLst>
+              <a:ext uri="{FF2B5EF4-FFF2-40B4-BE49-F238E27FC236}">
+                <a16:creationId xmlns:a16="http://schemas.microsoft.com/office/drawing/2014/main" id="{3943595A-2AF7-A141-B580-268FFA30C69C}"/>
+              </a:ext>
+            </a:extLst>
+          </p:cNvPr>
+          <p:cNvSpPr>
+            <a:spLocks noGrp="1"/>
+          </p:cNvSpPr>
+          <p:nvPr>
+            <p:ph idx="1"/>
+          </p:nvPr>
+        </p:nvSpPr>
+        <p:spPr>
+          <a:xfrm>
+            <a:off x="533400" y="857250"/>
+            <a:ext cx="8001000" cy="3619499"/>
+          </a:xfrm>
+        </p:spPr>
+        <p:txBody>
+          <a:bodyPr/>
+          <a:lstStyle/>
+          <a:p>
+            <a:pPr>
+              <a:lnSpc>
+                <a:spcPts val="2280"/>
+              </a:lnSpc>
+              <a:spcBef>
+                <a:spcPts val="600"/>
+              </a:spcBef>
+            </a:pPr>
+            <a:r>
+              <a:rPr lang="en-CA" sz="2000" dirty="0">
+                <a:latin typeface="Calibri" panose="020F0502020204030204" pitchFamily="34" charset="0"/>
+                <a:cs typeface="Calibri" panose="020F0502020204030204" pitchFamily="34" charset="0"/>
+              </a:rPr>
+              <a:t>IOAM header is considered part of the MPLS Encapsulation, any other ACH is added after the IOAM Header with the packet.</a:t>
+            </a:r>
+          </a:p>
+          <a:p>
+            <a:pPr>
+              <a:lnSpc>
+                <a:spcPts val="2280"/>
+              </a:lnSpc>
+              <a:spcBef>
+                <a:spcPts val="600"/>
+              </a:spcBef>
+            </a:pPr>
+            <a:r>
+              <a:rPr lang="en-CA" sz="2000" dirty="0">
+                <a:latin typeface="Calibri" panose="020F0502020204030204" pitchFamily="34" charset="0"/>
+                <a:cs typeface="Calibri" panose="020F0502020204030204" pitchFamily="34" charset="0"/>
+              </a:rPr>
+              <a:t>The transit nodes process the IOAM data field(s) after the EOS in data packets.</a:t>
+            </a:r>
+          </a:p>
+          <a:p>
+            <a:pPr>
+              <a:lnSpc>
+                <a:spcPts val="2280"/>
+              </a:lnSpc>
+              <a:spcBef>
+                <a:spcPts val="600"/>
+              </a:spcBef>
+            </a:pPr>
+            <a:r>
+              <a:rPr lang="en-CA" sz="2000" dirty="0">
+                <a:latin typeface="Calibri" panose="020F0502020204030204" pitchFamily="34" charset="0"/>
+                <a:cs typeface="Calibri" panose="020F0502020204030204" pitchFamily="34" charset="0"/>
+              </a:rPr>
+              <a:t>The decapsulating node removes the MPLS Encapsulation including the IOAM header and then processes the next ACH following it.</a:t>
+            </a:r>
+          </a:p>
+          <a:p>
+            <a:pPr>
+              <a:lnSpc>
+                <a:spcPts val="2280"/>
+              </a:lnSpc>
+              <a:spcBef>
+                <a:spcPts val="600"/>
+              </a:spcBef>
+            </a:pPr>
+            <a:r>
+              <a:rPr lang="en-CA" sz="2000" dirty="0">
+                <a:latin typeface="Calibri" panose="020F0502020204030204" pitchFamily="34" charset="0"/>
+                <a:cs typeface="Calibri" panose="020F0502020204030204" pitchFamily="34" charset="0"/>
+              </a:rPr>
+              <a:t>IOAM HDR Length allows to find the next ACH after the IOAM header.</a:t>
+            </a:r>
+          </a:p>
+          <a:p>
+            <a:pPr>
+              <a:lnSpc>
+                <a:spcPts val="2280"/>
+              </a:lnSpc>
+              <a:spcBef>
+                <a:spcPts val="600"/>
+              </a:spcBef>
+            </a:pPr>
+            <a:endParaRPr lang="en-CA" sz="2000" dirty="0">
+              <a:latin typeface="Calibri" panose="020F0502020204030204" pitchFamily="34" charset="0"/>
+              <a:cs typeface="Calibri" panose="020F0502020204030204" pitchFamily="34" charset="0"/>
             </a:endParaRPr>
           </a:p>
         </p:txBody>
@@ -14311,7 +14739,7 @@
           <p:cNvPr id="4" name="Footer Placeholder 3">
             <a:extLst>
               <a:ext uri="{FF2B5EF4-FFF2-40B4-BE49-F238E27FC236}">
-                <a16:creationId xmlns:a16="http://schemas.microsoft.com/office/drawing/2014/main" id="{87713FCD-3B47-804D-B373-DAB61FB5FF59}"/>
+                <a16:creationId xmlns:a16="http://schemas.microsoft.com/office/drawing/2014/main" id="{CF70CC82-C055-3645-9254-87CEC1C49032}"/>
               </a:ext>
             </a:extLst>
           </p:cNvPr>
@@ -14324,7 +14752,7 @@
         </p:nvSpPr>
         <p:spPr>
           <a:xfrm>
-            <a:off x="3124200" y="4781550"/>
+            <a:off x="3124200" y="4786312"/>
             <a:ext cx="2895600" cy="357188"/>
           </a:xfrm>
         </p:spPr>
@@ -14332,16 +14760,19 @@
           <a:bodyPr/>
           <a:lstStyle/>
           <a:p>
-            <a:r>
-              <a:rPr lang="en-CA" dirty="0"/>
+            <a:pPr>
+              <a:defRPr/>
+            </a:pPr>
+            <a:r>
+              <a:rPr lang="en-US" altLang="zh-CN" dirty="0"/>
               <a:t>110</a:t>
             </a:r>
             <a:r>
-              <a:rPr lang="en-CA" baseline="30000" dirty="0"/>
+              <a:rPr lang="en-US" altLang="zh-CN" baseline="30000" dirty="0"/>
               <a:t>th</a:t>
             </a:r>
             <a:r>
-              <a:rPr lang="en-CA" dirty="0"/>
+              <a:rPr lang="en-US" altLang="zh-CN" dirty="0"/>
               <a:t> IETF Online</a:t>
             </a:r>
           </a:p>
@@ -14352,7 +14783,7 @@
           <p:cNvPr id="5" name="Slide Number Placeholder 4">
             <a:extLst>
               <a:ext uri="{FF2B5EF4-FFF2-40B4-BE49-F238E27FC236}">
-                <a16:creationId xmlns:a16="http://schemas.microsoft.com/office/drawing/2014/main" id="{1371408B-9195-EC4D-8131-A3F5CC0592D0}"/>
+                <a16:creationId xmlns:a16="http://schemas.microsoft.com/office/drawing/2014/main" id="{62DF7D69-BCF6-2D4A-A3F1-2D32C59355D3}"/>
               </a:ext>
             </a:extLst>
           </p:cNvPr>
@@ -14378,286 +14809,14 @@
               </a:pPr>
               <a:t>28</a:t>
             </a:fld>
-            <a:endParaRPr lang="en-US" altLang="zh-CN"/>
-          </a:p>
-        </p:txBody>
-      </p:sp>
-      <p:sp>
-        <p:nvSpPr>
-          <p:cNvPr id="6" name="Rectangle 5">
-            <a:extLst>
-              <a:ext uri="{FF2B5EF4-FFF2-40B4-BE49-F238E27FC236}">
-                <a16:creationId xmlns:a16="http://schemas.microsoft.com/office/drawing/2014/main" id="{1EED4007-3A19-0E4E-8496-6CECEEA363EB}"/>
-              </a:ext>
-            </a:extLst>
-          </p:cNvPr>
-          <p:cNvSpPr/>
-          <p:nvPr/>
-        </p:nvSpPr>
-        <p:spPr>
-          <a:xfrm>
-            <a:off x="2019300" y="843434"/>
-            <a:ext cx="5105400" cy="3693319"/>
-          </a:xfrm>
-          <a:prstGeom prst="rect">
-            <a:avLst/>
-          </a:prstGeom>
-          <a:solidFill>
-            <a:schemeClr val="accent6">
-              <a:lumMod val="20000"/>
-              <a:lumOff val="80000"/>
-            </a:schemeClr>
-          </a:solidFill>
-        </p:spPr>
-        <p:txBody>
-          <a:bodyPr wrap="square">
-            <a:spAutoFit/>
-          </a:bodyPr>
-          <a:lstStyle/>
-          <a:p>
-            <a:r>
-              <a:rPr lang="en-CA" sz="900" dirty="0">
-                <a:latin typeface="Courier" pitchFamily="2" charset="0"/>
-              </a:rPr>
-              <a:t>   0                   1                   2                   3</a:t>
-            </a:r>
-          </a:p>
-          <a:p>
-            <a:r>
-              <a:rPr lang="en-CA" sz="900" dirty="0">
-                <a:latin typeface="Courier" pitchFamily="2" charset="0"/>
-              </a:rPr>
-              <a:t>   0 1 2 3 4 5 6 7 8 9 0 1 2 3 4 5 6 7 8 9 0 1 2 3 4 5 6 7 8 9 0 1</a:t>
-            </a:r>
-          </a:p>
-          <a:p>
-            <a:r>
-              <a:rPr lang="en-CA" sz="900" dirty="0">
-                <a:latin typeface="Courier" pitchFamily="2" charset="0"/>
-              </a:rPr>
-              <a:t>   +-+-+-+-+-+-+-+-+-+-+-+-+-+-+-+-+-+-+-+-+-+-+-+-+-+-+-+-+-+-+-+-+</a:t>
-            </a:r>
-          </a:p>
-          <a:p>
-            <a:r>
-              <a:rPr lang="en-CA" sz="900" dirty="0">
-                <a:latin typeface="Courier" pitchFamily="2" charset="0"/>
-              </a:rPr>
-              <a:t>   | IOAM Indicator Label                  | TC  |1|  TTL          |</a:t>
-            </a:r>
-          </a:p>
-          <a:p>
-            <a:r>
-              <a:rPr lang="en-CA" sz="900" dirty="0">
-                <a:latin typeface="Courier" pitchFamily="2" charset="0"/>
-              </a:rPr>
-              <a:t>   +-+-+-+-+-+-+-+-+-+-+-+-+-+-+-+-+-+-+-+-+-+-+-+-+-+-+-+-+-+-+-+-+&lt;-+</a:t>
-            </a:r>
-          </a:p>
-          <a:p>
-            <a:r>
-              <a:rPr lang="en-CA" sz="900" dirty="0">
-                <a:latin typeface="Courier" pitchFamily="2" charset="0"/>
-              </a:rPr>
-              <a:t>   |0 0 0 1|Version| Reserved      | IOAM G-</a:t>
-            </a:r>
-            <a:r>
-              <a:rPr lang="en-CA" sz="900" dirty="0" err="1">
-                <a:latin typeface="Courier" pitchFamily="2" charset="0"/>
-              </a:rPr>
-              <a:t>ACh</a:t>
-            </a:r>
-            <a:r>
-              <a:rPr lang="en-CA" sz="900" dirty="0">
-                <a:latin typeface="Courier" pitchFamily="2" charset="0"/>
-              </a:rPr>
-              <a:t>                    |  |</a:t>
-            </a:r>
-          </a:p>
-          <a:p>
-            <a:r>
-              <a:rPr lang="en-CA" sz="900" dirty="0">
-                <a:latin typeface="Courier" pitchFamily="2" charset="0"/>
-              </a:rPr>
-              <a:t>   +-+-+-+-+-+-+-+-+-+-+-+-+-+-+-+-+-+-+-+-+-+-+-+-+-+-+-+-+-+-+-+-+  |</a:t>
-            </a:r>
-          </a:p>
-          <a:p>
-            <a:r>
-              <a:rPr lang="en-CA" sz="900" dirty="0">
-                <a:latin typeface="Courier" pitchFamily="2" charset="0"/>
-              </a:rPr>
-              <a:t>   | Reserved      | Block Number  | IOAM-OPT-Type |</a:t>
-            </a:r>
-            <a:r>
-              <a:rPr lang="en-CA" sz="900" dirty="0">
-                <a:solidFill>
-                  <a:srgbClr val="C00000"/>
-                </a:solidFill>
-                <a:latin typeface="Courier" pitchFamily="2" charset="0"/>
-              </a:rPr>
-              <a:t>IOAM HDR Length</a:t>
-            </a:r>
-            <a:r>
-              <a:rPr lang="en-CA" sz="900" dirty="0">
-                <a:latin typeface="Courier" pitchFamily="2" charset="0"/>
-              </a:rPr>
-              <a:t>|  |</a:t>
-            </a:r>
-          </a:p>
-          <a:p>
-            <a:r>
-              <a:rPr lang="en-CA" sz="900" dirty="0">
-                <a:latin typeface="Courier" pitchFamily="2" charset="0"/>
-              </a:rPr>
-              <a:t>   +-+-+-+-+-+-+-+-+-+-+-+-+-+-+-+-+-+-+-+-+-+-+-+-+-+-+-+-+-+-+-+-+  I</a:t>
-            </a:r>
-          </a:p>
-          <a:p>
-            <a:r>
-              <a:rPr lang="en-CA" sz="900" dirty="0">
-                <a:latin typeface="Courier" pitchFamily="2" charset="0"/>
-              </a:rPr>
-              <a:t>   |                                                               |  O</a:t>
-            </a:r>
-          </a:p>
-          <a:p>
-            <a:r>
-              <a:rPr lang="en-CA" sz="900" dirty="0">
-                <a:latin typeface="Courier" pitchFamily="2" charset="0"/>
-              </a:rPr>
-              <a:t>   |                                                               |  A</a:t>
-            </a:r>
-          </a:p>
-          <a:p>
-            <a:r>
-              <a:rPr lang="en-CA" sz="900" dirty="0">
-                <a:latin typeface="Courier" pitchFamily="2" charset="0"/>
-              </a:rPr>
-              <a:t>   ~                 IOAM Option and Data Space                    ~  M</a:t>
-            </a:r>
-          </a:p>
-          <a:p>
-            <a:r>
-              <a:rPr lang="en-CA" sz="900" dirty="0">
-                <a:latin typeface="Courier" pitchFamily="2" charset="0"/>
-              </a:rPr>
-              <a:t>   |                                                               |  |</a:t>
-            </a:r>
-          </a:p>
-          <a:p>
-            <a:r>
-              <a:rPr lang="en-CA" sz="900" dirty="0">
-                <a:latin typeface="Courier" pitchFamily="2" charset="0"/>
-              </a:rPr>
-              <a:t>   |                                                               |  |</a:t>
-            </a:r>
-          </a:p>
-          <a:p>
-            <a:r>
-              <a:rPr lang="en-CA" sz="900" dirty="0">
-                <a:latin typeface="Courier" pitchFamily="2" charset="0"/>
-              </a:rPr>
-              <a:t>   +-+-+-+-+-+-+-+-+-+-+-+-+-+-+-+-+-+-+-+-+-+-+-+-+-+-+-+-+-+-+-+-+&lt;-+</a:t>
-            </a:r>
-          </a:p>
-          <a:p>
-            <a:r>
-              <a:rPr lang="en-CA" sz="900" dirty="0">
-                <a:solidFill>
-                  <a:srgbClr val="C00000"/>
-                </a:solidFill>
-                <a:latin typeface="Courier" pitchFamily="2" charset="0"/>
-              </a:rPr>
-              <a:t>   |0 0 0 1|Version| Reserved      | Channel Type                  |</a:t>
-            </a:r>
-          </a:p>
-          <a:p>
-            <a:r>
-              <a:rPr lang="en-CA" sz="900" dirty="0">
-                <a:solidFill>
-                  <a:srgbClr val="C00000"/>
-                </a:solidFill>
-                <a:latin typeface="Courier" pitchFamily="2" charset="0"/>
-              </a:rPr>
-              <a:t>   +-+-+-+-+-+-+-+-+-+-+-+-+-+-+-+-+-+-+-+-+-+-+-+-+-+-+-+-+-+-+-+-+</a:t>
-            </a:r>
-          </a:p>
-          <a:p>
-            <a:r>
-              <a:rPr lang="en-CA" sz="900" dirty="0">
-                <a:latin typeface="Courier" pitchFamily="2" charset="0"/>
-              </a:rPr>
-              <a:t>   |                                                               |</a:t>
-            </a:r>
-          </a:p>
-          <a:p>
-            <a:r>
-              <a:rPr lang="en-CA" sz="900" dirty="0">
-                <a:latin typeface="Courier" pitchFamily="2" charset="0"/>
-              </a:rPr>
-              <a:t>   |                                                               |</a:t>
-            </a:r>
-          </a:p>
-          <a:p>
-            <a:r>
-              <a:rPr lang="en-CA" sz="900" dirty="0">
-                <a:latin typeface="Courier" pitchFamily="2" charset="0"/>
-              </a:rPr>
-              <a:t>   ~                 Payload + Padding                             ~</a:t>
-            </a:r>
-          </a:p>
-          <a:p>
-            <a:r>
-              <a:rPr lang="en-CA" sz="900" dirty="0">
-                <a:latin typeface="Courier" pitchFamily="2" charset="0"/>
-              </a:rPr>
-              <a:t>   |                                                               |</a:t>
-            </a:r>
-          </a:p>
-          <a:p>
-            <a:r>
-              <a:rPr lang="en-CA" sz="900" dirty="0">
-                <a:latin typeface="Courier" pitchFamily="2" charset="0"/>
-              </a:rPr>
-              <a:t>   |                                                               |</a:t>
-            </a:r>
-          </a:p>
-          <a:p>
-            <a:r>
-              <a:rPr lang="en-CA" sz="900" dirty="0">
-                <a:latin typeface="Courier" pitchFamily="2" charset="0"/>
-              </a:rPr>
-              <a:t>   +-+-+-+-+-+-+-+-+-+-+-+-+-+-+-+-+-+-+-+-+-+-+-+-+-+-+-+-+-+-+-+-+</a:t>
-            </a:r>
-          </a:p>
-          <a:p>
-            <a:r>
-              <a:rPr lang="en-CA" sz="900" dirty="0">
-                <a:latin typeface="Courier" pitchFamily="2" charset="0"/>
-              </a:rPr>
-              <a:t> </a:t>
-            </a:r>
-          </a:p>
-          <a:p>
-            <a:r>
-              <a:rPr lang="en-CA" sz="900" dirty="0">
-                <a:latin typeface="Courier" pitchFamily="2" charset="0"/>
-              </a:rPr>
-              <a:t>     Figure: IOAM Header with MPLS Encapsulation with Another ACH</a:t>
-            </a:r>
-            <a:endParaRPr lang="en-CA" sz="900" dirty="0">
-              <a:latin typeface="Courier" pitchFamily="2" charset="0"/>
-              <a:ea typeface="Calibri" panose="020F0502020204030204" pitchFamily="34" charset="0"/>
-              <a:cs typeface="Times New Roman" panose="02020603050405020304" pitchFamily="18" charset="0"/>
-            </a:endParaRPr>
+            <a:endParaRPr lang="en-US" altLang="zh-CN" dirty="0"/>
           </a:p>
         </p:txBody>
       </p:sp>
     </p:spTree>
     <p:extLst>
       <p:ext uri="{BB962C8B-B14F-4D97-AF65-F5344CB8AC3E}">
-        <p14:creationId xmlns:p14="http://schemas.microsoft.com/office/powerpoint/2010/main" val="3691924194"/>
+        <p14:creationId xmlns:p14="http://schemas.microsoft.com/office/powerpoint/2010/main" val="2353107321"/>
       </p:ext>
     </p:extLst>
   </p:cSld>
@@ -14689,7 +14848,7 @@
           <p:cNvPr id="2" name="Title 1">
             <a:extLst>
               <a:ext uri="{FF2B5EF4-FFF2-40B4-BE49-F238E27FC236}">
-                <a16:creationId xmlns:a16="http://schemas.microsoft.com/office/drawing/2014/main" id="{16C5255E-BE42-5348-AC0F-6257873BBB61}"/>
+                <a16:creationId xmlns:a16="http://schemas.microsoft.com/office/drawing/2014/main" id="{590D0125-5A9E-9D48-9391-85FBD0E608A2}"/>
               </a:ext>
             </a:extLst>
           </p:cNvPr>
@@ -14702,8 +14861,8 @@
         </p:nvSpPr>
         <p:spPr>
           <a:xfrm>
-            <a:off x="304800" y="0"/>
-            <a:ext cx="8534400" cy="857250"/>
+            <a:off x="0" y="96999"/>
+            <a:ext cx="9144000" cy="599270"/>
           </a:xfrm>
         </p:spPr>
         <p:txBody>
@@ -14711,24 +14870,31 @@
           <a:lstStyle/>
           <a:p>
             <a:r>
-              <a:rPr lang="en-US" sz="3200" dirty="0">
+              <a:rPr lang="en-CA" sz="3200" dirty="0">
                 <a:solidFill>
                   <a:srgbClr val="0070C0"/>
                 </a:solidFill>
                 <a:latin typeface="Calibri Light" panose="020F0302020204030204" pitchFamily="34" charset="0"/>
                 <a:cs typeface="Calibri Light" panose="020F0302020204030204" pitchFamily="34" charset="0"/>
               </a:rPr>
-              <a:t>IOAM Data and Fragmentation after EOS</a:t>
-            </a:r>
-          </a:p>
-        </p:txBody>
-      </p:sp>
-      <p:sp>
-        <p:nvSpPr>
-          <p:cNvPr id="3" name="Content Placeholder 2">
+              <a:t>IOAM Header with Another ACH</a:t>
+            </a:r>
+            <a:endParaRPr lang="en-US" sz="3200" dirty="0">
+              <a:solidFill>
+                <a:srgbClr val="0070C0"/>
+              </a:solidFill>
+              <a:latin typeface="Calibri Light" panose="020F0302020204030204" pitchFamily="34" charset="0"/>
+              <a:cs typeface="Calibri Light" panose="020F0302020204030204" pitchFamily="34" charset="0"/>
+            </a:endParaRPr>
+          </a:p>
+        </p:txBody>
+      </p:sp>
+      <p:sp>
+        <p:nvSpPr>
+          <p:cNvPr id="4" name="Footer Placeholder 3">
             <a:extLst>
               <a:ext uri="{FF2B5EF4-FFF2-40B4-BE49-F238E27FC236}">
-                <a16:creationId xmlns:a16="http://schemas.microsoft.com/office/drawing/2014/main" id="{3943595A-2AF7-A141-B580-268FFA30C69C}"/>
+                <a16:creationId xmlns:a16="http://schemas.microsoft.com/office/drawing/2014/main" id="{87713FCD-3B47-804D-B373-DAB61FB5FF59}"/>
               </a:ext>
             </a:extLst>
           </p:cNvPr>
@@ -14736,65 +14902,12 @@
             <a:spLocks noGrp="1"/>
           </p:cNvSpPr>
           <p:nvPr>
-            <p:ph idx="1"/>
+            <p:ph type="ftr" sz="quarter" idx="11"/>
           </p:nvPr>
         </p:nvSpPr>
         <p:spPr>
           <a:xfrm>
-            <a:off x="533400" y="971550"/>
-            <a:ext cx="8153400" cy="3505199"/>
-          </a:xfrm>
-        </p:spPr>
-        <p:txBody>
-          <a:bodyPr/>
-          <a:lstStyle/>
-          <a:p>
-            <a:pPr marL="0" indent="0">
-              <a:spcBef>
-                <a:spcPts val="600"/>
-              </a:spcBef>
-              <a:buNone/>
-            </a:pPr>
-            <a:r>
-              <a:rPr lang="en-CA" sz="1600" dirty="0">
-                <a:latin typeface="Calibri" panose="020F0502020204030204" pitchFamily="34" charset="0"/>
-                <a:cs typeface="Calibri" panose="020F0502020204030204" pitchFamily="34" charset="0"/>
-              </a:rPr>
-              <a:t>TBA</a:t>
-            </a:r>
-          </a:p>
-          <a:p>
-            <a:pPr>
-              <a:spcBef>
-                <a:spcPts val="600"/>
-              </a:spcBef>
-            </a:pPr>
-            <a:endParaRPr lang="en-CA" sz="1600" dirty="0">
-              <a:latin typeface="Calibri" panose="020F0502020204030204" pitchFamily="34" charset="0"/>
-              <a:cs typeface="Calibri" panose="020F0502020204030204" pitchFamily="34" charset="0"/>
-            </a:endParaRPr>
-          </a:p>
-        </p:txBody>
-      </p:sp>
-      <p:sp>
-        <p:nvSpPr>
-          <p:cNvPr id="4" name="Footer Placeholder 3">
-            <a:extLst>
-              <a:ext uri="{FF2B5EF4-FFF2-40B4-BE49-F238E27FC236}">
-                <a16:creationId xmlns:a16="http://schemas.microsoft.com/office/drawing/2014/main" id="{CF70CC82-C055-3645-9254-87CEC1C49032}"/>
-              </a:ext>
-            </a:extLst>
-          </p:cNvPr>
-          <p:cNvSpPr>
-            <a:spLocks noGrp="1"/>
-          </p:cNvSpPr>
-          <p:nvPr>
-            <p:ph type="ftr" sz="quarter" idx="11"/>
-          </p:nvPr>
-        </p:nvSpPr>
-        <p:spPr>
-          <a:xfrm>
-            <a:off x="3124200" y="4786312"/>
+            <a:off x="3124200" y="4781550"/>
             <a:ext cx="2895600" cy="357188"/>
           </a:xfrm>
         </p:spPr>
@@ -14802,19 +14915,16 @@
           <a:bodyPr/>
           <a:lstStyle/>
           <a:p>
-            <a:pPr>
-              <a:defRPr/>
-            </a:pPr>
-            <a:r>
-              <a:rPr lang="en-US" altLang="zh-CN" dirty="0"/>
+            <a:r>
+              <a:rPr lang="en-CA" dirty="0"/>
               <a:t>110</a:t>
             </a:r>
             <a:r>
-              <a:rPr lang="en-US" altLang="zh-CN" baseline="30000" dirty="0"/>
+              <a:rPr lang="en-CA" baseline="30000" dirty="0"/>
               <a:t>th</a:t>
             </a:r>
             <a:r>
-              <a:rPr lang="en-US" altLang="zh-CN" dirty="0"/>
+              <a:rPr lang="en-CA" dirty="0"/>
               <a:t> IETF Online</a:t>
             </a:r>
           </a:p>
@@ -14825,7 +14935,7 @@
           <p:cNvPr id="5" name="Slide Number Placeholder 4">
             <a:extLst>
               <a:ext uri="{FF2B5EF4-FFF2-40B4-BE49-F238E27FC236}">
-                <a16:creationId xmlns:a16="http://schemas.microsoft.com/office/drawing/2014/main" id="{62DF7D69-BCF6-2D4A-A3F1-2D32C59355D3}"/>
+                <a16:creationId xmlns:a16="http://schemas.microsoft.com/office/drawing/2014/main" id="{1371408B-9195-EC4D-8131-A3F5CC0592D0}"/>
               </a:ext>
             </a:extLst>
           </p:cNvPr>
@@ -14851,14 +14961,286 @@
               </a:pPr>
               <a:t>29</a:t>
             </a:fld>
-            <a:endParaRPr lang="en-US" altLang="zh-CN" dirty="0"/>
+            <a:endParaRPr lang="en-US" altLang="zh-CN"/>
+          </a:p>
+        </p:txBody>
+      </p:sp>
+      <p:sp>
+        <p:nvSpPr>
+          <p:cNvPr id="6" name="Rectangle 5">
+            <a:extLst>
+              <a:ext uri="{FF2B5EF4-FFF2-40B4-BE49-F238E27FC236}">
+                <a16:creationId xmlns:a16="http://schemas.microsoft.com/office/drawing/2014/main" id="{1EED4007-3A19-0E4E-8496-6CECEEA363EB}"/>
+              </a:ext>
+            </a:extLst>
+          </p:cNvPr>
+          <p:cNvSpPr/>
+          <p:nvPr/>
+        </p:nvSpPr>
+        <p:spPr>
+          <a:xfrm>
+            <a:off x="2019300" y="843434"/>
+            <a:ext cx="5105400" cy="3693319"/>
+          </a:xfrm>
+          <a:prstGeom prst="rect">
+            <a:avLst/>
+          </a:prstGeom>
+          <a:solidFill>
+            <a:schemeClr val="accent6">
+              <a:lumMod val="20000"/>
+              <a:lumOff val="80000"/>
+            </a:schemeClr>
+          </a:solidFill>
+        </p:spPr>
+        <p:txBody>
+          <a:bodyPr wrap="square">
+            <a:spAutoFit/>
+          </a:bodyPr>
+          <a:lstStyle/>
+          <a:p>
+            <a:r>
+              <a:rPr lang="en-CA" sz="900" dirty="0">
+                <a:latin typeface="Courier" pitchFamily="2" charset="0"/>
+              </a:rPr>
+              <a:t>   0                   1                   2                   3</a:t>
+            </a:r>
+          </a:p>
+          <a:p>
+            <a:r>
+              <a:rPr lang="en-CA" sz="900" dirty="0">
+                <a:latin typeface="Courier" pitchFamily="2" charset="0"/>
+              </a:rPr>
+              <a:t>   0 1 2 3 4 5 6 7 8 9 0 1 2 3 4 5 6 7 8 9 0 1 2 3 4 5 6 7 8 9 0 1</a:t>
+            </a:r>
+          </a:p>
+          <a:p>
+            <a:r>
+              <a:rPr lang="en-CA" sz="900" dirty="0">
+                <a:latin typeface="Courier" pitchFamily="2" charset="0"/>
+              </a:rPr>
+              <a:t>   +-+-+-+-+-+-+-+-+-+-+-+-+-+-+-+-+-+-+-+-+-+-+-+-+-+-+-+-+-+-+-+-+</a:t>
+            </a:r>
+          </a:p>
+          <a:p>
+            <a:r>
+              <a:rPr lang="en-CA" sz="900" dirty="0">
+                <a:latin typeface="Courier" pitchFamily="2" charset="0"/>
+              </a:rPr>
+              <a:t>   | IOAM Indicator Label                  | TC  |1|  TTL          |</a:t>
+            </a:r>
+          </a:p>
+          <a:p>
+            <a:r>
+              <a:rPr lang="en-CA" sz="900" dirty="0">
+                <a:latin typeface="Courier" pitchFamily="2" charset="0"/>
+              </a:rPr>
+              <a:t>   +-+-+-+-+-+-+-+-+-+-+-+-+-+-+-+-+-+-+-+-+-+-+-+-+-+-+-+-+-+-+-+-+&lt;-+</a:t>
+            </a:r>
+          </a:p>
+          <a:p>
+            <a:r>
+              <a:rPr lang="en-CA" sz="900" dirty="0">
+                <a:latin typeface="Courier" pitchFamily="2" charset="0"/>
+              </a:rPr>
+              <a:t>   |0 0 0 1|Version| Reserved      | IOAM G-</a:t>
+            </a:r>
+            <a:r>
+              <a:rPr lang="en-CA" sz="900" dirty="0" err="1">
+                <a:latin typeface="Courier" pitchFamily="2" charset="0"/>
+              </a:rPr>
+              <a:t>ACh</a:t>
+            </a:r>
+            <a:r>
+              <a:rPr lang="en-CA" sz="900" dirty="0">
+                <a:latin typeface="Courier" pitchFamily="2" charset="0"/>
+              </a:rPr>
+              <a:t>                    |  |</a:t>
+            </a:r>
+          </a:p>
+          <a:p>
+            <a:r>
+              <a:rPr lang="en-CA" sz="900" dirty="0">
+                <a:latin typeface="Courier" pitchFamily="2" charset="0"/>
+              </a:rPr>
+              <a:t>   +-+-+-+-+-+-+-+-+-+-+-+-+-+-+-+-+-+-+-+-+-+-+-+-+-+-+-+-+-+-+-+-+  |</a:t>
+            </a:r>
+          </a:p>
+          <a:p>
+            <a:r>
+              <a:rPr lang="en-CA" sz="900" dirty="0">
+                <a:latin typeface="Courier" pitchFamily="2" charset="0"/>
+              </a:rPr>
+              <a:t>   | Reserved      | Block Number  | IOAM-OPT-Type |</a:t>
+            </a:r>
+            <a:r>
+              <a:rPr lang="en-CA" sz="900" dirty="0">
+                <a:solidFill>
+                  <a:srgbClr val="C00000"/>
+                </a:solidFill>
+                <a:latin typeface="Courier" pitchFamily="2" charset="0"/>
+              </a:rPr>
+              <a:t>IOAM HDR Length</a:t>
+            </a:r>
+            <a:r>
+              <a:rPr lang="en-CA" sz="900" dirty="0">
+                <a:latin typeface="Courier" pitchFamily="2" charset="0"/>
+              </a:rPr>
+              <a:t>|  |</a:t>
+            </a:r>
+          </a:p>
+          <a:p>
+            <a:r>
+              <a:rPr lang="en-CA" sz="900" dirty="0">
+                <a:latin typeface="Courier" pitchFamily="2" charset="0"/>
+              </a:rPr>
+              <a:t>   +-+-+-+-+-+-+-+-+-+-+-+-+-+-+-+-+-+-+-+-+-+-+-+-+-+-+-+-+-+-+-+-+  I</a:t>
+            </a:r>
+          </a:p>
+          <a:p>
+            <a:r>
+              <a:rPr lang="en-CA" sz="900" dirty="0">
+                <a:latin typeface="Courier" pitchFamily="2" charset="0"/>
+              </a:rPr>
+              <a:t>   |                                                               |  O</a:t>
+            </a:r>
+          </a:p>
+          <a:p>
+            <a:r>
+              <a:rPr lang="en-CA" sz="900" dirty="0">
+                <a:latin typeface="Courier" pitchFamily="2" charset="0"/>
+              </a:rPr>
+              <a:t>   |                                                               |  A</a:t>
+            </a:r>
+          </a:p>
+          <a:p>
+            <a:r>
+              <a:rPr lang="en-CA" sz="900" dirty="0">
+                <a:latin typeface="Courier" pitchFamily="2" charset="0"/>
+              </a:rPr>
+              <a:t>   ~                 IOAM Option and Data Space                    ~  M</a:t>
+            </a:r>
+          </a:p>
+          <a:p>
+            <a:r>
+              <a:rPr lang="en-CA" sz="900" dirty="0">
+                <a:latin typeface="Courier" pitchFamily="2" charset="0"/>
+              </a:rPr>
+              <a:t>   |                                                               |  |</a:t>
+            </a:r>
+          </a:p>
+          <a:p>
+            <a:r>
+              <a:rPr lang="en-CA" sz="900" dirty="0">
+                <a:latin typeface="Courier" pitchFamily="2" charset="0"/>
+              </a:rPr>
+              <a:t>   |                                                               |  |</a:t>
+            </a:r>
+          </a:p>
+          <a:p>
+            <a:r>
+              <a:rPr lang="en-CA" sz="900" dirty="0">
+                <a:latin typeface="Courier" pitchFamily="2" charset="0"/>
+              </a:rPr>
+              <a:t>   +-+-+-+-+-+-+-+-+-+-+-+-+-+-+-+-+-+-+-+-+-+-+-+-+-+-+-+-+-+-+-+-+&lt;-+</a:t>
+            </a:r>
+          </a:p>
+          <a:p>
+            <a:r>
+              <a:rPr lang="en-CA" sz="900" dirty="0">
+                <a:solidFill>
+                  <a:srgbClr val="C00000"/>
+                </a:solidFill>
+                <a:latin typeface="Courier" pitchFamily="2" charset="0"/>
+              </a:rPr>
+              <a:t>   |0 0 0 1|Version| Reserved      | Channel Type                  |</a:t>
+            </a:r>
+          </a:p>
+          <a:p>
+            <a:r>
+              <a:rPr lang="en-CA" sz="900" dirty="0">
+                <a:solidFill>
+                  <a:srgbClr val="C00000"/>
+                </a:solidFill>
+                <a:latin typeface="Courier" pitchFamily="2" charset="0"/>
+              </a:rPr>
+              <a:t>   +-+-+-+-+-+-+-+-+-+-+-+-+-+-+-+-+-+-+-+-+-+-+-+-+-+-+-+-+-+-+-+-+</a:t>
+            </a:r>
+          </a:p>
+          <a:p>
+            <a:r>
+              <a:rPr lang="en-CA" sz="900" dirty="0">
+                <a:latin typeface="Courier" pitchFamily="2" charset="0"/>
+              </a:rPr>
+              <a:t>   |                                                               |</a:t>
+            </a:r>
+          </a:p>
+          <a:p>
+            <a:r>
+              <a:rPr lang="en-CA" sz="900" dirty="0">
+                <a:latin typeface="Courier" pitchFamily="2" charset="0"/>
+              </a:rPr>
+              <a:t>   |                                                               |</a:t>
+            </a:r>
+          </a:p>
+          <a:p>
+            <a:r>
+              <a:rPr lang="en-CA" sz="900" dirty="0">
+                <a:latin typeface="Courier" pitchFamily="2" charset="0"/>
+              </a:rPr>
+              <a:t>   ~                 Payload + Padding                             ~</a:t>
+            </a:r>
+          </a:p>
+          <a:p>
+            <a:r>
+              <a:rPr lang="en-CA" sz="900" dirty="0">
+                <a:latin typeface="Courier" pitchFamily="2" charset="0"/>
+              </a:rPr>
+              <a:t>   |                                                               |</a:t>
+            </a:r>
+          </a:p>
+          <a:p>
+            <a:r>
+              <a:rPr lang="en-CA" sz="900" dirty="0">
+                <a:latin typeface="Courier" pitchFamily="2" charset="0"/>
+              </a:rPr>
+              <a:t>   |                                                               |</a:t>
+            </a:r>
+          </a:p>
+          <a:p>
+            <a:r>
+              <a:rPr lang="en-CA" sz="900" dirty="0">
+                <a:latin typeface="Courier" pitchFamily="2" charset="0"/>
+              </a:rPr>
+              <a:t>   +-+-+-+-+-+-+-+-+-+-+-+-+-+-+-+-+-+-+-+-+-+-+-+-+-+-+-+-+-+-+-+-+</a:t>
+            </a:r>
+          </a:p>
+          <a:p>
+            <a:r>
+              <a:rPr lang="en-CA" sz="900" dirty="0">
+                <a:latin typeface="Courier" pitchFamily="2" charset="0"/>
+              </a:rPr>
+              <a:t> </a:t>
+            </a:r>
+          </a:p>
+          <a:p>
+            <a:r>
+              <a:rPr lang="en-CA" sz="900" dirty="0">
+                <a:latin typeface="Courier" pitchFamily="2" charset="0"/>
+              </a:rPr>
+              <a:t>     Figure: IOAM Header with MPLS Encapsulation with Another ACH</a:t>
+            </a:r>
+            <a:endParaRPr lang="en-CA" sz="900" dirty="0">
+              <a:latin typeface="Courier" pitchFamily="2" charset="0"/>
+              <a:ea typeface="Calibri" panose="020F0502020204030204" pitchFamily="34" charset="0"/>
+              <a:cs typeface="Times New Roman" panose="02020603050405020304" pitchFamily="18" charset="0"/>
+            </a:endParaRPr>
           </a:p>
         </p:txBody>
       </p:sp>
     </p:spTree>
     <p:extLst>
       <p:ext uri="{BB962C8B-B14F-4D97-AF65-F5344CB8AC3E}">
-        <p14:creationId xmlns:p14="http://schemas.microsoft.com/office/powerpoint/2010/main" val="3790289133"/>
+        <p14:creationId xmlns:p14="http://schemas.microsoft.com/office/powerpoint/2010/main" val="3691924194"/>
       </p:ext>
     </p:extLst>
   </p:cSld>

--- a/draft-gandhi-mpls-ioam-sr-05.pptx
+++ b/draft-gandhi-mpls-ioam-sr-05.pptx
@@ -36,11 +36,11 @@
     <p:sldId id="1688" r:id="rId24"/>
     <p:sldId id="1687" r:id="rId25"/>
     <p:sldId id="1690" r:id="rId26"/>
-    <p:sldId id="1692" r:id="rId27"/>
+    <p:sldId id="1696" r:id="rId27"/>
     <p:sldId id="1695" r:id="rId28"/>
-    <p:sldId id="1693" r:id="rId29"/>
-    <p:sldId id="1686" r:id="rId30"/>
-    <p:sldId id="1669" r:id="rId31"/>
+    <p:sldId id="1686" r:id="rId29"/>
+    <p:sldId id="1669" r:id="rId30"/>
+    <p:sldId id="1692" r:id="rId31"/>
   </p:sldIdLst>
   <p:sldSz cx="9144000" cy="5143500" type="screen16x9"/>
   <p:notesSz cx="6858000" cy="9144000"/>
@@ -1501,7 +1501,7 @@
               <a:pPr>
                 <a:defRPr/>
               </a:pPr>
-              <a:t>30</a:t>
+              <a:t>29</a:t>
             </a:fld>
             <a:endParaRPr lang="en-US" altLang="zh-CN"/>
           </a:p>
@@ -11271,7 +11271,7 @@
                 <a:latin typeface="Calibri Light" panose="020F0302020204030204" pitchFamily="34" charset="0"/>
                 <a:cs typeface="Calibri Light" panose="020F0302020204030204" pitchFamily="34" charset="0"/>
               </a:rPr>
-              <a:t>IOAM Header and Another Control Word</a:t>
+              <a:t>IOAM Header and Other Control Words</a:t>
             </a:r>
           </a:p>
         </p:txBody>
@@ -11294,8 +11294,8 @@
         </p:nvSpPr>
         <p:spPr>
           <a:xfrm>
-            <a:off x="533400" y="971550"/>
-            <a:ext cx="8153400" cy="3505199"/>
+            <a:off x="533400" y="971551"/>
+            <a:ext cx="8153400" cy="3124200"/>
           </a:xfrm>
         </p:spPr>
         <p:txBody>
@@ -11315,7 +11315,7 @@
                 <a:latin typeface="Calibri" panose="020F0502020204030204" pitchFamily="34" charset="0"/>
                 <a:cs typeface="Calibri" panose="020F0502020204030204" pitchFamily="34" charset="0"/>
               </a:rPr>
-              <a:t>IOAM header is considered part of the MPLS </a:t>
+              <a:t>IOAM header is part of the MPLS </a:t>
             </a:r>
             <a:r>
               <a:rPr lang="en-CA" sz="2000" dirty="0"/>
@@ -11326,7 +11326,7 @@
                 <a:latin typeface="Calibri" panose="020F0502020204030204" pitchFamily="34" charset="0"/>
                 <a:cs typeface="Calibri" panose="020F0502020204030204" pitchFamily="34" charset="0"/>
               </a:rPr>
-              <a:t>, any other control word is added after the IOAM Header with the packet.</a:t>
+              <a:t>, any other control word is added after the IOAM header in the data packet.</a:t>
             </a:r>
           </a:p>
           <a:p>
@@ -11384,11 +11384,18 @@
               </a:spcBef>
             </a:pPr>
             <a:r>
+              <a:rPr lang="en-CA" sz="2000" i="1" dirty="0">
+                <a:latin typeface="Calibri" panose="020F0502020204030204" pitchFamily="34" charset="0"/>
+                <a:cs typeface="Calibri" panose="020F0502020204030204" pitchFamily="34" charset="0"/>
+              </a:rPr>
+              <a:t>IOAM HDR Length </a:t>
+            </a:r>
+            <a:r>
               <a:rPr lang="en-CA" sz="2000" dirty="0">
                 <a:latin typeface="Calibri" panose="020F0502020204030204" pitchFamily="34" charset="0"/>
                 <a:cs typeface="Calibri" panose="020F0502020204030204" pitchFamily="34" charset="0"/>
               </a:rPr>
-              <a:t>IOAM HDR Length allows to find the Control word after the IOAM header.</a:t>
+              <a:t>allows to find the Control word after the IOAM header.</a:t>
             </a:r>
           </a:p>
           <a:p>
@@ -11749,7 +11756,7 @@
             <a:r>
               <a:rPr lang="en-CA" sz="900" dirty="0">
                 <a:solidFill>
-                  <a:srgbClr val="C00000"/>
+                  <a:srgbClr val="0070C0"/>
                 </a:solidFill>
                 <a:latin typeface="Courier" pitchFamily="2" charset="0"/>
               </a:rPr>
@@ -11822,7 +11829,7 @@
             <a:r>
               <a:rPr lang="en-CA" sz="900" dirty="0">
                 <a:solidFill>
-                  <a:srgbClr val="C00000"/>
+                  <a:srgbClr val="0070C0"/>
                 </a:solidFill>
                 <a:latin typeface="Courier" pitchFamily="2" charset="0"/>
               </a:rPr>
@@ -11833,7 +11840,7 @@
             <a:r>
               <a:rPr lang="en-CA" sz="900" dirty="0">
                 <a:solidFill>
-                  <a:srgbClr val="C00000"/>
+                  <a:srgbClr val="0070C0"/>
                 </a:solidFill>
                 <a:latin typeface="Courier" pitchFamily="2" charset="0"/>
               </a:rPr>
@@ -11959,8 +11966,8 @@
         </p:nvSpPr>
         <p:spPr>
           <a:xfrm>
-            <a:off x="304800" y="0"/>
-            <a:ext cx="8534400" cy="717589"/>
+            <a:off x="0" y="0"/>
+            <a:ext cx="8839200" cy="717589"/>
           </a:xfrm>
         </p:spPr>
         <p:txBody>
@@ -11975,7 +11982,7 @@
                 <a:latin typeface="Calibri Light" panose="020F0302020204030204" pitchFamily="34" charset="0"/>
                 <a:cs typeface="Calibri Light" panose="020F0302020204030204" pitchFamily="34" charset="0"/>
               </a:rPr>
-              <a:t>Example IOAM Header with </a:t>
+              <a:t>Example 1 - IOAM Header with </a:t>
             </a:r>
             <a:r>
               <a:rPr lang="en-US" sz="3200" dirty="0" err="1">
@@ -11995,7 +12002,7 @@
                 <a:latin typeface="Calibri Light" panose="020F0302020204030204" pitchFamily="34" charset="0"/>
                 <a:cs typeface="Calibri Light" panose="020F0302020204030204" pitchFamily="34" charset="0"/>
               </a:rPr>
-              <a:t> Control Word</a:t>
+              <a:t> Control Word </a:t>
             </a:r>
           </a:p>
         </p:txBody>
@@ -12221,7 +12228,7 @@
             <a:r>
               <a:rPr lang="en-CA" sz="900" dirty="0">
                 <a:solidFill>
-                  <a:srgbClr val="C00000"/>
+                  <a:srgbClr val="0070C0"/>
                 </a:solidFill>
                 <a:latin typeface="Courier" pitchFamily="2" charset="0"/>
               </a:rPr>
@@ -12298,12 +12305,21 @@
                 </a:solidFill>
                 <a:latin typeface="Courier" pitchFamily="2" charset="0"/>
               </a:rPr>
-              <a:t>   |0 0 0 0| Sequence Number (</a:t>
+              <a:t>   </a:t>
+            </a:r>
+            <a:r>
+              <a:rPr lang="en-CA" sz="900" dirty="0">
+                <a:solidFill>
+                  <a:srgbClr val="0070C0"/>
+                </a:solidFill>
+                <a:latin typeface="Courier" pitchFamily="2" charset="0"/>
+              </a:rPr>
+              <a:t>|0 0 0 0| Sequence Number (</a:t>
             </a:r>
             <a:r>
               <a:rPr lang="en-CA" sz="900" dirty="0" err="1">
                 <a:solidFill>
-                  <a:srgbClr val="C00000"/>
+                  <a:srgbClr val="0070C0"/>
                 </a:solidFill>
                 <a:latin typeface="Courier" pitchFamily="2" charset="0"/>
               </a:rPr>
@@ -12312,7 +12328,7 @@
             <a:r>
               <a:rPr lang="en-CA" sz="900" dirty="0">
                 <a:solidFill>
-                  <a:srgbClr val="C00000"/>
+                  <a:srgbClr val="0070C0"/>
                 </a:solidFill>
                 <a:latin typeface="Courier" pitchFamily="2" charset="0"/>
               </a:rPr>
@@ -12323,7 +12339,7 @@
             <a:r>
               <a:rPr lang="en-CA" sz="900" dirty="0">
                 <a:solidFill>
-                  <a:srgbClr val="C00000"/>
+                  <a:srgbClr val="0070C0"/>
                 </a:solidFill>
                 <a:latin typeface="Courier" pitchFamily="2" charset="0"/>
               </a:rPr>
@@ -12514,7 +12530,7 @@
           <p:cNvPr id="2" name="Title 1">
             <a:extLst>
               <a:ext uri="{FF2B5EF4-FFF2-40B4-BE49-F238E27FC236}">
-                <a16:creationId xmlns:a16="http://schemas.microsoft.com/office/drawing/2014/main" id="{3E8907F7-DB3A-6445-92A9-566917C37FB4}"/>
+                <a16:creationId xmlns:a16="http://schemas.microsoft.com/office/drawing/2014/main" id="{16C5255E-BE42-5348-AC0F-6257873BBB61}"/>
               </a:ext>
             </a:extLst>
           </p:cNvPr>
@@ -12527,14 +12543,24 @@
         </p:nvSpPr>
         <p:spPr>
           <a:xfrm>
-            <a:off x="457200" y="0"/>
-            <a:ext cx="8229600" cy="857250"/>
+            <a:off x="0" y="0"/>
+            <a:ext cx="9144000" cy="717589"/>
           </a:xfrm>
         </p:spPr>
         <p:txBody>
           <a:bodyPr/>
           <a:lstStyle/>
           <a:p>
+            <a:r>
+              <a:rPr lang="en-US" sz="3200" dirty="0">
+                <a:solidFill>
+                  <a:srgbClr val="0070C0"/>
+                </a:solidFill>
+                <a:latin typeface="Calibri Light" panose="020F0302020204030204" pitchFamily="34" charset="0"/>
+                <a:cs typeface="Calibri Light" panose="020F0302020204030204" pitchFamily="34" charset="0"/>
+              </a:rPr>
+              <a:t>Example 2 - IOAM Header with </a:t>
+            </a:r>
             <a:r>
               <a:rPr lang="en-US" sz="3200" dirty="0" err="1">
                 <a:solidFill>
@@ -12553,9 +12579,8 @@
                 <a:latin typeface="Calibri Light" panose="020F0302020204030204" pitchFamily="34" charset="0"/>
                 <a:cs typeface="Calibri Light" panose="020F0302020204030204" pitchFamily="34" charset="0"/>
               </a:rPr>
-              <a:t> Draft Examples</a:t>
-            </a:r>
-            <a:endParaRPr lang="en-US" sz="3200" dirty="0"/>
+              <a:t> Control Word</a:t>
+            </a:r>
           </a:p>
         </p:txBody>
       </p:sp>
@@ -12564,7 +12589,7 @@
           <p:cNvPr id="4" name="Footer Placeholder 3">
             <a:extLst>
               <a:ext uri="{FF2B5EF4-FFF2-40B4-BE49-F238E27FC236}">
-                <a16:creationId xmlns:a16="http://schemas.microsoft.com/office/drawing/2014/main" id="{E6C86001-8481-C84B-A042-A7318C5B04A6}"/>
+                <a16:creationId xmlns:a16="http://schemas.microsoft.com/office/drawing/2014/main" id="{CF70CC82-C055-3645-9254-87CEC1C49032}"/>
               </a:ext>
             </a:extLst>
           </p:cNvPr>
@@ -12575,7 +12600,12 @@
             <p:ph type="ftr" sz="quarter" idx="11"/>
           </p:nvPr>
         </p:nvSpPr>
-        <p:spPr/>
+        <p:spPr>
+          <a:xfrm>
+            <a:off x="3124200" y="4786312"/>
+            <a:ext cx="2895600" cy="357188"/>
+          </a:xfrm>
+        </p:spPr>
         <p:txBody>
           <a:bodyPr/>
           <a:lstStyle/>
@@ -12584,18 +12614,17 @@
               <a:defRPr/>
             </a:pPr>
             <a:r>
-              <a:rPr lang="en-US" altLang="zh-CN"/>
+              <a:rPr lang="en-US" altLang="zh-CN" dirty="0"/>
               <a:t>110</a:t>
             </a:r>
             <a:r>
-              <a:rPr lang="en-US" altLang="zh-CN" baseline="30000"/>
+              <a:rPr lang="en-US" altLang="zh-CN" baseline="30000" dirty="0"/>
               <a:t>th</a:t>
             </a:r>
             <a:r>
-              <a:rPr lang="en-US" altLang="zh-CN"/>
+              <a:rPr lang="en-US" altLang="zh-CN" dirty="0"/>
               <a:t> IETF Online</a:t>
             </a:r>
-            <a:endParaRPr lang="en-US" altLang="zh-CN" dirty="0"/>
           </a:p>
         </p:txBody>
       </p:sp>
@@ -12604,7 +12633,7 @@
           <p:cNvPr id="5" name="Slide Number Placeholder 4">
             <a:extLst>
               <a:ext uri="{FF2B5EF4-FFF2-40B4-BE49-F238E27FC236}">
-                <a16:creationId xmlns:a16="http://schemas.microsoft.com/office/drawing/2014/main" id="{671D8CF7-36B2-D945-91DA-240461A3D530}"/>
+                <a16:creationId xmlns:a16="http://schemas.microsoft.com/office/drawing/2014/main" id="{62DF7D69-BCF6-2D4A-A3F1-2D32C59355D3}"/>
               </a:ext>
             </a:extLst>
           </p:cNvPr>
@@ -12630,7 +12659,7 @@
               </a:pPr>
               <a:t>26</a:t>
             </a:fld>
-            <a:endParaRPr lang="en-US" altLang="zh-CN"/>
+            <a:endParaRPr lang="en-US" altLang="zh-CN" dirty="0"/>
           </a:p>
         </p:txBody>
       </p:sp>
@@ -12639,7 +12668,7 @@
           <p:cNvPr id="6" name="Rectangle 5">
             <a:extLst>
               <a:ext uri="{FF2B5EF4-FFF2-40B4-BE49-F238E27FC236}">
-                <a16:creationId xmlns:a16="http://schemas.microsoft.com/office/drawing/2014/main" id="{C20967AB-2779-D848-8775-51D4A949B4D7}"/>
+                <a16:creationId xmlns:a16="http://schemas.microsoft.com/office/drawing/2014/main" id="{E614F343-6DC2-A943-8496-BE1E2B6072CE}"/>
               </a:ext>
             </a:extLst>
           </p:cNvPr>
@@ -12648,8 +12677,8 @@
         </p:nvSpPr>
         <p:spPr>
           <a:xfrm>
-            <a:off x="266307" y="857250"/>
-            <a:ext cx="4534293" cy="2585323"/>
+            <a:off x="2057400" y="590550"/>
+            <a:ext cx="4648200" cy="4524315"/>
           </a:xfrm>
           <a:prstGeom prst="rect">
             <a:avLst/>
@@ -12667,705 +12696,414 @@
           </a:bodyPr>
           <a:lstStyle/>
           <a:p>
-            <a:pPr>
-              <a:tabLst>
-                <a:tab pos="581660" algn="l"/>
-                <a:tab pos="1163320" algn="l"/>
-                <a:tab pos="1744980" algn="l"/>
-                <a:tab pos="2326640" algn="l"/>
-                <a:tab pos="2908300" algn="l"/>
-                <a:tab pos="3489960" algn="l"/>
-                <a:tab pos="4071620" algn="l"/>
-                <a:tab pos="4653280" algn="l"/>
-                <a:tab pos="5234940" algn="l"/>
-                <a:tab pos="5816600" algn="l"/>
-                <a:tab pos="6398260" algn="l"/>
-                <a:tab pos="6979920" algn="l"/>
-                <a:tab pos="7561580" algn="l"/>
-                <a:tab pos="8143240" algn="l"/>
-                <a:tab pos="8724900" algn="l"/>
-                <a:tab pos="9306560" algn="l"/>
-              </a:tabLst>
-            </a:pPr>
-            <a:r>
-              <a:rPr lang="en-CA" sz="900" dirty="0">
-                <a:latin typeface="Courier" pitchFamily="2" charset="0"/>
-                <a:ea typeface="Times New Roman" panose="02020603050405020304" pitchFamily="18" charset="0"/>
-                <a:cs typeface="Times New Roman" panose="02020603050405020304" pitchFamily="18" charset="0"/>
-              </a:rPr>
-              <a:t>   +---------------------------------+ &lt;--\</a:t>
-            </a:r>
-            <a:endParaRPr lang="en-CA" sz="900" dirty="0">
+            <a:r>
+              <a:rPr lang="en-CA" sz="800" dirty="0">
+                <a:latin typeface="Courier" pitchFamily="2" charset="0"/>
+              </a:rPr>
+              <a:t>   0                   1                   2                   3</a:t>
+            </a:r>
+          </a:p>
+          <a:p>
+            <a:r>
+              <a:rPr lang="en-CA" sz="800" dirty="0">
+                <a:latin typeface="Courier" pitchFamily="2" charset="0"/>
+              </a:rPr>
+              <a:t>   0 1 2 3 4 5 6 7 8 9 0 1 2 3 4 5 6 7 8 9 0 1 2 3 4 5 6 7 8 9 0 1</a:t>
+            </a:r>
+          </a:p>
+          <a:p>
+            <a:r>
+              <a:rPr lang="en-CA" sz="800" dirty="0">
+                <a:latin typeface="Courier" pitchFamily="2" charset="0"/>
+              </a:rPr>
+              <a:t>   +-+-+-+-+-+-+-+-+-+-+-+-+-+-+-+-+-+-+-+-+-+-+-+-+-+-+-+-+-+-+-+-+</a:t>
+            </a:r>
+          </a:p>
+          <a:p>
+            <a:r>
+              <a:rPr lang="en-CA" sz="800" dirty="0">
+                <a:latin typeface="Courier" pitchFamily="2" charset="0"/>
+              </a:rPr>
+              <a:t>   | [F-Label(s)]                          | TC  |S|  TTL          |</a:t>
+            </a:r>
+          </a:p>
+          <a:p>
+            <a:r>
+              <a:rPr lang="en-CA" sz="800" dirty="0">
+                <a:latin typeface="Courier" pitchFamily="2" charset="0"/>
+              </a:rPr>
+              <a:t>   +-+-+-+-+-+-+-+-+-+-+-+-+-+-+-+-+-+-+-+-+-+-+-+-+-+-+-+-+-+-+-+-+</a:t>
+            </a:r>
+          </a:p>
+          <a:p>
+            <a:r>
+              <a:rPr lang="en-CA" sz="800" dirty="0">
+                <a:latin typeface="Courier" pitchFamily="2" charset="0"/>
+              </a:rPr>
+              <a:t>   | A-Label                               | TC  |S|  TTL          |</a:t>
+            </a:r>
+          </a:p>
+          <a:p>
+            <a:r>
+              <a:rPr lang="en-CA" sz="800" dirty="0">
+                <a:latin typeface="Courier" pitchFamily="2" charset="0"/>
+              </a:rPr>
+              <a:t>   +-+-+-+-+-+-+-+-+-+-+-+-+-+-+-+-+-+-+-+-+-+-+-+-+-+-+-+-+-+-+-+-+</a:t>
+            </a:r>
+          </a:p>
+          <a:p>
+            <a:r>
+              <a:rPr lang="en-CA" sz="800" dirty="0">
+                <a:solidFill>
+                  <a:srgbClr val="C00000"/>
+                </a:solidFill>
+                <a:latin typeface="Courier" pitchFamily="2" charset="0"/>
+              </a:rPr>
+              <a:t>   </a:t>
+            </a:r>
+            <a:r>
+              <a:rPr lang="en-CA" sz="800" dirty="0">
+                <a:solidFill>
+                  <a:srgbClr val="0070C0"/>
+                </a:solidFill>
+                <a:latin typeface="Courier" pitchFamily="2" charset="0"/>
+              </a:rPr>
+              <a:t>|0 0 0 0| Sequence Number (</a:t>
+            </a:r>
+            <a:r>
+              <a:rPr lang="en-CA" sz="800" dirty="0" err="1">
+                <a:solidFill>
+                  <a:srgbClr val="0070C0"/>
+                </a:solidFill>
+                <a:latin typeface="Courier" pitchFamily="2" charset="0"/>
+              </a:rPr>
+              <a:t>DetNet</a:t>
+            </a:r>
+            <a:r>
+              <a:rPr lang="en-CA" sz="800" dirty="0">
+                <a:solidFill>
+                  <a:srgbClr val="0070C0"/>
+                </a:solidFill>
+                <a:latin typeface="Courier" pitchFamily="2" charset="0"/>
+              </a:rPr>
+              <a:t> Control Word)                 |</a:t>
+            </a:r>
+          </a:p>
+          <a:p>
+            <a:r>
+              <a:rPr lang="en-CA" sz="800" dirty="0">
+                <a:latin typeface="Courier" pitchFamily="2" charset="0"/>
+              </a:rPr>
+              <a:t>   +-+-+-+-+-+-+-+-+-+-+-+-+-+-+-+-+-+-+-+-+-+-+-+-+-+-+-+-+-+-+-+-+</a:t>
+            </a:r>
+          </a:p>
+          <a:p>
+            <a:r>
+              <a:rPr lang="en-CA" sz="800" dirty="0">
+                <a:latin typeface="Courier" pitchFamily="2" charset="0"/>
+              </a:rPr>
+              <a:t>   | [F-Label(s)]                          | TC  |S|  TTL          |</a:t>
+            </a:r>
+          </a:p>
+          <a:p>
+            <a:r>
+              <a:rPr lang="en-CA" sz="800" dirty="0">
+                <a:latin typeface="Courier" pitchFamily="2" charset="0"/>
+              </a:rPr>
+              <a:t>   +-+-+-+-+-+-+-+-+-+-+-+-+-+-+-+-+-+-+-+-+-+-+-+-+-+-+-+-+-+-+-+-+</a:t>
+            </a:r>
+          </a:p>
+          <a:p>
+            <a:r>
+              <a:rPr lang="en-CA" sz="800" dirty="0">
+                <a:latin typeface="Courier" pitchFamily="2" charset="0"/>
+              </a:rPr>
+              <a:t>   | S-Label                               | TC  |S|  TTL          |</a:t>
+            </a:r>
+          </a:p>
+          <a:p>
+            <a:r>
+              <a:rPr lang="en-CA" sz="800" dirty="0">
+                <a:latin typeface="Courier" pitchFamily="2" charset="0"/>
+              </a:rPr>
+              <a:t>   +-+-+-+-+-+-+-+-+-+-+-+-+-+-+-+-+-+-+-+-+-+-+-+-+-+-+-+-+-+-+-+-+</a:t>
+            </a:r>
+          </a:p>
+          <a:p>
+            <a:r>
+              <a:rPr lang="en-CA" sz="800" dirty="0">
+                <a:latin typeface="Courier" pitchFamily="2" charset="0"/>
+              </a:rPr>
+              <a:t>   | IOAM Indicator Label                  | TC  |1|  TTL          |</a:t>
+            </a:r>
+          </a:p>
+          <a:p>
+            <a:r>
+              <a:rPr lang="en-CA" sz="800" dirty="0">
+                <a:latin typeface="Courier" pitchFamily="2" charset="0"/>
+              </a:rPr>
+              <a:t>   +-+-+-+-+-+-+-+-+-+-+-+-+-+-+-+-+-+-+-+-+-+-+-+-+-+-+-+-+-+-+-+-+&lt;-+</a:t>
+            </a:r>
+          </a:p>
+          <a:p>
+            <a:r>
+              <a:rPr lang="en-CA" sz="800" dirty="0">
+                <a:latin typeface="Courier" pitchFamily="2" charset="0"/>
+              </a:rPr>
+              <a:t>   |0 0 0 1|Version| Reserved      | IOAM G-</a:t>
+            </a:r>
+            <a:r>
+              <a:rPr lang="en-CA" sz="800" dirty="0" err="1">
+                <a:latin typeface="Courier" pitchFamily="2" charset="0"/>
+              </a:rPr>
+              <a:t>ACh</a:t>
+            </a:r>
+            <a:r>
+              <a:rPr lang="en-CA" sz="800" dirty="0">
+                <a:latin typeface="Courier" pitchFamily="2" charset="0"/>
+              </a:rPr>
+              <a:t>                    |  |</a:t>
+            </a:r>
+          </a:p>
+          <a:p>
+            <a:r>
+              <a:rPr lang="en-CA" sz="800" dirty="0">
+                <a:latin typeface="Courier" pitchFamily="2" charset="0"/>
+              </a:rPr>
+              <a:t>   +-+-+-+-+-+-+-+-+-+-+-+-+-+-+-+-+-+-+-+-+-+-+-+-+-+-+-+-+-+-+-+-+  |</a:t>
+            </a:r>
+          </a:p>
+          <a:p>
+            <a:r>
+              <a:rPr lang="en-CA" sz="800" dirty="0">
+                <a:latin typeface="Courier" pitchFamily="2" charset="0"/>
+              </a:rPr>
+              <a:t>   | Reserved      | Block Number  | IOAM-OPT-Type |</a:t>
+            </a:r>
+            <a:r>
+              <a:rPr lang="en-CA" sz="800" dirty="0">
+                <a:solidFill>
+                  <a:srgbClr val="0070C0"/>
+                </a:solidFill>
+                <a:latin typeface="Courier" pitchFamily="2" charset="0"/>
+              </a:rPr>
+              <a:t>IOAM HDR Length</a:t>
+            </a:r>
+            <a:r>
+              <a:rPr lang="en-CA" sz="800" dirty="0">
+                <a:latin typeface="Courier" pitchFamily="2" charset="0"/>
+              </a:rPr>
+              <a:t>|  |</a:t>
+            </a:r>
+          </a:p>
+          <a:p>
+            <a:r>
+              <a:rPr lang="en-CA" sz="800" dirty="0">
+                <a:latin typeface="Courier" pitchFamily="2" charset="0"/>
+              </a:rPr>
+              <a:t>   +-+-+-+-+-+-+-+-+-+-+-+-+-+-+-+-+-+-+-+-+-+-+-+-+-+-+-+-+-+-+-+-+  I</a:t>
+            </a:r>
+          </a:p>
+          <a:p>
+            <a:r>
+              <a:rPr lang="en-CA" sz="800" dirty="0">
+                <a:latin typeface="Courier" pitchFamily="2" charset="0"/>
+              </a:rPr>
+              <a:t>   |                                                               |  O</a:t>
+            </a:r>
+          </a:p>
+          <a:p>
+            <a:r>
+              <a:rPr lang="en-CA" sz="800" dirty="0">
+                <a:latin typeface="Courier" pitchFamily="2" charset="0"/>
+              </a:rPr>
+              <a:t>   |                                                               |  A</a:t>
+            </a:r>
+          </a:p>
+          <a:p>
+            <a:r>
+              <a:rPr lang="en-CA" sz="800" dirty="0">
+                <a:latin typeface="Courier" pitchFamily="2" charset="0"/>
+              </a:rPr>
+              <a:t>   ~                 IOAM Option and Data Space                    ~  M</a:t>
+            </a:r>
+          </a:p>
+          <a:p>
+            <a:r>
+              <a:rPr lang="en-CA" sz="800" dirty="0">
+                <a:latin typeface="Courier" pitchFamily="2" charset="0"/>
+              </a:rPr>
+              <a:t>   |                                                               |  |</a:t>
+            </a:r>
+          </a:p>
+          <a:p>
+            <a:r>
+              <a:rPr lang="en-CA" sz="800" dirty="0">
+                <a:latin typeface="Courier" pitchFamily="2" charset="0"/>
+              </a:rPr>
+              <a:t>   |                                                               |  |</a:t>
+            </a:r>
+          </a:p>
+          <a:p>
+            <a:r>
+              <a:rPr lang="en-CA" sz="800" dirty="0">
+                <a:latin typeface="Courier" pitchFamily="2" charset="0"/>
+              </a:rPr>
+              <a:t>   +-+-+-+-+-+-+-+-+-+-+-+-+-+-+-+-+-+-+-+-+-+-+-+-+-+-+-+-+-+-+-+-+&lt;-+</a:t>
+            </a:r>
+          </a:p>
+          <a:p>
+            <a:r>
+              <a:rPr lang="en-CA" sz="800" dirty="0">
+                <a:solidFill>
+                  <a:srgbClr val="C00000"/>
+                </a:solidFill>
+                <a:latin typeface="Courier" pitchFamily="2" charset="0"/>
+              </a:rPr>
+              <a:t>   </a:t>
+            </a:r>
+            <a:r>
+              <a:rPr lang="en-CA" sz="800" dirty="0">
+                <a:solidFill>
+                  <a:srgbClr val="0070C0"/>
+                </a:solidFill>
+                <a:latin typeface="Courier" pitchFamily="2" charset="0"/>
+              </a:rPr>
+              <a:t>|0 0 0 0| Sequence Number (</a:t>
+            </a:r>
+            <a:r>
+              <a:rPr lang="en-CA" sz="800" dirty="0" err="1">
+                <a:solidFill>
+                  <a:srgbClr val="0070C0"/>
+                </a:solidFill>
+                <a:latin typeface="Courier" pitchFamily="2" charset="0"/>
+              </a:rPr>
+              <a:t>DetNet</a:t>
+            </a:r>
+            <a:r>
+              <a:rPr lang="en-CA" sz="800" dirty="0">
+                <a:solidFill>
+                  <a:srgbClr val="0070C0"/>
+                </a:solidFill>
+                <a:latin typeface="Courier" pitchFamily="2" charset="0"/>
+              </a:rPr>
+              <a:t> Control Word)                 |</a:t>
+            </a:r>
+          </a:p>
+          <a:p>
+            <a:r>
+              <a:rPr lang="en-CA" sz="800" dirty="0">
+                <a:solidFill>
+                  <a:srgbClr val="0070C0"/>
+                </a:solidFill>
+                <a:latin typeface="Courier" pitchFamily="2" charset="0"/>
+              </a:rPr>
+              <a:t>   +-+-+-+-+-+-+-+-+-+-+-+-+-+-+-+-+-+-+-+-+-+-+-+-+-+-+-+-+-+-+-+-+</a:t>
+            </a:r>
+          </a:p>
+          <a:p>
+            <a:r>
+              <a:rPr lang="en-CA" sz="800" dirty="0">
+                <a:latin typeface="Courier" pitchFamily="2" charset="0"/>
+              </a:rPr>
+              <a:t>   |                                                               |</a:t>
+            </a:r>
+          </a:p>
+          <a:p>
+            <a:r>
+              <a:rPr lang="en-CA" sz="800" dirty="0">
+                <a:latin typeface="Courier" pitchFamily="2" charset="0"/>
+              </a:rPr>
+              <a:t>   |                                                               |</a:t>
+            </a:r>
+          </a:p>
+          <a:p>
+            <a:r>
+              <a:rPr lang="en-CA" sz="800" dirty="0">
+                <a:latin typeface="Courier" pitchFamily="2" charset="0"/>
+              </a:rPr>
+              <a:t>   ~                 </a:t>
+            </a:r>
+            <a:r>
+              <a:rPr lang="en-CA" sz="800" dirty="0" err="1">
+                <a:latin typeface="Courier" pitchFamily="2" charset="0"/>
+              </a:rPr>
+              <a:t>DetNet</a:t>
+            </a:r>
+            <a:r>
+              <a:rPr lang="en-CA" sz="800" dirty="0">
+                <a:latin typeface="Courier" pitchFamily="2" charset="0"/>
+              </a:rPr>
+              <a:t> Flow                                   ~</a:t>
+            </a:r>
+          </a:p>
+          <a:p>
+            <a:r>
+              <a:rPr lang="en-CA" sz="800" dirty="0">
+                <a:latin typeface="Courier" pitchFamily="2" charset="0"/>
+              </a:rPr>
+              <a:t>   ~                 Payload Packet                                ~</a:t>
+            </a:r>
+          </a:p>
+          <a:p>
+            <a:r>
+              <a:rPr lang="en-CA" sz="800" dirty="0">
+                <a:latin typeface="Courier" pitchFamily="2" charset="0"/>
+              </a:rPr>
+              <a:t>   |                                                               |</a:t>
+            </a:r>
+          </a:p>
+          <a:p>
+            <a:r>
+              <a:rPr lang="en-CA" sz="800" dirty="0">
+                <a:latin typeface="Courier" pitchFamily="2" charset="0"/>
+              </a:rPr>
+              <a:t>   |                                                               |</a:t>
+            </a:r>
+          </a:p>
+          <a:p>
+            <a:r>
+              <a:rPr lang="en-CA" sz="800" dirty="0">
+                <a:latin typeface="Courier" pitchFamily="2" charset="0"/>
+              </a:rPr>
+              <a:t>   +-+-+-+-+-+-+-+-+-+-+-+-+-+-+-+-+-+-+-+-+-+-+-+-+-+-+-+-+-+-+-+-+</a:t>
+            </a:r>
+          </a:p>
+          <a:p>
+            <a:r>
+              <a:rPr lang="en-CA" sz="800" dirty="0">
+                <a:latin typeface="Courier" pitchFamily="2" charset="0"/>
+              </a:rPr>
+              <a:t> </a:t>
+            </a:r>
+          </a:p>
+          <a:p>
+            <a:r>
+              <a:rPr lang="en-CA" sz="800" dirty="0">
+                <a:latin typeface="Courier" pitchFamily="2" charset="0"/>
+              </a:rPr>
+              <a:t>       Figure: IOAM Header with MPLS Encapsulation with </a:t>
+            </a:r>
+            <a:r>
+              <a:rPr lang="en-CA" sz="800" dirty="0" err="1">
+                <a:latin typeface="Courier" pitchFamily="2" charset="0"/>
+              </a:rPr>
+              <a:t>DetNet</a:t>
+            </a:r>
+            <a:endParaRPr lang="en-CA" sz="800" dirty="0">
               <a:latin typeface="Courier" pitchFamily="2" charset="0"/>
               <a:ea typeface="Calibri" panose="020F0502020204030204" pitchFamily="34" charset="0"/>
               <a:cs typeface="Times New Roman" panose="02020603050405020304" pitchFamily="18" charset="0"/>
             </a:endParaRPr>
           </a:p>
-          <a:p>
-            <a:pPr>
-              <a:tabLst>
-                <a:tab pos="581660" algn="l"/>
-                <a:tab pos="1163320" algn="l"/>
-                <a:tab pos="1744980" algn="l"/>
-                <a:tab pos="2326640" algn="l"/>
-                <a:tab pos="2908300" algn="l"/>
-                <a:tab pos="3489960" algn="l"/>
-                <a:tab pos="4071620" algn="l"/>
-                <a:tab pos="4653280" algn="l"/>
-                <a:tab pos="5234940" algn="l"/>
-                <a:tab pos="5816600" algn="l"/>
-                <a:tab pos="6398260" algn="l"/>
-                <a:tab pos="6979920" algn="l"/>
-                <a:tab pos="7561580" algn="l"/>
-                <a:tab pos="8143240" algn="l"/>
-                <a:tab pos="8724900" algn="l"/>
-                <a:tab pos="9306560" algn="l"/>
-              </a:tabLst>
-            </a:pPr>
-            <a:r>
-              <a:rPr lang="en-CA" sz="900" dirty="0">
-                <a:latin typeface="Courier" pitchFamily="2" charset="0"/>
-                <a:ea typeface="Times New Roman" panose="02020603050405020304" pitchFamily="18" charset="0"/>
-                <a:cs typeface="Times New Roman" panose="02020603050405020304" pitchFamily="18" charset="0"/>
-              </a:rPr>
-              <a:t>   |           F-Label(s)            |    |</a:t>
-            </a:r>
-            <a:endParaRPr lang="en-CA" sz="900" dirty="0">
-              <a:latin typeface="Courier" pitchFamily="2" charset="0"/>
-              <a:ea typeface="Calibri" panose="020F0502020204030204" pitchFamily="34" charset="0"/>
-              <a:cs typeface="Times New Roman" panose="02020603050405020304" pitchFamily="18" charset="0"/>
-            </a:endParaRPr>
-          </a:p>
-          <a:p>
-            <a:pPr>
-              <a:tabLst>
-                <a:tab pos="581660" algn="l"/>
-                <a:tab pos="1163320" algn="l"/>
-                <a:tab pos="1744980" algn="l"/>
-                <a:tab pos="2326640" algn="l"/>
-                <a:tab pos="2908300" algn="l"/>
-                <a:tab pos="3489960" algn="l"/>
-                <a:tab pos="4071620" algn="l"/>
-                <a:tab pos="4653280" algn="l"/>
-                <a:tab pos="5234940" algn="l"/>
-                <a:tab pos="5816600" algn="l"/>
-                <a:tab pos="6398260" algn="l"/>
-                <a:tab pos="6979920" algn="l"/>
-                <a:tab pos="7561580" algn="l"/>
-                <a:tab pos="8143240" algn="l"/>
-                <a:tab pos="8724900" algn="l"/>
-                <a:tab pos="9306560" algn="l"/>
-              </a:tabLst>
-            </a:pPr>
-            <a:r>
-              <a:rPr lang="en-CA" sz="900" dirty="0">
-                <a:latin typeface="Courier" pitchFamily="2" charset="0"/>
-                <a:ea typeface="Times New Roman" panose="02020603050405020304" pitchFamily="18" charset="0"/>
-                <a:cs typeface="Times New Roman" panose="02020603050405020304" pitchFamily="18" charset="0"/>
-              </a:rPr>
-              <a:t>   +---------------------------------+    |</a:t>
-            </a:r>
-            <a:endParaRPr lang="en-CA" sz="900" dirty="0">
-              <a:latin typeface="Courier" pitchFamily="2" charset="0"/>
-              <a:ea typeface="Calibri" panose="020F0502020204030204" pitchFamily="34" charset="0"/>
-              <a:cs typeface="Times New Roman" panose="02020603050405020304" pitchFamily="18" charset="0"/>
-            </a:endParaRPr>
-          </a:p>
-          <a:p>
-            <a:pPr>
-              <a:tabLst>
-                <a:tab pos="581660" algn="l"/>
-                <a:tab pos="1163320" algn="l"/>
-                <a:tab pos="1744980" algn="l"/>
-                <a:tab pos="2326640" algn="l"/>
-                <a:tab pos="2908300" algn="l"/>
-                <a:tab pos="3489960" algn="l"/>
-                <a:tab pos="4071620" algn="l"/>
-                <a:tab pos="4653280" algn="l"/>
-                <a:tab pos="5234940" algn="l"/>
-                <a:tab pos="5816600" algn="l"/>
-                <a:tab pos="6398260" algn="l"/>
-                <a:tab pos="6979920" algn="l"/>
-                <a:tab pos="7561580" algn="l"/>
-                <a:tab pos="8143240" algn="l"/>
-                <a:tab pos="8724900" algn="l"/>
-                <a:tab pos="9306560" algn="l"/>
-              </a:tabLst>
-            </a:pPr>
-            <a:r>
-              <a:rPr lang="en-CA" sz="900" dirty="0">
-                <a:latin typeface="Courier" pitchFamily="2" charset="0"/>
-                <a:ea typeface="Times New Roman" panose="02020603050405020304" pitchFamily="18" charset="0"/>
-                <a:cs typeface="Times New Roman" panose="02020603050405020304" pitchFamily="18" charset="0"/>
-              </a:rPr>
-              <a:t>   |            A-Label              |    |</a:t>
-            </a:r>
-            <a:endParaRPr lang="en-CA" sz="900" dirty="0">
-              <a:latin typeface="Courier" pitchFamily="2" charset="0"/>
-              <a:ea typeface="Calibri" panose="020F0502020204030204" pitchFamily="34" charset="0"/>
-              <a:cs typeface="Times New Roman" panose="02020603050405020304" pitchFamily="18" charset="0"/>
-            </a:endParaRPr>
-          </a:p>
-          <a:p>
-            <a:pPr>
-              <a:tabLst>
-                <a:tab pos="581660" algn="l"/>
-                <a:tab pos="1163320" algn="l"/>
-                <a:tab pos="1744980" algn="l"/>
-                <a:tab pos="2326640" algn="l"/>
-                <a:tab pos="2908300" algn="l"/>
-                <a:tab pos="3489960" algn="l"/>
-                <a:tab pos="4071620" algn="l"/>
-                <a:tab pos="4653280" algn="l"/>
-                <a:tab pos="5234940" algn="l"/>
-                <a:tab pos="5816600" algn="l"/>
-                <a:tab pos="6398260" algn="l"/>
-                <a:tab pos="6979920" algn="l"/>
-                <a:tab pos="7561580" algn="l"/>
-                <a:tab pos="8143240" algn="l"/>
-                <a:tab pos="8724900" algn="l"/>
-                <a:tab pos="9306560" algn="l"/>
-              </a:tabLst>
-            </a:pPr>
-            <a:r>
-              <a:rPr lang="en-CA" sz="900" dirty="0">
-                <a:latin typeface="Courier" pitchFamily="2" charset="0"/>
-                <a:ea typeface="Times New Roman" panose="02020603050405020304" pitchFamily="18" charset="0"/>
-                <a:cs typeface="Times New Roman" panose="02020603050405020304" pitchFamily="18" charset="0"/>
-              </a:rPr>
-              <a:t>   +=================================+    |</a:t>
-            </a:r>
-            <a:endParaRPr lang="en-CA" sz="900" dirty="0">
-              <a:latin typeface="Courier" pitchFamily="2" charset="0"/>
-              <a:ea typeface="Calibri" panose="020F0502020204030204" pitchFamily="34" charset="0"/>
-              <a:cs typeface="Times New Roman" panose="02020603050405020304" pitchFamily="18" charset="0"/>
-            </a:endParaRPr>
-          </a:p>
-          <a:p>
-            <a:pPr>
-              <a:tabLst>
-                <a:tab pos="581660" algn="l"/>
-                <a:tab pos="1163320" algn="l"/>
-                <a:tab pos="1744980" algn="l"/>
-                <a:tab pos="2326640" algn="l"/>
-                <a:tab pos="2908300" algn="l"/>
-                <a:tab pos="3489960" algn="l"/>
-                <a:tab pos="4071620" algn="l"/>
-                <a:tab pos="4653280" algn="l"/>
-                <a:tab pos="5234940" algn="l"/>
-                <a:tab pos="5816600" algn="l"/>
-                <a:tab pos="6398260" algn="l"/>
-                <a:tab pos="6979920" algn="l"/>
-                <a:tab pos="7561580" algn="l"/>
-                <a:tab pos="8143240" algn="l"/>
-                <a:tab pos="8724900" algn="l"/>
-                <a:tab pos="9306560" algn="l"/>
-              </a:tabLst>
-            </a:pPr>
-            <a:r>
-              <a:rPr lang="en-CA" sz="900" dirty="0">
-                <a:latin typeface="Courier" pitchFamily="2" charset="0"/>
-                <a:ea typeface="Times New Roman" panose="02020603050405020304" pitchFamily="18" charset="0"/>
-                <a:cs typeface="Times New Roman" panose="02020603050405020304" pitchFamily="18" charset="0"/>
-              </a:rPr>
-              <a:t>   |       </a:t>
-            </a:r>
-            <a:r>
-              <a:rPr lang="en-CA" sz="900" dirty="0" err="1">
-                <a:latin typeface="Courier" pitchFamily="2" charset="0"/>
-                <a:ea typeface="Times New Roman" panose="02020603050405020304" pitchFamily="18" charset="0"/>
-                <a:cs typeface="Times New Roman" panose="02020603050405020304" pitchFamily="18" charset="0"/>
-              </a:rPr>
-              <a:t>DetNet</a:t>
-            </a:r>
-            <a:r>
-              <a:rPr lang="en-CA" sz="900" dirty="0">
-                <a:latin typeface="Courier" pitchFamily="2" charset="0"/>
-                <a:ea typeface="Times New Roman" panose="02020603050405020304" pitchFamily="18" charset="0"/>
-                <a:cs typeface="Times New Roman" panose="02020603050405020304" pitchFamily="18" charset="0"/>
-              </a:rPr>
-              <a:t> Control Word       |    |</a:t>
-            </a:r>
-            <a:endParaRPr lang="en-CA" sz="900" dirty="0">
-              <a:latin typeface="Courier" pitchFamily="2" charset="0"/>
-              <a:ea typeface="Calibri" panose="020F0502020204030204" pitchFamily="34" charset="0"/>
-              <a:cs typeface="Times New Roman" panose="02020603050405020304" pitchFamily="18" charset="0"/>
-            </a:endParaRPr>
-          </a:p>
-          <a:p>
-            <a:pPr>
-              <a:tabLst>
-                <a:tab pos="581660" algn="l"/>
-                <a:tab pos="1163320" algn="l"/>
-                <a:tab pos="1744980" algn="l"/>
-                <a:tab pos="2326640" algn="l"/>
-                <a:tab pos="2908300" algn="l"/>
-                <a:tab pos="3489960" algn="l"/>
-                <a:tab pos="4071620" algn="l"/>
-                <a:tab pos="4653280" algn="l"/>
-                <a:tab pos="5234940" algn="l"/>
-                <a:tab pos="5816600" algn="l"/>
-                <a:tab pos="6398260" algn="l"/>
-                <a:tab pos="6979920" algn="l"/>
-                <a:tab pos="7561580" algn="l"/>
-                <a:tab pos="8143240" algn="l"/>
-                <a:tab pos="8724900" algn="l"/>
-                <a:tab pos="9306560" algn="l"/>
-              </a:tabLst>
-            </a:pPr>
-            <a:r>
-              <a:rPr lang="en-CA" sz="900" dirty="0">
-                <a:latin typeface="Courier" pitchFamily="2" charset="0"/>
-                <a:ea typeface="Times New Roman" panose="02020603050405020304" pitchFamily="18" charset="0"/>
-                <a:cs typeface="Times New Roman" panose="02020603050405020304" pitchFamily="18" charset="0"/>
-              </a:rPr>
-              <a:t>   +---------------------------------+    |</a:t>
-            </a:r>
-            <a:endParaRPr lang="en-CA" sz="900" dirty="0">
-              <a:latin typeface="Courier" pitchFamily="2" charset="0"/>
-              <a:ea typeface="Calibri" panose="020F0502020204030204" pitchFamily="34" charset="0"/>
-              <a:cs typeface="Times New Roman" panose="02020603050405020304" pitchFamily="18" charset="0"/>
-            </a:endParaRPr>
-          </a:p>
-          <a:p>
-            <a:pPr>
-              <a:tabLst>
-                <a:tab pos="581660" algn="l"/>
-                <a:tab pos="1163320" algn="l"/>
-                <a:tab pos="1744980" algn="l"/>
-                <a:tab pos="2326640" algn="l"/>
-                <a:tab pos="2908300" algn="l"/>
-                <a:tab pos="3489960" algn="l"/>
-                <a:tab pos="4071620" algn="l"/>
-                <a:tab pos="4653280" algn="l"/>
-                <a:tab pos="5234940" algn="l"/>
-                <a:tab pos="5816600" algn="l"/>
-                <a:tab pos="6398260" algn="l"/>
-                <a:tab pos="6979920" algn="l"/>
-                <a:tab pos="7561580" algn="l"/>
-                <a:tab pos="8143240" algn="l"/>
-                <a:tab pos="8724900" algn="l"/>
-                <a:tab pos="9306560" algn="l"/>
-              </a:tabLst>
-            </a:pPr>
-            <a:r>
-              <a:rPr lang="en-CA" sz="900" dirty="0">
-                <a:latin typeface="Courier" pitchFamily="2" charset="0"/>
-                <a:ea typeface="Times New Roman" panose="02020603050405020304" pitchFamily="18" charset="0"/>
-                <a:cs typeface="Times New Roman" panose="02020603050405020304" pitchFamily="18" charset="0"/>
-              </a:rPr>
-              <a:t>   |         [ F-Label(s) ]          |    +--</a:t>
-            </a:r>
-            <a:r>
-              <a:rPr lang="en-CA" sz="900" dirty="0" err="1">
-                <a:latin typeface="Courier" pitchFamily="2" charset="0"/>
-                <a:ea typeface="Times New Roman" panose="02020603050405020304" pitchFamily="18" charset="0"/>
-                <a:cs typeface="Times New Roman" panose="02020603050405020304" pitchFamily="18" charset="0"/>
-              </a:rPr>
-              <a:t>DetNet</a:t>
-            </a:r>
-            <a:r>
-              <a:rPr lang="en-CA" sz="900" dirty="0">
-                <a:latin typeface="Courier" pitchFamily="2" charset="0"/>
-                <a:ea typeface="Times New Roman" panose="02020603050405020304" pitchFamily="18" charset="0"/>
-                <a:cs typeface="Times New Roman" panose="02020603050405020304" pitchFamily="18" charset="0"/>
-              </a:rPr>
-              <a:t> data plane</a:t>
-            </a:r>
-            <a:endParaRPr lang="en-CA" sz="900" dirty="0">
-              <a:latin typeface="Courier" pitchFamily="2" charset="0"/>
-              <a:ea typeface="Calibri" panose="020F0502020204030204" pitchFamily="34" charset="0"/>
-              <a:cs typeface="Times New Roman" panose="02020603050405020304" pitchFamily="18" charset="0"/>
-            </a:endParaRPr>
-          </a:p>
-          <a:p>
-            <a:pPr>
-              <a:tabLst>
-                <a:tab pos="581660" algn="l"/>
-                <a:tab pos="1163320" algn="l"/>
-                <a:tab pos="1744980" algn="l"/>
-                <a:tab pos="2326640" algn="l"/>
-                <a:tab pos="2908300" algn="l"/>
-                <a:tab pos="3489960" algn="l"/>
-                <a:tab pos="4071620" algn="l"/>
-                <a:tab pos="4653280" algn="l"/>
-                <a:tab pos="5234940" algn="l"/>
-                <a:tab pos="5816600" algn="l"/>
-                <a:tab pos="6398260" algn="l"/>
-                <a:tab pos="6979920" algn="l"/>
-                <a:tab pos="7561580" algn="l"/>
-                <a:tab pos="8143240" algn="l"/>
-                <a:tab pos="8724900" algn="l"/>
-                <a:tab pos="9306560" algn="l"/>
-              </a:tabLst>
-            </a:pPr>
-            <a:r>
-              <a:rPr lang="en-CA" sz="900" dirty="0">
-                <a:latin typeface="Courier" pitchFamily="2" charset="0"/>
-                <a:ea typeface="Times New Roman" panose="02020603050405020304" pitchFamily="18" charset="0"/>
-                <a:cs typeface="Times New Roman" panose="02020603050405020304" pitchFamily="18" charset="0"/>
-              </a:rPr>
-              <a:t>   +---------------------------------+    |  MPLS Encapsulation</a:t>
-            </a:r>
-            <a:endParaRPr lang="en-CA" sz="900" dirty="0">
-              <a:latin typeface="Courier" pitchFamily="2" charset="0"/>
-              <a:ea typeface="Calibri" panose="020F0502020204030204" pitchFamily="34" charset="0"/>
-              <a:cs typeface="Times New Roman" panose="02020603050405020304" pitchFamily="18" charset="0"/>
-            </a:endParaRPr>
-          </a:p>
-          <a:p>
-            <a:pPr>
-              <a:tabLst>
-                <a:tab pos="581660" algn="l"/>
-                <a:tab pos="1163320" algn="l"/>
-                <a:tab pos="1744980" algn="l"/>
-                <a:tab pos="2326640" algn="l"/>
-                <a:tab pos="2908300" algn="l"/>
-                <a:tab pos="3489960" algn="l"/>
-                <a:tab pos="4071620" algn="l"/>
-                <a:tab pos="4653280" algn="l"/>
-                <a:tab pos="5234940" algn="l"/>
-                <a:tab pos="5816600" algn="l"/>
-                <a:tab pos="6398260" algn="l"/>
-                <a:tab pos="6979920" algn="l"/>
-                <a:tab pos="7561580" algn="l"/>
-                <a:tab pos="8143240" algn="l"/>
-                <a:tab pos="8724900" algn="l"/>
-                <a:tab pos="9306560" algn="l"/>
-              </a:tabLst>
-            </a:pPr>
-            <a:r>
-              <a:rPr lang="en-CA" sz="900" dirty="0">
-                <a:latin typeface="Courier" pitchFamily="2" charset="0"/>
-                <a:ea typeface="Times New Roman" panose="02020603050405020304" pitchFamily="18" charset="0"/>
-                <a:cs typeface="Times New Roman" panose="02020603050405020304" pitchFamily="18" charset="0"/>
-              </a:rPr>
-              <a:t>   |            S-Label              |    |</a:t>
-            </a:r>
-            <a:endParaRPr lang="en-CA" sz="900" dirty="0">
-              <a:latin typeface="Courier" pitchFamily="2" charset="0"/>
-              <a:ea typeface="Calibri" panose="020F0502020204030204" pitchFamily="34" charset="0"/>
-              <a:cs typeface="Times New Roman" panose="02020603050405020304" pitchFamily="18" charset="0"/>
-            </a:endParaRPr>
-          </a:p>
-          <a:p>
-            <a:pPr>
-              <a:tabLst>
-                <a:tab pos="581660" algn="l"/>
-                <a:tab pos="1163320" algn="l"/>
-                <a:tab pos="1744980" algn="l"/>
-                <a:tab pos="2326640" algn="l"/>
-                <a:tab pos="2908300" algn="l"/>
-                <a:tab pos="3489960" algn="l"/>
-                <a:tab pos="4071620" algn="l"/>
-                <a:tab pos="4653280" algn="l"/>
-                <a:tab pos="5234940" algn="l"/>
-                <a:tab pos="5816600" algn="l"/>
-                <a:tab pos="6398260" algn="l"/>
-                <a:tab pos="6979920" algn="l"/>
-                <a:tab pos="7561580" algn="l"/>
-                <a:tab pos="8143240" algn="l"/>
-                <a:tab pos="8724900" algn="l"/>
-                <a:tab pos="9306560" algn="l"/>
-              </a:tabLst>
-            </a:pPr>
-            <a:r>
-              <a:rPr lang="en-CA" sz="900" dirty="0">
-                <a:latin typeface="Courier" pitchFamily="2" charset="0"/>
-                <a:ea typeface="Times New Roman" panose="02020603050405020304" pitchFamily="18" charset="0"/>
-                <a:cs typeface="Times New Roman" panose="02020603050405020304" pitchFamily="18" charset="0"/>
-              </a:rPr>
-              <a:t>   +=================================+    |</a:t>
-            </a:r>
-            <a:endParaRPr lang="en-CA" sz="900" dirty="0">
-              <a:latin typeface="Courier" pitchFamily="2" charset="0"/>
-              <a:ea typeface="Calibri" panose="020F0502020204030204" pitchFamily="34" charset="0"/>
-              <a:cs typeface="Times New Roman" panose="02020603050405020304" pitchFamily="18" charset="0"/>
-            </a:endParaRPr>
-          </a:p>
-          <a:p>
-            <a:pPr>
-              <a:tabLst>
-                <a:tab pos="581660" algn="l"/>
-                <a:tab pos="1163320" algn="l"/>
-                <a:tab pos="1744980" algn="l"/>
-                <a:tab pos="2326640" algn="l"/>
-                <a:tab pos="2908300" algn="l"/>
-                <a:tab pos="3489960" algn="l"/>
-                <a:tab pos="4071620" algn="l"/>
-                <a:tab pos="4653280" algn="l"/>
-                <a:tab pos="5234940" algn="l"/>
-                <a:tab pos="5816600" algn="l"/>
-                <a:tab pos="6398260" algn="l"/>
-                <a:tab pos="6979920" algn="l"/>
-                <a:tab pos="7561580" algn="l"/>
-                <a:tab pos="8143240" algn="l"/>
-                <a:tab pos="8724900" algn="l"/>
-                <a:tab pos="9306560" algn="l"/>
-              </a:tabLst>
-            </a:pPr>
-            <a:r>
-              <a:rPr lang="en-CA" sz="900" dirty="0">
-                <a:latin typeface="Courier" pitchFamily="2" charset="0"/>
-                <a:ea typeface="Times New Roman" panose="02020603050405020304" pitchFamily="18" charset="0"/>
-                <a:cs typeface="Times New Roman" panose="02020603050405020304" pitchFamily="18" charset="0"/>
-              </a:rPr>
-              <a:t>   |       </a:t>
-            </a:r>
-            <a:r>
-              <a:rPr lang="en-CA" sz="900" dirty="0" err="1">
-                <a:latin typeface="Courier" pitchFamily="2" charset="0"/>
-                <a:ea typeface="Times New Roman" panose="02020603050405020304" pitchFamily="18" charset="0"/>
-                <a:cs typeface="Times New Roman" panose="02020603050405020304" pitchFamily="18" charset="0"/>
-              </a:rPr>
-              <a:t>DetNet</a:t>
-            </a:r>
-            <a:r>
-              <a:rPr lang="en-CA" sz="900" dirty="0">
-                <a:latin typeface="Courier" pitchFamily="2" charset="0"/>
-                <a:ea typeface="Times New Roman" panose="02020603050405020304" pitchFamily="18" charset="0"/>
-                <a:cs typeface="Times New Roman" panose="02020603050405020304" pitchFamily="18" charset="0"/>
-              </a:rPr>
-              <a:t> Control Word       |    |</a:t>
-            </a:r>
-            <a:endParaRPr lang="en-CA" sz="900" dirty="0">
-              <a:latin typeface="Courier" pitchFamily="2" charset="0"/>
-              <a:ea typeface="Calibri" panose="020F0502020204030204" pitchFamily="34" charset="0"/>
-              <a:cs typeface="Times New Roman" panose="02020603050405020304" pitchFamily="18" charset="0"/>
-            </a:endParaRPr>
-          </a:p>
-          <a:p>
-            <a:pPr>
-              <a:tabLst>
-                <a:tab pos="581660" algn="l"/>
-                <a:tab pos="1163320" algn="l"/>
-                <a:tab pos="1744980" algn="l"/>
-                <a:tab pos="2326640" algn="l"/>
-                <a:tab pos="2908300" algn="l"/>
-                <a:tab pos="3489960" algn="l"/>
-                <a:tab pos="4071620" algn="l"/>
-                <a:tab pos="4653280" algn="l"/>
-                <a:tab pos="5234940" algn="l"/>
-                <a:tab pos="5816600" algn="l"/>
-                <a:tab pos="6398260" algn="l"/>
-                <a:tab pos="6979920" algn="l"/>
-                <a:tab pos="7561580" algn="l"/>
-                <a:tab pos="8143240" algn="l"/>
-                <a:tab pos="8724900" algn="l"/>
-                <a:tab pos="9306560" algn="l"/>
-              </a:tabLst>
-            </a:pPr>
-            <a:r>
-              <a:rPr lang="en-CA" sz="900" dirty="0">
-                <a:latin typeface="Courier" pitchFamily="2" charset="0"/>
-                <a:ea typeface="Times New Roman" panose="02020603050405020304" pitchFamily="18" charset="0"/>
-                <a:cs typeface="Times New Roman" panose="02020603050405020304" pitchFamily="18" charset="0"/>
-              </a:rPr>
-              <a:t>   +---------------------------------+ &lt;--/</a:t>
-            </a:r>
-            <a:endParaRPr lang="en-CA" sz="900" dirty="0">
-              <a:latin typeface="Courier" pitchFamily="2" charset="0"/>
-              <a:ea typeface="Calibri" panose="020F0502020204030204" pitchFamily="34" charset="0"/>
-              <a:cs typeface="Times New Roman" panose="02020603050405020304" pitchFamily="18" charset="0"/>
-            </a:endParaRPr>
-          </a:p>
-          <a:p>
-            <a:pPr>
-              <a:tabLst>
-                <a:tab pos="581660" algn="l"/>
-                <a:tab pos="1163320" algn="l"/>
-                <a:tab pos="1744980" algn="l"/>
-                <a:tab pos="2326640" algn="l"/>
-                <a:tab pos="2908300" algn="l"/>
-                <a:tab pos="3489960" algn="l"/>
-                <a:tab pos="4071620" algn="l"/>
-                <a:tab pos="4653280" algn="l"/>
-                <a:tab pos="5234940" algn="l"/>
-                <a:tab pos="5816600" algn="l"/>
-                <a:tab pos="6398260" algn="l"/>
-                <a:tab pos="6979920" algn="l"/>
-                <a:tab pos="7561580" algn="l"/>
-                <a:tab pos="8143240" algn="l"/>
-                <a:tab pos="8724900" algn="l"/>
-                <a:tab pos="9306560" algn="l"/>
-              </a:tabLst>
-            </a:pPr>
-            <a:r>
-              <a:rPr lang="en-CA" sz="900" dirty="0">
-                <a:latin typeface="Courier" pitchFamily="2" charset="0"/>
-                <a:ea typeface="Times New Roman" panose="02020603050405020304" pitchFamily="18" charset="0"/>
-                <a:cs typeface="Times New Roman" panose="02020603050405020304" pitchFamily="18" charset="0"/>
-              </a:rPr>
-              <a:t>   |                                 |</a:t>
-            </a:r>
-            <a:endParaRPr lang="en-CA" sz="900" dirty="0">
-              <a:latin typeface="Courier" pitchFamily="2" charset="0"/>
-              <a:ea typeface="Calibri" panose="020F0502020204030204" pitchFamily="34" charset="0"/>
-              <a:cs typeface="Times New Roman" panose="02020603050405020304" pitchFamily="18" charset="0"/>
-            </a:endParaRPr>
-          </a:p>
-          <a:p>
-            <a:pPr>
-              <a:tabLst>
-                <a:tab pos="581660" algn="l"/>
-                <a:tab pos="1163320" algn="l"/>
-                <a:tab pos="1744980" algn="l"/>
-                <a:tab pos="2326640" algn="l"/>
-                <a:tab pos="2908300" algn="l"/>
-                <a:tab pos="3489960" algn="l"/>
-                <a:tab pos="4071620" algn="l"/>
-                <a:tab pos="4653280" algn="l"/>
-                <a:tab pos="5234940" algn="l"/>
-                <a:tab pos="5816600" algn="l"/>
-                <a:tab pos="6398260" algn="l"/>
-                <a:tab pos="6979920" algn="l"/>
-                <a:tab pos="7561580" algn="l"/>
-                <a:tab pos="8143240" algn="l"/>
-                <a:tab pos="8724900" algn="l"/>
-                <a:tab pos="9306560" algn="l"/>
-              </a:tabLst>
-            </a:pPr>
-            <a:r>
-              <a:rPr lang="en-CA" sz="900" dirty="0">
-                <a:latin typeface="Courier" pitchFamily="2" charset="0"/>
-                <a:ea typeface="Times New Roman" panose="02020603050405020304" pitchFamily="18" charset="0"/>
-                <a:cs typeface="Times New Roman" panose="02020603050405020304" pitchFamily="18" charset="0"/>
-              </a:rPr>
-              <a:t>   |           </a:t>
-            </a:r>
-            <a:r>
-              <a:rPr lang="en-CA" sz="900" dirty="0" err="1">
-                <a:latin typeface="Courier" pitchFamily="2" charset="0"/>
-                <a:ea typeface="Times New Roman" panose="02020603050405020304" pitchFamily="18" charset="0"/>
-                <a:cs typeface="Times New Roman" panose="02020603050405020304" pitchFamily="18" charset="0"/>
-              </a:rPr>
-              <a:t>DetNet</a:t>
-            </a:r>
-            <a:r>
-              <a:rPr lang="en-CA" sz="900" dirty="0">
-                <a:latin typeface="Courier" pitchFamily="2" charset="0"/>
-                <a:ea typeface="Times New Roman" panose="02020603050405020304" pitchFamily="18" charset="0"/>
-                <a:cs typeface="Times New Roman" panose="02020603050405020304" pitchFamily="18" charset="0"/>
-              </a:rPr>
-              <a:t> Flow           |</a:t>
-            </a:r>
-            <a:endParaRPr lang="en-CA" sz="900" dirty="0">
-              <a:latin typeface="Courier" pitchFamily="2" charset="0"/>
-              <a:ea typeface="Calibri" panose="020F0502020204030204" pitchFamily="34" charset="0"/>
-              <a:cs typeface="Times New Roman" panose="02020603050405020304" pitchFamily="18" charset="0"/>
-            </a:endParaRPr>
-          </a:p>
-          <a:p>
-            <a:pPr>
-              <a:tabLst>
-                <a:tab pos="581660" algn="l"/>
-                <a:tab pos="1163320" algn="l"/>
-                <a:tab pos="1744980" algn="l"/>
-                <a:tab pos="2326640" algn="l"/>
-                <a:tab pos="2908300" algn="l"/>
-                <a:tab pos="3489960" algn="l"/>
-                <a:tab pos="4071620" algn="l"/>
-                <a:tab pos="4653280" algn="l"/>
-                <a:tab pos="5234940" algn="l"/>
-                <a:tab pos="5816600" algn="l"/>
-                <a:tab pos="6398260" algn="l"/>
-                <a:tab pos="6979920" algn="l"/>
-                <a:tab pos="7561580" algn="l"/>
-                <a:tab pos="8143240" algn="l"/>
-                <a:tab pos="8724900" algn="l"/>
-                <a:tab pos="9306560" algn="l"/>
-              </a:tabLst>
-            </a:pPr>
-            <a:r>
-              <a:rPr lang="en-CA" sz="900" dirty="0">
-                <a:latin typeface="Courier" pitchFamily="2" charset="0"/>
-                <a:ea typeface="Times New Roman" panose="02020603050405020304" pitchFamily="18" charset="0"/>
-                <a:cs typeface="Times New Roman" panose="02020603050405020304" pitchFamily="18" charset="0"/>
-              </a:rPr>
-              <a:t>   |         Payload  Packet         |</a:t>
-            </a:r>
-            <a:endParaRPr lang="en-CA" sz="900" dirty="0">
-              <a:latin typeface="Courier" pitchFamily="2" charset="0"/>
-              <a:ea typeface="Calibri" panose="020F0502020204030204" pitchFamily="34" charset="0"/>
-              <a:cs typeface="Times New Roman" panose="02020603050405020304" pitchFamily="18" charset="0"/>
-            </a:endParaRPr>
-          </a:p>
-          <a:p>
-            <a:pPr>
-              <a:tabLst>
-                <a:tab pos="581660" algn="l"/>
-                <a:tab pos="1163320" algn="l"/>
-                <a:tab pos="1744980" algn="l"/>
-                <a:tab pos="2326640" algn="l"/>
-                <a:tab pos="2908300" algn="l"/>
-                <a:tab pos="3489960" algn="l"/>
-                <a:tab pos="4071620" algn="l"/>
-                <a:tab pos="4653280" algn="l"/>
-                <a:tab pos="5234940" algn="l"/>
-                <a:tab pos="5816600" algn="l"/>
-                <a:tab pos="6398260" algn="l"/>
-                <a:tab pos="6979920" algn="l"/>
-                <a:tab pos="7561580" algn="l"/>
-                <a:tab pos="8143240" algn="l"/>
-                <a:tab pos="8724900" algn="l"/>
-                <a:tab pos="9306560" algn="l"/>
-              </a:tabLst>
-            </a:pPr>
-            <a:r>
-              <a:rPr lang="en-CA" sz="900" dirty="0">
-                <a:latin typeface="Courier" pitchFamily="2" charset="0"/>
-                <a:ea typeface="Times New Roman" panose="02020603050405020304" pitchFamily="18" charset="0"/>
-                <a:cs typeface="Times New Roman" panose="02020603050405020304" pitchFamily="18" charset="0"/>
-              </a:rPr>
-              <a:t>   |                                 |</a:t>
-            </a:r>
-            <a:endParaRPr lang="en-CA" sz="900" dirty="0">
-              <a:latin typeface="Courier" pitchFamily="2" charset="0"/>
-              <a:ea typeface="Calibri" panose="020F0502020204030204" pitchFamily="34" charset="0"/>
-              <a:cs typeface="Times New Roman" panose="02020603050405020304" pitchFamily="18" charset="0"/>
-            </a:endParaRPr>
-          </a:p>
-          <a:p>
-            <a:pPr>
-              <a:tabLst>
-                <a:tab pos="581660" algn="l"/>
-                <a:tab pos="1163320" algn="l"/>
-                <a:tab pos="1744980" algn="l"/>
-                <a:tab pos="2326640" algn="l"/>
-                <a:tab pos="2908300" algn="l"/>
-                <a:tab pos="3489960" algn="l"/>
-                <a:tab pos="4071620" algn="l"/>
-                <a:tab pos="4653280" algn="l"/>
-                <a:tab pos="5234940" algn="l"/>
-                <a:tab pos="5816600" algn="l"/>
-                <a:tab pos="6398260" algn="l"/>
-                <a:tab pos="6979920" algn="l"/>
-                <a:tab pos="7561580" algn="l"/>
-                <a:tab pos="8143240" algn="l"/>
-                <a:tab pos="8724900" algn="l"/>
-                <a:tab pos="9306560" algn="l"/>
-              </a:tabLst>
-            </a:pPr>
-            <a:r>
-              <a:rPr lang="en-CA" sz="900" dirty="0">
-                <a:latin typeface="Courier" pitchFamily="2" charset="0"/>
-                <a:ea typeface="Times New Roman" panose="02020603050405020304" pitchFamily="18" charset="0"/>
-                <a:cs typeface="Times New Roman" panose="02020603050405020304" pitchFamily="18" charset="0"/>
-              </a:rPr>
-              <a:t>   +---------------------------------+ </a:t>
-            </a:r>
-            <a:endParaRPr lang="en-US" sz="900" dirty="0">
-              <a:latin typeface="Courier" pitchFamily="2" charset="0"/>
-            </a:endParaRPr>
-          </a:p>
-        </p:txBody>
-      </p:sp>
-      <p:sp>
-        <p:nvSpPr>
-          <p:cNvPr id="7" name="Rectangle 6">
+        </p:txBody>
+      </p:sp>
+      <p:sp>
+        <p:nvSpPr>
+          <p:cNvPr id="9" name="Rectangle 8">
             <a:extLst>
               <a:ext uri="{FF2B5EF4-FFF2-40B4-BE49-F238E27FC236}">
-                <a16:creationId xmlns:a16="http://schemas.microsoft.com/office/drawing/2014/main" id="{7F774C87-9477-FB46-8442-69F405517AAC}"/>
+                <a16:creationId xmlns:a16="http://schemas.microsoft.com/office/drawing/2014/main" id="{C1B6980D-C5FD-DD49-B23C-35E646344467}"/>
               </a:ext>
             </a:extLst>
           </p:cNvPr>
@@ -13374,503 +13112,8 @@
         </p:nvSpPr>
         <p:spPr>
           <a:xfrm>
-            <a:off x="4267200" y="2736330"/>
-            <a:ext cx="4610493" cy="1754326"/>
-          </a:xfrm>
-          <a:prstGeom prst="rect">
-            <a:avLst/>
-          </a:prstGeom>
-          <a:solidFill>
-            <a:schemeClr val="accent6">
-              <a:lumMod val="20000"/>
-              <a:lumOff val="80000"/>
-            </a:schemeClr>
-          </a:solidFill>
-        </p:spPr>
-        <p:txBody>
-          <a:bodyPr wrap="square">
-            <a:spAutoFit/>
-          </a:bodyPr>
-          <a:lstStyle/>
-          <a:p>
-            <a:pPr>
-              <a:tabLst>
-                <a:tab pos="581660" algn="l"/>
-                <a:tab pos="1163320" algn="l"/>
-                <a:tab pos="1744980" algn="l"/>
-                <a:tab pos="2326640" algn="l"/>
-                <a:tab pos="2908300" algn="l"/>
-                <a:tab pos="3489960" algn="l"/>
-                <a:tab pos="4071620" algn="l"/>
-                <a:tab pos="4653280" algn="l"/>
-                <a:tab pos="5234940" algn="l"/>
-                <a:tab pos="5816600" algn="l"/>
-                <a:tab pos="6398260" algn="l"/>
-                <a:tab pos="6979920" algn="l"/>
-                <a:tab pos="7561580" algn="l"/>
-                <a:tab pos="8143240" algn="l"/>
-                <a:tab pos="8724900" algn="l"/>
-                <a:tab pos="9306560" algn="l"/>
-              </a:tabLst>
-            </a:pPr>
-            <a:r>
-              <a:rPr lang="en-CA" sz="900" dirty="0">
-                <a:latin typeface="Courier" pitchFamily="2" charset="0"/>
-                <a:ea typeface="Times New Roman" panose="02020603050405020304" pitchFamily="18" charset="0"/>
-                <a:cs typeface="Times New Roman" panose="02020603050405020304" pitchFamily="18" charset="0"/>
-              </a:rPr>
-              <a:t>   +---------------------------------+ &lt;--\</a:t>
-            </a:r>
-            <a:endParaRPr lang="en-CA" sz="900" dirty="0">
-              <a:latin typeface="Courier" pitchFamily="2" charset="0"/>
-              <a:ea typeface="Calibri" panose="020F0502020204030204" pitchFamily="34" charset="0"/>
-              <a:cs typeface="Times New Roman" panose="02020603050405020304" pitchFamily="18" charset="0"/>
-            </a:endParaRPr>
-          </a:p>
-          <a:p>
-            <a:pPr>
-              <a:tabLst>
-                <a:tab pos="581660" algn="l"/>
-                <a:tab pos="1163320" algn="l"/>
-                <a:tab pos="1744980" algn="l"/>
-                <a:tab pos="2326640" algn="l"/>
-                <a:tab pos="2908300" algn="l"/>
-                <a:tab pos="3489960" algn="l"/>
-                <a:tab pos="4071620" algn="l"/>
-                <a:tab pos="4653280" algn="l"/>
-                <a:tab pos="5234940" algn="l"/>
-                <a:tab pos="5816600" algn="l"/>
-                <a:tab pos="6398260" algn="l"/>
-                <a:tab pos="6979920" algn="l"/>
-                <a:tab pos="7561580" algn="l"/>
-                <a:tab pos="8143240" algn="l"/>
-                <a:tab pos="8724900" algn="l"/>
-                <a:tab pos="9306560" algn="l"/>
-              </a:tabLst>
-            </a:pPr>
-            <a:r>
-              <a:rPr lang="en-CA" sz="900" dirty="0">
-                <a:latin typeface="Courier" pitchFamily="2" charset="0"/>
-                <a:ea typeface="Times New Roman" panose="02020603050405020304" pitchFamily="18" charset="0"/>
-                <a:cs typeface="Times New Roman" panose="02020603050405020304" pitchFamily="18" charset="0"/>
-              </a:rPr>
-              <a:t>   |         [ F-Label(s) ]          |    |</a:t>
-            </a:r>
-            <a:endParaRPr lang="en-CA" sz="900" dirty="0">
-              <a:latin typeface="Courier" pitchFamily="2" charset="0"/>
-              <a:ea typeface="Calibri" panose="020F0502020204030204" pitchFamily="34" charset="0"/>
-              <a:cs typeface="Times New Roman" panose="02020603050405020304" pitchFamily="18" charset="0"/>
-            </a:endParaRPr>
-          </a:p>
-          <a:p>
-            <a:pPr>
-              <a:tabLst>
-                <a:tab pos="581660" algn="l"/>
-                <a:tab pos="1163320" algn="l"/>
-                <a:tab pos="1744980" algn="l"/>
-                <a:tab pos="2326640" algn="l"/>
-                <a:tab pos="2908300" algn="l"/>
-                <a:tab pos="3489960" algn="l"/>
-                <a:tab pos="4071620" algn="l"/>
-                <a:tab pos="4653280" algn="l"/>
-                <a:tab pos="5234940" algn="l"/>
-                <a:tab pos="5816600" algn="l"/>
-                <a:tab pos="6398260" algn="l"/>
-                <a:tab pos="6979920" algn="l"/>
-                <a:tab pos="7561580" algn="l"/>
-                <a:tab pos="8143240" algn="l"/>
-                <a:tab pos="8724900" algn="l"/>
-                <a:tab pos="9306560" algn="l"/>
-              </a:tabLst>
-            </a:pPr>
-            <a:r>
-              <a:rPr lang="en-CA" sz="900" dirty="0">
-                <a:latin typeface="Courier" pitchFamily="2" charset="0"/>
-                <a:ea typeface="Times New Roman" panose="02020603050405020304" pitchFamily="18" charset="0"/>
-                <a:cs typeface="Times New Roman" panose="02020603050405020304" pitchFamily="18" charset="0"/>
-              </a:rPr>
-              <a:t>   +---------------------------------+    +--</a:t>
-            </a:r>
-            <a:r>
-              <a:rPr lang="en-CA" sz="900" dirty="0" err="1">
-                <a:latin typeface="Courier" pitchFamily="2" charset="0"/>
-                <a:ea typeface="Times New Roman" panose="02020603050405020304" pitchFamily="18" charset="0"/>
-                <a:cs typeface="Times New Roman" panose="02020603050405020304" pitchFamily="18" charset="0"/>
-              </a:rPr>
-              <a:t>DetNet</a:t>
-            </a:r>
-            <a:r>
-              <a:rPr lang="en-CA" sz="900" dirty="0">
-                <a:latin typeface="Courier" pitchFamily="2" charset="0"/>
-                <a:ea typeface="Times New Roman" panose="02020603050405020304" pitchFamily="18" charset="0"/>
-                <a:cs typeface="Times New Roman" panose="02020603050405020304" pitchFamily="18" charset="0"/>
-              </a:rPr>
-              <a:t> data plane</a:t>
-            </a:r>
-          </a:p>
-          <a:p>
-            <a:pPr>
-              <a:tabLst>
-                <a:tab pos="581660" algn="l"/>
-                <a:tab pos="1163320" algn="l"/>
-                <a:tab pos="1744980" algn="l"/>
-                <a:tab pos="2326640" algn="l"/>
-                <a:tab pos="2908300" algn="l"/>
-                <a:tab pos="3489960" algn="l"/>
-                <a:tab pos="4071620" algn="l"/>
-                <a:tab pos="4653280" algn="l"/>
-                <a:tab pos="5234940" algn="l"/>
-                <a:tab pos="5816600" algn="l"/>
-                <a:tab pos="6398260" algn="l"/>
-                <a:tab pos="6979920" algn="l"/>
-                <a:tab pos="7561580" algn="l"/>
-                <a:tab pos="8143240" algn="l"/>
-                <a:tab pos="8724900" algn="l"/>
-                <a:tab pos="9306560" algn="l"/>
-              </a:tabLst>
-            </a:pPr>
-            <a:r>
-              <a:rPr lang="en-CA" sz="900" dirty="0">
-                <a:latin typeface="Courier" pitchFamily="2" charset="0"/>
-                <a:ea typeface="Times New Roman" panose="02020603050405020304" pitchFamily="18" charset="0"/>
-                <a:cs typeface="Times New Roman" panose="02020603050405020304" pitchFamily="18" charset="0"/>
-              </a:rPr>
-              <a:t>   |            S-Label              |    |  MPLS encapsulation</a:t>
-            </a:r>
-            <a:endParaRPr lang="en-CA" sz="900" dirty="0">
-              <a:latin typeface="Courier" pitchFamily="2" charset="0"/>
-              <a:ea typeface="Calibri" panose="020F0502020204030204" pitchFamily="34" charset="0"/>
-              <a:cs typeface="Times New Roman" panose="02020603050405020304" pitchFamily="18" charset="0"/>
-            </a:endParaRPr>
-          </a:p>
-          <a:p>
-            <a:pPr>
-              <a:tabLst>
-                <a:tab pos="581660" algn="l"/>
-                <a:tab pos="1163320" algn="l"/>
-                <a:tab pos="1744980" algn="l"/>
-                <a:tab pos="2326640" algn="l"/>
-                <a:tab pos="2908300" algn="l"/>
-                <a:tab pos="3489960" algn="l"/>
-                <a:tab pos="4071620" algn="l"/>
-                <a:tab pos="4653280" algn="l"/>
-                <a:tab pos="5234940" algn="l"/>
-                <a:tab pos="5816600" algn="l"/>
-                <a:tab pos="6398260" algn="l"/>
-                <a:tab pos="6979920" algn="l"/>
-                <a:tab pos="7561580" algn="l"/>
-                <a:tab pos="8143240" algn="l"/>
-                <a:tab pos="8724900" algn="l"/>
-                <a:tab pos="9306560" algn="l"/>
-              </a:tabLst>
-            </a:pPr>
-            <a:r>
-              <a:rPr lang="en-CA" sz="900" dirty="0">
-                <a:latin typeface="Courier" pitchFamily="2" charset="0"/>
-                <a:ea typeface="Times New Roman" panose="02020603050405020304" pitchFamily="18" charset="0"/>
-                <a:cs typeface="Times New Roman" panose="02020603050405020304" pitchFamily="18" charset="0"/>
-              </a:rPr>
-              <a:t>   +=================================+    |</a:t>
-            </a:r>
-            <a:endParaRPr lang="en-CA" sz="900" dirty="0">
-              <a:latin typeface="Courier" pitchFamily="2" charset="0"/>
-              <a:ea typeface="Calibri" panose="020F0502020204030204" pitchFamily="34" charset="0"/>
-              <a:cs typeface="Times New Roman" panose="02020603050405020304" pitchFamily="18" charset="0"/>
-            </a:endParaRPr>
-          </a:p>
-          <a:p>
-            <a:pPr>
-              <a:tabLst>
-                <a:tab pos="581660" algn="l"/>
-                <a:tab pos="1163320" algn="l"/>
-                <a:tab pos="1744980" algn="l"/>
-                <a:tab pos="2326640" algn="l"/>
-                <a:tab pos="2908300" algn="l"/>
-                <a:tab pos="3489960" algn="l"/>
-                <a:tab pos="4071620" algn="l"/>
-                <a:tab pos="4653280" algn="l"/>
-                <a:tab pos="5234940" algn="l"/>
-                <a:tab pos="5816600" algn="l"/>
-                <a:tab pos="6398260" algn="l"/>
-                <a:tab pos="6979920" algn="l"/>
-                <a:tab pos="7561580" algn="l"/>
-                <a:tab pos="8143240" algn="l"/>
-                <a:tab pos="8724900" algn="l"/>
-                <a:tab pos="9306560" algn="l"/>
-              </a:tabLst>
-            </a:pPr>
-            <a:r>
-              <a:rPr lang="en-CA" sz="900" dirty="0">
-                <a:latin typeface="Courier" pitchFamily="2" charset="0"/>
-                <a:ea typeface="Times New Roman" panose="02020603050405020304" pitchFamily="18" charset="0"/>
-                <a:cs typeface="Times New Roman" panose="02020603050405020304" pitchFamily="18" charset="0"/>
-              </a:rPr>
-              <a:t>   |       </a:t>
-            </a:r>
-            <a:r>
-              <a:rPr lang="en-CA" sz="900" dirty="0" err="1">
-                <a:latin typeface="Courier" pitchFamily="2" charset="0"/>
-                <a:ea typeface="Times New Roman" panose="02020603050405020304" pitchFamily="18" charset="0"/>
-                <a:cs typeface="Times New Roman" panose="02020603050405020304" pitchFamily="18" charset="0"/>
-              </a:rPr>
-              <a:t>DetNet</a:t>
-            </a:r>
-            <a:r>
-              <a:rPr lang="en-CA" sz="900" dirty="0">
-                <a:latin typeface="Courier" pitchFamily="2" charset="0"/>
-                <a:ea typeface="Times New Roman" panose="02020603050405020304" pitchFamily="18" charset="0"/>
-                <a:cs typeface="Times New Roman" panose="02020603050405020304" pitchFamily="18" charset="0"/>
-              </a:rPr>
-              <a:t> Control Word       |    |</a:t>
-            </a:r>
-            <a:endParaRPr lang="en-CA" sz="900" dirty="0">
-              <a:latin typeface="Courier" pitchFamily="2" charset="0"/>
-              <a:ea typeface="Calibri" panose="020F0502020204030204" pitchFamily="34" charset="0"/>
-              <a:cs typeface="Times New Roman" panose="02020603050405020304" pitchFamily="18" charset="0"/>
-            </a:endParaRPr>
-          </a:p>
-          <a:p>
-            <a:pPr>
-              <a:tabLst>
-                <a:tab pos="581660" algn="l"/>
-                <a:tab pos="1163320" algn="l"/>
-                <a:tab pos="1744980" algn="l"/>
-                <a:tab pos="2326640" algn="l"/>
-                <a:tab pos="2908300" algn="l"/>
-                <a:tab pos="3489960" algn="l"/>
-                <a:tab pos="4071620" algn="l"/>
-                <a:tab pos="4653280" algn="l"/>
-                <a:tab pos="5234940" algn="l"/>
-                <a:tab pos="5816600" algn="l"/>
-                <a:tab pos="6398260" algn="l"/>
-                <a:tab pos="6979920" algn="l"/>
-                <a:tab pos="7561580" algn="l"/>
-                <a:tab pos="8143240" algn="l"/>
-                <a:tab pos="8724900" algn="l"/>
-                <a:tab pos="9306560" algn="l"/>
-              </a:tabLst>
-            </a:pPr>
-            <a:r>
-              <a:rPr lang="en-CA" sz="900" dirty="0">
-                <a:latin typeface="Courier" pitchFamily="2" charset="0"/>
-                <a:ea typeface="Times New Roman" panose="02020603050405020304" pitchFamily="18" charset="0"/>
-                <a:cs typeface="Times New Roman" panose="02020603050405020304" pitchFamily="18" charset="0"/>
-              </a:rPr>
-              <a:t>   +---------------------------------+ &lt;--/</a:t>
-            </a:r>
-            <a:endParaRPr lang="en-CA" sz="900" dirty="0">
-              <a:latin typeface="Courier" pitchFamily="2" charset="0"/>
-              <a:ea typeface="Calibri" panose="020F0502020204030204" pitchFamily="34" charset="0"/>
-              <a:cs typeface="Times New Roman" panose="02020603050405020304" pitchFamily="18" charset="0"/>
-            </a:endParaRPr>
-          </a:p>
-          <a:p>
-            <a:pPr>
-              <a:tabLst>
-                <a:tab pos="581660" algn="l"/>
-                <a:tab pos="1163320" algn="l"/>
-                <a:tab pos="1744980" algn="l"/>
-                <a:tab pos="2326640" algn="l"/>
-                <a:tab pos="2908300" algn="l"/>
-                <a:tab pos="3489960" algn="l"/>
-                <a:tab pos="4071620" algn="l"/>
-                <a:tab pos="4653280" algn="l"/>
-                <a:tab pos="5234940" algn="l"/>
-                <a:tab pos="5816600" algn="l"/>
-                <a:tab pos="6398260" algn="l"/>
-                <a:tab pos="6979920" algn="l"/>
-                <a:tab pos="7561580" algn="l"/>
-                <a:tab pos="8143240" algn="l"/>
-                <a:tab pos="8724900" algn="l"/>
-                <a:tab pos="9306560" algn="l"/>
-              </a:tabLst>
-            </a:pPr>
-            <a:r>
-              <a:rPr lang="en-CA" sz="900" dirty="0">
-                <a:latin typeface="Courier" pitchFamily="2" charset="0"/>
-                <a:ea typeface="Times New Roman" panose="02020603050405020304" pitchFamily="18" charset="0"/>
-                <a:cs typeface="Times New Roman" panose="02020603050405020304" pitchFamily="18" charset="0"/>
-              </a:rPr>
-              <a:t>   |                                 |</a:t>
-            </a:r>
-            <a:endParaRPr lang="en-CA" sz="900" dirty="0">
-              <a:latin typeface="Courier" pitchFamily="2" charset="0"/>
-              <a:ea typeface="Calibri" panose="020F0502020204030204" pitchFamily="34" charset="0"/>
-              <a:cs typeface="Times New Roman" panose="02020603050405020304" pitchFamily="18" charset="0"/>
-            </a:endParaRPr>
-          </a:p>
-          <a:p>
-            <a:pPr>
-              <a:tabLst>
-                <a:tab pos="581660" algn="l"/>
-                <a:tab pos="1163320" algn="l"/>
-                <a:tab pos="1744980" algn="l"/>
-                <a:tab pos="2326640" algn="l"/>
-                <a:tab pos="2908300" algn="l"/>
-                <a:tab pos="3489960" algn="l"/>
-                <a:tab pos="4071620" algn="l"/>
-                <a:tab pos="4653280" algn="l"/>
-                <a:tab pos="5234940" algn="l"/>
-                <a:tab pos="5816600" algn="l"/>
-                <a:tab pos="6398260" algn="l"/>
-                <a:tab pos="6979920" algn="l"/>
-                <a:tab pos="7561580" algn="l"/>
-                <a:tab pos="8143240" algn="l"/>
-                <a:tab pos="8724900" algn="l"/>
-                <a:tab pos="9306560" algn="l"/>
-              </a:tabLst>
-            </a:pPr>
-            <a:r>
-              <a:rPr lang="en-CA" sz="900" dirty="0">
-                <a:latin typeface="Courier" pitchFamily="2" charset="0"/>
-                <a:ea typeface="Times New Roman" panose="02020603050405020304" pitchFamily="18" charset="0"/>
-                <a:cs typeface="Times New Roman" panose="02020603050405020304" pitchFamily="18" charset="0"/>
-              </a:rPr>
-              <a:t>   |           </a:t>
-            </a:r>
-            <a:r>
-              <a:rPr lang="en-CA" sz="900" dirty="0" err="1">
-                <a:latin typeface="Courier" pitchFamily="2" charset="0"/>
-                <a:ea typeface="Times New Roman" panose="02020603050405020304" pitchFamily="18" charset="0"/>
-                <a:cs typeface="Times New Roman" panose="02020603050405020304" pitchFamily="18" charset="0"/>
-              </a:rPr>
-              <a:t>DetNet</a:t>
-            </a:r>
-            <a:r>
-              <a:rPr lang="en-CA" sz="900" dirty="0">
-                <a:latin typeface="Courier" pitchFamily="2" charset="0"/>
-                <a:ea typeface="Times New Roman" panose="02020603050405020304" pitchFamily="18" charset="0"/>
-                <a:cs typeface="Times New Roman" panose="02020603050405020304" pitchFamily="18" charset="0"/>
-              </a:rPr>
-              <a:t> Flow           |</a:t>
-            </a:r>
-            <a:endParaRPr lang="en-CA" sz="900" dirty="0">
-              <a:latin typeface="Courier" pitchFamily="2" charset="0"/>
-              <a:ea typeface="Calibri" panose="020F0502020204030204" pitchFamily="34" charset="0"/>
-              <a:cs typeface="Times New Roman" panose="02020603050405020304" pitchFamily="18" charset="0"/>
-            </a:endParaRPr>
-          </a:p>
-          <a:p>
-            <a:pPr>
-              <a:tabLst>
-                <a:tab pos="581660" algn="l"/>
-                <a:tab pos="1163320" algn="l"/>
-                <a:tab pos="1744980" algn="l"/>
-                <a:tab pos="2326640" algn="l"/>
-                <a:tab pos="2908300" algn="l"/>
-                <a:tab pos="3489960" algn="l"/>
-                <a:tab pos="4071620" algn="l"/>
-                <a:tab pos="4653280" algn="l"/>
-                <a:tab pos="5234940" algn="l"/>
-                <a:tab pos="5816600" algn="l"/>
-                <a:tab pos="6398260" algn="l"/>
-                <a:tab pos="6979920" algn="l"/>
-                <a:tab pos="7561580" algn="l"/>
-                <a:tab pos="8143240" algn="l"/>
-                <a:tab pos="8724900" algn="l"/>
-                <a:tab pos="9306560" algn="l"/>
-              </a:tabLst>
-            </a:pPr>
-            <a:r>
-              <a:rPr lang="en-CA" sz="900" dirty="0">
-                <a:latin typeface="Courier" pitchFamily="2" charset="0"/>
-                <a:ea typeface="Times New Roman" panose="02020603050405020304" pitchFamily="18" charset="0"/>
-                <a:cs typeface="Times New Roman" panose="02020603050405020304" pitchFamily="18" charset="0"/>
-              </a:rPr>
-              <a:t>   |         Payload  Packet         |</a:t>
-            </a:r>
-            <a:endParaRPr lang="en-CA" sz="900" dirty="0">
-              <a:latin typeface="Courier" pitchFamily="2" charset="0"/>
-              <a:ea typeface="Calibri" panose="020F0502020204030204" pitchFamily="34" charset="0"/>
-              <a:cs typeface="Times New Roman" panose="02020603050405020304" pitchFamily="18" charset="0"/>
-            </a:endParaRPr>
-          </a:p>
-          <a:p>
-            <a:pPr>
-              <a:tabLst>
-                <a:tab pos="581660" algn="l"/>
-                <a:tab pos="1163320" algn="l"/>
-                <a:tab pos="1744980" algn="l"/>
-                <a:tab pos="2326640" algn="l"/>
-                <a:tab pos="2908300" algn="l"/>
-                <a:tab pos="3489960" algn="l"/>
-                <a:tab pos="4071620" algn="l"/>
-                <a:tab pos="4653280" algn="l"/>
-                <a:tab pos="5234940" algn="l"/>
-                <a:tab pos="5816600" algn="l"/>
-                <a:tab pos="6398260" algn="l"/>
-                <a:tab pos="6979920" algn="l"/>
-                <a:tab pos="7561580" algn="l"/>
-                <a:tab pos="8143240" algn="l"/>
-                <a:tab pos="8724900" algn="l"/>
-                <a:tab pos="9306560" algn="l"/>
-              </a:tabLst>
-            </a:pPr>
-            <a:r>
-              <a:rPr lang="en-CA" sz="900" dirty="0">
-                <a:latin typeface="Courier" pitchFamily="2" charset="0"/>
-                <a:ea typeface="Times New Roman" panose="02020603050405020304" pitchFamily="18" charset="0"/>
-                <a:cs typeface="Times New Roman" panose="02020603050405020304" pitchFamily="18" charset="0"/>
-              </a:rPr>
-              <a:t>   |                                 |</a:t>
-            </a:r>
-            <a:endParaRPr lang="en-CA" sz="900" dirty="0">
-              <a:latin typeface="Courier" pitchFamily="2" charset="0"/>
-              <a:ea typeface="Calibri" panose="020F0502020204030204" pitchFamily="34" charset="0"/>
-              <a:cs typeface="Times New Roman" panose="02020603050405020304" pitchFamily="18" charset="0"/>
-            </a:endParaRPr>
-          </a:p>
-          <a:p>
-            <a:pPr>
-              <a:tabLst>
-                <a:tab pos="581660" algn="l"/>
-                <a:tab pos="1163320" algn="l"/>
-                <a:tab pos="1744980" algn="l"/>
-                <a:tab pos="2326640" algn="l"/>
-                <a:tab pos="2908300" algn="l"/>
-                <a:tab pos="3489960" algn="l"/>
-                <a:tab pos="4071620" algn="l"/>
-                <a:tab pos="4653280" algn="l"/>
-                <a:tab pos="5234940" algn="l"/>
-                <a:tab pos="5816600" algn="l"/>
-                <a:tab pos="6398260" algn="l"/>
-                <a:tab pos="6979920" algn="l"/>
-                <a:tab pos="7561580" algn="l"/>
-                <a:tab pos="8143240" algn="l"/>
-                <a:tab pos="8724900" algn="l"/>
-                <a:tab pos="9306560" algn="l"/>
-              </a:tabLst>
-            </a:pPr>
-            <a:r>
-              <a:rPr lang="en-CA" sz="900" dirty="0">
-                <a:latin typeface="Courier" pitchFamily="2" charset="0"/>
-                <a:ea typeface="Times New Roman" panose="02020603050405020304" pitchFamily="18" charset="0"/>
-                <a:cs typeface="Times New Roman" panose="02020603050405020304" pitchFamily="18" charset="0"/>
-              </a:rPr>
-              <a:t>   +---------------------------------+ </a:t>
-            </a:r>
-            <a:endParaRPr lang="en-US" sz="900" dirty="0">
-              <a:latin typeface="Courier" pitchFamily="2" charset="0"/>
-            </a:endParaRPr>
-          </a:p>
-        </p:txBody>
-      </p:sp>
-      <p:sp>
-        <p:nvSpPr>
-          <p:cNvPr id="8" name="Rectangle 7">
-            <a:extLst>
-              <a:ext uri="{FF2B5EF4-FFF2-40B4-BE49-F238E27FC236}">
-                <a16:creationId xmlns:a16="http://schemas.microsoft.com/office/drawing/2014/main" id="{1794C68A-6915-4143-B1AA-507639CEF4CA}"/>
-              </a:ext>
-            </a:extLst>
-          </p:cNvPr>
-          <p:cNvSpPr/>
-          <p:nvPr/>
-        </p:nvSpPr>
-        <p:spPr>
-          <a:xfrm>
-            <a:off x="263165" y="4373821"/>
-            <a:ext cx="3336696" cy="261610"/>
+            <a:off x="129909" y="4253032"/>
+            <a:ext cx="1736496" cy="600164"/>
           </a:xfrm>
           <a:prstGeom prst="rect">
             <a:avLst/>
@@ -13907,84 +13150,10 @@
           </a:p>
         </p:txBody>
       </p:sp>
-      <p:sp>
-        <p:nvSpPr>
-          <p:cNvPr id="10" name="Rectangle 9">
-            <a:extLst>
-              <a:ext uri="{FF2B5EF4-FFF2-40B4-BE49-F238E27FC236}">
-                <a16:creationId xmlns:a16="http://schemas.microsoft.com/office/drawing/2014/main" id="{099E41CA-21E8-664A-A8B2-DFA7AD69A38A}"/>
-              </a:ext>
-            </a:extLst>
-          </p:cNvPr>
-          <p:cNvSpPr/>
-          <p:nvPr/>
-        </p:nvSpPr>
-        <p:spPr>
-          <a:xfrm>
-            <a:off x="4755273" y="1083816"/>
-            <a:ext cx="4152900" cy="707886"/>
-          </a:xfrm>
-          <a:prstGeom prst="rect">
-            <a:avLst/>
-          </a:prstGeom>
-          <a:solidFill>
-            <a:schemeClr val="accent6">
-              <a:lumMod val="20000"/>
-              <a:lumOff val="80000"/>
-            </a:schemeClr>
-          </a:solidFill>
-        </p:spPr>
-        <p:txBody>
-          <a:bodyPr wrap="square">
-            <a:spAutoFit/>
-          </a:bodyPr>
-          <a:lstStyle/>
-          <a:p>
-            <a:r>
-              <a:rPr lang="en-CA" sz="800" dirty="0">
-                <a:latin typeface="Courier" pitchFamily="2" charset="0"/>
-              </a:rPr>
-              <a:t>0                   1                   2                   3</a:t>
-            </a:r>
-          </a:p>
-          <a:p>
-            <a:r>
-              <a:rPr lang="en-CA" sz="800" dirty="0">
-                <a:latin typeface="Courier" pitchFamily="2" charset="0"/>
-              </a:rPr>
-              <a:t>0 1 2 3 4 5 6 7 8 9 0 1 2 3 4 5 6 7 8 9 0 1 2 3 4 5 6 7 8 9 0 1</a:t>
-            </a:r>
-          </a:p>
-          <a:p>
-            <a:r>
-              <a:rPr lang="en-CA" sz="800" dirty="0">
-                <a:latin typeface="Courier" pitchFamily="2" charset="0"/>
-              </a:rPr>
-              <a:t>+-+-+-+-+-+-+-+-+-+-+-+-+-+-+-+-+-+-+-+-+-+-+-+-+-+-+-+-+-+-+-+-+</a:t>
-            </a:r>
-          </a:p>
-          <a:p>
-            <a:r>
-              <a:rPr lang="en-CA" sz="800" dirty="0">
-                <a:latin typeface="Courier" pitchFamily="2" charset="0"/>
-              </a:rPr>
-              <a:t>|0 0 0 0|                Sequence Number                        |</a:t>
-            </a:r>
-          </a:p>
-          <a:p>
-            <a:r>
-              <a:rPr lang="en-CA" sz="800" dirty="0">
-                <a:latin typeface="Courier" pitchFamily="2" charset="0"/>
-              </a:rPr>
-              <a:t>+-+-+-+-+-+-+-+-+-+-+-+-+-+-+-+-+-+-+-+-+-+-+-+-+-+-+-+-+-+-+-+-+</a:t>
-            </a:r>
-          </a:p>
-        </p:txBody>
-      </p:sp>
     </p:spTree>
     <p:extLst>
       <p:ext uri="{BB962C8B-B14F-4D97-AF65-F5344CB8AC3E}">
-        <p14:creationId xmlns:p14="http://schemas.microsoft.com/office/powerpoint/2010/main" val="3027622403"/>
+        <p14:creationId xmlns:p14="http://schemas.microsoft.com/office/powerpoint/2010/main" val="905673882"/>
       </p:ext>
     </p:extLst>
   </p:cSld>
@@ -14143,8 +13312,8 @@
         </p:nvSpPr>
         <p:spPr>
           <a:xfrm>
-            <a:off x="2514600" y="689889"/>
-            <a:ext cx="5486400" cy="4385816"/>
+            <a:off x="2590800" y="793671"/>
+            <a:ext cx="5486400" cy="3831818"/>
           </a:xfrm>
           <a:prstGeom prst="rect">
             <a:avLst/>
@@ -14190,38 +13359,6 @@
               <a:rPr lang="en-CA" sz="900" dirty="0">
                 <a:latin typeface="Courier" pitchFamily="2" charset="0"/>
               </a:rPr>
-              <a:t>   | [F-Label(s)]                          | TC  |S|  TTL          |</a:t>
-            </a:r>
-          </a:p>
-          <a:p>
-            <a:r>
-              <a:rPr lang="en-CA" sz="900" dirty="0">
-                <a:latin typeface="Courier" pitchFamily="2" charset="0"/>
-              </a:rPr>
-              <a:t>   +-+-+-+-+-+-+-+-+-+-+-+-+-+-+-+-+-+-+-+-+-+-+-+-+-+-+-+-+-+-+-+-+</a:t>
-            </a:r>
-          </a:p>
-          <a:p>
-            <a:r>
-              <a:rPr lang="en-CA" sz="900" dirty="0">
-                <a:latin typeface="Courier" pitchFamily="2" charset="0"/>
-              </a:rPr>
-              <a:t>   | S-Label                               | TC  |S|  TTL          |</a:t>
-            </a:r>
-          </a:p>
-          <a:p>
-            <a:r>
-              <a:rPr lang="en-CA" sz="900" dirty="0">
-                <a:latin typeface="Courier" pitchFamily="2" charset="0"/>
-              </a:rPr>
-              <a:t>   +-+-+-+-+-+-+-+-+-+-+-+-+-+-+-+-+-+-+-+-+-+-+-+-+-+-+-+-+-+-+-+-+</a:t>
-            </a:r>
-          </a:p>
-          <a:p>
-            <a:r>
-              <a:rPr lang="en-CA" sz="900" dirty="0">
-                <a:latin typeface="Courier" pitchFamily="2" charset="0"/>
-              </a:rPr>
               <a:t>   | IOAM Indicator Label                  | TC  |1|  TTL          |</a:t>
             </a:r>
           </a:p>
@@ -14271,7 +13408,7 @@
             <a:r>
               <a:rPr lang="en-CA" sz="900" dirty="0">
                 <a:solidFill>
-                  <a:srgbClr val="C00000"/>
+                  <a:srgbClr val="0070C0"/>
                 </a:solidFill>
                 <a:latin typeface="Courier" pitchFamily="2" charset="0"/>
               </a:rPr>
@@ -14344,7 +13481,7 @@
             <a:r>
               <a:rPr lang="en-CA" sz="900" dirty="0">
                 <a:solidFill>
-                  <a:srgbClr val="C00000"/>
+                  <a:srgbClr val="0070C0"/>
                 </a:solidFill>
                 <a:latin typeface="Courier" pitchFamily="2" charset="0"/>
               </a:rPr>
@@ -14353,7 +13490,7 @@
             <a:r>
               <a:rPr lang="en-CA" sz="900" dirty="0" err="1">
                 <a:solidFill>
-                  <a:srgbClr val="C00000"/>
+                  <a:srgbClr val="0070C0"/>
                 </a:solidFill>
                 <a:latin typeface="Courier" pitchFamily="2" charset="0"/>
               </a:rPr>
@@ -14362,7 +13499,7 @@
             <a:r>
               <a:rPr lang="en-CA" sz="900" dirty="0">
                 <a:solidFill>
-                  <a:srgbClr val="C00000"/>
+                  <a:srgbClr val="0070C0"/>
                 </a:solidFill>
                 <a:latin typeface="Courier" pitchFamily="2" charset="0"/>
               </a:rPr>
@@ -14373,7 +13510,7 @@
             <a:r>
               <a:rPr lang="en-CA" sz="900" dirty="0">
                 <a:solidFill>
-                  <a:srgbClr val="C00000"/>
+                  <a:srgbClr val="0070C0"/>
                 </a:solidFill>
                 <a:latin typeface="Courier" pitchFamily="2" charset="0"/>
               </a:rPr>
@@ -14384,7 +13521,7 @@
             <a:r>
               <a:rPr lang="en-CA" sz="900" dirty="0">
                 <a:solidFill>
-                  <a:srgbClr val="C00000"/>
+                  <a:srgbClr val="0070C0"/>
                 </a:solidFill>
                 <a:latin typeface="Courier" pitchFamily="2" charset="0"/>
               </a:rPr>
@@ -14392,20 +13529,14 @@
             </a:r>
           </a:p>
           <a:p>
-            <a:r>
-              <a:rPr lang="en-CA" sz="900" dirty="0">
-                <a:latin typeface="Courier" pitchFamily="2" charset="0"/>
-              </a:rPr>
-              <a:t>  </a:t>
-            </a:r>
             <a:r>
               <a:rPr lang="en-CA" sz="900" dirty="0">
                 <a:solidFill>
-                  <a:srgbClr val="C00000"/>
+                  <a:srgbClr val="0070C0"/>
                 </a:solidFill>
                 <a:latin typeface="Courier" pitchFamily="2" charset="0"/>
               </a:rPr>
-              <a:t> +-+-+-+-+-+-+-+-+-+-+-+-+-+-+-+-+-+-+-+-+-+-+-+-+-+-+-+-+-+-+-+-+</a:t>
+              <a:t>   +-+-+-+-+-+-+-+-+-+-+-+-+-+-+-+-+-+-+-+-+-+-+-+-+-+-+-+-+-+-+-+-+</a:t>
             </a:r>
           </a:p>
           <a:p>
@@ -14503,7 +13634,7 @@
         <p:spPr>
           <a:xfrm>
             <a:off x="114300" y="3556640"/>
-            <a:ext cx="2171700" cy="1323439"/>
+            <a:ext cx="2476500" cy="1015663"/>
           </a:xfrm>
           <a:prstGeom prst="rect">
             <a:avLst/>
@@ -14591,7 +13722,7 @@
           <p:cNvPr id="2" name="Title 1">
             <a:extLst>
               <a:ext uri="{FF2B5EF4-FFF2-40B4-BE49-F238E27FC236}">
-                <a16:creationId xmlns:a16="http://schemas.microsoft.com/office/drawing/2014/main" id="{16C5255E-BE42-5348-AC0F-6257873BBB61}"/>
+                <a16:creationId xmlns:a16="http://schemas.microsoft.com/office/drawing/2014/main" id="{590D0125-5A9E-9D48-9391-85FBD0E608A2}"/>
               </a:ext>
             </a:extLst>
           </p:cNvPr>
@@ -14604,8 +13735,8 @@
         </p:nvSpPr>
         <p:spPr>
           <a:xfrm>
-            <a:off x="304800" y="0"/>
-            <a:ext cx="8534400" cy="857250"/>
+            <a:off x="0" y="96999"/>
+            <a:ext cx="9144000" cy="599270"/>
           </a:xfrm>
         </p:spPr>
         <p:txBody>
@@ -14613,24 +13744,31 @@
           <a:lstStyle/>
           <a:p>
             <a:r>
-              <a:rPr lang="en-US" sz="3200" dirty="0">
+              <a:rPr lang="en-CA" sz="3200" dirty="0">
                 <a:solidFill>
                   <a:srgbClr val="0070C0"/>
                 </a:solidFill>
                 <a:latin typeface="Calibri Light" panose="020F0302020204030204" pitchFamily="34" charset="0"/>
                 <a:cs typeface="Calibri Light" panose="020F0302020204030204" pitchFamily="34" charset="0"/>
               </a:rPr>
-              <a:t>IOAM Header and Another ACH</a:t>
-            </a:r>
-          </a:p>
-        </p:txBody>
-      </p:sp>
-      <p:sp>
-        <p:nvSpPr>
-          <p:cNvPr id="3" name="Content Placeholder 2">
+              <a:t>IOAM Header with Another ACH</a:t>
+            </a:r>
+            <a:endParaRPr lang="en-US" sz="3200" dirty="0">
+              <a:solidFill>
+                <a:srgbClr val="0070C0"/>
+              </a:solidFill>
+              <a:latin typeface="Calibri Light" panose="020F0302020204030204" pitchFamily="34" charset="0"/>
+              <a:cs typeface="Calibri Light" panose="020F0302020204030204" pitchFamily="34" charset="0"/>
+            </a:endParaRPr>
+          </a:p>
+        </p:txBody>
+      </p:sp>
+      <p:sp>
+        <p:nvSpPr>
+          <p:cNvPr id="4" name="Footer Placeholder 3">
             <a:extLst>
               <a:ext uri="{FF2B5EF4-FFF2-40B4-BE49-F238E27FC236}">
-                <a16:creationId xmlns:a16="http://schemas.microsoft.com/office/drawing/2014/main" id="{3943595A-2AF7-A141-B580-268FFA30C69C}"/>
+                <a16:creationId xmlns:a16="http://schemas.microsoft.com/office/drawing/2014/main" id="{87713FCD-3B47-804D-B373-DAB61FB5FF59}"/>
               </a:ext>
             </a:extLst>
           </p:cNvPr>
@@ -14638,121 +13776,12 @@
             <a:spLocks noGrp="1"/>
           </p:cNvSpPr>
           <p:nvPr>
-            <p:ph idx="1"/>
+            <p:ph type="ftr" sz="quarter" idx="11"/>
           </p:nvPr>
         </p:nvSpPr>
         <p:spPr>
           <a:xfrm>
-            <a:off x="533400" y="857250"/>
-            <a:ext cx="8001000" cy="3619499"/>
-          </a:xfrm>
-        </p:spPr>
-        <p:txBody>
-          <a:bodyPr/>
-          <a:lstStyle/>
-          <a:p>
-            <a:pPr>
-              <a:lnSpc>
-                <a:spcPts val="2280"/>
-              </a:lnSpc>
-              <a:spcBef>
-                <a:spcPts val="600"/>
-              </a:spcBef>
-            </a:pPr>
-            <a:r>
-              <a:rPr lang="en-CA" sz="2000" dirty="0">
-                <a:latin typeface="Calibri" panose="020F0502020204030204" pitchFamily="34" charset="0"/>
-                <a:cs typeface="Calibri" panose="020F0502020204030204" pitchFamily="34" charset="0"/>
-              </a:rPr>
-              <a:t>IOAM header is considered part of the MPLS Encapsulation, any other ACH is added after the IOAM Header with the packet.</a:t>
-            </a:r>
-          </a:p>
-          <a:p>
-            <a:pPr>
-              <a:lnSpc>
-                <a:spcPts val="2280"/>
-              </a:lnSpc>
-              <a:spcBef>
-                <a:spcPts val="600"/>
-              </a:spcBef>
-            </a:pPr>
-            <a:r>
-              <a:rPr lang="en-CA" sz="2000" dirty="0">
-                <a:latin typeface="Calibri" panose="020F0502020204030204" pitchFamily="34" charset="0"/>
-                <a:cs typeface="Calibri" panose="020F0502020204030204" pitchFamily="34" charset="0"/>
-              </a:rPr>
-              <a:t>The transit nodes process the IOAM data field(s) after the EOS in data packets.</a:t>
-            </a:r>
-          </a:p>
-          <a:p>
-            <a:pPr>
-              <a:lnSpc>
-                <a:spcPts val="2280"/>
-              </a:lnSpc>
-              <a:spcBef>
-                <a:spcPts val="600"/>
-              </a:spcBef>
-            </a:pPr>
-            <a:r>
-              <a:rPr lang="en-CA" sz="2000" dirty="0">
-                <a:latin typeface="Calibri" panose="020F0502020204030204" pitchFamily="34" charset="0"/>
-                <a:cs typeface="Calibri" panose="020F0502020204030204" pitchFamily="34" charset="0"/>
-              </a:rPr>
-              <a:t>The decapsulating node removes the MPLS Encapsulation including the IOAM header and then processes the next ACH following it.</a:t>
-            </a:r>
-          </a:p>
-          <a:p>
-            <a:pPr>
-              <a:lnSpc>
-                <a:spcPts val="2280"/>
-              </a:lnSpc>
-              <a:spcBef>
-                <a:spcPts val="600"/>
-              </a:spcBef>
-            </a:pPr>
-            <a:r>
-              <a:rPr lang="en-CA" sz="2000" dirty="0">
-                <a:latin typeface="Calibri" panose="020F0502020204030204" pitchFamily="34" charset="0"/>
-                <a:cs typeface="Calibri" panose="020F0502020204030204" pitchFamily="34" charset="0"/>
-              </a:rPr>
-              <a:t>IOAM HDR Length allows to find the next ACH after the IOAM header.</a:t>
-            </a:r>
-          </a:p>
-          <a:p>
-            <a:pPr>
-              <a:lnSpc>
-                <a:spcPts val="2280"/>
-              </a:lnSpc>
-              <a:spcBef>
-                <a:spcPts val="600"/>
-              </a:spcBef>
-            </a:pPr>
-            <a:endParaRPr lang="en-CA" sz="2000" dirty="0">
-              <a:latin typeface="Calibri" panose="020F0502020204030204" pitchFamily="34" charset="0"/>
-              <a:cs typeface="Calibri" panose="020F0502020204030204" pitchFamily="34" charset="0"/>
-            </a:endParaRPr>
-          </a:p>
-        </p:txBody>
-      </p:sp>
-      <p:sp>
-        <p:nvSpPr>
-          <p:cNvPr id="4" name="Footer Placeholder 3">
-            <a:extLst>
-              <a:ext uri="{FF2B5EF4-FFF2-40B4-BE49-F238E27FC236}">
-                <a16:creationId xmlns:a16="http://schemas.microsoft.com/office/drawing/2014/main" id="{CF70CC82-C055-3645-9254-87CEC1C49032}"/>
-              </a:ext>
-            </a:extLst>
-          </p:cNvPr>
-          <p:cNvSpPr>
-            <a:spLocks noGrp="1"/>
-          </p:cNvSpPr>
-          <p:nvPr>
-            <p:ph type="ftr" sz="quarter" idx="11"/>
-          </p:nvPr>
-        </p:nvSpPr>
-        <p:spPr>
-          <a:xfrm>
-            <a:off x="3124200" y="4786312"/>
+            <a:off x="3124200" y="4781550"/>
             <a:ext cx="2895600" cy="357188"/>
           </a:xfrm>
         </p:spPr>
@@ -14760,19 +13789,16 @@
           <a:bodyPr/>
           <a:lstStyle/>
           <a:p>
-            <a:pPr>
-              <a:defRPr/>
-            </a:pPr>
-            <a:r>
-              <a:rPr lang="en-US" altLang="zh-CN" dirty="0"/>
+            <a:r>
+              <a:rPr lang="en-CA" dirty="0"/>
               <a:t>110</a:t>
             </a:r>
             <a:r>
-              <a:rPr lang="en-US" altLang="zh-CN" baseline="30000" dirty="0"/>
+              <a:rPr lang="en-CA" baseline="30000" dirty="0"/>
               <a:t>th</a:t>
             </a:r>
             <a:r>
-              <a:rPr lang="en-US" altLang="zh-CN" dirty="0"/>
+              <a:rPr lang="en-CA" dirty="0"/>
               <a:t> IETF Online</a:t>
             </a:r>
           </a:p>
@@ -14783,7 +13809,7 @@
           <p:cNvPr id="5" name="Slide Number Placeholder 4">
             <a:extLst>
               <a:ext uri="{FF2B5EF4-FFF2-40B4-BE49-F238E27FC236}">
-                <a16:creationId xmlns:a16="http://schemas.microsoft.com/office/drawing/2014/main" id="{62DF7D69-BCF6-2D4A-A3F1-2D32C59355D3}"/>
+                <a16:creationId xmlns:a16="http://schemas.microsoft.com/office/drawing/2014/main" id="{1371408B-9195-EC4D-8131-A3F5CC0592D0}"/>
               </a:ext>
             </a:extLst>
           </p:cNvPr>
@@ -14808,158 +13834,6 @@
                 <a:defRPr/>
               </a:pPr>
               <a:t>28</a:t>
-            </a:fld>
-            <a:endParaRPr lang="en-US" altLang="zh-CN" dirty="0"/>
-          </a:p>
-        </p:txBody>
-      </p:sp>
-    </p:spTree>
-    <p:extLst>
-      <p:ext uri="{BB962C8B-B14F-4D97-AF65-F5344CB8AC3E}">
-        <p14:creationId xmlns:p14="http://schemas.microsoft.com/office/powerpoint/2010/main" val="2353107321"/>
-      </p:ext>
-    </p:extLst>
-  </p:cSld>
-  <p:clrMapOvr>
-    <a:masterClrMapping/>
-  </p:clrMapOvr>
-</p:sld>
-</file>
-
-<file path=ppt/slides/slide29.xml><?xml version="1.0" encoding="utf-8"?>
-<p:sld xmlns:a="http://schemas.openxmlformats.org/drawingml/2006/main" xmlns:r="http://schemas.openxmlformats.org/officeDocument/2006/relationships" xmlns:p="http://schemas.openxmlformats.org/presentationml/2006/main">
-  <p:cSld>
-    <p:spTree>
-      <p:nvGrpSpPr>
-        <p:cNvPr id="1" name=""/>
-        <p:cNvGrpSpPr/>
-        <p:nvPr/>
-      </p:nvGrpSpPr>
-      <p:grpSpPr>
-        <a:xfrm>
-          <a:off x="0" y="0"/>
-          <a:ext cx="0" cy="0"/>
-          <a:chOff x="0" y="0"/>
-          <a:chExt cx="0" cy="0"/>
-        </a:xfrm>
-      </p:grpSpPr>
-      <p:sp>
-        <p:nvSpPr>
-          <p:cNvPr id="2" name="Title 1">
-            <a:extLst>
-              <a:ext uri="{FF2B5EF4-FFF2-40B4-BE49-F238E27FC236}">
-                <a16:creationId xmlns:a16="http://schemas.microsoft.com/office/drawing/2014/main" id="{590D0125-5A9E-9D48-9391-85FBD0E608A2}"/>
-              </a:ext>
-            </a:extLst>
-          </p:cNvPr>
-          <p:cNvSpPr>
-            <a:spLocks noGrp="1"/>
-          </p:cNvSpPr>
-          <p:nvPr>
-            <p:ph type="title"/>
-          </p:nvPr>
-        </p:nvSpPr>
-        <p:spPr>
-          <a:xfrm>
-            <a:off x="0" y="96999"/>
-            <a:ext cx="9144000" cy="599270"/>
-          </a:xfrm>
-        </p:spPr>
-        <p:txBody>
-          <a:bodyPr/>
-          <a:lstStyle/>
-          <a:p>
-            <a:r>
-              <a:rPr lang="en-CA" sz="3200" dirty="0">
-                <a:solidFill>
-                  <a:srgbClr val="0070C0"/>
-                </a:solidFill>
-                <a:latin typeface="Calibri Light" panose="020F0302020204030204" pitchFamily="34" charset="0"/>
-                <a:cs typeface="Calibri Light" panose="020F0302020204030204" pitchFamily="34" charset="0"/>
-              </a:rPr>
-              <a:t>IOAM Header with Another ACH</a:t>
-            </a:r>
-            <a:endParaRPr lang="en-US" sz="3200" dirty="0">
-              <a:solidFill>
-                <a:srgbClr val="0070C0"/>
-              </a:solidFill>
-              <a:latin typeface="Calibri Light" panose="020F0302020204030204" pitchFamily="34" charset="0"/>
-              <a:cs typeface="Calibri Light" panose="020F0302020204030204" pitchFamily="34" charset="0"/>
-            </a:endParaRPr>
-          </a:p>
-        </p:txBody>
-      </p:sp>
-      <p:sp>
-        <p:nvSpPr>
-          <p:cNvPr id="4" name="Footer Placeholder 3">
-            <a:extLst>
-              <a:ext uri="{FF2B5EF4-FFF2-40B4-BE49-F238E27FC236}">
-                <a16:creationId xmlns:a16="http://schemas.microsoft.com/office/drawing/2014/main" id="{87713FCD-3B47-804D-B373-DAB61FB5FF59}"/>
-              </a:ext>
-            </a:extLst>
-          </p:cNvPr>
-          <p:cNvSpPr>
-            <a:spLocks noGrp="1"/>
-          </p:cNvSpPr>
-          <p:nvPr>
-            <p:ph type="ftr" sz="quarter" idx="11"/>
-          </p:nvPr>
-        </p:nvSpPr>
-        <p:spPr>
-          <a:xfrm>
-            <a:off x="3124200" y="4781550"/>
-            <a:ext cx="2895600" cy="357188"/>
-          </a:xfrm>
-        </p:spPr>
-        <p:txBody>
-          <a:bodyPr/>
-          <a:lstStyle/>
-          <a:p>
-            <a:r>
-              <a:rPr lang="en-CA" dirty="0"/>
-              <a:t>110</a:t>
-            </a:r>
-            <a:r>
-              <a:rPr lang="en-CA" baseline="30000" dirty="0"/>
-              <a:t>th</a:t>
-            </a:r>
-            <a:r>
-              <a:rPr lang="en-CA" dirty="0"/>
-              <a:t> IETF Online</a:t>
-            </a:r>
-          </a:p>
-        </p:txBody>
-      </p:sp>
-      <p:sp>
-        <p:nvSpPr>
-          <p:cNvPr id="5" name="Slide Number Placeholder 4">
-            <a:extLst>
-              <a:ext uri="{FF2B5EF4-FFF2-40B4-BE49-F238E27FC236}">
-                <a16:creationId xmlns:a16="http://schemas.microsoft.com/office/drawing/2014/main" id="{1371408B-9195-EC4D-8131-A3F5CC0592D0}"/>
-              </a:ext>
-            </a:extLst>
-          </p:cNvPr>
-          <p:cNvSpPr>
-            <a:spLocks noGrp="1"/>
-          </p:cNvSpPr>
-          <p:nvPr>
-            <p:ph type="sldNum" sz="quarter" idx="12"/>
-          </p:nvPr>
-        </p:nvSpPr>
-        <p:spPr/>
-        <p:txBody>
-          <a:bodyPr/>
-          <a:lstStyle/>
-          <a:p>
-            <a:pPr>
-              <a:defRPr/>
-            </a:pPr>
-            <a:fld id="{BD6E0F59-1DD8-40FC-9C92-B6295CBA6CCA}" type="slidenum">
-              <a:rPr lang="en-US" altLang="zh-CN" smtClean="0"/>
-              <a:pPr>
-                <a:defRPr/>
-              </a:pPr>
-              <a:t>29</a:t>
             </a:fld>
             <a:endParaRPr lang="en-US" altLang="zh-CN"/>
           </a:p>
@@ -15075,7 +13949,7 @@
             <a:r>
               <a:rPr lang="en-CA" sz="900" dirty="0">
                 <a:solidFill>
-                  <a:srgbClr val="C00000"/>
+                  <a:srgbClr val="0070C0"/>
                 </a:solidFill>
                 <a:latin typeface="Courier" pitchFamily="2" charset="0"/>
               </a:rPr>
@@ -15152,14 +14026,23 @@
                 </a:solidFill>
                 <a:latin typeface="Courier" pitchFamily="2" charset="0"/>
               </a:rPr>
-              <a:t>   |0 0 0 1|Version| Reserved      | Channel Type                  |</a:t>
-            </a:r>
-          </a:p>
-          <a:p>
+              <a:t>   </a:t>
+            </a:r>
             <a:r>
               <a:rPr lang="en-CA" sz="900" dirty="0">
                 <a:solidFill>
-                  <a:srgbClr val="C00000"/>
+                  <a:srgbClr val="0070C0"/>
+                </a:solidFill>
+                <a:latin typeface="Courier" pitchFamily="2" charset="0"/>
+              </a:rPr>
+              <a:t>|0 0 0 1|Version| Reserved      | Channel Type                  |</a:t>
+            </a:r>
+          </a:p>
+          <a:p>
+            <a:r>
+              <a:rPr lang="en-CA" sz="900" dirty="0">
+                <a:solidFill>
+                  <a:srgbClr val="0070C0"/>
                 </a:solidFill>
                 <a:latin typeface="Courier" pitchFamily="2" charset="0"/>
               </a:rPr>
@@ -15250,332 +14133,7 @@
 </p:sld>
 </file>
 
-<file path=ppt/slides/slide3.xml><?xml version="1.0" encoding="utf-8"?>
-<p:sld xmlns:a="http://schemas.openxmlformats.org/drawingml/2006/main" xmlns:r="http://schemas.openxmlformats.org/officeDocument/2006/relationships" xmlns:p="http://schemas.openxmlformats.org/presentationml/2006/main">
-  <p:cSld>
-    <p:spTree>
-      <p:nvGrpSpPr>
-        <p:cNvPr id="1" name=""/>
-        <p:cNvGrpSpPr/>
-        <p:nvPr/>
-      </p:nvGrpSpPr>
-      <p:grpSpPr>
-        <a:xfrm>
-          <a:off x="0" y="0"/>
-          <a:ext cx="0" cy="0"/>
-          <a:chOff x="0" y="0"/>
-          <a:chExt cx="0" cy="0"/>
-        </a:xfrm>
-      </p:grpSpPr>
-      <p:sp>
-        <p:nvSpPr>
-          <p:cNvPr id="2" name="Title 1"/>
-          <p:cNvSpPr>
-            <a:spLocks noGrp="1"/>
-          </p:cNvSpPr>
-          <p:nvPr>
-            <p:ph type="title"/>
-          </p:nvPr>
-        </p:nvSpPr>
-        <p:spPr>
-          <a:xfrm>
-            <a:off x="457200" y="0"/>
-            <a:ext cx="8229600" cy="857250"/>
-          </a:xfrm>
-        </p:spPr>
-        <p:txBody>
-          <a:bodyPr/>
-          <a:lstStyle/>
-          <a:p>
-            <a:r>
-              <a:rPr lang="en-US" sz="3600" dirty="0">
-                <a:solidFill>
-                  <a:srgbClr val="0070C0"/>
-                </a:solidFill>
-                <a:latin typeface="Calibri Light" panose="020F0302020204030204" pitchFamily="34" charset="0"/>
-                <a:cs typeface="Calibri Light" panose="020F0302020204030204" pitchFamily="34" charset="0"/>
-              </a:rPr>
-              <a:t>Requirements and Scope</a:t>
-            </a:r>
-          </a:p>
-        </p:txBody>
-      </p:sp>
-      <p:sp>
-        <p:nvSpPr>
-          <p:cNvPr id="3" name="Content Placeholder 2"/>
-          <p:cNvSpPr>
-            <a:spLocks noGrp="1"/>
-          </p:cNvSpPr>
-          <p:nvPr>
-            <p:ph idx="1"/>
-          </p:nvPr>
-        </p:nvSpPr>
-        <p:spPr>
-          <a:xfrm>
-            <a:off x="457200" y="895350"/>
-            <a:ext cx="8229600" cy="3543300"/>
-          </a:xfrm>
-        </p:spPr>
-        <p:txBody>
-          <a:bodyPr/>
-          <a:lstStyle/>
-          <a:p>
-            <a:pPr marL="0" indent="0">
-              <a:buNone/>
-            </a:pPr>
-            <a:r>
-              <a:rPr lang="en-US" sz="1800" dirty="0"/>
-              <a:t>Requirements:</a:t>
-            </a:r>
-          </a:p>
-          <a:p>
-            <a:pPr lvl="1">
-              <a:buFont typeface="Wingdings" charset="2"/>
-              <a:buChar char="§"/>
-            </a:pPr>
-            <a:r>
-              <a:rPr lang="en-US" sz="1800" dirty="0"/>
-              <a:t>Transport In-situ OAM (IOAM) data fields with MPLS Encapsulation</a:t>
-            </a:r>
-          </a:p>
-          <a:p>
-            <a:pPr marL="0" lvl="1" indent="0">
-              <a:buNone/>
-            </a:pPr>
-            <a:r>
-              <a:rPr lang="en-US" sz="1800" dirty="0"/>
-              <a:t>Scope:</a:t>
-            </a:r>
-          </a:p>
-          <a:p>
-            <a:pPr lvl="1">
-              <a:buFont typeface="Wingdings" charset="2"/>
-              <a:buChar char="§"/>
-            </a:pPr>
-            <a:r>
-              <a:rPr lang="en-US" sz="1800" dirty="0"/>
-              <a:t>Using data fields defined in:</a:t>
-            </a:r>
-          </a:p>
-          <a:p>
-            <a:pPr lvl="2">
-              <a:buFont typeface="Wingdings" charset="2"/>
-              <a:buChar char="§"/>
-            </a:pPr>
-            <a:r>
-              <a:rPr lang="en-CA" sz="1800" i="1" dirty="0"/>
-              <a:t>draft-</a:t>
-            </a:r>
-            <a:r>
-              <a:rPr lang="en-CA" sz="1800" i="1" dirty="0" err="1"/>
-              <a:t>ietf</a:t>
-            </a:r>
-            <a:r>
-              <a:rPr lang="en-CA" sz="1800" i="1" dirty="0"/>
-              <a:t>-</a:t>
-            </a:r>
-            <a:r>
-              <a:rPr lang="en-CA" sz="1800" i="1" dirty="0" err="1"/>
-              <a:t>ippm</a:t>
-            </a:r>
-            <a:r>
-              <a:rPr lang="en-CA" sz="1800" i="1" dirty="0"/>
-              <a:t>-</a:t>
-            </a:r>
-            <a:r>
-              <a:rPr lang="en-CA" sz="1800" i="1" dirty="0" err="1"/>
-              <a:t>ioam</a:t>
-            </a:r>
-            <a:r>
-              <a:rPr lang="en-CA" sz="1800" i="1" dirty="0"/>
-              <a:t>-data</a:t>
-            </a:r>
-            <a:endParaRPr lang="en-CA" sz="1800" dirty="0"/>
-          </a:p>
-          <a:p>
-            <a:pPr lvl="2">
-              <a:buFont typeface="Wingdings" charset="2"/>
-              <a:buChar char="§"/>
-            </a:pPr>
-            <a:r>
-              <a:rPr lang="en-CA" sz="1800" i="1" dirty="0"/>
-              <a:t>draft-</a:t>
-            </a:r>
-            <a:r>
-              <a:rPr lang="en-CA" sz="1800" i="1" dirty="0" err="1"/>
-              <a:t>ietf</a:t>
-            </a:r>
-            <a:r>
-              <a:rPr lang="en-CA" sz="1800" i="1" dirty="0"/>
-              <a:t>-</a:t>
-            </a:r>
-            <a:r>
-              <a:rPr lang="en-CA" sz="1800" i="1" dirty="0" err="1"/>
-              <a:t>ippm</a:t>
-            </a:r>
-            <a:r>
-              <a:rPr lang="en-CA" sz="1800" i="1" dirty="0"/>
-              <a:t>-</a:t>
-            </a:r>
-            <a:r>
-              <a:rPr lang="en-CA" sz="1800" i="1" dirty="0" err="1"/>
-              <a:t>ioam</a:t>
-            </a:r>
-            <a:r>
-              <a:rPr lang="en-CA" sz="1800" i="1" dirty="0"/>
-              <a:t>-direct-export</a:t>
-            </a:r>
-            <a:endParaRPr lang="en-CA" sz="1800" dirty="0"/>
-          </a:p>
-          <a:p>
-            <a:pPr lvl="2">
-              <a:buFont typeface="Wingdings" charset="2"/>
-              <a:buChar char="§"/>
-            </a:pPr>
-            <a:r>
-              <a:rPr lang="en-CA" sz="1800" i="1" dirty="0"/>
-              <a:t>draft-</a:t>
-            </a:r>
-            <a:r>
-              <a:rPr lang="en-CA" sz="1800" i="1" dirty="0" err="1"/>
-              <a:t>ietf</a:t>
-            </a:r>
-            <a:r>
-              <a:rPr lang="en-CA" sz="1800" i="1" dirty="0"/>
-              <a:t>-</a:t>
-            </a:r>
-            <a:r>
-              <a:rPr lang="en-CA" sz="1800" i="1" dirty="0" err="1"/>
-              <a:t>ippm</a:t>
-            </a:r>
-            <a:r>
-              <a:rPr lang="en-CA" sz="1800" i="1" dirty="0"/>
-              <a:t>-</a:t>
-            </a:r>
-            <a:r>
-              <a:rPr lang="en-CA" sz="1800" i="1" dirty="0" err="1"/>
-              <a:t>ioam</a:t>
-            </a:r>
-            <a:r>
-              <a:rPr lang="en-CA" sz="1800" i="1" dirty="0"/>
-              <a:t>-flags</a:t>
-            </a:r>
-          </a:p>
-          <a:p>
-            <a:pPr lvl="1">
-              <a:buFont typeface="Wingdings" charset="2"/>
-              <a:buChar char="§"/>
-            </a:pPr>
-            <a:r>
-              <a:rPr lang="en-CA" sz="1800" dirty="0"/>
-              <a:t>Edge-to-edge (E2E) IOAM</a:t>
-            </a:r>
-          </a:p>
-          <a:p>
-            <a:pPr lvl="1">
-              <a:buFont typeface="Wingdings" charset="2"/>
-              <a:buChar char="§"/>
-            </a:pPr>
-            <a:r>
-              <a:rPr lang="en-CA" sz="1800" dirty="0"/>
-              <a:t>Hop-by-hop (</a:t>
-            </a:r>
-            <a:r>
-              <a:rPr lang="en-CA" sz="1800" dirty="0" err="1"/>
-              <a:t>HbH</a:t>
-            </a:r>
-            <a:r>
-              <a:rPr lang="en-CA" sz="1800" dirty="0"/>
-              <a:t>) IOAM</a:t>
-            </a:r>
-          </a:p>
-          <a:p>
-            <a:pPr lvl="1">
-              <a:buFont typeface="Wingdings" charset="2"/>
-              <a:buChar char="§"/>
-            </a:pPr>
-            <a:endParaRPr lang="en-US" sz="1800" dirty="0"/>
-          </a:p>
-        </p:txBody>
-      </p:sp>
-      <p:sp>
-        <p:nvSpPr>
-          <p:cNvPr id="4" name="Footer Placeholder 3"/>
-          <p:cNvSpPr>
-            <a:spLocks noGrp="1"/>
-          </p:cNvSpPr>
-          <p:nvPr>
-            <p:ph type="ftr" sz="quarter" idx="11"/>
-          </p:nvPr>
-        </p:nvSpPr>
-        <p:spPr>
-          <a:xfrm>
-            <a:off x="3124200" y="4786312"/>
-            <a:ext cx="2895600" cy="357188"/>
-          </a:xfrm>
-        </p:spPr>
-        <p:txBody>
-          <a:bodyPr/>
-          <a:lstStyle/>
-          <a:p>
-            <a:r>
-              <a:rPr lang="en-CA" dirty="0"/>
-              <a:t>110</a:t>
-            </a:r>
-            <a:r>
-              <a:rPr lang="en-CA" baseline="30000" dirty="0"/>
-              <a:t>th</a:t>
-            </a:r>
-            <a:r>
-              <a:rPr lang="en-CA" dirty="0"/>
-              <a:t> IETF Online</a:t>
-            </a:r>
-          </a:p>
-        </p:txBody>
-      </p:sp>
-      <p:sp>
-        <p:nvSpPr>
-          <p:cNvPr id="5" name="Slide Number Placeholder 4"/>
-          <p:cNvSpPr>
-            <a:spLocks noGrp="1"/>
-          </p:cNvSpPr>
-          <p:nvPr>
-            <p:ph type="sldNum" sz="quarter" idx="12"/>
-          </p:nvPr>
-        </p:nvSpPr>
-        <p:spPr/>
-        <p:txBody>
-          <a:bodyPr/>
-          <a:lstStyle/>
-          <a:p>
-            <a:pPr>
-              <a:defRPr/>
-            </a:pPr>
-            <a:fld id="{BD6E0F59-1DD8-40FC-9C92-B6295CBA6CCA}" type="slidenum">
-              <a:rPr lang="en-US" altLang="zh-CN" smtClean="0"/>
-              <a:pPr>
-                <a:defRPr/>
-              </a:pPr>
-              <a:t>3</a:t>
-            </a:fld>
-            <a:endParaRPr lang="en-US" altLang="zh-CN"/>
-          </a:p>
-        </p:txBody>
-      </p:sp>
-    </p:spTree>
-    <p:extLst>
-      <p:ext uri="{BB962C8B-B14F-4D97-AF65-F5344CB8AC3E}">
-        <p14:creationId xmlns:p14="http://schemas.microsoft.com/office/powerpoint/2010/main" val="2099784755"/>
-      </p:ext>
-    </p:extLst>
-  </p:cSld>
-  <p:clrMapOvr>
-    <a:masterClrMapping/>
-  </p:clrMapOvr>
-</p:sld>
-</file>
-
-<file path=ppt/slides/slide30.xml><?xml version="1.0" encoding="utf-8"?>
+<file path=ppt/slides/slide29.xml><?xml version="1.0" encoding="utf-8"?>
 <p:sld xmlns:a="http://schemas.openxmlformats.org/drawingml/2006/main" xmlns:r="http://schemas.openxmlformats.org/officeDocument/2006/relationships" xmlns:p="http://schemas.openxmlformats.org/presentationml/2006/main">
   <p:cSld>
     <p:spTree>
@@ -15839,7 +14397,7 @@
               <a:pPr>
                 <a:defRPr/>
               </a:pPr>
-              <a:t>30</a:t>
+              <a:t>29</a:t>
             </a:fld>
             <a:endParaRPr lang="en-US" altLang="zh-CN"/>
           </a:p>
@@ -15849,6 +14407,1833 @@
     <p:extLst>
       <p:ext uri="{BB962C8B-B14F-4D97-AF65-F5344CB8AC3E}">
         <p14:creationId xmlns:p14="http://schemas.microsoft.com/office/powerpoint/2010/main" val="2276685760"/>
+      </p:ext>
+    </p:extLst>
+  </p:cSld>
+  <p:clrMapOvr>
+    <a:masterClrMapping/>
+  </p:clrMapOvr>
+</p:sld>
+</file>
+
+<file path=ppt/slides/slide3.xml><?xml version="1.0" encoding="utf-8"?>
+<p:sld xmlns:a="http://schemas.openxmlformats.org/drawingml/2006/main" xmlns:r="http://schemas.openxmlformats.org/officeDocument/2006/relationships" xmlns:p="http://schemas.openxmlformats.org/presentationml/2006/main">
+  <p:cSld>
+    <p:spTree>
+      <p:nvGrpSpPr>
+        <p:cNvPr id="1" name=""/>
+        <p:cNvGrpSpPr/>
+        <p:nvPr/>
+      </p:nvGrpSpPr>
+      <p:grpSpPr>
+        <a:xfrm>
+          <a:off x="0" y="0"/>
+          <a:ext cx="0" cy="0"/>
+          <a:chOff x="0" y="0"/>
+          <a:chExt cx="0" cy="0"/>
+        </a:xfrm>
+      </p:grpSpPr>
+      <p:sp>
+        <p:nvSpPr>
+          <p:cNvPr id="2" name="Title 1"/>
+          <p:cNvSpPr>
+            <a:spLocks noGrp="1"/>
+          </p:cNvSpPr>
+          <p:nvPr>
+            <p:ph type="title"/>
+          </p:nvPr>
+        </p:nvSpPr>
+        <p:spPr>
+          <a:xfrm>
+            <a:off x="457200" y="0"/>
+            <a:ext cx="8229600" cy="857250"/>
+          </a:xfrm>
+        </p:spPr>
+        <p:txBody>
+          <a:bodyPr/>
+          <a:lstStyle/>
+          <a:p>
+            <a:r>
+              <a:rPr lang="en-US" sz="3600" dirty="0">
+                <a:solidFill>
+                  <a:srgbClr val="0070C0"/>
+                </a:solidFill>
+                <a:latin typeface="Calibri Light" panose="020F0302020204030204" pitchFamily="34" charset="0"/>
+                <a:cs typeface="Calibri Light" panose="020F0302020204030204" pitchFamily="34" charset="0"/>
+              </a:rPr>
+              <a:t>Requirements and Scope</a:t>
+            </a:r>
+          </a:p>
+        </p:txBody>
+      </p:sp>
+      <p:sp>
+        <p:nvSpPr>
+          <p:cNvPr id="3" name="Content Placeholder 2"/>
+          <p:cNvSpPr>
+            <a:spLocks noGrp="1"/>
+          </p:cNvSpPr>
+          <p:nvPr>
+            <p:ph idx="1"/>
+          </p:nvPr>
+        </p:nvSpPr>
+        <p:spPr>
+          <a:xfrm>
+            <a:off x="457200" y="895350"/>
+            <a:ext cx="8229600" cy="3543300"/>
+          </a:xfrm>
+        </p:spPr>
+        <p:txBody>
+          <a:bodyPr/>
+          <a:lstStyle/>
+          <a:p>
+            <a:pPr marL="0" indent="0">
+              <a:buNone/>
+            </a:pPr>
+            <a:r>
+              <a:rPr lang="en-US" sz="1800" dirty="0"/>
+              <a:t>Requirements:</a:t>
+            </a:r>
+          </a:p>
+          <a:p>
+            <a:pPr lvl="1">
+              <a:buFont typeface="Wingdings" charset="2"/>
+              <a:buChar char="§"/>
+            </a:pPr>
+            <a:r>
+              <a:rPr lang="en-US" sz="1800" dirty="0"/>
+              <a:t>Transport In-situ OAM (IOAM) data fields with MPLS Encapsulation</a:t>
+            </a:r>
+          </a:p>
+          <a:p>
+            <a:pPr marL="0" lvl="1" indent="0">
+              <a:buNone/>
+            </a:pPr>
+            <a:r>
+              <a:rPr lang="en-US" sz="1800" dirty="0"/>
+              <a:t>Scope:</a:t>
+            </a:r>
+          </a:p>
+          <a:p>
+            <a:pPr lvl="1">
+              <a:buFont typeface="Wingdings" charset="2"/>
+              <a:buChar char="§"/>
+            </a:pPr>
+            <a:r>
+              <a:rPr lang="en-US" sz="1800" dirty="0"/>
+              <a:t>Using data fields defined in:</a:t>
+            </a:r>
+          </a:p>
+          <a:p>
+            <a:pPr lvl="2">
+              <a:buFont typeface="Wingdings" charset="2"/>
+              <a:buChar char="§"/>
+            </a:pPr>
+            <a:r>
+              <a:rPr lang="en-CA" sz="1800" i="1" dirty="0"/>
+              <a:t>draft-</a:t>
+            </a:r>
+            <a:r>
+              <a:rPr lang="en-CA" sz="1800" i="1" dirty="0" err="1"/>
+              <a:t>ietf</a:t>
+            </a:r>
+            <a:r>
+              <a:rPr lang="en-CA" sz="1800" i="1" dirty="0"/>
+              <a:t>-</a:t>
+            </a:r>
+            <a:r>
+              <a:rPr lang="en-CA" sz="1800" i="1" dirty="0" err="1"/>
+              <a:t>ippm</a:t>
+            </a:r>
+            <a:r>
+              <a:rPr lang="en-CA" sz="1800" i="1" dirty="0"/>
+              <a:t>-</a:t>
+            </a:r>
+            <a:r>
+              <a:rPr lang="en-CA" sz="1800" i="1" dirty="0" err="1"/>
+              <a:t>ioam</a:t>
+            </a:r>
+            <a:r>
+              <a:rPr lang="en-CA" sz="1800" i="1" dirty="0"/>
+              <a:t>-data</a:t>
+            </a:r>
+            <a:endParaRPr lang="en-CA" sz="1800" dirty="0"/>
+          </a:p>
+          <a:p>
+            <a:pPr lvl="2">
+              <a:buFont typeface="Wingdings" charset="2"/>
+              <a:buChar char="§"/>
+            </a:pPr>
+            <a:r>
+              <a:rPr lang="en-CA" sz="1800" i="1" dirty="0"/>
+              <a:t>draft-</a:t>
+            </a:r>
+            <a:r>
+              <a:rPr lang="en-CA" sz="1800" i="1" dirty="0" err="1"/>
+              <a:t>ietf</a:t>
+            </a:r>
+            <a:r>
+              <a:rPr lang="en-CA" sz="1800" i="1" dirty="0"/>
+              <a:t>-</a:t>
+            </a:r>
+            <a:r>
+              <a:rPr lang="en-CA" sz="1800" i="1" dirty="0" err="1"/>
+              <a:t>ippm</a:t>
+            </a:r>
+            <a:r>
+              <a:rPr lang="en-CA" sz="1800" i="1" dirty="0"/>
+              <a:t>-</a:t>
+            </a:r>
+            <a:r>
+              <a:rPr lang="en-CA" sz="1800" i="1" dirty="0" err="1"/>
+              <a:t>ioam</a:t>
+            </a:r>
+            <a:r>
+              <a:rPr lang="en-CA" sz="1800" i="1" dirty="0"/>
+              <a:t>-direct-export</a:t>
+            </a:r>
+            <a:endParaRPr lang="en-CA" sz="1800" dirty="0"/>
+          </a:p>
+          <a:p>
+            <a:pPr lvl="2">
+              <a:buFont typeface="Wingdings" charset="2"/>
+              <a:buChar char="§"/>
+            </a:pPr>
+            <a:r>
+              <a:rPr lang="en-CA" sz="1800" i="1" dirty="0"/>
+              <a:t>draft-</a:t>
+            </a:r>
+            <a:r>
+              <a:rPr lang="en-CA" sz="1800" i="1" dirty="0" err="1"/>
+              <a:t>ietf</a:t>
+            </a:r>
+            <a:r>
+              <a:rPr lang="en-CA" sz="1800" i="1" dirty="0"/>
+              <a:t>-</a:t>
+            </a:r>
+            <a:r>
+              <a:rPr lang="en-CA" sz="1800" i="1" dirty="0" err="1"/>
+              <a:t>ippm</a:t>
+            </a:r>
+            <a:r>
+              <a:rPr lang="en-CA" sz="1800" i="1" dirty="0"/>
+              <a:t>-</a:t>
+            </a:r>
+            <a:r>
+              <a:rPr lang="en-CA" sz="1800" i="1" dirty="0" err="1"/>
+              <a:t>ioam</a:t>
+            </a:r>
+            <a:r>
+              <a:rPr lang="en-CA" sz="1800" i="1" dirty="0"/>
+              <a:t>-flags</a:t>
+            </a:r>
+          </a:p>
+          <a:p>
+            <a:pPr lvl="1">
+              <a:buFont typeface="Wingdings" charset="2"/>
+              <a:buChar char="§"/>
+            </a:pPr>
+            <a:r>
+              <a:rPr lang="en-CA" sz="1800" dirty="0"/>
+              <a:t>Edge-to-edge (E2E) IOAM</a:t>
+            </a:r>
+          </a:p>
+          <a:p>
+            <a:pPr lvl="1">
+              <a:buFont typeface="Wingdings" charset="2"/>
+              <a:buChar char="§"/>
+            </a:pPr>
+            <a:r>
+              <a:rPr lang="en-CA" sz="1800" dirty="0"/>
+              <a:t>Hop-by-hop (</a:t>
+            </a:r>
+            <a:r>
+              <a:rPr lang="en-CA" sz="1800" dirty="0" err="1"/>
+              <a:t>HbH</a:t>
+            </a:r>
+            <a:r>
+              <a:rPr lang="en-CA" sz="1800" dirty="0"/>
+              <a:t>) IOAM</a:t>
+            </a:r>
+          </a:p>
+          <a:p>
+            <a:pPr lvl="1">
+              <a:buFont typeface="Wingdings" charset="2"/>
+              <a:buChar char="§"/>
+            </a:pPr>
+            <a:endParaRPr lang="en-US" sz="1800" dirty="0"/>
+          </a:p>
+        </p:txBody>
+      </p:sp>
+      <p:sp>
+        <p:nvSpPr>
+          <p:cNvPr id="4" name="Footer Placeholder 3"/>
+          <p:cNvSpPr>
+            <a:spLocks noGrp="1"/>
+          </p:cNvSpPr>
+          <p:nvPr>
+            <p:ph type="ftr" sz="quarter" idx="11"/>
+          </p:nvPr>
+        </p:nvSpPr>
+        <p:spPr>
+          <a:xfrm>
+            <a:off x="3124200" y="4786312"/>
+            <a:ext cx="2895600" cy="357188"/>
+          </a:xfrm>
+        </p:spPr>
+        <p:txBody>
+          <a:bodyPr/>
+          <a:lstStyle/>
+          <a:p>
+            <a:r>
+              <a:rPr lang="en-CA" dirty="0"/>
+              <a:t>110</a:t>
+            </a:r>
+            <a:r>
+              <a:rPr lang="en-CA" baseline="30000" dirty="0"/>
+              <a:t>th</a:t>
+            </a:r>
+            <a:r>
+              <a:rPr lang="en-CA" dirty="0"/>
+              <a:t> IETF Online</a:t>
+            </a:r>
+          </a:p>
+        </p:txBody>
+      </p:sp>
+      <p:sp>
+        <p:nvSpPr>
+          <p:cNvPr id="5" name="Slide Number Placeholder 4"/>
+          <p:cNvSpPr>
+            <a:spLocks noGrp="1"/>
+          </p:cNvSpPr>
+          <p:nvPr>
+            <p:ph type="sldNum" sz="quarter" idx="12"/>
+          </p:nvPr>
+        </p:nvSpPr>
+        <p:spPr/>
+        <p:txBody>
+          <a:bodyPr/>
+          <a:lstStyle/>
+          <a:p>
+            <a:pPr>
+              <a:defRPr/>
+            </a:pPr>
+            <a:fld id="{BD6E0F59-1DD8-40FC-9C92-B6295CBA6CCA}" type="slidenum">
+              <a:rPr lang="en-US" altLang="zh-CN" smtClean="0"/>
+              <a:pPr>
+                <a:defRPr/>
+              </a:pPr>
+              <a:t>3</a:t>
+            </a:fld>
+            <a:endParaRPr lang="en-US" altLang="zh-CN"/>
+          </a:p>
+        </p:txBody>
+      </p:sp>
+    </p:spTree>
+    <p:extLst>
+      <p:ext uri="{BB962C8B-B14F-4D97-AF65-F5344CB8AC3E}">
+        <p14:creationId xmlns:p14="http://schemas.microsoft.com/office/powerpoint/2010/main" val="2099784755"/>
+      </p:ext>
+    </p:extLst>
+  </p:cSld>
+  <p:clrMapOvr>
+    <a:masterClrMapping/>
+  </p:clrMapOvr>
+</p:sld>
+</file>
+
+<file path=ppt/slides/slide30.xml><?xml version="1.0" encoding="utf-8"?>
+<p:sld xmlns:a="http://schemas.openxmlformats.org/drawingml/2006/main" xmlns:r="http://schemas.openxmlformats.org/officeDocument/2006/relationships" xmlns:p="http://schemas.openxmlformats.org/presentationml/2006/main">
+  <p:cSld>
+    <p:spTree>
+      <p:nvGrpSpPr>
+        <p:cNvPr id="1" name=""/>
+        <p:cNvGrpSpPr/>
+        <p:nvPr/>
+      </p:nvGrpSpPr>
+      <p:grpSpPr>
+        <a:xfrm>
+          <a:off x="0" y="0"/>
+          <a:ext cx="0" cy="0"/>
+          <a:chOff x="0" y="0"/>
+          <a:chExt cx="0" cy="0"/>
+        </a:xfrm>
+      </p:grpSpPr>
+      <p:sp>
+        <p:nvSpPr>
+          <p:cNvPr id="2" name="Title 1">
+            <a:extLst>
+              <a:ext uri="{FF2B5EF4-FFF2-40B4-BE49-F238E27FC236}">
+                <a16:creationId xmlns:a16="http://schemas.microsoft.com/office/drawing/2014/main" id="{3E8907F7-DB3A-6445-92A9-566917C37FB4}"/>
+              </a:ext>
+            </a:extLst>
+          </p:cNvPr>
+          <p:cNvSpPr>
+            <a:spLocks noGrp="1"/>
+          </p:cNvSpPr>
+          <p:nvPr>
+            <p:ph type="title"/>
+          </p:nvPr>
+        </p:nvSpPr>
+        <p:spPr>
+          <a:xfrm>
+            <a:off x="457200" y="0"/>
+            <a:ext cx="8229600" cy="857250"/>
+          </a:xfrm>
+        </p:spPr>
+        <p:txBody>
+          <a:bodyPr/>
+          <a:lstStyle/>
+          <a:p>
+            <a:r>
+              <a:rPr lang="en-US" sz="3200" dirty="0" err="1">
+                <a:solidFill>
+                  <a:srgbClr val="0070C0"/>
+                </a:solidFill>
+                <a:latin typeface="Calibri Light" panose="020F0302020204030204" pitchFamily="34" charset="0"/>
+                <a:cs typeface="Calibri Light" panose="020F0302020204030204" pitchFamily="34" charset="0"/>
+              </a:rPr>
+              <a:t>DetNet</a:t>
+            </a:r>
+            <a:r>
+              <a:rPr lang="en-US" sz="3200" dirty="0">
+                <a:solidFill>
+                  <a:srgbClr val="0070C0"/>
+                </a:solidFill>
+                <a:latin typeface="Calibri Light" panose="020F0302020204030204" pitchFamily="34" charset="0"/>
+                <a:cs typeface="Calibri Light" panose="020F0302020204030204" pitchFamily="34" charset="0"/>
+              </a:rPr>
+              <a:t> Draft Examples</a:t>
+            </a:r>
+            <a:endParaRPr lang="en-US" sz="3200" dirty="0"/>
+          </a:p>
+        </p:txBody>
+      </p:sp>
+      <p:sp>
+        <p:nvSpPr>
+          <p:cNvPr id="4" name="Footer Placeholder 3">
+            <a:extLst>
+              <a:ext uri="{FF2B5EF4-FFF2-40B4-BE49-F238E27FC236}">
+                <a16:creationId xmlns:a16="http://schemas.microsoft.com/office/drawing/2014/main" id="{E6C86001-8481-C84B-A042-A7318C5B04A6}"/>
+              </a:ext>
+            </a:extLst>
+          </p:cNvPr>
+          <p:cNvSpPr>
+            <a:spLocks noGrp="1"/>
+          </p:cNvSpPr>
+          <p:nvPr>
+            <p:ph type="ftr" sz="quarter" idx="11"/>
+          </p:nvPr>
+        </p:nvSpPr>
+        <p:spPr/>
+        <p:txBody>
+          <a:bodyPr/>
+          <a:lstStyle/>
+          <a:p>
+            <a:pPr>
+              <a:defRPr/>
+            </a:pPr>
+            <a:r>
+              <a:rPr lang="en-US" altLang="zh-CN"/>
+              <a:t>110</a:t>
+            </a:r>
+            <a:r>
+              <a:rPr lang="en-US" altLang="zh-CN" baseline="30000"/>
+              <a:t>th</a:t>
+            </a:r>
+            <a:r>
+              <a:rPr lang="en-US" altLang="zh-CN"/>
+              <a:t> IETF Online</a:t>
+            </a:r>
+            <a:endParaRPr lang="en-US" altLang="zh-CN" dirty="0"/>
+          </a:p>
+        </p:txBody>
+      </p:sp>
+      <p:sp>
+        <p:nvSpPr>
+          <p:cNvPr id="5" name="Slide Number Placeholder 4">
+            <a:extLst>
+              <a:ext uri="{FF2B5EF4-FFF2-40B4-BE49-F238E27FC236}">
+                <a16:creationId xmlns:a16="http://schemas.microsoft.com/office/drawing/2014/main" id="{671D8CF7-36B2-D945-91DA-240461A3D530}"/>
+              </a:ext>
+            </a:extLst>
+          </p:cNvPr>
+          <p:cNvSpPr>
+            <a:spLocks noGrp="1"/>
+          </p:cNvSpPr>
+          <p:nvPr>
+            <p:ph type="sldNum" sz="quarter" idx="12"/>
+          </p:nvPr>
+        </p:nvSpPr>
+        <p:spPr/>
+        <p:txBody>
+          <a:bodyPr/>
+          <a:lstStyle/>
+          <a:p>
+            <a:pPr>
+              <a:defRPr/>
+            </a:pPr>
+            <a:fld id="{BD6E0F59-1DD8-40FC-9C92-B6295CBA6CCA}" type="slidenum">
+              <a:rPr lang="en-US" altLang="zh-CN" smtClean="0"/>
+              <a:pPr>
+                <a:defRPr/>
+              </a:pPr>
+              <a:t>30</a:t>
+            </a:fld>
+            <a:endParaRPr lang="en-US" altLang="zh-CN"/>
+          </a:p>
+        </p:txBody>
+      </p:sp>
+      <p:sp>
+        <p:nvSpPr>
+          <p:cNvPr id="6" name="Rectangle 5">
+            <a:extLst>
+              <a:ext uri="{FF2B5EF4-FFF2-40B4-BE49-F238E27FC236}">
+                <a16:creationId xmlns:a16="http://schemas.microsoft.com/office/drawing/2014/main" id="{C20967AB-2779-D848-8775-51D4A949B4D7}"/>
+              </a:ext>
+            </a:extLst>
+          </p:cNvPr>
+          <p:cNvSpPr/>
+          <p:nvPr/>
+        </p:nvSpPr>
+        <p:spPr>
+          <a:xfrm>
+            <a:off x="266307" y="857250"/>
+            <a:ext cx="4534293" cy="2585323"/>
+          </a:xfrm>
+          <a:prstGeom prst="rect">
+            <a:avLst/>
+          </a:prstGeom>
+          <a:solidFill>
+            <a:schemeClr val="accent6">
+              <a:lumMod val="20000"/>
+              <a:lumOff val="80000"/>
+            </a:schemeClr>
+          </a:solidFill>
+        </p:spPr>
+        <p:txBody>
+          <a:bodyPr wrap="square">
+            <a:spAutoFit/>
+          </a:bodyPr>
+          <a:lstStyle/>
+          <a:p>
+            <a:pPr>
+              <a:tabLst>
+                <a:tab pos="581660" algn="l"/>
+                <a:tab pos="1163320" algn="l"/>
+                <a:tab pos="1744980" algn="l"/>
+                <a:tab pos="2326640" algn="l"/>
+                <a:tab pos="2908300" algn="l"/>
+                <a:tab pos="3489960" algn="l"/>
+                <a:tab pos="4071620" algn="l"/>
+                <a:tab pos="4653280" algn="l"/>
+                <a:tab pos="5234940" algn="l"/>
+                <a:tab pos="5816600" algn="l"/>
+                <a:tab pos="6398260" algn="l"/>
+                <a:tab pos="6979920" algn="l"/>
+                <a:tab pos="7561580" algn="l"/>
+                <a:tab pos="8143240" algn="l"/>
+                <a:tab pos="8724900" algn="l"/>
+                <a:tab pos="9306560" algn="l"/>
+              </a:tabLst>
+            </a:pPr>
+            <a:r>
+              <a:rPr lang="en-CA" sz="900" dirty="0">
+                <a:latin typeface="Courier" pitchFamily="2" charset="0"/>
+                <a:ea typeface="Times New Roman" panose="02020603050405020304" pitchFamily="18" charset="0"/>
+                <a:cs typeface="Times New Roman" panose="02020603050405020304" pitchFamily="18" charset="0"/>
+              </a:rPr>
+              <a:t>   +---------------------------------+ &lt;--\</a:t>
+            </a:r>
+            <a:endParaRPr lang="en-CA" sz="900" dirty="0">
+              <a:latin typeface="Courier" pitchFamily="2" charset="0"/>
+              <a:ea typeface="Calibri" panose="020F0502020204030204" pitchFamily="34" charset="0"/>
+              <a:cs typeface="Times New Roman" panose="02020603050405020304" pitchFamily="18" charset="0"/>
+            </a:endParaRPr>
+          </a:p>
+          <a:p>
+            <a:pPr>
+              <a:tabLst>
+                <a:tab pos="581660" algn="l"/>
+                <a:tab pos="1163320" algn="l"/>
+                <a:tab pos="1744980" algn="l"/>
+                <a:tab pos="2326640" algn="l"/>
+                <a:tab pos="2908300" algn="l"/>
+                <a:tab pos="3489960" algn="l"/>
+                <a:tab pos="4071620" algn="l"/>
+                <a:tab pos="4653280" algn="l"/>
+                <a:tab pos="5234940" algn="l"/>
+                <a:tab pos="5816600" algn="l"/>
+                <a:tab pos="6398260" algn="l"/>
+                <a:tab pos="6979920" algn="l"/>
+                <a:tab pos="7561580" algn="l"/>
+                <a:tab pos="8143240" algn="l"/>
+                <a:tab pos="8724900" algn="l"/>
+                <a:tab pos="9306560" algn="l"/>
+              </a:tabLst>
+            </a:pPr>
+            <a:r>
+              <a:rPr lang="en-CA" sz="900" dirty="0">
+                <a:latin typeface="Courier" pitchFamily="2" charset="0"/>
+                <a:ea typeface="Times New Roman" panose="02020603050405020304" pitchFamily="18" charset="0"/>
+                <a:cs typeface="Times New Roman" panose="02020603050405020304" pitchFamily="18" charset="0"/>
+              </a:rPr>
+              <a:t>   |           F-Label(s)            |    |</a:t>
+            </a:r>
+            <a:endParaRPr lang="en-CA" sz="900" dirty="0">
+              <a:latin typeface="Courier" pitchFamily="2" charset="0"/>
+              <a:ea typeface="Calibri" panose="020F0502020204030204" pitchFamily="34" charset="0"/>
+              <a:cs typeface="Times New Roman" panose="02020603050405020304" pitchFamily="18" charset="0"/>
+            </a:endParaRPr>
+          </a:p>
+          <a:p>
+            <a:pPr>
+              <a:tabLst>
+                <a:tab pos="581660" algn="l"/>
+                <a:tab pos="1163320" algn="l"/>
+                <a:tab pos="1744980" algn="l"/>
+                <a:tab pos="2326640" algn="l"/>
+                <a:tab pos="2908300" algn="l"/>
+                <a:tab pos="3489960" algn="l"/>
+                <a:tab pos="4071620" algn="l"/>
+                <a:tab pos="4653280" algn="l"/>
+                <a:tab pos="5234940" algn="l"/>
+                <a:tab pos="5816600" algn="l"/>
+                <a:tab pos="6398260" algn="l"/>
+                <a:tab pos="6979920" algn="l"/>
+                <a:tab pos="7561580" algn="l"/>
+                <a:tab pos="8143240" algn="l"/>
+                <a:tab pos="8724900" algn="l"/>
+                <a:tab pos="9306560" algn="l"/>
+              </a:tabLst>
+            </a:pPr>
+            <a:r>
+              <a:rPr lang="en-CA" sz="900" dirty="0">
+                <a:latin typeface="Courier" pitchFamily="2" charset="0"/>
+                <a:ea typeface="Times New Roman" panose="02020603050405020304" pitchFamily="18" charset="0"/>
+                <a:cs typeface="Times New Roman" panose="02020603050405020304" pitchFamily="18" charset="0"/>
+              </a:rPr>
+              <a:t>   +---------------------------------+    |</a:t>
+            </a:r>
+            <a:endParaRPr lang="en-CA" sz="900" dirty="0">
+              <a:latin typeface="Courier" pitchFamily="2" charset="0"/>
+              <a:ea typeface="Calibri" panose="020F0502020204030204" pitchFamily="34" charset="0"/>
+              <a:cs typeface="Times New Roman" panose="02020603050405020304" pitchFamily="18" charset="0"/>
+            </a:endParaRPr>
+          </a:p>
+          <a:p>
+            <a:pPr>
+              <a:tabLst>
+                <a:tab pos="581660" algn="l"/>
+                <a:tab pos="1163320" algn="l"/>
+                <a:tab pos="1744980" algn="l"/>
+                <a:tab pos="2326640" algn="l"/>
+                <a:tab pos="2908300" algn="l"/>
+                <a:tab pos="3489960" algn="l"/>
+                <a:tab pos="4071620" algn="l"/>
+                <a:tab pos="4653280" algn="l"/>
+                <a:tab pos="5234940" algn="l"/>
+                <a:tab pos="5816600" algn="l"/>
+                <a:tab pos="6398260" algn="l"/>
+                <a:tab pos="6979920" algn="l"/>
+                <a:tab pos="7561580" algn="l"/>
+                <a:tab pos="8143240" algn="l"/>
+                <a:tab pos="8724900" algn="l"/>
+                <a:tab pos="9306560" algn="l"/>
+              </a:tabLst>
+            </a:pPr>
+            <a:r>
+              <a:rPr lang="en-CA" sz="900" dirty="0">
+                <a:latin typeface="Courier" pitchFamily="2" charset="0"/>
+                <a:ea typeface="Times New Roman" panose="02020603050405020304" pitchFamily="18" charset="0"/>
+                <a:cs typeface="Times New Roman" panose="02020603050405020304" pitchFamily="18" charset="0"/>
+              </a:rPr>
+              <a:t>   |            A-Label              |    |</a:t>
+            </a:r>
+            <a:endParaRPr lang="en-CA" sz="900" dirty="0">
+              <a:latin typeface="Courier" pitchFamily="2" charset="0"/>
+              <a:ea typeface="Calibri" panose="020F0502020204030204" pitchFamily="34" charset="0"/>
+              <a:cs typeface="Times New Roman" panose="02020603050405020304" pitchFamily="18" charset="0"/>
+            </a:endParaRPr>
+          </a:p>
+          <a:p>
+            <a:pPr>
+              <a:tabLst>
+                <a:tab pos="581660" algn="l"/>
+                <a:tab pos="1163320" algn="l"/>
+                <a:tab pos="1744980" algn="l"/>
+                <a:tab pos="2326640" algn="l"/>
+                <a:tab pos="2908300" algn="l"/>
+                <a:tab pos="3489960" algn="l"/>
+                <a:tab pos="4071620" algn="l"/>
+                <a:tab pos="4653280" algn="l"/>
+                <a:tab pos="5234940" algn="l"/>
+                <a:tab pos="5816600" algn="l"/>
+                <a:tab pos="6398260" algn="l"/>
+                <a:tab pos="6979920" algn="l"/>
+                <a:tab pos="7561580" algn="l"/>
+                <a:tab pos="8143240" algn="l"/>
+                <a:tab pos="8724900" algn="l"/>
+                <a:tab pos="9306560" algn="l"/>
+              </a:tabLst>
+            </a:pPr>
+            <a:r>
+              <a:rPr lang="en-CA" sz="900" dirty="0">
+                <a:latin typeface="Courier" pitchFamily="2" charset="0"/>
+                <a:ea typeface="Times New Roman" panose="02020603050405020304" pitchFamily="18" charset="0"/>
+                <a:cs typeface="Times New Roman" panose="02020603050405020304" pitchFamily="18" charset="0"/>
+              </a:rPr>
+              <a:t>   +=================================+    |</a:t>
+            </a:r>
+            <a:endParaRPr lang="en-CA" sz="900" dirty="0">
+              <a:latin typeface="Courier" pitchFamily="2" charset="0"/>
+              <a:ea typeface="Calibri" panose="020F0502020204030204" pitchFamily="34" charset="0"/>
+              <a:cs typeface="Times New Roman" panose="02020603050405020304" pitchFamily="18" charset="0"/>
+            </a:endParaRPr>
+          </a:p>
+          <a:p>
+            <a:pPr>
+              <a:tabLst>
+                <a:tab pos="581660" algn="l"/>
+                <a:tab pos="1163320" algn="l"/>
+                <a:tab pos="1744980" algn="l"/>
+                <a:tab pos="2326640" algn="l"/>
+                <a:tab pos="2908300" algn="l"/>
+                <a:tab pos="3489960" algn="l"/>
+                <a:tab pos="4071620" algn="l"/>
+                <a:tab pos="4653280" algn="l"/>
+                <a:tab pos="5234940" algn="l"/>
+                <a:tab pos="5816600" algn="l"/>
+                <a:tab pos="6398260" algn="l"/>
+                <a:tab pos="6979920" algn="l"/>
+                <a:tab pos="7561580" algn="l"/>
+                <a:tab pos="8143240" algn="l"/>
+                <a:tab pos="8724900" algn="l"/>
+                <a:tab pos="9306560" algn="l"/>
+              </a:tabLst>
+            </a:pPr>
+            <a:r>
+              <a:rPr lang="en-CA" sz="900" dirty="0">
+                <a:latin typeface="Courier" pitchFamily="2" charset="0"/>
+                <a:ea typeface="Times New Roman" panose="02020603050405020304" pitchFamily="18" charset="0"/>
+                <a:cs typeface="Times New Roman" panose="02020603050405020304" pitchFamily="18" charset="0"/>
+              </a:rPr>
+              <a:t>   |       </a:t>
+            </a:r>
+            <a:r>
+              <a:rPr lang="en-CA" sz="900" dirty="0" err="1">
+                <a:latin typeface="Courier" pitchFamily="2" charset="0"/>
+                <a:ea typeface="Times New Roman" panose="02020603050405020304" pitchFamily="18" charset="0"/>
+                <a:cs typeface="Times New Roman" panose="02020603050405020304" pitchFamily="18" charset="0"/>
+              </a:rPr>
+              <a:t>DetNet</a:t>
+            </a:r>
+            <a:r>
+              <a:rPr lang="en-CA" sz="900" dirty="0">
+                <a:latin typeface="Courier" pitchFamily="2" charset="0"/>
+                <a:ea typeface="Times New Roman" panose="02020603050405020304" pitchFamily="18" charset="0"/>
+                <a:cs typeface="Times New Roman" panose="02020603050405020304" pitchFamily="18" charset="0"/>
+              </a:rPr>
+              <a:t> Control Word       |    |</a:t>
+            </a:r>
+            <a:endParaRPr lang="en-CA" sz="900" dirty="0">
+              <a:latin typeface="Courier" pitchFamily="2" charset="0"/>
+              <a:ea typeface="Calibri" panose="020F0502020204030204" pitchFamily="34" charset="0"/>
+              <a:cs typeface="Times New Roman" panose="02020603050405020304" pitchFamily="18" charset="0"/>
+            </a:endParaRPr>
+          </a:p>
+          <a:p>
+            <a:pPr>
+              <a:tabLst>
+                <a:tab pos="581660" algn="l"/>
+                <a:tab pos="1163320" algn="l"/>
+                <a:tab pos="1744980" algn="l"/>
+                <a:tab pos="2326640" algn="l"/>
+                <a:tab pos="2908300" algn="l"/>
+                <a:tab pos="3489960" algn="l"/>
+                <a:tab pos="4071620" algn="l"/>
+                <a:tab pos="4653280" algn="l"/>
+                <a:tab pos="5234940" algn="l"/>
+                <a:tab pos="5816600" algn="l"/>
+                <a:tab pos="6398260" algn="l"/>
+                <a:tab pos="6979920" algn="l"/>
+                <a:tab pos="7561580" algn="l"/>
+                <a:tab pos="8143240" algn="l"/>
+                <a:tab pos="8724900" algn="l"/>
+                <a:tab pos="9306560" algn="l"/>
+              </a:tabLst>
+            </a:pPr>
+            <a:r>
+              <a:rPr lang="en-CA" sz="900" dirty="0">
+                <a:latin typeface="Courier" pitchFamily="2" charset="0"/>
+                <a:ea typeface="Times New Roman" panose="02020603050405020304" pitchFamily="18" charset="0"/>
+                <a:cs typeface="Times New Roman" panose="02020603050405020304" pitchFamily="18" charset="0"/>
+              </a:rPr>
+              <a:t>   +---------------------------------+    |</a:t>
+            </a:r>
+            <a:endParaRPr lang="en-CA" sz="900" dirty="0">
+              <a:latin typeface="Courier" pitchFamily="2" charset="0"/>
+              <a:ea typeface="Calibri" panose="020F0502020204030204" pitchFamily="34" charset="0"/>
+              <a:cs typeface="Times New Roman" panose="02020603050405020304" pitchFamily="18" charset="0"/>
+            </a:endParaRPr>
+          </a:p>
+          <a:p>
+            <a:pPr>
+              <a:tabLst>
+                <a:tab pos="581660" algn="l"/>
+                <a:tab pos="1163320" algn="l"/>
+                <a:tab pos="1744980" algn="l"/>
+                <a:tab pos="2326640" algn="l"/>
+                <a:tab pos="2908300" algn="l"/>
+                <a:tab pos="3489960" algn="l"/>
+                <a:tab pos="4071620" algn="l"/>
+                <a:tab pos="4653280" algn="l"/>
+                <a:tab pos="5234940" algn="l"/>
+                <a:tab pos="5816600" algn="l"/>
+                <a:tab pos="6398260" algn="l"/>
+                <a:tab pos="6979920" algn="l"/>
+                <a:tab pos="7561580" algn="l"/>
+                <a:tab pos="8143240" algn="l"/>
+                <a:tab pos="8724900" algn="l"/>
+                <a:tab pos="9306560" algn="l"/>
+              </a:tabLst>
+            </a:pPr>
+            <a:r>
+              <a:rPr lang="en-CA" sz="900" dirty="0">
+                <a:latin typeface="Courier" pitchFamily="2" charset="0"/>
+                <a:ea typeface="Times New Roman" panose="02020603050405020304" pitchFamily="18" charset="0"/>
+                <a:cs typeface="Times New Roman" panose="02020603050405020304" pitchFamily="18" charset="0"/>
+              </a:rPr>
+              <a:t>   |         [ F-Label(s) ]          |    +--</a:t>
+            </a:r>
+            <a:r>
+              <a:rPr lang="en-CA" sz="900" dirty="0" err="1">
+                <a:latin typeface="Courier" pitchFamily="2" charset="0"/>
+                <a:ea typeface="Times New Roman" panose="02020603050405020304" pitchFamily="18" charset="0"/>
+                <a:cs typeface="Times New Roman" panose="02020603050405020304" pitchFamily="18" charset="0"/>
+              </a:rPr>
+              <a:t>DetNet</a:t>
+            </a:r>
+            <a:r>
+              <a:rPr lang="en-CA" sz="900" dirty="0">
+                <a:latin typeface="Courier" pitchFamily="2" charset="0"/>
+                <a:ea typeface="Times New Roman" panose="02020603050405020304" pitchFamily="18" charset="0"/>
+                <a:cs typeface="Times New Roman" panose="02020603050405020304" pitchFamily="18" charset="0"/>
+              </a:rPr>
+              <a:t> data plane</a:t>
+            </a:r>
+            <a:endParaRPr lang="en-CA" sz="900" dirty="0">
+              <a:latin typeface="Courier" pitchFamily="2" charset="0"/>
+              <a:ea typeface="Calibri" panose="020F0502020204030204" pitchFamily="34" charset="0"/>
+              <a:cs typeface="Times New Roman" panose="02020603050405020304" pitchFamily="18" charset="0"/>
+            </a:endParaRPr>
+          </a:p>
+          <a:p>
+            <a:pPr>
+              <a:tabLst>
+                <a:tab pos="581660" algn="l"/>
+                <a:tab pos="1163320" algn="l"/>
+                <a:tab pos="1744980" algn="l"/>
+                <a:tab pos="2326640" algn="l"/>
+                <a:tab pos="2908300" algn="l"/>
+                <a:tab pos="3489960" algn="l"/>
+                <a:tab pos="4071620" algn="l"/>
+                <a:tab pos="4653280" algn="l"/>
+                <a:tab pos="5234940" algn="l"/>
+                <a:tab pos="5816600" algn="l"/>
+                <a:tab pos="6398260" algn="l"/>
+                <a:tab pos="6979920" algn="l"/>
+                <a:tab pos="7561580" algn="l"/>
+                <a:tab pos="8143240" algn="l"/>
+                <a:tab pos="8724900" algn="l"/>
+                <a:tab pos="9306560" algn="l"/>
+              </a:tabLst>
+            </a:pPr>
+            <a:r>
+              <a:rPr lang="en-CA" sz="900" dirty="0">
+                <a:latin typeface="Courier" pitchFamily="2" charset="0"/>
+                <a:ea typeface="Times New Roman" panose="02020603050405020304" pitchFamily="18" charset="0"/>
+                <a:cs typeface="Times New Roman" panose="02020603050405020304" pitchFamily="18" charset="0"/>
+              </a:rPr>
+              <a:t>   +---------------------------------+    |  MPLS Encapsulation</a:t>
+            </a:r>
+            <a:endParaRPr lang="en-CA" sz="900" dirty="0">
+              <a:latin typeface="Courier" pitchFamily="2" charset="0"/>
+              <a:ea typeface="Calibri" panose="020F0502020204030204" pitchFamily="34" charset="0"/>
+              <a:cs typeface="Times New Roman" panose="02020603050405020304" pitchFamily="18" charset="0"/>
+            </a:endParaRPr>
+          </a:p>
+          <a:p>
+            <a:pPr>
+              <a:tabLst>
+                <a:tab pos="581660" algn="l"/>
+                <a:tab pos="1163320" algn="l"/>
+                <a:tab pos="1744980" algn="l"/>
+                <a:tab pos="2326640" algn="l"/>
+                <a:tab pos="2908300" algn="l"/>
+                <a:tab pos="3489960" algn="l"/>
+                <a:tab pos="4071620" algn="l"/>
+                <a:tab pos="4653280" algn="l"/>
+                <a:tab pos="5234940" algn="l"/>
+                <a:tab pos="5816600" algn="l"/>
+                <a:tab pos="6398260" algn="l"/>
+                <a:tab pos="6979920" algn="l"/>
+                <a:tab pos="7561580" algn="l"/>
+                <a:tab pos="8143240" algn="l"/>
+                <a:tab pos="8724900" algn="l"/>
+                <a:tab pos="9306560" algn="l"/>
+              </a:tabLst>
+            </a:pPr>
+            <a:r>
+              <a:rPr lang="en-CA" sz="900" dirty="0">
+                <a:latin typeface="Courier" pitchFamily="2" charset="0"/>
+                <a:ea typeface="Times New Roman" panose="02020603050405020304" pitchFamily="18" charset="0"/>
+                <a:cs typeface="Times New Roman" panose="02020603050405020304" pitchFamily="18" charset="0"/>
+              </a:rPr>
+              <a:t>   |            S-Label              |    |</a:t>
+            </a:r>
+            <a:endParaRPr lang="en-CA" sz="900" dirty="0">
+              <a:latin typeface="Courier" pitchFamily="2" charset="0"/>
+              <a:ea typeface="Calibri" panose="020F0502020204030204" pitchFamily="34" charset="0"/>
+              <a:cs typeface="Times New Roman" panose="02020603050405020304" pitchFamily="18" charset="0"/>
+            </a:endParaRPr>
+          </a:p>
+          <a:p>
+            <a:pPr>
+              <a:tabLst>
+                <a:tab pos="581660" algn="l"/>
+                <a:tab pos="1163320" algn="l"/>
+                <a:tab pos="1744980" algn="l"/>
+                <a:tab pos="2326640" algn="l"/>
+                <a:tab pos="2908300" algn="l"/>
+                <a:tab pos="3489960" algn="l"/>
+                <a:tab pos="4071620" algn="l"/>
+                <a:tab pos="4653280" algn="l"/>
+                <a:tab pos="5234940" algn="l"/>
+                <a:tab pos="5816600" algn="l"/>
+                <a:tab pos="6398260" algn="l"/>
+                <a:tab pos="6979920" algn="l"/>
+                <a:tab pos="7561580" algn="l"/>
+                <a:tab pos="8143240" algn="l"/>
+                <a:tab pos="8724900" algn="l"/>
+                <a:tab pos="9306560" algn="l"/>
+              </a:tabLst>
+            </a:pPr>
+            <a:r>
+              <a:rPr lang="en-CA" sz="900" dirty="0">
+                <a:latin typeface="Courier" pitchFamily="2" charset="0"/>
+                <a:ea typeface="Times New Roman" panose="02020603050405020304" pitchFamily="18" charset="0"/>
+                <a:cs typeface="Times New Roman" panose="02020603050405020304" pitchFamily="18" charset="0"/>
+              </a:rPr>
+              <a:t>   +=================================+    |</a:t>
+            </a:r>
+            <a:endParaRPr lang="en-CA" sz="900" dirty="0">
+              <a:latin typeface="Courier" pitchFamily="2" charset="0"/>
+              <a:ea typeface="Calibri" panose="020F0502020204030204" pitchFamily="34" charset="0"/>
+              <a:cs typeface="Times New Roman" panose="02020603050405020304" pitchFamily="18" charset="0"/>
+            </a:endParaRPr>
+          </a:p>
+          <a:p>
+            <a:pPr>
+              <a:tabLst>
+                <a:tab pos="581660" algn="l"/>
+                <a:tab pos="1163320" algn="l"/>
+                <a:tab pos="1744980" algn="l"/>
+                <a:tab pos="2326640" algn="l"/>
+                <a:tab pos="2908300" algn="l"/>
+                <a:tab pos="3489960" algn="l"/>
+                <a:tab pos="4071620" algn="l"/>
+                <a:tab pos="4653280" algn="l"/>
+                <a:tab pos="5234940" algn="l"/>
+                <a:tab pos="5816600" algn="l"/>
+                <a:tab pos="6398260" algn="l"/>
+                <a:tab pos="6979920" algn="l"/>
+                <a:tab pos="7561580" algn="l"/>
+                <a:tab pos="8143240" algn="l"/>
+                <a:tab pos="8724900" algn="l"/>
+                <a:tab pos="9306560" algn="l"/>
+              </a:tabLst>
+            </a:pPr>
+            <a:r>
+              <a:rPr lang="en-CA" sz="900" dirty="0">
+                <a:latin typeface="Courier" pitchFamily="2" charset="0"/>
+                <a:ea typeface="Times New Roman" panose="02020603050405020304" pitchFamily="18" charset="0"/>
+                <a:cs typeface="Times New Roman" panose="02020603050405020304" pitchFamily="18" charset="0"/>
+              </a:rPr>
+              <a:t>   |       </a:t>
+            </a:r>
+            <a:r>
+              <a:rPr lang="en-CA" sz="900" dirty="0" err="1">
+                <a:latin typeface="Courier" pitchFamily="2" charset="0"/>
+                <a:ea typeface="Times New Roman" panose="02020603050405020304" pitchFamily="18" charset="0"/>
+                <a:cs typeface="Times New Roman" panose="02020603050405020304" pitchFamily="18" charset="0"/>
+              </a:rPr>
+              <a:t>DetNet</a:t>
+            </a:r>
+            <a:r>
+              <a:rPr lang="en-CA" sz="900" dirty="0">
+                <a:latin typeface="Courier" pitchFamily="2" charset="0"/>
+                <a:ea typeface="Times New Roman" panose="02020603050405020304" pitchFamily="18" charset="0"/>
+                <a:cs typeface="Times New Roman" panose="02020603050405020304" pitchFamily="18" charset="0"/>
+              </a:rPr>
+              <a:t> Control Word       |    |</a:t>
+            </a:r>
+            <a:endParaRPr lang="en-CA" sz="900" dirty="0">
+              <a:latin typeface="Courier" pitchFamily="2" charset="0"/>
+              <a:ea typeface="Calibri" panose="020F0502020204030204" pitchFamily="34" charset="0"/>
+              <a:cs typeface="Times New Roman" panose="02020603050405020304" pitchFamily="18" charset="0"/>
+            </a:endParaRPr>
+          </a:p>
+          <a:p>
+            <a:pPr>
+              <a:tabLst>
+                <a:tab pos="581660" algn="l"/>
+                <a:tab pos="1163320" algn="l"/>
+                <a:tab pos="1744980" algn="l"/>
+                <a:tab pos="2326640" algn="l"/>
+                <a:tab pos="2908300" algn="l"/>
+                <a:tab pos="3489960" algn="l"/>
+                <a:tab pos="4071620" algn="l"/>
+                <a:tab pos="4653280" algn="l"/>
+                <a:tab pos="5234940" algn="l"/>
+                <a:tab pos="5816600" algn="l"/>
+                <a:tab pos="6398260" algn="l"/>
+                <a:tab pos="6979920" algn="l"/>
+                <a:tab pos="7561580" algn="l"/>
+                <a:tab pos="8143240" algn="l"/>
+                <a:tab pos="8724900" algn="l"/>
+                <a:tab pos="9306560" algn="l"/>
+              </a:tabLst>
+            </a:pPr>
+            <a:r>
+              <a:rPr lang="en-CA" sz="900" dirty="0">
+                <a:latin typeface="Courier" pitchFamily="2" charset="0"/>
+                <a:ea typeface="Times New Roman" panose="02020603050405020304" pitchFamily="18" charset="0"/>
+                <a:cs typeface="Times New Roman" panose="02020603050405020304" pitchFamily="18" charset="0"/>
+              </a:rPr>
+              <a:t>   +---------------------------------+ &lt;--/</a:t>
+            </a:r>
+            <a:endParaRPr lang="en-CA" sz="900" dirty="0">
+              <a:latin typeface="Courier" pitchFamily="2" charset="0"/>
+              <a:ea typeface="Calibri" panose="020F0502020204030204" pitchFamily="34" charset="0"/>
+              <a:cs typeface="Times New Roman" panose="02020603050405020304" pitchFamily="18" charset="0"/>
+            </a:endParaRPr>
+          </a:p>
+          <a:p>
+            <a:pPr>
+              <a:tabLst>
+                <a:tab pos="581660" algn="l"/>
+                <a:tab pos="1163320" algn="l"/>
+                <a:tab pos="1744980" algn="l"/>
+                <a:tab pos="2326640" algn="l"/>
+                <a:tab pos="2908300" algn="l"/>
+                <a:tab pos="3489960" algn="l"/>
+                <a:tab pos="4071620" algn="l"/>
+                <a:tab pos="4653280" algn="l"/>
+                <a:tab pos="5234940" algn="l"/>
+                <a:tab pos="5816600" algn="l"/>
+                <a:tab pos="6398260" algn="l"/>
+                <a:tab pos="6979920" algn="l"/>
+                <a:tab pos="7561580" algn="l"/>
+                <a:tab pos="8143240" algn="l"/>
+                <a:tab pos="8724900" algn="l"/>
+                <a:tab pos="9306560" algn="l"/>
+              </a:tabLst>
+            </a:pPr>
+            <a:r>
+              <a:rPr lang="en-CA" sz="900" dirty="0">
+                <a:latin typeface="Courier" pitchFamily="2" charset="0"/>
+                <a:ea typeface="Times New Roman" panose="02020603050405020304" pitchFamily="18" charset="0"/>
+                <a:cs typeface="Times New Roman" panose="02020603050405020304" pitchFamily="18" charset="0"/>
+              </a:rPr>
+              <a:t>   |                                 |</a:t>
+            </a:r>
+            <a:endParaRPr lang="en-CA" sz="900" dirty="0">
+              <a:latin typeface="Courier" pitchFamily="2" charset="0"/>
+              <a:ea typeface="Calibri" panose="020F0502020204030204" pitchFamily="34" charset="0"/>
+              <a:cs typeface="Times New Roman" panose="02020603050405020304" pitchFamily="18" charset="0"/>
+            </a:endParaRPr>
+          </a:p>
+          <a:p>
+            <a:pPr>
+              <a:tabLst>
+                <a:tab pos="581660" algn="l"/>
+                <a:tab pos="1163320" algn="l"/>
+                <a:tab pos="1744980" algn="l"/>
+                <a:tab pos="2326640" algn="l"/>
+                <a:tab pos="2908300" algn="l"/>
+                <a:tab pos="3489960" algn="l"/>
+                <a:tab pos="4071620" algn="l"/>
+                <a:tab pos="4653280" algn="l"/>
+                <a:tab pos="5234940" algn="l"/>
+                <a:tab pos="5816600" algn="l"/>
+                <a:tab pos="6398260" algn="l"/>
+                <a:tab pos="6979920" algn="l"/>
+                <a:tab pos="7561580" algn="l"/>
+                <a:tab pos="8143240" algn="l"/>
+                <a:tab pos="8724900" algn="l"/>
+                <a:tab pos="9306560" algn="l"/>
+              </a:tabLst>
+            </a:pPr>
+            <a:r>
+              <a:rPr lang="en-CA" sz="900" dirty="0">
+                <a:latin typeface="Courier" pitchFamily="2" charset="0"/>
+                <a:ea typeface="Times New Roman" panose="02020603050405020304" pitchFamily="18" charset="0"/>
+                <a:cs typeface="Times New Roman" panose="02020603050405020304" pitchFamily="18" charset="0"/>
+              </a:rPr>
+              <a:t>   |           </a:t>
+            </a:r>
+            <a:r>
+              <a:rPr lang="en-CA" sz="900" dirty="0" err="1">
+                <a:latin typeface="Courier" pitchFamily="2" charset="0"/>
+                <a:ea typeface="Times New Roman" panose="02020603050405020304" pitchFamily="18" charset="0"/>
+                <a:cs typeface="Times New Roman" panose="02020603050405020304" pitchFamily="18" charset="0"/>
+              </a:rPr>
+              <a:t>DetNet</a:t>
+            </a:r>
+            <a:r>
+              <a:rPr lang="en-CA" sz="900" dirty="0">
+                <a:latin typeface="Courier" pitchFamily="2" charset="0"/>
+                <a:ea typeface="Times New Roman" panose="02020603050405020304" pitchFamily="18" charset="0"/>
+                <a:cs typeface="Times New Roman" panose="02020603050405020304" pitchFamily="18" charset="0"/>
+              </a:rPr>
+              <a:t> Flow           |</a:t>
+            </a:r>
+            <a:endParaRPr lang="en-CA" sz="900" dirty="0">
+              <a:latin typeface="Courier" pitchFamily="2" charset="0"/>
+              <a:ea typeface="Calibri" panose="020F0502020204030204" pitchFamily="34" charset="0"/>
+              <a:cs typeface="Times New Roman" panose="02020603050405020304" pitchFamily="18" charset="0"/>
+            </a:endParaRPr>
+          </a:p>
+          <a:p>
+            <a:pPr>
+              <a:tabLst>
+                <a:tab pos="581660" algn="l"/>
+                <a:tab pos="1163320" algn="l"/>
+                <a:tab pos="1744980" algn="l"/>
+                <a:tab pos="2326640" algn="l"/>
+                <a:tab pos="2908300" algn="l"/>
+                <a:tab pos="3489960" algn="l"/>
+                <a:tab pos="4071620" algn="l"/>
+                <a:tab pos="4653280" algn="l"/>
+                <a:tab pos="5234940" algn="l"/>
+                <a:tab pos="5816600" algn="l"/>
+                <a:tab pos="6398260" algn="l"/>
+                <a:tab pos="6979920" algn="l"/>
+                <a:tab pos="7561580" algn="l"/>
+                <a:tab pos="8143240" algn="l"/>
+                <a:tab pos="8724900" algn="l"/>
+                <a:tab pos="9306560" algn="l"/>
+              </a:tabLst>
+            </a:pPr>
+            <a:r>
+              <a:rPr lang="en-CA" sz="900" dirty="0">
+                <a:latin typeface="Courier" pitchFamily="2" charset="0"/>
+                <a:ea typeface="Times New Roman" panose="02020603050405020304" pitchFamily="18" charset="0"/>
+                <a:cs typeface="Times New Roman" panose="02020603050405020304" pitchFamily="18" charset="0"/>
+              </a:rPr>
+              <a:t>   |         Payload  Packet         |</a:t>
+            </a:r>
+            <a:endParaRPr lang="en-CA" sz="900" dirty="0">
+              <a:latin typeface="Courier" pitchFamily="2" charset="0"/>
+              <a:ea typeface="Calibri" panose="020F0502020204030204" pitchFamily="34" charset="0"/>
+              <a:cs typeface="Times New Roman" panose="02020603050405020304" pitchFamily="18" charset="0"/>
+            </a:endParaRPr>
+          </a:p>
+          <a:p>
+            <a:pPr>
+              <a:tabLst>
+                <a:tab pos="581660" algn="l"/>
+                <a:tab pos="1163320" algn="l"/>
+                <a:tab pos="1744980" algn="l"/>
+                <a:tab pos="2326640" algn="l"/>
+                <a:tab pos="2908300" algn="l"/>
+                <a:tab pos="3489960" algn="l"/>
+                <a:tab pos="4071620" algn="l"/>
+                <a:tab pos="4653280" algn="l"/>
+                <a:tab pos="5234940" algn="l"/>
+                <a:tab pos="5816600" algn="l"/>
+                <a:tab pos="6398260" algn="l"/>
+                <a:tab pos="6979920" algn="l"/>
+                <a:tab pos="7561580" algn="l"/>
+                <a:tab pos="8143240" algn="l"/>
+                <a:tab pos="8724900" algn="l"/>
+                <a:tab pos="9306560" algn="l"/>
+              </a:tabLst>
+            </a:pPr>
+            <a:r>
+              <a:rPr lang="en-CA" sz="900" dirty="0">
+                <a:latin typeface="Courier" pitchFamily="2" charset="0"/>
+                <a:ea typeface="Times New Roman" panose="02020603050405020304" pitchFamily="18" charset="0"/>
+                <a:cs typeface="Times New Roman" panose="02020603050405020304" pitchFamily="18" charset="0"/>
+              </a:rPr>
+              <a:t>   |                                 |</a:t>
+            </a:r>
+            <a:endParaRPr lang="en-CA" sz="900" dirty="0">
+              <a:latin typeface="Courier" pitchFamily="2" charset="0"/>
+              <a:ea typeface="Calibri" panose="020F0502020204030204" pitchFamily="34" charset="0"/>
+              <a:cs typeface="Times New Roman" panose="02020603050405020304" pitchFamily="18" charset="0"/>
+            </a:endParaRPr>
+          </a:p>
+          <a:p>
+            <a:pPr>
+              <a:tabLst>
+                <a:tab pos="581660" algn="l"/>
+                <a:tab pos="1163320" algn="l"/>
+                <a:tab pos="1744980" algn="l"/>
+                <a:tab pos="2326640" algn="l"/>
+                <a:tab pos="2908300" algn="l"/>
+                <a:tab pos="3489960" algn="l"/>
+                <a:tab pos="4071620" algn="l"/>
+                <a:tab pos="4653280" algn="l"/>
+                <a:tab pos="5234940" algn="l"/>
+                <a:tab pos="5816600" algn="l"/>
+                <a:tab pos="6398260" algn="l"/>
+                <a:tab pos="6979920" algn="l"/>
+                <a:tab pos="7561580" algn="l"/>
+                <a:tab pos="8143240" algn="l"/>
+                <a:tab pos="8724900" algn="l"/>
+                <a:tab pos="9306560" algn="l"/>
+              </a:tabLst>
+            </a:pPr>
+            <a:r>
+              <a:rPr lang="en-CA" sz="900" dirty="0">
+                <a:latin typeface="Courier" pitchFamily="2" charset="0"/>
+                <a:ea typeface="Times New Roman" panose="02020603050405020304" pitchFamily="18" charset="0"/>
+                <a:cs typeface="Times New Roman" panose="02020603050405020304" pitchFamily="18" charset="0"/>
+              </a:rPr>
+              <a:t>   +---------------------------------+ </a:t>
+            </a:r>
+            <a:endParaRPr lang="en-US" sz="900" dirty="0">
+              <a:latin typeface="Courier" pitchFamily="2" charset="0"/>
+            </a:endParaRPr>
+          </a:p>
+        </p:txBody>
+      </p:sp>
+      <p:sp>
+        <p:nvSpPr>
+          <p:cNvPr id="7" name="Rectangle 6">
+            <a:extLst>
+              <a:ext uri="{FF2B5EF4-FFF2-40B4-BE49-F238E27FC236}">
+                <a16:creationId xmlns:a16="http://schemas.microsoft.com/office/drawing/2014/main" id="{7F774C87-9477-FB46-8442-69F405517AAC}"/>
+              </a:ext>
+            </a:extLst>
+          </p:cNvPr>
+          <p:cNvSpPr/>
+          <p:nvPr/>
+        </p:nvSpPr>
+        <p:spPr>
+          <a:xfrm>
+            <a:off x="4247953" y="2750300"/>
+            <a:ext cx="4610493" cy="1754326"/>
+          </a:xfrm>
+          <a:prstGeom prst="rect">
+            <a:avLst/>
+          </a:prstGeom>
+          <a:solidFill>
+            <a:schemeClr val="accent6">
+              <a:lumMod val="20000"/>
+              <a:lumOff val="80000"/>
+            </a:schemeClr>
+          </a:solidFill>
+        </p:spPr>
+        <p:txBody>
+          <a:bodyPr wrap="square">
+            <a:spAutoFit/>
+          </a:bodyPr>
+          <a:lstStyle/>
+          <a:p>
+            <a:pPr>
+              <a:tabLst>
+                <a:tab pos="581660" algn="l"/>
+                <a:tab pos="1163320" algn="l"/>
+                <a:tab pos="1744980" algn="l"/>
+                <a:tab pos="2326640" algn="l"/>
+                <a:tab pos="2908300" algn="l"/>
+                <a:tab pos="3489960" algn="l"/>
+                <a:tab pos="4071620" algn="l"/>
+                <a:tab pos="4653280" algn="l"/>
+                <a:tab pos="5234940" algn="l"/>
+                <a:tab pos="5816600" algn="l"/>
+                <a:tab pos="6398260" algn="l"/>
+                <a:tab pos="6979920" algn="l"/>
+                <a:tab pos="7561580" algn="l"/>
+                <a:tab pos="8143240" algn="l"/>
+                <a:tab pos="8724900" algn="l"/>
+                <a:tab pos="9306560" algn="l"/>
+              </a:tabLst>
+            </a:pPr>
+            <a:r>
+              <a:rPr lang="en-CA" sz="900" dirty="0">
+                <a:latin typeface="Courier" pitchFamily="2" charset="0"/>
+                <a:ea typeface="Times New Roman" panose="02020603050405020304" pitchFamily="18" charset="0"/>
+                <a:cs typeface="Times New Roman" panose="02020603050405020304" pitchFamily="18" charset="0"/>
+              </a:rPr>
+              <a:t>   +---------------------------------+ &lt;--\</a:t>
+            </a:r>
+            <a:endParaRPr lang="en-CA" sz="900" dirty="0">
+              <a:latin typeface="Courier" pitchFamily="2" charset="0"/>
+              <a:ea typeface="Calibri" panose="020F0502020204030204" pitchFamily="34" charset="0"/>
+              <a:cs typeface="Times New Roman" panose="02020603050405020304" pitchFamily="18" charset="0"/>
+            </a:endParaRPr>
+          </a:p>
+          <a:p>
+            <a:pPr>
+              <a:tabLst>
+                <a:tab pos="581660" algn="l"/>
+                <a:tab pos="1163320" algn="l"/>
+                <a:tab pos="1744980" algn="l"/>
+                <a:tab pos="2326640" algn="l"/>
+                <a:tab pos="2908300" algn="l"/>
+                <a:tab pos="3489960" algn="l"/>
+                <a:tab pos="4071620" algn="l"/>
+                <a:tab pos="4653280" algn="l"/>
+                <a:tab pos="5234940" algn="l"/>
+                <a:tab pos="5816600" algn="l"/>
+                <a:tab pos="6398260" algn="l"/>
+                <a:tab pos="6979920" algn="l"/>
+                <a:tab pos="7561580" algn="l"/>
+                <a:tab pos="8143240" algn="l"/>
+                <a:tab pos="8724900" algn="l"/>
+                <a:tab pos="9306560" algn="l"/>
+              </a:tabLst>
+            </a:pPr>
+            <a:r>
+              <a:rPr lang="en-CA" sz="900" dirty="0">
+                <a:latin typeface="Courier" pitchFamily="2" charset="0"/>
+                <a:ea typeface="Times New Roman" panose="02020603050405020304" pitchFamily="18" charset="0"/>
+                <a:cs typeface="Times New Roman" panose="02020603050405020304" pitchFamily="18" charset="0"/>
+              </a:rPr>
+              <a:t>   |         [ F-Label(s) ]          |    |</a:t>
+            </a:r>
+            <a:endParaRPr lang="en-CA" sz="900" dirty="0">
+              <a:latin typeface="Courier" pitchFamily="2" charset="0"/>
+              <a:ea typeface="Calibri" panose="020F0502020204030204" pitchFamily="34" charset="0"/>
+              <a:cs typeface="Times New Roman" panose="02020603050405020304" pitchFamily="18" charset="0"/>
+            </a:endParaRPr>
+          </a:p>
+          <a:p>
+            <a:pPr>
+              <a:tabLst>
+                <a:tab pos="581660" algn="l"/>
+                <a:tab pos="1163320" algn="l"/>
+                <a:tab pos="1744980" algn="l"/>
+                <a:tab pos="2326640" algn="l"/>
+                <a:tab pos="2908300" algn="l"/>
+                <a:tab pos="3489960" algn="l"/>
+                <a:tab pos="4071620" algn="l"/>
+                <a:tab pos="4653280" algn="l"/>
+                <a:tab pos="5234940" algn="l"/>
+                <a:tab pos="5816600" algn="l"/>
+                <a:tab pos="6398260" algn="l"/>
+                <a:tab pos="6979920" algn="l"/>
+                <a:tab pos="7561580" algn="l"/>
+                <a:tab pos="8143240" algn="l"/>
+                <a:tab pos="8724900" algn="l"/>
+                <a:tab pos="9306560" algn="l"/>
+              </a:tabLst>
+            </a:pPr>
+            <a:r>
+              <a:rPr lang="en-CA" sz="900" dirty="0">
+                <a:latin typeface="Courier" pitchFamily="2" charset="0"/>
+                <a:ea typeface="Times New Roman" panose="02020603050405020304" pitchFamily="18" charset="0"/>
+                <a:cs typeface="Times New Roman" panose="02020603050405020304" pitchFamily="18" charset="0"/>
+              </a:rPr>
+              <a:t>   +---------------------------------+    +--</a:t>
+            </a:r>
+            <a:r>
+              <a:rPr lang="en-CA" sz="900" dirty="0" err="1">
+                <a:latin typeface="Courier" pitchFamily="2" charset="0"/>
+                <a:ea typeface="Times New Roman" panose="02020603050405020304" pitchFamily="18" charset="0"/>
+                <a:cs typeface="Times New Roman" panose="02020603050405020304" pitchFamily="18" charset="0"/>
+              </a:rPr>
+              <a:t>DetNet</a:t>
+            </a:r>
+            <a:r>
+              <a:rPr lang="en-CA" sz="900" dirty="0">
+                <a:latin typeface="Courier" pitchFamily="2" charset="0"/>
+                <a:ea typeface="Times New Roman" panose="02020603050405020304" pitchFamily="18" charset="0"/>
+                <a:cs typeface="Times New Roman" panose="02020603050405020304" pitchFamily="18" charset="0"/>
+              </a:rPr>
+              <a:t> data plane</a:t>
+            </a:r>
+          </a:p>
+          <a:p>
+            <a:pPr>
+              <a:tabLst>
+                <a:tab pos="581660" algn="l"/>
+                <a:tab pos="1163320" algn="l"/>
+                <a:tab pos="1744980" algn="l"/>
+                <a:tab pos="2326640" algn="l"/>
+                <a:tab pos="2908300" algn="l"/>
+                <a:tab pos="3489960" algn="l"/>
+                <a:tab pos="4071620" algn="l"/>
+                <a:tab pos="4653280" algn="l"/>
+                <a:tab pos="5234940" algn="l"/>
+                <a:tab pos="5816600" algn="l"/>
+                <a:tab pos="6398260" algn="l"/>
+                <a:tab pos="6979920" algn="l"/>
+                <a:tab pos="7561580" algn="l"/>
+                <a:tab pos="8143240" algn="l"/>
+                <a:tab pos="8724900" algn="l"/>
+                <a:tab pos="9306560" algn="l"/>
+              </a:tabLst>
+            </a:pPr>
+            <a:r>
+              <a:rPr lang="en-CA" sz="900" dirty="0">
+                <a:latin typeface="Courier" pitchFamily="2" charset="0"/>
+                <a:ea typeface="Times New Roman" panose="02020603050405020304" pitchFamily="18" charset="0"/>
+                <a:cs typeface="Times New Roman" panose="02020603050405020304" pitchFamily="18" charset="0"/>
+              </a:rPr>
+              <a:t>   |            S-Label              |    |  MPLS encapsulation</a:t>
+            </a:r>
+            <a:endParaRPr lang="en-CA" sz="900" dirty="0">
+              <a:latin typeface="Courier" pitchFamily="2" charset="0"/>
+              <a:ea typeface="Calibri" panose="020F0502020204030204" pitchFamily="34" charset="0"/>
+              <a:cs typeface="Times New Roman" panose="02020603050405020304" pitchFamily="18" charset="0"/>
+            </a:endParaRPr>
+          </a:p>
+          <a:p>
+            <a:pPr>
+              <a:tabLst>
+                <a:tab pos="581660" algn="l"/>
+                <a:tab pos="1163320" algn="l"/>
+                <a:tab pos="1744980" algn="l"/>
+                <a:tab pos="2326640" algn="l"/>
+                <a:tab pos="2908300" algn="l"/>
+                <a:tab pos="3489960" algn="l"/>
+                <a:tab pos="4071620" algn="l"/>
+                <a:tab pos="4653280" algn="l"/>
+                <a:tab pos="5234940" algn="l"/>
+                <a:tab pos="5816600" algn="l"/>
+                <a:tab pos="6398260" algn="l"/>
+                <a:tab pos="6979920" algn="l"/>
+                <a:tab pos="7561580" algn="l"/>
+                <a:tab pos="8143240" algn="l"/>
+                <a:tab pos="8724900" algn="l"/>
+                <a:tab pos="9306560" algn="l"/>
+              </a:tabLst>
+            </a:pPr>
+            <a:r>
+              <a:rPr lang="en-CA" sz="900" dirty="0">
+                <a:latin typeface="Courier" pitchFamily="2" charset="0"/>
+                <a:ea typeface="Times New Roman" panose="02020603050405020304" pitchFamily="18" charset="0"/>
+                <a:cs typeface="Times New Roman" panose="02020603050405020304" pitchFamily="18" charset="0"/>
+              </a:rPr>
+              <a:t>   +=================================+    |</a:t>
+            </a:r>
+            <a:endParaRPr lang="en-CA" sz="900" dirty="0">
+              <a:latin typeface="Courier" pitchFamily="2" charset="0"/>
+              <a:ea typeface="Calibri" panose="020F0502020204030204" pitchFamily="34" charset="0"/>
+              <a:cs typeface="Times New Roman" panose="02020603050405020304" pitchFamily="18" charset="0"/>
+            </a:endParaRPr>
+          </a:p>
+          <a:p>
+            <a:pPr>
+              <a:tabLst>
+                <a:tab pos="581660" algn="l"/>
+                <a:tab pos="1163320" algn="l"/>
+                <a:tab pos="1744980" algn="l"/>
+                <a:tab pos="2326640" algn="l"/>
+                <a:tab pos="2908300" algn="l"/>
+                <a:tab pos="3489960" algn="l"/>
+                <a:tab pos="4071620" algn="l"/>
+                <a:tab pos="4653280" algn="l"/>
+                <a:tab pos="5234940" algn="l"/>
+                <a:tab pos="5816600" algn="l"/>
+                <a:tab pos="6398260" algn="l"/>
+                <a:tab pos="6979920" algn="l"/>
+                <a:tab pos="7561580" algn="l"/>
+                <a:tab pos="8143240" algn="l"/>
+                <a:tab pos="8724900" algn="l"/>
+                <a:tab pos="9306560" algn="l"/>
+              </a:tabLst>
+            </a:pPr>
+            <a:r>
+              <a:rPr lang="en-CA" sz="900" dirty="0">
+                <a:latin typeface="Courier" pitchFamily="2" charset="0"/>
+                <a:ea typeface="Times New Roman" panose="02020603050405020304" pitchFamily="18" charset="0"/>
+                <a:cs typeface="Times New Roman" panose="02020603050405020304" pitchFamily="18" charset="0"/>
+              </a:rPr>
+              <a:t>   |       </a:t>
+            </a:r>
+            <a:r>
+              <a:rPr lang="en-CA" sz="900" dirty="0" err="1">
+                <a:latin typeface="Courier" pitchFamily="2" charset="0"/>
+                <a:ea typeface="Times New Roman" panose="02020603050405020304" pitchFamily="18" charset="0"/>
+                <a:cs typeface="Times New Roman" panose="02020603050405020304" pitchFamily="18" charset="0"/>
+              </a:rPr>
+              <a:t>DetNet</a:t>
+            </a:r>
+            <a:r>
+              <a:rPr lang="en-CA" sz="900" dirty="0">
+                <a:latin typeface="Courier" pitchFamily="2" charset="0"/>
+                <a:ea typeface="Times New Roman" panose="02020603050405020304" pitchFamily="18" charset="0"/>
+                <a:cs typeface="Times New Roman" panose="02020603050405020304" pitchFamily="18" charset="0"/>
+              </a:rPr>
+              <a:t> Control Word       |    |</a:t>
+            </a:r>
+            <a:endParaRPr lang="en-CA" sz="900" dirty="0">
+              <a:latin typeface="Courier" pitchFamily="2" charset="0"/>
+              <a:ea typeface="Calibri" panose="020F0502020204030204" pitchFamily="34" charset="0"/>
+              <a:cs typeface="Times New Roman" panose="02020603050405020304" pitchFamily="18" charset="0"/>
+            </a:endParaRPr>
+          </a:p>
+          <a:p>
+            <a:pPr>
+              <a:tabLst>
+                <a:tab pos="581660" algn="l"/>
+                <a:tab pos="1163320" algn="l"/>
+                <a:tab pos="1744980" algn="l"/>
+                <a:tab pos="2326640" algn="l"/>
+                <a:tab pos="2908300" algn="l"/>
+                <a:tab pos="3489960" algn="l"/>
+                <a:tab pos="4071620" algn="l"/>
+                <a:tab pos="4653280" algn="l"/>
+                <a:tab pos="5234940" algn="l"/>
+                <a:tab pos="5816600" algn="l"/>
+                <a:tab pos="6398260" algn="l"/>
+                <a:tab pos="6979920" algn="l"/>
+                <a:tab pos="7561580" algn="l"/>
+                <a:tab pos="8143240" algn="l"/>
+                <a:tab pos="8724900" algn="l"/>
+                <a:tab pos="9306560" algn="l"/>
+              </a:tabLst>
+            </a:pPr>
+            <a:r>
+              <a:rPr lang="en-CA" sz="900" dirty="0">
+                <a:latin typeface="Courier" pitchFamily="2" charset="0"/>
+                <a:ea typeface="Times New Roman" panose="02020603050405020304" pitchFamily="18" charset="0"/>
+                <a:cs typeface="Times New Roman" panose="02020603050405020304" pitchFamily="18" charset="0"/>
+              </a:rPr>
+              <a:t>   +---------------------------------+ &lt;--/</a:t>
+            </a:r>
+            <a:endParaRPr lang="en-CA" sz="900" dirty="0">
+              <a:latin typeface="Courier" pitchFamily="2" charset="0"/>
+              <a:ea typeface="Calibri" panose="020F0502020204030204" pitchFamily="34" charset="0"/>
+              <a:cs typeface="Times New Roman" panose="02020603050405020304" pitchFamily="18" charset="0"/>
+            </a:endParaRPr>
+          </a:p>
+          <a:p>
+            <a:pPr>
+              <a:tabLst>
+                <a:tab pos="581660" algn="l"/>
+                <a:tab pos="1163320" algn="l"/>
+                <a:tab pos="1744980" algn="l"/>
+                <a:tab pos="2326640" algn="l"/>
+                <a:tab pos="2908300" algn="l"/>
+                <a:tab pos="3489960" algn="l"/>
+                <a:tab pos="4071620" algn="l"/>
+                <a:tab pos="4653280" algn="l"/>
+                <a:tab pos="5234940" algn="l"/>
+                <a:tab pos="5816600" algn="l"/>
+                <a:tab pos="6398260" algn="l"/>
+                <a:tab pos="6979920" algn="l"/>
+                <a:tab pos="7561580" algn="l"/>
+                <a:tab pos="8143240" algn="l"/>
+                <a:tab pos="8724900" algn="l"/>
+                <a:tab pos="9306560" algn="l"/>
+              </a:tabLst>
+            </a:pPr>
+            <a:r>
+              <a:rPr lang="en-CA" sz="900" dirty="0">
+                <a:latin typeface="Courier" pitchFamily="2" charset="0"/>
+                <a:ea typeface="Times New Roman" panose="02020603050405020304" pitchFamily="18" charset="0"/>
+                <a:cs typeface="Times New Roman" panose="02020603050405020304" pitchFamily="18" charset="0"/>
+              </a:rPr>
+              <a:t>   |                                 |</a:t>
+            </a:r>
+            <a:endParaRPr lang="en-CA" sz="900" dirty="0">
+              <a:latin typeface="Courier" pitchFamily="2" charset="0"/>
+              <a:ea typeface="Calibri" panose="020F0502020204030204" pitchFamily="34" charset="0"/>
+              <a:cs typeface="Times New Roman" panose="02020603050405020304" pitchFamily="18" charset="0"/>
+            </a:endParaRPr>
+          </a:p>
+          <a:p>
+            <a:pPr>
+              <a:tabLst>
+                <a:tab pos="581660" algn="l"/>
+                <a:tab pos="1163320" algn="l"/>
+                <a:tab pos="1744980" algn="l"/>
+                <a:tab pos="2326640" algn="l"/>
+                <a:tab pos="2908300" algn="l"/>
+                <a:tab pos="3489960" algn="l"/>
+                <a:tab pos="4071620" algn="l"/>
+                <a:tab pos="4653280" algn="l"/>
+                <a:tab pos="5234940" algn="l"/>
+                <a:tab pos="5816600" algn="l"/>
+                <a:tab pos="6398260" algn="l"/>
+                <a:tab pos="6979920" algn="l"/>
+                <a:tab pos="7561580" algn="l"/>
+                <a:tab pos="8143240" algn="l"/>
+                <a:tab pos="8724900" algn="l"/>
+                <a:tab pos="9306560" algn="l"/>
+              </a:tabLst>
+            </a:pPr>
+            <a:r>
+              <a:rPr lang="en-CA" sz="900" dirty="0">
+                <a:latin typeface="Courier" pitchFamily="2" charset="0"/>
+                <a:ea typeface="Times New Roman" panose="02020603050405020304" pitchFamily="18" charset="0"/>
+                <a:cs typeface="Times New Roman" panose="02020603050405020304" pitchFamily="18" charset="0"/>
+              </a:rPr>
+              <a:t>   |           </a:t>
+            </a:r>
+            <a:r>
+              <a:rPr lang="en-CA" sz="900" dirty="0" err="1">
+                <a:latin typeface="Courier" pitchFamily="2" charset="0"/>
+                <a:ea typeface="Times New Roman" panose="02020603050405020304" pitchFamily="18" charset="0"/>
+                <a:cs typeface="Times New Roman" panose="02020603050405020304" pitchFamily="18" charset="0"/>
+              </a:rPr>
+              <a:t>DetNet</a:t>
+            </a:r>
+            <a:r>
+              <a:rPr lang="en-CA" sz="900" dirty="0">
+                <a:latin typeface="Courier" pitchFamily="2" charset="0"/>
+                <a:ea typeface="Times New Roman" panose="02020603050405020304" pitchFamily="18" charset="0"/>
+                <a:cs typeface="Times New Roman" panose="02020603050405020304" pitchFamily="18" charset="0"/>
+              </a:rPr>
+              <a:t> Flow           |</a:t>
+            </a:r>
+            <a:endParaRPr lang="en-CA" sz="900" dirty="0">
+              <a:latin typeface="Courier" pitchFamily="2" charset="0"/>
+              <a:ea typeface="Calibri" panose="020F0502020204030204" pitchFamily="34" charset="0"/>
+              <a:cs typeface="Times New Roman" panose="02020603050405020304" pitchFamily="18" charset="0"/>
+            </a:endParaRPr>
+          </a:p>
+          <a:p>
+            <a:pPr>
+              <a:tabLst>
+                <a:tab pos="581660" algn="l"/>
+                <a:tab pos="1163320" algn="l"/>
+                <a:tab pos="1744980" algn="l"/>
+                <a:tab pos="2326640" algn="l"/>
+                <a:tab pos="2908300" algn="l"/>
+                <a:tab pos="3489960" algn="l"/>
+                <a:tab pos="4071620" algn="l"/>
+                <a:tab pos="4653280" algn="l"/>
+                <a:tab pos="5234940" algn="l"/>
+                <a:tab pos="5816600" algn="l"/>
+                <a:tab pos="6398260" algn="l"/>
+                <a:tab pos="6979920" algn="l"/>
+                <a:tab pos="7561580" algn="l"/>
+                <a:tab pos="8143240" algn="l"/>
+                <a:tab pos="8724900" algn="l"/>
+                <a:tab pos="9306560" algn="l"/>
+              </a:tabLst>
+            </a:pPr>
+            <a:r>
+              <a:rPr lang="en-CA" sz="900" dirty="0">
+                <a:latin typeface="Courier" pitchFamily="2" charset="0"/>
+                <a:ea typeface="Times New Roman" panose="02020603050405020304" pitchFamily="18" charset="0"/>
+                <a:cs typeface="Times New Roman" panose="02020603050405020304" pitchFamily="18" charset="0"/>
+              </a:rPr>
+              <a:t>   |         Payload  Packet         |</a:t>
+            </a:r>
+            <a:endParaRPr lang="en-CA" sz="900" dirty="0">
+              <a:latin typeface="Courier" pitchFamily="2" charset="0"/>
+              <a:ea typeface="Calibri" panose="020F0502020204030204" pitchFamily="34" charset="0"/>
+              <a:cs typeface="Times New Roman" panose="02020603050405020304" pitchFamily="18" charset="0"/>
+            </a:endParaRPr>
+          </a:p>
+          <a:p>
+            <a:pPr>
+              <a:tabLst>
+                <a:tab pos="581660" algn="l"/>
+                <a:tab pos="1163320" algn="l"/>
+                <a:tab pos="1744980" algn="l"/>
+                <a:tab pos="2326640" algn="l"/>
+                <a:tab pos="2908300" algn="l"/>
+                <a:tab pos="3489960" algn="l"/>
+                <a:tab pos="4071620" algn="l"/>
+                <a:tab pos="4653280" algn="l"/>
+                <a:tab pos="5234940" algn="l"/>
+                <a:tab pos="5816600" algn="l"/>
+                <a:tab pos="6398260" algn="l"/>
+                <a:tab pos="6979920" algn="l"/>
+                <a:tab pos="7561580" algn="l"/>
+                <a:tab pos="8143240" algn="l"/>
+                <a:tab pos="8724900" algn="l"/>
+                <a:tab pos="9306560" algn="l"/>
+              </a:tabLst>
+            </a:pPr>
+            <a:r>
+              <a:rPr lang="en-CA" sz="900" dirty="0">
+                <a:latin typeface="Courier" pitchFamily="2" charset="0"/>
+                <a:ea typeface="Times New Roman" panose="02020603050405020304" pitchFamily="18" charset="0"/>
+                <a:cs typeface="Times New Roman" panose="02020603050405020304" pitchFamily="18" charset="0"/>
+              </a:rPr>
+              <a:t>   |                                 |</a:t>
+            </a:r>
+            <a:endParaRPr lang="en-CA" sz="900" dirty="0">
+              <a:latin typeface="Courier" pitchFamily="2" charset="0"/>
+              <a:ea typeface="Calibri" panose="020F0502020204030204" pitchFamily="34" charset="0"/>
+              <a:cs typeface="Times New Roman" panose="02020603050405020304" pitchFamily="18" charset="0"/>
+            </a:endParaRPr>
+          </a:p>
+          <a:p>
+            <a:pPr>
+              <a:tabLst>
+                <a:tab pos="581660" algn="l"/>
+                <a:tab pos="1163320" algn="l"/>
+                <a:tab pos="1744980" algn="l"/>
+                <a:tab pos="2326640" algn="l"/>
+                <a:tab pos="2908300" algn="l"/>
+                <a:tab pos="3489960" algn="l"/>
+                <a:tab pos="4071620" algn="l"/>
+                <a:tab pos="4653280" algn="l"/>
+                <a:tab pos="5234940" algn="l"/>
+                <a:tab pos="5816600" algn="l"/>
+                <a:tab pos="6398260" algn="l"/>
+                <a:tab pos="6979920" algn="l"/>
+                <a:tab pos="7561580" algn="l"/>
+                <a:tab pos="8143240" algn="l"/>
+                <a:tab pos="8724900" algn="l"/>
+                <a:tab pos="9306560" algn="l"/>
+              </a:tabLst>
+            </a:pPr>
+            <a:r>
+              <a:rPr lang="en-CA" sz="900" dirty="0">
+                <a:latin typeface="Courier" pitchFamily="2" charset="0"/>
+                <a:ea typeface="Times New Roman" panose="02020603050405020304" pitchFamily="18" charset="0"/>
+                <a:cs typeface="Times New Roman" panose="02020603050405020304" pitchFamily="18" charset="0"/>
+              </a:rPr>
+              <a:t>   +---------------------------------+ </a:t>
+            </a:r>
+            <a:endParaRPr lang="en-US" sz="900" dirty="0">
+              <a:latin typeface="Courier" pitchFamily="2" charset="0"/>
+            </a:endParaRPr>
+          </a:p>
+        </p:txBody>
+      </p:sp>
+      <p:sp>
+        <p:nvSpPr>
+          <p:cNvPr id="8" name="Rectangle 7">
+            <a:extLst>
+              <a:ext uri="{FF2B5EF4-FFF2-40B4-BE49-F238E27FC236}">
+                <a16:creationId xmlns:a16="http://schemas.microsoft.com/office/drawing/2014/main" id="{1794C68A-6915-4143-B1AA-507639CEF4CA}"/>
+              </a:ext>
+            </a:extLst>
+          </p:cNvPr>
+          <p:cNvSpPr/>
+          <p:nvPr/>
+        </p:nvSpPr>
+        <p:spPr>
+          <a:xfrm>
+            <a:off x="263165" y="4373821"/>
+            <a:ext cx="3336696" cy="261610"/>
+          </a:xfrm>
+          <a:prstGeom prst="rect">
+            <a:avLst/>
+          </a:prstGeom>
+        </p:spPr>
+        <p:txBody>
+          <a:bodyPr wrap="square">
+            <a:spAutoFit/>
+          </a:bodyPr>
+          <a:lstStyle/>
+          <a:p>
+            <a:pPr marL="171450" indent="-171450">
+              <a:buFont typeface="Arial" panose="020B0604020202020204" pitchFamily="34" charset="0"/>
+              <a:buChar char="•"/>
+            </a:pPr>
+            <a:r>
+              <a:rPr lang="en-CA" sz="1100" u="sng" dirty="0">
+                <a:solidFill>
+                  <a:srgbClr val="0563C1"/>
+                </a:solidFill>
+                <a:latin typeface="Calibri" panose="020F0502020204030204" pitchFamily="34" charset="0"/>
+                <a:ea typeface="Calibri" panose="020F0502020204030204" pitchFamily="34" charset="0"/>
+                <a:cs typeface="Times New Roman" panose="02020603050405020304" pitchFamily="18" charset="0"/>
+                <a:hlinkClick r:id="rId2"/>
+              </a:rPr>
+              <a:t>https://tools.ietf.org/html/draft-ietf-detnet-mpls-13</a:t>
+            </a:r>
+            <a:endParaRPr lang="en-CA" sz="1100" dirty="0">
+              <a:effectLst/>
+              <a:latin typeface="Calibri" panose="020F0502020204030204" pitchFamily="34" charset="0"/>
+              <a:ea typeface="Calibri" panose="020F0502020204030204" pitchFamily="34" charset="0"/>
+              <a:cs typeface="Times New Roman" panose="02020603050405020304" pitchFamily="18" charset="0"/>
+            </a:endParaRPr>
+          </a:p>
+        </p:txBody>
+      </p:sp>
+      <p:sp>
+        <p:nvSpPr>
+          <p:cNvPr id="10" name="Rectangle 9">
+            <a:extLst>
+              <a:ext uri="{FF2B5EF4-FFF2-40B4-BE49-F238E27FC236}">
+                <a16:creationId xmlns:a16="http://schemas.microsoft.com/office/drawing/2014/main" id="{099E41CA-21E8-664A-A8B2-DFA7AD69A38A}"/>
+              </a:ext>
+            </a:extLst>
+          </p:cNvPr>
+          <p:cNvSpPr/>
+          <p:nvPr/>
+        </p:nvSpPr>
+        <p:spPr>
+          <a:xfrm>
+            <a:off x="4901045" y="1053828"/>
+            <a:ext cx="4152900" cy="707886"/>
+          </a:xfrm>
+          <a:prstGeom prst="rect">
+            <a:avLst/>
+          </a:prstGeom>
+          <a:solidFill>
+            <a:schemeClr val="accent6">
+              <a:lumMod val="20000"/>
+              <a:lumOff val="80000"/>
+            </a:schemeClr>
+          </a:solidFill>
+        </p:spPr>
+        <p:txBody>
+          <a:bodyPr wrap="square">
+            <a:spAutoFit/>
+          </a:bodyPr>
+          <a:lstStyle/>
+          <a:p>
+            <a:r>
+              <a:rPr lang="en-CA" sz="800" dirty="0">
+                <a:latin typeface="Courier" pitchFamily="2" charset="0"/>
+              </a:rPr>
+              <a:t>0                   1                   2                   3</a:t>
+            </a:r>
+          </a:p>
+          <a:p>
+            <a:r>
+              <a:rPr lang="en-CA" sz="800" dirty="0">
+                <a:latin typeface="Courier" pitchFamily="2" charset="0"/>
+              </a:rPr>
+              <a:t>0 1 2 3 4 5 6 7 8 9 0 1 2 3 4 5 6 7 8 9 0 1 2 3 4 5 6 7 8 9 0 1</a:t>
+            </a:r>
+          </a:p>
+          <a:p>
+            <a:r>
+              <a:rPr lang="en-CA" sz="800" dirty="0">
+                <a:latin typeface="Courier" pitchFamily="2" charset="0"/>
+              </a:rPr>
+              <a:t>+-+-+-+-+-+-+-+-+-+-+-+-+-+-+-+-+-+-+-+-+-+-+-+-+-+-+-+-+-+-+-+-+</a:t>
+            </a:r>
+          </a:p>
+          <a:p>
+            <a:r>
+              <a:rPr lang="en-CA" sz="800" dirty="0">
+                <a:latin typeface="Courier" pitchFamily="2" charset="0"/>
+              </a:rPr>
+              <a:t>|0 0 0 0|                Sequence Number                        |</a:t>
+            </a:r>
+          </a:p>
+          <a:p>
+            <a:r>
+              <a:rPr lang="en-CA" sz="800" dirty="0">
+                <a:latin typeface="Courier" pitchFamily="2" charset="0"/>
+              </a:rPr>
+              <a:t>+-+-+-+-+-+-+-+-+-+-+-+-+-+-+-+-+-+-+-+-+-+-+-+-+-+-+-+-+-+-+-+-+</a:t>
+            </a:r>
+          </a:p>
+        </p:txBody>
+      </p:sp>
+    </p:spTree>
+    <p:extLst>
+      <p:ext uri="{BB962C8B-B14F-4D97-AF65-F5344CB8AC3E}">
+        <p14:creationId xmlns:p14="http://schemas.microsoft.com/office/powerpoint/2010/main" val="3690752787"/>
       </p:ext>
     </p:extLst>
   </p:cSld>

--- a/draft-gandhi-mpls-ioam-sr-05.pptx
+++ b/draft-gandhi-mpls-ioam-sr-05.pptx
@@ -11271,7 +11271,7 @@
                 <a:latin typeface="Calibri Light" panose="020F0302020204030204" pitchFamily="34" charset="0"/>
                 <a:cs typeface="Calibri Light" panose="020F0302020204030204" pitchFamily="34" charset="0"/>
               </a:rPr>
-              <a:t>IOAM Header and Other Control Words</a:t>
+              <a:t>IOAM Header with Other Control Words/ACHs</a:t>
             </a:r>
           </a:p>
         </p:txBody>
@@ -11326,7 +11326,7 @@
                 <a:latin typeface="Calibri" panose="020F0502020204030204" pitchFamily="34" charset="0"/>
                 <a:cs typeface="Calibri" panose="020F0502020204030204" pitchFamily="34" charset="0"/>
               </a:rPr>
-              <a:t>, any other control word is added after the IOAM header in the data packet.</a:t>
+              <a:t>, any other control word / ACH is added after the IOAM header in the data packet.</a:t>
             </a:r>
           </a:p>
           <a:p>
@@ -11343,7 +11343,7 @@
                 <a:latin typeface="Calibri" panose="020F0502020204030204" pitchFamily="34" charset="0"/>
                 <a:cs typeface="Calibri" panose="020F0502020204030204" pitchFamily="34" charset="0"/>
               </a:rPr>
-              <a:t>The transit nodes process the IOAM data field(s) after the EOS in data packets.</a:t>
+              <a:t>The transit nodes can easily process the IOAM data field(s) after the EOS in the data packets.</a:t>
             </a:r>
           </a:p>
           <a:p>
@@ -11371,7 +11371,7 @@
                 <a:latin typeface="Calibri" panose="020F0502020204030204" pitchFamily="34" charset="0"/>
                 <a:cs typeface="Calibri" panose="020F0502020204030204" pitchFamily="34" charset="0"/>
               </a:rPr>
-              <a:t> including the IOAM header and then processes the other control word following it.</a:t>
+              <a:t> including the IOAM header and then processes the other control word /ACH following it.</a:t>
             </a:r>
           </a:p>
           <a:p>
@@ -11395,7 +11395,7 @@
                 <a:latin typeface="Calibri" panose="020F0502020204030204" pitchFamily="34" charset="0"/>
                 <a:cs typeface="Calibri" panose="020F0502020204030204" pitchFamily="34" charset="0"/>
               </a:rPr>
-              <a:t>allows to find the Control word after the IOAM header.</a:t>
+              <a:t>allows to find the Control word /ACH after the IOAM header.</a:t>
             </a:r>
           </a:p>
           <a:p>
@@ -11660,7 +11660,7 @@
         </p:nvSpPr>
         <p:spPr>
           <a:xfrm>
-            <a:off x="1905000" y="816375"/>
+            <a:off x="2514600" y="816375"/>
             <a:ext cx="5105400" cy="3693319"/>
           </a:xfrm>
           <a:prstGeom prst="rect">
@@ -12100,7 +12100,7 @@
         </p:nvSpPr>
         <p:spPr>
           <a:xfrm>
-            <a:off x="2057400" y="717589"/>
+            <a:off x="2590801" y="753957"/>
             <a:ext cx="5257800" cy="4247317"/>
           </a:xfrm>
           <a:prstGeom prst="rect">
@@ -12677,7 +12677,7 @@
         </p:nvSpPr>
         <p:spPr>
           <a:xfrm>
-            <a:off x="2057400" y="590550"/>
+            <a:off x="2590800" y="619185"/>
             <a:ext cx="4648200" cy="4524315"/>
           </a:xfrm>
           <a:prstGeom prst="rect">
@@ -13112,8 +13112,8 @@
         </p:nvSpPr>
         <p:spPr>
           <a:xfrm>
-            <a:off x="129909" y="4253032"/>
-            <a:ext cx="1736496" cy="600164"/>
+            <a:off x="54204" y="4186147"/>
+            <a:ext cx="2003196" cy="461665"/>
           </a:xfrm>
           <a:prstGeom prst="rect">
             <a:avLst/>
@@ -13130,7 +13130,7 @@
               <a:buChar char="•"/>
             </a:pPr>
             <a:r>
-              <a:rPr lang="en-CA" sz="1100" u="sng" dirty="0">
+              <a:rPr lang="en-CA" sz="1200" u="sng" dirty="0">
                 <a:solidFill>
                   <a:srgbClr val="0563C1"/>
                 </a:solidFill>
@@ -13141,7 +13141,7 @@
               </a:rPr>
               <a:t>https://tools.ietf.org/html/draft-ietf-detnet-mpls-13</a:t>
             </a:r>
-            <a:endParaRPr lang="en-CA" sz="1100" dirty="0">
+            <a:endParaRPr lang="en-CA" sz="1200" dirty="0">
               <a:effectLst/>
               <a:latin typeface="Calibri" panose="020F0502020204030204" pitchFamily="34" charset="0"/>
               <a:ea typeface="Calibri" panose="020F0502020204030204" pitchFamily="34" charset="0"/>
@@ -13853,7 +13853,7 @@
         </p:nvSpPr>
         <p:spPr>
           <a:xfrm>
-            <a:off x="2019300" y="843434"/>
+            <a:off x="2514600" y="843434"/>
             <a:ext cx="5105400" cy="3693319"/>
           </a:xfrm>
           <a:prstGeom prst="rect">
@@ -16170,7 +16170,7 @@
         </p:nvSpPr>
         <p:spPr>
           <a:xfrm>
-            <a:off x="4901045" y="1053828"/>
+            <a:off x="4876800" y="949464"/>
             <a:ext cx="4152900" cy="707886"/>
           </a:xfrm>
           <a:prstGeom prst="rect">

--- a/draft-gandhi-mpls-ioam-sr-05.pptx
+++ b/draft-gandhi-mpls-ioam-sr-05.pptx
@@ -29,10 +29,10 @@
     <p:sldId id="1680" r:id="rId17"/>
     <p:sldId id="1663" r:id="rId18"/>
     <p:sldId id="1685" r:id="rId19"/>
-    <p:sldId id="1667" r:id="rId20"/>
-    <p:sldId id="1661" r:id="rId21"/>
-    <p:sldId id="303" r:id="rId22"/>
-    <p:sldId id="1670" r:id="rId23"/>
+    <p:sldId id="1661" r:id="rId20"/>
+    <p:sldId id="303" r:id="rId21"/>
+    <p:sldId id="1670" r:id="rId22"/>
+    <p:sldId id="1667" r:id="rId23"/>
     <p:sldId id="1688" r:id="rId24"/>
     <p:sldId id="1687" r:id="rId25"/>
     <p:sldId id="1690" r:id="rId26"/>
@@ -1231,7 +1231,7 @@
               <a:pPr>
                 <a:defRPr/>
               </a:pPr>
-              <a:t>20</a:t>
+              <a:t>19</a:t>
             </a:fld>
             <a:endParaRPr lang="en-US" altLang="zh-CN"/>
           </a:p>
@@ -1321,7 +1321,7 @@
               <a:pPr>
                 <a:defRPr/>
               </a:pPr>
-              <a:t>21</a:t>
+              <a:t>20</a:t>
             </a:fld>
             <a:endParaRPr lang="en-US" altLang="zh-CN"/>
           </a:p>
@@ -1411,7 +1411,7 @@
               <a:pPr>
                 <a:defRPr/>
               </a:pPr>
-              <a:t>22</a:t>
+              <a:t>21</a:t>
             </a:fld>
             <a:endParaRPr lang="en-US" altLang="zh-CN"/>
           </a:p>
@@ -9849,13 +9849,7 @@
       </p:grpSpPr>
       <p:sp>
         <p:nvSpPr>
-          <p:cNvPr id="2" name="Title 1">
-            <a:extLst>
-              <a:ext uri="{FF2B5EF4-FFF2-40B4-BE49-F238E27FC236}">
-                <a16:creationId xmlns:a16="http://schemas.microsoft.com/office/drawing/2014/main" id="{590D0125-5A9E-9D48-9391-85FBD0E608A2}"/>
-              </a:ext>
-            </a:extLst>
-          </p:cNvPr>
+          <p:cNvPr id="2" name="Title 1"/>
           <p:cNvSpPr>
             <a:spLocks noGrp="1"/>
           </p:cNvSpPr>
@@ -9865,8 +9859,8 @@
         </p:nvSpPr>
         <p:spPr>
           <a:xfrm>
-            <a:off x="419100" y="9427"/>
-            <a:ext cx="8305800" cy="599270"/>
+            <a:off x="457200" y="38100"/>
+            <a:ext cx="8229600" cy="857250"/>
           </a:xfrm>
         </p:spPr>
         <p:txBody>
@@ -9874,44 +9868,77 @@
           <a:lstStyle/>
           <a:p>
             <a:r>
-              <a:rPr lang="en-CA" sz="2800" dirty="0">
+              <a:rPr lang="en-US" sz="3200" dirty="0">
                 <a:solidFill>
                   <a:srgbClr val="0070C0"/>
                 </a:solidFill>
                 <a:latin typeface="Calibri Light" panose="020F0302020204030204" pitchFamily="34" charset="0"/>
                 <a:cs typeface="Calibri Light" panose="020F0302020204030204" pitchFamily="34" charset="0"/>
               </a:rPr>
-              <a:t>Example IOAM Header with SR-MPLS Encapsulation</a:t>
-            </a:r>
-            <a:endParaRPr lang="en-US" sz="2800" dirty="0">
-              <a:solidFill>
-                <a:srgbClr val="0070C0"/>
-              </a:solidFill>
-              <a:latin typeface="Calibri Light" panose="020F0302020204030204" pitchFamily="34" charset="0"/>
-              <a:cs typeface="Calibri Light" panose="020F0302020204030204" pitchFamily="34" charset="0"/>
-            </a:endParaRPr>
-          </a:p>
-        </p:txBody>
-      </p:sp>
-      <p:sp>
-        <p:nvSpPr>
-          <p:cNvPr id="4" name="Footer Placeholder 3">
-            <a:extLst>
-              <a:ext uri="{FF2B5EF4-FFF2-40B4-BE49-F238E27FC236}">
-                <a16:creationId xmlns:a16="http://schemas.microsoft.com/office/drawing/2014/main" id="{87713FCD-3B47-804D-B373-DAB61FB5FF59}"/>
-              </a:ext>
-            </a:extLst>
-          </p:cNvPr>
+              <a:t>Next Steps</a:t>
+            </a:r>
+          </a:p>
+        </p:txBody>
+      </p:sp>
+      <p:sp>
+        <p:nvSpPr>
+          <p:cNvPr id="3" name="Content Placeholder 2"/>
           <p:cNvSpPr>
             <a:spLocks noGrp="1"/>
           </p:cNvSpPr>
           <p:nvPr>
-            <p:ph type="ftr" sz="quarter" idx="11"/>
+            <p:ph idx="1"/>
           </p:nvPr>
         </p:nvSpPr>
         <p:spPr>
           <a:xfrm>
-            <a:off x="3124200" y="4786312"/>
+            <a:off x="762000" y="1200150"/>
+            <a:ext cx="7772400" cy="2743200"/>
+          </a:xfrm>
+        </p:spPr>
+        <p:txBody>
+          <a:bodyPr/>
+          <a:lstStyle/>
+          <a:p>
+            <a:pPr lvl="0"/>
+            <a:r>
+              <a:rPr lang="en-US" sz="2400" dirty="0">
+                <a:latin typeface="Calibri" charset="0"/>
+                <a:ea typeface="Calibri" charset="0"/>
+                <a:cs typeface="Calibri" charset="0"/>
+              </a:rPr>
+              <a:t>Welcome your comments and suggestions</a:t>
+            </a:r>
+          </a:p>
+          <a:p>
+            <a:r>
+              <a:rPr lang="en-US" sz="2400" dirty="0"/>
+              <a:t>Requesting MPLS WG adoption</a:t>
+            </a:r>
+          </a:p>
+          <a:p>
+            <a:pPr lvl="0"/>
+            <a:endParaRPr lang="en-US" sz="2400" dirty="0">
+              <a:latin typeface="Calibri" charset="0"/>
+              <a:ea typeface="Calibri" charset="0"/>
+              <a:cs typeface="Calibri" charset="0"/>
+            </a:endParaRPr>
+          </a:p>
+        </p:txBody>
+      </p:sp>
+      <p:sp>
+        <p:nvSpPr>
+          <p:cNvPr id="4" name="Footer Placeholder 3"/>
+          <p:cNvSpPr>
+            <a:spLocks noGrp="1"/>
+          </p:cNvSpPr>
+          <p:nvPr>
+            <p:ph type="ftr" sz="quarter" idx="11"/>
+          </p:nvPr>
+        </p:nvSpPr>
+        <p:spPr>
+          <a:xfrm>
+            <a:off x="3124200" y="4787315"/>
             <a:ext cx="2895600" cy="357188"/>
           </a:xfrm>
         </p:spPr>
@@ -9936,13 +9963,7 @@
       </p:sp>
       <p:sp>
         <p:nvSpPr>
-          <p:cNvPr id="5" name="Slide Number Placeholder 4">
-            <a:extLst>
-              <a:ext uri="{FF2B5EF4-FFF2-40B4-BE49-F238E27FC236}">
-                <a16:creationId xmlns:a16="http://schemas.microsoft.com/office/drawing/2014/main" id="{1371408B-9195-EC4D-8131-A3F5CC0592D0}"/>
-              </a:ext>
-            </a:extLst>
-          </p:cNvPr>
+          <p:cNvPr id="5" name="Slide Number Placeholder 4"/>
           <p:cNvSpPr>
             <a:spLocks noGrp="1"/>
           </p:cNvSpPr>
@@ -9965,347 +9986,14 @@
               </a:pPr>
               <a:t>19</a:t>
             </a:fld>
-            <a:endParaRPr lang="en-US" altLang="zh-CN" dirty="0"/>
-          </a:p>
-        </p:txBody>
-      </p:sp>
-      <p:sp>
-        <p:nvSpPr>
-          <p:cNvPr id="6" name="Rectangle 5">
-            <a:extLst>
-              <a:ext uri="{FF2B5EF4-FFF2-40B4-BE49-F238E27FC236}">
-                <a16:creationId xmlns:a16="http://schemas.microsoft.com/office/drawing/2014/main" id="{1EED4007-3A19-0E4E-8496-6CECEEA363EB}"/>
-              </a:ext>
-            </a:extLst>
-          </p:cNvPr>
-          <p:cNvSpPr/>
-          <p:nvPr/>
-        </p:nvSpPr>
-        <p:spPr>
-          <a:xfrm>
-            <a:off x="2305050" y="641003"/>
-            <a:ext cx="4533900" cy="4154984"/>
-          </a:xfrm>
-          <a:prstGeom prst="rect">
-            <a:avLst/>
-          </a:prstGeom>
-          <a:solidFill>
-            <a:schemeClr val="accent6">
-              <a:lumMod val="20000"/>
-              <a:lumOff val="80000"/>
-            </a:schemeClr>
-          </a:solidFill>
-        </p:spPr>
-        <p:txBody>
-          <a:bodyPr wrap="square">
-            <a:spAutoFit/>
-          </a:bodyPr>
-          <a:lstStyle/>
-          <a:p>
-            <a:r>
-              <a:rPr lang="en-CA" sz="800" dirty="0">
-                <a:latin typeface="Courier" pitchFamily="2" charset="0"/>
-              </a:rPr>
-              <a:t>    0                   1                   2                   3</a:t>
-            </a:r>
-          </a:p>
-          <a:p>
-            <a:r>
-              <a:rPr lang="en-CA" sz="800" dirty="0">
-                <a:latin typeface="Courier" pitchFamily="2" charset="0"/>
-              </a:rPr>
-              <a:t>    0 1 2 3 4 5 6 7 8 9 0 1 2 3 4 5 6 7 8 9 0 1 2 3 4 5 6 7 8 9 0 1</a:t>
-            </a:r>
-          </a:p>
-          <a:p>
-            <a:r>
-              <a:rPr lang="en-CA" sz="800" dirty="0">
-                <a:latin typeface="Courier" pitchFamily="2" charset="0"/>
-              </a:rPr>
-              <a:t>   +-+-+-+-+-+-+-+-+-+-+-+-+-+-+-+-+-+-+-+-+-+-+-+-+-+-+-+-+-+-+-+-+</a:t>
-            </a:r>
-          </a:p>
-          <a:p>
-            <a:r>
-              <a:rPr lang="en-CA" sz="800" dirty="0">
-                <a:latin typeface="Courier" pitchFamily="2" charset="0"/>
-              </a:rPr>
-              <a:t>   |                Label(1)               | TC  |S|      TTL      |</a:t>
-            </a:r>
-          </a:p>
-          <a:p>
-            <a:r>
-              <a:rPr lang="en-CA" sz="800" dirty="0">
-                <a:latin typeface="Courier" pitchFamily="2" charset="0"/>
-              </a:rPr>
-              <a:t>   +-+-+-+-+-+-+-+-+-+-+-+-+-+-+-+-+-+-+-+-+-+-+-+-+-+-+-+-+-+-+-+-+</a:t>
-            </a:r>
-          </a:p>
-          <a:p>
-            <a:r>
-              <a:rPr lang="en-CA" sz="800" dirty="0">
-                <a:latin typeface="Courier" pitchFamily="2" charset="0"/>
-              </a:rPr>
-              <a:t>   .                                                               .</a:t>
-            </a:r>
-          </a:p>
-          <a:p>
-            <a:r>
-              <a:rPr lang="en-CA" sz="800" dirty="0">
-                <a:latin typeface="Courier" pitchFamily="2" charset="0"/>
-              </a:rPr>
-              <a:t>   .                                                               .</a:t>
-            </a:r>
-          </a:p>
-          <a:p>
-            <a:r>
-              <a:rPr lang="en-CA" sz="800" dirty="0">
-                <a:latin typeface="Courier" pitchFamily="2" charset="0"/>
-              </a:rPr>
-              <a:t>   .                                                               .</a:t>
-            </a:r>
-          </a:p>
-          <a:p>
-            <a:r>
-              <a:rPr lang="en-CA" sz="800" dirty="0">
-                <a:latin typeface="Courier" pitchFamily="2" charset="0"/>
-              </a:rPr>
-              <a:t>   +-+-+-+-+-+-+-+-+-+-+-+-+-+-+-+-+-+-+-+-+-+-+-+-+-+-+-+-+-+-+-+-+</a:t>
-            </a:r>
-          </a:p>
-          <a:p>
-            <a:r>
-              <a:rPr lang="en-CA" sz="800" dirty="0">
-                <a:latin typeface="Courier" pitchFamily="2" charset="0"/>
-              </a:rPr>
-              <a:t>   |                Label(n)               | TC  |S|      TTL      |</a:t>
-            </a:r>
-          </a:p>
-          <a:p>
-            <a:r>
-              <a:rPr lang="en-CA" sz="800" dirty="0">
-                <a:latin typeface="Courier" pitchFamily="2" charset="0"/>
-              </a:rPr>
-              <a:t>   +-+-+-+-+-+-+-+-+-+-+-+-+-+-+-+-+-+-+-+-+-+-+-+-+-+-+-+-+-+-+-+-+</a:t>
-            </a:r>
-          </a:p>
-          <a:p>
-            <a:r>
-              <a:rPr lang="en-CA" sz="800" b="1" dirty="0">
-                <a:latin typeface="Courier" pitchFamily="2" charset="0"/>
-              </a:rPr>
-              <a:t>   |                PSID                   | TC  |S|      TTL      | </a:t>
-            </a:r>
-          </a:p>
-          <a:p>
-            <a:r>
-              <a:rPr lang="en-CA" sz="800" dirty="0">
-                <a:latin typeface="Courier" pitchFamily="2" charset="0"/>
-              </a:rPr>
-              <a:t>   +-+-+-+-+-+-+-+-+-+-+-+-+-+-+-+-+-+-+-+-+-+-+-+-+-+-+-+-+-+-+-+-+</a:t>
-            </a:r>
-          </a:p>
-          <a:p>
-            <a:r>
-              <a:rPr lang="en-CA" sz="800" dirty="0">
-                <a:latin typeface="Courier" pitchFamily="2" charset="0"/>
-              </a:rPr>
-              <a:t>   | </a:t>
-            </a:r>
-            <a:r>
-              <a:rPr lang="en-CA" sz="800" b="1" dirty="0" err="1">
-                <a:latin typeface="Courier" pitchFamily="2" charset="0"/>
-              </a:rPr>
-              <a:t>HbH</a:t>
-            </a:r>
-            <a:r>
-              <a:rPr lang="en-CA" sz="800" b="1" dirty="0">
-                <a:latin typeface="Courier" pitchFamily="2" charset="0"/>
-              </a:rPr>
-              <a:t> IOAM Indicator Label              </a:t>
-            </a:r>
-            <a:r>
-              <a:rPr lang="en-CA" sz="800" dirty="0">
-                <a:latin typeface="Courier" pitchFamily="2" charset="0"/>
-              </a:rPr>
-              <a:t>| TC  |1|      TTL      |</a:t>
-            </a:r>
-          </a:p>
-          <a:p>
-            <a:r>
-              <a:rPr lang="en-CA" sz="800" dirty="0">
-                <a:latin typeface="Courier" pitchFamily="2" charset="0"/>
-              </a:rPr>
-              <a:t>   +-+-+-+-+-+-+-+-+-+-+-+-+-+-+-+-+-+-+-+-+-+-+-+-+-+-+-+-+-+-+-+-+&lt;-+ </a:t>
-            </a:r>
-          </a:p>
-          <a:p>
-            <a:r>
-              <a:rPr lang="en-CA" sz="800" dirty="0">
-                <a:latin typeface="Courier" pitchFamily="2" charset="0"/>
-              </a:rPr>
-              <a:t>   |0 0 0 1|Version|  Reserved     | IOAM G-</a:t>
-            </a:r>
-            <a:r>
-              <a:rPr lang="en-CA" sz="800" dirty="0" err="1">
-                <a:latin typeface="Courier" pitchFamily="2" charset="0"/>
-              </a:rPr>
-              <a:t>ACh</a:t>
-            </a:r>
-            <a:r>
-              <a:rPr lang="en-CA" sz="800" dirty="0">
-                <a:latin typeface="Courier" pitchFamily="2" charset="0"/>
-              </a:rPr>
-              <a:t>                    |  | </a:t>
-            </a:r>
-          </a:p>
-          <a:p>
-            <a:r>
-              <a:rPr lang="en-CA" sz="800" dirty="0">
-                <a:latin typeface="Courier" pitchFamily="2" charset="0"/>
-              </a:rPr>
-              <a:t>   +-+-+-+-+-+-+-+-+-+-+-+-+-+-+-+-+-+-+-+-+-+-+-+-+-+-+-+-+-+-+-+-+  | </a:t>
-            </a:r>
-          </a:p>
-          <a:p>
-            <a:r>
-              <a:rPr lang="en-CA" sz="800" dirty="0">
-                <a:latin typeface="Courier" pitchFamily="2" charset="0"/>
-              </a:rPr>
-              <a:t>   | Reserved      | Block Number  | IOAM-OPT-Type |IOAM HDR Length|  |</a:t>
-            </a:r>
-          </a:p>
-          <a:p>
-            <a:r>
-              <a:rPr lang="en-CA" sz="800" dirty="0">
-                <a:latin typeface="Courier" pitchFamily="2" charset="0"/>
-              </a:rPr>
-              <a:t>   +-+-+-+-+-+-+-+-+-+-+-+-+-+-+-+-+-+-+-+-+-+-+-+-+-+-+-+-+-+-+-+-+  I</a:t>
-            </a:r>
-          </a:p>
-          <a:p>
-            <a:r>
-              <a:rPr lang="en-CA" sz="800" dirty="0">
-                <a:latin typeface="Courier" pitchFamily="2" charset="0"/>
-              </a:rPr>
-              <a:t>   |                                                               |  O</a:t>
-            </a:r>
-          </a:p>
-          <a:p>
-            <a:r>
-              <a:rPr lang="en-CA" sz="800" dirty="0">
-                <a:latin typeface="Courier" pitchFamily="2" charset="0"/>
-              </a:rPr>
-              <a:t>   |                                                               |  A</a:t>
-            </a:r>
-          </a:p>
-          <a:p>
-            <a:r>
-              <a:rPr lang="en-CA" sz="800" dirty="0">
-                <a:latin typeface="Courier" pitchFamily="2" charset="0"/>
-              </a:rPr>
-              <a:t>   ~                 IOAM Option and Data Space                    ~  M</a:t>
-            </a:r>
-          </a:p>
-          <a:p>
-            <a:r>
-              <a:rPr lang="en-CA" sz="800" dirty="0">
-                <a:latin typeface="Courier" pitchFamily="2" charset="0"/>
-              </a:rPr>
-              <a:t>   |                                                               |  |</a:t>
-            </a:r>
-          </a:p>
-          <a:p>
-            <a:r>
-              <a:rPr lang="en-CA" sz="800" dirty="0">
-                <a:latin typeface="Courier" pitchFamily="2" charset="0"/>
-              </a:rPr>
-              <a:t>   |                                                               |  |</a:t>
-            </a:r>
-          </a:p>
-          <a:p>
-            <a:r>
-              <a:rPr lang="en-CA" sz="800" dirty="0">
-                <a:latin typeface="Courier" pitchFamily="2" charset="0"/>
-              </a:rPr>
-              <a:t>   +-+-+-+-+-+-+-+-+-+-+-+-+-+-+-+-+-+-+-+-+-+-+-+-+-+-+-+-+-+-+-+-+&lt;-+</a:t>
-            </a:r>
-          </a:p>
-          <a:p>
-            <a:r>
-              <a:rPr lang="en-CA" sz="800" dirty="0">
-                <a:latin typeface="Courier" pitchFamily="2" charset="0"/>
-              </a:rPr>
-              <a:t>   |                                                               |</a:t>
-            </a:r>
-          </a:p>
-          <a:p>
-            <a:r>
-              <a:rPr lang="en-CA" sz="800" dirty="0">
-                <a:latin typeface="Courier" pitchFamily="2" charset="0"/>
-              </a:rPr>
-              <a:t>   |                                                               |</a:t>
-            </a:r>
-          </a:p>
-          <a:p>
-            <a:r>
-              <a:rPr lang="en-CA" sz="800" dirty="0">
-                <a:latin typeface="Courier" pitchFamily="2" charset="0"/>
-              </a:rPr>
-              <a:t>   ~                 Payload + Padding                             ~</a:t>
-            </a:r>
-          </a:p>
-          <a:p>
-            <a:r>
-              <a:rPr lang="en-CA" sz="800" dirty="0">
-                <a:latin typeface="Courier" pitchFamily="2" charset="0"/>
-              </a:rPr>
-              <a:t>   |                                                               |</a:t>
-            </a:r>
-          </a:p>
-          <a:p>
-            <a:r>
-              <a:rPr lang="en-CA" sz="800" dirty="0">
-                <a:latin typeface="Courier" pitchFamily="2" charset="0"/>
-              </a:rPr>
-              <a:t>   |                                                               |</a:t>
-            </a:r>
-          </a:p>
-          <a:p>
-            <a:r>
-              <a:rPr lang="en-CA" sz="800" dirty="0">
-                <a:latin typeface="Courier" pitchFamily="2" charset="0"/>
-              </a:rPr>
-              <a:t>   +-+-+-+-+-+-+-+-+-+-+-+-+-+-+-+-+-+-+-+-+-+-+-+-+-+-+-+-+-+-+-+-+ </a:t>
-            </a:r>
-          </a:p>
-          <a:p>
-            <a:r>
-              <a:rPr lang="en-CA" sz="800" dirty="0">
-                <a:latin typeface="Courier" pitchFamily="2" charset="0"/>
-              </a:rPr>
-              <a:t>             </a:t>
-            </a:r>
-          </a:p>
-          <a:p>
-            <a:r>
-              <a:rPr lang="en-CA" sz="800" dirty="0">
-                <a:latin typeface="Courier" pitchFamily="2" charset="0"/>
-              </a:rPr>
-              <a:t>              Figure: IOAM Header with SR-MPLS Encapsulation</a:t>
-            </a:r>
-            <a:endParaRPr lang="en-CA" sz="800" dirty="0">
-              <a:latin typeface="Courier" pitchFamily="2" charset="0"/>
-              <a:ea typeface="Calibri" panose="020F0502020204030204" pitchFamily="34" charset="0"/>
-              <a:cs typeface="Times New Roman" panose="02020603050405020304" pitchFamily="18" charset="0"/>
-            </a:endParaRPr>
+            <a:endParaRPr lang="en-US" altLang="zh-CN"/>
           </a:p>
         </p:txBody>
       </p:sp>
     </p:spTree>
     <p:extLst>
       <p:ext uri="{BB962C8B-B14F-4D97-AF65-F5344CB8AC3E}">
-        <p14:creationId xmlns:p14="http://schemas.microsoft.com/office/powerpoint/2010/main" val="166031106"/>
+        <p14:creationId xmlns:p14="http://schemas.microsoft.com/office/powerpoint/2010/main" val="2437508484"/>
       </p:ext>
     </p:extLst>
   </p:cSld>
@@ -10482,179 +10170,6 @@
 </file>
 
 <file path=ppt/slides/slide20.xml><?xml version="1.0" encoding="utf-8"?>
-<p:sld xmlns:a="http://schemas.openxmlformats.org/drawingml/2006/main" xmlns:r="http://schemas.openxmlformats.org/officeDocument/2006/relationships" xmlns:p="http://schemas.openxmlformats.org/presentationml/2006/main">
-  <p:cSld>
-    <p:spTree>
-      <p:nvGrpSpPr>
-        <p:cNvPr id="1" name=""/>
-        <p:cNvGrpSpPr/>
-        <p:nvPr/>
-      </p:nvGrpSpPr>
-      <p:grpSpPr>
-        <a:xfrm>
-          <a:off x="0" y="0"/>
-          <a:ext cx="0" cy="0"/>
-          <a:chOff x="0" y="0"/>
-          <a:chExt cx="0" cy="0"/>
-        </a:xfrm>
-      </p:grpSpPr>
-      <p:sp>
-        <p:nvSpPr>
-          <p:cNvPr id="2" name="Title 1"/>
-          <p:cNvSpPr>
-            <a:spLocks noGrp="1"/>
-          </p:cNvSpPr>
-          <p:nvPr>
-            <p:ph type="title"/>
-          </p:nvPr>
-        </p:nvSpPr>
-        <p:spPr>
-          <a:xfrm>
-            <a:off x="457200" y="38100"/>
-            <a:ext cx="8229600" cy="857250"/>
-          </a:xfrm>
-        </p:spPr>
-        <p:txBody>
-          <a:bodyPr/>
-          <a:lstStyle/>
-          <a:p>
-            <a:r>
-              <a:rPr lang="en-US" sz="3200" dirty="0">
-                <a:solidFill>
-                  <a:srgbClr val="0070C0"/>
-                </a:solidFill>
-                <a:latin typeface="Calibri Light" panose="020F0302020204030204" pitchFamily="34" charset="0"/>
-                <a:cs typeface="Calibri Light" panose="020F0302020204030204" pitchFamily="34" charset="0"/>
-              </a:rPr>
-              <a:t>Next Steps</a:t>
-            </a:r>
-          </a:p>
-        </p:txBody>
-      </p:sp>
-      <p:sp>
-        <p:nvSpPr>
-          <p:cNvPr id="3" name="Content Placeholder 2"/>
-          <p:cNvSpPr>
-            <a:spLocks noGrp="1"/>
-          </p:cNvSpPr>
-          <p:nvPr>
-            <p:ph idx="1"/>
-          </p:nvPr>
-        </p:nvSpPr>
-        <p:spPr>
-          <a:xfrm>
-            <a:off x="762000" y="1200150"/>
-            <a:ext cx="7772400" cy="2743200"/>
-          </a:xfrm>
-        </p:spPr>
-        <p:txBody>
-          <a:bodyPr/>
-          <a:lstStyle/>
-          <a:p>
-            <a:pPr lvl="0"/>
-            <a:r>
-              <a:rPr lang="en-US" sz="2400" dirty="0">
-                <a:latin typeface="Calibri" charset="0"/>
-                <a:ea typeface="Calibri" charset="0"/>
-                <a:cs typeface="Calibri" charset="0"/>
-              </a:rPr>
-              <a:t>Welcome your comments and suggestions</a:t>
-            </a:r>
-          </a:p>
-          <a:p>
-            <a:r>
-              <a:rPr lang="en-US" sz="2400" dirty="0"/>
-              <a:t>Requesting MPLS WG adoption</a:t>
-            </a:r>
-          </a:p>
-          <a:p>
-            <a:pPr lvl="0"/>
-            <a:endParaRPr lang="en-US" sz="2400" dirty="0">
-              <a:latin typeface="Calibri" charset="0"/>
-              <a:ea typeface="Calibri" charset="0"/>
-              <a:cs typeface="Calibri" charset="0"/>
-            </a:endParaRPr>
-          </a:p>
-        </p:txBody>
-      </p:sp>
-      <p:sp>
-        <p:nvSpPr>
-          <p:cNvPr id="4" name="Footer Placeholder 3"/>
-          <p:cNvSpPr>
-            <a:spLocks noGrp="1"/>
-          </p:cNvSpPr>
-          <p:nvPr>
-            <p:ph type="ftr" sz="quarter" idx="11"/>
-          </p:nvPr>
-        </p:nvSpPr>
-        <p:spPr>
-          <a:xfrm>
-            <a:off x="3124200" y="4787315"/>
-            <a:ext cx="2895600" cy="357188"/>
-          </a:xfrm>
-        </p:spPr>
-        <p:txBody>
-          <a:bodyPr/>
-          <a:lstStyle/>
-          <a:p>
-            <a:r>
-              <a:rPr lang="en-CA" dirty="0"/>
-              <a:t>110</a:t>
-            </a:r>
-            <a:r>
-              <a:rPr lang="en-CA" baseline="30000" dirty="0"/>
-              <a:t>th</a:t>
-            </a:r>
-            <a:r>
-              <a:rPr lang="en-CA" dirty="0"/>
-              <a:t> IETF Online</a:t>
-            </a:r>
-          </a:p>
-        </p:txBody>
-      </p:sp>
-      <p:sp>
-        <p:nvSpPr>
-          <p:cNvPr id="5" name="Slide Number Placeholder 4"/>
-          <p:cNvSpPr>
-            <a:spLocks noGrp="1"/>
-          </p:cNvSpPr>
-          <p:nvPr>
-            <p:ph type="sldNum" sz="quarter" idx="12"/>
-          </p:nvPr>
-        </p:nvSpPr>
-        <p:spPr/>
-        <p:txBody>
-          <a:bodyPr/>
-          <a:lstStyle/>
-          <a:p>
-            <a:pPr>
-              <a:defRPr/>
-            </a:pPr>
-            <a:fld id="{BD6E0F59-1DD8-40FC-9C92-B6295CBA6CCA}" type="slidenum">
-              <a:rPr lang="en-US" altLang="zh-CN" smtClean="0"/>
-              <a:pPr>
-                <a:defRPr/>
-              </a:pPr>
-              <a:t>20</a:t>
-            </a:fld>
-            <a:endParaRPr lang="en-US" altLang="zh-CN"/>
-          </a:p>
-        </p:txBody>
-      </p:sp>
-    </p:spTree>
-    <p:extLst>
-      <p:ext uri="{BB962C8B-B14F-4D97-AF65-F5344CB8AC3E}">
-        <p14:creationId xmlns:p14="http://schemas.microsoft.com/office/powerpoint/2010/main" val="2437508484"/>
-      </p:ext>
-    </p:extLst>
-  </p:cSld>
-  <p:clrMapOvr>
-    <a:masterClrMapping/>
-  </p:clrMapOvr>
-</p:sld>
-</file>
-
-<file path=ppt/slides/slide21.xml><?xml version="1.0" encoding="utf-8"?>
 <p:sld xmlns:a="http://schemas.openxmlformats.org/drawingml/2006/main" xmlns:r="http://schemas.openxmlformats.org/officeDocument/2006/relationships" xmlns:p="http://schemas.openxmlformats.org/presentationml/2006/main">
   <p:cSld>
     <p:spTree>
@@ -10918,7 +10433,7 @@
               <a:pPr>
                 <a:defRPr/>
               </a:pPr>
-              <a:t>21</a:t>
+              <a:t>20</a:t>
             </a:fld>
             <a:endParaRPr lang="en-US" altLang="zh-CN"/>
           </a:p>
@@ -10937,7 +10452,7 @@
 </p:sld>
 </file>
 
-<file path=ppt/slides/slide22.xml><?xml version="1.0" encoding="utf-8"?>
+<file path=ppt/slides/slide21.xml><?xml version="1.0" encoding="utf-8"?>
 <p:sld xmlns:a="http://schemas.openxmlformats.org/drawingml/2006/main" xmlns:r="http://schemas.openxmlformats.org/officeDocument/2006/relationships" xmlns:p="http://schemas.openxmlformats.org/presentationml/2006/main">
   <p:cSld>
     <p:spTree>
@@ -11173,7 +10688,7 @@
                 <a:ea typeface="Calibri" charset="0"/>
                 <a:cs typeface="Calibri" charset="0"/>
               </a:rPr>
-              <a:t>Review Comments</a:t>
+              <a:t>Example IOAM Header</a:t>
             </a:r>
           </a:p>
         </p:txBody>
@@ -11181,6 +10696,158 @@
       <p:sp>
         <p:nvSpPr>
           <p:cNvPr id="2" name="Slide Number Placeholder 1"/>
+          <p:cNvSpPr>
+            <a:spLocks noGrp="1"/>
+          </p:cNvSpPr>
+          <p:nvPr>
+            <p:ph type="sldNum" sz="quarter" idx="12"/>
+          </p:nvPr>
+        </p:nvSpPr>
+        <p:spPr/>
+        <p:txBody>
+          <a:bodyPr/>
+          <a:lstStyle/>
+          <a:p>
+            <a:pPr>
+              <a:defRPr/>
+            </a:pPr>
+            <a:fld id="{BD6E0F59-1DD8-40FC-9C92-B6295CBA6CCA}" type="slidenum">
+              <a:rPr lang="en-US" altLang="zh-CN" smtClean="0"/>
+              <a:pPr>
+                <a:defRPr/>
+              </a:pPr>
+              <a:t>21</a:t>
+            </a:fld>
+            <a:endParaRPr lang="en-US" altLang="zh-CN"/>
+          </a:p>
+        </p:txBody>
+      </p:sp>
+    </p:spTree>
+    <p:extLst>
+      <p:ext uri="{BB962C8B-B14F-4D97-AF65-F5344CB8AC3E}">
+        <p14:creationId xmlns:p14="http://schemas.microsoft.com/office/powerpoint/2010/main" val="1208650897"/>
+      </p:ext>
+    </p:extLst>
+  </p:cSld>
+  <p:clrMapOvr>
+    <a:masterClrMapping/>
+  </p:clrMapOvr>
+</p:sld>
+</file>
+
+<file path=ppt/slides/slide22.xml><?xml version="1.0" encoding="utf-8"?>
+<p:sld xmlns:a="http://schemas.openxmlformats.org/drawingml/2006/main" xmlns:r="http://schemas.openxmlformats.org/officeDocument/2006/relationships" xmlns:p="http://schemas.openxmlformats.org/presentationml/2006/main">
+  <p:cSld>
+    <p:spTree>
+      <p:nvGrpSpPr>
+        <p:cNvPr id="1" name=""/>
+        <p:cNvGrpSpPr/>
+        <p:nvPr/>
+      </p:nvGrpSpPr>
+      <p:grpSpPr>
+        <a:xfrm>
+          <a:off x="0" y="0"/>
+          <a:ext cx="0" cy="0"/>
+          <a:chOff x="0" y="0"/>
+          <a:chExt cx="0" cy="0"/>
+        </a:xfrm>
+      </p:grpSpPr>
+      <p:sp>
+        <p:nvSpPr>
+          <p:cNvPr id="2" name="Title 1">
+            <a:extLst>
+              <a:ext uri="{FF2B5EF4-FFF2-40B4-BE49-F238E27FC236}">
+                <a16:creationId xmlns:a16="http://schemas.microsoft.com/office/drawing/2014/main" id="{590D0125-5A9E-9D48-9391-85FBD0E608A2}"/>
+              </a:ext>
+            </a:extLst>
+          </p:cNvPr>
+          <p:cNvSpPr>
+            <a:spLocks noGrp="1"/>
+          </p:cNvSpPr>
+          <p:nvPr>
+            <p:ph type="title"/>
+          </p:nvPr>
+        </p:nvSpPr>
+        <p:spPr>
+          <a:xfrm>
+            <a:off x="419100" y="9427"/>
+            <a:ext cx="8305800" cy="599270"/>
+          </a:xfrm>
+        </p:spPr>
+        <p:txBody>
+          <a:bodyPr/>
+          <a:lstStyle/>
+          <a:p>
+            <a:r>
+              <a:rPr lang="en-CA" sz="2800" dirty="0">
+                <a:solidFill>
+                  <a:srgbClr val="0070C0"/>
+                </a:solidFill>
+                <a:latin typeface="Calibri Light" panose="020F0302020204030204" pitchFamily="34" charset="0"/>
+                <a:cs typeface="Calibri Light" panose="020F0302020204030204" pitchFamily="34" charset="0"/>
+              </a:rPr>
+              <a:t>Example IOAM Header with SR-MPLS Encapsulation</a:t>
+            </a:r>
+            <a:endParaRPr lang="en-US" sz="2800" dirty="0">
+              <a:solidFill>
+                <a:srgbClr val="0070C0"/>
+              </a:solidFill>
+              <a:latin typeface="Calibri Light" panose="020F0302020204030204" pitchFamily="34" charset="0"/>
+              <a:cs typeface="Calibri Light" panose="020F0302020204030204" pitchFamily="34" charset="0"/>
+            </a:endParaRPr>
+          </a:p>
+        </p:txBody>
+      </p:sp>
+      <p:sp>
+        <p:nvSpPr>
+          <p:cNvPr id="4" name="Footer Placeholder 3">
+            <a:extLst>
+              <a:ext uri="{FF2B5EF4-FFF2-40B4-BE49-F238E27FC236}">
+                <a16:creationId xmlns:a16="http://schemas.microsoft.com/office/drawing/2014/main" id="{87713FCD-3B47-804D-B373-DAB61FB5FF59}"/>
+              </a:ext>
+            </a:extLst>
+          </p:cNvPr>
+          <p:cNvSpPr>
+            <a:spLocks noGrp="1"/>
+          </p:cNvSpPr>
+          <p:nvPr>
+            <p:ph type="ftr" sz="quarter" idx="11"/>
+          </p:nvPr>
+        </p:nvSpPr>
+        <p:spPr>
+          <a:xfrm>
+            <a:off x="3124200" y="4786312"/>
+            <a:ext cx="2895600" cy="357188"/>
+          </a:xfrm>
+        </p:spPr>
+        <p:txBody>
+          <a:bodyPr/>
+          <a:lstStyle/>
+          <a:p>
+            <a:r>
+              <a:rPr lang="en-CA" dirty="0"/>
+              <a:t>110</a:t>
+            </a:r>
+            <a:r>
+              <a:rPr lang="en-CA" baseline="30000" dirty="0"/>
+              <a:t>th</a:t>
+            </a:r>
+            <a:r>
+              <a:rPr lang="en-CA" dirty="0"/>
+              <a:t> IETF Online</a:t>
+            </a:r>
+          </a:p>
+        </p:txBody>
+      </p:sp>
+      <p:sp>
+        <p:nvSpPr>
+          <p:cNvPr id="5" name="Slide Number Placeholder 4">
+            <a:extLst>
+              <a:ext uri="{FF2B5EF4-FFF2-40B4-BE49-F238E27FC236}">
+                <a16:creationId xmlns:a16="http://schemas.microsoft.com/office/drawing/2014/main" id="{1371408B-9195-EC4D-8131-A3F5CC0592D0}"/>
+              </a:ext>
+            </a:extLst>
+          </p:cNvPr>
           <p:cNvSpPr>
             <a:spLocks noGrp="1"/>
           </p:cNvSpPr>
@@ -11203,14 +10870,341 @@
               </a:pPr>
               <a:t>22</a:t>
             </a:fld>
-            <a:endParaRPr lang="en-US" altLang="zh-CN"/>
+            <a:endParaRPr lang="en-US" altLang="zh-CN" dirty="0"/>
+          </a:p>
+        </p:txBody>
+      </p:sp>
+      <p:sp>
+        <p:nvSpPr>
+          <p:cNvPr id="6" name="Rectangle 5">
+            <a:extLst>
+              <a:ext uri="{FF2B5EF4-FFF2-40B4-BE49-F238E27FC236}">
+                <a16:creationId xmlns:a16="http://schemas.microsoft.com/office/drawing/2014/main" id="{1EED4007-3A19-0E4E-8496-6CECEEA363EB}"/>
+              </a:ext>
+            </a:extLst>
+          </p:cNvPr>
+          <p:cNvSpPr/>
+          <p:nvPr/>
+        </p:nvSpPr>
+        <p:spPr>
+          <a:xfrm>
+            <a:off x="2305050" y="641003"/>
+            <a:ext cx="4533900" cy="4154984"/>
+          </a:xfrm>
+          <a:prstGeom prst="rect">
+            <a:avLst/>
+          </a:prstGeom>
+          <a:solidFill>
+            <a:schemeClr val="accent6">
+              <a:lumMod val="20000"/>
+              <a:lumOff val="80000"/>
+            </a:schemeClr>
+          </a:solidFill>
+        </p:spPr>
+        <p:txBody>
+          <a:bodyPr wrap="square">
+            <a:spAutoFit/>
+          </a:bodyPr>
+          <a:lstStyle/>
+          <a:p>
+            <a:r>
+              <a:rPr lang="en-CA" sz="800" dirty="0">
+                <a:latin typeface="Courier" pitchFamily="2" charset="0"/>
+              </a:rPr>
+              <a:t>    0                   1                   2                   3</a:t>
+            </a:r>
+          </a:p>
+          <a:p>
+            <a:r>
+              <a:rPr lang="en-CA" sz="800" dirty="0">
+                <a:latin typeface="Courier" pitchFamily="2" charset="0"/>
+              </a:rPr>
+              <a:t>    0 1 2 3 4 5 6 7 8 9 0 1 2 3 4 5 6 7 8 9 0 1 2 3 4 5 6 7 8 9 0 1</a:t>
+            </a:r>
+          </a:p>
+          <a:p>
+            <a:r>
+              <a:rPr lang="en-CA" sz="800" dirty="0">
+                <a:latin typeface="Courier" pitchFamily="2" charset="0"/>
+              </a:rPr>
+              <a:t>   +-+-+-+-+-+-+-+-+-+-+-+-+-+-+-+-+-+-+-+-+-+-+-+-+-+-+-+-+-+-+-+-+</a:t>
+            </a:r>
+          </a:p>
+          <a:p>
+            <a:r>
+              <a:rPr lang="en-CA" sz="800" dirty="0">
+                <a:latin typeface="Courier" pitchFamily="2" charset="0"/>
+              </a:rPr>
+              <a:t>   |                Label(1)               | TC  |S|      TTL      |</a:t>
+            </a:r>
+          </a:p>
+          <a:p>
+            <a:r>
+              <a:rPr lang="en-CA" sz="800" dirty="0">
+                <a:latin typeface="Courier" pitchFamily="2" charset="0"/>
+              </a:rPr>
+              <a:t>   +-+-+-+-+-+-+-+-+-+-+-+-+-+-+-+-+-+-+-+-+-+-+-+-+-+-+-+-+-+-+-+-+</a:t>
+            </a:r>
+          </a:p>
+          <a:p>
+            <a:r>
+              <a:rPr lang="en-CA" sz="800" dirty="0">
+                <a:latin typeface="Courier" pitchFamily="2" charset="0"/>
+              </a:rPr>
+              <a:t>   .                                                               .</a:t>
+            </a:r>
+          </a:p>
+          <a:p>
+            <a:r>
+              <a:rPr lang="en-CA" sz="800" dirty="0">
+                <a:latin typeface="Courier" pitchFamily="2" charset="0"/>
+              </a:rPr>
+              <a:t>   .                                                               .</a:t>
+            </a:r>
+          </a:p>
+          <a:p>
+            <a:r>
+              <a:rPr lang="en-CA" sz="800" dirty="0">
+                <a:latin typeface="Courier" pitchFamily="2" charset="0"/>
+              </a:rPr>
+              <a:t>   .                                                               .</a:t>
+            </a:r>
+          </a:p>
+          <a:p>
+            <a:r>
+              <a:rPr lang="en-CA" sz="800" dirty="0">
+                <a:latin typeface="Courier" pitchFamily="2" charset="0"/>
+              </a:rPr>
+              <a:t>   +-+-+-+-+-+-+-+-+-+-+-+-+-+-+-+-+-+-+-+-+-+-+-+-+-+-+-+-+-+-+-+-+</a:t>
+            </a:r>
+          </a:p>
+          <a:p>
+            <a:r>
+              <a:rPr lang="en-CA" sz="800" dirty="0">
+                <a:latin typeface="Courier" pitchFamily="2" charset="0"/>
+              </a:rPr>
+              <a:t>   |                Label(n)               | TC  |S|      TTL      |</a:t>
+            </a:r>
+          </a:p>
+          <a:p>
+            <a:r>
+              <a:rPr lang="en-CA" sz="800" dirty="0">
+                <a:latin typeface="Courier" pitchFamily="2" charset="0"/>
+              </a:rPr>
+              <a:t>   +-+-+-+-+-+-+-+-+-+-+-+-+-+-+-+-+-+-+-+-+-+-+-+-+-+-+-+-+-+-+-+-+</a:t>
+            </a:r>
+          </a:p>
+          <a:p>
+            <a:r>
+              <a:rPr lang="en-CA" sz="800" b="1" dirty="0">
+                <a:latin typeface="Courier" pitchFamily="2" charset="0"/>
+              </a:rPr>
+              <a:t>   |                PSID                   | TC  |S|      TTL      | </a:t>
+            </a:r>
+          </a:p>
+          <a:p>
+            <a:r>
+              <a:rPr lang="en-CA" sz="800" dirty="0">
+                <a:latin typeface="Courier" pitchFamily="2" charset="0"/>
+              </a:rPr>
+              <a:t>   +-+-+-+-+-+-+-+-+-+-+-+-+-+-+-+-+-+-+-+-+-+-+-+-+-+-+-+-+-+-+-+-+</a:t>
+            </a:r>
+          </a:p>
+          <a:p>
+            <a:r>
+              <a:rPr lang="en-CA" sz="800" dirty="0">
+                <a:latin typeface="Courier" pitchFamily="2" charset="0"/>
+              </a:rPr>
+              <a:t>   | </a:t>
+            </a:r>
+            <a:r>
+              <a:rPr lang="en-CA" sz="800" b="1" dirty="0">
+                <a:latin typeface="Courier" pitchFamily="2" charset="0"/>
+              </a:rPr>
+              <a:t>IOAM Indicator Label                  </a:t>
+            </a:r>
+            <a:r>
+              <a:rPr lang="en-CA" sz="800" dirty="0">
+                <a:latin typeface="Courier" pitchFamily="2" charset="0"/>
+              </a:rPr>
+              <a:t>| TC  |1|      TTL      |</a:t>
+            </a:r>
+          </a:p>
+          <a:p>
+            <a:r>
+              <a:rPr lang="en-CA" sz="800" dirty="0">
+                <a:latin typeface="Courier" pitchFamily="2" charset="0"/>
+              </a:rPr>
+              <a:t>   +-+-+-+-+-+-+-+-+-+-+-+-+-+-+-+-+-+-+-+-+-+-+-+-+-+-+-+-+-+-+-+-+&lt;-+ </a:t>
+            </a:r>
+          </a:p>
+          <a:p>
+            <a:r>
+              <a:rPr lang="en-CA" sz="800" dirty="0">
+                <a:latin typeface="Courier" pitchFamily="2" charset="0"/>
+              </a:rPr>
+              <a:t>   |0 0 0 1|Version|  Reserved     | IOAM G-</a:t>
+            </a:r>
+            <a:r>
+              <a:rPr lang="en-CA" sz="800" dirty="0" err="1">
+                <a:latin typeface="Courier" pitchFamily="2" charset="0"/>
+              </a:rPr>
+              <a:t>ACh</a:t>
+            </a:r>
+            <a:r>
+              <a:rPr lang="en-CA" sz="800" dirty="0">
+                <a:latin typeface="Courier" pitchFamily="2" charset="0"/>
+              </a:rPr>
+              <a:t>                    |  | </a:t>
+            </a:r>
+          </a:p>
+          <a:p>
+            <a:r>
+              <a:rPr lang="en-CA" sz="800" dirty="0">
+                <a:latin typeface="Courier" pitchFamily="2" charset="0"/>
+              </a:rPr>
+              <a:t>   +-+-+-+-+-+-+-+-+-+-+-+-+-+-+-+-+-+-+-+-+-+-+-+-+-+-+-+-+-+-+-+-+  | </a:t>
+            </a:r>
+          </a:p>
+          <a:p>
+            <a:r>
+              <a:rPr lang="en-CA" sz="800" dirty="0">
+                <a:latin typeface="Courier" pitchFamily="2" charset="0"/>
+              </a:rPr>
+              <a:t>   | Reserved      | Block Number  | IOAM-OPT-Type |IOAM HDR Length|  |</a:t>
+            </a:r>
+          </a:p>
+          <a:p>
+            <a:r>
+              <a:rPr lang="en-CA" sz="800" dirty="0">
+                <a:latin typeface="Courier" pitchFamily="2" charset="0"/>
+              </a:rPr>
+              <a:t>   +-+-+-+-+-+-+-+-+-+-+-+-+-+-+-+-+-+-+-+-+-+-+-+-+-+-+-+-+-+-+-+-+  I</a:t>
+            </a:r>
+          </a:p>
+          <a:p>
+            <a:r>
+              <a:rPr lang="en-CA" sz="800" dirty="0">
+                <a:latin typeface="Courier" pitchFamily="2" charset="0"/>
+              </a:rPr>
+              <a:t>   |                                                               |  O</a:t>
+            </a:r>
+          </a:p>
+          <a:p>
+            <a:r>
+              <a:rPr lang="en-CA" sz="800" dirty="0">
+                <a:latin typeface="Courier" pitchFamily="2" charset="0"/>
+              </a:rPr>
+              <a:t>   |                                                               |  A</a:t>
+            </a:r>
+          </a:p>
+          <a:p>
+            <a:r>
+              <a:rPr lang="en-CA" sz="800" dirty="0">
+                <a:latin typeface="Courier" pitchFamily="2" charset="0"/>
+              </a:rPr>
+              <a:t>   ~                 IOAM Option and Data Space                    ~  M</a:t>
+            </a:r>
+          </a:p>
+          <a:p>
+            <a:r>
+              <a:rPr lang="en-CA" sz="800" dirty="0">
+                <a:latin typeface="Courier" pitchFamily="2" charset="0"/>
+              </a:rPr>
+              <a:t>   |                                                               |  |</a:t>
+            </a:r>
+          </a:p>
+          <a:p>
+            <a:r>
+              <a:rPr lang="en-CA" sz="800" dirty="0">
+                <a:latin typeface="Courier" pitchFamily="2" charset="0"/>
+              </a:rPr>
+              <a:t>   |                                                               |  |</a:t>
+            </a:r>
+          </a:p>
+          <a:p>
+            <a:r>
+              <a:rPr lang="en-CA" sz="800" dirty="0">
+                <a:latin typeface="Courier" pitchFamily="2" charset="0"/>
+              </a:rPr>
+              <a:t>   +-+-+-+-+-+-+-+-+-+-+-+-+-+-+-+-+-+-+-+-+-+-+-+-+-+-+-+-+-+-+-+-+&lt;-+</a:t>
+            </a:r>
+          </a:p>
+          <a:p>
+            <a:r>
+              <a:rPr lang="en-CA" sz="800" dirty="0">
+                <a:latin typeface="Courier" pitchFamily="2" charset="0"/>
+              </a:rPr>
+              <a:t>   |                                                               |</a:t>
+            </a:r>
+          </a:p>
+          <a:p>
+            <a:r>
+              <a:rPr lang="en-CA" sz="800" dirty="0">
+                <a:latin typeface="Courier" pitchFamily="2" charset="0"/>
+              </a:rPr>
+              <a:t>   |                                                               |</a:t>
+            </a:r>
+          </a:p>
+          <a:p>
+            <a:r>
+              <a:rPr lang="en-CA" sz="800" dirty="0">
+                <a:latin typeface="Courier" pitchFamily="2" charset="0"/>
+              </a:rPr>
+              <a:t>   ~                 Payload + Padding                             ~</a:t>
+            </a:r>
+          </a:p>
+          <a:p>
+            <a:r>
+              <a:rPr lang="en-CA" sz="800" dirty="0">
+                <a:latin typeface="Courier" pitchFamily="2" charset="0"/>
+              </a:rPr>
+              <a:t>   |                                                               |</a:t>
+            </a:r>
+          </a:p>
+          <a:p>
+            <a:r>
+              <a:rPr lang="en-CA" sz="800" dirty="0">
+                <a:latin typeface="Courier" pitchFamily="2" charset="0"/>
+              </a:rPr>
+              <a:t>   |                                                               |</a:t>
+            </a:r>
+          </a:p>
+          <a:p>
+            <a:r>
+              <a:rPr lang="en-CA" sz="800" dirty="0">
+                <a:latin typeface="Courier" pitchFamily="2" charset="0"/>
+              </a:rPr>
+              <a:t>   +-+-+-+-+-+-+-+-+-+-+-+-+-+-+-+-+-+-+-+-+-+-+-+-+-+-+-+-+-+-+-+-+ </a:t>
+            </a:r>
+          </a:p>
+          <a:p>
+            <a:r>
+              <a:rPr lang="en-CA" sz="800" dirty="0">
+                <a:latin typeface="Courier" pitchFamily="2" charset="0"/>
+              </a:rPr>
+              <a:t>             </a:t>
+            </a:r>
+          </a:p>
+          <a:p>
+            <a:r>
+              <a:rPr lang="en-CA" sz="800" dirty="0">
+                <a:latin typeface="Courier" pitchFamily="2" charset="0"/>
+              </a:rPr>
+              <a:t>              Figure: IOAM Header with SR-MPLS Encapsulation</a:t>
+            </a:r>
+            <a:endParaRPr lang="en-CA" sz="800" dirty="0">
+              <a:latin typeface="Courier" pitchFamily="2" charset="0"/>
+              <a:ea typeface="Calibri" panose="020F0502020204030204" pitchFamily="34" charset="0"/>
+              <a:cs typeface="Times New Roman" panose="02020603050405020304" pitchFamily="18" charset="0"/>
+            </a:endParaRPr>
           </a:p>
         </p:txBody>
       </p:sp>
     </p:spTree>
     <p:extLst>
       <p:ext uri="{BB962C8B-B14F-4D97-AF65-F5344CB8AC3E}">
-        <p14:creationId xmlns:p14="http://schemas.microsoft.com/office/powerpoint/2010/main" val="1208650897"/>
+        <p14:creationId xmlns:p14="http://schemas.microsoft.com/office/powerpoint/2010/main" val="1981757818"/>
       </p:ext>
     </p:extLst>
   </p:cSld>
@@ -11551,16 +11545,16 @@
           <a:lstStyle/>
           <a:p>
             <a:r>
-              <a:rPr lang="en-CA" sz="3200" dirty="0">
+              <a:rPr lang="en-CA" sz="3000" dirty="0">
                 <a:solidFill>
                   <a:srgbClr val="0070C0"/>
                 </a:solidFill>
                 <a:latin typeface="Calibri Light" panose="020F0302020204030204" pitchFamily="34" charset="0"/>
                 <a:cs typeface="Calibri Light" panose="020F0302020204030204" pitchFamily="34" charset="0"/>
               </a:rPr>
-              <a:t>Example IOAM Header with Control Word [RFC4385]</a:t>
-            </a:r>
-            <a:endParaRPr lang="en-US" sz="3200" dirty="0">
+              <a:t>Example 1 -  IOAM Header with Control Word [RFC4385]</a:t>
+            </a:r>
+            <a:endParaRPr lang="en-US" sz="3000" dirty="0">
               <a:solidFill>
                 <a:srgbClr val="0070C0"/>
               </a:solidFill>
@@ -11908,7 +11902,7 @@
               <a:rPr lang="en-CA" sz="900" dirty="0">
                 <a:latin typeface="Courier" pitchFamily="2" charset="0"/>
               </a:rPr>
-              <a:t>      Figure: IOAM Header with MPLS encapsulation and Control Word</a:t>
+              <a:t>      Figure: IOAM Header with MPLS encapsulation with Control Word</a:t>
             </a:r>
             <a:endParaRPr lang="en-CA" sz="900" dirty="0">
               <a:latin typeface="Courier" pitchFamily="2" charset="0"/>
@@ -11982,7 +11976,7 @@
                 <a:latin typeface="Calibri Light" panose="020F0302020204030204" pitchFamily="34" charset="0"/>
                 <a:cs typeface="Calibri Light" panose="020F0302020204030204" pitchFamily="34" charset="0"/>
               </a:rPr>
-              <a:t>Example 1 - IOAM Header with </a:t>
+              <a:t>Example 2 - IOAM Header with </a:t>
             </a:r>
             <a:r>
               <a:rPr lang="en-US" sz="3200" dirty="0" err="1">
@@ -12559,7 +12553,7 @@
                 <a:latin typeface="Calibri Light" panose="020F0302020204030204" pitchFamily="34" charset="0"/>
                 <a:cs typeface="Calibri Light" panose="020F0302020204030204" pitchFamily="34" charset="0"/>
               </a:rPr>
-              <a:t>Example 2 - IOAM Header with </a:t>
+              <a:t>Example 3 - IOAM Header with </a:t>
             </a:r>
             <a:r>
               <a:rPr lang="en-US" sz="3200" dirty="0" err="1">
@@ -13198,8 +13192,8 @@
         </p:nvSpPr>
         <p:spPr>
           <a:xfrm>
-            <a:off x="285008" y="17653"/>
-            <a:ext cx="8839200" cy="717589"/>
+            <a:off x="0" y="17653"/>
+            <a:ext cx="9124208" cy="717589"/>
           </a:xfrm>
         </p:spPr>
         <p:txBody>
@@ -13214,7 +13208,7 @@
                 <a:latin typeface="Calibri Light" panose="020F0302020204030204" pitchFamily="34" charset="0"/>
                 <a:cs typeface="Calibri Light" panose="020F0302020204030204" pitchFamily="34" charset="0"/>
               </a:rPr>
-              <a:t>Example IOAM Header with Generic Delivery Functions</a:t>
+              <a:t>Example 4-  IOAM Header with Generic Delivery Functions</a:t>
             </a:r>
           </a:p>
         </p:txBody>
@@ -13751,7 +13745,7 @@
                 <a:latin typeface="Calibri Light" panose="020F0302020204030204" pitchFamily="34" charset="0"/>
                 <a:cs typeface="Calibri Light" panose="020F0302020204030204" pitchFamily="34" charset="0"/>
               </a:rPr>
-              <a:t>IOAM Header with Another ACH</a:t>
+              <a:t>Example 5 - IOAM Header with Another ACH</a:t>
             </a:r>
             <a:endParaRPr lang="en-US" sz="3200" dirty="0">
               <a:solidFill>
@@ -17290,7 +17284,7 @@
             </a:pPr>
             <a:r>
               <a:rPr lang="en-CA" sz="1600" dirty="0"/>
-              <a:t>“IOAM Indicator Label” is used to indicate the presence of the IOAM data fields after EOS in the MPLS Encapsulation. How to process the IOAM data field(s) depends on the IOAM Option-Type. </a:t>
+              <a:t>“IOAM Indicator Label” is used to indicate the presence of the IOAM data fields after EOS in the MPLS Encapsulation. </a:t>
             </a:r>
           </a:p>
           <a:p>
@@ -17304,7 +17298,7 @@
             </a:pPr>
             <a:r>
               <a:rPr lang="en-CA" sz="1600" dirty="0"/>
-              <a:t>Separate Indicator Labels are used for E2E IOAM (for edge nodes) and </a:t>
+              <a:t>Separate Indicator Labels are defined for E2E IOAM (for edge nodes) and </a:t>
             </a:r>
             <a:r>
               <a:rPr lang="en-CA" sz="1600" dirty="0" err="1"/>

--- a/draft-gandhi-mpls-ioam-sr-05.pptx
+++ b/draft-gandhi-mpls-ioam-sr-05.pptx
@@ -5,10 +5,10 @@
     <p:sldMasterId id="2147483648" r:id="rId1"/>
   </p:sldMasterIdLst>
   <p:notesMasterIdLst>
-    <p:notesMasterId r:id="rId32"/>
+    <p:notesMasterId r:id="rId31"/>
   </p:notesMasterIdLst>
   <p:handoutMasterIdLst>
-    <p:handoutMasterId r:id="rId33"/>
+    <p:handoutMasterId r:id="rId32"/>
   </p:handoutMasterIdLst>
   <p:sldIdLst>
     <p:sldId id="256" r:id="rId2"/>
@@ -40,7 +40,6 @@
     <p:sldId id="1695" r:id="rId28"/>
     <p:sldId id="1686" r:id="rId29"/>
     <p:sldId id="1669" r:id="rId30"/>
-    <p:sldId id="1692" r:id="rId31"/>
   </p:sldIdLst>
   <p:sldSz cx="9144000" cy="5143500" type="screen16x9"/>
   <p:notesSz cx="6858000" cy="9144000"/>
@@ -273,7 +272,7 @@
           <a:p>
             <a:fld id="{E8FA3DB5-7722-3F4F-947D-12B203669AD7}" type="datetimeFigureOut">
               <a:rPr lang="en-US" smtClean="0"/>
-              <a:t>1/19/21</a:t>
+              <a:t>1/20/21</a:t>
             </a:fld>
             <a:endParaRPr lang="en-US"/>
           </a:p>
@@ -7003,7 +7002,7 @@
         <p:spPr>
           <a:xfrm>
             <a:off x="533399" y="857250"/>
-            <a:ext cx="7982607" cy="3543300"/>
+            <a:ext cx="7982607" cy="3695700"/>
           </a:xfrm>
         </p:spPr>
         <p:txBody>
@@ -7012,7 +7011,7 @@
           <a:p>
             <a:pPr marL="457200" lvl="0" indent="-457200">
               <a:lnSpc>
-                <a:spcPts val="2440"/>
+                <a:spcPts val="2240"/>
               </a:lnSpc>
               <a:spcBef>
                 <a:spcPts val="600"/>
@@ -7022,13 +7021,13 @@
             </a:pPr>
             <a:r>
               <a:rPr lang="en-CA" sz="1600" dirty="0"/>
-              <a:t>The encapsulating node inserts an E2E Indicator Label and one or more IOAM data field(s) in the MPLS encapsulation.</a:t>
+              <a:t>E2E IOAM includes IOAM processing on encapsulating and decapsulating nodes.</a:t>
             </a:r>
           </a:p>
           <a:p>
             <a:pPr marL="457200" lvl="0" indent="-457200">
               <a:lnSpc>
-                <a:spcPts val="2440"/>
+                <a:spcPts val="2240"/>
               </a:lnSpc>
               <a:spcBef>
                 <a:spcPts val="600"/>
@@ -7038,13 +7037,13 @@
             </a:pPr>
             <a:r>
               <a:rPr lang="en-CA" sz="1600" dirty="0"/>
-              <a:t>The transit (intermediate) nodes do not process IOAM data.</a:t>
+              <a:t>The encapsulating node inserts an E2E Indicator Label and one or more IOAM data field(s) in the MPLS encapsulation.</a:t>
             </a:r>
           </a:p>
           <a:p>
             <a:pPr marL="457200" lvl="0" indent="-457200">
               <a:lnSpc>
-                <a:spcPts val="2440"/>
+                <a:spcPts val="2240"/>
               </a:lnSpc>
               <a:spcBef>
                 <a:spcPts val="600"/>
@@ -7054,13 +7053,29 @@
             </a:pPr>
             <a:r>
               <a:rPr lang="en-CA" sz="1600" dirty="0"/>
+              <a:t>The transit (intermediate) nodes do not process IOAM data.</a:t>
+            </a:r>
+          </a:p>
+          <a:p>
+            <a:pPr marL="457200" lvl="0" indent="-457200">
+              <a:lnSpc>
+                <a:spcPts val="2240"/>
+              </a:lnSpc>
+              <a:spcBef>
+                <a:spcPts val="600"/>
+              </a:spcBef>
+              <a:buFont typeface="+mj-lt"/>
+              <a:buAutoNum type="arabicPeriod"/>
+            </a:pPr>
+            <a:r>
+              <a:rPr lang="en-CA" sz="1600" dirty="0"/>
               <a:t>The decapsulating node “punts the timestamped copy” of the data packet including IOAM data field(s). </a:t>
             </a:r>
           </a:p>
           <a:p>
             <a:pPr marL="857250" lvl="1" indent="-457200">
               <a:lnSpc>
-                <a:spcPts val="2440"/>
+                <a:spcPts val="2240"/>
               </a:lnSpc>
               <a:spcBef>
                 <a:spcPts val="600"/>
@@ -7076,7 +7091,7 @@
           <a:p>
             <a:pPr marL="457200" indent="-457200">
               <a:lnSpc>
-                <a:spcPts val="2440"/>
+                <a:spcPts val="2240"/>
               </a:lnSpc>
               <a:spcBef>
                 <a:spcPts val="600"/>
@@ -7092,7 +7107,7 @@
           <a:p>
             <a:pPr marL="857250" lvl="1" indent="-457200">
               <a:lnSpc>
-                <a:spcPts val="2440"/>
+                <a:spcPts val="2240"/>
               </a:lnSpc>
               <a:spcBef>
                 <a:spcPts val="600"/>
@@ -9181,6 +9196,26 @@
           <a:bodyPr/>
           <a:lstStyle/>
           <a:p>
+            <a:pPr marL="457200" indent="-457200">
+              <a:lnSpc>
+                <a:spcPts val="1920"/>
+              </a:lnSpc>
+              <a:spcBef>
+                <a:spcPts val="600"/>
+              </a:spcBef>
+              <a:buFont typeface="+mj-lt"/>
+              <a:buAutoNum type="arabicPeriod"/>
+            </a:pPr>
+            <a:r>
+              <a:rPr lang="en-CA" sz="1600" dirty="0" err="1"/>
+              <a:t>HbH</a:t>
+            </a:r>
+            <a:r>
+              <a:rPr lang="en-CA" sz="1600" dirty="0"/>
+              <a:t> IOAM includes IOAM processing on encapsulating, transit and decapsulating nodes.</a:t>
+            </a:r>
+          </a:p>
+          <a:p>
             <a:pPr marL="457200" lvl="0" indent="-457200">
               <a:lnSpc>
                 <a:spcPts val="1920"/>
@@ -9221,7 +9256,7 @@
                   <a:srgbClr val="0070C0"/>
                 </a:solidFill>
               </a:rPr>
-              <a:t>The transit (intermediate) node processes </a:t>
+              <a:t>The transit (intermediate) nodes process </a:t>
             </a:r>
             <a:r>
               <a:rPr lang="en-CA" sz="1600" dirty="0" err="1">
@@ -9237,7 +9272,7 @@
                   <a:srgbClr val="0070C0"/>
                 </a:solidFill>
               </a:rPr>
-              <a:t> IOAM data field(s) and forwards the data packet including updated IOAM data field(s). </a:t>
+              <a:t> IOAM data field(s) and forward the data packet including updated IOAM data field(s). </a:t>
             </a:r>
           </a:p>
           <a:p>
@@ -9257,7 +9292,7 @@
                   <a:srgbClr val="0070C0"/>
                 </a:solidFill>
               </a:rPr>
-              <a:t>Transit node (intermediate) may punt the timestamped copy of the data packet for further IOAM processing</a:t>
+              <a:t>The transit (intermediate) nodes may punt the timestamped copy of the data packet for further IOAM processing.</a:t>
             </a:r>
           </a:p>
           <a:p>
@@ -11191,7 +11226,7 @@
               <a:rPr lang="en-CA" sz="800" dirty="0">
                 <a:latin typeface="Courier" pitchFamily="2" charset="0"/>
               </a:rPr>
-              <a:t>              Figure: IOAM Header with SR-MPLS Encapsulation</a:t>
+              <a:t>          Figure: Example IOAM Header with SR-MPLS Encapsulation</a:t>
             </a:r>
             <a:endParaRPr lang="en-CA" sz="800" dirty="0">
               <a:latin typeface="Courier" pitchFamily="2" charset="0"/>
@@ -13208,7 +13243,7 @@
                 <a:latin typeface="Calibri Light" panose="020F0302020204030204" pitchFamily="34" charset="0"/>
                 <a:cs typeface="Calibri Light" panose="020F0302020204030204" pitchFamily="34" charset="0"/>
               </a:rPr>
-              <a:t>Example 4-  IOAM Header with Generic Delivery Functions</a:t>
+              <a:t>Example 4 - IOAM Header with Generic Delivery Functions</a:t>
             </a:r>
           </a:p>
         </p:txBody>
@@ -14735,1508 +14770,6 @@
 </p:sld>
 </file>
 
-<file path=ppt/slides/slide30.xml><?xml version="1.0" encoding="utf-8"?>
-<p:sld xmlns:a="http://schemas.openxmlformats.org/drawingml/2006/main" xmlns:r="http://schemas.openxmlformats.org/officeDocument/2006/relationships" xmlns:p="http://schemas.openxmlformats.org/presentationml/2006/main">
-  <p:cSld>
-    <p:spTree>
-      <p:nvGrpSpPr>
-        <p:cNvPr id="1" name=""/>
-        <p:cNvGrpSpPr/>
-        <p:nvPr/>
-      </p:nvGrpSpPr>
-      <p:grpSpPr>
-        <a:xfrm>
-          <a:off x="0" y="0"/>
-          <a:ext cx="0" cy="0"/>
-          <a:chOff x="0" y="0"/>
-          <a:chExt cx="0" cy="0"/>
-        </a:xfrm>
-      </p:grpSpPr>
-      <p:sp>
-        <p:nvSpPr>
-          <p:cNvPr id="2" name="Title 1">
-            <a:extLst>
-              <a:ext uri="{FF2B5EF4-FFF2-40B4-BE49-F238E27FC236}">
-                <a16:creationId xmlns:a16="http://schemas.microsoft.com/office/drawing/2014/main" id="{3E8907F7-DB3A-6445-92A9-566917C37FB4}"/>
-              </a:ext>
-            </a:extLst>
-          </p:cNvPr>
-          <p:cNvSpPr>
-            <a:spLocks noGrp="1"/>
-          </p:cNvSpPr>
-          <p:nvPr>
-            <p:ph type="title"/>
-          </p:nvPr>
-        </p:nvSpPr>
-        <p:spPr>
-          <a:xfrm>
-            <a:off x="457200" y="0"/>
-            <a:ext cx="8229600" cy="857250"/>
-          </a:xfrm>
-        </p:spPr>
-        <p:txBody>
-          <a:bodyPr/>
-          <a:lstStyle/>
-          <a:p>
-            <a:r>
-              <a:rPr lang="en-US" sz="3200" dirty="0" err="1">
-                <a:solidFill>
-                  <a:srgbClr val="0070C0"/>
-                </a:solidFill>
-                <a:latin typeface="Calibri Light" panose="020F0302020204030204" pitchFamily="34" charset="0"/>
-                <a:cs typeface="Calibri Light" panose="020F0302020204030204" pitchFamily="34" charset="0"/>
-              </a:rPr>
-              <a:t>DetNet</a:t>
-            </a:r>
-            <a:r>
-              <a:rPr lang="en-US" sz="3200" dirty="0">
-                <a:solidFill>
-                  <a:srgbClr val="0070C0"/>
-                </a:solidFill>
-                <a:latin typeface="Calibri Light" panose="020F0302020204030204" pitchFamily="34" charset="0"/>
-                <a:cs typeface="Calibri Light" panose="020F0302020204030204" pitchFamily="34" charset="0"/>
-              </a:rPr>
-              <a:t> Draft Examples</a:t>
-            </a:r>
-            <a:endParaRPr lang="en-US" sz="3200" dirty="0"/>
-          </a:p>
-        </p:txBody>
-      </p:sp>
-      <p:sp>
-        <p:nvSpPr>
-          <p:cNvPr id="4" name="Footer Placeholder 3">
-            <a:extLst>
-              <a:ext uri="{FF2B5EF4-FFF2-40B4-BE49-F238E27FC236}">
-                <a16:creationId xmlns:a16="http://schemas.microsoft.com/office/drawing/2014/main" id="{E6C86001-8481-C84B-A042-A7318C5B04A6}"/>
-              </a:ext>
-            </a:extLst>
-          </p:cNvPr>
-          <p:cNvSpPr>
-            <a:spLocks noGrp="1"/>
-          </p:cNvSpPr>
-          <p:nvPr>
-            <p:ph type="ftr" sz="quarter" idx="11"/>
-          </p:nvPr>
-        </p:nvSpPr>
-        <p:spPr/>
-        <p:txBody>
-          <a:bodyPr/>
-          <a:lstStyle/>
-          <a:p>
-            <a:pPr>
-              <a:defRPr/>
-            </a:pPr>
-            <a:r>
-              <a:rPr lang="en-US" altLang="zh-CN"/>
-              <a:t>110</a:t>
-            </a:r>
-            <a:r>
-              <a:rPr lang="en-US" altLang="zh-CN" baseline="30000"/>
-              <a:t>th</a:t>
-            </a:r>
-            <a:r>
-              <a:rPr lang="en-US" altLang="zh-CN"/>
-              <a:t> IETF Online</a:t>
-            </a:r>
-            <a:endParaRPr lang="en-US" altLang="zh-CN" dirty="0"/>
-          </a:p>
-        </p:txBody>
-      </p:sp>
-      <p:sp>
-        <p:nvSpPr>
-          <p:cNvPr id="5" name="Slide Number Placeholder 4">
-            <a:extLst>
-              <a:ext uri="{FF2B5EF4-FFF2-40B4-BE49-F238E27FC236}">
-                <a16:creationId xmlns:a16="http://schemas.microsoft.com/office/drawing/2014/main" id="{671D8CF7-36B2-D945-91DA-240461A3D530}"/>
-              </a:ext>
-            </a:extLst>
-          </p:cNvPr>
-          <p:cNvSpPr>
-            <a:spLocks noGrp="1"/>
-          </p:cNvSpPr>
-          <p:nvPr>
-            <p:ph type="sldNum" sz="quarter" idx="12"/>
-          </p:nvPr>
-        </p:nvSpPr>
-        <p:spPr/>
-        <p:txBody>
-          <a:bodyPr/>
-          <a:lstStyle/>
-          <a:p>
-            <a:pPr>
-              <a:defRPr/>
-            </a:pPr>
-            <a:fld id="{BD6E0F59-1DD8-40FC-9C92-B6295CBA6CCA}" type="slidenum">
-              <a:rPr lang="en-US" altLang="zh-CN" smtClean="0"/>
-              <a:pPr>
-                <a:defRPr/>
-              </a:pPr>
-              <a:t>30</a:t>
-            </a:fld>
-            <a:endParaRPr lang="en-US" altLang="zh-CN"/>
-          </a:p>
-        </p:txBody>
-      </p:sp>
-      <p:sp>
-        <p:nvSpPr>
-          <p:cNvPr id="6" name="Rectangle 5">
-            <a:extLst>
-              <a:ext uri="{FF2B5EF4-FFF2-40B4-BE49-F238E27FC236}">
-                <a16:creationId xmlns:a16="http://schemas.microsoft.com/office/drawing/2014/main" id="{C20967AB-2779-D848-8775-51D4A949B4D7}"/>
-              </a:ext>
-            </a:extLst>
-          </p:cNvPr>
-          <p:cNvSpPr/>
-          <p:nvPr/>
-        </p:nvSpPr>
-        <p:spPr>
-          <a:xfrm>
-            <a:off x="266307" y="857250"/>
-            <a:ext cx="4534293" cy="2585323"/>
-          </a:xfrm>
-          <a:prstGeom prst="rect">
-            <a:avLst/>
-          </a:prstGeom>
-          <a:solidFill>
-            <a:schemeClr val="accent6">
-              <a:lumMod val="20000"/>
-              <a:lumOff val="80000"/>
-            </a:schemeClr>
-          </a:solidFill>
-        </p:spPr>
-        <p:txBody>
-          <a:bodyPr wrap="square">
-            <a:spAutoFit/>
-          </a:bodyPr>
-          <a:lstStyle/>
-          <a:p>
-            <a:pPr>
-              <a:tabLst>
-                <a:tab pos="581660" algn="l"/>
-                <a:tab pos="1163320" algn="l"/>
-                <a:tab pos="1744980" algn="l"/>
-                <a:tab pos="2326640" algn="l"/>
-                <a:tab pos="2908300" algn="l"/>
-                <a:tab pos="3489960" algn="l"/>
-                <a:tab pos="4071620" algn="l"/>
-                <a:tab pos="4653280" algn="l"/>
-                <a:tab pos="5234940" algn="l"/>
-                <a:tab pos="5816600" algn="l"/>
-                <a:tab pos="6398260" algn="l"/>
-                <a:tab pos="6979920" algn="l"/>
-                <a:tab pos="7561580" algn="l"/>
-                <a:tab pos="8143240" algn="l"/>
-                <a:tab pos="8724900" algn="l"/>
-                <a:tab pos="9306560" algn="l"/>
-              </a:tabLst>
-            </a:pPr>
-            <a:r>
-              <a:rPr lang="en-CA" sz="900" dirty="0">
-                <a:latin typeface="Courier" pitchFamily="2" charset="0"/>
-                <a:ea typeface="Times New Roman" panose="02020603050405020304" pitchFamily="18" charset="0"/>
-                <a:cs typeface="Times New Roman" panose="02020603050405020304" pitchFamily="18" charset="0"/>
-              </a:rPr>
-              <a:t>   +---------------------------------+ &lt;--\</a:t>
-            </a:r>
-            <a:endParaRPr lang="en-CA" sz="900" dirty="0">
-              <a:latin typeface="Courier" pitchFamily="2" charset="0"/>
-              <a:ea typeface="Calibri" panose="020F0502020204030204" pitchFamily="34" charset="0"/>
-              <a:cs typeface="Times New Roman" panose="02020603050405020304" pitchFamily="18" charset="0"/>
-            </a:endParaRPr>
-          </a:p>
-          <a:p>
-            <a:pPr>
-              <a:tabLst>
-                <a:tab pos="581660" algn="l"/>
-                <a:tab pos="1163320" algn="l"/>
-                <a:tab pos="1744980" algn="l"/>
-                <a:tab pos="2326640" algn="l"/>
-                <a:tab pos="2908300" algn="l"/>
-                <a:tab pos="3489960" algn="l"/>
-                <a:tab pos="4071620" algn="l"/>
-                <a:tab pos="4653280" algn="l"/>
-                <a:tab pos="5234940" algn="l"/>
-                <a:tab pos="5816600" algn="l"/>
-                <a:tab pos="6398260" algn="l"/>
-                <a:tab pos="6979920" algn="l"/>
-                <a:tab pos="7561580" algn="l"/>
-                <a:tab pos="8143240" algn="l"/>
-                <a:tab pos="8724900" algn="l"/>
-                <a:tab pos="9306560" algn="l"/>
-              </a:tabLst>
-            </a:pPr>
-            <a:r>
-              <a:rPr lang="en-CA" sz="900" dirty="0">
-                <a:latin typeface="Courier" pitchFamily="2" charset="0"/>
-                <a:ea typeface="Times New Roman" panose="02020603050405020304" pitchFamily="18" charset="0"/>
-                <a:cs typeface="Times New Roman" panose="02020603050405020304" pitchFamily="18" charset="0"/>
-              </a:rPr>
-              <a:t>   |           F-Label(s)            |    |</a:t>
-            </a:r>
-            <a:endParaRPr lang="en-CA" sz="900" dirty="0">
-              <a:latin typeface="Courier" pitchFamily="2" charset="0"/>
-              <a:ea typeface="Calibri" panose="020F0502020204030204" pitchFamily="34" charset="0"/>
-              <a:cs typeface="Times New Roman" panose="02020603050405020304" pitchFamily="18" charset="0"/>
-            </a:endParaRPr>
-          </a:p>
-          <a:p>
-            <a:pPr>
-              <a:tabLst>
-                <a:tab pos="581660" algn="l"/>
-                <a:tab pos="1163320" algn="l"/>
-                <a:tab pos="1744980" algn="l"/>
-                <a:tab pos="2326640" algn="l"/>
-                <a:tab pos="2908300" algn="l"/>
-                <a:tab pos="3489960" algn="l"/>
-                <a:tab pos="4071620" algn="l"/>
-                <a:tab pos="4653280" algn="l"/>
-                <a:tab pos="5234940" algn="l"/>
-                <a:tab pos="5816600" algn="l"/>
-                <a:tab pos="6398260" algn="l"/>
-                <a:tab pos="6979920" algn="l"/>
-                <a:tab pos="7561580" algn="l"/>
-                <a:tab pos="8143240" algn="l"/>
-                <a:tab pos="8724900" algn="l"/>
-                <a:tab pos="9306560" algn="l"/>
-              </a:tabLst>
-            </a:pPr>
-            <a:r>
-              <a:rPr lang="en-CA" sz="900" dirty="0">
-                <a:latin typeface="Courier" pitchFamily="2" charset="0"/>
-                <a:ea typeface="Times New Roman" panose="02020603050405020304" pitchFamily="18" charset="0"/>
-                <a:cs typeface="Times New Roman" panose="02020603050405020304" pitchFamily="18" charset="0"/>
-              </a:rPr>
-              <a:t>   +---------------------------------+    |</a:t>
-            </a:r>
-            <a:endParaRPr lang="en-CA" sz="900" dirty="0">
-              <a:latin typeface="Courier" pitchFamily="2" charset="0"/>
-              <a:ea typeface="Calibri" panose="020F0502020204030204" pitchFamily="34" charset="0"/>
-              <a:cs typeface="Times New Roman" panose="02020603050405020304" pitchFamily="18" charset="0"/>
-            </a:endParaRPr>
-          </a:p>
-          <a:p>
-            <a:pPr>
-              <a:tabLst>
-                <a:tab pos="581660" algn="l"/>
-                <a:tab pos="1163320" algn="l"/>
-                <a:tab pos="1744980" algn="l"/>
-                <a:tab pos="2326640" algn="l"/>
-                <a:tab pos="2908300" algn="l"/>
-                <a:tab pos="3489960" algn="l"/>
-                <a:tab pos="4071620" algn="l"/>
-                <a:tab pos="4653280" algn="l"/>
-                <a:tab pos="5234940" algn="l"/>
-                <a:tab pos="5816600" algn="l"/>
-                <a:tab pos="6398260" algn="l"/>
-                <a:tab pos="6979920" algn="l"/>
-                <a:tab pos="7561580" algn="l"/>
-                <a:tab pos="8143240" algn="l"/>
-                <a:tab pos="8724900" algn="l"/>
-                <a:tab pos="9306560" algn="l"/>
-              </a:tabLst>
-            </a:pPr>
-            <a:r>
-              <a:rPr lang="en-CA" sz="900" dirty="0">
-                <a:latin typeface="Courier" pitchFamily="2" charset="0"/>
-                <a:ea typeface="Times New Roman" panose="02020603050405020304" pitchFamily="18" charset="0"/>
-                <a:cs typeface="Times New Roman" panose="02020603050405020304" pitchFamily="18" charset="0"/>
-              </a:rPr>
-              <a:t>   |            A-Label              |    |</a:t>
-            </a:r>
-            <a:endParaRPr lang="en-CA" sz="900" dirty="0">
-              <a:latin typeface="Courier" pitchFamily="2" charset="0"/>
-              <a:ea typeface="Calibri" panose="020F0502020204030204" pitchFamily="34" charset="0"/>
-              <a:cs typeface="Times New Roman" panose="02020603050405020304" pitchFamily="18" charset="0"/>
-            </a:endParaRPr>
-          </a:p>
-          <a:p>
-            <a:pPr>
-              <a:tabLst>
-                <a:tab pos="581660" algn="l"/>
-                <a:tab pos="1163320" algn="l"/>
-                <a:tab pos="1744980" algn="l"/>
-                <a:tab pos="2326640" algn="l"/>
-                <a:tab pos="2908300" algn="l"/>
-                <a:tab pos="3489960" algn="l"/>
-                <a:tab pos="4071620" algn="l"/>
-                <a:tab pos="4653280" algn="l"/>
-                <a:tab pos="5234940" algn="l"/>
-                <a:tab pos="5816600" algn="l"/>
-                <a:tab pos="6398260" algn="l"/>
-                <a:tab pos="6979920" algn="l"/>
-                <a:tab pos="7561580" algn="l"/>
-                <a:tab pos="8143240" algn="l"/>
-                <a:tab pos="8724900" algn="l"/>
-                <a:tab pos="9306560" algn="l"/>
-              </a:tabLst>
-            </a:pPr>
-            <a:r>
-              <a:rPr lang="en-CA" sz="900" dirty="0">
-                <a:latin typeface="Courier" pitchFamily="2" charset="0"/>
-                <a:ea typeface="Times New Roman" panose="02020603050405020304" pitchFamily="18" charset="0"/>
-                <a:cs typeface="Times New Roman" panose="02020603050405020304" pitchFamily="18" charset="0"/>
-              </a:rPr>
-              <a:t>   +=================================+    |</a:t>
-            </a:r>
-            <a:endParaRPr lang="en-CA" sz="900" dirty="0">
-              <a:latin typeface="Courier" pitchFamily="2" charset="0"/>
-              <a:ea typeface="Calibri" panose="020F0502020204030204" pitchFamily="34" charset="0"/>
-              <a:cs typeface="Times New Roman" panose="02020603050405020304" pitchFamily="18" charset="0"/>
-            </a:endParaRPr>
-          </a:p>
-          <a:p>
-            <a:pPr>
-              <a:tabLst>
-                <a:tab pos="581660" algn="l"/>
-                <a:tab pos="1163320" algn="l"/>
-                <a:tab pos="1744980" algn="l"/>
-                <a:tab pos="2326640" algn="l"/>
-                <a:tab pos="2908300" algn="l"/>
-                <a:tab pos="3489960" algn="l"/>
-                <a:tab pos="4071620" algn="l"/>
-                <a:tab pos="4653280" algn="l"/>
-                <a:tab pos="5234940" algn="l"/>
-                <a:tab pos="5816600" algn="l"/>
-                <a:tab pos="6398260" algn="l"/>
-                <a:tab pos="6979920" algn="l"/>
-                <a:tab pos="7561580" algn="l"/>
-                <a:tab pos="8143240" algn="l"/>
-                <a:tab pos="8724900" algn="l"/>
-                <a:tab pos="9306560" algn="l"/>
-              </a:tabLst>
-            </a:pPr>
-            <a:r>
-              <a:rPr lang="en-CA" sz="900" dirty="0">
-                <a:latin typeface="Courier" pitchFamily="2" charset="0"/>
-                <a:ea typeface="Times New Roman" panose="02020603050405020304" pitchFamily="18" charset="0"/>
-                <a:cs typeface="Times New Roman" panose="02020603050405020304" pitchFamily="18" charset="0"/>
-              </a:rPr>
-              <a:t>   |       </a:t>
-            </a:r>
-            <a:r>
-              <a:rPr lang="en-CA" sz="900" dirty="0" err="1">
-                <a:latin typeface="Courier" pitchFamily="2" charset="0"/>
-                <a:ea typeface="Times New Roman" panose="02020603050405020304" pitchFamily="18" charset="0"/>
-                <a:cs typeface="Times New Roman" panose="02020603050405020304" pitchFamily="18" charset="0"/>
-              </a:rPr>
-              <a:t>DetNet</a:t>
-            </a:r>
-            <a:r>
-              <a:rPr lang="en-CA" sz="900" dirty="0">
-                <a:latin typeface="Courier" pitchFamily="2" charset="0"/>
-                <a:ea typeface="Times New Roman" panose="02020603050405020304" pitchFamily="18" charset="0"/>
-                <a:cs typeface="Times New Roman" panose="02020603050405020304" pitchFamily="18" charset="0"/>
-              </a:rPr>
-              <a:t> Control Word       |    |</a:t>
-            </a:r>
-            <a:endParaRPr lang="en-CA" sz="900" dirty="0">
-              <a:latin typeface="Courier" pitchFamily="2" charset="0"/>
-              <a:ea typeface="Calibri" panose="020F0502020204030204" pitchFamily="34" charset="0"/>
-              <a:cs typeface="Times New Roman" panose="02020603050405020304" pitchFamily="18" charset="0"/>
-            </a:endParaRPr>
-          </a:p>
-          <a:p>
-            <a:pPr>
-              <a:tabLst>
-                <a:tab pos="581660" algn="l"/>
-                <a:tab pos="1163320" algn="l"/>
-                <a:tab pos="1744980" algn="l"/>
-                <a:tab pos="2326640" algn="l"/>
-                <a:tab pos="2908300" algn="l"/>
-                <a:tab pos="3489960" algn="l"/>
-                <a:tab pos="4071620" algn="l"/>
-                <a:tab pos="4653280" algn="l"/>
-                <a:tab pos="5234940" algn="l"/>
-                <a:tab pos="5816600" algn="l"/>
-                <a:tab pos="6398260" algn="l"/>
-                <a:tab pos="6979920" algn="l"/>
-                <a:tab pos="7561580" algn="l"/>
-                <a:tab pos="8143240" algn="l"/>
-                <a:tab pos="8724900" algn="l"/>
-                <a:tab pos="9306560" algn="l"/>
-              </a:tabLst>
-            </a:pPr>
-            <a:r>
-              <a:rPr lang="en-CA" sz="900" dirty="0">
-                <a:latin typeface="Courier" pitchFamily="2" charset="0"/>
-                <a:ea typeface="Times New Roman" panose="02020603050405020304" pitchFamily="18" charset="0"/>
-                <a:cs typeface="Times New Roman" panose="02020603050405020304" pitchFamily="18" charset="0"/>
-              </a:rPr>
-              <a:t>   +---------------------------------+    |</a:t>
-            </a:r>
-            <a:endParaRPr lang="en-CA" sz="900" dirty="0">
-              <a:latin typeface="Courier" pitchFamily="2" charset="0"/>
-              <a:ea typeface="Calibri" panose="020F0502020204030204" pitchFamily="34" charset="0"/>
-              <a:cs typeface="Times New Roman" panose="02020603050405020304" pitchFamily="18" charset="0"/>
-            </a:endParaRPr>
-          </a:p>
-          <a:p>
-            <a:pPr>
-              <a:tabLst>
-                <a:tab pos="581660" algn="l"/>
-                <a:tab pos="1163320" algn="l"/>
-                <a:tab pos="1744980" algn="l"/>
-                <a:tab pos="2326640" algn="l"/>
-                <a:tab pos="2908300" algn="l"/>
-                <a:tab pos="3489960" algn="l"/>
-                <a:tab pos="4071620" algn="l"/>
-                <a:tab pos="4653280" algn="l"/>
-                <a:tab pos="5234940" algn="l"/>
-                <a:tab pos="5816600" algn="l"/>
-                <a:tab pos="6398260" algn="l"/>
-                <a:tab pos="6979920" algn="l"/>
-                <a:tab pos="7561580" algn="l"/>
-                <a:tab pos="8143240" algn="l"/>
-                <a:tab pos="8724900" algn="l"/>
-                <a:tab pos="9306560" algn="l"/>
-              </a:tabLst>
-            </a:pPr>
-            <a:r>
-              <a:rPr lang="en-CA" sz="900" dirty="0">
-                <a:latin typeface="Courier" pitchFamily="2" charset="0"/>
-                <a:ea typeface="Times New Roman" panose="02020603050405020304" pitchFamily="18" charset="0"/>
-                <a:cs typeface="Times New Roman" panose="02020603050405020304" pitchFamily="18" charset="0"/>
-              </a:rPr>
-              <a:t>   |         [ F-Label(s) ]          |    +--</a:t>
-            </a:r>
-            <a:r>
-              <a:rPr lang="en-CA" sz="900" dirty="0" err="1">
-                <a:latin typeface="Courier" pitchFamily="2" charset="0"/>
-                <a:ea typeface="Times New Roman" panose="02020603050405020304" pitchFamily="18" charset="0"/>
-                <a:cs typeface="Times New Roman" panose="02020603050405020304" pitchFamily="18" charset="0"/>
-              </a:rPr>
-              <a:t>DetNet</a:t>
-            </a:r>
-            <a:r>
-              <a:rPr lang="en-CA" sz="900" dirty="0">
-                <a:latin typeface="Courier" pitchFamily="2" charset="0"/>
-                <a:ea typeface="Times New Roman" panose="02020603050405020304" pitchFamily="18" charset="0"/>
-                <a:cs typeface="Times New Roman" panose="02020603050405020304" pitchFamily="18" charset="0"/>
-              </a:rPr>
-              <a:t> data plane</a:t>
-            </a:r>
-            <a:endParaRPr lang="en-CA" sz="900" dirty="0">
-              <a:latin typeface="Courier" pitchFamily="2" charset="0"/>
-              <a:ea typeface="Calibri" panose="020F0502020204030204" pitchFamily="34" charset="0"/>
-              <a:cs typeface="Times New Roman" panose="02020603050405020304" pitchFamily="18" charset="0"/>
-            </a:endParaRPr>
-          </a:p>
-          <a:p>
-            <a:pPr>
-              <a:tabLst>
-                <a:tab pos="581660" algn="l"/>
-                <a:tab pos="1163320" algn="l"/>
-                <a:tab pos="1744980" algn="l"/>
-                <a:tab pos="2326640" algn="l"/>
-                <a:tab pos="2908300" algn="l"/>
-                <a:tab pos="3489960" algn="l"/>
-                <a:tab pos="4071620" algn="l"/>
-                <a:tab pos="4653280" algn="l"/>
-                <a:tab pos="5234940" algn="l"/>
-                <a:tab pos="5816600" algn="l"/>
-                <a:tab pos="6398260" algn="l"/>
-                <a:tab pos="6979920" algn="l"/>
-                <a:tab pos="7561580" algn="l"/>
-                <a:tab pos="8143240" algn="l"/>
-                <a:tab pos="8724900" algn="l"/>
-                <a:tab pos="9306560" algn="l"/>
-              </a:tabLst>
-            </a:pPr>
-            <a:r>
-              <a:rPr lang="en-CA" sz="900" dirty="0">
-                <a:latin typeface="Courier" pitchFamily="2" charset="0"/>
-                <a:ea typeface="Times New Roman" panose="02020603050405020304" pitchFamily="18" charset="0"/>
-                <a:cs typeface="Times New Roman" panose="02020603050405020304" pitchFamily="18" charset="0"/>
-              </a:rPr>
-              <a:t>   +---------------------------------+    |  MPLS Encapsulation</a:t>
-            </a:r>
-            <a:endParaRPr lang="en-CA" sz="900" dirty="0">
-              <a:latin typeface="Courier" pitchFamily="2" charset="0"/>
-              <a:ea typeface="Calibri" panose="020F0502020204030204" pitchFamily="34" charset="0"/>
-              <a:cs typeface="Times New Roman" panose="02020603050405020304" pitchFamily="18" charset="0"/>
-            </a:endParaRPr>
-          </a:p>
-          <a:p>
-            <a:pPr>
-              <a:tabLst>
-                <a:tab pos="581660" algn="l"/>
-                <a:tab pos="1163320" algn="l"/>
-                <a:tab pos="1744980" algn="l"/>
-                <a:tab pos="2326640" algn="l"/>
-                <a:tab pos="2908300" algn="l"/>
-                <a:tab pos="3489960" algn="l"/>
-                <a:tab pos="4071620" algn="l"/>
-                <a:tab pos="4653280" algn="l"/>
-                <a:tab pos="5234940" algn="l"/>
-                <a:tab pos="5816600" algn="l"/>
-                <a:tab pos="6398260" algn="l"/>
-                <a:tab pos="6979920" algn="l"/>
-                <a:tab pos="7561580" algn="l"/>
-                <a:tab pos="8143240" algn="l"/>
-                <a:tab pos="8724900" algn="l"/>
-                <a:tab pos="9306560" algn="l"/>
-              </a:tabLst>
-            </a:pPr>
-            <a:r>
-              <a:rPr lang="en-CA" sz="900" dirty="0">
-                <a:latin typeface="Courier" pitchFamily="2" charset="0"/>
-                <a:ea typeface="Times New Roman" panose="02020603050405020304" pitchFamily="18" charset="0"/>
-                <a:cs typeface="Times New Roman" panose="02020603050405020304" pitchFamily="18" charset="0"/>
-              </a:rPr>
-              <a:t>   |            S-Label              |    |</a:t>
-            </a:r>
-            <a:endParaRPr lang="en-CA" sz="900" dirty="0">
-              <a:latin typeface="Courier" pitchFamily="2" charset="0"/>
-              <a:ea typeface="Calibri" panose="020F0502020204030204" pitchFamily="34" charset="0"/>
-              <a:cs typeface="Times New Roman" panose="02020603050405020304" pitchFamily="18" charset="0"/>
-            </a:endParaRPr>
-          </a:p>
-          <a:p>
-            <a:pPr>
-              <a:tabLst>
-                <a:tab pos="581660" algn="l"/>
-                <a:tab pos="1163320" algn="l"/>
-                <a:tab pos="1744980" algn="l"/>
-                <a:tab pos="2326640" algn="l"/>
-                <a:tab pos="2908300" algn="l"/>
-                <a:tab pos="3489960" algn="l"/>
-                <a:tab pos="4071620" algn="l"/>
-                <a:tab pos="4653280" algn="l"/>
-                <a:tab pos="5234940" algn="l"/>
-                <a:tab pos="5816600" algn="l"/>
-                <a:tab pos="6398260" algn="l"/>
-                <a:tab pos="6979920" algn="l"/>
-                <a:tab pos="7561580" algn="l"/>
-                <a:tab pos="8143240" algn="l"/>
-                <a:tab pos="8724900" algn="l"/>
-                <a:tab pos="9306560" algn="l"/>
-              </a:tabLst>
-            </a:pPr>
-            <a:r>
-              <a:rPr lang="en-CA" sz="900" dirty="0">
-                <a:latin typeface="Courier" pitchFamily="2" charset="0"/>
-                <a:ea typeface="Times New Roman" panose="02020603050405020304" pitchFamily="18" charset="0"/>
-                <a:cs typeface="Times New Roman" panose="02020603050405020304" pitchFamily="18" charset="0"/>
-              </a:rPr>
-              <a:t>   +=================================+    |</a:t>
-            </a:r>
-            <a:endParaRPr lang="en-CA" sz="900" dirty="0">
-              <a:latin typeface="Courier" pitchFamily="2" charset="0"/>
-              <a:ea typeface="Calibri" panose="020F0502020204030204" pitchFamily="34" charset="0"/>
-              <a:cs typeface="Times New Roman" panose="02020603050405020304" pitchFamily="18" charset="0"/>
-            </a:endParaRPr>
-          </a:p>
-          <a:p>
-            <a:pPr>
-              <a:tabLst>
-                <a:tab pos="581660" algn="l"/>
-                <a:tab pos="1163320" algn="l"/>
-                <a:tab pos="1744980" algn="l"/>
-                <a:tab pos="2326640" algn="l"/>
-                <a:tab pos="2908300" algn="l"/>
-                <a:tab pos="3489960" algn="l"/>
-                <a:tab pos="4071620" algn="l"/>
-                <a:tab pos="4653280" algn="l"/>
-                <a:tab pos="5234940" algn="l"/>
-                <a:tab pos="5816600" algn="l"/>
-                <a:tab pos="6398260" algn="l"/>
-                <a:tab pos="6979920" algn="l"/>
-                <a:tab pos="7561580" algn="l"/>
-                <a:tab pos="8143240" algn="l"/>
-                <a:tab pos="8724900" algn="l"/>
-                <a:tab pos="9306560" algn="l"/>
-              </a:tabLst>
-            </a:pPr>
-            <a:r>
-              <a:rPr lang="en-CA" sz="900" dirty="0">
-                <a:latin typeface="Courier" pitchFamily="2" charset="0"/>
-                <a:ea typeface="Times New Roman" panose="02020603050405020304" pitchFamily="18" charset="0"/>
-                <a:cs typeface="Times New Roman" panose="02020603050405020304" pitchFamily="18" charset="0"/>
-              </a:rPr>
-              <a:t>   |       </a:t>
-            </a:r>
-            <a:r>
-              <a:rPr lang="en-CA" sz="900" dirty="0" err="1">
-                <a:latin typeface="Courier" pitchFamily="2" charset="0"/>
-                <a:ea typeface="Times New Roman" panose="02020603050405020304" pitchFamily="18" charset="0"/>
-                <a:cs typeface="Times New Roman" panose="02020603050405020304" pitchFamily="18" charset="0"/>
-              </a:rPr>
-              <a:t>DetNet</a:t>
-            </a:r>
-            <a:r>
-              <a:rPr lang="en-CA" sz="900" dirty="0">
-                <a:latin typeface="Courier" pitchFamily="2" charset="0"/>
-                <a:ea typeface="Times New Roman" panose="02020603050405020304" pitchFamily="18" charset="0"/>
-                <a:cs typeface="Times New Roman" panose="02020603050405020304" pitchFamily="18" charset="0"/>
-              </a:rPr>
-              <a:t> Control Word       |    |</a:t>
-            </a:r>
-            <a:endParaRPr lang="en-CA" sz="900" dirty="0">
-              <a:latin typeface="Courier" pitchFamily="2" charset="0"/>
-              <a:ea typeface="Calibri" panose="020F0502020204030204" pitchFamily="34" charset="0"/>
-              <a:cs typeface="Times New Roman" panose="02020603050405020304" pitchFamily="18" charset="0"/>
-            </a:endParaRPr>
-          </a:p>
-          <a:p>
-            <a:pPr>
-              <a:tabLst>
-                <a:tab pos="581660" algn="l"/>
-                <a:tab pos="1163320" algn="l"/>
-                <a:tab pos="1744980" algn="l"/>
-                <a:tab pos="2326640" algn="l"/>
-                <a:tab pos="2908300" algn="l"/>
-                <a:tab pos="3489960" algn="l"/>
-                <a:tab pos="4071620" algn="l"/>
-                <a:tab pos="4653280" algn="l"/>
-                <a:tab pos="5234940" algn="l"/>
-                <a:tab pos="5816600" algn="l"/>
-                <a:tab pos="6398260" algn="l"/>
-                <a:tab pos="6979920" algn="l"/>
-                <a:tab pos="7561580" algn="l"/>
-                <a:tab pos="8143240" algn="l"/>
-                <a:tab pos="8724900" algn="l"/>
-                <a:tab pos="9306560" algn="l"/>
-              </a:tabLst>
-            </a:pPr>
-            <a:r>
-              <a:rPr lang="en-CA" sz="900" dirty="0">
-                <a:latin typeface="Courier" pitchFamily="2" charset="0"/>
-                <a:ea typeface="Times New Roman" panose="02020603050405020304" pitchFamily="18" charset="0"/>
-                <a:cs typeface="Times New Roman" panose="02020603050405020304" pitchFamily="18" charset="0"/>
-              </a:rPr>
-              <a:t>   +---------------------------------+ &lt;--/</a:t>
-            </a:r>
-            <a:endParaRPr lang="en-CA" sz="900" dirty="0">
-              <a:latin typeface="Courier" pitchFamily="2" charset="0"/>
-              <a:ea typeface="Calibri" panose="020F0502020204030204" pitchFamily="34" charset="0"/>
-              <a:cs typeface="Times New Roman" panose="02020603050405020304" pitchFamily="18" charset="0"/>
-            </a:endParaRPr>
-          </a:p>
-          <a:p>
-            <a:pPr>
-              <a:tabLst>
-                <a:tab pos="581660" algn="l"/>
-                <a:tab pos="1163320" algn="l"/>
-                <a:tab pos="1744980" algn="l"/>
-                <a:tab pos="2326640" algn="l"/>
-                <a:tab pos="2908300" algn="l"/>
-                <a:tab pos="3489960" algn="l"/>
-                <a:tab pos="4071620" algn="l"/>
-                <a:tab pos="4653280" algn="l"/>
-                <a:tab pos="5234940" algn="l"/>
-                <a:tab pos="5816600" algn="l"/>
-                <a:tab pos="6398260" algn="l"/>
-                <a:tab pos="6979920" algn="l"/>
-                <a:tab pos="7561580" algn="l"/>
-                <a:tab pos="8143240" algn="l"/>
-                <a:tab pos="8724900" algn="l"/>
-                <a:tab pos="9306560" algn="l"/>
-              </a:tabLst>
-            </a:pPr>
-            <a:r>
-              <a:rPr lang="en-CA" sz="900" dirty="0">
-                <a:latin typeface="Courier" pitchFamily="2" charset="0"/>
-                <a:ea typeface="Times New Roman" panose="02020603050405020304" pitchFamily="18" charset="0"/>
-                <a:cs typeface="Times New Roman" panose="02020603050405020304" pitchFamily="18" charset="0"/>
-              </a:rPr>
-              <a:t>   |                                 |</a:t>
-            </a:r>
-            <a:endParaRPr lang="en-CA" sz="900" dirty="0">
-              <a:latin typeface="Courier" pitchFamily="2" charset="0"/>
-              <a:ea typeface="Calibri" panose="020F0502020204030204" pitchFamily="34" charset="0"/>
-              <a:cs typeface="Times New Roman" panose="02020603050405020304" pitchFamily="18" charset="0"/>
-            </a:endParaRPr>
-          </a:p>
-          <a:p>
-            <a:pPr>
-              <a:tabLst>
-                <a:tab pos="581660" algn="l"/>
-                <a:tab pos="1163320" algn="l"/>
-                <a:tab pos="1744980" algn="l"/>
-                <a:tab pos="2326640" algn="l"/>
-                <a:tab pos="2908300" algn="l"/>
-                <a:tab pos="3489960" algn="l"/>
-                <a:tab pos="4071620" algn="l"/>
-                <a:tab pos="4653280" algn="l"/>
-                <a:tab pos="5234940" algn="l"/>
-                <a:tab pos="5816600" algn="l"/>
-                <a:tab pos="6398260" algn="l"/>
-                <a:tab pos="6979920" algn="l"/>
-                <a:tab pos="7561580" algn="l"/>
-                <a:tab pos="8143240" algn="l"/>
-                <a:tab pos="8724900" algn="l"/>
-                <a:tab pos="9306560" algn="l"/>
-              </a:tabLst>
-            </a:pPr>
-            <a:r>
-              <a:rPr lang="en-CA" sz="900" dirty="0">
-                <a:latin typeface="Courier" pitchFamily="2" charset="0"/>
-                <a:ea typeface="Times New Roman" panose="02020603050405020304" pitchFamily="18" charset="0"/>
-                <a:cs typeface="Times New Roman" panose="02020603050405020304" pitchFamily="18" charset="0"/>
-              </a:rPr>
-              <a:t>   |           </a:t>
-            </a:r>
-            <a:r>
-              <a:rPr lang="en-CA" sz="900" dirty="0" err="1">
-                <a:latin typeface="Courier" pitchFamily="2" charset="0"/>
-                <a:ea typeface="Times New Roman" panose="02020603050405020304" pitchFamily="18" charset="0"/>
-                <a:cs typeface="Times New Roman" panose="02020603050405020304" pitchFamily="18" charset="0"/>
-              </a:rPr>
-              <a:t>DetNet</a:t>
-            </a:r>
-            <a:r>
-              <a:rPr lang="en-CA" sz="900" dirty="0">
-                <a:latin typeface="Courier" pitchFamily="2" charset="0"/>
-                <a:ea typeface="Times New Roman" panose="02020603050405020304" pitchFamily="18" charset="0"/>
-                <a:cs typeface="Times New Roman" panose="02020603050405020304" pitchFamily="18" charset="0"/>
-              </a:rPr>
-              <a:t> Flow           |</a:t>
-            </a:r>
-            <a:endParaRPr lang="en-CA" sz="900" dirty="0">
-              <a:latin typeface="Courier" pitchFamily="2" charset="0"/>
-              <a:ea typeface="Calibri" panose="020F0502020204030204" pitchFamily="34" charset="0"/>
-              <a:cs typeface="Times New Roman" panose="02020603050405020304" pitchFamily="18" charset="0"/>
-            </a:endParaRPr>
-          </a:p>
-          <a:p>
-            <a:pPr>
-              <a:tabLst>
-                <a:tab pos="581660" algn="l"/>
-                <a:tab pos="1163320" algn="l"/>
-                <a:tab pos="1744980" algn="l"/>
-                <a:tab pos="2326640" algn="l"/>
-                <a:tab pos="2908300" algn="l"/>
-                <a:tab pos="3489960" algn="l"/>
-                <a:tab pos="4071620" algn="l"/>
-                <a:tab pos="4653280" algn="l"/>
-                <a:tab pos="5234940" algn="l"/>
-                <a:tab pos="5816600" algn="l"/>
-                <a:tab pos="6398260" algn="l"/>
-                <a:tab pos="6979920" algn="l"/>
-                <a:tab pos="7561580" algn="l"/>
-                <a:tab pos="8143240" algn="l"/>
-                <a:tab pos="8724900" algn="l"/>
-                <a:tab pos="9306560" algn="l"/>
-              </a:tabLst>
-            </a:pPr>
-            <a:r>
-              <a:rPr lang="en-CA" sz="900" dirty="0">
-                <a:latin typeface="Courier" pitchFamily="2" charset="0"/>
-                <a:ea typeface="Times New Roman" panose="02020603050405020304" pitchFamily="18" charset="0"/>
-                <a:cs typeface="Times New Roman" panose="02020603050405020304" pitchFamily="18" charset="0"/>
-              </a:rPr>
-              <a:t>   |         Payload  Packet         |</a:t>
-            </a:r>
-            <a:endParaRPr lang="en-CA" sz="900" dirty="0">
-              <a:latin typeface="Courier" pitchFamily="2" charset="0"/>
-              <a:ea typeface="Calibri" panose="020F0502020204030204" pitchFamily="34" charset="0"/>
-              <a:cs typeface="Times New Roman" panose="02020603050405020304" pitchFamily="18" charset="0"/>
-            </a:endParaRPr>
-          </a:p>
-          <a:p>
-            <a:pPr>
-              <a:tabLst>
-                <a:tab pos="581660" algn="l"/>
-                <a:tab pos="1163320" algn="l"/>
-                <a:tab pos="1744980" algn="l"/>
-                <a:tab pos="2326640" algn="l"/>
-                <a:tab pos="2908300" algn="l"/>
-                <a:tab pos="3489960" algn="l"/>
-                <a:tab pos="4071620" algn="l"/>
-                <a:tab pos="4653280" algn="l"/>
-                <a:tab pos="5234940" algn="l"/>
-                <a:tab pos="5816600" algn="l"/>
-                <a:tab pos="6398260" algn="l"/>
-                <a:tab pos="6979920" algn="l"/>
-                <a:tab pos="7561580" algn="l"/>
-                <a:tab pos="8143240" algn="l"/>
-                <a:tab pos="8724900" algn="l"/>
-                <a:tab pos="9306560" algn="l"/>
-              </a:tabLst>
-            </a:pPr>
-            <a:r>
-              <a:rPr lang="en-CA" sz="900" dirty="0">
-                <a:latin typeface="Courier" pitchFamily="2" charset="0"/>
-                <a:ea typeface="Times New Roman" panose="02020603050405020304" pitchFamily="18" charset="0"/>
-                <a:cs typeface="Times New Roman" panose="02020603050405020304" pitchFamily="18" charset="0"/>
-              </a:rPr>
-              <a:t>   |                                 |</a:t>
-            </a:r>
-            <a:endParaRPr lang="en-CA" sz="900" dirty="0">
-              <a:latin typeface="Courier" pitchFamily="2" charset="0"/>
-              <a:ea typeface="Calibri" panose="020F0502020204030204" pitchFamily="34" charset="0"/>
-              <a:cs typeface="Times New Roman" panose="02020603050405020304" pitchFamily="18" charset="0"/>
-            </a:endParaRPr>
-          </a:p>
-          <a:p>
-            <a:pPr>
-              <a:tabLst>
-                <a:tab pos="581660" algn="l"/>
-                <a:tab pos="1163320" algn="l"/>
-                <a:tab pos="1744980" algn="l"/>
-                <a:tab pos="2326640" algn="l"/>
-                <a:tab pos="2908300" algn="l"/>
-                <a:tab pos="3489960" algn="l"/>
-                <a:tab pos="4071620" algn="l"/>
-                <a:tab pos="4653280" algn="l"/>
-                <a:tab pos="5234940" algn="l"/>
-                <a:tab pos="5816600" algn="l"/>
-                <a:tab pos="6398260" algn="l"/>
-                <a:tab pos="6979920" algn="l"/>
-                <a:tab pos="7561580" algn="l"/>
-                <a:tab pos="8143240" algn="l"/>
-                <a:tab pos="8724900" algn="l"/>
-                <a:tab pos="9306560" algn="l"/>
-              </a:tabLst>
-            </a:pPr>
-            <a:r>
-              <a:rPr lang="en-CA" sz="900" dirty="0">
-                <a:latin typeface="Courier" pitchFamily="2" charset="0"/>
-                <a:ea typeface="Times New Roman" panose="02020603050405020304" pitchFamily="18" charset="0"/>
-                <a:cs typeface="Times New Roman" panose="02020603050405020304" pitchFamily="18" charset="0"/>
-              </a:rPr>
-              <a:t>   +---------------------------------+ </a:t>
-            </a:r>
-            <a:endParaRPr lang="en-US" sz="900" dirty="0">
-              <a:latin typeface="Courier" pitchFamily="2" charset="0"/>
-            </a:endParaRPr>
-          </a:p>
-        </p:txBody>
-      </p:sp>
-      <p:sp>
-        <p:nvSpPr>
-          <p:cNvPr id="7" name="Rectangle 6">
-            <a:extLst>
-              <a:ext uri="{FF2B5EF4-FFF2-40B4-BE49-F238E27FC236}">
-                <a16:creationId xmlns:a16="http://schemas.microsoft.com/office/drawing/2014/main" id="{7F774C87-9477-FB46-8442-69F405517AAC}"/>
-              </a:ext>
-            </a:extLst>
-          </p:cNvPr>
-          <p:cNvSpPr/>
-          <p:nvPr/>
-        </p:nvSpPr>
-        <p:spPr>
-          <a:xfrm>
-            <a:off x="4247953" y="2750300"/>
-            <a:ext cx="4610493" cy="1754326"/>
-          </a:xfrm>
-          <a:prstGeom prst="rect">
-            <a:avLst/>
-          </a:prstGeom>
-          <a:solidFill>
-            <a:schemeClr val="accent6">
-              <a:lumMod val="20000"/>
-              <a:lumOff val="80000"/>
-            </a:schemeClr>
-          </a:solidFill>
-        </p:spPr>
-        <p:txBody>
-          <a:bodyPr wrap="square">
-            <a:spAutoFit/>
-          </a:bodyPr>
-          <a:lstStyle/>
-          <a:p>
-            <a:pPr>
-              <a:tabLst>
-                <a:tab pos="581660" algn="l"/>
-                <a:tab pos="1163320" algn="l"/>
-                <a:tab pos="1744980" algn="l"/>
-                <a:tab pos="2326640" algn="l"/>
-                <a:tab pos="2908300" algn="l"/>
-                <a:tab pos="3489960" algn="l"/>
-                <a:tab pos="4071620" algn="l"/>
-                <a:tab pos="4653280" algn="l"/>
-                <a:tab pos="5234940" algn="l"/>
-                <a:tab pos="5816600" algn="l"/>
-                <a:tab pos="6398260" algn="l"/>
-                <a:tab pos="6979920" algn="l"/>
-                <a:tab pos="7561580" algn="l"/>
-                <a:tab pos="8143240" algn="l"/>
-                <a:tab pos="8724900" algn="l"/>
-                <a:tab pos="9306560" algn="l"/>
-              </a:tabLst>
-            </a:pPr>
-            <a:r>
-              <a:rPr lang="en-CA" sz="900" dirty="0">
-                <a:latin typeface="Courier" pitchFamily="2" charset="0"/>
-                <a:ea typeface="Times New Roman" panose="02020603050405020304" pitchFamily="18" charset="0"/>
-                <a:cs typeface="Times New Roman" panose="02020603050405020304" pitchFamily="18" charset="0"/>
-              </a:rPr>
-              <a:t>   +---------------------------------+ &lt;--\</a:t>
-            </a:r>
-            <a:endParaRPr lang="en-CA" sz="900" dirty="0">
-              <a:latin typeface="Courier" pitchFamily="2" charset="0"/>
-              <a:ea typeface="Calibri" panose="020F0502020204030204" pitchFamily="34" charset="0"/>
-              <a:cs typeface="Times New Roman" panose="02020603050405020304" pitchFamily="18" charset="0"/>
-            </a:endParaRPr>
-          </a:p>
-          <a:p>
-            <a:pPr>
-              <a:tabLst>
-                <a:tab pos="581660" algn="l"/>
-                <a:tab pos="1163320" algn="l"/>
-                <a:tab pos="1744980" algn="l"/>
-                <a:tab pos="2326640" algn="l"/>
-                <a:tab pos="2908300" algn="l"/>
-                <a:tab pos="3489960" algn="l"/>
-                <a:tab pos="4071620" algn="l"/>
-                <a:tab pos="4653280" algn="l"/>
-                <a:tab pos="5234940" algn="l"/>
-                <a:tab pos="5816600" algn="l"/>
-                <a:tab pos="6398260" algn="l"/>
-                <a:tab pos="6979920" algn="l"/>
-                <a:tab pos="7561580" algn="l"/>
-                <a:tab pos="8143240" algn="l"/>
-                <a:tab pos="8724900" algn="l"/>
-                <a:tab pos="9306560" algn="l"/>
-              </a:tabLst>
-            </a:pPr>
-            <a:r>
-              <a:rPr lang="en-CA" sz="900" dirty="0">
-                <a:latin typeface="Courier" pitchFamily="2" charset="0"/>
-                <a:ea typeface="Times New Roman" panose="02020603050405020304" pitchFamily="18" charset="0"/>
-                <a:cs typeface="Times New Roman" panose="02020603050405020304" pitchFamily="18" charset="0"/>
-              </a:rPr>
-              <a:t>   |         [ F-Label(s) ]          |    |</a:t>
-            </a:r>
-            <a:endParaRPr lang="en-CA" sz="900" dirty="0">
-              <a:latin typeface="Courier" pitchFamily="2" charset="0"/>
-              <a:ea typeface="Calibri" panose="020F0502020204030204" pitchFamily="34" charset="0"/>
-              <a:cs typeface="Times New Roman" panose="02020603050405020304" pitchFamily="18" charset="0"/>
-            </a:endParaRPr>
-          </a:p>
-          <a:p>
-            <a:pPr>
-              <a:tabLst>
-                <a:tab pos="581660" algn="l"/>
-                <a:tab pos="1163320" algn="l"/>
-                <a:tab pos="1744980" algn="l"/>
-                <a:tab pos="2326640" algn="l"/>
-                <a:tab pos="2908300" algn="l"/>
-                <a:tab pos="3489960" algn="l"/>
-                <a:tab pos="4071620" algn="l"/>
-                <a:tab pos="4653280" algn="l"/>
-                <a:tab pos="5234940" algn="l"/>
-                <a:tab pos="5816600" algn="l"/>
-                <a:tab pos="6398260" algn="l"/>
-                <a:tab pos="6979920" algn="l"/>
-                <a:tab pos="7561580" algn="l"/>
-                <a:tab pos="8143240" algn="l"/>
-                <a:tab pos="8724900" algn="l"/>
-                <a:tab pos="9306560" algn="l"/>
-              </a:tabLst>
-            </a:pPr>
-            <a:r>
-              <a:rPr lang="en-CA" sz="900" dirty="0">
-                <a:latin typeface="Courier" pitchFamily="2" charset="0"/>
-                <a:ea typeface="Times New Roman" panose="02020603050405020304" pitchFamily="18" charset="0"/>
-                <a:cs typeface="Times New Roman" panose="02020603050405020304" pitchFamily="18" charset="0"/>
-              </a:rPr>
-              <a:t>   +---------------------------------+    +--</a:t>
-            </a:r>
-            <a:r>
-              <a:rPr lang="en-CA" sz="900" dirty="0" err="1">
-                <a:latin typeface="Courier" pitchFamily="2" charset="0"/>
-                <a:ea typeface="Times New Roman" panose="02020603050405020304" pitchFamily="18" charset="0"/>
-                <a:cs typeface="Times New Roman" panose="02020603050405020304" pitchFamily="18" charset="0"/>
-              </a:rPr>
-              <a:t>DetNet</a:t>
-            </a:r>
-            <a:r>
-              <a:rPr lang="en-CA" sz="900" dirty="0">
-                <a:latin typeface="Courier" pitchFamily="2" charset="0"/>
-                <a:ea typeface="Times New Roman" panose="02020603050405020304" pitchFamily="18" charset="0"/>
-                <a:cs typeface="Times New Roman" panose="02020603050405020304" pitchFamily="18" charset="0"/>
-              </a:rPr>
-              <a:t> data plane</a:t>
-            </a:r>
-          </a:p>
-          <a:p>
-            <a:pPr>
-              <a:tabLst>
-                <a:tab pos="581660" algn="l"/>
-                <a:tab pos="1163320" algn="l"/>
-                <a:tab pos="1744980" algn="l"/>
-                <a:tab pos="2326640" algn="l"/>
-                <a:tab pos="2908300" algn="l"/>
-                <a:tab pos="3489960" algn="l"/>
-                <a:tab pos="4071620" algn="l"/>
-                <a:tab pos="4653280" algn="l"/>
-                <a:tab pos="5234940" algn="l"/>
-                <a:tab pos="5816600" algn="l"/>
-                <a:tab pos="6398260" algn="l"/>
-                <a:tab pos="6979920" algn="l"/>
-                <a:tab pos="7561580" algn="l"/>
-                <a:tab pos="8143240" algn="l"/>
-                <a:tab pos="8724900" algn="l"/>
-                <a:tab pos="9306560" algn="l"/>
-              </a:tabLst>
-            </a:pPr>
-            <a:r>
-              <a:rPr lang="en-CA" sz="900" dirty="0">
-                <a:latin typeface="Courier" pitchFamily="2" charset="0"/>
-                <a:ea typeface="Times New Roman" panose="02020603050405020304" pitchFamily="18" charset="0"/>
-                <a:cs typeface="Times New Roman" panose="02020603050405020304" pitchFamily="18" charset="0"/>
-              </a:rPr>
-              <a:t>   |            S-Label              |    |  MPLS encapsulation</a:t>
-            </a:r>
-            <a:endParaRPr lang="en-CA" sz="900" dirty="0">
-              <a:latin typeface="Courier" pitchFamily="2" charset="0"/>
-              <a:ea typeface="Calibri" panose="020F0502020204030204" pitchFamily="34" charset="0"/>
-              <a:cs typeface="Times New Roman" panose="02020603050405020304" pitchFamily="18" charset="0"/>
-            </a:endParaRPr>
-          </a:p>
-          <a:p>
-            <a:pPr>
-              <a:tabLst>
-                <a:tab pos="581660" algn="l"/>
-                <a:tab pos="1163320" algn="l"/>
-                <a:tab pos="1744980" algn="l"/>
-                <a:tab pos="2326640" algn="l"/>
-                <a:tab pos="2908300" algn="l"/>
-                <a:tab pos="3489960" algn="l"/>
-                <a:tab pos="4071620" algn="l"/>
-                <a:tab pos="4653280" algn="l"/>
-                <a:tab pos="5234940" algn="l"/>
-                <a:tab pos="5816600" algn="l"/>
-                <a:tab pos="6398260" algn="l"/>
-                <a:tab pos="6979920" algn="l"/>
-                <a:tab pos="7561580" algn="l"/>
-                <a:tab pos="8143240" algn="l"/>
-                <a:tab pos="8724900" algn="l"/>
-                <a:tab pos="9306560" algn="l"/>
-              </a:tabLst>
-            </a:pPr>
-            <a:r>
-              <a:rPr lang="en-CA" sz="900" dirty="0">
-                <a:latin typeface="Courier" pitchFamily="2" charset="0"/>
-                <a:ea typeface="Times New Roman" panose="02020603050405020304" pitchFamily="18" charset="0"/>
-                <a:cs typeface="Times New Roman" panose="02020603050405020304" pitchFamily="18" charset="0"/>
-              </a:rPr>
-              <a:t>   +=================================+    |</a:t>
-            </a:r>
-            <a:endParaRPr lang="en-CA" sz="900" dirty="0">
-              <a:latin typeface="Courier" pitchFamily="2" charset="0"/>
-              <a:ea typeface="Calibri" panose="020F0502020204030204" pitchFamily="34" charset="0"/>
-              <a:cs typeface="Times New Roman" panose="02020603050405020304" pitchFamily="18" charset="0"/>
-            </a:endParaRPr>
-          </a:p>
-          <a:p>
-            <a:pPr>
-              <a:tabLst>
-                <a:tab pos="581660" algn="l"/>
-                <a:tab pos="1163320" algn="l"/>
-                <a:tab pos="1744980" algn="l"/>
-                <a:tab pos="2326640" algn="l"/>
-                <a:tab pos="2908300" algn="l"/>
-                <a:tab pos="3489960" algn="l"/>
-                <a:tab pos="4071620" algn="l"/>
-                <a:tab pos="4653280" algn="l"/>
-                <a:tab pos="5234940" algn="l"/>
-                <a:tab pos="5816600" algn="l"/>
-                <a:tab pos="6398260" algn="l"/>
-                <a:tab pos="6979920" algn="l"/>
-                <a:tab pos="7561580" algn="l"/>
-                <a:tab pos="8143240" algn="l"/>
-                <a:tab pos="8724900" algn="l"/>
-                <a:tab pos="9306560" algn="l"/>
-              </a:tabLst>
-            </a:pPr>
-            <a:r>
-              <a:rPr lang="en-CA" sz="900" dirty="0">
-                <a:latin typeface="Courier" pitchFamily="2" charset="0"/>
-                <a:ea typeface="Times New Roman" panose="02020603050405020304" pitchFamily="18" charset="0"/>
-                <a:cs typeface="Times New Roman" panose="02020603050405020304" pitchFamily="18" charset="0"/>
-              </a:rPr>
-              <a:t>   |       </a:t>
-            </a:r>
-            <a:r>
-              <a:rPr lang="en-CA" sz="900" dirty="0" err="1">
-                <a:latin typeface="Courier" pitchFamily="2" charset="0"/>
-                <a:ea typeface="Times New Roman" panose="02020603050405020304" pitchFamily="18" charset="0"/>
-                <a:cs typeface="Times New Roman" panose="02020603050405020304" pitchFamily="18" charset="0"/>
-              </a:rPr>
-              <a:t>DetNet</a:t>
-            </a:r>
-            <a:r>
-              <a:rPr lang="en-CA" sz="900" dirty="0">
-                <a:latin typeface="Courier" pitchFamily="2" charset="0"/>
-                <a:ea typeface="Times New Roman" panose="02020603050405020304" pitchFamily="18" charset="0"/>
-                <a:cs typeface="Times New Roman" panose="02020603050405020304" pitchFamily="18" charset="0"/>
-              </a:rPr>
-              <a:t> Control Word       |    |</a:t>
-            </a:r>
-            <a:endParaRPr lang="en-CA" sz="900" dirty="0">
-              <a:latin typeface="Courier" pitchFamily="2" charset="0"/>
-              <a:ea typeface="Calibri" panose="020F0502020204030204" pitchFamily="34" charset="0"/>
-              <a:cs typeface="Times New Roman" panose="02020603050405020304" pitchFamily="18" charset="0"/>
-            </a:endParaRPr>
-          </a:p>
-          <a:p>
-            <a:pPr>
-              <a:tabLst>
-                <a:tab pos="581660" algn="l"/>
-                <a:tab pos="1163320" algn="l"/>
-                <a:tab pos="1744980" algn="l"/>
-                <a:tab pos="2326640" algn="l"/>
-                <a:tab pos="2908300" algn="l"/>
-                <a:tab pos="3489960" algn="l"/>
-                <a:tab pos="4071620" algn="l"/>
-                <a:tab pos="4653280" algn="l"/>
-                <a:tab pos="5234940" algn="l"/>
-                <a:tab pos="5816600" algn="l"/>
-                <a:tab pos="6398260" algn="l"/>
-                <a:tab pos="6979920" algn="l"/>
-                <a:tab pos="7561580" algn="l"/>
-                <a:tab pos="8143240" algn="l"/>
-                <a:tab pos="8724900" algn="l"/>
-                <a:tab pos="9306560" algn="l"/>
-              </a:tabLst>
-            </a:pPr>
-            <a:r>
-              <a:rPr lang="en-CA" sz="900" dirty="0">
-                <a:latin typeface="Courier" pitchFamily="2" charset="0"/>
-                <a:ea typeface="Times New Roman" panose="02020603050405020304" pitchFamily="18" charset="0"/>
-                <a:cs typeface="Times New Roman" panose="02020603050405020304" pitchFamily="18" charset="0"/>
-              </a:rPr>
-              <a:t>   +---------------------------------+ &lt;--/</a:t>
-            </a:r>
-            <a:endParaRPr lang="en-CA" sz="900" dirty="0">
-              <a:latin typeface="Courier" pitchFamily="2" charset="0"/>
-              <a:ea typeface="Calibri" panose="020F0502020204030204" pitchFamily="34" charset="0"/>
-              <a:cs typeface="Times New Roman" panose="02020603050405020304" pitchFamily="18" charset="0"/>
-            </a:endParaRPr>
-          </a:p>
-          <a:p>
-            <a:pPr>
-              <a:tabLst>
-                <a:tab pos="581660" algn="l"/>
-                <a:tab pos="1163320" algn="l"/>
-                <a:tab pos="1744980" algn="l"/>
-                <a:tab pos="2326640" algn="l"/>
-                <a:tab pos="2908300" algn="l"/>
-                <a:tab pos="3489960" algn="l"/>
-                <a:tab pos="4071620" algn="l"/>
-                <a:tab pos="4653280" algn="l"/>
-                <a:tab pos="5234940" algn="l"/>
-                <a:tab pos="5816600" algn="l"/>
-                <a:tab pos="6398260" algn="l"/>
-                <a:tab pos="6979920" algn="l"/>
-                <a:tab pos="7561580" algn="l"/>
-                <a:tab pos="8143240" algn="l"/>
-                <a:tab pos="8724900" algn="l"/>
-                <a:tab pos="9306560" algn="l"/>
-              </a:tabLst>
-            </a:pPr>
-            <a:r>
-              <a:rPr lang="en-CA" sz="900" dirty="0">
-                <a:latin typeface="Courier" pitchFamily="2" charset="0"/>
-                <a:ea typeface="Times New Roman" panose="02020603050405020304" pitchFamily="18" charset="0"/>
-                <a:cs typeface="Times New Roman" panose="02020603050405020304" pitchFamily="18" charset="0"/>
-              </a:rPr>
-              <a:t>   |                                 |</a:t>
-            </a:r>
-            <a:endParaRPr lang="en-CA" sz="900" dirty="0">
-              <a:latin typeface="Courier" pitchFamily="2" charset="0"/>
-              <a:ea typeface="Calibri" panose="020F0502020204030204" pitchFamily="34" charset="0"/>
-              <a:cs typeface="Times New Roman" panose="02020603050405020304" pitchFamily="18" charset="0"/>
-            </a:endParaRPr>
-          </a:p>
-          <a:p>
-            <a:pPr>
-              <a:tabLst>
-                <a:tab pos="581660" algn="l"/>
-                <a:tab pos="1163320" algn="l"/>
-                <a:tab pos="1744980" algn="l"/>
-                <a:tab pos="2326640" algn="l"/>
-                <a:tab pos="2908300" algn="l"/>
-                <a:tab pos="3489960" algn="l"/>
-                <a:tab pos="4071620" algn="l"/>
-                <a:tab pos="4653280" algn="l"/>
-                <a:tab pos="5234940" algn="l"/>
-                <a:tab pos="5816600" algn="l"/>
-                <a:tab pos="6398260" algn="l"/>
-                <a:tab pos="6979920" algn="l"/>
-                <a:tab pos="7561580" algn="l"/>
-                <a:tab pos="8143240" algn="l"/>
-                <a:tab pos="8724900" algn="l"/>
-                <a:tab pos="9306560" algn="l"/>
-              </a:tabLst>
-            </a:pPr>
-            <a:r>
-              <a:rPr lang="en-CA" sz="900" dirty="0">
-                <a:latin typeface="Courier" pitchFamily="2" charset="0"/>
-                <a:ea typeface="Times New Roman" panose="02020603050405020304" pitchFamily="18" charset="0"/>
-                <a:cs typeface="Times New Roman" panose="02020603050405020304" pitchFamily="18" charset="0"/>
-              </a:rPr>
-              <a:t>   |           </a:t>
-            </a:r>
-            <a:r>
-              <a:rPr lang="en-CA" sz="900" dirty="0" err="1">
-                <a:latin typeface="Courier" pitchFamily="2" charset="0"/>
-                <a:ea typeface="Times New Roman" panose="02020603050405020304" pitchFamily="18" charset="0"/>
-                <a:cs typeface="Times New Roman" panose="02020603050405020304" pitchFamily="18" charset="0"/>
-              </a:rPr>
-              <a:t>DetNet</a:t>
-            </a:r>
-            <a:r>
-              <a:rPr lang="en-CA" sz="900" dirty="0">
-                <a:latin typeface="Courier" pitchFamily="2" charset="0"/>
-                <a:ea typeface="Times New Roman" panose="02020603050405020304" pitchFamily="18" charset="0"/>
-                <a:cs typeface="Times New Roman" panose="02020603050405020304" pitchFamily="18" charset="0"/>
-              </a:rPr>
-              <a:t> Flow           |</a:t>
-            </a:r>
-            <a:endParaRPr lang="en-CA" sz="900" dirty="0">
-              <a:latin typeface="Courier" pitchFamily="2" charset="0"/>
-              <a:ea typeface="Calibri" panose="020F0502020204030204" pitchFamily="34" charset="0"/>
-              <a:cs typeface="Times New Roman" panose="02020603050405020304" pitchFamily="18" charset="0"/>
-            </a:endParaRPr>
-          </a:p>
-          <a:p>
-            <a:pPr>
-              <a:tabLst>
-                <a:tab pos="581660" algn="l"/>
-                <a:tab pos="1163320" algn="l"/>
-                <a:tab pos="1744980" algn="l"/>
-                <a:tab pos="2326640" algn="l"/>
-                <a:tab pos="2908300" algn="l"/>
-                <a:tab pos="3489960" algn="l"/>
-                <a:tab pos="4071620" algn="l"/>
-                <a:tab pos="4653280" algn="l"/>
-                <a:tab pos="5234940" algn="l"/>
-                <a:tab pos="5816600" algn="l"/>
-                <a:tab pos="6398260" algn="l"/>
-                <a:tab pos="6979920" algn="l"/>
-                <a:tab pos="7561580" algn="l"/>
-                <a:tab pos="8143240" algn="l"/>
-                <a:tab pos="8724900" algn="l"/>
-                <a:tab pos="9306560" algn="l"/>
-              </a:tabLst>
-            </a:pPr>
-            <a:r>
-              <a:rPr lang="en-CA" sz="900" dirty="0">
-                <a:latin typeface="Courier" pitchFamily="2" charset="0"/>
-                <a:ea typeface="Times New Roman" panose="02020603050405020304" pitchFamily="18" charset="0"/>
-                <a:cs typeface="Times New Roman" panose="02020603050405020304" pitchFamily="18" charset="0"/>
-              </a:rPr>
-              <a:t>   |         Payload  Packet         |</a:t>
-            </a:r>
-            <a:endParaRPr lang="en-CA" sz="900" dirty="0">
-              <a:latin typeface="Courier" pitchFamily="2" charset="0"/>
-              <a:ea typeface="Calibri" panose="020F0502020204030204" pitchFamily="34" charset="0"/>
-              <a:cs typeface="Times New Roman" panose="02020603050405020304" pitchFamily="18" charset="0"/>
-            </a:endParaRPr>
-          </a:p>
-          <a:p>
-            <a:pPr>
-              <a:tabLst>
-                <a:tab pos="581660" algn="l"/>
-                <a:tab pos="1163320" algn="l"/>
-                <a:tab pos="1744980" algn="l"/>
-                <a:tab pos="2326640" algn="l"/>
-                <a:tab pos="2908300" algn="l"/>
-                <a:tab pos="3489960" algn="l"/>
-                <a:tab pos="4071620" algn="l"/>
-                <a:tab pos="4653280" algn="l"/>
-                <a:tab pos="5234940" algn="l"/>
-                <a:tab pos="5816600" algn="l"/>
-                <a:tab pos="6398260" algn="l"/>
-                <a:tab pos="6979920" algn="l"/>
-                <a:tab pos="7561580" algn="l"/>
-                <a:tab pos="8143240" algn="l"/>
-                <a:tab pos="8724900" algn="l"/>
-                <a:tab pos="9306560" algn="l"/>
-              </a:tabLst>
-            </a:pPr>
-            <a:r>
-              <a:rPr lang="en-CA" sz="900" dirty="0">
-                <a:latin typeface="Courier" pitchFamily="2" charset="0"/>
-                <a:ea typeface="Times New Roman" panose="02020603050405020304" pitchFamily="18" charset="0"/>
-                <a:cs typeface="Times New Roman" panose="02020603050405020304" pitchFamily="18" charset="0"/>
-              </a:rPr>
-              <a:t>   |                                 |</a:t>
-            </a:r>
-            <a:endParaRPr lang="en-CA" sz="900" dirty="0">
-              <a:latin typeface="Courier" pitchFamily="2" charset="0"/>
-              <a:ea typeface="Calibri" panose="020F0502020204030204" pitchFamily="34" charset="0"/>
-              <a:cs typeface="Times New Roman" panose="02020603050405020304" pitchFamily="18" charset="0"/>
-            </a:endParaRPr>
-          </a:p>
-          <a:p>
-            <a:pPr>
-              <a:tabLst>
-                <a:tab pos="581660" algn="l"/>
-                <a:tab pos="1163320" algn="l"/>
-                <a:tab pos="1744980" algn="l"/>
-                <a:tab pos="2326640" algn="l"/>
-                <a:tab pos="2908300" algn="l"/>
-                <a:tab pos="3489960" algn="l"/>
-                <a:tab pos="4071620" algn="l"/>
-                <a:tab pos="4653280" algn="l"/>
-                <a:tab pos="5234940" algn="l"/>
-                <a:tab pos="5816600" algn="l"/>
-                <a:tab pos="6398260" algn="l"/>
-                <a:tab pos="6979920" algn="l"/>
-                <a:tab pos="7561580" algn="l"/>
-                <a:tab pos="8143240" algn="l"/>
-                <a:tab pos="8724900" algn="l"/>
-                <a:tab pos="9306560" algn="l"/>
-              </a:tabLst>
-            </a:pPr>
-            <a:r>
-              <a:rPr lang="en-CA" sz="900" dirty="0">
-                <a:latin typeface="Courier" pitchFamily="2" charset="0"/>
-                <a:ea typeface="Times New Roman" panose="02020603050405020304" pitchFamily="18" charset="0"/>
-                <a:cs typeface="Times New Roman" panose="02020603050405020304" pitchFamily="18" charset="0"/>
-              </a:rPr>
-              <a:t>   +---------------------------------+ </a:t>
-            </a:r>
-            <a:endParaRPr lang="en-US" sz="900" dirty="0">
-              <a:latin typeface="Courier" pitchFamily="2" charset="0"/>
-            </a:endParaRPr>
-          </a:p>
-        </p:txBody>
-      </p:sp>
-      <p:sp>
-        <p:nvSpPr>
-          <p:cNvPr id="8" name="Rectangle 7">
-            <a:extLst>
-              <a:ext uri="{FF2B5EF4-FFF2-40B4-BE49-F238E27FC236}">
-                <a16:creationId xmlns:a16="http://schemas.microsoft.com/office/drawing/2014/main" id="{1794C68A-6915-4143-B1AA-507639CEF4CA}"/>
-              </a:ext>
-            </a:extLst>
-          </p:cNvPr>
-          <p:cNvSpPr/>
-          <p:nvPr/>
-        </p:nvSpPr>
-        <p:spPr>
-          <a:xfrm>
-            <a:off x="263165" y="4373821"/>
-            <a:ext cx="3336696" cy="261610"/>
-          </a:xfrm>
-          <a:prstGeom prst="rect">
-            <a:avLst/>
-          </a:prstGeom>
-        </p:spPr>
-        <p:txBody>
-          <a:bodyPr wrap="square">
-            <a:spAutoFit/>
-          </a:bodyPr>
-          <a:lstStyle/>
-          <a:p>
-            <a:pPr marL="171450" indent="-171450">
-              <a:buFont typeface="Arial" panose="020B0604020202020204" pitchFamily="34" charset="0"/>
-              <a:buChar char="•"/>
-            </a:pPr>
-            <a:r>
-              <a:rPr lang="en-CA" sz="1100" u="sng" dirty="0">
-                <a:solidFill>
-                  <a:srgbClr val="0563C1"/>
-                </a:solidFill>
-                <a:latin typeface="Calibri" panose="020F0502020204030204" pitchFamily="34" charset="0"/>
-                <a:ea typeface="Calibri" panose="020F0502020204030204" pitchFamily="34" charset="0"/>
-                <a:cs typeface="Times New Roman" panose="02020603050405020304" pitchFamily="18" charset="0"/>
-                <a:hlinkClick r:id="rId2"/>
-              </a:rPr>
-              <a:t>https://tools.ietf.org/html/draft-ietf-detnet-mpls-13</a:t>
-            </a:r>
-            <a:endParaRPr lang="en-CA" sz="1100" dirty="0">
-              <a:effectLst/>
-              <a:latin typeface="Calibri" panose="020F0502020204030204" pitchFamily="34" charset="0"/>
-              <a:ea typeface="Calibri" panose="020F0502020204030204" pitchFamily="34" charset="0"/>
-              <a:cs typeface="Times New Roman" panose="02020603050405020304" pitchFamily="18" charset="0"/>
-            </a:endParaRPr>
-          </a:p>
-        </p:txBody>
-      </p:sp>
-      <p:sp>
-        <p:nvSpPr>
-          <p:cNvPr id="10" name="Rectangle 9">
-            <a:extLst>
-              <a:ext uri="{FF2B5EF4-FFF2-40B4-BE49-F238E27FC236}">
-                <a16:creationId xmlns:a16="http://schemas.microsoft.com/office/drawing/2014/main" id="{099E41CA-21E8-664A-A8B2-DFA7AD69A38A}"/>
-              </a:ext>
-            </a:extLst>
-          </p:cNvPr>
-          <p:cNvSpPr/>
-          <p:nvPr/>
-        </p:nvSpPr>
-        <p:spPr>
-          <a:xfrm>
-            <a:off x="4876800" y="949464"/>
-            <a:ext cx="4152900" cy="707886"/>
-          </a:xfrm>
-          <a:prstGeom prst="rect">
-            <a:avLst/>
-          </a:prstGeom>
-          <a:solidFill>
-            <a:schemeClr val="accent6">
-              <a:lumMod val="20000"/>
-              <a:lumOff val="80000"/>
-            </a:schemeClr>
-          </a:solidFill>
-        </p:spPr>
-        <p:txBody>
-          <a:bodyPr wrap="square">
-            <a:spAutoFit/>
-          </a:bodyPr>
-          <a:lstStyle/>
-          <a:p>
-            <a:r>
-              <a:rPr lang="en-CA" sz="800" dirty="0">
-                <a:latin typeface="Courier" pitchFamily="2" charset="0"/>
-              </a:rPr>
-              <a:t>0                   1                   2                   3</a:t>
-            </a:r>
-          </a:p>
-          <a:p>
-            <a:r>
-              <a:rPr lang="en-CA" sz="800" dirty="0">
-                <a:latin typeface="Courier" pitchFamily="2" charset="0"/>
-              </a:rPr>
-              <a:t>0 1 2 3 4 5 6 7 8 9 0 1 2 3 4 5 6 7 8 9 0 1 2 3 4 5 6 7 8 9 0 1</a:t>
-            </a:r>
-          </a:p>
-          <a:p>
-            <a:r>
-              <a:rPr lang="en-CA" sz="800" dirty="0">
-                <a:latin typeface="Courier" pitchFamily="2" charset="0"/>
-              </a:rPr>
-              <a:t>+-+-+-+-+-+-+-+-+-+-+-+-+-+-+-+-+-+-+-+-+-+-+-+-+-+-+-+-+-+-+-+-+</a:t>
-            </a:r>
-          </a:p>
-          <a:p>
-            <a:r>
-              <a:rPr lang="en-CA" sz="800" dirty="0">
-                <a:latin typeface="Courier" pitchFamily="2" charset="0"/>
-              </a:rPr>
-              <a:t>|0 0 0 0|                Sequence Number                        |</a:t>
-            </a:r>
-          </a:p>
-          <a:p>
-            <a:r>
-              <a:rPr lang="en-CA" sz="800" dirty="0">
-                <a:latin typeface="Courier" pitchFamily="2" charset="0"/>
-              </a:rPr>
-              <a:t>+-+-+-+-+-+-+-+-+-+-+-+-+-+-+-+-+-+-+-+-+-+-+-+-+-+-+-+-+-+-+-+-+</a:t>
-            </a:r>
-          </a:p>
-        </p:txBody>
-      </p:sp>
-    </p:spTree>
-    <p:extLst>
-      <p:ext uri="{BB962C8B-B14F-4D97-AF65-F5344CB8AC3E}">
-        <p14:creationId xmlns:p14="http://schemas.microsoft.com/office/powerpoint/2010/main" val="3690752787"/>
-      </p:ext>
-    </p:extLst>
-  </p:cSld>
-  <p:clrMapOvr>
-    <a:masterClrMapping/>
-  </p:clrMapOvr>
-</p:sld>
-</file>
-
 <file path=ppt/slides/slide4.xml><?xml version="1.0" encoding="utf-8"?>
 <p:sld xmlns:a="http://schemas.openxmlformats.org/drawingml/2006/main" xmlns:r="http://schemas.openxmlformats.org/officeDocument/2006/relationships" xmlns:p="http://schemas.openxmlformats.org/presentationml/2006/main">
   <p:cSld>
@@ -17314,7 +15847,7 @@
             </a:r>
             <a:r>
               <a:rPr lang="en-CA" sz="1600" dirty="0"/>
-              <a:t>) to optimize the IOAM processing on transit nodes when not needed.</a:t>
+              <a:t>) to bypass IOAM processing on transit nodes in case of E2E IOAM.</a:t>
             </a:r>
           </a:p>
           <a:p>

--- a/draft-gandhi-mpls-ioam-sr-05.pptx
+++ b/draft-gandhi-mpls-ioam-sr-05.pptx
@@ -272,7 +272,7 @@
           <a:p>
             <a:fld id="{E8FA3DB5-7722-3F4F-947D-12B203669AD7}" type="datetimeFigureOut">
               <a:rPr lang="en-US" smtClean="0"/>
-              <a:t>1/20/21</a:t>
+              <a:t>1/23/21</a:t>
             </a:fld>
             <a:endParaRPr lang="en-US"/>
           </a:p>
@@ -12487,7 +12487,7 @@
         <p:spPr>
           <a:xfrm>
             <a:off x="129909" y="4253032"/>
-            <a:ext cx="1736496" cy="600164"/>
+            <a:ext cx="1736496" cy="430887"/>
           </a:xfrm>
           <a:prstGeom prst="rect">
             <a:avLst/>
@@ -12511,9 +12511,30 @@
                 <a:latin typeface="Calibri" panose="020F0502020204030204" pitchFamily="34" charset="0"/>
                 <a:ea typeface="Calibri" panose="020F0502020204030204" pitchFamily="34" charset="0"/>
                 <a:cs typeface="Times New Roman" panose="02020603050405020304" pitchFamily="18" charset="0"/>
-                <a:hlinkClick r:id="rId2"/>
-              </a:rPr>
-              <a:t>https://tools.ietf.org/html/draft-ietf-detnet-mpls-13</a:t>
+              </a:rPr>
+              <a:t>https://</a:t>
+            </a:r>
+            <a:r>
+              <a:rPr lang="en-CA" sz="1100" u="sng" dirty="0" err="1">
+                <a:solidFill>
+                  <a:srgbClr val="0563C1"/>
+                </a:solidFill>
+                <a:latin typeface="Calibri" panose="020F0502020204030204" pitchFamily="34" charset="0"/>
+                <a:ea typeface="Calibri" panose="020F0502020204030204" pitchFamily="34" charset="0"/>
+                <a:cs typeface="Times New Roman" panose="02020603050405020304" pitchFamily="18" charset="0"/>
+              </a:rPr>
+              <a:t>www.rfc-editor.org</a:t>
+            </a:r>
+            <a:r>
+              <a:rPr lang="en-CA" sz="1100" u="sng" dirty="0">
+                <a:solidFill>
+                  <a:srgbClr val="0563C1"/>
+                </a:solidFill>
+                <a:latin typeface="Calibri" panose="020F0502020204030204" pitchFamily="34" charset="0"/>
+                <a:ea typeface="Calibri" panose="020F0502020204030204" pitchFamily="34" charset="0"/>
+                <a:cs typeface="Times New Roman" panose="02020603050405020304" pitchFamily="18" charset="0"/>
+              </a:rPr>
+              <a:t>/info/rfc8964</a:t>
             </a:r>
             <a:endParaRPr lang="en-CA" sz="1100" dirty="0">
               <a:effectLst/>
@@ -13166,9 +13187,30 @@
                 <a:latin typeface="Calibri" panose="020F0502020204030204" pitchFamily="34" charset="0"/>
                 <a:ea typeface="Calibri" panose="020F0502020204030204" pitchFamily="34" charset="0"/>
                 <a:cs typeface="Times New Roman" panose="02020603050405020304" pitchFamily="18" charset="0"/>
-                <a:hlinkClick r:id="rId2"/>
-              </a:rPr>
-              <a:t>https://tools.ietf.org/html/draft-ietf-detnet-mpls-13</a:t>
+              </a:rPr>
+              <a:t>https://</a:t>
+            </a:r>
+            <a:r>
+              <a:rPr lang="en-CA" sz="1200" u="sng" dirty="0" err="1">
+                <a:solidFill>
+                  <a:srgbClr val="0563C1"/>
+                </a:solidFill>
+                <a:latin typeface="Calibri" panose="020F0502020204030204" pitchFamily="34" charset="0"/>
+                <a:ea typeface="Calibri" panose="020F0502020204030204" pitchFamily="34" charset="0"/>
+                <a:cs typeface="Times New Roman" panose="02020603050405020304" pitchFamily="18" charset="0"/>
+              </a:rPr>
+              <a:t>www.rfc-editor.org</a:t>
+            </a:r>
+            <a:r>
+              <a:rPr lang="en-CA" sz="1200" u="sng" dirty="0">
+                <a:solidFill>
+                  <a:srgbClr val="0563C1"/>
+                </a:solidFill>
+                <a:latin typeface="Calibri" panose="020F0502020204030204" pitchFamily="34" charset="0"/>
+                <a:ea typeface="Calibri" panose="020F0502020204030204" pitchFamily="34" charset="0"/>
+                <a:cs typeface="Times New Roman" panose="02020603050405020304" pitchFamily="18" charset="0"/>
+              </a:rPr>
+              <a:t>/info/rfc8964</a:t>
             </a:r>
             <a:endParaRPr lang="en-CA" sz="1200" dirty="0">
               <a:effectLst/>

--- a/draft-gandhi-mpls-ioam-sr-05.pptx
+++ b/draft-gandhi-mpls-ioam-sr-05.pptx
@@ -5,10 +5,10 @@
     <p:sldMasterId id="2147483648" r:id="rId1"/>
   </p:sldMasterIdLst>
   <p:notesMasterIdLst>
-    <p:notesMasterId r:id="rId31"/>
+    <p:notesMasterId r:id="rId30"/>
   </p:notesMasterIdLst>
   <p:handoutMasterIdLst>
-    <p:handoutMasterId r:id="rId32"/>
+    <p:handoutMasterId r:id="rId31"/>
   </p:handoutMasterIdLst>
   <p:sldIdLst>
     <p:sldId id="256" r:id="rId2"/>
@@ -28,18 +28,17 @@
     <p:sldId id="320" r:id="rId16"/>
     <p:sldId id="1680" r:id="rId17"/>
     <p:sldId id="1663" r:id="rId18"/>
-    <p:sldId id="1685" r:id="rId19"/>
-    <p:sldId id="1661" r:id="rId20"/>
-    <p:sldId id="303" r:id="rId21"/>
-    <p:sldId id="1670" r:id="rId22"/>
-    <p:sldId id="1667" r:id="rId23"/>
-    <p:sldId id="1688" r:id="rId24"/>
-    <p:sldId id="1687" r:id="rId25"/>
-    <p:sldId id="1690" r:id="rId26"/>
-    <p:sldId id="1696" r:id="rId27"/>
-    <p:sldId id="1695" r:id="rId28"/>
-    <p:sldId id="1686" r:id="rId29"/>
-    <p:sldId id="1669" r:id="rId30"/>
+    <p:sldId id="1661" r:id="rId19"/>
+    <p:sldId id="303" r:id="rId20"/>
+    <p:sldId id="1670" r:id="rId21"/>
+    <p:sldId id="1667" r:id="rId22"/>
+    <p:sldId id="1688" r:id="rId23"/>
+    <p:sldId id="1687" r:id="rId24"/>
+    <p:sldId id="1690" r:id="rId25"/>
+    <p:sldId id="1696" r:id="rId26"/>
+    <p:sldId id="1695" r:id="rId27"/>
+    <p:sldId id="1686" r:id="rId28"/>
+    <p:sldId id="1669" r:id="rId29"/>
   </p:sldIdLst>
   <p:sldSz cx="9144000" cy="5143500" type="screen16x9"/>
   <p:notesSz cx="6858000" cy="9144000"/>
@@ -272,7 +271,7 @@
           <a:p>
             <a:fld id="{E8FA3DB5-7722-3F4F-947D-12B203669AD7}" type="datetimeFigureOut">
               <a:rPr lang="en-US" smtClean="0"/>
-              <a:t>1/23/21</a:t>
+              <a:t>2/17/21</a:t>
             </a:fld>
             <a:endParaRPr lang="en-US"/>
           </a:p>
@@ -1230,7 +1229,7 @@
               <a:pPr>
                 <a:defRPr/>
               </a:pPr>
-              <a:t>19</a:t>
+              <a:t>18</a:t>
             </a:fld>
             <a:endParaRPr lang="en-US" altLang="zh-CN"/>
           </a:p>
@@ -1320,7 +1319,7 @@
               <a:pPr>
                 <a:defRPr/>
               </a:pPr>
-              <a:t>20</a:t>
+              <a:t>19</a:t>
             </a:fld>
             <a:endParaRPr lang="en-US" altLang="zh-CN"/>
           </a:p>
@@ -1410,7 +1409,7 @@
               <a:pPr>
                 <a:defRPr/>
               </a:pPr>
-              <a:t>21</a:t>
+              <a:t>20</a:t>
             </a:fld>
             <a:endParaRPr lang="en-US" altLang="zh-CN"/>
           </a:p>
@@ -1500,7 +1499,7 @@
               <a:pPr>
                 <a:defRPr/>
               </a:pPr>
-              <a:t>29</a:t>
+              <a:t>28</a:t>
             </a:fld>
             <a:endParaRPr lang="en-US" altLang="zh-CN"/>
           </a:p>
@@ -6015,7 +6014,7 @@
             </a:pPr>
             <a:r>
               <a:rPr lang="en-CA" sz="1800" dirty="0"/>
-              <a:t>The IOAM Enabled Label allocated by the decapsulating node</a:t>
+              <a:t>The IOAM Label allocated by the decapsulating node</a:t>
             </a:r>
           </a:p>
           <a:p>
@@ -6861,7 +6860,7 @@
                 <a:latin typeface="Calibri" panose="020F0502020204030204" pitchFamily="34" charset="0"/>
                 <a:cs typeface="Calibri" panose="020F0502020204030204" pitchFamily="34" charset="0"/>
               </a:rPr>
-              <a:t>cheng</a:t>
+              <a:t>ietf</a:t>
             </a:r>
             <a:r>
               <a:rPr lang="en-CA" sz="1400" dirty="0">
@@ -6912,7 +6911,7 @@
                 <a:latin typeface="Calibri" panose="020F0502020204030204" pitchFamily="34" charset="0"/>
                 <a:cs typeface="Calibri" panose="020F0502020204030204" pitchFamily="34" charset="0"/>
               </a:rPr>
-              <a:t>IOAM data packets may require Entropy label for ECMP to work around hashing issue due to ACH</a:t>
+              <a:t>IOAM data packets may require Entropy label for ECMP to work around hashing issue due to ACH for IP packets</a:t>
             </a:r>
           </a:p>
           <a:p>
@@ -7011,7 +7010,7 @@
           <a:p>
             <a:pPr marL="457200" lvl="0" indent="-457200">
               <a:lnSpc>
-                <a:spcPts val="2240"/>
+                <a:spcPts val="2140"/>
               </a:lnSpc>
               <a:spcBef>
                 <a:spcPts val="600"/>
@@ -7023,11 +7022,16 @@
               <a:rPr lang="en-CA" sz="1600" dirty="0"/>
               <a:t>E2E IOAM includes IOAM processing on encapsulating and decapsulating nodes.</a:t>
             </a:r>
+            <a:r>
+              <a:rPr lang="en-CA" sz="1600" b="1" dirty="0"/>
+              <a:t> The only E2E Option-Type is carried in the IOAM data field.</a:t>
+            </a:r>
+            <a:endParaRPr lang="en-CA" sz="1600" dirty="0"/>
           </a:p>
           <a:p>
             <a:pPr marL="457200" lvl="0" indent="-457200">
               <a:lnSpc>
-                <a:spcPts val="2240"/>
+                <a:spcPts val="2140"/>
               </a:lnSpc>
               <a:spcBef>
                 <a:spcPts val="600"/>
@@ -7037,13 +7041,13 @@
             </a:pPr>
             <a:r>
               <a:rPr lang="en-CA" sz="1600" dirty="0"/>
-              <a:t>The encapsulating node inserts an E2E Indicator Label and one or more IOAM data field(s) in the MPLS encapsulation.</a:t>
+              <a:t>The encapsulating node inserts an E2E Indicator Label and one or more IOAM data field(s) in the MPLS header.</a:t>
             </a:r>
           </a:p>
           <a:p>
             <a:pPr marL="457200" lvl="0" indent="-457200">
               <a:lnSpc>
-                <a:spcPts val="2240"/>
+                <a:spcPts val="2140"/>
               </a:lnSpc>
               <a:spcBef>
                 <a:spcPts val="600"/>
@@ -7053,13 +7057,13 @@
             </a:pPr>
             <a:r>
               <a:rPr lang="en-CA" sz="1600" dirty="0"/>
-              <a:t>The transit (intermediate) nodes do not process IOAM data.</a:t>
+              <a:t>The intermediate (intermediate) nodes do not process IOAM data.</a:t>
             </a:r>
           </a:p>
           <a:p>
             <a:pPr marL="457200" lvl="0" indent="-457200">
               <a:lnSpc>
-                <a:spcPts val="2240"/>
+                <a:spcPts val="2140"/>
               </a:lnSpc>
               <a:spcBef>
                 <a:spcPts val="600"/>
@@ -7075,7 +7079,7 @@
           <a:p>
             <a:pPr marL="857250" lvl="1" indent="-457200">
               <a:lnSpc>
-                <a:spcPts val="2240"/>
+                <a:spcPts val="2140"/>
               </a:lnSpc>
               <a:spcBef>
                 <a:spcPts val="600"/>
@@ -7091,7 +7095,7 @@
           <a:p>
             <a:pPr marL="457200" indent="-457200">
               <a:lnSpc>
-                <a:spcPts val="2240"/>
+                <a:spcPts val="2140"/>
               </a:lnSpc>
               <a:spcBef>
                 <a:spcPts val="600"/>
@@ -7107,7 +7111,7 @@
           <a:p>
             <a:pPr marL="857250" lvl="1" indent="-457200">
               <a:lnSpc>
-                <a:spcPts val="2240"/>
+                <a:spcPts val="2140"/>
               </a:lnSpc>
               <a:spcBef>
                 <a:spcPts val="600"/>
@@ -7539,6 +7543,16 @@
           <a:lstStyle/>
           <a:p>
             <a:r>
+              <a:rPr lang="en-CA" sz="3200" dirty="0">
+                <a:solidFill>
+                  <a:srgbClr val="0070C0"/>
+                </a:solidFill>
+                <a:latin typeface="Calibri Light" panose="020F0302020204030204" pitchFamily="34" charset="0"/>
+                <a:cs typeface="Calibri Light" panose="020F0302020204030204" pitchFamily="34" charset="0"/>
+              </a:rPr>
+              <a:t>MPLS Encapsulation with </a:t>
+            </a:r>
+            <a:r>
               <a:rPr lang="en-CA" sz="3200" dirty="0" err="1">
                 <a:solidFill>
                   <a:srgbClr val="0070C0"/>
@@ -7556,7 +7570,7 @@
                 <a:latin typeface="Calibri Light" panose="020F0302020204030204" pitchFamily="34" charset="0"/>
                 <a:cs typeface="Calibri Light" panose="020F0302020204030204" pitchFamily="34" charset="0"/>
               </a:rPr>
-              <a:t> IOAM Header with MPLS Encapsulation</a:t>
+              <a:t> IOAM Data Fields</a:t>
             </a:r>
             <a:endParaRPr lang="en-US" sz="3200" dirty="0">
               <a:solidFill>
@@ -7751,7 +7765,7 @@
               <a:rPr lang="en-CA" sz="1000" dirty="0">
                 <a:latin typeface="Courier" pitchFamily="2" charset="0"/>
               </a:rPr>
-              <a:t>                    |  | </a:t>
+              <a:t> (Type TBA3)        |  | </a:t>
             </a:r>
           </a:p>
           <a:p>
@@ -7887,7 +7901,7 @@
               <a:rPr lang="en-CA" sz="1000" dirty="0">
                 <a:latin typeface="Courier" pitchFamily="2" charset="0"/>
               </a:rPr>
-              <a:t>             Figure: </a:t>
+              <a:t>          Figure: MPLS Encapsulation with </a:t>
             </a:r>
             <a:r>
               <a:rPr lang="en-CA" sz="1000" dirty="0" err="1">
@@ -7899,7 +7913,7 @@
               <a:rPr lang="en-CA" sz="1000" dirty="0">
                 <a:latin typeface="Courier" pitchFamily="2" charset="0"/>
               </a:rPr>
-              <a:t> IOAM Header with MPLS Encapsulation</a:t>
+              <a:t> IOAM Data Fields</a:t>
             </a:r>
             <a:endParaRPr lang="en-CA" sz="1000" dirty="0">
               <a:latin typeface="Courier" pitchFamily="2" charset="0"/>
@@ -8054,7 +8068,7 @@
             </a:pPr>
             <a:r>
               <a:rPr lang="en-CA" sz="1800" dirty="0"/>
-              <a:t>The controller provisions the label on encapsulating, transit and decapsulating nodes</a:t>
+              <a:t>The controller provisions the label on encapsulating, intermediate and decapsulating nodes</a:t>
             </a:r>
           </a:p>
           <a:p>
@@ -8064,7 +8078,7 @@
             </a:pPr>
             <a:r>
               <a:rPr lang="en-CA" sz="1800" dirty="0"/>
-              <a:t>The IOAM Enabled Label allocated by the transit and decapsulating nodes</a:t>
+              <a:t>The IOAM Label allocated by the intermediate and decapsulating nodes</a:t>
             </a:r>
           </a:p>
           <a:p>
@@ -8238,7 +8252,7 @@
             <p:ph idx="1"/>
             <p:extLst>
               <p:ext uri="{D42A27DB-BD31-4B8C-83A1-F6EECF244321}">
-                <p14:modId xmlns:p14="http://schemas.microsoft.com/office/powerpoint/2010/main" val="2693674311"/>
+                <p14:modId xmlns:p14="http://schemas.microsoft.com/office/powerpoint/2010/main" val="2539712625"/>
               </p:ext>
             </p:extLst>
           </p:nvPr>
@@ -8268,21 +8282,21 @@
                     </a:ext>
                   </a:extLst>
                 </a:gridCol>
-                <a:gridCol w="1676400">
+                <a:gridCol w="1447798">
                   <a:extLst>
                     <a:ext uri="{9D8B030D-6E8A-4147-A177-3AD203B41FA5}">
                       <a16:colId xmlns:a16="http://schemas.microsoft.com/office/drawing/2014/main" val="4011394575"/>
                     </a:ext>
                   </a:extLst>
                 </a:gridCol>
-                <a:gridCol w="1569819">
+                <a:gridCol w="1676400">
                   <a:extLst>
                     <a:ext uri="{9D8B030D-6E8A-4147-A177-3AD203B41FA5}">
                       <a16:colId xmlns:a16="http://schemas.microsoft.com/office/drawing/2014/main" val="1670730324"/>
                     </a:ext>
                   </a:extLst>
                 </a:gridCol>
-                <a:gridCol w="1543517">
+                <a:gridCol w="1665538">
                   <a:extLst>
                     <a:ext uri="{9D8B030D-6E8A-4147-A177-3AD203B41FA5}">
                       <a16:colId xmlns:a16="http://schemas.microsoft.com/office/drawing/2014/main" val="975737954"/>
@@ -8873,8 +8887,8 @@
         </p:nvSpPr>
         <p:spPr bwMode="auto">
           <a:xfrm>
-            <a:off x="212102" y="3306969"/>
-            <a:ext cx="8458197" cy="1496993"/>
+            <a:off x="220352" y="3310379"/>
+            <a:ext cx="8779498" cy="1496993"/>
           </a:xfrm>
           <a:prstGeom prst="rect">
             <a:avLst/>
@@ -9065,7 +9079,7 @@
             </a:pPr>
             <a:r>
               <a:rPr lang="en-CA" sz="1200" kern="0" dirty="0"/>
-              <a:t>Entropy Label similarly also requires transit nodes to scan label stack, however, entropy label processing is optional whereas IOAM processing is not optional</a:t>
+              <a:t>Entropy Label similarly also requires intermediate nodes to scan label stack, however, entropy label processing is optional whereas IOAM processing is not optional</a:t>
             </a:r>
           </a:p>
           <a:p>
@@ -9075,14 +9089,14 @@
             </a:pPr>
             <a:r>
               <a:rPr lang="en-CA" sz="1200" kern="0" dirty="0"/>
-              <a:t>A transit node may have a limit on how many labels it can scan. </a:t>
+              <a:t>A intermediate node may have a limit on how many labels it can scan. </a:t>
             </a:r>
             <a:r>
               <a:rPr lang="en-CA" sz="1200" dirty="0">
                 <a:latin typeface="Calibri" panose="020F0502020204030204" pitchFamily="34" charset="0"/>
                 <a:cs typeface="Calibri" panose="020F0502020204030204" pitchFamily="34" charset="0"/>
               </a:rPr>
-              <a:t>With any indicator scheme, the node will have to look past EOS into the packet to find the IOAM data that needs to be processed</a:t>
+              <a:t>However, with any indicator scheme, the node will have to look past EOS into the packet to find the IOAM data that needs to be processed</a:t>
             </a:r>
           </a:p>
           <a:p>
@@ -9098,7 +9112,7 @@
                 <a:latin typeface="Calibri" panose="020F0502020204030204" pitchFamily="34" charset="0"/>
                 <a:cs typeface="Calibri" panose="020F0502020204030204" pitchFamily="34" charset="0"/>
               </a:rPr>
-              <a:t>IOAM data packets may require Entropy label for ECMP to work around hashing issue due to ACH</a:t>
+              <a:t>IOAM data packets may require Entropy label for ECMP to work around hashing issue due to ACH for IP packets</a:t>
             </a:r>
           </a:p>
         </p:txBody>
@@ -9188,8 +9202,8 @@
         </p:nvSpPr>
         <p:spPr>
           <a:xfrm>
-            <a:off x="457200" y="843138"/>
-            <a:ext cx="8229600" cy="3695700"/>
+            <a:off x="457200" y="770431"/>
+            <a:ext cx="8229600" cy="3875140"/>
           </a:xfrm>
         </p:spPr>
         <p:txBody>
@@ -9198,7 +9212,7 @@
           <a:p>
             <a:pPr marL="457200" indent="-457200">
               <a:lnSpc>
-                <a:spcPts val="1920"/>
+                <a:spcPts val="1820"/>
               </a:lnSpc>
               <a:spcBef>
                 <a:spcPts val="600"/>
@@ -9207,18 +9221,31 @@
               <a:buAutoNum type="arabicPeriod"/>
             </a:pPr>
             <a:r>
-              <a:rPr lang="en-CA" sz="1600" dirty="0" err="1"/>
+              <a:rPr lang="en-CA" sz="1400" dirty="0" err="1"/>
               <a:t>HbH</a:t>
             </a:r>
             <a:r>
-              <a:rPr lang="en-CA" sz="1600" dirty="0"/>
-              <a:t> IOAM includes IOAM processing on encapsulating, transit and decapsulating nodes.</a:t>
-            </a:r>
+              <a:rPr lang="en-CA" sz="1400" dirty="0"/>
+              <a:t> IOAM includes IOAM processing on encapsulating, intermediate and decapsulating nodes. </a:t>
+            </a:r>
+            <a:r>
+              <a:rPr lang="en-CA" sz="1400" b="1" dirty="0"/>
+              <a:t>Both </a:t>
+            </a:r>
+            <a:r>
+              <a:rPr lang="en-CA" sz="1400" b="1" dirty="0" err="1"/>
+              <a:t>HbH</a:t>
+            </a:r>
+            <a:r>
+              <a:rPr lang="en-CA" sz="1400" b="1" dirty="0"/>
+              <a:t> and E2E Option-Types can be carried in the IOAM data field(s).</a:t>
+            </a:r>
+            <a:endParaRPr lang="en-CA" sz="1400" dirty="0"/>
           </a:p>
           <a:p>
             <a:pPr marL="457200" lvl="0" indent="-457200">
               <a:lnSpc>
-                <a:spcPts val="1920"/>
+                <a:spcPts val="1820"/>
               </a:lnSpc>
               <a:spcBef>
                 <a:spcPts val="600"/>
@@ -9227,22 +9254,22 @@
               <a:buAutoNum type="arabicPeriod"/>
             </a:pPr>
             <a:r>
-              <a:rPr lang="en-CA" sz="1600" dirty="0"/>
+              <a:rPr lang="en-CA" sz="1400" dirty="0"/>
               <a:t>The encapsulating node inserts a </a:t>
             </a:r>
             <a:r>
-              <a:rPr lang="en-CA" sz="1600" dirty="0" err="1"/>
+              <a:rPr lang="en-CA" sz="1400" dirty="0" err="1"/>
               <a:t>HbH</a:t>
             </a:r>
             <a:r>
-              <a:rPr lang="en-CA" sz="1600" dirty="0"/>
+              <a:rPr lang="en-CA" sz="1400" dirty="0"/>
               <a:t> Indicator Label and one or more IOAM data field(s) in the MPLS encapsulation.</a:t>
             </a:r>
           </a:p>
           <a:p>
             <a:pPr marL="457200" indent="-457200">
               <a:lnSpc>
-                <a:spcPts val="1920"/>
+                <a:spcPts val="1820"/>
               </a:lnSpc>
               <a:spcBef>
                 <a:spcPts val="600"/>
@@ -9251,15 +9278,15 @@
               <a:buAutoNum type="arabicPeriod"/>
             </a:pPr>
             <a:r>
-              <a:rPr lang="en-CA" sz="1600" dirty="0">
+              <a:rPr lang="en-CA" sz="1400" dirty="0">
                 <a:solidFill>
                   <a:srgbClr val="0070C0"/>
                 </a:solidFill>
               </a:rPr>
-              <a:t>The transit (intermediate) nodes process </a:t>
-            </a:r>
-            <a:r>
-              <a:rPr lang="en-CA" sz="1600" dirty="0" err="1">
+              <a:t>The intermediate (intermediate) nodes process </a:t>
+            </a:r>
+            <a:r>
+              <a:rPr lang="en-CA" sz="1400" dirty="0" err="1">
                 <a:solidFill>
                   <a:srgbClr val="0070C0"/>
                 </a:solidFill>
@@ -9267,7 +9294,7 @@
               <a:t>HbH</a:t>
             </a:r>
             <a:r>
-              <a:rPr lang="en-CA" sz="1600" dirty="0">
+              <a:rPr lang="en-CA" sz="1400" dirty="0">
                 <a:solidFill>
                   <a:srgbClr val="0070C0"/>
                 </a:solidFill>
@@ -9278,7 +9305,7 @@
           <a:p>
             <a:pPr marL="857250" lvl="1" indent="-457200">
               <a:lnSpc>
-                <a:spcPts val="1920"/>
+                <a:spcPts val="1820"/>
               </a:lnSpc>
               <a:spcBef>
                 <a:spcPts val="600"/>
@@ -9287,18 +9314,18 @@
               <a:buAutoNum type="alphaLcPeriod"/>
             </a:pPr>
             <a:r>
-              <a:rPr lang="en-CA" sz="1600" dirty="0">
+              <a:rPr lang="en-CA" sz="1400" dirty="0">
                 <a:solidFill>
                   <a:srgbClr val="0070C0"/>
                 </a:solidFill>
               </a:rPr>
-              <a:t>The transit (intermediate) nodes may punt the timestamped copy of the data packet for further IOAM processing.</a:t>
+              <a:t>The intermediate (intermediate) nodes may punt the timestamped copy of the data packet for further IOAM processing.</a:t>
             </a:r>
           </a:p>
           <a:p>
             <a:pPr marL="457200" lvl="0" indent="-457200">
               <a:lnSpc>
-                <a:spcPts val="1920"/>
+                <a:spcPts val="1820"/>
               </a:lnSpc>
               <a:spcBef>
                 <a:spcPts val="600"/>
@@ -9307,14 +9334,14 @@
               <a:buAutoNum type="arabicPeriod"/>
             </a:pPr>
             <a:r>
-              <a:rPr lang="en-CA" sz="1600" dirty="0"/>
+              <a:rPr lang="en-CA" sz="1400" dirty="0"/>
               <a:t>The decapsulating node "punts the timestamped copy" of the data packet including IOAM data field(s). </a:t>
             </a:r>
           </a:p>
           <a:p>
             <a:pPr marL="857250" lvl="1" indent="-457200">
               <a:lnSpc>
-                <a:spcPts val="1920"/>
+                <a:spcPts val="1820"/>
               </a:lnSpc>
               <a:spcBef>
                 <a:spcPts val="600"/>
@@ -9323,14 +9350,14 @@
               <a:buAutoNum type="alphaLcPeriod"/>
             </a:pPr>
             <a:r>
-              <a:rPr lang="en-CA" sz="1600" dirty="0"/>
+              <a:rPr lang="en-CA" sz="1400" dirty="0"/>
               <a:t>The decapsulating node processes IOAM data field(s) from the punted packet.</a:t>
             </a:r>
           </a:p>
           <a:p>
             <a:pPr marL="457200" indent="-457200">
               <a:lnSpc>
-                <a:spcPts val="1920"/>
+                <a:spcPts val="1820"/>
               </a:lnSpc>
               <a:spcBef>
                 <a:spcPts val="600"/>
@@ -9339,14 +9366,14 @@
               <a:buAutoNum type="arabicPeriod"/>
             </a:pPr>
             <a:r>
-              <a:rPr lang="en-CA" sz="1600" dirty="0"/>
+              <a:rPr lang="en-CA" sz="1400" dirty="0"/>
               <a:t>The decapsulating node also pops the IOAM Indicator Label and the IOAM data field(s) from the MPLS encapsulation.</a:t>
             </a:r>
           </a:p>
           <a:p>
             <a:pPr marL="857250" lvl="1" indent="-457200">
               <a:lnSpc>
-                <a:spcPts val="1920"/>
+                <a:spcPts val="1820"/>
               </a:lnSpc>
               <a:spcBef>
                 <a:spcPts val="600"/>
@@ -9355,7 +9382,7 @@
               <a:buAutoNum type="alphaLcPeriod"/>
             </a:pPr>
             <a:r>
-              <a:rPr lang="en-CA" sz="1600" dirty="0"/>
+              <a:rPr lang="en-CA" sz="1400" dirty="0"/>
               <a:t>The decapsulating node forwards the data packet downstream.</a:t>
             </a:r>
           </a:p>
@@ -9457,13 +9484,7 @@
       </p:grpSpPr>
       <p:sp>
         <p:nvSpPr>
-          <p:cNvPr id="2" name="Title 1">
-            <a:extLst>
-              <a:ext uri="{FF2B5EF4-FFF2-40B4-BE49-F238E27FC236}">
-                <a16:creationId xmlns:a16="http://schemas.microsoft.com/office/drawing/2014/main" id="{590D0125-5A9E-9D48-9391-85FBD0E608A2}"/>
-              </a:ext>
-            </a:extLst>
-          </p:cNvPr>
+          <p:cNvPr id="2" name="Title 1"/>
           <p:cNvSpPr>
             <a:spLocks noGrp="1"/>
           </p:cNvSpPr>
@@ -9473,8 +9494,8 @@
         </p:nvSpPr>
         <p:spPr>
           <a:xfrm>
-            <a:off x="76200" y="102393"/>
-            <a:ext cx="8991600" cy="599270"/>
+            <a:off x="457200" y="38100"/>
+            <a:ext cx="8229600" cy="857250"/>
           </a:xfrm>
         </p:spPr>
         <p:txBody>
@@ -9482,54 +9503,77 @@
           <a:lstStyle/>
           <a:p>
             <a:r>
-              <a:rPr lang="en-CA" sz="3200" dirty="0" err="1">
+              <a:rPr lang="en-US" sz="3200" dirty="0">
                 <a:solidFill>
                   <a:srgbClr val="0070C0"/>
                 </a:solidFill>
                 <a:latin typeface="Calibri Light" panose="020F0302020204030204" pitchFamily="34" charset="0"/>
                 <a:cs typeface="Calibri Light" panose="020F0302020204030204" pitchFamily="34" charset="0"/>
               </a:rPr>
-              <a:t>HbH</a:t>
-            </a:r>
-            <a:r>
-              <a:rPr lang="en-CA" sz="3200" dirty="0">
-                <a:solidFill>
-                  <a:srgbClr val="0070C0"/>
-                </a:solidFill>
-                <a:latin typeface="Calibri Light" panose="020F0302020204030204" pitchFamily="34" charset="0"/>
-                <a:cs typeface="Calibri Light" panose="020F0302020204030204" pitchFamily="34" charset="0"/>
-              </a:rPr>
-              <a:t> IOAM Header with MPLS Encapsulation</a:t>
-            </a:r>
-            <a:endParaRPr lang="en-US" sz="3200" dirty="0">
-              <a:solidFill>
-                <a:srgbClr val="0070C0"/>
-              </a:solidFill>
-              <a:latin typeface="Calibri Light" panose="020F0302020204030204" pitchFamily="34" charset="0"/>
-              <a:cs typeface="Calibri Light" panose="020F0302020204030204" pitchFamily="34" charset="0"/>
-            </a:endParaRPr>
-          </a:p>
-        </p:txBody>
-      </p:sp>
-      <p:sp>
-        <p:nvSpPr>
-          <p:cNvPr id="4" name="Footer Placeholder 3">
-            <a:extLst>
-              <a:ext uri="{FF2B5EF4-FFF2-40B4-BE49-F238E27FC236}">
-                <a16:creationId xmlns:a16="http://schemas.microsoft.com/office/drawing/2014/main" id="{87713FCD-3B47-804D-B373-DAB61FB5FF59}"/>
-              </a:ext>
-            </a:extLst>
-          </p:cNvPr>
+              <a:t>Next Steps</a:t>
+            </a:r>
+          </a:p>
+        </p:txBody>
+      </p:sp>
+      <p:sp>
+        <p:nvSpPr>
+          <p:cNvPr id="3" name="Content Placeholder 2"/>
           <p:cNvSpPr>
             <a:spLocks noGrp="1"/>
           </p:cNvSpPr>
           <p:nvPr>
-            <p:ph type="ftr" sz="quarter" idx="11"/>
+            <p:ph idx="1"/>
           </p:nvPr>
         </p:nvSpPr>
         <p:spPr>
           <a:xfrm>
-            <a:off x="3124200" y="4781550"/>
+            <a:off x="762000" y="1200150"/>
+            <a:ext cx="7772400" cy="2743200"/>
+          </a:xfrm>
+        </p:spPr>
+        <p:txBody>
+          <a:bodyPr/>
+          <a:lstStyle/>
+          <a:p>
+            <a:pPr lvl="0"/>
+            <a:r>
+              <a:rPr lang="en-US" sz="2400" dirty="0">
+                <a:latin typeface="Calibri" charset="0"/>
+                <a:ea typeface="Calibri" charset="0"/>
+                <a:cs typeface="Calibri" charset="0"/>
+              </a:rPr>
+              <a:t>Welcome your comments and suggestions</a:t>
+            </a:r>
+          </a:p>
+          <a:p>
+            <a:r>
+              <a:rPr lang="en-US" sz="2400" dirty="0"/>
+              <a:t>Requesting MPLS WG adoption</a:t>
+            </a:r>
+          </a:p>
+          <a:p>
+            <a:pPr lvl="0"/>
+            <a:endParaRPr lang="en-US" sz="2400" dirty="0">
+              <a:latin typeface="Calibri" charset="0"/>
+              <a:ea typeface="Calibri" charset="0"/>
+              <a:cs typeface="Calibri" charset="0"/>
+            </a:endParaRPr>
+          </a:p>
+        </p:txBody>
+      </p:sp>
+      <p:sp>
+        <p:nvSpPr>
+          <p:cNvPr id="4" name="Footer Placeholder 3"/>
+          <p:cNvSpPr>
+            <a:spLocks noGrp="1"/>
+          </p:cNvSpPr>
+          <p:nvPr>
+            <p:ph type="ftr" sz="quarter" idx="11"/>
+          </p:nvPr>
+        </p:nvSpPr>
+        <p:spPr>
+          <a:xfrm>
+            <a:off x="3124200" y="4787315"/>
             <a:ext cx="2895600" cy="357188"/>
           </a:xfrm>
         </p:spPr>
@@ -9554,13 +9598,7 @@
       </p:sp>
       <p:sp>
         <p:nvSpPr>
-          <p:cNvPr id="5" name="Slide Number Placeholder 4">
-            <a:extLst>
-              <a:ext uri="{FF2B5EF4-FFF2-40B4-BE49-F238E27FC236}">
-                <a16:creationId xmlns:a16="http://schemas.microsoft.com/office/drawing/2014/main" id="{1371408B-9195-EC4D-8131-A3F5CC0592D0}"/>
-              </a:ext>
-            </a:extLst>
-          </p:cNvPr>
+          <p:cNvPr id="5" name="Slide Number Placeholder 4"/>
           <p:cNvSpPr>
             <a:spLocks noGrp="1"/>
           </p:cNvSpPr>
@@ -9582,444 +9620,6 @@
                 <a:defRPr/>
               </a:pPr>
               <a:t>18</a:t>
-            </a:fld>
-            <a:endParaRPr lang="en-US" altLang="zh-CN"/>
-          </a:p>
-        </p:txBody>
-      </p:sp>
-      <p:sp>
-        <p:nvSpPr>
-          <p:cNvPr id="6" name="Rectangle 5">
-            <a:extLst>
-              <a:ext uri="{FF2B5EF4-FFF2-40B4-BE49-F238E27FC236}">
-                <a16:creationId xmlns:a16="http://schemas.microsoft.com/office/drawing/2014/main" id="{1EED4007-3A19-0E4E-8496-6CECEEA363EB}"/>
-              </a:ext>
-            </a:extLst>
-          </p:cNvPr>
-          <p:cNvSpPr/>
-          <p:nvPr/>
-        </p:nvSpPr>
-        <p:spPr>
-          <a:xfrm>
-            <a:off x="1676400" y="908659"/>
-            <a:ext cx="5791200" cy="3631763"/>
-          </a:xfrm>
-          <a:prstGeom prst="rect">
-            <a:avLst/>
-          </a:prstGeom>
-          <a:solidFill>
-            <a:schemeClr val="accent6">
-              <a:lumMod val="20000"/>
-              <a:lumOff val="80000"/>
-            </a:schemeClr>
-          </a:solidFill>
-        </p:spPr>
-        <p:txBody>
-          <a:bodyPr wrap="square">
-            <a:spAutoFit/>
-          </a:bodyPr>
-          <a:lstStyle/>
-          <a:p>
-            <a:r>
-              <a:rPr lang="en-CA" sz="1000" dirty="0">
-                <a:latin typeface="Courier" pitchFamily="2" charset="0"/>
-              </a:rPr>
-              <a:t>   0                   1                   2                   3</a:t>
-            </a:r>
-          </a:p>
-          <a:p>
-            <a:r>
-              <a:rPr lang="en-CA" sz="1000" dirty="0">
-                <a:latin typeface="Courier" pitchFamily="2" charset="0"/>
-              </a:rPr>
-              <a:t>   0 1 2 3 4 5 6 7 8 9 0 1 2 3 4 5 6 7 8 9 0 1 2 3 4 5 6 7 8 9 0 1</a:t>
-            </a:r>
-          </a:p>
-          <a:p>
-            <a:r>
-              <a:rPr lang="en-CA" sz="1000" dirty="0">
-                <a:latin typeface="Courier" pitchFamily="2" charset="0"/>
-              </a:rPr>
-              <a:t>   +-+-+-+-+-+-+-+-+-+-+-+-+-+-+-+-+-+-+-+-+-+-+-+-+-+-+-+-+-+-+-+-+</a:t>
-            </a:r>
-          </a:p>
-          <a:p>
-            <a:r>
-              <a:rPr lang="en-CA" sz="1000" dirty="0">
-                <a:latin typeface="Courier" pitchFamily="2" charset="0"/>
-              </a:rPr>
-              <a:t>   |  </a:t>
-            </a:r>
-            <a:r>
-              <a:rPr lang="en-CA" sz="1000" b="1" dirty="0" err="1">
-                <a:latin typeface="Courier" pitchFamily="2" charset="0"/>
-              </a:rPr>
-              <a:t>HbH</a:t>
-            </a:r>
-            <a:r>
-              <a:rPr lang="en-CA" sz="1000" b="1" dirty="0">
-                <a:latin typeface="Courier" pitchFamily="2" charset="0"/>
-              </a:rPr>
-              <a:t> IOAM Indicator Label             </a:t>
-            </a:r>
-            <a:r>
-              <a:rPr lang="en-CA" sz="1000" dirty="0">
-                <a:latin typeface="Courier" pitchFamily="2" charset="0"/>
-              </a:rPr>
-              <a:t>| TC  |1|  TTL          |</a:t>
-            </a:r>
-          </a:p>
-          <a:p>
-            <a:r>
-              <a:rPr lang="en-CA" sz="1000" dirty="0">
-                <a:latin typeface="Courier" pitchFamily="2" charset="0"/>
-              </a:rPr>
-              <a:t>   +-+-+-+-+-+-+-+-+-+-+-+-+-+-+-+-+-+-+-+-+-+-+-+-+-+-+-+-+-+-+-+-+&lt;-+ </a:t>
-            </a:r>
-          </a:p>
-          <a:p>
-            <a:r>
-              <a:rPr lang="en-CA" sz="1000" dirty="0">
-                <a:latin typeface="Courier" pitchFamily="2" charset="0"/>
-              </a:rPr>
-              <a:t>   |0 0 0 1|Version| Reserved      | IOAM G-</a:t>
-            </a:r>
-            <a:r>
-              <a:rPr lang="en-CA" sz="1000" dirty="0" err="1">
-                <a:latin typeface="Courier" pitchFamily="2" charset="0"/>
-              </a:rPr>
-              <a:t>ACh</a:t>
-            </a:r>
-            <a:r>
-              <a:rPr lang="en-CA" sz="1000" dirty="0">
-                <a:latin typeface="Courier" pitchFamily="2" charset="0"/>
-              </a:rPr>
-              <a:t>                    |  | </a:t>
-            </a:r>
-          </a:p>
-          <a:p>
-            <a:r>
-              <a:rPr lang="en-CA" sz="1000" dirty="0">
-                <a:latin typeface="Courier" pitchFamily="2" charset="0"/>
-              </a:rPr>
-              <a:t>   +-+-+-+-+-+-+-+-+-+-+-+-+-+-+-+-+-+-+-+-+-+-+-+-+-+-+-+-+-+-+-+-+  | </a:t>
-            </a:r>
-          </a:p>
-          <a:p>
-            <a:r>
-              <a:rPr lang="en-CA" sz="1000" dirty="0">
-                <a:latin typeface="Courier" pitchFamily="2" charset="0"/>
-              </a:rPr>
-              <a:t>   | Reserved      | Block Number  | IOAM-OPT-Type |IOAM HDR Length|  |</a:t>
-            </a:r>
-          </a:p>
-          <a:p>
-            <a:r>
-              <a:rPr lang="en-CA" sz="1000" dirty="0">
-                <a:latin typeface="Courier" pitchFamily="2" charset="0"/>
-              </a:rPr>
-              <a:t>   +-+-+-+-+-+-+-+-+-+-+-+-+-+-+-+-+-+-+-+-+-+-+-+-+-+-+-+-+-+-+-+-+  I</a:t>
-            </a:r>
-          </a:p>
-          <a:p>
-            <a:r>
-              <a:rPr lang="en-CA" sz="1000" dirty="0">
-                <a:latin typeface="Courier" pitchFamily="2" charset="0"/>
-              </a:rPr>
-              <a:t>   |                                                               |  O</a:t>
-            </a:r>
-          </a:p>
-          <a:p>
-            <a:r>
-              <a:rPr lang="en-CA" sz="1000" dirty="0">
-                <a:latin typeface="Courier" pitchFamily="2" charset="0"/>
-              </a:rPr>
-              <a:t>   |                                                               |  A</a:t>
-            </a:r>
-          </a:p>
-          <a:p>
-            <a:r>
-              <a:rPr lang="en-CA" sz="1000" dirty="0">
-                <a:latin typeface="Courier" pitchFamily="2" charset="0"/>
-              </a:rPr>
-              <a:t>   ~                 IOAM Option and Data Space                    ~  M</a:t>
-            </a:r>
-          </a:p>
-          <a:p>
-            <a:r>
-              <a:rPr lang="en-CA" sz="1000" dirty="0">
-                <a:latin typeface="Courier" pitchFamily="2" charset="0"/>
-              </a:rPr>
-              <a:t>   |                                                               |  |</a:t>
-            </a:r>
-          </a:p>
-          <a:p>
-            <a:r>
-              <a:rPr lang="en-CA" sz="1000" dirty="0">
-                <a:latin typeface="Courier" pitchFamily="2" charset="0"/>
-              </a:rPr>
-              <a:t>   |                                                               |  |</a:t>
-            </a:r>
-          </a:p>
-          <a:p>
-            <a:r>
-              <a:rPr lang="en-CA" sz="1000" dirty="0">
-                <a:latin typeface="Courier" pitchFamily="2" charset="0"/>
-              </a:rPr>
-              <a:t>   +-+-+-+-+-+-+-+-+-+-+-+-+-+-+-+-+-+-+-+-+-+-+-+-+-+-+-+-+-+-+-+-+&lt;-+</a:t>
-            </a:r>
-          </a:p>
-          <a:p>
-            <a:r>
-              <a:rPr lang="en-CA" sz="1000" dirty="0">
-                <a:latin typeface="Courier" pitchFamily="2" charset="0"/>
-              </a:rPr>
-              <a:t>   |                                                               |</a:t>
-            </a:r>
-          </a:p>
-          <a:p>
-            <a:r>
-              <a:rPr lang="en-CA" sz="1000" dirty="0">
-                <a:latin typeface="Courier" pitchFamily="2" charset="0"/>
-              </a:rPr>
-              <a:t>   |                                                               |</a:t>
-            </a:r>
-          </a:p>
-          <a:p>
-            <a:r>
-              <a:rPr lang="en-CA" sz="1000" dirty="0">
-                <a:latin typeface="Courier" pitchFamily="2" charset="0"/>
-              </a:rPr>
-              <a:t>   ~                 Payload + Padding                             ~</a:t>
-            </a:r>
-          </a:p>
-          <a:p>
-            <a:r>
-              <a:rPr lang="en-CA" sz="1000" dirty="0">
-                <a:latin typeface="Courier" pitchFamily="2" charset="0"/>
-              </a:rPr>
-              <a:t>   |                                                               |</a:t>
-            </a:r>
-          </a:p>
-          <a:p>
-            <a:r>
-              <a:rPr lang="en-CA" sz="1000" dirty="0">
-                <a:latin typeface="Courier" pitchFamily="2" charset="0"/>
-              </a:rPr>
-              <a:t>   |                                                               |</a:t>
-            </a:r>
-          </a:p>
-          <a:p>
-            <a:r>
-              <a:rPr lang="en-CA" sz="1000" dirty="0">
-                <a:latin typeface="Courier" pitchFamily="2" charset="0"/>
-              </a:rPr>
-              <a:t>   +-+-+-+-+-+-+-+-+-+-+-+-+-+-+-+-+-+-+-+-+-+-+-+-+-+-+-+-+-+-+-+-+</a:t>
-            </a:r>
-          </a:p>
-          <a:p>
-            <a:r>
-              <a:rPr lang="en-CA" sz="1000" dirty="0">
-                <a:latin typeface="Courier" pitchFamily="2" charset="0"/>
-              </a:rPr>
-              <a:t> </a:t>
-            </a:r>
-          </a:p>
-          <a:p>
-            <a:r>
-              <a:rPr lang="en-CA" sz="1000" dirty="0">
-                <a:latin typeface="Courier" pitchFamily="2" charset="0"/>
-              </a:rPr>
-              <a:t>              Figure: </a:t>
-            </a:r>
-            <a:r>
-              <a:rPr lang="en-CA" sz="1000" dirty="0" err="1">
-                <a:latin typeface="Courier" pitchFamily="2" charset="0"/>
-              </a:rPr>
-              <a:t>HbH</a:t>
-            </a:r>
-            <a:r>
-              <a:rPr lang="en-CA" sz="1000" dirty="0">
-                <a:latin typeface="Courier" pitchFamily="2" charset="0"/>
-              </a:rPr>
-              <a:t> IOAM Header with MPLS Encapsulation</a:t>
-            </a:r>
-            <a:endParaRPr lang="en-CA" sz="1000" dirty="0">
-              <a:latin typeface="Courier" pitchFamily="2" charset="0"/>
-              <a:ea typeface="Calibri" panose="020F0502020204030204" pitchFamily="34" charset="0"/>
-              <a:cs typeface="Times New Roman" panose="02020603050405020304" pitchFamily="18" charset="0"/>
-            </a:endParaRPr>
-          </a:p>
-        </p:txBody>
-      </p:sp>
-    </p:spTree>
-    <p:extLst>
-      <p:ext uri="{BB962C8B-B14F-4D97-AF65-F5344CB8AC3E}">
-        <p14:creationId xmlns:p14="http://schemas.microsoft.com/office/powerpoint/2010/main" val="3129530889"/>
-      </p:ext>
-    </p:extLst>
-  </p:cSld>
-  <p:clrMapOvr>
-    <a:masterClrMapping/>
-  </p:clrMapOvr>
-</p:sld>
-</file>
-
-<file path=ppt/slides/slide19.xml><?xml version="1.0" encoding="utf-8"?>
-<p:sld xmlns:a="http://schemas.openxmlformats.org/drawingml/2006/main" xmlns:r="http://schemas.openxmlformats.org/officeDocument/2006/relationships" xmlns:p="http://schemas.openxmlformats.org/presentationml/2006/main">
-  <p:cSld>
-    <p:spTree>
-      <p:nvGrpSpPr>
-        <p:cNvPr id="1" name=""/>
-        <p:cNvGrpSpPr/>
-        <p:nvPr/>
-      </p:nvGrpSpPr>
-      <p:grpSpPr>
-        <a:xfrm>
-          <a:off x="0" y="0"/>
-          <a:ext cx="0" cy="0"/>
-          <a:chOff x="0" y="0"/>
-          <a:chExt cx="0" cy="0"/>
-        </a:xfrm>
-      </p:grpSpPr>
-      <p:sp>
-        <p:nvSpPr>
-          <p:cNvPr id="2" name="Title 1"/>
-          <p:cNvSpPr>
-            <a:spLocks noGrp="1"/>
-          </p:cNvSpPr>
-          <p:nvPr>
-            <p:ph type="title"/>
-          </p:nvPr>
-        </p:nvSpPr>
-        <p:spPr>
-          <a:xfrm>
-            <a:off x="457200" y="38100"/>
-            <a:ext cx="8229600" cy="857250"/>
-          </a:xfrm>
-        </p:spPr>
-        <p:txBody>
-          <a:bodyPr/>
-          <a:lstStyle/>
-          <a:p>
-            <a:r>
-              <a:rPr lang="en-US" sz="3200" dirty="0">
-                <a:solidFill>
-                  <a:srgbClr val="0070C0"/>
-                </a:solidFill>
-                <a:latin typeface="Calibri Light" panose="020F0302020204030204" pitchFamily="34" charset="0"/>
-                <a:cs typeface="Calibri Light" panose="020F0302020204030204" pitchFamily="34" charset="0"/>
-              </a:rPr>
-              <a:t>Next Steps</a:t>
-            </a:r>
-          </a:p>
-        </p:txBody>
-      </p:sp>
-      <p:sp>
-        <p:nvSpPr>
-          <p:cNvPr id="3" name="Content Placeholder 2"/>
-          <p:cNvSpPr>
-            <a:spLocks noGrp="1"/>
-          </p:cNvSpPr>
-          <p:nvPr>
-            <p:ph idx="1"/>
-          </p:nvPr>
-        </p:nvSpPr>
-        <p:spPr>
-          <a:xfrm>
-            <a:off x="762000" y="1200150"/>
-            <a:ext cx="7772400" cy="2743200"/>
-          </a:xfrm>
-        </p:spPr>
-        <p:txBody>
-          <a:bodyPr/>
-          <a:lstStyle/>
-          <a:p>
-            <a:pPr lvl="0"/>
-            <a:r>
-              <a:rPr lang="en-US" sz="2400" dirty="0">
-                <a:latin typeface="Calibri" charset="0"/>
-                <a:ea typeface="Calibri" charset="0"/>
-                <a:cs typeface="Calibri" charset="0"/>
-              </a:rPr>
-              <a:t>Welcome your comments and suggestions</a:t>
-            </a:r>
-          </a:p>
-          <a:p>
-            <a:r>
-              <a:rPr lang="en-US" sz="2400" dirty="0"/>
-              <a:t>Requesting MPLS WG adoption</a:t>
-            </a:r>
-          </a:p>
-          <a:p>
-            <a:pPr lvl="0"/>
-            <a:endParaRPr lang="en-US" sz="2400" dirty="0">
-              <a:latin typeface="Calibri" charset="0"/>
-              <a:ea typeface="Calibri" charset="0"/>
-              <a:cs typeface="Calibri" charset="0"/>
-            </a:endParaRPr>
-          </a:p>
-        </p:txBody>
-      </p:sp>
-      <p:sp>
-        <p:nvSpPr>
-          <p:cNvPr id="4" name="Footer Placeholder 3"/>
-          <p:cNvSpPr>
-            <a:spLocks noGrp="1"/>
-          </p:cNvSpPr>
-          <p:nvPr>
-            <p:ph type="ftr" sz="quarter" idx="11"/>
-          </p:nvPr>
-        </p:nvSpPr>
-        <p:spPr>
-          <a:xfrm>
-            <a:off x="3124200" y="4787315"/>
-            <a:ext cx="2895600" cy="357188"/>
-          </a:xfrm>
-        </p:spPr>
-        <p:txBody>
-          <a:bodyPr/>
-          <a:lstStyle/>
-          <a:p>
-            <a:r>
-              <a:rPr lang="en-CA" dirty="0"/>
-              <a:t>110</a:t>
-            </a:r>
-            <a:r>
-              <a:rPr lang="en-CA" baseline="30000" dirty="0"/>
-              <a:t>th</a:t>
-            </a:r>
-            <a:r>
-              <a:rPr lang="en-CA" dirty="0"/>
-              <a:t> IETF Online</a:t>
-            </a:r>
-          </a:p>
-        </p:txBody>
-      </p:sp>
-      <p:sp>
-        <p:nvSpPr>
-          <p:cNvPr id="5" name="Slide Number Placeholder 4"/>
-          <p:cNvSpPr>
-            <a:spLocks noGrp="1"/>
-          </p:cNvSpPr>
-          <p:nvPr>
-            <p:ph type="sldNum" sz="quarter" idx="12"/>
-          </p:nvPr>
-        </p:nvSpPr>
-        <p:spPr/>
-        <p:txBody>
-          <a:bodyPr/>
-          <a:lstStyle/>
-          <a:p>
-            <a:pPr>
-              <a:defRPr/>
-            </a:pPr>
-            <a:fld id="{BD6E0F59-1DD8-40FC-9C92-B6295CBA6CCA}" type="slidenum">
-              <a:rPr lang="en-US" altLang="zh-CN" smtClean="0"/>
-              <a:pPr>
-                <a:defRPr/>
-              </a:pPr>
-              <a:t>19</a:t>
             </a:fld>
             <a:endParaRPr lang="en-US" altLang="zh-CN"/>
           </a:p>
@@ -10038,173 +9638,7 @@
 </p:sld>
 </file>
 
-<file path=ppt/slides/slide2.xml><?xml version="1.0" encoding="utf-8"?>
-<p:sld xmlns:a="http://schemas.openxmlformats.org/drawingml/2006/main" xmlns:r="http://schemas.openxmlformats.org/officeDocument/2006/relationships" xmlns:p="http://schemas.openxmlformats.org/presentationml/2006/main">
-  <p:cSld>
-    <p:spTree>
-      <p:nvGrpSpPr>
-        <p:cNvPr id="1" name=""/>
-        <p:cNvGrpSpPr/>
-        <p:nvPr/>
-      </p:nvGrpSpPr>
-      <p:grpSpPr>
-        <a:xfrm>
-          <a:off x="0" y="0"/>
-          <a:ext cx="0" cy="0"/>
-          <a:chOff x="0" y="0"/>
-          <a:chExt cx="0" cy="0"/>
-        </a:xfrm>
-      </p:grpSpPr>
-      <p:sp>
-        <p:nvSpPr>
-          <p:cNvPr id="2" name="Title 1"/>
-          <p:cNvSpPr>
-            <a:spLocks noGrp="1"/>
-          </p:cNvSpPr>
-          <p:nvPr>
-            <p:ph type="title"/>
-          </p:nvPr>
-        </p:nvSpPr>
-        <p:spPr>
-          <a:xfrm>
-            <a:off x="457200" y="0"/>
-            <a:ext cx="8229600" cy="857250"/>
-          </a:xfrm>
-        </p:spPr>
-        <p:txBody>
-          <a:bodyPr/>
-          <a:lstStyle/>
-          <a:p>
-            <a:r>
-              <a:rPr lang="en-US" sz="3600" dirty="0">
-                <a:solidFill>
-                  <a:srgbClr val="0070C0"/>
-                </a:solidFill>
-                <a:latin typeface="Calibri Light" panose="020F0302020204030204" pitchFamily="34" charset="0"/>
-                <a:cs typeface="Calibri Light" panose="020F0302020204030204" pitchFamily="34" charset="0"/>
-              </a:rPr>
-              <a:t>Agenda</a:t>
-            </a:r>
-          </a:p>
-        </p:txBody>
-      </p:sp>
-      <p:sp>
-        <p:nvSpPr>
-          <p:cNvPr id="3" name="Content Placeholder 2"/>
-          <p:cNvSpPr>
-            <a:spLocks noGrp="1"/>
-          </p:cNvSpPr>
-          <p:nvPr>
-            <p:ph idx="1"/>
-          </p:nvPr>
-        </p:nvSpPr>
-        <p:spPr>
-          <a:xfrm>
-            <a:off x="685799" y="1009650"/>
-            <a:ext cx="7772401" cy="3124200"/>
-          </a:xfrm>
-        </p:spPr>
-        <p:txBody>
-          <a:bodyPr/>
-          <a:lstStyle/>
-          <a:p>
-            <a:r>
-              <a:rPr lang="en-US" sz="2400" dirty="0"/>
-              <a:t>Requirements and Scope</a:t>
-            </a:r>
-          </a:p>
-          <a:p>
-            <a:r>
-              <a:rPr lang="en-US" sz="2400" dirty="0"/>
-              <a:t>Summary</a:t>
-            </a:r>
-          </a:p>
-          <a:p>
-            <a:r>
-              <a:rPr lang="en-US" sz="2400" dirty="0"/>
-              <a:t>Next Steps</a:t>
-            </a:r>
-          </a:p>
-        </p:txBody>
-      </p:sp>
-      <p:sp>
-        <p:nvSpPr>
-          <p:cNvPr id="4" name="Footer Placeholder 3"/>
-          <p:cNvSpPr>
-            <a:spLocks noGrp="1"/>
-          </p:cNvSpPr>
-          <p:nvPr>
-            <p:ph type="ftr" sz="quarter" idx="11"/>
-          </p:nvPr>
-        </p:nvSpPr>
-        <p:spPr>
-          <a:xfrm>
-            <a:off x="3124200" y="4786312"/>
-            <a:ext cx="2895600" cy="357188"/>
-          </a:xfrm>
-        </p:spPr>
-        <p:txBody>
-          <a:bodyPr/>
-          <a:lstStyle/>
-          <a:p>
-            <a:r>
-              <a:rPr lang="en-CA" dirty="0"/>
-              <a:t>110</a:t>
-            </a:r>
-            <a:r>
-              <a:rPr lang="en-CA" baseline="30000" dirty="0"/>
-              <a:t>th</a:t>
-            </a:r>
-            <a:r>
-              <a:rPr lang="en-CA" dirty="0"/>
-              <a:t> IETF Online</a:t>
-            </a:r>
-          </a:p>
-        </p:txBody>
-      </p:sp>
-      <p:sp>
-        <p:nvSpPr>
-          <p:cNvPr id="5" name="Slide Number Placeholder 4"/>
-          <p:cNvSpPr>
-            <a:spLocks noGrp="1"/>
-          </p:cNvSpPr>
-          <p:nvPr>
-            <p:ph type="sldNum" sz="quarter" idx="12"/>
-          </p:nvPr>
-        </p:nvSpPr>
-        <p:spPr/>
-        <p:txBody>
-          <a:bodyPr/>
-          <a:lstStyle/>
-          <a:p>
-            <a:pPr>
-              <a:defRPr/>
-            </a:pPr>
-            <a:fld id="{BD6E0F59-1DD8-40FC-9C92-B6295CBA6CCA}" type="slidenum">
-              <a:rPr lang="en-US" altLang="zh-CN" smtClean="0"/>
-              <a:pPr>
-                <a:defRPr/>
-              </a:pPr>
-              <a:t>2</a:t>
-            </a:fld>
-            <a:endParaRPr lang="en-US" altLang="zh-CN"/>
-          </a:p>
-        </p:txBody>
-      </p:sp>
-    </p:spTree>
-    <p:extLst>
-      <p:ext uri="{BB962C8B-B14F-4D97-AF65-F5344CB8AC3E}">
-        <p14:creationId xmlns:p14="http://schemas.microsoft.com/office/powerpoint/2010/main" val="1157046242"/>
-      </p:ext>
-    </p:extLst>
-  </p:cSld>
-  <p:clrMapOvr>
-    <a:masterClrMapping/>
-  </p:clrMapOvr>
-</p:sld>
-</file>
-
-<file path=ppt/slides/slide20.xml><?xml version="1.0" encoding="utf-8"?>
+<file path=ppt/slides/slide19.xml><?xml version="1.0" encoding="utf-8"?>
 <p:sld xmlns:a="http://schemas.openxmlformats.org/drawingml/2006/main" xmlns:r="http://schemas.openxmlformats.org/officeDocument/2006/relationships" xmlns:p="http://schemas.openxmlformats.org/presentationml/2006/main">
   <p:cSld>
     <p:spTree>
@@ -10468,7 +9902,7 @@
               <a:pPr>
                 <a:defRPr/>
               </a:pPr>
-              <a:t>20</a:t>
+              <a:t>19</a:t>
             </a:fld>
             <a:endParaRPr lang="en-US" altLang="zh-CN"/>
           </a:p>
@@ -10487,7 +9921,7 @@
 </p:sld>
 </file>
 
-<file path=ppt/slides/slide21.xml><?xml version="1.0" encoding="utf-8"?>
+<file path=ppt/slides/slide2.xml><?xml version="1.0" encoding="utf-8"?>
 <p:sld xmlns:a="http://schemas.openxmlformats.org/drawingml/2006/main" xmlns:r="http://schemas.openxmlformats.org/officeDocument/2006/relationships" xmlns:p="http://schemas.openxmlformats.org/presentationml/2006/main">
   <p:cSld>
     <p:spTree>
@@ -10506,6 +9940,172 @@
       </p:grpSpPr>
       <p:sp>
         <p:nvSpPr>
+          <p:cNvPr id="2" name="Title 1"/>
+          <p:cNvSpPr>
+            <a:spLocks noGrp="1"/>
+          </p:cNvSpPr>
+          <p:nvPr>
+            <p:ph type="title"/>
+          </p:nvPr>
+        </p:nvSpPr>
+        <p:spPr>
+          <a:xfrm>
+            <a:off x="457200" y="0"/>
+            <a:ext cx="8229600" cy="857250"/>
+          </a:xfrm>
+        </p:spPr>
+        <p:txBody>
+          <a:bodyPr/>
+          <a:lstStyle/>
+          <a:p>
+            <a:r>
+              <a:rPr lang="en-US" sz="3600" dirty="0">
+                <a:solidFill>
+                  <a:srgbClr val="0070C0"/>
+                </a:solidFill>
+                <a:latin typeface="Calibri Light" panose="020F0302020204030204" pitchFamily="34" charset="0"/>
+                <a:cs typeface="Calibri Light" panose="020F0302020204030204" pitchFamily="34" charset="0"/>
+              </a:rPr>
+              <a:t>Agenda</a:t>
+            </a:r>
+          </a:p>
+        </p:txBody>
+      </p:sp>
+      <p:sp>
+        <p:nvSpPr>
+          <p:cNvPr id="3" name="Content Placeholder 2"/>
+          <p:cNvSpPr>
+            <a:spLocks noGrp="1"/>
+          </p:cNvSpPr>
+          <p:nvPr>
+            <p:ph idx="1"/>
+          </p:nvPr>
+        </p:nvSpPr>
+        <p:spPr>
+          <a:xfrm>
+            <a:off x="685799" y="1009650"/>
+            <a:ext cx="7772401" cy="3124200"/>
+          </a:xfrm>
+        </p:spPr>
+        <p:txBody>
+          <a:bodyPr/>
+          <a:lstStyle/>
+          <a:p>
+            <a:r>
+              <a:rPr lang="en-US" sz="2400" dirty="0"/>
+              <a:t>Requirements and Scope</a:t>
+            </a:r>
+          </a:p>
+          <a:p>
+            <a:r>
+              <a:rPr lang="en-US" sz="2400" dirty="0"/>
+              <a:t>Summary</a:t>
+            </a:r>
+          </a:p>
+          <a:p>
+            <a:r>
+              <a:rPr lang="en-US" sz="2400" dirty="0"/>
+              <a:t>Next Steps</a:t>
+            </a:r>
+          </a:p>
+        </p:txBody>
+      </p:sp>
+      <p:sp>
+        <p:nvSpPr>
+          <p:cNvPr id="4" name="Footer Placeholder 3"/>
+          <p:cNvSpPr>
+            <a:spLocks noGrp="1"/>
+          </p:cNvSpPr>
+          <p:nvPr>
+            <p:ph type="ftr" sz="quarter" idx="11"/>
+          </p:nvPr>
+        </p:nvSpPr>
+        <p:spPr>
+          <a:xfrm>
+            <a:off x="3124200" y="4786312"/>
+            <a:ext cx="2895600" cy="357188"/>
+          </a:xfrm>
+        </p:spPr>
+        <p:txBody>
+          <a:bodyPr/>
+          <a:lstStyle/>
+          <a:p>
+            <a:r>
+              <a:rPr lang="en-CA" dirty="0"/>
+              <a:t>110</a:t>
+            </a:r>
+            <a:r>
+              <a:rPr lang="en-CA" baseline="30000" dirty="0"/>
+              <a:t>th</a:t>
+            </a:r>
+            <a:r>
+              <a:rPr lang="en-CA" dirty="0"/>
+              <a:t> IETF Online</a:t>
+            </a:r>
+          </a:p>
+        </p:txBody>
+      </p:sp>
+      <p:sp>
+        <p:nvSpPr>
+          <p:cNvPr id="5" name="Slide Number Placeholder 4"/>
+          <p:cNvSpPr>
+            <a:spLocks noGrp="1"/>
+          </p:cNvSpPr>
+          <p:nvPr>
+            <p:ph type="sldNum" sz="quarter" idx="12"/>
+          </p:nvPr>
+        </p:nvSpPr>
+        <p:spPr/>
+        <p:txBody>
+          <a:bodyPr/>
+          <a:lstStyle/>
+          <a:p>
+            <a:pPr>
+              <a:defRPr/>
+            </a:pPr>
+            <a:fld id="{BD6E0F59-1DD8-40FC-9C92-B6295CBA6CCA}" type="slidenum">
+              <a:rPr lang="en-US" altLang="zh-CN" smtClean="0"/>
+              <a:pPr>
+                <a:defRPr/>
+              </a:pPr>
+              <a:t>2</a:t>
+            </a:fld>
+            <a:endParaRPr lang="en-US" altLang="zh-CN"/>
+          </a:p>
+        </p:txBody>
+      </p:sp>
+    </p:spTree>
+    <p:extLst>
+      <p:ext uri="{BB962C8B-B14F-4D97-AF65-F5344CB8AC3E}">
+        <p14:creationId xmlns:p14="http://schemas.microsoft.com/office/powerpoint/2010/main" val="1157046242"/>
+      </p:ext>
+    </p:extLst>
+  </p:cSld>
+  <p:clrMapOvr>
+    <a:masterClrMapping/>
+  </p:clrMapOvr>
+</p:sld>
+</file>
+
+<file path=ppt/slides/slide20.xml><?xml version="1.0" encoding="utf-8"?>
+<p:sld xmlns:a="http://schemas.openxmlformats.org/drawingml/2006/main" xmlns:r="http://schemas.openxmlformats.org/officeDocument/2006/relationships" xmlns:p="http://schemas.openxmlformats.org/presentationml/2006/main">
+  <p:cSld>
+    <p:spTree>
+      <p:nvGrpSpPr>
+        <p:cNvPr id="1" name=""/>
+        <p:cNvGrpSpPr/>
+        <p:nvPr/>
+      </p:nvGrpSpPr>
+      <p:grpSpPr>
+        <a:xfrm>
+          <a:off x="0" y="0"/>
+          <a:ext cx="0" cy="0"/>
+          <a:chOff x="0" y="0"/>
+          <a:chExt cx="0" cy="0"/>
+        </a:xfrm>
+      </p:grpSpPr>
+      <p:sp>
+        <p:nvSpPr>
           <p:cNvPr id="4" name="Footer Placeholder 3"/>
           <p:cNvSpPr>
             <a:spLocks noGrp="1"/>
@@ -10549,8 +10149,8 @@
         </p:nvSpPr>
         <p:spPr bwMode="auto">
           <a:xfrm>
-            <a:off x="685800" y="2266950"/>
-            <a:ext cx="7772400" cy="1102519"/>
+            <a:off x="396240" y="2114550"/>
+            <a:ext cx="8305800" cy="1102519"/>
           </a:xfrm>
           <a:prstGeom prst="rect">
             <a:avLst/>
@@ -10723,7 +10323,7 @@
                 <a:ea typeface="Calibri" charset="0"/>
                 <a:cs typeface="Calibri" charset="0"/>
               </a:rPr>
-              <a:t>Example IOAM Header</a:t>
+              <a:t>Example MPLS Encapsulations for IOAM Data Fields</a:t>
             </a:r>
           </a:p>
         </p:txBody>
@@ -10731,6 +10331,158 @@
       <p:sp>
         <p:nvSpPr>
           <p:cNvPr id="2" name="Slide Number Placeholder 1"/>
+          <p:cNvSpPr>
+            <a:spLocks noGrp="1"/>
+          </p:cNvSpPr>
+          <p:nvPr>
+            <p:ph type="sldNum" sz="quarter" idx="12"/>
+          </p:nvPr>
+        </p:nvSpPr>
+        <p:spPr/>
+        <p:txBody>
+          <a:bodyPr/>
+          <a:lstStyle/>
+          <a:p>
+            <a:pPr>
+              <a:defRPr/>
+            </a:pPr>
+            <a:fld id="{BD6E0F59-1DD8-40FC-9C92-B6295CBA6CCA}" type="slidenum">
+              <a:rPr lang="en-US" altLang="zh-CN" smtClean="0"/>
+              <a:pPr>
+                <a:defRPr/>
+              </a:pPr>
+              <a:t>20</a:t>
+            </a:fld>
+            <a:endParaRPr lang="en-US" altLang="zh-CN"/>
+          </a:p>
+        </p:txBody>
+      </p:sp>
+    </p:spTree>
+    <p:extLst>
+      <p:ext uri="{BB962C8B-B14F-4D97-AF65-F5344CB8AC3E}">
+        <p14:creationId xmlns:p14="http://schemas.microsoft.com/office/powerpoint/2010/main" val="1208650897"/>
+      </p:ext>
+    </p:extLst>
+  </p:cSld>
+  <p:clrMapOvr>
+    <a:masterClrMapping/>
+  </p:clrMapOvr>
+</p:sld>
+</file>
+
+<file path=ppt/slides/slide21.xml><?xml version="1.0" encoding="utf-8"?>
+<p:sld xmlns:a="http://schemas.openxmlformats.org/drawingml/2006/main" xmlns:r="http://schemas.openxmlformats.org/officeDocument/2006/relationships" xmlns:p="http://schemas.openxmlformats.org/presentationml/2006/main">
+  <p:cSld>
+    <p:spTree>
+      <p:nvGrpSpPr>
+        <p:cNvPr id="1" name=""/>
+        <p:cNvGrpSpPr/>
+        <p:nvPr/>
+      </p:nvGrpSpPr>
+      <p:grpSpPr>
+        <a:xfrm>
+          <a:off x="0" y="0"/>
+          <a:ext cx="0" cy="0"/>
+          <a:chOff x="0" y="0"/>
+          <a:chExt cx="0" cy="0"/>
+        </a:xfrm>
+      </p:grpSpPr>
+      <p:sp>
+        <p:nvSpPr>
+          <p:cNvPr id="2" name="Title 1">
+            <a:extLst>
+              <a:ext uri="{FF2B5EF4-FFF2-40B4-BE49-F238E27FC236}">
+                <a16:creationId xmlns:a16="http://schemas.microsoft.com/office/drawing/2014/main" id="{590D0125-5A9E-9D48-9391-85FBD0E608A2}"/>
+              </a:ext>
+            </a:extLst>
+          </p:cNvPr>
+          <p:cNvSpPr>
+            <a:spLocks noGrp="1"/>
+          </p:cNvSpPr>
+          <p:nvPr>
+            <p:ph type="title"/>
+          </p:nvPr>
+        </p:nvSpPr>
+        <p:spPr>
+          <a:xfrm>
+            <a:off x="419100" y="9427"/>
+            <a:ext cx="8305800" cy="599270"/>
+          </a:xfrm>
+        </p:spPr>
+        <p:txBody>
+          <a:bodyPr/>
+          <a:lstStyle/>
+          <a:p>
+            <a:r>
+              <a:rPr lang="en-CA" sz="2800" dirty="0">
+                <a:solidFill>
+                  <a:srgbClr val="0070C0"/>
+                </a:solidFill>
+                <a:latin typeface="Calibri Light" panose="020F0302020204030204" pitchFamily="34" charset="0"/>
+                <a:cs typeface="Calibri Light" panose="020F0302020204030204" pitchFamily="34" charset="0"/>
+              </a:rPr>
+              <a:t>Example SR-MPLS Encapsulation with IOAM Data Fields</a:t>
+            </a:r>
+            <a:endParaRPr lang="en-US" sz="2800" dirty="0">
+              <a:solidFill>
+                <a:srgbClr val="0070C0"/>
+              </a:solidFill>
+              <a:latin typeface="Calibri Light" panose="020F0302020204030204" pitchFamily="34" charset="0"/>
+              <a:cs typeface="Calibri Light" panose="020F0302020204030204" pitchFamily="34" charset="0"/>
+            </a:endParaRPr>
+          </a:p>
+        </p:txBody>
+      </p:sp>
+      <p:sp>
+        <p:nvSpPr>
+          <p:cNvPr id="4" name="Footer Placeholder 3">
+            <a:extLst>
+              <a:ext uri="{FF2B5EF4-FFF2-40B4-BE49-F238E27FC236}">
+                <a16:creationId xmlns:a16="http://schemas.microsoft.com/office/drawing/2014/main" id="{87713FCD-3B47-804D-B373-DAB61FB5FF59}"/>
+              </a:ext>
+            </a:extLst>
+          </p:cNvPr>
+          <p:cNvSpPr>
+            <a:spLocks noGrp="1"/>
+          </p:cNvSpPr>
+          <p:nvPr>
+            <p:ph type="ftr" sz="quarter" idx="11"/>
+          </p:nvPr>
+        </p:nvSpPr>
+        <p:spPr>
+          <a:xfrm>
+            <a:off x="3124200" y="4786312"/>
+            <a:ext cx="2895600" cy="357188"/>
+          </a:xfrm>
+        </p:spPr>
+        <p:txBody>
+          <a:bodyPr/>
+          <a:lstStyle/>
+          <a:p>
+            <a:r>
+              <a:rPr lang="en-CA" dirty="0"/>
+              <a:t>110</a:t>
+            </a:r>
+            <a:r>
+              <a:rPr lang="en-CA" baseline="30000" dirty="0"/>
+              <a:t>th</a:t>
+            </a:r>
+            <a:r>
+              <a:rPr lang="en-CA" dirty="0"/>
+              <a:t> IETF Online</a:t>
+            </a:r>
+          </a:p>
+        </p:txBody>
+      </p:sp>
+      <p:sp>
+        <p:nvSpPr>
+          <p:cNvPr id="5" name="Slide Number Placeholder 4">
+            <a:extLst>
+              <a:ext uri="{FF2B5EF4-FFF2-40B4-BE49-F238E27FC236}">
+                <a16:creationId xmlns:a16="http://schemas.microsoft.com/office/drawing/2014/main" id="{1371408B-9195-EC4D-8131-A3F5CC0592D0}"/>
+              </a:ext>
+            </a:extLst>
+          </p:cNvPr>
           <p:cNvSpPr>
             <a:spLocks noGrp="1"/>
           </p:cNvSpPr>
@@ -10753,14 +10505,341 @@
               </a:pPr>
               <a:t>21</a:t>
             </a:fld>
-            <a:endParaRPr lang="en-US" altLang="zh-CN"/>
+            <a:endParaRPr lang="en-US" altLang="zh-CN" dirty="0"/>
+          </a:p>
+        </p:txBody>
+      </p:sp>
+      <p:sp>
+        <p:nvSpPr>
+          <p:cNvPr id="6" name="Rectangle 5">
+            <a:extLst>
+              <a:ext uri="{FF2B5EF4-FFF2-40B4-BE49-F238E27FC236}">
+                <a16:creationId xmlns:a16="http://schemas.microsoft.com/office/drawing/2014/main" id="{1EED4007-3A19-0E4E-8496-6CECEEA363EB}"/>
+              </a:ext>
+            </a:extLst>
+          </p:cNvPr>
+          <p:cNvSpPr/>
+          <p:nvPr/>
+        </p:nvSpPr>
+        <p:spPr>
+          <a:xfrm>
+            <a:off x="2305050" y="641003"/>
+            <a:ext cx="4533900" cy="4154984"/>
+          </a:xfrm>
+          <a:prstGeom prst="rect">
+            <a:avLst/>
+          </a:prstGeom>
+          <a:solidFill>
+            <a:schemeClr val="accent6">
+              <a:lumMod val="20000"/>
+              <a:lumOff val="80000"/>
+            </a:schemeClr>
+          </a:solidFill>
+        </p:spPr>
+        <p:txBody>
+          <a:bodyPr wrap="square">
+            <a:spAutoFit/>
+          </a:bodyPr>
+          <a:lstStyle/>
+          <a:p>
+            <a:r>
+              <a:rPr lang="en-CA" sz="800" dirty="0">
+                <a:latin typeface="Courier" pitchFamily="2" charset="0"/>
+              </a:rPr>
+              <a:t>    0                   1                   2                   3</a:t>
+            </a:r>
+          </a:p>
+          <a:p>
+            <a:r>
+              <a:rPr lang="en-CA" sz="800" dirty="0">
+                <a:latin typeface="Courier" pitchFamily="2" charset="0"/>
+              </a:rPr>
+              <a:t>    0 1 2 3 4 5 6 7 8 9 0 1 2 3 4 5 6 7 8 9 0 1 2 3 4 5 6 7 8 9 0 1</a:t>
+            </a:r>
+          </a:p>
+          <a:p>
+            <a:r>
+              <a:rPr lang="en-CA" sz="800" dirty="0">
+                <a:latin typeface="Courier" pitchFamily="2" charset="0"/>
+              </a:rPr>
+              <a:t>   +-+-+-+-+-+-+-+-+-+-+-+-+-+-+-+-+-+-+-+-+-+-+-+-+-+-+-+-+-+-+-+-+</a:t>
+            </a:r>
+          </a:p>
+          <a:p>
+            <a:r>
+              <a:rPr lang="en-CA" sz="800" dirty="0">
+                <a:latin typeface="Courier" pitchFamily="2" charset="0"/>
+              </a:rPr>
+              <a:t>   |                Label(1)               | TC  |S|      TTL      |</a:t>
+            </a:r>
+          </a:p>
+          <a:p>
+            <a:r>
+              <a:rPr lang="en-CA" sz="800" dirty="0">
+                <a:latin typeface="Courier" pitchFamily="2" charset="0"/>
+              </a:rPr>
+              <a:t>   +-+-+-+-+-+-+-+-+-+-+-+-+-+-+-+-+-+-+-+-+-+-+-+-+-+-+-+-+-+-+-+-+</a:t>
+            </a:r>
+          </a:p>
+          <a:p>
+            <a:r>
+              <a:rPr lang="en-CA" sz="800" dirty="0">
+                <a:latin typeface="Courier" pitchFamily="2" charset="0"/>
+              </a:rPr>
+              <a:t>   .                                                               .</a:t>
+            </a:r>
+          </a:p>
+          <a:p>
+            <a:r>
+              <a:rPr lang="en-CA" sz="800" dirty="0">
+                <a:latin typeface="Courier" pitchFamily="2" charset="0"/>
+              </a:rPr>
+              <a:t>   .                                                               .</a:t>
+            </a:r>
+          </a:p>
+          <a:p>
+            <a:r>
+              <a:rPr lang="en-CA" sz="800" dirty="0">
+                <a:latin typeface="Courier" pitchFamily="2" charset="0"/>
+              </a:rPr>
+              <a:t>   .                                                               .</a:t>
+            </a:r>
+          </a:p>
+          <a:p>
+            <a:r>
+              <a:rPr lang="en-CA" sz="800" dirty="0">
+                <a:latin typeface="Courier" pitchFamily="2" charset="0"/>
+              </a:rPr>
+              <a:t>   +-+-+-+-+-+-+-+-+-+-+-+-+-+-+-+-+-+-+-+-+-+-+-+-+-+-+-+-+-+-+-+-+</a:t>
+            </a:r>
+          </a:p>
+          <a:p>
+            <a:r>
+              <a:rPr lang="en-CA" sz="800" dirty="0">
+                <a:latin typeface="Courier" pitchFamily="2" charset="0"/>
+              </a:rPr>
+              <a:t>   |                Label(n)               | TC  |S|      TTL      |</a:t>
+            </a:r>
+          </a:p>
+          <a:p>
+            <a:r>
+              <a:rPr lang="en-CA" sz="800" dirty="0">
+                <a:latin typeface="Courier" pitchFamily="2" charset="0"/>
+              </a:rPr>
+              <a:t>   +-+-+-+-+-+-+-+-+-+-+-+-+-+-+-+-+-+-+-+-+-+-+-+-+-+-+-+-+-+-+-+-+</a:t>
+            </a:r>
+          </a:p>
+          <a:p>
+            <a:r>
+              <a:rPr lang="en-CA" sz="800" b="1" dirty="0">
+                <a:latin typeface="Courier" pitchFamily="2" charset="0"/>
+              </a:rPr>
+              <a:t>   |                PSID                   | TC  |S|      TTL      | </a:t>
+            </a:r>
+          </a:p>
+          <a:p>
+            <a:r>
+              <a:rPr lang="en-CA" sz="800" dirty="0">
+                <a:latin typeface="Courier" pitchFamily="2" charset="0"/>
+              </a:rPr>
+              <a:t>   +-+-+-+-+-+-+-+-+-+-+-+-+-+-+-+-+-+-+-+-+-+-+-+-+-+-+-+-+-+-+-+-+</a:t>
+            </a:r>
+          </a:p>
+          <a:p>
+            <a:r>
+              <a:rPr lang="en-CA" sz="800" dirty="0">
+                <a:latin typeface="Courier" pitchFamily="2" charset="0"/>
+              </a:rPr>
+              <a:t>   | </a:t>
+            </a:r>
+            <a:r>
+              <a:rPr lang="en-CA" sz="800" b="1" dirty="0">
+                <a:latin typeface="Courier" pitchFamily="2" charset="0"/>
+              </a:rPr>
+              <a:t>IOAM Indicator Label                  </a:t>
+            </a:r>
+            <a:r>
+              <a:rPr lang="en-CA" sz="800" dirty="0">
+                <a:latin typeface="Courier" pitchFamily="2" charset="0"/>
+              </a:rPr>
+              <a:t>| TC  |1|      TTL      |</a:t>
+            </a:r>
+          </a:p>
+          <a:p>
+            <a:r>
+              <a:rPr lang="en-CA" sz="800" dirty="0">
+                <a:latin typeface="Courier" pitchFamily="2" charset="0"/>
+              </a:rPr>
+              <a:t>   +-+-+-+-+-+-+-+-+-+-+-+-+-+-+-+-+-+-+-+-+-+-+-+-+-+-+-+-+-+-+-+-+&lt;-+ </a:t>
+            </a:r>
+          </a:p>
+          <a:p>
+            <a:r>
+              <a:rPr lang="en-CA" sz="800" dirty="0">
+                <a:latin typeface="Courier" pitchFamily="2" charset="0"/>
+              </a:rPr>
+              <a:t>   |0 0 0 1|Version|  Reserved     | IOAM G-</a:t>
+            </a:r>
+            <a:r>
+              <a:rPr lang="en-CA" sz="800" dirty="0" err="1">
+                <a:latin typeface="Courier" pitchFamily="2" charset="0"/>
+              </a:rPr>
+              <a:t>ACh</a:t>
+            </a:r>
+            <a:r>
+              <a:rPr lang="en-CA" sz="800" dirty="0">
+                <a:latin typeface="Courier" pitchFamily="2" charset="0"/>
+              </a:rPr>
+              <a:t>                    |  | </a:t>
+            </a:r>
+          </a:p>
+          <a:p>
+            <a:r>
+              <a:rPr lang="en-CA" sz="800" dirty="0">
+                <a:latin typeface="Courier" pitchFamily="2" charset="0"/>
+              </a:rPr>
+              <a:t>   +-+-+-+-+-+-+-+-+-+-+-+-+-+-+-+-+-+-+-+-+-+-+-+-+-+-+-+-+-+-+-+-+  | </a:t>
+            </a:r>
+          </a:p>
+          <a:p>
+            <a:r>
+              <a:rPr lang="en-CA" sz="800" dirty="0">
+                <a:latin typeface="Courier" pitchFamily="2" charset="0"/>
+              </a:rPr>
+              <a:t>   | Reserved      | Block Number  | IOAM-OPT-Type |IOAM HDR Length|  |</a:t>
+            </a:r>
+          </a:p>
+          <a:p>
+            <a:r>
+              <a:rPr lang="en-CA" sz="800" dirty="0">
+                <a:latin typeface="Courier" pitchFamily="2" charset="0"/>
+              </a:rPr>
+              <a:t>   +-+-+-+-+-+-+-+-+-+-+-+-+-+-+-+-+-+-+-+-+-+-+-+-+-+-+-+-+-+-+-+-+  I</a:t>
+            </a:r>
+          </a:p>
+          <a:p>
+            <a:r>
+              <a:rPr lang="en-CA" sz="800" dirty="0">
+                <a:latin typeface="Courier" pitchFamily="2" charset="0"/>
+              </a:rPr>
+              <a:t>   |                                                               |  O</a:t>
+            </a:r>
+          </a:p>
+          <a:p>
+            <a:r>
+              <a:rPr lang="en-CA" sz="800" dirty="0">
+                <a:latin typeface="Courier" pitchFamily="2" charset="0"/>
+              </a:rPr>
+              <a:t>   |                                                               |  A</a:t>
+            </a:r>
+          </a:p>
+          <a:p>
+            <a:r>
+              <a:rPr lang="en-CA" sz="800" dirty="0">
+                <a:latin typeface="Courier" pitchFamily="2" charset="0"/>
+              </a:rPr>
+              <a:t>   ~                 IOAM Option and Data Space                    ~  M</a:t>
+            </a:r>
+          </a:p>
+          <a:p>
+            <a:r>
+              <a:rPr lang="en-CA" sz="800" dirty="0">
+                <a:latin typeface="Courier" pitchFamily="2" charset="0"/>
+              </a:rPr>
+              <a:t>   |                                                               |  |</a:t>
+            </a:r>
+          </a:p>
+          <a:p>
+            <a:r>
+              <a:rPr lang="en-CA" sz="800" dirty="0">
+                <a:latin typeface="Courier" pitchFamily="2" charset="0"/>
+              </a:rPr>
+              <a:t>   |                                                               |  |</a:t>
+            </a:r>
+          </a:p>
+          <a:p>
+            <a:r>
+              <a:rPr lang="en-CA" sz="800" dirty="0">
+                <a:latin typeface="Courier" pitchFamily="2" charset="0"/>
+              </a:rPr>
+              <a:t>   +-+-+-+-+-+-+-+-+-+-+-+-+-+-+-+-+-+-+-+-+-+-+-+-+-+-+-+-+-+-+-+-+&lt;-+</a:t>
+            </a:r>
+          </a:p>
+          <a:p>
+            <a:r>
+              <a:rPr lang="en-CA" sz="800" dirty="0">
+                <a:latin typeface="Courier" pitchFamily="2" charset="0"/>
+              </a:rPr>
+              <a:t>   |                                                               |</a:t>
+            </a:r>
+          </a:p>
+          <a:p>
+            <a:r>
+              <a:rPr lang="en-CA" sz="800" dirty="0">
+                <a:latin typeface="Courier" pitchFamily="2" charset="0"/>
+              </a:rPr>
+              <a:t>   |                                                               |</a:t>
+            </a:r>
+          </a:p>
+          <a:p>
+            <a:r>
+              <a:rPr lang="en-CA" sz="800" dirty="0">
+                <a:latin typeface="Courier" pitchFamily="2" charset="0"/>
+              </a:rPr>
+              <a:t>   ~                 Payload + Padding                             ~</a:t>
+            </a:r>
+          </a:p>
+          <a:p>
+            <a:r>
+              <a:rPr lang="en-CA" sz="800" dirty="0">
+                <a:latin typeface="Courier" pitchFamily="2" charset="0"/>
+              </a:rPr>
+              <a:t>   |                                                               |</a:t>
+            </a:r>
+          </a:p>
+          <a:p>
+            <a:r>
+              <a:rPr lang="en-CA" sz="800" dirty="0">
+                <a:latin typeface="Courier" pitchFamily="2" charset="0"/>
+              </a:rPr>
+              <a:t>   |                                                               |</a:t>
+            </a:r>
+          </a:p>
+          <a:p>
+            <a:r>
+              <a:rPr lang="en-CA" sz="800" dirty="0">
+                <a:latin typeface="Courier" pitchFamily="2" charset="0"/>
+              </a:rPr>
+              <a:t>   +-+-+-+-+-+-+-+-+-+-+-+-+-+-+-+-+-+-+-+-+-+-+-+-+-+-+-+-+-+-+-+-+ </a:t>
+            </a:r>
+          </a:p>
+          <a:p>
+            <a:r>
+              <a:rPr lang="en-CA" sz="800" dirty="0">
+                <a:latin typeface="Courier" pitchFamily="2" charset="0"/>
+              </a:rPr>
+              <a:t>             </a:t>
+            </a:r>
+          </a:p>
+          <a:p>
+            <a:r>
+              <a:rPr lang="en-CA" sz="800" dirty="0">
+                <a:latin typeface="Courier" pitchFamily="2" charset="0"/>
+              </a:rPr>
+              <a:t>      Figure: Example SR-MPLS Encapsulation with IOAM Data Fields</a:t>
+            </a:r>
+            <a:endParaRPr lang="en-CA" sz="800" dirty="0">
+              <a:latin typeface="Courier" pitchFamily="2" charset="0"/>
+              <a:ea typeface="Calibri" panose="020F0502020204030204" pitchFamily="34" charset="0"/>
+              <a:cs typeface="Times New Roman" panose="02020603050405020304" pitchFamily="18" charset="0"/>
+            </a:endParaRPr>
           </a:p>
         </p:txBody>
       </p:sp>
     </p:spTree>
     <p:extLst>
       <p:ext uri="{BB962C8B-B14F-4D97-AF65-F5344CB8AC3E}">
-        <p14:creationId xmlns:p14="http://schemas.microsoft.com/office/powerpoint/2010/main" val="1208650897"/>
+        <p14:creationId xmlns:p14="http://schemas.microsoft.com/office/powerpoint/2010/main" val="1981757818"/>
       </p:ext>
     </p:extLst>
   </p:cSld>
@@ -10792,7 +10871,7 @@
           <p:cNvPr id="2" name="Title 1">
             <a:extLst>
               <a:ext uri="{FF2B5EF4-FFF2-40B4-BE49-F238E27FC236}">
-                <a16:creationId xmlns:a16="http://schemas.microsoft.com/office/drawing/2014/main" id="{590D0125-5A9E-9D48-9391-85FBD0E608A2}"/>
+                <a16:creationId xmlns:a16="http://schemas.microsoft.com/office/drawing/2014/main" id="{16C5255E-BE42-5348-AC0F-6257873BBB61}"/>
               </a:ext>
             </a:extLst>
           </p:cNvPr>
@@ -10805,8 +10884,8 @@
         </p:nvSpPr>
         <p:spPr>
           <a:xfrm>
-            <a:off x="419100" y="9427"/>
-            <a:ext cx="8305800" cy="599270"/>
+            <a:off x="304800" y="0"/>
+            <a:ext cx="8534400" cy="857250"/>
           </a:xfrm>
         </p:spPr>
         <p:txBody>
@@ -10814,21 +10893,153 @@
           <a:lstStyle/>
           <a:p>
             <a:r>
-              <a:rPr lang="en-CA" sz="2800" dirty="0">
+              <a:rPr lang="en-US" sz="3200" dirty="0">
                 <a:solidFill>
                   <a:srgbClr val="0070C0"/>
                 </a:solidFill>
                 <a:latin typeface="Calibri Light" panose="020F0302020204030204" pitchFamily="34" charset="0"/>
                 <a:cs typeface="Calibri Light" panose="020F0302020204030204" pitchFamily="34" charset="0"/>
               </a:rPr>
-              <a:t>Example IOAM Header with SR-MPLS Encapsulation</a:t>
-            </a:r>
-            <a:endParaRPr lang="en-US" sz="2800" dirty="0">
-              <a:solidFill>
-                <a:srgbClr val="0070C0"/>
-              </a:solidFill>
-              <a:latin typeface="Calibri Light" panose="020F0302020204030204" pitchFamily="34" charset="0"/>
-              <a:cs typeface="Calibri Light" panose="020F0302020204030204" pitchFamily="34" charset="0"/>
+              <a:t>IOAM Data Fields with Other Control Words/ACHs</a:t>
+            </a:r>
+          </a:p>
+        </p:txBody>
+      </p:sp>
+      <p:sp>
+        <p:nvSpPr>
+          <p:cNvPr id="3" name="Content Placeholder 2">
+            <a:extLst>
+              <a:ext uri="{FF2B5EF4-FFF2-40B4-BE49-F238E27FC236}">
+                <a16:creationId xmlns:a16="http://schemas.microsoft.com/office/drawing/2014/main" id="{3943595A-2AF7-A141-B580-268FFA30C69C}"/>
+              </a:ext>
+            </a:extLst>
+          </p:cNvPr>
+          <p:cNvSpPr>
+            <a:spLocks noGrp="1"/>
+          </p:cNvSpPr>
+          <p:nvPr>
+            <p:ph idx="1"/>
+          </p:nvPr>
+        </p:nvSpPr>
+        <p:spPr>
+          <a:xfrm>
+            <a:off x="533400" y="971551"/>
+            <a:ext cx="8153400" cy="3124200"/>
+          </a:xfrm>
+        </p:spPr>
+        <p:txBody>
+          <a:bodyPr/>
+          <a:lstStyle/>
+          <a:p>
+            <a:pPr>
+              <a:lnSpc>
+                <a:spcPts val="2220"/>
+              </a:lnSpc>
+              <a:spcBef>
+                <a:spcPts val="600"/>
+              </a:spcBef>
+            </a:pPr>
+            <a:r>
+              <a:rPr lang="en-CA" sz="2000" dirty="0">
+                <a:latin typeface="Calibri" panose="020F0502020204030204" pitchFamily="34" charset="0"/>
+                <a:cs typeface="Calibri" panose="020F0502020204030204" pitchFamily="34" charset="0"/>
+              </a:rPr>
+              <a:t>IOAM Data Fields are part of the MPLS </a:t>
+            </a:r>
+            <a:r>
+              <a:rPr lang="en-CA" sz="2000" dirty="0"/>
+              <a:t>encapsulation after the EOS</a:t>
+            </a:r>
+            <a:r>
+              <a:rPr lang="en-CA" sz="2000" dirty="0">
+                <a:latin typeface="Calibri" panose="020F0502020204030204" pitchFamily="34" charset="0"/>
+                <a:cs typeface="Calibri" panose="020F0502020204030204" pitchFamily="34" charset="0"/>
+              </a:rPr>
+              <a:t>, any other control word / ACH is added after the IOAM Data Fields in the data packet.</a:t>
+            </a:r>
+          </a:p>
+          <a:p>
+            <a:pPr>
+              <a:lnSpc>
+                <a:spcPts val="2220"/>
+              </a:lnSpc>
+              <a:spcBef>
+                <a:spcPts val="600"/>
+              </a:spcBef>
+            </a:pPr>
+            <a:r>
+              <a:rPr lang="en-CA" sz="2000" dirty="0">
+                <a:latin typeface="Calibri" panose="020F0502020204030204" pitchFamily="34" charset="0"/>
+                <a:cs typeface="Calibri" panose="020F0502020204030204" pitchFamily="34" charset="0"/>
+              </a:rPr>
+              <a:t>The intermediate nodes can easily process the IOAM data field(s) after the EOS in the data packets.</a:t>
+            </a:r>
+          </a:p>
+          <a:p>
+            <a:pPr>
+              <a:lnSpc>
+                <a:spcPts val="2220"/>
+              </a:lnSpc>
+              <a:spcBef>
+                <a:spcPts val="600"/>
+              </a:spcBef>
+            </a:pPr>
+            <a:r>
+              <a:rPr lang="en-CA" sz="2000" dirty="0">
+                <a:latin typeface="Calibri" panose="020F0502020204030204" pitchFamily="34" charset="0"/>
+                <a:cs typeface="Calibri" panose="020F0502020204030204" pitchFamily="34" charset="0"/>
+              </a:rPr>
+              <a:t>The decapsulating node removes the MPLS </a:t>
+            </a:r>
+            <a:r>
+              <a:rPr lang="en-CA" sz="2000" dirty="0"/>
+              <a:t>encapsulation</a:t>
+            </a:r>
+            <a:r>
+              <a:rPr lang="en-CA" sz="2000" dirty="0">
+                <a:latin typeface="Calibri" panose="020F0502020204030204" pitchFamily="34" charset="0"/>
+                <a:cs typeface="Calibri" panose="020F0502020204030204" pitchFamily="34" charset="0"/>
+              </a:rPr>
+              <a:t> including the IOAM Data Fields and then processes the other control word /ACH following it.</a:t>
+            </a:r>
+          </a:p>
+          <a:p>
+            <a:pPr>
+              <a:lnSpc>
+                <a:spcPts val="2220"/>
+              </a:lnSpc>
+              <a:spcBef>
+                <a:spcPts val="600"/>
+              </a:spcBef>
+            </a:pPr>
+            <a:r>
+              <a:rPr lang="en-CA" sz="2000" i="1" dirty="0">
+                <a:latin typeface="Calibri" panose="020F0502020204030204" pitchFamily="34" charset="0"/>
+                <a:cs typeface="Calibri" panose="020F0502020204030204" pitchFamily="34" charset="0"/>
+              </a:rPr>
+              <a:t>IOAM HDR Length </a:t>
+            </a:r>
+            <a:r>
+              <a:rPr lang="en-CA" sz="2000" dirty="0">
+                <a:latin typeface="Calibri" panose="020F0502020204030204" pitchFamily="34" charset="0"/>
+                <a:cs typeface="Calibri" panose="020F0502020204030204" pitchFamily="34" charset="0"/>
+              </a:rPr>
+              <a:t>allows to find the Control word /ACH after the IOAM Data Fields.</a:t>
+            </a:r>
+          </a:p>
+          <a:p>
+            <a:pPr marL="0" indent="0">
+              <a:lnSpc>
+                <a:spcPts val="2220"/>
+              </a:lnSpc>
+              <a:spcBef>
+                <a:spcPts val="600"/>
+              </a:spcBef>
+              <a:buNone/>
+            </a:pPr>
+            <a:endParaRPr lang="en-CA" sz="2000" dirty="0">
+              <a:latin typeface="Calibri" panose="020F0502020204030204" pitchFamily="34" charset="0"/>
+              <a:cs typeface="Calibri" panose="020F0502020204030204" pitchFamily="34" charset="0"/>
             </a:endParaRPr>
           </a:p>
         </p:txBody>
@@ -10838,7 +11049,7 @@
           <p:cNvPr id="4" name="Footer Placeholder 3">
             <a:extLst>
               <a:ext uri="{FF2B5EF4-FFF2-40B4-BE49-F238E27FC236}">
-                <a16:creationId xmlns:a16="http://schemas.microsoft.com/office/drawing/2014/main" id="{87713FCD-3B47-804D-B373-DAB61FB5FF59}"/>
+                <a16:creationId xmlns:a16="http://schemas.microsoft.com/office/drawing/2014/main" id="{CF70CC82-C055-3645-9254-87CEC1C49032}"/>
               </a:ext>
             </a:extLst>
           </p:cNvPr>
@@ -10859,16 +11070,19 @@
           <a:bodyPr/>
           <a:lstStyle/>
           <a:p>
-            <a:r>
-              <a:rPr lang="en-CA" dirty="0"/>
+            <a:pPr>
+              <a:defRPr/>
+            </a:pPr>
+            <a:r>
+              <a:rPr lang="en-US" altLang="zh-CN" dirty="0"/>
               <a:t>110</a:t>
             </a:r>
             <a:r>
-              <a:rPr lang="en-CA" baseline="30000" dirty="0"/>
+              <a:rPr lang="en-US" altLang="zh-CN" baseline="30000" dirty="0"/>
               <a:t>th</a:t>
             </a:r>
             <a:r>
-              <a:rPr lang="en-CA" dirty="0"/>
+              <a:rPr lang="en-US" altLang="zh-CN" dirty="0"/>
               <a:t> IETF Online</a:t>
             </a:r>
           </a:p>
@@ -10879,7 +11093,7 @@
           <p:cNvPr id="5" name="Slide Number Placeholder 4">
             <a:extLst>
               <a:ext uri="{FF2B5EF4-FFF2-40B4-BE49-F238E27FC236}">
-                <a16:creationId xmlns:a16="http://schemas.microsoft.com/office/drawing/2014/main" id="{1371408B-9195-EC4D-8131-A3F5CC0592D0}"/>
+                <a16:creationId xmlns:a16="http://schemas.microsoft.com/office/drawing/2014/main" id="{62DF7D69-BCF6-2D4A-A3F1-2D32C59355D3}"/>
               </a:ext>
             </a:extLst>
           </p:cNvPr>
@@ -10909,337 +11123,10 @@
           </a:p>
         </p:txBody>
       </p:sp>
-      <p:sp>
-        <p:nvSpPr>
-          <p:cNvPr id="6" name="Rectangle 5">
-            <a:extLst>
-              <a:ext uri="{FF2B5EF4-FFF2-40B4-BE49-F238E27FC236}">
-                <a16:creationId xmlns:a16="http://schemas.microsoft.com/office/drawing/2014/main" id="{1EED4007-3A19-0E4E-8496-6CECEEA363EB}"/>
-              </a:ext>
-            </a:extLst>
-          </p:cNvPr>
-          <p:cNvSpPr/>
-          <p:nvPr/>
-        </p:nvSpPr>
-        <p:spPr>
-          <a:xfrm>
-            <a:off x="2305050" y="641003"/>
-            <a:ext cx="4533900" cy="4154984"/>
-          </a:xfrm>
-          <a:prstGeom prst="rect">
-            <a:avLst/>
-          </a:prstGeom>
-          <a:solidFill>
-            <a:schemeClr val="accent6">
-              <a:lumMod val="20000"/>
-              <a:lumOff val="80000"/>
-            </a:schemeClr>
-          </a:solidFill>
-        </p:spPr>
-        <p:txBody>
-          <a:bodyPr wrap="square">
-            <a:spAutoFit/>
-          </a:bodyPr>
-          <a:lstStyle/>
-          <a:p>
-            <a:r>
-              <a:rPr lang="en-CA" sz="800" dirty="0">
-                <a:latin typeface="Courier" pitchFamily="2" charset="0"/>
-              </a:rPr>
-              <a:t>    0                   1                   2                   3</a:t>
-            </a:r>
-          </a:p>
-          <a:p>
-            <a:r>
-              <a:rPr lang="en-CA" sz="800" dirty="0">
-                <a:latin typeface="Courier" pitchFamily="2" charset="0"/>
-              </a:rPr>
-              <a:t>    0 1 2 3 4 5 6 7 8 9 0 1 2 3 4 5 6 7 8 9 0 1 2 3 4 5 6 7 8 9 0 1</a:t>
-            </a:r>
-          </a:p>
-          <a:p>
-            <a:r>
-              <a:rPr lang="en-CA" sz="800" dirty="0">
-                <a:latin typeface="Courier" pitchFamily="2" charset="0"/>
-              </a:rPr>
-              <a:t>   +-+-+-+-+-+-+-+-+-+-+-+-+-+-+-+-+-+-+-+-+-+-+-+-+-+-+-+-+-+-+-+-+</a:t>
-            </a:r>
-          </a:p>
-          <a:p>
-            <a:r>
-              <a:rPr lang="en-CA" sz="800" dirty="0">
-                <a:latin typeface="Courier" pitchFamily="2" charset="0"/>
-              </a:rPr>
-              <a:t>   |                Label(1)               | TC  |S|      TTL      |</a:t>
-            </a:r>
-          </a:p>
-          <a:p>
-            <a:r>
-              <a:rPr lang="en-CA" sz="800" dirty="0">
-                <a:latin typeface="Courier" pitchFamily="2" charset="0"/>
-              </a:rPr>
-              <a:t>   +-+-+-+-+-+-+-+-+-+-+-+-+-+-+-+-+-+-+-+-+-+-+-+-+-+-+-+-+-+-+-+-+</a:t>
-            </a:r>
-          </a:p>
-          <a:p>
-            <a:r>
-              <a:rPr lang="en-CA" sz="800" dirty="0">
-                <a:latin typeface="Courier" pitchFamily="2" charset="0"/>
-              </a:rPr>
-              <a:t>   .                                                               .</a:t>
-            </a:r>
-          </a:p>
-          <a:p>
-            <a:r>
-              <a:rPr lang="en-CA" sz="800" dirty="0">
-                <a:latin typeface="Courier" pitchFamily="2" charset="0"/>
-              </a:rPr>
-              <a:t>   .                                                               .</a:t>
-            </a:r>
-          </a:p>
-          <a:p>
-            <a:r>
-              <a:rPr lang="en-CA" sz="800" dirty="0">
-                <a:latin typeface="Courier" pitchFamily="2" charset="0"/>
-              </a:rPr>
-              <a:t>   .                                                               .</a:t>
-            </a:r>
-          </a:p>
-          <a:p>
-            <a:r>
-              <a:rPr lang="en-CA" sz="800" dirty="0">
-                <a:latin typeface="Courier" pitchFamily="2" charset="0"/>
-              </a:rPr>
-              <a:t>   +-+-+-+-+-+-+-+-+-+-+-+-+-+-+-+-+-+-+-+-+-+-+-+-+-+-+-+-+-+-+-+-+</a:t>
-            </a:r>
-          </a:p>
-          <a:p>
-            <a:r>
-              <a:rPr lang="en-CA" sz="800" dirty="0">
-                <a:latin typeface="Courier" pitchFamily="2" charset="0"/>
-              </a:rPr>
-              <a:t>   |                Label(n)               | TC  |S|      TTL      |</a:t>
-            </a:r>
-          </a:p>
-          <a:p>
-            <a:r>
-              <a:rPr lang="en-CA" sz="800" dirty="0">
-                <a:latin typeface="Courier" pitchFamily="2" charset="0"/>
-              </a:rPr>
-              <a:t>   +-+-+-+-+-+-+-+-+-+-+-+-+-+-+-+-+-+-+-+-+-+-+-+-+-+-+-+-+-+-+-+-+</a:t>
-            </a:r>
-          </a:p>
-          <a:p>
-            <a:r>
-              <a:rPr lang="en-CA" sz="800" b="1" dirty="0">
-                <a:latin typeface="Courier" pitchFamily="2" charset="0"/>
-              </a:rPr>
-              <a:t>   |                PSID                   | TC  |S|      TTL      | </a:t>
-            </a:r>
-          </a:p>
-          <a:p>
-            <a:r>
-              <a:rPr lang="en-CA" sz="800" dirty="0">
-                <a:latin typeface="Courier" pitchFamily="2" charset="0"/>
-              </a:rPr>
-              <a:t>   +-+-+-+-+-+-+-+-+-+-+-+-+-+-+-+-+-+-+-+-+-+-+-+-+-+-+-+-+-+-+-+-+</a:t>
-            </a:r>
-          </a:p>
-          <a:p>
-            <a:r>
-              <a:rPr lang="en-CA" sz="800" dirty="0">
-                <a:latin typeface="Courier" pitchFamily="2" charset="0"/>
-              </a:rPr>
-              <a:t>   | </a:t>
-            </a:r>
-            <a:r>
-              <a:rPr lang="en-CA" sz="800" b="1" dirty="0">
-                <a:latin typeface="Courier" pitchFamily="2" charset="0"/>
-              </a:rPr>
-              <a:t>IOAM Indicator Label                  </a:t>
-            </a:r>
-            <a:r>
-              <a:rPr lang="en-CA" sz="800" dirty="0">
-                <a:latin typeface="Courier" pitchFamily="2" charset="0"/>
-              </a:rPr>
-              <a:t>| TC  |1|      TTL      |</a:t>
-            </a:r>
-          </a:p>
-          <a:p>
-            <a:r>
-              <a:rPr lang="en-CA" sz="800" dirty="0">
-                <a:latin typeface="Courier" pitchFamily="2" charset="0"/>
-              </a:rPr>
-              <a:t>   +-+-+-+-+-+-+-+-+-+-+-+-+-+-+-+-+-+-+-+-+-+-+-+-+-+-+-+-+-+-+-+-+&lt;-+ </a:t>
-            </a:r>
-          </a:p>
-          <a:p>
-            <a:r>
-              <a:rPr lang="en-CA" sz="800" dirty="0">
-                <a:latin typeface="Courier" pitchFamily="2" charset="0"/>
-              </a:rPr>
-              <a:t>   |0 0 0 1|Version|  Reserved     | IOAM G-</a:t>
-            </a:r>
-            <a:r>
-              <a:rPr lang="en-CA" sz="800" dirty="0" err="1">
-                <a:latin typeface="Courier" pitchFamily="2" charset="0"/>
-              </a:rPr>
-              <a:t>ACh</a:t>
-            </a:r>
-            <a:r>
-              <a:rPr lang="en-CA" sz="800" dirty="0">
-                <a:latin typeface="Courier" pitchFamily="2" charset="0"/>
-              </a:rPr>
-              <a:t>                    |  | </a:t>
-            </a:r>
-          </a:p>
-          <a:p>
-            <a:r>
-              <a:rPr lang="en-CA" sz="800" dirty="0">
-                <a:latin typeface="Courier" pitchFamily="2" charset="0"/>
-              </a:rPr>
-              <a:t>   +-+-+-+-+-+-+-+-+-+-+-+-+-+-+-+-+-+-+-+-+-+-+-+-+-+-+-+-+-+-+-+-+  | </a:t>
-            </a:r>
-          </a:p>
-          <a:p>
-            <a:r>
-              <a:rPr lang="en-CA" sz="800" dirty="0">
-                <a:latin typeface="Courier" pitchFamily="2" charset="0"/>
-              </a:rPr>
-              <a:t>   | Reserved      | Block Number  | IOAM-OPT-Type |IOAM HDR Length|  |</a:t>
-            </a:r>
-          </a:p>
-          <a:p>
-            <a:r>
-              <a:rPr lang="en-CA" sz="800" dirty="0">
-                <a:latin typeface="Courier" pitchFamily="2" charset="0"/>
-              </a:rPr>
-              <a:t>   +-+-+-+-+-+-+-+-+-+-+-+-+-+-+-+-+-+-+-+-+-+-+-+-+-+-+-+-+-+-+-+-+  I</a:t>
-            </a:r>
-          </a:p>
-          <a:p>
-            <a:r>
-              <a:rPr lang="en-CA" sz="800" dirty="0">
-                <a:latin typeface="Courier" pitchFamily="2" charset="0"/>
-              </a:rPr>
-              <a:t>   |                                                               |  O</a:t>
-            </a:r>
-          </a:p>
-          <a:p>
-            <a:r>
-              <a:rPr lang="en-CA" sz="800" dirty="0">
-                <a:latin typeface="Courier" pitchFamily="2" charset="0"/>
-              </a:rPr>
-              <a:t>   |                                                               |  A</a:t>
-            </a:r>
-          </a:p>
-          <a:p>
-            <a:r>
-              <a:rPr lang="en-CA" sz="800" dirty="0">
-                <a:latin typeface="Courier" pitchFamily="2" charset="0"/>
-              </a:rPr>
-              <a:t>   ~                 IOAM Option and Data Space                    ~  M</a:t>
-            </a:r>
-          </a:p>
-          <a:p>
-            <a:r>
-              <a:rPr lang="en-CA" sz="800" dirty="0">
-                <a:latin typeface="Courier" pitchFamily="2" charset="0"/>
-              </a:rPr>
-              <a:t>   |                                                               |  |</a:t>
-            </a:r>
-          </a:p>
-          <a:p>
-            <a:r>
-              <a:rPr lang="en-CA" sz="800" dirty="0">
-                <a:latin typeface="Courier" pitchFamily="2" charset="0"/>
-              </a:rPr>
-              <a:t>   |                                                               |  |</a:t>
-            </a:r>
-          </a:p>
-          <a:p>
-            <a:r>
-              <a:rPr lang="en-CA" sz="800" dirty="0">
-                <a:latin typeface="Courier" pitchFamily="2" charset="0"/>
-              </a:rPr>
-              <a:t>   +-+-+-+-+-+-+-+-+-+-+-+-+-+-+-+-+-+-+-+-+-+-+-+-+-+-+-+-+-+-+-+-+&lt;-+</a:t>
-            </a:r>
-          </a:p>
-          <a:p>
-            <a:r>
-              <a:rPr lang="en-CA" sz="800" dirty="0">
-                <a:latin typeface="Courier" pitchFamily="2" charset="0"/>
-              </a:rPr>
-              <a:t>   |                                                               |</a:t>
-            </a:r>
-          </a:p>
-          <a:p>
-            <a:r>
-              <a:rPr lang="en-CA" sz="800" dirty="0">
-                <a:latin typeface="Courier" pitchFamily="2" charset="0"/>
-              </a:rPr>
-              <a:t>   |                                                               |</a:t>
-            </a:r>
-          </a:p>
-          <a:p>
-            <a:r>
-              <a:rPr lang="en-CA" sz="800" dirty="0">
-                <a:latin typeface="Courier" pitchFamily="2" charset="0"/>
-              </a:rPr>
-              <a:t>   ~                 Payload + Padding                             ~</a:t>
-            </a:r>
-          </a:p>
-          <a:p>
-            <a:r>
-              <a:rPr lang="en-CA" sz="800" dirty="0">
-                <a:latin typeface="Courier" pitchFamily="2" charset="0"/>
-              </a:rPr>
-              <a:t>   |                                                               |</a:t>
-            </a:r>
-          </a:p>
-          <a:p>
-            <a:r>
-              <a:rPr lang="en-CA" sz="800" dirty="0">
-                <a:latin typeface="Courier" pitchFamily="2" charset="0"/>
-              </a:rPr>
-              <a:t>   |                                                               |</a:t>
-            </a:r>
-          </a:p>
-          <a:p>
-            <a:r>
-              <a:rPr lang="en-CA" sz="800" dirty="0">
-                <a:latin typeface="Courier" pitchFamily="2" charset="0"/>
-              </a:rPr>
-              <a:t>   +-+-+-+-+-+-+-+-+-+-+-+-+-+-+-+-+-+-+-+-+-+-+-+-+-+-+-+-+-+-+-+-+ </a:t>
-            </a:r>
-          </a:p>
-          <a:p>
-            <a:r>
-              <a:rPr lang="en-CA" sz="800" dirty="0">
-                <a:latin typeface="Courier" pitchFamily="2" charset="0"/>
-              </a:rPr>
-              <a:t>             </a:t>
-            </a:r>
-          </a:p>
-          <a:p>
-            <a:r>
-              <a:rPr lang="en-CA" sz="800" dirty="0">
-                <a:latin typeface="Courier" pitchFamily="2" charset="0"/>
-              </a:rPr>
-              <a:t>          Figure: Example IOAM Header with SR-MPLS Encapsulation</a:t>
-            </a:r>
-            <a:endParaRPr lang="en-CA" sz="800" dirty="0">
-              <a:latin typeface="Courier" pitchFamily="2" charset="0"/>
-              <a:ea typeface="Calibri" panose="020F0502020204030204" pitchFamily="34" charset="0"/>
-              <a:cs typeface="Times New Roman" panose="02020603050405020304" pitchFamily="18" charset="0"/>
-            </a:endParaRPr>
-          </a:p>
-        </p:txBody>
-      </p:sp>
     </p:spTree>
     <p:extLst>
       <p:ext uri="{BB962C8B-B14F-4D97-AF65-F5344CB8AC3E}">
-        <p14:creationId xmlns:p14="http://schemas.microsoft.com/office/powerpoint/2010/main" val="1981757818"/>
+        <p14:creationId xmlns:p14="http://schemas.microsoft.com/office/powerpoint/2010/main" val="3990542425"/>
       </p:ext>
     </p:extLst>
   </p:cSld>
@@ -11271,7 +11158,7 @@
           <p:cNvPr id="2" name="Title 1">
             <a:extLst>
               <a:ext uri="{FF2B5EF4-FFF2-40B4-BE49-F238E27FC236}">
-                <a16:creationId xmlns:a16="http://schemas.microsoft.com/office/drawing/2014/main" id="{16C5255E-BE42-5348-AC0F-6257873BBB61}"/>
+                <a16:creationId xmlns:a16="http://schemas.microsoft.com/office/drawing/2014/main" id="{590D0125-5A9E-9D48-9391-85FBD0E608A2}"/>
               </a:ext>
             </a:extLst>
           </p:cNvPr>
@@ -11284,8 +11171,8 @@
         </p:nvSpPr>
         <p:spPr>
           <a:xfrm>
-            <a:off x="304800" y="0"/>
-            <a:ext cx="8534400" cy="857250"/>
+            <a:off x="0" y="42880"/>
+            <a:ext cx="9144000" cy="599270"/>
           </a:xfrm>
         </p:spPr>
         <p:txBody>
@@ -11293,24 +11180,51 @@
           <a:lstStyle/>
           <a:p>
             <a:r>
-              <a:rPr lang="en-US" sz="3200" dirty="0">
+              <a:rPr lang="en-CA" sz="2400" dirty="0">
                 <a:solidFill>
                   <a:srgbClr val="0070C0"/>
                 </a:solidFill>
                 <a:latin typeface="Calibri Light" panose="020F0302020204030204" pitchFamily="34" charset="0"/>
                 <a:cs typeface="Calibri Light" panose="020F0302020204030204" pitchFamily="34" charset="0"/>
               </a:rPr>
-              <a:t>IOAM Header with Other Control Words/ACHs</a:t>
-            </a:r>
-          </a:p>
-        </p:txBody>
-      </p:sp>
-      <p:sp>
-        <p:nvSpPr>
-          <p:cNvPr id="3" name="Content Placeholder 2">
+              <a:t>Example 1 - PW </a:t>
+            </a:r>
+            <a:r>
+              <a:rPr lang="en-CA" sz="2400" dirty="0" err="1">
+                <a:solidFill>
+                  <a:srgbClr val="0070C0"/>
+                </a:solidFill>
+                <a:latin typeface="Calibri Light" panose="020F0302020204030204" pitchFamily="34" charset="0"/>
+                <a:cs typeface="Calibri Light" panose="020F0302020204030204" pitchFamily="34" charset="0"/>
+              </a:rPr>
+              <a:t>Encap</a:t>
+            </a:r>
+            <a:r>
+              <a:rPr lang="en-CA" sz="2400" dirty="0">
+                <a:solidFill>
+                  <a:srgbClr val="0070C0"/>
+                </a:solidFill>
+                <a:latin typeface="Calibri Light" panose="020F0302020204030204" pitchFamily="34" charset="0"/>
+                <a:cs typeface="Calibri Light" panose="020F0302020204030204" pitchFamily="34" charset="0"/>
+              </a:rPr>
+              <a:t> Control Word [RFC4385] with IOAM Data Fields</a:t>
+            </a:r>
+            <a:endParaRPr lang="en-US" sz="2400" dirty="0">
+              <a:solidFill>
+                <a:srgbClr val="0070C0"/>
+              </a:solidFill>
+              <a:latin typeface="Calibri Light" panose="020F0302020204030204" pitchFamily="34" charset="0"/>
+              <a:cs typeface="Calibri Light" panose="020F0302020204030204" pitchFamily="34" charset="0"/>
+            </a:endParaRPr>
+          </a:p>
+        </p:txBody>
+      </p:sp>
+      <p:sp>
+        <p:nvSpPr>
+          <p:cNvPr id="4" name="Footer Placeholder 3">
             <a:extLst>
               <a:ext uri="{FF2B5EF4-FFF2-40B4-BE49-F238E27FC236}">
-                <a16:creationId xmlns:a16="http://schemas.microsoft.com/office/drawing/2014/main" id="{3943595A-2AF7-A141-B580-268FFA30C69C}"/>
+                <a16:creationId xmlns:a16="http://schemas.microsoft.com/office/drawing/2014/main" id="{87713FCD-3B47-804D-B373-DAB61FB5FF59}"/>
               </a:ext>
             </a:extLst>
           </p:cNvPr>
@@ -11318,151 +11232,12 @@
             <a:spLocks noGrp="1"/>
           </p:cNvSpPr>
           <p:nvPr>
-            <p:ph idx="1"/>
+            <p:ph type="ftr" sz="quarter" idx="11"/>
           </p:nvPr>
         </p:nvSpPr>
         <p:spPr>
           <a:xfrm>
-            <a:off x="533400" y="971551"/>
-            <a:ext cx="8153400" cy="3124200"/>
-          </a:xfrm>
-        </p:spPr>
-        <p:txBody>
-          <a:bodyPr/>
-          <a:lstStyle/>
-          <a:p>
-            <a:pPr>
-              <a:lnSpc>
-                <a:spcPts val="2120"/>
-              </a:lnSpc>
-              <a:spcBef>
-                <a:spcPts val="600"/>
-              </a:spcBef>
-            </a:pPr>
-            <a:r>
-              <a:rPr lang="en-CA" sz="2000" dirty="0">
-                <a:latin typeface="Calibri" panose="020F0502020204030204" pitchFamily="34" charset="0"/>
-                <a:cs typeface="Calibri" panose="020F0502020204030204" pitchFamily="34" charset="0"/>
-              </a:rPr>
-              <a:t>IOAM header is part of the MPLS </a:t>
-            </a:r>
-            <a:r>
-              <a:rPr lang="en-CA" sz="2000" dirty="0"/>
-              <a:t>encapsulation</a:t>
-            </a:r>
-            <a:r>
-              <a:rPr lang="en-CA" sz="2000" dirty="0">
-                <a:latin typeface="Calibri" panose="020F0502020204030204" pitchFamily="34" charset="0"/>
-                <a:cs typeface="Calibri" panose="020F0502020204030204" pitchFamily="34" charset="0"/>
-              </a:rPr>
-              <a:t>, any other control word / ACH is added after the IOAM header in the data packet.</a:t>
-            </a:r>
-          </a:p>
-          <a:p>
-            <a:pPr>
-              <a:lnSpc>
-                <a:spcPts val="2120"/>
-              </a:lnSpc>
-              <a:spcBef>
-                <a:spcPts val="600"/>
-              </a:spcBef>
-            </a:pPr>
-            <a:r>
-              <a:rPr lang="en-CA" sz="2000" dirty="0">
-                <a:latin typeface="Calibri" panose="020F0502020204030204" pitchFamily="34" charset="0"/>
-                <a:cs typeface="Calibri" panose="020F0502020204030204" pitchFamily="34" charset="0"/>
-              </a:rPr>
-              <a:t>The transit nodes can easily process the IOAM data field(s) after the EOS in the data packets.</a:t>
-            </a:r>
-          </a:p>
-          <a:p>
-            <a:pPr>
-              <a:lnSpc>
-                <a:spcPts val="2120"/>
-              </a:lnSpc>
-              <a:spcBef>
-                <a:spcPts val="600"/>
-              </a:spcBef>
-            </a:pPr>
-            <a:r>
-              <a:rPr lang="en-CA" sz="2000" dirty="0">
-                <a:latin typeface="Calibri" panose="020F0502020204030204" pitchFamily="34" charset="0"/>
-                <a:cs typeface="Calibri" panose="020F0502020204030204" pitchFamily="34" charset="0"/>
-              </a:rPr>
-              <a:t>The decapsulating node removes the MPLS </a:t>
-            </a:r>
-            <a:r>
-              <a:rPr lang="en-CA" sz="2000" dirty="0"/>
-              <a:t>encapsulation</a:t>
-            </a:r>
-            <a:r>
-              <a:rPr lang="en-CA" sz="2000" dirty="0">
-                <a:latin typeface="Calibri" panose="020F0502020204030204" pitchFamily="34" charset="0"/>
-                <a:cs typeface="Calibri" panose="020F0502020204030204" pitchFamily="34" charset="0"/>
-              </a:rPr>
-              <a:t> including the IOAM header and then processes the other control word /ACH following it.</a:t>
-            </a:r>
-          </a:p>
-          <a:p>
-            <a:pPr>
-              <a:lnSpc>
-                <a:spcPts val="2120"/>
-              </a:lnSpc>
-              <a:spcBef>
-                <a:spcPts val="600"/>
-              </a:spcBef>
-            </a:pPr>
-            <a:r>
-              <a:rPr lang="en-CA" sz="2000" i="1" dirty="0">
-                <a:latin typeface="Calibri" panose="020F0502020204030204" pitchFamily="34" charset="0"/>
-                <a:cs typeface="Calibri" panose="020F0502020204030204" pitchFamily="34" charset="0"/>
-              </a:rPr>
-              <a:t>IOAM HDR Length </a:t>
-            </a:r>
-            <a:r>
-              <a:rPr lang="en-CA" sz="2000" dirty="0">
-                <a:latin typeface="Calibri" panose="020F0502020204030204" pitchFamily="34" charset="0"/>
-                <a:cs typeface="Calibri" panose="020F0502020204030204" pitchFamily="34" charset="0"/>
-              </a:rPr>
-              <a:t>allows to find the Control word /ACH after the IOAM header.</a:t>
-            </a:r>
-          </a:p>
-          <a:p>
-            <a:pPr marL="0" indent="0">
-              <a:lnSpc>
-                <a:spcPts val="2120"/>
-              </a:lnSpc>
-              <a:spcBef>
-                <a:spcPts val="600"/>
-              </a:spcBef>
-              <a:buNone/>
-            </a:pPr>
-            <a:endParaRPr lang="en-CA" sz="2000" dirty="0">
-              <a:latin typeface="Calibri" panose="020F0502020204030204" pitchFamily="34" charset="0"/>
-              <a:cs typeface="Calibri" panose="020F0502020204030204" pitchFamily="34" charset="0"/>
-            </a:endParaRPr>
-          </a:p>
-        </p:txBody>
-      </p:sp>
-      <p:sp>
-        <p:nvSpPr>
-          <p:cNvPr id="4" name="Footer Placeholder 3">
-            <a:extLst>
-              <a:ext uri="{FF2B5EF4-FFF2-40B4-BE49-F238E27FC236}">
-                <a16:creationId xmlns:a16="http://schemas.microsoft.com/office/drawing/2014/main" id="{CF70CC82-C055-3645-9254-87CEC1C49032}"/>
-              </a:ext>
-            </a:extLst>
-          </p:cNvPr>
-          <p:cNvSpPr>
-            <a:spLocks noGrp="1"/>
-          </p:cNvSpPr>
-          <p:nvPr>
-            <p:ph type="ftr" sz="quarter" idx="11"/>
-          </p:nvPr>
-        </p:nvSpPr>
-        <p:spPr>
-          <a:xfrm>
-            <a:off x="3124200" y="4786312"/>
+            <a:off x="3124200" y="4781550"/>
             <a:ext cx="2895600" cy="357188"/>
           </a:xfrm>
         </p:spPr>
@@ -11470,19 +11245,16 @@
           <a:bodyPr/>
           <a:lstStyle/>
           <a:p>
-            <a:pPr>
-              <a:defRPr/>
-            </a:pPr>
-            <a:r>
-              <a:rPr lang="en-US" altLang="zh-CN" dirty="0"/>
+            <a:r>
+              <a:rPr lang="en-CA" dirty="0"/>
               <a:t>110</a:t>
             </a:r>
             <a:r>
-              <a:rPr lang="en-US" altLang="zh-CN" baseline="30000" dirty="0"/>
+              <a:rPr lang="en-CA" baseline="30000" dirty="0"/>
               <a:t>th</a:t>
             </a:r>
             <a:r>
-              <a:rPr lang="en-US" altLang="zh-CN" dirty="0"/>
+              <a:rPr lang="en-CA" dirty="0"/>
               <a:t> IETF Online</a:t>
             </a:r>
           </a:p>
@@ -11493,7 +11265,7 @@
           <p:cNvPr id="5" name="Slide Number Placeholder 4">
             <a:extLst>
               <a:ext uri="{FF2B5EF4-FFF2-40B4-BE49-F238E27FC236}">
-                <a16:creationId xmlns:a16="http://schemas.microsoft.com/office/drawing/2014/main" id="{62DF7D69-BCF6-2D4A-A3F1-2D32C59355D3}"/>
+                <a16:creationId xmlns:a16="http://schemas.microsoft.com/office/drawing/2014/main" id="{1371408B-9195-EC4D-8131-A3F5CC0592D0}"/>
               </a:ext>
             </a:extLst>
           </p:cNvPr>
@@ -11523,10 +11295,282 @@
           </a:p>
         </p:txBody>
       </p:sp>
+      <p:sp>
+        <p:nvSpPr>
+          <p:cNvPr id="6" name="Rectangle 5">
+            <a:extLst>
+              <a:ext uri="{FF2B5EF4-FFF2-40B4-BE49-F238E27FC236}">
+                <a16:creationId xmlns:a16="http://schemas.microsoft.com/office/drawing/2014/main" id="{1EED4007-3A19-0E4E-8496-6CECEEA363EB}"/>
+              </a:ext>
+            </a:extLst>
+          </p:cNvPr>
+          <p:cNvSpPr/>
+          <p:nvPr/>
+        </p:nvSpPr>
+        <p:spPr>
+          <a:xfrm>
+            <a:off x="1905000" y="865190"/>
+            <a:ext cx="5105400" cy="3693319"/>
+          </a:xfrm>
+          <a:prstGeom prst="rect">
+            <a:avLst/>
+          </a:prstGeom>
+          <a:solidFill>
+            <a:schemeClr val="accent6">
+              <a:lumMod val="20000"/>
+              <a:lumOff val="80000"/>
+            </a:schemeClr>
+          </a:solidFill>
+        </p:spPr>
+        <p:txBody>
+          <a:bodyPr wrap="square">
+            <a:spAutoFit/>
+          </a:bodyPr>
+          <a:lstStyle/>
+          <a:p>
+            <a:r>
+              <a:rPr lang="en-CA" sz="900" dirty="0">
+                <a:latin typeface="Courier" pitchFamily="2" charset="0"/>
+              </a:rPr>
+              <a:t>   0                   1                   2                   3</a:t>
+            </a:r>
+          </a:p>
+          <a:p>
+            <a:r>
+              <a:rPr lang="en-CA" sz="900" dirty="0">
+                <a:latin typeface="Courier" pitchFamily="2" charset="0"/>
+              </a:rPr>
+              <a:t>   0 1 2 3 4 5 6 7 8 9 0 1 2 3 4 5 6 7 8 9 0 1 2 3 4 5 6 7 8 9 0 1</a:t>
+            </a:r>
+          </a:p>
+          <a:p>
+            <a:r>
+              <a:rPr lang="en-CA" sz="900" dirty="0">
+                <a:latin typeface="Courier" pitchFamily="2" charset="0"/>
+              </a:rPr>
+              <a:t>   +-+-+-+-+-+-+-+-+-+-+-+-+-+-+-+-+-+-+-+-+-+-+-+-+-+-+-+-+-+-+-+-+</a:t>
+            </a:r>
+          </a:p>
+          <a:p>
+            <a:r>
+              <a:rPr lang="en-CA" sz="900" dirty="0">
+                <a:latin typeface="Courier" pitchFamily="2" charset="0"/>
+              </a:rPr>
+              <a:t>   | IOAM Indicator Label                  | TC  |1|  TTL          |</a:t>
+            </a:r>
+          </a:p>
+          <a:p>
+            <a:r>
+              <a:rPr lang="en-CA" sz="900" dirty="0">
+                <a:latin typeface="Courier" pitchFamily="2" charset="0"/>
+              </a:rPr>
+              <a:t>   +-+-+-+-+-+-+-+-+-+-+-+-+-+-+-+-+-+-+-+-+-+-+-+-+-+-+-+-+-+-+-+-+&lt;-+</a:t>
+            </a:r>
+          </a:p>
+          <a:p>
+            <a:r>
+              <a:rPr lang="en-CA" sz="900" dirty="0">
+                <a:latin typeface="Courier" pitchFamily="2" charset="0"/>
+              </a:rPr>
+              <a:t>   |0 0 0 1|Version| Reserved      | IOAM G-</a:t>
+            </a:r>
+            <a:r>
+              <a:rPr lang="en-CA" sz="900" dirty="0" err="1">
+                <a:latin typeface="Courier" pitchFamily="2" charset="0"/>
+              </a:rPr>
+              <a:t>ACh</a:t>
+            </a:r>
+            <a:r>
+              <a:rPr lang="en-CA" sz="900" dirty="0">
+                <a:latin typeface="Courier" pitchFamily="2" charset="0"/>
+              </a:rPr>
+              <a:t>                    |  |</a:t>
+            </a:r>
+          </a:p>
+          <a:p>
+            <a:r>
+              <a:rPr lang="en-CA" sz="900" dirty="0">
+                <a:latin typeface="Courier" pitchFamily="2" charset="0"/>
+              </a:rPr>
+              <a:t>   +-+-+-+-+-+-+-+-+-+-+-+-+-+-+-+-+-+-+-+-+-+-+-+-+-+-+-+-+-+-+-+-+  |</a:t>
+            </a:r>
+          </a:p>
+          <a:p>
+            <a:r>
+              <a:rPr lang="en-CA" sz="900" dirty="0">
+                <a:latin typeface="Courier" pitchFamily="2" charset="0"/>
+              </a:rPr>
+              <a:t>   | Reserved      | Block Number  | IOAM-OPT-Type |</a:t>
+            </a:r>
+            <a:r>
+              <a:rPr lang="en-CA" sz="900" dirty="0">
+                <a:solidFill>
+                  <a:srgbClr val="0070C0"/>
+                </a:solidFill>
+                <a:latin typeface="Courier" pitchFamily="2" charset="0"/>
+              </a:rPr>
+              <a:t>IOAM HDR Length</a:t>
+            </a:r>
+            <a:r>
+              <a:rPr lang="en-CA" sz="900" dirty="0">
+                <a:latin typeface="Courier" pitchFamily="2" charset="0"/>
+              </a:rPr>
+              <a:t>|  |</a:t>
+            </a:r>
+          </a:p>
+          <a:p>
+            <a:r>
+              <a:rPr lang="en-CA" sz="900" dirty="0">
+                <a:latin typeface="Courier" pitchFamily="2" charset="0"/>
+              </a:rPr>
+              <a:t>   +-+-+-+-+-+-+-+-+-+-+-+-+-+-+-+-+-+-+-+-+-+-+-+-+-+-+-+-+-+-+-+-+  I</a:t>
+            </a:r>
+          </a:p>
+          <a:p>
+            <a:r>
+              <a:rPr lang="en-CA" sz="900" dirty="0">
+                <a:latin typeface="Courier" pitchFamily="2" charset="0"/>
+              </a:rPr>
+              <a:t>   |                                                               |  O</a:t>
+            </a:r>
+          </a:p>
+          <a:p>
+            <a:r>
+              <a:rPr lang="en-CA" sz="900" dirty="0">
+                <a:latin typeface="Courier" pitchFamily="2" charset="0"/>
+              </a:rPr>
+              <a:t>   |                                                               |  A</a:t>
+            </a:r>
+          </a:p>
+          <a:p>
+            <a:r>
+              <a:rPr lang="en-CA" sz="900" dirty="0">
+                <a:latin typeface="Courier" pitchFamily="2" charset="0"/>
+              </a:rPr>
+              <a:t>   ~                 IOAM Option and Data Space                    ~  M</a:t>
+            </a:r>
+          </a:p>
+          <a:p>
+            <a:r>
+              <a:rPr lang="en-CA" sz="900" dirty="0">
+                <a:latin typeface="Courier" pitchFamily="2" charset="0"/>
+              </a:rPr>
+              <a:t>   |                                                               |  |</a:t>
+            </a:r>
+          </a:p>
+          <a:p>
+            <a:r>
+              <a:rPr lang="en-CA" sz="900" dirty="0">
+                <a:latin typeface="Courier" pitchFamily="2" charset="0"/>
+              </a:rPr>
+              <a:t>   |                                                               |  |</a:t>
+            </a:r>
+          </a:p>
+          <a:p>
+            <a:r>
+              <a:rPr lang="en-CA" sz="900" dirty="0">
+                <a:latin typeface="Courier" pitchFamily="2" charset="0"/>
+              </a:rPr>
+              <a:t>   +-+-+-+-+-+-+-+-+-+-+-+-+-+-+-+-+-+-+-+-+-+-+-+-+-+-+-+-+-+-+-+-+&lt;-+</a:t>
+            </a:r>
+          </a:p>
+          <a:p>
+            <a:r>
+              <a:rPr lang="en-CA" sz="900" dirty="0">
+                <a:solidFill>
+                  <a:srgbClr val="0070C0"/>
+                </a:solidFill>
+                <a:latin typeface="Courier" pitchFamily="2" charset="0"/>
+              </a:rPr>
+              <a:t>   |0 0 0 0| Specified by PW Encapsulation                         |   </a:t>
+            </a:r>
+          </a:p>
+          <a:p>
+            <a:r>
+              <a:rPr lang="en-CA" sz="900" dirty="0">
+                <a:solidFill>
+                  <a:srgbClr val="0070C0"/>
+                </a:solidFill>
+                <a:latin typeface="Courier" pitchFamily="2" charset="0"/>
+              </a:rPr>
+              <a:t>   +-+-+-+-+-+-+-+-+-+-+-+-+-+-+-+-+-+-+-+-+-+-+-+-+-+-+-+-+-+-+-+-+</a:t>
+            </a:r>
+          </a:p>
+          <a:p>
+            <a:r>
+              <a:rPr lang="en-CA" sz="900" dirty="0">
+                <a:latin typeface="Courier" pitchFamily="2" charset="0"/>
+              </a:rPr>
+              <a:t>   |                                                               |</a:t>
+            </a:r>
+          </a:p>
+          <a:p>
+            <a:r>
+              <a:rPr lang="en-CA" sz="900" dirty="0">
+                <a:latin typeface="Courier" pitchFamily="2" charset="0"/>
+              </a:rPr>
+              <a:t>   |                                                               |</a:t>
+            </a:r>
+          </a:p>
+          <a:p>
+            <a:r>
+              <a:rPr lang="en-CA" sz="900" dirty="0">
+                <a:latin typeface="Courier" pitchFamily="2" charset="0"/>
+              </a:rPr>
+              <a:t>   ~                 Payload + Padding                             ~</a:t>
+            </a:r>
+          </a:p>
+          <a:p>
+            <a:r>
+              <a:rPr lang="en-CA" sz="900" dirty="0">
+                <a:latin typeface="Courier" pitchFamily="2" charset="0"/>
+              </a:rPr>
+              <a:t>   |                                                               |</a:t>
+            </a:r>
+          </a:p>
+          <a:p>
+            <a:r>
+              <a:rPr lang="en-CA" sz="900" dirty="0">
+                <a:latin typeface="Courier" pitchFamily="2" charset="0"/>
+              </a:rPr>
+              <a:t>   |                                                               |</a:t>
+            </a:r>
+          </a:p>
+          <a:p>
+            <a:r>
+              <a:rPr lang="en-CA" sz="900" dirty="0">
+                <a:latin typeface="Courier" pitchFamily="2" charset="0"/>
+              </a:rPr>
+              <a:t>   +-+-+-+-+-+-+-+-+-+-+-+-+-+-+-+-+-+-+-+-+-+-+-+-+-+-+-+-+-+-+-+-+</a:t>
+            </a:r>
+          </a:p>
+          <a:p>
+            <a:r>
+              <a:rPr lang="en-CA" sz="900" dirty="0">
+                <a:latin typeface="Courier" pitchFamily="2" charset="0"/>
+              </a:rPr>
+              <a:t> </a:t>
+            </a:r>
+          </a:p>
+          <a:p>
+            <a:r>
+              <a:rPr lang="en-CA" sz="900" dirty="0">
+                <a:latin typeface="Courier" pitchFamily="2" charset="0"/>
+              </a:rPr>
+              <a:t>      Figure: PW Encapsulation Control Word with IOAM Data Fields</a:t>
+            </a:r>
+            <a:endParaRPr lang="en-CA" sz="900" dirty="0">
+              <a:latin typeface="Courier" pitchFamily="2" charset="0"/>
+              <a:ea typeface="Calibri" panose="020F0502020204030204" pitchFamily="34" charset="0"/>
+              <a:cs typeface="Times New Roman" panose="02020603050405020304" pitchFamily="18" charset="0"/>
+            </a:endParaRPr>
+          </a:p>
+        </p:txBody>
+      </p:sp>
     </p:spTree>
     <p:extLst>
       <p:ext uri="{BB962C8B-B14F-4D97-AF65-F5344CB8AC3E}">
-        <p14:creationId xmlns:p14="http://schemas.microsoft.com/office/powerpoint/2010/main" val="3990542425"/>
+        <p14:creationId xmlns:p14="http://schemas.microsoft.com/office/powerpoint/2010/main" val="3708656005"/>
       </p:ext>
     </p:extLst>
   </p:cSld>
@@ -11558,7 +11602,7 @@
           <p:cNvPr id="2" name="Title 1">
             <a:extLst>
               <a:ext uri="{FF2B5EF4-FFF2-40B4-BE49-F238E27FC236}">
-                <a16:creationId xmlns:a16="http://schemas.microsoft.com/office/drawing/2014/main" id="{590D0125-5A9E-9D48-9391-85FBD0E608A2}"/>
+                <a16:creationId xmlns:a16="http://schemas.microsoft.com/office/drawing/2014/main" id="{16C5255E-BE42-5348-AC0F-6257873BBB61}"/>
               </a:ext>
             </a:extLst>
           </p:cNvPr>
@@ -11571,8 +11615,8 @@
         </p:nvSpPr>
         <p:spPr>
           <a:xfrm>
-            <a:off x="0" y="42880"/>
-            <a:ext cx="9144000" cy="599270"/>
+            <a:off x="0" y="0"/>
+            <a:ext cx="8839200" cy="717589"/>
           </a:xfrm>
         </p:spPr>
         <p:txBody>
@@ -11580,22 +11624,55 @@
           <a:lstStyle/>
           <a:p>
             <a:r>
-              <a:rPr lang="en-CA" sz="3000" dirty="0">
+              <a:rPr lang="en-US" sz="2400" dirty="0">
                 <a:solidFill>
                   <a:srgbClr val="0070C0"/>
                 </a:solidFill>
                 <a:latin typeface="Calibri Light" panose="020F0302020204030204" pitchFamily="34" charset="0"/>
                 <a:cs typeface="Calibri Light" panose="020F0302020204030204" pitchFamily="34" charset="0"/>
               </a:rPr>
-              <a:t>Example 1 -  IOAM Header with Control Word [RFC4385]</a:t>
-            </a:r>
-            <a:endParaRPr lang="en-US" sz="3000" dirty="0">
-              <a:solidFill>
-                <a:srgbClr val="0070C0"/>
-              </a:solidFill>
-              <a:latin typeface="Calibri Light" panose="020F0302020204030204" pitchFamily="34" charset="0"/>
-              <a:cs typeface="Calibri Light" panose="020F0302020204030204" pitchFamily="34" charset="0"/>
-            </a:endParaRPr>
+              <a:t>Example 2 - </a:t>
+            </a:r>
+            <a:r>
+              <a:rPr lang="en-US" sz="2400" dirty="0" err="1">
+                <a:solidFill>
+                  <a:srgbClr val="0070C0"/>
+                </a:solidFill>
+                <a:latin typeface="Calibri Light" panose="020F0302020204030204" pitchFamily="34" charset="0"/>
+                <a:cs typeface="Calibri Light" panose="020F0302020204030204" pitchFamily="34" charset="0"/>
+              </a:rPr>
+              <a:t>DetNet</a:t>
+            </a:r>
+            <a:r>
+              <a:rPr lang="en-US" sz="2400" dirty="0">
+                <a:solidFill>
+                  <a:srgbClr val="0070C0"/>
+                </a:solidFill>
+                <a:latin typeface="Calibri Light" panose="020F0302020204030204" pitchFamily="34" charset="0"/>
+                <a:cs typeface="Calibri Light" panose="020F0302020204030204" pitchFamily="34" charset="0"/>
+              </a:rPr>
+              <a:t> Control Word [RFC8964] </a:t>
+            </a:r>
+            <a:r>
+              <a:rPr lang="en-CA" sz="2400" dirty="0">
+                <a:solidFill>
+                  <a:srgbClr val="0070C0"/>
+                </a:solidFill>
+                <a:latin typeface="Calibri Light" panose="020F0302020204030204" pitchFamily="34" charset="0"/>
+                <a:cs typeface="Calibri Light" panose="020F0302020204030204" pitchFamily="34" charset="0"/>
+              </a:rPr>
+              <a:t>with IOAM Data Fields</a:t>
+            </a:r>
+            <a:r>
+              <a:rPr lang="en-US" sz="2400" dirty="0">
+                <a:solidFill>
+                  <a:srgbClr val="0070C0"/>
+                </a:solidFill>
+                <a:latin typeface="Calibri Light" panose="020F0302020204030204" pitchFamily="34" charset="0"/>
+                <a:cs typeface="Calibri Light" panose="020F0302020204030204" pitchFamily="34" charset="0"/>
+              </a:rPr>
+              <a:t> </a:t>
+            </a:r>
           </a:p>
         </p:txBody>
       </p:sp>
@@ -11604,7 +11681,7 @@
           <p:cNvPr id="4" name="Footer Placeholder 3">
             <a:extLst>
               <a:ext uri="{FF2B5EF4-FFF2-40B4-BE49-F238E27FC236}">
-                <a16:creationId xmlns:a16="http://schemas.microsoft.com/office/drawing/2014/main" id="{87713FCD-3B47-804D-B373-DAB61FB5FF59}"/>
+                <a16:creationId xmlns:a16="http://schemas.microsoft.com/office/drawing/2014/main" id="{CF70CC82-C055-3645-9254-87CEC1C49032}"/>
               </a:ext>
             </a:extLst>
           </p:cNvPr>
@@ -11617,7 +11694,7 @@
         </p:nvSpPr>
         <p:spPr>
           <a:xfrm>
-            <a:off x="3124200" y="4781550"/>
+            <a:off x="3124200" y="4786312"/>
             <a:ext cx="2895600" cy="357188"/>
           </a:xfrm>
         </p:spPr>
@@ -11625,16 +11702,19 @@
           <a:bodyPr/>
           <a:lstStyle/>
           <a:p>
-            <a:r>
-              <a:rPr lang="en-CA" dirty="0"/>
+            <a:pPr>
+              <a:defRPr/>
+            </a:pPr>
+            <a:r>
+              <a:rPr lang="en-US" altLang="zh-CN" dirty="0"/>
               <a:t>110</a:t>
             </a:r>
             <a:r>
-              <a:rPr lang="en-CA" baseline="30000" dirty="0"/>
+              <a:rPr lang="en-US" altLang="zh-CN" baseline="30000" dirty="0"/>
               <a:t>th</a:t>
             </a:r>
             <a:r>
-              <a:rPr lang="en-CA" dirty="0"/>
+              <a:rPr lang="en-US" altLang="zh-CN" dirty="0"/>
               <a:t> IETF Online</a:t>
             </a:r>
           </a:p>
@@ -11645,7 +11725,7 @@
           <p:cNvPr id="5" name="Slide Number Placeholder 4">
             <a:extLst>
               <a:ext uri="{FF2B5EF4-FFF2-40B4-BE49-F238E27FC236}">
-                <a16:creationId xmlns:a16="http://schemas.microsoft.com/office/drawing/2014/main" id="{1371408B-9195-EC4D-8131-A3F5CC0592D0}"/>
+                <a16:creationId xmlns:a16="http://schemas.microsoft.com/office/drawing/2014/main" id="{62DF7D69-BCF6-2D4A-A3F1-2D32C59355D3}"/>
               </a:ext>
             </a:extLst>
           </p:cNvPr>
@@ -11680,7 +11760,7 @@
           <p:cNvPr id="6" name="Rectangle 5">
             <a:extLst>
               <a:ext uri="{FF2B5EF4-FFF2-40B4-BE49-F238E27FC236}">
-                <a16:creationId xmlns:a16="http://schemas.microsoft.com/office/drawing/2014/main" id="{1EED4007-3A19-0E4E-8496-6CECEEA363EB}"/>
+                <a16:creationId xmlns:a16="http://schemas.microsoft.com/office/drawing/2014/main" id="{E614F343-6DC2-A943-8496-BE1E2B6072CE}"/>
               </a:ext>
             </a:extLst>
           </p:cNvPr>
@@ -11689,8 +11769,8 @@
         </p:nvSpPr>
         <p:spPr>
           <a:xfrm>
-            <a:off x="2514600" y="816375"/>
-            <a:ext cx="5105400" cy="3693319"/>
+            